--- a/ioVoto.pptx
+++ b/ioVoto.pptx
@@ -5,14 +5,15 @@
     <p:sldMasterId id="2147483648" r:id="rId1"/>
   </p:sldMasterIdLst>
   <p:notesMasterIdLst>
-    <p:notesMasterId r:id="rId4"/>
+    <p:notesMasterId r:id="rId5"/>
   </p:notesMasterIdLst>
   <p:handoutMasterIdLst>
-    <p:handoutMasterId r:id="rId5"/>
+    <p:handoutMasterId r:id="rId6"/>
   </p:handoutMasterIdLst>
   <p:sldIdLst>
     <p:sldId id="256" r:id="rId2"/>
     <p:sldId id="258" r:id="rId3"/>
+    <p:sldId id="259" r:id="rId4"/>
   </p:sldIdLst>
   <p:sldSz cx="12192000" cy="6858000"/>
   <p:notesSz cx="6858000" cy="9144000"/>
@@ -754,7 +755,7 @@
 </file>
 
 <file path=ppt/slideLayouts/slideLayout1.xml><?xml version="1.0" encoding="utf-8"?>
-<p:sldLayout xmlns:a="http://schemas.openxmlformats.org/drawingml/2006/main" xmlns:r="http://schemas.openxmlformats.org/officeDocument/2006/relationships" xmlns:p="http://schemas.openxmlformats.org/presentationml/2006/main" type="title" preserve="1">
+<p:sldLayout xmlns:a="http://schemas.openxmlformats.org/drawingml/2006/main" xmlns:r="http://schemas.openxmlformats.org/officeDocument/2006/relationships" xmlns:p="http://schemas.openxmlformats.org/presentationml/2006/main" showMasterSp="0" type="title" preserve="1">
   <p:cSld name="Diapositiva titolo">
     <p:spTree>
       <p:nvGrpSpPr>
@@ -982,7 +983,7 @@
 </file>
 
 <file path=ppt/slideLayouts/slideLayout10.xml><?xml version="1.0" encoding="utf-8"?>
-<p:sldLayout xmlns:a="http://schemas.openxmlformats.org/drawingml/2006/main" xmlns:r="http://schemas.openxmlformats.org/officeDocument/2006/relationships" xmlns:p="http://schemas.openxmlformats.org/presentationml/2006/main" type="vertTx" preserve="1">
+<p:sldLayout xmlns:a="http://schemas.openxmlformats.org/drawingml/2006/main" xmlns:r="http://schemas.openxmlformats.org/officeDocument/2006/relationships" xmlns:p="http://schemas.openxmlformats.org/presentationml/2006/main" showMasterSp="0" type="vertTx" preserve="1">
   <p:cSld name="Titolo e testo verticale">
     <p:spTree>
       <p:nvGrpSpPr>
@@ -1198,7 +1199,7 @@
 </file>
 
 <file path=ppt/slideLayouts/slideLayout11.xml><?xml version="1.0" encoding="utf-8"?>
-<p:sldLayout xmlns:a="http://schemas.openxmlformats.org/drawingml/2006/main" xmlns:r="http://schemas.openxmlformats.org/officeDocument/2006/relationships" xmlns:p="http://schemas.openxmlformats.org/presentationml/2006/main" type="vertTitleAndTx" preserve="1">
+<p:sldLayout xmlns:a="http://schemas.openxmlformats.org/drawingml/2006/main" xmlns:r="http://schemas.openxmlformats.org/officeDocument/2006/relationships" xmlns:p="http://schemas.openxmlformats.org/presentationml/2006/main" showMasterSp="0" type="vertTitleAndTx" preserve="1">
   <p:cSld name="1_Titolo e testo verticale">
     <p:spTree>
       <p:nvGrpSpPr>
@@ -1414,7 +1415,7 @@
 </file>
 
 <file path=ppt/slideLayouts/slideLayout2.xml><?xml version="1.0" encoding="utf-8"?>
-<p:sldLayout xmlns:a="http://schemas.openxmlformats.org/drawingml/2006/main" xmlns:r="http://schemas.openxmlformats.org/officeDocument/2006/relationships" xmlns:p="http://schemas.openxmlformats.org/presentationml/2006/main" type="obj" preserve="1">
+<p:sldLayout xmlns:a="http://schemas.openxmlformats.org/drawingml/2006/main" xmlns:r="http://schemas.openxmlformats.org/officeDocument/2006/relationships" xmlns:p="http://schemas.openxmlformats.org/presentationml/2006/main" showMasterSp="0" type="obj" preserve="1">
   <p:cSld name="Titolo e contenuto">
     <p:spTree>
       <p:nvGrpSpPr>
@@ -1666,7 +1667,7 @@
 </file>
 
 <file path=ppt/slideLayouts/slideLayout3.xml><?xml version="1.0" encoding="utf-8"?>
-<p:sldLayout xmlns:a="http://schemas.openxmlformats.org/drawingml/2006/main" xmlns:r="http://schemas.openxmlformats.org/officeDocument/2006/relationships" xmlns:p="http://schemas.openxmlformats.org/presentationml/2006/main" type="secHead" preserve="1">
+<p:sldLayout xmlns:a="http://schemas.openxmlformats.org/drawingml/2006/main" xmlns:r="http://schemas.openxmlformats.org/officeDocument/2006/relationships" xmlns:p="http://schemas.openxmlformats.org/presentationml/2006/main" showMasterSp="0" type="secHead" preserve="1">
   <p:cSld name="Intestazione sezione">
     <p:spTree>
       <p:nvGrpSpPr>
@@ -1948,7 +1949,7 @@
 </file>
 
 <file path=ppt/slideLayouts/slideLayout4.xml><?xml version="1.0" encoding="utf-8"?>
-<p:sldLayout xmlns:a="http://schemas.openxmlformats.org/drawingml/2006/main" xmlns:r="http://schemas.openxmlformats.org/officeDocument/2006/relationships" xmlns:p="http://schemas.openxmlformats.org/presentationml/2006/main" type="twoObj" preserve="1">
+<p:sldLayout xmlns:a="http://schemas.openxmlformats.org/drawingml/2006/main" xmlns:r="http://schemas.openxmlformats.org/officeDocument/2006/relationships" xmlns:p="http://schemas.openxmlformats.org/presentationml/2006/main" showMasterSp="0" type="twoObj" preserve="1">
   <p:cSld name="Due contenuti">
     <p:spTree>
       <p:nvGrpSpPr>
@@ -2230,7 +2231,7 @@
 </file>
 
 <file path=ppt/slideLayouts/slideLayout5.xml><?xml version="1.0" encoding="utf-8"?>
-<p:sldLayout xmlns:a="http://schemas.openxmlformats.org/drawingml/2006/main" xmlns:r="http://schemas.openxmlformats.org/officeDocument/2006/relationships" xmlns:p="http://schemas.openxmlformats.org/presentationml/2006/main" type="twoTxTwoObj" preserve="1">
+<p:sldLayout xmlns:a="http://schemas.openxmlformats.org/drawingml/2006/main" xmlns:r="http://schemas.openxmlformats.org/officeDocument/2006/relationships" xmlns:p="http://schemas.openxmlformats.org/presentationml/2006/main" showMasterSp="0" type="twoTxTwoObj" preserve="1">
   <p:cSld name="Confronto">
     <p:spTree>
       <p:nvGrpSpPr>
@@ -2660,7 +2661,7 @@
 </file>
 
 <file path=ppt/slideLayouts/slideLayout6.xml><?xml version="1.0" encoding="utf-8"?>
-<p:sldLayout xmlns:a="http://schemas.openxmlformats.org/drawingml/2006/main" xmlns:r="http://schemas.openxmlformats.org/officeDocument/2006/relationships" xmlns:p="http://schemas.openxmlformats.org/presentationml/2006/main" type="titleOnly" preserve="1">
+<p:sldLayout xmlns:a="http://schemas.openxmlformats.org/drawingml/2006/main" xmlns:r="http://schemas.openxmlformats.org/officeDocument/2006/relationships" xmlns:p="http://schemas.openxmlformats.org/presentationml/2006/main" showMasterSp="0" type="titleOnly" preserve="1">
   <p:cSld name="Solo titolo">
     <p:spTree>
       <p:nvGrpSpPr>
@@ -2810,7 +2811,7 @@
 </file>
 
 <file path=ppt/slideLayouts/slideLayout7.xml><?xml version="1.0" encoding="utf-8"?>
-<p:sldLayout xmlns:a="http://schemas.openxmlformats.org/drawingml/2006/main" xmlns:r="http://schemas.openxmlformats.org/officeDocument/2006/relationships" xmlns:p="http://schemas.openxmlformats.org/presentationml/2006/main" type="blank" preserve="1">
+<p:sldLayout xmlns:a="http://schemas.openxmlformats.org/drawingml/2006/main" xmlns:r="http://schemas.openxmlformats.org/officeDocument/2006/relationships" xmlns:p="http://schemas.openxmlformats.org/presentationml/2006/main" showMasterSp="0" type="blank" preserve="1">
   <p:cSld name="Vuota">
     <p:spTree>
       <p:nvGrpSpPr>
@@ -2923,7 +2924,7 @@
 </file>
 
 <file path=ppt/slideLayouts/slideLayout8.xml><?xml version="1.0" encoding="utf-8"?>
-<p:sldLayout xmlns:a="http://schemas.openxmlformats.org/drawingml/2006/main" xmlns:r="http://schemas.openxmlformats.org/officeDocument/2006/relationships" xmlns:p="http://schemas.openxmlformats.org/presentationml/2006/main" type="objTx" preserve="1">
+<p:sldLayout xmlns:a="http://schemas.openxmlformats.org/drawingml/2006/main" xmlns:r="http://schemas.openxmlformats.org/officeDocument/2006/relationships" xmlns:p="http://schemas.openxmlformats.org/presentationml/2006/main" showMasterSp="0" type="objTx" preserve="1">
   <p:cSld name="Contenuto con didascalia">
     <p:spTree>
       <p:nvGrpSpPr>
@@ -3245,7 +3246,7 @@
 </file>
 
 <file path=ppt/slideLayouts/slideLayout9.xml><?xml version="1.0" encoding="utf-8"?>
-<p:sldLayout xmlns:a="http://schemas.openxmlformats.org/drawingml/2006/main" xmlns:r="http://schemas.openxmlformats.org/officeDocument/2006/relationships" xmlns:p="http://schemas.openxmlformats.org/presentationml/2006/main" type="picTx" preserve="1">
+<p:sldLayout xmlns:a="http://schemas.openxmlformats.org/drawingml/2006/main" xmlns:r="http://schemas.openxmlformats.org/officeDocument/2006/relationships" xmlns:p="http://schemas.openxmlformats.org/presentationml/2006/main" showMasterSp="0" type="picTx" preserve="1">
   <p:cSld name="Immagine con didascalia">
     <p:spTree>
       <p:nvGrpSpPr>
@@ -4009,7 +4010,7 @@
 </file>
 
 <file path=ppt/slides/slide1.xml><?xml version="1.0" encoding="utf-8"?>
-<p:sld xmlns:a="http://schemas.openxmlformats.org/drawingml/2006/main" xmlns:r="http://schemas.openxmlformats.org/officeDocument/2006/relationships" xmlns:p="http://schemas.openxmlformats.org/presentationml/2006/main">
+<p:sld xmlns:a="http://schemas.openxmlformats.org/drawingml/2006/main" xmlns:r="http://schemas.openxmlformats.org/officeDocument/2006/relationships" xmlns:p="http://schemas.openxmlformats.org/presentationml/2006/main" showMasterSp="0">
   <p:cSld>
     <p:spTree>
       <p:nvGrpSpPr>
@@ -4151,6 +4152,14 @@
 <file path=ppt/slides/slide2.xml><?xml version="1.0" encoding="utf-8"?>
 <p:sld xmlns:a="http://schemas.openxmlformats.org/drawingml/2006/main" xmlns:r="http://schemas.openxmlformats.org/officeDocument/2006/relationships" xmlns:p="http://schemas.openxmlformats.org/presentationml/2006/main">
   <p:cSld>
+    <p:bg>
+      <p:bgPr>
+        <a:solidFill>
+          <a:srgbClr val="BBC5D9"/>
+        </a:solidFill>
+        <a:effectLst/>
+      </p:bgPr>
+    </p:bg>
     <p:spTree>
       <p:nvGrpSpPr>
         <p:cNvPr id="1" name=""/>
@@ -4165,37 +4174,1127 @@
           <a:chExt cx="0" cy="0"/>
         </a:xfrm>
       </p:grpSpPr>
-      <p:sp>
-        <p:nvSpPr>
-          <p:cNvPr id="2" name="Titolo 1">
-            <a:extLst>
-              <a:ext uri="{FF2B5EF4-FFF2-40B4-BE49-F238E27FC236}">
-                <a16:creationId xmlns:a16="http://schemas.microsoft.com/office/drawing/2014/main" id="{54068837-84E7-8FFA-C37F-6001A0689169}"/>
-              </a:ext>
-            </a:extLst>
-          </p:cNvPr>
-          <p:cNvSpPr>
-            <a:spLocks noGrp="1"/>
-          </p:cNvSpPr>
-          <p:nvPr>
-            <p:ph type="title"/>
+      <p:sp useBgFill="1">
+        <p:nvSpPr>
+          <p:cNvPr id="38" name="Rectangle 37">
+            <a:extLst>
+              <a:ext uri="{FF2B5EF4-FFF2-40B4-BE49-F238E27FC236}">
+                <a16:creationId xmlns:a16="http://schemas.microsoft.com/office/drawing/2014/main" id="{0288C6B4-AFC3-407F-A595-EFFD38D4CCAF}"/>
+              </a:ext>
+              <a:ext uri="{C183D7F6-B498-43B3-948B-1728B52AA6E4}">
+                <adec:decorative xmlns:adec="http://schemas.microsoft.com/office/drawing/2017/decorative" val="1"/>
+              </a:ext>
+            </a:extLst>
+          </p:cNvPr>
+          <p:cNvSpPr>
+            <a:spLocks noGrp="1" noRot="1" noChangeAspect="1" noMove="1" noResize="1" noEditPoints="1" noAdjustHandles="1" noChangeArrowheads="1" noChangeShapeType="1" noTextEdit="1"/>
+          </p:cNvSpPr>
+          <p:nvPr>
+            <p:extLst>
+              <p:ext uri="{386F3935-93C4-4BCD-93E2-E3B085C9AB24}">
+                <p16:designElem xmlns:p16="http://schemas.microsoft.com/office/powerpoint/2015/main" val="1"/>
+              </p:ext>
+            </p:extLst>
           </p:nvPr>
         </p:nvSpPr>
         <p:spPr>
           <a:xfrm>
-            <a:off x="838200" y="365125"/>
-            <a:ext cx="10515600" cy="619613"/>
+            <a:off x="0" y="0"/>
+            <a:ext cx="12192000" cy="6858000"/>
+          </a:xfrm>
+          <a:prstGeom prst="rect">
+            <a:avLst/>
+          </a:prstGeom>
+          <a:ln>
+            <a:noFill/>
+          </a:ln>
+        </p:spPr>
+        <p:style>
+          <a:lnRef idx="2">
+            <a:schemeClr val="accent1">
+              <a:shade val="50000"/>
+            </a:schemeClr>
+          </a:lnRef>
+          <a:fillRef idx="1">
+            <a:schemeClr val="accent1"/>
+          </a:fillRef>
+          <a:effectRef idx="0">
+            <a:schemeClr val="accent1"/>
+          </a:effectRef>
+          <a:fontRef idx="minor">
+            <a:schemeClr val="lt1"/>
+          </a:fontRef>
+        </p:style>
+        <p:txBody>
+          <a:bodyPr rtlCol="0" anchor="ctr"/>
+          <a:lstStyle/>
+          <a:p>
+            <a:pPr algn="ctr"/>
+            <a:endParaRPr lang="en-US"/>
+          </a:p>
+        </p:txBody>
+      </p:sp>
+      <p:sp useBgFill="1">
+        <p:nvSpPr>
+          <p:cNvPr id="40" name="Freeform: Shape 39">
+            <a:extLst>
+              <a:ext uri="{FF2B5EF4-FFF2-40B4-BE49-F238E27FC236}">
+                <a16:creationId xmlns:a16="http://schemas.microsoft.com/office/drawing/2014/main" id="{CF236821-17FE-429B-8D2C-08E13A64EA40}"/>
+              </a:ext>
+              <a:ext uri="{C183D7F6-B498-43B3-948B-1728B52AA6E4}">
+                <adec:decorative xmlns:adec="http://schemas.microsoft.com/office/drawing/2017/decorative" val="1"/>
+              </a:ext>
+            </a:extLst>
+          </p:cNvPr>
+          <p:cNvSpPr>
+            <a:spLocks noGrp="1" noRot="1" noChangeAspect="1" noMove="1" noResize="1" noEditPoints="1" noAdjustHandles="1" noChangeArrowheads="1" noChangeShapeType="1" noTextEdit="1"/>
+          </p:cNvSpPr>
+          <p:nvPr>
+            <p:extLst>
+              <p:ext uri="{386F3935-93C4-4BCD-93E2-E3B085C9AB24}">
+                <p16:designElem xmlns:p16="http://schemas.microsoft.com/office/powerpoint/2015/main" val="1"/>
+              </p:ext>
+            </p:extLst>
+          </p:nvPr>
+        </p:nvSpPr>
+        <p:spPr>
+          <a:xfrm>
+            <a:off x="-1" y="0"/>
+            <a:ext cx="4455673" cy="6858000"/>
+          </a:xfrm>
+          <a:custGeom>
+            <a:avLst/>
+            <a:gdLst>
+              <a:gd name="connsiteX0" fmla="*/ 0 w 4455673"/>
+              <a:gd name="connsiteY0" fmla="*/ 0 h 6858000"/>
+              <a:gd name="connsiteX1" fmla="*/ 3242695 w 4455673"/>
+              <a:gd name="connsiteY1" fmla="*/ 0 h 6858000"/>
+              <a:gd name="connsiteX2" fmla="*/ 3305678 w 4455673"/>
+              <a:gd name="connsiteY2" fmla="*/ 69271 h 6858000"/>
+              <a:gd name="connsiteX3" fmla="*/ 4455673 w 4455673"/>
+              <a:gd name="connsiteY3" fmla="*/ 3429000 h 6858000"/>
+              <a:gd name="connsiteX4" fmla="*/ 3305678 w 4455673"/>
+              <a:gd name="connsiteY4" fmla="*/ 6788730 h 6858000"/>
+              <a:gd name="connsiteX5" fmla="*/ 3242695 w 4455673"/>
+              <a:gd name="connsiteY5" fmla="*/ 6858000 h 6858000"/>
+              <a:gd name="connsiteX6" fmla="*/ 0 w 4455673"/>
+              <a:gd name="connsiteY6" fmla="*/ 6858000 h 6858000"/>
+            </a:gdLst>
+            <a:ahLst/>
+            <a:cxnLst>
+              <a:cxn ang="0">
+                <a:pos x="connsiteX0" y="connsiteY0"/>
+              </a:cxn>
+              <a:cxn ang="0">
+                <a:pos x="connsiteX1" y="connsiteY1"/>
+              </a:cxn>
+              <a:cxn ang="0">
+                <a:pos x="connsiteX2" y="connsiteY2"/>
+              </a:cxn>
+              <a:cxn ang="0">
+                <a:pos x="connsiteX3" y="connsiteY3"/>
+              </a:cxn>
+              <a:cxn ang="0">
+                <a:pos x="connsiteX4" y="connsiteY4"/>
+              </a:cxn>
+              <a:cxn ang="0">
+                <a:pos x="connsiteX5" y="connsiteY5"/>
+              </a:cxn>
+              <a:cxn ang="0">
+                <a:pos x="connsiteX6" y="connsiteY6"/>
+              </a:cxn>
+            </a:cxnLst>
+            <a:rect l="l" t="t" r="r" b="b"/>
+            <a:pathLst>
+              <a:path w="4455673" h="6858000">
+                <a:moveTo>
+                  <a:pt x="0" y="0"/>
+                </a:moveTo>
+                <a:lnTo>
+                  <a:pt x="3242695" y="0"/>
+                </a:lnTo>
+                <a:lnTo>
+                  <a:pt x="3305678" y="69271"/>
+                </a:lnTo>
+                <a:cubicBezTo>
+                  <a:pt x="4016204" y="929100"/>
+                  <a:pt x="4455673" y="2116944"/>
+                  <a:pt x="4455673" y="3429000"/>
+                </a:cubicBezTo>
+                <a:cubicBezTo>
+                  <a:pt x="4455673" y="4741056"/>
+                  <a:pt x="4016204" y="5928900"/>
+                  <a:pt x="3305678" y="6788730"/>
+                </a:cubicBezTo>
+                <a:lnTo>
+                  <a:pt x="3242695" y="6858000"/>
+                </a:lnTo>
+                <a:lnTo>
+                  <a:pt x="0" y="6858000"/>
+                </a:lnTo>
+                <a:close/>
+              </a:path>
+            </a:pathLst>
+          </a:custGeom>
+          <a:ln w="9525">
+            <a:solidFill>
+              <a:srgbClr val="EFEFEF"/>
+            </a:solidFill>
+          </a:ln>
+          <a:effectLst>
+            <a:outerShdw blurRad="88900" dist="38100" algn="l" rotWithShape="0">
+              <a:schemeClr val="bg1">
+                <a:lumMod val="85000"/>
+                <a:alpha val="50000"/>
+              </a:schemeClr>
+            </a:outerShdw>
+          </a:effectLst>
+        </p:spPr>
+        <p:style>
+          <a:lnRef idx="2">
+            <a:schemeClr val="accent1">
+              <a:shade val="50000"/>
+            </a:schemeClr>
+          </a:lnRef>
+          <a:fillRef idx="1">
+            <a:schemeClr val="accent1"/>
+          </a:fillRef>
+          <a:effectRef idx="0">
+            <a:schemeClr val="accent1"/>
+          </a:effectRef>
+          <a:fontRef idx="minor">
+            <a:schemeClr val="lt1"/>
+          </a:fontRef>
+        </p:style>
+        <p:txBody>
+          <a:bodyPr wrap="square" rtlCol="0" anchor="ctr">
+            <a:noAutofit/>
+          </a:bodyPr>
+          <a:lstStyle/>
+          <a:p>
+            <a:pPr marL="0" marR="0" lvl="0" indent="0" algn="ctr" defTabSz="914400" rtl="0" eaLnBrk="1" fontAlgn="auto" latinLnBrk="0" hangingPunct="1">
+              <a:lnSpc>
+                <a:spcPct val="100000"/>
+              </a:lnSpc>
+              <a:spcBef>
+                <a:spcPts val="0"/>
+              </a:spcBef>
+              <a:spcAft>
+                <a:spcPts val="0"/>
+              </a:spcAft>
+              <a:buClrTx/>
+              <a:buSzTx/>
+              <a:buFontTx/>
+              <a:buNone/>
+              <a:tabLst/>
+              <a:defRPr/>
+            </a:pPr>
+            <a:endParaRPr kumimoji="0" lang="en-US" sz="1800" b="0" i="0" u="none" strike="noStrike" kern="1200" cap="none" spc="0" normalizeH="0" baseline="0" noProof="0">
+              <a:ln>
+                <a:noFill/>
+              </a:ln>
+              <a:solidFill>
+                <a:prstClr val="white"/>
+              </a:solidFill>
+              <a:effectLst/>
+              <a:uLnTx/>
+              <a:uFillTx/>
+              <a:latin typeface="Calibri" panose="020F0502020204030204"/>
+              <a:ea typeface="+mn-ea"/>
+              <a:cs typeface="+mn-cs"/>
+            </a:endParaRPr>
+          </a:p>
+        </p:txBody>
+      </p:sp>
+      <p:sp useBgFill="1">
+        <p:nvSpPr>
+          <p:cNvPr id="42" name="Freeform: Shape 41">
+            <a:extLst>
+              <a:ext uri="{FF2B5EF4-FFF2-40B4-BE49-F238E27FC236}">
+                <a16:creationId xmlns:a16="http://schemas.microsoft.com/office/drawing/2014/main" id="{C0BDBCD2-E081-43AB-9119-C55465E59757}"/>
+              </a:ext>
+              <a:ext uri="{C183D7F6-B498-43B3-948B-1728B52AA6E4}">
+                <adec:decorative xmlns:adec="http://schemas.microsoft.com/office/drawing/2017/decorative" val="1"/>
+              </a:ext>
+            </a:extLst>
+          </p:cNvPr>
+          <p:cNvSpPr>
+            <a:spLocks noGrp="1" noRot="1" noChangeAspect="1" noMove="1" noResize="1" noEditPoints="1" noAdjustHandles="1" noChangeArrowheads="1" noChangeShapeType="1" noTextEdit="1"/>
+          </p:cNvSpPr>
+          <p:nvPr>
+            <p:extLst>
+              <p:ext uri="{386F3935-93C4-4BCD-93E2-E3B085C9AB24}">
+                <p16:designElem xmlns:p16="http://schemas.microsoft.com/office/powerpoint/2015/main" val="1"/>
+              </p:ext>
+            </p:extLst>
+          </p:nvPr>
+        </p:nvSpPr>
+        <p:spPr>
+          <a:xfrm>
+            <a:off x="0" y="0"/>
+            <a:ext cx="4446529" cy="6858000"/>
+          </a:xfrm>
+          <a:custGeom>
+            <a:avLst/>
+            <a:gdLst>
+              <a:gd name="connsiteX0" fmla="*/ 0 w 4446529"/>
+              <a:gd name="connsiteY0" fmla="*/ 0 h 6858000"/>
+              <a:gd name="connsiteX1" fmla="*/ 3233551 w 4446529"/>
+              <a:gd name="connsiteY1" fmla="*/ 0 h 6858000"/>
+              <a:gd name="connsiteX2" fmla="*/ 3296534 w 4446529"/>
+              <a:gd name="connsiteY2" fmla="*/ 69271 h 6858000"/>
+              <a:gd name="connsiteX3" fmla="*/ 4446529 w 4446529"/>
+              <a:gd name="connsiteY3" fmla="*/ 3429000 h 6858000"/>
+              <a:gd name="connsiteX4" fmla="*/ 3296534 w 4446529"/>
+              <a:gd name="connsiteY4" fmla="*/ 6788730 h 6858000"/>
+              <a:gd name="connsiteX5" fmla="*/ 3233551 w 4446529"/>
+              <a:gd name="connsiteY5" fmla="*/ 6858000 h 6858000"/>
+              <a:gd name="connsiteX6" fmla="*/ 0 w 4446529"/>
+              <a:gd name="connsiteY6" fmla="*/ 6858000 h 6858000"/>
+            </a:gdLst>
+            <a:ahLst/>
+            <a:cxnLst>
+              <a:cxn ang="0">
+                <a:pos x="connsiteX0" y="connsiteY0"/>
+              </a:cxn>
+              <a:cxn ang="0">
+                <a:pos x="connsiteX1" y="connsiteY1"/>
+              </a:cxn>
+              <a:cxn ang="0">
+                <a:pos x="connsiteX2" y="connsiteY2"/>
+              </a:cxn>
+              <a:cxn ang="0">
+                <a:pos x="connsiteX3" y="connsiteY3"/>
+              </a:cxn>
+              <a:cxn ang="0">
+                <a:pos x="connsiteX4" y="connsiteY4"/>
+              </a:cxn>
+              <a:cxn ang="0">
+                <a:pos x="connsiteX5" y="connsiteY5"/>
+              </a:cxn>
+              <a:cxn ang="0">
+                <a:pos x="connsiteX6" y="connsiteY6"/>
+              </a:cxn>
+            </a:cxnLst>
+            <a:rect l="l" t="t" r="r" b="b"/>
+            <a:pathLst>
+              <a:path w="4446529" h="6858000">
+                <a:moveTo>
+                  <a:pt x="0" y="0"/>
+                </a:moveTo>
+                <a:lnTo>
+                  <a:pt x="3233551" y="0"/>
+                </a:lnTo>
+                <a:lnTo>
+                  <a:pt x="3296534" y="69271"/>
+                </a:lnTo>
+                <a:cubicBezTo>
+                  <a:pt x="4007060" y="929100"/>
+                  <a:pt x="4446529" y="2116944"/>
+                  <a:pt x="4446529" y="3429000"/>
+                </a:cubicBezTo>
+                <a:cubicBezTo>
+                  <a:pt x="4446529" y="4741056"/>
+                  <a:pt x="4007060" y="5928900"/>
+                  <a:pt x="3296534" y="6788730"/>
+                </a:cubicBezTo>
+                <a:lnTo>
+                  <a:pt x="3233551" y="6858000"/>
+                </a:lnTo>
+                <a:lnTo>
+                  <a:pt x="0" y="6858000"/>
+                </a:lnTo>
+                <a:close/>
+              </a:path>
+            </a:pathLst>
+          </a:custGeom>
+          <a:ln w="9525">
+            <a:noFill/>
+          </a:ln>
+          <a:effectLst/>
+        </p:spPr>
+        <p:style>
+          <a:lnRef idx="2">
+            <a:schemeClr val="accent1">
+              <a:shade val="50000"/>
+            </a:schemeClr>
+          </a:lnRef>
+          <a:fillRef idx="1">
+            <a:schemeClr val="accent1"/>
+          </a:fillRef>
+          <a:effectRef idx="0">
+            <a:schemeClr val="accent1"/>
+          </a:effectRef>
+          <a:fontRef idx="minor">
+            <a:schemeClr val="lt1"/>
+          </a:fontRef>
+        </p:style>
+        <p:txBody>
+          <a:bodyPr wrap="square" rtlCol="0" anchor="ctr">
+            <a:noAutofit/>
+          </a:bodyPr>
+          <a:lstStyle/>
+          <a:p>
+            <a:pPr marL="0" marR="0" lvl="0" indent="0" algn="ctr" defTabSz="914400" rtl="0" eaLnBrk="1" fontAlgn="auto" latinLnBrk="0" hangingPunct="1">
+              <a:lnSpc>
+                <a:spcPct val="100000"/>
+              </a:lnSpc>
+              <a:spcBef>
+                <a:spcPts val="0"/>
+              </a:spcBef>
+              <a:spcAft>
+                <a:spcPts val="0"/>
+              </a:spcAft>
+              <a:buClrTx/>
+              <a:buSzTx/>
+              <a:buFontTx/>
+              <a:buNone/>
+              <a:tabLst/>
+              <a:defRPr/>
+            </a:pPr>
+            <a:endParaRPr kumimoji="0" lang="en-US" sz="1800" b="0" i="0" u="none" strike="noStrike" kern="1200" cap="none" spc="0" normalizeH="0" baseline="0" noProof="0">
+              <a:ln>
+                <a:noFill/>
+              </a:ln>
+              <a:solidFill>
+                <a:prstClr val="white"/>
+              </a:solidFill>
+              <a:effectLst/>
+              <a:uLnTx/>
+              <a:uFillTx/>
+              <a:latin typeface="Calibri" panose="020F0502020204030204"/>
+              <a:ea typeface="+mn-ea"/>
+              <a:cs typeface="+mn-cs"/>
+            </a:endParaRPr>
+          </a:p>
+        </p:txBody>
+      </p:sp>
+      <p:sp>
+        <p:nvSpPr>
+          <p:cNvPr id="2" name="Titolo 1">
+            <a:extLst>
+              <a:ext uri="{FF2B5EF4-FFF2-40B4-BE49-F238E27FC236}">
+                <a16:creationId xmlns:a16="http://schemas.microsoft.com/office/drawing/2014/main" id="{54068837-84E7-8FFA-C37F-6001A0689169}"/>
+              </a:ext>
+            </a:extLst>
+          </p:cNvPr>
+          <p:cNvSpPr>
+            <a:spLocks noGrp="1"/>
+          </p:cNvSpPr>
+          <p:nvPr>
+            <p:ph type="title"/>
+          </p:nvPr>
+        </p:nvSpPr>
+        <p:spPr>
+          <a:xfrm>
+            <a:off x="371094" y="1161288"/>
+            <a:ext cx="3438144" cy="1239012"/>
           </a:xfrm>
         </p:spPr>
         <p:txBody>
-          <a:bodyPr/>
+          <a:bodyPr vert="horz" lIns="91440" tIns="45720" rIns="91440" bIns="45720" rtlCol="0" anchor="ctr">
+            <a:normAutofit/>
+          </a:bodyPr>
           <a:lstStyle/>
           <a:p>
             <a:r>
-              <a:rPr lang="it-IT" dirty="0"/>
-              <a:t>Casi d’uso</a:t>
-            </a:r>
-            <a:endParaRPr lang="en-GB" dirty="0"/>
+              <a:rPr lang="en-US" kern="1200" dirty="0" err="1">
+                <a:solidFill>
+                  <a:srgbClr val="0C01D3"/>
+                </a:solidFill>
+                <a:latin typeface="+mj-lt"/>
+                <a:ea typeface="+mj-ea"/>
+                <a:cs typeface="+mj-cs"/>
+              </a:rPr>
+              <a:t>Casi</a:t>
+            </a:r>
+            <a:r>
+              <a:rPr lang="en-US" kern="1200" dirty="0">
+                <a:solidFill>
+                  <a:srgbClr val="0C01D3"/>
+                </a:solidFill>
+                <a:latin typeface="+mj-lt"/>
+                <a:ea typeface="+mj-ea"/>
+                <a:cs typeface="+mj-cs"/>
+              </a:rPr>
+              <a:t> </a:t>
+            </a:r>
+            <a:r>
+              <a:rPr lang="en-US" kern="1200" dirty="0" err="1">
+                <a:solidFill>
+                  <a:srgbClr val="0C01D3"/>
+                </a:solidFill>
+                <a:latin typeface="+mj-lt"/>
+                <a:ea typeface="+mj-ea"/>
+                <a:cs typeface="+mj-cs"/>
+              </a:rPr>
+              <a:t>d’uso</a:t>
+            </a:r>
+            <a:endParaRPr lang="en-US" kern="1200" dirty="0">
+              <a:solidFill>
+                <a:srgbClr val="0C01D3"/>
+              </a:solidFill>
+              <a:latin typeface="+mj-lt"/>
+              <a:ea typeface="+mj-ea"/>
+              <a:cs typeface="+mj-cs"/>
+            </a:endParaRPr>
+          </a:p>
+        </p:txBody>
+      </p:sp>
+      <p:sp>
+        <p:nvSpPr>
+          <p:cNvPr id="44" name="Rectangle 43">
+            <a:extLst>
+              <a:ext uri="{FF2B5EF4-FFF2-40B4-BE49-F238E27FC236}">
+                <a16:creationId xmlns:a16="http://schemas.microsoft.com/office/drawing/2014/main" id="{98E79BE4-34FE-485A-98A5-92CE8F7C4743}"/>
+              </a:ext>
+              <a:ext uri="{C183D7F6-B498-43B3-948B-1728B52AA6E4}">
+                <adec:decorative xmlns:adec="http://schemas.microsoft.com/office/drawing/2017/decorative" val="1"/>
+              </a:ext>
+            </a:extLst>
+          </p:cNvPr>
+          <p:cNvSpPr>
+            <a:spLocks noGrp="1" noRot="1" noChangeAspect="1" noMove="1" noResize="1" noEditPoints="1" noAdjustHandles="1" noChangeArrowheads="1" noChangeShapeType="1" noTextEdit="1"/>
+          </p:cNvSpPr>
+          <p:nvPr>
+            <p:extLst>
+              <p:ext uri="{386F3935-93C4-4BCD-93E2-E3B085C9AB24}">
+                <p16:designElem xmlns:p16="http://schemas.microsoft.com/office/powerpoint/2015/main" val="1"/>
+              </p:ext>
+            </p:extLst>
+          </p:nvPr>
+        </p:nvSpPr>
+        <p:spPr>
+          <a:xfrm>
+            <a:off x="0" y="1426546"/>
+            <a:ext cx="128016" cy="653903"/>
+          </a:xfrm>
+          <a:prstGeom prst="rect">
+            <a:avLst/>
+          </a:prstGeom>
+          <a:solidFill>
+            <a:schemeClr val="accent2"/>
+          </a:solidFill>
+          <a:ln>
+            <a:noFill/>
+          </a:ln>
+        </p:spPr>
+        <p:style>
+          <a:lnRef idx="2">
+            <a:schemeClr val="accent1">
+              <a:shade val="50000"/>
+            </a:schemeClr>
+          </a:lnRef>
+          <a:fillRef idx="1">
+            <a:schemeClr val="accent1"/>
+          </a:fillRef>
+          <a:effectRef idx="0">
+            <a:schemeClr val="accent1"/>
+          </a:effectRef>
+          <a:fontRef idx="minor">
+            <a:schemeClr val="lt1"/>
+          </a:fontRef>
+        </p:style>
+        <p:txBody>
+          <a:bodyPr rtlCol="0" anchor="ctr"/>
+          <a:lstStyle/>
+          <a:p>
+            <a:pPr algn="ctr"/>
+            <a:endParaRPr lang="en-US">
+              <a:solidFill>
+                <a:prstClr val="white"/>
+              </a:solidFill>
+              <a:latin typeface="Calibri" panose="020F0502020204030204"/>
+            </a:endParaRPr>
+          </a:p>
+        </p:txBody>
+      </p:sp>
+      <p:sp>
+        <p:nvSpPr>
+          <p:cNvPr id="46" name="Rectangle 45">
+            <a:extLst>
+              <a:ext uri="{FF2B5EF4-FFF2-40B4-BE49-F238E27FC236}">
+                <a16:creationId xmlns:a16="http://schemas.microsoft.com/office/drawing/2014/main" id="{7A5F0580-5EE9-419F-96EE-B6529EF6E7D0}"/>
+              </a:ext>
+              <a:ext uri="{C183D7F6-B498-43B3-948B-1728B52AA6E4}">
+                <adec:decorative xmlns:adec="http://schemas.microsoft.com/office/drawing/2017/decorative" val="1"/>
+              </a:ext>
+            </a:extLst>
+          </p:cNvPr>
+          <p:cNvSpPr>
+            <a:spLocks noGrp="1" noRot="1" noChangeAspect="1" noMove="1" noResize="1" noEditPoints="1" noAdjustHandles="1" noChangeArrowheads="1" noChangeShapeType="1" noTextEdit="1"/>
+          </p:cNvSpPr>
+          <p:nvPr>
+            <p:extLst>
+              <p:ext uri="{386F3935-93C4-4BCD-93E2-E3B085C9AB24}">
+                <p16:designElem xmlns:p16="http://schemas.microsoft.com/office/powerpoint/2015/main" val="1"/>
+              </p:ext>
+            </p:extLst>
+          </p:nvPr>
+        </p:nvSpPr>
+        <p:spPr>
+          <a:xfrm>
+            <a:off x="395893" y="2443480"/>
+            <a:ext cx="3383280" cy="18288"/>
+          </a:xfrm>
+          <a:prstGeom prst="rect">
+            <a:avLst/>
+          </a:prstGeom>
+          <a:solidFill>
+            <a:srgbClr val="D5D5D5"/>
+          </a:solidFill>
+          <a:ln w="3175">
+            <a:noFill/>
+          </a:ln>
+          <a:effectLst/>
+        </p:spPr>
+        <p:style>
+          <a:lnRef idx="2">
+            <a:schemeClr val="accent1">
+              <a:shade val="50000"/>
+            </a:schemeClr>
+          </a:lnRef>
+          <a:fillRef idx="1">
+            <a:schemeClr val="accent1"/>
+          </a:fillRef>
+          <a:effectRef idx="0">
+            <a:schemeClr val="accent1"/>
+          </a:effectRef>
+          <a:fontRef idx="minor">
+            <a:schemeClr val="lt1"/>
+          </a:fontRef>
+        </p:style>
+        <p:txBody>
+          <a:bodyPr rtlCol="0" anchor="ctr"/>
+          <a:lstStyle/>
+          <a:p>
+            <a:pPr marL="0" marR="0" lvl="0" indent="0" algn="ctr" defTabSz="914400" rtl="0" eaLnBrk="1" fontAlgn="auto" latinLnBrk="0" hangingPunct="1">
+              <a:lnSpc>
+                <a:spcPct val="100000"/>
+              </a:lnSpc>
+              <a:spcBef>
+                <a:spcPts val="0"/>
+              </a:spcBef>
+              <a:spcAft>
+                <a:spcPts val="0"/>
+              </a:spcAft>
+              <a:buClrTx/>
+              <a:buSzTx/>
+              <a:buFontTx/>
+              <a:buNone/>
+              <a:tabLst/>
+              <a:defRPr/>
+            </a:pPr>
+            <a:endParaRPr kumimoji="0" lang="en-US" sz="1800" b="0" i="0" u="none" strike="noStrike" kern="1200" cap="none" spc="0" normalizeH="0" baseline="0" noProof="0">
+              <a:ln>
+                <a:noFill/>
+              </a:ln>
+              <a:solidFill>
+                <a:prstClr val="white"/>
+              </a:solidFill>
+              <a:effectLst/>
+              <a:uLnTx/>
+              <a:uFillTx/>
+              <a:latin typeface="Calibri" panose="020F0502020204030204"/>
+              <a:ea typeface="+mn-ea"/>
+              <a:cs typeface="+mn-cs"/>
+            </a:endParaRPr>
+          </a:p>
+        </p:txBody>
+      </p:sp>
+      <p:sp>
+        <p:nvSpPr>
+          <p:cNvPr id="75" name="CasellaDiTesto 6">
+            <a:extLst>
+              <a:ext uri="{FF2B5EF4-FFF2-40B4-BE49-F238E27FC236}">
+                <a16:creationId xmlns:a16="http://schemas.microsoft.com/office/drawing/2014/main" id="{D86DDED1-B62B-88AE-8760-29CA9580E751}"/>
+              </a:ext>
+            </a:extLst>
+          </p:cNvPr>
+          <p:cNvSpPr txBox="1"/>
+          <p:nvPr/>
+        </p:nvSpPr>
+        <p:spPr>
+          <a:xfrm>
+            <a:off x="371094" y="2718054"/>
+            <a:ext cx="3438906" cy="3207258"/>
+          </a:xfrm>
+          <a:prstGeom prst="rect">
+            <a:avLst/>
+          </a:prstGeom>
+        </p:spPr>
+        <p:txBody>
+          <a:bodyPr vert="horz" lIns="91440" tIns="45720" rIns="91440" bIns="45720" rtlCol="0" anchor="t">
+            <a:noAutofit/>
+          </a:bodyPr>
+          <a:lstStyle/>
+          <a:p>
+            <a:pPr>
+              <a:lnSpc>
+                <a:spcPct val="90000"/>
+              </a:lnSpc>
+              <a:spcAft>
+                <a:spcPts val="600"/>
+              </a:spcAft>
+            </a:pPr>
+            <a:r>
+              <a:rPr lang="en-US" sz="1500" dirty="0" err="1">
+                <a:solidFill>
+                  <a:srgbClr val="0C01D3"/>
+                </a:solidFill>
+              </a:rPr>
+              <a:t>Gli</a:t>
+            </a:r>
+            <a:r>
+              <a:rPr lang="en-US" sz="1500" dirty="0">
+                <a:solidFill>
+                  <a:srgbClr val="0C01D3"/>
+                </a:solidFill>
+              </a:rPr>
+              <a:t> </a:t>
+            </a:r>
+            <a:r>
+              <a:rPr lang="en-US" sz="1500" dirty="0" err="1">
+                <a:solidFill>
+                  <a:srgbClr val="0C01D3"/>
+                </a:solidFill>
+              </a:rPr>
+              <a:t>attori</a:t>
+            </a:r>
+            <a:r>
+              <a:rPr lang="en-US" sz="1500" dirty="0">
+                <a:solidFill>
+                  <a:srgbClr val="0C01D3"/>
+                </a:solidFill>
+              </a:rPr>
+              <a:t> </a:t>
+            </a:r>
+            <a:r>
+              <a:rPr lang="en-US" sz="1500" dirty="0" err="1">
+                <a:solidFill>
+                  <a:srgbClr val="0C01D3"/>
+                </a:solidFill>
+              </a:rPr>
+              <a:t>che</a:t>
+            </a:r>
+            <a:r>
+              <a:rPr lang="en-US" sz="1500" dirty="0">
+                <a:solidFill>
+                  <a:srgbClr val="0C01D3"/>
+                </a:solidFill>
+              </a:rPr>
+              <a:t> </a:t>
+            </a:r>
+            <a:r>
+              <a:rPr lang="en-US" sz="1500" dirty="0" err="1">
+                <a:solidFill>
+                  <a:srgbClr val="0C01D3"/>
+                </a:solidFill>
+              </a:rPr>
+              <a:t>interagiscono</a:t>
+            </a:r>
+            <a:r>
+              <a:rPr lang="en-US" sz="1500" dirty="0">
+                <a:solidFill>
+                  <a:srgbClr val="0C01D3"/>
+                </a:solidFill>
+              </a:rPr>
+              <a:t> con il </a:t>
+            </a:r>
+            <a:r>
+              <a:rPr lang="en-US" sz="1500" dirty="0" err="1">
+                <a:solidFill>
+                  <a:srgbClr val="0C01D3"/>
+                </a:solidFill>
+              </a:rPr>
+              <a:t>sistema</a:t>
+            </a:r>
+            <a:r>
+              <a:rPr lang="en-US" sz="1500" dirty="0">
+                <a:solidFill>
+                  <a:srgbClr val="0C01D3"/>
+                </a:solidFill>
+              </a:rPr>
+              <a:t> </a:t>
+            </a:r>
+            <a:r>
+              <a:rPr lang="en-US" sz="1500" dirty="0" err="1">
+                <a:solidFill>
+                  <a:srgbClr val="0C01D3"/>
+                </a:solidFill>
+              </a:rPr>
+              <a:t>sono</a:t>
+            </a:r>
+            <a:r>
+              <a:rPr lang="en-US" sz="1500" dirty="0">
+                <a:solidFill>
+                  <a:srgbClr val="0C01D3"/>
+                </a:solidFill>
+              </a:rPr>
+              <a:t> di due tipi:</a:t>
+            </a:r>
+          </a:p>
+          <a:p>
+            <a:pPr indent="-228600">
+              <a:lnSpc>
+                <a:spcPct val="90000"/>
+              </a:lnSpc>
+              <a:spcAft>
+                <a:spcPts val="600"/>
+              </a:spcAft>
+              <a:buFont typeface="Arial" panose="020B0604020202020204" pitchFamily="34" charset="0"/>
+              <a:buChar char="•"/>
+            </a:pPr>
+            <a:r>
+              <a:rPr lang="en-US" sz="1500" dirty="0">
+                <a:solidFill>
+                  <a:srgbClr val="0C01D3"/>
+                </a:solidFill>
+              </a:rPr>
+              <a:t>3 «</a:t>
+            </a:r>
+            <a:r>
+              <a:rPr lang="en-US" sz="1500" dirty="0" err="1">
+                <a:solidFill>
+                  <a:srgbClr val="0C01D3"/>
+                </a:solidFill>
+              </a:rPr>
+              <a:t>amministrativi</a:t>
+            </a:r>
+            <a:r>
+              <a:rPr lang="en-US" sz="1500" dirty="0">
+                <a:solidFill>
+                  <a:srgbClr val="0C01D3"/>
+                </a:solidFill>
+              </a:rPr>
+              <a:t>»:</a:t>
+            </a:r>
+          </a:p>
+          <a:p>
+            <a:pPr marL="800100" lvl="1" indent="-285750">
+              <a:lnSpc>
+                <a:spcPct val="90000"/>
+              </a:lnSpc>
+              <a:spcAft>
+                <a:spcPts val="600"/>
+              </a:spcAft>
+              <a:buFont typeface="Wingdings" panose="05000000000000000000" pitchFamily="2" charset="2"/>
+              <a:buChar char="§"/>
+            </a:pPr>
+            <a:r>
+              <a:rPr lang="en-US" sz="1500" dirty="0" err="1">
+                <a:solidFill>
+                  <a:srgbClr val="0C01D3"/>
+                </a:solidFill>
+              </a:rPr>
+              <a:t>Presidente</a:t>
+            </a:r>
+            <a:r>
+              <a:rPr lang="en-US" sz="1500" dirty="0">
+                <a:solidFill>
+                  <a:srgbClr val="0C01D3"/>
+                </a:solidFill>
+              </a:rPr>
+              <a:t> del </a:t>
+            </a:r>
+            <a:r>
+              <a:rPr lang="en-US" sz="1500" dirty="0" err="1">
+                <a:solidFill>
+                  <a:srgbClr val="0C01D3"/>
+                </a:solidFill>
+              </a:rPr>
+              <a:t>seggio</a:t>
+            </a:r>
+            <a:endParaRPr lang="en-US" sz="1500" dirty="0">
+              <a:solidFill>
+                <a:srgbClr val="0C01D3"/>
+              </a:solidFill>
+            </a:endParaRPr>
+          </a:p>
+          <a:p>
+            <a:pPr marL="800100" lvl="1" indent="-285750">
+              <a:lnSpc>
+                <a:spcPct val="90000"/>
+              </a:lnSpc>
+              <a:spcAft>
+                <a:spcPts val="600"/>
+              </a:spcAft>
+              <a:buFont typeface="Wingdings" panose="05000000000000000000" pitchFamily="2" charset="2"/>
+              <a:buChar char="§"/>
+            </a:pPr>
+            <a:r>
+              <a:rPr lang="en-US" sz="1500" dirty="0" err="1">
+                <a:solidFill>
+                  <a:srgbClr val="0C01D3"/>
+                </a:solidFill>
+              </a:rPr>
+              <a:t>Scrutatore</a:t>
+            </a:r>
+            <a:endParaRPr lang="en-US" sz="1500" dirty="0">
+              <a:solidFill>
+                <a:srgbClr val="0C01D3"/>
+              </a:solidFill>
+            </a:endParaRPr>
+          </a:p>
+          <a:p>
+            <a:pPr marL="800100" lvl="1" indent="-285750">
+              <a:lnSpc>
+                <a:spcPct val="90000"/>
+              </a:lnSpc>
+              <a:spcAft>
+                <a:spcPts val="600"/>
+              </a:spcAft>
+              <a:buFont typeface="Wingdings" panose="05000000000000000000" pitchFamily="2" charset="2"/>
+              <a:buChar char="§"/>
+            </a:pPr>
+            <a:r>
+              <a:rPr lang="en-US" sz="1500" dirty="0" err="1">
+                <a:solidFill>
+                  <a:srgbClr val="0C01D3"/>
+                </a:solidFill>
+              </a:rPr>
+              <a:t>Amministratore</a:t>
+            </a:r>
+            <a:endParaRPr lang="en-US" sz="1500" dirty="0">
+              <a:solidFill>
+                <a:srgbClr val="0C01D3"/>
+              </a:solidFill>
+            </a:endParaRPr>
+          </a:p>
+          <a:p>
+            <a:pPr indent="-228600">
+              <a:lnSpc>
+                <a:spcPct val="90000"/>
+              </a:lnSpc>
+              <a:spcAft>
+                <a:spcPts val="600"/>
+              </a:spcAft>
+              <a:buFont typeface="Arial" panose="020B0604020202020204" pitchFamily="34" charset="0"/>
+              <a:buChar char="•"/>
+            </a:pPr>
+            <a:r>
+              <a:rPr lang="en-US" sz="1500" dirty="0">
+                <a:solidFill>
+                  <a:srgbClr val="0C01D3"/>
+                </a:solidFill>
+              </a:rPr>
+              <a:t>E uno «</a:t>
+            </a:r>
+            <a:r>
+              <a:rPr lang="en-US" sz="1500" dirty="0" err="1">
+                <a:solidFill>
+                  <a:srgbClr val="0C01D3"/>
+                </a:solidFill>
+              </a:rPr>
+              <a:t>pubblico</a:t>
+            </a:r>
+            <a:r>
+              <a:rPr lang="en-US" sz="1500" dirty="0">
+                <a:solidFill>
+                  <a:srgbClr val="0C01D3"/>
+                </a:solidFill>
+              </a:rPr>
+              <a:t>»:</a:t>
+            </a:r>
+          </a:p>
+          <a:p>
+            <a:pPr marL="800100" lvl="1" indent="-285750">
+              <a:lnSpc>
+                <a:spcPct val="90000"/>
+              </a:lnSpc>
+              <a:spcAft>
+                <a:spcPts val="600"/>
+              </a:spcAft>
+              <a:buFont typeface="Wingdings" panose="05000000000000000000" pitchFamily="2" charset="2"/>
+              <a:buChar char="§"/>
+            </a:pPr>
+            <a:r>
+              <a:rPr lang="en-US" sz="1500" dirty="0" err="1">
+                <a:solidFill>
+                  <a:srgbClr val="0C01D3"/>
+                </a:solidFill>
+              </a:rPr>
+              <a:t>Elettore</a:t>
+            </a:r>
+            <a:endParaRPr lang="en-US" sz="1500" dirty="0">
+              <a:solidFill>
+                <a:srgbClr val="0C01D3"/>
+              </a:solidFill>
+            </a:endParaRPr>
+          </a:p>
+          <a:p>
+            <a:pPr>
+              <a:lnSpc>
+                <a:spcPct val="90000"/>
+              </a:lnSpc>
+              <a:spcAft>
+                <a:spcPts val="600"/>
+              </a:spcAft>
+            </a:pPr>
+            <a:endParaRPr lang="en-US" sz="1500" dirty="0">
+              <a:solidFill>
+                <a:srgbClr val="0C01D3"/>
+              </a:solidFill>
+            </a:endParaRPr>
+          </a:p>
+          <a:p>
+            <a:pPr>
+              <a:lnSpc>
+                <a:spcPct val="90000"/>
+              </a:lnSpc>
+              <a:spcAft>
+                <a:spcPts val="600"/>
+              </a:spcAft>
+            </a:pPr>
+            <a:r>
+              <a:rPr lang="en-US" sz="1500" dirty="0">
+                <a:solidFill>
+                  <a:srgbClr val="0C01D3"/>
+                </a:solidFill>
+              </a:rPr>
+              <a:t>Il Software fa </a:t>
+            </a:r>
+            <a:r>
+              <a:rPr lang="en-US" sz="1500" dirty="0" err="1">
+                <a:solidFill>
+                  <a:srgbClr val="0C01D3"/>
+                </a:solidFill>
+              </a:rPr>
+              <a:t>uso</a:t>
+            </a:r>
+            <a:r>
+              <a:rPr lang="en-US" sz="1500" dirty="0">
+                <a:solidFill>
+                  <a:srgbClr val="0C01D3"/>
+                </a:solidFill>
+              </a:rPr>
+              <a:t> di un </a:t>
+            </a:r>
+            <a:r>
+              <a:rPr lang="en-US" sz="1500" dirty="0" err="1">
+                <a:solidFill>
+                  <a:srgbClr val="0C01D3"/>
+                </a:solidFill>
+              </a:rPr>
+              <a:t>unico</a:t>
+            </a:r>
+            <a:r>
+              <a:rPr lang="en-US" sz="1500" dirty="0">
+                <a:solidFill>
+                  <a:srgbClr val="0C01D3"/>
+                </a:solidFill>
+              </a:rPr>
+              <a:t> Sistema </a:t>
+            </a:r>
+            <a:r>
+              <a:rPr lang="en-US" sz="1500" dirty="0" err="1">
+                <a:solidFill>
+                  <a:srgbClr val="0C01D3"/>
+                </a:solidFill>
+              </a:rPr>
+              <a:t>esterno</a:t>
+            </a:r>
+            <a:r>
+              <a:rPr lang="en-US" sz="1500" dirty="0">
+                <a:solidFill>
+                  <a:srgbClr val="0C01D3"/>
+                </a:solidFill>
+              </a:rPr>
+              <a:t>, </a:t>
+            </a:r>
+            <a:r>
+              <a:rPr lang="en-US" sz="1500" dirty="0" err="1">
+                <a:solidFill>
+                  <a:srgbClr val="0C01D3"/>
+                </a:solidFill>
+              </a:rPr>
+              <a:t>Spid</a:t>
+            </a:r>
+            <a:r>
+              <a:rPr lang="en-US" sz="1500" dirty="0">
+                <a:solidFill>
+                  <a:srgbClr val="0C01D3"/>
+                </a:solidFill>
+              </a:rPr>
+              <a:t>, per </a:t>
+            </a:r>
+            <a:r>
+              <a:rPr lang="en-US" sz="1500" dirty="0" err="1">
+                <a:solidFill>
+                  <a:srgbClr val="0C01D3"/>
+                </a:solidFill>
+              </a:rPr>
+              <a:t>l’autenticazione</a:t>
+            </a:r>
+            <a:r>
+              <a:rPr lang="en-US" sz="1500" dirty="0">
+                <a:solidFill>
+                  <a:srgbClr val="0C01D3"/>
+                </a:solidFill>
+              </a:rPr>
+              <a:t> </a:t>
+            </a:r>
+            <a:r>
+              <a:rPr lang="en-US" sz="1500" dirty="0" err="1">
+                <a:solidFill>
+                  <a:srgbClr val="0C01D3"/>
+                </a:solidFill>
+              </a:rPr>
+              <a:t>ufficiale</a:t>
+            </a:r>
+            <a:r>
+              <a:rPr lang="en-US" sz="1500" dirty="0">
+                <a:solidFill>
+                  <a:srgbClr val="0C01D3"/>
+                </a:solidFill>
+              </a:rPr>
+              <a:t> </a:t>
+            </a:r>
+            <a:r>
+              <a:rPr lang="en-US" sz="1500" dirty="0" err="1">
+                <a:solidFill>
+                  <a:srgbClr val="0C01D3"/>
+                </a:solidFill>
+              </a:rPr>
+              <a:t>degli</a:t>
+            </a:r>
+            <a:r>
+              <a:rPr lang="en-US" sz="1500" dirty="0">
+                <a:solidFill>
+                  <a:srgbClr val="0C01D3"/>
+                </a:solidFill>
+              </a:rPr>
+              <a:t> </a:t>
+            </a:r>
+            <a:r>
+              <a:rPr lang="en-US" sz="1500" dirty="0" err="1">
+                <a:solidFill>
+                  <a:srgbClr val="0C01D3"/>
+                </a:solidFill>
+              </a:rPr>
+              <a:t>utenti</a:t>
+            </a:r>
+            <a:r>
+              <a:rPr lang="en-US" sz="1500" dirty="0">
+                <a:solidFill>
+                  <a:srgbClr val="0C01D3"/>
+                </a:solidFill>
+              </a:rPr>
+              <a:t> </a:t>
+            </a:r>
+            <a:r>
+              <a:rPr lang="en-US" sz="1500" dirty="0" err="1">
+                <a:solidFill>
+                  <a:srgbClr val="0C01D3"/>
+                </a:solidFill>
+              </a:rPr>
+              <a:t>Elettori</a:t>
+            </a:r>
+            <a:endParaRPr lang="en-US" sz="1500" dirty="0">
+              <a:solidFill>
+                <a:srgbClr val="0C01D3"/>
+              </a:solidFill>
+            </a:endParaRPr>
           </a:p>
         </p:txBody>
       </p:sp>
@@ -4223,58 +5322,919 @@
         </p:blipFill>
         <p:spPr>
           <a:xfrm>
-            <a:off x="838200" y="1666569"/>
-            <a:ext cx="7317196" cy="4351338"/>
-          </a:xfrm>
-        </p:spPr>
-      </p:pic>
-      <p:sp>
-        <p:nvSpPr>
-          <p:cNvPr id="7" name="CasellaDiTesto 6">
-            <a:extLst>
-              <a:ext uri="{FF2B5EF4-FFF2-40B4-BE49-F238E27FC236}">
-                <a16:creationId xmlns:a16="http://schemas.microsoft.com/office/drawing/2014/main" id="{D86DDED1-B62B-88AE-8760-29CA9580E751}"/>
-              </a:ext>
-            </a:extLst>
-          </p:cNvPr>
-          <p:cNvSpPr txBox="1"/>
-          <p:nvPr/>
-        </p:nvSpPr>
-        <p:spPr>
-          <a:xfrm>
-            <a:off x="8405446" y="1666569"/>
-            <a:ext cx="3608680" cy="646331"/>
+            <a:off x="4640076" y="1533550"/>
+            <a:ext cx="7367520" cy="4383673"/>
           </a:xfrm>
           <a:prstGeom prst="rect">
             <a:avLst/>
           </a:prstGeom>
-          <a:noFill/>
         </p:spPr>
-        <p:txBody>
-          <a:bodyPr wrap="none" rtlCol="0">
-            <a:spAutoFit/>
-          </a:bodyPr>
-          <a:lstStyle/>
-          <a:p>
-            <a:r>
-              <a:rPr lang="it-IT" dirty="0"/>
-              <a:t>Il sistema presenta 4 tipi di utenti,</a:t>
-            </a:r>
-            <a:br>
-              <a:rPr lang="it-IT" dirty="0"/>
-            </a:br>
-            <a:r>
-              <a:rPr lang="it-IT"/>
-              <a:t>3  </a:t>
-            </a:r>
-            <a:endParaRPr lang="en-GB" dirty="0"/>
-          </a:p>
-        </p:txBody>
-      </p:sp>
+      </p:pic>
     </p:spTree>
     <p:extLst>
       <p:ext uri="{BB962C8B-B14F-4D97-AF65-F5344CB8AC3E}">
         <p14:creationId xmlns:p14="http://schemas.microsoft.com/office/powerpoint/2010/main" val="2363454320"/>
+      </p:ext>
+    </p:extLst>
+  </p:cSld>
+  <p:clrMapOvr>
+    <a:masterClrMapping/>
+  </p:clrMapOvr>
+</p:sld>
+</file>
+
+<file path=ppt/slides/slide3.xml><?xml version="1.0" encoding="utf-8"?>
+<p:sld xmlns:a="http://schemas.openxmlformats.org/drawingml/2006/main" xmlns:r="http://schemas.openxmlformats.org/officeDocument/2006/relationships" xmlns:p="http://schemas.openxmlformats.org/presentationml/2006/main">
+  <p:cSld>
+    <p:bg>
+      <p:bgPr>
+        <a:solidFill>
+          <a:srgbClr val="BBC5D9"/>
+        </a:solidFill>
+        <a:effectLst/>
+      </p:bgPr>
+    </p:bg>
+    <p:spTree>
+      <p:nvGrpSpPr>
+        <p:cNvPr id="1" name=""/>
+        <p:cNvGrpSpPr/>
+        <p:nvPr/>
+      </p:nvGrpSpPr>
+      <p:grpSpPr>
+        <a:xfrm>
+          <a:off x="0" y="0"/>
+          <a:ext cx="0" cy="0"/>
+          <a:chOff x="0" y="0"/>
+          <a:chExt cx="0" cy="0"/>
+        </a:xfrm>
+      </p:grpSpPr>
+      <p:sp useBgFill="1">
+        <p:nvSpPr>
+          <p:cNvPr id="12" name="Rectangle 11">
+            <a:extLst>
+              <a:ext uri="{FF2B5EF4-FFF2-40B4-BE49-F238E27FC236}">
+                <a16:creationId xmlns:a16="http://schemas.microsoft.com/office/drawing/2014/main" id="{2B97F24A-32CE-4C1C-A50D-3016B394DCFB}"/>
+              </a:ext>
+              <a:ext uri="{C183D7F6-B498-43B3-948B-1728B52AA6E4}">
+                <adec:decorative xmlns:adec="http://schemas.microsoft.com/office/drawing/2017/decorative" val="1"/>
+              </a:ext>
+            </a:extLst>
+          </p:cNvPr>
+          <p:cNvSpPr>
+            <a:spLocks noGrp="1" noRot="1" noChangeAspect="1" noMove="1" noResize="1" noEditPoints="1" noAdjustHandles="1" noChangeArrowheads="1" noChangeShapeType="1" noTextEdit="1"/>
+          </p:cNvSpPr>
+          <p:nvPr>
+            <p:extLst>
+              <p:ext uri="{386F3935-93C4-4BCD-93E2-E3B085C9AB24}">
+                <p16:designElem xmlns:p16="http://schemas.microsoft.com/office/powerpoint/2015/main" val="1"/>
+              </p:ext>
+            </p:extLst>
+          </p:nvPr>
+        </p:nvSpPr>
+        <p:spPr>
+          <a:xfrm>
+            <a:off x="0" y="0"/>
+            <a:ext cx="12192000" cy="6858000"/>
+          </a:xfrm>
+          <a:prstGeom prst="rect">
+            <a:avLst/>
+          </a:prstGeom>
+          <a:ln>
+            <a:noFill/>
+          </a:ln>
+        </p:spPr>
+        <p:style>
+          <a:lnRef idx="2">
+            <a:schemeClr val="accent1">
+              <a:shade val="50000"/>
+            </a:schemeClr>
+          </a:lnRef>
+          <a:fillRef idx="1">
+            <a:schemeClr val="accent1"/>
+          </a:fillRef>
+          <a:effectRef idx="0">
+            <a:schemeClr val="accent1"/>
+          </a:effectRef>
+          <a:fontRef idx="minor">
+            <a:schemeClr val="lt1"/>
+          </a:fontRef>
+        </p:style>
+        <p:txBody>
+          <a:bodyPr rtlCol="0" anchor="ctr"/>
+          <a:lstStyle/>
+          <a:p>
+            <a:pPr algn="ctr"/>
+            <a:endParaRPr lang="en-US"/>
+          </a:p>
+        </p:txBody>
+      </p:sp>
+      <p:sp>
+        <p:nvSpPr>
+          <p:cNvPr id="2" name="Titolo 1">
+            <a:extLst>
+              <a:ext uri="{FF2B5EF4-FFF2-40B4-BE49-F238E27FC236}">
+                <a16:creationId xmlns:a16="http://schemas.microsoft.com/office/drawing/2014/main" id="{8F0019AB-16FE-D900-478F-5F997D45BDDF}"/>
+              </a:ext>
+            </a:extLst>
+          </p:cNvPr>
+          <p:cNvSpPr>
+            <a:spLocks noGrp="1"/>
+          </p:cNvSpPr>
+          <p:nvPr>
+            <p:ph type="title"/>
+          </p:nvPr>
+        </p:nvSpPr>
+        <p:spPr>
+          <a:xfrm>
+            <a:off x="630936" y="639520"/>
+            <a:ext cx="3429000" cy="1719072"/>
+          </a:xfrm>
+        </p:spPr>
+        <p:txBody>
+          <a:bodyPr anchor="b">
+            <a:normAutofit/>
+          </a:bodyPr>
+          <a:lstStyle/>
+          <a:p>
+            <a:r>
+              <a:rPr lang="it-IT" sz="5400" dirty="0">
+                <a:solidFill>
+                  <a:srgbClr val="0C01D3"/>
+                </a:solidFill>
+              </a:rPr>
+              <a:t>Analisi del Rischio</a:t>
+            </a:r>
+            <a:endParaRPr lang="en-GB" sz="5400" dirty="0">
+              <a:solidFill>
+                <a:srgbClr val="0C01D3"/>
+              </a:solidFill>
+            </a:endParaRPr>
+          </a:p>
+        </p:txBody>
+      </p:sp>
+      <p:sp>
+        <p:nvSpPr>
+          <p:cNvPr id="14" name="sketch line">
+            <a:extLst>
+              <a:ext uri="{FF2B5EF4-FFF2-40B4-BE49-F238E27FC236}">
+                <a16:creationId xmlns:a16="http://schemas.microsoft.com/office/drawing/2014/main" id="{CD8B4F24-440B-49E9-B85D-733523DC064B}"/>
+              </a:ext>
+              <a:ext uri="{C183D7F6-B498-43B3-948B-1728B52AA6E4}">
+                <adec:decorative xmlns:adec="http://schemas.microsoft.com/office/drawing/2017/decorative" val="1"/>
+              </a:ext>
+            </a:extLst>
+          </p:cNvPr>
+          <p:cNvSpPr>
+            <a:spLocks noGrp="1" noRot="1" noChangeAspect="1" noMove="1" noResize="1" noEditPoints="1" noAdjustHandles="1" noChangeArrowheads="1" noChangeShapeType="1" noTextEdit="1"/>
+          </p:cNvSpPr>
+          <p:nvPr>
+            <p:extLst>
+              <p:ext uri="{386F3935-93C4-4BCD-93E2-E3B085C9AB24}">
+                <p16:designElem xmlns:p16="http://schemas.microsoft.com/office/powerpoint/2015/main" val="1"/>
+              </p:ext>
+            </p:extLst>
+          </p:nvPr>
+        </p:nvSpPr>
+        <p:spPr>
+          <a:xfrm>
+            <a:off x="643278" y="2573756"/>
+            <a:ext cx="3255095" cy="18288"/>
+          </a:xfrm>
+          <a:custGeom>
+            <a:avLst/>
+            <a:gdLst>
+              <a:gd name="connsiteX0" fmla="*/ 0 w 3255095"/>
+              <a:gd name="connsiteY0" fmla="*/ 0 h 18288"/>
+              <a:gd name="connsiteX1" fmla="*/ 618468 w 3255095"/>
+              <a:gd name="connsiteY1" fmla="*/ 0 h 18288"/>
+              <a:gd name="connsiteX2" fmla="*/ 1269487 w 3255095"/>
+              <a:gd name="connsiteY2" fmla="*/ 0 h 18288"/>
+              <a:gd name="connsiteX3" fmla="*/ 1953057 w 3255095"/>
+              <a:gd name="connsiteY3" fmla="*/ 0 h 18288"/>
+              <a:gd name="connsiteX4" fmla="*/ 2636627 w 3255095"/>
+              <a:gd name="connsiteY4" fmla="*/ 0 h 18288"/>
+              <a:gd name="connsiteX5" fmla="*/ 3255095 w 3255095"/>
+              <a:gd name="connsiteY5" fmla="*/ 0 h 18288"/>
+              <a:gd name="connsiteX6" fmla="*/ 3255095 w 3255095"/>
+              <a:gd name="connsiteY6" fmla="*/ 18288 h 18288"/>
+              <a:gd name="connsiteX7" fmla="*/ 2538974 w 3255095"/>
+              <a:gd name="connsiteY7" fmla="*/ 18288 h 18288"/>
+              <a:gd name="connsiteX8" fmla="*/ 1822853 w 3255095"/>
+              <a:gd name="connsiteY8" fmla="*/ 18288 h 18288"/>
+              <a:gd name="connsiteX9" fmla="*/ 1171834 w 3255095"/>
+              <a:gd name="connsiteY9" fmla="*/ 18288 h 18288"/>
+              <a:gd name="connsiteX10" fmla="*/ 0 w 3255095"/>
+              <a:gd name="connsiteY10" fmla="*/ 18288 h 18288"/>
+              <a:gd name="connsiteX11" fmla="*/ 0 w 3255095"/>
+              <a:gd name="connsiteY11" fmla="*/ 0 h 18288"/>
+            </a:gdLst>
+            <a:ahLst/>
+            <a:cxnLst>
+              <a:cxn ang="0">
+                <a:pos x="connsiteX0" y="connsiteY0"/>
+              </a:cxn>
+              <a:cxn ang="0">
+                <a:pos x="connsiteX1" y="connsiteY1"/>
+              </a:cxn>
+              <a:cxn ang="0">
+                <a:pos x="connsiteX2" y="connsiteY2"/>
+              </a:cxn>
+              <a:cxn ang="0">
+                <a:pos x="connsiteX3" y="connsiteY3"/>
+              </a:cxn>
+              <a:cxn ang="0">
+                <a:pos x="connsiteX4" y="connsiteY4"/>
+              </a:cxn>
+              <a:cxn ang="0">
+                <a:pos x="connsiteX5" y="connsiteY5"/>
+              </a:cxn>
+              <a:cxn ang="0">
+                <a:pos x="connsiteX6" y="connsiteY6"/>
+              </a:cxn>
+              <a:cxn ang="0">
+                <a:pos x="connsiteX7" y="connsiteY7"/>
+              </a:cxn>
+              <a:cxn ang="0">
+                <a:pos x="connsiteX8" y="connsiteY8"/>
+              </a:cxn>
+              <a:cxn ang="0">
+                <a:pos x="connsiteX9" y="connsiteY9"/>
+              </a:cxn>
+              <a:cxn ang="0">
+                <a:pos x="connsiteX10" y="connsiteY10"/>
+              </a:cxn>
+              <a:cxn ang="0">
+                <a:pos x="connsiteX11" y="connsiteY11"/>
+              </a:cxn>
+            </a:cxnLst>
+            <a:rect l="l" t="t" r="r" b="b"/>
+            <a:pathLst>
+              <a:path w="3255095" h="18288" fill="none" extrusionOk="0">
+                <a:moveTo>
+                  <a:pt x="0" y="0"/>
+                </a:moveTo>
+                <a:cubicBezTo>
+                  <a:pt x="240201" y="-22123"/>
+                  <a:pt x="462021" y="-19623"/>
+                  <a:pt x="618468" y="0"/>
+                </a:cubicBezTo>
+                <a:cubicBezTo>
+                  <a:pt x="774915" y="19623"/>
+                  <a:pt x="974734" y="2035"/>
+                  <a:pt x="1269487" y="0"/>
+                </a:cubicBezTo>
+                <a:cubicBezTo>
+                  <a:pt x="1564240" y="-2035"/>
+                  <a:pt x="1733579" y="10639"/>
+                  <a:pt x="1953057" y="0"/>
+                </a:cubicBezTo>
+                <a:cubicBezTo>
+                  <a:pt x="2172535" y="-10639"/>
+                  <a:pt x="2453962" y="14018"/>
+                  <a:pt x="2636627" y="0"/>
+                </a:cubicBezTo>
+                <a:cubicBezTo>
+                  <a:pt x="2819292" y="-14018"/>
+                  <a:pt x="3121375" y="5399"/>
+                  <a:pt x="3255095" y="0"/>
+                </a:cubicBezTo>
+                <a:cubicBezTo>
+                  <a:pt x="3254386" y="8157"/>
+                  <a:pt x="3254682" y="12125"/>
+                  <a:pt x="3255095" y="18288"/>
+                </a:cubicBezTo>
+                <a:cubicBezTo>
+                  <a:pt x="3088545" y="23203"/>
+                  <a:pt x="2687475" y="7419"/>
+                  <a:pt x="2538974" y="18288"/>
+                </a:cubicBezTo>
+                <a:cubicBezTo>
+                  <a:pt x="2390473" y="29157"/>
+                  <a:pt x="2137381" y="-8959"/>
+                  <a:pt x="1822853" y="18288"/>
+                </a:cubicBezTo>
+                <a:cubicBezTo>
+                  <a:pt x="1508325" y="45535"/>
+                  <a:pt x="1466437" y="20385"/>
+                  <a:pt x="1171834" y="18288"/>
+                </a:cubicBezTo>
+                <a:cubicBezTo>
+                  <a:pt x="877231" y="16191"/>
+                  <a:pt x="561097" y="37643"/>
+                  <a:pt x="0" y="18288"/>
+                </a:cubicBezTo>
+                <a:cubicBezTo>
+                  <a:pt x="-46" y="12483"/>
+                  <a:pt x="-203" y="6491"/>
+                  <a:pt x="0" y="0"/>
+                </a:cubicBezTo>
+                <a:close/>
+              </a:path>
+              <a:path w="3255095" h="18288" stroke="0" extrusionOk="0">
+                <a:moveTo>
+                  <a:pt x="0" y="0"/>
+                </a:moveTo>
+                <a:cubicBezTo>
+                  <a:pt x="291965" y="19429"/>
+                  <a:pt x="363155" y="8568"/>
+                  <a:pt x="618468" y="0"/>
+                </a:cubicBezTo>
+                <a:cubicBezTo>
+                  <a:pt x="873781" y="-8568"/>
+                  <a:pt x="904459" y="-19505"/>
+                  <a:pt x="1171834" y="0"/>
+                </a:cubicBezTo>
+                <a:cubicBezTo>
+                  <a:pt x="1439209" y="19505"/>
+                  <a:pt x="1744369" y="9790"/>
+                  <a:pt x="1887955" y="0"/>
+                </a:cubicBezTo>
+                <a:cubicBezTo>
+                  <a:pt x="2031541" y="-9790"/>
+                  <a:pt x="2346378" y="21240"/>
+                  <a:pt x="2506423" y="0"/>
+                </a:cubicBezTo>
+                <a:cubicBezTo>
+                  <a:pt x="2666468" y="-21240"/>
+                  <a:pt x="2990257" y="30414"/>
+                  <a:pt x="3255095" y="0"/>
+                </a:cubicBezTo>
+                <a:cubicBezTo>
+                  <a:pt x="3254831" y="4493"/>
+                  <a:pt x="3255479" y="9472"/>
+                  <a:pt x="3255095" y="18288"/>
+                </a:cubicBezTo>
+                <a:cubicBezTo>
+                  <a:pt x="3120743" y="16690"/>
+                  <a:pt x="2759628" y="42462"/>
+                  <a:pt x="2604076" y="18288"/>
+                </a:cubicBezTo>
+                <a:cubicBezTo>
+                  <a:pt x="2448524" y="-5886"/>
+                  <a:pt x="2184336" y="19599"/>
+                  <a:pt x="1887955" y="18288"/>
+                </a:cubicBezTo>
+                <a:cubicBezTo>
+                  <a:pt x="1591574" y="16977"/>
+                  <a:pt x="1548845" y="6870"/>
+                  <a:pt x="1334589" y="18288"/>
+                </a:cubicBezTo>
+                <a:cubicBezTo>
+                  <a:pt x="1120333" y="29706"/>
+                  <a:pt x="996014" y="9662"/>
+                  <a:pt x="683570" y="18288"/>
+                </a:cubicBezTo>
+                <a:cubicBezTo>
+                  <a:pt x="371126" y="26914"/>
+                  <a:pt x="198687" y="16167"/>
+                  <a:pt x="0" y="18288"/>
+                </a:cubicBezTo>
+                <a:cubicBezTo>
+                  <a:pt x="843" y="9577"/>
+                  <a:pt x="371" y="6900"/>
+                  <a:pt x="0" y="0"/>
+                </a:cubicBezTo>
+                <a:close/>
+              </a:path>
+            </a:pathLst>
+          </a:custGeom>
+          <a:solidFill>
+            <a:schemeClr val="accent2"/>
+          </a:solidFill>
+          <a:ln w="38100" cap="rnd">
+            <a:solidFill>
+              <a:schemeClr val="accent2"/>
+            </a:solidFill>
+            <a:round/>
+            <a:extLst>
+              <a:ext uri="{C807C97D-BFC1-408E-A445-0C87EB9F89A2}">
+                <ask:lineSketchStyleProps xmlns:ask="http://schemas.microsoft.com/office/drawing/2018/sketchyshapes" sd="1219033472">
+                  <a:prstGeom prst="rect">
+                    <a:avLst/>
+                  </a:prstGeom>
+                  <ask:type>
+                    <ask:lineSketchFreehand/>
+                  </ask:type>
+                </ask:lineSketchStyleProps>
+              </a:ext>
+            </a:extLst>
+          </a:ln>
+        </p:spPr>
+        <p:style>
+          <a:lnRef idx="2">
+            <a:schemeClr val="accent1">
+              <a:shade val="50000"/>
+            </a:schemeClr>
+          </a:lnRef>
+          <a:fillRef idx="1">
+            <a:schemeClr val="accent1"/>
+          </a:fillRef>
+          <a:effectRef idx="0">
+            <a:schemeClr val="accent1"/>
+          </a:effectRef>
+          <a:fontRef idx="minor">
+            <a:schemeClr val="lt1"/>
+          </a:fontRef>
+        </p:style>
+        <p:txBody>
+          <a:bodyPr rtlCol="0" anchor="ctr"/>
+          <a:lstStyle/>
+          <a:p>
+            <a:pPr algn="ctr"/>
+            <a:endParaRPr lang="en-US"/>
+          </a:p>
+        </p:txBody>
+      </p:sp>
+      <p:sp>
+        <p:nvSpPr>
+          <p:cNvPr id="9" name="Content Placeholder 8">
+            <a:extLst>
+              <a:ext uri="{FF2B5EF4-FFF2-40B4-BE49-F238E27FC236}">
+                <a16:creationId xmlns:a16="http://schemas.microsoft.com/office/drawing/2014/main" id="{17B15E75-23E3-71EC-1517-BE28BB58ED29}"/>
+              </a:ext>
+            </a:extLst>
+          </p:cNvPr>
+          <p:cNvSpPr>
+            <a:spLocks noGrp="1"/>
+          </p:cNvSpPr>
+          <p:nvPr>
+            <p:ph idx="1"/>
+          </p:nvPr>
+        </p:nvSpPr>
+        <p:spPr>
+          <a:xfrm>
+            <a:off x="630936" y="2807208"/>
+            <a:ext cx="3429000" cy="3410712"/>
+          </a:xfrm>
+        </p:spPr>
+        <p:txBody>
+          <a:bodyPr anchor="t">
+            <a:normAutofit fontScale="92500" lnSpcReduction="20000"/>
+          </a:bodyPr>
+          <a:lstStyle/>
+          <a:p>
+            <a:r>
+              <a:rPr lang="en-US" sz="2200" dirty="0">
+                <a:solidFill>
+                  <a:srgbClr val="0C01D3"/>
+                </a:solidFill>
+              </a:rPr>
+              <a:t>Il </a:t>
+            </a:r>
+            <a:r>
+              <a:rPr lang="en-US" sz="2200" dirty="0" err="1">
+                <a:solidFill>
+                  <a:srgbClr val="0C01D3"/>
+                </a:solidFill>
+              </a:rPr>
+              <a:t>diagramma</a:t>
+            </a:r>
+            <a:r>
+              <a:rPr lang="en-US" sz="2200" dirty="0">
+                <a:solidFill>
+                  <a:srgbClr val="0C01D3"/>
+                </a:solidFill>
+              </a:rPr>
+              <a:t> a </a:t>
+            </a:r>
+            <a:r>
+              <a:rPr lang="en-US" sz="2200" dirty="0" err="1">
+                <a:solidFill>
+                  <a:srgbClr val="0C01D3"/>
+                </a:solidFill>
+              </a:rPr>
+              <a:t>destra</a:t>
+            </a:r>
+            <a:r>
+              <a:rPr lang="en-US" sz="2200" dirty="0">
+                <a:solidFill>
+                  <a:srgbClr val="0C01D3"/>
+                </a:solidFill>
+              </a:rPr>
+              <a:t> </a:t>
+            </a:r>
+            <a:r>
+              <a:rPr lang="en-US" sz="2200" dirty="0" err="1">
+                <a:solidFill>
+                  <a:srgbClr val="0C01D3"/>
+                </a:solidFill>
+              </a:rPr>
+              <a:t>presenta</a:t>
+            </a:r>
+            <a:r>
+              <a:rPr lang="en-US" sz="2200" dirty="0">
+                <a:solidFill>
+                  <a:srgbClr val="0C01D3"/>
+                </a:solidFill>
+              </a:rPr>
+              <a:t> </a:t>
+            </a:r>
+            <a:r>
+              <a:rPr lang="en-US" sz="2200" dirty="0" err="1">
+                <a:solidFill>
+                  <a:srgbClr val="0C01D3"/>
+                </a:solidFill>
+              </a:rPr>
+              <a:t>i</a:t>
+            </a:r>
+            <a:r>
+              <a:rPr lang="en-US" sz="2200" dirty="0">
+                <a:solidFill>
+                  <a:srgbClr val="0C01D3"/>
+                </a:solidFill>
+              </a:rPr>
+              <a:t> security use-case e misuse-case</a:t>
+            </a:r>
+          </a:p>
+          <a:p>
+            <a:r>
+              <a:rPr lang="en-US" sz="2200" dirty="0">
+                <a:solidFill>
+                  <a:srgbClr val="0C01D3"/>
+                </a:solidFill>
+              </a:rPr>
+              <a:t>La </a:t>
+            </a:r>
+            <a:r>
+              <a:rPr lang="en-US" sz="2200" dirty="0" err="1">
+                <a:solidFill>
+                  <a:srgbClr val="0C01D3"/>
+                </a:solidFill>
+              </a:rPr>
+              <a:t>sicurezza</a:t>
+            </a:r>
+            <a:r>
+              <a:rPr lang="en-US" sz="2200" dirty="0">
+                <a:solidFill>
+                  <a:srgbClr val="0C01D3"/>
+                </a:solidFill>
+              </a:rPr>
+              <a:t> è </a:t>
+            </a:r>
+            <a:r>
+              <a:rPr lang="en-US" sz="2200" dirty="0" err="1">
+                <a:solidFill>
+                  <a:srgbClr val="0C01D3"/>
+                </a:solidFill>
+              </a:rPr>
+              <a:t>fondamentale</a:t>
+            </a:r>
+            <a:r>
+              <a:rPr lang="en-US" sz="2200" dirty="0">
+                <a:solidFill>
+                  <a:srgbClr val="0C01D3"/>
+                </a:solidFill>
+              </a:rPr>
+              <a:t>, in </a:t>
+            </a:r>
+            <a:r>
+              <a:rPr lang="en-US" sz="2200" dirty="0" err="1">
+                <a:solidFill>
+                  <a:srgbClr val="0C01D3"/>
+                </a:solidFill>
+              </a:rPr>
+              <a:t>quanto</a:t>
+            </a:r>
+            <a:r>
+              <a:rPr lang="en-US" sz="2200" dirty="0">
+                <a:solidFill>
+                  <a:srgbClr val="0C01D3"/>
+                </a:solidFill>
+              </a:rPr>
+              <a:t> </a:t>
+            </a:r>
+            <a:r>
+              <a:rPr lang="en-US" sz="2200" dirty="0" err="1">
+                <a:solidFill>
+                  <a:srgbClr val="0C01D3"/>
+                </a:solidFill>
+              </a:rPr>
+              <a:t>esprimere</a:t>
+            </a:r>
+            <a:r>
+              <a:rPr lang="en-US" sz="2200" dirty="0">
+                <a:solidFill>
+                  <a:srgbClr val="0C01D3"/>
+                </a:solidFill>
+              </a:rPr>
+              <a:t> un </a:t>
+            </a:r>
+            <a:r>
+              <a:rPr lang="en-US" sz="2200" dirty="0" err="1">
+                <a:solidFill>
+                  <a:srgbClr val="0C01D3"/>
+                </a:solidFill>
+              </a:rPr>
+              <a:t>voto</a:t>
+            </a:r>
+            <a:r>
+              <a:rPr lang="en-US" sz="2200" dirty="0">
+                <a:solidFill>
+                  <a:srgbClr val="0C01D3"/>
+                </a:solidFill>
+              </a:rPr>
+              <a:t> </a:t>
+            </a:r>
+            <a:r>
+              <a:rPr lang="en-US" sz="2200" dirty="0" err="1">
+                <a:solidFill>
+                  <a:srgbClr val="0C01D3"/>
+                </a:solidFill>
+              </a:rPr>
+              <a:t>nell’ambito</a:t>
+            </a:r>
+            <a:r>
+              <a:rPr lang="en-US" sz="2200" dirty="0">
+                <a:solidFill>
+                  <a:srgbClr val="0C01D3"/>
+                </a:solidFill>
+              </a:rPr>
+              <a:t> di </a:t>
+            </a:r>
+            <a:r>
+              <a:rPr lang="en-US" sz="2200" dirty="0" err="1">
+                <a:solidFill>
+                  <a:srgbClr val="0C01D3"/>
+                </a:solidFill>
+              </a:rPr>
+              <a:t>un’elezione</a:t>
+            </a:r>
+            <a:r>
+              <a:rPr lang="en-US" sz="2200" dirty="0">
+                <a:solidFill>
+                  <a:srgbClr val="0C01D3"/>
+                </a:solidFill>
+              </a:rPr>
+              <a:t> </a:t>
+            </a:r>
+            <a:r>
+              <a:rPr lang="en-US" sz="2200" dirty="0" err="1">
+                <a:solidFill>
+                  <a:srgbClr val="0C01D3"/>
+                </a:solidFill>
+              </a:rPr>
+              <a:t>rappresenta</a:t>
+            </a:r>
+            <a:r>
+              <a:rPr lang="en-US" sz="2200" dirty="0">
+                <a:solidFill>
+                  <a:srgbClr val="0C01D3"/>
+                </a:solidFill>
+              </a:rPr>
+              <a:t> un </a:t>
+            </a:r>
+            <a:r>
+              <a:rPr lang="en-US" sz="2200" dirty="0" err="1">
+                <a:solidFill>
+                  <a:srgbClr val="0C01D3"/>
+                </a:solidFill>
+              </a:rPr>
+              <a:t>atto</a:t>
+            </a:r>
+            <a:r>
+              <a:rPr lang="en-US" sz="2200" dirty="0">
+                <a:solidFill>
+                  <a:srgbClr val="0C01D3"/>
+                </a:solidFill>
+              </a:rPr>
+              <a:t> </a:t>
+            </a:r>
+            <a:r>
+              <a:rPr lang="en-US" sz="2200" dirty="0" err="1">
+                <a:solidFill>
+                  <a:srgbClr val="0C01D3"/>
+                </a:solidFill>
+              </a:rPr>
+              <a:t>personale</a:t>
+            </a:r>
+            <a:r>
+              <a:rPr lang="en-US" sz="2200" dirty="0">
+                <a:solidFill>
+                  <a:srgbClr val="0C01D3"/>
+                </a:solidFill>
+              </a:rPr>
+              <a:t> e </a:t>
+            </a:r>
+            <a:r>
+              <a:rPr lang="en-US" sz="2200" dirty="0" err="1">
+                <a:solidFill>
+                  <a:srgbClr val="0C01D3"/>
+                </a:solidFill>
+              </a:rPr>
+              <a:t>privato</a:t>
+            </a:r>
+            <a:r>
+              <a:rPr lang="en-US" sz="2200" dirty="0">
+                <a:solidFill>
+                  <a:srgbClr val="0C01D3"/>
+                </a:solidFill>
+              </a:rPr>
+              <a:t>, prima </a:t>
+            </a:r>
+            <a:r>
+              <a:rPr lang="en-US" sz="2200" dirty="0" err="1">
+                <a:solidFill>
+                  <a:srgbClr val="0C01D3"/>
+                </a:solidFill>
+              </a:rPr>
+              <a:t>ancora</a:t>
+            </a:r>
+            <a:r>
+              <a:rPr lang="en-US" sz="2200" dirty="0">
+                <a:solidFill>
+                  <a:srgbClr val="0C01D3"/>
+                </a:solidFill>
+              </a:rPr>
+              <a:t> di </a:t>
+            </a:r>
+            <a:r>
+              <a:rPr lang="en-US" sz="2200" dirty="0" err="1">
+                <a:solidFill>
+                  <a:srgbClr val="0C01D3"/>
+                </a:solidFill>
+              </a:rPr>
+              <a:t>essere</a:t>
+            </a:r>
+            <a:r>
+              <a:rPr lang="en-US" sz="2200" dirty="0">
+                <a:solidFill>
+                  <a:srgbClr val="0C01D3"/>
+                </a:solidFill>
+              </a:rPr>
+              <a:t> un </a:t>
+            </a:r>
+            <a:r>
+              <a:rPr lang="en-US" sz="2200" dirty="0" err="1">
+                <a:solidFill>
+                  <a:srgbClr val="0C01D3"/>
+                </a:solidFill>
+              </a:rPr>
+              <a:t>atto</a:t>
+            </a:r>
+            <a:r>
+              <a:rPr lang="en-US" sz="2200" dirty="0">
+                <a:solidFill>
+                  <a:srgbClr val="0C01D3"/>
+                </a:solidFill>
+              </a:rPr>
+              <a:t> </a:t>
+            </a:r>
+            <a:r>
+              <a:rPr lang="en-US" sz="2200" dirty="0" err="1">
+                <a:solidFill>
+                  <a:srgbClr val="0C01D3"/>
+                </a:solidFill>
+              </a:rPr>
+              <a:t>ufficiale</a:t>
+            </a:r>
+            <a:r>
+              <a:rPr lang="en-US" sz="2200" dirty="0">
+                <a:solidFill>
+                  <a:srgbClr val="0C01D3"/>
+                </a:solidFill>
+              </a:rPr>
+              <a:t>.</a:t>
+            </a:r>
+            <a:br>
+              <a:rPr lang="en-US" sz="2200" dirty="0">
+                <a:solidFill>
+                  <a:srgbClr val="0C01D3"/>
+                </a:solidFill>
+              </a:rPr>
+            </a:br>
+            <a:r>
+              <a:rPr lang="en-US" sz="2200" dirty="0" err="1">
+                <a:solidFill>
+                  <a:srgbClr val="0C01D3"/>
+                </a:solidFill>
+              </a:rPr>
+              <a:t>Pertanto</a:t>
+            </a:r>
+            <a:r>
+              <a:rPr lang="en-US" sz="2200" dirty="0">
+                <a:solidFill>
+                  <a:srgbClr val="0C01D3"/>
+                </a:solidFill>
+              </a:rPr>
+              <a:t>, </a:t>
+            </a:r>
+            <a:r>
+              <a:rPr lang="en-US" sz="2200" dirty="0" err="1">
+                <a:solidFill>
+                  <a:srgbClr val="0C01D3"/>
+                </a:solidFill>
+              </a:rPr>
+              <a:t>riservatezza</a:t>
+            </a:r>
+            <a:r>
+              <a:rPr lang="en-US" sz="2200" dirty="0">
+                <a:solidFill>
+                  <a:srgbClr val="0C01D3"/>
+                </a:solidFill>
+              </a:rPr>
+              <a:t> e </a:t>
+            </a:r>
+            <a:r>
+              <a:rPr lang="en-US" sz="2200" dirty="0" err="1">
+                <a:solidFill>
+                  <a:srgbClr val="0C01D3"/>
+                </a:solidFill>
+              </a:rPr>
+              <a:t>anonimato</a:t>
+            </a:r>
+            <a:r>
+              <a:rPr lang="en-US" sz="2200" dirty="0">
+                <a:solidFill>
+                  <a:srgbClr val="0C01D3"/>
+                </a:solidFill>
+              </a:rPr>
+              <a:t> </a:t>
+            </a:r>
+            <a:r>
+              <a:rPr lang="en-US" sz="2200" dirty="0" err="1">
+                <a:solidFill>
+                  <a:srgbClr val="0C01D3"/>
+                </a:solidFill>
+              </a:rPr>
+              <a:t>sono</a:t>
+            </a:r>
+            <a:r>
+              <a:rPr lang="en-US" sz="2200" dirty="0">
+                <a:solidFill>
+                  <a:srgbClr val="0C01D3"/>
+                </a:solidFill>
+              </a:rPr>
+              <a:t> state </a:t>
+            </a:r>
+            <a:r>
+              <a:rPr lang="en-US" sz="2200" dirty="0" err="1">
+                <a:solidFill>
+                  <a:srgbClr val="0C01D3"/>
+                </a:solidFill>
+              </a:rPr>
+              <a:t>chiare</a:t>
+            </a:r>
+            <a:r>
+              <a:rPr lang="en-US" sz="2200" dirty="0">
+                <a:solidFill>
+                  <a:srgbClr val="0C01D3"/>
+                </a:solidFill>
+              </a:rPr>
+              <a:t> fin </a:t>
+            </a:r>
+            <a:r>
+              <a:rPr lang="en-US" sz="2200" dirty="0" err="1">
+                <a:solidFill>
+                  <a:srgbClr val="0C01D3"/>
+                </a:solidFill>
+              </a:rPr>
+              <a:t>dall’inizio</a:t>
+            </a:r>
+            <a:r>
+              <a:rPr lang="en-US" sz="2200" dirty="0">
+                <a:solidFill>
+                  <a:srgbClr val="0C01D3"/>
+                </a:solidFill>
+              </a:rPr>
+              <a:t>.</a:t>
+            </a:r>
+          </a:p>
+        </p:txBody>
+      </p:sp>
+      <p:pic>
+        <p:nvPicPr>
+          <p:cNvPr id="5" name="Segnaposto contenuto 4">
+            <a:extLst>
+              <a:ext uri="{FF2B5EF4-FFF2-40B4-BE49-F238E27FC236}">
+                <a16:creationId xmlns:a16="http://schemas.microsoft.com/office/drawing/2014/main" id="{63900DA0-8850-30BF-17AE-3DBDE8C0570E}"/>
+              </a:ext>
+            </a:extLst>
+          </p:cNvPr>
+          <p:cNvPicPr>
+            <a:picLocks noChangeAspect="1"/>
+          </p:cNvPicPr>
+          <p:nvPr/>
+        </p:nvPicPr>
+        <p:blipFill>
+          <a:blip r:embed="rId2"/>
+          <a:stretch>
+            <a:fillRect/>
+          </a:stretch>
+        </p:blipFill>
+        <p:spPr>
+          <a:xfrm>
+            <a:off x="4776102" y="640080"/>
+            <a:ext cx="6660108" cy="5577840"/>
+          </a:xfrm>
+          <a:prstGeom prst="rect">
+            <a:avLst/>
+          </a:prstGeom>
+        </p:spPr>
+      </p:pic>
+    </p:spTree>
+    <p:extLst>
+      <p:ext uri="{BB962C8B-B14F-4D97-AF65-F5344CB8AC3E}">
+        <p14:creationId xmlns:p14="http://schemas.microsoft.com/office/powerpoint/2010/main" val="2936519561"/>
       </p:ext>
     </p:extLst>
   </p:cSld>

--- a/ioVoto.pptx
+++ b/ioVoto.pptx
@@ -126,6 +126,9 @@
           </p15:clr>
         </p15:guide>
       </p15:sldGuideLst>
+    </p:ext>
+    <p:ext uri="{2D200454-40CA-4A62-9FC3-DE9A4176ACB9}">
+      <p15:notesGuideLst xmlns:p15="http://schemas.microsoft.com/office/powerpoint/2012/main"/>
     </p:ext>
   </p:extLst>
 </p:presentation>
@@ -4091,44 +4094,44 @@
           <a:lstStyle/>
           <a:p>
             <a:r>
-              <a:rPr lang="it-IT" dirty="0">
-                <a:solidFill>
-                  <a:srgbClr val="0C01D3"/>
-                </a:solidFill>
-              </a:rPr>
-              <a:t>Gabriele Tassinari 914765</a:t>
-            </a:r>
-            <a:endParaRPr lang="en-GB" dirty="0">
-              <a:solidFill>
-                <a:srgbClr val="0C01D3"/>
-              </a:solidFill>
-            </a:endParaRPr>
-          </a:p>
-          <a:p>
-            <a:r>
-              <a:rPr lang="it-IT" dirty="0">
-                <a:solidFill>
-                  <a:srgbClr val="0C01D3"/>
-                </a:solidFill>
-              </a:rPr>
-              <a:t>Riccardo Barbieri 924598</a:t>
-            </a:r>
-            <a:endParaRPr lang="en-GB" dirty="0">
-              <a:solidFill>
-                <a:srgbClr val="0C01D3"/>
-              </a:solidFill>
-            </a:endParaRPr>
-          </a:p>
-          <a:p>
-            <a:r>
-              <a:rPr lang="it-IT" dirty="0">
-                <a:solidFill>
-                  <a:srgbClr val="0C01D3"/>
-                </a:solidFill>
-              </a:rPr>
-              <a:t>Giancarlo Pastore 916379</a:t>
-            </a:r>
-            <a:endParaRPr lang="en-GB" dirty="0">
+              <a:rPr lang="it-IT" i="1" dirty="0">
+                <a:solidFill>
+                  <a:srgbClr val="0C01D3"/>
+                </a:solidFill>
+              </a:rPr>
+              <a:t>Barbieri Riccardo 924598</a:t>
+            </a:r>
+            <a:br>
+              <a:rPr lang="it-IT" i="1" dirty="0">
+                <a:solidFill>
+                  <a:srgbClr val="0C01D3"/>
+                </a:solidFill>
+              </a:rPr>
+            </a:br>
+            <a:r>
+              <a:rPr lang="it-IT" i="1" dirty="0">
+                <a:solidFill>
+                  <a:srgbClr val="0C01D3"/>
+                </a:solidFill>
+              </a:rPr>
+              <a:t>Pastore Giancarlo 916379</a:t>
+            </a:r>
+            <a:br>
+              <a:rPr lang="it-IT" i="1" dirty="0">
+                <a:solidFill>
+                  <a:srgbClr val="0C01D3"/>
+                </a:solidFill>
+              </a:rPr>
+            </a:br>
+            <a:r>
+              <a:rPr lang="it-IT" i="1" dirty="0">
+                <a:solidFill>
+                  <a:srgbClr val="0C01D3"/>
+                </a:solidFill>
+              </a:rPr>
+              <a:t>Tassinari Gabriele 914765</a:t>
+            </a:r>
+            <a:endParaRPr lang="en-GB" i="1" dirty="0">
               <a:solidFill>
                 <a:srgbClr val="0C01D3"/>
               </a:solidFill>

--- a/ioVoto.pptx
+++ b/ioVoto.pptx
@@ -1620,42 +1620,6 @@
           </a:p>
         </p:txBody>
       </p:sp>
-      <p:pic>
-        <p:nvPicPr>
-          <p:cNvPr id="8" name="Immagine 7">
-            <a:extLst>
-              <a:ext uri="{FF2B5EF4-FFF2-40B4-BE49-F238E27FC236}">
-                <a16:creationId xmlns:a16="http://schemas.microsoft.com/office/drawing/2014/main" id="{527D9331-49C8-0025-993E-A1C2073CFE70}"/>
-              </a:ext>
-            </a:extLst>
-          </p:cNvPr>
-          <p:cNvPicPr>
-            <a:picLocks noChangeAspect="1"/>
-          </p:cNvPicPr>
-          <p:nvPr userDrawn="1"/>
-        </p:nvPicPr>
-        <p:blipFill>
-          <a:blip r:embed="rId2">
-            <a:extLst>
-              <a:ext uri="{28A0092B-C50C-407E-A947-70E740481C1C}">
-                <a14:useLocalDpi xmlns:a14="http://schemas.microsoft.com/office/drawing/2010/main" val="0"/>
-              </a:ext>
-            </a:extLst>
-          </a:blip>
-          <a:stretch>
-            <a:fillRect/>
-          </a:stretch>
-        </p:blipFill>
-        <p:spPr>
-          <a:xfrm>
-            <a:off x="11353800" y="197104"/>
-            <a:ext cx="677507" cy="483933"/>
-          </a:xfrm>
-          <a:prstGeom prst="rect">
-            <a:avLst/>
-          </a:prstGeom>
-        </p:spPr>
-      </p:pic>
     </p:spTree>
     <p:extLst>
       <p:ext uri="{BB962C8B-B14F-4D97-AF65-F5344CB8AC3E}">
@@ -5333,6 +5297,42 @@
           </a:prstGeom>
         </p:spPr>
       </p:pic>
+      <p:pic>
+        <p:nvPicPr>
+          <p:cNvPr id="11" name="Immagine 10">
+            <a:extLst>
+              <a:ext uri="{FF2B5EF4-FFF2-40B4-BE49-F238E27FC236}">
+                <a16:creationId xmlns:a16="http://schemas.microsoft.com/office/drawing/2014/main" id="{04CE80DB-EDF1-F56A-04DD-E7306BDFF960}"/>
+              </a:ext>
+            </a:extLst>
+          </p:cNvPr>
+          <p:cNvPicPr>
+            <a:picLocks noChangeAspect="1"/>
+          </p:cNvPicPr>
+          <p:nvPr/>
+        </p:nvPicPr>
+        <p:blipFill>
+          <a:blip r:embed="rId3">
+            <a:extLst>
+              <a:ext uri="{28A0092B-C50C-407E-A947-70E740481C1C}">
+                <a14:useLocalDpi xmlns:a14="http://schemas.microsoft.com/office/drawing/2010/main" val="0"/>
+              </a:ext>
+            </a:extLst>
+          </a:blip>
+          <a:stretch>
+            <a:fillRect/>
+          </a:stretch>
+        </p:blipFill>
+        <p:spPr>
+          <a:xfrm>
+            <a:off x="200025" y="206049"/>
+            <a:ext cx="677507" cy="483933"/>
+          </a:xfrm>
+          <a:prstGeom prst="rect">
+            <a:avLst/>
+          </a:prstGeom>
+        </p:spPr>
+      </p:pic>
     </p:spTree>
     <p:extLst>
       <p:ext uri="{BB962C8B-B14F-4D97-AF65-F5344CB8AC3E}">
@@ -6228,6 +6228,42 @@
           <a:xfrm>
             <a:off x="4776102" y="640080"/>
             <a:ext cx="6660108" cy="5577840"/>
+          </a:xfrm>
+          <a:prstGeom prst="rect">
+            <a:avLst/>
+          </a:prstGeom>
+        </p:spPr>
+      </p:pic>
+      <p:pic>
+        <p:nvPicPr>
+          <p:cNvPr id="10" name="Immagine 9">
+            <a:extLst>
+              <a:ext uri="{FF2B5EF4-FFF2-40B4-BE49-F238E27FC236}">
+                <a16:creationId xmlns:a16="http://schemas.microsoft.com/office/drawing/2014/main" id="{375F9F11-682C-1CCE-A9AE-26F491AD6990}"/>
+              </a:ext>
+            </a:extLst>
+          </p:cNvPr>
+          <p:cNvPicPr>
+            <a:picLocks noChangeAspect="1"/>
+          </p:cNvPicPr>
+          <p:nvPr/>
+        </p:nvPicPr>
+        <p:blipFill>
+          <a:blip r:embed="rId3">
+            <a:extLst>
+              <a:ext uri="{28A0092B-C50C-407E-A947-70E740481C1C}">
+                <a14:useLocalDpi xmlns:a14="http://schemas.microsoft.com/office/drawing/2010/main" val="0"/>
+              </a:ext>
+            </a:extLst>
+          </a:blip>
+          <a:stretch>
+            <a:fillRect/>
+          </a:stretch>
+        </p:blipFill>
+        <p:spPr>
+          <a:xfrm>
+            <a:off x="200025" y="206049"/>
+            <a:ext cx="677507" cy="483933"/>
           </a:xfrm>
           <a:prstGeom prst="rect">
             <a:avLst/>

--- a/ioVoto.pptx
+++ b/ioVoto.pptx
@@ -5,15 +5,19 @@
     <p:sldMasterId id="2147483648" r:id="rId1"/>
   </p:sldMasterIdLst>
   <p:notesMasterIdLst>
-    <p:notesMasterId r:id="rId5"/>
+    <p:notesMasterId r:id="rId9"/>
   </p:notesMasterIdLst>
   <p:handoutMasterIdLst>
-    <p:handoutMasterId r:id="rId6"/>
+    <p:handoutMasterId r:id="rId10"/>
   </p:handoutMasterIdLst>
   <p:sldIdLst>
-    <p:sldId id="256" r:id="rId2"/>
+    <p:sldId id="262" r:id="rId2"/>
     <p:sldId id="258" r:id="rId3"/>
     <p:sldId id="259" r:id="rId4"/>
+    <p:sldId id="260" r:id="rId5"/>
+    <p:sldId id="261" r:id="rId6"/>
+    <p:sldId id="263" r:id="rId7"/>
+    <p:sldId id="264" r:id="rId8"/>
   </p:sldIdLst>
   <p:sldSz cx="12192000" cy="6858000"/>
   <p:notesSz cx="6858000" cy="9144000"/>
@@ -134,6 +138,3358 @@
 </p:presentation>
 </file>
 
+<file path=ppt/diagrams/colors1.xml><?xml version="1.0" encoding="utf-8"?>
+<dgm:colorsDef xmlns:dgm="http://schemas.openxmlformats.org/drawingml/2006/diagram" xmlns:a="http://schemas.openxmlformats.org/drawingml/2006/main" uniqueId="urn:microsoft.com/office/officeart/2018/5/colors/Iconchunking_coloredtext_colorful1">
+  <dgm:title val=""/>
+  <dgm:desc val=""/>
+  <dgm:catLst>
+    <dgm:cat type="colorful" pri="10100"/>
+  </dgm:catLst>
+  <dgm:styleLbl name="node0">
+    <dgm:fillClrLst meth="repeat">
+      <a:schemeClr val="accent1"/>
+    </dgm:fillClrLst>
+    <dgm:linClrLst meth="repeat">
+      <a:schemeClr val="lt1"/>
+    </dgm:linClrLst>
+    <dgm:effectClrLst/>
+    <dgm:txLinClrLst/>
+    <dgm:txFillClrLst/>
+    <dgm:txEffectClrLst/>
+  </dgm:styleLbl>
+  <dgm:styleLbl name="node1">
+    <dgm:fillClrLst meth="repeat">
+      <a:schemeClr val="bg1"/>
+    </dgm:fillClrLst>
+    <dgm:linClrLst meth="repeat">
+      <a:schemeClr val="lt1">
+        <a:alpha val="0"/>
+      </a:schemeClr>
+    </dgm:linClrLst>
+    <dgm:effectClrLst/>
+    <dgm:txLinClrLst/>
+    <dgm:txFillClrLst meth="repeat">
+      <a:schemeClr val="dk1"/>
+    </dgm:txFillClrLst>
+    <dgm:txEffectClrLst/>
+  </dgm:styleLbl>
+  <dgm:styleLbl name="alignNode1">
+    <dgm:fillClrLst meth="repeat">
+      <a:schemeClr val="accent2"/>
+      <a:schemeClr val="accent3"/>
+      <a:schemeClr val="accent4"/>
+      <a:schemeClr val="accent5"/>
+      <a:schemeClr val="accent6"/>
+    </dgm:fillClrLst>
+    <dgm:linClrLst meth="repeat">
+      <a:schemeClr val="accent2"/>
+      <a:schemeClr val="accent3"/>
+      <a:schemeClr val="accent4"/>
+      <a:schemeClr val="accent5"/>
+      <a:schemeClr val="accent6"/>
+    </dgm:linClrLst>
+    <dgm:effectClrLst/>
+    <dgm:txLinClrLst/>
+    <dgm:txFillClrLst/>
+    <dgm:txEffectClrLst/>
+  </dgm:styleLbl>
+  <dgm:styleLbl name="lnNode1">
+    <dgm:fillClrLst meth="repeat">
+      <a:schemeClr val="accent2"/>
+      <a:schemeClr val="accent3"/>
+      <a:schemeClr val="accent4"/>
+      <a:schemeClr val="accent5"/>
+      <a:schemeClr val="accent6"/>
+    </dgm:fillClrLst>
+    <dgm:linClrLst meth="repeat">
+      <a:schemeClr val="lt1"/>
+    </dgm:linClrLst>
+    <dgm:effectClrLst/>
+    <dgm:txLinClrLst/>
+    <dgm:txFillClrLst/>
+    <dgm:txEffectClrLst/>
+  </dgm:styleLbl>
+  <dgm:styleLbl name="vennNode1">
+    <dgm:fillClrLst meth="repeat">
+      <a:schemeClr val="accent2">
+        <a:alpha val="50000"/>
+      </a:schemeClr>
+      <a:schemeClr val="accent3">
+        <a:alpha val="50000"/>
+      </a:schemeClr>
+      <a:schemeClr val="accent4">
+        <a:alpha val="50000"/>
+      </a:schemeClr>
+      <a:schemeClr val="accent5">
+        <a:alpha val="50000"/>
+      </a:schemeClr>
+      <a:schemeClr val="accent6">
+        <a:alpha val="50000"/>
+      </a:schemeClr>
+    </dgm:fillClrLst>
+    <dgm:linClrLst meth="repeat">
+      <a:schemeClr val="lt1"/>
+    </dgm:linClrLst>
+    <dgm:effectClrLst/>
+    <dgm:txLinClrLst/>
+    <dgm:txFillClrLst/>
+    <dgm:txEffectClrLst/>
+  </dgm:styleLbl>
+  <dgm:styleLbl name="node2">
+    <dgm:fillClrLst>
+      <a:schemeClr val="accent2"/>
+    </dgm:fillClrLst>
+    <dgm:linClrLst meth="repeat">
+      <a:schemeClr val="lt1"/>
+    </dgm:linClrLst>
+    <dgm:effectClrLst/>
+    <dgm:txLinClrLst/>
+    <dgm:txFillClrLst/>
+    <dgm:txEffectClrLst/>
+  </dgm:styleLbl>
+  <dgm:styleLbl name="node3">
+    <dgm:fillClrLst>
+      <a:schemeClr val="accent3"/>
+    </dgm:fillClrLst>
+    <dgm:linClrLst meth="repeat">
+      <a:schemeClr val="lt1"/>
+    </dgm:linClrLst>
+    <dgm:effectClrLst/>
+    <dgm:txLinClrLst/>
+    <dgm:txFillClrLst/>
+    <dgm:txEffectClrLst/>
+  </dgm:styleLbl>
+  <dgm:styleLbl name="node4">
+    <dgm:fillClrLst>
+      <a:schemeClr val="accent4"/>
+    </dgm:fillClrLst>
+    <dgm:linClrLst meth="repeat">
+      <a:schemeClr val="lt1"/>
+    </dgm:linClrLst>
+    <dgm:effectClrLst/>
+    <dgm:txLinClrLst/>
+    <dgm:txFillClrLst/>
+    <dgm:txEffectClrLst/>
+  </dgm:styleLbl>
+  <dgm:styleLbl name="fgImgPlace1">
+    <dgm:fillClrLst meth="repeat">
+      <a:schemeClr val="accent2">
+        <a:tint val="50000"/>
+      </a:schemeClr>
+      <a:schemeClr val="accent3">
+        <a:tint val="50000"/>
+      </a:schemeClr>
+      <a:schemeClr val="accent4">
+        <a:tint val="50000"/>
+      </a:schemeClr>
+      <a:schemeClr val="accent5">
+        <a:tint val="50000"/>
+      </a:schemeClr>
+      <a:schemeClr val="accent6">
+        <a:tint val="50000"/>
+      </a:schemeClr>
+    </dgm:fillClrLst>
+    <dgm:linClrLst meth="repeat">
+      <a:schemeClr val="lt1"/>
+    </dgm:linClrLst>
+    <dgm:effectClrLst/>
+    <dgm:txLinClrLst/>
+    <dgm:txFillClrLst meth="repeat">
+      <a:schemeClr val="lt1"/>
+    </dgm:txFillClrLst>
+    <dgm:txEffectClrLst/>
+  </dgm:styleLbl>
+  <dgm:styleLbl name="alignImgPlace1">
+    <dgm:fillClrLst>
+      <a:schemeClr val="accent1">
+        <a:tint val="50000"/>
+      </a:schemeClr>
+      <a:schemeClr val="accent2">
+        <a:tint val="20000"/>
+      </a:schemeClr>
+    </dgm:fillClrLst>
+    <dgm:linClrLst meth="repeat">
+      <a:schemeClr val="lt1"/>
+    </dgm:linClrLst>
+    <dgm:effectClrLst/>
+    <dgm:txLinClrLst/>
+    <dgm:txFillClrLst meth="repeat">
+      <a:schemeClr val="lt1"/>
+    </dgm:txFillClrLst>
+    <dgm:txEffectClrLst/>
+  </dgm:styleLbl>
+  <dgm:styleLbl name="bgImgPlace1">
+    <dgm:fillClrLst>
+      <a:schemeClr val="accent1">
+        <a:tint val="50000"/>
+      </a:schemeClr>
+      <a:schemeClr val="accent2">
+        <a:tint val="20000"/>
+      </a:schemeClr>
+    </dgm:fillClrLst>
+    <dgm:linClrLst meth="repeat">
+      <a:schemeClr val="lt1"/>
+    </dgm:linClrLst>
+    <dgm:effectClrLst/>
+    <dgm:txLinClrLst/>
+    <dgm:txFillClrLst meth="repeat">
+      <a:schemeClr val="lt1"/>
+    </dgm:txFillClrLst>
+    <dgm:txEffectClrLst/>
+  </dgm:styleLbl>
+  <dgm:styleLbl name="sibTrans2D1">
+    <dgm:fillClrLst meth="repeat">
+      <a:schemeClr val="accent2"/>
+      <a:schemeClr val="accent3"/>
+      <a:schemeClr val="accent4"/>
+      <a:schemeClr val="accent5"/>
+      <a:schemeClr val="accent6"/>
+    </dgm:fillClrLst>
+    <dgm:linClrLst meth="cycle">
+      <a:schemeClr val="lt1"/>
+    </dgm:linClrLst>
+    <dgm:effectClrLst/>
+    <dgm:txLinClrLst/>
+    <dgm:txFillClrLst/>
+    <dgm:txEffectClrLst/>
+  </dgm:styleLbl>
+  <dgm:styleLbl name="fgSibTrans2D1">
+    <dgm:fillClrLst meth="repeat">
+      <a:schemeClr val="accent2"/>
+      <a:schemeClr val="accent3"/>
+      <a:schemeClr val="accent4"/>
+      <a:schemeClr val="accent5"/>
+      <a:schemeClr val="accent6"/>
+    </dgm:fillClrLst>
+    <dgm:linClrLst meth="cycle">
+      <a:schemeClr val="lt1"/>
+    </dgm:linClrLst>
+    <dgm:effectClrLst/>
+    <dgm:txLinClrLst/>
+    <dgm:txFillClrLst meth="repeat">
+      <a:schemeClr val="lt1"/>
+    </dgm:txFillClrLst>
+    <dgm:txEffectClrLst/>
+  </dgm:styleLbl>
+  <dgm:styleLbl name="bgSibTrans2D1">
+    <dgm:fillClrLst meth="repeat">
+      <a:schemeClr val="accent2"/>
+      <a:schemeClr val="accent3"/>
+      <a:schemeClr val="accent4"/>
+      <a:schemeClr val="accent5"/>
+      <a:schemeClr val="accent6"/>
+    </dgm:fillClrLst>
+    <dgm:linClrLst meth="cycle">
+      <a:schemeClr val="lt1"/>
+    </dgm:linClrLst>
+    <dgm:effectClrLst/>
+    <dgm:txLinClrLst/>
+    <dgm:txFillClrLst meth="repeat">
+      <a:schemeClr val="lt1"/>
+    </dgm:txFillClrLst>
+    <dgm:txEffectClrLst/>
+  </dgm:styleLbl>
+  <dgm:styleLbl name="sibTrans1D1">
+    <dgm:fillClrLst meth="repeat">
+      <a:schemeClr val="accent2"/>
+      <a:schemeClr val="accent3"/>
+      <a:schemeClr val="accent4"/>
+      <a:schemeClr val="accent5"/>
+      <a:schemeClr val="accent6"/>
+    </dgm:fillClrLst>
+    <dgm:linClrLst meth="repeat">
+      <a:schemeClr val="accent2"/>
+      <a:schemeClr val="accent3"/>
+      <a:schemeClr val="accent4"/>
+      <a:schemeClr val="accent5"/>
+      <a:schemeClr val="accent6"/>
+    </dgm:linClrLst>
+    <dgm:effectClrLst/>
+    <dgm:txLinClrLst/>
+    <dgm:txFillClrLst meth="repeat">
+      <a:schemeClr val="tx1"/>
+    </dgm:txFillClrLst>
+    <dgm:txEffectClrLst/>
+  </dgm:styleLbl>
+  <dgm:styleLbl name="callout">
+    <dgm:fillClrLst meth="repeat">
+      <a:schemeClr val="accent2"/>
+    </dgm:fillClrLst>
+    <dgm:linClrLst meth="repeat">
+      <a:schemeClr val="accent2">
+        <a:tint val="50000"/>
+      </a:schemeClr>
+    </dgm:linClrLst>
+    <dgm:effectClrLst/>
+    <dgm:txLinClrLst/>
+    <dgm:txFillClrLst meth="repeat">
+      <a:schemeClr val="tx1"/>
+    </dgm:txFillClrLst>
+    <dgm:txEffectClrLst/>
+  </dgm:styleLbl>
+  <dgm:styleLbl name="asst0">
+    <dgm:fillClrLst meth="repeat">
+      <a:schemeClr val="accent1"/>
+    </dgm:fillClrLst>
+    <dgm:linClrLst meth="repeat">
+      <a:schemeClr val="lt1"/>
+    </dgm:linClrLst>
+    <dgm:effectClrLst/>
+    <dgm:txLinClrLst/>
+    <dgm:txFillClrLst/>
+    <dgm:txEffectClrLst/>
+  </dgm:styleLbl>
+  <dgm:styleLbl name="asst1">
+    <dgm:fillClrLst meth="repeat">
+      <a:schemeClr val="accent2"/>
+    </dgm:fillClrLst>
+    <dgm:linClrLst meth="repeat">
+      <a:schemeClr val="lt1"/>
+    </dgm:linClrLst>
+    <dgm:effectClrLst/>
+    <dgm:txLinClrLst/>
+    <dgm:txFillClrLst/>
+    <dgm:txEffectClrLst/>
+  </dgm:styleLbl>
+  <dgm:styleLbl name="asst2">
+    <dgm:fillClrLst>
+      <a:schemeClr val="accent3"/>
+    </dgm:fillClrLst>
+    <dgm:linClrLst meth="repeat">
+      <a:schemeClr val="lt1"/>
+    </dgm:linClrLst>
+    <dgm:effectClrLst/>
+    <dgm:txLinClrLst/>
+    <dgm:txFillClrLst/>
+    <dgm:txEffectClrLst/>
+  </dgm:styleLbl>
+  <dgm:styleLbl name="asst3">
+    <dgm:fillClrLst>
+      <a:schemeClr val="accent4"/>
+    </dgm:fillClrLst>
+    <dgm:linClrLst meth="repeat">
+      <a:schemeClr val="lt1"/>
+    </dgm:linClrLst>
+    <dgm:effectClrLst/>
+    <dgm:txLinClrLst/>
+    <dgm:txFillClrLst/>
+    <dgm:txEffectClrLst/>
+  </dgm:styleLbl>
+  <dgm:styleLbl name="asst4">
+    <dgm:fillClrLst>
+      <a:schemeClr val="accent5"/>
+    </dgm:fillClrLst>
+    <dgm:linClrLst meth="repeat">
+      <a:schemeClr val="lt1"/>
+    </dgm:linClrLst>
+    <dgm:effectClrLst/>
+    <dgm:txLinClrLst/>
+    <dgm:txFillClrLst/>
+    <dgm:txEffectClrLst/>
+  </dgm:styleLbl>
+  <dgm:styleLbl name="parChTrans2D1">
+    <dgm:fillClrLst meth="repeat">
+      <a:schemeClr val="accent2"/>
+    </dgm:fillClrLst>
+    <dgm:linClrLst meth="repeat">
+      <a:schemeClr val="lt1"/>
+    </dgm:linClrLst>
+    <dgm:effectClrLst/>
+    <dgm:txLinClrLst/>
+    <dgm:txFillClrLst meth="repeat">
+      <a:schemeClr val="lt1"/>
+    </dgm:txFillClrLst>
+    <dgm:txEffectClrLst/>
+  </dgm:styleLbl>
+  <dgm:styleLbl name="parChTrans2D2">
+    <dgm:fillClrLst meth="repeat">
+      <a:schemeClr val="accent3"/>
+    </dgm:fillClrLst>
+    <dgm:linClrLst meth="repeat">
+      <a:schemeClr val="lt1"/>
+    </dgm:linClrLst>
+    <dgm:effectClrLst/>
+    <dgm:txLinClrLst/>
+    <dgm:txFillClrLst/>
+    <dgm:txEffectClrLst/>
+  </dgm:styleLbl>
+  <dgm:styleLbl name="parChTrans2D3">
+    <dgm:fillClrLst meth="repeat">
+      <a:schemeClr val="accent4"/>
+    </dgm:fillClrLst>
+    <dgm:linClrLst meth="repeat">
+      <a:schemeClr val="lt1"/>
+    </dgm:linClrLst>
+    <dgm:effectClrLst/>
+    <dgm:txLinClrLst/>
+    <dgm:txFillClrLst/>
+    <dgm:txEffectClrLst/>
+  </dgm:styleLbl>
+  <dgm:styleLbl name="parChTrans2D4">
+    <dgm:fillClrLst meth="repeat">
+      <a:schemeClr val="accent5"/>
+    </dgm:fillClrLst>
+    <dgm:linClrLst meth="repeat">
+      <a:schemeClr val="lt1"/>
+    </dgm:linClrLst>
+    <dgm:effectClrLst/>
+    <dgm:txLinClrLst/>
+    <dgm:txFillClrLst meth="repeat">
+      <a:schemeClr val="lt1"/>
+    </dgm:txFillClrLst>
+    <dgm:txEffectClrLst/>
+  </dgm:styleLbl>
+  <dgm:styleLbl name="parChTrans1D1">
+    <dgm:fillClrLst meth="repeat">
+      <a:schemeClr val="accent2"/>
+    </dgm:fillClrLst>
+    <dgm:linClrLst meth="repeat">
+      <a:schemeClr val="accent1"/>
+    </dgm:linClrLst>
+    <dgm:effectClrLst/>
+    <dgm:txLinClrLst/>
+    <dgm:txFillClrLst meth="repeat">
+      <a:schemeClr val="tx1"/>
+    </dgm:txFillClrLst>
+    <dgm:txEffectClrLst/>
+  </dgm:styleLbl>
+  <dgm:styleLbl name="parChTrans1D2">
+    <dgm:fillClrLst meth="repeat">
+      <a:schemeClr val="accent3">
+        <a:tint val="90000"/>
+      </a:schemeClr>
+    </dgm:fillClrLst>
+    <dgm:linClrLst meth="repeat">
+      <a:schemeClr val="accent2"/>
+    </dgm:linClrLst>
+    <dgm:effectClrLst/>
+    <dgm:txLinClrLst/>
+    <dgm:txFillClrLst meth="repeat">
+      <a:schemeClr val="tx1"/>
+    </dgm:txFillClrLst>
+    <dgm:txEffectClrLst/>
+  </dgm:styleLbl>
+  <dgm:styleLbl name="parChTrans1D3">
+    <dgm:fillClrLst meth="repeat">
+      <a:schemeClr val="accent4">
+        <a:tint val="70000"/>
+      </a:schemeClr>
+    </dgm:fillClrLst>
+    <dgm:linClrLst meth="repeat">
+      <a:schemeClr val="accent3"/>
+    </dgm:linClrLst>
+    <dgm:effectClrLst/>
+    <dgm:txLinClrLst/>
+    <dgm:txFillClrLst meth="repeat">
+      <a:schemeClr val="tx1"/>
+    </dgm:txFillClrLst>
+    <dgm:txEffectClrLst/>
+  </dgm:styleLbl>
+  <dgm:styleLbl name="parChTrans1D4">
+    <dgm:fillClrLst meth="repeat">
+      <a:schemeClr val="accent5">
+        <a:tint val="50000"/>
+      </a:schemeClr>
+    </dgm:fillClrLst>
+    <dgm:linClrLst meth="repeat">
+      <a:schemeClr val="accent4"/>
+    </dgm:linClrLst>
+    <dgm:effectClrLst/>
+    <dgm:txLinClrLst/>
+    <dgm:txFillClrLst meth="repeat">
+      <a:schemeClr val="tx1"/>
+    </dgm:txFillClrLst>
+    <dgm:txEffectClrLst/>
+  </dgm:styleLbl>
+  <dgm:styleLbl name="fgAcc1">
+    <dgm:fillClrLst meth="repeat">
+      <a:schemeClr val="lt1">
+        <a:alpha val="90000"/>
+      </a:schemeClr>
+    </dgm:fillClrLst>
+    <dgm:linClrLst meth="repeat">
+      <a:schemeClr val="accent2"/>
+      <a:schemeClr val="accent3"/>
+      <a:schemeClr val="accent4"/>
+      <a:schemeClr val="accent5"/>
+      <a:schemeClr val="accent6"/>
+    </dgm:linClrLst>
+    <dgm:effectClrLst/>
+    <dgm:txLinClrLst/>
+    <dgm:txFillClrLst meth="repeat">
+      <a:schemeClr val="dk1"/>
+    </dgm:txFillClrLst>
+    <dgm:txEffectClrLst/>
+  </dgm:styleLbl>
+  <dgm:styleLbl name="conFgAcc1">
+    <dgm:fillClrLst meth="repeat">
+      <a:schemeClr val="lt1">
+        <a:alpha val="90000"/>
+      </a:schemeClr>
+    </dgm:fillClrLst>
+    <dgm:linClrLst meth="repeat">
+      <a:schemeClr val="accent2"/>
+      <a:schemeClr val="accent3"/>
+      <a:schemeClr val="accent4"/>
+      <a:schemeClr val="accent5"/>
+      <a:schemeClr val="accent6"/>
+    </dgm:linClrLst>
+    <dgm:effectClrLst/>
+    <dgm:txLinClrLst/>
+    <dgm:txFillClrLst meth="repeat">
+      <a:schemeClr val="dk1"/>
+    </dgm:txFillClrLst>
+    <dgm:txEffectClrLst/>
+  </dgm:styleLbl>
+  <dgm:styleLbl name="alignAcc1">
+    <dgm:fillClrLst meth="repeat">
+      <a:schemeClr val="lt1">
+        <a:alpha val="90000"/>
+      </a:schemeClr>
+    </dgm:fillClrLst>
+    <dgm:linClrLst meth="repeat">
+      <a:schemeClr val="accent2"/>
+      <a:schemeClr val="accent3"/>
+      <a:schemeClr val="accent4"/>
+      <a:schemeClr val="accent5"/>
+      <a:schemeClr val="accent6"/>
+    </dgm:linClrLst>
+    <dgm:effectClrLst/>
+    <dgm:txLinClrLst/>
+    <dgm:txFillClrLst meth="repeat">
+      <a:schemeClr val="dk1"/>
+    </dgm:txFillClrLst>
+    <dgm:txEffectClrLst/>
+  </dgm:styleLbl>
+  <dgm:styleLbl name="trAlignAcc1">
+    <dgm:fillClrLst meth="repeat">
+      <a:schemeClr val="lt1">
+        <a:alpha val="0"/>
+      </a:schemeClr>
+    </dgm:fillClrLst>
+    <dgm:linClrLst meth="repeat">
+      <a:schemeClr val="accent2"/>
+      <a:schemeClr val="accent3"/>
+      <a:schemeClr val="accent4"/>
+      <a:schemeClr val="accent5"/>
+      <a:schemeClr val="accent6"/>
+    </dgm:linClrLst>
+    <dgm:effectClrLst/>
+    <dgm:txLinClrLst/>
+    <dgm:txFillClrLst meth="repeat">
+      <a:schemeClr val="dk1"/>
+    </dgm:txFillClrLst>
+    <dgm:txEffectClrLst/>
+  </dgm:styleLbl>
+  <dgm:styleLbl name="bgAcc1">
+    <dgm:fillClrLst meth="repeat">
+      <a:schemeClr val="lt1">
+        <a:alpha val="90000"/>
+      </a:schemeClr>
+    </dgm:fillClrLst>
+    <dgm:linClrLst meth="repeat">
+      <a:schemeClr val="accent2"/>
+      <a:schemeClr val="accent3"/>
+      <a:schemeClr val="accent4"/>
+      <a:schemeClr val="accent5"/>
+      <a:schemeClr val="accent6"/>
+    </dgm:linClrLst>
+    <dgm:effectClrLst/>
+    <dgm:txLinClrLst/>
+    <dgm:txFillClrLst meth="repeat">
+      <a:schemeClr val="dk1"/>
+    </dgm:txFillClrLst>
+    <dgm:txEffectClrLst/>
+  </dgm:styleLbl>
+  <dgm:styleLbl name="solidFgAcc1">
+    <dgm:fillClrLst meth="repeat">
+      <a:schemeClr val="lt1"/>
+    </dgm:fillClrLst>
+    <dgm:linClrLst meth="repeat">
+      <a:schemeClr val="accent2"/>
+      <a:schemeClr val="accent3"/>
+      <a:schemeClr val="accent4"/>
+      <a:schemeClr val="accent5"/>
+      <a:schemeClr val="accent6"/>
+    </dgm:linClrLst>
+    <dgm:effectClrLst/>
+    <dgm:txLinClrLst/>
+    <dgm:txFillClrLst meth="repeat">
+      <a:schemeClr val="dk1"/>
+    </dgm:txFillClrLst>
+    <dgm:txEffectClrLst/>
+  </dgm:styleLbl>
+  <dgm:styleLbl name="solidAlignAcc1">
+    <dgm:fillClrLst meth="repeat">
+      <a:schemeClr val="lt1"/>
+    </dgm:fillClrLst>
+    <dgm:linClrLst meth="repeat">
+      <a:schemeClr val="accent2"/>
+      <a:schemeClr val="accent3"/>
+      <a:schemeClr val="accent4"/>
+      <a:schemeClr val="accent5"/>
+      <a:schemeClr val="accent6"/>
+    </dgm:linClrLst>
+    <dgm:effectClrLst/>
+    <dgm:txLinClrLst/>
+    <dgm:txFillClrLst meth="repeat">
+      <a:schemeClr val="dk1"/>
+    </dgm:txFillClrLst>
+    <dgm:txEffectClrLst/>
+  </dgm:styleLbl>
+  <dgm:styleLbl name="solidBgAcc1">
+    <dgm:fillClrLst meth="repeat">
+      <a:schemeClr val="lt1"/>
+    </dgm:fillClrLst>
+    <dgm:linClrLst meth="repeat">
+      <a:schemeClr val="accent2"/>
+      <a:schemeClr val="accent3"/>
+      <a:schemeClr val="accent4"/>
+      <a:schemeClr val="accent5"/>
+      <a:schemeClr val="accent6"/>
+    </dgm:linClrLst>
+    <dgm:effectClrLst/>
+    <dgm:txLinClrLst/>
+    <dgm:txFillClrLst meth="repeat">
+      <a:schemeClr val="dk1"/>
+    </dgm:txFillClrLst>
+    <dgm:txEffectClrLst/>
+  </dgm:styleLbl>
+  <dgm:styleLbl name="fgAccFollowNode1">
+    <dgm:fillClrLst meth="repeat">
+      <a:schemeClr val="accent2">
+        <a:tint val="40000"/>
+        <a:alpha val="90000"/>
+      </a:schemeClr>
+      <a:schemeClr val="accent3">
+        <a:tint val="40000"/>
+        <a:alpha val="90000"/>
+      </a:schemeClr>
+      <a:schemeClr val="accent4">
+        <a:tint val="40000"/>
+        <a:alpha val="90000"/>
+      </a:schemeClr>
+      <a:schemeClr val="accent5">
+        <a:tint val="40000"/>
+        <a:alpha val="90000"/>
+      </a:schemeClr>
+      <a:schemeClr val="accent6">
+        <a:tint val="40000"/>
+        <a:alpha val="90000"/>
+      </a:schemeClr>
+    </dgm:fillClrLst>
+    <dgm:linClrLst meth="repeat">
+      <a:schemeClr val="accent2">
+        <a:tint val="40000"/>
+        <a:alpha val="90000"/>
+      </a:schemeClr>
+      <a:schemeClr val="accent3">
+        <a:tint val="40000"/>
+        <a:alpha val="90000"/>
+      </a:schemeClr>
+      <a:schemeClr val="accent4">
+        <a:tint val="40000"/>
+        <a:alpha val="90000"/>
+      </a:schemeClr>
+      <a:schemeClr val="accent5">
+        <a:tint val="40000"/>
+        <a:alpha val="90000"/>
+      </a:schemeClr>
+      <a:schemeClr val="accent6">
+        <a:tint val="40000"/>
+        <a:alpha val="90000"/>
+      </a:schemeClr>
+    </dgm:linClrLst>
+    <dgm:effectClrLst/>
+    <dgm:txLinClrLst/>
+    <dgm:txFillClrLst meth="repeat">
+      <a:schemeClr val="dk1"/>
+    </dgm:txFillClrLst>
+    <dgm:txEffectClrLst/>
+  </dgm:styleLbl>
+  <dgm:styleLbl name="alignAccFollowNode1">
+    <dgm:fillClrLst meth="repeat">
+      <a:schemeClr val="accent2">
+        <a:tint val="40000"/>
+        <a:alpha val="90000"/>
+      </a:schemeClr>
+      <a:schemeClr val="accent3">
+        <a:tint val="40000"/>
+        <a:alpha val="90000"/>
+      </a:schemeClr>
+      <a:schemeClr val="accent4">
+        <a:tint val="40000"/>
+        <a:alpha val="90000"/>
+      </a:schemeClr>
+      <a:schemeClr val="accent5">
+        <a:tint val="40000"/>
+        <a:alpha val="90000"/>
+      </a:schemeClr>
+      <a:schemeClr val="accent6">
+        <a:tint val="40000"/>
+        <a:alpha val="90000"/>
+      </a:schemeClr>
+    </dgm:fillClrLst>
+    <dgm:linClrLst meth="repeat">
+      <a:schemeClr val="accent2">
+        <a:tint val="40000"/>
+        <a:alpha val="90000"/>
+      </a:schemeClr>
+      <a:schemeClr val="accent3">
+        <a:tint val="40000"/>
+        <a:alpha val="90000"/>
+      </a:schemeClr>
+      <a:schemeClr val="accent4">
+        <a:tint val="40000"/>
+        <a:alpha val="90000"/>
+      </a:schemeClr>
+      <a:schemeClr val="accent5">
+        <a:tint val="40000"/>
+        <a:alpha val="90000"/>
+      </a:schemeClr>
+      <a:schemeClr val="accent6">
+        <a:tint val="40000"/>
+        <a:alpha val="90000"/>
+      </a:schemeClr>
+    </dgm:linClrLst>
+    <dgm:effectClrLst/>
+    <dgm:txLinClrLst/>
+    <dgm:txFillClrLst meth="repeat">
+      <a:schemeClr val="dk1"/>
+    </dgm:txFillClrLst>
+    <dgm:txEffectClrLst/>
+  </dgm:styleLbl>
+  <dgm:styleLbl name="bgAccFollowNode1">
+    <dgm:fillClrLst meth="repeat">
+      <a:schemeClr val="accent2">
+        <a:tint val="40000"/>
+        <a:alpha val="90000"/>
+      </a:schemeClr>
+      <a:schemeClr val="accent3">
+        <a:tint val="40000"/>
+        <a:alpha val="90000"/>
+      </a:schemeClr>
+      <a:schemeClr val="accent4">
+        <a:tint val="40000"/>
+        <a:alpha val="90000"/>
+      </a:schemeClr>
+      <a:schemeClr val="accent5">
+        <a:tint val="40000"/>
+        <a:alpha val="90000"/>
+      </a:schemeClr>
+      <a:schemeClr val="accent6">
+        <a:tint val="40000"/>
+        <a:alpha val="90000"/>
+      </a:schemeClr>
+    </dgm:fillClrLst>
+    <dgm:linClrLst meth="repeat">
+      <a:schemeClr val="accent2">
+        <a:tint val="40000"/>
+        <a:alpha val="90000"/>
+      </a:schemeClr>
+      <a:schemeClr val="accent3">
+        <a:tint val="40000"/>
+        <a:alpha val="90000"/>
+      </a:schemeClr>
+      <a:schemeClr val="accent4">
+        <a:tint val="40000"/>
+        <a:alpha val="90000"/>
+      </a:schemeClr>
+      <a:schemeClr val="accent5">
+        <a:tint val="40000"/>
+        <a:alpha val="90000"/>
+      </a:schemeClr>
+      <a:schemeClr val="accent6">
+        <a:tint val="40000"/>
+        <a:alpha val="90000"/>
+      </a:schemeClr>
+    </dgm:linClrLst>
+    <dgm:effectClrLst/>
+    <dgm:txLinClrLst/>
+    <dgm:txFillClrLst meth="repeat">
+      <a:schemeClr val="dk1"/>
+    </dgm:txFillClrLst>
+    <dgm:txEffectClrLst/>
+  </dgm:styleLbl>
+  <dgm:styleLbl name="fgAcc0">
+    <dgm:fillClrLst meth="repeat">
+      <a:schemeClr val="lt1">
+        <a:alpha val="90000"/>
+      </a:schemeClr>
+    </dgm:fillClrLst>
+    <dgm:linClrLst>
+      <a:schemeClr val="accent1"/>
+    </dgm:linClrLst>
+    <dgm:effectClrLst/>
+    <dgm:txLinClrLst/>
+    <dgm:txFillClrLst meth="repeat">
+      <a:schemeClr val="dk1"/>
+    </dgm:txFillClrLst>
+    <dgm:txEffectClrLst/>
+  </dgm:styleLbl>
+  <dgm:styleLbl name="fgAcc2">
+    <dgm:fillClrLst meth="repeat">
+      <a:schemeClr val="lt1">
+        <a:alpha val="90000"/>
+      </a:schemeClr>
+    </dgm:fillClrLst>
+    <dgm:linClrLst>
+      <a:schemeClr val="accent2"/>
+    </dgm:linClrLst>
+    <dgm:effectClrLst/>
+    <dgm:txLinClrLst/>
+    <dgm:txFillClrLst meth="repeat">
+      <a:schemeClr val="dk1"/>
+    </dgm:txFillClrLst>
+    <dgm:txEffectClrLst/>
+  </dgm:styleLbl>
+  <dgm:styleLbl name="fgAcc3">
+    <dgm:fillClrLst meth="repeat">
+      <a:schemeClr val="lt1">
+        <a:alpha val="90000"/>
+      </a:schemeClr>
+    </dgm:fillClrLst>
+    <dgm:linClrLst>
+      <a:schemeClr val="accent3"/>
+    </dgm:linClrLst>
+    <dgm:effectClrLst/>
+    <dgm:txLinClrLst/>
+    <dgm:txFillClrLst meth="repeat">
+      <a:schemeClr val="dk1"/>
+    </dgm:txFillClrLst>
+    <dgm:txEffectClrLst/>
+  </dgm:styleLbl>
+  <dgm:styleLbl name="fgAcc4">
+    <dgm:fillClrLst meth="repeat">
+      <a:schemeClr val="lt1">
+        <a:alpha val="90000"/>
+      </a:schemeClr>
+    </dgm:fillClrLst>
+    <dgm:linClrLst>
+      <a:schemeClr val="accent4"/>
+    </dgm:linClrLst>
+    <dgm:effectClrLst/>
+    <dgm:txLinClrLst/>
+    <dgm:txFillClrLst meth="repeat">
+      <a:schemeClr val="dk1"/>
+    </dgm:txFillClrLst>
+    <dgm:txEffectClrLst/>
+  </dgm:styleLbl>
+  <dgm:styleLbl name="bgShp">
+    <dgm:fillClrLst meth="repeat">
+      <a:schemeClr val="accent2"/>
+      <a:schemeClr val="accent3"/>
+      <a:schemeClr val="accent4"/>
+      <a:schemeClr val="accent5"/>
+      <a:schemeClr val="accent6"/>
+    </dgm:fillClrLst>
+    <dgm:linClrLst meth="repeat">
+      <a:schemeClr val="lt1">
+        <a:alpha val="0"/>
+      </a:schemeClr>
+    </dgm:linClrLst>
+    <dgm:effectClrLst/>
+    <dgm:txLinClrLst/>
+    <dgm:txFillClrLst/>
+    <dgm:txEffectClrLst/>
+  </dgm:styleLbl>
+  <dgm:styleLbl name="dkBgShp">
+    <dgm:fillClrLst meth="repeat">
+      <a:schemeClr val="accent2">
+        <a:shade val="90000"/>
+      </a:schemeClr>
+    </dgm:fillClrLst>
+    <dgm:linClrLst meth="repeat">
+      <a:schemeClr val="dk1"/>
+    </dgm:linClrLst>
+    <dgm:effectClrLst/>
+    <dgm:txLinClrLst/>
+    <dgm:txFillClrLst meth="repeat">
+      <a:schemeClr val="lt1"/>
+    </dgm:txFillClrLst>
+    <dgm:txEffectClrLst/>
+  </dgm:styleLbl>
+  <dgm:styleLbl name="trBgShp">
+    <dgm:fillClrLst meth="repeat">
+      <a:schemeClr val="accent1">
+        <a:tint val="50000"/>
+        <a:alpha val="40000"/>
+      </a:schemeClr>
+    </dgm:fillClrLst>
+    <dgm:linClrLst meth="repeat">
+      <a:schemeClr val="accent2"/>
+    </dgm:linClrLst>
+    <dgm:effectClrLst/>
+    <dgm:txLinClrLst/>
+    <dgm:txFillClrLst meth="repeat">
+      <a:schemeClr val="lt1"/>
+    </dgm:txFillClrLst>
+    <dgm:txEffectClrLst/>
+  </dgm:styleLbl>
+  <dgm:styleLbl name="fgShp">
+    <dgm:fillClrLst meth="repeat">
+      <a:schemeClr val="accent2">
+        <a:tint val="40000"/>
+      </a:schemeClr>
+    </dgm:fillClrLst>
+    <dgm:linClrLst meth="repeat">
+      <a:schemeClr val="lt1"/>
+    </dgm:linClrLst>
+    <dgm:effectClrLst/>
+    <dgm:txLinClrLst/>
+    <dgm:txFillClrLst meth="repeat">
+      <a:schemeClr val="dk1"/>
+    </dgm:txFillClrLst>
+    <dgm:txEffectClrLst/>
+  </dgm:styleLbl>
+  <dgm:styleLbl name="revTx">
+    <dgm:fillClrLst meth="repeat">
+      <a:schemeClr val="accent2">
+        <a:alpha val="0"/>
+      </a:schemeClr>
+    </dgm:fillClrLst>
+    <dgm:linClrLst meth="repeat">
+      <a:schemeClr val="accent2">
+        <a:alpha val="0"/>
+      </a:schemeClr>
+    </dgm:linClrLst>
+    <dgm:effectClrLst/>
+    <dgm:txLinClrLst/>
+    <dgm:txFillClrLst meth="repeat">
+      <a:schemeClr val="accent2"/>
+      <a:schemeClr val="accent3"/>
+      <a:schemeClr val="accent4"/>
+      <a:schemeClr val="accent5"/>
+      <a:schemeClr val="accent6"/>
+    </dgm:txFillClrLst>
+    <dgm:txEffectClrLst/>
+  </dgm:styleLbl>
+</dgm:colorsDef>
+</file>
+
+<file path=ppt/diagrams/data1.xml><?xml version="1.0" encoding="utf-8"?>
+<dgm:dataModel xmlns:dgm="http://schemas.openxmlformats.org/drawingml/2006/diagram" xmlns:a="http://schemas.openxmlformats.org/drawingml/2006/main">
+  <dgm:ptLst>
+    <dgm:pt modelId="{84748320-660B-41FD-81C9-CA02624A0F4C}" type="doc">
+      <dgm:prSet loTypeId="urn:microsoft.com/office/officeart/2018/2/layout/IconCircleList" loCatId="icon" qsTypeId="urn:microsoft.com/office/officeart/2005/8/quickstyle/simple1" qsCatId="simple" csTypeId="urn:microsoft.com/office/officeart/2018/5/colors/Iconchunking_coloredtext_colorful1" csCatId="colorful" phldr="1"/>
+      <dgm:spPr/>
+      <dgm:t>
+        <a:bodyPr/>
+        <a:lstStyle/>
+        <a:p>
+          <a:endParaRPr lang="en-US"/>
+        </a:p>
+      </dgm:t>
+    </dgm:pt>
+    <dgm:pt modelId="{8DFF89B5-D8BC-4014-A119-EDF881DBB6B7}">
+      <dgm:prSet/>
+      <dgm:spPr/>
+      <dgm:t>
+        <a:bodyPr/>
+        <a:lstStyle/>
+        <a:p>
+          <a:pPr>
+            <a:lnSpc>
+              <a:spcPct val="100000"/>
+            </a:lnSpc>
+          </a:pPr>
+          <a:r>
+            <a:rPr lang="en-US" dirty="0">
+              <a:solidFill>
+                <a:schemeClr val="tx1"/>
+              </a:solidFill>
+            </a:rPr>
+            <a:t>Git</a:t>
+          </a:r>
+        </a:p>
+      </dgm:t>
+    </dgm:pt>
+    <dgm:pt modelId="{C284868C-975B-4C2F-B5F5-9ADEB4CDB3DE}" type="parTrans" cxnId="{9751B939-58E7-463E-B4F4-ACB4A7517A31}">
+      <dgm:prSet/>
+      <dgm:spPr/>
+      <dgm:t>
+        <a:bodyPr/>
+        <a:lstStyle/>
+        <a:p>
+          <a:endParaRPr lang="en-US"/>
+        </a:p>
+      </dgm:t>
+    </dgm:pt>
+    <dgm:pt modelId="{0801084D-275A-4D13-9E00-C8B2FA5A734F}" type="sibTrans" cxnId="{9751B939-58E7-463E-B4F4-ACB4A7517A31}">
+      <dgm:prSet/>
+      <dgm:spPr/>
+      <dgm:t>
+        <a:bodyPr/>
+        <a:lstStyle/>
+        <a:p>
+          <a:pPr>
+            <a:lnSpc>
+              <a:spcPct val="100000"/>
+            </a:lnSpc>
+          </a:pPr>
+          <a:endParaRPr lang="en-US"/>
+        </a:p>
+      </dgm:t>
+    </dgm:pt>
+    <dgm:pt modelId="{DE69BD19-04E8-4F59-A011-62E2B150ECCB}">
+      <dgm:prSet/>
+      <dgm:spPr/>
+      <dgm:t>
+        <a:bodyPr/>
+        <a:lstStyle/>
+        <a:p>
+          <a:pPr>
+            <a:lnSpc>
+              <a:spcPct val="100000"/>
+            </a:lnSpc>
+          </a:pPr>
+          <a:r>
+            <a:rPr lang="it-IT" dirty="0" err="1">
+              <a:solidFill>
+                <a:srgbClr val="ED7D31"/>
+              </a:solidFill>
+            </a:rPr>
+            <a:t>VisualStudio</a:t>
+          </a:r>
+          <a:r>
+            <a:rPr lang="it-IT" dirty="0">
+              <a:solidFill>
+                <a:srgbClr val="ED7D31"/>
+              </a:solidFill>
+            </a:rPr>
+            <a:t> Code </a:t>
+          </a:r>
+          <a:endParaRPr lang="en-US" dirty="0"/>
+        </a:p>
+      </dgm:t>
+    </dgm:pt>
+    <dgm:pt modelId="{32B9BBC6-53A7-45F6-8F23-F808DBF3E89E}" type="parTrans" cxnId="{053404BC-21B9-4BA2-9BF7-298E98674204}">
+      <dgm:prSet/>
+      <dgm:spPr/>
+      <dgm:t>
+        <a:bodyPr/>
+        <a:lstStyle/>
+        <a:p>
+          <a:endParaRPr lang="en-US"/>
+        </a:p>
+      </dgm:t>
+    </dgm:pt>
+    <dgm:pt modelId="{2F8CE607-D0A6-4AE5-B79F-8A37093C0B8F}" type="sibTrans" cxnId="{053404BC-21B9-4BA2-9BF7-298E98674204}">
+      <dgm:prSet/>
+      <dgm:spPr/>
+      <dgm:t>
+        <a:bodyPr/>
+        <a:lstStyle/>
+        <a:p>
+          <a:pPr>
+            <a:lnSpc>
+              <a:spcPct val="100000"/>
+            </a:lnSpc>
+          </a:pPr>
+          <a:endParaRPr lang="en-US"/>
+        </a:p>
+      </dgm:t>
+    </dgm:pt>
+    <dgm:pt modelId="{B00DA5AB-3D8B-4B29-A92A-07A9DF1F5C69}">
+      <dgm:prSet/>
+      <dgm:spPr/>
+      <dgm:t>
+        <a:bodyPr/>
+        <a:lstStyle/>
+        <a:p>
+          <a:pPr>
+            <a:lnSpc>
+              <a:spcPct val="100000"/>
+            </a:lnSpc>
+          </a:pPr>
+          <a:r>
+            <a:rPr lang="it-IT" dirty="0">
+              <a:solidFill>
+                <a:srgbClr val="5585A5"/>
+              </a:solidFill>
+            </a:rPr>
+            <a:t>Java</a:t>
+          </a:r>
+          <a:endParaRPr lang="en-US" dirty="0">
+            <a:solidFill>
+              <a:srgbClr val="5585A5"/>
+            </a:solidFill>
+          </a:endParaRPr>
+        </a:p>
+      </dgm:t>
+    </dgm:pt>
+    <dgm:pt modelId="{CBFE1D96-7C5F-4E89-B97A-4B3DEE855D74}" type="parTrans" cxnId="{62464800-6B2B-4AB9-931F-5E8ECDF75228}">
+      <dgm:prSet/>
+      <dgm:spPr/>
+      <dgm:t>
+        <a:bodyPr/>
+        <a:lstStyle/>
+        <a:p>
+          <a:endParaRPr lang="en-US"/>
+        </a:p>
+      </dgm:t>
+    </dgm:pt>
+    <dgm:pt modelId="{CFCFFCAE-6F1F-46FD-B01F-24D1D3EB5CFB}" type="sibTrans" cxnId="{62464800-6B2B-4AB9-931F-5E8ECDF75228}">
+      <dgm:prSet/>
+      <dgm:spPr/>
+      <dgm:t>
+        <a:bodyPr/>
+        <a:lstStyle/>
+        <a:p>
+          <a:pPr>
+            <a:lnSpc>
+              <a:spcPct val="100000"/>
+            </a:lnSpc>
+          </a:pPr>
+          <a:endParaRPr lang="en-US"/>
+        </a:p>
+      </dgm:t>
+    </dgm:pt>
+    <dgm:pt modelId="{0F8096CA-46DE-4965-BEFC-8FD6195ED933}">
+      <dgm:prSet/>
+      <dgm:spPr/>
+      <dgm:t>
+        <a:bodyPr/>
+        <a:lstStyle/>
+        <a:p>
+          <a:endParaRPr lang="en-US"/>
+        </a:p>
+      </dgm:t>
+    </dgm:pt>
+    <dgm:pt modelId="{B1131143-6005-41C9-AE44-9BE42938E55C}" type="parTrans" cxnId="{4C087111-8A02-4729-8F7D-1135C622D7AD}">
+      <dgm:prSet/>
+      <dgm:spPr/>
+      <dgm:t>
+        <a:bodyPr/>
+        <a:lstStyle/>
+        <a:p>
+          <a:endParaRPr lang="en-US"/>
+        </a:p>
+      </dgm:t>
+    </dgm:pt>
+    <dgm:pt modelId="{E1F2661D-7F3B-48E2-AD9B-FC45A53CC62E}" type="sibTrans" cxnId="{4C087111-8A02-4729-8F7D-1135C622D7AD}">
+      <dgm:prSet/>
+      <dgm:spPr/>
+      <dgm:t>
+        <a:bodyPr/>
+        <a:lstStyle/>
+        <a:p>
+          <a:endParaRPr lang="en-US"/>
+        </a:p>
+      </dgm:t>
+    </dgm:pt>
+    <dgm:pt modelId="{0C6703EC-F402-461E-8374-19BE57CA7120}">
+      <dgm:prSet/>
+      <dgm:spPr/>
+      <dgm:t>
+        <a:bodyPr/>
+        <a:lstStyle/>
+        <a:p>
+          <a:pPr>
+            <a:lnSpc>
+              <a:spcPct val="100000"/>
+            </a:lnSpc>
+          </a:pPr>
+          <a:r>
+            <a:rPr lang="it-IT" dirty="0">
+              <a:solidFill>
+                <a:srgbClr val="7030A0"/>
+              </a:solidFill>
+            </a:rPr>
+            <a:t>Html, </a:t>
+          </a:r>
+          <a:r>
+            <a:rPr lang="it-IT" dirty="0" err="1">
+              <a:solidFill>
+                <a:srgbClr val="7030A0"/>
+              </a:solidFill>
+            </a:rPr>
+            <a:t>Css</a:t>
+          </a:r>
+          <a:r>
+            <a:rPr lang="it-IT" dirty="0">
+              <a:solidFill>
+                <a:srgbClr val="7030A0"/>
+              </a:solidFill>
+            </a:rPr>
+            <a:t>, JavaScript</a:t>
+          </a:r>
+        </a:p>
+      </dgm:t>
+    </dgm:pt>
+    <dgm:pt modelId="{E6AAA9F7-B1FF-40BE-94D4-308E9B4A5EB8}" type="parTrans" cxnId="{B3F048F1-3B80-4798-AD22-C03455E1F152}">
+      <dgm:prSet/>
+      <dgm:spPr/>
+      <dgm:t>
+        <a:bodyPr/>
+        <a:lstStyle/>
+        <a:p>
+          <a:endParaRPr lang="en-GB"/>
+        </a:p>
+      </dgm:t>
+    </dgm:pt>
+    <dgm:pt modelId="{1211D37E-EC49-4B9C-9BAA-426E8291384A}" type="sibTrans" cxnId="{B3F048F1-3B80-4798-AD22-C03455E1F152}">
+      <dgm:prSet/>
+      <dgm:spPr/>
+      <dgm:t>
+        <a:bodyPr/>
+        <a:lstStyle/>
+        <a:p>
+          <a:endParaRPr lang="en-GB"/>
+        </a:p>
+      </dgm:t>
+    </dgm:pt>
+    <dgm:pt modelId="{7EF234A0-8DA5-4D21-88C5-50061580D5BA}" type="pres">
+      <dgm:prSet presAssocID="{84748320-660B-41FD-81C9-CA02624A0F4C}" presName="root" presStyleCnt="0">
+        <dgm:presLayoutVars>
+          <dgm:dir/>
+          <dgm:resizeHandles val="exact"/>
+        </dgm:presLayoutVars>
+      </dgm:prSet>
+      <dgm:spPr/>
+    </dgm:pt>
+    <dgm:pt modelId="{3953D132-8E5B-4487-BD3B-6C5207452D84}" type="pres">
+      <dgm:prSet presAssocID="{84748320-660B-41FD-81C9-CA02624A0F4C}" presName="container" presStyleCnt="0">
+        <dgm:presLayoutVars>
+          <dgm:dir/>
+          <dgm:resizeHandles val="exact"/>
+        </dgm:presLayoutVars>
+      </dgm:prSet>
+      <dgm:spPr/>
+    </dgm:pt>
+    <dgm:pt modelId="{C8DE9ABE-4484-4EAD-9F0D-8E1E9279F350}" type="pres">
+      <dgm:prSet presAssocID="{8DFF89B5-D8BC-4014-A119-EDF881DBB6B7}" presName="compNode" presStyleCnt="0"/>
+      <dgm:spPr/>
+    </dgm:pt>
+    <dgm:pt modelId="{32AEB77B-CE3D-4252-854E-DB7E26D006BB}" type="pres">
+      <dgm:prSet presAssocID="{8DFF89B5-D8BC-4014-A119-EDF881DBB6B7}" presName="iconBgRect" presStyleLbl="bgShp" presStyleIdx="0" presStyleCnt="4"/>
+      <dgm:spPr>
+        <a:solidFill>
+          <a:schemeClr val="bg1"/>
+        </a:solidFill>
+      </dgm:spPr>
+    </dgm:pt>
+    <dgm:pt modelId="{B573E0A5-790A-4A1A-BB25-AB1CAD1EF6DC}" type="pres">
+      <dgm:prSet presAssocID="{8DFF89B5-D8BC-4014-A119-EDF881DBB6B7}" presName="iconRect" presStyleLbl="node1" presStyleIdx="0" presStyleCnt="4"/>
+      <dgm:spPr>
+        <a:blipFill>
+          <a:blip xmlns:r="http://schemas.openxmlformats.org/officeDocument/2006/relationships" r:embed="rId1">
+            <a:extLst>
+              <a:ext uri="{28A0092B-C50C-407E-A947-70E740481C1C}">
+                <a14:useLocalDpi xmlns:a14="http://schemas.microsoft.com/office/drawing/2010/main" val="0"/>
+              </a:ext>
+            </a:extLst>
+          </a:blip>
+          <a:srcRect/>
+          <a:stretch>
+            <a:fillRect/>
+          </a:stretch>
+        </a:blipFill>
+        <a:ln>
+          <a:noFill/>
+        </a:ln>
+      </dgm:spPr>
+    </dgm:pt>
+    <dgm:pt modelId="{54F5A111-B443-4F1B-A051-A051A0302A06}" type="pres">
+      <dgm:prSet presAssocID="{8DFF89B5-D8BC-4014-A119-EDF881DBB6B7}" presName="spaceRect" presStyleCnt="0"/>
+      <dgm:spPr/>
+    </dgm:pt>
+    <dgm:pt modelId="{F36141C2-74AC-419D-B6F2-8268CB221162}" type="pres">
+      <dgm:prSet presAssocID="{8DFF89B5-D8BC-4014-A119-EDF881DBB6B7}" presName="textRect" presStyleLbl="revTx" presStyleIdx="0" presStyleCnt="4">
+        <dgm:presLayoutVars>
+          <dgm:chMax val="1"/>
+          <dgm:chPref val="1"/>
+        </dgm:presLayoutVars>
+      </dgm:prSet>
+      <dgm:spPr/>
+    </dgm:pt>
+    <dgm:pt modelId="{60BD4632-D224-49DE-B12E-DCC031C616CC}" type="pres">
+      <dgm:prSet presAssocID="{0801084D-275A-4D13-9E00-C8B2FA5A734F}" presName="sibTrans" presStyleLbl="sibTrans2D1" presStyleIdx="0" presStyleCnt="0"/>
+      <dgm:spPr/>
+    </dgm:pt>
+    <dgm:pt modelId="{E15C52E8-3EF5-4832-88D6-65876AAFE4FE}" type="pres">
+      <dgm:prSet presAssocID="{DE69BD19-04E8-4F59-A011-62E2B150ECCB}" presName="compNode" presStyleCnt="0"/>
+      <dgm:spPr/>
+    </dgm:pt>
+    <dgm:pt modelId="{5720C254-FEBE-4527-AF58-A09FDB454C70}" type="pres">
+      <dgm:prSet presAssocID="{DE69BD19-04E8-4F59-A011-62E2B150ECCB}" presName="iconBgRect" presStyleLbl="bgShp" presStyleIdx="1" presStyleCnt="4"/>
+      <dgm:spPr>
+        <a:solidFill>
+          <a:srgbClr val="ED7D31"/>
+        </a:solidFill>
+      </dgm:spPr>
+    </dgm:pt>
+    <dgm:pt modelId="{D454F6E3-69BD-481E-9AA8-9A9D6F77CBDE}" type="pres">
+      <dgm:prSet presAssocID="{DE69BD19-04E8-4F59-A011-62E2B150ECCB}" presName="iconRect" presStyleLbl="node1" presStyleIdx="1" presStyleCnt="4"/>
+      <dgm:spPr>
+        <a:blipFill rotWithShape="1">
+          <a:blip xmlns:r="http://schemas.openxmlformats.org/officeDocument/2006/relationships" r:embed="rId2">
+            <a:extLst>
+              <a:ext uri="{837473B0-CC2E-450A-ABE3-18F120FF3D39}">
+                <a1611:picAttrSrcUrl xmlns:a1611="http://schemas.microsoft.com/office/drawing/2016/11/main" r:id="rId3"/>
+              </a:ext>
+            </a:extLst>
+          </a:blip>
+          <a:srcRect/>
+          <a:stretch>
+            <a:fillRect/>
+          </a:stretch>
+        </a:blipFill>
+        <a:ln>
+          <a:noFill/>
+        </a:ln>
+      </dgm:spPr>
+      <dgm:extLst>
+        <a:ext uri="{E40237B7-FDA0-4F09-8148-C483321AD2D9}">
+          <dgm14:cNvPr xmlns:dgm14="http://schemas.microsoft.com/office/drawing/2010/diagram" id="0" name="" descr="Web Design"/>
+        </a:ext>
+      </dgm:extLst>
+    </dgm:pt>
+    <dgm:pt modelId="{3EBFC832-FD1F-4F2D-A02E-DFE6D55A83F2}" type="pres">
+      <dgm:prSet presAssocID="{DE69BD19-04E8-4F59-A011-62E2B150ECCB}" presName="spaceRect" presStyleCnt="0"/>
+      <dgm:spPr/>
+    </dgm:pt>
+    <dgm:pt modelId="{592A0547-0022-4C98-9DF3-CD746DA4270B}" type="pres">
+      <dgm:prSet presAssocID="{DE69BD19-04E8-4F59-A011-62E2B150ECCB}" presName="textRect" presStyleLbl="revTx" presStyleIdx="1" presStyleCnt="4">
+        <dgm:presLayoutVars>
+          <dgm:chMax val="1"/>
+          <dgm:chPref val="1"/>
+        </dgm:presLayoutVars>
+      </dgm:prSet>
+      <dgm:spPr/>
+    </dgm:pt>
+    <dgm:pt modelId="{5AC6B1B3-C656-4F16-9CD7-0C3E93F520C3}" type="pres">
+      <dgm:prSet presAssocID="{2F8CE607-D0A6-4AE5-B79F-8A37093C0B8F}" presName="sibTrans" presStyleLbl="sibTrans2D1" presStyleIdx="0" presStyleCnt="0"/>
+      <dgm:spPr/>
+    </dgm:pt>
+    <dgm:pt modelId="{4DB96EF3-8ED1-4942-8C0E-851C73C24399}" type="pres">
+      <dgm:prSet presAssocID="{B00DA5AB-3D8B-4B29-A92A-07A9DF1F5C69}" presName="compNode" presStyleCnt="0"/>
+      <dgm:spPr/>
+    </dgm:pt>
+    <dgm:pt modelId="{63F68EA7-2F44-4F46-A057-AF4E60A46C49}" type="pres">
+      <dgm:prSet presAssocID="{B00DA5AB-3D8B-4B29-A92A-07A9DF1F5C69}" presName="iconBgRect" presStyleLbl="bgShp" presStyleIdx="2" presStyleCnt="4"/>
+      <dgm:spPr>
+        <a:solidFill>
+          <a:schemeClr val="tx1"/>
+        </a:solidFill>
+      </dgm:spPr>
+    </dgm:pt>
+    <dgm:pt modelId="{47036EFF-7447-41FF-96D9-D4118C7D8B66}" type="pres">
+      <dgm:prSet presAssocID="{B00DA5AB-3D8B-4B29-A92A-07A9DF1F5C69}" presName="iconRect" presStyleLbl="node1" presStyleIdx="2" presStyleCnt="4"/>
+      <dgm:spPr>
+        <a:blipFill>
+          <a:blip xmlns:r="http://schemas.openxmlformats.org/officeDocument/2006/relationships" r:embed="rId4">
+            <a:extLst>
+              <a:ext uri="{837473B0-CC2E-450A-ABE3-18F120FF3D39}">
+                <a1611:picAttrSrcUrl xmlns:a1611="http://schemas.microsoft.com/office/drawing/2016/11/main" r:id="rId5"/>
+              </a:ext>
+            </a:extLst>
+          </a:blip>
+          <a:srcRect/>
+          <a:stretch>
+            <a:fillRect l="-17000" r="-17000"/>
+          </a:stretch>
+        </a:blipFill>
+        <a:ln>
+          <a:noFill/>
+        </a:ln>
+      </dgm:spPr>
+    </dgm:pt>
+    <dgm:pt modelId="{C8188410-0A64-4D2F-9E5B-01B4C1E606EF}" type="pres">
+      <dgm:prSet presAssocID="{B00DA5AB-3D8B-4B29-A92A-07A9DF1F5C69}" presName="spaceRect" presStyleCnt="0"/>
+      <dgm:spPr/>
+    </dgm:pt>
+    <dgm:pt modelId="{57AE38EE-C7D5-4F12-A845-B3C68A2CD36B}" type="pres">
+      <dgm:prSet presAssocID="{B00DA5AB-3D8B-4B29-A92A-07A9DF1F5C69}" presName="textRect" presStyleLbl="revTx" presStyleIdx="2" presStyleCnt="4">
+        <dgm:presLayoutVars>
+          <dgm:chMax val="1"/>
+          <dgm:chPref val="1"/>
+        </dgm:presLayoutVars>
+      </dgm:prSet>
+      <dgm:spPr/>
+    </dgm:pt>
+    <dgm:pt modelId="{791A9F34-B3C5-4BE9-80FD-00C5AAF6E582}" type="pres">
+      <dgm:prSet presAssocID="{CFCFFCAE-6F1F-46FD-B01F-24D1D3EB5CFB}" presName="sibTrans" presStyleLbl="sibTrans2D1" presStyleIdx="0" presStyleCnt="0"/>
+      <dgm:spPr/>
+    </dgm:pt>
+    <dgm:pt modelId="{D20758CF-092E-47EF-9911-29BF27667AB9}" type="pres">
+      <dgm:prSet presAssocID="{0C6703EC-F402-461E-8374-19BE57CA7120}" presName="compNode" presStyleCnt="0"/>
+      <dgm:spPr/>
+    </dgm:pt>
+    <dgm:pt modelId="{A17F5C9F-93DB-4ED5-BB4F-D31EB156A8D1}" type="pres">
+      <dgm:prSet presAssocID="{0C6703EC-F402-461E-8374-19BE57CA7120}" presName="iconBgRect" presStyleLbl="bgShp" presStyleIdx="3" presStyleCnt="4"/>
+      <dgm:spPr>
+        <a:solidFill>
+          <a:srgbClr val="7030A0"/>
+        </a:solidFill>
+      </dgm:spPr>
+    </dgm:pt>
+    <dgm:pt modelId="{F60CEBCF-C589-4083-91BD-805B905FD68E}" type="pres">
+      <dgm:prSet presAssocID="{0C6703EC-F402-461E-8374-19BE57CA7120}" presName="iconRect" presStyleLbl="node1" presStyleIdx="3" presStyleCnt="4"/>
+      <dgm:spPr>
+        <a:blipFill>
+          <a:blip xmlns:r="http://schemas.openxmlformats.org/officeDocument/2006/relationships" r:embed="rId6">
+            <a:extLst>
+              <a:ext uri="{96DAC541-7B7A-43D3-8B79-37D633B846F1}">
+                <asvg:svgBlip xmlns:asvg="http://schemas.microsoft.com/office/drawing/2016/SVG/main" r:embed="rId7"/>
+              </a:ext>
+            </a:extLst>
+          </a:blip>
+          <a:srcRect/>
+          <a:stretch>
+            <a:fillRect/>
+          </a:stretch>
+        </a:blipFill>
+      </dgm:spPr>
+      <dgm:extLst>
+        <a:ext uri="{E40237B7-FDA0-4F09-8148-C483321AD2D9}">
+          <dgm14:cNvPr xmlns:dgm14="http://schemas.microsoft.com/office/drawing/2010/diagram" id="0" name="" descr="Web design contorno"/>
+        </a:ext>
+      </dgm:extLst>
+    </dgm:pt>
+    <dgm:pt modelId="{555D43B0-F7A1-4844-B9C7-06802FA24A02}" type="pres">
+      <dgm:prSet presAssocID="{0C6703EC-F402-461E-8374-19BE57CA7120}" presName="spaceRect" presStyleCnt="0"/>
+      <dgm:spPr/>
+    </dgm:pt>
+    <dgm:pt modelId="{48065E13-9000-43EB-9521-58099CBA42E6}" type="pres">
+      <dgm:prSet presAssocID="{0C6703EC-F402-461E-8374-19BE57CA7120}" presName="textRect" presStyleLbl="revTx" presStyleIdx="3" presStyleCnt="4">
+        <dgm:presLayoutVars>
+          <dgm:chMax val="1"/>
+          <dgm:chPref val="1"/>
+        </dgm:presLayoutVars>
+      </dgm:prSet>
+      <dgm:spPr/>
+    </dgm:pt>
+  </dgm:ptLst>
+  <dgm:cxnLst>
+    <dgm:cxn modelId="{62464800-6B2B-4AB9-931F-5E8ECDF75228}" srcId="{84748320-660B-41FD-81C9-CA02624A0F4C}" destId="{B00DA5AB-3D8B-4B29-A92A-07A9DF1F5C69}" srcOrd="2" destOrd="0" parTransId="{CBFE1D96-7C5F-4E89-B97A-4B3DEE855D74}" sibTransId="{CFCFFCAE-6F1F-46FD-B01F-24D1D3EB5CFB}"/>
+    <dgm:cxn modelId="{185F3501-96AC-438F-BFA2-E08931D9F897}" type="presOf" srcId="{0801084D-275A-4D13-9E00-C8B2FA5A734F}" destId="{60BD4632-D224-49DE-B12E-DCC031C616CC}" srcOrd="0" destOrd="0" presId="urn:microsoft.com/office/officeart/2018/2/layout/IconCircleList"/>
+    <dgm:cxn modelId="{64D72903-25CF-48A6-BA9B-10DEE34DD1A2}" type="presOf" srcId="{B00DA5AB-3D8B-4B29-A92A-07A9DF1F5C69}" destId="{57AE38EE-C7D5-4F12-A845-B3C68A2CD36B}" srcOrd="0" destOrd="0" presId="urn:microsoft.com/office/officeart/2018/2/layout/IconCircleList"/>
+    <dgm:cxn modelId="{4C087111-8A02-4729-8F7D-1135C622D7AD}" srcId="{0C6703EC-F402-461E-8374-19BE57CA7120}" destId="{0F8096CA-46DE-4965-BEFC-8FD6195ED933}" srcOrd="0" destOrd="0" parTransId="{B1131143-6005-41C9-AE44-9BE42938E55C}" sibTransId="{E1F2661D-7F3B-48E2-AD9B-FC45A53CC62E}"/>
+    <dgm:cxn modelId="{3805B019-E8AC-4F5F-BCD5-0E292D71C879}" type="presOf" srcId="{8DFF89B5-D8BC-4014-A119-EDF881DBB6B7}" destId="{F36141C2-74AC-419D-B6F2-8268CB221162}" srcOrd="0" destOrd="0" presId="urn:microsoft.com/office/officeart/2018/2/layout/IconCircleList"/>
+    <dgm:cxn modelId="{9751B939-58E7-463E-B4F4-ACB4A7517A31}" srcId="{84748320-660B-41FD-81C9-CA02624A0F4C}" destId="{8DFF89B5-D8BC-4014-A119-EDF881DBB6B7}" srcOrd="0" destOrd="0" parTransId="{C284868C-975B-4C2F-B5F5-9ADEB4CDB3DE}" sibTransId="{0801084D-275A-4D13-9E00-C8B2FA5A734F}"/>
+    <dgm:cxn modelId="{BAD4AD45-5A1C-40C0-9DBF-63A8DD6B812F}" type="presOf" srcId="{2F8CE607-D0A6-4AE5-B79F-8A37093C0B8F}" destId="{5AC6B1B3-C656-4F16-9CD7-0C3E93F520C3}" srcOrd="0" destOrd="0" presId="urn:microsoft.com/office/officeart/2018/2/layout/IconCircleList"/>
+    <dgm:cxn modelId="{673AE569-0365-4E4C-9F19-9CEFC554EE56}" type="presOf" srcId="{CFCFFCAE-6F1F-46FD-B01F-24D1D3EB5CFB}" destId="{791A9F34-B3C5-4BE9-80FD-00C5AAF6E582}" srcOrd="0" destOrd="0" presId="urn:microsoft.com/office/officeart/2018/2/layout/IconCircleList"/>
+    <dgm:cxn modelId="{9F48A3B2-F9F6-4595-B5F3-D72FB56513A3}" type="presOf" srcId="{0C6703EC-F402-461E-8374-19BE57CA7120}" destId="{48065E13-9000-43EB-9521-58099CBA42E6}" srcOrd="0" destOrd="0" presId="urn:microsoft.com/office/officeart/2018/2/layout/IconCircleList"/>
+    <dgm:cxn modelId="{053404BC-21B9-4BA2-9BF7-298E98674204}" srcId="{84748320-660B-41FD-81C9-CA02624A0F4C}" destId="{DE69BD19-04E8-4F59-A011-62E2B150ECCB}" srcOrd="1" destOrd="0" parTransId="{32B9BBC6-53A7-45F6-8F23-F808DBF3E89E}" sibTransId="{2F8CE607-D0A6-4AE5-B79F-8A37093C0B8F}"/>
+    <dgm:cxn modelId="{1C0C08D6-4233-40E0-9E90-31AAA3546A61}" type="presOf" srcId="{84748320-660B-41FD-81C9-CA02624A0F4C}" destId="{7EF234A0-8DA5-4D21-88C5-50061580D5BA}" srcOrd="0" destOrd="0" presId="urn:microsoft.com/office/officeart/2018/2/layout/IconCircleList"/>
+    <dgm:cxn modelId="{B3F048F1-3B80-4798-AD22-C03455E1F152}" srcId="{84748320-660B-41FD-81C9-CA02624A0F4C}" destId="{0C6703EC-F402-461E-8374-19BE57CA7120}" srcOrd="3" destOrd="0" parTransId="{E6AAA9F7-B1FF-40BE-94D4-308E9B4A5EB8}" sibTransId="{1211D37E-EC49-4B9C-9BAA-426E8291384A}"/>
+    <dgm:cxn modelId="{AD350CF6-ECAB-4F02-8E4E-631B52D3FD8C}" type="presOf" srcId="{DE69BD19-04E8-4F59-A011-62E2B150ECCB}" destId="{592A0547-0022-4C98-9DF3-CD746DA4270B}" srcOrd="0" destOrd="0" presId="urn:microsoft.com/office/officeart/2018/2/layout/IconCircleList"/>
+    <dgm:cxn modelId="{3CF4726F-41B6-4C2D-82F9-5379CE29B912}" type="presParOf" srcId="{7EF234A0-8DA5-4D21-88C5-50061580D5BA}" destId="{3953D132-8E5B-4487-BD3B-6C5207452D84}" srcOrd="0" destOrd="0" presId="urn:microsoft.com/office/officeart/2018/2/layout/IconCircleList"/>
+    <dgm:cxn modelId="{97652859-D8B6-4595-A21D-43601541832E}" type="presParOf" srcId="{3953D132-8E5B-4487-BD3B-6C5207452D84}" destId="{C8DE9ABE-4484-4EAD-9F0D-8E1E9279F350}" srcOrd="0" destOrd="0" presId="urn:microsoft.com/office/officeart/2018/2/layout/IconCircleList"/>
+    <dgm:cxn modelId="{6BCFFF34-477D-4C24-8104-16F518BE4938}" type="presParOf" srcId="{C8DE9ABE-4484-4EAD-9F0D-8E1E9279F350}" destId="{32AEB77B-CE3D-4252-854E-DB7E26D006BB}" srcOrd="0" destOrd="0" presId="urn:microsoft.com/office/officeart/2018/2/layout/IconCircleList"/>
+    <dgm:cxn modelId="{A2E1B44B-E8DA-40F7-838F-0DDB0E73AE28}" type="presParOf" srcId="{C8DE9ABE-4484-4EAD-9F0D-8E1E9279F350}" destId="{B573E0A5-790A-4A1A-BB25-AB1CAD1EF6DC}" srcOrd="1" destOrd="0" presId="urn:microsoft.com/office/officeart/2018/2/layout/IconCircleList"/>
+    <dgm:cxn modelId="{9A31CC58-1FB0-4A0C-9011-81B8D65018BD}" type="presParOf" srcId="{C8DE9ABE-4484-4EAD-9F0D-8E1E9279F350}" destId="{54F5A111-B443-4F1B-A051-A051A0302A06}" srcOrd="2" destOrd="0" presId="urn:microsoft.com/office/officeart/2018/2/layout/IconCircleList"/>
+    <dgm:cxn modelId="{9D600CB4-96C9-4160-9FEB-49EF99247B96}" type="presParOf" srcId="{C8DE9ABE-4484-4EAD-9F0D-8E1E9279F350}" destId="{F36141C2-74AC-419D-B6F2-8268CB221162}" srcOrd="3" destOrd="0" presId="urn:microsoft.com/office/officeart/2018/2/layout/IconCircleList"/>
+    <dgm:cxn modelId="{814783DB-B474-41E4-9424-72BE52A1769C}" type="presParOf" srcId="{3953D132-8E5B-4487-BD3B-6C5207452D84}" destId="{60BD4632-D224-49DE-B12E-DCC031C616CC}" srcOrd="1" destOrd="0" presId="urn:microsoft.com/office/officeart/2018/2/layout/IconCircleList"/>
+    <dgm:cxn modelId="{26C1E486-2AC7-4E91-ABF8-B8F01B5307EC}" type="presParOf" srcId="{3953D132-8E5B-4487-BD3B-6C5207452D84}" destId="{E15C52E8-3EF5-4832-88D6-65876AAFE4FE}" srcOrd="2" destOrd="0" presId="urn:microsoft.com/office/officeart/2018/2/layout/IconCircleList"/>
+    <dgm:cxn modelId="{E2B89924-5791-4BF2-AAE5-E6A4FCF97E75}" type="presParOf" srcId="{E15C52E8-3EF5-4832-88D6-65876AAFE4FE}" destId="{5720C254-FEBE-4527-AF58-A09FDB454C70}" srcOrd="0" destOrd="0" presId="urn:microsoft.com/office/officeart/2018/2/layout/IconCircleList"/>
+    <dgm:cxn modelId="{26C4FD7D-2014-4C1B-BBB9-093443831998}" type="presParOf" srcId="{E15C52E8-3EF5-4832-88D6-65876AAFE4FE}" destId="{D454F6E3-69BD-481E-9AA8-9A9D6F77CBDE}" srcOrd="1" destOrd="0" presId="urn:microsoft.com/office/officeart/2018/2/layout/IconCircleList"/>
+    <dgm:cxn modelId="{8AF4EFC3-28A3-4DB5-B30C-401DE7A0CE69}" type="presParOf" srcId="{E15C52E8-3EF5-4832-88D6-65876AAFE4FE}" destId="{3EBFC832-FD1F-4F2D-A02E-DFE6D55A83F2}" srcOrd="2" destOrd="0" presId="urn:microsoft.com/office/officeart/2018/2/layout/IconCircleList"/>
+    <dgm:cxn modelId="{E884894B-7C8D-4F22-A86E-BA4915C8E2DF}" type="presParOf" srcId="{E15C52E8-3EF5-4832-88D6-65876AAFE4FE}" destId="{592A0547-0022-4C98-9DF3-CD746DA4270B}" srcOrd="3" destOrd="0" presId="urn:microsoft.com/office/officeart/2018/2/layout/IconCircleList"/>
+    <dgm:cxn modelId="{4D5C81B5-152F-4E79-A694-108E67290739}" type="presParOf" srcId="{3953D132-8E5B-4487-BD3B-6C5207452D84}" destId="{5AC6B1B3-C656-4F16-9CD7-0C3E93F520C3}" srcOrd="3" destOrd="0" presId="urn:microsoft.com/office/officeart/2018/2/layout/IconCircleList"/>
+    <dgm:cxn modelId="{A0872B14-EDDD-4D07-B013-897052B3FCE2}" type="presParOf" srcId="{3953D132-8E5B-4487-BD3B-6C5207452D84}" destId="{4DB96EF3-8ED1-4942-8C0E-851C73C24399}" srcOrd="4" destOrd="0" presId="urn:microsoft.com/office/officeart/2018/2/layout/IconCircleList"/>
+    <dgm:cxn modelId="{12C3EEFC-E37C-4551-A6EA-9F29B9F348D9}" type="presParOf" srcId="{4DB96EF3-8ED1-4942-8C0E-851C73C24399}" destId="{63F68EA7-2F44-4F46-A057-AF4E60A46C49}" srcOrd="0" destOrd="0" presId="urn:microsoft.com/office/officeart/2018/2/layout/IconCircleList"/>
+    <dgm:cxn modelId="{00350361-7D77-4184-B303-DD1FB68C7F19}" type="presParOf" srcId="{4DB96EF3-8ED1-4942-8C0E-851C73C24399}" destId="{47036EFF-7447-41FF-96D9-D4118C7D8B66}" srcOrd="1" destOrd="0" presId="urn:microsoft.com/office/officeart/2018/2/layout/IconCircleList"/>
+    <dgm:cxn modelId="{DD53EEE7-448C-48C3-919B-21774CA134D5}" type="presParOf" srcId="{4DB96EF3-8ED1-4942-8C0E-851C73C24399}" destId="{C8188410-0A64-4D2F-9E5B-01B4C1E606EF}" srcOrd="2" destOrd="0" presId="urn:microsoft.com/office/officeart/2018/2/layout/IconCircleList"/>
+    <dgm:cxn modelId="{744F6566-1709-4854-91B1-14A4AE376137}" type="presParOf" srcId="{4DB96EF3-8ED1-4942-8C0E-851C73C24399}" destId="{57AE38EE-C7D5-4F12-A845-B3C68A2CD36B}" srcOrd="3" destOrd="0" presId="urn:microsoft.com/office/officeart/2018/2/layout/IconCircleList"/>
+    <dgm:cxn modelId="{F96DAA5B-36EC-4765-8AD4-BE8CCE316F56}" type="presParOf" srcId="{3953D132-8E5B-4487-BD3B-6C5207452D84}" destId="{791A9F34-B3C5-4BE9-80FD-00C5AAF6E582}" srcOrd="5" destOrd="0" presId="urn:microsoft.com/office/officeart/2018/2/layout/IconCircleList"/>
+    <dgm:cxn modelId="{220EEFE7-4263-4F8A-AB66-7BA6CF68A153}" type="presParOf" srcId="{3953D132-8E5B-4487-BD3B-6C5207452D84}" destId="{D20758CF-092E-47EF-9911-29BF27667AB9}" srcOrd="6" destOrd="0" presId="urn:microsoft.com/office/officeart/2018/2/layout/IconCircleList"/>
+    <dgm:cxn modelId="{16F27C43-C311-49FD-A4D3-4153558BC92F}" type="presParOf" srcId="{D20758CF-092E-47EF-9911-29BF27667AB9}" destId="{A17F5C9F-93DB-4ED5-BB4F-D31EB156A8D1}" srcOrd="0" destOrd="0" presId="urn:microsoft.com/office/officeart/2018/2/layout/IconCircleList"/>
+    <dgm:cxn modelId="{FBD12B12-8747-4A85-8D02-9D6295FD22F1}" type="presParOf" srcId="{D20758CF-092E-47EF-9911-29BF27667AB9}" destId="{F60CEBCF-C589-4083-91BD-805B905FD68E}" srcOrd="1" destOrd="0" presId="urn:microsoft.com/office/officeart/2018/2/layout/IconCircleList"/>
+    <dgm:cxn modelId="{3A919B45-DD20-4634-BD9E-C7E5BDA4467A}" type="presParOf" srcId="{D20758CF-092E-47EF-9911-29BF27667AB9}" destId="{555D43B0-F7A1-4844-B9C7-06802FA24A02}" srcOrd="2" destOrd="0" presId="urn:microsoft.com/office/officeart/2018/2/layout/IconCircleList"/>
+    <dgm:cxn modelId="{7AA138F8-A89E-4397-9E92-C66A83130E02}" type="presParOf" srcId="{D20758CF-092E-47EF-9911-29BF27667AB9}" destId="{48065E13-9000-43EB-9521-58099CBA42E6}" srcOrd="3" destOrd="0" presId="urn:microsoft.com/office/officeart/2018/2/layout/IconCircleList"/>
+  </dgm:cxnLst>
+  <dgm:bg/>
+  <dgm:whole/>
+  <dgm:extLst>
+    <a:ext uri="http://schemas.microsoft.com/office/drawing/2008/diagram">
+      <dsp:dataModelExt xmlns:dsp="http://schemas.microsoft.com/office/drawing/2008/diagram" relId="rId7" minVer="http://schemas.openxmlformats.org/drawingml/2006/diagram"/>
+    </a:ext>
+  </dgm:extLst>
+</dgm:dataModel>
+</file>
+
+<file path=ppt/diagrams/drawing1.xml><?xml version="1.0" encoding="utf-8"?>
+<dsp:drawing xmlns:dgm="http://schemas.openxmlformats.org/drawingml/2006/diagram" xmlns:dsp="http://schemas.microsoft.com/office/drawing/2008/diagram" xmlns:a="http://schemas.openxmlformats.org/drawingml/2006/main">
+  <dsp:spTree>
+    <dsp:nvGrpSpPr>
+      <dsp:cNvPr id="0" name=""/>
+      <dsp:cNvGrpSpPr/>
+    </dsp:nvGrpSpPr>
+    <dsp:grpSpPr/>
+    <dsp:sp modelId="{32AEB77B-CE3D-4252-854E-DB7E26D006BB}">
+      <dsp:nvSpPr>
+        <dsp:cNvPr id="0" name=""/>
+        <dsp:cNvSpPr/>
+      </dsp:nvSpPr>
+      <dsp:spPr>
+        <a:xfrm>
+          <a:off x="212335" y="302868"/>
+          <a:ext cx="1335915" cy="1335915"/>
+        </a:xfrm>
+        <a:prstGeom prst="ellipse">
+          <a:avLst/>
+        </a:prstGeom>
+        <a:solidFill>
+          <a:schemeClr val="bg1"/>
+        </a:solidFill>
+        <a:ln>
+          <a:noFill/>
+        </a:ln>
+        <a:effectLst/>
+      </dsp:spPr>
+      <dsp:style>
+        <a:lnRef idx="0">
+          <a:scrgbClr r="0" g="0" b="0"/>
+        </a:lnRef>
+        <a:fillRef idx="1">
+          <a:scrgbClr r="0" g="0" b="0"/>
+        </a:fillRef>
+        <a:effectRef idx="0">
+          <a:scrgbClr r="0" g="0" b="0"/>
+        </a:effectRef>
+        <a:fontRef idx="minor"/>
+      </dsp:style>
+    </dsp:sp>
+    <dsp:sp modelId="{B573E0A5-790A-4A1A-BB25-AB1CAD1EF6DC}">
+      <dsp:nvSpPr>
+        <dsp:cNvPr id="0" name=""/>
+        <dsp:cNvSpPr/>
+      </dsp:nvSpPr>
+      <dsp:spPr>
+        <a:xfrm>
+          <a:off x="492877" y="583410"/>
+          <a:ext cx="774830" cy="774830"/>
+        </a:xfrm>
+        <a:prstGeom prst="rect">
+          <a:avLst/>
+        </a:prstGeom>
+        <a:blipFill>
+          <a:blip xmlns:r="http://schemas.openxmlformats.org/officeDocument/2006/relationships" r:embed="rId1">
+            <a:extLst>
+              <a:ext uri="{28A0092B-C50C-407E-A947-70E740481C1C}">
+                <a14:useLocalDpi xmlns:a14="http://schemas.microsoft.com/office/drawing/2010/main" val="0"/>
+              </a:ext>
+            </a:extLst>
+          </a:blip>
+          <a:srcRect/>
+          <a:stretch>
+            <a:fillRect/>
+          </a:stretch>
+        </a:blipFill>
+        <a:ln w="12700" cap="flat" cmpd="sng" algn="ctr">
+          <a:noFill/>
+          <a:prstDash val="solid"/>
+          <a:miter lim="800000"/>
+        </a:ln>
+        <a:effectLst/>
+      </dsp:spPr>
+      <dsp:style>
+        <a:lnRef idx="2">
+          <a:scrgbClr r="0" g="0" b="0"/>
+        </a:lnRef>
+        <a:fillRef idx="1">
+          <a:scrgbClr r="0" g="0" b="0"/>
+        </a:fillRef>
+        <a:effectRef idx="0">
+          <a:scrgbClr r="0" g="0" b="0"/>
+        </a:effectRef>
+        <a:fontRef idx="minor">
+          <a:schemeClr val="lt1"/>
+        </a:fontRef>
+      </dsp:style>
+    </dsp:sp>
+    <dsp:sp modelId="{F36141C2-74AC-419D-B6F2-8268CB221162}">
+      <dsp:nvSpPr>
+        <dsp:cNvPr id="0" name=""/>
+        <dsp:cNvSpPr/>
+      </dsp:nvSpPr>
+      <dsp:spPr>
+        <a:xfrm>
+          <a:off x="1834517" y="302868"/>
+          <a:ext cx="3148942" cy="1335915"/>
+        </a:xfrm>
+        <a:prstGeom prst="rect">
+          <a:avLst/>
+        </a:prstGeom>
+        <a:noFill/>
+        <a:ln>
+          <a:noFill/>
+        </a:ln>
+        <a:effectLst/>
+      </dsp:spPr>
+      <dsp:style>
+        <a:lnRef idx="0">
+          <a:scrgbClr r="0" g="0" b="0"/>
+        </a:lnRef>
+        <a:fillRef idx="0">
+          <a:scrgbClr r="0" g="0" b="0"/>
+        </a:fillRef>
+        <a:effectRef idx="0">
+          <a:scrgbClr r="0" g="0" b="0"/>
+        </a:effectRef>
+        <a:fontRef idx="minor"/>
+      </dsp:style>
+      <dsp:txBody>
+        <a:bodyPr spcFirstLastPara="0" vert="horz" wrap="square" lIns="0" tIns="0" rIns="0" bIns="0" numCol="1" spcCol="1270" anchor="ctr" anchorCtr="0">
+          <a:noAutofit/>
+        </a:bodyPr>
+        <a:lstStyle/>
+        <a:p>
+          <a:pPr marL="0" lvl="0" indent="0" algn="l" defTabSz="1066800">
+            <a:lnSpc>
+              <a:spcPct val="100000"/>
+            </a:lnSpc>
+            <a:spcBef>
+              <a:spcPct val="0"/>
+            </a:spcBef>
+            <a:spcAft>
+              <a:spcPct val="35000"/>
+            </a:spcAft>
+            <a:buNone/>
+          </a:pPr>
+          <a:r>
+            <a:rPr lang="en-US" sz="2400" kern="1200" dirty="0">
+              <a:solidFill>
+                <a:schemeClr val="tx1"/>
+              </a:solidFill>
+            </a:rPr>
+            <a:t>Git</a:t>
+          </a:r>
+        </a:p>
+      </dsp:txBody>
+      <dsp:txXfrm>
+        <a:off x="1834517" y="302868"/>
+        <a:ext cx="3148942" cy="1335915"/>
+      </dsp:txXfrm>
+    </dsp:sp>
+    <dsp:sp modelId="{5720C254-FEBE-4527-AF58-A09FDB454C70}">
+      <dsp:nvSpPr>
+        <dsp:cNvPr id="0" name=""/>
+        <dsp:cNvSpPr/>
+      </dsp:nvSpPr>
+      <dsp:spPr>
+        <a:xfrm>
+          <a:off x="5532139" y="302868"/>
+          <a:ext cx="1335915" cy="1335915"/>
+        </a:xfrm>
+        <a:prstGeom prst="ellipse">
+          <a:avLst/>
+        </a:prstGeom>
+        <a:solidFill>
+          <a:srgbClr val="ED7D31"/>
+        </a:solidFill>
+        <a:ln>
+          <a:noFill/>
+        </a:ln>
+        <a:effectLst/>
+      </dsp:spPr>
+      <dsp:style>
+        <a:lnRef idx="0">
+          <a:scrgbClr r="0" g="0" b="0"/>
+        </a:lnRef>
+        <a:fillRef idx="1">
+          <a:scrgbClr r="0" g="0" b="0"/>
+        </a:fillRef>
+        <a:effectRef idx="0">
+          <a:scrgbClr r="0" g="0" b="0"/>
+        </a:effectRef>
+        <a:fontRef idx="minor"/>
+      </dsp:style>
+    </dsp:sp>
+    <dsp:sp modelId="{D454F6E3-69BD-481E-9AA8-9A9D6F77CBDE}">
+      <dsp:nvSpPr>
+        <dsp:cNvPr id="0" name=""/>
+        <dsp:cNvSpPr/>
+      </dsp:nvSpPr>
+      <dsp:spPr>
+        <a:xfrm>
+          <a:off x="5812681" y="583410"/>
+          <a:ext cx="774830" cy="774830"/>
+        </a:xfrm>
+        <a:prstGeom prst="rect">
+          <a:avLst/>
+        </a:prstGeom>
+        <a:blipFill rotWithShape="1">
+          <a:blip xmlns:r="http://schemas.openxmlformats.org/officeDocument/2006/relationships" r:embed="rId2">
+            <a:extLst>
+              <a:ext uri="{837473B0-CC2E-450A-ABE3-18F120FF3D39}">
+                <a1611:picAttrSrcUrl xmlns:a1611="http://schemas.microsoft.com/office/drawing/2016/11/main" r:id="rId3"/>
+              </a:ext>
+            </a:extLst>
+          </a:blip>
+          <a:srcRect/>
+          <a:stretch>
+            <a:fillRect/>
+          </a:stretch>
+        </a:blipFill>
+        <a:ln w="12700" cap="flat" cmpd="sng" algn="ctr">
+          <a:noFill/>
+          <a:prstDash val="solid"/>
+          <a:miter lim="800000"/>
+        </a:ln>
+        <a:effectLst/>
+      </dsp:spPr>
+      <dsp:style>
+        <a:lnRef idx="2">
+          <a:scrgbClr r="0" g="0" b="0"/>
+        </a:lnRef>
+        <a:fillRef idx="1">
+          <a:scrgbClr r="0" g="0" b="0"/>
+        </a:fillRef>
+        <a:effectRef idx="0">
+          <a:scrgbClr r="0" g="0" b="0"/>
+        </a:effectRef>
+        <a:fontRef idx="minor">
+          <a:schemeClr val="lt1"/>
+        </a:fontRef>
+      </dsp:style>
+    </dsp:sp>
+    <dsp:sp modelId="{592A0547-0022-4C98-9DF3-CD746DA4270B}">
+      <dsp:nvSpPr>
+        <dsp:cNvPr id="0" name=""/>
+        <dsp:cNvSpPr/>
+      </dsp:nvSpPr>
+      <dsp:spPr>
+        <a:xfrm>
+          <a:off x="7154322" y="302868"/>
+          <a:ext cx="3148942" cy="1335915"/>
+        </a:xfrm>
+        <a:prstGeom prst="rect">
+          <a:avLst/>
+        </a:prstGeom>
+        <a:noFill/>
+        <a:ln>
+          <a:noFill/>
+        </a:ln>
+        <a:effectLst/>
+      </dsp:spPr>
+      <dsp:style>
+        <a:lnRef idx="0">
+          <a:scrgbClr r="0" g="0" b="0"/>
+        </a:lnRef>
+        <a:fillRef idx="0">
+          <a:scrgbClr r="0" g="0" b="0"/>
+        </a:fillRef>
+        <a:effectRef idx="0">
+          <a:scrgbClr r="0" g="0" b="0"/>
+        </a:effectRef>
+        <a:fontRef idx="minor"/>
+      </dsp:style>
+      <dsp:txBody>
+        <a:bodyPr spcFirstLastPara="0" vert="horz" wrap="square" lIns="0" tIns="0" rIns="0" bIns="0" numCol="1" spcCol="1270" anchor="ctr" anchorCtr="0">
+          <a:noAutofit/>
+        </a:bodyPr>
+        <a:lstStyle/>
+        <a:p>
+          <a:pPr marL="0" lvl="0" indent="0" algn="l" defTabSz="1066800">
+            <a:lnSpc>
+              <a:spcPct val="100000"/>
+            </a:lnSpc>
+            <a:spcBef>
+              <a:spcPct val="0"/>
+            </a:spcBef>
+            <a:spcAft>
+              <a:spcPct val="35000"/>
+            </a:spcAft>
+            <a:buNone/>
+          </a:pPr>
+          <a:r>
+            <a:rPr lang="it-IT" sz="2400" kern="1200" dirty="0" err="1">
+              <a:solidFill>
+                <a:srgbClr val="ED7D31"/>
+              </a:solidFill>
+            </a:rPr>
+            <a:t>VisualStudio</a:t>
+          </a:r>
+          <a:r>
+            <a:rPr lang="it-IT" sz="2400" kern="1200" dirty="0">
+              <a:solidFill>
+                <a:srgbClr val="ED7D31"/>
+              </a:solidFill>
+            </a:rPr>
+            <a:t> Code </a:t>
+          </a:r>
+          <a:endParaRPr lang="en-US" sz="2400" kern="1200" dirty="0"/>
+        </a:p>
+      </dsp:txBody>
+      <dsp:txXfrm>
+        <a:off x="7154322" y="302868"/>
+        <a:ext cx="3148942" cy="1335915"/>
+      </dsp:txXfrm>
+    </dsp:sp>
+    <dsp:sp modelId="{63F68EA7-2F44-4F46-A057-AF4E60A46C49}">
+      <dsp:nvSpPr>
+        <dsp:cNvPr id="0" name=""/>
+        <dsp:cNvSpPr/>
+      </dsp:nvSpPr>
+      <dsp:spPr>
+        <a:xfrm>
+          <a:off x="212335" y="2310092"/>
+          <a:ext cx="1335915" cy="1335915"/>
+        </a:xfrm>
+        <a:prstGeom prst="ellipse">
+          <a:avLst/>
+        </a:prstGeom>
+        <a:solidFill>
+          <a:schemeClr val="tx1"/>
+        </a:solidFill>
+        <a:ln>
+          <a:noFill/>
+        </a:ln>
+        <a:effectLst/>
+      </dsp:spPr>
+      <dsp:style>
+        <a:lnRef idx="0">
+          <a:scrgbClr r="0" g="0" b="0"/>
+        </a:lnRef>
+        <a:fillRef idx="1">
+          <a:scrgbClr r="0" g="0" b="0"/>
+        </a:fillRef>
+        <a:effectRef idx="0">
+          <a:scrgbClr r="0" g="0" b="0"/>
+        </a:effectRef>
+        <a:fontRef idx="minor"/>
+      </dsp:style>
+    </dsp:sp>
+    <dsp:sp modelId="{47036EFF-7447-41FF-96D9-D4118C7D8B66}">
+      <dsp:nvSpPr>
+        <dsp:cNvPr id="0" name=""/>
+        <dsp:cNvSpPr/>
+      </dsp:nvSpPr>
+      <dsp:spPr>
+        <a:xfrm>
+          <a:off x="492877" y="2590634"/>
+          <a:ext cx="774830" cy="774830"/>
+        </a:xfrm>
+        <a:prstGeom prst="rect">
+          <a:avLst/>
+        </a:prstGeom>
+        <a:blipFill>
+          <a:blip xmlns:r="http://schemas.openxmlformats.org/officeDocument/2006/relationships" r:embed="rId4">
+            <a:extLst>
+              <a:ext uri="{837473B0-CC2E-450A-ABE3-18F120FF3D39}">
+                <a1611:picAttrSrcUrl xmlns:a1611="http://schemas.microsoft.com/office/drawing/2016/11/main" r:id="rId5"/>
+              </a:ext>
+            </a:extLst>
+          </a:blip>
+          <a:srcRect/>
+          <a:stretch>
+            <a:fillRect l="-17000" r="-17000"/>
+          </a:stretch>
+        </a:blipFill>
+        <a:ln w="12700" cap="flat" cmpd="sng" algn="ctr">
+          <a:noFill/>
+          <a:prstDash val="solid"/>
+          <a:miter lim="800000"/>
+        </a:ln>
+        <a:effectLst/>
+      </dsp:spPr>
+      <dsp:style>
+        <a:lnRef idx="2">
+          <a:scrgbClr r="0" g="0" b="0"/>
+        </a:lnRef>
+        <a:fillRef idx="1">
+          <a:scrgbClr r="0" g="0" b="0"/>
+        </a:fillRef>
+        <a:effectRef idx="0">
+          <a:scrgbClr r="0" g="0" b="0"/>
+        </a:effectRef>
+        <a:fontRef idx="minor">
+          <a:schemeClr val="lt1"/>
+        </a:fontRef>
+      </dsp:style>
+    </dsp:sp>
+    <dsp:sp modelId="{57AE38EE-C7D5-4F12-A845-B3C68A2CD36B}">
+      <dsp:nvSpPr>
+        <dsp:cNvPr id="0" name=""/>
+        <dsp:cNvSpPr/>
+      </dsp:nvSpPr>
+      <dsp:spPr>
+        <a:xfrm>
+          <a:off x="1834517" y="2310092"/>
+          <a:ext cx="3148942" cy="1335915"/>
+        </a:xfrm>
+        <a:prstGeom prst="rect">
+          <a:avLst/>
+        </a:prstGeom>
+        <a:noFill/>
+        <a:ln>
+          <a:noFill/>
+        </a:ln>
+        <a:effectLst/>
+      </dsp:spPr>
+      <dsp:style>
+        <a:lnRef idx="0">
+          <a:scrgbClr r="0" g="0" b="0"/>
+        </a:lnRef>
+        <a:fillRef idx="0">
+          <a:scrgbClr r="0" g="0" b="0"/>
+        </a:fillRef>
+        <a:effectRef idx="0">
+          <a:scrgbClr r="0" g="0" b="0"/>
+        </a:effectRef>
+        <a:fontRef idx="minor"/>
+      </dsp:style>
+      <dsp:txBody>
+        <a:bodyPr spcFirstLastPara="0" vert="horz" wrap="square" lIns="0" tIns="0" rIns="0" bIns="0" numCol="1" spcCol="1270" anchor="ctr" anchorCtr="0">
+          <a:noAutofit/>
+        </a:bodyPr>
+        <a:lstStyle/>
+        <a:p>
+          <a:pPr marL="0" lvl="0" indent="0" algn="l" defTabSz="1066800">
+            <a:lnSpc>
+              <a:spcPct val="100000"/>
+            </a:lnSpc>
+            <a:spcBef>
+              <a:spcPct val="0"/>
+            </a:spcBef>
+            <a:spcAft>
+              <a:spcPct val="35000"/>
+            </a:spcAft>
+            <a:buNone/>
+          </a:pPr>
+          <a:r>
+            <a:rPr lang="it-IT" sz="2400" kern="1200" dirty="0">
+              <a:solidFill>
+                <a:srgbClr val="5585A5"/>
+              </a:solidFill>
+            </a:rPr>
+            <a:t>Java</a:t>
+          </a:r>
+          <a:endParaRPr lang="en-US" sz="2400" kern="1200" dirty="0">
+            <a:solidFill>
+              <a:srgbClr val="5585A5"/>
+            </a:solidFill>
+          </a:endParaRPr>
+        </a:p>
+      </dsp:txBody>
+      <dsp:txXfrm>
+        <a:off x="1834517" y="2310092"/>
+        <a:ext cx="3148942" cy="1335915"/>
+      </dsp:txXfrm>
+    </dsp:sp>
+    <dsp:sp modelId="{A17F5C9F-93DB-4ED5-BB4F-D31EB156A8D1}">
+      <dsp:nvSpPr>
+        <dsp:cNvPr id="0" name=""/>
+        <dsp:cNvSpPr/>
+      </dsp:nvSpPr>
+      <dsp:spPr>
+        <a:xfrm>
+          <a:off x="5532139" y="2310092"/>
+          <a:ext cx="1335915" cy="1335915"/>
+        </a:xfrm>
+        <a:prstGeom prst="ellipse">
+          <a:avLst/>
+        </a:prstGeom>
+        <a:solidFill>
+          <a:srgbClr val="7030A0"/>
+        </a:solidFill>
+        <a:ln>
+          <a:noFill/>
+        </a:ln>
+        <a:effectLst/>
+      </dsp:spPr>
+      <dsp:style>
+        <a:lnRef idx="0">
+          <a:scrgbClr r="0" g="0" b="0"/>
+        </a:lnRef>
+        <a:fillRef idx="1">
+          <a:scrgbClr r="0" g="0" b="0"/>
+        </a:fillRef>
+        <a:effectRef idx="0">
+          <a:scrgbClr r="0" g="0" b="0"/>
+        </a:effectRef>
+        <a:fontRef idx="minor"/>
+      </dsp:style>
+    </dsp:sp>
+    <dsp:sp modelId="{F60CEBCF-C589-4083-91BD-805B905FD68E}">
+      <dsp:nvSpPr>
+        <dsp:cNvPr id="0" name=""/>
+        <dsp:cNvSpPr/>
+      </dsp:nvSpPr>
+      <dsp:spPr>
+        <a:xfrm>
+          <a:off x="5812681" y="2590634"/>
+          <a:ext cx="774830" cy="774830"/>
+        </a:xfrm>
+        <a:prstGeom prst="rect">
+          <a:avLst/>
+        </a:prstGeom>
+        <a:blipFill>
+          <a:blip xmlns:r="http://schemas.openxmlformats.org/officeDocument/2006/relationships" r:embed="rId6">
+            <a:extLst>
+              <a:ext uri="{96DAC541-7B7A-43D3-8B79-37D633B846F1}">
+                <asvg:svgBlip xmlns:asvg="http://schemas.microsoft.com/office/drawing/2016/SVG/main" r:embed="rId7"/>
+              </a:ext>
+            </a:extLst>
+          </a:blip>
+          <a:srcRect/>
+          <a:stretch>
+            <a:fillRect/>
+          </a:stretch>
+        </a:blipFill>
+        <a:ln w="12700" cap="flat" cmpd="sng" algn="ctr">
+          <a:solidFill>
+            <a:schemeClr val="lt1">
+              <a:alpha val="0"/>
+              <a:hueOff val="0"/>
+              <a:satOff val="0"/>
+              <a:lumOff val="0"/>
+              <a:alphaOff val="0"/>
+            </a:schemeClr>
+          </a:solidFill>
+          <a:prstDash val="solid"/>
+          <a:miter lim="800000"/>
+        </a:ln>
+        <a:effectLst/>
+      </dsp:spPr>
+      <dsp:style>
+        <a:lnRef idx="2">
+          <a:scrgbClr r="0" g="0" b="0"/>
+        </a:lnRef>
+        <a:fillRef idx="1">
+          <a:scrgbClr r="0" g="0" b="0"/>
+        </a:fillRef>
+        <a:effectRef idx="0">
+          <a:scrgbClr r="0" g="0" b="0"/>
+        </a:effectRef>
+        <a:fontRef idx="minor">
+          <a:schemeClr val="lt1"/>
+        </a:fontRef>
+      </dsp:style>
+    </dsp:sp>
+    <dsp:sp modelId="{48065E13-9000-43EB-9521-58099CBA42E6}">
+      <dsp:nvSpPr>
+        <dsp:cNvPr id="0" name=""/>
+        <dsp:cNvSpPr/>
+      </dsp:nvSpPr>
+      <dsp:spPr>
+        <a:xfrm>
+          <a:off x="7154322" y="2310092"/>
+          <a:ext cx="3148942" cy="1335915"/>
+        </a:xfrm>
+        <a:prstGeom prst="rect">
+          <a:avLst/>
+        </a:prstGeom>
+        <a:noFill/>
+        <a:ln>
+          <a:noFill/>
+        </a:ln>
+        <a:effectLst/>
+      </dsp:spPr>
+      <dsp:style>
+        <a:lnRef idx="0">
+          <a:scrgbClr r="0" g="0" b="0"/>
+        </a:lnRef>
+        <a:fillRef idx="0">
+          <a:scrgbClr r="0" g="0" b="0"/>
+        </a:fillRef>
+        <a:effectRef idx="0">
+          <a:scrgbClr r="0" g="0" b="0"/>
+        </a:effectRef>
+        <a:fontRef idx="minor"/>
+      </dsp:style>
+      <dsp:txBody>
+        <a:bodyPr spcFirstLastPara="0" vert="horz" wrap="square" lIns="0" tIns="0" rIns="0" bIns="0" numCol="1" spcCol="1270" anchor="ctr" anchorCtr="0">
+          <a:noAutofit/>
+        </a:bodyPr>
+        <a:lstStyle/>
+        <a:p>
+          <a:pPr marL="0" lvl="0" indent="0" algn="l" defTabSz="1066800">
+            <a:lnSpc>
+              <a:spcPct val="100000"/>
+            </a:lnSpc>
+            <a:spcBef>
+              <a:spcPct val="0"/>
+            </a:spcBef>
+            <a:spcAft>
+              <a:spcPct val="35000"/>
+            </a:spcAft>
+            <a:buNone/>
+          </a:pPr>
+          <a:r>
+            <a:rPr lang="it-IT" sz="2400" kern="1200" dirty="0">
+              <a:solidFill>
+                <a:srgbClr val="7030A0"/>
+              </a:solidFill>
+            </a:rPr>
+            <a:t>Html, </a:t>
+          </a:r>
+          <a:r>
+            <a:rPr lang="it-IT" sz="2400" kern="1200" dirty="0" err="1">
+              <a:solidFill>
+                <a:srgbClr val="7030A0"/>
+              </a:solidFill>
+            </a:rPr>
+            <a:t>Css</a:t>
+          </a:r>
+          <a:r>
+            <a:rPr lang="it-IT" sz="2400" kern="1200" dirty="0">
+              <a:solidFill>
+                <a:srgbClr val="7030A0"/>
+              </a:solidFill>
+            </a:rPr>
+            <a:t>, JavaScript</a:t>
+          </a:r>
+        </a:p>
+      </dsp:txBody>
+      <dsp:txXfrm>
+        <a:off x="7154322" y="2310092"/>
+        <a:ext cx="3148942" cy="1335915"/>
+      </dsp:txXfrm>
+    </dsp:sp>
+  </dsp:spTree>
+</dsp:drawing>
+</file>
+
+<file path=ppt/diagrams/layout1.xml><?xml version="1.0" encoding="utf-8"?>
+<dgm:layoutDef xmlns:dgm="http://schemas.openxmlformats.org/drawingml/2006/diagram" xmlns:a="http://schemas.openxmlformats.org/drawingml/2006/main" uniqueId="urn:microsoft.com/office/officeart/2018/2/layout/IconCircleList">
+  <dgm:title val="Icon Circle List"/>
+  <dgm:desc val="Use to show non-sequential or grouped chunks of information accompanied by related visuals. Circular shapes can hold an icon or small picture and corresponding text box shows Level 1 text. Works best for icons or small pictures with medium-length descriptions."/>
+  <dgm:catLst>
+    <dgm:cat type="icon" pri="500"/>
+  </dgm:catLst>
+  <dgm:sampData useDef="1">
+    <dgm:dataModel>
+      <dgm:ptLst/>
+      <dgm:bg/>
+      <dgm:whole/>
+    </dgm:dataModel>
+  </dgm:sampData>
+  <dgm:styleData useDef="1">
+    <dgm:dataModel>
+      <dgm:ptLst/>
+      <dgm:bg/>
+      <dgm:whole/>
+    </dgm:dataModel>
+  </dgm:styleData>
+  <dgm:clrData useDef="1">
+    <dgm:dataModel>
+      <dgm:ptLst/>
+      <dgm:bg/>
+      <dgm:whole/>
+    </dgm:dataModel>
+  </dgm:clrData>
+  <dgm:layoutNode name="root">
+    <dgm:varLst>
+      <dgm:dir/>
+      <dgm:resizeHandles val="exact"/>
+    </dgm:varLst>
+    <dgm:alg type="sp"/>
+    <dgm:shape xmlns:r="http://schemas.openxmlformats.org/officeDocument/2006/relationships" r:blip="">
+      <dgm:adjLst/>
+    </dgm:shape>
+    <dgm:presOf/>
+    <dgm:choose name="Name0">
+      <dgm:if name="Name1" axis="ch" ptType="node" func="cnt" op="lte" val="3">
+        <dgm:constrLst>
+          <dgm:constr type="w" for="ch" forName="container" refType="w"/>
+          <dgm:constr type="h" for="ch" forName="container" refType="h" fact="0.4"/>
+        </dgm:constrLst>
+      </dgm:if>
+      <dgm:else name="Name2">
+        <dgm:constrLst>
+          <dgm:constr type="w" for="ch" forName="container" refType="w"/>
+          <dgm:constr type="h" for="ch" forName="container" refType="h"/>
+        </dgm:constrLst>
+      </dgm:else>
+    </dgm:choose>
+    <dgm:ruleLst>
+      <dgm:rule type="h" for="ch" forName="container" val="INF" fact="NaN" max="NaN"/>
+    </dgm:ruleLst>
+    <dgm:layoutNode name="container">
+      <dgm:varLst>
+        <dgm:dir/>
+        <dgm:resizeHandles val="exact"/>
+      </dgm:varLst>
+      <dgm:choose name="Name3">
+        <dgm:if name="Name4" axis="self" func="var" arg="dir" op="equ" val="norm">
+          <dgm:alg type="snake">
+            <dgm:param type="grDir" val="tL"/>
+            <dgm:param type="flowDir" val="row"/>
+            <dgm:param type="contDir" val="sameDir"/>
+          </dgm:alg>
+        </dgm:if>
+        <dgm:else name="Name5">
+          <dgm:alg type="snake">
+            <dgm:param type="grDir" val="tR"/>
+            <dgm:param type="flowDir" val="row"/>
+            <dgm:param type="contDir" val="sameDir"/>
+          </dgm:alg>
+        </dgm:else>
+      </dgm:choose>
+      <dgm:shape xmlns:r="http://schemas.openxmlformats.org/officeDocument/2006/relationships" r:blip="">
+        <dgm:adjLst/>
+      </dgm:shape>
+      <dgm:presOf/>
+      <dgm:constrLst>
+        <dgm:constr type="w" for="ch" forName="compNode" refType="w"/>
+        <dgm:constr type="h" for="ch" forName="compNode" refType="w" fact="0.28"/>
+        <dgm:constr type="w" for="ch" forName="sibTrans" refType="w" refFor="ch" refForName="compNode" fact="0.115"/>
+        <dgm:constr type="sp" refType="h" op="equ" fact="0.17"/>
+        <dgm:constr type="primFontSz" for="des" ptType="node" op="equ" val="24"/>
+        <dgm:constr type="h" for="des" forName="compNode" op="equ"/>
+        <dgm:constr type="h" for="des" forName="iconBgRect" op="equ"/>
+      </dgm:constrLst>
+      <dgm:ruleLst>
+        <dgm:rule type="w" for="ch" forName="compNode" val="60" fact="NaN" max="NaN"/>
+      </dgm:ruleLst>
+      <dgm:forEach name="Name6" axis="ch" ptType="node">
+        <dgm:layoutNode name="compNode">
+          <dgm:alg type="composite"/>
+          <dgm:shape xmlns:r="http://schemas.openxmlformats.org/officeDocument/2006/relationships" r:blip="">
+            <dgm:adjLst/>
+          </dgm:shape>
+          <dgm:presOf axis="self"/>
+          <dgm:constrLst>
+            <dgm:constr type="w" for="ch" forName="iconBgRect" refType="w" fact="0.28"/>
+            <dgm:constr type="h" for="ch" forName="iconBgRect" refType="w" refFor="ch" refForName="iconBgRect"/>
+            <dgm:constr type="t" for="ch" forName="iconBgRect"/>
+            <dgm:constr type="l" for="ch" forName="iconBgRect"/>
+            <dgm:constr type="w" for="ch" forName="iconRect" refType="w" refFor="ch" refForName="iconBgRect" fact="0.58"/>
+            <dgm:constr type="h" for="ch" forName="iconRect" refType="w" refFor="ch" refForName="iconRect"/>
+            <dgm:constr type="ctrX" for="ch" forName="iconRect" refType="ctrX" refFor="ch" refForName="iconBgRect"/>
+            <dgm:constr type="ctrY" for="ch" forName="iconRect" refType="ctrY" refFor="ch" refForName="iconBgRect"/>
+            <dgm:constr type="w" for="ch" forName="spaceRect" refType="w" fact="0.06"/>
+            <dgm:constr type="h" for="ch" forName="spaceRect" refType="h" refFor="ch" refForName="iconBgRect"/>
+            <dgm:constr type="t" for="ch" forName="spaceRect" refType="t" refFor="ch" refForName="iconBgRect"/>
+            <dgm:constr type="l" for="ch" forName="spaceRect" refType="r" refFor="ch" refForName="iconBgRect"/>
+            <dgm:constr type="h" for="ch" forName="textRect" refType="h" refFor="ch" refForName="iconBgRect"/>
+            <dgm:constr type="t" for="ch" forName="textRect" refType="t" refFor="ch" refForName="iconBgRect"/>
+            <dgm:constr type="l" for="ch" forName="textRect" refType="r" refFor="ch" refForName="spaceRect"/>
+          </dgm:constrLst>
+          <dgm:ruleLst/>
+          <dgm:layoutNode name="iconBgRect" styleLbl="bgShp">
+            <dgm:alg type="sp"/>
+            <dgm:shape xmlns:r="http://schemas.openxmlformats.org/officeDocument/2006/relationships" type="ellipse" r:blip="">
+              <dgm:adjLst/>
+            </dgm:shape>
+            <dgm:presOf/>
+            <dgm:constrLst/>
+            <dgm:ruleLst/>
+          </dgm:layoutNode>
+          <dgm:layoutNode name="iconRect" styleLbl="node1">
+            <dgm:alg type="sp"/>
+            <dgm:shape xmlns:r="http://schemas.openxmlformats.org/officeDocument/2006/relationships" type="rect" r:blip="" blipPhldr="1">
+              <dgm:adjLst/>
+            </dgm:shape>
+            <dgm:presOf/>
+            <dgm:constrLst/>
+            <dgm:ruleLst/>
+          </dgm:layoutNode>
+          <dgm:layoutNode name="spaceRect">
+            <dgm:alg type="sp"/>
+            <dgm:shape xmlns:r="http://schemas.openxmlformats.org/officeDocument/2006/relationships" r:blip="">
+              <dgm:adjLst/>
+            </dgm:shape>
+            <dgm:presOf/>
+            <dgm:constrLst/>
+            <dgm:ruleLst/>
+          </dgm:layoutNode>
+          <dgm:layoutNode name="textRect" styleLbl="revTx">
+            <dgm:varLst>
+              <dgm:chMax val="1"/>
+              <dgm:chPref val="1"/>
+            </dgm:varLst>
+            <dgm:choose name="Name7">
+              <dgm:if name="Name8" func="var" arg="dir" op="equ" val="norm">
+                <dgm:alg type="tx">
+                  <dgm:param type="txAnchorVert" val="mid"/>
+                  <dgm:param type="parTxLTRAlign" val="l"/>
+                  <dgm:param type="shpTxLTRAlignCh" val="l"/>
+                  <dgm:param type="parTxRTLAlign" val="l"/>
+                  <dgm:param type="shpTxRTLAlignCh" val="l"/>
+                </dgm:alg>
+              </dgm:if>
+              <dgm:else name="Name9">
+                <dgm:alg type="tx">
+                  <dgm:param type="txAnchorVert" val="mid"/>
+                  <dgm:param type="parTxLTRAlign" val="r"/>
+                  <dgm:param type="shpTxLTRAlignCh" val="r"/>
+                  <dgm:param type="parTxRTLAlign" val="r"/>
+                  <dgm:param type="shpTxRTLAlignCh" val="r"/>
+                </dgm:alg>
+              </dgm:else>
+            </dgm:choose>
+            <dgm:shape xmlns:r="http://schemas.openxmlformats.org/officeDocument/2006/relationships" type="rect" r:blip="">
+              <dgm:adjLst/>
+            </dgm:shape>
+            <dgm:presOf axis="self" ptType="node"/>
+            <dgm:constrLst>
+              <dgm:constr type="lMarg"/>
+              <dgm:constr type="rMarg"/>
+              <dgm:constr type="tMarg"/>
+              <dgm:constr type="bMarg"/>
+            </dgm:constrLst>
+            <dgm:ruleLst>
+              <dgm:rule type="primFontSz" val="11" fact="NaN" max="NaN"/>
+            </dgm:ruleLst>
+          </dgm:layoutNode>
+        </dgm:layoutNode>
+        <dgm:forEach name="Name10" axis="followSib" ptType="sibTrans" cnt="1">
+          <dgm:layoutNode name="sibTrans">
+            <dgm:alg type="sp"/>
+            <dgm:shape xmlns:r="http://schemas.openxmlformats.org/officeDocument/2006/relationships" type="rect" r:blip="" hideGeom="1">
+              <dgm:adjLst/>
+            </dgm:shape>
+            <dgm:presOf axis="self"/>
+            <dgm:constrLst/>
+            <dgm:ruleLst/>
+          </dgm:layoutNode>
+        </dgm:forEach>
+      </dgm:forEach>
+    </dgm:layoutNode>
+  </dgm:layoutNode>
+  <dgm:extLst>
+    <a:ext uri="{68A01E43-0DF5-4B5B-8FA6-DAF915123BFB}">
+      <dgm1612:lstStyle xmlns:dgm1612="http://schemas.microsoft.com/office/drawing/2016/12/diagram">
+        <a:lvl1pPr>
+          <a:lnSpc>
+            <a:spcPct val="100000"/>
+          </a:lnSpc>
+        </a:lvl1pPr>
+      </dgm1612:lstStyle>
+    </a:ext>
+  </dgm:extLst>
+</dgm:layoutDef>
+</file>
+
+<file path=ppt/diagrams/quickStyle1.xml><?xml version="1.0" encoding="utf-8"?>
+<dgm:styleDef xmlns:dgm="http://schemas.openxmlformats.org/drawingml/2006/diagram" xmlns:a="http://schemas.openxmlformats.org/drawingml/2006/main" uniqueId="urn:microsoft.com/office/officeart/2005/8/quickstyle/simple1">
+  <dgm:title val=""/>
+  <dgm:desc val=""/>
+  <dgm:catLst>
+    <dgm:cat type="simple" pri="10100"/>
+  </dgm:catLst>
+  <dgm:scene3d>
+    <a:camera prst="orthographicFront"/>
+    <a:lightRig rig="threePt" dir="t"/>
+  </dgm:scene3d>
+  <dgm:styleLbl name="node0">
+    <dgm:scene3d>
+      <a:camera prst="orthographicFront"/>
+      <a:lightRig rig="threePt" dir="t"/>
+    </dgm:scene3d>
+    <dgm:sp3d/>
+    <dgm:txPr/>
+    <dgm:style>
+      <a:lnRef idx="2">
+        <a:scrgbClr r="0" g="0" b="0"/>
+      </a:lnRef>
+      <a:fillRef idx="1">
+        <a:scrgbClr r="0" g="0" b="0"/>
+      </a:fillRef>
+      <a:effectRef idx="0">
+        <a:scrgbClr r="0" g="0" b="0"/>
+      </a:effectRef>
+      <a:fontRef idx="minor">
+        <a:schemeClr val="lt1"/>
+      </a:fontRef>
+    </dgm:style>
+  </dgm:styleLbl>
+  <dgm:styleLbl name="lnNode1">
+    <dgm:scene3d>
+      <a:camera prst="orthographicFront"/>
+      <a:lightRig rig="threePt" dir="t"/>
+    </dgm:scene3d>
+    <dgm:sp3d/>
+    <dgm:txPr/>
+    <dgm:style>
+      <a:lnRef idx="2">
+        <a:scrgbClr r="0" g="0" b="0"/>
+      </a:lnRef>
+      <a:fillRef idx="1">
+        <a:scrgbClr r="0" g="0" b="0"/>
+      </a:fillRef>
+      <a:effectRef idx="0">
+        <a:scrgbClr r="0" g="0" b="0"/>
+      </a:effectRef>
+      <a:fontRef idx="minor">
+        <a:schemeClr val="lt1"/>
+      </a:fontRef>
+    </dgm:style>
+  </dgm:styleLbl>
+  <dgm:styleLbl name="vennNode1">
+    <dgm:scene3d>
+      <a:camera prst="orthographicFront"/>
+      <a:lightRig rig="threePt" dir="t"/>
+    </dgm:scene3d>
+    <dgm:sp3d/>
+    <dgm:txPr/>
+    <dgm:style>
+      <a:lnRef idx="2">
+        <a:scrgbClr r="0" g="0" b="0"/>
+      </a:lnRef>
+      <a:fillRef idx="1">
+        <a:scrgbClr r="0" g="0" b="0"/>
+      </a:fillRef>
+      <a:effectRef idx="0">
+        <a:scrgbClr r="0" g="0" b="0"/>
+      </a:effectRef>
+      <a:fontRef idx="minor">
+        <a:schemeClr val="tx1"/>
+      </a:fontRef>
+    </dgm:style>
+  </dgm:styleLbl>
+  <dgm:styleLbl name="alignNode1">
+    <dgm:scene3d>
+      <a:camera prst="orthographicFront"/>
+      <a:lightRig rig="threePt" dir="t"/>
+    </dgm:scene3d>
+    <dgm:sp3d/>
+    <dgm:txPr/>
+    <dgm:style>
+      <a:lnRef idx="2">
+        <a:scrgbClr r="0" g="0" b="0"/>
+      </a:lnRef>
+      <a:fillRef idx="1">
+        <a:scrgbClr r="0" g="0" b="0"/>
+      </a:fillRef>
+      <a:effectRef idx="0">
+        <a:scrgbClr r="0" g="0" b="0"/>
+      </a:effectRef>
+      <a:fontRef idx="minor">
+        <a:schemeClr val="lt1"/>
+      </a:fontRef>
+    </dgm:style>
+  </dgm:styleLbl>
+  <dgm:styleLbl name="node1">
+    <dgm:scene3d>
+      <a:camera prst="orthographicFront"/>
+      <a:lightRig rig="threePt" dir="t"/>
+    </dgm:scene3d>
+    <dgm:sp3d/>
+    <dgm:txPr/>
+    <dgm:style>
+      <a:lnRef idx="2">
+        <a:scrgbClr r="0" g="0" b="0"/>
+      </a:lnRef>
+      <a:fillRef idx="1">
+        <a:scrgbClr r="0" g="0" b="0"/>
+      </a:fillRef>
+      <a:effectRef idx="0">
+        <a:scrgbClr r="0" g="0" b="0"/>
+      </a:effectRef>
+      <a:fontRef idx="minor">
+        <a:schemeClr val="lt1"/>
+      </a:fontRef>
+    </dgm:style>
+  </dgm:styleLbl>
+  <dgm:styleLbl name="node2">
+    <dgm:scene3d>
+      <a:camera prst="orthographicFront"/>
+      <a:lightRig rig="threePt" dir="t"/>
+    </dgm:scene3d>
+    <dgm:sp3d/>
+    <dgm:txPr/>
+    <dgm:style>
+      <a:lnRef idx="2">
+        <a:scrgbClr r="0" g="0" b="0"/>
+      </a:lnRef>
+      <a:fillRef idx="1">
+        <a:scrgbClr r="0" g="0" b="0"/>
+      </a:fillRef>
+      <a:effectRef idx="0">
+        <a:scrgbClr r="0" g="0" b="0"/>
+      </a:effectRef>
+      <a:fontRef idx="minor">
+        <a:schemeClr val="lt1"/>
+      </a:fontRef>
+    </dgm:style>
+  </dgm:styleLbl>
+  <dgm:styleLbl name="node3">
+    <dgm:scene3d>
+      <a:camera prst="orthographicFront"/>
+      <a:lightRig rig="threePt" dir="t"/>
+    </dgm:scene3d>
+    <dgm:sp3d/>
+    <dgm:txPr/>
+    <dgm:style>
+      <a:lnRef idx="2">
+        <a:scrgbClr r="0" g="0" b="0"/>
+      </a:lnRef>
+      <a:fillRef idx="1">
+        <a:scrgbClr r="0" g="0" b="0"/>
+      </a:fillRef>
+      <a:effectRef idx="0">
+        <a:scrgbClr r="0" g="0" b="0"/>
+      </a:effectRef>
+      <a:fontRef idx="minor">
+        <a:schemeClr val="lt1"/>
+      </a:fontRef>
+    </dgm:style>
+  </dgm:styleLbl>
+  <dgm:styleLbl name="node4">
+    <dgm:scene3d>
+      <a:camera prst="orthographicFront"/>
+      <a:lightRig rig="threePt" dir="t"/>
+    </dgm:scene3d>
+    <dgm:sp3d/>
+    <dgm:txPr/>
+    <dgm:style>
+      <a:lnRef idx="2">
+        <a:scrgbClr r="0" g="0" b="0"/>
+      </a:lnRef>
+      <a:fillRef idx="1">
+        <a:scrgbClr r="0" g="0" b="0"/>
+      </a:fillRef>
+      <a:effectRef idx="0">
+        <a:scrgbClr r="0" g="0" b="0"/>
+      </a:effectRef>
+      <a:fontRef idx="minor">
+        <a:schemeClr val="lt1"/>
+      </a:fontRef>
+    </dgm:style>
+  </dgm:styleLbl>
+  <dgm:styleLbl name="fgImgPlace1">
+    <dgm:scene3d>
+      <a:camera prst="orthographicFront"/>
+      <a:lightRig rig="threePt" dir="t"/>
+    </dgm:scene3d>
+    <dgm:sp3d/>
+    <dgm:txPr/>
+    <dgm:style>
+      <a:lnRef idx="2">
+        <a:scrgbClr r="0" g="0" b="0"/>
+      </a:lnRef>
+      <a:fillRef idx="1">
+        <a:scrgbClr r="0" g="0" b="0"/>
+      </a:fillRef>
+      <a:effectRef idx="0">
+        <a:scrgbClr r="0" g="0" b="0"/>
+      </a:effectRef>
+      <a:fontRef idx="minor"/>
+    </dgm:style>
+  </dgm:styleLbl>
+  <dgm:styleLbl name="alignImgPlace1">
+    <dgm:scene3d>
+      <a:camera prst="orthographicFront"/>
+      <a:lightRig rig="threePt" dir="t"/>
+    </dgm:scene3d>
+    <dgm:sp3d/>
+    <dgm:txPr/>
+    <dgm:style>
+      <a:lnRef idx="2">
+        <a:scrgbClr r="0" g="0" b="0"/>
+      </a:lnRef>
+      <a:fillRef idx="1">
+        <a:scrgbClr r="0" g="0" b="0"/>
+      </a:fillRef>
+      <a:effectRef idx="0">
+        <a:scrgbClr r="0" g="0" b="0"/>
+      </a:effectRef>
+      <a:fontRef idx="minor"/>
+    </dgm:style>
+  </dgm:styleLbl>
+  <dgm:styleLbl name="bgImgPlace1">
+    <dgm:scene3d>
+      <a:camera prst="orthographicFront"/>
+      <a:lightRig rig="threePt" dir="t"/>
+    </dgm:scene3d>
+    <dgm:sp3d/>
+    <dgm:txPr/>
+    <dgm:style>
+      <a:lnRef idx="2">
+        <a:scrgbClr r="0" g="0" b="0"/>
+      </a:lnRef>
+      <a:fillRef idx="1">
+        <a:scrgbClr r="0" g="0" b="0"/>
+      </a:fillRef>
+      <a:effectRef idx="0">
+        <a:scrgbClr r="0" g="0" b="0"/>
+      </a:effectRef>
+      <a:fontRef idx="minor"/>
+    </dgm:style>
+  </dgm:styleLbl>
+  <dgm:styleLbl name="sibTrans2D1">
+    <dgm:scene3d>
+      <a:camera prst="orthographicFront"/>
+      <a:lightRig rig="threePt" dir="t"/>
+    </dgm:scene3d>
+    <dgm:sp3d/>
+    <dgm:txPr/>
+    <dgm:style>
+      <a:lnRef idx="0">
+        <a:scrgbClr r="0" g="0" b="0"/>
+      </a:lnRef>
+      <a:fillRef idx="1">
+        <a:scrgbClr r="0" g="0" b="0"/>
+      </a:fillRef>
+      <a:effectRef idx="0">
+        <a:scrgbClr r="0" g="0" b="0"/>
+      </a:effectRef>
+      <a:fontRef idx="minor">
+        <a:schemeClr val="lt1"/>
+      </a:fontRef>
+    </dgm:style>
+  </dgm:styleLbl>
+  <dgm:styleLbl name="fgSibTrans2D1">
+    <dgm:scene3d>
+      <a:camera prst="orthographicFront"/>
+      <a:lightRig rig="threePt" dir="t"/>
+    </dgm:scene3d>
+    <dgm:sp3d/>
+    <dgm:txPr/>
+    <dgm:style>
+      <a:lnRef idx="0">
+        <a:scrgbClr r="0" g="0" b="0"/>
+      </a:lnRef>
+      <a:fillRef idx="1">
+        <a:scrgbClr r="0" g="0" b="0"/>
+      </a:fillRef>
+      <a:effectRef idx="0">
+        <a:scrgbClr r="0" g="0" b="0"/>
+      </a:effectRef>
+      <a:fontRef idx="minor">
+        <a:schemeClr val="lt1"/>
+      </a:fontRef>
+    </dgm:style>
+  </dgm:styleLbl>
+  <dgm:styleLbl name="bgSibTrans2D1">
+    <dgm:scene3d>
+      <a:camera prst="orthographicFront"/>
+      <a:lightRig rig="threePt" dir="t"/>
+    </dgm:scene3d>
+    <dgm:sp3d/>
+    <dgm:txPr/>
+    <dgm:style>
+      <a:lnRef idx="0">
+        <a:scrgbClr r="0" g="0" b="0"/>
+      </a:lnRef>
+      <a:fillRef idx="1">
+        <a:scrgbClr r="0" g="0" b="0"/>
+      </a:fillRef>
+      <a:effectRef idx="0">
+        <a:scrgbClr r="0" g="0" b="0"/>
+      </a:effectRef>
+      <a:fontRef idx="minor">
+        <a:schemeClr val="lt1"/>
+      </a:fontRef>
+    </dgm:style>
+  </dgm:styleLbl>
+  <dgm:styleLbl name="sibTrans1D1">
+    <dgm:scene3d>
+      <a:camera prst="orthographicFront"/>
+      <a:lightRig rig="threePt" dir="t"/>
+    </dgm:scene3d>
+    <dgm:sp3d/>
+    <dgm:txPr/>
+    <dgm:style>
+      <a:lnRef idx="1">
+        <a:scrgbClr r="0" g="0" b="0"/>
+      </a:lnRef>
+      <a:fillRef idx="0">
+        <a:scrgbClr r="0" g="0" b="0"/>
+      </a:fillRef>
+      <a:effectRef idx="0">
+        <a:scrgbClr r="0" g="0" b="0"/>
+      </a:effectRef>
+      <a:fontRef idx="minor"/>
+    </dgm:style>
+  </dgm:styleLbl>
+  <dgm:styleLbl name="callout">
+    <dgm:scene3d>
+      <a:camera prst="orthographicFront"/>
+      <a:lightRig rig="threePt" dir="t"/>
+    </dgm:scene3d>
+    <dgm:sp3d/>
+    <dgm:txPr/>
+    <dgm:style>
+      <a:lnRef idx="2">
+        <a:scrgbClr r="0" g="0" b="0"/>
+      </a:lnRef>
+      <a:fillRef idx="1">
+        <a:scrgbClr r="0" g="0" b="0"/>
+      </a:fillRef>
+      <a:effectRef idx="0">
+        <a:scrgbClr r="0" g="0" b="0"/>
+      </a:effectRef>
+      <a:fontRef idx="minor"/>
+    </dgm:style>
+  </dgm:styleLbl>
+  <dgm:styleLbl name="asst0">
+    <dgm:scene3d>
+      <a:camera prst="orthographicFront"/>
+      <a:lightRig rig="threePt" dir="t"/>
+    </dgm:scene3d>
+    <dgm:sp3d/>
+    <dgm:txPr/>
+    <dgm:style>
+      <a:lnRef idx="2">
+        <a:scrgbClr r="0" g="0" b="0"/>
+      </a:lnRef>
+      <a:fillRef idx="1">
+        <a:scrgbClr r="0" g="0" b="0"/>
+      </a:fillRef>
+      <a:effectRef idx="0">
+        <a:scrgbClr r="0" g="0" b="0"/>
+      </a:effectRef>
+      <a:fontRef idx="minor">
+        <a:schemeClr val="lt1"/>
+      </a:fontRef>
+    </dgm:style>
+  </dgm:styleLbl>
+  <dgm:styleLbl name="asst1">
+    <dgm:scene3d>
+      <a:camera prst="orthographicFront"/>
+      <a:lightRig rig="threePt" dir="t"/>
+    </dgm:scene3d>
+    <dgm:sp3d/>
+    <dgm:txPr/>
+    <dgm:style>
+      <a:lnRef idx="2">
+        <a:scrgbClr r="0" g="0" b="0"/>
+      </a:lnRef>
+      <a:fillRef idx="1">
+        <a:scrgbClr r="0" g="0" b="0"/>
+      </a:fillRef>
+      <a:effectRef idx="0">
+        <a:scrgbClr r="0" g="0" b="0"/>
+      </a:effectRef>
+      <a:fontRef idx="minor">
+        <a:schemeClr val="lt1"/>
+      </a:fontRef>
+    </dgm:style>
+  </dgm:styleLbl>
+  <dgm:styleLbl name="asst2">
+    <dgm:scene3d>
+      <a:camera prst="orthographicFront"/>
+      <a:lightRig rig="threePt" dir="t"/>
+    </dgm:scene3d>
+    <dgm:sp3d/>
+    <dgm:txPr/>
+    <dgm:style>
+      <a:lnRef idx="2">
+        <a:scrgbClr r="0" g="0" b="0"/>
+      </a:lnRef>
+      <a:fillRef idx="1">
+        <a:scrgbClr r="0" g="0" b="0"/>
+      </a:fillRef>
+      <a:effectRef idx="0">
+        <a:scrgbClr r="0" g="0" b="0"/>
+      </a:effectRef>
+      <a:fontRef idx="minor">
+        <a:schemeClr val="lt1"/>
+      </a:fontRef>
+    </dgm:style>
+  </dgm:styleLbl>
+  <dgm:styleLbl name="asst3">
+    <dgm:scene3d>
+      <a:camera prst="orthographicFront"/>
+      <a:lightRig rig="threePt" dir="t"/>
+    </dgm:scene3d>
+    <dgm:sp3d/>
+    <dgm:txPr/>
+    <dgm:style>
+      <a:lnRef idx="2">
+        <a:scrgbClr r="0" g="0" b="0"/>
+      </a:lnRef>
+      <a:fillRef idx="1">
+        <a:scrgbClr r="0" g="0" b="0"/>
+      </a:fillRef>
+      <a:effectRef idx="0">
+        <a:scrgbClr r="0" g="0" b="0"/>
+      </a:effectRef>
+      <a:fontRef idx="minor">
+        <a:schemeClr val="lt1"/>
+      </a:fontRef>
+    </dgm:style>
+  </dgm:styleLbl>
+  <dgm:styleLbl name="asst4">
+    <dgm:scene3d>
+      <a:camera prst="orthographicFront"/>
+      <a:lightRig rig="threePt" dir="t"/>
+    </dgm:scene3d>
+    <dgm:sp3d/>
+    <dgm:txPr/>
+    <dgm:style>
+      <a:lnRef idx="2">
+        <a:scrgbClr r="0" g="0" b="0"/>
+      </a:lnRef>
+      <a:fillRef idx="1">
+        <a:scrgbClr r="0" g="0" b="0"/>
+      </a:fillRef>
+      <a:effectRef idx="0">
+        <a:scrgbClr r="0" g="0" b="0"/>
+      </a:effectRef>
+      <a:fontRef idx="minor">
+        <a:schemeClr val="lt1"/>
+      </a:fontRef>
+    </dgm:style>
+  </dgm:styleLbl>
+  <dgm:styleLbl name="parChTrans2D1">
+    <dgm:scene3d>
+      <a:camera prst="orthographicFront"/>
+      <a:lightRig rig="threePt" dir="t"/>
+    </dgm:scene3d>
+    <dgm:sp3d/>
+    <dgm:txPr/>
+    <dgm:style>
+      <a:lnRef idx="2">
+        <a:scrgbClr r="0" g="0" b="0"/>
+      </a:lnRef>
+      <a:fillRef idx="1">
+        <a:scrgbClr r="0" g="0" b="0"/>
+      </a:fillRef>
+      <a:effectRef idx="0">
+        <a:scrgbClr r="0" g="0" b="0"/>
+      </a:effectRef>
+      <a:fontRef idx="minor">
+        <a:schemeClr val="lt1"/>
+      </a:fontRef>
+    </dgm:style>
+  </dgm:styleLbl>
+  <dgm:styleLbl name="parChTrans2D2">
+    <dgm:scene3d>
+      <a:camera prst="orthographicFront"/>
+      <a:lightRig rig="threePt" dir="t"/>
+    </dgm:scene3d>
+    <dgm:sp3d/>
+    <dgm:txPr/>
+    <dgm:style>
+      <a:lnRef idx="2">
+        <a:scrgbClr r="0" g="0" b="0"/>
+      </a:lnRef>
+      <a:fillRef idx="1">
+        <a:scrgbClr r="0" g="0" b="0"/>
+      </a:fillRef>
+      <a:effectRef idx="0">
+        <a:scrgbClr r="0" g="0" b="0"/>
+      </a:effectRef>
+      <a:fontRef idx="minor">
+        <a:schemeClr val="lt1"/>
+      </a:fontRef>
+    </dgm:style>
+  </dgm:styleLbl>
+  <dgm:styleLbl name="parChTrans2D3">
+    <dgm:scene3d>
+      <a:camera prst="orthographicFront"/>
+      <a:lightRig rig="threePt" dir="t"/>
+    </dgm:scene3d>
+    <dgm:sp3d/>
+    <dgm:txPr/>
+    <dgm:style>
+      <a:lnRef idx="2">
+        <a:scrgbClr r="0" g="0" b="0"/>
+      </a:lnRef>
+      <a:fillRef idx="1">
+        <a:scrgbClr r="0" g="0" b="0"/>
+      </a:fillRef>
+      <a:effectRef idx="0">
+        <a:scrgbClr r="0" g="0" b="0"/>
+      </a:effectRef>
+      <a:fontRef idx="minor">
+        <a:schemeClr val="lt1"/>
+      </a:fontRef>
+    </dgm:style>
+  </dgm:styleLbl>
+  <dgm:styleLbl name="parChTrans2D4">
+    <dgm:scene3d>
+      <a:camera prst="orthographicFront"/>
+      <a:lightRig rig="threePt" dir="t"/>
+    </dgm:scene3d>
+    <dgm:sp3d/>
+    <dgm:txPr/>
+    <dgm:style>
+      <a:lnRef idx="2">
+        <a:scrgbClr r="0" g="0" b="0"/>
+      </a:lnRef>
+      <a:fillRef idx="1">
+        <a:scrgbClr r="0" g="0" b="0"/>
+      </a:fillRef>
+      <a:effectRef idx="0">
+        <a:scrgbClr r="0" g="0" b="0"/>
+      </a:effectRef>
+      <a:fontRef idx="minor">
+        <a:schemeClr val="lt1"/>
+      </a:fontRef>
+    </dgm:style>
+  </dgm:styleLbl>
+  <dgm:styleLbl name="parChTrans1D1">
+    <dgm:scene3d>
+      <a:camera prst="orthographicFront"/>
+      <a:lightRig rig="threePt" dir="t"/>
+    </dgm:scene3d>
+    <dgm:sp3d/>
+    <dgm:txPr/>
+    <dgm:style>
+      <a:lnRef idx="2">
+        <a:scrgbClr r="0" g="0" b="0"/>
+      </a:lnRef>
+      <a:fillRef idx="0">
+        <a:scrgbClr r="0" g="0" b="0"/>
+      </a:fillRef>
+      <a:effectRef idx="0">
+        <a:scrgbClr r="0" g="0" b="0"/>
+      </a:effectRef>
+      <a:fontRef idx="minor"/>
+    </dgm:style>
+  </dgm:styleLbl>
+  <dgm:styleLbl name="parChTrans1D2">
+    <dgm:scene3d>
+      <a:camera prst="orthographicFront"/>
+      <a:lightRig rig="threePt" dir="t"/>
+    </dgm:scene3d>
+    <dgm:sp3d/>
+    <dgm:txPr/>
+    <dgm:style>
+      <a:lnRef idx="2">
+        <a:scrgbClr r="0" g="0" b="0"/>
+      </a:lnRef>
+      <a:fillRef idx="0">
+        <a:scrgbClr r="0" g="0" b="0"/>
+      </a:fillRef>
+      <a:effectRef idx="0">
+        <a:scrgbClr r="0" g="0" b="0"/>
+      </a:effectRef>
+      <a:fontRef idx="minor"/>
+    </dgm:style>
+  </dgm:styleLbl>
+  <dgm:styleLbl name="parChTrans1D3">
+    <dgm:scene3d>
+      <a:camera prst="orthographicFront"/>
+      <a:lightRig rig="threePt" dir="t"/>
+    </dgm:scene3d>
+    <dgm:sp3d/>
+    <dgm:txPr/>
+    <dgm:style>
+      <a:lnRef idx="2">
+        <a:scrgbClr r="0" g="0" b="0"/>
+      </a:lnRef>
+      <a:fillRef idx="0">
+        <a:scrgbClr r="0" g="0" b="0"/>
+      </a:fillRef>
+      <a:effectRef idx="0">
+        <a:scrgbClr r="0" g="0" b="0"/>
+      </a:effectRef>
+      <a:fontRef idx="minor"/>
+    </dgm:style>
+  </dgm:styleLbl>
+  <dgm:styleLbl name="parChTrans1D4">
+    <dgm:scene3d>
+      <a:camera prst="orthographicFront"/>
+      <a:lightRig rig="threePt" dir="t"/>
+    </dgm:scene3d>
+    <dgm:sp3d/>
+    <dgm:txPr/>
+    <dgm:style>
+      <a:lnRef idx="2">
+        <a:scrgbClr r="0" g="0" b="0"/>
+      </a:lnRef>
+      <a:fillRef idx="0">
+        <a:scrgbClr r="0" g="0" b="0"/>
+      </a:fillRef>
+      <a:effectRef idx="0">
+        <a:scrgbClr r="0" g="0" b="0"/>
+      </a:effectRef>
+      <a:fontRef idx="minor"/>
+    </dgm:style>
+  </dgm:styleLbl>
+  <dgm:styleLbl name="fgAcc1">
+    <dgm:scene3d>
+      <a:camera prst="orthographicFront"/>
+      <a:lightRig rig="threePt" dir="t"/>
+    </dgm:scene3d>
+    <dgm:sp3d/>
+    <dgm:txPr/>
+    <dgm:style>
+      <a:lnRef idx="2">
+        <a:scrgbClr r="0" g="0" b="0"/>
+      </a:lnRef>
+      <a:fillRef idx="1">
+        <a:scrgbClr r="0" g="0" b="0"/>
+      </a:fillRef>
+      <a:effectRef idx="0">
+        <a:scrgbClr r="0" g="0" b="0"/>
+      </a:effectRef>
+      <a:fontRef idx="minor"/>
+    </dgm:style>
+  </dgm:styleLbl>
+  <dgm:styleLbl name="conFgAcc1">
+    <dgm:scene3d>
+      <a:camera prst="orthographicFront"/>
+      <a:lightRig rig="threePt" dir="t"/>
+    </dgm:scene3d>
+    <dgm:sp3d/>
+    <dgm:txPr/>
+    <dgm:style>
+      <a:lnRef idx="2">
+        <a:scrgbClr r="0" g="0" b="0"/>
+      </a:lnRef>
+      <a:fillRef idx="1">
+        <a:scrgbClr r="0" g="0" b="0"/>
+      </a:fillRef>
+      <a:effectRef idx="0">
+        <a:scrgbClr r="0" g="0" b="0"/>
+      </a:effectRef>
+      <a:fontRef idx="minor"/>
+    </dgm:style>
+  </dgm:styleLbl>
+  <dgm:styleLbl name="alignAcc1">
+    <dgm:scene3d>
+      <a:camera prst="orthographicFront"/>
+      <a:lightRig rig="threePt" dir="t"/>
+    </dgm:scene3d>
+    <dgm:sp3d/>
+    <dgm:txPr/>
+    <dgm:style>
+      <a:lnRef idx="2">
+        <a:scrgbClr r="0" g="0" b="0"/>
+      </a:lnRef>
+      <a:fillRef idx="1">
+        <a:scrgbClr r="0" g="0" b="0"/>
+      </a:fillRef>
+      <a:effectRef idx="0">
+        <a:scrgbClr r="0" g="0" b="0"/>
+      </a:effectRef>
+      <a:fontRef idx="minor"/>
+    </dgm:style>
+  </dgm:styleLbl>
+  <dgm:styleLbl name="trAlignAcc1">
+    <dgm:scene3d>
+      <a:camera prst="orthographicFront"/>
+      <a:lightRig rig="threePt" dir="t"/>
+    </dgm:scene3d>
+    <dgm:sp3d/>
+    <dgm:txPr/>
+    <dgm:style>
+      <a:lnRef idx="1">
+        <a:scrgbClr r="0" g="0" b="0"/>
+      </a:lnRef>
+      <a:fillRef idx="1">
+        <a:scrgbClr r="0" g="0" b="0"/>
+      </a:fillRef>
+      <a:effectRef idx="0">
+        <a:scrgbClr r="0" g="0" b="0"/>
+      </a:effectRef>
+      <a:fontRef idx="minor"/>
+    </dgm:style>
+  </dgm:styleLbl>
+  <dgm:styleLbl name="bgAcc1">
+    <dgm:scene3d>
+      <a:camera prst="orthographicFront"/>
+      <a:lightRig rig="threePt" dir="t"/>
+    </dgm:scene3d>
+    <dgm:sp3d/>
+    <dgm:txPr/>
+    <dgm:style>
+      <a:lnRef idx="2">
+        <a:scrgbClr r="0" g="0" b="0"/>
+      </a:lnRef>
+      <a:fillRef idx="1">
+        <a:scrgbClr r="0" g="0" b="0"/>
+      </a:fillRef>
+      <a:effectRef idx="0">
+        <a:scrgbClr r="0" g="0" b="0"/>
+      </a:effectRef>
+      <a:fontRef idx="minor"/>
+    </dgm:style>
+  </dgm:styleLbl>
+  <dgm:styleLbl name="solidFgAcc1">
+    <dgm:scene3d>
+      <a:camera prst="orthographicFront"/>
+      <a:lightRig rig="threePt" dir="t"/>
+    </dgm:scene3d>
+    <dgm:sp3d/>
+    <dgm:txPr/>
+    <dgm:style>
+      <a:lnRef idx="2">
+        <a:scrgbClr r="0" g="0" b="0"/>
+      </a:lnRef>
+      <a:fillRef idx="1">
+        <a:scrgbClr r="0" g="0" b="0"/>
+      </a:fillRef>
+      <a:effectRef idx="0">
+        <a:scrgbClr r="0" g="0" b="0"/>
+      </a:effectRef>
+      <a:fontRef idx="minor"/>
+    </dgm:style>
+  </dgm:styleLbl>
+  <dgm:styleLbl name="solidAlignAcc1">
+    <dgm:scene3d>
+      <a:camera prst="orthographicFront"/>
+      <a:lightRig rig="threePt" dir="t"/>
+    </dgm:scene3d>
+    <dgm:sp3d/>
+    <dgm:txPr/>
+    <dgm:style>
+      <a:lnRef idx="2">
+        <a:scrgbClr r="0" g="0" b="0"/>
+      </a:lnRef>
+      <a:fillRef idx="1">
+        <a:scrgbClr r="0" g="0" b="0"/>
+      </a:fillRef>
+      <a:effectRef idx="0">
+        <a:scrgbClr r="0" g="0" b="0"/>
+      </a:effectRef>
+      <a:fontRef idx="minor"/>
+    </dgm:style>
+  </dgm:styleLbl>
+  <dgm:styleLbl name="solidBgAcc1">
+    <dgm:scene3d>
+      <a:camera prst="orthographicFront"/>
+      <a:lightRig rig="threePt" dir="t"/>
+    </dgm:scene3d>
+    <dgm:sp3d/>
+    <dgm:txPr/>
+    <dgm:style>
+      <a:lnRef idx="2">
+        <a:scrgbClr r="0" g="0" b="0"/>
+      </a:lnRef>
+      <a:fillRef idx="1">
+        <a:scrgbClr r="0" g="0" b="0"/>
+      </a:fillRef>
+      <a:effectRef idx="0">
+        <a:scrgbClr r="0" g="0" b="0"/>
+      </a:effectRef>
+      <a:fontRef idx="minor"/>
+    </dgm:style>
+  </dgm:styleLbl>
+  <dgm:styleLbl name="fgAccFollowNode1">
+    <dgm:scene3d>
+      <a:camera prst="orthographicFront"/>
+      <a:lightRig rig="threePt" dir="t"/>
+    </dgm:scene3d>
+    <dgm:sp3d/>
+    <dgm:txPr/>
+    <dgm:style>
+      <a:lnRef idx="2">
+        <a:scrgbClr r="0" g="0" b="0"/>
+      </a:lnRef>
+      <a:fillRef idx="1">
+        <a:scrgbClr r="0" g="0" b="0"/>
+      </a:fillRef>
+      <a:effectRef idx="0">
+        <a:scrgbClr r="0" g="0" b="0"/>
+      </a:effectRef>
+      <a:fontRef idx="minor"/>
+    </dgm:style>
+  </dgm:styleLbl>
+  <dgm:styleLbl name="alignAccFollowNode1">
+    <dgm:scene3d>
+      <a:camera prst="orthographicFront"/>
+      <a:lightRig rig="threePt" dir="t"/>
+    </dgm:scene3d>
+    <dgm:sp3d/>
+    <dgm:txPr/>
+    <dgm:style>
+      <a:lnRef idx="2">
+        <a:scrgbClr r="0" g="0" b="0"/>
+      </a:lnRef>
+      <a:fillRef idx="1">
+        <a:scrgbClr r="0" g="0" b="0"/>
+      </a:fillRef>
+      <a:effectRef idx="0">
+        <a:scrgbClr r="0" g="0" b="0"/>
+      </a:effectRef>
+      <a:fontRef idx="minor"/>
+    </dgm:style>
+  </dgm:styleLbl>
+  <dgm:styleLbl name="bgAccFollowNode1">
+    <dgm:scene3d>
+      <a:camera prst="orthographicFront"/>
+      <a:lightRig rig="threePt" dir="t"/>
+    </dgm:scene3d>
+    <dgm:sp3d/>
+    <dgm:txPr/>
+    <dgm:style>
+      <a:lnRef idx="2">
+        <a:scrgbClr r="0" g="0" b="0"/>
+      </a:lnRef>
+      <a:fillRef idx="1">
+        <a:scrgbClr r="0" g="0" b="0"/>
+      </a:fillRef>
+      <a:effectRef idx="0">
+        <a:scrgbClr r="0" g="0" b="0"/>
+      </a:effectRef>
+      <a:fontRef idx="minor"/>
+    </dgm:style>
+  </dgm:styleLbl>
+  <dgm:styleLbl name="fgAcc0">
+    <dgm:scene3d>
+      <a:camera prst="orthographicFront"/>
+      <a:lightRig rig="threePt" dir="t"/>
+    </dgm:scene3d>
+    <dgm:sp3d/>
+    <dgm:txPr/>
+    <dgm:style>
+      <a:lnRef idx="2">
+        <a:scrgbClr r="0" g="0" b="0"/>
+      </a:lnRef>
+      <a:fillRef idx="1">
+        <a:scrgbClr r="0" g="0" b="0"/>
+      </a:fillRef>
+      <a:effectRef idx="0">
+        <a:scrgbClr r="0" g="0" b="0"/>
+      </a:effectRef>
+      <a:fontRef idx="minor"/>
+    </dgm:style>
+  </dgm:styleLbl>
+  <dgm:styleLbl name="fgAcc2">
+    <dgm:scene3d>
+      <a:camera prst="orthographicFront"/>
+      <a:lightRig rig="threePt" dir="t"/>
+    </dgm:scene3d>
+    <dgm:sp3d/>
+    <dgm:txPr/>
+    <dgm:style>
+      <a:lnRef idx="2">
+        <a:scrgbClr r="0" g="0" b="0"/>
+      </a:lnRef>
+      <a:fillRef idx="1">
+        <a:scrgbClr r="0" g="0" b="0"/>
+      </a:fillRef>
+      <a:effectRef idx="0">
+        <a:scrgbClr r="0" g="0" b="0"/>
+      </a:effectRef>
+      <a:fontRef idx="minor"/>
+    </dgm:style>
+  </dgm:styleLbl>
+  <dgm:styleLbl name="fgAcc3">
+    <dgm:scene3d>
+      <a:camera prst="orthographicFront"/>
+      <a:lightRig rig="threePt" dir="t"/>
+    </dgm:scene3d>
+    <dgm:sp3d/>
+    <dgm:txPr/>
+    <dgm:style>
+      <a:lnRef idx="2">
+        <a:scrgbClr r="0" g="0" b="0"/>
+      </a:lnRef>
+      <a:fillRef idx="1">
+        <a:scrgbClr r="0" g="0" b="0"/>
+      </a:fillRef>
+      <a:effectRef idx="0">
+        <a:scrgbClr r="0" g="0" b="0"/>
+      </a:effectRef>
+      <a:fontRef idx="minor"/>
+    </dgm:style>
+  </dgm:styleLbl>
+  <dgm:styleLbl name="fgAcc4">
+    <dgm:scene3d>
+      <a:camera prst="orthographicFront"/>
+      <a:lightRig rig="threePt" dir="t"/>
+    </dgm:scene3d>
+    <dgm:sp3d/>
+    <dgm:txPr/>
+    <dgm:style>
+      <a:lnRef idx="2">
+        <a:scrgbClr r="0" g="0" b="0"/>
+      </a:lnRef>
+      <a:fillRef idx="1">
+        <a:scrgbClr r="0" g="0" b="0"/>
+      </a:fillRef>
+      <a:effectRef idx="0">
+        <a:scrgbClr r="0" g="0" b="0"/>
+      </a:effectRef>
+      <a:fontRef idx="minor"/>
+    </dgm:style>
+  </dgm:styleLbl>
+  <dgm:styleLbl name="bgShp">
+    <dgm:scene3d>
+      <a:camera prst="orthographicFront"/>
+      <a:lightRig rig="threePt" dir="t"/>
+    </dgm:scene3d>
+    <dgm:sp3d/>
+    <dgm:txPr/>
+    <dgm:style>
+      <a:lnRef idx="0">
+        <a:scrgbClr r="0" g="0" b="0"/>
+      </a:lnRef>
+      <a:fillRef idx="1">
+        <a:scrgbClr r="0" g="0" b="0"/>
+      </a:fillRef>
+      <a:effectRef idx="0">
+        <a:scrgbClr r="0" g="0" b="0"/>
+      </a:effectRef>
+      <a:fontRef idx="minor"/>
+    </dgm:style>
+  </dgm:styleLbl>
+  <dgm:styleLbl name="dkBgShp">
+    <dgm:scene3d>
+      <a:camera prst="orthographicFront"/>
+      <a:lightRig rig="threePt" dir="t"/>
+    </dgm:scene3d>
+    <dgm:sp3d/>
+    <dgm:txPr/>
+    <dgm:style>
+      <a:lnRef idx="0">
+        <a:scrgbClr r="0" g="0" b="0"/>
+      </a:lnRef>
+      <a:fillRef idx="1">
+        <a:scrgbClr r="0" g="0" b="0"/>
+      </a:fillRef>
+      <a:effectRef idx="0">
+        <a:scrgbClr r="0" g="0" b="0"/>
+      </a:effectRef>
+      <a:fontRef idx="minor"/>
+    </dgm:style>
+  </dgm:styleLbl>
+  <dgm:styleLbl name="trBgShp">
+    <dgm:scene3d>
+      <a:camera prst="orthographicFront"/>
+      <a:lightRig rig="threePt" dir="t"/>
+    </dgm:scene3d>
+    <dgm:sp3d/>
+    <dgm:txPr/>
+    <dgm:style>
+      <a:lnRef idx="0">
+        <a:scrgbClr r="0" g="0" b="0"/>
+      </a:lnRef>
+      <a:fillRef idx="1">
+        <a:scrgbClr r="0" g="0" b="0"/>
+      </a:fillRef>
+      <a:effectRef idx="0">
+        <a:scrgbClr r="0" g="0" b="0"/>
+      </a:effectRef>
+      <a:fontRef idx="minor"/>
+    </dgm:style>
+  </dgm:styleLbl>
+  <dgm:styleLbl name="fgShp">
+    <dgm:scene3d>
+      <a:camera prst="orthographicFront"/>
+      <a:lightRig rig="threePt" dir="t"/>
+    </dgm:scene3d>
+    <dgm:sp3d/>
+    <dgm:txPr/>
+    <dgm:style>
+      <a:lnRef idx="2">
+        <a:scrgbClr r="0" g="0" b="0"/>
+      </a:lnRef>
+      <a:fillRef idx="1">
+        <a:scrgbClr r="0" g="0" b="0"/>
+      </a:fillRef>
+      <a:effectRef idx="0">
+        <a:scrgbClr r="0" g="0" b="0"/>
+      </a:effectRef>
+      <a:fontRef idx="minor"/>
+    </dgm:style>
+  </dgm:styleLbl>
+  <dgm:styleLbl name="revTx">
+    <dgm:scene3d>
+      <a:camera prst="orthographicFront"/>
+      <a:lightRig rig="threePt" dir="t"/>
+    </dgm:scene3d>
+    <dgm:sp3d/>
+    <dgm:txPr/>
+    <dgm:style>
+      <a:lnRef idx="0">
+        <a:scrgbClr r="0" g="0" b="0"/>
+      </a:lnRef>
+      <a:fillRef idx="0">
+        <a:scrgbClr r="0" g="0" b="0"/>
+      </a:fillRef>
+      <a:effectRef idx="0">
+        <a:scrgbClr r="0" g="0" b="0"/>
+      </a:effectRef>
+      <a:fontRef idx="minor"/>
+    </dgm:style>
+  </dgm:styleLbl>
+</dgm:styleDef>
+</file>
+
 <file path=ppt/handoutMasters/handoutMaster1.xml><?xml version="1.0" encoding="utf-8"?>
 <p:handoutMaster xmlns:a="http://schemas.openxmlformats.org/drawingml/2006/main" xmlns:r="http://schemas.openxmlformats.org/officeDocument/2006/relationships" xmlns:p="http://schemas.openxmlformats.org/presentationml/2006/main">
   <p:cSld>
@@ -673,92 +4029,8 @@
 </p:notesMaster>
 </file>
 
-<file path=ppt/notesSlides/notesSlide1.xml><?xml version="1.0" encoding="utf-8"?>
-<p:notes xmlns:a="http://schemas.openxmlformats.org/drawingml/2006/main" xmlns:r="http://schemas.openxmlformats.org/officeDocument/2006/relationships" xmlns:p="http://schemas.openxmlformats.org/presentationml/2006/main">
-  <p:cSld>
-    <p:spTree>
-      <p:nvGrpSpPr>
-        <p:cNvPr id="1" name=""/>
-        <p:cNvGrpSpPr/>
-        <p:nvPr/>
-      </p:nvGrpSpPr>
-      <p:grpSpPr>
-        <a:xfrm>
-          <a:off x="0" y="0"/>
-          <a:ext cx="0" cy="0"/>
-          <a:chOff x="0" y="0"/>
-          <a:chExt cx="0" cy="0"/>
-        </a:xfrm>
-      </p:grpSpPr>
-      <p:sp>
-        <p:nvSpPr>
-          <p:cNvPr id="2" name="Segnaposto immagine diapositiva 1"/>
-          <p:cNvSpPr>
-            <a:spLocks noGrp="1" noRot="1" noChangeAspect="1"/>
-          </p:cNvSpPr>
-          <p:nvPr>
-            <p:ph type="sldImg"/>
-          </p:nvPr>
-        </p:nvSpPr>
-        <p:spPr/>
-      </p:sp>
-      <p:sp>
-        <p:nvSpPr>
-          <p:cNvPr id="3" name="Segnaposto note 2"/>
-          <p:cNvSpPr>
-            <a:spLocks noGrp="1"/>
-          </p:cNvSpPr>
-          <p:nvPr>
-            <p:ph type="body" idx="1"/>
-          </p:nvPr>
-        </p:nvSpPr>
-        <p:spPr/>
-        <p:txBody>
-          <a:bodyPr/>
-          <a:lstStyle/>
-          <a:p>
-            <a:endParaRPr lang="en-GB"/>
-          </a:p>
-        </p:txBody>
-      </p:sp>
-      <p:sp>
-        <p:nvSpPr>
-          <p:cNvPr id="4" name="Segnaposto numero diapositiva 3"/>
-          <p:cNvSpPr>
-            <a:spLocks noGrp="1"/>
-          </p:cNvSpPr>
-          <p:nvPr>
-            <p:ph type="sldNum" sz="quarter" idx="5"/>
-          </p:nvPr>
-        </p:nvSpPr>
-        <p:spPr/>
-        <p:txBody>
-          <a:bodyPr/>
-          <a:lstStyle/>
-          <a:p>
-            <a:fld id="{13EB0E5C-6F6E-4941-87A0-5ADF3FA99696}" type="slidenum">
-              <a:rPr lang="en-GB" smtClean="0"/>
-              <a:t>1</a:t>
-            </a:fld>
-            <a:endParaRPr lang="en-GB"/>
-          </a:p>
-        </p:txBody>
-      </p:sp>
-    </p:spTree>
-    <p:extLst>
-      <p:ext uri="{BB962C8B-B14F-4D97-AF65-F5344CB8AC3E}">
-        <p14:creationId xmlns:p14="http://schemas.microsoft.com/office/powerpoint/2010/main" val="282153106"/>
-      </p:ext>
-    </p:extLst>
-  </p:cSld>
-  <p:clrMapOvr>
-    <a:masterClrMapping/>
-  </p:clrMapOvr>
-</p:notes>
-</file>
-
 <file path=ppt/slideLayouts/slideLayout1.xml><?xml version="1.0" encoding="utf-8"?>
-<p:sldLayout xmlns:a="http://schemas.openxmlformats.org/drawingml/2006/main" xmlns:r="http://schemas.openxmlformats.org/officeDocument/2006/relationships" xmlns:p="http://schemas.openxmlformats.org/presentationml/2006/main" showMasterSp="0" type="title" preserve="1">
+<p:sldLayout xmlns:a="http://schemas.openxmlformats.org/drawingml/2006/main" xmlns:r="http://schemas.openxmlformats.org/officeDocument/2006/relationships" xmlns:p="http://schemas.openxmlformats.org/presentationml/2006/main" type="title" preserve="1">
   <p:cSld name="Diapositiva titolo">
     <p:spTree>
       <p:nvGrpSpPr>
@@ -986,7 +4258,7 @@
 </file>
 
 <file path=ppt/slideLayouts/slideLayout10.xml><?xml version="1.0" encoding="utf-8"?>
-<p:sldLayout xmlns:a="http://schemas.openxmlformats.org/drawingml/2006/main" xmlns:r="http://schemas.openxmlformats.org/officeDocument/2006/relationships" xmlns:p="http://schemas.openxmlformats.org/presentationml/2006/main" showMasterSp="0" type="vertTx" preserve="1">
+<p:sldLayout xmlns:a="http://schemas.openxmlformats.org/drawingml/2006/main" xmlns:r="http://schemas.openxmlformats.org/officeDocument/2006/relationships" xmlns:p="http://schemas.openxmlformats.org/presentationml/2006/main" type="vertTx" preserve="1">
   <p:cSld name="Titolo e testo verticale">
     <p:spTree>
       <p:nvGrpSpPr>
@@ -1202,7 +4474,7 @@
 </file>
 
 <file path=ppt/slideLayouts/slideLayout11.xml><?xml version="1.0" encoding="utf-8"?>
-<p:sldLayout xmlns:a="http://schemas.openxmlformats.org/drawingml/2006/main" xmlns:r="http://schemas.openxmlformats.org/officeDocument/2006/relationships" xmlns:p="http://schemas.openxmlformats.org/presentationml/2006/main" showMasterSp="0" type="vertTitleAndTx" preserve="1">
+<p:sldLayout xmlns:a="http://schemas.openxmlformats.org/drawingml/2006/main" xmlns:r="http://schemas.openxmlformats.org/officeDocument/2006/relationships" xmlns:p="http://schemas.openxmlformats.org/presentationml/2006/main" type="vertTitleAndTx" preserve="1">
   <p:cSld name="1_Titolo e testo verticale">
     <p:spTree>
       <p:nvGrpSpPr>
@@ -1418,7 +4690,7 @@
 </file>
 
 <file path=ppt/slideLayouts/slideLayout2.xml><?xml version="1.0" encoding="utf-8"?>
-<p:sldLayout xmlns:a="http://schemas.openxmlformats.org/drawingml/2006/main" xmlns:r="http://schemas.openxmlformats.org/officeDocument/2006/relationships" xmlns:p="http://schemas.openxmlformats.org/presentationml/2006/main" showMasterSp="0" type="obj" preserve="1">
+<p:sldLayout xmlns:a="http://schemas.openxmlformats.org/drawingml/2006/main" xmlns:r="http://schemas.openxmlformats.org/officeDocument/2006/relationships" xmlns:p="http://schemas.openxmlformats.org/presentationml/2006/main" type="obj" preserve="1">
   <p:cSld name="Titolo e contenuto">
     <p:spTree>
       <p:nvGrpSpPr>
@@ -1634,7 +4906,7 @@
 </file>
 
 <file path=ppt/slideLayouts/slideLayout3.xml><?xml version="1.0" encoding="utf-8"?>
-<p:sldLayout xmlns:a="http://schemas.openxmlformats.org/drawingml/2006/main" xmlns:r="http://schemas.openxmlformats.org/officeDocument/2006/relationships" xmlns:p="http://schemas.openxmlformats.org/presentationml/2006/main" showMasterSp="0" type="secHead" preserve="1">
+<p:sldLayout xmlns:a="http://schemas.openxmlformats.org/drawingml/2006/main" xmlns:r="http://schemas.openxmlformats.org/officeDocument/2006/relationships" xmlns:p="http://schemas.openxmlformats.org/presentationml/2006/main" type="secHead" preserve="1">
   <p:cSld name="Intestazione sezione">
     <p:spTree>
       <p:nvGrpSpPr>
@@ -1916,7 +5188,7 @@
 </file>
 
 <file path=ppt/slideLayouts/slideLayout4.xml><?xml version="1.0" encoding="utf-8"?>
-<p:sldLayout xmlns:a="http://schemas.openxmlformats.org/drawingml/2006/main" xmlns:r="http://schemas.openxmlformats.org/officeDocument/2006/relationships" xmlns:p="http://schemas.openxmlformats.org/presentationml/2006/main" showMasterSp="0" type="twoObj" preserve="1">
+<p:sldLayout xmlns:a="http://schemas.openxmlformats.org/drawingml/2006/main" xmlns:r="http://schemas.openxmlformats.org/officeDocument/2006/relationships" xmlns:p="http://schemas.openxmlformats.org/presentationml/2006/main" type="twoObj" preserve="1">
   <p:cSld name="Due contenuti">
     <p:spTree>
       <p:nvGrpSpPr>
@@ -2198,7 +5470,7 @@
 </file>
 
 <file path=ppt/slideLayouts/slideLayout5.xml><?xml version="1.0" encoding="utf-8"?>
-<p:sldLayout xmlns:a="http://schemas.openxmlformats.org/drawingml/2006/main" xmlns:r="http://schemas.openxmlformats.org/officeDocument/2006/relationships" xmlns:p="http://schemas.openxmlformats.org/presentationml/2006/main" showMasterSp="0" type="twoTxTwoObj" preserve="1">
+<p:sldLayout xmlns:a="http://schemas.openxmlformats.org/drawingml/2006/main" xmlns:r="http://schemas.openxmlformats.org/officeDocument/2006/relationships" xmlns:p="http://schemas.openxmlformats.org/presentationml/2006/main" type="twoTxTwoObj" preserve="1">
   <p:cSld name="Confronto">
     <p:spTree>
       <p:nvGrpSpPr>
@@ -2628,7 +5900,7 @@
 </file>
 
 <file path=ppt/slideLayouts/slideLayout6.xml><?xml version="1.0" encoding="utf-8"?>
-<p:sldLayout xmlns:a="http://schemas.openxmlformats.org/drawingml/2006/main" xmlns:r="http://schemas.openxmlformats.org/officeDocument/2006/relationships" xmlns:p="http://schemas.openxmlformats.org/presentationml/2006/main" showMasterSp="0" type="titleOnly" preserve="1">
+<p:sldLayout xmlns:a="http://schemas.openxmlformats.org/drawingml/2006/main" xmlns:r="http://schemas.openxmlformats.org/officeDocument/2006/relationships" xmlns:p="http://schemas.openxmlformats.org/presentationml/2006/main" type="titleOnly" preserve="1">
   <p:cSld name="Solo titolo">
     <p:spTree>
       <p:nvGrpSpPr>
@@ -2778,7 +6050,7 @@
 </file>
 
 <file path=ppt/slideLayouts/slideLayout7.xml><?xml version="1.0" encoding="utf-8"?>
-<p:sldLayout xmlns:a="http://schemas.openxmlformats.org/drawingml/2006/main" xmlns:r="http://schemas.openxmlformats.org/officeDocument/2006/relationships" xmlns:p="http://schemas.openxmlformats.org/presentationml/2006/main" showMasterSp="0" type="blank" preserve="1">
+<p:sldLayout xmlns:a="http://schemas.openxmlformats.org/drawingml/2006/main" xmlns:r="http://schemas.openxmlformats.org/officeDocument/2006/relationships" xmlns:p="http://schemas.openxmlformats.org/presentationml/2006/main" type="blank" preserve="1">
   <p:cSld name="Vuota">
     <p:spTree>
       <p:nvGrpSpPr>
@@ -2891,7 +6163,7 @@
 </file>
 
 <file path=ppt/slideLayouts/slideLayout8.xml><?xml version="1.0" encoding="utf-8"?>
-<p:sldLayout xmlns:a="http://schemas.openxmlformats.org/drawingml/2006/main" xmlns:r="http://schemas.openxmlformats.org/officeDocument/2006/relationships" xmlns:p="http://schemas.openxmlformats.org/presentationml/2006/main" showMasterSp="0" type="objTx" preserve="1">
+<p:sldLayout xmlns:a="http://schemas.openxmlformats.org/drawingml/2006/main" xmlns:r="http://schemas.openxmlformats.org/officeDocument/2006/relationships" xmlns:p="http://schemas.openxmlformats.org/presentationml/2006/main" type="objTx" preserve="1">
   <p:cSld name="Contenuto con didascalia">
     <p:spTree>
       <p:nvGrpSpPr>
@@ -3213,7 +6485,7 @@
 </file>
 
 <file path=ppt/slideLayouts/slideLayout9.xml><?xml version="1.0" encoding="utf-8"?>
-<p:sldLayout xmlns:a="http://schemas.openxmlformats.org/drawingml/2006/main" xmlns:r="http://schemas.openxmlformats.org/officeDocument/2006/relationships" xmlns:p="http://schemas.openxmlformats.org/presentationml/2006/main" showMasterSp="0" type="picTx" preserve="1">
+<p:sldLayout xmlns:a="http://schemas.openxmlformats.org/drawingml/2006/main" xmlns:r="http://schemas.openxmlformats.org/officeDocument/2006/relationships" xmlns:p="http://schemas.openxmlformats.org/presentationml/2006/main" type="picTx" preserve="1">
   <p:cSld name="Immagine con didascalia">
     <p:spTree>
       <p:nvGrpSpPr>
@@ -3977,152 +7249,12 @@
 </file>
 
 <file path=ppt/slides/slide1.xml><?xml version="1.0" encoding="utf-8"?>
-<p:sld xmlns:a="http://schemas.openxmlformats.org/drawingml/2006/main" xmlns:r="http://schemas.openxmlformats.org/officeDocument/2006/relationships" xmlns:p="http://schemas.openxmlformats.org/presentationml/2006/main" showMasterSp="0">
-  <p:cSld>
-    <p:spTree>
-      <p:nvGrpSpPr>
-        <p:cNvPr id="1" name=""/>
-        <p:cNvGrpSpPr/>
-        <p:nvPr/>
-      </p:nvGrpSpPr>
-      <p:grpSpPr>
-        <a:xfrm>
-          <a:off x="0" y="0"/>
-          <a:ext cx="0" cy="0"/>
-          <a:chOff x="0" y="0"/>
-          <a:chExt cx="0" cy="0"/>
-        </a:xfrm>
-      </p:grpSpPr>
-      <p:pic>
-        <p:nvPicPr>
-          <p:cNvPr id="5" name="Immagine 4">
-            <a:extLst>
-              <a:ext uri="{FF2B5EF4-FFF2-40B4-BE49-F238E27FC236}">
-                <a16:creationId xmlns:a16="http://schemas.microsoft.com/office/drawing/2014/main" id="{0CC25362-46A8-F9B1-D760-B9DF8884FA94}"/>
-              </a:ext>
-            </a:extLst>
-          </p:cNvPr>
-          <p:cNvPicPr>
-            <a:picLocks noChangeAspect="1"/>
-          </p:cNvPicPr>
-          <p:nvPr/>
-        </p:nvPicPr>
-        <p:blipFill>
-          <a:blip r:embed="rId3">
-            <a:extLst>
-              <a:ext uri="{28A0092B-C50C-407E-A947-70E740481C1C}">
-                <a14:useLocalDpi xmlns:a14="http://schemas.microsoft.com/office/drawing/2010/main" val="0"/>
-              </a:ext>
-            </a:extLst>
-          </a:blip>
-          <a:stretch>
-            <a:fillRect/>
-          </a:stretch>
-        </p:blipFill>
-        <p:spPr>
-          <a:xfrm>
-            <a:off x="3981714" y="1730282"/>
-            <a:ext cx="4228571" cy="2412698"/>
-          </a:xfrm>
-          <a:prstGeom prst="rect">
-            <a:avLst/>
-          </a:prstGeom>
-        </p:spPr>
-      </p:pic>
-      <p:sp>
-        <p:nvSpPr>
-          <p:cNvPr id="8" name="CasellaDiTesto 7">
-            <a:extLst>
-              <a:ext uri="{FF2B5EF4-FFF2-40B4-BE49-F238E27FC236}">
-                <a16:creationId xmlns:a16="http://schemas.microsoft.com/office/drawing/2014/main" id="{45A2673C-0845-3E47-03C1-0D1B35EE64DF}"/>
-              </a:ext>
-            </a:extLst>
-          </p:cNvPr>
-          <p:cNvSpPr txBox="1"/>
-          <p:nvPr/>
-        </p:nvSpPr>
-        <p:spPr>
-          <a:xfrm>
-            <a:off x="4663555" y="4802403"/>
-            <a:ext cx="2864887" cy="923330"/>
-          </a:xfrm>
-          <a:prstGeom prst="rect">
-            <a:avLst/>
-          </a:prstGeom>
-          <a:noFill/>
-        </p:spPr>
-        <p:txBody>
-          <a:bodyPr wrap="none" rtlCol="0">
-            <a:spAutoFit/>
-          </a:bodyPr>
-          <a:lstStyle/>
-          <a:p>
-            <a:r>
-              <a:rPr lang="it-IT" i="1" dirty="0">
-                <a:solidFill>
-                  <a:srgbClr val="0C01D3"/>
-                </a:solidFill>
-              </a:rPr>
-              <a:t>Barbieri Riccardo 924598</a:t>
-            </a:r>
-            <a:br>
-              <a:rPr lang="it-IT" i="1" dirty="0">
-                <a:solidFill>
-                  <a:srgbClr val="0C01D3"/>
-                </a:solidFill>
-              </a:rPr>
-            </a:br>
-            <a:r>
-              <a:rPr lang="it-IT" i="1" dirty="0">
-                <a:solidFill>
-                  <a:srgbClr val="0C01D3"/>
-                </a:solidFill>
-              </a:rPr>
-              <a:t>Pastore Giancarlo 916379</a:t>
-            </a:r>
-            <a:br>
-              <a:rPr lang="it-IT" i="1" dirty="0">
-                <a:solidFill>
-                  <a:srgbClr val="0C01D3"/>
-                </a:solidFill>
-              </a:rPr>
-            </a:br>
-            <a:r>
-              <a:rPr lang="it-IT" i="1" dirty="0">
-                <a:solidFill>
-                  <a:srgbClr val="0C01D3"/>
-                </a:solidFill>
-              </a:rPr>
-              <a:t>Tassinari Gabriele 914765</a:t>
-            </a:r>
-            <a:endParaRPr lang="en-GB" i="1" dirty="0">
-              <a:solidFill>
-                <a:srgbClr val="0C01D3"/>
-              </a:solidFill>
-            </a:endParaRPr>
-          </a:p>
-        </p:txBody>
-      </p:sp>
-    </p:spTree>
-    <p:extLst>
-      <p:ext uri="{BB962C8B-B14F-4D97-AF65-F5344CB8AC3E}">
-        <p14:creationId xmlns:p14="http://schemas.microsoft.com/office/powerpoint/2010/main" val="2346028041"/>
-      </p:ext>
-    </p:extLst>
-  </p:cSld>
-  <p:clrMapOvr>
-    <a:masterClrMapping/>
-  </p:clrMapOvr>
-</p:sld>
-</file>
-
-<file path=ppt/slides/slide2.xml><?xml version="1.0" encoding="utf-8"?>
 <p:sld xmlns:a="http://schemas.openxmlformats.org/drawingml/2006/main" xmlns:r="http://schemas.openxmlformats.org/officeDocument/2006/relationships" xmlns:p="http://schemas.openxmlformats.org/presentationml/2006/main">
   <p:cSld>
     <p:bg>
       <p:bgPr>
         <a:solidFill>
-          <a:srgbClr val="BBC5D9"/>
+          <a:schemeClr val="bg1"/>
         </a:solidFill>
         <a:effectLst/>
       </p:bgPr>
@@ -4143,10 +7275,1014 @@
       </p:grpSpPr>
       <p:sp useBgFill="1">
         <p:nvSpPr>
-          <p:cNvPr id="38" name="Rectangle 37">
+          <p:cNvPr id="14" name="Rectangle 13">
             <a:extLst>
               <a:ext uri="{FF2B5EF4-FFF2-40B4-BE49-F238E27FC236}">
-                <a16:creationId xmlns:a16="http://schemas.microsoft.com/office/drawing/2014/main" id="{0288C6B4-AFC3-407F-A595-EFFD38D4CCAF}"/>
+                <a16:creationId xmlns:a16="http://schemas.microsoft.com/office/drawing/2014/main" id="{289ED1AA-8684-4D37-B208-8777E1A7780D}"/>
+              </a:ext>
+              <a:ext uri="{C183D7F6-B498-43B3-948B-1728B52AA6E4}">
+                <adec:decorative xmlns:adec="http://schemas.microsoft.com/office/drawing/2017/decorative" val="1"/>
+              </a:ext>
+            </a:extLst>
+          </p:cNvPr>
+          <p:cNvSpPr>
+            <a:spLocks noGrp="1" noRot="1" noChangeAspect="1" noMove="1" noResize="1" noEditPoints="1" noAdjustHandles="1" noChangeArrowheads="1" noChangeShapeType="1" noTextEdit="1"/>
+          </p:cNvSpPr>
+          <p:nvPr>
+            <p:extLst>
+              <p:ext uri="{386F3935-93C4-4BCD-93E2-E3B085C9AB24}">
+                <p16:designElem xmlns:p16="http://schemas.microsoft.com/office/powerpoint/2015/main" val="1"/>
+              </p:ext>
+            </p:extLst>
+          </p:nvPr>
+        </p:nvSpPr>
+        <p:spPr>
+          <a:xfrm>
+            <a:off x="0" y="0"/>
+            <a:ext cx="12188952" cy="6858000"/>
+          </a:xfrm>
+          <a:prstGeom prst="rect">
+            <a:avLst/>
+          </a:prstGeom>
+          <a:ln>
+            <a:noFill/>
+          </a:ln>
+        </p:spPr>
+        <p:style>
+          <a:lnRef idx="2">
+            <a:schemeClr val="accent1">
+              <a:shade val="50000"/>
+            </a:schemeClr>
+          </a:lnRef>
+          <a:fillRef idx="1">
+            <a:schemeClr val="accent1"/>
+          </a:fillRef>
+          <a:effectRef idx="0">
+            <a:schemeClr val="accent1"/>
+          </a:effectRef>
+          <a:fontRef idx="minor">
+            <a:schemeClr val="lt1"/>
+          </a:fontRef>
+        </p:style>
+        <p:txBody>
+          <a:bodyPr rtlCol="0" anchor="ctr"/>
+          <a:lstStyle/>
+          <a:p>
+            <a:pPr algn="ctr"/>
+            <a:endParaRPr lang="en-US"/>
+          </a:p>
+        </p:txBody>
+      </p:sp>
+      <p:sp>
+        <p:nvSpPr>
+          <p:cNvPr id="16" name="Graphic 33">
+            <a:extLst>
+              <a:ext uri="{FF2B5EF4-FFF2-40B4-BE49-F238E27FC236}">
+                <a16:creationId xmlns:a16="http://schemas.microsoft.com/office/drawing/2014/main" id="{4180E01B-B1F4-437C-807D-1C930718EE64}"/>
+              </a:ext>
+              <a:ext uri="{C183D7F6-B498-43B3-948B-1728B52AA6E4}">
+                <adec:decorative xmlns:adec="http://schemas.microsoft.com/office/drawing/2017/decorative" val="1"/>
+              </a:ext>
+            </a:extLst>
+          </p:cNvPr>
+          <p:cNvSpPr>
+            <a:spLocks noGrp="1" noRot="1" noChangeAspect="1" noMove="1" noResize="1" noEditPoints="1" noAdjustHandles="1" noChangeArrowheads="1" noChangeShapeType="1" noTextEdit="1"/>
+          </p:cNvSpPr>
+          <p:nvPr>
+            <p:extLst>
+              <p:ext uri="{386F3935-93C4-4BCD-93E2-E3B085C9AB24}">
+                <p16:designElem xmlns:p16="http://schemas.microsoft.com/office/powerpoint/2015/main" val="1"/>
+              </p:ext>
+            </p:extLst>
+          </p:nvPr>
+        </p:nvSpPr>
+        <p:spPr>
+          <a:xfrm>
+            <a:off x="1310784" y="0"/>
+            <a:ext cx="9570431" cy="6858000"/>
+          </a:xfrm>
+          <a:custGeom>
+            <a:avLst/>
+            <a:gdLst>
+              <a:gd name="connsiteX0" fmla="*/ 7178288 w 7187261"/>
+              <a:gd name="connsiteY0" fmla="*/ 2604802 h 5150263"/>
+              <a:gd name="connsiteX1" fmla="*/ 7169335 w 7187261"/>
+              <a:gd name="connsiteY1" fmla="*/ 2328577 h 5150263"/>
+              <a:gd name="connsiteX2" fmla="*/ 7060845 w 7187261"/>
+              <a:gd name="connsiteY2" fmla="*/ 1661160 h 5150263"/>
+              <a:gd name="connsiteX3" fmla="*/ 6212263 w 7187261"/>
+              <a:gd name="connsiteY3" fmla="*/ 243840 h 5150263"/>
+              <a:gd name="connsiteX4" fmla="*/ 5953564 w 7187261"/>
+              <a:gd name="connsiteY4" fmla="*/ 0 h 5150263"/>
+              <a:gd name="connsiteX5" fmla="*/ 1408615 w 7187261"/>
+              <a:gd name="connsiteY5" fmla="*/ 0 h 5150263"/>
+              <a:gd name="connsiteX6" fmla="*/ 805111 w 7187261"/>
+              <a:gd name="connsiteY6" fmla="*/ 676275 h 5150263"/>
+              <a:gd name="connsiteX7" fmla="*/ 104928 w 7187261"/>
+              <a:gd name="connsiteY7" fmla="*/ 2183035 h 5150263"/>
+              <a:gd name="connsiteX8" fmla="*/ 51588 w 7187261"/>
+              <a:gd name="connsiteY8" fmla="*/ 2400014 h 5150263"/>
+              <a:gd name="connsiteX9" fmla="*/ 41301 w 7187261"/>
+              <a:gd name="connsiteY9" fmla="*/ 2424208 h 5150263"/>
+              <a:gd name="connsiteX10" fmla="*/ 119692 w 7187261"/>
+              <a:gd name="connsiteY10" fmla="*/ 1834801 h 5150263"/>
+              <a:gd name="connsiteX11" fmla="*/ 870071 w 7187261"/>
+              <a:gd name="connsiteY11" fmla="*/ 462248 h 5150263"/>
+              <a:gd name="connsiteX12" fmla="*/ 1389279 w 7187261"/>
+              <a:gd name="connsiteY12" fmla="*/ 476 h 5150263"/>
+              <a:gd name="connsiteX13" fmla="*/ 1320223 w 7187261"/>
+              <a:gd name="connsiteY13" fmla="*/ 476 h 5150263"/>
+              <a:gd name="connsiteX14" fmla="*/ 423158 w 7187261"/>
+              <a:gd name="connsiteY14" fmla="*/ 989743 h 5150263"/>
+              <a:gd name="connsiteX15" fmla="*/ 25585 w 7187261"/>
+              <a:gd name="connsiteY15" fmla="*/ 2113693 h 5150263"/>
+              <a:gd name="connsiteX16" fmla="*/ 2344 w 7187261"/>
+              <a:gd name="connsiteY16" fmla="*/ 2725865 h 5150263"/>
+              <a:gd name="connsiteX17" fmla="*/ 447256 w 7187261"/>
+              <a:gd name="connsiteY17" fmla="*/ 4210717 h 5150263"/>
+              <a:gd name="connsiteX18" fmla="*/ 1138962 w 7187261"/>
+              <a:gd name="connsiteY18" fmla="*/ 4988910 h 5150263"/>
+              <a:gd name="connsiteX19" fmla="*/ 1348512 w 7187261"/>
+              <a:gd name="connsiteY19" fmla="*/ 5146834 h 5150263"/>
+              <a:gd name="connsiteX20" fmla="*/ 1422712 w 7187261"/>
+              <a:gd name="connsiteY20" fmla="*/ 5146834 h 5150263"/>
+              <a:gd name="connsiteX21" fmla="*/ 480594 w 7187261"/>
+              <a:gd name="connsiteY21" fmla="*/ 4187952 h 5150263"/>
+              <a:gd name="connsiteX22" fmla="*/ 398679 w 7187261"/>
+              <a:gd name="connsiteY22" fmla="*/ 4046125 h 5150263"/>
+              <a:gd name="connsiteX23" fmla="*/ 411823 w 7187261"/>
+              <a:gd name="connsiteY23" fmla="*/ 4053078 h 5150263"/>
+              <a:gd name="connsiteX24" fmla="*/ 1439380 w 7187261"/>
+              <a:gd name="connsiteY24" fmla="*/ 5147405 h 5150263"/>
+              <a:gd name="connsiteX25" fmla="*/ 5710010 w 7187261"/>
+              <a:gd name="connsiteY25" fmla="*/ 5150263 h 5150263"/>
+              <a:gd name="connsiteX26" fmla="*/ 5999665 w 7187261"/>
+              <a:gd name="connsiteY26" fmla="*/ 4910900 h 5150263"/>
+              <a:gd name="connsiteX27" fmla="*/ 6954165 w 7187261"/>
+              <a:gd name="connsiteY27" fmla="*/ 3545777 h 5150263"/>
+              <a:gd name="connsiteX28" fmla="*/ 7137712 w 7187261"/>
+              <a:gd name="connsiteY28" fmla="*/ 2799207 h 5150263"/>
+              <a:gd name="connsiteX29" fmla="*/ 7142951 w 7187261"/>
+              <a:gd name="connsiteY29" fmla="*/ 2754535 h 5150263"/>
+              <a:gd name="connsiteX30" fmla="*/ 7149428 w 7187261"/>
+              <a:gd name="connsiteY30" fmla="*/ 2774823 h 5150263"/>
+              <a:gd name="connsiteX31" fmla="*/ 7066465 w 7187261"/>
+              <a:gd name="connsiteY31" fmla="*/ 3465672 h 5150263"/>
+              <a:gd name="connsiteX32" fmla="*/ 6452578 w 7187261"/>
+              <a:gd name="connsiteY32" fmla="*/ 4552760 h 5150263"/>
+              <a:gd name="connsiteX33" fmla="*/ 5752110 w 7187261"/>
+              <a:gd name="connsiteY33" fmla="*/ 5150263 h 5150263"/>
+              <a:gd name="connsiteX34" fmla="*/ 5827643 w 7187261"/>
+              <a:gd name="connsiteY34" fmla="*/ 5150263 h 5150263"/>
+              <a:gd name="connsiteX35" fmla="*/ 6642793 w 7187261"/>
+              <a:gd name="connsiteY35" fmla="*/ 4389406 h 5150263"/>
+              <a:gd name="connsiteX36" fmla="*/ 7102469 w 7187261"/>
+              <a:gd name="connsiteY36" fmla="*/ 3490817 h 5150263"/>
+              <a:gd name="connsiteX37" fmla="*/ 7187242 w 7187261"/>
+              <a:gd name="connsiteY37" fmla="*/ 2990183 h 5150263"/>
+              <a:gd name="connsiteX38" fmla="*/ 7178288 w 7187261"/>
+              <a:gd name="connsiteY38" fmla="*/ 2604802 h 5150263"/>
+              <a:gd name="connsiteX39" fmla="*/ 6342565 w 7187261"/>
+              <a:gd name="connsiteY39" fmla="*/ 441389 h 5150263"/>
+              <a:gd name="connsiteX40" fmla="*/ 7126567 w 7187261"/>
+              <a:gd name="connsiteY40" fmla="*/ 2355056 h 5150263"/>
+              <a:gd name="connsiteX41" fmla="*/ 6342565 w 7187261"/>
+              <a:gd name="connsiteY41" fmla="*/ 441389 h 5150263"/>
+            </a:gdLst>
+            <a:ahLst/>
+            <a:cxnLst>
+              <a:cxn ang="0">
+                <a:pos x="connsiteX0" y="connsiteY0"/>
+              </a:cxn>
+              <a:cxn ang="0">
+                <a:pos x="connsiteX1" y="connsiteY1"/>
+              </a:cxn>
+              <a:cxn ang="0">
+                <a:pos x="connsiteX2" y="connsiteY2"/>
+              </a:cxn>
+              <a:cxn ang="0">
+                <a:pos x="connsiteX3" y="connsiteY3"/>
+              </a:cxn>
+              <a:cxn ang="0">
+                <a:pos x="connsiteX4" y="connsiteY4"/>
+              </a:cxn>
+              <a:cxn ang="0">
+                <a:pos x="connsiteX5" y="connsiteY5"/>
+              </a:cxn>
+              <a:cxn ang="0">
+                <a:pos x="connsiteX6" y="connsiteY6"/>
+              </a:cxn>
+              <a:cxn ang="0">
+                <a:pos x="connsiteX7" y="connsiteY7"/>
+              </a:cxn>
+              <a:cxn ang="0">
+                <a:pos x="connsiteX8" y="connsiteY8"/>
+              </a:cxn>
+              <a:cxn ang="0">
+                <a:pos x="connsiteX9" y="connsiteY9"/>
+              </a:cxn>
+              <a:cxn ang="0">
+                <a:pos x="connsiteX10" y="connsiteY10"/>
+              </a:cxn>
+              <a:cxn ang="0">
+                <a:pos x="connsiteX11" y="connsiteY11"/>
+              </a:cxn>
+              <a:cxn ang="0">
+                <a:pos x="connsiteX12" y="connsiteY12"/>
+              </a:cxn>
+              <a:cxn ang="0">
+                <a:pos x="connsiteX13" y="connsiteY13"/>
+              </a:cxn>
+              <a:cxn ang="0">
+                <a:pos x="connsiteX14" y="connsiteY14"/>
+              </a:cxn>
+              <a:cxn ang="0">
+                <a:pos x="connsiteX15" y="connsiteY15"/>
+              </a:cxn>
+              <a:cxn ang="0">
+                <a:pos x="connsiteX16" y="connsiteY16"/>
+              </a:cxn>
+              <a:cxn ang="0">
+                <a:pos x="connsiteX17" y="connsiteY17"/>
+              </a:cxn>
+              <a:cxn ang="0">
+                <a:pos x="connsiteX18" y="connsiteY18"/>
+              </a:cxn>
+              <a:cxn ang="0">
+                <a:pos x="connsiteX19" y="connsiteY19"/>
+              </a:cxn>
+              <a:cxn ang="0">
+                <a:pos x="connsiteX20" y="connsiteY20"/>
+              </a:cxn>
+              <a:cxn ang="0">
+                <a:pos x="connsiteX21" y="connsiteY21"/>
+              </a:cxn>
+              <a:cxn ang="0">
+                <a:pos x="connsiteX22" y="connsiteY22"/>
+              </a:cxn>
+              <a:cxn ang="0">
+                <a:pos x="connsiteX23" y="connsiteY23"/>
+              </a:cxn>
+              <a:cxn ang="0">
+                <a:pos x="connsiteX24" y="connsiteY24"/>
+              </a:cxn>
+              <a:cxn ang="0">
+                <a:pos x="connsiteX25" y="connsiteY25"/>
+              </a:cxn>
+              <a:cxn ang="0">
+                <a:pos x="connsiteX26" y="connsiteY26"/>
+              </a:cxn>
+              <a:cxn ang="0">
+                <a:pos x="connsiteX27" y="connsiteY27"/>
+              </a:cxn>
+              <a:cxn ang="0">
+                <a:pos x="connsiteX28" y="connsiteY28"/>
+              </a:cxn>
+              <a:cxn ang="0">
+                <a:pos x="connsiteX29" y="connsiteY29"/>
+              </a:cxn>
+              <a:cxn ang="0">
+                <a:pos x="connsiteX30" y="connsiteY30"/>
+              </a:cxn>
+              <a:cxn ang="0">
+                <a:pos x="connsiteX31" y="connsiteY31"/>
+              </a:cxn>
+              <a:cxn ang="0">
+                <a:pos x="connsiteX32" y="connsiteY32"/>
+              </a:cxn>
+              <a:cxn ang="0">
+                <a:pos x="connsiteX33" y="connsiteY33"/>
+              </a:cxn>
+              <a:cxn ang="0">
+                <a:pos x="connsiteX34" y="connsiteY34"/>
+              </a:cxn>
+              <a:cxn ang="0">
+                <a:pos x="connsiteX35" y="connsiteY35"/>
+              </a:cxn>
+              <a:cxn ang="0">
+                <a:pos x="connsiteX36" y="connsiteY36"/>
+              </a:cxn>
+              <a:cxn ang="0">
+                <a:pos x="connsiteX37" y="connsiteY37"/>
+              </a:cxn>
+              <a:cxn ang="0">
+                <a:pos x="connsiteX38" y="connsiteY38"/>
+              </a:cxn>
+              <a:cxn ang="0">
+                <a:pos x="connsiteX39" y="connsiteY39"/>
+              </a:cxn>
+              <a:cxn ang="0">
+                <a:pos x="connsiteX40" y="connsiteY40"/>
+              </a:cxn>
+              <a:cxn ang="0">
+                <a:pos x="connsiteX41" y="connsiteY41"/>
+              </a:cxn>
+            </a:cxnLst>
+            <a:rect l="l" t="t" r="r" b="b"/>
+            <a:pathLst>
+              <a:path w="7187261" h="5150263">
+                <a:moveTo>
+                  <a:pt x="7178288" y="2604802"/>
+                </a:moveTo>
+                <a:cubicBezTo>
+                  <a:pt x="7168763" y="2513076"/>
+                  <a:pt x="7174478" y="2420684"/>
+                  <a:pt x="7169335" y="2328577"/>
+                </a:cubicBezTo>
+                <a:cubicBezTo>
+                  <a:pt x="7156952" y="2102882"/>
+                  <a:pt x="7120586" y="1879149"/>
+                  <a:pt x="7060845" y="1661160"/>
+                </a:cubicBezTo>
+                <a:cubicBezTo>
+                  <a:pt x="6910588" y="1121007"/>
+                  <a:pt x="6617428" y="631374"/>
+                  <a:pt x="6212263" y="243840"/>
+                </a:cubicBezTo>
+                <a:cubicBezTo>
+                  <a:pt x="6126538" y="162496"/>
+                  <a:pt x="6040813" y="80201"/>
+                  <a:pt x="5953564" y="0"/>
+                </a:cubicBezTo>
+                <a:lnTo>
+                  <a:pt x="1408615" y="0"/>
+                </a:lnTo>
+                <a:cubicBezTo>
+                  <a:pt x="1180967" y="200316"/>
+                  <a:pt x="978332" y="427387"/>
+                  <a:pt x="805111" y="676275"/>
+                </a:cubicBezTo>
+                <a:cubicBezTo>
+                  <a:pt x="481261" y="1136523"/>
+                  <a:pt x="252089" y="1640872"/>
+                  <a:pt x="104928" y="2183035"/>
+                </a:cubicBezTo>
+                <a:cubicBezTo>
+                  <a:pt x="85878" y="2254853"/>
+                  <a:pt x="69495" y="2327720"/>
+                  <a:pt x="51588" y="2400014"/>
+                </a:cubicBezTo>
+                <a:cubicBezTo>
+                  <a:pt x="49683" y="2407634"/>
+                  <a:pt x="51588" y="2416969"/>
+                  <a:pt x="41301" y="2424208"/>
+                </a:cubicBezTo>
+                <a:cubicBezTo>
+                  <a:pt x="45900" y="2225469"/>
+                  <a:pt x="72186" y="2027834"/>
+                  <a:pt x="119692" y="1834801"/>
+                </a:cubicBezTo>
+                <a:cubicBezTo>
+                  <a:pt x="247993" y="1310926"/>
+                  <a:pt x="506121" y="857726"/>
+                  <a:pt x="870071" y="462248"/>
+                </a:cubicBezTo>
+                <a:cubicBezTo>
+                  <a:pt x="1027729" y="291823"/>
+                  <a:pt x="1201617" y="137169"/>
+                  <a:pt x="1389279" y="476"/>
+                </a:cubicBezTo>
+                <a:lnTo>
+                  <a:pt x="1320223" y="476"/>
+                </a:lnTo>
+                <a:cubicBezTo>
+                  <a:pt x="960844" y="274320"/>
+                  <a:pt x="656330" y="599123"/>
+                  <a:pt x="423158" y="989743"/>
+                </a:cubicBezTo>
+                <a:cubicBezTo>
+                  <a:pt x="215608" y="1337596"/>
+                  <a:pt x="80258" y="1711357"/>
+                  <a:pt x="25585" y="2113693"/>
+                </a:cubicBezTo>
+                <a:cubicBezTo>
+                  <a:pt x="-2705" y="2316480"/>
+                  <a:pt x="-2228" y="2521077"/>
+                  <a:pt x="2344" y="2725865"/>
+                </a:cubicBezTo>
+                <a:cubicBezTo>
+                  <a:pt x="14155" y="3261932"/>
+                  <a:pt x="170650" y="3754565"/>
+                  <a:pt x="447256" y="4210717"/>
+                </a:cubicBezTo>
+                <a:cubicBezTo>
+                  <a:pt x="629851" y="4511612"/>
+                  <a:pt x="866356" y="4767167"/>
+                  <a:pt x="1138962" y="4988910"/>
+                </a:cubicBezTo>
+                <a:cubicBezTo>
+                  <a:pt x="1207161" y="5044345"/>
+                  <a:pt x="1277008" y="5096990"/>
+                  <a:pt x="1348512" y="5146834"/>
+                </a:cubicBezTo>
+                <a:lnTo>
+                  <a:pt x="1422712" y="5146834"/>
+                </a:lnTo>
+                <a:cubicBezTo>
+                  <a:pt x="1043426" y="4892802"/>
+                  <a:pt x="724720" y="4577334"/>
+                  <a:pt x="480594" y="4187952"/>
+                </a:cubicBezTo>
+                <a:cubicBezTo>
+                  <a:pt x="452019" y="4141851"/>
+                  <a:pt x="423444" y="4095179"/>
+                  <a:pt x="398679" y="4046125"/>
+                </a:cubicBezTo>
+                <a:cubicBezTo>
+                  <a:pt x="407442" y="4043267"/>
+                  <a:pt x="409156" y="4048982"/>
+                  <a:pt x="411823" y="4053078"/>
+                </a:cubicBezTo>
+                <a:cubicBezTo>
+                  <a:pt x="683572" y="4484656"/>
+                  <a:pt x="1033139" y="4842701"/>
+                  <a:pt x="1439380" y="5147405"/>
+                </a:cubicBezTo>
+                <a:lnTo>
+                  <a:pt x="5710010" y="5150263"/>
+                </a:lnTo>
+                <a:cubicBezTo>
+                  <a:pt x="5810594" y="5075482"/>
+                  <a:pt x="5907272" y="4995587"/>
+                  <a:pt x="5999665" y="4910900"/>
+                </a:cubicBezTo>
+                <a:cubicBezTo>
+                  <a:pt x="6418765" y="4526661"/>
+                  <a:pt x="6746901" y="4078129"/>
+                  <a:pt x="6954165" y="3545777"/>
+                </a:cubicBezTo>
+                <a:cubicBezTo>
+                  <a:pt x="7048234" y="3306175"/>
+                  <a:pt x="7109956" y="3055115"/>
+                  <a:pt x="7137712" y="2799207"/>
+                </a:cubicBezTo>
+                <a:cubicBezTo>
+                  <a:pt x="7139236" y="2784920"/>
+                  <a:pt x="7141046" y="2770632"/>
+                  <a:pt x="7142951" y="2754535"/>
+                </a:cubicBezTo>
+                <a:cubicBezTo>
+                  <a:pt x="7151714" y="2760440"/>
+                  <a:pt x="7149237" y="2768441"/>
+                  <a:pt x="7149428" y="2774823"/>
+                </a:cubicBezTo>
+                <a:cubicBezTo>
+                  <a:pt x="7156743" y="3007967"/>
+                  <a:pt x="7128777" y="3240881"/>
+                  <a:pt x="7066465" y="3465672"/>
+                </a:cubicBezTo>
+                <a:cubicBezTo>
+                  <a:pt x="6952165" y="3878580"/>
+                  <a:pt x="6737948" y="4235863"/>
+                  <a:pt x="6452578" y="4552760"/>
+                </a:cubicBezTo>
+                <a:cubicBezTo>
+                  <a:pt x="6244553" y="4783836"/>
+                  <a:pt x="6008809" y="4980242"/>
+                  <a:pt x="5752110" y="5150263"/>
+                </a:cubicBezTo>
+                <a:lnTo>
+                  <a:pt x="5827643" y="5150263"/>
+                </a:lnTo>
+                <a:cubicBezTo>
+                  <a:pt x="6136539" y="4938904"/>
+                  <a:pt x="6412192" y="4689348"/>
+                  <a:pt x="6642793" y="4389406"/>
+                </a:cubicBezTo>
+                <a:cubicBezTo>
+                  <a:pt x="6851295" y="4118324"/>
+                  <a:pt x="7009125" y="3820859"/>
+                  <a:pt x="7102469" y="3490817"/>
+                </a:cubicBezTo>
+                <a:cubicBezTo>
+                  <a:pt x="7148646" y="3327473"/>
+                  <a:pt x="7177069" y="3159624"/>
+                  <a:pt x="7187242" y="2990183"/>
+                </a:cubicBezTo>
+                <a:cubicBezTo>
+                  <a:pt x="7187623" y="2984087"/>
+                  <a:pt x="7182384" y="2642330"/>
+                  <a:pt x="7178288" y="2604802"/>
+                </a:cubicBezTo>
+                <a:close/>
+                <a:moveTo>
+                  <a:pt x="6342565" y="441389"/>
+                </a:moveTo>
+                <a:cubicBezTo>
+                  <a:pt x="6829797" y="986533"/>
+                  <a:pt x="7091135" y="1624422"/>
+                  <a:pt x="7126567" y="2355056"/>
+                </a:cubicBezTo>
+                <a:cubicBezTo>
+                  <a:pt x="7001123" y="1661827"/>
+                  <a:pt x="6756426" y="1017365"/>
+                  <a:pt x="6342565" y="441389"/>
+                </a:cubicBezTo>
+                <a:close/>
+              </a:path>
+            </a:pathLst>
+          </a:custGeom>
+          <a:solidFill>
+            <a:schemeClr val="accent2"/>
+          </a:solidFill>
+          <a:ln w="9525" cap="flat">
+            <a:noFill/>
+            <a:prstDash val="solid"/>
+            <a:miter/>
+          </a:ln>
+        </p:spPr>
+        <p:txBody>
+          <a:bodyPr rtlCol="0" anchor="ctr"/>
+          <a:lstStyle/>
+          <a:p>
+            <a:endParaRPr lang="en-US"/>
+          </a:p>
+        </p:txBody>
+      </p:sp>
+      <p:sp>
+        <p:nvSpPr>
+          <p:cNvPr id="18" name="sketch line">
+            <a:extLst>
+              <a:ext uri="{FF2B5EF4-FFF2-40B4-BE49-F238E27FC236}">
+                <a16:creationId xmlns:a16="http://schemas.microsoft.com/office/drawing/2014/main" id="{41F77738-2AF0-4750-A0C7-F97C2C17590E}"/>
+              </a:ext>
+              <a:ext uri="{C183D7F6-B498-43B3-948B-1728B52AA6E4}">
+                <adec:decorative xmlns:adec="http://schemas.microsoft.com/office/drawing/2017/decorative" val="1"/>
+              </a:ext>
+            </a:extLst>
+          </p:cNvPr>
+          <p:cNvSpPr>
+            <a:spLocks noGrp="1" noRot="1" noChangeAspect="1" noMove="1" noResize="1" noEditPoints="1" noAdjustHandles="1" noChangeArrowheads="1" noChangeShapeType="1" noTextEdit="1"/>
+          </p:cNvSpPr>
+          <p:nvPr>
+            <p:extLst>
+              <p:ext uri="{386F3935-93C4-4BCD-93E2-E3B085C9AB24}">
+                <p16:designElem xmlns:p16="http://schemas.microsoft.com/office/powerpoint/2015/main" val="1"/>
+              </p:ext>
+            </p:extLst>
+          </p:nvPr>
+        </p:nvSpPr>
+        <p:spPr>
+          <a:xfrm>
+            <a:off x="3974206" y="4173498"/>
+            <a:ext cx="4243589" cy="18288"/>
+          </a:xfrm>
+          <a:custGeom>
+            <a:avLst/>
+            <a:gdLst>
+              <a:gd name="connsiteX0" fmla="*/ 0 w 4243589"/>
+              <a:gd name="connsiteY0" fmla="*/ 0 h 18288"/>
+              <a:gd name="connsiteX1" fmla="*/ 563791 w 4243589"/>
+              <a:gd name="connsiteY1" fmla="*/ 0 h 18288"/>
+              <a:gd name="connsiteX2" fmla="*/ 1042710 w 4243589"/>
+              <a:gd name="connsiteY2" fmla="*/ 0 h 18288"/>
+              <a:gd name="connsiteX3" fmla="*/ 1564066 w 4243589"/>
+              <a:gd name="connsiteY3" fmla="*/ 0 h 18288"/>
+              <a:gd name="connsiteX4" fmla="*/ 2212729 w 4243589"/>
+              <a:gd name="connsiteY4" fmla="*/ 0 h 18288"/>
+              <a:gd name="connsiteX5" fmla="*/ 2776520 w 4243589"/>
+              <a:gd name="connsiteY5" fmla="*/ 0 h 18288"/>
+              <a:gd name="connsiteX6" fmla="*/ 3297875 w 4243589"/>
+              <a:gd name="connsiteY6" fmla="*/ 0 h 18288"/>
+              <a:gd name="connsiteX7" fmla="*/ 4243589 w 4243589"/>
+              <a:gd name="connsiteY7" fmla="*/ 0 h 18288"/>
+              <a:gd name="connsiteX8" fmla="*/ 4243589 w 4243589"/>
+              <a:gd name="connsiteY8" fmla="*/ 18288 h 18288"/>
+              <a:gd name="connsiteX9" fmla="*/ 3637362 w 4243589"/>
+              <a:gd name="connsiteY9" fmla="*/ 18288 h 18288"/>
+              <a:gd name="connsiteX10" fmla="*/ 3116007 w 4243589"/>
+              <a:gd name="connsiteY10" fmla="*/ 18288 h 18288"/>
+              <a:gd name="connsiteX11" fmla="*/ 2424908 w 4243589"/>
+              <a:gd name="connsiteY11" fmla="*/ 18288 h 18288"/>
+              <a:gd name="connsiteX12" fmla="*/ 1861117 w 4243589"/>
+              <a:gd name="connsiteY12" fmla="*/ 18288 h 18288"/>
+              <a:gd name="connsiteX13" fmla="*/ 1382198 w 4243589"/>
+              <a:gd name="connsiteY13" fmla="*/ 18288 h 18288"/>
+              <a:gd name="connsiteX14" fmla="*/ 733535 w 4243589"/>
+              <a:gd name="connsiteY14" fmla="*/ 18288 h 18288"/>
+              <a:gd name="connsiteX15" fmla="*/ 0 w 4243589"/>
+              <a:gd name="connsiteY15" fmla="*/ 18288 h 18288"/>
+              <a:gd name="connsiteX16" fmla="*/ 0 w 4243589"/>
+              <a:gd name="connsiteY16" fmla="*/ 0 h 18288"/>
+            </a:gdLst>
+            <a:ahLst/>
+            <a:cxnLst>
+              <a:cxn ang="0">
+                <a:pos x="connsiteX0" y="connsiteY0"/>
+              </a:cxn>
+              <a:cxn ang="0">
+                <a:pos x="connsiteX1" y="connsiteY1"/>
+              </a:cxn>
+              <a:cxn ang="0">
+                <a:pos x="connsiteX2" y="connsiteY2"/>
+              </a:cxn>
+              <a:cxn ang="0">
+                <a:pos x="connsiteX3" y="connsiteY3"/>
+              </a:cxn>
+              <a:cxn ang="0">
+                <a:pos x="connsiteX4" y="connsiteY4"/>
+              </a:cxn>
+              <a:cxn ang="0">
+                <a:pos x="connsiteX5" y="connsiteY5"/>
+              </a:cxn>
+              <a:cxn ang="0">
+                <a:pos x="connsiteX6" y="connsiteY6"/>
+              </a:cxn>
+              <a:cxn ang="0">
+                <a:pos x="connsiteX7" y="connsiteY7"/>
+              </a:cxn>
+              <a:cxn ang="0">
+                <a:pos x="connsiteX8" y="connsiteY8"/>
+              </a:cxn>
+              <a:cxn ang="0">
+                <a:pos x="connsiteX9" y="connsiteY9"/>
+              </a:cxn>
+              <a:cxn ang="0">
+                <a:pos x="connsiteX10" y="connsiteY10"/>
+              </a:cxn>
+              <a:cxn ang="0">
+                <a:pos x="connsiteX11" y="connsiteY11"/>
+              </a:cxn>
+              <a:cxn ang="0">
+                <a:pos x="connsiteX12" y="connsiteY12"/>
+              </a:cxn>
+              <a:cxn ang="0">
+                <a:pos x="connsiteX13" y="connsiteY13"/>
+              </a:cxn>
+              <a:cxn ang="0">
+                <a:pos x="connsiteX14" y="connsiteY14"/>
+              </a:cxn>
+              <a:cxn ang="0">
+                <a:pos x="connsiteX15" y="connsiteY15"/>
+              </a:cxn>
+              <a:cxn ang="0">
+                <a:pos x="connsiteX16" y="connsiteY16"/>
+              </a:cxn>
+            </a:cxnLst>
+            <a:rect l="l" t="t" r="r" b="b"/>
+            <a:pathLst>
+              <a:path w="4243589" h="18288" fill="none" extrusionOk="0">
+                <a:moveTo>
+                  <a:pt x="0" y="0"/>
+                </a:moveTo>
+                <a:cubicBezTo>
+                  <a:pt x="157351" y="-15653"/>
+                  <a:pt x="378877" y="-5828"/>
+                  <a:pt x="563791" y="0"/>
+                </a:cubicBezTo>
+                <a:cubicBezTo>
+                  <a:pt x="748705" y="5828"/>
+                  <a:pt x="905659" y="-5525"/>
+                  <a:pt x="1042710" y="0"/>
+                </a:cubicBezTo>
+                <a:cubicBezTo>
+                  <a:pt x="1179761" y="5525"/>
+                  <a:pt x="1356845" y="-21288"/>
+                  <a:pt x="1564066" y="0"/>
+                </a:cubicBezTo>
+                <a:cubicBezTo>
+                  <a:pt x="1771287" y="21288"/>
+                  <a:pt x="1912099" y="25135"/>
+                  <a:pt x="2212729" y="0"/>
+                </a:cubicBezTo>
+                <a:cubicBezTo>
+                  <a:pt x="2513359" y="-25135"/>
+                  <a:pt x="2514918" y="-27119"/>
+                  <a:pt x="2776520" y="0"/>
+                </a:cubicBezTo>
+                <a:cubicBezTo>
+                  <a:pt x="3038122" y="27119"/>
+                  <a:pt x="3178771" y="18116"/>
+                  <a:pt x="3297875" y="0"/>
+                </a:cubicBezTo>
+                <a:cubicBezTo>
+                  <a:pt x="3416980" y="-18116"/>
+                  <a:pt x="4012240" y="-40869"/>
+                  <a:pt x="4243589" y="0"/>
+                </a:cubicBezTo>
+                <a:cubicBezTo>
+                  <a:pt x="4243987" y="7429"/>
+                  <a:pt x="4243569" y="10822"/>
+                  <a:pt x="4243589" y="18288"/>
+                </a:cubicBezTo>
+                <a:cubicBezTo>
+                  <a:pt x="4112949" y="-2855"/>
+                  <a:pt x="3928037" y="1831"/>
+                  <a:pt x="3637362" y="18288"/>
+                </a:cubicBezTo>
+                <a:cubicBezTo>
+                  <a:pt x="3346687" y="34745"/>
+                  <a:pt x="3254446" y="26669"/>
+                  <a:pt x="3116007" y="18288"/>
+                </a:cubicBezTo>
+                <a:cubicBezTo>
+                  <a:pt x="2977569" y="9907"/>
+                  <a:pt x="2620228" y="28873"/>
+                  <a:pt x="2424908" y="18288"/>
+                </a:cubicBezTo>
+                <a:cubicBezTo>
+                  <a:pt x="2229588" y="7703"/>
+                  <a:pt x="2088287" y="-3854"/>
+                  <a:pt x="1861117" y="18288"/>
+                </a:cubicBezTo>
+                <a:cubicBezTo>
+                  <a:pt x="1633947" y="40430"/>
+                  <a:pt x="1502447" y="-871"/>
+                  <a:pt x="1382198" y="18288"/>
+                </a:cubicBezTo>
+                <a:cubicBezTo>
+                  <a:pt x="1261949" y="37447"/>
+                  <a:pt x="1045440" y="28353"/>
+                  <a:pt x="733535" y="18288"/>
+                </a:cubicBezTo>
+                <a:cubicBezTo>
+                  <a:pt x="421630" y="8223"/>
+                  <a:pt x="341257" y="-18359"/>
+                  <a:pt x="0" y="18288"/>
+                </a:cubicBezTo>
+                <a:cubicBezTo>
+                  <a:pt x="-591" y="13205"/>
+                  <a:pt x="-663" y="6329"/>
+                  <a:pt x="0" y="0"/>
+                </a:cubicBezTo>
+                <a:close/>
+              </a:path>
+              <a:path w="4243589" h="18288" stroke="0" extrusionOk="0">
+                <a:moveTo>
+                  <a:pt x="0" y="0"/>
+                </a:moveTo>
+                <a:cubicBezTo>
+                  <a:pt x="128164" y="17204"/>
+                  <a:pt x="312653" y="1129"/>
+                  <a:pt x="563791" y="0"/>
+                </a:cubicBezTo>
+                <a:cubicBezTo>
+                  <a:pt x="814929" y="-1129"/>
+                  <a:pt x="837271" y="8503"/>
+                  <a:pt x="1042710" y="0"/>
+                </a:cubicBezTo>
+                <a:cubicBezTo>
+                  <a:pt x="1248149" y="-8503"/>
+                  <a:pt x="1588432" y="-28862"/>
+                  <a:pt x="1733809" y="0"/>
+                </a:cubicBezTo>
+                <a:cubicBezTo>
+                  <a:pt x="1879186" y="28862"/>
+                  <a:pt x="2052815" y="5974"/>
+                  <a:pt x="2297600" y="0"/>
+                </a:cubicBezTo>
+                <a:cubicBezTo>
+                  <a:pt x="2542385" y="-5974"/>
+                  <a:pt x="2699960" y="-23550"/>
+                  <a:pt x="2861391" y="0"/>
+                </a:cubicBezTo>
+                <a:cubicBezTo>
+                  <a:pt x="3022822" y="23550"/>
+                  <a:pt x="3390411" y="25272"/>
+                  <a:pt x="3552490" y="0"/>
+                </a:cubicBezTo>
+                <a:cubicBezTo>
+                  <a:pt x="3714569" y="-25272"/>
+                  <a:pt x="3950585" y="-31327"/>
+                  <a:pt x="4243589" y="0"/>
+                </a:cubicBezTo>
+                <a:cubicBezTo>
+                  <a:pt x="4242703" y="5429"/>
+                  <a:pt x="4244410" y="14046"/>
+                  <a:pt x="4243589" y="18288"/>
+                </a:cubicBezTo>
+                <a:cubicBezTo>
+                  <a:pt x="4130424" y="-1240"/>
+                  <a:pt x="3932803" y="42249"/>
+                  <a:pt x="3722234" y="18288"/>
+                </a:cubicBezTo>
+                <a:cubicBezTo>
+                  <a:pt x="3511665" y="-5673"/>
+                  <a:pt x="3269903" y="45994"/>
+                  <a:pt x="3116007" y="18288"/>
+                </a:cubicBezTo>
+                <a:cubicBezTo>
+                  <a:pt x="2962111" y="-9418"/>
+                  <a:pt x="2744280" y="23224"/>
+                  <a:pt x="2509780" y="18288"/>
+                </a:cubicBezTo>
+                <a:cubicBezTo>
+                  <a:pt x="2275280" y="13352"/>
+                  <a:pt x="2066059" y="43664"/>
+                  <a:pt x="1945989" y="18288"/>
+                </a:cubicBezTo>
+                <a:cubicBezTo>
+                  <a:pt x="1825919" y="-7088"/>
+                  <a:pt x="1407329" y="12616"/>
+                  <a:pt x="1254890" y="18288"/>
+                </a:cubicBezTo>
+                <a:cubicBezTo>
+                  <a:pt x="1102451" y="23960"/>
+                  <a:pt x="837950" y="31673"/>
+                  <a:pt x="563791" y="18288"/>
+                </a:cubicBezTo>
+                <a:cubicBezTo>
+                  <a:pt x="289632" y="4903"/>
+                  <a:pt x="132768" y="7105"/>
+                  <a:pt x="0" y="18288"/>
+                </a:cubicBezTo>
+                <a:cubicBezTo>
+                  <a:pt x="668" y="13665"/>
+                  <a:pt x="578" y="5675"/>
+                  <a:pt x="0" y="0"/>
+                </a:cubicBezTo>
+                <a:close/>
+              </a:path>
+            </a:pathLst>
+          </a:custGeom>
+          <a:solidFill>
+            <a:srgbClr val="FFFFFF"/>
+          </a:solidFill>
+          <a:ln w="41275" cap="rnd">
+            <a:solidFill>
+              <a:srgbClr val="FFFFFF"/>
+            </a:solidFill>
+            <a:round/>
+            <a:extLst>
+              <a:ext uri="{C807C97D-BFC1-408E-A445-0C87EB9F89A2}">
+                <ask:lineSketchStyleProps xmlns:ask="http://schemas.microsoft.com/office/drawing/2018/sketchyshapes" sd="1219033472">
+                  <a:prstGeom prst="rect">
+                    <a:avLst/>
+                  </a:prstGeom>
+                  <ask:type>
+                    <ask:lineSketchFreehand/>
+                  </ask:type>
+                </ask:lineSketchStyleProps>
+              </a:ext>
+            </a:extLst>
+          </a:ln>
+        </p:spPr>
+        <p:style>
+          <a:lnRef idx="2">
+            <a:schemeClr val="accent1">
+              <a:shade val="50000"/>
+            </a:schemeClr>
+          </a:lnRef>
+          <a:fillRef idx="1">
+            <a:schemeClr val="accent1"/>
+          </a:fillRef>
+          <a:effectRef idx="0">
+            <a:schemeClr val="accent1"/>
+          </a:effectRef>
+          <a:fontRef idx="minor">
+            <a:schemeClr val="lt1"/>
+          </a:fontRef>
+        </p:style>
+        <p:txBody>
+          <a:bodyPr rtlCol="0" anchor="ctr"/>
+          <a:lstStyle/>
+          <a:p>
+            <a:pPr algn="ctr"/>
+            <a:endParaRPr lang="en-US"/>
+          </a:p>
+        </p:txBody>
+      </p:sp>
+      <p:pic>
+        <p:nvPicPr>
+          <p:cNvPr id="13" name="Immagine 12">
+            <a:extLst>
+              <a:ext uri="{FF2B5EF4-FFF2-40B4-BE49-F238E27FC236}">
+                <a16:creationId xmlns:a16="http://schemas.microsoft.com/office/drawing/2014/main" id="{61F85569-811E-07D0-A13E-CB5E53D5F5AA}"/>
+              </a:ext>
+            </a:extLst>
+          </p:cNvPr>
+          <p:cNvPicPr>
+            <a:picLocks noChangeAspect="1"/>
+          </p:cNvPicPr>
+          <p:nvPr/>
+        </p:nvPicPr>
+        <p:blipFill>
+          <a:blip r:embed="rId2">
+            <a:extLst>
+              <a:ext uri="{28A0092B-C50C-407E-A947-70E740481C1C}">
+                <a14:useLocalDpi xmlns:a14="http://schemas.microsoft.com/office/drawing/2010/main" val="0"/>
+              </a:ext>
+            </a:extLst>
+          </a:blip>
+          <a:stretch>
+            <a:fillRect/>
+          </a:stretch>
+        </p:blipFill>
+        <p:spPr>
+          <a:xfrm>
+            <a:off x="3989224" y="1193569"/>
+            <a:ext cx="4228571" cy="2412698"/>
+          </a:xfrm>
+          <a:prstGeom prst="rect">
+            <a:avLst/>
+          </a:prstGeom>
+        </p:spPr>
+      </p:pic>
+      <p:sp>
+        <p:nvSpPr>
+          <p:cNvPr id="17" name="CasellaDiTesto 16">
+            <a:extLst>
+              <a:ext uri="{FF2B5EF4-FFF2-40B4-BE49-F238E27FC236}">
+                <a16:creationId xmlns:a16="http://schemas.microsoft.com/office/drawing/2014/main" id="{58C21ECC-BA8D-880C-EB54-165531395D1F}"/>
+              </a:ext>
+            </a:extLst>
+          </p:cNvPr>
+          <p:cNvSpPr txBox="1"/>
+          <p:nvPr/>
+        </p:nvSpPr>
+        <p:spPr>
+          <a:xfrm>
+            <a:off x="4636384" y="4799836"/>
+            <a:ext cx="2916183" cy="923330"/>
+          </a:xfrm>
+          <a:prstGeom prst="rect">
+            <a:avLst/>
+          </a:prstGeom>
+          <a:noFill/>
+        </p:spPr>
+        <p:txBody>
+          <a:bodyPr wrap="none" rtlCol="0">
+            <a:spAutoFit/>
+          </a:bodyPr>
+          <a:lstStyle/>
+          <a:p>
+            <a:r>
+              <a:rPr lang="it-IT" i="1" dirty="0">
+                <a:solidFill>
+                  <a:schemeClr val="bg1"/>
+                </a:solidFill>
+              </a:rPr>
+              <a:t>Barbieri Riccardo   924598</a:t>
+            </a:r>
+          </a:p>
+          <a:p>
+            <a:r>
+              <a:rPr lang="it-IT" i="1" dirty="0">
+                <a:solidFill>
+                  <a:schemeClr val="bg1"/>
+                </a:solidFill>
+              </a:rPr>
+              <a:t>Pastore Giancarlo  916379</a:t>
+            </a:r>
+            <a:br>
+              <a:rPr lang="it-IT" i="1" dirty="0">
+                <a:solidFill>
+                  <a:schemeClr val="bg1"/>
+                </a:solidFill>
+              </a:rPr>
+            </a:br>
+            <a:r>
+              <a:rPr lang="it-IT" i="1" dirty="0">
+                <a:solidFill>
+                  <a:schemeClr val="bg1"/>
+                </a:solidFill>
+              </a:rPr>
+              <a:t>Tassinari Gabriele  914765</a:t>
+            </a:r>
+            <a:endParaRPr lang="en-GB" i="1" dirty="0">
+              <a:solidFill>
+                <a:schemeClr val="bg1"/>
+              </a:solidFill>
+            </a:endParaRPr>
+          </a:p>
+        </p:txBody>
+      </p:sp>
+    </p:spTree>
+    <p:extLst>
+      <p:ext uri="{BB962C8B-B14F-4D97-AF65-F5344CB8AC3E}">
+        <p14:creationId xmlns:p14="http://schemas.microsoft.com/office/powerpoint/2010/main" val="1369089247"/>
+      </p:ext>
+    </p:extLst>
+  </p:cSld>
+  <p:clrMapOvr>
+    <a:masterClrMapping/>
+  </p:clrMapOvr>
+</p:sld>
+</file>
+
+<file path=ppt/slides/slide2.xml><?xml version="1.0" encoding="utf-8"?>
+<p:sld xmlns:a="http://schemas.openxmlformats.org/drawingml/2006/main" xmlns:r="http://schemas.openxmlformats.org/officeDocument/2006/relationships" xmlns:p="http://schemas.openxmlformats.org/presentationml/2006/main">
+  <p:cSld>
+    <p:spTree>
+      <p:nvGrpSpPr>
+        <p:cNvPr id="1" name=""/>
+        <p:cNvGrpSpPr/>
+        <p:nvPr/>
+      </p:nvGrpSpPr>
+      <p:grpSpPr>
+        <a:xfrm>
+          <a:off x="0" y="0"/>
+          <a:ext cx="0" cy="0"/>
+          <a:chOff x="0" y="0"/>
+          <a:chExt cx="0" cy="0"/>
+        </a:xfrm>
+      </p:grpSpPr>
+      <p:sp useBgFill="1">
+        <p:nvSpPr>
+          <p:cNvPr id="80" name="Rectangle 79">
+            <a:extLst>
+              <a:ext uri="{FF2B5EF4-FFF2-40B4-BE49-F238E27FC236}">
+                <a16:creationId xmlns:a16="http://schemas.microsoft.com/office/drawing/2014/main" id="{2B97F24A-32CE-4C1C-A50D-3016B394DCFB}"/>
               </a:ext>
               <a:ext uri="{C183D7F6-B498-43B3-948B-1728B52AA6E4}">
                 <adec:decorative xmlns:adec="http://schemas.microsoft.com/office/drawing/2017/decorative" val="1"/>
@@ -4201,12 +8337,84 @@
           </a:p>
         </p:txBody>
       </p:sp>
-      <p:sp useBgFill="1">
+      <p:sp>
         <p:nvSpPr>
-          <p:cNvPr id="40" name="Freeform: Shape 39">
+          <p:cNvPr id="2" name="Titolo 1">
             <a:extLst>
               <a:ext uri="{FF2B5EF4-FFF2-40B4-BE49-F238E27FC236}">
-                <a16:creationId xmlns:a16="http://schemas.microsoft.com/office/drawing/2014/main" id="{CF236821-17FE-429B-8D2C-08E13A64EA40}"/>
+                <a16:creationId xmlns:a16="http://schemas.microsoft.com/office/drawing/2014/main" id="{54068837-84E7-8FFA-C37F-6001A0689169}"/>
+              </a:ext>
+            </a:extLst>
+          </p:cNvPr>
+          <p:cNvSpPr>
+            <a:spLocks noGrp="1"/>
+          </p:cNvSpPr>
+          <p:nvPr>
+            <p:ph type="title"/>
+          </p:nvPr>
+        </p:nvSpPr>
+        <p:spPr>
+          <a:xfrm>
+            <a:off x="591312" y="1441952"/>
+            <a:ext cx="3429000" cy="983447"/>
+          </a:xfrm>
+        </p:spPr>
+        <p:txBody>
+          <a:bodyPr vert="horz" lIns="91440" tIns="45720" rIns="91440" bIns="45720" rtlCol="0" anchor="b">
+            <a:normAutofit/>
+          </a:bodyPr>
+          <a:lstStyle/>
+          <a:p>
+            <a:r>
+              <a:rPr lang="en-US" sz="5400" kern="1200" dirty="0" err="1">
+                <a:solidFill>
+                  <a:srgbClr val="ED7D31"/>
+                </a:solidFill>
+                <a:latin typeface="+mj-lt"/>
+                <a:ea typeface="+mj-ea"/>
+                <a:cs typeface="+mj-cs"/>
+              </a:rPr>
+              <a:t>Casi</a:t>
+            </a:r>
+            <a:r>
+              <a:rPr lang="en-US" sz="5400" kern="1200" dirty="0">
+                <a:solidFill>
+                  <a:srgbClr val="ED7D31"/>
+                </a:solidFill>
+                <a:latin typeface="+mj-lt"/>
+                <a:ea typeface="+mj-ea"/>
+                <a:cs typeface="+mj-cs"/>
+              </a:rPr>
+              <a:t> </a:t>
+            </a:r>
+            <a:r>
+              <a:rPr lang="en-US" sz="5400" kern="1200" dirty="0" err="1">
+                <a:solidFill>
+                  <a:srgbClr val="ED7D31"/>
+                </a:solidFill>
+                <a:latin typeface="+mj-lt"/>
+                <a:ea typeface="+mj-ea"/>
+                <a:cs typeface="+mj-cs"/>
+              </a:rPr>
+              <a:t>d’uso</a:t>
+            </a:r>
+            <a:endParaRPr lang="en-US" sz="5400" kern="1200" dirty="0">
+              <a:solidFill>
+                <a:srgbClr val="ED7D31"/>
+              </a:solidFill>
+              <a:latin typeface="+mj-lt"/>
+              <a:ea typeface="+mj-ea"/>
+              <a:cs typeface="+mj-cs"/>
+            </a:endParaRPr>
+          </a:p>
+        </p:txBody>
+      </p:sp>
+      <p:sp>
+        <p:nvSpPr>
+          <p:cNvPr id="82" name="sketch line">
+            <a:extLst>
+              <a:ext uri="{FF2B5EF4-FFF2-40B4-BE49-F238E27FC236}">
+                <a16:creationId xmlns:a16="http://schemas.microsoft.com/office/drawing/2014/main" id="{6357EC4F-235E-4222-A36F-C7878ACE37F2}"/>
               </a:ext>
               <a:ext uri="{C183D7F6-B498-43B3-948B-1728B52AA6E4}">
                 <adec:decorative xmlns:adec="http://schemas.microsoft.com/office/drawing/2017/decorative" val="1"/>
@@ -4226,26 +8434,36 @@
         </p:nvSpPr>
         <p:spPr>
           <a:xfrm>
-            <a:off x="-1" y="0"/>
-            <a:ext cx="4455673" cy="6858000"/>
+            <a:off x="643278" y="2573756"/>
+            <a:ext cx="3255095" cy="18288"/>
           </a:xfrm>
           <a:custGeom>
             <a:avLst/>
             <a:gdLst>
-              <a:gd name="connsiteX0" fmla="*/ 0 w 4455673"/>
-              <a:gd name="connsiteY0" fmla="*/ 0 h 6858000"/>
-              <a:gd name="connsiteX1" fmla="*/ 3242695 w 4455673"/>
-              <a:gd name="connsiteY1" fmla="*/ 0 h 6858000"/>
-              <a:gd name="connsiteX2" fmla="*/ 3305678 w 4455673"/>
-              <a:gd name="connsiteY2" fmla="*/ 69271 h 6858000"/>
-              <a:gd name="connsiteX3" fmla="*/ 4455673 w 4455673"/>
-              <a:gd name="connsiteY3" fmla="*/ 3429000 h 6858000"/>
-              <a:gd name="connsiteX4" fmla="*/ 3305678 w 4455673"/>
-              <a:gd name="connsiteY4" fmla="*/ 6788730 h 6858000"/>
-              <a:gd name="connsiteX5" fmla="*/ 3242695 w 4455673"/>
-              <a:gd name="connsiteY5" fmla="*/ 6858000 h 6858000"/>
-              <a:gd name="connsiteX6" fmla="*/ 0 w 4455673"/>
-              <a:gd name="connsiteY6" fmla="*/ 6858000 h 6858000"/>
+              <a:gd name="connsiteX0" fmla="*/ 0 w 3255095"/>
+              <a:gd name="connsiteY0" fmla="*/ 0 h 18288"/>
+              <a:gd name="connsiteX1" fmla="*/ 618468 w 3255095"/>
+              <a:gd name="connsiteY1" fmla="*/ 0 h 18288"/>
+              <a:gd name="connsiteX2" fmla="*/ 1269487 w 3255095"/>
+              <a:gd name="connsiteY2" fmla="*/ 0 h 18288"/>
+              <a:gd name="connsiteX3" fmla="*/ 1953057 w 3255095"/>
+              <a:gd name="connsiteY3" fmla="*/ 0 h 18288"/>
+              <a:gd name="connsiteX4" fmla="*/ 2636627 w 3255095"/>
+              <a:gd name="connsiteY4" fmla="*/ 0 h 18288"/>
+              <a:gd name="connsiteX5" fmla="*/ 3255095 w 3255095"/>
+              <a:gd name="connsiteY5" fmla="*/ 0 h 18288"/>
+              <a:gd name="connsiteX6" fmla="*/ 3255095 w 3255095"/>
+              <a:gd name="connsiteY6" fmla="*/ 18288 h 18288"/>
+              <a:gd name="connsiteX7" fmla="*/ 2538974 w 3255095"/>
+              <a:gd name="connsiteY7" fmla="*/ 18288 h 18288"/>
+              <a:gd name="connsiteX8" fmla="*/ 1822853 w 3255095"/>
+              <a:gd name="connsiteY8" fmla="*/ 18288 h 18288"/>
+              <a:gd name="connsiteX9" fmla="*/ 1171834 w 3255095"/>
+              <a:gd name="connsiteY9" fmla="*/ 18288 h 18288"/>
+              <a:gd name="connsiteX10" fmla="*/ 0 w 3255095"/>
+              <a:gd name="connsiteY10" fmla="*/ 18288 h 18288"/>
+              <a:gd name="connsiteX11" fmla="*/ 0 w 3255095"/>
+              <a:gd name="connsiteY11" fmla="*/ 0 h 18288"/>
             </a:gdLst>
             <a:ahLst/>
             <a:cxnLst>
@@ -4270,380 +8488,173 @@
               <a:cxn ang="0">
                 <a:pos x="connsiteX6" y="connsiteY6"/>
               </a:cxn>
+              <a:cxn ang="0">
+                <a:pos x="connsiteX7" y="connsiteY7"/>
+              </a:cxn>
+              <a:cxn ang="0">
+                <a:pos x="connsiteX8" y="connsiteY8"/>
+              </a:cxn>
+              <a:cxn ang="0">
+                <a:pos x="connsiteX9" y="connsiteY9"/>
+              </a:cxn>
+              <a:cxn ang="0">
+                <a:pos x="connsiteX10" y="connsiteY10"/>
+              </a:cxn>
+              <a:cxn ang="0">
+                <a:pos x="connsiteX11" y="connsiteY11"/>
+              </a:cxn>
             </a:cxnLst>
             <a:rect l="l" t="t" r="r" b="b"/>
             <a:pathLst>
-              <a:path w="4455673" h="6858000">
+              <a:path w="3255095" h="18288" fill="none" extrusionOk="0">
                 <a:moveTo>
                   <a:pt x="0" y="0"/>
                 </a:moveTo>
-                <a:lnTo>
-                  <a:pt x="3242695" y="0"/>
-                </a:lnTo>
-                <a:lnTo>
-                  <a:pt x="3305678" y="69271"/>
-                </a:lnTo>
-                <a:cubicBezTo>
-                  <a:pt x="4016204" y="929100"/>
-                  <a:pt x="4455673" y="2116944"/>
-                  <a:pt x="4455673" y="3429000"/>
-                </a:cubicBezTo>
-                <a:cubicBezTo>
-                  <a:pt x="4455673" y="4741056"/>
-                  <a:pt x="4016204" y="5928900"/>
-                  <a:pt x="3305678" y="6788730"/>
-                </a:cubicBezTo>
-                <a:lnTo>
-                  <a:pt x="3242695" y="6858000"/>
-                </a:lnTo>
-                <a:lnTo>
-                  <a:pt x="0" y="6858000"/>
-                </a:lnTo>
+                <a:cubicBezTo>
+                  <a:pt x="240201" y="-22123"/>
+                  <a:pt x="462021" y="-19623"/>
+                  <a:pt x="618468" y="0"/>
+                </a:cubicBezTo>
+                <a:cubicBezTo>
+                  <a:pt x="774915" y="19623"/>
+                  <a:pt x="974734" y="2035"/>
+                  <a:pt x="1269487" y="0"/>
+                </a:cubicBezTo>
+                <a:cubicBezTo>
+                  <a:pt x="1564240" y="-2035"/>
+                  <a:pt x="1733579" y="10639"/>
+                  <a:pt x="1953057" y="0"/>
+                </a:cubicBezTo>
+                <a:cubicBezTo>
+                  <a:pt x="2172535" y="-10639"/>
+                  <a:pt x="2453962" y="14018"/>
+                  <a:pt x="2636627" y="0"/>
+                </a:cubicBezTo>
+                <a:cubicBezTo>
+                  <a:pt x="2819292" y="-14018"/>
+                  <a:pt x="3121375" y="5399"/>
+                  <a:pt x="3255095" y="0"/>
+                </a:cubicBezTo>
+                <a:cubicBezTo>
+                  <a:pt x="3254386" y="8157"/>
+                  <a:pt x="3254682" y="12125"/>
+                  <a:pt x="3255095" y="18288"/>
+                </a:cubicBezTo>
+                <a:cubicBezTo>
+                  <a:pt x="3088545" y="23203"/>
+                  <a:pt x="2687475" y="7419"/>
+                  <a:pt x="2538974" y="18288"/>
+                </a:cubicBezTo>
+                <a:cubicBezTo>
+                  <a:pt x="2390473" y="29157"/>
+                  <a:pt x="2137381" y="-8959"/>
+                  <a:pt x="1822853" y="18288"/>
+                </a:cubicBezTo>
+                <a:cubicBezTo>
+                  <a:pt x="1508325" y="45535"/>
+                  <a:pt x="1466437" y="20385"/>
+                  <a:pt x="1171834" y="18288"/>
+                </a:cubicBezTo>
+                <a:cubicBezTo>
+                  <a:pt x="877231" y="16191"/>
+                  <a:pt x="561097" y="37643"/>
+                  <a:pt x="0" y="18288"/>
+                </a:cubicBezTo>
+                <a:cubicBezTo>
+                  <a:pt x="-46" y="12483"/>
+                  <a:pt x="-203" y="6491"/>
+                  <a:pt x="0" y="0"/>
+                </a:cubicBezTo>
+                <a:close/>
+              </a:path>
+              <a:path w="3255095" h="18288" stroke="0" extrusionOk="0">
+                <a:moveTo>
+                  <a:pt x="0" y="0"/>
+                </a:moveTo>
+                <a:cubicBezTo>
+                  <a:pt x="291965" y="19429"/>
+                  <a:pt x="363155" y="8568"/>
+                  <a:pt x="618468" y="0"/>
+                </a:cubicBezTo>
+                <a:cubicBezTo>
+                  <a:pt x="873781" y="-8568"/>
+                  <a:pt x="904459" y="-19505"/>
+                  <a:pt x="1171834" y="0"/>
+                </a:cubicBezTo>
+                <a:cubicBezTo>
+                  <a:pt x="1439209" y="19505"/>
+                  <a:pt x="1744369" y="9790"/>
+                  <a:pt x="1887955" y="0"/>
+                </a:cubicBezTo>
+                <a:cubicBezTo>
+                  <a:pt x="2031541" y="-9790"/>
+                  <a:pt x="2346378" y="21240"/>
+                  <a:pt x="2506423" y="0"/>
+                </a:cubicBezTo>
+                <a:cubicBezTo>
+                  <a:pt x="2666468" y="-21240"/>
+                  <a:pt x="2990257" y="30414"/>
+                  <a:pt x="3255095" y="0"/>
+                </a:cubicBezTo>
+                <a:cubicBezTo>
+                  <a:pt x="3254831" y="4493"/>
+                  <a:pt x="3255479" y="9472"/>
+                  <a:pt x="3255095" y="18288"/>
+                </a:cubicBezTo>
+                <a:cubicBezTo>
+                  <a:pt x="3120743" y="16690"/>
+                  <a:pt x="2759628" y="42462"/>
+                  <a:pt x="2604076" y="18288"/>
+                </a:cubicBezTo>
+                <a:cubicBezTo>
+                  <a:pt x="2448524" y="-5886"/>
+                  <a:pt x="2184336" y="19599"/>
+                  <a:pt x="1887955" y="18288"/>
+                </a:cubicBezTo>
+                <a:cubicBezTo>
+                  <a:pt x="1591574" y="16977"/>
+                  <a:pt x="1548845" y="6870"/>
+                  <a:pt x="1334589" y="18288"/>
+                </a:cubicBezTo>
+                <a:cubicBezTo>
+                  <a:pt x="1120333" y="29706"/>
+                  <a:pt x="996014" y="9662"/>
+                  <a:pt x="683570" y="18288"/>
+                </a:cubicBezTo>
+                <a:cubicBezTo>
+                  <a:pt x="371126" y="26914"/>
+                  <a:pt x="198687" y="16167"/>
+                  <a:pt x="0" y="18288"/>
+                </a:cubicBezTo>
+                <a:cubicBezTo>
+                  <a:pt x="843" y="9577"/>
+                  <a:pt x="371" y="6900"/>
+                  <a:pt x="0" y="0"/>
+                </a:cubicBezTo>
                 <a:close/>
               </a:path>
             </a:pathLst>
           </a:custGeom>
-          <a:ln w="9525">
-            <a:solidFill>
-              <a:srgbClr val="EFEFEF"/>
-            </a:solidFill>
-          </a:ln>
-          <a:effectLst>
-            <a:outerShdw blurRad="88900" dist="38100" algn="l" rotWithShape="0">
-              <a:schemeClr val="bg1">
-                <a:lumMod val="85000"/>
-                <a:alpha val="50000"/>
-              </a:schemeClr>
-            </a:outerShdw>
-          </a:effectLst>
-        </p:spPr>
-        <p:style>
-          <a:lnRef idx="2">
-            <a:schemeClr val="accent1">
-              <a:shade val="50000"/>
-            </a:schemeClr>
-          </a:lnRef>
-          <a:fillRef idx="1">
-            <a:schemeClr val="accent1"/>
-          </a:fillRef>
-          <a:effectRef idx="0">
-            <a:schemeClr val="accent1"/>
-          </a:effectRef>
-          <a:fontRef idx="minor">
-            <a:schemeClr val="lt1"/>
-          </a:fontRef>
-        </p:style>
-        <p:txBody>
-          <a:bodyPr wrap="square" rtlCol="0" anchor="ctr">
-            <a:noAutofit/>
-          </a:bodyPr>
-          <a:lstStyle/>
-          <a:p>
-            <a:pPr marL="0" marR="0" lvl="0" indent="0" algn="ctr" defTabSz="914400" rtl="0" eaLnBrk="1" fontAlgn="auto" latinLnBrk="0" hangingPunct="1">
-              <a:lnSpc>
-                <a:spcPct val="100000"/>
-              </a:lnSpc>
-              <a:spcBef>
-                <a:spcPts val="0"/>
-              </a:spcBef>
-              <a:spcAft>
-                <a:spcPts val="0"/>
-              </a:spcAft>
-              <a:buClrTx/>
-              <a:buSzTx/>
-              <a:buFontTx/>
-              <a:buNone/>
-              <a:tabLst/>
-              <a:defRPr/>
-            </a:pPr>
-            <a:endParaRPr kumimoji="0" lang="en-US" sz="1800" b="0" i="0" u="none" strike="noStrike" kern="1200" cap="none" spc="0" normalizeH="0" baseline="0" noProof="0">
-              <a:ln>
-                <a:noFill/>
-              </a:ln>
-              <a:solidFill>
-                <a:prstClr val="white"/>
-              </a:solidFill>
-              <a:effectLst/>
-              <a:uLnTx/>
-              <a:uFillTx/>
-              <a:latin typeface="Calibri" panose="020F0502020204030204"/>
-              <a:ea typeface="+mn-ea"/>
-              <a:cs typeface="+mn-cs"/>
-            </a:endParaRPr>
-          </a:p>
-        </p:txBody>
-      </p:sp>
-      <p:sp useBgFill="1">
-        <p:nvSpPr>
-          <p:cNvPr id="42" name="Freeform: Shape 41">
-            <a:extLst>
-              <a:ext uri="{FF2B5EF4-FFF2-40B4-BE49-F238E27FC236}">
-                <a16:creationId xmlns:a16="http://schemas.microsoft.com/office/drawing/2014/main" id="{C0BDBCD2-E081-43AB-9119-C55465E59757}"/>
-              </a:ext>
-              <a:ext uri="{C183D7F6-B498-43B3-948B-1728B52AA6E4}">
-                <adec:decorative xmlns:adec="http://schemas.microsoft.com/office/drawing/2017/decorative" val="1"/>
-              </a:ext>
-            </a:extLst>
-          </p:cNvPr>
-          <p:cNvSpPr>
-            <a:spLocks noGrp="1" noRot="1" noChangeAspect="1" noMove="1" noResize="1" noEditPoints="1" noAdjustHandles="1" noChangeArrowheads="1" noChangeShapeType="1" noTextEdit="1"/>
-          </p:cNvSpPr>
-          <p:nvPr>
-            <p:extLst>
-              <p:ext uri="{386F3935-93C4-4BCD-93E2-E3B085C9AB24}">
-                <p16:designElem xmlns:p16="http://schemas.microsoft.com/office/powerpoint/2015/main" val="1"/>
-              </p:ext>
-            </p:extLst>
-          </p:nvPr>
-        </p:nvSpPr>
-        <p:spPr>
-          <a:xfrm>
-            <a:off x="0" y="0"/>
-            <a:ext cx="4446529" cy="6858000"/>
-          </a:xfrm>
-          <a:custGeom>
-            <a:avLst/>
-            <a:gdLst>
-              <a:gd name="connsiteX0" fmla="*/ 0 w 4446529"/>
-              <a:gd name="connsiteY0" fmla="*/ 0 h 6858000"/>
-              <a:gd name="connsiteX1" fmla="*/ 3233551 w 4446529"/>
-              <a:gd name="connsiteY1" fmla="*/ 0 h 6858000"/>
-              <a:gd name="connsiteX2" fmla="*/ 3296534 w 4446529"/>
-              <a:gd name="connsiteY2" fmla="*/ 69271 h 6858000"/>
-              <a:gd name="connsiteX3" fmla="*/ 4446529 w 4446529"/>
-              <a:gd name="connsiteY3" fmla="*/ 3429000 h 6858000"/>
-              <a:gd name="connsiteX4" fmla="*/ 3296534 w 4446529"/>
-              <a:gd name="connsiteY4" fmla="*/ 6788730 h 6858000"/>
-              <a:gd name="connsiteX5" fmla="*/ 3233551 w 4446529"/>
-              <a:gd name="connsiteY5" fmla="*/ 6858000 h 6858000"/>
-              <a:gd name="connsiteX6" fmla="*/ 0 w 4446529"/>
-              <a:gd name="connsiteY6" fmla="*/ 6858000 h 6858000"/>
-            </a:gdLst>
-            <a:ahLst/>
-            <a:cxnLst>
-              <a:cxn ang="0">
-                <a:pos x="connsiteX0" y="connsiteY0"/>
-              </a:cxn>
-              <a:cxn ang="0">
-                <a:pos x="connsiteX1" y="connsiteY1"/>
-              </a:cxn>
-              <a:cxn ang="0">
-                <a:pos x="connsiteX2" y="connsiteY2"/>
-              </a:cxn>
-              <a:cxn ang="0">
-                <a:pos x="connsiteX3" y="connsiteY3"/>
-              </a:cxn>
-              <a:cxn ang="0">
-                <a:pos x="connsiteX4" y="connsiteY4"/>
-              </a:cxn>
-              <a:cxn ang="0">
-                <a:pos x="connsiteX5" y="connsiteY5"/>
-              </a:cxn>
-              <a:cxn ang="0">
-                <a:pos x="connsiteX6" y="connsiteY6"/>
-              </a:cxn>
-            </a:cxnLst>
-            <a:rect l="l" t="t" r="r" b="b"/>
-            <a:pathLst>
-              <a:path w="4446529" h="6858000">
-                <a:moveTo>
-                  <a:pt x="0" y="0"/>
-                </a:moveTo>
-                <a:lnTo>
-                  <a:pt x="3233551" y="0"/>
-                </a:lnTo>
-                <a:lnTo>
-                  <a:pt x="3296534" y="69271"/>
-                </a:lnTo>
-                <a:cubicBezTo>
-                  <a:pt x="4007060" y="929100"/>
-                  <a:pt x="4446529" y="2116944"/>
-                  <a:pt x="4446529" y="3429000"/>
-                </a:cubicBezTo>
-                <a:cubicBezTo>
-                  <a:pt x="4446529" y="4741056"/>
-                  <a:pt x="4007060" y="5928900"/>
-                  <a:pt x="3296534" y="6788730"/>
-                </a:cubicBezTo>
-                <a:lnTo>
-                  <a:pt x="3233551" y="6858000"/>
-                </a:lnTo>
-                <a:lnTo>
-                  <a:pt x="0" y="6858000"/>
-                </a:lnTo>
-                <a:close/>
-              </a:path>
-            </a:pathLst>
-          </a:custGeom>
-          <a:ln w="9525">
-            <a:noFill/>
-          </a:ln>
-          <a:effectLst/>
-        </p:spPr>
-        <p:style>
-          <a:lnRef idx="2">
-            <a:schemeClr val="accent1">
-              <a:shade val="50000"/>
-            </a:schemeClr>
-          </a:lnRef>
-          <a:fillRef idx="1">
-            <a:schemeClr val="accent1"/>
-          </a:fillRef>
-          <a:effectRef idx="0">
-            <a:schemeClr val="accent1"/>
-          </a:effectRef>
-          <a:fontRef idx="minor">
-            <a:schemeClr val="lt1"/>
-          </a:fontRef>
-        </p:style>
-        <p:txBody>
-          <a:bodyPr wrap="square" rtlCol="0" anchor="ctr">
-            <a:noAutofit/>
-          </a:bodyPr>
-          <a:lstStyle/>
-          <a:p>
-            <a:pPr marL="0" marR="0" lvl="0" indent="0" algn="ctr" defTabSz="914400" rtl="0" eaLnBrk="1" fontAlgn="auto" latinLnBrk="0" hangingPunct="1">
-              <a:lnSpc>
-                <a:spcPct val="100000"/>
-              </a:lnSpc>
-              <a:spcBef>
-                <a:spcPts val="0"/>
-              </a:spcBef>
-              <a:spcAft>
-                <a:spcPts val="0"/>
-              </a:spcAft>
-              <a:buClrTx/>
-              <a:buSzTx/>
-              <a:buFontTx/>
-              <a:buNone/>
-              <a:tabLst/>
-              <a:defRPr/>
-            </a:pPr>
-            <a:endParaRPr kumimoji="0" lang="en-US" sz="1800" b="0" i="0" u="none" strike="noStrike" kern="1200" cap="none" spc="0" normalizeH="0" baseline="0" noProof="0">
-              <a:ln>
-                <a:noFill/>
-              </a:ln>
-              <a:solidFill>
-                <a:prstClr val="white"/>
-              </a:solidFill>
-              <a:effectLst/>
-              <a:uLnTx/>
-              <a:uFillTx/>
-              <a:latin typeface="Calibri" panose="020F0502020204030204"/>
-              <a:ea typeface="+mn-ea"/>
-              <a:cs typeface="+mn-cs"/>
-            </a:endParaRPr>
-          </a:p>
-        </p:txBody>
-      </p:sp>
-      <p:sp>
-        <p:nvSpPr>
-          <p:cNvPr id="2" name="Titolo 1">
-            <a:extLst>
-              <a:ext uri="{FF2B5EF4-FFF2-40B4-BE49-F238E27FC236}">
-                <a16:creationId xmlns:a16="http://schemas.microsoft.com/office/drawing/2014/main" id="{54068837-84E7-8FFA-C37F-6001A0689169}"/>
-              </a:ext>
-            </a:extLst>
-          </p:cNvPr>
-          <p:cNvSpPr>
-            <a:spLocks noGrp="1"/>
-          </p:cNvSpPr>
-          <p:nvPr>
-            <p:ph type="title"/>
-          </p:nvPr>
-        </p:nvSpPr>
-        <p:spPr>
-          <a:xfrm>
-            <a:off x="371094" y="1161288"/>
-            <a:ext cx="3438144" cy="1239012"/>
-          </a:xfrm>
-        </p:spPr>
-        <p:txBody>
-          <a:bodyPr vert="horz" lIns="91440" tIns="45720" rIns="91440" bIns="45720" rtlCol="0" anchor="ctr">
-            <a:normAutofit/>
-          </a:bodyPr>
-          <a:lstStyle/>
-          <a:p>
-            <a:r>
-              <a:rPr lang="en-US" kern="1200" dirty="0" err="1">
-                <a:solidFill>
-                  <a:srgbClr val="0C01D3"/>
-                </a:solidFill>
-                <a:latin typeface="+mj-lt"/>
-                <a:ea typeface="+mj-ea"/>
-                <a:cs typeface="+mj-cs"/>
-              </a:rPr>
-              <a:t>Casi</a:t>
-            </a:r>
-            <a:r>
-              <a:rPr lang="en-US" kern="1200" dirty="0">
-                <a:solidFill>
-                  <a:srgbClr val="0C01D3"/>
-                </a:solidFill>
-                <a:latin typeface="+mj-lt"/>
-                <a:ea typeface="+mj-ea"/>
-                <a:cs typeface="+mj-cs"/>
-              </a:rPr>
-              <a:t> </a:t>
-            </a:r>
-            <a:r>
-              <a:rPr lang="en-US" kern="1200" dirty="0" err="1">
-                <a:solidFill>
-                  <a:srgbClr val="0C01D3"/>
-                </a:solidFill>
-                <a:latin typeface="+mj-lt"/>
-                <a:ea typeface="+mj-ea"/>
-                <a:cs typeface="+mj-cs"/>
-              </a:rPr>
-              <a:t>d’uso</a:t>
-            </a:r>
-            <a:endParaRPr lang="en-US" kern="1200" dirty="0">
-              <a:solidFill>
-                <a:srgbClr val="0C01D3"/>
-              </a:solidFill>
-              <a:latin typeface="+mj-lt"/>
-              <a:ea typeface="+mj-ea"/>
-              <a:cs typeface="+mj-cs"/>
-            </a:endParaRPr>
-          </a:p>
-        </p:txBody>
-      </p:sp>
-      <p:sp>
-        <p:nvSpPr>
-          <p:cNvPr id="44" name="Rectangle 43">
-            <a:extLst>
-              <a:ext uri="{FF2B5EF4-FFF2-40B4-BE49-F238E27FC236}">
-                <a16:creationId xmlns:a16="http://schemas.microsoft.com/office/drawing/2014/main" id="{98E79BE4-34FE-485A-98A5-92CE8F7C4743}"/>
-              </a:ext>
-              <a:ext uri="{C183D7F6-B498-43B3-948B-1728B52AA6E4}">
-                <adec:decorative xmlns:adec="http://schemas.microsoft.com/office/drawing/2017/decorative" val="1"/>
-              </a:ext>
-            </a:extLst>
-          </p:cNvPr>
-          <p:cNvSpPr>
-            <a:spLocks noGrp="1" noRot="1" noChangeAspect="1" noMove="1" noResize="1" noEditPoints="1" noAdjustHandles="1" noChangeArrowheads="1" noChangeShapeType="1" noTextEdit="1"/>
-          </p:cNvSpPr>
-          <p:nvPr>
-            <p:extLst>
-              <p:ext uri="{386F3935-93C4-4BCD-93E2-E3B085C9AB24}">
-                <p16:designElem xmlns:p16="http://schemas.microsoft.com/office/powerpoint/2015/main" val="1"/>
-              </p:ext>
-            </p:extLst>
-          </p:nvPr>
-        </p:nvSpPr>
-        <p:spPr>
-          <a:xfrm>
-            <a:off x="0" y="1426546"/>
-            <a:ext cx="128016" cy="653903"/>
-          </a:xfrm>
-          <a:prstGeom prst="rect">
-            <a:avLst/>
-          </a:prstGeom>
           <a:solidFill>
             <a:schemeClr val="accent2"/>
           </a:solidFill>
-          <a:ln>
-            <a:noFill/>
+          <a:ln w="38100" cap="rnd">
+            <a:solidFill>
+              <a:schemeClr val="accent2"/>
+            </a:solidFill>
+            <a:round/>
+            <a:extLst>
+              <a:ext uri="{C807C97D-BFC1-408E-A445-0C87EB9F89A2}">
+                <ask:lineSketchStyleProps xmlns:ask="http://schemas.microsoft.com/office/drawing/2018/sketchyshapes" sd="1219033472">
+                  <a:prstGeom prst="rect">
+                    <a:avLst/>
+                  </a:prstGeom>
+                  <ask:type>
+                    <ask:lineSketchFreehand/>
+                  </ask:type>
+                </ask:lineSketchStyleProps>
+              </a:ext>
+            </a:extLst>
           </a:ln>
         </p:spPr>
         <p:style>
@@ -4667,105 +8678,7 @@
           <a:lstStyle/>
           <a:p>
             <a:pPr algn="ctr"/>
-            <a:endParaRPr lang="en-US">
-              <a:solidFill>
-                <a:prstClr val="white"/>
-              </a:solidFill>
-              <a:latin typeface="Calibri" panose="020F0502020204030204"/>
-            </a:endParaRPr>
-          </a:p>
-        </p:txBody>
-      </p:sp>
-      <p:sp>
-        <p:nvSpPr>
-          <p:cNvPr id="46" name="Rectangle 45">
-            <a:extLst>
-              <a:ext uri="{FF2B5EF4-FFF2-40B4-BE49-F238E27FC236}">
-                <a16:creationId xmlns:a16="http://schemas.microsoft.com/office/drawing/2014/main" id="{7A5F0580-5EE9-419F-96EE-B6529EF6E7D0}"/>
-              </a:ext>
-              <a:ext uri="{C183D7F6-B498-43B3-948B-1728B52AA6E4}">
-                <adec:decorative xmlns:adec="http://schemas.microsoft.com/office/drawing/2017/decorative" val="1"/>
-              </a:ext>
-            </a:extLst>
-          </p:cNvPr>
-          <p:cNvSpPr>
-            <a:spLocks noGrp="1" noRot="1" noChangeAspect="1" noMove="1" noResize="1" noEditPoints="1" noAdjustHandles="1" noChangeArrowheads="1" noChangeShapeType="1" noTextEdit="1"/>
-          </p:cNvSpPr>
-          <p:nvPr>
-            <p:extLst>
-              <p:ext uri="{386F3935-93C4-4BCD-93E2-E3B085C9AB24}">
-                <p16:designElem xmlns:p16="http://schemas.microsoft.com/office/powerpoint/2015/main" val="1"/>
-              </p:ext>
-            </p:extLst>
-          </p:nvPr>
-        </p:nvSpPr>
-        <p:spPr>
-          <a:xfrm>
-            <a:off x="395893" y="2443480"/>
-            <a:ext cx="3383280" cy="18288"/>
-          </a:xfrm>
-          <a:prstGeom prst="rect">
-            <a:avLst/>
-          </a:prstGeom>
-          <a:solidFill>
-            <a:srgbClr val="D5D5D5"/>
-          </a:solidFill>
-          <a:ln w="3175">
-            <a:noFill/>
-          </a:ln>
-          <a:effectLst/>
-        </p:spPr>
-        <p:style>
-          <a:lnRef idx="2">
-            <a:schemeClr val="accent1">
-              <a:shade val="50000"/>
-            </a:schemeClr>
-          </a:lnRef>
-          <a:fillRef idx="1">
-            <a:schemeClr val="accent1"/>
-          </a:fillRef>
-          <a:effectRef idx="0">
-            <a:schemeClr val="accent1"/>
-          </a:effectRef>
-          <a:fontRef idx="minor">
-            <a:schemeClr val="lt1"/>
-          </a:fontRef>
-        </p:style>
-        <p:txBody>
-          <a:bodyPr rtlCol="0" anchor="ctr"/>
-          <a:lstStyle/>
-          <a:p>
-            <a:pPr marL="0" marR="0" lvl="0" indent="0" algn="ctr" defTabSz="914400" rtl="0" eaLnBrk="1" fontAlgn="auto" latinLnBrk="0" hangingPunct="1">
-              <a:lnSpc>
-                <a:spcPct val="100000"/>
-              </a:lnSpc>
-              <a:spcBef>
-                <a:spcPts val="0"/>
-              </a:spcBef>
-              <a:spcAft>
-                <a:spcPts val="0"/>
-              </a:spcAft>
-              <a:buClrTx/>
-              <a:buSzTx/>
-              <a:buFontTx/>
-              <a:buNone/>
-              <a:tabLst/>
-              <a:defRPr/>
-            </a:pPr>
-            <a:endParaRPr kumimoji="0" lang="en-US" sz="1800" b="0" i="0" u="none" strike="noStrike" kern="1200" cap="none" spc="0" normalizeH="0" baseline="0" noProof="0">
-              <a:ln>
-                <a:noFill/>
-              </a:ln>
-              <a:solidFill>
-                <a:prstClr val="white"/>
-              </a:solidFill>
-              <a:effectLst/>
-              <a:uLnTx/>
-              <a:uFillTx/>
-              <a:latin typeface="Calibri" panose="020F0502020204030204"/>
-              <a:ea typeface="+mn-ea"/>
-              <a:cs typeface="+mn-cs"/>
-            </a:endParaRPr>
+            <a:endParaRPr lang="en-US"/>
           </a:p>
         </p:txBody>
       </p:sp>
@@ -4783,8 +8696,8 @@
         </p:nvSpPr>
         <p:spPr>
           <a:xfrm>
-            <a:off x="371094" y="2718054"/>
-            <a:ext cx="3438906" cy="3207258"/>
+            <a:off x="630936" y="2807208"/>
+            <a:ext cx="3429000" cy="3410712"/>
           </a:xfrm>
           <a:prstGeom prst="rect">
             <a:avLst/>
@@ -4792,115 +8705,9 @@
         </p:spPr>
         <p:txBody>
           <a:bodyPr vert="horz" lIns="91440" tIns="45720" rIns="91440" bIns="45720" rtlCol="0" anchor="t">
-            <a:noAutofit/>
+            <a:normAutofit/>
           </a:bodyPr>
           <a:lstStyle/>
-          <a:p>
-            <a:pPr>
-              <a:lnSpc>
-                <a:spcPct val="90000"/>
-              </a:lnSpc>
-              <a:spcAft>
-                <a:spcPts val="600"/>
-              </a:spcAft>
-            </a:pPr>
-            <a:r>
-              <a:rPr lang="en-US" sz="1500" dirty="0" err="1">
-                <a:solidFill>
-                  <a:srgbClr val="0C01D3"/>
-                </a:solidFill>
-              </a:rPr>
-              <a:t>Gli</a:t>
-            </a:r>
-            <a:r>
-              <a:rPr lang="en-US" sz="1500" dirty="0">
-                <a:solidFill>
-                  <a:srgbClr val="0C01D3"/>
-                </a:solidFill>
-              </a:rPr>
-              <a:t> </a:t>
-            </a:r>
-            <a:r>
-              <a:rPr lang="en-US" sz="1500" dirty="0" err="1">
-                <a:solidFill>
-                  <a:srgbClr val="0C01D3"/>
-                </a:solidFill>
-              </a:rPr>
-              <a:t>attori</a:t>
-            </a:r>
-            <a:r>
-              <a:rPr lang="en-US" sz="1500" dirty="0">
-                <a:solidFill>
-                  <a:srgbClr val="0C01D3"/>
-                </a:solidFill>
-              </a:rPr>
-              <a:t> </a:t>
-            </a:r>
-            <a:r>
-              <a:rPr lang="en-US" sz="1500" dirty="0" err="1">
-                <a:solidFill>
-                  <a:srgbClr val="0C01D3"/>
-                </a:solidFill>
-              </a:rPr>
-              <a:t>che</a:t>
-            </a:r>
-            <a:r>
-              <a:rPr lang="en-US" sz="1500" dirty="0">
-                <a:solidFill>
-                  <a:srgbClr val="0C01D3"/>
-                </a:solidFill>
-              </a:rPr>
-              <a:t> </a:t>
-            </a:r>
-            <a:r>
-              <a:rPr lang="en-US" sz="1500" dirty="0" err="1">
-                <a:solidFill>
-                  <a:srgbClr val="0C01D3"/>
-                </a:solidFill>
-              </a:rPr>
-              <a:t>interagiscono</a:t>
-            </a:r>
-            <a:r>
-              <a:rPr lang="en-US" sz="1500" dirty="0">
-                <a:solidFill>
-                  <a:srgbClr val="0C01D3"/>
-                </a:solidFill>
-              </a:rPr>
-              <a:t> con il </a:t>
-            </a:r>
-            <a:r>
-              <a:rPr lang="en-US" sz="1500" dirty="0" err="1">
-                <a:solidFill>
-                  <a:srgbClr val="0C01D3"/>
-                </a:solidFill>
-              </a:rPr>
-              <a:t>sistema</a:t>
-            </a:r>
-            <a:r>
-              <a:rPr lang="en-US" sz="1500" dirty="0">
-                <a:solidFill>
-                  <a:srgbClr val="0C01D3"/>
-                </a:solidFill>
-              </a:rPr>
-              <a:t> </a:t>
-            </a:r>
-            <a:r>
-              <a:rPr lang="en-US" sz="1500" dirty="0" err="1">
-                <a:solidFill>
-                  <a:srgbClr val="0C01D3"/>
-                </a:solidFill>
-              </a:rPr>
-              <a:t>sono</a:t>
-            </a:r>
-            <a:r>
-              <a:rPr lang="en-US" sz="1500" dirty="0">
-                <a:solidFill>
-                  <a:srgbClr val="0C01D3"/>
-                </a:solidFill>
-              </a:rPr>
-              <a:t> di due tipi:</a:t>
-            </a:r>
-          </a:p>
           <a:p>
             <a:pPr indent="-228600">
               <a:lnSpc>
@@ -4913,120 +8720,101 @@
               <a:buChar char="•"/>
             </a:pPr>
             <a:r>
+              <a:rPr lang="en-US" sz="1500" dirty="0" err="1">
+                <a:solidFill>
+                  <a:srgbClr val="1020D7"/>
+                </a:solidFill>
+              </a:rPr>
+              <a:t>Gli</a:t>
+            </a:r>
+            <a:r>
               <a:rPr lang="en-US" sz="1500" dirty="0">
                 <a:solidFill>
-                  <a:srgbClr val="0C01D3"/>
+                  <a:srgbClr val="1020D7"/>
                 </a:solidFill>
               </a:rPr>
-              <a:t>3 «</a:t>
+              <a:t> </a:t>
             </a:r>
             <a:r>
               <a:rPr lang="en-US" sz="1500" dirty="0" err="1">
                 <a:solidFill>
-                  <a:srgbClr val="0C01D3"/>
+                  <a:srgbClr val="1020D7"/>
                 </a:solidFill>
               </a:rPr>
-              <a:t>amministrativi</a:t>
+              <a:t>attori</a:t>
             </a:r>
             <a:r>
               <a:rPr lang="en-US" sz="1500" dirty="0">
                 <a:solidFill>
-                  <a:srgbClr val="0C01D3"/>
+                  <a:srgbClr val="1020D7"/>
                 </a:solidFill>
               </a:rPr>
-              <a:t>»:</a:t>
-            </a:r>
-          </a:p>
-          <a:p>
-            <a:pPr marL="800100" lvl="1" indent="-285750">
-              <a:lnSpc>
-                <a:spcPct val="90000"/>
-              </a:lnSpc>
-              <a:spcAft>
-                <a:spcPts val="600"/>
-              </a:spcAft>
-              <a:buFont typeface="Wingdings" panose="05000000000000000000" pitchFamily="2" charset="2"/>
-              <a:buChar char="§"/>
-            </a:pPr>
+              <a:t> </a:t>
+            </a:r>
             <a:r>
               <a:rPr lang="en-US" sz="1500" dirty="0" err="1">
                 <a:solidFill>
-                  <a:srgbClr val="0C01D3"/>
+                  <a:srgbClr val="1020D7"/>
                 </a:solidFill>
               </a:rPr>
-              <a:t>Presidente</a:t>
+              <a:t>che</a:t>
             </a:r>
             <a:r>
               <a:rPr lang="en-US" sz="1500" dirty="0">
                 <a:solidFill>
-                  <a:srgbClr val="0C01D3"/>
+                  <a:srgbClr val="1020D7"/>
                 </a:solidFill>
               </a:rPr>
-              <a:t> del </a:t>
+              <a:t> </a:t>
             </a:r>
             <a:r>
               <a:rPr lang="en-US" sz="1500" dirty="0" err="1">
                 <a:solidFill>
-                  <a:srgbClr val="0C01D3"/>
+                  <a:srgbClr val="1020D7"/>
                 </a:solidFill>
               </a:rPr>
-              <a:t>seggio</a:t>
-            </a:r>
-            <a:endParaRPr lang="en-US" sz="1500" dirty="0">
-              <a:solidFill>
-                <a:srgbClr val="0C01D3"/>
-              </a:solidFill>
-            </a:endParaRPr>
-          </a:p>
-          <a:p>
-            <a:pPr marL="800100" lvl="1" indent="-285750">
-              <a:lnSpc>
-                <a:spcPct val="90000"/>
-              </a:lnSpc>
-              <a:spcAft>
-                <a:spcPts val="600"/>
-              </a:spcAft>
-              <a:buFont typeface="Wingdings" panose="05000000000000000000" pitchFamily="2" charset="2"/>
-              <a:buChar char="§"/>
-            </a:pPr>
+              <a:t>interagiscono</a:t>
+            </a:r>
+            <a:r>
+              <a:rPr lang="en-US" sz="1500" dirty="0">
+                <a:solidFill>
+                  <a:srgbClr val="1020D7"/>
+                </a:solidFill>
+              </a:rPr>
+              <a:t> con il </a:t>
+            </a:r>
             <a:r>
               <a:rPr lang="en-US" sz="1500" dirty="0" err="1">
                 <a:solidFill>
-                  <a:srgbClr val="0C01D3"/>
+                  <a:srgbClr val="1020D7"/>
                 </a:solidFill>
               </a:rPr>
-              <a:t>Scrutatore</a:t>
-            </a:r>
-            <a:endParaRPr lang="en-US" sz="1500" dirty="0">
-              <a:solidFill>
-                <a:srgbClr val="0C01D3"/>
-              </a:solidFill>
-            </a:endParaRPr>
-          </a:p>
-          <a:p>
-            <a:pPr marL="800100" lvl="1" indent="-285750">
-              <a:lnSpc>
-                <a:spcPct val="90000"/>
-              </a:lnSpc>
-              <a:spcAft>
-                <a:spcPts val="600"/>
-              </a:spcAft>
-              <a:buFont typeface="Wingdings" panose="05000000000000000000" pitchFamily="2" charset="2"/>
-              <a:buChar char="§"/>
-            </a:pPr>
+              <a:t>sistema</a:t>
+            </a:r>
+            <a:r>
+              <a:rPr lang="en-US" sz="1500" dirty="0">
+                <a:solidFill>
+                  <a:srgbClr val="1020D7"/>
+                </a:solidFill>
+              </a:rPr>
+              <a:t> </a:t>
+            </a:r>
             <a:r>
               <a:rPr lang="en-US" sz="1500" dirty="0" err="1">
                 <a:solidFill>
-                  <a:srgbClr val="0C01D3"/>
+                  <a:srgbClr val="1020D7"/>
                 </a:solidFill>
               </a:rPr>
-              <a:t>Amministratore</a:t>
-            </a:r>
-            <a:endParaRPr lang="en-US" sz="1500" dirty="0">
-              <a:solidFill>
-                <a:srgbClr val="0C01D3"/>
-              </a:solidFill>
-            </a:endParaRPr>
+              <a:t>sono</a:t>
+            </a:r>
+            <a:r>
+              <a:rPr lang="en-US" sz="1500" dirty="0">
+                <a:solidFill>
+                  <a:srgbClr val="1020D7"/>
+                </a:solidFill>
+              </a:rPr>
+              <a:t> di due tipi:</a:t>
+            </a:r>
           </a:p>
           <a:p>
             <a:pPr indent="-228600">
@@ -5042,81 +8830,212 @@
             <a:r>
               <a:rPr lang="en-US" sz="1500" dirty="0">
                 <a:solidFill>
-                  <a:srgbClr val="0C01D3"/>
+                  <a:srgbClr val="1020D7"/>
                 </a:solidFill>
               </a:rPr>
-              <a:t>E uno «</a:t>
+              <a:t>3 «</a:t>
             </a:r>
             <a:r>
               <a:rPr lang="en-US" sz="1500" dirty="0" err="1">
                 <a:solidFill>
-                  <a:srgbClr val="0C01D3"/>
+                  <a:srgbClr val="1020D7"/>
                 </a:solidFill>
               </a:rPr>
-              <a:t>pubblico</a:t>
+              <a:t>amministrativi</a:t>
             </a:r>
             <a:r>
               <a:rPr lang="en-US" sz="1500" dirty="0">
                 <a:solidFill>
-                  <a:srgbClr val="0C01D3"/>
+                  <a:srgbClr val="1020D7"/>
                 </a:solidFill>
               </a:rPr>
               <a:t>»:</a:t>
             </a:r>
           </a:p>
           <a:p>
-            <a:pPr marL="800100" lvl="1" indent="-285750">
+            <a:pPr marL="800100" lvl="1" indent="-228600">
               <a:lnSpc>
                 <a:spcPct val="90000"/>
               </a:lnSpc>
               <a:spcAft>
                 <a:spcPts val="600"/>
               </a:spcAft>
-              <a:buFont typeface="Wingdings" panose="05000000000000000000" pitchFamily="2" charset="2"/>
-              <a:buChar char="§"/>
+              <a:buFont typeface="Arial" panose="020B0604020202020204" pitchFamily="34" charset="0"/>
+              <a:buChar char="•"/>
             </a:pPr>
             <a:r>
               <a:rPr lang="en-US" sz="1500" dirty="0" err="1">
                 <a:solidFill>
-                  <a:srgbClr val="0C01D3"/>
+                  <a:srgbClr val="1020D7"/>
                 </a:solidFill>
               </a:rPr>
-              <a:t>Elettore</a:t>
+              <a:t>Presidente</a:t>
+            </a:r>
+            <a:r>
+              <a:rPr lang="en-US" sz="1500" dirty="0">
+                <a:solidFill>
+                  <a:srgbClr val="1020D7"/>
+                </a:solidFill>
+              </a:rPr>
+              <a:t> del </a:t>
+            </a:r>
+            <a:r>
+              <a:rPr lang="en-US" sz="1500" dirty="0" err="1">
+                <a:solidFill>
+                  <a:srgbClr val="1020D7"/>
+                </a:solidFill>
+              </a:rPr>
+              <a:t>seggio</a:t>
             </a:r>
             <a:endParaRPr lang="en-US" sz="1500" dirty="0">
               <a:solidFill>
-                <a:srgbClr val="0C01D3"/>
+                <a:srgbClr val="1020D7"/>
               </a:solidFill>
             </a:endParaRPr>
           </a:p>
           <a:p>
-            <a:pPr>
+            <a:pPr marL="800100" lvl="1" indent="-228600">
               <a:lnSpc>
                 <a:spcPct val="90000"/>
               </a:lnSpc>
               <a:spcAft>
                 <a:spcPts val="600"/>
               </a:spcAft>
+              <a:buFont typeface="Arial" panose="020B0604020202020204" pitchFamily="34" charset="0"/>
+              <a:buChar char="•"/>
             </a:pPr>
+            <a:r>
+              <a:rPr lang="en-US" sz="1500" dirty="0" err="1">
+                <a:solidFill>
+                  <a:srgbClr val="1020D7"/>
+                </a:solidFill>
+              </a:rPr>
+              <a:t>Scrutatore</a:t>
+            </a:r>
             <a:endParaRPr lang="en-US" sz="1500" dirty="0">
               <a:solidFill>
-                <a:srgbClr val="0C01D3"/>
+                <a:srgbClr val="1020D7"/>
               </a:solidFill>
             </a:endParaRPr>
           </a:p>
           <a:p>
-            <a:pPr>
+            <a:pPr marL="800100" lvl="1" indent="-228600">
               <a:lnSpc>
                 <a:spcPct val="90000"/>
               </a:lnSpc>
               <a:spcAft>
                 <a:spcPts val="600"/>
               </a:spcAft>
+              <a:buFont typeface="Arial" panose="020B0604020202020204" pitchFamily="34" charset="0"/>
+              <a:buChar char="•"/>
+            </a:pPr>
+            <a:r>
+              <a:rPr lang="en-US" sz="1500" dirty="0" err="1">
+                <a:solidFill>
+                  <a:srgbClr val="1020D7"/>
+                </a:solidFill>
+              </a:rPr>
+              <a:t>Amministratore</a:t>
+            </a:r>
+            <a:endParaRPr lang="en-US" sz="1500" dirty="0">
+              <a:solidFill>
+                <a:srgbClr val="1020D7"/>
+              </a:solidFill>
+            </a:endParaRPr>
+          </a:p>
+          <a:p>
+            <a:pPr indent="-228600">
+              <a:lnSpc>
+                <a:spcPct val="90000"/>
+              </a:lnSpc>
+              <a:spcAft>
+                <a:spcPts val="600"/>
+              </a:spcAft>
+              <a:buFont typeface="Arial" panose="020B0604020202020204" pitchFamily="34" charset="0"/>
+              <a:buChar char="•"/>
             </a:pPr>
             <a:r>
               <a:rPr lang="en-US" sz="1500" dirty="0">
                 <a:solidFill>
-                  <a:srgbClr val="0C01D3"/>
+                  <a:srgbClr val="1020D7"/>
+                </a:solidFill>
+              </a:rPr>
+              <a:t>E uno «</a:t>
+            </a:r>
+            <a:r>
+              <a:rPr lang="en-US" sz="1500" dirty="0" err="1">
+                <a:solidFill>
+                  <a:srgbClr val="1020D7"/>
+                </a:solidFill>
+              </a:rPr>
+              <a:t>pubblico</a:t>
+            </a:r>
+            <a:r>
+              <a:rPr lang="en-US" sz="1500" dirty="0">
+                <a:solidFill>
+                  <a:srgbClr val="1020D7"/>
+                </a:solidFill>
+              </a:rPr>
+              <a:t>»:</a:t>
+            </a:r>
+          </a:p>
+          <a:p>
+            <a:pPr marL="800100" lvl="1" indent="-228600">
+              <a:lnSpc>
+                <a:spcPct val="90000"/>
+              </a:lnSpc>
+              <a:spcAft>
+                <a:spcPts val="600"/>
+              </a:spcAft>
+              <a:buFont typeface="Arial" panose="020B0604020202020204" pitchFamily="34" charset="0"/>
+              <a:buChar char="•"/>
+            </a:pPr>
+            <a:r>
+              <a:rPr lang="en-US" sz="1500" dirty="0" err="1">
+                <a:solidFill>
+                  <a:srgbClr val="1020D7"/>
+                </a:solidFill>
+              </a:rPr>
+              <a:t>Elettore</a:t>
+            </a:r>
+            <a:endParaRPr lang="en-US" sz="1500" dirty="0">
+              <a:solidFill>
+                <a:srgbClr val="1020D7"/>
+              </a:solidFill>
+            </a:endParaRPr>
+          </a:p>
+          <a:p>
+            <a:pPr indent="-228600">
+              <a:lnSpc>
+                <a:spcPct val="90000"/>
+              </a:lnSpc>
+              <a:spcAft>
+                <a:spcPts val="600"/>
+              </a:spcAft>
+              <a:buFont typeface="Arial" panose="020B0604020202020204" pitchFamily="34" charset="0"/>
+              <a:buChar char="•"/>
+            </a:pPr>
+            <a:endParaRPr lang="en-US" sz="1500" dirty="0">
+              <a:solidFill>
+                <a:srgbClr val="1020D7"/>
+              </a:solidFill>
+            </a:endParaRPr>
+          </a:p>
+          <a:p>
+            <a:pPr indent="-228600">
+              <a:lnSpc>
+                <a:spcPct val="90000"/>
+              </a:lnSpc>
+              <a:spcAft>
+                <a:spcPts val="600"/>
+              </a:spcAft>
+              <a:buFont typeface="Arial" panose="020B0604020202020204" pitchFamily="34" charset="0"/>
+              <a:buChar char="•"/>
+            </a:pPr>
+            <a:r>
+              <a:rPr lang="en-US" sz="1500" dirty="0">
+                <a:solidFill>
+                  <a:srgbClr val="1020D7"/>
                 </a:solidFill>
               </a:rPr>
               <a:t>Il Software fa </a:t>
@@ -5124,7 +9043,7 @@
             <a:r>
               <a:rPr lang="en-US" sz="1500" dirty="0" err="1">
                 <a:solidFill>
-                  <a:srgbClr val="0C01D3"/>
+                  <a:srgbClr val="1020D7"/>
                 </a:solidFill>
               </a:rPr>
               <a:t>uso</a:t>
@@ -5132,7 +9051,7 @@
             <a:r>
               <a:rPr lang="en-US" sz="1500" dirty="0">
                 <a:solidFill>
-                  <a:srgbClr val="0C01D3"/>
+                  <a:srgbClr val="1020D7"/>
                 </a:solidFill>
               </a:rPr>
               <a:t> di un </a:t>
@@ -5140,7 +9059,7 @@
             <a:r>
               <a:rPr lang="en-US" sz="1500" dirty="0" err="1">
                 <a:solidFill>
-                  <a:srgbClr val="0C01D3"/>
+                  <a:srgbClr val="1020D7"/>
                 </a:solidFill>
               </a:rPr>
               <a:t>unico</a:t>
@@ -5148,7 +9067,7 @@
             <a:r>
               <a:rPr lang="en-US" sz="1500" dirty="0">
                 <a:solidFill>
-                  <a:srgbClr val="0C01D3"/>
+                  <a:srgbClr val="1020D7"/>
                 </a:solidFill>
               </a:rPr>
               <a:t> Sistema </a:t>
@@ -5156,7 +9075,7 @@
             <a:r>
               <a:rPr lang="en-US" sz="1500" dirty="0" err="1">
                 <a:solidFill>
-                  <a:srgbClr val="0C01D3"/>
+                  <a:srgbClr val="1020D7"/>
                 </a:solidFill>
               </a:rPr>
               <a:t>esterno</a:t>
@@ -5164,7 +9083,7 @@
             <a:r>
               <a:rPr lang="en-US" sz="1500" dirty="0">
                 <a:solidFill>
-                  <a:srgbClr val="0C01D3"/>
+                  <a:srgbClr val="1020D7"/>
                 </a:solidFill>
               </a:rPr>
               <a:t>, </a:t>
@@ -5172,7 +9091,7 @@
             <a:r>
               <a:rPr lang="en-US" sz="1500" dirty="0" err="1">
                 <a:solidFill>
-                  <a:srgbClr val="0C01D3"/>
+                  <a:srgbClr val="1020D7"/>
                 </a:solidFill>
               </a:rPr>
               <a:t>Spid</a:t>
@@ -5180,7 +9099,7 @@
             <a:r>
               <a:rPr lang="en-US" sz="1500" dirty="0">
                 <a:solidFill>
-                  <a:srgbClr val="0C01D3"/>
+                  <a:srgbClr val="1020D7"/>
                 </a:solidFill>
               </a:rPr>
               <a:t>, per </a:t>
@@ -5188,7 +9107,7 @@
             <a:r>
               <a:rPr lang="en-US" sz="1500" dirty="0" err="1">
                 <a:solidFill>
-                  <a:srgbClr val="0C01D3"/>
+                  <a:srgbClr val="1020D7"/>
                 </a:solidFill>
               </a:rPr>
               <a:t>l’autenticazione</a:t>
@@ -5196,7 +9115,7 @@
             <a:r>
               <a:rPr lang="en-US" sz="1500" dirty="0">
                 <a:solidFill>
-                  <a:srgbClr val="0C01D3"/>
+                  <a:srgbClr val="1020D7"/>
                 </a:solidFill>
               </a:rPr>
               <a:t> </a:t>
@@ -5204,7 +9123,7 @@
             <a:r>
               <a:rPr lang="en-US" sz="1500" dirty="0" err="1">
                 <a:solidFill>
-                  <a:srgbClr val="0C01D3"/>
+                  <a:srgbClr val="1020D7"/>
                 </a:solidFill>
               </a:rPr>
               <a:t>ufficiale</a:t>
@@ -5212,7 +9131,7 @@
             <a:r>
               <a:rPr lang="en-US" sz="1500" dirty="0">
                 <a:solidFill>
-                  <a:srgbClr val="0C01D3"/>
+                  <a:srgbClr val="1020D7"/>
                 </a:solidFill>
               </a:rPr>
               <a:t> </a:t>
@@ -5220,7 +9139,7 @@
             <a:r>
               <a:rPr lang="en-US" sz="1500" dirty="0" err="1">
                 <a:solidFill>
-                  <a:srgbClr val="0C01D3"/>
+                  <a:srgbClr val="1020D7"/>
                 </a:solidFill>
               </a:rPr>
               <a:t>degli</a:t>
@@ -5228,7 +9147,7 @@
             <a:r>
               <a:rPr lang="en-US" sz="1500" dirty="0">
                 <a:solidFill>
-                  <a:srgbClr val="0C01D3"/>
+                  <a:srgbClr val="1020D7"/>
                 </a:solidFill>
               </a:rPr>
               <a:t> </a:t>
@@ -5236,7 +9155,7 @@
             <a:r>
               <a:rPr lang="en-US" sz="1500" dirty="0" err="1">
                 <a:solidFill>
-                  <a:srgbClr val="0C01D3"/>
+                  <a:srgbClr val="1020D7"/>
                 </a:solidFill>
               </a:rPr>
               <a:t>utenti</a:t>
@@ -5244,7 +9163,7 @@
             <a:r>
               <a:rPr lang="en-US" sz="1500" dirty="0">
                 <a:solidFill>
-                  <a:srgbClr val="0C01D3"/>
+                  <a:srgbClr val="1020D7"/>
                 </a:solidFill>
               </a:rPr>
               <a:t> </a:t>
@@ -5252,14 +9171,14 @@
             <a:r>
               <a:rPr lang="en-US" sz="1500" dirty="0" err="1">
                 <a:solidFill>
-                  <a:srgbClr val="0C01D3"/>
+                  <a:srgbClr val="1020D7"/>
                 </a:solidFill>
               </a:rPr>
               <a:t>Elettori</a:t>
             </a:r>
             <a:endParaRPr lang="en-US" sz="1500" dirty="0">
               <a:solidFill>
-                <a:srgbClr val="0C01D3"/>
+                <a:srgbClr val="1020D7"/>
               </a:solidFill>
             </a:endParaRPr>
           </a:p>
@@ -5289,8 +9208,8 @@
         </p:blipFill>
         <p:spPr>
           <a:xfrm>
-            <a:off x="4640076" y="1533550"/>
-            <a:ext cx="7367520" cy="4383673"/>
+            <a:off x="4654296" y="1375144"/>
+            <a:ext cx="6903720" cy="4107712"/>
           </a:xfrm>
           <a:prstGeom prst="rect">
             <a:avLst/>
@@ -5299,10 +9218,10 @@
       </p:pic>
       <p:pic>
         <p:nvPicPr>
-          <p:cNvPr id="11" name="Immagine 10">
+          <p:cNvPr id="18" name="Immagine 17">
             <a:extLst>
               <a:ext uri="{FF2B5EF4-FFF2-40B4-BE49-F238E27FC236}">
-                <a16:creationId xmlns:a16="http://schemas.microsoft.com/office/drawing/2014/main" id="{04CE80DB-EDF1-F56A-04DD-E7306BDFF960}"/>
+                <a16:creationId xmlns:a16="http://schemas.microsoft.com/office/drawing/2014/main" id="{81E41714-B214-CD19-5C76-3E5C2F34E6C0}"/>
               </a:ext>
             </a:extLst>
           </p:cNvPr>
@@ -5325,7 +9244,7 @@
         </p:blipFill>
         <p:spPr>
           <a:xfrm>
-            <a:off x="200025" y="206049"/>
+            <a:off x="11212066" y="271844"/>
             <a:ext cx="677507" cy="483933"/>
           </a:xfrm>
           <a:prstGeom prst="rect">
@@ -5349,14 +9268,6 @@
 <file path=ppt/slides/slide3.xml><?xml version="1.0" encoding="utf-8"?>
 <p:sld xmlns:a="http://schemas.openxmlformats.org/drawingml/2006/main" xmlns:r="http://schemas.openxmlformats.org/officeDocument/2006/relationships" xmlns:p="http://schemas.openxmlformats.org/presentationml/2006/main">
   <p:cSld>
-    <p:bg>
-      <p:bgPr>
-        <a:solidFill>
-          <a:srgbClr val="BBC5D9"/>
-        </a:solidFill>
-        <a:effectLst/>
-      </p:bgPr>
-    </p:bg>
     <p:spTree>
       <p:nvGrpSpPr>
         <p:cNvPr id="1" name=""/>
@@ -5462,14 +9373,14 @@
             <a:r>
               <a:rPr lang="it-IT" sz="5400" dirty="0">
                 <a:solidFill>
-                  <a:srgbClr val="0C01D3"/>
+                  <a:srgbClr val="ED7D31"/>
                 </a:solidFill>
               </a:rPr>
               <a:t>Analisi del Rischio</a:t>
             </a:r>
             <a:endParaRPr lang="en-GB" sz="5400" dirty="0">
               <a:solidFill>
-                <a:srgbClr val="0C01D3"/>
+                <a:srgbClr val="ED7D31"/>
               </a:solidFill>
             </a:endParaRPr>
           </a:p>
@@ -6226,7 +10137,7 @@
         </p:blipFill>
         <p:spPr>
           <a:xfrm>
-            <a:off x="4776102" y="640080"/>
+            <a:off x="4715132" y="1072159"/>
             <a:ext cx="6660108" cy="5577840"/>
           </a:xfrm>
           <a:prstGeom prst="rect">
@@ -6236,10 +10147,10 @@
       </p:pic>
       <p:pic>
         <p:nvPicPr>
-          <p:cNvPr id="10" name="Immagine 9">
+          <p:cNvPr id="8" name="Immagine 7">
             <a:extLst>
               <a:ext uri="{FF2B5EF4-FFF2-40B4-BE49-F238E27FC236}">
-                <a16:creationId xmlns:a16="http://schemas.microsoft.com/office/drawing/2014/main" id="{375F9F11-682C-1CCE-A9AE-26F491AD6990}"/>
+                <a16:creationId xmlns:a16="http://schemas.microsoft.com/office/drawing/2014/main" id="{D8505617-94CA-C0BB-1A5D-A7A8E9271B78}"/>
               </a:ext>
             </a:extLst>
           </p:cNvPr>
@@ -6262,7 +10173,7 @@
         </p:blipFill>
         <p:spPr>
           <a:xfrm>
-            <a:off x="200025" y="206049"/>
+            <a:off x="11212066" y="271844"/>
             <a:ext cx="677507" cy="483933"/>
           </a:xfrm>
           <a:prstGeom prst="rect">
@@ -6274,6 +10185,2927 @@
     <p:extLst>
       <p:ext uri="{BB962C8B-B14F-4D97-AF65-F5344CB8AC3E}">
         <p14:creationId xmlns:p14="http://schemas.microsoft.com/office/powerpoint/2010/main" val="2936519561"/>
+      </p:ext>
+    </p:extLst>
+  </p:cSld>
+  <p:clrMapOvr>
+    <a:masterClrMapping/>
+  </p:clrMapOvr>
+</p:sld>
+</file>
+
+<file path=ppt/slides/slide4.xml><?xml version="1.0" encoding="utf-8"?>
+<p:sld xmlns:a="http://schemas.openxmlformats.org/drawingml/2006/main" xmlns:r="http://schemas.openxmlformats.org/officeDocument/2006/relationships" xmlns:p="http://schemas.openxmlformats.org/presentationml/2006/main">
+  <p:cSld>
+    <p:spTree>
+      <p:nvGrpSpPr>
+        <p:cNvPr id="1" name=""/>
+        <p:cNvGrpSpPr/>
+        <p:nvPr/>
+      </p:nvGrpSpPr>
+      <p:grpSpPr>
+        <a:xfrm>
+          <a:off x="0" y="0"/>
+          <a:ext cx="0" cy="0"/>
+          <a:chOff x="0" y="0"/>
+          <a:chExt cx="0" cy="0"/>
+        </a:xfrm>
+      </p:grpSpPr>
+      <p:sp useBgFill="1">
+        <p:nvSpPr>
+          <p:cNvPr id="10" name="Rectangle 9">
+            <a:extLst>
+              <a:ext uri="{FF2B5EF4-FFF2-40B4-BE49-F238E27FC236}">
+                <a16:creationId xmlns:a16="http://schemas.microsoft.com/office/drawing/2014/main" id="{BCED4D40-4B67-4331-AC48-79B82B4A47D8}"/>
+              </a:ext>
+              <a:ext uri="{C183D7F6-B498-43B3-948B-1728B52AA6E4}">
+                <adec:decorative xmlns:adec="http://schemas.microsoft.com/office/drawing/2017/decorative" val="1"/>
+              </a:ext>
+            </a:extLst>
+          </p:cNvPr>
+          <p:cNvSpPr>
+            <a:spLocks noGrp="1" noRot="1" noChangeAspect="1" noMove="1" noResize="1" noEditPoints="1" noAdjustHandles="1" noChangeArrowheads="1" noChangeShapeType="1" noTextEdit="1"/>
+          </p:cNvSpPr>
+          <p:nvPr>
+            <p:extLst>
+              <p:ext uri="{386F3935-93C4-4BCD-93E2-E3B085C9AB24}">
+                <p16:designElem xmlns:p16="http://schemas.microsoft.com/office/powerpoint/2015/main" val="1"/>
+              </p:ext>
+            </p:extLst>
+          </p:nvPr>
+        </p:nvSpPr>
+        <p:spPr>
+          <a:xfrm>
+            <a:off x="0" y="0"/>
+            <a:ext cx="12192000" cy="6858000"/>
+          </a:xfrm>
+          <a:prstGeom prst="rect">
+            <a:avLst/>
+          </a:prstGeom>
+          <a:ln>
+            <a:noFill/>
+          </a:ln>
+        </p:spPr>
+        <p:style>
+          <a:lnRef idx="2">
+            <a:schemeClr val="accent1">
+              <a:shade val="50000"/>
+            </a:schemeClr>
+          </a:lnRef>
+          <a:fillRef idx="1">
+            <a:schemeClr val="accent1"/>
+          </a:fillRef>
+          <a:effectRef idx="0">
+            <a:schemeClr val="accent1"/>
+          </a:effectRef>
+          <a:fontRef idx="minor">
+            <a:schemeClr val="lt1"/>
+          </a:fontRef>
+        </p:style>
+        <p:txBody>
+          <a:bodyPr rtlCol="0" anchor="ctr"/>
+          <a:lstStyle/>
+          <a:p>
+            <a:pPr algn="ctr"/>
+            <a:endParaRPr lang="en-US"/>
+          </a:p>
+        </p:txBody>
+      </p:sp>
+      <p:sp>
+        <p:nvSpPr>
+          <p:cNvPr id="2" name="Titolo 1">
+            <a:extLst>
+              <a:ext uri="{FF2B5EF4-FFF2-40B4-BE49-F238E27FC236}">
+                <a16:creationId xmlns:a16="http://schemas.microsoft.com/office/drawing/2014/main" id="{4473FF41-ACED-8E52-282F-399EB7E5826E}"/>
+              </a:ext>
+            </a:extLst>
+          </p:cNvPr>
+          <p:cNvSpPr>
+            <a:spLocks noGrp="1"/>
+          </p:cNvSpPr>
+          <p:nvPr>
+            <p:ph type="title"/>
+          </p:nvPr>
+        </p:nvSpPr>
+        <p:spPr>
+          <a:xfrm>
+            <a:off x="641180" y="377952"/>
+            <a:ext cx="10909640" cy="1249394"/>
+          </a:xfrm>
+        </p:spPr>
+        <p:txBody>
+          <a:bodyPr vert="horz" lIns="91440" tIns="45720" rIns="91440" bIns="45720" rtlCol="0" anchor="ctr">
+            <a:normAutofit/>
+          </a:bodyPr>
+          <a:lstStyle/>
+          <a:p>
+            <a:pPr algn="ctr"/>
+            <a:r>
+              <a:rPr lang="en-US" sz="6600" kern="1200" dirty="0" err="1">
+                <a:solidFill>
+                  <a:srgbClr val="ED7D31"/>
+                </a:solidFill>
+                <a:latin typeface="+mj-lt"/>
+                <a:ea typeface="+mj-ea"/>
+                <a:cs typeface="+mj-cs"/>
+              </a:rPr>
+              <a:t>Architettura</a:t>
+            </a:r>
+            <a:endParaRPr lang="en-US" sz="6600" kern="1200" dirty="0">
+              <a:solidFill>
+                <a:srgbClr val="ED7D31"/>
+              </a:solidFill>
+              <a:latin typeface="+mj-lt"/>
+              <a:ea typeface="+mj-ea"/>
+              <a:cs typeface="+mj-cs"/>
+            </a:endParaRPr>
+          </a:p>
+        </p:txBody>
+      </p:sp>
+      <p:sp>
+        <p:nvSpPr>
+          <p:cNvPr id="12" name="sketch line">
+            <a:extLst>
+              <a:ext uri="{FF2B5EF4-FFF2-40B4-BE49-F238E27FC236}">
+                <a16:creationId xmlns:a16="http://schemas.microsoft.com/office/drawing/2014/main" id="{670CEDEF-4F34-412E-84EE-329C1E936AF5}"/>
+              </a:ext>
+              <a:ext uri="{C183D7F6-B498-43B3-948B-1728B52AA6E4}">
+                <adec:decorative xmlns:adec="http://schemas.microsoft.com/office/drawing/2017/decorative" val="1"/>
+              </a:ext>
+            </a:extLst>
+          </p:cNvPr>
+          <p:cNvSpPr>
+            <a:spLocks noGrp="1" noRot="1" noChangeAspect="1" noMove="1" noResize="1" noEditPoints="1" noAdjustHandles="1" noChangeArrowheads="1" noChangeShapeType="1" noTextEdit="1"/>
+          </p:cNvSpPr>
+          <p:nvPr>
+            <p:extLst>
+              <p:ext uri="{386F3935-93C4-4BCD-93E2-E3B085C9AB24}">
+                <p16:designElem xmlns:p16="http://schemas.microsoft.com/office/powerpoint/2015/main" val="1"/>
+              </p:ext>
+            </p:extLst>
+          </p:nvPr>
+        </p:nvSpPr>
+        <p:spPr>
+          <a:xfrm>
+            <a:off x="3807702" y="1733454"/>
+            <a:ext cx="4572000" cy="18288"/>
+          </a:xfrm>
+          <a:custGeom>
+            <a:avLst/>
+            <a:gdLst>
+              <a:gd name="connsiteX0" fmla="*/ 0 w 4572000"/>
+              <a:gd name="connsiteY0" fmla="*/ 0 h 18288"/>
+              <a:gd name="connsiteX1" fmla="*/ 515983 w 4572000"/>
+              <a:gd name="connsiteY1" fmla="*/ 0 h 18288"/>
+              <a:gd name="connsiteX2" fmla="*/ 1031966 w 4572000"/>
+              <a:gd name="connsiteY2" fmla="*/ 0 h 18288"/>
+              <a:gd name="connsiteX3" fmla="*/ 1639389 w 4572000"/>
+              <a:gd name="connsiteY3" fmla="*/ 0 h 18288"/>
+              <a:gd name="connsiteX4" fmla="*/ 2383971 w 4572000"/>
+              <a:gd name="connsiteY4" fmla="*/ 0 h 18288"/>
+              <a:gd name="connsiteX5" fmla="*/ 2945674 w 4572000"/>
+              <a:gd name="connsiteY5" fmla="*/ 0 h 18288"/>
+              <a:gd name="connsiteX6" fmla="*/ 3507377 w 4572000"/>
+              <a:gd name="connsiteY6" fmla="*/ 0 h 18288"/>
+              <a:gd name="connsiteX7" fmla="*/ 4572000 w 4572000"/>
+              <a:gd name="connsiteY7" fmla="*/ 0 h 18288"/>
+              <a:gd name="connsiteX8" fmla="*/ 4572000 w 4572000"/>
+              <a:gd name="connsiteY8" fmla="*/ 18288 h 18288"/>
+              <a:gd name="connsiteX9" fmla="*/ 3873137 w 4572000"/>
+              <a:gd name="connsiteY9" fmla="*/ 18288 h 18288"/>
+              <a:gd name="connsiteX10" fmla="*/ 3311434 w 4572000"/>
+              <a:gd name="connsiteY10" fmla="*/ 18288 h 18288"/>
+              <a:gd name="connsiteX11" fmla="*/ 2749731 w 4572000"/>
+              <a:gd name="connsiteY11" fmla="*/ 18288 h 18288"/>
+              <a:gd name="connsiteX12" fmla="*/ 2050869 w 4572000"/>
+              <a:gd name="connsiteY12" fmla="*/ 18288 h 18288"/>
+              <a:gd name="connsiteX13" fmla="*/ 1306286 w 4572000"/>
+              <a:gd name="connsiteY13" fmla="*/ 18288 h 18288"/>
+              <a:gd name="connsiteX14" fmla="*/ 790303 w 4572000"/>
+              <a:gd name="connsiteY14" fmla="*/ 18288 h 18288"/>
+              <a:gd name="connsiteX15" fmla="*/ 0 w 4572000"/>
+              <a:gd name="connsiteY15" fmla="*/ 18288 h 18288"/>
+              <a:gd name="connsiteX16" fmla="*/ 0 w 4572000"/>
+              <a:gd name="connsiteY16" fmla="*/ 0 h 18288"/>
+            </a:gdLst>
+            <a:ahLst/>
+            <a:cxnLst>
+              <a:cxn ang="0">
+                <a:pos x="connsiteX0" y="connsiteY0"/>
+              </a:cxn>
+              <a:cxn ang="0">
+                <a:pos x="connsiteX1" y="connsiteY1"/>
+              </a:cxn>
+              <a:cxn ang="0">
+                <a:pos x="connsiteX2" y="connsiteY2"/>
+              </a:cxn>
+              <a:cxn ang="0">
+                <a:pos x="connsiteX3" y="connsiteY3"/>
+              </a:cxn>
+              <a:cxn ang="0">
+                <a:pos x="connsiteX4" y="connsiteY4"/>
+              </a:cxn>
+              <a:cxn ang="0">
+                <a:pos x="connsiteX5" y="connsiteY5"/>
+              </a:cxn>
+              <a:cxn ang="0">
+                <a:pos x="connsiteX6" y="connsiteY6"/>
+              </a:cxn>
+              <a:cxn ang="0">
+                <a:pos x="connsiteX7" y="connsiteY7"/>
+              </a:cxn>
+              <a:cxn ang="0">
+                <a:pos x="connsiteX8" y="connsiteY8"/>
+              </a:cxn>
+              <a:cxn ang="0">
+                <a:pos x="connsiteX9" y="connsiteY9"/>
+              </a:cxn>
+              <a:cxn ang="0">
+                <a:pos x="connsiteX10" y="connsiteY10"/>
+              </a:cxn>
+              <a:cxn ang="0">
+                <a:pos x="connsiteX11" y="connsiteY11"/>
+              </a:cxn>
+              <a:cxn ang="0">
+                <a:pos x="connsiteX12" y="connsiteY12"/>
+              </a:cxn>
+              <a:cxn ang="0">
+                <a:pos x="connsiteX13" y="connsiteY13"/>
+              </a:cxn>
+              <a:cxn ang="0">
+                <a:pos x="connsiteX14" y="connsiteY14"/>
+              </a:cxn>
+              <a:cxn ang="0">
+                <a:pos x="connsiteX15" y="connsiteY15"/>
+              </a:cxn>
+              <a:cxn ang="0">
+                <a:pos x="connsiteX16" y="connsiteY16"/>
+              </a:cxn>
+            </a:cxnLst>
+            <a:rect l="l" t="t" r="r" b="b"/>
+            <a:pathLst>
+              <a:path w="4572000" h="18288" fill="none" extrusionOk="0">
+                <a:moveTo>
+                  <a:pt x="0" y="0"/>
+                </a:moveTo>
+                <a:cubicBezTo>
+                  <a:pt x="105156" y="-20963"/>
+                  <a:pt x="340432" y="822"/>
+                  <a:pt x="515983" y="0"/>
+                </a:cubicBezTo>
+                <a:cubicBezTo>
+                  <a:pt x="691534" y="-822"/>
+                  <a:pt x="850679" y="16479"/>
+                  <a:pt x="1031966" y="0"/>
+                </a:cubicBezTo>
+                <a:cubicBezTo>
+                  <a:pt x="1213253" y="-16479"/>
+                  <a:pt x="1443646" y="-18730"/>
+                  <a:pt x="1639389" y="0"/>
+                </a:cubicBezTo>
+                <a:cubicBezTo>
+                  <a:pt x="1835132" y="18730"/>
+                  <a:pt x="2159975" y="18531"/>
+                  <a:pt x="2383971" y="0"/>
+                </a:cubicBezTo>
+                <a:cubicBezTo>
+                  <a:pt x="2607967" y="-18531"/>
+                  <a:pt x="2719096" y="-12030"/>
+                  <a:pt x="2945674" y="0"/>
+                </a:cubicBezTo>
+                <a:cubicBezTo>
+                  <a:pt x="3172252" y="12030"/>
+                  <a:pt x="3269167" y="27666"/>
+                  <a:pt x="3507377" y="0"/>
+                </a:cubicBezTo>
+                <a:cubicBezTo>
+                  <a:pt x="3745587" y="-27666"/>
+                  <a:pt x="4116741" y="18705"/>
+                  <a:pt x="4572000" y="0"/>
+                </a:cubicBezTo>
+                <a:cubicBezTo>
+                  <a:pt x="4572895" y="8974"/>
+                  <a:pt x="4571454" y="9359"/>
+                  <a:pt x="4572000" y="18288"/>
+                </a:cubicBezTo>
+                <a:cubicBezTo>
+                  <a:pt x="4374698" y="3942"/>
+                  <a:pt x="4098874" y="-11042"/>
+                  <a:pt x="3873137" y="18288"/>
+                </a:cubicBezTo>
+                <a:cubicBezTo>
+                  <a:pt x="3647400" y="47618"/>
+                  <a:pt x="3517055" y="5421"/>
+                  <a:pt x="3311434" y="18288"/>
+                </a:cubicBezTo>
+                <a:cubicBezTo>
+                  <a:pt x="3105813" y="31155"/>
+                  <a:pt x="3025168" y="17856"/>
+                  <a:pt x="2749731" y="18288"/>
+                </a:cubicBezTo>
+                <a:cubicBezTo>
+                  <a:pt x="2474294" y="18720"/>
+                  <a:pt x="2291766" y="-14168"/>
+                  <a:pt x="2050869" y="18288"/>
+                </a:cubicBezTo>
+                <a:cubicBezTo>
+                  <a:pt x="1809972" y="50744"/>
+                  <a:pt x="1540276" y="46798"/>
+                  <a:pt x="1306286" y="18288"/>
+                </a:cubicBezTo>
+                <a:cubicBezTo>
+                  <a:pt x="1072296" y="-10222"/>
+                  <a:pt x="972445" y="19645"/>
+                  <a:pt x="790303" y="18288"/>
+                </a:cubicBezTo>
+                <a:cubicBezTo>
+                  <a:pt x="608161" y="16931"/>
+                  <a:pt x="200981" y="8241"/>
+                  <a:pt x="0" y="18288"/>
+                </a:cubicBezTo>
+                <a:cubicBezTo>
+                  <a:pt x="-229" y="14222"/>
+                  <a:pt x="509" y="5816"/>
+                  <a:pt x="0" y="0"/>
+                </a:cubicBezTo>
+                <a:close/>
+              </a:path>
+              <a:path w="4572000" h="18288" stroke="0" extrusionOk="0">
+                <a:moveTo>
+                  <a:pt x="0" y="0"/>
+                </a:moveTo>
+                <a:cubicBezTo>
+                  <a:pt x="143285" y="-9565"/>
+                  <a:pt x="327959" y="-11498"/>
+                  <a:pt x="561703" y="0"/>
+                </a:cubicBezTo>
+                <a:cubicBezTo>
+                  <a:pt x="795447" y="11498"/>
+                  <a:pt x="838260" y="18255"/>
+                  <a:pt x="1077686" y="0"/>
+                </a:cubicBezTo>
+                <a:cubicBezTo>
+                  <a:pt x="1317112" y="-18255"/>
+                  <a:pt x="1437472" y="23514"/>
+                  <a:pt x="1639389" y="0"/>
+                </a:cubicBezTo>
+                <a:cubicBezTo>
+                  <a:pt x="1841306" y="-23514"/>
+                  <a:pt x="2037142" y="-12551"/>
+                  <a:pt x="2292531" y="0"/>
+                </a:cubicBezTo>
+                <a:cubicBezTo>
+                  <a:pt x="2547920" y="12551"/>
+                  <a:pt x="2810436" y="-20352"/>
+                  <a:pt x="2991394" y="0"/>
+                </a:cubicBezTo>
+                <a:cubicBezTo>
+                  <a:pt x="3172352" y="20352"/>
+                  <a:pt x="3530025" y="-13347"/>
+                  <a:pt x="3735977" y="0"/>
+                </a:cubicBezTo>
+                <a:cubicBezTo>
+                  <a:pt x="3941929" y="13347"/>
+                  <a:pt x="4161497" y="34086"/>
+                  <a:pt x="4572000" y="0"/>
+                </a:cubicBezTo>
+                <a:cubicBezTo>
+                  <a:pt x="4571545" y="6162"/>
+                  <a:pt x="4571903" y="11775"/>
+                  <a:pt x="4572000" y="18288"/>
+                </a:cubicBezTo>
+                <a:cubicBezTo>
+                  <a:pt x="4228040" y="36490"/>
+                  <a:pt x="4199736" y="42557"/>
+                  <a:pt x="3873137" y="18288"/>
+                </a:cubicBezTo>
+                <a:cubicBezTo>
+                  <a:pt x="3546538" y="-5981"/>
+                  <a:pt x="3472124" y="16809"/>
+                  <a:pt x="3128554" y="18288"/>
+                </a:cubicBezTo>
+                <a:cubicBezTo>
+                  <a:pt x="2784984" y="19767"/>
+                  <a:pt x="2735896" y="-17781"/>
+                  <a:pt x="2383971" y="18288"/>
+                </a:cubicBezTo>
+                <a:cubicBezTo>
+                  <a:pt x="2032046" y="54357"/>
+                  <a:pt x="2019324" y="2920"/>
+                  <a:pt x="1867989" y="18288"/>
+                </a:cubicBezTo>
+                <a:cubicBezTo>
+                  <a:pt x="1716654" y="33656"/>
+                  <a:pt x="1418675" y="32575"/>
+                  <a:pt x="1169126" y="18288"/>
+                </a:cubicBezTo>
+                <a:cubicBezTo>
+                  <a:pt x="919577" y="4001"/>
+                  <a:pt x="798537" y="16165"/>
+                  <a:pt x="561703" y="18288"/>
+                </a:cubicBezTo>
+                <a:cubicBezTo>
+                  <a:pt x="324869" y="20411"/>
+                  <a:pt x="221395" y="-912"/>
+                  <a:pt x="0" y="18288"/>
+                </a:cubicBezTo>
+                <a:cubicBezTo>
+                  <a:pt x="766" y="10800"/>
+                  <a:pt x="-457" y="8180"/>
+                  <a:pt x="0" y="0"/>
+                </a:cubicBezTo>
+                <a:close/>
+              </a:path>
+            </a:pathLst>
+          </a:custGeom>
+          <a:solidFill>
+            <a:schemeClr val="accent2"/>
+          </a:solidFill>
+          <a:ln w="41275" cap="rnd">
+            <a:solidFill>
+              <a:schemeClr val="accent2"/>
+            </a:solidFill>
+            <a:round/>
+            <a:extLst>
+              <a:ext uri="{C807C97D-BFC1-408E-A445-0C87EB9F89A2}">
+                <ask:lineSketchStyleProps xmlns:ask="http://schemas.microsoft.com/office/drawing/2018/sketchyshapes" sd="2727557108">
+                  <a:prstGeom prst="rect">
+                    <a:avLst/>
+                  </a:prstGeom>
+                  <ask:type>
+                    <ask:lineSketchFreehand/>
+                  </ask:type>
+                </ask:lineSketchStyleProps>
+              </a:ext>
+            </a:extLst>
+          </a:ln>
+        </p:spPr>
+        <p:style>
+          <a:lnRef idx="2">
+            <a:schemeClr val="accent1">
+              <a:shade val="50000"/>
+            </a:schemeClr>
+          </a:lnRef>
+          <a:fillRef idx="1">
+            <a:schemeClr val="accent1"/>
+          </a:fillRef>
+          <a:effectRef idx="0">
+            <a:schemeClr val="accent1"/>
+          </a:effectRef>
+          <a:fontRef idx="minor">
+            <a:schemeClr val="lt1"/>
+          </a:fontRef>
+        </p:style>
+        <p:txBody>
+          <a:bodyPr rtlCol="0" anchor="ctr"/>
+          <a:lstStyle/>
+          <a:p>
+            <a:pPr algn="ctr"/>
+            <a:endParaRPr lang="en-US"/>
+          </a:p>
+        </p:txBody>
+      </p:sp>
+      <p:pic>
+        <p:nvPicPr>
+          <p:cNvPr id="5" name="Immagine 4">
+            <a:extLst>
+              <a:ext uri="{FF2B5EF4-FFF2-40B4-BE49-F238E27FC236}">
+                <a16:creationId xmlns:a16="http://schemas.microsoft.com/office/drawing/2014/main" id="{993362AE-B58B-5CA2-F2AE-EC1BA4B183D9}"/>
+              </a:ext>
+            </a:extLst>
+          </p:cNvPr>
+          <p:cNvPicPr>
+            <a:picLocks noChangeAspect="1"/>
+          </p:cNvPicPr>
+          <p:nvPr/>
+        </p:nvPicPr>
+        <p:blipFill>
+          <a:blip r:embed="rId2"/>
+          <a:stretch>
+            <a:fillRect/>
+          </a:stretch>
+        </p:blipFill>
+        <p:spPr>
+          <a:xfrm>
+            <a:off x="1533150" y="2005298"/>
+            <a:ext cx="9121104" cy="4742976"/>
+          </a:xfrm>
+          <a:prstGeom prst="rect">
+            <a:avLst/>
+          </a:prstGeom>
+        </p:spPr>
+      </p:pic>
+      <p:pic>
+        <p:nvPicPr>
+          <p:cNvPr id="8" name="Immagine 7">
+            <a:extLst>
+              <a:ext uri="{FF2B5EF4-FFF2-40B4-BE49-F238E27FC236}">
+                <a16:creationId xmlns:a16="http://schemas.microsoft.com/office/drawing/2014/main" id="{ABA7DFD9-9AE6-68D7-67B5-9F4F62375322}"/>
+              </a:ext>
+            </a:extLst>
+          </p:cNvPr>
+          <p:cNvPicPr>
+            <a:picLocks noChangeAspect="1"/>
+          </p:cNvPicPr>
+          <p:nvPr/>
+        </p:nvPicPr>
+        <p:blipFill>
+          <a:blip r:embed="rId3">
+            <a:extLst>
+              <a:ext uri="{28A0092B-C50C-407E-A947-70E740481C1C}">
+                <a14:useLocalDpi xmlns:a14="http://schemas.microsoft.com/office/drawing/2010/main" val="0"/>
+              </a:ext>
+            </a:extLst>
+          </a:blip>
+          <a:stretch>
+            <a:fillRect/>
+          </a:stretch>
+        </p:blipFill>
+        <p:spPr>
+          <a:xfrm>
+            <a:off x="11212066" y="271844"/>
+            <a:ext cx="677507" cy="483933"/>
+          </a:xfrm>
+          <a:prstGeom prst="rect">
+            <a:avLst/>
+          </a:prstGeom>
+        </p:spPr>
+      </p:pic>
+    </p:spTree>
+    <p:extLst>
+      <p:ext uri="{BB962C8B-B14F-4D97-AF65-F5344CB8AC3E}">
+        <p14:creationId xmlns:p14="http://schemas.microsoft.com/office/powerpoint/2010/main" val="4138880595"/>
+      </p:ext>
+    </p:extLst>
+  </p:cSld>
+  <p:clrMapOvr>
+    <a:masterClrMapping/>
+  </p:clrMapOvr>
+</p:sld>
+</file>
+
+<file path=ppt/slides/slide5.xml><?xml version="1.0" encoding="utf-8"?>
+<p:sld xmlns:a="http://schemas.openxmlformats.org/drawingml/2006/main" xmlns:r="http://schemas.openxmlformats.org/officeDocument/2006/relationships" xmlns:p="http://schemas.openxmlformats.org/presentationml/2006/main">
+  <p:cSld>
+    <p:spTree>
+      <p:nvGrpSpPr>
+        <p:cNvPr id="1" name=""/>
+        <p:cNvGrpSpPr/>
+        <p:nvPr/>
+      </p:nvGrpSpPr>
+      <p:grpSpPr>
+        <a:xfrm>
+          <a:off x="0" y="0"/>
+          <a:ext cx="0" cy="0"/>
+          <a:chOff x="0" y="0"/>
+          <a:chExt cx="0" cy="0"/>
+        </a:xfrm>
+      </p:grpSpPr>
+      <p:sp useBgFill="1">
+        <p:nvSpPr>
+          <p:cNvPr id="24" name="Rectangle 23">
+            <a:extLst>
+              <a:ext uri="{FF2B5EF4-FFF2-40B4-BE49-F238E27FC236}">
+                <a16:creationId xmlns:a16="http://schemas.microsoft.com/office/drawing/2014/main" id="{665DBBEF-238B-476B-96AB-8AAC3224ECEA}"/>
+              </a:ext>
+              <a:ext uri="{C183D7F6-B498-43B3-948B-1728B52AA6E4}">
+                <adec:decorative xmlns:adec="http://schemas.microsoft.com/office/drawing/2017/decorative" val="1"/>
+              </a:ext>
+            </a:extLst>
+          </p:cNvPr>
+          <p:cNvSpPr>
+            <a:spLocks noGrp="1" noRot="1" noChangeAspect="1" noMove="1" noResize="1" noEditPoints="1" noAdjustHandles="1" noChangeArrowheads="1" noChangeShapeType="1" noTextEdit="1"/>
+          </p:cNvSpPr>
+          <p:nvPr>
+            <p:extLst>
+              <p:ext uri="{386F3935-93C4-4BCD-93E2-E3B085C9AB24}">
+                <p16:designElem xmlns:p16="http://schemas.microsoft.com/office/powerpoint/2015/main" val="1"/>
+              </p:ext>
+            </p:extLst>
+          </p:nvPr>
+        </p:nvSpPr>
+        <p:spPr>
+          <a:xfrm>
+            <a:off x="0" y="0"/>
+            <a:ext cx="12192000" cy="6858000"/>
+          </a:xfrm>
+          <a:prstGeom prst="rect">
+            <a:avLst/>
+          </a:prstGeom>
+          <a:ln>
+            <a:noFill/>
+          </a:ln>
+        </p:spPr>
+        <p:style>
+          <a:lnRef idx="2">
+            <a:schemeClr val="accent1">
+              <a:shade val="50000"/>
+            </a:schemeClr>
+          </a:lnRef>
+          <a:fillRef idx="1">
+            <a:schemeClr val="accent1"/>
+          </a:fillRef>
+          <a:effectRef idx="0">
+            <a:schemeClr val="accent1"/>
+          </a:effectRef>
+          <a:fontRef idx="minor">
+            <a:schemeClr val="lt1"/>
+          </a:fontRef>
+        </p:style>
+        <p:txBody>
+          <a:bodyPr rtlCol="0" anchor="ctr"/>
+          <a:lstStyle/>
+          <a:p>
+            <a:pPr algn="ctr"/>
+            <a:endParaRPr lang="en-US"/>
+          </a:p>
+        </p:txBody>
+      </p:sp>
+      <p:sp>
+        <p:nvSpPr>
+          <p:cNvPr id="2" name="Titolo 1">
+            <a:extLst>
+              <a:ext uri="{FF2B5EF4-FFF2-40B4-BE49-F238E27FC236}">
+                <a16:creationId xmlns:a16="http://schemas.microsoft.com/office/drawing/2014/main" id="{9391A5FC-0166-530F-318B-CE840EA451F2}"/>
+              </a:ext>
+            </a:extLst>
+          </p:cNvPr>
+          <p:cNvSpPr>
+            <a:spLocks noGrp="1"/>
+          </p:cNvSpPr>
+          <p:nvPr>
+            <p:ph type="title"/>
+          </p:nvPr>
+        </p:nvSpPr>
+        <p:spPr>
+          <a:xfrm>
+            <a:off x="637320" y="3429000"/>
+            <a:ext cx="3565164" cy="890321"/>
+          </a:xfrm>
+        </p:spPr>
+        <p:txBody>
+          <a:bodyPr vert="horz" lIns="91440" tIns="45720" rIns="91440" bIns="45720" rtlCol="0" anchor="b">
+            <a:normAutofit fontScale="90000"/>
+          </a:bodyPr>
+          <a:lstStyle/>
+          <a:p>
+            <a:r>
+              <a:rPr lang="en-US" sz="5100" kern="1200" dirty="0">
+                <a:solidFill>
+                  <a:srgbClr val="ED7D31"/>
+                </a:solidFill>
+                <a:latin typeface="+mj-lt"/>
+                <a:ea typeface="+mj-ea"/>
+                <a:cs typeface="+mj-cs"/>
+              </a:rPr>
+              <a:t>Deployment</a:t>
+            </a:r>
+          </a:p>
+        </p:txBody>
+      </p:sp>
+      <p:sp>
+        <p:nvSpPr>
+          <p:cNvPr id="26" name="sketch line">
+            <a:extLst>
+              <a:ext uri="{FF2B5EF4-FFF2-40B4-BE49-F238E27FC236}">
+                <a16:creationId xmlns:a16="http://schemas.microsoft.com/office/drawing/2014/main" id="{3FCFB1DE-0B7E-48CC-BA90-B2AB0889F9D6}"/>
+              </a:ext>
+              <a:ext uri="{C183D7F6-B498-43B3-948B-1728B52AA6E4}">
+                <adec:decorative xmlns:adec="http://schemas.microsoft.com/office/drawing/2017/decorative" val="1"/>
+              </a:ext>
+            </a:extLst>
+          </p:cNvPr>
+          <p:cNvSpPr>
+            <a:spLocks noGrp="1" noRot="1" noChangeAspect="1" noMove="1" noResize="1" noEditPoints="1" noAdjustHandles="1" noChangeArrowheads="1" noChangeShapeType="1" noTextEdit="1"/>
+          </p:cNvSpPr>
+          <p:nvPr>
+            <p:extLst>
+              <p:ext uri="{386F3935-93C4-4BCD-93E2-E3B085C9AB24}">
+                <p16:designElem xmlns:p16="http://schemas.microsoft.com/office/powerpoint/2015/main" val="1"/>
+              </p:ext>
+            </p:extLst>
+          </p:nvPr>
+        </p:nvSpPr>
+        <p:spPr>
+          <a:xfrm>
+            <a:off x="643278" y="4409267"/>
+            <a:ext cx="3255095" cy="18288"/>
+          </a:xfrm>
+          <a:custGeom>
+            <a:avLst/>
+            <a:gdLst>
+              <a:gd name="connsiteX0" fmla="*/ 0 w 3255095"/>
+              <a:gd name="connsiteY0" fmla="*/ 0 h 18288"/>
+              <a:gd name="connsiteX1" fmla="*/ 618468 w 3255095"/>
+              <a:gd name="connsiteY1" fmla="*/ 0 h 18288"/>
+              <a:gd name="connsiteX2" fmla="*/ 1269487 w 3255095"/>
+              <a:gd name="connsiteY2" fmla="*/ 0 h 18288"/>
+              <a:gd name="connsiteX3" fmla="*/ 1953057 w 3255095"/>
+              <a:gd name="connsiteY3" fmla="*/ 0 h 18288"/>
+              <a:gd name="connsiteX4" fmla="*/ 2636627 w 3255095"/>
+              <a:gd name="connsiteY4" fmla="*/ 0 h 18288"/>
+              <a:gd name="connsiteX5" fmla="*/ 3255095 w 3255095"/>
+              <a:gd name="connsiteY5" fmla="*/ 0 h 18288"/>
+              <a:gd name="connsiteX6" fmla="*/ 3255095 w 3255095"/>
+              <a:gd name="connsiteY6" fmla="*/ 18288 h 18288"/>
+              <a:gd name="connsiteX7" fmla="*/ 2538974 w 3255095"/>
+              <a:gd name="connsiteY7" fmla="*/ 18288 h 18288"/>
+              <a:gd name="connsiteX8" fmla="*/ 1822853 w 3255095"/>
+              <a:gd name="connsiteY8" fmla="*/ 18288 h 18288"/>
+              <a:gd name="connsiteX9" fmla="*/ 1171834 w 3255095"/>
+              <a:gd name="connsiteY9" fmla="*/ 18288 h 18288"/>
+              <a:gd name="connsiteX10" fmla="*/ 0 w 3255095"/>
+              <a:gd name="connsiteY10" fmla="*/ 18288 h 18288"/>
+              <a:gd name="connsiteX11" fmla="*/ 0 w 3255095"/>
+              <a:gd name="connsiteY11" fmla="*/ 0 h 18288"/>
+            </a:gdLst>
+            <a:ahLst/>
+            <a:cxnLst>
+              <a:cxn ang="0">
+                <a:pos x="connsiteX0" y="connsiteY0"/>
+              </a:cxn>
+              <a:cxn ang="0">
+                <a:pos x="connsiteX1" y="connsiteY1"/>
+              </a:cxn>
+              <a:cxn ang="0">
+                <a:pos x="connsiteX2" y="connsiteY2"/>
+              </a:cxn>
+              <a:cxn ang="0">
+                <a:pos x="connsiteX3" y="connsiteY3"/>
+              </a:cxn>
+              <a:cxn ang="0">
+                <a:pos x="connsiteX4" y="connsiteY4"/>
+              </a:cxn>
+              <a:cxn ang="0">
+                <a:pos x="connsiteX5" y="connsiteY5"/>
+              </a:cxn>
+              <a:cxn ang="0">
+                <a:pos x="connsiteX6" y="connsiteY6"/>
+              </a:cxn>
+              <a:cxn ang="0">
+                <a:pos x="connsiteX7" y="connsiteY7"/>
+              </a:cxn>
+              <a:cxn ang="0">
+                <a:pos x="connsiteX8" y="connsiteY8"/>
+              </a:cxn>
+              <a:cxn ang="0">
+                <a:pos x="connsiteX9" y="connsiteY9"/>
+              </a:cxn>
+              <a:cxn ang="0">
+                <a:pos x="connsiteX10" y="connsiteY10"/>
+              </a:cxn>
+              <a:cxn ang="0">
+                <a:pos x="connsiteX11" y="connsiteY11"/>
+              </a:cxn>
+            </a:cxnLst>
+            <a:rect l="l" t="t" r="r" b="b"/>
+            <a:pathLst>
+              <a:path w="3255095" h="18288" fill="none" extrusionOk="0">
+                <a:moveTo>
+                  <a:pt x="0" y="0"/>
+                </a:moveTo>
+                <a:cubicBezTo>
+                  <a:pt x="240201" y="-22123"/>
+                  <a:pt x="462021" y="-19623"/>
+                  <a:pt x="618468" y="0"/>
+                </a:cubicBezTo>
+                <a:cubicBezTo>
+                  <a:pt x="774915" y="19623"/>
+                  <a:pt x="974734" y="2035"/>
+                  <a:pt x="1269487" y="0"/>
+                </a:cubicBezTo>
+                <a:cubicBezTo>
+                  <a:pt x="1564240" y="-2035"/>
+                  <a:pt x="1733579" y="10639"/>
+                  <a:pt x="1953057" y="0"/>
+                </a:cubicBezTo>
+                <a:cubicBezTo>
+                  <a:pt x="2172535" y="-10639"/>
+                  <a:pt x="2453962" y="14018"/>
+                  <a:pt x="2636627" y="0"/>
+                </a:cubicBezTo>
+                <a:cubicBezTo>
+                  <a:pt x="2819292" y="-14018"/>
+                  <a:pt x="3121375" y="5399"/>
+                  <a:pt x="3255095" y="0"/>
+                </a:cubicBezTo>
+                <a:cubicBezTo>
+                  <a:pt x="3254386" y="8157"/>
+                  <a:pt x="3254682" y="12125"/>
+                  <a:pt x="3255095" y="18288"/>
+                </a:cubicBezTo>
+                <a:cubicBezTo>
+                  <a:pt x="3088545" y="23203"/>
+                  <a:pt x="2687475" y="7419"/>
+                  <a:pt x="2538974" y="18288"/>
+                </a:cubicBezTo>
+                <a:cubicBezTo>
+                  <a:pt x="2390473" y="29157"/>
+                  <a:pt x="2137381" y="-8959"/>
+                  <a:pt x="1822853" y="18288"/>
+                </a:cubicBezTo>
+                <a:cubicBezTo>
+                  <a:pt x="1508325" y="45535"/>
+                  <a:pt x="1466437" y="20385"/>
+                  <a:pt x="1171834" y="18288"/>
+                </a:cubicBezTo>
+                <a:cubicBezTo>
+                  <a:pt x="877231" y="16191"/>
+                  <a:pt x="561097" y="37643"/>
+                  <a:pt x="0" y="18288"/>
+                </a:cubicBezTo>
+                <a:cubicBezTo>
+                  <a:pt x="-46" y="12483"/>
+                  <a:pt x="-203" y="6491"/>
+                  <a:pt x="0" y="0"/>
+                </a:cubicBezTo>
+                <a:close/>
+              </a:path>
+              <a:path w="3255095" h="18288" stroke="0" extrusionOk="0">
+                <a:moveTo>
+                  <a:pt x="0" y="0"/>
+                </a:moveTo>
+                <a:cubicBezTo>
+                  <a:pt x="291965" y="19429"/>
+                  <a:pt x="363155" y="8568"/>
+                  <a:pt x="618468" y="0"/>
+                </a:cubicBezTo>
+                <a:cubicBezTo>
+                  <a:pt x="873781" y="-8568"/>
+                  <a:pt x="904459" y="-19505"/>
+                  <a:pt x="1171834" y="0"/>
+                </a:cubicBezTo>
+                <a:cubicBezTo>
+                  <a:pt x="1439209" y="19505"/>
+                  <a:pt x="1744369" y="9790"/>
+                  <a:pt x="1887955" y="0"/>
+                </a:cubicBezTo>
+                <a:cubicBezTo>
+                  <a:pt x="2031541" y="-9790"/>
+                  <a:pt x="2346378" y="21240"/>
+                  <a:pt x="2506423" y="0"/>
+                </a:cubicBezTo>
+                <a:cubicBezTo>
+                  <a:pt x="2666468" y="-21240"/>
+                  <a:pt x="2990257" y="30414"/>
+                  <a:pt x="3255095" y="0"/>
+                </a:cubicBezTo>
+                <a:cubicBezTo>
+                  <a:pt x="3254831" y="4493"/>
+                  <a:pt x="3255479" y="9472"/>
+                  <a:pt x="3255095" y="18288"/>
+                </a:cubicBezTo>
+                <a:cubicBezTo>
+                  <a:pt x="3120743" y="16690"/>
+                  <a:pt x="2759628" y="42462"/>
+                  <a:pt x="2604076" y="18288"/>
+                </a:cubicBezTo>
+                <a:cubicBezTo>
+                  <a:pt x="2448524" y="-5886"/>
+                  <a:pt x="2184336" y="19599"/>
+                  <a:pt x="1887955" y="18288"/>
+                </a:cubicBezTo>
+                <a:cubicBezTo>
+                  <a:pt x="1591574" y="16977"/>
+                  <a:pt x="1548845" y="6870"/>
+                  <a:pt x="1334589" y="18288"/>
+                </a:cubicBezTo>
+                <a:cubicBezTo>
+                  <a:pt x="1120333" y="29706"/>
+                  <a:pt x="996014" y="9662"/>
+                  <a:pt x="683570" y="18288"/>
+                </a:cubicBezTo>
+                <a:cubicBezTo>
+                  <a:pt x="371126" y="26914"/>
+                  <a:pt x="198687" y="16167"/>
+                  <a:pt x="0" y="18288"/>
+                </a:cubicBezTo>
+                <a:cubicBezTo>
+                  <a:pt x="843" y="9577"/>
+                  <a:pt x="371" y="6900"/>
+                  <a:pt x="0" y="0"/>
+                </a:cubicBezTo>
+                <a:close/>
+              </a:path>
+            </a:pathLst>
+          </a:custGeom>
+          <a:solidFill>
+            <a:schemeClr val="accent2"/>
+          </a:solidFill>
+          <a:ln w="38100" cap="rnd">
+            <a:solidFill>
+              <a:schemeClr val="accent2"/>
+            </a:solidFill>
+            <a:round/>
+            <a:extLst>
+              <a:ext uri="{C807C97D-BFC1-408E-A445-0C87EB9F89A2}">
+                <ask:lineSketchStyleProps xmlns:ask="http://schemas.microsoft.com/office/drawing/2018/sketchyshapes" sd="1219033472">
+                  <a:prstGeom prst="rect">
+                    <a:avLst/>
+                  </a:prstGeom>
+                  <ask:type>
+                    <ask:lineSketchFreehand/>
+                  </ask:type>
+                </ask:lineSketchStyleProps>
+              </a:ext>
+            </a:extLst>
+          </a:ln>
+        </p:spPr>
+        <p:style>
+          <a:lnRef idx="2">
+            <a:schemeClr val="accent1">
+              <a:shade val="50000"/>
+            </a:schemeClr>
+          </a:lnRef>
+          <a:fillRef idx="1">
+            <a:schemeClr val="accent1"/>
+          </a:fillRef>
+          <a:effectRef idx="0">
+            <a:schemeClr val="accent1"/>
+          </a:effectRef>
+          <a:fontRef idx="minor">
+            <a:schemeClr val="lt1"/>
+          </a:fontRef>
+        </p:style>
+        <p:txBody>
+          <a:bodyPr rtlCol="0" anchor="ctr"/>
+          <a:lstStyle/>
+          <a:p>
+            <a:pPr algn="ctr"/>
+            <a:endParaRPr lang="en-US"/>
+          </a:p>
+        </p:txBody>
+      </p:sp>
+      <p:pic>
+        <p:nvPicPr>
+          <p:cNvPr id="5" name="Immagine 4">
+            <a:extLst>
+              <a:ext uri="{FF2B5EF4-FFF2-40B4-BE49-F238E27FC236}">
+                <a16:creationId xmlns:a16="http://schemas.microsoft.com/office/drawing/2014/main" id="{2DE0C1AF-A4A2-59A5-72AA-E4F852A3E5FA}"/>
+              </a:ext>
+            </a:extLst>
+          </p:cNvPr>
+          <p:cNvPicPr>
+            <a:picLocks noChangeAspect="1"/>
+          </p:cNvPicPr>
+          <p:nvPr/>
+        </p:nvPicPr>
+        <p:blipFill>
+          <a:blip r:embed="rId2"/>
+          <a:stretch>
+            <a:fillRect/>
+          </a:stretch>
+        </p:blipFill>
+        <p:spPr>
+          <a:xfrm>
+            <a:off x="4845762" y="1027621"/>
+            <a:ext cx="6702960" cy="5747788"/>
+          </a:xfrm>
+          <a:prstGeom prst="rect">
+            <a:avLst/>
+          </a:prstGeom>
+        </p:spPr>
+      </p:pic>
+      <p:pic>
+        <p:nvPicPr>
+          <p:cNvPr id="20" name="Immagine 19">
+            <a:extLst>
+              <a:ext uri="{FF2B5EF4-FFF2-40B4-BE49-F238E27FC236}">
+                <a16:creationId xmlns:a16="http://schemas.microsoft.com/office/drawing/2014/main" id="{71329318-DC82-58D9-328D-25D9FBFFB027}"/>
+              </a:ext>
+            </a:extLst>
+          </p:cNvPr>
+          <p:cNvPicPr>
+            <a:picLocks noChangeAspect="1"/>
+          </p:cNvPicPr>
+          <p:nvPr/>
+        </p:nvPicPr>
+        <p:blipFill>
+          <a:blip r:embed="rId3">
+            <a:extLst>
+              <a:ext uri="{28A0092B-C50C-407E-A947-70E740481C1C}">
+                <a14:useLocalDpi xmlns:a14="http://schemas.microsoft.com/office/drawing/2010/main" val="0"/>
+              </a:ext>
+            </a:extLst>
+          </a:blip>
+          <a:stretch>
+            <a:fillRect/>
+          </a:stretch>
+        </p:blipFill>
+        <p:spPr>
+          <a:xfrm>
+            <a:off x="11212066" y="271844"/>
+            <a:ext cx="677507" cy="483933"/>
+          </a:xfrm>
+          <a:prstGeom prst="rect">
+            <a:avLst/>
+          </a:prstGeom>
+        </p:spPr>
+      </p:pic>
+    </p:spTree>
+    <p:extLst>
+      <p:ext uri="{BB962C8B-B14F-4D97-AF65-F5344CB8AC3E}">
+        <p14:creationId xmlns:p14="http://schemas.microsoft.com/office/powerpoint/2010/main" val="1525097743"/>
+      </p:ext>
+    </p:extLst>
+  </p:cSld>
+  <p:clrMapOvr>
+    <a:masterClrMapping/>
+  </p:clrMapOvr>
+</p:sld>
+</file>
+
+<file path=ppt/slides/slide6.xml><?xml version="1.0" encoding="utf-8"?>
+<p:sld xmlns:a="http://schemas.openxmlformats.org/drawingml/2006/main" xmlns:r="http://schemas.openxmlformats.org/officeDocument/2006/relationships" xmlns:p="http://schemas.openxmlformats.org/presentationml/2006/main">
+  <p:cSld>
+    <p:bg>
+      <p:bgPr>
+        <a:solidFill>
+          <a:schemeClr val="bg1"/>
+        </a:solidFill>
+        <a:effectLst/>
+      </p:bgPr>
+    </p:bg>
+    <p:spTree>
+      <p:nvGrpSpPr>
+        <p:cNvPr id="1" name=""/>
+        <p:cNvGrpSpPr/>
+        <p:nvPr/>
+      </p:nvGrpSpPr>
+      <p:grpSpPr>
+        <a:xfrm>
+          <a:off x="0" y="0"/>
+          <a:ext cx="0" cy="0"/>
+          <a:chOff x="0" y="0"/>
+          <a:chExt cx="0" cy="0"/>
+        </a:xfrm>
+      </p:grpSpPr>
+      <p:sp useBgFill="1">
+        <p:nvSpPr>
+          <p:cNvPr id="11" name="Rectangle 10">
+            <a:extLst>
+              <a:ext uri="{FF2B5EF4-FFF2-40B4-BE49-F238E27FC236}">
+                <a16:creationId xmlns:a16="http://schemas.microsoft.com/office/drawing/2014/main" id="{ED8E54F9-849C-4865-8C5E-FD967B81D756}"/>
+              </a:ext>
+              <a:ext uri="{C183D7F6-B498-43B3-948B-1728B52AA6E4}">
+                <adec:decorative xmlns:adec="http://schemas.microsoft.com/office/drawing/2017/decorative" val="1"/>
+              </a:ext>
+            </a:extLst>
+          </p:cNvPr>
+          <p:cNvSpPr>
+            <a:spLocks noGrp="1" noRot="1" noChangeAspect="1" noMove="1" noResize="1" noEditPoints="1" noAdjustHandles="1" noChangeArrowheads="1" noChangeShapeType="1" noTextEdit="1"/>
+          </p:cNvSpPr>
+          <p:nvPr>
+            <p:extLst>
+              <p:ext uri="{386F3935-93C4-4BCD-93E2-E3B085C9AB24}">
+                <p16:designElem xmlns:p16="http://schemas.microsoft.com/office/powerpoint/2015/main" val="1"/>
+              </p:ext>
+            </p:extLst>
+          </p:nvPr>
+        </p:nvSpPr>
+        <p:spPr>
+          <a:xfrm>
+            <a:off x="0" y="0"/>
+            <a:ext cx="12188952" cy="6858000"/>
+          </a:xfrm>
+          <a:prstGeom prst="rect">
+            <a:avLst/>
+          </a:prstGeom>
+          <a:ln>
+            <a:noFill/>
+          </a:ln>
+        </p:spPr>
+        <p:style>
+          <a:lnRef idx="2">
+            <a:schemeClr val="accent1">
+              <a:shade val="50000"/>
+            </a:schemeClr>
+          </a:lnRef>
+          <a:fillRef idx="1">
+            <a:schemeClr val="accent1"/>
+          </a:fillRef>
+          <a:effectRef idx="0">
+            <a:schemeClr val="accent1"/>
+          </a:effectRef>
+          <a:fontRef idx="minor">
+            <a:schemeClr val="lt1"/>
+          </a:fontRef>
+        </p:style>
+        <p:txBody>
+          <a:bodyPr rtlCol="0" anchor="ctr"/>
+          <a:lstStyle/>
+          <a:p>
+            <a:pPr algn="ctr"/>
+            <a:endParaRPr lang="en-US"/>
+          </a:p>
+        </p:txBody>
+      </p:sp>
+      <p:sp>
+        <p:nvSpPr>
+          <p:cNvPr id="13" name="Freeform: Shape 12">
+            <a:extLst>
+              <a:ext uri="{FF2B5EF4-FFF2-40B4-BE49-F238E27FC236}">
+                <a16:creationId xmlns:a16="http://schemas.microsoft.com/office/drawing/2014/main" id="{391AE6B3-1D2D-4C67-A4DB-888635B527AC}"/>
+              </a:ext>
+              <a:ext uri="{C183D7F6-B498-43B3-948B-1728B52AA6E4}">
+                <adec:decorative xmlns:adec="http://schemas.microsoft.com/office/drawing/2017/decorative" val="1"/>
+              </a:ext>
+            </a:extLst>
+          </p:cNvPr>
+          <p:cNvSpPr>
+            <a:spLocks noGrp="1" noRot="1" noChangeAspect="1" noMove="1" noResize="1" noEditPoints="1" noAdjustHandles="1" noChangeArrowheads="1" noChangeShapeType="1" noTextEdit="1"/>
+          </p:cNvSpPr>
+          <p:nvPr>
+            <p:extLst>
+              <p:ext uri="{386F3935-93C4-4BCD-93E2-E3B085C9AB24}">
+                <p16:designElem xmlns:p16="http://schemas.microsoft.com/office/powerpoint/2015/main" val="1"/>
+              </p:ext>
+            </p:extLst>
+          </p:nvPr>
+        </p:nvSpPr>
+        <p:spPr>
+          <a:xfrm>
+            <a:off x="0" y="1"/>
+            <a:ext cx="12192000" cy="6054983"/>
+          </a:xfrm>
+          <a:custGeom>
+            <a:avLst/>
+            <a:gdLst>
+              <a:gd name="connsiteX0" fmla="*/ 6788003 w 12188952"/>
+              <a:gd name="connsiteY0" fmla="*/ 5986774 h 6054983"/>
+              <a:gd name="connsiteX1" fmla="*/ 6787005 w 12188952"/>
+              <a:gd name="connsiteY1" fmla="*/ 5986852 h 6054983"/>
+              <a:gd name="connsiteX2" fmla="*/ 6786779 w 12188952"/>
+              <a:gd name="connsiteY2" fmla="*/ 5987386 h 6054983"/>
+              <a:gd name="connsiteX3" fmla="*/ 0 w 12188952"/>
+              <a:gd name="connsiteY3" fmla="*/ 0 h 6054983"/>
+              <a:gd name="connsiteX4" fmla="*/ 12188952 w 12188952"/>
+              <a:gd name="connsiteY4" fmla="*/ 0 h 6054983"/>
+              <a:gd name="connsiteX5" fmla="*/ 12188952 w 12188952"/>
+              <a:gd name="connsiteY5" fmla="*/ 5092539 h 6054983"/>
+              <a:gd name="connsiteX6" fmla="*/ 12058081 w 12188952"/>
+              <a:gd name="connsiteY6" fmla="*/ 5131579 h 6054983"/>
+              <a:gd name="connsiteX7" fmla="*/ 11673881 w 12188952"/>
+              <a:gd name="connsiteY7" fmla="*/ 5235154 h 6054983"/>
+              <a:gd name="connsiteX8" fmla="*/ 10422749 w 12188952"/>
+              <a:gd name="connsiteY8" fmla="*/ 5518693 h 6054983"/>
+              <a:gd name="connsiteX9" fmla="*/ 9421666 w 12188952"/>
+              <a:gd name="connsiteY9" fmla="*/ 5693855 h 6054983"/>
+              <a:gd name="connsiteX10" fmla="*/ 8456304 w 12188952"/>
+              <a:gd name="connsiteY10" fmla="*/ 5827556 h 6054983"/>
+              <a:gd name="connsiteX11" fmla="*/ 7714041 w 12188952"/>
+              <a:gd name="connsiteY11" fmla="*/ 5907503 h 6054983"/>
+              <a:gd name="connsiteX12" fmla="*/ 6949978 w 12188952"/>
+              <a:gd name="connsiteY12" fmla="*/ 5973283 h 6054983"/>
+              <a:gd name="connsiteX13" fmla="*/ 6934569 w 12188952"/>
+              <a:gd name="connsiteY13" fmla="*/ 5975354 h 6054983"/>
+              <a:gd name="connsiteX14" fmla="*/ 6788750 w 12188952"/>
+              <a:gd name="connsiteY14" fmla="*/ 5986715 h 6054983"/>
+              <a:gd name="connsiteX15" fmla="*/ 6798241 w 12188952"/>
+              <a:gd name="connsiteY15" fmla="*/ 5988535 h 6054983"/>
+              <a:gd name="connsiteX16" fmla="*/ 6833723 w 12188952"/>
+              <a:gd name="connsiteY16" fmla="*/ 5986828 h 6054983"/>
+              <a:gd name="connsiteX17" fmla="*/ 6882282 w 12188952"/>
+              <a:gd name="connsiteY17" fmla="*/ 5983850 h 6054983"/>
+              <a:gd name="connsiteX18" fmla="*/ 7576876 w 12188952"/>
+              <a:gd name="connsiteY18" fmla="*/ 5951323 h 6054983"/>
+              <a:gd name="connsiteX19" fmla="*/ 8621689 w 12188952"/>
+              <a:gd name="connsiteY19" fmla="*/ 5864426 h 6054983"/>
+              <a:gd name="connsiteX20" fmla="*/ 9477600 w 12188952"/>
+              <a:gd name="connsiteY20" fmla="*/ 5760520 h 6054983"/>
+              <a:gd name="connsiteX21" fmla="*/ 10626651 w 12188952"/>
+              <a:gd name="connsiteY21" fmla="*/ 5566363 h 6054983"/>
+              <a:gd name="connsiteX22" fmla="*/ 11995498 w 12188952"/>
+              <a:gd name="connsiteY22" fmla="*/ 5240369 h 6054983"/>
+              <a:gd name="connsiteX23" fmla="*/ 12188952 w 12188952"/>
+              <a:gd name="connsiteY23" fmla="*/ 5183370 h 6054983"/>
+              <a:gd name="connsiteX24" fmla="*/ 12188952 w 12188952"/>
+              <a:gd name="connsiteY24" fmla="*/ 5238107 h 6054983"/>
+              <a:gd name="connsiteX25" fmla="*/ 11826300 w 12188952"/>
+              <a:gd name="connsiteY25" fmla="*/ 5343406 h 6054983"/>
+              <a:gd name="connsiteX26" fmla="*/ 10936448 w 12188952"/>
+              <a:gd name="connsiteY26" fmla="*/ 5557921 h 6054983"/>
+              <a:gd name="connsiteX27" fmla="*/ 9983034 w 12188952"/>
+              <a:gd name="connsiteY27" fmla="*/ 5737926 h 6054983"/>
+              <a:gd name="connsiteX28" fmla="*/ 9184585 w 12188952"/>
+              <a:gd name="connsiteY28" fmla="*/ 5853873 h 6054983"/>
+              <a:gd name="connsiteX29" fmla="*/ 8576053 w 12188952"/>
+              <a:gd name="connsiteY29" fmla="*/ 5923392 h 6054983"/>
+              <a:gd name="connsiteX30" fmla="*/ 7862392 w 12188952"/>
+              <a:gd name="connsiteY30" fmla="*/ 5984843 h 6054983"/>
+              <a:gd name="connsiteX31" fmla="*/ 6933768 w 12188952"/>
+              <a:gd name="connsiteY31" fmla="*/ 6036237 h 6054983"/>
+              <a:gd name="connsiteX32" fmla="*/ 6476130 w 12188952"/>
+              <a:gd name="connsiteY32" fmla="*/ 6050140 h 6054983"/>
+              <a:gd name="connsiteX33" fmla="*/ 6360703 w 12188952"/>
+              <a:gd name="connsiteY33" fmla="*/ 6054983 h 6054983"/>
+              <a:gd name="connsiteX34" fmla="*/ 6055614 w 12188952"/>
+              <a:gd name="connsiteY34" fmla="*/ 6054983 h 6054983"/>
+              <a:gd name="connsiteX35" fmla="*/ 5976289 w 12188952"/>
+              <a:gd name="connsiteY35" fmla="*/ 6050389 h 6054983"/>
+              <a:gd name="connsiteX36" fmla="*/ 5263770 w 12188952"/>
+              <a:gd name="connsiteY36" fmla="*/ 6014140 h 6054983"/>
+              <a:gd name="connsiteX37" fmla="*/ 4345190 w 12188952"/>
+              <a:gd name="connsiteY37" fmla="*/ 5952070 h 6054983"/>
+              <a:gd name="connsiteX38" fmla="*/ 3372201 w 12188952"/>
+              <a:gd name="connsiteY38" fmla="*/ 5853501 h 6054983"/>
+              <a:gd name="connsiteX39" fmla="*/ 2361582 w 12188952"/>
+              <a:gd name="connsiteY39" fmla="*/ 5734574 h 6054983"/>
+              <a:gd name="connsiteX40" fmla="*/ 1232869 w 12188952"/>
+              <a:gd name="connsiteY40" fmla="*/ 5561398 h 6054983"/>
+              <a:gd name="connsiteX41" fmla="*/ 68483 w 12188952"/>
+              <a:gd name="connsiteY41" fmla="*/ 5321691 h 6054983"/>
+              <a:gd name="connsiteX42" fmla="*/ 0 w 12188952"/>
+              <a:gd name="connsiteY42" fmla="*/ 5304336 h 6054983"/>
+              <a:gd name="connsiteX43" fmla="*/ 0 w 12188952"/>
+              <a:gd name="connsiteY43" fmla="*/ 5247847 h 6054983"/>
+              <a:gd name="connsiteX44" fmla="*/ 72423 w 12188952"/>
+              <a:gd name="connsiteY44" fmla="*/ 5266624 h 6054983"/>
+              <a:gd name="connsiteX45" fmla="*/ 600566 w 12188952"/>
+              <a:gd name="connsiteY45" fmla="*/ 5384994 h 6054983"/>
+              <a:gd name="connsiteX46" fmla="*/ 1769069 w 12188952"/>
+              <a:gd name="connsiteY46" fmla="*/ 5595162 h 6054983"/>
+              <a:gd name="connsiteX47" fmla="*/ 2612900 w 12188952"/>
+              <a:gd name="connsiteY47" fmla="*/ 5712104 h 6054983"/>
+              <a:gd name="connsiteX48" fmla="*/ 2580488 w 12188952"/>
+              <a:gd name="connsiteY48" fmla="*/ 5702173 h 6054983"/>
+              <a:gd name="connsiteX49" fmla="*/ 1112357 w 12188952"/>
+              <a:gd name="connsiteY49" fmla="*/ 5369476 h 6054983"/>
+              <a:gd name="connsiteX50" fmla="*/ 420307 w 12188952"/>
+              <a:gd name="connsiteY50" fmla="*/ 5170043 h 6054983"/>
+              <a:gd name="connsiteX51" fmla="*/ 0 w 12188952"/>
+              <a:gd name="connsiteY51" fmla="*/ 5031126 h 6054983"/>
+            </a:gdLst>
+            <a:ahLst/>
+            <a:cxnLst>
+              <a:cxn ang="0">
+                <a:pos x="connsiteX0" y="connsiteY0"/>
+              </a:cxn>
+              <a:cxn ang="0">
+                <a:pos x="connsiteX1" y="connsiteY1"/>
+              </a:cxn>
+              <a:cxn ang="0">
+                <a:pos x="connsiteX2" y="connsiteY2"/>
+              </a:cxn>
+              <a:cxn ang="0">
+                <a:pos x="connsiteX3" y="connsiteY3"/>
+              </a:cxn>
+              <a:cxn ang="0">
+                <a:pos x="connsiteX4" y="connsiteY4"/>
+              </a:cxn>
+              <a:cxn ang="0">
+                <a:pos x="connsiteX5" y="connsiteY5"/>
+              </a:cxn>
+              <a:cxn ang="0">
+                <a:pos x="connsiteX6" y="connsiteY6"/>
+              </a:cxn>
+              <a:cxn ang="0">
+                <a:pos x="connsiteX7" y="connsiteY7"/>
+              </a:cxn>
+              <a:cxn ang="0">
+                <a:pos x="connsiteX8" y="connsiteY8"/>
+              </a:cxn>
+              <a:cxn ang="0">
+                <a:pos x="connsiteX9" y="connsiteY9"/>
+              </a:cxn>
+              <a:cxn ang="0">
+                <a:pos x="connsiteX10" y="connsiteY10"/>
+              </a:cxn>
+              <a:cxn ang="0">
+                <a:pos x="connsiteX11" y="connsiteY11"/>
+              </a:cxn>
+              <a:cxn ang="0">
+                <a:pos x="connsiteX12" y="connsiteY12"/>
+              </a:cxn>
+              <a:cxn ang="0">
+                <a:pos x="connsiteX13" y="connsiteY13"/>
+              </a:cxn>
+              <a:cxn ang="0">
+                <a:pos x="connsiteX14" y="connsiteY14"/>
+              </a:cxn>
+              <a:cxn ang="0">
+                <a:pos x="connsiteX15" y="connsiteY15"/>
+              </a:cxn>
+              <a:cxn ang="0">
+                <a:pos x="connsiteX16" y="connsiteY16"/>
+              </a:cxn>
+              <a:cxn ang="0">
+                <a:pos x="connsiteX17" y="connsiteY17"/>
+              </a:cxn>
+              <a:cxn ang="0">
+                <a:pos x="connsiteX18" y="connsiteY18"/>
+              </a:cxn>
+              <a:cxn ang="0">
+                <a:pos x="connsiteX19" y="connsiteY19"/>
+              </a:cxn>
+              <a:cxn ang="0">
+                <a:pos x="connsiteX20" y="connsiteY20"/>
+              </a:cxn>
+              <a:cxn ang="0">
+                <a:pos x="connsiteX21" y="connsiteY21"/>
+              </a:cxn>
+              <a:cxn ang="0">
+                <a:pos x="connsiteX22" y="connsiteY22"/>
+              </a:cxn>
+              <a:cxn ang="0">
+                <a:pos x="connsiteX23" y="connsiteY23"/>
+              </a:cxn>
+              <a:cxn ang="0">
+                <a:pos x="connsiteX24" y="connsiteY24"/>
+              </a:cxn>
+              <a:cxn ang="0">
+                <a:pos x="connsiteX25" y="connsiteY25"/>
+              </a:cxn>
+              <a:cxn ang="0">
+                <a:pos x="connsiteX26" y="connsiteY26"/>
+              </a:cxn>
+              <a:cxn ang="0">
+                <a:pos x="connsiteX27" y="connsiteY27"/>
+              </a:cxn>
+              <a:cxn ang="0">
+                <a:pos x="connsiteX28" y="connsiteY28"/>
+              </a:cxn>
+              <a:cxn ang="0">
+                <a:pos x="connsiteX29" y="connsiteY29"/>
+              </a:cxn>
+              <a:cxn ang="0">
+                <a:pos x="connsiteX30" y="connsiteY30"/>
+              </a:cxn>
+              <a:cxn ang="0">
+                <a:pos x="connsiteX31" y="connsiteY31"/>
+              </a:cxn>
+              <a:cxn ang="0">
+                <a:pos x="connsiteX32" y="connsiteY32"/>
+              </a:cxn>
+              <a:cxn ang="0">
+                <a:pos x="connsiteX33" y="connsiteY33"/>
+              </a:cxn>
+              <a:cxn ang="0">
+                <a:pos x="connsiteX34" y="connsiteY34"/>
+              </a:cxn>
+              <a:cxn ang="0">
+                <a:pos x="connsiteX35" y="connsiteY35"/>
+              </a:cxn>
+              <a:cxn ang="0">
+                <a:pos x="connsiteX36" y="connsiteY36"/>
+              </a:cxn>
+              <a:cxn ang="0">
+                <a:pos x="connsiteX37" y="connsiteY37"/>
+              </a:cxn>
+              <a:cxn ang="0">
+                <a:pos x="connsiteX38" y="connsiteY38"/>
+              </a:cxn>
+              <a:cxn ang="0">
+                <a:pos x="connsiteX39" y="connsiteY39"/>
+              </a:cxn>
+              <a:cxn ang="0">
+                <a:pos x="connsiteX40" y="connsiteY40"/>
+              </a:cxn>
+              <a:cxn ang="0">
+                <a:pos x="connsiteX41" y="connsiteY41"/>
+              </a:cxn>
+              <a:cxn ang="0">
+                <a:pos x="connsiteX42" y="connsiteY42"/>
+              </a:cxn>
+              <a:cxn ang="0">
+                <a:pos x="connsiteX43" y="connsiteY43"/>
+              </a:cxn>
+              <a:cxn ang="0">
+                <a:pos x="connsiteX44" y="connsiteY44"/>
+              </a:cxn>
+              <a:cxn ang="0">
+                <a:pos x="connsiteX45" y="connsiteY45"/>
+              </a:cxn>
+              <a:cxn ang="0">
+                <a:pos x="connsiteX46" y="connsiteY46"/>
+              </a:cxn>
+              <a:cxn ang="0">
+                <a:pos x="connsiteX47" y="connsiteY47"/>
+              </a:cxn>
+              <a:cxn ang="0">
+                <a:pos x="connsiteX48" y="connsiteY48"/>
+              </a:cxn>
+              <a:cxn ang="0">
+                <a:pos x="connsiteX49" y="connsiteY49"/>
+              </a:cxn>
+              <a:cxn ang="0">
+                <a:pos x="connsiteX50" y="connsiteY50"/>
+              </a:cxn>
+              <a:cxn ang="0">
+                <a:pos x="connsiteX51" y="connsiteY51"/>
+              </a:cxn>
+            </a:cxnLst>
+            <a:rect l="l" t="t" r="r" b="b"/>
+            <a:pathLst>
+              <a:path w="12188952" h="6054983">
+                <a:moveTo>
+                  <a:pt x="6788003" y="5986774"/>
+                </a:moveTo>
+                <a:lnTo>
+                  <a:pt x="6787005" y="5986852"/>
+                </a:lnTo>
+                <a:lnTo>
+                  <a:pt x="6786779" y="5987386"/>
+                </a:lnTo>
+                <a:close/>
+                <a:moveTo>
+                  <a:pt x="0" y="0"/>
+                </a:moveTo>
+                <a:lnTo>
+                  <a:pt x="12188952" y="0"/>
+                </a:lnTo>
+                <a:lnTo>
+                  <a:pt x="12188952" y="5092539"/>
+                </a:lnTo>
+                <a:lnTo>
+                  <a:pt x="12058081" y="5131579"/>
+                </a:lnTo>
+                <a:cubicBezTo>
+                  <a:pt x="11930517" y="5167793"/>
+                  <a:pt x="11802439" y="5202322"/>
+                  <a:pt x="11673881" y="5235154"/>
+                </a:cubicBezTo>
+                <a:cubicBezTo>
+                  <a:pt x="11259973" y="5342661"/>
+                  <a:pt x="10842632" y="5436263"/>
+                  <a:pt x="10422749" y="5518693"/>
+                </a:cubicBezTo>
+                <a:cubicBezTo>
+                  <a:pt x="10090287" y="5583904"/>
+                  <a:pt x="9756593" y="5642301"/>
+                  <a:pt x="9421666" y="5693855"/>
+                </a:cubicBezTo>
+                <a:cubicBezTo>
+                  <a:pt x="9100721" y="5743512"/>
+                  <a:pt x="8778938" y="5788079"/>
+                  <a:pt x="8456304" y="5827556"/>
+                </a:cubicBezTo>
+                <a:cubicBezTo>
+                  <a:pt x="8209307" y="5857722"/>
+                  <a:pt x="7961801" y="5883295"/>
+                  <a:pt x="7714041" y="5907503"/>
+                </a:cubicBezTo>
+                <a:lnTo>
+                  <a:pt x="6949978" y="5973283"/>
+                </a:lnTo>
+                <a:lnTo>
+                  <a:pt x="6934569" y="5975354"/>
+                </a:lnTo>
+                <a:lnTo>
+                  <a:pt x="6788750" y="5986715"/>
+                </a:lnTo>
+                <a:lnTo>
+                  <a:pt x="6798241" y="5988535"/>
+                </a:lnTo>
+                <a:cubicBezTo>
+                  <a:pt x="6809920" y="5989001"/>
+                  <a:pt x="6822028" y="5986828"/>
+                  <a:pt x="6833723" y="5986828"/>
+                </a:cubicBezTo>
+                <a:cubicBezTo>
+                  <a:pt x="6849867" y="5986828"/>
+                  <a:pt x="6866012" y="5984221"/>
+                  <a:pt x="6882282" y="5983850"/>
+                </a:cubicBezTo>
+                <a:cubicBezTo>
+                  <a:pt x="7114026" y="5978388"/>
+                  <a:pt x="7345514" y="5966221"/>
+                  <a:pt x="7576876" y="5951323"/>
+                </a:cubicBezTo>
+                <a:cubicBezTo>
+                  <a:pt x="7925570" y="5928855"/>
+                  <a:pt x="8274011" y="5900676"/>
+                  <a:pt x="8621689" y="5864426"/>
+                </a:cubicBezTo>
+                <a:cubicBezTo>
+                  <a:pt x="8907712" y="5835128"/>
+                  <a:pt x="9193011" y="5800493"/>
+                  <a:pt x="9477600" y="5760520"/>
+                </a:cubicBezTo>
+                <a:cubicBezTo>
+                  <a:pt x="9862435" y="5706146"/>
+                  <a:pt x="10245452" y="5641432"/>
+                  <a:pt x="10626651" y="5566363"/>
+                </a:cubicBezTo>
+                <a:cubicBezTo>
+                  <a:pt x="11087341" y="5475243"/>
+                  <a:pt x="11544088" y="5367737"/>
+                  <a:pt x="11995498" y="5240369"/>
+                </a:cubicBezTo>
+                <a:lnTo>
+                  <a:pt x="12188952" y="5183370"/>
+                </a:lnTo>
+                <a:lnTo>
+                  <a:pt x="12188952" y="5238107"/>
+                </a:lnTo>
+                <a:lnTo>
+                  <a:pt x="11826300" y="5343406"/>
+                </a:lnTo>
+                <a:cubicBezTo>
+                  <a:pt x="11531885" y="5423103"/>
+                  <a:pt x="11235310" y="5493989"/>
+                  <a:pt x="10936448" y="5557921"/>
+                </a:cubicBezTo>
+                <a:cubicBezTo>
+                  <a:pt x="10620168" y="5625703"/>
+                  <a:pt x="10302365" y="5685700"/>
+                  <a:pt x="9983034" y="5737926"/>
+                </a:cubicBezTo>
+                <a:cubicBezTo>
+                  <a:pt x="9717606" y="5781375"/>
+                  <a:pt x="9451451" y="5820020"/>
+                  <a:pt x="9184585" y="5853873"/>
+                </a:cubicBezTo>
+                <a:cubicBezTo>
+                  <a:pt x="8981951" y="5879447"/>
+                  <a:pt x="8779319" y="5903530"/>
+                  <a:pt x="8576053" y="5923392"/>
+                </a:cubicBezTo>
+                <a:cubicBezTo>
+                  <a:pt x="8338462" y="5946112"/>
+                  <a:pt x="8100618" y="5967587"/>
+                  <a:pt x="7862392" y="5984843"/>
+                </a:cubicBezTo>
+                <a:cubicBezTo>
+                  <a:pt x="7553105" y="6007187"/>
+                  <a:pt x="7243690" y="6025065"/>
+                  <a:pt x="6933768" y="6036237"/>
+                </a:cubicBezTo>
+                <a:cubicBezTo>
+                  <a:pt x="6781221" y="6041700"/>
+                  <a:pt x="6628676" y="6045548"/>
+                  <a:pt x="6476130" y="6050140"/>
+                </a:cubicBezTo>
+                <a:cubicBezTo>
+                  <a:pt x="6437585" y="6048056"/>
+                  <a:pt x="6398929" y="6049681"/>
+                  <a:pt x="6360703" y="6054983"/>
+                </a:cubicBezTo>
+                <a:lnTo>
+                  <a:pt x="6055614" y="6054983"/>
+                </a:lnTo>
+                <a:lnTo>
+                  <a:pt x="5976289" y="6050389"/>
+                </a:lnTo>
+                <a:cubicBezTo>
+                  <a:pt x="5738826" y="6037976"/>
+                  <a:pt x="5501363" y="6024197"/>
+                  <a:pt x="5263770" y="6014140"/>
+                </a:cubicBezTo>
+                <a:cubicBezTo>
+                  <a:pt x="4957027" y="6001724"/>
+                  <a:pt x="4650663" y="5981244"/>
+                  <a:pt x="4345190" y="5952070"/>
+                </a:cubicBezTo>
+                <a:cubicBezTo>
+                  <a:pt x="4020648" y="5921158"/>
+                  <a:pt x="3696870" y="5886523"/>
+                  <a:pt x="3372201" y="5853501"/>
+                </a:cubicBezTo>
+                <a:cubicBezTo>
+                  <a:pt x="3034653" y="5819239"/>
+                  <a:pt x="2697781" y="5779600"/>
+                  <a:pt x="2361582" y="5734574"/>
+                </a:cubicBezTo>
+                <a:cubicBezTo>
+                  <a:pt x="1984196" y="5684421"/>
+                  <a:pt x="1607962" y="5626695"/>
+                  <a:pt x="1232869" y="5561398"/>
+                </a:cubicBezTo>
+                <a:cubicBezTo>
+                  <a:pt x="841970" y="5492685"/>
+                  <a:pt x="453644" y="5414197"/>
+                  <a:pt x="68483" y="5321691"/>
+                </a:cubicBezTo>
+                <a:lnTo>
+                  <a:pt x="0" y="5304336"/>
+                </a:lnTo>
+                <a:lnTo>
+                  <a:pt x="0" y="5247847"/>
+                </a:lnTo>
+                <a:lnTo>
+                  <a:pt x="72423" y="5266624"/>
+                </a:lnTo>
+                <a:cubicBezTo>
+                  <a:pt x="247899" y="5308802"/>
+                  <a:pt x="424058" y="5348062"/>
+                  <a:pt x="600566" y="5384994"/>
+                </a:cubicBezTo>
+                <a:cubicBezTo>
+                  <a:pt x="988032" y="5465808"/>
+                  <a:pt x="1377788" y="5534706"/>
+                  <a:pt x="1769069" y="5595162"/>
+                </a:cubicBezTo>
+                <a:cubicBezTo>
+                  <a:pt x="2051913" y="5638738"/>
+                  <a:pt x="2335141" y="5678835"/>
+                  <a:pt x="2612900" y="5712104"/>
+                </a:cubicBezTo>
+                <a:cubicBezTo>
+                  <a:pt x="2604892" y="5714711"/>
+                  <a:pt x="2593962" y="5704655"/>
+                  <a:pt x="2580488" y="5702173"/>
+                </a:cubicBezTo>
+                <a:cubicBezTo>
+                  <a:pt x="2086656" y="5610221"/>
+                  <a:pt x="1597284" y="5499328"/>
+                  <a:pt x="1112357" y="5369476"/>
+                </a:cubicBezTo>
+                <a:cubicBezTo>
+                  <a:pt x="880233" y="5307405"/>
+                  <a:pt x="649550" y="5240927"/>
+                  <a:pt x="420307" y="5170043"/>
+                </a:cubicBezTo>
+                <a:lnTo>
+                  <a:pt x="0" y="5031126"/>
+                </a:lnTo>
+                <a:close/>
+              </a:path>
+            </a:pathLst>
+          </a:custGeom>
+          <a:solidFill>
+            <a:schemeClr val="accent2"/>
+          </a:solidFill>
+          <a:ln>
+            <a:noFill/>
+          </a:ln>
+        </p:spPr>
+        <p:style>
+          <a:lnRef idx="2">
+            <a:schemeClr val="accent1">
+              <a:shade val="50000"/>
+            </a:schemeClr>
+          </a:lnRef>
+          <a:fillRef idx="1">
+            <a:schemeClr val="accent1"/>
+          </a:fillRef>
+          <a:effectRef idx="0">
+            <a:schemeClr val="accent1"/>
+          </a:effectRef>
+          <a:fontRef idx="minor">
+            <a:schemeClr val="lt1"/>
+          </a:fontRef>
+        </p:style>
+        <p:txBody>
+          <a:bodyPr wrap="square" rtlCol="0" anchor="ctr">
+            <a:noAutofit/>
+          </a:bodyPr>
+          <a:lstStyle/>
+          <a:p>
+            <a:pPr algn="ctr"/>
+            <a:endParaRPr lang="en-US"/>
+          </a:p>
+        </p:txBody>
+      </p:sp>
+      <p:sp>
+        <p:nvSpPr>
+          <p:cNvPr id="4" name="Titolo 3">
+            <a:extLst>
+              <a:ext uri="{FF2B5EF4-FFF2-40B4-BE49-F238E27FC236}">
+                <a16:creationId xmlns:a16="http://schemas.microsoft.com/office/drawing/2014/main" id="{8501DC09-D42F-3460-8E6F-6A256381FB4C}"/>
+              </a:ext>
+            </a:extLst>
+          </p:cNvPr>
+          <p:cNvSpPr>
+            <a:spLocks noGrp="1"/>
+          </p:cNvSpPr>
+          <p:nvPr>
+            <p:ph type="ctrTitle"/>
+          </p:nvPr>
+        </p:nvSpPr>
+        <p:spPr>
+          <a:xfrm>
+            <a:off x="1524000" y="929452"/>
+            <a:ext cx="9144000" cy="2526738"/>
+          </a:xfrm>
+        </p:spPr>
+        <p:txBody>
+          <a:bodyPr>
+            <a:normAutofit/>
+          </a:bodyPr>
+          <a:lstStyle/>
+          <a:p>
+            <a:r>
+              <a:rPr lang="it-IT" sz="6600">
+                <a:solidFill>
+                  <a:srgbClr val="FFFFFF"/>
+                </a:solidFill>
+              </a:rPr>
+              <a:t>Implementazione</a:t>
+            </a:r>
+            <a:endParaRPr lang="en-GB" sz="6600">
+              <a:solidFill>
+                <a:srgbClr val="FFFFFF"/>
+              </a:solidFill>
+            </a:endParaRPr>
+          </a:p>
+        </p:txBody>
+      </p:sp>
+      <p:sp>
+        <p:nvSpPr>
+          <p:cNvPr id="15" name="sketch line">
+            <a:extLst>
+              <a:ext uri="{FF2B5EF4-FFF2-40B4-BE49-F238E27FC236}">
+                <a16:creationId xmlns:a16="http://schemas.microsoft.com/office/drawing/2014/main" id="{6D080EC2-42B5-4E04-BBF7-F0BC5CB7C997}"/>
+              </a:ext>
+              <a:ext uri="{C183D7F6-B498-43B3-948B-1728B52AA6E4}">
+                <adec:decorative xmlns:adec="http://schemas.microsoft.com/office/drawing/2017/decorative" val="1"/>
+              </a:ext>
+            </a:extLst>
+          </p:cNvPr>
+          <p:cNvSpPr>
+            <a:spLocks noGrp="1" noRot="1" noChangeAspect="1" noMove="1" noResize="1" noEditPoints="1" noAdjustHandles="1" noChangeArrowheads="1" noChangeShapeType="1" noTextEdit="1"/>
+          </p:cNvSpPr>
+          <p:nvPr>
+            <p:extLst>
+              <p:ext uri="{386F3935-93C4-4BCD-93E2-E3B085C9AB24}">
+                <p16:designElem xmlns:p16="http://schemas.microsoft.com/office/powerpoint/2015/main" val="1"/>
+              </p:ext>
+            </p:extLst>
+          </p:nvPr>
+        </p:nvSpPr>
+        <p:spPr>
+          <a:xfrm>
+            <a:off x="3974206" y="3566566"/>
+            <a:ext cx="4243589" cy="18288"/>
+          </a:xfrm>
+          <a:custGeom>
+            <a:avLst/>
+            <a:gdLst>
+              <a:gd name="connsiteX0" fmla="*/ 0 w 4243589"/>
+              <a:gd name="connsiteY0" fmla="*/ 0 h 18288"/>
+              <a:gd name="connsiteX1" fmla="*/ 563791 w 4243589"/>
+              <a:gd name="connsiteY1" fmla="*/ 0 h 18288"/>
+              <a:gd name="connsiteX2" fmla="*/ 1042710 w 4243589"/>
+              <a:gd name="connsiteY2" fmla="*/ 0 h 18288"/>
+              <a:gd name="connsiteX3" fmla="*/ 1564066 w 4243589"/>
+              <a:gd name="connsiteY3" fmla="*/ 0 h 18288"/>
+              <a:gd name="connsiteX4" fmla="*/ 2212729 w 4243589"/>
+              <a:gd name="connsiteY4" fmla="*/ 0 h 18288"/>
+              <a:gd name="connsiteX5" fmla="*/ 2776520 w 4243589"/>
+              <a:gd name="connsiteY5" fmla="*/ 0 h 18288"/>
+              <a:gd name="connsiteX6" fmla="*/ 3297875 w 4243589"/>
+              <a:gd name="connsiteY6" fmla="*/ 0 h 18288"/>
+              <a:gd name="connsiteX7" fmla="*/ 4243589 w 4243589"/>
+              <a:gd name="connsiteY7" fmla="*/ 0 h 18288"/>
+              <a:gd name="connsiteX8" fmla="*/ 4243589 w 4243589"/>
+              <a:gd name="connsiteY8" fmla="*/ 18288 h 18288"/>
+              <a:gd name="connsiteX9" fmla="*/ 3637362 w 4243589"/>
+              <a:gd name="connsiteY9" fmla="*/ 18288 h 18288"/>
+              <a:gd name="connsiteX10" fmla="*/ 3116007 w 4243589"/>
+              <a:gd name="connsiteY10" fmla="*/ 18288 h 18288"/>
+              <a:gd name="connsiteX11" fmla="*/ 2424908 w 4243589"/>
+              <a:gd name="connsiteY11" fmla="*/ 18288 h 18288"/>
+              <a:gd name="connsiteX12" fmla="*/ 1861117 w 4243589"/>
+              <a:gd name="connsiteY12" fmla="*/ 18288 h 18288"/>
+              <a:gd name="connsiteX13" fmla="*/ 1382198 w 4243589"/>
+              <a:gd name="connsiteY13" fmla="*/ 18288 h 18288"/>
+              <a:gd name="connsiteX14" fmla="*/ 733535 w 4243589"/>
+              <a:gd name="connsiteY14" fmla="*/ 18288 h 18288"/>
+              <a:gd name="connsiteX15" fmla="*/ 0 w 4243589"/>
+              <a:gd name="connsiteY15" fmla="*/ 18288 h 18288"/>
+              <a:gd name="connsiteX16" fmla="*/ 0 w 4243589"/>
+              <a:gd name="connsiteY16" fmla="*/ 0 h 18288"/>
+            </a:gdLst>
+            <a:ahLst/>
+            <a:cxnLst>
+              <a:cxn ang="0">
+                <a:pos x="connsiteX0" y="connsiteY0"/>
+              </a:cxn>
+              <a:cxn ang="0">
+                <a:pos x="connsiteX1" y="connsiteY1"/>
+              </a:cxn>
+              <a:cxn ang="0">
+                <a:pos x="connsiteX2" y="connsiteY2"/>
+              </a:cxn>
+              <a:cxn ang="0">
+                <a:pos x="connsiteX3" y="connsiteY3"/>
+              </a:cxn>
+              <a:cxn ang="0">
+                <a:pos x="connsiteX4" y="connsiteY4"/>
+              </a:cxn>
+              <a:cxn ang="0">
+                <a:pos x="connsiteX5" y="connsiteY5"/>
+              </a:cxn>
+              <a:cxn ang="0">
+                <a:pos x="connsiteX6" y="connsiteY6"/>
+              </a:cxn>
+              <a:cxn ang="0">
+                <a:pos x="connsiteX7" y="connsiteY7"/>
+              </a:cxn>
+              <a:cxn ang="0">
+                <a:pos x="connsiteX8" y="connsiteY8"/>
+              </a:cxn>
+              <a:cxn ang="0">
+                <a:pos x="connsiteX9" y="connsiteY9"/>
+              </a:cxn>
+              <a:cxn ang="0">
+                <a:pos x="connsiteX10" y="connsiteY10"/>
+              </a:cxn>
+              <a:cxn ang="0">
+                <a:pos x="connsiteX11" y="connsiteY11"/>
+              </a:cxn>
+              <a:cxn ang="0">
+                <a:pos x="connsiteX12" y="connsiteY12"/>
+              </a:cxn>
+              <a:cxn ang="0">
+                <a:pos x="connsiteX13" y="connsiteY13"/>
+              </a:cxn>
+              <a:cxn ang="0">
+                <a:pos x="connsiteX14" y="connsiteY14"/>
+              </a:cxn>
+              <a:cxn ang="0">
+                <a:pos x="connsiteX15" y="connsiteY15"/>
+              </a:cxn>
+              <a:cxn ang="0">
+                <a:pos x="connsiteX16" y="connsiteY16"/>
+              </a:cxn>
+            </a:cxnLst>
+            <a:rect l="l" t="t" r="r" b="b"/>
+            <a:pathLst>
+              <a:path w="4243589" h="18288" fill="none" extrusionOk="0">
+                <a:moveTo>
+                  <a:pt x="0" y="0"/>
+                </a:moveTo>
+                <a:cubicBezTo>
+                  <a:pt x="157351" y="-15653"/>
+                  <a:pt x="378877" y="-5828"/>
+                  <a:pt x="563791" y="0"/>
+                </a:cubicBezTo>
+                <a:cubicBezTo>
+                  <a:pt x="748705" y="5828"/>
+                  <a:pt x="905659" y="-5525"/>
+                  <a:pt x="1042710" y="0"/>
+                </a:cubicBezTo>
+                <a:cubicBezTo>
+                  <a:pt x="1179761" y="5525"/>
+                  <a:pt x="1356845" y="-21288"/>
+                  <a:pt x="1564066" y="0"/>
+                </a:cubicBezTo>
+                <a:cubicBezTo>
+                  <a:pt x="1771287" y="21288"/>
+                  <a:pt x="1912099" y="25135"/>
+                  <a:pt x="2212729" y="0"/>
+                </a:cubicBezTo>
+                <a:cubicBezTo>
+                  <a:pt x="2513359" y="-25135"/>
+                  <a:pt x="2514918" y="-27119"/>
+                  <a:pt x="2776520" y="0"/>
+                </a:cubicBezTo>
+                <a:cubicBezTo>
+                  <a:pt x="3038122" y="27119"/>
+                  <a:pt x="3178771" y="18116"/>
+                  <a:pt x="3297875" y="0"/>
+                </a:cubicBezTo>
+                <a:cubicBezTo>
+                  <a:pt x="3416980" y="-18116"/>
+                  <a:pt x="4012240" y="-40869"/>
+                  <a:pt x="4243589" y="0"/>
+                </a:cubicBezTo>
+                <a:cubicBezTo>
+                  <a:pt x="4243987" y="7429"/>
+                  <a:pt x="4243569" y="10822"/>
+                  <a:pt x="4243589" y="18288"/>
+                </a:cubicBezTo>
+                <a:cubicBezTo>
+                  <a:pt x="4112949" y="-2855"/>
+                  <a:pt x="3928037" y="1831"/>
+                  <a:pt x="3637362" y="18288"/>
+                </a:cubicBezTo>
+                <a:cubicBezTo>
+                  <a:pt x="3346687" y="34745"/>
+                  <a:pt x="3254446" y="26669"/>
+                  <a:pt x="3116007" y="18288"/>
+                </a:cubicBezTo>
+                <a:cubicBezTo>
+                  <a:pt x="2977569" y="9907"/>
+                  <a:pt x="2620228" y="28873"/>
+                  <a:pt x="2424908" y="18288"/>
+                </a:cubicBezTo>
+                <a:cubicBezTo>
+                  <a:pt x="2229588" y="7703"/>
+                  <a:pt x="2088287" y="-3854"/>
+                  <a:pt x="1861117" y="18288"/>
+                </a:cubicBezTo>
+                <a:cubicBezTo>
+                  <a:pt x="1633947" y="40430"/>
+                  <a:pt x="1502447" y="-871"/>
+                  <a:pt x="1382198" y="18288"/>
+                </a:cubicBezTo>
+                <a:cubicBezTo>
+                  <a:pt x="1261949" y="37447"/>
+                  <a:pt x="1045440" y="28353"/>
+                  <a:pt x="733535" y="18288"/>
+                </a:cubicBezTo>
+                <a:cubicBezTo>
+                  <a:pt x="421630" y="8223"/>
+                  <a:pt x="341257" y="-18359"/>
+                  <a:pt x="0" y="18288"/>
+                </a:cubicBezTo>
+                <a:cubicBezTo>
+                  <a:pt x="-591" y="13205"/>
+                  <a:pt x="-663" y="6329"/>
+                  <a:pt x="0" y="0"/>
+                </a:cubicBezTo>
+                <a:close/>
+              </a:path>
+              <a:path w="4243589" h="18288" stroke="0" extrusionOk="0">
+                <a:moveTo>
+                  <a:pt x="0" y="0"/>
+                </a:moveTo>
+                <a:cubicBezTo>
+                  <a:pt x="128164" y="17204"/>
+                  <a:pt x="312653" y="1129"/>
+                  <a:pt x="563791" y="0"/>
+                </a:cubicBezTo>
+                <a:cubicBezTo>
+                  <a:pt x="814929" y="-1129"/>
+                  <a:pt x="837271" y="8503"/>
+                  <a:pt x="1042710" y="0"/>
+                </a:cubicBezTo>
+                <a:cubicBezTo>
+                  <a:pt x="1248149" y="-8503"/>
+                  <a:pt x="1588432" y="-28862"/>
+                  <a:pt x="1733809" y="0"/>
+                </a:cubicBezTo>
+                <a:cubicBezTo>
+                  <a:pt x="1879186" y="28862"/>
+                  <a:pt x="2052815" y="5974"/>
+                  <a:pt x="2297600" y="0"/>
+                </a:cubicBezTo>
+                <a:cubicBezTo>
+                  <a:pt x="2542385" y="-5974"/>
+                  <a:pt x="2699960" y="-23550"/>
+                  <a:pt x="2861391" y="0"/>
+                </a:cubicBezTo>
+                <a:cubicBezTo>
+                  <a:pt x="3022822" y="23550"/>
+                  <a:pt x="3390411" y="25272"/>
+                  <a:pt x="3552490" y="0"/>
+                </a:cubicBezTo>
+                <a:cubicBezTo>
+                  <a:pt x="3714569" y="-25272"/>
+                  <a:pt x="3950585" y="-31327"/>
+                  <a:pt x="4243589" y="0"/>
+                </a:cubicBezTo>
+                <a:cubicBezTo>
+                  <a:pt x="4242703" y="5429"/>
+                  <a:pt x="4244410" y="14046"/>
+                  <a:pt x="4243589" y="18288"/>
+                </a:cubicBezTo>
+                <a:cubicBezTo>
+                  <a:pt x="4130424" y="-1240"/>
+                  <a:pt x="3932803" y="42249"/>
+                  <a:pt x="3722234" y="18288"/>
+                </a:cubicBezTo>
+                <a:cubicBezTo>
+                  <a:pt x="3511665" y="-5673"/>
+                  <a:pt x="3269903" y="45994"/>
+                  <a:pt x="3116007" y="18288"/>
+                </a:cubicBezTo>
+                <a:cubicBezTo>
+                  <a:pt x="2962111" y="-9418"/>
+                  <a:pt x="2744280" y="23224"/>
+                  <a:pt x="2509780" y="18288"/>
+                </a:cubicBezTo>
+                <a:cubicBezTo>
+                  <a:pt x="2275280" y="13352"/>
+                  <a:pt x="2066059" y="43664"/>
+                  <a:pt x="1945989" y="18288"/>
+                </a:cubicBezTo>
+                <a:cubicBezTo>
+                  <a:pt x="1825919" y="-7088"/>
+                  <a:pt x="1407329" y="12616"/>
+                  <a:pt x="1254890" y="18288"/>
+                </a:cubicBezTo>
+                <a:cubicBezTo>
+                  <a:pt x="1102451" y="23960"/>
+                  <a:pt x="837950" y="31673"/>
+                  <a:pt x="563791" y="18288"/>
+                </a:cubicBezTo>
+                <a:cubicBezTo>
+                  <a:pt x="289632" y="4903"/>
+                  <a:pt x="132768" y="7105"/>
+                  <a:pt x="0" y="18288"/>
+                </a:cubicBezTo>
+                <a:cubicBezTo>
+                  <a:pt x="668" y="13665"/>
+                  <a:pt x="578" y="5675"/>
+                  <a:pt x="0" y="0"/>
+                </a:cubicBezTo>
+                <a:close/>
+              </a:path>
+            </a:pathLst>
+          </a:custGeom>
+          <a:solidFill>
+            <a:srgbClr val="FFFFFF"/>
+          </a:solidFill>
+          <a:ln w="41275" cap="rnd">
+            <a:solidFill>
+              <a:srgbClr val="FFFFFF"/>
+            </a:solidFill>
+            <a:round/>
+            <a:extLst>
+              <a:ext uri="{C807C97D-BFC1-408E-A445-0C87EB9F89A2}">
+                <ask:lineSketchStyleProps xmlns:ask="http://schemas.microsoft.com/office/drawing/2018/sketchyshapes" sd="1219033472">
+                  <a:prstGeom prst="rect">
+                    <a:avLst/>
+                  </a:prstGeom>
+                  <ask:type>
+                    <ask:lineSketchFreehand/>
+                  </ask:type>
+                </ask:lineSketchStyleProps>
+              </a:ext>
+            </a:extLst>
+          </a:ln>
+        </p:spPr>
+        <p:style>
+          <a:lnRef idx="2">
+            <a:schemeClr val="accent1">
+              <a:shade val="50000"/>
+            </a:schemeClr>
+          </a:lnRef>
+          <a:fillRef idx="1">
+            <a:schemeClr val="accent1"/>
+          </a:fillRef>
+          <a:effectRef idx="0">
+            <a:schemeClr val="accent1"/>
+          </a:effectRef>
+          <a:fontRef idx="minor">
+            <a:schemeClr val="lt1"/>
+          </a:fontRef>
+        </p:style>
+        <p:txBody>
+          <a:bodyPr rtlCol="0" anchor="ctr"/>
+          <a:lstStyle/>
+          <a:p>
+            <a:pPr algn="ctr"/>
+            <a:endParaRPr lang="en-US"/>
+          </a:p>
+        </p:txBody>
+      </p:sp>
+      <p:pic>
+        <p:nvPicPr>
+          <p:cNvPr id="6" name="Immagine 5">
+            <a:extLst>
+              <a:ext uri="{FF2B5EF4-FFF2-40B4-BE49-F238E27FC236}">
+                <a16:creationId xmlns:a16="http://schemas.microsoft.com/office/drawing/2014/main" id="{7D732362-A5C3-A232-C5B8-0E79F0697C4B}"/>
+              </a:ext>
+            </a:extLst>
+          </p:cNvPr>
+          <p:cNvPicPr>
+            <a:picLocks noChangeAspect="1"/>
+          </p:cNvPicPr>
+          <p:nvPr/>
+        </p:nvPicPr>
+        <p:blipFill>
+          <a:blip r:embed="rId2">
+            <a:extLst>
+              <a:ext uri="{28A0092B-C50C-407E-A947-70E740481C1C}">
+                <a14:useLocalDpi xmlns:a14="http://schemas.microsoft.com/office/drawing/2010/main" val="0"/>
+              </a:ext>
+            </a:extLst>
+          </a:blip>
+          <a:stretch>
+            <a:fillRect/>
+          </a:stretch>
+        </p:blipFill>
+        <p:spPr>
+          <a:xfrm>
+            <a:off x="11212066" y="271844"/>
+            <a:ext cx="677507" cy="483933"/>
+          </a:xfrm>
+          <a:prstGeom prst="rect">
+            <a:avLst/>
+          </a:prstGeom>
+        </p:spPr>
+      </p:pic>
+    </p:spTree>
+    <p:extLst>
+      <p:ext uri="{BB962C8B-B14F-4D97-AF65-F5344CB8AC3E}">
+        <p14:creationId xmlns:p14="http://schemas.microsoft.com/office/powerpoint/2010/main" val="1755691503"/>
+      </p:ext>
+    </p:extLst>
+  </p:cSld>
+  <p:clrMapOvr>
+    <a:masterClrMapping/>
+  </p:clrMapOvr>
+</p:sld>
+</file>
+
+<file path=ppt/slides/slide7.xml><?xml version="1.0" encoding="utf-8"?>
+<p:sld xmlns:a="http://schemas.openxmlformats.org/drawingml/2006/main" xmlns:r="http://schemas.openxmlformats.org/officeDocument/2006/relationships" xmlns:p="http://schemas.openxmlformats.org/presentationml/2006/main">
+  <p:cSld>
+    <p:bg>
+      <p:bgPr>
+        <a:solidFill>
+          <a:srgbClr val="BBC5D9"/>
+        </a:solidFill>
+        <a:effectLst/>
+      </p:bgPr>
+    </p:bg>
+    <p:spTree>
+      <p:nvGrpSpPr>
+        <p:cNvPr id="1" name=""/>
+        <p:cNvGrpSpPr/>
+        <p:nvPr/>
+      </p:nvGrpSpPr>
+      <p:grpSpPr>
+        <a:xfrm>
+          <a:off x="0" y="0"/>
+          <a:ext cx="0" cy="0"/>
+          <a:chOff x="0" y="0"/>
+          <a:chExt cx="0" cy="0"/>
+        </a:xfrm>
+      </p:grpSpPr>
+      <p:sp useBgFill="1">
+        <p:nvSpPr>
+          <p:cNvPr id="18" name="Rectangle 9">
+            <a:extLst>
+              <a:ext uri="{FF2B5EF4-FFF2-40B4-BE49-F238E27FC236}">
+                <a16:creationId xmlns:a16="http://schemas.microsoft.com/office/drawing/2014/main" id="{35DB3719-6FDC-4E5D-891D-FF40B7300F64}"/>
+              </a:ext>
+              <a:ext uri="{C183D7F6-B498-43B3-948B-1728B52AA6E4}">
+                <adec:decorative xmlns:adec="http://schemas.microsoft.com/office/drawing/2017/decorative" val="1"/>
+              </a:ext>
+            </a:extLst>
+          </p:cNvPr>
+          <p:cNvSpPr>
+            <a:spLocks noGrp="1" noRot="1" noChangeAspect="1" noMove="1" noResize="1" noEditPoints="1" noAdjustHandles="1" noChangeArrowheads="1" noChangeShapeType="1" noTextEdit="1"/>
+          </p:cNvSpPr>
+          <p:nvPr>
+            <p:extLst>
+              <p:ext uri="{386F3935-93C4-4BCD-93E2-E3B085C9AB24}">
+                <p16:designElem xmlns:p16="http://schemas.microsoft.com/office/powerpoint/2015/main" val="1"/>
+              </p:ext>
+            </p:extLst>
+          </p:nvPr>
+        </p:nvSpPr>
+        <p:spPr>
+          <a:xfrm>
+            <a:off x="0" y="0"/>
+            <a:ext cx="12188952" cy="6858000"/>
+          </a:xfrm>
+          <a:prstGeom prst="rect">
+            <a:avLst/>
+          </a:prstGeom>
+          <a:ln>
+            <a:noFill/>
+          </a:ln>
+        </p:spPr>
+        <p:style>
+          <a:lnRef idx="2">
+            <a:schemeClr val="accent1">
+              <a:shade val="50000"/>
+            </a:schemeClr>
+          </a:lnRef>
+          <a:fillRef idx="1">
+            <a:schemeClr val="accent1"/>
+          </a:fillRef>
+          <a:effectRef idx="0">
+            <a:schemeClr val="accent1"/>
+          </a:effectRef>
+          <a:fontRef idx="minor">
+            <a:schemeClr val="lt1"/>
+          </a:fontRef>
+        </p:style>
+        <p:txBody>
+          <a:bodyPr rtlCol="0" anchor="ctr"/>
+          <a:lstStyle/>
+          <a:p>
+            <a:pPr algn="ctr"/>
+            <a:endParaRPr lang="en-US"/>
+          </a:p>
+        </p:txBody>
+      </p:sp>
+      <p:sp>
+        <p:nvSpPr>
+          <p:cNvPr id="2" name="Titolo 1">
+            <a:extLst>
+              <a:ext uri="{FF2B5EF4-FFF2-40B4-BE49-F238E27FC236}">
+                <a16:creationId xmlns:a16="http://schemas.microsoft.com/office/drawing/2014/main" id="{CFB9C22F-62AF-D400-DEE6-1DDCCE74FDD2}"/>
+              </a:ext>
+            </a:extLst>
+          </p:cNvPr>
+          <p:cNvSpPr>
+            <a:spLocks noGrp="1"/>
+          </p:cNvSpPr>
+          <p:nvPr>
+            <p:ph type="title"/>
+          </p:nvPr>
+        </p:nvSpPr>
+        <p:spPr>
+          <a:xfrm>
+            <a:off x="838200" y="681037"/>
+            <a:ext cx="10515600" cy="1325563"/>
+          </a:xfrm>
+        </p:spPr>
+        <p:txBody>
+          <a:bodyPr>
+            <a:normAutofit/>
+          </a:bodyPr>
+          <a:lstStyle/>
+          <a:p>
+            <a:r>
+              <a:rPr lang="it-IT" sz="5400" dirty="0">
+                <a:solidFill>
+                  <a:srgbClr val="ED7D31"/>
+                </a:solidFill>
+              </a:rPr>
+              <a:t>Ambiente e Strumenti</a:t>
+            </a:r>
+            <a:endParaRPr lang="en-GB" sz="5400" dirty="0">
+              <a:solidFill>
+                <a:srgbClr val="ED7D31"/>
+              </a:solidFill>
+            </a:endParaRPr>
+          </a:p>
+        </p:txBody>
+      </p:sp>
+      <p:sp>
+        <p:nvSpPr>
+          <p:cNvPr id="19" name="sketch line">
+            <a:extLst>
+              <a:ext uri="{FF2B5EF4-FFF2-40B4-BE49-F238E27FC236}">
+                <a16:creationId xmlns:a16="http://schemas.microsoft.com/office/drawing/2014/main" id="{E0CBAC23-2E3F-4A90-BA59-F8299F6A5439}"/>
+              </a:ext>
+              <a:ext uri="{C183D7F6-B498-43B3-948B-1728B52AA6E4}">
+                <adec:decorative xmlns:adec="http://schemas.microsoft.com/office/drawing/2017/decorative" val="1"/>
+              </a:ext>
+            </a:extLst>
+          </p:cNvPr>
+          <p:cNvSpPr>
+            <a:spLocks noGrp="1" noRot="1" noChangeAspect="1" noMove="1" noResize="1" noEditPoints="1" noAdjustHandles="1" noChangeArrowheads="1" noChangeShapeType="1" noTextEdit="1"/>
+          </p:cNvSpPr>
+          <p:nvPr>
+            <p:extLst>
+              <p:ext uri="{386F3935-93C4-4BCD-93E2-E3B085C9AB24}">
+                <p16:designElem xmlns:p16="http://schemas.microsoft.com/office/powerpoint/2015/main" val="1"/>
+              </p:ext>
+            </p:extLst>
+          </p:nvPr>
+        </p:nvSpPr>
+        <p:spPr>
+          <a:xfrm>
+            <a:off x="838200" y="1865313"/>
+            <a:ext cx="10424160" cy="18288"/>
+          </a:xfrm>
+          <a:custGeom>
+            <a:avLst/>
+            <a:gdLst>
+              <a:gd name="connsiteX0" fmla="*/ 0 w 10424160"/>
+              <a:gd name="connsiteY0" fmla="*/ 0 h 18288"/>
+              <a:gd name="connsiteX1" fmla="*/ 903427 w 10424160"/>
+              <a:gd name="connsiteY1" fmla="*/ 0 h 18288"/>
+              <a:gd name="connsiteX2" fmla="*/ 1389888 w 10424160"/>
+              <a:gd name="connsiteY2" fmla="*/ 0 h 18288"/>
+              <a:gd name="connsiteX3" fmla="*/ 2189074 w 10424160"/>
+              <a:gd name="connsiteY3" fmla="*/ 0 h 18288"/>
+              <a:gd name="connsiteX4" fmla="*/ 2675534 w 10424160"/>
+              <a:gd name="connsiteY4" fmla="*/ 0 h 18288"/>
+              <a:gd name="connsiteX5" fmla="*/ 3370478 w 10424160"/>
+              <a:gd name="connsiteY5" fmla="*/ 0 h 18288"/>
+              <a:gd name="connsiteX6" fmla="*/ 4169664 w 10424160"/>
+              <a:gd name="connsiteY6" fmla="*/ 0 h 18288"/>
+              <a:gd name="connsiteX7" fmla="*/ 4551883 w 10424160"/>
+              <a:gd name="connsiteY7" fmla="*/ 0 h 18288"/>
+              <a:gd name="connsiteX8" fmla="*/ 4934102 w 10424160"/>
+              <a:gd name="connsiteY8" fmla="*/ 0 h 18288"/>
+              <a:gd name="connsiteX9" fmla="*/ 5837530 w 10424160"/>
+              <a:gd name="connsiteY9" fmla="*/ 0 h 18288"/>
+              <a:gd name="connsiteX10" fmla="*/ 6532474 w 10424160"/>
+              <a:gd name="connsiteY10" fmla="*/ 0 h 18288"/>
+              <a:gd name="connsiteX11" fmla="*/ 6914693 w 10424160"/>
+              <a:gd name="connsiteY11" fmla="*/ 0 h 18288"/>
+              <a:gd name="connsiteX12" fmla="*/ 7609637 w 10424160"/>
+              <a:gd name="connsiteY12" fmla="*/ 0 h 18288"/>
+              <a:gd name="connsiteX13" fmla="*/ 8513064 w 10424160"/>
+              <a:gd name="connsiteY13" fmla="*/ 0 h 18288"/>
+              <a:gd name="connsiteX14" fmla="*/ 9103766 w 10424160"/>
+              <a:gd name="connsiteY14" fmla="*/ 0 h 18288"/>
+              <a:gd name="connsiteX15" fmla="*/ 9694469 w 10424160"/>
+              <a:gd name="connsiteY15" fmla="*/ 0 h 18288"/>
+              <a:gd name="connsiteX16" fmla="*/ 10424160 w 10424160"/>
+              <a:gd name="connsiteY16" fmla="*/ 0 h 18288"/>
+              <a:gd name="connsiteX17" fmla="*/ 10424160 w 10424160"/>
+              <a:gd name="connsiteY17" fmla="*/ 18288 h 18288"/>
+              <a:gd name="connsiteX18" fmla="*/ 9729216 w 10424160"/>
+              <a:gd name="connsiteY18" fmla="*/ 18288 h 18288"/>
+              <a:gd name="connsiteX19" fmla="*/ 8930030 w 10424160"/>
+              <a:gd name="connsiteY19" fmla="*/ 18288 h 18288"/>
+              <a:gd name="connsiteX20" fmla="*/ 8130845 w 10424160"/>
+              <a:gd name="connsiteY20" fmla="*/ 18288 h 18288"/>
+              <a:gd name="connsiteX21" fmla="*/ 7644384 w 10424160"/>
+              <a:gd name="connsiteY21" fmla="*/ 18288 h 18288"/>
+              <a:gd name="connsiteX22" fmla="*/ 6740957 w 10424160"/>
+              <a:gd name="connsiteY22" fmla="*/ 18288 h 18288"/>
+              <a:gd name="connsiteX23" fmla="*/ 6046013 w 10424160"/>
+              <a:gd name="connsiteY23" fmla="*/ 18288 h 18288"/>
+              <a:gd name="connsiteX24" fmla="*/ 5663794 w 10424160"/>
+              <a:gd name="connsiteY24" fmla="*/ 18288 h 18288"/>
+              <a:gd name="connsiteX25" fmla="*/ 4968850 w 10424160"/>
+              <a:gd name="connsiteY25" fmla="*/ 18288 h 18288"/>
+              <a:gd name="connsiteX26" fmla="*/ 4378147 w 10424160"/>
+              <a:gd name="connsiteY26" fmla="*/ 18288 h 18288"/>
+              <a:gd name="connsiteX27" fmla="*/ 3787445 w 10424160"/>
+              <a:gd name="connsiteY27" fmla="*/ 18288 h 18288"/>
+              <a:gd name="connsiteX28" fmla="*/ 3196742 w 10424160"/>
+              <a:gd name="connsiteY28" fmla="*/ 18288 h 18288"/>
+              <a:gd name="connsiteX29" fmla="*/ 2606040 w 10424160"/>
+              <a:gd name="connsiteY29" fmla="*/ 18288 h 18288"/>
+              <a:gd name="connsiteX30" fmla="*/ 1806854 w 10424160"/>
+              <a:gd name="connsiteY30" fmla="*/ 18288 h 18288"/>
+              <a:gd name="connsiteX31" fmla="*/ 1111910 w 10424160"/>
+              <a:gd name="connsiteY31" fmla="*/ 18288 h 18288"/>
+              <a:gd name="connsiteX32" fmla="*/ 729691 w 10424160"/>
+              <a:gd name="connsiteY32" fmla="*/ 18288 h 18288"/>
+              <a:gd name="connsiteX33" fmla="*/ 0 w 10424160"/>
+              <a:gd name="connsiteY33" fmla="*/ 18288 h 18288"/>
+              <a:gd name="connsiteX34" fmla="*/ 0 w 10424160"/>
+              <a:gd name="connsiteY34" fmla="*/ 0 h 18288"/>
+            </a:gdLst>
+            <a:ahLst/>
+            <a:cxnLst>
+              <a:cxn ang="0">
+                <a:pos x="connsiteX0" y="connsiteY0"/>
+              </a:cxn>
+              <a:cxn ang="0">
+                <a:pos x="connsiteX1" y="connsiteY1"/>
+              </a:cxn>
+              <a:cxn ang="0">
+                <a:pos x="connsiteX2" y="connsiteY2"/>
+              </a:cxn>
+              <a:cxn ang="0">
+                <a:pos x="connsiteX3" y="connsiteY3"/>
+              </a:cxn>
+              <a:cxn ang="0">
+                <a:pos x="connsiteX4" y="connsiteY4"/>
+              </a:cxn>
+              <a:cxn ang="0">
+                <a:pos x="connsiteX5" y="connsiteY5"/>
+              </a:cxn>
+              <a:cxn ang="0">
+                <a:pos x="connsiteX6" y="connsiteY6"/>
+              </a:cxn>
+              <a:cxn ang="0">
+                <a:pos x="connsiteX7" y="connsiteY7"/>
+              </a:cxn>
+              <a:cxn ang="0">
+                <a:pos x="connsiteX8" y="connsiteY8"/>
+              </a:cxn>
+              <a:cxn ang="0">
+                <a:pos x="connsiteX9" y="connsiteY9"/>
+              </a:cxn>
+              <a:cxn ang="0">
+                <a:pos x="connsiteX10" y="connsiteY10"/>
+              </a:cxn>
+              <a:cxn ang="0">
+                <a:pos x="connsiteX11" y="connsiteY11"/>
+              </a:cxn>
+              <a:cxn ang="0">
+                <a:pos x="connsiteX12" y="connsiteY12"/>
+              </a:cxn>
+              <a:cxn ang="0">
+                <a:pos x="connsiteX13" y="connsiteY13"/>
+              </a:cxn>
+              <a:cxn ang="0">
+                <a:pos x="connsiteX14" y="connsiteY14"/>
+              </a:cxn>
+              <a:cxn ang="0">
+                <a:pos x="connsiteX15" y="connsiteY15"/>
+              </a:cxn>
+              <a:cxn ang="0">
+                <a:pos x="connsiteX16" y="connsiteY16"/>
+              </a:cxn>
+              <a:cxn ang="0">
+                <a:pos x="connsiteX17" y="connsiteY17"/>
+              </a:cxn>
+              <a:cxn ang="0">
+                <a:pos x="connsiteX18" y="connsiteY18"/>
+              </a:cxn>
+              <a:cxn ang="0">
+                <a:pos x="connsiteX19" y="connsiteY19"/>
+              </a:cxn>
+              <a:cxn ang="0">
+                <a:pos x="connsiteX20" y="connsiteY20"/>
+              </a:cxn>
+              <a:cxn ang="0">
+                <a:pos x="connsiteX21" y="connsiteY21"/>
+              </a:cxn>
+              <a:cxn ang="0">
+                <a:pos x="connsiteX22" y="connsiteY22"/>
+              </a:cxn>
+              <a:cxn ang="0">
+                <a:pos x="connsiteX23" y="connsiteY23"/>
+              </a:cxn>
+              <a:cxn ang="0">
+                <a:pos x="connsiteX24" y="connsiteY24"/>
+              </a:cxn>
+              <a:cxn ang="0">
+                <a:pos x="connsiteX25" y="connsiteY25"/>
+              </a:cxn>
+              <a:cxn ang="0">
+                <a:pos x="connsiteX26" y="connsiteY26"/>
+              </a:cxn>
+              <a:cxn ang="0">
+                <a:pos x="connsiteX27" y="connsiteY27"/>
+              </a:cxn>
+              <a:cxn ang="0">
+                <a:pos x="connsiteX28" y="connsiteY28"/>
+              </a:cxn>
+              <a:cxn ang="0">
+                <a:pos x="connsiteX29" y="connsiteY29"/>
+              </a:cxn>
+              <a:cxn ang="0">
+                <a:pos x="connsiteX30" y="connsiteY30"/>
+              </a:cxn>
+              <a:cxn ang="0">
+                <a:pos x="connsiteX31" y="connsiteY31"/>
+              </a:cxn>
+              <a:cxn ang="0">
+                <a:pos x="connsiteX32" y="connsiteY32"/>
+              </a:cxn>
+              <a:cxn ang="0">
+                <a:pos x="connsiteX33" y="connsiteY33"/>
+              </a:cxn>
+              <a:cxn ang="0">
+                <a:pos x="connsiteX34" y="connsiteY34"/>
+              </a:cxn>
+            </a:cxnLst>
+            <a:rect l="l" t="t" r="r" b="b"/>
+            <a:pathLst>
+              <a:path w="10424160" h="18288" fill="none" extrusionOk="0">
+                <a:moveTo>
+                  <a:pt x="0" y="0"/>
+                </a:moveTo>
+                <a:cubicBezTo>
+                  <a:pt x="251416" y="-3874"/>
+                  <a:pt x="479411" y="-20508"/>
+                  <a:pt x="903427" y="0"/>
+                </a:cubicBezTo>
+                <a:cubicBezTo>
+                  <a:pt x="1327443" y="20508"/>
+                  <a:pt x="1177990" y="-7387"/>
+                  <a:pt x="1389888" y="0"/>
+                </a:cubicBezTo>
+                <a:cubicBezTo>
+                  <a:pt x="1601786" y="7387"/>
+                  <a:pt x="1928602" y="-6697"/>
+                  <a:pt x="2189074" y="0"/>
+                </a:cubicBezTo>
+                <a:cubicBezTo>
+                  <a:pt x="2449546" y="6697"/>
+                  <a:pt x="2440085" y="-21144"/>
+                  <a:pt x="2675534" y="0"/>
+                </a:cubicBezTo>
+                <a:cubicBezTo>
+                  <a:pt x="2910983" y="21144"/>
+                  <a:pt x="3026158" y="-11124"/>
+                  <a:pt x="3370478" y="0"/>
+                </a:cubicBezTo>
+                <a:cubicBezTo>
+                  <a:pt x="3714798" y="11124"/>
+                  <a:pt x="3864539" y="-10660"/>
+                  <a:pt x="4169664" y="0"/>
+                </a:cubicBezTo>
+                <a:cubicBezTo>
+                  <a:pt x="4474789" y="10660"/>
+                  <a:pt x="4471218" y="16488"/>
+                  <a:pt x="4551883" y="0"/>
+                </a:cubicBezTo>
+                <a:cubicBezTo>
+                  <a:pt x="4632548" y="-16488"/>
+                  <a:pt x="4786830" y="7986"/>
+                  <a:pt x="4934102" y="0"/>
+                </a:cubicBezTo>
+                <a:cubicBezTo>
+                  <a:pt x="5081374" y="-7986"/>
+                  <a:pt x="5575881" y="-33003"/>
+                  <a:pt x="5837530" y="0"/>
+                </a:cubicBezTo>
+                <a:cubicBezTo>
+                  <a:pt x="6099179" y="33003"/>
+                  <a:pt x="6305895" y="14170"/>
+                  <a:pt x="6532474" y="0"/>
+                </a:cubicBezTo>
+                <a:cubicBezTo>
+                  <a:pt x="6759053" y="-14170"/>
+                  <a:pt x="6726707" y="16121"/>
+                  <a:pt x="6914693" y="0"/>
+                </a:cubicBezTo>
+                <a:cubicBezTo>
+                  <a:pt x="7102679" y="-16121"/>
+                  <a:pt x="7397857" y="32594"/>
+                  <a:pt x="7609637" y="0"/>
+                </a:cubicBezTo>
+                <a:cubicBezTo>
+                  <a:pt x="7821417" y="-32594"/>
+                  <a:pt x="8141235" y="-3745"/>
+                  <a:pt x="8513064" y="0"/>
+                </a:cubicBezTo>
+                <a:cubicBezTo>
+                  <a:pt x="8884893" y="3745"/>
+                  <a:pt x="8877548" y="3359"/>
+                  <a:pt x="9103766" y="0"/>
+                </a:cubicBezTo>
+                <a:cubicBezTo>
+                  <a:pt x="9329984" y="-3359"/>
+                  <a:pt x="9545570" y="-17843"/>
+                  <a:pt x="9694469" y="0"/>
+                </a:cubicBezTo>
+                <a:cubicBezTo>
+                  <a:pt x="9843368" y="17843"/>
+                  <a:pt x="10162477" y="-1217"/>
+                  <a:pt x="10424160" y="0"/>
+                </a:cubicBezTo>
+                <a:cubicBezTo>
+                  <a:pt x="10424498" y="7640"/>
+                  <a:pt x="10423710" y="11289"/>
+                  <a:pt x="10424160" y="18288"/>
+                </a:cubicBezTo>
+                <a:cubicBezTo>
+                  <a:pt x="10184680" y="20716"/>
+                  <a:pt x="10034768" y="-9357"/>
+                  <a:pt x="9729216" y="18288"/>
+                </a:cubicBezTo>
+                <a:cubicBezTo>
+                  <a:pt x="9423664" y="45933"/>
+                  <a:pt x="9309220" y="36372"/>
+                  <a:pt x="8930030" y="18288"/>
+                </a:cubicBezTo>
+                <a:cubicBezTo>
+                  <a:pt x="8550840" y="204"/>
+                  <a:pt x="8513376" y="34707"/>
+                  <a:pt x="8130845" y="18288"/>
+                </a:cubicBezTo>
+                <a:cubicBezTo>
+                  <a:pt x="7748315" y="1869"/>
+                  <a:pt x="7864674" y="19659"/>
+                  <a:pt x="7644384" y="18288"/>
+                </a:cubicBezTo>
+                <a:cubicBezTo>
+                  <a:pt x="7424094" y="16917"/>
+                  <a:pt x="6947001" y="55680"/>
+                  <a:pt x="6740957" y="18288"/>
+                </a:cubicBezTo>
+                <a:cubicBezTo>
+                  <a:pt x="6534913" y="-19104"/>
+                  <a:pt x="6313809" y="33391"/>
+                  <a:pt x="6046013" y="18288"/>
+                </a:cubicBezTo>
+                <a:cubicBezTo>
+                  <a:pt x="5778217" y="3185"/>
+                  <a:pt x="5786775" y="1439"/>
+                  <a:pt x="5663794" y="18288"/>
+                </a:cubicBezTo>
+                <a:cubicBezTo>
+                  <a:pt x="5540813" y="35137"/>
+                  <a:pt x="5204724" y="25434"/>
+                  <a:pt x="4968850" y="18288"/>
+                </a:cubicBezTo>
+                <a:cubicBezTo>
+                  <a:pt x="4732976" y="11142"/>
+                  <a:pt x="4559928" y="34568"/>
+                  <a:pt x="4378147" y="18288"/>
+                </a:cubicBezTo>
+                <a:cubicBezTo>
+                  <a:pt x="4196366" y="2008"/>
+                  <a:pt x="3992200" y="35409"/>
+                  <a:pt x="3787445" y="18288"/>
+                </a:cubicBezTo>
+                <a:cubicBezTo>
+                  <a:pt x="3582690" y="1167"/>
+                  <a:pt x="3488876" y="-7583"/>
+                  <a:pt x="3196742" y="18288"/>
+                </a:cubicBezTo>
+                <a:cubicBezTo>
+                  <a:pt x="2904608" y="44159"/>
+                  <a:pt x="2729828" y="45906"/>
+                  <a:pt x="2606040" y="18288"/>
+                </a:cubicBezTo>
+                <a:cubicBezTo>
+                  <a:pt x="2482252" y="-9330"/>
+                  <a:pt x="2000672" y="-5498"/>
+                  <a:pt x="1806854" y="18288"/>
+                </a:cubicBezTo>
+                <a:cubicBezTo>
+                  <a:pt x="1613036" y="42074"/>
+                  <a:pt x="1310933" y="-4240"/>
+                  <a:pt x="1111910" y="18288"/>
+                </a:cubicBezTo>
+                <a:cubicBezTo>
+                  <a:pt x="912887" y="40816"/>
+                  <a:pt x="891560" y="1701"/>
+                  <a:pt x="729691" y="18288"/>
+                </a:cubicBezTo>
+                <a:cubicBezTo>
+                  <a:pt x="567822" y="34875"/>
+                  <a:pt x="203025" y="34462"/>
+                  <a:pt x="0" y="18288"/>
+                </a:cubicBezTo>
+                <a:cubicBezTo>
+                  <a:pt x="-82" y="11708"/>
+                  <a:pt x="-178" y="8956"/>
+                  <a:pt x="0" y="0"/>
+                </a:cubicBezTo>
+                <a:close/>
+              </a:path>
+              <a:path w="10424160" h="18288" stroke="0" extrusionOk="0">
+                <a:moveTo>
+                  <a:pt x="0" y="0"/>
+                </a:moveTo>
+                <a:cubicBezTo>
+                  <a:pt x="119910" y="17195"/>
+                  <a:pt x="345032" y="1652"/>
+                  <a:pt x="590702" y="0"/>
+                </a:cubicBezTo>
+                <a:cubicBezTo>
+                  <a:pt x="836372" y="-1652"/>
+                  <a:pt x="830717" y="-10944"/>
+                  <a:pt x="972922" y="0"/>
+                </a:cubicBezTo>
+                <a:cubicBezTo>
+                  <a:pt x="1115127" y="10944"/>
+                  <a:pt x="1638708" y="17269"/>
+                  <a:pt x="1876349" y="0"/>
+                </a:cubicBezTo>
+                <a:cubicBezTo>
+                  <a:pt x="2113990" y="-17269"/>
+                  <a:pt x="2263529" y="27642"/>
+                  <a:pt x="2467051" y="0"/>
+                </a:cubicBezTo>
+                <a:cubicBezTo>
+                  <a:pt x="2670573" y="-27642"/>
+                  <a:pt x="2867743" y="-1552"/>
+                  <a:pt x="3057754" y="0"/>
+                </a:cubicBezTo>
+                <a:cubicBezTo>
+                  <a:pt x="3247765" y="1552"/>
+                  <a:pt x="3729099" y="45169"/>
+                  <a:pt x="3961181" y="0"/>
+                </a:cubicBezTo>
+                <a:cubicBezTo>
+                  <a:pt x="4193263" y="-45169"/>
+                  <a:pt x="4313735" y="4067"/>
+                  <a:pt x="4447642" y="0"/>
+                </a:cubicBezTo>
+                <a:cubicBezTo>
+                  <a:pt x="4581549" y="-4067"/>
+                  <a:pt x="5123626" y="11867"/>
+                  <a:pt x="5351069" y="0"/>
+                </a:cubicBezTo>
+                <a:cubicBezTo>
+                  <a:pt x="5578512" y="-11867"/>
+                  <a:pt x="6044105" y="-19983"/>
+                  <a:pt x="6254496" y="0"/>
+                </a:cubicBezTo>
+                <a:cubicBezTo>
+                  <a:pt x="6464887" y="19983"/>
+                  <a:pt x="6664731" y="4232"/>
+                  <a:pt x="6949440" y="0"/>
+                </a:cubicBezTo>
+                <a:cubicBezTo>
+                  <a:pt x="7234149" y="-4232"/>
+                  <a:pt x="7497205" y="28731"/>
+                  <a:pt x="7852867" y="0"/>
+                </a:cubicBezTo>
+                <a:cubicBezTo>
+                  <a:pt x="8208529" y="-28731"/>
+                  <a:pt x="8287556" y="2616"/>
+                  <a:pt x="8443570" y="0"/>
+                </a:cubicBezTo>
+                <a:cubicBezTo>
+                  <a:pt x="8599584" y="-2616"/>
+                  <a:pt x="8871283" y="-14113"/>
+                  <a:pt x="9034272" y="0"/>
+                </a:cubicBezTo>
+                <a:cubicBezTo>
+                  <a:pt x="9197261" y="14113"/>
+                  <a:pt x="9604978" y="-35623"/>
+                  <a:pt x="9833458" y="0"/>
+                </a:cubicBezTo>
+                <a:cubicBezTo>
+                  <a:pt x="10061938" y="35623"/>
+                  <a:pt x="10231944" y="-8194"/>
+                  <a:pt x="10424160" y="0"/>
+                </a:cubicBezTo>
+                <a:cubicBezTo>
+                  <a:pt x="10424285" y="4395"/>
+                  <a:pt x="10424085" y="9776"/>
+                  <a:pt x="10424160" y="18288"/>
+                </a:cubicBezTo>
+                <a:cubicBezTo>
+                  <a:pt x="10058736" y="-5772"/>
+                  <a:pt x="9942989" y="-18764"/>
+                  <a:pt x="9624974" y="18288"/>
+                </a:cubicBezTo>
+                <a:cubicBezTo>
+                  <a:pt x="9306959" y="55340"/>
+                  <a:pt x="9229263" y="24995"/>
+                  <a:pt x="8930030" y="18288"/>
+                </a:cubicBezTo>
+                <a:cubicBezTo>
+                  <a:pt x="8630797" y="11581"/>
+                  <a:pt x="8647263" y="10931"/>
+                  <a:pt x="8547811" y="18288"/>
+                </a:cubicBezTo>
+                <a:cubicBezTo>
+                  <a:pt x="8448359" y="25645"/>
+                  <a:pt x="8173221" y="219"/>
+                  <a:pt x="8061350" y="18288"/>
+                </a:cubicBezTo>
+                <a:cubicBezTo>
+                  <a:pt x="7949479" y="36357"/>
+                  <a:pt x="7437002" y="17516"/>
+                  <a:pt x="7157923" y="18288"/>
+                </a:cubicBezTo>
+                <a:cubicBezTo>
+                  <a:pt x="6878844" y="19060"/>
+                  <a:pt x="6610241" y="8864"/>
+                  <a:pt x="6462979" y="18288"/>
+                </a:cubicBezTo>
+                <a:cubicBezTo>
+                  <a:pt x="6315717" y="27712"/>
+                  <a:pt x="6124879" y="4989"/>
+                  <a:pt x="5976518" y="18288"/>
+                </a:cubicBezTo>
+                <a:cubicBezTo>
+                  <a:pt x="5828157" y="31587"/>
+                  <a:pt x="5566880" y="7112"/>
+                  <a:pt x="5281574" y="18288"/>
+                </a:cubicBezTo>
+                <a:cubicBezTo>
+                  <a:pt x="4996268" y="29464"/>
+                  <a:pt x="5085614" y="20493"/>
+                  <a:pt x="4899355" y="18288"/>
+                </a:cubicBezTo>
+                <a:cubicBezTo>
+                  <a:pt x="4713096" y="16083"/>
+                  <a:pt x="4606138" y="34359"/>
+                  <a:pt x="4517136" y="18288"/>
+                </a:cubicBezTo>
+                <a:cubicBezTo>
+                  <a:pt x="4428134" y="2217"/>
+                  <a:pt x="4125335" y="52414"/>
+                  <a:pt x="3822192" y="18288"/>
+                </a:cubicBezTo>
+                <a:cubicBezTo>
+                  <a:pt x="3519049" y="-15838"/>
+                  <a:pt x="3453132" y="3859"/>
+                  <a:pt x="3335731" y="18288"/>
+                </a:cubicBezTo>
+                <a:cubicBezTo>
+                  <a:pt x="3218330" y="32717"/>
+                  <a:pt x="2718749" y="-13936"/>
+                  <a:pt x="2536546" y="18288"/>
+                </a:cubicBezTo>
+                <a:cubicBezTo>
+                  <a:pt x="2354343" y="50512"/>
+                  <a:pt x="2190669" y="3238"/>
+                  <a:pt x="2050085" y="18288"/>
+                </a:cubicBezTo>
+                <a:cubicBezTo>
+                  <a:pt x="1909501" y="33338"/>
+                  <a:pt x="1520975" y="3062"/>
+                  <a:pt x="1250899" y="18288"/>
+                </a:cubicBezTo>
+                <a:cubicBezTo>
+                  <a:pt x="980823" y="33514"/>
+                  <a:pt x="992936" y="28036"/>
+                  <a:pt x="868680" y="18288"/>
+                </a:cubicBezTo>
+                <a:cubicBezTo>
+                  <a:pt x="744424" y="8540"/>
+                  <a:pt x="230364" y="33365"/>
+                  <a:pt x="0" y="18288"/>
+                </a:cubicBezTo>
+                <a:cubicBezTo>
+                  <a:pt x="-504" y="12101"/>
+                  <a:pt x="-591" y="7719"/>
+                  <a:pt x="0" y="0"/>
+                </a:cubicBezTo>
+                <a:close/>
+              </a:path>
+            </a:pathLst>
+          </a:custGeom>
+          <a:solidFill>
+            <a:schemeClr val="accent2"/>
+          </a:solidFill>
+          <a:ln w="41275" cap="rnd">
+            <a:solidFill>
+              <a:schemeClr val="accent2"/>
+            </a:solidFill>
+            <a:round/>
+            <a:extLst>
+              <a:ext uri="{C807C97D-BFC1-408E-A445-0C87EB9F89A2}">
+                <ask:lineSketchStyleProps xmlns:ask="http://schemas.microsoft.com/office/drawing/2018/sketchyshapes" sd="1219033472">
+                  <a:prstGeom prst="rect">
+                    <a:avLst/>
+                  </a:prstGeom>
+                  <ask:type>
+                    <ask:lineSketchFreehand/>
+                  </ask:type>
+                </ask:lineSketchStyleProps>
+              </a:ext>
+            </a:extLst>
+          </a:ln>
+        </p:spPr>
+        <p:style>
+          <a:lnRef idx="2">
+            <a:schemeClr val="accent1">
+              <a:shade val="50000"/>
+            </a:schemeClr>
+          </a:lnRef>
+          <a:fillRef idx="1">
+            <a:schemeClr val="accent1"/>
+          </a:fillRef>
+          <a:effectRef idx="0">
+            <a:schemeClr val="accent1"/>
+          </a:effectRef>
+          <a:fontRef idx="minor">
+            <a:schemeClr val="lt1"/>
+          </a:fontRef>
+        </p:style>
+        <p:txBody>
+          <a:bodyPr rtlCol="0" anchor="ctr"/>
+          <a:lstStyle/>
+          <a:p>
+            <a:pPr algn="ctr"/>
+            <a:endParaRPr lang="en-US"/>
+          </a:p>
+        </p:txBody>
+      </p:sp>
+      <p:pic>
+        <p:nvPicPr>
+          <p:cNvPr id="4" name="Immagine 3">
+            <a:extLst>
+              <a:ext uri="{FF2B5EF4-FFF2-40B4-BE49-F238E27FC236}">
+                <a16:creationId xmlns:a16="http://schemas.microsoft.com/office/drawing/2014/main" id="{BC70C311-5F67-5263-B378-5A1691CF9615}"/>
+              </a:ext>
+            </a:extLst>
+          </p:cNvPr>
+          <p:cNvPicPr>
+            <a:picLocks noChangeAspect="1"/>
+          </p:cNvPicPr>
+          <p:nvPr/>
+        </p:nvPicPr>
+        <p:blipFill>
+          <a:blip r:embed="rId2">
+            <a:extLst>
+              <a:ext uri="{28A0092B-C50C-407E-A947-70E740481C1C}">
+                <a14:useLocalDpi xmlns:a14="http://schemas.microsoft.com/office/drawing/2010/main" val="0"/>
+              </a:ext>
+            </a:extLst>
+          </a:blip>
+          <a:stretch>
+            <a:fillRect/>
+          </a:stretch>
+        </p:blipFill>
+        <p:spPr>
+          <a:xfrm>
+            <a:off x="11212066" y="271844"/>
+            <a:ext cx="677507" cy="483933"/>
+          </a:xfrm>
+          <a:prstGeom prst="rect">
+            <a:avLst/>
+          </a:prstGeom>
+        </p:spPr>
+      </p:pic>
+      <p:graphicFrame>
+        <p:nvGraphicFramePr>
+          <p:cNvPr id="20" name="Segnaposto contenuto 2">
+            <a:extLst>
+              <a:ext uri="{FF2B5EF4-FFF2-40B4-BE49-F238E27FC236}">
+                <a16:creationId xmlns:a16="http://schemas.microsoft.com/office/drawing/2014/main" id="{F3C87573-1938-4AB3-BFED-EF531935A1E8}"/>
+              </a:ext>
+            </a:extLst>
+          </p:cNvPr>
+          <p:cNvGraphicFramePr>
+            <a:graphicFrameLocks noGrp="1"/>
+          </p:cNvGraphicFramePr>
+          <p:nvPr>
+            <p:ph idx="1"/>
+            <p:extLst>
+              <p:ext uri="{D42A27DB-BD31-4B8C-83A1-F6EECF244321}">
+                <p14:modId xmlns:p14="http://schemas.microsoft.com/office/powerpoint/2010/main" val="1474363790"/>
+              </p:ext>
+            </p:extLst>
+          </p:nvPr>
+        </p:nvGraphicFramePr>
+        <p:xfrm>
+          <a:off x="838200" y="2228087"/>
+          <a:ext cx="10515600" cy="3948876"/>
+        </p:xfrm>
+        <a:graphic>
+          <a:graphicData uri="http://schemas.openxmlformats.org/drawingml/2006/diagram">
+            <dgm:relIds xmlns:dgm="http://schemas.openxmlformats.org/drawingml/2006/diagram" xmlns:r="http://schemas.openxmlformats.org/officeDocument/2006/relationships" r:dm="rId3" r:lo="rId4" r:qs="rId5" r:cs="rId6"/>
+          </a:graphicData>
+        </a:graphic>
+      </p:graphicFrame>
+    </p:spTree>
+    <p:extLst>
+      <p:ext uri="{BB962C8B-B14F-4D97-AF65-F5344CB8AC3E}">
+        <p14:creationId xmlns:p14="http://schemas.microsoft.com/office/powerpoint/2010/main" val="3696296283"/>
       </p:ext>
     </p:extLst>
   </p:cSld>

--- a/ioVoto.pptx
+++ b/ioVoto.pptx
@@ -5,10 +5,10 @@
     <p:sldMasterId id="2147483648" r:id="rId1"/>
   </p:sldMasterIdLst>
   <p:notesMasterIdLst>
-    <p:notesMasterId r:id="rId9"/>
+    <p:notesMasterId r:id="rId13"/>
   </p:notesMasterIdLst>
   <p:handoutMasterIdLst>
-    <p:handoutMasterId r:id="rId10"/>
+    <p:handoutMasterId r:id="rId14"/>
   </p:handoutMasterIdLst>
   <p:sldIdLst>
     <p:sldId id="262" r:id="rId2"/>
@@ -16,8 +16,12 @@
     <p:sldId id="259" r:id="rId4"/>
     <p:sldId id="260" r:id="rId5"/>
     <p:sldId id="261" r:id="rId6"/>
-    <p:sldId id="263" r:id="rId7"/>
-    <p:sldId id="264" r:id="rId8"/>
+    <p:sldId id="267" r:id="rId7"/>
+    <p:sldId id="263" r:id="rId8"/>
+    <p:sldId id="264" r:id="rId9"/>
+    <p:sldId id="265" r:id="rId10"/>
+    <p:sldId id="266" r:id="rId11"/>
+    <p:sldId id="268" r:id="rId12"/>
   </p:sldIdLst>
   <p:sldSz cx="12192000" cy="6858000"/>
   <p:notesSz cx="6858000" cy="9144000"/>
@@ -1146,7 +1150,7 @@
           <a:r>
             <a:rPr lang="it-IT" dirty="0" err="1">
               <a:solidFill>
-                <a:srgbClr val="ED7D31"/>
+                <a:srgbClr val="3BA8F2"/>
               </a:solidFill>
             </a:rPr>
             <a:t>VisualStudio</a:t>
@@ -1154,12 +1158,16 @@
           <a:r>
             <a:rPr lang="it-IT" dirty="0">
               <a:solidFill>
-                <a:srgbClr val="ED7D31"/>
+                <a:srgbClr val="3BA8F2"/>
               </a:solidFill>
             </a:rPr>
             <a:t> Code </a:t>
           </a:r>
-          <a:endParaRPr lang="en-US" dirty="0"/>
+          <a:endParaRPr lang="en-US" dirty="0">
+            <a:solidFill>
+              <a:srgbClr val="3BA8F2"/>
+            </a:solidFill>
+          </a:endParaRPr>
         </a:p>
       </dgm:t>
     </dgm:pt>
@@ -1293,7 +1301,7 @@
           <a:r>
             <a:rPr lang="it-IT" dirty="0">
               <a:solidFill>
-                <a:srgbClr val="7030A0"/>
+                <a:schemeClr val="bg1"/>
               </a:solidFill>
             </a:rPr>
             <a:t>Html, </a:t>
@@ -1301,19 +1309,16 @@
           <a:r>
             <a:rPr lang="it-IT" dirty="0" err="1">
               <a:solidFill>
-                <a:srgbClr val="7030A0"/>
+                <a:schemeClr val="bg1"/>
               </a:solidFill>
             </a:rPr>
             <a:t>Css</a:t>
           </a:r>
-          <a:r>
-            <a:rPr lang="it-IT" dirty="0">
-              <a:solidFill>
-                <a:srgbClr val="7030A0"/>
-              </a:solidFill>
-            </a:rPr>
-            <a:t>, JavaScript</a:t>
-          </a:r>
+          <a:endParaRPr lang="it-IT" dirty="0">
+            <a:solidFill>
+              <a:schemeClr val="bg1"/>
+            </a:solidFill>
+          </a:endParaRPr>
         </a:p>
       </dgm:t>
     </dgm:pt>
@@ -1329,6 +1334,61 @@
       </dgm:t>
     </dgm:pt>
     <dgm:pt modelId="{1211D37E-EC49-4B9C-9BAA-426E8291384A}" type="sibTrans" cxnId="{B3F048F1-3B80-4798-AD22-C03455E1F152}">
+      <dgm:prSet/>
+      <dgm:spPr/>
+      <dgm:t>
+        <a:bodyPr/>
+        <a:lstStyle/>
+        <a:p>
+          <a:pPr>
+            <a:lnSpc>
+              <a:spcPct val="100000"/>
+            </a:lnSpc>
+          </a:pPr>
+          <a:endParaRPr lang="en-GB"/>
+        </a:p>
+      </dgm:t>
+    </dgm:pt>
+    <dgm:pt modelId="{6ECCEEF4-0978-4AEF-B333-AC2C80B48618}">
+      <dgm:prSet/>
+      <dgm:spPr/>
+      <dgm:t>
+        <a:bodyPr/>
+        <a:lstStyle/>
+        <a:p>
+          <a:pPr>
+            <a:lnSpc>
+              <a:spcPct val="100000"/>
+            </a:lnSpc>
+          </a:pPr>
+          <a:r>
+            <a:rPr lang="it-IT" dirty="0" err="1">
+              <a:solidFill>
+                <a:srgbClr val="E23237"/>
+              </a:solidFill>
+            </a:rPr>
+            <a:t>Angular</a:t>
+          </a:r>
+          <a:endParaRPr lang="en-GB" dirty="0">
+            <a:solidFill>
+              <a:srgbClr val="E23237"/>
+            </a:solidFill>
+          </a:endParaRPr>
+        </a:p>
+      </dgm:t>
+    </dgm:pt>
+    <dgm:pt modelId="{48AA51EC-4C0E-44F1-9966-BF5021CF02BF}" type="parTrans" cxnId="{53FF073B-9C92-448E-94CB-F8C048BCF695}">
+      <dgm:prSet/>
+      <dgm:spPr/>
+      <dgm:t>
+        <a:bodyPr/>
+        <a:lstStyle/>
+        <a:p>
+          <a:endParaRPr lang="en-GB"/>
+        </a:p>
+      </dgm:t>
+    </dgm:pt>
+    <dgm:pt modelId="{546E6F92-2441-4B47-982F-F3824C8AB005}" type="sibTrans" cxnId="{53FF073B-9C92-448E-94CB-F8C048BCF695}">
       <dgm:prSet/>
       <dgm:spPr/>
       <dgm:t>
@@ -1362,7 +1422,7 @@
       <dgm:spPr/>
     </dgm:pt>
     <dgm:pt modelId="{32AEB77B-CE3D-4252-854E-DB7E26D006BB}" type="pres">
-      <dgm:prSet presAssocID="{8DFF89B5-D8BC-4014-A119-EDF881DBB6B7}" presName="iconBgRect" presStyleLbl="bgShp" presStyleIdx="0" presStyleCnt="4"/>
+      <dgm:prSet presAssocID="{8DFF89B5-D8BC-4014-A119-EDF881DBB6B7}" presName="iconBgRect" presStyleLbl="bgShp" presStyleIdx="0" presStyleCnt="5"/>
       <dgm:spPr>
         <a:solidFill>
           <a:schemeClr val="bg1"/>
@@ -1370,7 +1430,7 @@
       </dgm:spPr>
     </dgm:pt>
     <dgm:pt modelId="{B573E0A5-790A-4A1A-BB25-AB1CAD1EF6DC}" type="pres">
-      <dgm:prSet presAssocID="{8DFF89B5-D8BC-4014-A119-EDF881DBB6B7}" presName="iconRect" presStyleLbl="node1" presStyleIdx="0" presStyleCnt="4"/>
+      <dgm:prSet presAssocID="{8DFF89B5-D8BC-4014-A119-EDF881DBB6B7}" presName="iconRect" presStyleLbl="node1" presStyleIdx="0" presStyleCnt="5"/>
       <dgm:spPr>
         <a:blipFill>
           <a:blip xmlns:r="http://schemas.openxmlformats.org/officeDocument/2006/relationships" r:embed="rId1">
@@ -1395,7 +1455,7 @@
       <dgm:spPr/>
     </dgm:pt>
     <dgm:pt modelId="{F36141C2-74AC-419D-B6F2-8268CB221162}" type="pres">
-      <dgm:prSet presAssocID="{8DFF89B5-D8BC-4014-A119-EDF881DBB6B7}" presName="textRect" presStyleLbl="revTx" presStyleIdx="0" presStyleCnt="4">
+      <dgm:prSet presAssocID="{8DFF89B5-D8BC-4014-A119-EDF881DBB6B7}" presName="textRect" presStyleLbl="revTx" presStyleIdx="0" presStyleCnt="5">
         <dgm:presLayoutVars>
           <dgm:chMax val="1"/>
           <dgm:chPref val="1"/>
@@ -1412,7 +1472,7 @@
       <dgm:spPr/>
     </dgm:pt>
     <dgm:pt modelId="{5720C254-FEBE-4527-AF58-A09FDB454C70}" type="pres">
-      <dgm:prSet presAssocID="{DE69BD19-04E8-4F59-A011-62E2B150ECCB}" presName="iconBgRect" presStyleLbl="bgShp" presStyleIdx="1" presStyleCnt="4"/>
+      <dgm:prSet presAssocID="{DE69BD19-04E8-4F59-A011-62E2B150ECCB}" presName="iconBgRect" presStyleLbl="bgShp" presStyleIdx="1" presStyleCnt="5"/>
       <dgm:spPr>
         <a:solidFill>
           <a:srgbClr val="ED7D31"/>
@@ -1420,7 +1480,7 @@
       </dgm:spPr>
     </dgm:pt>
     <dgm:pt modelId="{D454F6E3-69BD-481E-9AA8-9A9D6F77CBDE}" type="pres">
-      <dgm:prSet presAssocID="{DE69BD19-04E8-4F59-A011-62E2B150ECCB}" presName="iconRect" presStyleLbl="node1" presStyleIdx="1" presStyleCnt="4"/>
+      <dgm:prSet presAssocID="{DE69BD19-04E8-4F59-A011-62E2B150ECCB}" presName="iconRect" presStyleLbl="node1" presStyleIdx="1" presStyleCnt="5"/>
       <dgm:spPr>
         <a:blipFill rotWithShape="1">
           <a:blip xmlns:r="http://schemas.openxmlformats.org/officeDocument/2006/relationships" r:embed="rId2">
@@ -1450,7 +1510,7 @@
       <dgm:spPr/>
     </dgm:pt>
     <dgm:pt modelId="{592A0547-0022-4C98-9DF3-CD746DA4270B}" type="pres">
-      <dgm:prSet presAssocID="{DE69BD19-04E8-4F59-A011-62E2B150ECCB}" presName="textRect" presStyleLbl="revTx" presStyleIdx="1" presStyleCnt="4">
+      <dgm:prSet presAssocID="{DE69BD19-04E8-4F59-A011-62E2B150ECCB}" presName="textRect" presStyleLbl="revTx" presStyleIdx="1" presStyleCnt="5">
         <dgm:presLayoutVars>
           <dgm:chMax val="1"/>
           <dgm:chPref val="1"/>
@@ -1467,7 +1527,7 @@
       <dgm:spPr/>
     </dgm:pt>
     <dgm:pt modelId="{63F68EA7-2F44-4F46-A057-AF4E60A46C49}" type="pres">
-      <dgm:prSet presAssocID="{B00DA5AB-3D8B-4B29-A92A-07A9DF1F5C69}" presName="iconBgRect" presStyleLbl="bgShp" presStyleIdx="2" presStyleCnt="4"/>
+      <dgm:prSet presAssocID="{B00DA5AB-3D8B-4B29-A92A-07A9DF1F5C69}" presName="iconBgRect" presStyleLbl="bgShp" presStyleIdx="2" presStyleCnt="5"/>
       <dgm:spPr>
         <a:solidFill>
           <a:schemeClr val="tx1"/>
@@ -1475,7 +1535,7 @@
       </dgm:spPr>
     </dgm:pt>
     <dgm:pt modelId="{47036EFF-7447-41FF-96D9-D4118C7D8B66}" type="pres">
-      <dgm:prSet presAssocID="{B00DA5AB-3D8B-4B29-A92A-07A9DF1F5C69}" presName="iconRect" presStyleLbl="node1" presStyleIdx="2" presStyleCnt="4"/>
+      <dgm:prSet presAssocID="{B00DA5AB-3D8B-4B29-A92A-07A9DF1F5C69}" presName="iconRect" presStyleLbl="node1" presStyleIdx="2" presStyleCnt="5"/>
       <dgm:spPr>
         <a:blipFill>
           <a:blip xmlns:r="http://schemas.openxmlformats.org/officeDocument/2006/relationships" r:embed="rId4">
@@ -1500,7 +1560,7 @@
       <dgm:spPr/>
     </dgm:pt>
     <dgm:pt modelId="{57AE38EE-C7D5-4F12-A845-B3C68A2CD36B}" type="pres">
-      <dgm:prSet presAssocID="{B00DA5AB-3D8B-4B29-A92A-07A9DF1F5C69}" presName="textRect" presStyleLbl="revTx" presStyleIdx="2" presStyleCnt="4">
+      <dgm:prSet presAssocID="{B00DA5AB-3D8B-4B29-A92A-07A9DF1F5C69}" presName="textRect" presStyleLbl="revTx" presStyleIdx="2" presStyleCnt="5">
         <dgm:presLayoutVars>
           <dgm:chMax val="1"/>
           <dgm:chPref val="1"/>
@@ -1517,7 +1577,7 @@
       <dgm:spPr/>
     </dgm:pt>
     <dgm:pt modelId="{A17F5C9F-93DB-4ED5-BB4F-D31EB156A8D1}" type="pres">
-      <dgm:prSet presAssocID="{0C6703EC-F402-461E-8374-19BE57CA7120}" presName="iconBgRect" presStyleLbl="bgShp" presStyleIdx="3" presStyleCnt="4"/>
+      <dgm:prSet presAssocID="{0C6703EC-F402-461E-8374-19BE57CA7120}" presName="iconBgRect" presStyleLbl="bgShp" presStyleIdx="3" presStyleCnt="5"/>
       <dgm:spPr>
         <a:solidFill>
           <a:srgbClr val="7030A0"/>
@@ -1525,7 +1585,7 @@
       </dgm:spPr>
     </dgm:pt>
     <dgm:pt modelId="{F60CEBCF-C589-4083-91BD-805B905FD68E}" type="pres">
-      <dgm:prSet presAssocID="{0C6703EC-F402-461E-8374-19BE57CA7120}" presName="iconRect" presStyleLbl="node1" presStyleIdx="3" presStyleCnt="4"/>
+      <dgm:prSet presAssocID="{0C6703EC-F402-461E-8374-19BE57CA7120}" presName="iconRect" presStyleLbl="node1" presStyleIdx="3" presStyleCnt="5"/>
       <dgm:spPr>
         <a:blipFill>
           <a:blip xmlns:r="http://schemas.openxmlformats.org/officeDocument/2006/relationships" r:embed="rId6">
@@ -1543,7 +1603,7 @@
       </dgm:spPr>
       <dgm:extLst>
         <a:ext uri="{E40237B7-FDA0-4F09-8148-C483321AD2D9}">
-          <dgm14:cNvPr xmlns:dgm14="http://schemas.microsoft.com/office/drawing/2010/diagram" id="0" name="" descr="Web design contorno"/>
+          <dgm14:cNvPr xmlns:dgm14="http://schemas.microsoft.com/office/drawing/2010/diagram" id="0" name="" descr="Web design con riempimento a tinta unita"/>
         </a:ext>
       </dgm:extLst>
     </dgm:pt>
@@ -1552,7 +1612,54 @@
       <dgm:spPr/>
     </dgm:pt>
     <dgm:pt modelId="{48065E13-9000-43EB-9521-58099CBA42E6}" type="pres">
-      <dgm:prSet presAssocID="{0C6703EC-F402-461E-8374-19BE57CA7120}" presName="textRect" presStyleLbl="revTx" presStyleIdx="3" presStyleCnt="4">
+      <dgm:prSet presAssocID="{0C6703EC-F402-461E-8374-19BE57CA7120}" presName="textRect" presStyleLbl="revTx" presStyleIdx="3" presStyleCnt="5">
+        <dgm:presLayoutVars>
+          <dgm:chMax val="1"/>
+          <dgm:chPref val="1"/>
+        </dgm:presLayoutVars>
+      </dgm:prSet>
+      <dgm:spPr/>
+    </dgm:pt>
+    <dgm:pt modelId="{75412DA9-E65B-4B91-BA25-E7CE0811B655}" type="pres">
+      <dgm:prSet presAssocID="{1211D37E-EC49-4B9C-9BAA-426E8291384A}" presName="sibTrans" presStyleLbl="sibTrans2D1" presStyleIdx="0" presStyleCnt="0"/>
+      <dgm:spPr/>
+    </dgm:pt>
+    <dgm:pt modelId="{26F0B7FC-6B2F-4691-A2B6-7E7C93157045}" type="pres">
+      <dgm:prSet presAssocID="{6ECCEEF4-0978-4AEF-B333-AC2C80B48618}" presName="compNode" presStyleCnt="0"/>
+      <dgm:spPr/>
+    </dgm:pt>
+    <dgm:pt modelId="{17148300-6A56-4D1C-BC79-A25BA7DD393E}" type="pres">
+      <dgm:prSet presAssocID="{6ECCEEF4-0978-4AEF-B333-AC2C80B48618}" presName="iconBgRect" presStyleLbl="bgShp" presStyleIdx="4" presStyleCnt="5"/>
+      <dgm:spPr>
+        <a:solidFill>
+          <a:srgbClr val="002060"/>
+        </a:solidFill>
+      </dgm:spPr>
+    </dgm:pt>
+    <dgm:pt modelId="{A5C71D99-EFD1-4CA5-99AD-FE3B3922B325}" type="pres">
+      <dgm:prSet presAssocID="{6ECCEEF4-0978-4AEF-B333-AC2C80B48618}" presName="iconRect" presStyleLbl="node1" presStyleIdx="4" presStyleCnt="5"/>
+      <dgm:spPr>
+        <a:blipFill>
+          <a:blip xmlns:r="http://schemas.openxmlformats.org/officeDocument/2006/relationships" r:embed="rId8">
+            <a:extLst>
+              <a:ext uri="{837473B0-CC2E-450A-ABE3-18F120FF3D39}">
+                <a1611:picAttrSrcUrl xmlns:a1611="http://schemas.microsoft.com/office/drawing/2016/11/main" r:id="rId9"/>
+              </a:ext>
+            </a:extLst>
+          </a:blip>
+          <a:srcRect/>
+          <a:stretch>
+            <a:fillRect/>
+          </a:stretch>
+        </a:blipFill>
+      </dgm:spPr>
+    </dgm:pt>
+    <dgm:pt modelId="{9DD64ACA-C16A-4686-9646-7F03F097F72A}" type="pres">
+      <dgm:prSet presAssocID="{6ECCEEF4-0978-4AEF-B333-AC2C80B48618}" presName="spaceRect" presStyleCnt="0"/>
+      <dgm:spPr/>
+    </dgm:pt>
+    <dgm:pt modelId="{8F9C8D91-A2F5-42AD-8C0B-ED2BE4CAA54D}" type="pres">
+      <dgm:prSet presAssocID="{6ECCEEF4-0978-4AEF-B333-AC2C80B48618}" presName="textRect" presStyleLbl="revTx" presStyleIdx="4" presStyleCnt="5">
         <dgm:presLayoutVars>
           <dgm:chMax val="1"/>
           <dgm:chPref val="1"/>
@@ -1563,11 +1670,14 @@
   </dgm:ptLst>
   <dgm:cxnLst>
     <dgm:cxn modelId="{62464800-6B2B-4AB9-931F-5E8ECDF75228}" srcId="{84748320-660B-41FD-81C9-CA02624A0F4C}" destId="{B00DA5AB-3D8B-4B29-A92A-07A9DF1F5C69}" srcOrd="2" destOrd="0" parTransId="{CBFE1D96-7C5F-4E89-B97A-4B3DEE855D74}" sibTransId="{CFCFFCAE-6F1F-46FD-B01F-24D1D3EB5CFB}"/>
+    <dgm:cxn modelId="{1362A300-D358-4E44-BACB-71B573FAB497}" type="presOf" srcId="{6ECCEEF4-0978-4AEF-B333-AC2C80B48618}" destId="{8F9C8D91-A2F5-42AD-8C0B-ED2BE4CAA54D}" srcOrd="0" destOrd="0" presId="urn:microsoft.com/office/officeart/2018/2/layout/IconCircleList"/>
     <dgm:cxn modelId="{185F3501-96AC-438F-BFA2-E08931D9F897}" type="presOf" srcId="{0801084D-275A-4D13-9E00-C8B2FA5A734F}" destId="{60BD4632-D224-49DE-B12E-DCC031C616CC}" srcOrd="0" destOrd="0" presId="urn:microsoft.com/office/officeart/2018/2/layout/IconCircleList"/>
     <dgm:cxn modelId="{64D72903-25CF-48A6-BA9B-10DEE34DD1A2}" type="presOf" srcId="{B00DA5AB-3D8B-4B29-A92A-07A9DF1F5C69}" destId="{57AE38EE-C7D5-4F12-A845-B3C68A2CD36B}" srcOrd="0" destOrd="0" presId="urn:microsoft.com/office/officeart/2018/2/layout/IconCircleList"/>
     <dgm:cxn modelId="{4C087111-8A02-4729-8F7D-1135C622D7AD}" srcId="{0C6703EC-F402-461E-8374-19BE57CA7120}" destId="{0F8096CA-46DE-4965-BEFC-8FD6195ED933}" srcOrd="0" destOrd="0" parTransId="{B1131143-6005-41C9-AE44-9BE42938E55C}" sibTransId="{E1F2661D-7F3B-48E2-AD9B-FC45A53CC62E}"/>
     <dgm:cxn modelId="{3805B019-E8AC-4F5F-BCD5-0E292D71C879}" type="presOf" srcId="{8DFF89B5-D8BC-4014-A119-EDF881DBB6B7}" destId="{F36141C2-74AC-419D-B6F2-8268CB221162}" srcOrd="0" destOrd="0" presId="urn:microsoft.com/office/officeart/2018/2/layout/IconCircleList"/>
+    <dgm:cxn modelId="{D69F3725-1871-42F8-BC14-5819033E5756}" type="presOf" srcId="{1211D37E-EC49-4B9C-9BAA-426E8291384A}" destId="{75412DA9-E65B-4B91-BA25-E7CE0811B655}" srcOrd="0" destOrd="0" presId="urn:microsoft.com/office/officeart/2018/2/layout/IconCircleList"/>
     <dgm:cxn modelId="{9751B939-58E7-463E-B4F4-ACB4A7517A31}" srcId="{84748320-660B-41FD-81C9-CA02624A0F4C}" destId="{8DFF89B5-D8BC-4014-A119-EDF881DBB6B7}" srcOrd="0" destOrd="0" parTransId="{C284868C-975B-4C2F-B5F5-9ADEB4CDB3DE}" sibTransId="{0801084D-275A-4D13-9E00-C8B2FA5A734F}"/>
+    <dgm:cxn modelId="{53FF073B-9C92-448E-94CB-F8C048BCF695}" srcId="{84748320-660B-41FD-81C9-CA02624A0F4C}" destId="{6ECCEEF4-0978-4AEF-B333-AC2C80B48618}" srcOrd="4" destOrd="0" parTransId="{48AA51EC-4C0E-44F1-9966-BF5021CF02BF}" sibTransId="{546E6F92-2441-4B47-982F-F3824C8AB005}"/>
     <dgm:cxn modelId="{BAD4AD45-5A1C-40C0-9DBF-63A8DD6B812F}" type="presOf" srcId="{2F8CE607-D0A6-4AE5-B79F-8A37093C0B8F}" destId="{5AC6B1B3-C656-4F16-9CD7-0C3E93F520C3}" srcOrd="0" destOrd="0" presId="urn:microsoft.com/office/officeart/2018/2/layout/IconCircleList"/>
     <dgm:cxn modelId="{673AE569-0365-4E4C-9F19-9CEFC554EE56}" type="presOf" srcId="{CFCFFCAE-6F1F-46FD-B01F-24D1D3EB5CFB}" destId="{791A9F34-B3C5-4BE9-80FD-00C5AAF6E582}" srcOrd="0" destOrd="0" presId="urn:microsoft.com/office/officeart/2018/2/layout/IconCircleList"/>
     <dgm:cxn modelId="{9F48A3B2-F9F6-4595-B5F3-D72FB56513A3}" type="presOf" srcId="{0C6703EC-F402-461E-8374-19BE57CA7120}" destId="{48065E13-9000-43EB-9521-58099CBA42E6}" srcOrd="0" destOrd="0" presId="urn:microsoft.com/office/officeart/2018/2/layout/IconCircleList"/>
@@ -1599,6 +1709,12 @@
     <dgm:cxn modelId="{FBD12B12-8747-4A85-8D02-9D6295FD22F1}" type="presParOf" srcId="{D20758CF-092E-47EF-9911-29BF27667AB9}" destId="{F60CEBCF-C589-4083-91BD-805B905FD68E}" srcOrd="1" destOrd="0" presId="urn:microsoft.com/office/officeart/2018/2/layout/IconCircleList"/>
     <dgm:cxn modelId="{3A919B45-DD20-4634-BD9E-C7E5BDA4467A}" type="presParOf" srcId="{D20758CF-092E-47EF-9911-29BF27667AB9}" destId="{555D43B0-F7A1-4844-B9C7-06802FA24A02}" srcOrd="2" destOrd="0" presId="urn:microsoft.com/office/officeart/2018/2/layout/IconCircleList"/>
     <dgm:cxn modelId="{7AA138F8-A89E-4397-9E92-C66A83130E02}" type="presParOf" srcId="{D20758CF-092E-47EF-9911-29BF27667AB9}" destId="{48065E13-9000-43EB-9521-58099CBA42E6}" srcOrd="3" destOrd="0" presId="urn:microsoft.com/office/officeart/2018/2/layout/IconCircleList"/>
+    <dgm:cxn modelId="{CE15BC7A-D840-48FE-9417-9D04C9BDF103}" type="presParOf" srcId="{3953D132-8E5B-4487-BD3B-6C5207452D84}" destId="{75412DA9-E65B-4B91-BA25-E7CE0811B655}" srcOrd="7" destOrd="0" presId="urn:microsoft.com/office/officeart/2018/2/layout/IconCircleList"/>
+    <dgm:cxn modelId="{A7692A3C-45F8-4785-827F-6654F61B2424}" type="presParOf" srcId="{3953D132-8E5B-4487-BD3B-6C5207452D84}" destId="{26F0B7FC-6B2F-4691-A2B6-7E7C93157045}" srcOrd="8" destOrd="0" presId="urn:microsoft.com/office/officeart/2018/2/layout/IconCircleList"/>
+    <dgm:cxn modelId="{C565AE81-B963-47D0-80CD-30A7A9E711C0}" type="presParOf" srcId="{26F0B7FC-6B2F-4691-A2B6-7E7C93157045}" destId="{17148300-6A56-4D1C-BC79-A25BA7DD393E}" srcOrd="0" destOrd="0" presId="urn:microsoft.com/office/officeart/2018/2/layout/IconCircleList"/>
+    <dgm:cxn modelId="{6F017F8A-39B0-4F67-A673-68CB2CE86A25}" type="presParOf" srcId="{26F0B7FC-6B2F-4691-A2B6-7E7C93157045}" destId="{A5C71D99-EFD1-4CA5-99AD-FE3B3922B325}" srcOrd="1" destOrd="0" presId="urn:microsoft.com/office/officeart/2018/2/layout/IconCircleList"/>
+    <dgm:cxn modelId="{374C6437-410F-47FB-B25B-794D129B744F}" type="presParOf" srcId="{26F0B7FC-6B2F-4691-A2B6-7E7C93157045}" destId="{9DD64ACA-C16A-4686-9646-7F03F097F72A}" srcOrd="2" destOrd="0" presId="urn:microsoft.com/office/officeart/2018/2/layout/IconCircleList"/>
+    <dgm:cxn modelId="{F52F7BBF-4C84-4037-8F93-25316E1307A6}" type="presParOf" srcId="{26F0B7FC-6B2F-4691-A2B6-7E7C93157045}" destId="{8F9C8D91-A2F5-42AD-8C0B-ED2BE4CAA54D}" srcOrd="3" destOrd="0" presId="urn:microsoft.com/office/officeart/2018/2/layout/IconCircleList"/>
   </dgm:cxnLst>
   <dgm:bg/>
   <dgm:whole/>
@@ -1625,8 +1741,8 @@
       </dsp:nvSpPr>
       <dsp:spPr>
         <a:xfrm>
-          <a:off x="212335" y="302868"/>
-          <a:ext cx="1335915" cy="1335915"/>
+          <a:off x="82613" y="741537"/>
+          <a:ext cx="897246" cy="897246"/>
         </a:xfrm>
         <a:prstGeom prst="ellipse">
           <a:avLst/>
@@ -1659,8 +1775,8 @@
       </dsp:nvSpPr>
       <dsp:spPr>
         <a:xfrm>
-          <a:off x="492877" y="583410"/>
-          <a:ext cx="774830" cy="774830"/>
+          <a:off x="271034" y="929959"/>
+          <a:ext cx="520402" cy="520402"/>
         </a:xfrm>
         <a:prstGeom prst="rect">
           <a:avLst/>
@@ -1707,8 +1823,8 @@
       </dsp:nvSpPr>
       <dsp:spPr>
         <a:xfrm>
-          <a:off x="1834517" y="302868"/>
-          <a:ext cx="3148942" cy="1335915"/>
+          <a:off x="1172126" y="741537"/>
+          <a:ext cx="2114937" cy="897246"/>
         </a:xfrm>
         <a:prstGeom prst="rect">
           <a:avLst/>
@@ -1760,8 +1876,8 @@
         </a:p>
       </dsp:txBody>
       <dsp:txXfrm>
-        <a:off x="1834517" y="302868"/>
-        <a:ext cx="3148942" cy="1335915"/>
+        <a:off x="1172126" y="741537"/>
+        <a:ext cx="2114937" cy="897246"/>
       </dsp:txXfrm>
     </dsp:sp>
     <dsp:sp modelId="{5720C254-FEBE-4527-AF58-A09FDB454C70}">
@@ -1771,8 +1887,8 @@
       </dsp:nvSpPr>
       <dsp:spPr>
         <a:xfrm>
-          <a:off x="5532139" y="302868"/>
-          <a:ext cx="1335915" cy="1335915"/>
+          <a:off x="3655575" y="741537"/>
+          <a:ext cx="897246" cy="897246"/>
         </a:xfrm>
         <a:prstGeom prst="ellipse">
           <a:avLst/>
@@ -1805,8 +1921,8 @@
       </dsp:nvSpPr>
       <dsp:spPr>
         <a:xfrm>
-          <a:off x="5812681" y="583410"/>
-          <a:ext cx="774830" cy="774830"/>
+          <a:off x="3843996" y="929959"/>
+          <a:ext cx="520402" cy="520402"/>
         </a:xfrm>
         <a:prstGeom prst="rect">
           <a:avLst/>
@@ -1853,8 +1969,8 @@
       </dsp:nvSpPr>
       <dsp:spPr>
         <a:xfrm>
-          <a:off x="7154322" y="302868"/>
-          <a:ext cx="3148942" cy="1335915"/>
+          <a:off x="4745088" y="741537"/>
+          <a:ext cx="2114937" cy="897246"/>
         </a:xfrm>
         <a:prstGeom prst="rect">
           <a:avLst/>
@@ -1898,7 +2014,7 @@
           <a:r>
             <a:rPr lang="it-IT" sz="2400" kern="1200" dirty="0" err="1">
               <a:solidFill>
-                <a:srgbClr val="ED7D31"/>
+                <a:srgbClr val="3BA8F2"/>
               </a:solidFill>
             </a:rPr>
             <a:t>VisualStudio</a:t>
@@ -1906,17 +2022,21 @@
           <a:r>
             <a:rPr lang="it-IT" sz="2400" kern="1200" dirty="0">
               <a:solidFill>
-                <a:srgbClr val="ED7D31"/>
+                <a:srgbClr val="3BA8F2"/>
               </a:solidFill>
             </a:rPr>
             <a:t> Code </a:t>
           </a:r>
-          <a:endParaRPr lang="en-US" sz="2400" kern="1200" dirty="0"/>
+          <a:endParaRPr lang="en-US" sz="2400" kern="1200" dirty="0">
+            <a:solidFill>
+              <a:srgbClr val="3BA8F2"/>
+            </a:solidFill>
+          </a:endParaRPr>
         </a:p>
       </dsp:txBody>
       <dsp:txXfrm>
-        <a:off x="7154322" y="302868"/>
-        <a:ext cx="3148942" cy="1335915"/>
+        <a:off x="4745088" y="741537"/>
+        <a:ext cx="2114937" cy="897246"/>
       </dsp:txXfrm>
     </dsp:sp>
     <dsp:sp modelId="{63F68EA7-2F44-4F46-A057-AF4E60A46C49}">
@@ -1926,8 +2046,8 @@
       </dsp:nvSpPr>
       <dsp:spPr>
         <a:xfrm>
-          <a:off x="212335" y="2310092"/>
-          <a:ext cx="1335915" cy="1335915"/>
+          <a:off x="7228536" y="741537"/>
+          <a:ext cx="897246" cy="897246"/>
         </a:xfrm>
         <a:prstGeom prst="ellipse">
           <a:avLst/>
@@ -1960,8 +2080,8 @@
       </dsp:nvSpPr>
       <dsp:spPr>
         <a:xfrm>
-          <a:off x="492877" y="2590634"/>
-          <a:ext cx="774830" cy="774830"/>
+          <a:off x="7416958" y="929959"/>
+          <a:ext cx="520402" cy="520402"/>
         </a:xfrm>
         <a:prstGeom prst="rect">
           <a:avLst/>
@@ -2008,8 +2128,8 @@
       </dsp:nvSpPr>
       <dsp:spPr>
         <a:xfrm>
-          <a:off x="1834517" y="2310092"/>
-          <a:ext cx="3148942" cy="1335915"/>
+          <a:off x="8318049" y="741537"/>
+          <a:ext cx="2114937" cy="897246"/>
         </a:xfrm>
         <a:prstGeom prst="rect">
           <a:avLst/>
@@ -2066,8 +2186,8 @@
         </a:p>
       </dsp:txBody>
       <dsp:txXfrm>
-        <a:off x="1834517" y="2310092"/>
-        <a:ext cx="3148942" cy="1335915"/>
+        <a:off x="8318049" y="741537"/>
+        <a:ext cx="2114937" cy="897246"/>
       </dsp:txXfrm>
     </dsp:sp>
     <dsp:sp modelId="{A17F5C9F-93DB-4ED5-BB4F-D31EB156A8D1}">
@@ -2077,8 +2197,8 @@
       </dsp:nvSpPr>
       <dsp:spPr>
         <a:xfrm>
-          <a:off x="5532139" y="2310092"/>
-          <a:ext cx="1335915" cy="1335915"/>
+          <a:off x="82613" y="2310092"/>
+          <a:ext cx="897246" cy="897246"/>
         </a:xfrm>
         <a:prstGeom prst="ellipse">
           <a:avLst/>
@@ -2111,8 +2231,8 @@
       </dsp:nvSpPr>
       <dsp:spPr>
         <a:xfrm>
-          <a:off x="5812681" y="2590634"/>
-          <a:ext cx="774830" cy="774830"/>
+          <a:off x="271034" y="2498514"/>
+          <a:ext cx="520402" cy="520402"/>
         </a:xfrm>
         <a:prstGeom prst="rect">
           <a:avLst/>
@@ -2167,8 +2287,8 @@
       </dsp:nvSpPr>
       <dsp:spPr>
         <a:xfrm>
-          <a:off x="7154322" y="2310092"/>
-          <a:ext cx="3148942" cy="1335915"/>
+          <a:off x="1172126" y="2310092"/>
+          <a:ext cx="2114937" cy="897246"/>
         </a:xfrm>
         <a:prstGeom prst="rect">
           <a:avLst/>
@@ -2212,7 +2332,7 @@
           <a:r>
             <a:rPr lang="it-IT" sz="2400" kern="1200" dirty="0">
               <a:solidFill>
-                <a:srgbClr val="7030A0"/>
+                <a:schemeClr val="bg1"/>
               </a:solidFill>
             </a:rPr>
             <a:t>Html, </a:t>
@@ -2220,24 +2340,180 @@
           <a:r>
             <a:rPr lang="it-IT" sz="2400" kern="1200" dirty="0" err="1">
               <a:solidFill>
-                <a:srgbClr val="7030A0"/>
+                <a:schemeClr val="bg1"/>
               </a:solidFill>
             </a:rPr>
             <a:t>Css</a:t>
           </a:r>
-          <a:r>
-            <a:rPr lang="it-IT" sz="2400" kern="1200" dirty="0">
-              <a:solidFill>
-                <a:srgbClr val="7030A0"/>
-              </a:solidFill>
-            </a:rPr>
-            <a:t>, JavaScript</a:t>
-          </a:r>
+          <a:endParaRPr lang="it-IT" sz="2400" kern="1200" dirty="0">
+            <a:solidFill>
+              <a:schemeClr val="bg1"/>
+            </a:solidFill>
+          </a:endParaRPr>
         </a:p>
       </dsp:txBody>
       <dsp:txXfrm>
-        <a:off x="7154322" y="2310092"/>
-        <a:ext cx="3148942" cy="1335915"/>
+        <a:off x="1172126" y="2310092"/>
+        <a:ext cx="2114937" cy="897246"/>
+      </dsp:txXfrm>
+    </dsp:sp>
+    <dsp:sp modelId="{17148300-6A56-4D1C-BC79-A25BA7DD393E}">
+      <dsp:nvSpPr>
+        <dsp:cNvPr id="0" name=""/>
+        <dsp:cNvSpPr/>
+      </dsp:nvSpPr>
+      <dsp:spPr>
+        <a:xfrm>
+          <a:off x="3655575" y="2310092"/>
+          <a:ext cx="897246" cy="897246"/>
+        </a:xfrm>
+        <a:prstGeom prst="ellipse">
+          <a:avLst/>
+        </a:prstGeom>
+        <a:solidFill>
+          <a:srgbClr val="002060"/>
+        </a:solidFill>
+        <a:ln>
+          <a:noFill/>
+        </a:ln>
+        <a:effectLst/>
+      </dsp:spPr>
+      <dsp:style>
+        <a:lnRef idx="0">
+          <a:scrgbClr r="0" g="0" b="0"/>
+        </a:lnRef>
+        <a:fillRef idx="1">
+          <a:scrgbClr r="0" g="0" b="0"/>
+        </a:fillRef>
+        <a:effectRef idx="0">
+          <a:scrgbClr r="0" g="0" b="0"/>
+        </a:effectRef>
+        <a:fontRef idx="minor"/>
+      </dsp:style>
+    </dsp:sp>
+    <dsp:sp modelId="{A5C71D99-EFD1-4CA5-99AD-FE3B3922B325}">
+      <dsp:nvSpPr>
+        <dsp:cNvPr id="0" name=""/>
+        <dsp:cNvSpPr/>
+      </dsp:nvSpPr>
+      <dsp:spPr>
+        <a:xfrm>
+          <a:off x="3843996" y="2498514"/>
+          <a:ext cx="520402" cy="520402"/>
+        </a:xfrm>
+        <a:prstGeom prst="rect">
+          <a:avLst/>
+        </a:prstGeom>
+        <a:blipFill>
+          <a:blip xmlns:r="http://schemas.openxmlformats.org/officeDocument/2006/relationships" r:embed="rId8">
+            <a:extLst>
+              <a:ext uri="{837473B0-CC2E-450A-ABE3-18F120FF3D39}">
+                <a1611:picAttrSrcUrl xmlns:a1611="http://schemas.microsoft.com/office/drawing/2016/11/main" r:id="rId9"/>
+              </a:ext>
+            </a:extLst>
+          </a:blip>
+          <a:srcRect/>
+          <a:stretch>
+            <a:fillRect/>
+          </a:stretch>
+        </a:blipFill>
+        <a:ln w="12700" cap="flat" cmpd="sng" algn="ctr">
+          <a:solidFill>
+            <a:schemeClr val="lt1">
+              <a:alpha val="0"/>
+              <a:hueOff val="0"/>
+              <a:satOff val="0"/>
+              <a:lumOff val="0"/>
+              <a:alphaOff val="0"/>
+            </a:schemeClr>
+          </a:solidFill>
+          <a:prstDash val="solid"/>
+          <a:miter lim="800000"/>
+        </a:ln>
+        <a:effectLst/>
+      </dsp:spPr>
+      <dsp:style>
+        <a:lnRef idx="2">
+          <a:scrgbClr r="0" g="0" b="0"/>
+        </a:lnRef>
+        <a:fillRef idx="1">
+          <a:scrgbClr r="0" g="0" b="0"/>
+        </a:fillRef>
+        <a:effectRef idx="0">
+          <a:scrgbClr r="0" g="0" b="0"/>
+        </a:effectRef>
+        <a:fontRef idx="minor">
+          <a:schemeClr val="lt1"/>
+        </a:fontRef>
+      </dsp:style>
+    </dsp:sp>
+    <dsp:sp modelId="{8F9C8D91-A2F5-42AD-8C0B-ED2BE4CAA54D}">
+      <dsp:nvSpPr>
+        <dsp:cNvPr id="0" name=""/>
+        <dsp:cNvSpPr/>
+      </dsp:nvSpPr>
+      <dsp:spPr>
+        <a:xfrm>
+          <a:off x="4745088" y="2310092"/>
+          <a:ext cx="2114937" cy="897246"/>
+        </a:xfrm>
+        <a:prstGeom prst="rect">
+          <a:avLst/>
+        </a:prstGeom>
+        <a:noFill/>
+        <a:ln>
+          <a:noFill/>
+        </a:ln>
+        <a:effectLst/>
+      </dsp:spPr>
+      <dsp:style>
+        <a:lnRef idx="0">
+          <a:scrgbClr r="0" g="0" b="0"/>
+        </a:lnRef>
+        <a:fillRef idx="0">
+          <a:scrgbClr r="0" g="0" b="0"/>
+        </a:fillRef>
+        <a:effectRef idx="0">
+          <a:scrgbClr r="0" g="0" b="0"/>
+        </a:effectRef>
+        <a:fontRef idx="minor"/>
+      </dsp:style>
+      <dsp:txBody>
+        <a:bodyPr spcFirstLastPara="0" vert="horz" wrap="square" lIns="0" tIns="0" rIns="0" bIns="0" numCol="1" spcCol="1270" anchor="ctr" anchorCtr="0">
+          <a:noAutofit/>
+        </a:bodyPr>
+        <a:lstStyle/>
+        <a:p>
+          <a:pPr marL="0" lvl="0" indent="0" algn="l" defTabSz="1066800">
+            <a:lnSpc>
+              <a:spcPct val="100000"/>
+            </a:lnSpc>
+            <a:spcBef>
+              <a:spcPct val="0"/>
+            </a:spcBef>
+            <a:spcAft>
+              <a:spcPct val="35000"/>
+            </a:spcAft>
+            <a:buNone/>
+          </a:pPr>
+          <a:r>
+            <a:rPr lang="it-IT" sz="2400" kern="1200" dirty="0" err="1">
+              <a:solidFill>
+                <a:srgbClr val="E23237"/>
+              </a:solidFill>
+            </a:rPr>
+            <a:t>Angular</a:t>
+          </a:r>
+          <a:endParaRPr lang="en-GB" sz="2400" kern="1200" dirty="0">
+            <a:solidFill>
+              <a:srgbClr val="E23237"/>
+            </a:solidFill>
+          </a:endParaRPr>
+        </a:p>
+      </dsp:txBody>
+      <dsp:txXfrm>
+        <a:off x="4745088" y="2310092"/>
+        <a:ext cx="2114937" cy="897246"/>
       </dsp:txXfrm>
     </dsp:sp>
   </dsp:spTree>
@@ -3584,7 +3860,7 @@
           <a:p>
             <a:fld id="{B05E37D8-F87F-43EF-A613-4C53E71D9A8B}" type="datetimeFigureOut">
               <a:rPr lang="en-GB" smtClean="0"/>
-              <a:t>17/07/2022</a:t>
+              <a:t>18/07/2022</a:t>
             </a:fld>
             <a:endParaRPr lang="en-GB"/>
           </a:p>
@@ -3761,7 +4037,7 @@
           <a:p>
             <a:fld id="{E5A627A4-93D9-4CD1-9442-4D43CEEDFFCA}" type="datetimeFigureOut">
               <a:rPr lang="en-GB" smtClean="0"/>
-              <a:t>17/07/2022</a:t>
+              <a:t>18/07/2022</a:t>
             </a:fld>
             <a:endParaRPr lang="en-GB"/>
           </a:p>
@@ -4184,7 +4460,7 @@
           <a:p>
             <a:fld id="{590D5618-0DC6-4B63-9A13-5E1E28C6EDDB}" type="datetimeFigureOut">
               <a:rPr lang="en-GB" smtClean="0"/>
-              <a:t>17/07/2022</a:t>
+              <a:t>18/07/2022</a:t>
             </a:fld>
             <a:endParaRPr lang="en-GB"/>
           </a:p>
@@ -4400,7 +4676,7 @@
           <a:p>
             <a:fld id="{590D5618-0DC6-4B63-9A13-5E1E28C6EDDB}" type="datetimeFigureOut">
               <a:rPr lang="en-GB" smtClean="0"/>
-              <a:t>17/07/2022</a:t>
+              <a:t>18/07/2022</a:t>
             </a:fld>
             <a:endParaRPr lang="en-GB"/>
           </a:p>
@@ -4616,7 +4892,7 @@
           <a:p>
             <a:fld id="{590D5618-0DC6-4B63-9A13-5E1E28C6EDDB}" type="datetimeFigureOut">
               <a:rPr lang="en-GB" smtClean="0"/>
-              <a:t>17/07/2022</a:t>
+              <a:t>18/07/2022</a:t>
             </a:fld>
             <a:endParaRPr lang="en-GB"/>
           </a:p>
@@ -4832,7 +5108,7 @@
           <a:p>
             <a:fld id="{590D5618-0DC6-4B63-9A13-5E1E28C6EDDB}" type="datetimeFigureOut">
               <a:rPr lang="en-GB" smtClean="0"/>
-              <a:t>17/07/2022</a:t>
+              <a:t>18/07/2022</a:t>
             </a:fld>
             <a:endParaRPr lang="en-GB"/>
           </a:p>
@@ -5114,7 +5390,7 @@
           <a:p>
             <a:fld id="{590D5618-0DC6-4B63-9A13-5E1E28C6EDDB}" type="datetimeFigureOut">
               <a:rPr lang="en-GB" smtClean="0"/>
-              <a:t>17/07/2022</a:t>
+              <a:t>18/07/2022</a:t>
             </a:fld>
             <a:endParaRPr lang="en-GB"/>
           </a:p>
@@ -5396,7 +5672,7 @@
           <a:p>
             <a:fld id="{590D5618-0DC6-4B63-9A13-5E1E28C6EDDB}" type="datetimeFigureOut">
               <a:rPr lang="en-GB" smtClean="0"/>
-              <a:t>17/07/2022</a:t>
+              <a:t>18/07/2022</a:t>
             </a:fld>
             <a:endParaRPr lang="en-GB"/>
           </a:p>
@@ -5826,7 +6102,7 @@
           <a:p>
             <a:fld id="{590D5618-0DC6-4B63-9A13-5E1E28C6EDDB}" type="datetimeFigureOut">
               <a:rPr lang="en-GB" smtClean="0"/>
-              <a:t>17/07/2022</a:t>
+              <a:t>18/07/2022</a:t>
             </a:fld>
             <a:endParaRPr lang="en-GB"/>
           </a:p>
@@ -5976,7 +6252,7 @@
           <a:p>
             <a:fld id="{590D5618-0DC6-4B63-9A13-5E1E28C6EDDB}" type="datetimeFigureOut">
               <a:rPr lang="en-GB" smtClean="0"/>
-              <a:t>17/07/2022</a:t>
+              <a:t>18/07/2022</a:t>
             </a:fld>
             <a:endParaRPr lang="en-GB"/>
           </a:p>
@@ -6089,7 +6365,7 @@
           <a:p>
             <a:fld id="{590D5618-0DC6-4B63-9A13-5E1E28C6EDDB}" type="datetimeFigureOut">
               <a:rPr lang="en-GB" smtClean="0"/>
-              <a:t>17/07/2022</a:t>
+              <a:t>18/07/2022</a:t>
             </a:fld>
             <a:endParaRPr lang="en-GB"/>
           </a:p>
@@ -6411,7 +6687,7 @@
           <a:p>
             <a:fld id="{590D5618-0DC6-4B63-9A13-5E1E28C6EDDB}" type="datetimeFigureOut">
               <a:rPr lang="en-GB" smtClean="0"/>
-              <a:t>17/07/2022</a:t>
+              <a:t>18/07/2022</a:t>
             </a:fld>
             <a:endParaRPr lang="en-GB"/>
           </a:p>
@@ -6709,7 +6985,7 @@
           <a:p>
             <a:fld id="{590D5618-0DC6-4B63-9A13-5E1E28C6EDDB}" type="datetimeFigureOut">
               <a:rPr lang="en-GB" smtClean="0"/>
-              <a:t>17/07/2022</a:t>
+              <a:t>18/07/2022</a:t>
             </a:fld>
             <a:endParaRPr lang="en-GB"/>
           </a:p>
@@ -6848,7 +7124,7 @@
           <a:p>
             <a:fld id="{590D5618-0DC6-4B63-9A13-5E1E28C6EDDB}" type="datetimeFigureOut">
               <a:rPr lang="en-GB" smtClean="0"/>
-              <a:t>17/07/2022</a:t>
+              <a:t>18/07/2022</a:t>
             </a:fld>
             <a:endParaRPr lang="en-GB"/>
           </a:p>
@@ -8260,6 +8536,1540 @@
 </p:sld>
 </file>
 
+<file path=ppt/slides/slide10.xml><?xml version="1.0" encoding="utf-8"?>
+<p:sld xmlns:a="http://schemas.openxmlformats.org/drawingml/2006/main" xmlns:r="http://schemas.openxmlformats.org/officeDocument/2006/relationships" xmlns:p="http://schemas.openxmlformats.org/presentationml/2006/main">
+  <p:cSld>
+    <p:bg>
+      <p:bgPr>
+        <a:solidFill>
+          <a:srgbClr val="BBC5D9"/>
+        </a:solidFill>
+        <a:effectLst/>
+      </p:bgPr>
+    </p:bg>
+    <p:spTree>
+      <p:nvGrpSpPr>
+        <p:cNvPr id="1" name=""/>
+        <p:cNvGrpSpPr/>
+        <p:nvPr/>
+      </p:nvGrpSpPr>
+      <p:grpSpPr>
+        <a:xfrm>
+          <a:off x="0" y="0"/>
+          <a:ext cx="0" cy="0"/>
+          <a:chOff x="0" y="0"/>
+          <a:chExt cx="0" cy="0"/>
+        </a:xfrm>
+      </p:grpSpPr>
+      <p:sp useBgFill="1">
+        <p:nvSpPr>
+          <p:cNvPr id="16" name="Rectangle 15">
+            <a:extLst>
+              <a:ext uri="{FF2B5EF4-FFF2-40B4-BE49-F238E27FC236}">
+                <a16:creationId xmlns:a16="http://schemas.microsoft.com/office/drawing/2014/main" id="{D75A5B51-0925-4835-8511-A0DD17EAA97C}"/>
+              </a:ext>
+              <a:ext uri="{C183D7F6-B498-43B3-948B-1728B52AA6E4}">
+                <adec:decorative xmlns:adec="http://schemas.microsoft.com/office/drawing/2017/decorative" val="1"/>
+              </a:ext>
+            </a:extLst>
+          </p:cNvPr>
+          <p:cNvSpPr>
+            <a:spLocks noGrp="1" noRot="1" noChangeAspect="1" noMove="1" noResize="1" noEditPoints="1" noAdjustHandles="1" noChangeArrowheads="1" noChangeShapeType="1" noTextEdit="1"/>
+          </p:cNvSpPr>
+          <p:nvPr>
+            <p:extLst>
+              <p:ext uri="{386F3935-93C4-4BCD-93E2-E3B085C9AB24}">
+                <p16:designElem xmlns:p16="http://schemas.microsoft.com/office/powerpoint/2015/main" val="1"/>
+              </p:ext>
+            </p:extLst>
+          </p:nvPr>
+        </p:nvSpPr>
+        <p:spPr>
+          <a:xfrm>
+            <a:off x="0" y="0"/>
+            <a:ext cx="12188952" cy="6858000"/>
+          </a:xfrm>
+          <a:prstGeom prst="rect">
+            <a:avLst/>
+          </a:prstGeom>
+          <a:ln>
+            <a:noFill/>
+          </a:ln>
+        </p:spPr>
+        <p:style>
+          <a:lnRef idx="2">
+            <a:schemeClr val="accent1">
+              <a:shade val="50000"/>
+            </a:schemeClr>
+          </a:lnRef>
+          <a:fillRef idx="1">
+            <a:schemeClr val="accent1"/>
+          </a:fillRef>
+          <a:effectRef idx="0">
+            <a:schemeClr val="accent1"/>
+          </a:effectRef>
+          <a:fontRef idx="minor">
+            <a:schemeClr val="lt1"/>
+          </a:fontRef>
+        </p:style>
+        <p:txBody>
+          <a:bodyPr rtlCol="0" anchor="ctr"/>
+          <a:lstStyle/>
+          <a:p>
+            <a:pPr algn="ctr"/>
+            <a:endParaRPr lang="en-US"/>
+          </a:p>
+        </p:txBody>
+      </p:sp>
+      <p:sp>
+        <p:nvSpPr>
+          <p:cNvPr id="2" name="Titolo 1">
+            <a:extLst>
+              <a:ext uri="{FF2B5EF4-FFF2-40B4-BE49-F238E27FC236}">
+                <a16:creationId xmlns:a16="http://schemas.microsoft.com/office/drawing/2014/main" id="{6EA44EF5-F021-10D3-F516-0F4E2FA66B0B}"/>
+              </a:ext>
+            </a:extLst>
+          </p:cNvPr>
+          <p:cNvSpPr>
+            <a:spLocks noGrp="1"/>
+          </p:cNvSpPr>
+          <p:nvPr>
+            <p:ph type="title"/>
+          </p:nvPr>
+        </p:nvSpPr>
+        <p:spPr>
+          <a:xfrm>
+            <a:off x="612648" y="365125"/>
+            <a:ext cx="5295015" cy="2063808"/>
+          </a:xfrm>
+        </p:spPr>
+        <p:txBody>
+          <a:bodyPr anchor="b">
+            <a:normAutofit/>
+          </a:bodyPr>
+          <a:lstStyle/>
+          <a:p>
+            <a:r>
+              <a:rPr lang="it-IT" sz="5400" dirty="0">
+                <a:solidFill>
+                  <a:srgbClr val="ED7D31"/>
+                </a:solidFill>
+              </a:rPr>
+              <a:t>…alle schermate</a:t>
+            </a:r>
+            <a:endParaRPr lang="en-GB" sz="5400" dirty="0">
+              <a:solidFill>
+                <a:srgbClr val="ED7D31"/>
+              </a:solidFill>
+            </a:endParaRPr>
+          </a:p>
+        </p:txBody>
+      </p:sp>
+      <p:sp>
+        <p:nvSpPr>
+          <p:cNvPr id="18" name="Sketch line">
+            <a:extLst>
+              <a:ext uri="{FF2B5EF4-FFF2-40B4-BE49-F238E27FC236}">
+                <a16:creationId xmlns:a16="http://schemas.microsoft.com/office/drawing/2014/main" id="{5CDFD20D-8E4F-4E3A-AF87-93F23E0DBFB3}"/>
+              </a:ext>
+              <a:ext uri="{C183D7F6-B498-43B3-948B-1728B52AA6E4}">
+                <adec:decorative xmlns:adec="http://schemas.microsoft.com/office/drawing/2017/decorative" val="1"/>
+              </a:ext>
+            </a:extLst>
+          </p:cNvPr>
+          <p:cNvSpPr>
+            <a:spLocks noGrp="1" noRot="1" noChangeAspect="1" noMove="1" noResize="1" noEditPoints="1" noAdjustHandles="1" noChangeArrowheads="1" noChangeShapeType="1" noTextEdit="1"/>
+          </p:cNvSpPr>
+          <p:nvPr>
+            <p:extLst>
+              <p:ext uri="{386F3935-93C4-4BCD-93E2-E3B085C9AB24}">
+                <p16:designElem xmlns:p16="http://schemas.microsoft.com/office/powerpoint/2015/main" val="1"/>
+              </p:ext>
+            </p:extLst>
+          </p:nvPr>
+        </p:nvSpPr>
+        <p:spPr>
+          <a:xfrm>
+            <a:off x="838200" y="2650181"/>
+            <a:ext cx="4343400" cy="18288"/>
+          </a:xfrm>
+          <a:custGeom>
+            <a:avLst/>
+            <a:gdLst>
+              <a:gd name="connsiteX0" fmla="*/ 0 w 4343400"/>
+              <a:gd name="connsiteY0" fmla="*/ 0 h 18288"/>
+              <a:gd name="connsiteX1" fmla="*/ 577052 w 4343400"/>
+              <a:gd name="connsiteY1" fmla="*/ 0 h 18288"/>
+              <a:gd name="connsiteX2" fmla="*/ 1067235 w 4343400"/>
+              <a:gd name="connsiteY2" fmla="*/ 0 h 18288"/>
+              <a:gd name="connsiteX3" fmla="*/ 1600853 w 4343400"/>
+              <a:gd name="connsiteY3" fmla="*/ 0 h 18288"/>
+              <a:gd name="connsiteX4" fmla="*/ 2264773 w 4343400"/>
+              <a:gd name="connsiteY4" fmla="*/ 0 h 18288"/>
+              <a:gd name="connsiteX5" fmla="*/ 2841825 w 4343400"/>
+              <a:gd name="connsiteY5" fmla="*/ 0 h 18288"/>
+              <a:gd name="connsiteX6" fmla="*/ 3375442 w 4343400"/>
+              <a:gd name="connsiteY6" fmla="*/ 0 h 18288"/>
+              <a:gd name="connsiteX7" fmla="*/ 4343400 w 4343400"/>
+              <a:gd name="connsiteY7" fmla="*/ 0 h 18288"/>
+              <a:gd name="connsiteX8" fmla="*/ 4343400 w 4343400"/>
+              <a:gd name="connsiteY8" fmla="*/ 18288 h 18288"/>
+              <a:gd name="connsiteX9" fmla="*/ 3722914 w 4343400"/>
+              <a:gd name="connsiteY9" fmla="*/ 18288 h 18288"/>
+              <a:gd name="connsiteX10" fmla="*/ 3189297 w 4343400"/>
+              <a:gd name="connsiteY10" fmla="*/ 18288 h 18288"/>
+              <a:gd name="connsiteX11" fmla="*/ 2481943 w 4343400"/>
+              <a:gd name="connsiteY11" fmla="*/ 18288 h 18288"/>
+              <a:gd name="connsiteX12" fmla="*/ 1904891 w 4343400"/>
+              <a:gd name="connsiteY12" fmla="*/ 18288 h 18288"/>
+              <a:gd name="connsiteX13" fmla="*/ 1414707 w 4343400"/>
+              <a:gd name="connsiteY13" fmla="*/ 18288 h 18288"/>
+              <a:gd name="connsiteX14" fmla="*/ 750788 w 4343400"/>
+              <a:gd name="connsiteY14" fmla="*/ 18288 h 18288"/>
+              <a:gd name="connsiteX15" fmla="*/ 0 w 4343400"/>
+              <a:gd name="connsiteY15" fmla="*/ 18288 h 18288"/>
+              <a:gd name="connsiteX16" fmla="*/ 0 w 4343400"/>
+              <a:gd name="connsiteY16" fmla="*/ 0 h 18288"/>
+            </a:gdLst>
+            <a:ahLst/>
+            <a:cxnLst>
+              <a:cxn ang="0">
+                <a:pos x="connsiteX0" y="connsiteY0"/>
+              </a:cxn>
+              <a:cxn ang="0">
+                <a:pos x="connsiteX1" y="connsiteY1"/>
+              </a:cxn>
+              <a:cxn ang="0">
+                <a:pos x="connsiteX2" y="connsiteY2"/>
+              </a:cxn>
+              <a:cxn ang="0">
+                <a:pos x="connsiteX3" y="connsiteY3"/>
+              </a:cxn>
+              <a:cxn ang="0">
+                <a:pos x="connsiteX4" y="connsiteY4"/>
+              </a:cxn>
+              <a:cxn ang="0">
+                <a:pos x="connsiteX5" y="connsiteY5"/>
+              </a:cxn>
+              <a:cxn ang="0">
+                <a:pos x="connsiteX6" y="connsiteY6"/>
+              </a:cxn>
+              <a:cxn ang="0">
+                <a:pos x="connsiteX7" y="connsiteY7"/>
+              </a:cxn>
+              <a:cxn ang="0">
+                <a:pos x="connsiteX8" y="connsiteY8"/>
+              </a:cxn>
+              <a:cxn ang="0">
+                <a:pos x="connsiteX9" y="connsiteY9"/>
+              </a:cxn>
+              <a:cxn ang="0">
+                <a:pos x="connsiteX10" y="connsiteY10"/>
+              </a:cxn>
+              <a:cxn ang="0">
+                <a:pos x="connsiteX11" y="connsiteY11"/>
+              </a:cxn>
+              <a:cxn ang="0">
+                <a:pos x="connsiteX12" y="connsiteY12"/>
+              </a:cxn>
+              <a:cxn ang="0">
+                <a:pos x="connsiteX13" y="connsiteY13"/>
+              </a:cxn>
+              <a:cxn ang="0">
+                <a:pos x="connsiteX14" y="connsiteY14"/>
+              </a:cxn>
+              <a:cxn ang="0">
+                <a:pos x="connsiteX15" y="connsiteY15"/>
+              </a:cxn>
+              <a:cxn ang="0">
+                <a:pos x="connsiteX16" y="connsiteY16"/>
+              </a:cxn>
+            </a:cxnLst>
+            <a:rect l="l" t="t" r="r" b="b"/>
+            <a:pathLst>
+              <a:path w="4343400" h="18288" fill="none" extrusionOk="0">
+                <a:moveTo>
+                  <a:pt x="0" y="0"/>
+                </a:moveTo>
+                <a:cubicBezTo>
+                  <a:pt x="233209" y="-19550"/>
+                  <a:pt x="330816" y="19068"/>
+                  <a:pt x="577052" y="0"/>
+                </a:cubicBezTo>
+                <a:cubicBezTo>
+                  <a:pt x="823288" y="-19068"/>
+                  <a:pt x="875077" y="10360"/>
+                  <a:pt x="1067235" y="0"/>
+                </a:cubicBezTo>
+                <a:cubicBezTo>
+                  <a:pt x="1259393" y="-10360"/>
+                  <a:pt x="1410699" y="2939"/>
+                  <a:pt x="1600853" y="0"/>
+                </a:cubicBezTo>
+                <a:cubicBezTo>
+                  <a:pt x="1791007" y="-2939"/>
+                  <a:pt x="2101644" y="-26225"/>
+                  <a:pt x="2264773" y="0"/>
+                </a:cubicBezTo>
+                <a:cubicBezTo>
+                  <a:pt x="2427902" y="26225"/>
+                  <a:pt x="2690426" y="-27726"/>
+                  <a:pt x="2841825" y="0"/>
+                </a:cubicBezTo>
+                <a:cubicBezTo>
+                  <a:pt x="2993224" y="27726"/>
+                  <a:pt x="3172320" y="-18569"/>
+                  <a:pt x="3375442" y="0"/>
+                </a:cubicBezTo>
+                <a:cubicBezTo>
+                  <a:pt x="3578564" y="18569"/>
+                  <a:pt x="4003119" y="21909"/>
+                  <a:pt x="4343400" y="0"/>
+                </a:cubicBezTo>
+                <a:cubicBezTo>
+                  <a:pt x="4343798" y="7429"/>
+                  <a:pt x="4343380" y="10822"/>
+                  <a:pt x="4343400" y="18288"/>
+                </a:cubicBezTo>
+                <a:cubicBezTo>
+                  <a:pt x="4109047" y="14709"/>
+                  <a:pt x="3996986" y="7919"/>
+                  <a:pt x="3722914" y="18288"/>
+                </a:cubicBezTo>
+                <a:cubicBezTo>
+                  <a:pt x="3448842" y="28657"/>
+                  <a:pt x="3340973" y="29252"/>
+                  <a:pt x="3189297" y="18288"/>
+                </a:cubicBezTo>
+                <a:cubicBezTo>
+                  <a:pt x="3037621" y="7324"/>
+                  <a:pt x="2636891" y="-9539"/>
+                  <a:pt x="2481943" y="18288"/>
+                </a:cubicBezTo>
+                <a:cubicBezTo>
+                  <a:pt x="2326995" y="46115"/>
+                  <a:pt x="2131632" y="740"/>
+                  <a:pt x="1904891" y="18288"/>
+                </a:cubicBezTo>
+                <a:cubicBezTo>
+                  <a:pt x="1678150" y="35836"/>
+                  <a:pt x="1575362" y="-3381"/>
+                  <a:pt x="1414707" y="18288"/>
+                </a:cubicBezTo>
+                <a:cubicBezTo>
+                  <a:pt x="1254052" y="39957"/>
+                  <a:pt x="1051093" y="-335"/>
+                  <a:pt x="750788" y="18288"/>
+                </a:cubicBezTo>
+                <a:cubicBezTo>
+                  <a:pt x="450483" y="36911"/>
+                  <a:pt x="293781" y="22900"/>
+                  <a:pt x="0" y="18288"/>
+                </a:cubicBezTo>
+                <a:cubicBezTo>
+                  <a:pt x="-591" y="13205"/>
+                  <a:pt x="-663" y="6329"/>
+                  <a:pt x="0" y="0"/>
+                </a:cubicBezTo>
+                <a:close/>
+              </a:path>
+              <a:path w="4343400" h="18288" stroke="0" extrusionOk="0">
+                <a:moveTo>
+                  <a:pt x="0" y="0"/>
+                </a:moveTo>
+                <a:cubicBezTo>
+                  <a:pt x="212719" y="-28531"/>
+                  <a:pt x="340561" y="-1164"/>
+                  <a:pt x="577052" y="0"/>
+                </a:cubicBezTo>
+                <a:cubicBezTo>
+                  <a:pt x="813543" y="1164"/>
+                  <a:pt x="866967" y="-9376"/>
+                  <a:pt x="1067235" y="0"/>
+                </a:cubicBezTo>
+                <a:cubicBezTo>
+                  <a:pt x="1267503" y="9376"/>
+                  <a:pt x="1485778" y="-20470"/>
+                  <a:pt x="1774589" y="0"/>
+                </a:cubicBezTo>
+                <a:cubicBezTo>
+                  <a:pt x="2063400" y="20470"/>
+                  <a:pt x="2090152" y="-14502"/>
+                  <a:pt x="2351641" y="0"/>
+                </a:cubicBezTo>
+                <a:cubicBezTo>
+                  <a:pt x="2613130" y="14502"/>
+                  <a:pt x="2802864" y="19125"/>
+                  <a:pt x="2928693" y="0"/>
+                </a:cubicBezTo>
+                <a:cubicBezTo>
+                  <a:pt x="3054522" y="-19125"/>
+                  <a:pt x="3482611" y="-2038"/>
+                  <a:pt x="3636046" y="0"/>
+                </a:cubicBezTo>
+                <a:cubicBezTo>
+                  <a:pt x="3789481" y="2038"/>
+                  <a:pt x="4012363" y="973"/>
+                  <a:pt x="4343400" y="0"/>
+                </a:cubicBezTo>
+                <a:cubicBezTo>
+                  <a:pt x="4342514" y="5429"/>
+                  <a:pt x="4344221" y="14046"/>
+                  <a:pt x="4343400" y="18288"/>
+                </a:cubicBezTo>
+                <a:cubicBezTo>
+                  <a:pt x="4078870" y="-6138"/>
+                  <a:pt x="4015967" y="29658"/>
+                  <a:pt x="3809782" y="18288"/>
+                </a:cubicBezTo>
+                <a:cubicBezTo>
+                  <a:pt x="3603597" y="6918"/>
+                  <a:pt x="3495552" y="24439"/>
+                  <a:pt x="3189297" y="18288"/>
+                </a:cubicBezTo>
+                <a:cubicBezTo>
+                  <a:pt x="2883042" y="12137"/>
+                  <a:pt x="2850610" y="32583"/>
+                  <a:pt x="2568811" y="18288"/>
+                </a:cubicBezTo>
+                <a:cubicBezTo>
+                  <a:pt x="2287012" y="3993"/>
+                  <a:pt x="2279820" y="23580"/>
+                  <a:pt x="1991759" y="18288"/>
+                </a:cubicBezTo>
+                <a:cubicBezTo>
+                  <a:pt x="1703698" y="12996"/>
+                  <a:pt x="1616455" y="23157"/>
+                  <a:pt x="1284405" y="18288"/>
+                </a:cubicBezTo>
+                <a:cubicBezTo>
+                  <a:pt x="952355" y="13419"/>
+                  <a:pt x="783530" y="16053"/>
+                  <a:pt x="577052" y="18288"/>
+                </a:cubicBezTo>
+                <a:cubicBezTo>
+                  <a:pt x="370574" y="20523"/>
+                  <a:pt x="173929" y="5195"/>
+                  <a:pt x="0" y="18288"/>
+                </a:cubicBezTo>
+                <a:cubicBezTo>
+                  <a:pt x="668" y="13665"/>
+                  <a:pt x="578" y="5675"/>
+                  <a:pt x="0" y="0"/>
+                </a:cubicBezTo>
+                <a:close/>
+              </a:path>
+            </a:pathLst>
+          </a:custGeom>
+          <a:solidFill>
+            <a:schemeClr val="accent2"/>
+          </a:solidFill>
+          <a:ln w="41275" cap="rnd">
+            <a:solidFill>
+              <a:schemeClr val="accent2"/>
+            </a:solidFill>
+            <a:round/>
+            <a:extLst>
+              <a:ext uri="{C807C97D-BFC1-408E-A445-0C87EB9F89A2}">
+                <ask:lineSketchStyleProps xmlns:ask="http://schemas.microsoft.com/office/drawing/2018/sketchyshapes" sd="1219033472">
+                  <a:prstGeom prst="rect">
+                    <a:avLst/>
+                  </a:prstGeom>
+                  <ask:type>
+                    <ask:lineSketchFreehand/>
+                  </ask:type>
+                </ask:lineSketchStyleProps>
+              </a:ext>
+            </a:extLst>
+          </a:ln>
+        </p:spPr>
+        <p:style>
+          <a:lnRef idx="2">
+            <a:schemeClr val="accent1">
+              <a:shade val="50000"/>
+            </a:schemeClr>
+          </a:lnRef>
+          <a:fillRef idx="1">
+            <a:schemeClr val="accent1"/>
+          </a:fillRef>
+          <a:effectRef idx="0">
+            <a:schemeClr val="accent1"/>
+          </a:effectRef>
+          <a:fontRef idx="minor">
+            <a:schemeClr val="lt1"/>
+          </a:fontRef>
+        </p:style>
+        <p:txBody>
+          <a:bodyPr rtlCol="0" anchor="ctr"/>
+          <a:lstStyle/>
+          <a:p>
+            <a:pPr algn="ctr"/>
+            <a:endParaRPr lang="en-US"/>
+          </a:p>
+        </p:txBody>
+      </p:sp>
+      <p:pic>
+        <p:nvPicPr>
+          <p:cNvPr id="5" name="Segnaposto contenuto 4">
+            <a:extLst>
+              <a:ext uri="{FF2B5EF4-FFF2-40B4-BE49-F238E27FC236}">
+                <a16:creationId xmlns:a16="http://schemas.microsoft.com/office/drawing/2014/main" id="{7E3A1EF7-2E0A-6C05-4DE8-D5E920FF2446}"/>
+              </a:ext>
+            </a:extLst>
+          </p:cNvPr>
+          <p:cNvPicPr>
+            <a:picLocks noChangeAspect="1"/>
+          </p:cNvPicPr>
+          <p:nvPr/>
+        </p:nvPicPr>
+        <p:blipFill>
+          <a:blip r:embed="rId2">
+            <a:extLst>
+              <a:ext uri="{28A0092B-C50C-407E-A947-70E740481C1C}">
+                <a14:useLocalDpi xmlns:a14="http://schemas.microsoft.com/office/drawing/2010/main" val="0"/>
+              </a:ext>
+            </a:extLst>
+          </a:blip>
+          <a:stretch>
+            <a:fillRect/>
+          </a:stretch>
+        </p:blipFill>
+        <p:spPr>
+          <a:xfrm>
+            <a:off x="564827" y="3945982"/>
+            <a:ext cx="4890145" cy="2750705"/>
+          </a:xfrm>
+          <a:prstGeom prst="rect">
+            <a:avLst/>
+          </a:prstGeom>
+        </p:spPr>
+      </p:pic>
+      <p:pic>
+        <p:nvPicPr>
+          <p:cNvPr id="9" name="Immagine 8" descr="Immagine che contiene testo&#10;&#10;Descrizione generata automaticamente">
+            <a:extLst>
+              <a:ext uri="{FF2B5EF4-FFF2-40B4-BE49-F238E27FC236}">
+                <a16:creationId xmlns:a16="http://schemas.microsoft.com/office/drawing/2014/main" id="{66D7419E-A4B0-C6C1-476C-EFD3D1D93A21}"/>
+              </a:ext>
+            </a:extLst>
+          </p:cNvPr>
+          <p:cNvPicPr>
+            <a:picLocks noChangeAspect="1"/>
+          </p:cNvPicPr>
+          <p:nvPr/>
+        </p:nvPicPr>
+        <p:blipFill>
+          <a:blip r:embed="rId3">
+            <a:extLst>
+              <a:ext uri="{28A0092B-C50C-407E-A947-70E740481C1C}">
+                <a14:useLocalDpi xmlns:a14="http://schemas.microsoft.com/office/drawing/2010/main" val="0"/>
+              </a:ext>
+            </a:extLst>
+          </a:blip>
+          <a:stretch>
+            <a:fillRect/>
+          </a:stretch>
+        </p:blipFill>
+        <p:spPr>
+          <a:xfrm>
+            <a:off x="6451621" y="678295"/>
+            <a:ext cx="4890145" cy="2750705"/>
+          </a:xfrm>
+          <a:prstGeom prst="rect">
+            <a:avLst/>
+          </a:prstGeom>
+        </p:spPr>
+      </p:pic>
+      <p:pic>
+        <p:nvPicPr>
+          <p:cNvPr id="7" name="Immagine 6">
+            <a:extLst>
+              <a:ext uri="{FF2B5EF4-FFF2-40B4-BE49-F238E27FC236}">
+                <a16:creationId xmlns:a16="http://schemas.microsoft.com/office/drawing/2014/main" id="{DD3F9B97-51DA-85FA-3F5D-25D9E442075B}"/>
+              </a:ext>
+            </a:extLst>
+          </p:cNvPr>
+          <p:cNvPicPr>
+            <a:picLocks noChangeAspect="1"/>
+          </p:cNvPicPr>
+          <p:nvPr/>
+        </p:nvPicPr>
+        <p:blipFill>
+          <a:blip r:embed="rId4">
+            <a:extLst>
+              <a:ext uri="{28A0092B-C50C-407E-A947-70E740481C1C}">
+                <a14:useLocalDpi xmlns:a14="http://schemas.microsoft.com/office/drawing/2010/main" val="0"/>
+              </a:ext>
+            </a:extLst>
+          </a:blip>
+          <a:stretch>
+            <a:fillRect/>
+          </a:stretch>
+        </p:blipFill>
+        <p:spPr>
+          <a:xfrm>
+            <a:off x="6451624" y="3945983"/>
+            <a:ext cx="4890142" cy="2750705"/>
+          </a:xfrm>
+          <a:prstGeom prst="rect">
+            <a:avLst/>
+          </a:prstGeom>
+        </p:spPr>
+      </p:pic>
+      <p:pic>
+        <p:nvPicPr>
+          <p:cNvPr id="14" name="Immagine 13">
+            <a:extLst>
+              <a:ext uri="{FF2B5EF4-FFF2-40B4-BE49-F238E27FC236}">
+                <a16:creationId xmlns:a16="http://schemas.microsoft.com/office/drawing/2014/main" id="{9CEFDD91-26D7-71EE-769D-C7D99865663E}"/>
+              </a:ext>
+            </a:extLst>
+          </p:cNvPr>
+          <p:cNvPicPr>
+            <a:picLocks noChangeAspect="1"/>
+          </p:cNvPicPr>
+          <p:nvPr/>
+        </p:nvPicPr>
+        <p:blipFill>
+          <a:blip r:embed="rId5">
+            <a:extLst>
+              <a:ext uri="{28A0092B-C50C-407E-A947-70E740481C1C}">
+                <a14:useLocalDpi xmlns:a14="http://schemas.microsoft.com/office/drawing/2010/main" val="0"/>
+              </a:ext>
+            </a:extLst>
+          </a:blip>
+          <a:stretch>
+            <a:fillRect/>
+          </a:stretch>
+        </p:blipFill>
+        <p:spPr>
+          <a:xfrm>
+            <a:off x="11212066" y="271844"/>
+            <a:ext cx="677507" cy="483933"/>
+          </a:xfrm>
+          <a:prstGeom prst="rect">
+            <a:avLst/>
+          </a:prstGeom>
+        </p:spPr>
+      </p:pic>
+    </p:spTree>
+    <p:extLst>
+      <p:ext uri="{BB962C8B-B14F-4D97-AF65-F5344CB8AC3E}">
+        <p14:creationId xmlns:p14="http://schemas.microsoft.com/office/powerpoint/2010/main" val="1363856293"/>
+      </p:ext>
+    </p:extLst>
+  </p:cSld>
+  <p:clrMapOvr>
+    <a:masterClrMapping/>
+  </p:clrMapOvr>
+</p:sld>
+</file>
+
+<file path=ppt/slides/slide11.xml><?xml version="1.0" encoding="utf-8"?>
+<p:sld xmlns:a="http://schemas.openxmlformats.org/drawingml/2006/main" xmlns:r="http://schemas.openxmlformats.org/officeDocument/2006/relationships" xmlns:p="http://schemas.openxmlformats.org/presentationml/2006/main">
+  <p:cSld>
+    <p:bg>
+      <p:bgPr>
+        <a:solidFill>
+          <a:srgbClr val="BBC5D9"/>
+        </a:solidFill>
+        <a:effectLst/>
+      </p:bgPr>
+    </p:bg>
+    <p:spTree>
+      <p:nvGrpSpPr>
+        <p:cNvPr id="1" name=""/>
+        <p:cNvGrpSpPr/>
+        <p:nvPr/>
+      </p:nvGrpSpPr>
+      <p:grpSpPr>
+        <a:xfrm>
+          <a:off x="0" y="0"/>
+          <a:ext cx="0" cy="0"/>
+          <a:chOff x="0" y="0"/>
+          <a:chExt cx="0" cy="0"/>
+        </a:xfrm>
+      </p:grpSpPr>
+      <p:sp useBgFill="1">
+        <p:nvSpPr>
+          <p:cNvPr id="8" name="Rectangle 7">
+            <a:extLst>
+              <a:ext uri="{FF2B5EF4-FFF2-40B4-BE49-F238E27FC236}">
+                <a16:creationId xmlns:a16="http://schemas.microsoft.com/office/drawing/2014/main" id="{100EDD19-6802-4EC3-95CE-CFFAB042CFD6}"/>
+              </a:ext>
+              <a:ext uri="{C183D7F6-B498-43B3-948B-1728B52AA6E4}">
+                <adec:decorative xmlns:adec="http://schemas.microsoft.com/office/drawing/2017/decorative" val="1"/>
+              </a:ext>
+            </a:extLst>
+          </p:cNvPr>
+          <p:cNvSpPr>
+            <a:spLocks noGrp="1" noRot="1" noChangeAspect="1" noMove="1" noResize="1" noEditPoints="1" noAdjustHandles="1" noChangeArrowheads="1" noChangeShapeType="1" noTextEdit="1"/>
+          </p:cNvSpPr>
+          <p:nvPr>
+            <p:extLst>
+              <p:ext uri="{386F3935-93C4-4BCD-93E2-E3B085C9AB24}">
+                <p16:designElem xmlns:p16="http://schemas.microsoft.com/office/powerpoint/2015/main" val="1"/>
+              </p:ext>
+            </p:extLst>
+          </p:nvPr>
+        </p:nvSpPr>
+        <p:spPr>
+          <a:xfrm>
+            <a:off x="0" y="0"/>
+            <a:ext cx="12188952" cy="6858000"/>
+          </a:xfrm>
+          <a:prstGeom prst="rect">
+            <a:avLst/>
+          </a:prstGeom>
+          <a:ln>
+            <a:noFill/>
+          </a:ln>
+        </p:spPr>
+        <p:style>
+          <a:lnRef idx="2">
+            <a:schemeClr val="accent1">
+              <a:shade val="50000"/>
+            </a:schemeClr>
+          </a:lnRef>
+          <a:fillRef idx="1">
+            <a:schemeClr val="accent1"/>
+          </a:fillRef>
+          <a:effectRef idx="0">
+            <a:schemeClr val="accent1"/>
+          </a:effectRef>
+          <a:fontRef idx="minor">
+            <a:schemeClr val="lt1"/>
+          </a:fontRef>
+        </p:style>
+        <p:txBody>
+          <a:bodyPr rtlCol="0" anchor="ctr"/>
+          <a:lstStyle/>
+          <a:p>
+            <a:pPr algn="ctr"/>
+            <a:endParaRPr lang="en-US"/>
+          </a:p>
+        </p:txBody>
+      </p:sp>
+      <p:sp>
+        <p:nvSpPr>
+          <p:cNvPr id="2" name="Titolo 1">
+            <a:extLst>
+              <a:ext uri="{FF2B5EF4-FFF2-40B4-BE49-F238E27FC236}">
+                <a16:creationId xmlns:a16="http://schemas.microsoft.com/office/drawing/2014/main" id="{E13D1BB6-BF57-2463-DBAD-8522EEAD3363}"/>
+              </a:ext>
+            </a:extLst>
+          </p:cNvPr>
+          <p:cNvSpPr>
+            <a:spLocks noGrp="1"/>
+          </p:cNvSpPr>
+          <p:nvPr>
+            <p:ph type="title"/>
+          </p:nvPr>
+        </p:nvSpPr>
+        <p:spPr>
+          <a:xfrm>
+            <a:off x="838200" y="365125"/>
+            <a:ext cx="10515600" cy="1325563"/>
+          </a:xfrm>
+        </p:spPr>
+        <p:txBody>
+          <a:bodyPr>
+            <a:normAutofit fontScale="90000"/>
+          </a:bodyPr>
+          <a:lstStyle/>
+          <a:p>
+            <a:r>
+              <a:rPr lang="it-IT" sz="5400" dirty="0">
+                <a:solidFill>
+                  <a:srgbClr val="ED7D31"/>
+                </a:solidFill>
+              </a:rPr>
+              <a:t>Considerazioni finali e sviluppi futuri</a:t>
+            </a:r>
+            <a:endParaRPr lang="en-GB" sz="5400" dirty="0">
+              <a:solidFill>
+                <a:srgbClr val="ED7D31"/>
+              </a:solidFill>
+            </a:endParaRPr>
+          </a:p>
+        </p:txBody>
+      </p:sp>
+      <p:sp>
+        <p:nvSpPr>
+          <p:cNvPr id="10" name="sketch line">
+            <a:extLst>
+              <a:ext uri="{FF2B5EF4-FFF2-40B4-BE49-F238E27FC236}">
+                <a16:creationId xmlns:a16="http://schemas.microsoft.com/office/drawing/2014/main" id="{DB17E863-922E-4C26-BD64-E8FD41D28661}"/>
+              </a:ext>
+              <a:ext uri="{C183D7F6-B498-43B3-948B-1728B52AA6E4}">
+                <adec:decorative xmlns:adec="http://schemas.microsoft.com/office/drawing/2017/decorative" val="1"/>
+              </a:ext>
+            </a:extLst>
+          </p:cNvPr>
+          <p:cNvSpPr>
+            <a:spLocks noGrp="1" noRot="1" noChangeAspect="1" noMove="1" noResize="1" noEditPoints="1" noAdjustHandles="1" noChangeArrowheads="1" noChangeShapeType="1" noTextEdit="1"/>
+          </p:cNvSpPr>
+          <p:nvPr>
+            <p:extLst>
+              <p:ext uri="{386F3935-93C4-4BCD-93E2-E3B085C9AB24}">
+                <p16:designElem xmlns:p16="http://schemas.microsoft.com/office/powerpoint/2015/main" val="1"/>
+              </p:ext>
+            </p:extLst>
+          </p:nvPr>
+        </p:nvSpPr>
+        <p:spPr>
+          <a:xfrm>
+            <a:off x="669036" y="1677373"/>
+            <a:ext cx="10853928" cy="18288"/>
+          </a:xfrm>
+          <a:custGeom>
+            <a:avLst/>
+            <a:gdLst>
+              <a:gd name="connsiteX0" fmla="*/ 0 w 10853928"/>
+              <a:gd name="connsiteY0" fmla="*/ 0 h 18288"/>
+              <a:gd name="connsiteX1" fmla="*/ 461292 w 10853928"/>
+              <a:gd name="connsiteY1" fmla="*/ 0 h 18288"/>
+              <a:gd name="connsiteX2" fmla="*/ 1139662 w 10853928"/>
+              <a:gd name="connsiteY2" fmla="*/ 0 h 18288"/>
+              <a:gd name="connsiteX3" fmla="*/ 1926572 w 10853928"/>
+              <a:gd name="connsiteY3" fmla="*/ 0 h 18288"/>
+              <a:gd name="connsiteX4" fmla="*/ 2279325 w 10853928"/>
+              <a:gd name="connsiteY4" fmla="*/ 0 h 18288"/>
+              <a:gd name="connsiteX5" fmla="*/ 2632078 w 10853928"/>
+              <a:gd name="connsiteY5" fmla="*/ 0 h 18288"/>
+              <a:gd name="connsiteX6" fmla="*/ 3527527 w 10853928"/>
+              <a:gd name="connsiteY6" fmla="*/ 0 h 18288"/>
+              <a:gd name="connsiteX7" fmla="*/ 4205897 w 10853928"/>
+              <a:gd name="connsiteY7" fmla="*/ 0 h 18288"/>
+              <a:gd name="connsiteX8" fmla="*/ 4558650 w 10853928"/>
+              <a:gd name="connsiteY8" fmla="*/ 0 h 18288"/>
+              <a:gd name="connsiteX9" fmla="*/ 5237020 w 10853928"/>
+              <a:gd name="connsiteY9" fmla="*/ 0 h 18288"/>
+              <a:gd name="connsiteX10" fmla="*/ 6132469 w 10853928"/>
+              <a:gd name="connsiteY10" fmla="*/ 0 h 18288"/>
+              <a:gd name="connsiteX11" fmla="*/ 6702301 w 10853928"/>
+              <a:gd name="connsiteY11" fmla="*/ 0 h 18288"/>
+              <a:gd name="connsiteX12" fmla="*/ 7272132 w 10853928"/>
+              <a:gd name="connsiteY12" fmla="*/ 0 h 18288"/>
+              <a:gd name="connsiteX13" fmla="*/ 7950502 w 10853928"/>
+              <a:gd name="connsiteY13" fmla="*/ 0 h 18288"/>
+              <a:gd name="connsiteX14" fmla="*/ 8737412 w 10853928"/>
+              <a:gd name="connsiteY14" fmla="*/ 0 h 18288"/>
+              <a:gd name="connsiteX15" fmla="*/ 9524322 w 10853928"/>
+              <a:gd name="connsiteY15" fmla="*/ 0 h 18288"/>
+              <a:gd name="connsiteX16" fmla="*/ 10853928 w 10853928"/>
+              <a:gd name="connsiteY16" fmla="*/ 0 h 18288"/>
+              <a:gd name="connsiteX17" fmla="*/ 10853928 w 10853928"/>
+              <a:gd name="connsiteY17" fmla="*/ 18288 h 18288"/>
+              <a:gd name="connsiteX18" fmla="*/ 10392636 w 10853928"/>
+              <a:gd name="connsiteY18" fmla="*/ 18288 h 18288"/>
+              <a:gd name="connsiteX19" fmla="*/ 9497187 w 10853928"/>
+              <a:gd name="connsiteY19" fmla="*/ 18288 h 18288"/>
+              <a:gd name="connsiteX20" fmla="*/ 8818817 w 10853928"/>
+              <a:gd name="connsiteY20" fmla="*/ 18288 h 18288"/>
+              <a:gd name="connsiteX21" fmla="*/ 8466064 w 10853928"/>
+              <a:gd name="connsiteY21" fmla="*/ 18288 h 18288"/>
+              <a:gd name="connsiteX22" fmla="*/ 7787693 w 10853928"/>
+              <a:gd name="connsiteY22" fmla="*/ 18288 h 18288"/>
+              <a:gd name="connsiteX23" fmla="*/ 7217862 w 10853928"/>
+              <a:gd name="connsiteY23" fmla="*/ 18288 h 18288"/>
+              <a:gd name="connsiteX24" fmla="*/ 6648031 w 10853928"/>
+              <a:gd name="connsiteY24" fmla="*/ 18288 h 18288"/>
+              <a:gd name="connsiteX25" fmla="*/ 6078200 w 10853928"/>
+              <a:gd name="connsiteY25" fmla="*/ 18288 h 18288"/>
+              <a:gd name="connsiteX26" fmla="*/ 5508368 w 10853928"/>
+              <a:gd name="connsiteY26" fmla="*/ 18288 h 18288"/>
+              <a:gd name="connsiteX27" fmla="*/ 4721459 w 10853928"/>
+              <a:gd name="connsiteY27" fmla="*/ 18288 h 18288"/>
+              <a:gd name="connsiteX28" fmla="*/ 4043088 w 10853928"/>
+              <a:gd name="connsiteY28" fmla="*/ 18288 h 18288"/>
+              <a:gd name="connsiteX29" fmla="*/ 3690336 w 10853928"/>
+              <a:gd name="connsiteY29" fmla="*/ 18288 h 18288"/>
+              <a:gd name="connsiteX30" fmla="*/ 3120504 w 10853928"/>
+              <a:gd name="connsiteY30" fmla="*/ 18288 h 18288"/>
+              <a:gd name="connsiteX31" fmla="*/ 2333595 w 10853928"/>
+              <a:gd name="connsiteY31" fmla="*/ 18288 h 18288"/>
+              <a:gd name="connsiteX32" fmla="*/ 1872303 w 10853928"/>
+              <a:gd name="connsiteY32" fmla="*/ 18288 h 18288"/>
+              <a:gd name="connsiteX33" fmla="*/ 976854 w 10853928"/>
+              <a:gd name="connsiteY33" fmla="*/ 18288 h 18288"/>
+              <a:gd name="connsiteX34" fmla="*/ 0 w 10853928"/>
+              <a:gd name="connsiteY34" fmla="*/ 18288 h 18288"/>
+              <a:gd name="connsiteX35" fmla="*/ 0 w 10853928"/>
+              <a:gd name="connsiteY35" fmla="*/ 0 h 18288"/>
+            </a:gdLst>
+            <a:ahLst/>
+            <a:cxnLst>
+              <a:cxn ang="0">
+                <a:pos x="connsiteX0" y="connsiteY0"/>
+              </a:cxn>
+              <a:cxn ang="0">
+                <a:pos x="connsiteX1" y="connsiteY1"/>
+              </a:cxn>
+              <a:cxn ang="0">
+                <a:pos x="connsiteX2" y="connsiteY2"/>
+              </a:cxn>
+              <a:cxn ang="0">
+                <a:pos x="connsiteX3" y="connsiteY3"/>
+              </a:cxn>
+              <a:cxn ang="0">
+                <a:pos x="connsiteX4" y="connsiteY4"/>
+              </a:cxn>
+              <a:cxn ang="0">
+                <a:pos x="connsiteX5" y="connsiteY5"/>
+              </a:cxn>
+              <a:cxn ang="0">
+                <a:pos x="connsiteX6" y="connsiteY6"/>
+              </a:cxn>
+              <a:cxn ang="0">
+                <a:pos x="connsiteX7" y="connsiteY7"/>
+              </a:cxn>
+              <a:cxn ang="0">
+                <a:pos x="connsiteX8" y="connsiteY8"/>
+              </a:cxn>
+              <a:cxn ang="0">
+                <a:pos x="connsiteX9" y="connsiteY9"/>
+              </a:cxn>
+              <a:cxn ang="0">
+                <a:pos x="connsiteX10" y="connsiteY10"/>
+              </a:cxn>
+              <a:cxn ang="0">
+                <a:pos x="connsiteX11" y="connsiteY11"/>
+              </a:cxn>
+              <a:cxn ang="0">
+                <a:pos x="connsiteX12" y="connsiteY12"/>
+              </a:cxn>
+              <a:cxn ang="0">
+                <a:pos x="connsiteX13" y="connsiteY13"/>
+              </a:cxn>
+              <a:cxn ang="0">
+                <a:pos x="connsiteX14" y="connsiteY14"/>
+              </a:cxn>
+              <a:cxn ang="0">
+                <a:pos x="connsiteX15" y="connsiteY15"/>
+              </a:cxn>
+              <a:cxn ang="0">
+                <a:pos x="connsiteX16" y="connsiteY16"/>
+              </a:cxn>
+              <a:cxn ang="0">
+                <a:pos x="connsiteX17" y="connsiteY17"/>
+              </a:cxn>
+              <a:cxn ang="0">
+                <a:pos x="connsiteX18" y="connsiteY18"/>
+              </a:cxn>
+              <a:cxn ang="0">
+                <a:pos x="connsiteX19" y="connsiteY19"/>
+              </a:cxn>
+              <a:cxn ang="0">
+                <a:pos x="connsiteX20" y="connsiteY20"/>
+              </a:cxn>
+              <a:cxn ang="0">
+                <a:pos x="connsiteX21" y="connsiteY21"/>
+              </a:cxn>
+              <a:cxn ang="0">
+                <a:pos x="connsiteX22" y="connsiteY22"/>
+              </a:cxn>
+              <a:cxn ang="0">
+                <a:pos x="connsiteX23" y="connsiteY23"/>
+              </a:cxn>
+              <a:cxn ang="0">
+                <a:pos x="connsiteX24" y="connsiteY24"/>
+              </a:cxn>
+              <a:cxn ang="0">
+                <a:pos x="connsiteX25" y="connsiteY25"/>
+              </a:cxn>
+              <a:cxn ang="0">
+                <a:pos x="connsiteX26" y="connsiteY26"/>
+              </a:cxn>
+              <a:cxn ang="0">
+                <a:pos x="connsiteX27" y="connsiteY27"/>
+              </a:cxn>
+              <a:cxn ang="0">
+                <a:pos x="connsiteX28" y="connsiteY28"/>
+              </a:cxn>
+              <a:cxn ang="0">
+                <a:pos x="connsiteX29" y="connsiteY29"/>
+              </a:cxn>
+              <a:cxn ang="0">
+                <a:pos x="connsiteX30" y="connsiteY30"/>
+              </a:cxn>
+              <a:cxn ang="0">
+                <a:pos x="connsiteX31" y="connsiteY31"/>
+              </a:cxn>
+              <a:cxn ang="0">
+                <a:pos x="connsiteX32" y="connsiteY32"/>
+              </a:cxn>
+              <a:cxn ang="0">
+                <a:pos x="connsiteX33" y="connsiteY33"/>
+              </a:cxn>
+              <a:cxn ang="0">
+                <a:pos x="connsiteX34" y="connsiteY34"/>
+              </a:cxn>
+              <a:cxn ang="0">
+                <a:pos x="connsiteX35" y="connsiteY35"/>
+              </a:cxn>
+            </a:cxnLst>
+            <a:rect l="l" t="t" r="r" b="b"/>
+            <a:pathLst>
+              <a:path w="10853928" h="18288" fill="none" extrusionOk="0">
+                <a:moveTo>
+                  <a:pt x="0" y="0"/>
+                </a:moveTo>
+                <a:cubicBezTo>
+                  <a:pt x="146993" y="-19076"/>
+                  <a:pt x="347684" y="-4790"/>
+                  <a:pt x="461292" y="0"/>
+                </a:cubicBezTo>
+                <a:cubicBezTo>
+                  <a:pt x="574900" y="4790"/>
+                  <a:pt x="808367" y="19821"/>
+                  <a:pt x="1139662" y="0"/>
+                </a:cubicBezTo>
+                <a:cubicBezTo>
+                  <a:pt x="1470957" y="-19821"/>
+                  <a:pt x="1627405" y="5721"/>
+                  <a:pt x="1926572" y="0"/>
+                </a:cubicBezTo>
+                <a:cubicBezTo>
+                  <a:pt x="2225739" y="-5721"/>
+                  <a:pt x="2137730" y="-3235"/>
+                  <a:pt x="2279325" y="0"/>
+                </a:cubicBezTo>
+                <a:cubicBezTo>
+                  <a:pt x="2420920" y="3235"/>
+                  <a:pt x="2456518" y="9685"/>
+                  <a:pt x="2632078" y="0"/>
+                </a:cubicBezTo>
+                <a:cubicBezTo>
+                  <a:pt x="2807638" y="-9685"/>
+                  <a:pt x="3211516" y="-43007"/>
+                  <a:pt x="3527527" y="0"/>
+                </a:cubicBezTo>
+                <a:cubicBezTo>
+                  <a:pt x="3843538" y="43007"/>
+                  <a:pt x="4058833" y="22042"/>
+                  <a:pt x="4205897" y="0"/>
+                </a:cubicBezTo>
+                <a:cubicBezTo>
+                  <a:pt x="4352961" y="-22042"/>
+                  <a:pt x="4474805" y="-11846"/>
+                  <a:pt x="4558650" y="0"/>
+                </a:cubicBezTo>
+                <a:cubicBezTo>
+                  <a:pt x="4642495" y="11846"/>
+                  <a:pt x="5041928" y="-6069"/>
+                  <a:pt x="5237020" y="0"/>
+                </a:cubicBezTo>
+                <a:cubicBezTo>
+                  <a:pt x="5432112" y="6069"/>
+                  <a:pt x="5943266" y="-17479"/>
+                  <a:pt x="6132469" y="0"/>
+                </a:cubicBezTo>
+                <a:cubicBezTo>
+                  <a:pt x="6321672" y="17479"/>
+                  <a:pt x="6483872" y="26234"/>
+                  <a:pt x="6702301" y="0"/>
+                </a:cubicBezTo>
+                <a:cubicBezTo>
+                  <a:pt x="6920730" y="-26234"/>
+                  <a:pt x="6991194" y="-15156"/>
+                  <a:pt x="7272132" y="0"/>
+                </a:cubicBezTo>
+                <a:cubicBezTo>
+                  <a:pt x="7553070" y="15156"/>
+                  <a:pt x="7684444" y="-32961"/>
+                  <a:pt x="7950502" y="0"/>
+                </a:cubicBezTo>
+                <a:cubicBezTo>
+                  <a:pt x="8216560" y="32961"/>
+                  <a:pt x="8493290" y="-10491"/>
+                  <a:pt x="8737412" y="0"/>
+                </a:cubicBezTo>
+                <a:cubicBezTo>
+                  <a:pt x="8981534" y="10491"/>
+                  <a:pt x="9191586" y="-13899"/>
+                  <a:pt x="9524322" y="0"/>
+                </a:cubicBezTo>
+                <a:cubicBezTo>
+                  <a:pt x="9857058" y="13899"/>
+                  <a:pt x="10297509" y="7485"/>
+                  <a:pt x="10853928" y="0"/>
+                </a:cubicBezTo>
+                <a:cubicBezTo>
+                  <a:pt x="10854574" y="4451"/>
+                  <a:pt x="10854418" y="9226"/>
+                  <a:pt x="10853928" y="18288"/>
+                </a:cubicBezTo>
+                <a:cubicBezTo>
+                  <a:pt x="10691638" y="28522"/>
+                  <a:pt x="10574319" y="29578"/>
+                  <a:pt x="10392636" y="18288"/>
+                </a:cubicBezTo>
+                <a:cubicBezTo>
+                  <a:pt x="10210953" y="6998"/>
+                  <a:pt x="9836277" y="-16742"/>
+                  <a:pt x="9497187" y="18288"/>
+                </a:cubicBezTo>
+                <a:cubicBezTo>
+                  <a:pt x="9158097" y="53318"/>
+                  <a:pt x="9119479" y="30714"/>
+                  <a:pt x="8818817" y="18288"/>
+                </a:cubicBezTo>
+                <a:cubicBezTo>
+                  <a:pt x="8518155" y="5863"/>
+                  <a:pt x="8640037" y="6483"/>
+                  <a:pt x="8466064" y="18288"/>
+                </a:cubicBezTo>
+                <a:cubicBezTo>
+                  <a:pt x="8292091" y="30093"/>
+                  <a:pt x="7997656" y="18914"/>
+                  <a:pt x="7787693" y="18288"/>
+                </a:cubicBezTo>
+                <a:cubicBezTo>
+                  <a:pt x="7577730" y="17662"/>
+                  <a:pt x="7412468" y="21416"/>
+                  <a:pt x="7217862" y="18288"/>
+                </a:cubicBezTo>
+                <a:cubicBezTo>
+                  <a:pt x="7023256" y="15160"/>
+                  <a:pt x="6898018" y="14824"/>
+                  <a:pt x="6648031" y="18288"/>
+                </a:cubicBezTo>
+                <a:cubicBezTo>
+                  <a:pt x="6398044" y="21752"/>
+                  <a:pt x="6254402" y="38625"/>
+                  <a:pt x="6078200" y="18288"/>
+                </a:cubicBezTo>
+                <a:cubicBezTo>
+                  <a:pt x="5901998" y="-2049"/>
+                  <a:pt x="5622886" y="3213"/>
+                  <a:pt x="5508368" y="18288"/>
+                </a:cubicBezTo>
+                <a:cubicBezTo>
+                  <a:pt x="5393850" y="33363"/>
+                  <a:pt x="5036260" y="26830"/>
+                  <a:pt x="4721459" y="18288"/>
+                </a:cubicBezTo>
+                <a:cubicBezTo>
+                  <a:pt x="4406658" y="9746"/>
+                  <a:pt x="4239221" y="41551"/>
+                  <a:pt x="4043088" y="18288"/>
+                </a:cubicBezTo>
+                <a:cubicBezTo>
+                  <a:pt x="3846955" y="-4975"/>
+                  <a:pt x="3818802" y="34658"/>
+                  <a:pt x="3690336" y="18288"/>
+                </a:cubicBezTo>
+                <a:cubicBezTo>
+                  <a:pt x="3561870" y="1918"/>
+                  <a:pt x="3265491" y="42194"/>
+                  <a:pt x="3120504" y="18288"/>
+                </a:cubicBezTo>
+                <a:cubicBezTo>
+                  <a:pt x="2975517" y="-5618"/>
+                  <a:pt x="2720254" y="36673"/>
+                  <a:pt x="2333595" y="18288"/>
+                </a:cubicBezTo>
+                <a:cubicBezTo>
+                  <a:pt x="1946936" y="-97"/>
+                  <a:pt x="2097241" y="5776"/>
+                  <a:pt x="1872303" y="18288"/>
+                </a:cubicBezTo>
+                <a:cubicBezTo>
+                  <a:pt x="1647365" y="30800"/>
+                  <a:pt x="1282708" y="45380"/>
+                  <a:pt x="976854" y="18288"/>
+                </a:cubicBezTo>
+                <a:cubicBezTo>
+                  <a:pt x="671000" y="-8804"/>
+                  <a:pt x="408401" y="-12775"/>
+                  <a:pt x="0" y="18288"/>
+                </a:cubicBezTo>
+                <a:cubicBezTo>
+                  <a:pt x="-213" y="9468"/>
+                  <a:pt x="187" y="4459"/>
+                  <a:pt x="0" y="0"/>
+                </a:cubicBezTo>
+                <a:close/>
+              </a:path>
+              <a:path w="10853928" h="18288" stroke="0" extrusionOk="0">
+                <a:moveTo>
+                  <a:pt x="0" y="0"/>
+                </a:moveTo>
+                <a:cubicBezTo>
+                  <a:pt x="267322" y="15284"/>
+                  <a:pt x="415388" y="-21048"/>
+                  <a:pt x="569831" y="0"/>
+                </a:cubicBezTo>
+                <a:cubicBezTo>
+                  <a:pt x="724274" y="21048"/>
+                  <a:pt x="769333" y="-2353"/>
+                  <a:pt x="922584" y="0"/>
+                </a:cubicBezTo>
+                <a:cubicBezTo>
+                  <a:pt x="1075835" y="2353"/>
+                  <a:pt x="1399490" y="-145"/>
+                  <a:pt x="1818033" y="0"/>
+                </a:cubicBezTo>
+                <a:cubicBezTo>
+                  <a:pt x="2236576" y="145"/>
+                  <a:pt x="2145330" y="5482"/>
+                  <a:pt x="2387864" y="0"/>
+                </a:cubicBezTo>
+                <a:cubicBezTo>
+                  <a:pt x="2630398" y="-5482"/>
+                  <a:pt x="2793207" y="18487"/>
+                  <a:pt x="2957695" y="0"/>
+                </a:cubicBezTo>
+                <a:cubicBezTo>
+                  <a:pt x="3122183" y="-18487"/>
+                  <a:pt x="3579141" y="19003"/>
+                  <a:pt x="3853144" y="0"/>
+                </a:cubicBezTo>
+                <a:cubicBezTo>
+                  <a:pt x="4127147" y="-19003"/>
+                  <a:pt x="4209857" y="12211"/>
+                  <a:pt x="4314436" y="0"/>
+                </a:cubicBezTo>
+                <a:cubicBezTo>
+                  <a:pt x="4419015" y="-12211"/>
+                  <a:pt x="4762459" y="-17220"/>
+                  <a:pt x="5209885" y="0"/>
+                </a:cubicBezTo>
+                <a:cubicBezTo>
+                  <a:pt x="5657311" y="17220"/>
+                  <a:pt x="5692663" y="-3290"/>
+                  <a:pt x="6105335" y="0"/>
+                </a:cubicBezTo>
+                <a:cubicBezTo>
+                  <a:pt x="6518007" y="3290"/>
+                  <a:pt x="6455516" y="-5124"/>
+                  <a:pt x="6783705" y="0"/>
+                </a:cubicBezTo>
+                <a:cubicBezTo>
+                  <a:pt x="7111894" y="5124"/>
+                  <a:pt x="7441941" y="-17829"/>
+                  <a:pt x="7679154" y="0"/>
+                </a:cubicBezTo>
+                <a:cubicBezTo>
+                  <a:pt x="7916367" y="17829"/>
+                  <a:pt x="8102967" y="-24363"/>
+                  <a:pt x="8248985" y="0"/>
+                </a:cubicBezTo>
+                <a:cubicBezTo>
+                  <a:pt x="8395003" y="24363"/>
+                  <a:pt x="8552393" y="25505"/>
+                  <a:pt x="8818817" y="0"/>
+                </a:cubicBezTo>
+                <a:cubicBezTo>
+                  <a:pt x="9085241" y="-25505"/>
+                  <a:pt x="9411308" y="38000"/>
+                  <a:pt x="9605726" y="0"/>
+                </a:cubicBezTo>
+                <a:cubicBezTo>
+                  <a:pt x="9800144" y="-38000"/>
+                  <a:pt x="10006468" y="-25741"/>
+                  <a:pt x="10175558" y="0"/>
+                </a:cubicBezTo>
+                <a:cubicBezTo>
+                  <a:pt x="10344648" y="25741"/>
+                  <a:pt x="10696282" y="695"/>
+                  <a:pt x="10853928" y="0"/>
+                </a:cubicBezTo>
+                <a:cubicBezTo>
+                  <a:pt x="10853521" y="8690"/>
+                  <a:pt x="10853774" y="14141"/>
+                  <a:pt x="10853928" y="18288"/>
+                </a:cubicBezTo>
+                <a:cubicBezTo>
+                  <a:pt x="10608124" y="24255"/>
+                  <a:pt x="10343415" y="22307"/>
+                  <a:pt x="10067018" y="18288"/>
+                </a:cubicBezTo>
+                <a:cubicBezTo>
+                  <a:pt x="9790621" y="14270"/>
+                  <a:pt x="9843266" y="3564"/>
+                  <a:pt x="9714266" y="18288"/>
+                </a:cubicBezTo>
+                <a:cubicBezTo>
+                  <a:pt x="9585266" y="33012"/>
+                  <a:pt x="9379484" y="1875"/>
+                  <a:pt x="9252974" y="18288"/>
+                </a:cubicBezTo>
+                <a:cubicBezTo>
+                  <a:pt x="9126464" y="34701"/>
+                  <a:pt x="8580678" y="-4904"/>
+                  <a:pt x="8357525" y="18288"/>
+                </a:cubicBezTo>
+                <a:cubicBezTo>
+                  <a:pt x="8134372" y="41480"/>
+                  <a:pt x="7903199" y="26458"/>
+                  <a:pt x="7679154" y="18288"/>
+                </a:cubicBezTo>
+                <a:cubicBezTo>
+                  <a:pt x="7455109" y="10118"/>
+                  <a:pt x="7435944" y="27109"/>
+                  <a:pt x="7217862" y="18288"/>
+                </a:cubicBezTo>
+                <a:cubicBezTo>
+                  <a:pt x="6999780" y="9467"/>
+                  <a:pt x="6680409" y="18985"/>
+                  <a:pt x="6539492" y="18288"/>
+                </a:cubicBezTo>
+                <a:cubicBezTo>
+                  <a:pt x="6398575" y="17592"/>
+                  <a:pt x="6312077" y="33018"/>
+                  <a:pt x="6186739" y="18288"/>
+                </a:cubicBezTo>
+                <a:cubicBezTo>
+                  <a:pt x="6061401" y="3558"/>
+                  <a:pt x="5947033" y="12075"/>
+                  <a:pt x="5833986" y="18288"/>
+                </a:cubicBezTo>
+                <a:cubicBezTo>
+                  <a:pt x="5720939" y="24501"/>
+                  <a:pt x="5482226" y="8586"/>
+                  <a:pt x="5155616" y="18288"/>
+                </a:cubicBezTo>
+                <a:cubicBezTo>
+                  <a:pt x="4829006" y="27991"/>
+                  <a:pt x="4841274" y="29316"/>
+                  <a:pt x="4694324" y="18288"/>
+                </a:cubicBezTo>
+                <a:cubicBezTo>
+                  <a:pt x="4547374" y="7260"/>
+                  <a:pt x="4077675" y="7013"/>
+                  <a:pt x="3907414" y="18288"/>
+                </a:cubicBezTo>
+                <a:cubicBezTo>
+                  <a:pt x="3737153" y="29564"/>
+                  <a:pt x="3538393" y="21630"/>
+                  <a:pt x="3446122" y="18288"/>
+                </a:cubicBezTo>
+                <a:cubicBezTo>
+                  <a:pt x="3353851" y="14946"/>
+                  <a:pt x="2990320" y="-8091"/>
+                  <a:pt x="2659212" y="18288"/>
+                </a:cubicBezTo>
+                <a:cubicBezTo>
+                  <a:pt x="2328104" y="44667"/>
+                  <a:pt x="2427653" y="9607"/>
+                  <a:pt x="2306460" y="18288"/>
+                </a:cubicBezTo>
+                <a:cubicBezTo>
+                  <a:pt x="2185267" y="26969"/>
+                  <a:pt x="1719763" y="3717"/>
+                  <a:pt x="1519550" y="18288"/>
+                </a:cubicBezTo>
+                <a:cubicBezTo>
+                  <a:pt x="1319337" y="32860"/>
+                  <a:pt x="1167371" y="17040"/>
+                  <a:pt x="1058258" y="18288"/>
+                </a:cubicBezTo>
+                <a:cubicBezTo>
+                  <a:pt x="949145" y="19536"/>
+                  <a:pt x="780234" y="31447"/>
+                  <a:pt x="705505" y="18288"/>
+                </a:cubicBezTo>
+                <a:cubicBezTo>
+                  <a:pt x="630776" y="5129"/>
+                  <a:pt x="215796" y="30056"/>
+                  <a:pt x="0" y="18288"/>
+                </a:cubicBezTo>
+                <a:cubicBezTo>
+                  <a:pt x="-53" y="11301"/>
+                  <a:pt x="-649" y="7756"/>
+                  <a:pt x="0" y="0"/>
+                </a:cubicBezTo>
+                <a:close/>
+              </a:path>
+            </a:pathLst>
+          </a:custGeom>
+          <a:solidFill>
+            <a:schemeClr val="accent2"/>
+          </a:solidFill>
+          <a:ln w="41275" cap="rnd">
+            <a:solidFill>
+              <a:schemeClr val="accent2"/>
+            </a:solidFill>
+            <a:round/>
+            <a:extLst>
+              <a:ext uri="{C807C97D-BFC1-408E-A445-0C87EB9F89A2}">
+                <ask:lineSketchStyleProps xmlns:ask="http://schemas.microsoft.com/office/drawing/2018/sketchyshapes" sd="1219033472">
+                  <a:prstGeom prst="rect">
+                    <a:avLst/>
+                  </a:prstGeom>
+                  <ask:type>
+                    <ask:lineSketchFreehand/>
+                  </ask:type>
+                </ask:lineSketchStyleProps>
+              </a:ext>
+            </a:extLst>
+          </a:ln>
+        </p:spPr>
+        <p:style>
+          <a:lnRef idx="2">
+            <a:schemeClr val="accent1">
+              <a:shade val="50000"/>
+            </a:schemeClr>
+          </a:lnRef>
+          <a:fillRef idx="1">
+            <a:schemeClr val="accent1"/>
+          </a:fillRef>
+          <a:effectRef idx="0">
+            <a:schemeClr val="accent1"/>
+          </a:effectRef>
+          <a:fontRef idx="minor">
+            <a:schemeClr val="lt1"/>
+          </a:fontRef>
+        </p:style>
+        <p:txBody>
+          <a:bodyPr rtlCol="0" anchor="ctr"/>
+          <a:lstStyle/>
+          <a:p>
+            <a:pPr algn="ctr"/>
+            <a:endParaRPr lang="en-US"/>
+          </a:p>
+        </p:txBody>
+      </p:sp>
+      <p:sp>
+        <p:nvSpPr>
+          <p:cNvPr id="13" name="Segnaposto contenuto 2">
+            <a:extLst>
+              <a:ext uri="{FF2B5EF4-FFF2-40B4-BE49-F238E27FC236}">
+                <a16:creationId xmlns:a16="http://schemas.microsoft.com/office/drawing/2014/main" id="{28F789CB-F006-5669-0545-B5B25CFAACA1}"/>
+              </a:ext>
+            </a:extLst>
+          </p:cNvPr>
+          <p:cNvSpPr>
+            <a:spLocks noGrp="1"/>
+          </p:cNvSpPr>
+          <p:nvPr>
+            <p:ph idx="1"/>
+          </p:nvPr>
+        </p:nvSpPr>
+        <p:spPr>
+          <a:xfrm>
+            <a:off x="836676" y="2367344"/>
+            <a:ext cx="10515600" cy="4125531"/>
+          </a:xfrm>
+        </p:spPr>
+        <p:txBody>
+          <a:bodyPr>
+            <a:normAutofit/>
+          </a:bodyPr>
+          <a:lstStyle/>
+          <a:p>
+            <a:pPr marL="0" indent="0">
+              <a:buNone/>
+            </a:pPr>
+            <a:endParaRPr lang="it-IT" sz="3200" dirty="0">
+              <a:solidFill>
+                <a:srgbClr val="ED7D31"/>
+              </a:solidFill>
+            </a:endParaRPr>
+          </a:p>
+          <a:p>
+            <a:r>
+              <a:rPr lang="it-IT" sz="2200" dirty="0">
+                <a:solidFill>
+                  <a:srgbClr val="0C01D3"/>
+                </a:solidFill>
+              </a:rPr>
+              <a:t>Aggiunta di dettagli e animazioni alle statistiche</a:t>
+            </a:r>
+          </a:p>
+          <a:p>
+            <a:r>
+              <a:rPr lang="it-IT" sz="2200" dirty="0">
+                <a:solidFill>
+                  <a:srgbClr val="0C01D3"/>
+                </a:solidFill>
+              </a:rPr>
+              <a:t>Estensione del software a molti altri tipi di votazioni/elezioni</a:t>
+            </a:r>
+          </a:p>
+          <a:p>
+            <a:r>
+              <a:rPr lang="it-IT" sz="2200" dirty="0">
+                <a:solidFill>
+                  <a:srgbClr val="0C01D3"/>
+                </a:solidFill>
+              </a:rPr>
+              <a:t>Backup minimale</a:t>
+            </a:r>
+          </a:p>
+          <a:p>
+            <a:r>
+              <a:rPr lang="it-IT" sz="2200" dirty="0">
+                <a:solidFill>
+                  <a:srgbClr val="0C01D3"/>
+                </a:solidFill>
+              </a:rPr>
+              <a:t>Incrementare la sicurezza, come lo standard «inserire nome standard»</a:t>
+            </a:r>
+          </a:p>
+          <a:p>
+            <a:r>
+              <a:rPr lang="it-IT" sz="2200" dirty="0">
+                <a:solidFill>
+                  <a:srgbClr val="0C01D3"/>
+                </a:solidFill>
+              </a:rPr>
+              <a:t>Riconoscimento facciale</a:t>
+            </a:r>
+          </a:p>
+        </p:txBody>
+      </p:sp>
+      <p:pic>
+        <p:nvPicPr>
+          <p:cNvPr id="12" name="Immagine 11">
+            <a:extLst>
+              <a:ext uri="{FF2B5EF4-FFF2-40B4-BE49-F238E27FC236}">
+                <a16:creationId xmlns:a16="http://schemas.microsoft.com/office/drawing/2014/main" id="{098590E5-8E74-DD1C-28CE-A64920BB68EA}"/>
+              </a:ext>
+            </a:extLst>
+          </p:cNvPr>
+          <p:cNvPicPr>
+            <a:picLocks noChangeAspect="1"/>
+          </p:cNvPicPr>
+          <p:nvPr/>
+        </p:nvPicPr>
+        <p:blipFill>
+          <a:blip r:embed="rId2">
+            <a:extLst>
+              <a:ext uri="{28A0092B-C50C-407E-A947-70E740481C1C}">
+                <a14:useLocalDpi xmlns:a14="http://schemas.microsoft.com/office/drawing/2010/main" val="0"/>
+              </a:ext>
+            </a:extLst>
+          </a:blip>
+          <a:stretch>
+            <a:fillRect/>
+          </a:stretch>
+        </p:blipFill>
+        <p:spPr>
+          <a:xfrm>
+            <a:off x="11212066" y="271844"/>
+            <a:ext cx="677507" cy="483933"/>
+          </a:xfrm>
+          <a:prstGeom prst="rect">
+            <a:avLst/>
+          </a:prstGeom>
+        </p:spPr>
+      </p:pic>
+    </p:spTree>
+    <p:extLst>
+      <p:ext uri="{BB962C8B-B14F-4D97-AF65-F5344CB8AC3E}">
+        <p14:creationId xmlns:p14="http://schemas.microsoft.com/office/powerpoint/2010/main" val="3827316853"/>
+      </p:ext>
+    </p:extLst>
+  </p:cSld>
+  <p:clrMapOvr>
+    <a:masterClrMapping/>
+  </p:clrMapOvr>
+</p:sld>
+</file>
+
 <file path=ppt/slides/slide2.xml><?xml version="1.0" encoding="utf-8"?>
 <p:sld xmlns:a="http://schemas.openxmlformats.org/drawingml/2006/main" xmlns:r="http://schemas.openxmlformats.org/officeDocument/2006/relationships" xmlns:p="http://schemas.openxmlformats.org/presentationml/2006/main">
   <p:cSld>
@@ -11216,6 +13026,564 @@
 </file>
 
 <file path=ppt/slides/slide6.xml><?xml version="1.0" encoding="utf-8"?>
+<p:sld xmlns:a="http://schemas.openxmlformats.org/drawingml/2006/main" xmlns:r="http://schemas.openxmlformats.org/officeDocument/2006/relationships" xmlns:p="http://schemas.openxmlformats.org/presentationml/2006/main">
+  <p:cSld>
+    <p:bg>
+      <p:bgPr>
+        <a:solidFill>
+          <a:srgbClr val="BBC5D9"/>
+        </a:solidFill>
+        <a:effectLst/>
+      </p:bgPr>
+    </p:bg>
+    <p:spTree>
+      <p:nvGrpSpPr>
+        <p:cNvPr id="1" name=""/>
+        <p:cNvGrpSpPr/>
+        <p:nvPr/>
+      </p:nvGrpSpPr>
+      <p:grpSpPr>
+        <a:xfrm>
+          <a:off x="0" y="0"/>
+          <a:ext cx="0" cy="0"/>
+          <a:chOff x="0" y="0"/>
+          <a:chExt cx="0" cy="0"/>
+        </a:xfrm>
+      </p:grpSpPr>
+      <p:sp useBgFill="1">
+        <p:nvSpPr>
+          <p:cNvPr id="10" name="Rectangle 9">
+            <a:extLst>
+              <a:ext uri="{FF2B5EF4-FFF2-40B4-BE49-F238E27FC236}">
+                <a16:creationId xmlns:a16="http://schemas.microsoft.com/office/drawing/2014/main" id="{BCED4D40-4B67-4331-AC48-79B82B4A47D8}"/>
+              </a:ext>
+              <a:ext uri="{C183D7F6-B498-43B3-948B-1728B52AA6E4}">
+                <adec:decorative xmlns:adec="http://schemas.microsoft.com/office/drawing/2017/decorative" val="1"/>
+              </a:ext>
+            </a:extLst>
+          </p:cNvPr>
+          <p:cNvSpPr>
+            <a:spLocks noGrp="1" noRot="1" noChangeAspect="1" noMove="1" noResize="1" noEditPoints="1" noAdjustHandles="1" noChangeArrowheads="1" noChangeShapeType="1" noTextEdit="1"/>
+          </p:cNvSpPr>
+          <p:nvPr>
+            <p:extLst>
+              <p:ext uri="{386F3935-93C4-4BCD-93E2-E3B085C9AB24}">
+                <p16:designElem xmlns:p16="http://schemas.microsoft.com/office/powerpoint/2015/main" val="1"/>
+              </p:ext>
+            </p:extLst>
+          </p:nvPr>
+        </p:nvSpPr>
+        <p:spPr>
+          <a:xfrm>
+            <a:off x="0" y="0"/>
+            <a:ext cx="12192000" cy="6858000"/>
+          </a:xfrm>
+          <a:prstGeom prst="rect">
+            <a:avLst/>
+          </a:prstGeom>
+          <a:ln>
+            <a:noFill/>
+          </a:ln>
+        </p:spPr>
+        <p:style>
+          <a:lnRef idx="2">
+            <a:schemeClr val="accent1">
+              <a:shade val="50000"/>
+            </a:schemeClr>
+          </a:lnRef>
+          <a:fillRef idx="1">
+            <a:schemeClr val="accent1"/>
+          </a:fillRef>
+          <a:effectRef idx="0">
+            <a:schemeClr val="accent1"/>
+          </a:effectRef>
+          <a:fontRef idx="minor">
+            <a:schemeClr val="lt1"/>
+          </a:fontRef>
+        </p:style>
+        <p:txBody>
+          <a:bodyPr rtlCol="0" anchor="ctr"/>
+          <a:lstStyle/>
+          <a:p>
+            <a:pPr algn="ctr"/>
+            <a:endParaRPr lang="en-US"/>
+          </a:p>
+        </p:txBody>
+      </p:sp>
+      <p:sp>
+        <p:nvSpPr>
+          <p:cNvPr id="2" name="Titolo 1">
+            <a:extLst>
+              <a:ext uri="{FF2B5EF4-FFF2-40B4-BE49-F238E27FC236}">
+                <a16:creationId xmlns:a16="http://schemas.microsoft.com/office/drawing/2014/main" id="{FF4CBE3B-FA9F-5968-2F5F-7198ED9D8053}"/>
+              </a:ext>
+            </a:extLst>
+          </p:cNvPr>
+          <p:cNvSpPr>
+            <a:spLocks noGrp="1"/>
+          </p:cNvSpPr>
+          <p:nvPr>
+            <p:ph type="title"/>
+          </p:nvPr>
+        </p:nvSpPr>
+        <p:spPr>
+          <a:xfrm>
+            <a:off x="638881" y="417576"/>
+            <a:ext cx="10909640" cy="1249394"/>
+          </a:xfrm>
+        </p:spPr>
+        <p:txBody>
+          <a:bodyPr vert="horz" lIns="91440" tIns="45720" rIns="91440" bIns="45720" rtlCol="0" anchor="ctr">
+            <a:normAutofit/>
+          </a:bodyPr>
+          <a:lstStyle/>
+          <a:p>
+            <a:pPr algn="ctr"/>
+            <a:r>
+              <a:rPr lang="en-US" sz="6600" kern="1200" dirty="0" err="1">
+                <a:solidFill>
+                  <a:srgbClr val="ED7D31"/>
+                </a:solidFill>
+                <a:latin typeface="+mj-lt"/>
+                <a:ea typeface="+mj-ea"/>
+                <a:cs typeface="+mj-cs"/>
+              </a:rPr>
+              <a:t>Persistenza</a:t>
+            </a:r>
+            <a:endParaRPr lang="en-US" sz="6600" kern="1200" dirty="0">
+              <a:solidFill>
+                <a:srgbClr val="ED7D31"/>
+              </a:solidFill>
+              <a:latin typeface="+mj-lt"/>
+              <a:ea typeface="+mj-ea"/>
+              <a:cs typeface="+mj-cs"/>
+            </a:endParaRPr>
+          </a:p>
+        </p:txBody>
+      </p:sp>
+      <p:sp>
+        <p:nvSpPr>
+          <p:cNvPr id="12" name="sketch line">
+            <a:extLst>
+              <a:ext uri="{FF2B5EF4-FFF2-40B4-BE49-F238E27FC236}">
+                <a16:creationId xmlns:a16="http://schemas.microsoft.com/office/drawing/2014/main" id="{670CEDEF-4F34-412E-84EE-329C1E936AF5}"/>
+              </a:ext>
+              <a:ext uri="{C183D7F6-B498-43B3-948B-1728B52AA6E4}">
+                <adec:decorative xmlns:adec="http://schemas.microsoft.com/office/drawing/2017/decorative" val="1"/>
+              </a:ext>
+            </a:extLst>
+          </p:cNvPr>
+          <p:cNvSpPr>
+            <a:spLocks noGrp="1" noRot="1" noChangeAspect="1" noMove="1" noResize="1" noEditPoints="1" noAdjustHandles="1" noChangeArrowheads="1" noChangeShapeType="1" noTextEdit="1"/>
+          </p:cNvSpPr>
+          <p:nvPr>
+            <p:extLst>
+              <p:ext uri="{386F3935-93C4-4BCD-93E2-E3B085C9AB24}">
+                <p16:designElem xmlns:p16="http://schemas.microsoft.com/office/powerpoint/2015/main" val="1"/>
+              </p:ext>
+            </p:extLst>
+          </p:nvPr>
+        </p:nvSpPr>
+        <p:spPr>
+          <a:xfrm>
+            <a:off x="3807702" y="1733454"/>
+            <a:ext cx="4572000" cy="18288"/>
+          </a:xfrm>
+          <a:custGeom>
+            <a:avLst/>
+            <a:gdLst>
+              <a:gd name="connsiteX0" fmla="*/ 0 w 4572000"/>
+              <a:gd name="connsiteY0" fmla="*/ 0 h 18288"/>
+              <a:gd name="connsiteX1" fmla="*/ 515983 w 4572000"/>
+              <a:gd name="connsiteY1" fmla="*/ 0 h 18288"/>
+              <a:gd name="connsiteX2" fmla="*/ 1031966 w 4572000"/>
+              <a:gd name="connsiteY2" fmla="*/ 0 h 18288"/>
+              <a:gd name="connsiteX3" fmla="*/ 1639389 w 4572000"/>
+              <a:gd name="connsiteY3" fmla="*/ 0 h 18288"/>
+              <a:gd name="connsiteX4" fmla="*/ 2383971 w 4572000"/>
+              <a:gd name="connsiteY4" fmla="*/ 0 h 18288"/>
+              <a:gd name="connsiteX5" fmla="*/ 2945674 w 4572000"/>
+              <a:gd name="connsiteY5" fmla="*/ 0 h 18288"/>
+              <a:gd name="connsiteX6" fmla="*/ 3507377 w 4572000"/>
+              <a:gd name="connsiteY6" fmla="*/ 0 h 18288"/>
+              <a:gd name="connsiteX7" fmla="*/ 4572000 w 4572000"/>
+              <a:gd name="connsiteY7" fmla="*/ 0 h 18288"/>
+              <a:gd name="connsiteX8" fmla="*/ 4572000 w 4572000"/>
+              <a:gd name="connsiteY8" fmla="*/ 18288 h 18288"/>
+              <a:gd name="connsiteX9" fmla="*/ 3873137 w 4572000"/>
+              <a:gd name="connsiteY9" fmla="*/ 18288 h 18288"/>
+              <a:gd name="connsiteX10" fmla="*/ 3311434 w 4572000"/>
+              <a:gd name="connsiteY10" fmla="*/ 18288 h 18288"/>
+              <a:gd name="connsiteX11" fmla="*/ 2749731 w 4572000"/>
+              <a:gd name="connsiteY11" fmla="*/ 18288 h 18288"/>
+              <a:gd name="connsiteX12" fmla="*/ 2050869 w 4572000"/>
+              <a:gd name="connsiteY12" fmla="*/ 18288 h 18288"/>
+              <a:gd name="connsiteX13" fmla="*/ 1306286 w 4572000"/>
+              <a:gd name="connsiteY13" fmla="*/ 18288 h 18288"/>
+              <a:gd name="connsiteX14" fmla="*/ 790303 w 4572000"/>
+              <a:gd name="connsiteY14" fmla="*/ 18288 h 18288"/>
+              <a:gd name="connsiteX15" fmla="*/ 0 w 4572000"/>
+              <a:gd name="connsiteY15" fmla="*/ 18288 h 18288"/>
+              <a:gd name="connsiteX16" fmla="*/ 0 w 4572000"/>
+              <a:gd name="connsiteY16" fmla="*/ 0 h 18288"/>
+            </a:gdLst>
+            <a:ahLst/>
+            <a:cxnLst>
+              <a:cxn ang="0">
+                <a:pos x="connsiteX0" y="connsiteY0"/>
+              </a:cxn>
+              <a:cxn ang="0">
+                <a:pos x="connsiteX1" y="connsiteY1"/>
+              </a:cxn>
+              <a:cxn ang="0">
+                <a:pos x="connsiteX2" y="connsiteY2"/>
+              </a:cxn>
+              <a:cxn ang="0">
+                <a:pos x="connsiteX3" y="connsiteY3"/>
+              </a:cxn>
+              <a:cxn ang="0">
+                <a:pos x="connsiteX4" y="connsiteY4"/>
+              </a:cxn>
+              <a:cxn ang="0">
+                <a:pos x="connsiteX5" y="connsiteY5"/>
+              </a:cxn>
+              <a:cxn ang="0">
+                <a:pos x="connsiteX6" y="connsiteY6"/>
+              </a:cxn>
+              <a:cxn ang="0">
+                <a:pos x="connsiteX7" y="connsiteY7"/>
+              </a:cxn>
+              <a:cxn ang="0">
+                <a:pos x="connsiteX8" y="connsiteY8"/>
+              </a:cxn>
+              <a:cxn ang="0">
+                <a:pos x="connsiteX9" y="connsiteY9"/>
+              </a:cxn>
+              <a:cxn ang="0">
+                <a:pos x="connsiteX10" y="connsiteY10"/>
+              </a:cxn>
+              <a:cxn ang="0">
+                <a:pos x="connsiteX11" y="connsiteY11"/>
+              </a:cxn>
+              <a:cxn ang="0">
+                <a:pos x="connsiteX12" y="connsiteY12"/>
+              </a:cxn>
+              <a:cxn ang="0">
+                <a:pos x="connsiteX13" y="connsiteY13"/>
+              </a:cxn>
+              <a:cxn ang="0">
+                <a:pos x="connsiteX14" y="connsiteY14"/>
+              </a:cxn>
+              <a:cxn ang="0">
+                <a:pos x="connsiteX15" y="connsiteY15"/>
+              </a:cxn>
+              <a:cxn ang="0">
+                <a:pos x="connsiteX16" y="connsiteY16"/>
+              </a:cxn>
+            </a:cxnLst>
+            <a:rect l="l" t="t" r="r" b="b"/>
+            <a:pathLst>
+              <a:path w="4572000" h="18288" fill="none" extrusionOk="0">
+                <a:moveTo>
+                  <a:pt x="0" y="0"/>
+                </a:moveTo>
+                <a:cubicBezTo>
+                  <a:pt x="105156" y="-20963"/>
+                  <a:pt x="340432" y="822"/>
+                  <a:pt x="515983" y="0"/>
+                </a:cubicBezTo>
+                <a:cubicBezTo>
+                  <a:pt x="691534" y="-822"/>
+                  <a:pt x="850679" y="16479"/>
+                  <a:pt x="1031966" y="0"/>
+                </a:cubicBezTo>
+                <a:cubicBezTo>
+                  <a:pt x="1213253" y="-16479"/>
+                  <a:pt x="1443646" y="-18730"/>
+                  <a:pt x="1639389" y="0"/>
+                </a:cubicBezTo>
+                <a:cubicBezTo>
+                  <a:pt x="1835132" y="18730"/>
+                  <a:pt x="2159975" y="18531"/>
+                  <a:pt x="2383971" y="0"/>
+                </a:cubicBezTo>
+                <a:cubicBezTo>
+                  <a:pt x="2607967" y="-18531"/>
+                  <a:pt x="2719096" y="-12030"/>
+                  <a:pt x="2945674" y="0"/>
+                </a:cubicBezTo>
+                <a:cubicBezTo>
+                  <a:pt x="3172252" y="12030"/>
+                  <a:pt x="3269167" y="27666"/>
+                  <a:pt x="3507377" y="0"/>
+                </a:cubicBezTo>
+                <a:cubicBezTo>
+                  <a:pt x="3745587" y="-27666"/>
+                  <a:pt x="4116741" y="18705"/>
+                  <a:pt x="4572000" y="0"/>
+                </a:cubicBezTo>
+                <a:cubicBezTo>
+                  <a:pt x="4572895" y="8974"/>
+                  <a:pt x="4571454" y="9359"/>
+                  <a:pt x="4572000" y="18288"/>
+                </a:cubicBezTo>
+                <a:cubicBezTo>
+                  <a:pt x="4374698" y="3942"/>
+                  <a:pt x="4098874" y="-11042"/>
+                  <a:pt x="3873137" y="18288"/>
+                </a:cubicBezTo>
+                <a:cubicBezTo>
+                  <a:pt x="3647400" y="47618"/>
+                  <a:pt x="3517055" y="5421"/>
+                  <a:pt x="3311434" y="18288"/>
+                </a:cubicBezTo>
+                <a:cubicBezTo>
+                  <a:pt x="3105813" y="31155"/>
+                  <a:pt x="3025168" y="17856"/>
+                  <a:pt x="2749731" y="18288"/>
+                </a:cubicBezTo>
+                <a:cubicBezTo>
+                  <a:pt x="2474294" y="18720"/>
+                  <a:pt x="2291766" y="-14168"/>
+                  <a:pt x="2050869" y="18288"/>
+                </a:cubicBezTo>
+                <a:cubicBezTo>
+                  <a:pt x="1809972" y="50744"/>
+                  <a:pt x="1540276" y="46798"/>
+                  <a:pt x="1306286" y="18288"/>
+                </a:cubicBezTo>
+                <a:cubicBezTo>
+                  <a:pt x="1072296" y="-10222"/>
+                  <a:pt x="972445" y="19645"/>
+                  <a:pt x="790303" y="18288"/>
+                </a:cubicBezTo>
+                <a:cubicBezTo>
+                  <a:pt x="608161" y="16931"/>
+                  <a:pt x="200981" y="8241"/>
+                  <a:pt x="0" y="18288"/>
+                </a:cubicBezTo>
+                <a:cubicBezTo>
+                  <a:pt x="-229" y="14222"/>
+                  <a:pt x="509" y="5816"/>
+                  <a:pt x="0" y="0"/>
+                </a:cubicBezTo>
+                <a:close/>
+              </a:path>
+              <a:path w="4572000" h="18288" stroke="0" extrusionOk="0">
+                <a:moveTo>
+                  <a:pt x="0" y="0"/>
+                </a:moveTo>
+                <a:cubicBezTo>
+                  <a:pt x="143285" y="-9565"/>
+                  <a:pt x="327959" y="-11498"/>
+                  <a:pt x="561703" y="0"/>
+                </a:cubicBezTo>
+                <a:cubicBezTo>
+                  <a:pt x="795447" y="11498"/>
+                  <a:pt x="838260" y="18255"/>
+                  <a:pt x="1077686" y="0"/>
+                </a:cubicBezTo>
+                <a:cubicBezTo>
+                  <a:pt x="1317112" y="-18255"/>
+                  <a:pt x="1437472" y="23514"/>
+                  <a:pt x="1639389" y="0"/>
+                </a:cubicBezTo>
+                <a:cubicBezTo>
+                  <a:pt x="1841306" y="-23514"/>
+                  <a:pt x="2037142" y="-12551"/>
+                  <a:pt x="2292531" y="0"/>
+                </a:cubicBezTo>
+                <a:cubicBezTo>
+                  <a:pt x="2547920" y="12551"/>
+                  <a:pt x="2810436" y="-20352"/>
+                  <a:pt x="2991394" y="0"/>
+                </a:cubicBezTo>
+                <a:cubicBezTo>
+                  <a:pt x="3172352" y="20352"/>
+                  <a:pt x="3530025" y="-13347"/>
+                  <a:pt x="3735977" y="0"/>
+                </a:cubicBezTo>
+                <a:cubicBezTo>
+                  <a:pt x="3941929" y="13347"/>
+                  <a:pt x="4161497" y="34086"/>
+                  <a:pt x="4572000" y="0"/>
+                </a:cubicBezTo>
+                <a:cubicBezTo>
+                  <a:pt x="4571545" y="6162"/>
+                  <a:pt x="4571903" y="11775"/>
+                  <a:pt x="4572000" y="18288"/>
+                </a:cubicBezTo>
+                <a:cubicBezTo>
+                  <a:pt x="4228040" y="36490"/>
+                  <a:pt x="4199736" y="42557"/>
+                  <a:pt x="3873137" y="18288"/>
+                </a:cubicBezTo>
+                <a:cubicBezTo>
+                  <a:pt x="3546538" y="-5981"/>
+                  <a:pt x="3472124" y="16809"/>
+                  <a:pt x="3128554" y="18288"/>
+                </a:cubicBezTo>
+                <a:cubicBezTo>
+                  <a:pt x="2784984" y="19767"/>
+                  <a:pt x="2735896" y="-17781"/>
+                  <a:pt x="2383971" y="18288"/>
+                </a:cubicBezTo>
+                <a:cubicBezTo>
+                  <a:pt x="2032046" y="54357"/>
+                  <a:pt x="2019324" y="2920"/>
+                  <a:pt x="1867989" y="18288"/>
+                </a:cubicBezTo>
+                <a:cubicBezTo>
+                  <a:pt x="1716654" y="33656"/>
+                  <a:pt x="1418675" y="32575"/>
+                  <a:pt x="1169126" y="18288"/>
+                </a:cubicBezTo>
+                <a:cubicBezTo>
+                  <a:pt x="919577" y="4001"/>
+                  <a:pt x="798537" y="16165"/>
+                  <a:pt x="561703" y="18288"/>
+                </a:cubicBezTo>
+                <a:cubicBezTo>
+                  <a:pt x="324869" y="20411"/>
+                  <a:pt x="221395" y="-912"/>
+                  <a:pt x="0" y="18288"/>
+                </a:cubicBezTo>
+                <a:cubicBezTo>
+                  <a:pt x="766" y="10800"/>
+                  <a:pt x="-457" y="8180"/>
+                  <a:pt x="0" y="0"/>
+                </a:cubicBezTo>
+                <a:close/>
+              </a:path>
+            </a:pathLst>
+          </a:custGeom>
+          <a:solidFill>
+            <a:schemeClr val="accent2"/>
+          </a:solidFill>
+          <a:ln w="41275" cap="rnd">
+            <a:solidFill>
+              <a:schemeClr val="accent2"/>
+            </a:solidFill>
+            <a:round/>
+            <a:extLst>
+              <a:ext uri="{C807C97D-BFC1-408E-A445-0C87EB9F89A2}">
+                <ask:lineSketchStyleProps xmlns:ask="http://schemas.microsoft.com/office/drawing/2018/sketchyshapes" sd="2727557108">
+                  <a:prstGeom prst="rect">
+                    <a:avLst/>
+                  </a:prstGeom>
+                  <ask:type>
+                    <ask:lineSketchFreehand/>
+                  </ask:type>
+                </ask:lineSketchStyleProps>
+              </a:ext>
+            </a:extLst>
+          </a:ln>
+        </p:spPr>
+        <p:style>
+          <a:lnRef idx="2">
+            <a:schemeClr val="accent1">
+              <a:shade val="50000"/>
+            </a:schemeClr>
+          </a:lnRef>
+          <a:fillRef idx="1">
+            <a:schemeClr val="accent1"/>
+          </a:fillRef>
+          <a:effectRef idx="0">
+            <a:schemeClr val="accent1"/>
+          </a:effectRef>
+          <a:fontRef idx="minor">
+            <a:schemeClr val="lt1"/>
+          </a:fontRef>
+        </p:style>
+        <p:txBody>
+          <a:bodyPr rtlCol="0" anchor="ctr"/>
+          <a:lstStyle/>
+          <a:p>
+            <a:pPr algn="ctr"/>
+            <a:endParaRPr lang="en-US"/>
+          </a:p>
+        </p:txBody>
+      </p:sp>
+      <p:pic>
+        <p:nvPicPr>
+          <p:cNvPr id="5" name="Immagine 4">
+            <a:extLst>
+              <a:ext uri="{FF2B5EF4-FFF2-40B4-BE49-F238E27FC236}">
+                <a16:creationId xmlns:a16="http://schemas.microsoft.com/office/drawing/2014/main" id="{6AFF0ABF-BA2E-447E-89FE-BF80B4BB299F}"/>
+              </a:ext>
+            </a:extLst>
+          </p:cNvPr>
+          <p:cNvPicPr>
+            <a:picLocks noChangeAspect="1"/>
+          </p:cNvPicPr>
+          <p:nvPr/>
+        </p:nvPicPr>
+        <p:blipFill>
+          <a:blip r:embed="rId2"/>
+          <a:stretch>
+            <a:fillRect/>
+          </a:stretch>
+        </p:blipFill>
+        <p:spPr>
+          <a:xfrm>
+            <a:off x="2252815" y="1961931"/>
+            <a:ext cx="7681771" cy="4685880"/>
+          </a:xfrm>
+          <a:prstGeom prst="rect">
+            <a:avLst/>
+          </a:prstGeom>
+        </p:spPr>
+      </p:pic>
+      <p:pic>
+        <p:nvPicPr>
+          <p:cNvPr id="6" name="Immagine 5">
+            <a:extLst>
+              <a:ext uri="{FF2B5EF4-FFF2-40B4-BE49-F238E27FC236}">
+                <a16:creationId xmlns:a16="http://schemas.microsoft.com/office/drawing/2014/main" id="{F4AE02CA-BC64-661F-9A00-66C02A3F2AEF}"/>
+              </a:ext>
+            </a:extLst>
+          </p:cNvPr>
+          <p:cNvPicPr>
+            <a:picLocks noChangeAspect="1"/>
+          </p:cNvPicPr>
+          <p:nvPr/>
+        </p:nvPicPr>
+        <p:blipFill>
+          <a:blip r:embed="rId3">
+            <a:extLst>
+              <a:ext uri="{28A0092B-C50C-407E-A947-70E740481C1C}">
+                <a14:useLocalDpi xmlns:a14="http://schemas.microsoft.com/office/drawing/2010/main" val="0"/>
+              </a:ext>
+            </a:extLst>
+          </a:blip>
+          <a:stretch>
+            <a:fillRect/>
+          </a:stretch>
+        </p:blipFill>
+        <p:spPr>
+          <a:xfrm>
+            <a:off x="11212066" y="271844"/>
+            <a:ext cx="677507" cy="483933"/>
+          </a:xfrm>
+          <a:prstGeom prst="rect">
+            <a:avLst/>
+          </a:prstGeom>
+        </p:spPr>
+      </p:pic>
+    </p:spTree>
+    <p:extLst>
+      <p:ext uri="{BB962C8B-B14F-4D97-AF65-F5344CB8AC3E}">
+        <p14:creationId xmlns:p14="http://schemas.microsoft.com/office/powerpoint/2010/main" val="881728199"/>
+      </p:ext>
+    </p:extLst>
+  </p:cSld>
+  <p:clrMapOvr>
+    <a:masterClrMapping/>
+  </p:clrMapOvr>
+</p:sld>
+</file>
+
+<file path=ppt/slides/slide7.xml><?xml version="1.0" encoding="utf-8"?>
 <p:sld xmlns:a="http://schemas.openxmlformats.org/drawingml/2006/main" xmlns:r="http://schemas.openxmlformats.org/officeDocument/2006/relationships" xmlns:p="http://schemas.openxmlformats.org/presentationml/2006/main">
   <p:cSld>
     <p:bg>
@@ -12293,7 +14661,7 @@
 </p:sld>
 </file>
 
-<file path=ppt/slides/slide7.xml><?xml version="1.0" encoding="utf-8"?>
+<file path=ppt/slides/slide8.xml><?xml version="1.0" encoding="utf-8"?>
 <p:sld xmlns:a="http://schemas.openxmlformats.org/drawingml/2006/main" xmlns:r="http://schemas.openxmlformats.org/officeDocument/2006/relationships" xmlns:p="http://schemas.openxmlformats.org/presentationml/2006/main">
   <p:cSld>
     <p:bg>
@@ -13087,7 +15455,7 @@
             <p:ph idx="1"/>
             <p:extLst>
               <p:ext uri="{D42A27DB-BD31-4B8C-83A1-F6EECF244321}">
-                <p14:modId xmlns:p14="http://schemas.microsoft.com/office/powerpoint/2010/main" val="1474363790"/>
+                <p14:modId xmlns:p14="http://schemas.microsoft.com/office/powerpoint/2010/main" val="2114525476"/>
               </p:ext>
             </p:extLst>
           </p:nvPr>
@@ -13106,6 +15474,189 @@
     <p:extLst>
       <p:ext uri="{BB962C8B-B14F-4D97-AF65-F5344CB8AC3E}">
         <p14:creationId xmlns:p14="http://schemas.microsoft.com/office/powerpoint/2010/main" val="3696296283"/>
+      </p:ext>
+    </p:extLst>
+  </p:cSld>
+  <p:clrMapOvr>
+    <a:masterClrMapping/>
+  </p:clrMapOvr>
+</p:sld>
+</file>
+
+<file path=ppt/slides/slide9.xml><?xml version="1.0" encoding="utf-8"?>
+<p:sld xmlns:a="http://schemas.openxmlformats.org/drawingml/2006/main" xmlns:r="http://schemas.openxmlformats.org/officeDocument/2006/relationships" xmlns:p="http://schemas.openxmlformats.org/presentationml/2006/main">
+  <p:cSld>
+    <p:bg>
+      <p:bgPr>
+        <a:solidFill>
+          <a:schemeClr val="bg1"/>
+        </a:solidFill>
+        <a:effectLst/>
+      </p:bgPr>
+    </p:bg>
+    <p:spTree>
+      <p:nvGrpSpPr>
+        <p:cNvPr id="1" name=""/>
+        <p:cNvGrpSpPr/>
+        <p:nvPr/>
+      </p:nvGrpSpPr>
+      <p:grpSpPr>
+        <a:xfrm>
+          <a:off x="0" y="0"/>
+          <a:ext cx="0" cy="0"/>
+          <a:chOff x="0" y="0"/>
+          <a:chExt cx="0" cy="0"/>
+        </a:xfrm>
+      </p:grpSpPr>
+      <p:sp>
+        <p:nvSpPr>
+          <p:cNvPr id="2" name="Titolo 1">
+            <a:extLst>
+              <a:ext uri="{FF2B5EF4-FFF2-40B4-BE49-F238E27FC236}">
+                <a16:creationId xmlns:a16="http://schemas.microsoft.com/office/drawing/2014/main" id="{6B8A2198-CDA4-5830-5E6F-7A30E089704F}"/>
+              </a:ext>
+            </a:extLst>
+          </p:cNvPr>
+          <p:cNvSpPr>
+            <a:spLocks noGrp="1"/>
+          </p:cNvSpPr>
+          <p:nvPr>
+            <p:ph type="title"/>
+          </p:nvPr>
+        </p:nvSpPr>
+        <p:spPr>
+          <a:xfrm>
+            <a:off x="293826" y="3828350"/>
+            <a:ext cx="11604347" cy="2452687"/>
+          </a:xfrm>
+        </p:spPr>
+        <p:txBody>
+          <a:bodyPr anchor="ctr">
+            <a:normAutofit/>
+          </a:bodyPr>
+          <a:lstStyle/>
+          <a:p>
+            <a:pPr algn="ctr"/>
+            <a:r>
+              <a:rPr lang="it-IT" sz="3600" dirty="0">
+                <a:solidFill>
+                  <a:srgbClr val="ED7D31"/>
+                </a:solidFill>
+              </a:rPr>
+              <a:t>Dal login…</a:t>
+            </a:r>
+            <a:endParaRPr lang="en-GB" sz="3600" dirty="0">
+              <a:solidFill>
+                <a:srgbClr val="ED7D31"/>
+              </a:solidFill>
+            </a:endParaRPr>
+          </a:p>
+        </p:txBody>
+      </p:sp>
+      <p:pic>
+        <p:nvPicPr>
+          <p:cNvPr id="5" name="Segnaposto contenuto 4">
+            <a:extLst>
+              <a:ext uri="{FF2B5EF4-FFF2-40B4-BE49-F238E27FC236}">
+                <a16:creationId xmlns:a16="http://schemas.microsoft.com/office/drawing/2014/main" id="{9D1A7772-DDAF-AEDB-CAC2-938D293B1155}"/>
+              </a:ext>
+            </a:extLst>
+          </p:cNvPr>
+          <p:cNvPicPr>
+            <a:picLocks noChangeAspect="1"/>
+          </p:cNvPicPr>
+          <p:nvPr/>
+        </p:nvPicPr>
+        <p:blipFill rotWithShape="1">
+          <a:blip r:embed="rId2">
+            <a:extLst>
+              <a:ext uri="{28A0092B-C50C-407E-A947-70E740481C1C}">
+                <a14:useLocalDpi xmlns:a14="http://schemas.microsoft.com/office/drawing/2010/main" val="0"/>
+              </a:ext>
+            </a:extLst>
+          </a:blip>
+          <a:srcRect t="32822" b="13072"/>
+          <a:stretch/>
+        </p:blipFill>
+        <p:spPr>
+          <a:xfrm>
+            <a:off x="20" y="10"/>
+            <a:ext cx="12191980" cy="3710603"/>
+          </a:xfrm>
+          <a:custGeom>
+            <a:avLst/>
+            <a:gdLst/>
+            <a:ahLst/>
+            <a:cxnLst/>
+            <a:rect l="l" t="t" r="r" b="b"/>
+            <a:pathLst>
+              <a:path w="12192000" h="3692092">
+                <a:moveTo>
+                  <a:pt x="0" y="0"/>
+                </a:moveTo>
+                <a:lnTo>
+                  <a:pt x="12192000" y="0"/>
+                </a:lnTo>
+                <a:lnTo>
+                  <a:pt x="12192000" y="3504824"/>
+                </a:lnTo>
+                <a:lnTo>
+                  <a:pt x="12024691" y="3517794"/>
+                </a:lnTo>
+                <a:cubicBezTo>
+                  <a:pt x="8077523" y="3783195"/>
+                  <a:pt x="4094678" y="3026959"/>
+                  <a:pt x="160485" y="3663863"/>
+                </a:cubicBezTo>
+                <a:lnTo>
+                  <a:pt x="0" y="3692092"/>
+                </a:lnTo>
+                <a:close/>
+              </a:path>
+            </a:pathLst>
+          </a:custGeom>
+        </p:spPr>
+      </p:pic>
+      <p:pic>
+        <p:nvPicPr>
+          <p:cNvPr id="11" name="Immagine 10">
+            <a:extLst>
+              <a:ext uri="{FF2B5EF4-FFF2-40B4-BE49-F238E27FC236}">
+                <a16:creationId xmlns:a16="http://schemas.microsoft.com/office/drawing/2014/main" id="{B4CC8760-665A-699A-D5A1-83952FE5A893}"/>
+              </a:ext>
+            </a:extLst>
+          </p:cNvPr>
+          <p:cNvPicPr>
+            <a:picLocks noChangeAspect="1"/>
+          </p:cNvPicPr>
+          <p:nvPr/>
+        </p:nvPicPr>
+        <p:blipFill>
+          <a:blip r:embed="rId3">
+            <a:extLst>
+              <a:ext uri="{28A0092B-C50C-407E-A947-70E740481C1C}">
+                <a14:useLocalDpi xmlns:a14="http://schemas.microsoft.com/office/drawing/2010/main" val="0"/>
+              </a:ext>
+            </a:extLst>
+          </a:blip>
+          <a:stretch>
+            <a:fillRect/>
+          </a:stretch>
+        </p:blipFill>
+        <p:spPr>
+          <a:xfrm>
+            <a:off x="11212066" y="271844"/>
+            <a:ext cx="677507" cy="483933"/>
+          </a:xfrm>
+          <a:prstGeom prst="rect">
+            <a:avLst/>
+          </a:prstGeom>
+        </p:spPr>
+      </p:pic>
+    </p:spTree>
+    <p:extLst>
+      <p:ext uri="{BB962C8B-B14F-4D97-AF65-F5344CB8AC3E}">
+        <p14:creationId xmlns:p14="http://schemas.microsoft.com/office/powerpoint/2010/main" val="3459565490"/>
       </p:ext>
     </p:extLst>
   </p:cSld>

--- a/ioVoto.pptx
+++ b/ioVoto.pptx
@@ -8650,7 +8650,7 @@
           <a:lstStyle/>
           <a:p>
             <a:r>
-              <a:rPr lang="it-IT" sz="5400" dirty="0">
+              <a:rPr lang="it-IT" sz="5400">
                 <a:solidFill>
                   <a:srgbClr val="ED7D31"/>
                 </a:solidFill>
@@ -9036,12 +9036,19 @@
         </p:blipFill>
         <p:spPr>
           <a:xfrm>
-            <a:off x="564827" y="3945982"/>
+            <a:off x="1204331" y="3945982"/>
             <a:ext cx="4890145" cy="2750705"/>
           </a:xfrm>
           <a:prstGeom prst="rect">
             <a:avLst/>
           </a:prstGeom>
+          <a:effectLst>
+            <a:outerShdw blurRad="63500" dist="63500" dir="8100000" algn="tr" rotWithShape="0">
+              <a:srgbClr val="1020D7">
+                <a:alpha val="40000"/>
+              </a:srgbClr>
+            </a:outerShdw>
+          </a:effectLst>
         </p:spPr>
       </p:pic>
       <p:pic>
@@ -9072,12 +9079,19 @@
         </p:blipFill>
         <p:spPr>
           <a:xfrm>
-            <a:off x="6451621" y="678295"/>
+            <a:off x="6451621" y="975527"/>
             <a:ext cx="4890145" cy="2750705"/>
           </a:xfrm>
           <a:prstGeom prst="rect">
             <a:avLst/>
           </a:prstGeom>
+          <a:effectLst>
+            <a:outerShdw blurRad="63500" dist="63500" algn="l" rotWithShape="0">
+              <a:srgbClr val="1020D7">
+                <a:alpha val="40000"/>
+              </a:srgbClr>
+            </a:outerShdw>
+          </a:effectLst>
         </p:spPr>
       </p:pic>
       <p:pic>
@@ -9114,6 +9128,13 @@
           <a:prstGeom prst="rect">
             <a:avLst/>
           </a:prstGeom>
+          <a:effectLst>
+            <a:outerShdw blurRad="63500" dist="63500" dir="2700000" algn="tl" rotWithShape="0">
+              <a:srgbClr val="1020D7">
+                <a:alpha val="40000"/>
+              </a:srgbClr>
+            </a:outerShdw>
+          </a:effectLst>
         </p:spPr>
       </p:pic>
       <p:pic>
@@ -9171,7 +9192,7 @@
     <p:bg>
       <p:bgPr>
         <a:solidFill>
-          <a:srgbClr val="BBC5D9"/>
+          <a:schemeClr val="bg1"/>
         </a:solidFill>
         <a:effectLst/>
       </p:bgPr>
@@ -9192,10 +9213,10 @@
       </p:grpSpPr>
       <p:sp useBgFill="1">
         <p:nvSpPr>
-          <p:cNvPr id="8" name="Rectangle 7">
+          <p:cNvPr id="25" name="Rectangle 24">
             <a:extLst>
               <a:ext uri="{FF2B5EF4-FFF2-40B4-BE49-F238E27FC236}">
-                <a16:creationId xmlns:a16="http://schemas.microsoft.com/office/drawing/2014/main" id="{100EDD19-6802-4EC3-95CE-CFFAB042CFD6}"/>
+                <a16:creationId xmlns:a16="http://schemas.microsoft.com/office/drawing/2014/main" id="{AC17DE74-01C9-4859-B65A-85CF999E8580}"/>
               </a:ext>
               <a:ext uri="{C183D7F6-B498-43B3-948B-1728B52AA6E4}">
                 <adec:decorative xmlns:adec="http://schemas.microsoft.com/office/drawing/2017/decorative" val="1"/>
@@ -9252,54 +9273,10 @@
       </p:sp>
       <p:sp>
         <p:nvSpPr>
-          <p:cNvPr id="2" name="Titolo 1">
+          <p:cNvPr id="27" name="Freeform: Shape 26">
             <a:extLst>
               <a:ext uri="{FF2B5EF4-FFF2-40B4-BE49-F238E27FC236}">
-                <a16:creationId xmlns:a16="http://schemas.microsoft.com/office/drawing/2014/main" id="{E13D1BB6-BF57-2463-DBAD-8522EEAD3363}"/>
-              </a:ext>
-            </a:extLst>
-          </p:cNvPr>
-          <p:cNvSpPr>
-            <a:spLocks noGrp="1"/>
-          </p:cNvSpPr>
-          <p:nvPr>
-            <p:ph type="title"/>
-          </p:nvPr>
-        </p:nvSpPr>
-        <p:spPr>
-          <a:xfrm>
-            <a:off x="838200" y="365125"/>
-            <a:ext cx="10515600" cy="1325563"/>
-          </a:xfrm>
-        </p:spPr>
-        <p:txBody>
-          <a:bodyPr>
-            <a:normAutofit fontScale="90000"/>
-          </a:bodyPr>
-          <a:lstStyle/>
-          <a:p>
-            <a:r>
-              <a:rPr lang="it-IT" sz="5400" dirty="0">
-                <a:solidFill>
-                  <a:srgbClr val="ED7D31"/>
-                </a:solidFill>
-              </a:rPr>
-              <a:t>Considerazioni finali e sviluppi futuri</a:t>
-            </a:r>
-            <a:endParaRPr lang="en-GB" sz="5400" dirty="0">
-              <a:solidFill>
-                <a:srgbClr val="ED7D31"/>
-              </a:solidFill>
-            </a:endParaRPr>
-          </a:p>
-        </p:txBody>
-      </p:sp>
-      <p:sp>
-        <p:nvSpPr>
-          <p:cNvPr id="10" name="sketch line">
-            <a:extLst>
-              <a:ext uri="{FF2B5EF4-FFF2-40B4-BE49-F238E27FC236}">
-                <a16:creationId xmlns:a16="http://schemas.microsoft.com/office/drawing/2014/main" id="{DB17E863-922E-4C26-BD64-E8FD41D28661}"/>
+                <a16:creationId xmlns:a16="http://schemas.microsoft.com/office/drawing/2014/main" id="{068C0432-0E90-4CC1-8CD3-D44A90DF07EF}"/>
               </a:ext>
               <a:ext uri="{C183D7F6-B498-43B3-948B-1728B52AA6E4}">
                 <adec:decorative xmlns:adec="http://schemas.microsoft.com/office/drawing/2017/decorative" val="1"/>
@@ -9319,84 +9296,178 @@
         </p:nvSpPr>
         <p:spPr>
           <a:xfrm>
-            <a:off x="669036" y="1677373"/>
-            <a:ext cx="10853928" cy="18288"/>
+            <a:off x="0" y="0"/>
+            <a:ext cx="12192000" cy="2347414"/>
           </a:xfrm>
           <a:custGeom>
             <a:avLst/>
             <a:gdLst>
-              <a:gd name="connsiteX0" fmla="*/ 0 w 10853928"/>
-              <a:gd name="connsiteY0" fmla="*/ 0 h 18288"/>
-              <a:gd name="connsiteX1" fmla="*/ 461292 w 10853928"/>
-              <a:gd name="connsiteY1" fmla="*/ 0 h 18288"/>
-              <a:gd name="connsiteX2" fmla="*/ 1139662 w 10853928"/>
-              <a:gd name="connsiteY2" fmla="*/ 0 h 18288"/>
-              <a:gd name="connsiteX3" fmla="*/ 1926572 w 10853928"/>
-              <a:gd name="connsiteY3" fmla="*/ 0 h 18288"/>
-              <a:gd name="connsiteX4" fmla="*/ 2279325 w 10853928"/>
-              <a:gd name="connsiteY4" fmla="*/ 0 h 18288"/>
-              <a:gd name="connsiteX5" fmla="*/ 2632078 w 10853928"/>
-              <a:gd name="connsiteY5" fmla="*/ 0 h 18288"/>
-              <a:gd name="connsiteX6" fmla="*/ 3527527 w 10853928"/>
-              <a:gd name="connsiteY6" fmla="*/ 0 h 18288"/>
-              <a:gd name="connsiteX7" fmla="*/ 4205897 w 10853928"/>
-              <a:gd name="connsiteY7" fmla="*/ 0 h 18288"/>
-              <a:gd name="connsiteX8" fmla="*/ 4558650 w 10853928"/>
-              <a:gd name="connsiteY8" fmla="*/ 0 h 18288"/>
-              <a:gd name="connsiteX9" fmla="*/ 5237020 w 10853928"/>
-              <a:gd name="connsiteY9" fmla="*/ 0 h 18288"/>
-              <a:gd name="connsiteX10" fmla="*/ 6132469 w 10853928"/>
-              <a:gd name="connsiteY10" fmla="*/ 0 h 18288"/>
-              <a:gd name="connsiteX11" fmla="*/ 6702301 w 10853928"/>
-              <a:gd name="connsiteY11" fmla="*/ 0 h 18288"/>
-              <a:gd name="connsiteX12" fmla="*/ 7272132 w 10853928"/>
-              <a:gd name="connsiteY12" fmla="*/ 0 h 18288"/>
-              <a:gd name="connsiteX13" fmla="*/ 7950502 w 10853928"/>
-              <a:gd name="connsiteY13" fmla="*/ 0 h 18288"/>
-              <a:gd name="connsiteX14" fmla="*/ 8737412 w 10853928"/>
-              <a:gd name="connsiteY14" fmla="*/ 0 h 18288"/>
-              <a:gd name="connsiteX15" fmla="*/ 9524322 w 10853928"/>
-              <a:gd name="connsiteY15" fmla="*/ 0 h 18288"/>
-              <a:gd name="connsiteX16" fmla="*/ 10853928 w 10853928"/>
-              <a:gd name="connsiteY16" fmla="*/ 0 h 18288"/>
-              <a:gd name="connsiteX17" fmla="*/ 10853928 w 10853928"/>
-              <a:gd name="connsiteY17" fmla="*/ 18288 h 18288"/>
-              <a:gd name="connsiteX18" fmla="*/ 10392636 w 10853928"/>
-              <a:gd name="connsiteY18" fmla="*/ 18288 h 18288"/>
-              <a:gd name="connsiteX19" fmla="*/ 9497187 w 10853928"/>
-              <a:gd name="connsiteY19" fmla="*/ 18288 h 18288"/>
-              <a:gd name="connsiteX20" fmla="*/ 8818817 w 10853928"/>
-              <a:gd name="connsiteY20" fmla="*/ 18288 h 18288"/>
-              <a:gd name="connsiteX21" fmla="*/ 8466064 w 10853928"/>
-              <a:gd name="connsiteY21" fmla="*/ 18288 h 18288"/>
-              <a:gd name="connsiteX22" fmla="*/ 7787693 w 10853928"/>
-              <a:gd name="connsiteY22" fmla="*/ 18288 h 18288"/>
-              <a:gd name="connsiteX23" fmla="*/ 7217862 w 10853928"/>
-              <a:gd name="connsiteY23" fmla="*/ 18288 h 18288"/>
-              <a:gd name="connsiteX24" fmla="*/ 6648031 w 10853928"/>
-              <a:gd name="connsiteY24" fmla="*/ 18288 h 18288"/>
-              <a:gd name="connsiteX25" fmla="*/ 6078200 w 10853928"/>
-              <a:gd name="connsiteY25" fmla="*/ 18288 h 18288"/>
-              <a:gd name="connsiteX26" fmla="*/ 5508368 w 10853928"/>
-              <a:gd name="connsiteY26" fmla="*/ 18288 h 18288"/>
-              <a:gd name="connsiteX27" fmla="*/ 4721459 w 10853928"/>
-              <a:gd name="connsiteY27" fmla="*/ 18288 h 18288"/>
-              <a:gd name="connsiteX28" fmla="*/ 4043088 w 10853928"/>
-              <a:gd name="connsiteY28" fmla="*/ 18288 h 18288"/>
-              <a:gd name="connsiteX29" fmla="*/ 3690336 w 10853928"/>
-              <a:gd name="connsiteY29" fmla="*/ 18288 h 18288"/>
-              <a:gd name="connsiteX30" fmla="*/ 3120504 w 10853928"/>
-              <a:gd name="connsiteY30" fmla="*/ 18288 h 18288"/>
-              <a:gd name="connsiteX31" fmla="*/ 2333595 w 10853928"/>
-              <a:gd name="connsiteY31" fmla="*/ 18288 h 18288"/>
-              <a:gd name="connsiteX32" fmla="*/ 1872303 w 10853928"/>
-              <a:gd name="connsiteY32" fmla="*/ 18288 h 18288"/>
-              <a:gd name="connsiteX33" fmla="*/ 976854 w 10853928"/>
-              <a:gd name="connsiteY33" fmla="*/ 18288 h 18288"/>
-              <a:gd name="connsiteX34" fmla="*/ 0 w 10853928"/>
-              <a:gd name="connsiteY34" fmla="*/ 18288 h 18288"/>
-              <a:gd name="connsiteX35" fmla="*/ 0 w 10853928"/>
-              <a:gd name="connsiteY35" fmla="*/ 0 h 18288"/>
+              <a:gd name="connsiteX0" fmla="*/ 0 w 12192000"/>
+              <a:gd name="connsiteY0" fmla="*/ 0 h 2347414"/>
+              <a:gd name="connsiteX1" fmla="*/ 12192000 w 12192000"/>
+              <a:gd name="connsiteY1" fmla="*/ 0 h 2347414"/>
+              <a:gd name="connsiteX2" fmla="*/ 12192000 w 12192000"/>
+              <a:gd name="connsiteY2" fmla="*/ 1736458 h 2347414"/>
+              <a:gd name="connsiteX3" fmla="*/ 11967601 w 12192000"/>
+              <a:gd name="connsiteY3" fmla="*/ 1784034 h 2347414"/>
+              <a:gd name="connsiteX4" fmla="*/ 10829000 w 12192000"/>
+              <a:gd name="connsiteY4" fmla="*/ 1983294 h 2347414"/>
+              <a:gd name="connsiteX5" fmla="*/ 10743779 w 12192000"/>
+              <a:gd name="connsiteY5" fmla="*/ 1996027 h 2347414"/>
+              <a:gd name="connsiteX6" fmla="*/ 10829254 w 12192000"/>
+              <a:gd name="connsiteY6" fmla="*/ 1987751 h 2347414"/>
+              <a:gd name="connsiteX7" fmla="*/ 10847162 w 12192000"/>
+              <a:gd name="connsiteY7" fmla="*/ 1988388 h 2347414"/>
+              <a:gd name="connsiteX8" fmla="*/ 11575155 w 12192000"/>
+              <a:gd name="connsiteY8" fmla="*/ 1921415 h 2347414"/>
+              <a:gd name="connsiteX9" fmla="*/ 12192000 w 12192000"/>
+              <a:gd name="connsiteY9" fmla="*/ 1851213 h 2347414"/>
+              <a:gd name="connsiteX10" fmla="*/ 12192000 w 12192000"/>
+              <a:gd name="connsiteY10" fmla="*/ 1907356 h 2347414"/>
+              <a:gd name="connsiteX11" fmla="*/ 12035532 w 12192000"/>
+              <a:gd name="connsiteY11" fmla="*/ 1927033 h 2347414"/>
+              <a:gd name="connsiteX12" fmla="*/ 11576932 w 12192000"/>
+              <a:gd name="connsiteY12" fmla="*/ 1976291 h 2347414"/>
+              <a:gd name="connsiteX13" fmla="*/ 10627316 w 12192000"/>
+              <a:gd name="connsiteY13" fmla="*/ 2061470 h 2347414"/>
+              <a:gd name="connsiteX14" fmla="*/ 9804196 w 12192000"/>
+              <a:gd name="connsiteY14" fmla="*/ 2123478 h 2347414"/>
+              <a:gd name="connsiteX15" fmla="*/ 9243851 w 12192000"/>
+              <a:gd name="connsiteY15" fmla="*/ 2180008 h 2347414"/>
+              <a:gd name="connsiteX16" fmla="*/ 8731259 w 12192000"/>
+              <a:gd name="connsiteY16" fmla="*/ 2225081 h 2347414"/>
+              <a:gd name="connsiteX17" fmla="*/ 8065752 w 12192000"/>
+              <a:gd name="connsiteY17" fmla="*/ 2271681 h 2347414"/>
+              <a:gd name="connsiteX18" fmla="*/ 7658065 w 12192000"/>
+              <a:gd name="connsiteY18" fmla="*/ 2292562 h 2347414"/>
+              <a:gd name="connsiteX19" fmla="*/ 6531024 w 12192000"/>
+              <a:gd name="connsiteY19" fmla="*/ 2324138 h 2347414"/>
+              <a:gd name="connsiteX20" fmla="*/ 6178331 w 12192000"/>
+              <a:gd name="connsiteY20" fmla="*/ 2345655 h 2347414"/>
+              <a:gd name="connsiteX21" fmla="*/ 5977282 w 12192000"/>
+              <a:gd name="connsiteY21" fmla="*/ 2344127 h 2347414"/>
+              <a:gd name="connsiteX22" fmla="*/ 5367658 w 12192000"/>
+              <a:gd name="connsiteY22" fmla="*/ 2329230 h 2347414"/>
+              <a:gd name="connsiteX23" fmla="*/ 4387306 w 12192000"/>
+              <a:gd name="connsiteY23" fmla="*/ 2288614 h 2347414"/>
+              <a:gd name="connsiteX24" fmla="*/ 4180287 w 12192000"/>
+              <a:gd name="connsiteY24" fmla="*/ 2280211 h 2347414"/>
+              <a:gd name="connsiteX25" fmla="*/ 3842199 w 12192000"/>
+              <a:gd name="connsiteY25" fmla="*/ 2257039 h 2347414"/>
+              <a:gd name="connsiteX26" fmla="*/ 3730309 w 12192000"/>
+              <a:gd name="connsiteY26" fmla="*/ 2251182 h 2347414"/>
+              <a:gd name="connsiteX27" fmla="*/ 3425496 w 12192000"/>
+              <a:gd name="connsiteY27" fmla="*/ 2231320 h 2347414"/>
+              <a:gd name="connsiteX28" fmla="*/ 3076106 w 12192000"/>
+              <a:gd name="connsiteY28" fmla="*/ 2201781 h 2347414"/>
+              <a:gd name="connsiteX29" fmla="*/ 2819682 w 12192000"/>
+              <a:gd name="connsiteY29" fmla="*/ 2182427 h 2347414"/>
+              <a:gd name="connsiteX30" fmla="*/ 2525539 w 12192000"/>
+              <a:gd name="connsiteY30" fmla="*/ 2152888 h 2347414"/>
+              <a:gd name="connsiteX31" fmla="*/ 2311915 w 12192000"/>
+              <a:gd name="connsiteY31" fmla="*/ 2133536 h 2347414"/>
+              <a:gd name="connsiteX32" fmla="*/ 2054223 w 12192000"/>
+              <a:gd name="connsiteY32" fmla="*/ 2104760 h 2347414"/>
+              <a:gd name="connsiteX33" fmla="*/ 1865367 w 12192000"/>
+              <a:gd name="connsiteY33" fmla="*/ 2084770 h 2347414"/>
+              <a:gd name="connsiteX34" fmla="*/ 1629263 w 12192000"/>
+              <a:gd name="connsiteY34" fmla="*/ 2055996 h 2347414"/>
+              <a:gd name="connsiteX35" fmla="*/ 1458823 w 12192000"/>
+              <a:gd name="connsiteY35" fmla="*/ 2035751 h 2347414"/>
+              <a:gd name="connsiteX36" fmla="*/ 1241390 w 12192000"/>
+              <a:gd name="connsiteY36" fmla="*/ 2007103 h 2347414"/>
+              <a:gd name="connsiteX37" fmla="*/ 1047453 w 12192000"/>
+              <a:gd name="connsiteY37" fmla="*/ 1980748 h 2347414"/>
+              <a:gd name="connsiteX38" fmla="*/ 814907 w 12192000"/>
+              <a:gd name="connsiteY38" fmla="*/ 1949045 h 2347414"/>
+              <a:gd name="connsiteX39" fmla="*/ 592649 w 12192000"/>
+              <a:gd name="connsiteY39" fmla="*/ 1913776 h 2347414"/>
+              <a:gd name="connsiteX40" fmla="*/ 343591 w 12192000"/>
+              <a:gd name="connsiteY40" fmla="*/ 1872650 h 2347414"/>
+              <a:gd name="connsiteX41" fmla="*/ 35731 w 12192000"/>
+              <a:gd name="connsiteY41" fmla="*/ 1821722 h 2347414"/>
+              <a:gd name="connsiteX42" fmla="*/ 0 w 12192000"/>
+              <a:gd name="connsiteY42" fmla="*/ 1814848 h 2347414"/>
+              <a:gd name="connsiteX43" fmla="*/ 0 w 12192000"/>
+              <a:gd name="connsiteY43" fmla="*/ 1758489 h 2347414"/>
+              <a:gd name="connsiteX44" fmla="*/ 274248 w 12192000"/>
+              <a:gd name="connsiteY44" fmla="*/ 1808735 h 2347414"/>
+              <a:gd name="connsiteX45" fmla="*/ 498157 w 12192000"/>
+              <a:gd name="connsiteY45" fmla="*/ 1846167 h 2347414"/>
+              <a:gd name="connsiteX46" fmla="*/ 722828 w 12192000"/>
+              <a:gd name="connsiteY46" fmla="*/ 1878635 h 2347414"/>
+              <a:gd name="connsiteX47" fmla="*/ 949913 w 12192000"/>
+              <a:gd name="connsiteY47" fmla="*/ 1912375 h 2347414"/>
+              <a:gd name="connsiteX48" fmla="*/ 1195414 w 12192000"/>
+              <a:gd name="connsiteY48" fmla="*/ 1947516 h 2347414"/>
+              <a:gd name="connsiteX49" fmla="*/ 1342867 w 12192000"/>
+              <a:gd name="connsiteY49" fmla="*/ 1968397 h 2347414"/>
+              <a:gd name="connsiteX50" fmla="*/ 1518007 w 12192000"/>
+              <a:gd name="connsiteY50" fmla="*/ 1988006 h 2347414"/>
+              <a:gd name="connsiteX51" fmla="*/ 1701403 w 12192000"/>
+              <a:gd name="connsiteY51" fmla="*/ 2010669 h 2347414"/>
+              <a:gd name="connsiteX52" fmla="*/ 1879210 w 12192000"/>
+              <a:gd name="connsiteY52" fmla="*/ 2031167 h 2347414"/>
+              <a:gd name="connsiteX53" fmla="*/ 2068702 w 12192000"/>
+              <a:gd name="connsiteY53" fmla="*/ 2052940 h 2347414"/>
+              <a:gd name="connsiteX54" fmla="*/ 2212090 w 12192000"/>
+              <a:gd name="connsiteY54" fmla="*/ 2067583 h 2347414"/>
+              <a:gd name="connsiteX55" fmla="*/ 2416949 w 12192000"/>
+              <a:gd name="connsiteY55" fmla="*/ 2089609 h 2347414"/>
+              <a:gd name="connsiteX56" fmla="*/ 2582055 w 12192000"/>
+              <a:gd name="connsiteY56" fmla="*/ 2105397 h 2347414"/>
+              <a:gd name="connsiteX57" fmla="*/ 2802282 w 12192000"/>
+              <a:gd name="connsiteY57" fmla="*/ 2126405 h 2347414"/>
+              <a:gd name="connsiteX58" fmla="*/ 2984916 w 12192000"/>
+              <a:gd name="connsiteY58" fmla="*/ 2141684 h 2347414"/>
+              <a:gd name="connsiteX59" fmla="*/ 3241847 w 12192000"/>
+              <a:gd name="connsiteY59" fmla="*/ 2164094 h 2347414"/>
+              <a:gd name="connsiteX60" fmla="*/ 3439848 w 12192000"/>
+              <a:gd name="connsiteY60" fmla="*/ 2176826 h 2347414"/>
+              <a:gd name="connsiteX61" fmla="*/ 3658678 w 12192000"/>
+              <a:gd name="connsiteY61" fmla="*/ 2194523 h 2347414"/>
+              <a:gd name="connsiteX62" fmla="*/ 3881317 w 12192000"/>
+              <a:gd name="connsiteY62" fmla="*/ 2206491 h 2347414"/>
+              <a:gd name="connsiteX63" fmla="*/ 4148916 w 12192000"/>
+              <a:gd name="connsiteY63" fmla="*/ 2225081 h 2347414"/>
+              <a:gd name="connsiteX64" fmla="*/ 4468337 w 12192000"/>
+              <a:gd name="connsiteY64" fmla="*/ 2237813 h 2347414"/>
+              <a:gd name="connsiteX65" fmla="*/ 4605375 w 12192000"/>
+              <a:gd name="connsiteY65" fmla="*/ 2240232 h 2347414"/>
+              <a:gd name="connsiteX66" fmla="*/ 4527647 w 12192000"/>
+              <a:gd name="connsiteY66" fmla="*/ 2236412 h 2347414"/>
+              <a:gd name="connsiteX67" fmla="*/ 4175589 w 12192000"/>
+              <a:gd name="connsiteY67" fmla="*/ 2212985 h 2347414"/>
+              <a:gd name="connsiteX68" fmla="*/ 3988255 w 12192000"/>
+              <a:gd name="connsiteY68" fmla="*/ 2200253 h 2347414"/>
+              <a:gd name="connsiteX69" fmla="*/ 3686492 w 12192000"/>
+              <a:gd name="connsiteY69" fmla="*/ 2176062 h 2347414"/>
+              <a:gd name="connsiteX70" fmla="*/ 3517320 w 12192000"/>
+              <a:gd name="connsiteY70" fmla="*/ 2163330 h 2347414"/>
+              <a:gd name="connsiteX71" fmla="*/ 3258357 w 12192000"/>
+              <a:gd name="connsiteY71" fmla="*/ 2139519 h 2347414"/>
+              <a:gd name="connsiteX72" fmla="*/ 3101506 w 12192000"/>
+              <a:gd name="connsiteY72" fmla="*/ 2126787 h 2347414"/>
+              <a:gd name="connsiteX73" fmla="*/ 2809395 w 12192000"/>
+              <a:gd name="connsiteY73" fmla="*/ 2097502 h 2347414"/>
+              <a:gd name="connsiteX74" fmla="*/ 2598566 w 12192000"/>
+              <a:gd name="connsiteY74" fmla="*/ 2078532 h 2347414"/>
+              <a:gd name="connsiteX75" fmla="*/ 2337444 w 12192000"/>
+              <a:gd name="connsiteY75" fmla="*/ 2048611 h 2347414"/>
+              <a:gd name="connsiteX76" fmla="*/ 2091054 w 12192000"/>
+              <a:gd name="connsiteY76" fmla="*/ 2023146 h 2347414"/>
+              <a:gd name="connsiteX77" fmla="*/ 1755761 w 12192000"/>
+              <a:gd name="connsiteY77" fmla="*/ 1981384 h 2347414"/>
+              <a:gd name="connsiteX78" fmla="*/ 1441169 w 12192000"/>
+              <a:gd name="connsiteY78" fmla="*/ 1943824 h 2347414"/>
+              <a:gd name="connsiteX79" fmla="*/ 1017607 w 12192000"/>
+              <a:gd name="connsiteY79" fmla="*/ 1883345 h 2347414"/>
+              <a:gd name="connsiteX80" fmla="*/ 594427 w 12192000"/>
+              <a:gd name="connsiteY80" fmla="*/ 1821849 h 2347414"/>
+              <a:gd name="connsiteX81" fmla="*/ 200711 w 12192000"/>
+              <a:gd name="connsiteY81" fmla="*/ 1755132 h 2347414"/>
+              <a:gd name="connsiteX82" fmla="*/ 0 w 12192000"/>
+              <a:gd name="connsiteY82" fmla="*/ 1718743 h 2347414"/>
             </a:gdLst>
             <a:ahLst/>
             <a:cxnLst>
@@ -9508,379 +9579,540 @@
               <a:cxn ang="0">
                 <a:pos x="connsiteX35" y="connsiteY35"/>
               </a:cxn>
+              <a:cxn ang="0">
+                <a:pos x="connsiteX36" y="connsiteY36"/>
+              </a:cxn>
+              <a:cxn ang="0">
+                <a:pos x="connsiteX37" y="connsiteY37"/>
+              </a:cxn>
+              <a:cxn ang="0">
+                <a:pos x="connsiteX38" y="connsiteY38"/>
+              </a:cxn>
+              <a:cxn ang="0">
+                <a:pos x="connsiteX39" y="connsiteY39"/>
+              </a:cxn>
+              <a:cxn ang="0">
+                <a:pos x="connsiteX40" y="connsiteY40"/>
+              </a:cxn>
+              <a:cxn ang="0">
+                <a:pos x="connsiteX41" y="connsiteY41"/>
+              </a:cxn>
+              <a:cxn ang="0">
+                <a:pos x="connsiteX42" y="connsiteY42"/>
+              </a:cxn>
+              <a:cxn ang="0">
+                <a:pos x="connsiteX43" y="connsiteY43"/>
+              </a:cxn>
+              <a:cxn ang="0">
+                <a:pos x="connsiteX44" y="connsiteY44"/>
+              </a:cxn>
+              <a:cxn ang="0">
+                <a:pos x="connsiteX45" y="connsiteY45"/>
+              </a:cxn>
+              <a:cxn ang="0">
+                <a:pos x="connsiteX46" y="connsiteY46"/>
+              </a:cxn>
+              <a:cxn ang="0">
+                <a:pos x="connsiteX47" y="connsiteY47"/>
+              </a:cxn>
+              <a:cxn ang="0">
+                <a:pos x="connsiteX48" y="connsiteY48"/>
+              </a:cxn>
+              <a:cxn ang="0">
+                <a:pos x="connsiteX49" y="connsiteY49"/>
+              </a:cxn>
+              <a:cxn ang="0">
+                <a:pos x="connsiteX50" y="connsiteY50"/>
+              </a:cxn>
+              <a:cxn ang="0">
+                <a:pos x="connsiteX51" y="connsiteY51"/>
+              </a:cxn>
+              <a:cxn ang="0">
+                <a:pos x="connsiteX52" y="connsiteY52"/>
+              </a:cxn>
+              <a:cxn ang="0">
+                <a:pos x="connsiteX53" y="connsiteY53"/>
+              </a:cxn>
+              <a:cxn ang="0">
+                <a:pos x="connsiteX54" y="connsiteY54"/>
+              </a:cxn>
+              <a:cxn ang="0">
+                <a:pos x="connsiteX55" y="connsiteY55"/>
+              </a:cxn>
+              <a:cxn ang="0">
+                <a:pos x="connsiteX56" y="connsiteY56"/>
+              </a:cxn>
+              <a:cxn ang="0">
+                <a:pos x="connsiteX57" y="connsiteY57"/>
+              </a:cxn>
+              <a:cxn ang="0">
+                <a:pos x="connsiteX58" y="connsiteY58"/>
+              </a:cxn>
+              <a:cxn ang="0">
+                <a:pos x="connsiteX59" y="connsiteY59"/>
+              </a:cxn>
+              <a:cxn ang="0">
+                <a:pos x="connsiteX60" y="connsiteY60"/>
+              </a:cxn>
+              <a:cxn ang="0">
+                <a:pos x="connsiteX61" y="connsiteY61"/>
+              </a:cxn>
+              <a:cxn ang="0">
+                <a:pos x="connsiteX62" y="connsiteY62"/>
+              </a:cxn>
+              <a:cxn ang="0">
+                <a:pos x="connsiteX63" y="connsiteY63"/>
+              </a:cxn>
+              <a:cxn ang="0">
+                <a:pos x="connsiteX64" y="connsiteY64"/>
+              </a:cxn>
+              <a:cxn ang="0">
+                <a:pos x="connsiteX65" y="connsiteY65"/>
+              </a:cxn>
+              <a:cxn ang="0">
+                <a:pos x="connsiteX66" y="connsiteY66"/>
+              </a:cxn>
+              <a:cxn ang="0">
+                <a:pos x="connsiteX67" y="connsiteY67"/>
+              </a:cxn>
+              <a:cxn ang="0">
+                <a:pos x="connsiteX68" y="connsiteY68"/>
+              </a:cxn>
+              <a:cxn ang="0">
+                <a:pos x="connsiteX69" y="connsiteY69"/>
+              </a:cxn>
+              <a:cxn ang="0">
+                <a:pos x="connsiteX70" y="connsiteY70"/>
+              </a:cxn>
+              <a:cxn ang="0">
+                <a:pos x="connsiteX71" y="connsiteY71"/>
+              </a:cxn>
+              <a:cxn ang="0">
+                <a:pos x="connsiteX72" y="connsiteY72"/>
+              </a:cxn>
+              <a:cxn ang="0">
+                <a:pos x="connsiteX73" y="connsiteY73"/>
+              </a:cxn>
+              <a:cxn ang="0">
+                <a:pos x="connsiteX74" y="connsiteY74"/>
+              </a:cxn>
+              <a:cxn ang="0">
+                <a:pos x="connsiteX75" y="connsiteY75"/>
+              </a:cxn>
+              <a:cxn ang="0">
+                <a:pos x="connsiteX76" y="connsiteY76"/>
+              </a:cxn>
+              <a:cxn ang="0">
+                <a:pos x="connsiteX77" y="connsiteY77"/>
+              </a:cxn>
+              <a:cxn ang="0">
+                <a:pos x="connsiteX78" y="connsiteY78"/>
+              </a:cxn>
+              <a:cxn ang="0">
+                <a:pos x="connsiteX79" y="connsiteY79"/>
+              </a:cxn>
+              <a:cxn ang="0">
+                <a:pos x="connsiteX80" y="connsiteY80"/>
+              </a:cxn>
+              <a:cxn ang="0">
+                <a:pos x="connsiteX81" y="connsiteY81"/>
+              </a:cxn>
+              <a:cxn ang="0">
+                <a:pos x="connsiteX82" y="connsiteY82"/>
+              </a:cxn>
             </a:cxnLst>
             <a:rect l="l" t="t" r="r" b="b"/>
             <a:pathLst>
-              <a:path w="10853928" h="18288" fill="none" extrusionOk="0">
+              <a:path w="12192000" h="2347414">
                 <a:moveTo>
                   <a:pt x="0" y="0"/>
                 </a:moveTo>
-                <a:cubicBezTo>
-                  <a:pt x="146993" y="-19076"/>
-                  <a:pt x="347684" y="-4790"/>
-                  <a:pt x="461292" y="0"/>
-                </a:cubicBezTo>
-                <a:cubicBezTo>
-                  <a:pt x="574900" y="4790"/>
-                  <a:pt x="808367" y="19821"/>
-                  <a:pt x="1139662" y="0"/>
-                </a:cubicBezTo>
-                <a:cubicBezTo>
-                  <a:pt x="1470957" y="-19821"/>
-                  <a:pt x="1627405" y="5721"/>
-                  <a:pt x="1926572" y="0"/>
-                </a:cubicBezTo>
-                <a:cubicBezTo>
-                  <a:pt x="2225739" y="-5721"/>
-                  <a:pt x="2137730" y="-3235"/>
-                  <a:pt x="2279325" y="0"/>
-                </a:cubicBezTo>
-                <a:cubicBezTo>
-                  <a:pt x="2420920" y="3235"/>
-                  <a:pt x="2456518" y="9685"/>
-                  <a:pt x="2632078" y="0"/>
-                </a:cubicBezTo>
-                <a:cubicBezTo>
-                  <a:pt x="2807638" y="-9685"/>
-                  <a:pt x="3211516" y="-43007"/>
-                  <a:pt x="3527527" y="0"/>
-                </a:cubicBezTo>
-                <a:cubicBezTo>
-                  <a:pt x="3843538" y="43007"/>
-                  <a:pt x="4058833" y="22042"/>
-                  <a:pt x="4205897" y="0"/>
-                </a:cubicBezTo>
-                <a:cubicBezTo>
-                  <a:pt x="4352961" y="-22042"/>
-                  <a:pt x="4474805" y="-11846"/>
-                  <a:pt x="4558650" y="0"/>
-                </a:cubicBezTo>
-                <a:cubicBezTo>
-                  <a:pt x="4642495" y="11846"/>
-                  <a:pt x="5041928" y="-6069"/>
-                  <a:pt x="5237020" y="0"/>
-                </a:cubicBezTo>
-                <a:cubicBezTo>
-                  <a:pt x="5432112" y="6069"/>
-                  <a:pt x="5943266" y="-17479"/>
-                  <a:pt x="6132469" y="0"/>
-                </a:cubicBezTo>
-                <a:cubicBezTo>
-                  <a:pt x="6321672" y="17479"/>
-                  <a:pt x="6483872" y="26234"/>
-                  <a:pt x="6702301" y="0"/>
-                </a:cubicBezTo>
-                <a:cubicBezTo>
-                  <a:pt x="6920730" y="-26234"/>
-                  <a:pt x="6991194" y="-15156"/>
-                  <a:pt x="7272132" y="0"/>
-                </a:cubicBezTo>
-                <a:cubicBezTo>
-                  <a:pt x="7553070" y="15156"/>
-                  <a:pt x="7684444" y="-32961"/>
-                  <a:pt x="7950502" y="0"/>
-                </a:cubicBezTo>
-                <a:cubicBezTo>
-                  <a:pt x="8216560" y="32961"/>
-                  <a:pt x="8493290" y="-10491"/>
-                  <a:pt x="8737412" y="0"/>
-                </a:cubicBezTo>
-                <a:cubicBezTo>
-                  <a:pt x="8981534" y="10491"/>
-                  <a:pt x="9191586" y="-13899"/>
-                  <a:pt x="9524322" y="0"/>
-                </a:cubicBezTo>
-                <a:cubicBezTo>
-                  <a:pt x="9857058" y="13899"/>
-                  <a:pt x="10297509" y="7485"/>
-                  <a:pt x="10853928" y="0"/>
-                </a:cubicBezTo>
-                <a:cubicBezTo>
-                  <a:pt x="10854574" y="4451"/>
-                  <a:pt x="10854418" y="9226"/>
-                  <a:pt x="10853928" y="18288"/>
-                </a:cubicBezTo>
-                <a:cubicBezTo>
-                  <a:pt x="10691638" y="28522"/>
-                  <a:pt x="10574319" y="29578"/>
-                  <a:pt x="10392636" y="18288"/>
-                </a:cubicBezTo>
-                <a:cubicBezTo>
-                  <a:pt x="10210953" y="6998"/>
-                  <a:pt x="9836277" y="-16742"/>
-                  <a:pt x="9497187" y="18288"/>
-                </a:cubicBezTo>
-                <a:cubicBezTo>
-                  <a:pt x="9158097" y="53318"/>
-                  <a:pt x="9119479" y="30714"/>
-                  <a:pt x="8818817" y="18288"/>
-                </a:cubicBezTo>
-                <a:cubicBezTo>
-                  <a:pt x="8518155" y="5863"/>
-                  <a:pt x="8640037" y="6483"/>
-                  <a:pt x="8466064" y="18288"/>
-                </a:cubicBezTo>
-                <a:cubicBezTo>
-                  <a:pt x="8292091" y="30093"/>
-                  <a:pt x="7997656" y="18914"/>
-                  <a:pt x="7787693" y="18288"/>
-                </a:cubicBezTo>
-                <a:cubicBezTo>
-                  <a:pt x="7577730" y="17662"/>
-                  <a:pt x="7412468" y="21416"/>
-                  <a:pt x="7217862" y="18288"/>
-                </a:cubicBezTo>
-                <a:cubicBezTo>
-                  <a:pt x="7023256" y="15160"/>
-                  <a:pt x="6898018" y="14824"/>
-                  <a:pt x="6648031" y="18288"/>
-                </a:cubicBezTo>
-                <a:cubicBezTo>
-                  <a:pt x="6398044" y="21752"/>
-                  <a:pt x="6254402" y="38625"/>
-                  <a:pt x="6078200" y="18288"/>
-                </a:cubicBezTo>
-                <a:cubicBezTo>
-                  <a:pt x="5901998" y="-2049"/>
-                  <a:pt x="5622886" y="3213"/>
-                  <a:pt x="5508368" y="18288"/>
-                </a:cubicBezTo>
-                <a:cubicBezTo>
-                  <a:pt x="5393850" y="33363"/>
-                  <a:pt x="5036260" y="26830"/>
-                  <a:pt x="4721459" y="18288"/>
-                </a:cubicBezTo>
-                <a:cubicBezTo>
-                  <a:pt x="4406658" y="9746"/>
-                  <a:pt x="4239221" y="41551"/>
-                  <a:pt x="4043088" y="18288"/>
-                </a:cubicBezTo>
-                <a:cubicBezTo>
-                  <a:pt x="3846955" y="-4975"/>
-                  <a:pt x="3818802" y="34658"/>
-                  <a:pt x="3690336" y="18288"/>
-                </a:cubicBezTo>
-                <a:cubicBezTo>
-                  <a:pt x="3561870" y="1918"/>
-                  <a:pt x="3265491" y="42194"/>
-                  <a:pt x="3120504" y="18288"/>
-                </a:cubicBezTo>
-                <a:cubicBezTo>
-                  <a:pt x="2975517" y="-5618"/>
-                  <a:pt x="2720254" y="36673"/>
-                  <a:pt x="2333595" y="18288"/>
-                </a:cubicBezTo>
-                <a:cubicBezTo>
-                  <a:pt x="1946936" y="-97"/>
-                  <a:pt x="2097241" y="5776"/>
-                  <a:pt x="1872303" y="18288"/>
-                </a:cubicBezTo>
-                <a:cubicBezTo>
-                  <a:pt x="1647365" y="30800"/>
-                  <a:pt x="1282708" y="45380"/>
-                  <a:pt x="976854" y="18288"/>
-                </a:cubicBezTo>
-                <a:cubicBezTo>
-                  <a:pt x="671000" y="-8804"/>
-                  <a:pt x="408401" y="-12775"/>
-                  <a:pt x="0" y="18288"/>
-                </a:cubicBezTo>
-                <a:cubicBezTo>
-                  <a:pt x="-213" y="9468"/>
-                  <a:pt x="187" y="4459"/>
-                  <a:pt x="0" y="0"/>
-                </a:cubicBezTo>
-                <a:close/>
-              </a:path>
-              <a:path w="10853928" h="18288" stroke="0" extrusionOk="0">
-                <a:moveTo>
-                  <a:pt x="0" y="0"/>
-                </a:moveTo>
-                <a:cubicBezTo>
-                  <a:pt x="267322" y="15284"/>
-                  <a:pt x="415388" y="-21048"/>
-                  <a:pt x="569831" y="0"/>
-                </a:cubicBezTo>
-                <a:cubicBezTo>
-                  <a:pt x="724274" y="21048"/>
-                  <a:pt x="769333" y="-2353"/>
-                  <a:pt x="922584" y="0"/>
-                </a:cubicBezTo>
-                <a:cubicBezTo>
-                  <a:pt x="1075835" y="2353"/>
-                  <a:pt x="1399490" y="-145"/>
-                  <a:pt x="1818033" y="0"/>
-                </a:cubicBezTo>
-                <a:cubicBezTo>
-                  <a:pt x="2236576" y="145"/>
-                  <a:pt x="2145330" y="5482"/>
-                  <a:pt x="2387864" y="0"/>
-                </a:cubicBezTo>
-                <a:cubicBezTo>
-                  <a:pt x="2630398" y="-5482"/>
-                  <a:pt x="2793207" y="18487"/>
-                  <a:pt x="2957695" y="0"/>
-                </a:cubicBezTo>
-                <a:cubicBezTo>
-                  <a:pt x="3122183" y="-18487"/>
-                  <a:pt x="3579141" y="19003"/>
-                  <a:pt x="3853144" y="0"/>
-                </a:cubicBezTo>
-                <a:cubicBezTo>
-                  <a:pt x="4127147" y="-19003"/>
-                  <a:pt x="4209857" y="12211"/>
-                  <a:pt x="4314436" y="0"/>
-                </a:cubicBezTo>
-                <a:cubicBezTo>
-                  <a:pt x="4419015" y="-12211"/>
-                  <a:pt x="4762459" y="-17220"/>
-                  <a:pt x="5209885" y="0"/>
-                </a:cubicBezTo>
-                <a:cubicBezTo>
-                  <a:pt x="5657311" y="17220"/>
-                  <a:pt x="5692663" y="-3290"/>
-                  <a:pt x="6105335" y="0"/>
-                </a:cubicBezTo>
-                <a:cubicBezTo>
-                  <a:pt x="6518007" y="3290"/>
-                  <a:pt x="6455516" y="-5124"/>
-                  <a:pt x="6783705" y="0"/>
-                </a:cubicBezTo>
-                <a:cubicBezTo>
-                  <a:pt x="7111894" y="5124"/>
-                  <a:pt x="7441941" y="-17829"/>
-                  <a:pt x="7679154" y="0"/>
-                </a:cubicBezTo>
-                <a:cubicBezTo>
-                  <a:pt x="7916367" y="17829"/>
-                  <a:pt x="8102967" y="-24363"/>
-                  <a:pt x="8248985" y="0"/>
-                </a:cubicBezTo>
-                <a:cubicBezTo>
-                  <a:pt x="8395003" y="24363"/>
-                  <a:pt x="8552393" y="25505"/>
-                  <a:pt x="8818817" y="0"/>
-                </a:cubicBezTo>
-                <a:cubicBezTo>
-                  <a:pt x="9085241" y="-25505"/>
-                  <a:pt x="9411308" y="38000"/>
-                  <a:pt x="9605726" y="0"/>
-                </a:cubicBezTo>
-                <a:cubicBezTo>
-                  <a:pt x="9800144" y="-38000"/>
-                  <a:pt x="10006468" y="-25741"/>
-                  <a:pt x="10175558" y="0"/>
-                </a:cubicBezTo>
-                <a:cubicBezTo>
-                  <a:pt x="10344648" y="25741"/>
-                  <a:pt x="10696282" y="695"/>
-                  <a:pt x="10853928" y="0"/>
-                </a:cubicBezTo>
-                <a:cubicBezTo>
-                  <a:pt x="10853521" y="8690"/>
-                  <a:pt x="10853774" y="14141"/>
-                  <a:pt x="10853928" y="18288"/>
-                </a:cubicBezTo>
-                <a:cubicBezTo>
-                  <a:pt x="10608124" y="24255"/>
-                  <a:pt x="10343415" y="22307"/>
-                  <a:pt x="10067018" y="18288"/>
-                </a:cubicBezTo>
-                <a:cubicBezTo>
-                  <a:pt x="9790621" y="14270"/>
-                  <a:pt x="9843266" y="3564"/>
-                  <a:pt x="9714266" y="18288"/>
-                </a:cubicBezTo>
-                <a:cubicBezTo>
-                  <a:pt x="9585266" y="33012"/>
-                  <a:pt x="9379484" y="1875"/>
-                  <a:pt x="9252974" y="18288"/>
-                </a:cubicBezTo>
-                <a:cubicBezTo>
-                  <a:pt x="9126464" y="34701"/>
-                  <a:pt x="8580678" y="-4904"/>
-                  <a:pt x="8357525" y="18288"/>
-                </a:cubicBezTo>
-                <a:cubicBezTo>
-                  <a:pt x="8134372" y="41480"/>
-                  <a:pt x="7903199" y="26458"/>
-                  <a:pt x="7679154" y="18288"/>
-                </a:cubicBezTo>
-                <a:cubicBezTo>
-                  <a:pt x="7455109" y="10118"/>
-                  <a:pt x="7435944" y="27109"/>
-                  <a:pt x="7217862" y="18288"/>
-                </a:cubicBezTo>
-                <a:cubicBezTo>
-                  <a:pt x="6999780" y="9467"/>
-                  <a:pt x="6680409" y="18985"/>
-                  <a:pt x="6539492" y="18288"/>
-                </a:cubicBezTo>
-                <a:cubicBezTo>
-                  <a:pt x="6398575" y="17592"/>
-                  <a:pt x="6312077" y="33018"/>
-                  <a:pt x="6186739" y="18288"/>
-                </a:cubicBezTo>
-                <a:cubicBezTo>
-                  <a:pt x="6061401" y="3558"/>
-                  <a:pt x="5947033" y="12075"/>
-                  <a:pt x="5833986" y="18288"/>
-                </a:cubicBezTo>
-                <a:cubicBezTo>
-                  <a:pt x="5720939" y="24501"/>
-                  <a:pt x="5482226" y="8586"/>
-                  <a:pt x="5155616" y="18288"/>
-                </a:cubicBezTo>
-                <a:cubicBezTo>
-                  <a:pt x="4829006" y="27991"/>
-                  <a:pt x="4841274" y="29316"/>
-                  <a:pt x="4694324" y="18288"/>
-                </a:cubicBezTo>
-                <a:cubicBezTo>
-                  <a:pt x="4547374" y="7260"/>
-                  <a:pt x="4077675" y="7013"/>
-                  <a:pt x="3907414" y="18288"/>
-                </a:cubicBezTo>
-                <a:cubicBezTo>
-                  <a:pt x="3737153" y="29564"/>
-                  <a:pt x="3538393" y="21630"/>
-                  <a:pt x="3446122" y="18288"/>
-                </a:cubicBezTo>
-                <a:cubicBezTo>
-                  <a:pt x="3353851" y="14946"/>
-                  <a:pt x="2990320" y="-8091"/>
-                  <a:pt x="2659212" y="18288"/>
-                </a:cubicBezTo>
-                <a:cubicBezTo>
-                  <a:pt x="2328104" y="44667"/>
-                  <a:pt x="2427653" y="9607"/>
-                  <a:pt x="2306460" y="18288"/>
-                </a:cubicBezTo>
-                <a:cubicBezTo>
-                  <a:pt x="2185267" y="26969"/>
-                  <a:pt x="1719763" y="3717"/>
-                  <a:pt x="1519550" y="18288"/>
-                </a:cubicBezTo>
-                <a:cubicBezTo>
-                  <a:pt x="1319337" y="32860"/>
-                  <a:pt x="1167371" y="17040"/>
-                  <a:pt x="1058258" y="18288"/>
-                </a:cubicBezTo>
-                <a:cubicBezTo>
-                  <a:pt x="949145" y="19536"/>
-                  <a:pt x="780234" y="31447"/>
-                  <a:pt x="705505" y="18288"/>
-                </a:cubicBezTo>
-                <a:cubicBezTo>
-                  <a:pt x="630776" y="5129"/>
-                  <a:pt x="215796" y="30056"/>
-                  <a:pt x="0" y="18288"/>
-                </a:cubicBezTo>
-                <a:cubicBezTo>
-                  <a:pt x="-53" y="11301"/>
-                  <a:pt x="-649" y="7756"/>
-                  <a:pt x="0" y="0"/>
-                </a:cubicBezTo>
+                <a:lnTo>
+                  <a:pt x="12192000" y="0"/>
+                </a:lnTo>
+                <a:lnTo>
+                  <a:pt x="12192000" y="1736458"/>
+                </a:lnTo>
+                <a:lnTo>
+                  <a:pt x="11967601" y="1784034"/>
+                </a:lnTo>
+                <a:cubicBezTo>
+                  <a:pt x="11589888" y="1859409"/>
+                  <a:pt x="11209762" y="1923961"/>
+                  <a:pt x="10829000" y="1983294"/>
+                </a:cubicBezTo>
+                <a:lnTo>
+                  <a:pt x="10743779" y="1996027"/>
+                </a:lnTo>
+                <a:cubicBezTo>
+                  <a:pt x="10772495" y="1996778"/>
+                  <a:pt x="10801211" y="1993989"/>
+                  <a:pt x="10829254" y="1987751"/>
+                </a:cubicBezTo>
+                <a:cubicBezTo>
+                  <a:pt x="10835198" y="1988337"/>
+                  <a:pt x="10841180" y="1988553"/>
+                  <a:pt x="10847162" y="1988388"/>
+                </a:cubicBezTo>
+                <a:cubicBezTo>
+                  <a:pt x="11090123" y="1968907"/>
+                  <a:pt x="11332703" y="1945734"/>
+                  <a:pt x="11575155" y="1921415"/>
+                </a:cubicBezTo>
+                <a:lnTo>
+                  <a:pt x="12192000" y="1851213"/>
+                </a:lnTo>
+                <a:lnTo>
+                  <a:pt x="12192000" y="1907356"/>
+                </a:lnTo>
+                <a:lnTo>
+                  <a:pt x="12035532" y="1927033"/>
+                </a:lnTo>
+                <a:cubicBezTo>
+                  <a:pt x="11882793" y="1944747"/>
+                  <a:pt x="11729910" y="1961077"/>
+                  <a:pt x="11576932" y="1976291"/>
+                </a:cubicBezTo>
+                <a:cubicBezTo>
+                  <a:pt x="11260690" y="2008122"/>
+                  <a:pt x="10944193" y="2037279"/>
+                  <a:pt x="10627316" y="2061470"/>
+                </a:cubicBezTo>
+                <a:cubicBezTo>
+                  <a:pt x="10352985" y="2082351"/>
+                  <a:pt x="10078401" y="2100431"/>
+                  <a:pt x="9804196" y="2123478"/>
+                </a:cubicBezTo>
+                <a:cubicBezTo>
+                  <a:pt x="9617118" y="2139137"/>
+                  <a:pt x="9430675" y="2161674"/>
+                  <a:pt x="9243851" y="2180008"/>
+                </a:cubicBezTo>
+                <a:cubicBezTo>
+                  <a:pt x="9073157" y="2196433"/>
+                  <a:pt x="8902207" y="2211966"/>
+                  <a:pt x="8731259" y="2225081"/>
+                </a:cubicBezTo>
+                <a:cubicBezTo>
+                  <a:pt x="8509507" y="2242054"/>
+                  <a:pt x="8287667" y="2257586"/>
+                  <a:pt x="8065752" y="2271681"/>
+                </a:cubicBezTo>
+                <a:cubicBezTo>
+                  <a:pt x="7929984" y="2280466"/>
+                  <a:pt x="7793961" y="2285814"/>
+                  <a:pt x="7658065" y="2292562"/>
+                </a:cubicBezTo>
+                <a:cubicBezTo>
+                  <a:pt x="7282640" y="2311661"/>
+                  <a:pt x="6906704" y="2314208"/>
+                  <a:pt x="6531024" y="2324138"/>
+                </a:cubicBezTo>
+                <a:cubicBezTo>
+                  <a:pt x="6413417" y="2327322"/>
+                  <a:pt x="6295937" y="2338399"/>
+                  <a:pt x="6178331" y="2345655"/>
+                </a:cubicBezTo>
+                <a:cubicBezTo>
+                  <a:pt x="6111271" y="2349730"/>
+                  <a:pt x="6044342" y="2345655"/>
+                  <a:pt x="5977282" y="2344127"/>
+                </a:cubicBezTo>
+                <a:cubicBezTo>
+                  <a:pt x="5774073" y="2338908"/>
+                  <a:pt x="5570866" y="2334960"/>
+                  <a:pt x="5367658" y="2329230"/>
+                </a:cubicBezTo>
+                <a:cubicBezTo>
+                  <a:pt x="5040746" y="2319809"/>
+                  <a:pt x="4713963" y="2306274"/>
+                  <a:pt x="4387306" y="2288614"/>
+                </a:cubicBezTo>
+                <a:cubicBezTo>
+                  <a:pt x="4318342" y="2284796"/>
+                  <a:pt x="4249253" y="2284286"/>
+                  <a:pt x="4180287" y="2280211"/>
+                </a:cubicBezTo>
+                <a:cubicBezTo>
+                  <a:pt x="4067634" y="2273463"/>
+                  <a:pt x="3954980" y="2265060"/>
+                  <a:pt x="3842199" y="2257039"/>
+                </a:cubicBezTo>
+                <a:cubicBezTo>
+                  <a:pt x="3804988" y="2254492"/>
+                  <a:pt x="3767648" y="2254620"/>
+                  <a:pt x="3730309" y="2251182"/>
+                </a:cubicBezTo>
+                <a:cubicBezTo>
+                  <a:pt x="3628704" y="2242142"/>
+                  <a:pt x="3527101" y="2238449"/>
+                  <a:pt x="3425496" y="2231320"/>
+                </a:cubicBezTo>
+                <a:cubicBezTo>
+                  <a:pt x="3308906" y="2222534"/>
+                  <a:pt x="3192569" y="2211330"/>
+                  <a:pt x="3076106" y="2201781"/>
+                </a:cubicBezTo>
+                <a:cubicBezTo>
+                  <a:pt x="2990757" y="2194905"/>
+                  <a:pt x="2905157" y="2190067"/>
+                  <a:pt x="2819682" y="2182427"/>
+                </a:cubicBezTo>
+                <a:cubicBezTo>
+                  <a:pt x="2721507" y="2173515"/>
+                  <a:pt x="2623586" y="2162311"/>
+                  <a:pt x="2525539" y="2152888"/>
+                </a:cubicBezTo>
+                <a:cubicBezTo>
+                  <a:pt x="2454289" y="2145886"/>
+                  <a:pt x="2383038" y="2140920"/>
+                  <a:pt x="2311915" y="2133536"/>
+                </a:cubicBezTo>
+                <a:cubicBezTo>
+                  <a:pt x="2225933" y="2124749"/>
+                  <a:pt x="2140204" y="2114182"/>
+                  <a:pt x="2054223" y="2104760"/>
+                </a:cubicBezTo>
+                <a:cubicBezTo>
+                  <a:pt x="1990719" y="2097758"/>
+                  <a:pt x="1928233" y="2092028"/>
+                  <a:pt x="1865367" y="2084770"/>
+                </a:cubicBezTo>
+                <a:cubicBezTo>
+                  <a:pt x="1786622" y="2075603"/>
+                  <a:pt x="1708006" y="2065545"/>
+                  <a:pt x="1629263" y="2055996"/>
+                </a:cubicBezTo>
+                <a:cubicBezTo>
+                  <a:pt x="1572492" y="2049120"/>
+                  <a:pt x="1515595" y="2043264"/>
+                  <a:pt x="1458823" y="2035751"/>
+                </a:cubicBezTo>
+                <a:cubicBezTo>
+                  <a:pt x="1386303" y="2026585"/>
+                  <a:pt x="1313784" y="2016780"/>
+                  <a:pt x="1241390" y="2007103"/>
+                </a:cubicBezTo>
+                <a:lnTo>
+                  <a:pt x="1047453" y="1980748"/>
+                </a:lnTo>
+                <a:cubicBezTo>
+                  <a:pt x="969980" y="1970180"/>
+                  <a:pt x="892254" y="1960377"/>
+                  <a:pt x="814907" y="1949045"/>
+                </a:cubicBezTo>
+                <a:cubicBezTo>
+                  <a:pt x="740609" y="1938094"/>
+                  <a:pt x="666692" y="1925744"/>
+                  <a:pt x="592649" y="1913776"/>
+                </a:cubicBezTo>
+                <a:cubicBezTo>
+                  <a:pt x="509587" y="1900280"/>
+                  <a:pt x="426653" y="1886274"/>
+                  <a:pt x="343591" y="1872650"/>
+                </a:cubicBezTo>
+                <a:cubicBezTo>
+                  <a:pt x="240972" y="1855716"/>
+                  <a:pt x="138225" y="1839673"/>
+                  <a:pt x="35731" y="1821722"/>
+                </a:cubicBezTo>
+                <a:lnTo>
+                  <a:pt x="0" y="1814848"/>
+                </a:lnTo>
+                <a:lnTo>
+                  <a:pt x="0" y="1758489"/>
+                </a:lnTo>
+                <a:lnTo>
+                  <a:pt x="274248" y="1808735"/>
+                </a:lnTo>
+                <a:cubicBezTo>
+                  <a:pt x="348926" y="1821467"/>
+                  <a:pt x="423604" y="1832798"/>
+                  <a:pt x="498157" y="1846167"/>
+                </a:cubicBezTo>
+                <a:cubicBezTo>
+                  <a:pt x="572708" y="1859536"/>
+                  <a:pt x="647896" y="1867813"/>
+                  <a:pt x="722828" y="1878635"/>
+                </a:cubicBezTo>
+                <a:cubicBezTo>
+                  <a:pt x="797762" y="1889457"/>
+                  <a:pt x="874219" y="1901426"/>
+                  <a:pt x="949913" y="1912375"/>
+                </a:cubicBezTo>
+                <a:cubicBezTo>
+                  <a:pt x="1031704" y="1924343"/>
+                  <a:pt x="1113496" y="1935802"/>
+                  <a:pt x="1195414" y="1947516"/>
+                </a:cubicBezTo>
+                <a:cubicBezTo>
+                  <a:pt x="1244566" y="1954519"/>
+                  <a:pt x="1293589" y="1962285"/>
+                  <a:pt x="1342867" y="1968397"/>
+                </a:cubicBezTo>
+                <a:cubicBezTo>
+                  <a:pt x="1401162" y="1975656"/>
+                  <a:pt x="1459712" y="1981130"/>
+                  <a:pt x="1518007" y="1988006"/>
+                </a:cubicBezTo>
+                <a:cubicBezTo>
+                  <a:pt x="1579224" y="1995263"/>
+                  <a:pt x="1640186" y="2003411"/>
+                  <a:pt x="1701403" y="2010669"/>
+                </a:cubicBezTo>
+                <a:cubicBezTo>
+                  <a:pt x="1762618" y="2017926"/>
+                  <a:pt x="1820279" y="2024292"/>
+                  <a:pt x="1879210" y="2031167"/>
+                </a:cubicBezTo>
+                <a:cubicBezTo>
+                  <a:pt x="1942712" y="2038425"/>
+                  <a:pt x="2006214" y="2046064"/>
+                  <a:pt x="2068702" y="2052940"/>
+                </a:cubicBezTo>
+                <a:cubicBezTo>
+                  <a:pt x="2116455" y="2058160"/>
+                  <a:pt x="2164335" y="2062362"/>
+                  <a:pt x="2212090" y="2067583"/>
+                </a:cubicBezTo>
+                <a:cubicBezTo>
+                  <a:pt x="2280419" y="2074967"/>
+                  <a:pt x="2348493" y="2085152"/>
+                  <a:pt x="2416949" y="2089609"/>
+                </a:cubicBezTo>
+                <a:cubicBezTo>
+                  <a:pt x="2472070" y="2093302"/>
+                  <a:pt x="2526936" y="2099540"/>
+                  <a:pt x="2582055" y="2105397"/>
+                </a:cubicBezTo>
+                <a:cubicBezTo>
+                  <a:pt x="2655337" y="2113291"/>
+                  <a:pt x="2729001" y="2119785"/>
+                  <a:pt x="2802282" y="2126405"/>
+                </a:cubicBezTo>
+                <a:cubicBezTo>
+                  <a:pt x="2862991" y="2131753"/>
+                  <a:pt x="2924207" y="2136337"/>
+                  <a:pt x="2984916" y="2141684"/>
+                </a:cubicBezTo>
+                <a:cubicBezTo>
+                  <a:pt x="3070516" y="2149324"/>
+                  <a:pt x="3156373" y="2152888"/>
+                  <a:pt x="3241847" y="2164094"/>
+                </a:cubicBezTo>
+                <a:cubicBezTo>
+                  <a:pt x="3307255" y="2172624"/>
+                  <a:pt x="3374060" y="2169822"/>
+                  <a:pt x="3439848" y="2176826"/>
+                </a:cubicBezTo>
+                <a:cubicBezTo>
+                  <a:pt x="3512622" y="2184592"/>
+                  <a:pt x="3585777" y="2186247"/>
+                  <a:pt x="3658678" y="2194523"/>
+                </a:cubicBezTo>
+                <a:cubicBezTo>
+                  <a:pt x="3731578" y="2202800"/>
+                  <a:pt x="3807019" y="2201781"/>
+                  <a:pt x="3881317" y="2206491"/>
+                </a:cubicBezTo>
+                <a:cubicBezTo>
+                  <a:pt x="3970222" y="2212094"/>
+                  <a:pt x="4059124" y="2223552"/>
+                  <a:pt x="4148916" y="2225081"/>
+                </a:cubicBezTo>
+                <a:cubicBezTo>
+                  <a:pt x="4255600" y="2226736"/>
+                  <a:pt x="4361779" y="2236539"/>
+                  <a:pt x="4468337" y="2237813"/>
+                </a:cubicBezTo>
+                <a:cubicBezTo>
+                  <a:pt x="4511390" y="2238577"/>
+                  <a:pt x="4554190" y="2246852"/>
+                  <a:pt x="4605375" y="2240232"/>
+                </a:cubicBezTo>
+                <a:cubicBezTo>
+                  <a:pt x="4574131" y="2238704"/>
+                  <a:pt x="4550762" y="2237940"/>
+                  <a:pt x="4527647" y="2236412"/>
+                </a:cubicBezTo>
+                <a:cubicBezTo>
+                  <a:pt x="4410293" y="2228773"/>
+                  <a:pt x="4292942" y="2220751"/>
+                  <a:pt x="4175589" y="2212985"/>
+                </a:cubicBezTo>
+                <a:cubicBezTo>
+                  <a:pt x="4113101" y="2208783"/>
+                  <a:pt x="4050615" y="2205219"/>
+                  <a:pt x="3988255" y="2200253"/>
+                </a:cubicBezTo>
+                <a:cubicBezTo>
+                  <a:pt x="3887668" y="2192487"/>
+                  <a:pt x="3787079" y="2184082"/>
+                  <a:pt x="3686492" y="2176062"/>
+                </a:cubicBezTo>
+                <a:cubicBezTo>
+                  <a:pt x="3630102" y="2171605"/>
+                  <a:pt x="3573711" y="2168040"/>
+                  <a:pt x="3517320" y="2163330"/>
+                </a:cubicBezTo>
+                <a:cubicBezTo>
+                  <a:pt x="3430958" y="2155689"/>
+                  <a:pt x="3344721" y="2147159"/>
+                  <a:pt x="3258357" y="2139519"/>
+                </a:cubicBezTo>
+                <a:cubicBezTo>
+                  <a:pt x="3206031" y="2134809"/>
+                  <a:pt x="3153705" y="2131371"/>
+                  <a:pt x="3101506" y="2126787"/>
+                </a:cubicBezTo>
+                <a:cubicBezTo>
+                  <a:pt x="3004220" y="2117365"/>
+                  <a:pt x="2907061" y="2106798"/>
+                  <a:pt x="2809395" y="2097502"/>
+                </a:cubicBezTo>
+                <a:cubicBezTo>
+                  <a:pt x="2739161" y="2090628"/>
+                  <a:pt x="2668673" y="2085916"/>
+                  <a:pt x="2598566" y="2078532"/>
+                </a:cubicBezTo>
+                <a:cubicBezTo>
+                  <a:pt x="2511441" y="2069365"/>
+                  <a:pt x="2424569" y="2058160"/>
+                  <a:pt x="2337444" y="2048611"/>
+                </a:cubicBezTo>
+                <a:cubicBezTo>
+                  <a:pt x="2255399" y="2039699"/>
+                  <a:pt x="2173099" y="2032950"/>
+                  <a:pt x="2091054" y="2023146"/>
+                </a:cubicBezTo>
+                <a:cubicBezTo>
+                  <a:pt x="1979162" y="2010414"/>
+                  <a:pt x="1867524" y="1995008"/>
+                  <a:pt x="1755761" y="1981384"/>
+                </a:cubicBezTo>
+                <a:cubicBezTo>
+                  <a:pt x="1650982" y="1968652"/>
+                  <a:pt x="1545821" y="1957830"/>
+                  <a:pt x="1441169" y="1943824"/>
+                </a:cubicBezTo>
+                <a:cubicBezTo>
+                  <a:pt x="1299813" y="1924980"/>
+                  <a:pt x="1158837" y="1903718"/>
+                  <a:pt x="1017607" y="1883345"/>
+                </a:cubicBezTo>
+                <a:cubicBezTo>
+                  <a:pt x="876378" y="1862974"/>
+                  <a:pt x="735402" y="1844003"/>
+                  <a:pt x="594427" y="1821849"/>
+                </a:cubicBezTo>
+                <a:cubicBezTo>
+                  <a:pt x="462850" y="1801222"/>
+                  <a:pt x="331526" y="1778304"/>
+                  <a:pt x="200711" y="1755132"/>
+                </a:cubicBezTo>
+                <a:lnTo>
+                  <a:pt x="0" y="1718743"/>
+                </a:lnTo>
                 <a:close/>
               </a:path>
             </a:pathLst>
@@ -9888,47 +10120,61 @@
           <a:solidFill>
             <a:schemeClr val="accent2"/>
           </a:solidFill>
-          <a:ln w="41275" cap="rnd">
-            <a:solidFill>
-              <a:schemeClr val="accent2"/>
-            </a:solidFill>
-            <a:round/>
-            <a:extLst>
-              <a:ext uri="{C807C97D-BFC1-408E-A445-0C87EB9F89A2}">
-                <ask:lineSketchStyleProps xmlns:ask="http://schemas.microsoft.com/office/drawing/2018/sketchyshapes" sd="1219033472">
-                  <a:prstGeom prst="rect">
-                    <a:avLst/>
-                  </a:prstGeom>
-                  <ask:type>
-                    <ask:lineSketchFreehand/>
-                  </ask:type>
-                </ask:lineSketchStyleProps>
-              </a:ext>
-            </a:extLst>
+          <a:ln w="8199" cap="flat">
+            <a:noFill/>
+            <a:prstDash val="solid"/>
+            <a:miter/>
           </a:ln>
         </p:spPr>
-        <p:style>
-          <a:lnRef idx="2">
-            <a:schemeClr val="accent1">
-              <a:shade val="50000"/>
-            </a:schemeClr>
-          </a:lnRef>
-          <a:fillRef idx="1">
-            <a:schemeClr val="accent1"/>
-          </a:fillRef>
-          <a:effectRef idx="0">
-            <a:schemeClr val="accent1"/>
-          </a:effectRef>
-          <a:fontRef idx="minor">
-            <a:schemeClr val="lt1"/>
-          </a:fontRef>
-        </p:style>
         <p:txBody>
           <a:bodyPr rtlCol="0" anchor="ctr"/>
           <a:lstStyle/>
           <a:p>
-            <a:pPr algn="ctr"/>
             <a:endParaRPr lang="en-US"/>
+          </a:p>
+        </p:txBody>
+      </p:sp>
+      <p:sp>
+        <p:nvSpPr>
+          <p:cNvPr id="2" name="Titolo 1">
+            <a:extLst>
+              <a:ext uri="{FF2B5EF4-FFF2-40B4-BE49-F238E27FC236}">
+                <a16:creationId xmlns:a16="http://schemas.microsoft.com/office/drawing/2014/main" id="{E13D1BB6-BF57-2463-DBAD-8522EEAD3363}"/>
+              </a:ext>
+            </a:extLst>
+          </p:cNvPr>
+          <p:cNvSpPr>
+            <a:spLocks noGrp="1"/>
+          </p:cNvSpPr>
+          <p:nvPr>
+            <p:ph type="title"/>
+          </p:nvPr>
+        </p:nvSpPr>
+        <p:spPr>
+          <a:xfrm>
+            <a:off x="835782" y="584912"/>
+            <a:ext cx="10515600" cy="1348065"/>
+          </a:xfrm>
+        </p:spPr>
+        <p:txBody>
+          <a:bodyPr>
+            <a:normAutofit fontScale="90000"/>
+          </a:bodyPr>
+          <a:lstStyle/>
+          <a:p>
+            <a:r>
+              <a:rPr lang="it-IT" sz="5400" dirty="0">
+                <a:solidFill>
+                  <a:srgbClr val="FFFFFF"/>
+                </a:solidFill>
+              </a:rPr>
+              <a:t>Considerazioni finali e sviluppi futuri</a:t>
+            </a:r>
+            <a:endParaRPr lang="en-GB" sz="5400" dirty="0">
+              <a:solidFill>
+                <a:srgbClr val="FFFFFF"/>
+              </a:solidFill>
+            </a:endParaRPr>
           </a:p>
         </p:txBody>
       </p:sp>
@@ -9950,8 +10196,8 @@
         </p:nvSpPr>
         <p:spPr>
           <a:xfrm>
-            <a:off x="836676" y="2367344"/>
-            <a:ext cx="10515600" cy="4125531"/>
+            <a:off x="835782" y="2932326"/>
+            <a:ext cx="10515600" cy="3590174"/>
           </a:xfrm>
         </p:spPr>
         <p:txBody>
@@ -9963,17 +10209,17 @@
             <a:pPr marL="0" indent="0">
               <a:buNone/>
             </a:pPr>
-            <a:endParaRPr lang="it-IT" sz="3200" dirty="0">
+            <a:endParaRPr lang="it-IT" sz="2200" dirty="0">
               <a:solidFill>
-                <a:srgbClr val="ED7D31"/>
+                <a:srgbClr val="1020D7"/>
               </a:solidFill>
             </a:endParaRPr>
           </a:p>
           <a:p>
             <a:r>
-              <a:rPr lang="it-IT" sz="2200" dirty="0">
+              <a:rPr lang="it-IT" sz="2400" dirty="0">
                 <a:solidFill>
-                  <a:srgbClr val="0C01D3"/>
+                  <a:srgbClr val="1020D7"/>
                 </a:solidFill>
               </a:rPr>
               <a:t>Aggiunta di dettagli e animazioni alle statistiche</a:t>
@@ -9983,7 +10229,7 @@
             <a:r>
               <a:rPr lang="it-IT" sz="2200" dirty="0">
                 <a:solidFill>
-                  <a:srgbClr val="0C01D3"/>
+                  <a:srgbClr val="1020D7"/>
                 </a:solidFill>
               </a:rPr>
               <a:t>Estensione del software a molti altri tipi di votazioni/elezioni</a:t>
@@ -9993,7 +10239,7 @@
             <a:r>
               <a:rPr lang="it-IT" sz="2200" dirty="0">
                 <a:solidFill>
-                  <a:srgbClr val="0C01D3"/>
+                  <a:srgbClr val="1020D7"/>
                 </a:solidFill>
               </a:rPr>
               <a:t>Backup minimale</a:t>
@@ -10003,7 +10249,7 @@
             <a:r>
               <a:rPr lang="it-IT" sz="2200" dirty="0">
                 <a:solidFill>
-                  <a:srgbClr val="0C01D3"/>
+                  <a:srgbClr val="1020D7"/>
                 </a:solidFill>
               </a:rPr>
               <a:t>Incrementare la sicurezza, come lo standard «inserire nome standard»</a:t>
@@ -10013,7 +10259,7 @@
             <a:r>
               <a:rPr lang="it-IT" sz="2200" dirty="0">
                 <a:solidFill>
-                  <a:srgbClr val="0C01D3"/>
+                  <a:srgbClr val="1020D7"/>
                 </a:solidFill>
               </a:rPr>
               <a:t>Riconoscimento facciale</a:t>
@@ -10055,6 +10301,10 @@
           <a:prstGeom prst="rect">
             <a:avLst/>
           </a:prstGeom>
+          <a:noFill/>
+          <a:ln>
+            <a:noFill/>
+          </a:ln>
         </p:spPr>
       </p:pic>
     </p:spTree>
@@ -11018,7 +11268,7 @@
         </p:blipFill>
         <p:spPr>
           <a:xfrm>
-            <a:off x="4654296" y="1375144"/>
+            <a:off x="4696968" y="1441952"/>
             <a:ext cx="6903720" cy="4107712"/>
           </a:xfrm>
           <a:prstGeom prst="rect">
@@ -15538,7 +15788,7 @@
           <a:p>
             <a:pPr algn="ctr"/>
             <a:r>
-              <a:rPr lang="it-IT" sz="3600" dirty="0">
+              <a:rPr lang="it-IT" sz="3600">
                 <a:solidFill>
                   <a:srgbClr val="ED7D31"/>
                 </a:solidFill>

--- a/ioVoto.pptx
+++ b/ioVoto.pptx
@@ -5,23 +5,24 @@
     <p:sldMasterId id="2147483648" r:id="rId1"/>
   </p:sldMasterIdLst>
   <p:notesMasterIdLst>
-    <p:notesMasterId r:id="rId13"/>
+    <p:notesMasterId r:id="rId14"/>
   </p:notesMasterIdLst>
   <p:handoutMasterIdLst>
-    <p:handoutMasterId r:id="rId14"/>
+    <p:handoutMasterId r:id="rId15"/>
   </p:handoutMasterIdLst>
   <p:sldIdLst>
     <p:sldId id="262" r:id="rId2"/>
-    <p:sldId id="258" r:id="rId3"/>
-    <p:sldId id="259" r:id="rId4"/>
-    <p:sldId id="260" r:id="rId5"/>
-    <p:sldId id="261" r:id="rId6"/>
-    <p:sldId id="267" r:id="rId7"/>
-    <p:sldId id="263" r:id="rId8"/>
-    <p:sldId id="264" r:id="rId9"/>
-    <p:sldId id="265" r:id="rId10"/>
-    <p:sldId id="266" r:id="rId11"/>
-    <p:sldId id="268" r:id="rId12"/>
+    <p:sldId id="269" r:id="rId3"/>
+    <p:sldId id="258" r:id="rId4"/>
+    <p:sldId id="259" r:id="rId5"/>
+    <p:sldId id="260" r:id="rId6"/>
+    <p:sldId id="261" r:id="rId7"/>
+    <p:sldId id="270" r:id="rId8"/>
+    <p:sldId id="263" r:id="rId9"/>
+    <p:sldId id="264" r:id="rId10"/>
+    <p:sldId id="265" r:id="rId11"/>
+    <p:sldId id="266" r:id="rId12"/>
+    <p:sldId id="268" r:id="rId13"/>
   </p:sldIdLst>
   <p:sldSz cx="12192000" cy="6858000"/>
   <p:notesSz cx="6858000" cy="9144000"/>
@@ -1071,6 +1072,753 @@
 </dgm:colorsDef>
 </file>
 
+<file path=ppt/diagrams/colors2.xml><?xml version="1.0" encoding="utf-8"?>
+<dgm:colorsDef xmlns:dgm="http://schemas.openxmlformats.org/drawingml/2006/diagram" xmlns:a="http://schemas.openxmlformats.org/drawingml/2006/main" uniqueId="urn:microsoft.com/office/officeart/2005/8/colors/accent1_2">
+  <dgm:title val=""/>
+  <dgm:desc val=""/>
+  <dgm:catLst>
+    <dgm:cat type="accent1" pri="11200"/>
+  </dgm:catLst>
+  <dgm:styleLbl name="node0">
+    <dgm:fillClrLst meth="repeat">
+      <a:schemeClr val="accent1"/>
+    </dgm:fillClrLst>
+    <dgm:linClrLst meth="repeat">
+      <a:schemeClr val="lt1"/>
+    </dgm:linClrLst>
+    <dgm:effectClrLst/>
+    <dgm:txLinClrLst/>
+    <dgm:txFillClrLst/>
+    <dgm:txEffectClrLst/>
+  </dgm:styleLbl>
+  <dgm:styleLbl name="alignNode1">
+    <dgm:fillClrLst meth="repeat">
+      <a:schemeClr val="accent1"/>
+    </dgm:fillClrLst>
+    <dgm:linClrLst meth="repeat">
+      <a:schemeClr val="accent1"/>
+    </dgm:linClrLst>
+    <dgm:effectClrLst/>
+    <dgm:txLinClrLst/>
+    <dgm:txFillClrLst/>
+    <dgm:txEffectClrLst/>
+  </dgm:styleLbl>
+  <dgm:styleLbl name="node1">
+    <dgm:fillClrLst meth="repeat">
+      <a:schemeClr val="accent1"/>
+    </dgm:fillClrLst>
+    <dgm:linClrLst meth="repeat">
+      <a:schemeClr val="lt1"/>
+    </dgm:linClrLst>
+    <dgm:effectClrLst/>
+    <dgm:txLinClrLst/>
+    <dgm:txFillClrLst/>
+    <dgm:txEffectClrLst/>
+  </dgm:styleLbl>
+  <dgm:styleLbl name="lnNode1">
+    <dgm:fillClrLst meth="repeat">
+      <a:schemeClr val="accent1"/>
+    </dgm:fillClrLst>
+    <dgm:linClrLst meth="repeat">
+      <a:schemeClr val="lt1"/>
+    </dgm:linClrLst>
+    <dgm:effectClrLst/>
+    <dgm:txLinClrLst/>
+    <dgm:txFillClrLst/>
+    <dgm:txEffectClrLst/>
+  </dgm:styleLbl>
+  <dgm:styleLbl name="vennNode1">
+    <dgm:fillClrLst meth="repeat">
+      <a:schemeClr val="accent1">
+        <a:alpha val="50000"/>
+      </a:schemeClr>
+    </dgm:fillClrLst>
+    <dgm:linClrLst meth="repeat">
+      <a:schemeClr val="lt1"/>
+    </dgm:linClrLst>
+    <dgm:effectClrLst/>
+    <dgm:txLinClrLst/>
+    <dgm:txFillClrLst/>
+    <dgm:txEffectClrLst/>
+  </dgm:styleLbl>
+  <dgm:styleLbl name="node2">
+    <dgm:fillClrLst meth="repeat">
+      <a:schemeClr val="accent1"/>
+    </dgm:fillClrLst>
+    <dgm:linClrLst meth="repeat">
+      <a:schemeClr val="lt1"/>
+    </dgm:linClrLst>
+    <dgm:effectClrLst/>
+    <dgm:txLinClrLst/>
+    <dgm:txFillClrLst/>
+    <dgm:txEffectClrLst/>
+  </dgm:styleLbl>
+  <dgm:styleLbl name="node3">
+    <dgm:fillClrLst meth="repeat">
+      <a:schemeClr val="accent1"/>
+    </dgm:fillClrLst>
+    <dgm:linClrLst meth="repeat">
+      <a:schemeClr val="lt1"/>
+    </dgm:linClrLst>
+    <dgm:effectClrLst/>
+    <dgm:txLinClrLst/>
+    <dgm:txFillClrLst/>
+    <dgm:txEffectClrLst/>
+  </dgm:styleLbl>
+  <dgm:styleLbl name="node4">
+    <dgm:fillClrLst meth="repeat">
+      <a:schemeClr val="accent1"/>
+    </dgm:fillClrLst>
+    <dgm:linClrLst meth="repeat">
+      <a:schemeClr val="lt1"/>
+    </dgm:linClrLst>
+    <dgm:effectClrLst/>
+    <dgm:txLinClrLst/>
+    <dgm:txFillClrLst/>
+    <dgm:txEffectClrLst/>
+  </dgm:styleLbl>
+  <dgm:styleLbl name="fgImgPlace1">
+    <dgm:fillClrLst meth="repeat">
+      <a:schemeClr val="accent1">
+        <a:tint val="50000"/>
+      </a:schemeClr>
+    </dgm:fillClrLst>
+    <dgm:linClrLst meth="repeat">
+      <a:schemeClr val="lt1"/>
+    </dgm:linClrLst>
+    <dgm:effectClrLst/>
+    <dgm:txLinClrLst/>
+    <dgm:txFillClrLst meth="repeat">
+      <a:schemeClr val="lt1"/>
+    </dgm:txFillClrLst>
+    <dgm:txEffectClrLst/>
+  </dgm:styleLbl>
+  <dgm:styleLbl name="alignImgPlace1">
+    <dgm:fillClrLst meth="repeat">
+      <a:schemeClr val="accent1">
+        <a:tint val="50000"/>
+      </a:schemeClr>
+    </dgm:fillClrLst>
+    <dgm:linClrLst meth="repeat">
+      <a:schemeClr val="lt1"/>
+    </dgm:linClrLst>
+    <dgm:effectClrLst/>
+    <dgm:txLinClrLst/>
+    <dgm:txFillClrLst meth="repeat">
+      <a:schemeClr val="lt1"/>
+    </dgm:txFillClrLst>
+    <dgm:txEffectClrLst/>
+  </dgm:styleLbl>
+  <dgm:styleLbl name="bgImgPlace1">
+    <dgm:fillClrLst meth="repeat">
+      <a:schemeClr val="accent1">
+        <a:tint val="50000"/>
+      </a:schemeClr>
+    </dgm:fillClrLst>
+    <dgm:linClrLst meth="repeat">
+      <a:schemeClr val="lt1"/>
+    </dgm:linClrLst>
+    <dgm:effectClrLst/>
+    <dgm:txLinClrLst/>
+    <dgm:txFillClrLst meth="repeat">
+      <a:schemeClr val="lt1"/>
+    </dgm:txFillClrLst>
+    <dgm:txEffectClrLst/>
+  </dgm:styleLbl>
+  <dgm:styleLbl name="sibTrans2D1">
+    <dgm:fillClrLst meth="repeat">
+      <a:schemeClr val="accent1">
+        <a:tint val="60000"/>
+      </a:schemeClr>
+    </dgm:fillClrLst>
+    <dgm:linClrLst meth="repeat">
+      <a:schemeClr val="accent1">
+        <a:tint val="60000"/>
+      </a:schemeClr>
+    </dgm:linClrLst>
+    <dgm:effectClrLst/>
+    <dgm:txLinClrLst/>
+    <dgm:txFillClrLst/>
+    <dgm:txEffectClrLst/>
+  </dgm:styleLbl>
+  <dgm:styleLbl name="fgSibTrans2D1">
+    <dgm:fillClrLst meth="repeat">
+      <a:schemeClr val="accent1">
+        <a:tint val="60000"/>
+      </a:schemeClr>
+    </dgm:fillClrLst>
+    <dgm:linClrLst meth="repeat">
+      <a:schemeClr val="accent1">
+        <a:tint val="60000"/>
+      </a:schemeClr>
+    </dgm:linClrLst>
+    <dgm:effectClrLst/>
+    <dgm:txLinClrLst/>
+    <dgm:txFillClrLst/>
+    <dgm:txEffectClrLst/>
+  </dgm:styleLbl>
+  <dgm:styleLbl name="bgSibTrans2D1">
+    <dgm:fillClrLst meth="repeat">
+      <a:schemeClr val="accent1">
+        <a:tint val="60000"/>
+      </a:schemeClr>
+    </dgm:fillClrLst>
+    <dgm:linClrLst meth="repeat">
+      <a:schemeClr val="accent1">
+        <a:tint val="60000"/>
+      </a:schemeClr>
+    </dgm:linClrLst>
+    <dgm:effectClrLst/>
+    <dgm:txLinClrLst/>
+    <dgm:txFillClrLst/>
+    <dgm:txEffectClrLst/>
+  </dgm:styleLbl>
+  <dgm:styleLbl name="sibTrans1D1">
+    <dgm:fillClrLst meth="repeat">
+      <a:schemeClr val="accent1"/>
+    </dgm:fillClrLst>
+    <dgm:linClrLst meth="repeat">
+      <a:schemeClr val="accent1"/>
+    </dgm:linClrLst>
+    <dgm:effectClrLst/>
+    <dgm:txLinClrLst/>
+    <dgm:txFillClrLst meth="repeat">
+      <a:schemeClr val="tx1"/>
+    </dgm:txFillClrLst>
+    <dgm:txEffectClrLst/>
+  </dgm:styleLbl>
+  <dgm:styleLbl name="callout">
+    <dgm:fillClrLst meth="repeat">
+      <a:schemeClr val="accent1"/>
+    </dgm:fillClrLst>
+    <dgm:linClrLst meth="repeat">
+      <a:schemeClr val="accent1">
+        <a:tint val="50000"/>
+      </a:schemeClr>
+    </dgm:linClrLst>
+    <dgm:effectClrLst/>
+    <dgm:txLinClrLst/>
+    <dgm:txFillClrLst meth="repeat">
+      <a:schemeClr val="tx1"/>
+    </dgm:txFillClrLst>
+    <dgm:txEffectClrLst/>
+  </dgm:styleLbl>
+  <dgm:styleLbl name="asst0">
+    <dgm:fillClrLst meth="repeat">
+      <a:schemeClr val="accent1"/>
+    </dgm:fillClrLst>
+    <dgm:linClrLst meth="repeat">
+      <a:schemeClr val="lt1"/>
+    </dgm:linClrLst>
+    <dgm:effectClrLst/>
+    <dgm:txLinClrLst/>
+    <dgm:txFillClrLst/>
+    <dgm:txEffectClrLst/>
+  </dgm:styleLbl>
+  <dgm:styleLbl name="asst1">
+    <dgm:fillClrLst meth="repeat">
+      <a:schemeClr val="accent1"/>
+    </dgm:fillClrLst>
+    <dgm:linClrLst meth="repeat">
+      <a:schemeClr val="lt1"/>
+    </dgm:linClrLst>
+    <dgm:effectClrLst/>
+    <dgm:txLinClrLst/>
+    <dgm:txFillClrLst/>
+    <dgm:txEffectClrLst/>
+  </dgm:styleLbl>
+  <dgm:styleLbl name="asst2">
+    <dgm:fillClrLst meth="repeat">
+      <a:schemeClr val="accent1"/>
+    </dgm:fillClrLst>
+    <dgm:linClrLst meth="repeat">
+      <a:schemeClr val="lt1"/>
+    </dgm:linClrLst>
+    <dgm:effectClrLst/>
+    <dgm:txLinClrLst/>
+    <dgm:txFillClrLst/>
+    <dgm:txEffectClrLst/>
+  </dgm:styleLbl>
+  <dgm:styleLbl name="asst3">
+    <dgm:fillClrLst meth="repeat">
+      <a:schemeClr val="accent1"/>
+    </dgm:fillClrLst>
+    <dgm:linClrLst meth="repeat">
+      <a:schemeClr val="lt1"/>
+    </dgm:linClrLst>
+    <dgm:effectClrLst/>
+    <dgm:txLinClrLst/>
+    <dgm:txFillClrLst/>
+    <dgm:txEffectClrLst/>
+  </dgm:styleLbl>
+  <dgm:styleLbl name="asst4">
+    <dgm:fillClrLst meth="repeat">
+      <a:schemeClr val="accent1"/>
+    </dgm:fillClrLst>
+    <dgm:linClrLst meth="repeat">
+      <a:schemeClr val="lt1"/>
+    </dgm:linClrLst>
+    <dgm:effectClrLst/>
+    <dgm:txLinClrLst/>
+    <dgm:txFillClrLst/>
+    <dgm:txEffectClrLst/>
+  </dgm:styleLbl>
+  <dgm:styleLbl name="parChTrans2D1">
+    <dgm:fillClrLst meth="repeat">
+      <a:schemeClr val="accent1">
+        <a:tint val="60000"/>
+      </a:schemeClr>
+    </dgm:fillClrLst>
+    <dgm:linClrLst meth="repeat">
+      <a:schemeClr val="accent1">
+        <a:tint val="60000"/>
+      </a:schemeClr>
+    </dgm:linClrLst>
+    <dgm:effectClrLst/>
+    <dgm:txLinClrLst/>
+    <dgm:txFillClrLst meth="repeat">
+      <a:schemeClr val="lt1"/>
+    </dgm:txFillClrLst>
+    <dgm:txEffectClrLst/>
+  </dgm:styleLbl>
+  <dgm:styleLbl name="parChTrans2D2">
+    <dgm:fillClrLst meth="repeat">
+      <a:schemeClr val="accent1"/>
+    </dgm:fillClrLst>
+    <dgm:linClrLst meth="repeat">
+      <a:schemeClr val="accent1"/>
+    </dgm:linClrLst>
+    <dgm:effectClrLst/>
+    <dgm:txLinClrLst/>
+    <dgm:txFillClrLst meth="repeat">
+      <a:schemeClr val="lt1"/>
+    </dgm:txFillClrLst>
+    <dgm:txEffectClrLst/>
+  </dgm:styleLbl>
+  <dgm:styleLbl name="parChTrans2D3">
+    <dgm:fillClrLst meth="repeat">
+      <a:schemeClr val="accent1"/>
+    </dgm:fillClrLst>
+    <dgm:linClrLst meth="repeat">
+      <a:schemeClr val="accent1"/>
+    </dgm:linClrLst>
+    <dgm:effectClrLst/>
+    <dgm:txLinClrLst/>
+    <dgm:txFillClrLst meth="repeat">
+      <a:schemeClr val="lt1"/>
+    </dgm:txFillClrLst>
+    <dgm:txEffectClrLst/>
+  </dgm:styleLbl>
+  <dgm:styleLbl name="parChTrans2D4">
+    <dgm:fillClrLst meth="repeat">
+      <a:schemeClr val="accent1"/>
+    </dgm:fillClrLst>
+    <dgm:linClrLst meth="repeat">
+      <a:schemeClr val="accent1"/>
+    </dgm:linClrLst>
+    <dgm:effectClrLst/>
+    <dgm:txLinClrLst/>
+    <dgm:txFillClrLst meth="repeat">
+      <a:schemeClr val="lt1"/>
+    </dgm:txFillClrLst>
+    <dgm:txEffectClrLst/>
+  </dgm:styleLbl>
+  <dgm:styleLbl name="parChTrans1D1">
+    <dgm:fillClrLst meth="repeat">
+      <a:schemeClr val="accent1"/>
+    </dgm:fillClrLst>
+    <dgm:linClrLst meth="repeat">
+      <a:schemeClr val="accent1">
+        <a:shade val="60000"/>
+      </a:schemeClr>
+    </dgm:linClrLst>
+    <dgm:effectClrLst/>
+    <dgm:txLinClrLst/>
+    <dgm:txFillClrLst meth="repeat">
+      <a:schemeClr val="tx1"/>
+    </dgm:txFillClrLst>
+    <dgm:txEffectClrLst/>
+  </dgm:styleLbl>
+  <dgm:styleLbl name="parChTrans1D2">
+    <dgm:fillClrLst meth="repeat">
+      <a:schemeClr val="accent1"/>
+    </dgm:fillClrLst>
+    <dgm:linClrLst meth="repeat">
+      <a:schemeClr val="accent1">
+        <a:shade val="60000"/>
+      </a:schemeClr>
+    </dgm:linClrLst>
+    <dgm:effectClrLst/>
+    <dgm:txLinClrLst/>
+    <dgm:txFillClrLst meth="repeat">
+      <a:schemeClr val="tx1"/>
+    </dgm:txFillClrLst>
+    <dgm:txEffectClrLst/>
+  </dgm:styleLbl>
+  <dgm:styleLbl name="parChTrans1D3">
+    <dgm:fillClrLst meth="repeat">
+      <a:schemeClr val="accent1"/>
+    </dgm:fillClrLst>
+    <dgm:linClrLst meth="repeat">
+      <a:schemeClr val="accent1">
+        <a:shade val="80000"/>
+      </a:schemeClr>
+    </dgm:linClrLst>
+    <dgm:effectClrLst/>
+    <dgm:txLinClrLst/>
+    <dgm:txFillClrLst meth="repeat">
+      <a:schemeClr val="tx1"/>
+    </dgm:txFillClrLst>
+    <dgm:txEffectClrLst/>
+  </dgm:styleLbl>
+  <dgm:styleLbl name="parChTrans1D4">
+    <dgm:fillClrLst meth="repeat">
+      <a:schemeClr val="accent1"/>
+    </dgm:fillClrLst>
+    <dgm:linClrLst meth="repeat">
+      <a:schemeClr val="accent1">
+        <a:shade val="80000"/>
+      </a:schemeClr>
+    </dgm:linClrLst>
+    <dgm:effectClrLst/>
+    <dgm:txLinClrLst/>
+    <dgm:txFillClrLst meth="repeat">
+      <a:schemeClr val="tx1"/>
+    </dgm:txFillClrLst>
+    <dgm:txEffectClrLst/>
+  </dgm:styleLbl>
+  <dgm:styleLbl name="fgAcc1">
+    <dgm:fillClrLst meth="repeat">
+      <a:schemeClr val="lt1">
+        <a:alpha val="90000"/>
+      </a:schemeClr>
+    </dgm:fillClrLst>
+    <dgm:linClrLst meth="repeat">
+      <a:schemeClr val="accent1"/>
+    </dgm:linClrLst>
+    <dgm:effectClrLst/>
+    <dgm:txLinClrLst/>
+    <dgm:txFillClrLst meth="repeat">
+      <a:schemeClr val="dk1"/>
+    </dgm:txFillClrLst>
+    <dgm:txEffectClrLst/>
+  </dgm:styleLbl>
+  <dgm:styleLbl name="conFgAcc1">
+    <dgm:fillClrLst meth="repeat">
+      <a:schemeClr val="lt1">
+        <a:alpha val="90000"/>
+      </a:schemeClr>
+    </dgm:fillClrLst>
+    <dgm:linClrLst meth="repeat">
+      <a:schemeClr val="accent1"/>
+    </dgm:linClrLst>
+    <dgm:effectClrLst/>
+    <dgm:txLinClrLst/>
+    <dgm:txFillClrLst meth="repeat">
+      <a:schemeClr val="dk1"/>
+    </dgm:txFillClrLst>
+    <dgm:txEffectClrLst/>
+  </dgm:styleLbl>
+  <dgm:styleLbl name="alignAcc1">
+    <dgm:fillClrLst meth="repeat">
+      <a:schemeClr val="lt1">
+        <a:alpha val="90000"/>
+      </a:schemeClr>
+    </dgm:fillClrLst>
+    <dgm:linClrLst meth="repeat">
+      <a:schemeClr val="accent1"/>
+    </dgm:linClrLst>
+    <dgm:effectClrLst/>
+    <dgm:txLinClrLst/>
+    <dgm:txFillClrLst meth="repeat">
+      <a:schemeClr val="dk1"/>
+    </dgm:txFillClrLst>
+    <dgm:txEffectClrLst/>
+  </dgm:styleLbl>
+  <dgm:styleLbl name="trAlignAcc1">
+    <dgm:fillClrLst meth="repeat">
+      <a:schemeClr val="lt1">
+        <a:alpha val="40000"/>
+      </a:schemeClr>
+    </dgm:fillClrLst>
+    <dgm:linClrLst meth="repeat">
+      <a:schemeClr val="accent1"/>
+    </dgm:linClrLst>
+    <dgm:effectClrLst/>
+    <dgm:txLinClrLst/>
+    <dgm:txFillClrLst meth="repeat">
+      <a:schemeClr val="dk1"/>
+    </dgm:txFillClrLst>
+    <dgm:txEffectClrLst/>
+  </dgm:styleLbl>
+  <dgm:styleLbl name="bgAcc1">
+    <dgm:fillClrLst meth="repeat">
+      <a:schemeClr val="lt1">
+        <a:alpha val="90000"/>
+      </a:schemeClr>
+    </dgm:fillClrLst>
+    <dgm:linClrLst meth="repeat">
+      <a:schemeClr val="accent1"/>
+    </dgm:linClrLst>
+    <dgm:effectClrLst/>
+    <dgm:txLinClrLst/>
+    <dgm:txFillClrLst meth="repeat">
+      <a:schemeClr val="dk1"/>
+    </dgm:txFillClrLst>
+    <dgm:txEffectClrLst/>
+  </dgm:styleLbl>
+  <dgm:styleLbl name="solidFgAcc1">
+    <dgm:fillClrLst meth="repeat">
+      <a:schemeClr val="lt1"/>
+    </dgm:fillClrLst>
+    <dgm:linClrLst meth="repeat">
+      <a:schemeClr val="accent1"/>
+    </dgm:linClrLst>
+    <dgm:effectClrLst/>
+    <dgm:txLinClrLst/>
+    <dgm:txFillClrLst meth="repeat">
+      <a:schemeClr val="dk1"/>
+    </dgm:txFillClrLst>
+    <dgm:txEffectClrLst/>
+  </dgm:styleLbl>
+  <dgm:styleLbl name="solidAlignAcc1">
+    <dgm:fillClrLst meth="repeat">
+      <a:schemeClr val="lt1"/>
+    </dgm:fillClrLst>
+    <dgm:linClrLst meth="repeat">
+      <a:schemeClr val="accent1"/>
+    </dgm:linClrLst>
+    <dgm:effectClrLst/>
+    <dgm:txLinClrLst/>
+    <dgm:txFillClrLst meth="repeat">
+      <a:schemeClr val="dk1"/>
+    </dgm:txFillClrLst>
+    <dgm:txEffectClrLst/>
+  </dgm:styleLbl>
+  <dgm:styleLbl name="solidBgAcc1">
+    <dgm:fillClrLst meth="repeat">
+      <a:schemeClr val="lt1"/>
+    </dgm:fillClrLst>
+    <dgm:linClrLst meth="repeat">
+      <a:schemeClr val="accent1"/>
+    </dgm:linClrLst>
+    <dgm:effectClrLst/>
+    <dgm:txLinClrLst/>
+    <dgm:txFillClrLst meth="repeat">
+      <a:schemeClr val="dk1"/>
+    </dgm:txFillClrLst>
+    <dgm:txEffectClrLst/>
+  </dgm:styleLbl>
+  <dgm:styleLbl name="fgAccFollowNode1">
+    <dgm:fillClrLst meth="repeat">
+      <a:schemeClr val="accent1">
+        <a:alpha val="90000"/>
+        <a:tint val="40000"/>
+      </a:schemeClr>
+    </dgm:fillClrLst>
+    <dgm:linClrLst meth="repeat">
+      <a:schemeClr val="accent1">
+        <a:alpha val="90000"/>
+        <a:tint val="40000"/>
+      </a:schemeClr>
+    </dgm:linClrLst>
+    <dgm:effectClrLst/>
+    <dgm:txLinClrLst/>
+    <dgm:txFillClrLst meth="repeat">
+      <a:schemeClr val="dk1"/>
+    </dgm:txFillClrLst>
+    <dgm:txEffectClrLst/>
+  </dgm:styleLbl>
+  <dgm:styleLbl name="alignAccFollowNode1">
+    <dgm:fillClrLst meth="repeat">
+      <a:schemeClr val="accent1">
+        <a:alpha val="90000"/>
+        <a:tint val="40000"/>
+      </a:schemeClr>
+    </dgm:fillClrLst>
+    <dgm:linClrLst meth="repeat">
+      <a:schemeClr val="accent1">
+        <a:alpha val="90000"/>
+        <a:tint val="40000"/>
+      </a:schemeClr>
+    </dgm:linClrLst>
+    <dgm:effectClrLst/>
+    <dgm:txLinClrLst/>
+    <dgm:txFillClrLst meth="repeat">
+      <a:schemeClr val="dk1"/>
+    </dgm:txFillClrLst>
+    <dgm:txEffectClrLst/>
+  </dgm:styleLbl>
+  <dgm:styleLbl name="bgAccFollowNode1">
+    <dgm:fillClrLst meth="repeat">
+      <a:schemeClr val="accent1">
+        <a:alpha val="90000"/>
+        <a:tint val="40000"/>
+      </a:schemeClr>
+    </dgm:fillClrLst>
+    <dgm:linClrLst meth="repeat">
+      <a:schemeClr val="accent1">
+        <a:alpha val="90000"/>
+        <a:tint val="40000"/>
+      </a:schemeClr>
+    </dgm:linClrLst>
+    <dgm:effectClrLst/>
+    <dgm:txLinClrLst/>
+    <dgm:txFillClrLst meth="repeat">
+      <a:schemeClr val="dk1"/>
+    </dgm:txFillClrLst>
+    <dgm:txEffectClrLst/>
+  </dgm:styleLbl>
+  <dgm:styleLbl name="fgAcc0">
+    <dgm:fillClrLst meth="repeat">
+      <a:schemeClr val="lt1">
+        <a:alpha val="90000"/>
+      </a:schemeClr>
+    </dgm:fillClrLst>
+    <dgm:linClrLst meth="repeat">
+      <a:schemeClr val="accent1"/>
+    </dgm:linClrLst>
+    <dgm:effectClrLst/>
+    <dgm:txLinClrLst/>
+    <dgm:txFillClrLst meth="repeat">
+      <a:schemeClr val="dk1"/>
+    </dgm:txFillClrLst>
+    <dgm:txEffectClrLst/>
+  </dgm:styleLbl>
+  <dgm:styleLbl name="fgAcc2">
+    <dgm:fillClrLst meth="repeat">
+      <a:schemeClr val="lt1">
+        <a:alpha val="90000"/>
+      </a:schemeClr>
+    </dgm:fillClrLst>
+    <dgm:linClrLst meth="repeat">
+      <a:schemeClr val="accent1"/>
+    </dgm:linClrLst>
+    <dgm:effectClrLst/>
+    <dgm:txLinClrLst/>
+    <dgm:txFillClrLst meth="repeat">
+      <a:schemeClr val="dk1"/>
+    </dgm:txFillClrLst>
+    <dgm:txEffectClrLst/>
+  </dgm:styleLbl>
+  <dgm:styleLbl name="fgAcc3">
+    <dgm:fillClrLst meth="repeat">
+      <a:schemeClr val="lt1">
+        <a:alpha val="90000"/>
+      </a:schemeClr>
+    </dgm:fillClrLst>
+    <dgm:linClrLst meth="repeat">
+      <a:schemeClr val="accent1"/>
+    </dgm:linClrLst>
+    <dgm:effectClrLst/>
+    <dgm:txLinClrLst/>
+    <dgm:txFillClrLst meth="repeat">
+      <a:schemeClr val="dk1"/>
+    </dgm:txFillClrLst>
+    <dgm:txEffectClrLst/>
+  </dgm:styleLbl>
+  <dgm:styleLbl name="fgAcc4">
+    <dgm:fillClrLst meth="repeat">
+      <a:schemeClr val="lt1">
+        <a:alpha val="90000"/>
+      </a:schemeClr>
+    </dgm:fillClrLst>
+    <dgm:linClrLst meth="repeat">
+      <a:schemeClr val="accent1"/>
+    </dgm:linClrLst>
+    <dgm:effectClrLst/>
+    <dgm:txLinClrLst/>
+    <dgm:txFillClrLst meth="repeat">
+      <a:schemeClr val="dk1"/>
+    </dgm:txFillClrLst>
+    <dgm:txEffectClrLst/>
+  </dgm:styleLbl>
+  <dgm:styleLbl name="bgShp">
+    <dgm:fillClrLst meth="repeat">
+      <a:schemeClr val="accent1">
+        <a:tint val="40000"/>
+      </a:schemeClr>
+    </dgm:fillClrLst>
+    <dgm:linClrLst meth="repeat">
+      <a:schemeClr val="accent1"/>
+    </dgm:linClrLst>
+    <dgm:effectClrLst/>
+    <dgm:txLinClrLst/>
+    <dgm:txFillClrLst meth="repeat">
+      <a:schemeClr val="dk1"/>
+    </dgm:txFillClrLst>
+    <dgm:txEffectClrLst/>
+  </dgm:styleLbl>
+  <dgm:styleLbl name="dkBgShp">
+    <dgm:fillClrLst meth="repeat">
+      <a:schemeClr val="accent1">
+        <a:shade val="80000"/>
+      </a:schemeClr>
+    </dgm:fillClrLst>
+    <dgm:linClrLst meth="repeat">
+      <a:schemeClr val="accent1"/>
+    </dgm:linClrLst>
+    <dgm:effectClrLst/>
+    <dgm:txLinClrLst/>
+    <dgm:txFillClrLst meth="repeat">
+      <a:schemeClr val="lt1"/>
+    </dgm:txFillClrLst>
+    <dgm:txEffectClrLst/>
+  </dgm:styleLbl>
+  <dgm:styleLbl name="trBgShp">
+    <dgm:fillClrLst meth="repeat">
+      <a:schemeClr val="accent1">
+        <a:tint val="50000"/>
+        <a:alpha val="40000"/>
+      </a:schemeClr>
+    </dgm:fillClrLst>
+    <dgm:linClrLst meth="repeat">
+      <a:schemeClr val="accent1"/>
+    </dgm:linClrLst>
+    <dgm:effectClrLst/>
+    <dgm:txLinClrLst/>
+    <dgm:txFillClrLst meth="repeat">
+      <a:schemeClr val="lt1"/>
+    </dgm:txFillClrLst>
+    <dgm:txEffectClrLst/>
+  </dgm:styleLbl>
+  <dgm:styleLbl name="fgShp">
+    <dgm:fillClrLst meth="repeat">
+      <a:schemeClr val="accent1">
+        <a:tint val="60000"/>
+      </a:schemeClr>
+    </dgm:fillClrLst>
+    <dgm:linClrLst meth="repeat">
+      <a:schemeClr val="lt1"/>
+    </dgm:linClrLst>
+    <dgm:effectClrLst/>
+    <dgm:txLinClrLst/>
+    <dgm:txFillClrLst meth="repeat">
+      <a:schemeClr val="dk1"/>
+    </dgm:txFillClrLst>
+    <dgm:txEffectClrLst/>
+  </dgm:styleLbl>
+  <dgm:styleLbl name="revTx">
+    <dgm:fillClrLst meth="repeat">
+      <a:schemeClr val="lt1">
+        <a:alpha val="0"/>
+      </a:schemeClr>
+    </dgm:fillClrLst>
+    <dgm:linClrLst meth="repeat">
+      <a:schemeClr val="dk1">
+        <a:alpha val="0"/>
+      </a:schemeClr>
+    </dgm:linClrLst>
+    <dgm:effectClrLst/>
+    <dgm:txLinClrLst/>
+    <dgm:txFillClrLst meth="repeat">
+      <a:schemeClr val="tx1"/>
+    </dgm:txFillClrLst>
+    <dgm:txEffectClrLst/>
+  </dgm:styleLbl>
+</dgm:colorsDef>
+</file>
+
 <file path=ppt/diagrams/data1.xml><?xml version="1.0" encoding="utf-8"?>
 <dgm:dataModel xmlns:dgm="http://schemas.openxmlformats.org/drawingml/2006/diagram" xmlns:a="http://schemas.openxmlformats.org/drawingml/2006/main">
   <dgm:ptLst>
@@ -1721,6 +2469,308 @@
   <dgm:extLst>
     <a:ext uri="http://schemas.microsoft.com/office/drawing/2008/diagram">
       <dsp:dataModelExt xmlns:dsp="http://schemas.microsoft.com/office/drawing/2008/diagram" relId="rId7" minVer="http://schemas.openxmlformats.org/drawingml/2006/diagram"/>
+    </a:ext>
+  </dgm:extLst>
+</dgm:dataModel>
+</file>
+
+<file path=ppt/diagrams/data2.xml><?xml version="1.0" encoding="utf-8"?>
+<dgm:dataModel xmlns:dgm="http://schemas.openxmlformats.org/drawingml/2006/diagram" xmlns:a="http://schemas.openxmlformats.org/drawingml/2006/main">
+  <dgm:ptLst>
+    <dgm:pt modelId="{C97765E6-4056-4347-8C50-B79CEE3626DF}" type="doc">
+      <dgm:prSet loTypeId="urn:microsoft.com/office/officeart/2005/8/layout/vList2" loCatId="list" qsTypeId="urn:microsoft.com/office/officeart/2005/8/quickstyle/simple1" qsCatId="simple" csTypeId="urn:microsoft.com/office/officeart/2005/8/colors/accent1_2" csCatId="accent1" phldr="1"/>
+      <dgm:spPr/>
+      <dgm:t>
+        <a:bodyPr/>
+        <a:lstStyle/>
+        <a:p>
+          <a:endParaRPr lang="en-US"/>
+        </a:p>
+      </dgm:t>
+    </dgm:pt>
+    <dgm:pt modelId="{685567C3-A054-4571-A039-6B1524BAF56A}">
+      <dgm:prSet custT="1"/>
+      <dgm:spPr/>
+      <dgm:t>
+        <a:bodyPr/>
+        <a:lstStyle/>
+        <a:p>
+          <a:r>
+            <a:rPr lang="it-IT" sz="2400" dirty="0"/>
+            <a:t>Aggiunta di dettagli e animazioni alle statistiche</a:t>
+          </a:r>
+          <a:endParaRPr lang="en-US" sz="2400" dirty="0"/>
+        </a:p>
+      </dgm:t>
+    </dgm:pt>
+    <dgm:pt modelId="{0919B6BF-9204-42AD-90A5-8532E3DB2FE2}" type="parTrans" cxnId="{671AA6CD-9A06-473E-A57B-2B36A7D14DCE}">
+      <dgm:prSet/>
+      <dgm:spPr/>
+      <dgm:t>
+        <a:bodyPr/>
+        <a:lstStyle/>
+        <a:p>
+          <a:endParaRPr lang="en-US"/>
+        </a:p>
+      </dgm:t>
+    </dgm:pt>
+    <dgm:pt modelId="{A1B4F24D-521C-4CF3-9C95-A21A2FFF7DFA}" type="sibTrans" cxnId="{671AA6CD-9A06-473E-A57B-2B36A7D14DCE}">
+      <dgm:prSet/>
+      <dgm:spPr/>
+      <dgm:t>
+        <a:bodyPr/>
+        <a:lstStyle/>
+        <a:p>
+          <a:endParaRPr lang="en-US"/>
+        </a:p>
+      </dgm:t>
+    </dgm:pt>
+    <dgm:pt modelId="{B5F7596F-DDA9-464B-B147-FB90D53ED86C}">
+      <dgm:prSet custT="1"/>
+      <dgm:spPr/>
+      <dgm:t>
+        <a:bodyPr/>
+        <a:lstStyle/>
+        <a:p>
+          <a:r>
+            <a:rPr lang="it-IT" sz="2400" dirty="0"/>
+            <a:t>Estensione del software per supporto a elezioni multiple</a:t>
+          </a:r>
+          <a:endParaRPr lang="en-US" sz="2400" dirty="0"/>
+        </a:p>
+      </dgm:t>
+    </dgm:pt>
+    <dgm:pt modelId="{9DD193F5-AC99-4709-9882-580DA258A884}" type="parTrans" cxnId="{F6BB9F2A-C870-4CC4-853F-8712F34EF3BC}">
+      <dgm:prSet/>
+      <dgm:spPr/>
+      <dgm:t>
+        <a:bodyPr/>
+        <a:lstStyle/>
+        <a:p>
+          <a:endParaRPr lang="en-US"/>
+        </a:p>
+      </dgm:t>
+    </dgm:pt>
+    <dgm:pt modelId="{415B0BBC-6B36-4C0F-A1DE-9A3524CD39D5}" type="sibTrans" cxnId="{F6BB9F2A-C870-4CC4-853F-8712F34EF3BC}">
+      <dgm:prSet/>
+      <dgm:spPr/>
+      <dgm:t>
+        <a:bodyPr/>
+        <a:lstStyle/>
+        <a:p>
+          <a:endParaRPr lang="en-US"/>
+        </a:p>
+      </dgm:t>
+    </dgm:pt>
+    <dgm:pt modelId="{2501CA8A-2FC4-4729-962B-EB192C934A3D}">
+      <dgm:prSet custT="1"/>
+      <dgm:spPr/>
+      <dgm:t>
+        <a:bodyPr/>
+        <a:lstStyle/>
+        <a:p>
+          <a:r>
+            <a:rPr lang="it-IT" sz="2400" dirty="0"/>
+            <a:t>Backup minimale</a:t>
+          </a:r>
+          <a:endParaRPr lang="en-US" sz="2400" dirty="0"/>
+        </a:p>
+      </dgm:t>
+    </dgm:pt>
+    <dgm:pt modelId="{0FB86D41-B8AC-4307-A94F-A543D880A3E1}" type="parTrans" cxnId="{DD2E07D4-4E70-4B1E-8108-B9856D918641}">
+      <dgm:prSet/>
+      <dgm:spPr/>
+      <dgm:t>
+        <a:bodyPr/>
+        <a:lstStyle/>
+        <a:p>
+          <a:endParaRPr lang="en-US"/>
+        </a:p>
+      </dgm:t>
+    </dgm:pt>
+    <dgm:pt modelId="{DEB2D0C1-C28A-40DA-AC32-1E007F265569}" type="sibTrans" cxnId="{DD2E07D4-4E70-4B1E-8108-B9856D918641}">
+      <dgm:prSet/>
+      <dgm:spPr/>
+      <dgm:t>
+        <a:bodyPr/>
+        <a:lstStyle/>
+        <a:p>
+          <a:endParaRPr lang="en-US"/>
+        </a:p>
+      </dgm:t>
+    </dgm:pt>
+    <dgm:pt modelId="{F18E2550-A77D-4727-8C35-F55ACD4EC0A5}">
+      <dgm:prSet custT="1"/>
+      <dgm:spPr/>
+      <dgm:t>
+        <a:bodyPr/>
+        <a:lstStyle/>
+        <a:p>
+          <a:r>
+            <a:rPr lang="it-IT" sz="2400" dirty="0"/>
+            <a:t>Incrementare la sicurezza mantenendo semplicità (FIDO Alliance)</a:t>
+          </a:r>
+          <a:endParaRPr lang="en-US" sz="2400" dirty="0"/>
+        </a:p>
+      </dgm:t>
+    </dgm:pt>
+    <dgm:pt modelId="{92411153-30C4-451A-B9BA-58310C95998D}" type="parTrans" cxnId="{455E064D-E4ED-42B5-A72E-A14BD13E2896}">
+      <dgm:prSet/>
+      <dgm:spPr/>
+      <dgm:t>
+        <a:bodyPr/>
+        <a:lstStyle/>
+        <a:p>
+          <a:endParaRPr lang="en-US"/>
+        </a:p>
+      </dgm:t>
+    </dgm:pt>
+    <dgm:pt modelId="{6DA4110D-41FE-4776-9515-533EF0D26BAD}" type="sibTrans" cxnId="{455E064D-E4ED-42B5-A72E-A14BD13E2896}">
+      <dgm:prSet/>
+      <dgm:spPr/>
+      <dgm:t>
+        <a:bodyPr/>
+        <a:lstStyle/>
+        <a:p>
+          <a:endParaRPr lang="en-US"/>
+        </a:p>
+      </dgm:t>
+    </dgm:pt>
+    <dgm:pt modelId="{6B63FB41-5043-43D8-807E-00E5FD88A316}">
+      <dgm:prSet custT="1"/>
+      <dgm:spPr/>
+      <dgm:t>
+        <a:bodyPr/>
+        <a:lstStyle/>
+        <a:p>
+          <a:r>
+            <a:rPr lang="it-IT" sz="2400" dirty="0"/>
+            <a:t>Riconoscimento facciale</a:t>
+          </a:r>
+          <a:endParaRPr lang="en-US" sz="2400" dirty="0"/>
+        </a:p>
+      </dgm:t>
+    </dgm:pt>
+    <dgm:pt modelId="{05790E6E-0B62-4B8F-A45D-76EEE651F62A}" type="parTrans" cxnId="{C9E30A7E-D49D-47CA-A451-7C9C151C7AE4}">
+      <dgm:prSet/>
+      <dgm:spPr/>
+      <dgm:t>
+        <a:bodyPr/>
+        <a:lstStyle/>
+        <a:p>
+          <a:endParaRPr lang="en-US"/>
+        </a:p>
+      </dgm:t>
+    </dgm:pt>
+    <dgm:pt modelId="{1158B089-473B-465B-AA44-35333E8C232F}" type="sibTrans" cxnId="{C9E30A7E-D49D-47CA-A451-7C9C151C7AE4}">
+      <dgm:prSet/>
+      <dgm:spPr/>
+      <dgm:t>
+        <a:bodyPr/>
+        <a:lstStyle/>
+        <a:p>
+          <a:endParaRPr lang="en-US"/>
+        </a:p>
+      </dgm:t>
+    </dgm:pt>
+    <dgm:pt modelId="{D85FD09D-60CF-43F5-9DAB-477D9AE7524E}" type="pres">
+      <dgm:prSet presAssocID="{C97765E6-4056-4347-8C50-B79CEE3626DF}" presName="linear" presStyleCnt="0">
+        <dgm:presLayoutVars>
+          <dgm:animLvl val="lvl"/>
+          <dgm:resizeHandles val="exact"/>
+        </dgm:presLayoutVars>
+      </dgm:prSet>
+      <dgm:spPr/>
+    </dgm:pt>
+    <dgm:pt modelId="{3935BC99-E7BC-4E16-BBFA-4697628BD19A}" type="pres">
+      <dgm:prSet presAssocID="{685567C3-A054-4571-A039-6B1524BAF56A}" presName="parentText" presStyleLbl="node1" presStyleIdx="0" presStyleCnt="5">
+        <dgm:presLayoutVars>
+          <dgm:chMax val="0"/>
+          <dgm:bulletEnabled val="1"/>
+        </dgm:presLayoutVars>
+      </dgm:prSet>
+      <dgm:spPr/>
+    </dgm:pt>
+    <dgm:pt modelId="{F78DB383-43CB-4411-AF1B-90A5BCB4129B}" type="pres">
+      <dgm:prSet presAssocID="{A1B4F24D-521C-4CF3-9C95-A21A2FFF7DFA}" presName="spacer" presStyleCnt="0"/>
+      <dgm:spPr/>
+    </dgm:pt>
+    <dgm:pt modelId="{9DC924C6-807E-4A23-A3E5-C1042FCCE26D}" type="pres">
+      <dgm:prSet presAssocID="{B5F7596F-DDA9-464B-B147-FB90D53ED86C}" presName="parentText" presStyleLbl="node1" presStyleIdx="1" presStyleCnt="5">
+        <dgm:presLayoutVars>
+          <dgm:chMax val="0"/>
+          <dgm:bulletEnabled val="1"/>
+        </dgm:presLayoutVars>
+      </dgm:prSet>
+      <dgm:spPr/>
+    </dgm:pt>
+    <dgm:pt modelId="{3DB015F8-5AF6-4395-89C2-521E6D158F32}" type="pres">
+      <dgm:prSet presAssocID="{415B0BBC-6B36-4C0F-A1DE-9A3524CD39D5}" presName="spacer" presStyleCnt="0"/>
+      <dgm:spPr/>
+    </dgm:pt>
+    <dgm:pt modelId="{31A9610F-AD48-4951-A69A-86491F353064}" type="pres">
+      <dgm:prSet presAssocID="{2501CA8A-2FC4-4729-962B-EB192C934A3D}" presName="parentText" presStyleLbl="node1" presStyleIdx="2" presStyleCnt="5">
+        <dgm:presLayoutVars>
+          <dgm:chMax val="0"/>
+          <dgm:bulletEnabled val="1"/>
+        </dgm:presLayoutVars>
+      </dgm:prSet>
+      <dgm:spPr/>
+    </dgm:pt>
+    <dgm:pt modelId="{DECD38A2-4579-4167-A794-D8C40277AD1B}" type="pres">
+      <dgm:prSet presAssocID="{DEB2D0C1-C28A-40DA-AC32-1E007F265569}" presName="spacer" presStyleCnt="0"/>
+      <dgm:spPr/>
+    </dgm:pt>
+    <dgm:pt modelId="{2F0390FC-92CD-42F7-88BC-3D0B69053920}" type="pres">
+      <dgm:prSet presAssocID="{F18E2550-A77D-4727-8C35-F55ACD4EC0A5}" presName="parentText" presStyleLbl="node1" presStyleIdx="3" presStyleCnt="5">
+        <dgm:presLayoutVars>
+          <dgm:chMax val="0"/>
+          <dgm:bulletEnabled val="1"/>
+        </dgm:presLayoutVars>
+      </dgm:prSet>
+      <dgm:spPr/>
+    </dgm:pt>
+    <dgm:pt modelId="{242221EF-6424-4373-A96D-F2CE3060B718}" type="pres">
+      <dgm:prSet presAssocID="{6DA4110D-41FE-4776-9515-533EF0D26BAD}" presName="spacer" presStyleCnt="0"/>
+      <dgm:spPr/>
+    </dgm:pt>
+    <dgm:pt modelId="{BD2281E1-64B8-48EC-BD0D-C34655644BD1}" type="pres">
+      <dgm:prSet presAssocID="{6B63FB41-5043-43D8-807E-00E5FD88A316}" presName="parentText" presStyleLbl="node1" presStyleIdx="4" presStyleCnt="5">
+        <dgm:presLayoutVars>
+          <dgm:chMax val="0"/>
+          <dgm:bulletEnabled val="1"/>
+        </dgm:presLayoutVars>
+      </dgm:prSet>
+      <dgm:spPr/>
+    </dgm:pt>
+  </dgm:ptLst>
+  <dgm:cxnLst>
+    <dgm:cxn modelId="{144A7B1A-8066-4094-B282-53346830B0A9}" type="presOf" srcId="{C97765E6-4056-4347-8C50-B79CEE3626DF}" destId="{D85FD09D-60CF-43F5-9DAB-477D9AE7524E}" srcOrd="0" destOrd="0" presId="urn:microsoft.com/office/officeart/2005/8/layout/vList2"/>
+    <dgm:cxn modelId="{F6BB9F2A-C870-4CC4-853F-8712F34EF3BC}" srcId="{C97765E6-4056-4347-8C50-B79CEE3626DF}" destId="{B5F7596F-DDA9-464B-B147-FB90D53ED86C}" srcOrd="1" destOrd="0" parTransId="{9DD193F5-AC99-4709-9882-580DA258A884}" sibTransId="{415B0BBC-6B36-4C0F-A1DE-9A3524CD39D5}"/>
+    <dgm:cxn modelId="{A187414B-28C0-48B4-9853-3DB3E330CA6A}" type="presOf" srcId="{6B63FB41-5043-43D8-807E-00E5FD88A316}" destId="{BD2281E1-64B8-48EC-BD0D-C34655644BD1}" srcOrd="0" destOrd="0" presId="urn:microsoft.com/office/officeart/2005/8/layout/vList2"/>
+    <dgm:cxn modelId="{455E064D-E4ED-42B5-A72E-A14BD13E2896}" srcId="{C97765E6-4056-4347-8C50-B79CEE3626DF}" destId="{F18E2550-A77D-4727-8C35-F55ACD4EC0A5}" srcOrd="3" destOrd="0" parTransId="{92411153-30C4-451A-B9BA-58310C95998D}" sibTransId="{6DA4110D-41FE-4776-9515-533EF0D26BAD}"/>
+    <dgm:cxn modelId="{C9E30A7E-D49D-47CA-A451-7C9C151C7AE4}" srcId="{C97765E6-4056-4347-8C50-B79CEE3626DF}" destId="{6B63FB41-5043-43D8-807E-00E5FD88A316}" srcOrd="4" destOrd="0" parTransId="{05790E6E-0B62-4B8F-A45D-76EEE651F62A}" sibTransId="{1158B089-473B-465B-AA44-35333E8C232F}"/>
+    <dgm:cxn modelId="{6A4A2CAA-0E79-451B-92A3-681D48276435}" type="presOf" srcId="{B5F7596F-DDA9-464B-B147-FB90D53ED86C}" destId="{9DC924C6-807E-4A23-A3E5-C1042FCCE26D}" srcOrd="0" destOrd="0" presId="urn:microsoft.com/office/officeart/2005/8/layout/vList2"/>
+    <dgm:cxn modelId="{156FBEAC-AB06-4FDA-947E-B1A1C801F0BC}" type="presOf" srcId="{685567C3-A054-4571-A039-6B1524BAF56A}" destId="{3935BC99-E7BC-4E16-BBFA-4697628BD19A}" srcOrd="0" destOrd="0" presId="urn:microsoft.com/office/officeart/2005/8/layout/vList2"/>
+    <dgm:cxn modelId="{671AA6CD-9A06-473E-A57B-2B36A7D14DCE}" srcId="{C97765E6-4056-4347-8C50-B79CEE3626DF}" destId="{685567C3-A054-4571-A039-6B1524BAF56A}" srcOrd="0" destOrd="0" parTransId="{0919B6BF-9204-42AD-90A5-8532E3DB2FE2}" sibTransId="{A1B4F24D-521C-4CF3-9C95-A21A2FFF7DFA}"/>
+    <dgm:cxn modelId="{DD2E07D4-4E70-4B1E-8108-B9856D918641}" srcId="{C97765E6-4056-4347-8C50-B79CEE3626DF}" destId="{2501CA8A-2FC4-4729-962B-EB192C934A3D}" srcOrd="2" destOrd="0" parTransId="{0FB86D41-B8AC-4307-A94F-A543D880A3E1}" sibTransId="{DEB2D0C1-C28A-40DA-AC32-1E007F265569}"/>
+    <dgm:cxn modelId="{2F917AE1-C09E-4B3A-9301-33229ADA6686}" type="presOf" srcId="{F18E2550-A77D-4727-8C35-F55ACD4EC0A5}" destId="{2F0390FC-92CD-42F7-88BC-3D0B69053920}" srcOrd="0" destOrd="0" presId="urn:microsoft.com/office/officeart/2005/8/layout/vList2"/>
+    <dgm:cxn modelId="{76E4DDE2-F01F-4CA4-9BF4-0832E5EF3F00}" type="presOf" srcId="{2501CA8A-2FC4-4729-962B-EB192C934A3D}" destId="{31A9610F-AD48-4951-A69A-86491F353064}" srcOrd="0" destOrd="0" presId="urn:microsoft.com/office/officeart/2005/8/layout/vList2"/>
+    <dgm:cxn modelId="{D5A8CB65-15C2-4ACA-901C-C61A237AEC30}" type="presParOf" srcId="{D85FD09D-60CF-43F5-9DAB-477D9AE7524E}" destId="{3935BC99-E7BC-4E16-BBFA-4697628BD19A}" srcOrd="0" destOrd="0" presId="urn:microsoft.com/office/officeart/2005/8/layout/vList2"/>
+    <dgm:cxn modelId="{F3460526-9FB6-4047-A0A1-77333FF4B135}" type="presParOf" srcId="{D85FD09D-60CF-43F5-9DAB-477D9AE7524E}" destId="{F78DB383-43CB-4411-AF1B-90A5BCB4129B}" srcOrd="1" destOrd="0" presId="urn:microsoft.com/office/officeart/2005/8/layout/vList2"/>
+    <dgm:cxn modelId="{EE083C8D-2F7A-4614-8954-81065E31F2A1}" type="presParOf" srcId="{D85FD09D-60CF-43F5-9DAB-477D9AE7524E}" destId="{9DC924C6-807E-4A23-A3E5-C1042FCCE26D}" srcOrd="2" destOrd="0" presId="urn:microsoft.com/office/officeart/2005/8/layout/vList2"/>
+    <dgm:cxn modelId="{4F5E6472-A031-44D0-B4E6-914D6025B378}" type="presParOf" srcId="{D85FD09D-60CF-43F5-9DAB-477D9AE7524E}" destId="{3DB015F8-5AF6-4395-89C2-521E6D158F32}" srcOrd="3" destOrd="0" presId="urn:microsoft.com/office/officeart/2005/8/layout/vList2"/>
+    <dgm:cxn modelId="{AA04B0EB-6065-46B3-9A47-9CC5F84FC046}" type="presParOf" srcId="{D85FD09D-60CF-43F5-9DAB-477D9AE7524E}" destId="{31A9610F-AD48-4951-A69A-86491F353064}" srcOrd="4" destOrd="0" presId="urn:microsoft.com/office/officeart/2005/8/layout/vList2"/>
+    <dgm:cxn modelId="{D5DD6AAD-3DEE-4168-B2A6-40B0DEFFADE4}" type="presParOf" srcId="{D85FD09D-60CF-43F5-9DAB-477D9AE7524E}" destId="{DECD38A2-4579-4167-A794-D8C40277AD1B}" srcOrd="5" destOrd="0" presId="urn:microsoft.com/office/officeart/2005/8/layout/vList2"/>
+    <dgm:cxn modelId="{5EE9A5FB-8F7B-466E-940A-1DF7DDC2E4C7}" type="presParOf" srcId="{D85FD09D-60CF-43F5-9DAB-477D9AE7524E}" destId="{2F0390FC-92CD-42F7-88BC-3D0B69053920}" srcOrd="6" destOrd="0" presId="urn:microsoft.com/office/officeart/2005/8/layout/vList2"/>
+    <dgm:cxn modelId="{87F3DD2F-D420-4ED4-8138-8858D53D35BA}" type="presParOf" srcId="{D85FD09D-60CF-43F5-9DAB-477D9AE7524E}" destId="{242221EF-6424-4373-A96D-F2CE3060B718}" srcOrd="7" destOrd="0" presId="urn:microsoft.com/office/officeart/2005/8/layout/vList2"/>
+    <dgm:cxn modelId="{1502C27F-BD4B-45FB-AE67-3A2B3B1E544E}" type="presParOf" srcId="{D85FD09D-60CF-43F5-9DAB-477D9AE7524E}" destId="{BD2281E1-64B8-48EC-BD0D-C34655644BD1}" srcOrd="8" destOrd="0" presId="urn:microsoft.com/office/officeart/2005/8/layout/vList2"/>
+  </dgm:cxnLst>
+  <dgm:bg/>
+  <dgm:whole/>
+  <dgm:extLst>
+    <a:ext uri="http://schemas.microsoft.com/office/drawing/2008/diagram">
+      <dsp:dataModelExt xmlns:dsp="http://schemas.microsoft.com/office/drawing/2008/diagram" relId="rId6" minVer="http://schemas.openxmlformats.org/drawingml/2006/diagram"/>
     </a:ext>
   </dgm:extLst>
 </dgm:dataModel>
@@ -2520,6 +3570,413 @@
 </dsp:drawing>
 </file>
 
+<file path=ppt/diagrams/drawing2.xml><?xml version="1.0" encoding="utf-8"?>
+<dsp:drawing xmlns:dgm="http://schemas.openxmlformats.org/drawingml/2006/diagram" xmlns:dsp="http://schemas.microsoft.com/office/drawing/2008/diagram" xmlns:a="http://schemas.openxmlformats.org/drawingml/2006/main">
+  <dsp:spTree>
+    <dsp:nvGrpSpPr>
+      <dsp:cNvPr id="0" name=""/>
+      <dsp:cNvGrpSpPr/>
+    </dsp:nvGrpSpPr>
+    <dsp:grpSpPr/>
+    <dsp:sp modelId="{3935BC99-E7BC-4E16-BBFA-4697628BD19A}">
+      <dsp:nvSpPr>
+        <dsp:cNvPr id="0" name=""/>
+        <dsp:cNvSpPr/>
+      </dsp:nvSpPr>
+      <dsp:spPr>
+        <a:xfrm>
+          <a:off x="0" y="25398"/>
+          <a:ext cx="9809847" cy="580320"/>
+        </a:xfrm>
+        <a:prstGeom prst="roundRect">
+          <a:avLst/>
+        </a:prstGeom>
+        <a:solidFill>
+          <a:schemeClr val="accent1">
+            <a:hueOff val="0"/>
+            <a:satOff val="0"/>
+            <a:lumOff val="0"/>
+            <a:alphaOff val="0"/>
+          </a:schemeClr>
+        </a:solidFill>
+        <a:ln w="12700" cap="flat" cmpd="sng" algn="ctr">
+          <a:solidFill>
+            <a:schemeClr val="lt1">
+              <a:hueOff val="0"/>
+              <a:satOff val="0"/>
+              <a:lumOff val="0"/>
+              <a:alphaOff val="0"/>
+            </a:schemeClr>
+          </a:solidFill>
+          <a:prstDash val="solid"/>
+          <a:miter lim="800000"/>
+        </a:ln>
+        <a:effectLst/>
+      </dsp:spPr>
+      <dsp:style>
+        <a:lnRef idx="2">
+          <a:scrgbClr r="0" g="0" b="0"/>
+        </a:lnRef>
+        <a:fillRef idx="1">
+          <a:scrgbClr r="0" g="0" b="0"/>
+        </a:fillRef>
+        <a:effectRef idx="0">
+          <a:scrgbClr r="0" g="0" b="0"/>
+        </a:effectRef>
+        <a:fontRef idx="minor">
+          <a:schemeClr val="lt1"/>
+        </a:fontRef>
+      </dsp:style>
+      <dsp:txBody>
+        <a:bodyPr spcFirstLastPara="0" vert="horz" wrap="square" lIns="91440" tIns="91440" rIns="91440" bIns="91440" numCol="1" spcCol="1270" anchor="ctr" anchorCtr="0">
+          <a:noAutofit/>
+        </a:bodyPr>
+        <a:lstStyle/>
+        <a:p>
+          <a:pPr marL="0" lvl="0" indent="0" algn="l" defTabSz="1066800">
+            <a:lnSpc>
+              <a:spcPct val="90000"/>
+            </a:lnSpc>
+            <a:spcBef>
+              <a:spcPct val="0"/>
+            </a:spcBef>
+            <a:spcAft>
+              <a:spcPct val="35000"/>
+            </a:spcAft>
+            <a:buNone/>
+          </a:pPr>
+          <a:r>
+            <a:rPr lang="it-IT" sz="2400" kern="1200" dirty="0"/>
+            <a:t>Aggiunta di dettagli e animazioni alle statistiche</a:t>
+          </a:r>
+          <a:endParaRPr lang="en-US" sz="2400" kern="1200" dirty="0"/>
+        </a:p>
+      </dsp:txBody>
+      <dsp:txXfrm>
+        <a:off x="28329" y="53727"/>
+        <a:ext cx="9753189" cy="523662"/>
+      </dsp:txXfrm>
+    </dsp:sp>
+    <dsp:sp modelId="{9DC924C6-807E-4A23-A3E5-C1042FCCE26D}">
+      <dsp:nvSpPr>
+        <dsp:cNvPr id="0" name=""/>
+        <dsp:cNvSpPr/>
+      </dsp:nvSpPr>
+      <dsp:spPr>
+        <a:xfrm>
+          <a:off x="0" y="694998"/>
+          <a:ext cx="9809847" cy="580320"/>
+        </a:xfrm>
+        <a:prstGeom prst="roundRect">
+          <a:avLst/>
+        </a:prstGeom>
+        <a:solidFill>
+          <a:schemeClr val="accent1">
+            <a:hueOff val="0"/>
+            <a:satOff val="0"/>
+            <a:lumOff val="0"/>
+            <a:alphaOff val="0"/>
+          </a:schemeClr>
+        </a:solidFill>
+        <a:ln w="12700" cap="flat" cmpd="sng" algn="ctr">
+          <a:solidFill>
+            <a:schemeClr val="lt1">
+              <a:hueOff val="0"/>
+              <a:satOff val="0"/>
+              <a:lumOff val="0"/>
+              <a:alphaOff val="0"/>
+            </a:schemeClr>
+          </a:solidFill>
+          <a:prstDash val="solid"/>
+          <a:miter lim="800000"/>
+        </a:ln>
+        <a:effectLst/>
+      </dsp:spPr>
+      <dsp:style>
+        <a:lnRef idx="2">
+          <a:scrgbClr r="0" g="0" b="0"/>
+        </a:lnRef>
+        <a:fillRef idx="1">
+          <a:scrgbClr r="0" g="0" b="0"/>
+        </a:fillRef>
+        <a:effectRef idx="0">
+          <a:scrgbClr r="0" g="0" b="0"/>
+        </a:effectRef>
+        <a:fontRef idx="minor">
+          <a:schemeClr val="lt1"/>
+        </a:fontRef>
+      </dsp:style>
+      <dsp:txBody>
+        <a:bodyPr spcFirstLastPara="0" vert="horz" wrap="square" lIns="91440" tIns="91440" rIns="91440" bIns="91440" numCol="1" spcCol="1270" anchor="ctr" anchorCtr="0">
+          <a:noAutofit/>
+        </a:bodyPr>
+        <a:lstStyle/>
+        <a:p>
+          <a:pPr marL="0" lvl="0" indent="0" algn="l" defTabSz="1066800">
+            <a:lnSpc>
+              <a:spcPct val="90000"/>
+            </a:lnSpc>
+            <a:spcBef>
+              <a:spcPct val="0"/>
+            </a:spcBef>
+            <a:spcAft>
+              <a:spcPct val="35000"/>
+            </a:spcAft>
+            <a:buNone/>
+          </a:pPr>
+          <a:r>
+            <a:rPr lang="it-IT" sz="2400" kern="1200" dirty="0"/>
+            <a:t>Estensione del software per supporto a elezioni multiple</a:t>
+          </a:r>
+          <a:endParaRPr lang="en-US" sz="2400" kern="1200" dirty="0"/>
+        </a:p>
+      </dsp:txBody>
+      <dsp:txXfrm>
+        <a:off x="28329" y="723327"/>
+        <a:ext cx="9753189" cy="523662"/>
+      </dsp:txXfrm>
+    </dsp:sp>
+    <dsp:sp modelId="{31A9610F-AD48-4951-A69A-86491F353064}">
+      <dsp:nvSpPr>
+        <dsp:cNvPr id="0" name=""/>
+        <dsp:cNvSpPr/>
+      </dsp:nvSpPr>
+      <dsp:spPr>
+        <a:xfrm>
+          <a:off x="0" y="1364598"/>
+          <a:ext cx="9809847" cy="580320"/>
+        </a:xfrm>
+        <a:prstGeom prst="roundRect">
+          <a:avLst/>
+        </a:prstGeom>
+        <a:solidFill>
+          <a:schemeClr val="accent1">
+            <a:hueOff val="0"/>
+            <a:satOff val="0"/>
+            <a:lumOff val="0"/>
+            <a:alphaOff val="0"/>
+          </a:schemeClr>
+        </a:solidFill>
+        <a:ln w="12700" cap="flat" cmpd="sng" algn="ctr">
+          <a:solidFill>
+            <a:schemeClr val="lt1">
+              <a:hueOff val="0"/>
+              <a:satOff val="0"/>
+              <a:lumOff val="0"/>
+              <a:alphaOff val="0"/>
+            </a:schemeClr>
+          </a:solidFill>
+          <a:prstDash val="solid"/>
+          <a:miter lim="800000"/>
+        </a:ln>
+        <a:effectLst/>
+      </dsp:spPr>
+      <dsp:style>
+        <a:lnRef idx="2">
+          <a:scrgbClr r="0" g="0" b="0"/>
+        </a:lnRef>
+        <a:fillRef idx="1">
+          <a:scrgbClr r="0" g="0" b="0"/>
+        </a:fillRef>
+        <a:effectRef idx="0">
+          <a:scrgbClr r="0" g="0" b="0"/>
+        </a:effectRef>
+        <a:fontRef idx="minor">
+          <a:schemeClr val="lt1"/>
+        </a:fontRef>
+      </dsp:style>
+      <dsp:txBody>
+        <a:bodyPr spcFirstLastPara="0" vert="horz" wrap="square" lIns="91440" tIns="91440" rIns="91440" bIns="91440" numCol="1" spcCol="1270" anchor="ctr" anchorCtr="0">
+          <a:noAutofit/>
+        </a:bodyPr>
+        <a:lstStyle/>
+        <a:p>
+          <a:pPr marL="0" lvl="0" indent="0" algn="l" defTabSz="1066800">
+            <a:lnSpc>
+              <a:spcPct val="90000"/>
+            </a:lnSpc>
+            <a:spcBef>
+              <a:spcPct val="0"/>
+            </a:spcBef>
+            <a:spcAft>
+              <a:spcPct val="35000"/>
+            </a:spcAft>
+            <a:buNone/>
+          </a:pPr>
+          <a:r>
+            <a:rPr lang="it-IT" sz="2400" kern="1200" dirty="0"/>
+            <a:t>Backup minimale</a:t>
+          </a:r>
+          <a:endParaRPr lang="en-US" sz="2400" kern="1200" dirty="0"/>
+        </a:p>
+      </dsp:txBody>
+      <dsp:txXfrm>
+        <a:off x="28329" y="1392927"/>
+        <a:ext cx="9753189" cy="523662"/>
+      </dsp:txXfrm>
+    </dsp:sp>
+    <dsp:sp modelId="{2F0390FC-92CD-42F7-88BC-3D0B69053920}">
+      <dsp:nvSpPr>
+        <dsp:cNvPr id="0" name=""/>
+        <dsp:cNvSpPr/>
+      </dsp:nvSpPr>
+      <dsp:spPr>
+        <a:xfrm>
+          <a:off x="0" y="2034198"/>
+          <a:ext cx="9809847" cy="580320"/>
+        </a:xfrm>
+        <a:prstGeom prst="roundRect">
+          <a:avLst/>
+        </a:prstGeom>
+        <a:solidFill>
+          <a:schemeClr val="accent1">
+            <a:hueOff val="0"/>
+            <a:satOff val="0"/>
+            <a:lumOff val="0"/>
+            <a:alphaOff val="0"/>
+          </a:schemeClr>
+        </a:solidFill>
+        <a:ln w="12700" cap="flat" cmpd="sng" algn="ctr">
+          <a:solidFill>
+            <a:schemeClr val="lt1">
+              <a:hueOff val="0"/>
+              <a:satOff val="0"/>
+              <a:lumOff val="0"/>
+              <a:alphaOff val="0"/>
+            </a:schemeClr>
+          </a:solidFill>
+          <a:prstDash val="solid"/>
+          <a:miter lim="800000"/>
+        </a:ln>
+        <a:effectLst/>
+      </dsp:spPr>
+      <dsp:style>
+        <a:lnRef idx="2">
+          <a:scrgbClr r="0" g="0" b="0"/>
+        </a:lnRef>
+        <a:fillRef idx="1">
+          <a:scrgbClr r="0" g="0" b="0"/>
+        </a:fillRef>
+        <a:effectRef idx="0">
+          <a:scrgbClr r="0" g="0" b="0"/>
+        </a:effectRef>
+        <a:fontRef idx="minor">
+          <a:schemeClr val="lt1"/>
+        </a:fontRef>
+      </dsp:style>
+      <dsp:txBody>
+        <a:bodyPr spcFirstLastPara="0" vert="horz" wrap="square" lIns="91440" tIns="91440" rIns="91440" bIns="91440" numCol="1" spcCol="1270" anchor="ctr" anchorCtr="0">
+          <a:noAutofit/>
+        </a:bodyPr>
+        <a:lstStyle/>
+        <a:p>
+          <a:pPr marL="0" lvl="0" indent="0" algn="l" defTabSz="1066800">
+            <a:lnSpc>
+              <a:spcPct val="90000"/>
+            </a:lnSpc>
+            <a:spcBef>
+              <a:spcPct val="0"/>
+            </a:spcBef>
+            <a:spcAft>
+              <a:spcPct val="35000"/>
+            </a:spcAft>
+            <a:buNone/>
+          </a:pPr>
+          <a:r>
+            <a:rPr lang="it-IT" sz="2400" kern="1200" dirty="0"/>
+            <a:t>Incrementare la sicurezza mantenendo semplicità (FIDO Alliance)</a:t>
+          </a:r>
+          <a:endParaRPr lang="en-US" sz="2400" kern="1200" dirty="0"/>
+        </a:p>
+      </dsp:txBody>
+      <dsp:txXfrm>
+        <a:off x="28329" y="2062527"/>
+        <a:ext cx="9753189" cy="523662"/>
+      </dsp:txXfrm>
+    </dsp:sp>
+    <dsp:sp modelId="{BD2281E1-64B8-48EC-BD0D-C34655644BD1}">
+      <dsp:nvSpPr>
+        <dsp:cNvPr id="0" name=""/>
+        <dsp:cNvSpPr/>
+      </dsp:nvSpPr>
+      <dsp:spPr>
+        <a:xfrm>
+          <a:off x="0" y="2703798"/>
+          <a:ext cx="9809847" cy="580320"/>
+        </a:xfrm>
+        <a:prstGeom prst="roundRect">
+          <a:avLst/>
+        </a:prstGeom>
+        <a:solidFill>
+          <a:schemeClr val="accent1">
+            <a:hueOff val="0"/>
+            <a:satOff val="0"/>
+            <a:lumOff val="0"/>
+            <a:alphaOff val="0"/>
+          </a:schemeClr>
+        </a:solidFill>
+        <a:ln w="12700" cap="flat" cmpd="sng" algn="ctr">
+          <a:solidFill>
+            <a:schemeClr val="lt1">
+              <a:hueOff val="0"/>
+              <a:satOff val="0"/>
+              <a:lumOff val="0"/>
+              <a:alphaOff val="0"/>
+            </a:schemeClr>
+          </a:solidFill>
+          <a:prstDash val="solid"/>
+          <a:miter lim="800000"/>
+        </a:ln>
+        <a:effectLst/>
+      </dsp:spPr>
+      <dsp:style>
+        <a:lnRef idx="2">
+          <a:scrgbClr r="0" g="0" b="0"/>
+        </a:lnRef>
+        <a:fillRef idx="1">
+          <a:scrgbClr r="0" g="0" b="0"/>
+        </a:fillRef>
+        <a:effectRef idx="0">
+          <a:scrgbClr r="0" g="0" b="0"/>
+        </a:effectRef>
+        <a:fontRef idx="minor">
+          <a:schemeClr val="lt1"/>
+        </a:fontRef>
+      </dsp:style>
+      <dsp:txBody>
+        <a:bodyPr spcFirstLastPara="0" vert="horz" wrap="square" lIns="91440" tIns="91440" rIns="91440" bIns="91440" numCol="1" spcCol="1270" anchor="ctr" anchorCtr="0">
+          <a:noAutofit/>
+        </a:bodyPr>
+        <a:lstStyle/>
+        <a:p>
+          <a:pPr marL="0" lvl="0" indent="0" algn="l" defTabSz="1066800">
+            <a:lnSpc>
+              <a:spcPct val="90000"/>
+            </a:lnSpc>
+            <a:spcBef>
+              <a:spcPct val="0"/>
+            </a:spcBef>
+            <a:spcAft>
+              <a:spcPct val="35000"/>
+            </a:spcAft>
+            <a:buNone/>
+          </a:pPr>
+          <a:r>
+            <a:rPr lang="it-IT" sz="2400" kern="1200" dirty="0"/>
+            <a:t>Riconoscimento facciale</a:t>
+          </a:r>
+          <a:endParaRPr lang="en-US" sz="2400" kern="1200" dirty="0"/>
+        </a:p>
+      </dsp:txBody>
+      <dsp:txXfrm>
+        <a:off x="28329" y="2732127"/>
+        <a:ext cx="9753189" cy="523662"/>
+      </dsp:txXfrm>
+    </dsp:sp>
+  </dsp:spTree>
+</dsp:drawing>
+</file>
+
 <file path=ppt/diagrams/layout1.xml><?xml version="1.0" encoding="utf-8"?>
 <dgm:layoutDef xmlns:dgm="http://schemas.openxmlformats.org/drawingml/2006/diagram" xmlns:a="http://schemas.openxmlformats.org/drawingml/2006/main" uniqueId="urn:microsoft.com/office/officeart/2018/2/layout/IconCircleList">
   <dgm:title val="Icon Circle List"/>
@@ -2732,7 +4189,1208 @@
 </dgm:layoutDef>
 </file>
 
+<file path=ppt/diagrams/layout2.xml><?xml version="1.0" encoding="utf-8"?>
+<dgm:layoutDef xmlns:dgm="http://schemas.openxmlformats.org/drawingml/2006/diagram" xmlns:a="http://schemas.openxmlformats.org/drawingml/2006/main" uniqueId="urn:microsoft.com/office/officeart/2005/8/layout/vList2">
+  <dgm:title val=""/>
+  <dgm:desc val=""/>
+  <dgm:catLst>
+    <dgm:cat type="list" pri="3000"/>
+    <dgm:cat type="convert" pri="1000"/>
+  </dgm:catLst>
+  <dgm:sampData>
+    <dgm:dataModel>
+      <dgm:ptLst>
+        <dgm:pt modelId="0" type="doc"/>
+        <dgm:pt modelId="1">
+          <dgm:prSet phldr="1"/>
+        </dgm:pt>
+        <dgm:pt modelId="11">
+          <dgm:prSet phldr="1"/>
+        </dgm:pt>
+        <dgm:pt modelId="2">
+          <dgm:prSet phldr="1"/>
+        </dgm:pt>
+        <dgm:pt modelId="21">
+          <dgm:prSet phldr="1"/>
+        </dgm:pt>
+      </dgm:ptLst>
+      <dgm:cxnLst>
+        <dgm:cxn modelId="4" srcId="0" destId="1" srcOrd="0" destOrd="0"/>
+        <dgm:cxn modelId="5" srcId="0" destId="2" srcOrd="1" destOrd="0"/>
+        <dgm:cxn modelId="12" srcId="1" destId="11" srcOrd="0" destOrd="0"/>
+        <dgm:cxn modelId="23" srcId="2" destId="21" srcOrd="0" destOrd="0"/>
+      </dgm:cxnLst>
+      <dgm:bg/>
+      <dgm:whole/>
+    </dgm:dataModel>
+  </dgm:sampData>
+  <dgm:styleData>
+    <dgm:dataModel>
+      <dgm:ptLst>
+        <dgm:pt modelId="0" type="doc"/>
+        <dgm:pt modelId="1"/>
+        <dgm:pt modelId="2"/>
+      </dgm:ptLst>
+      <dgm:cxnLst>
+        <dgm:cxn modelId="3" srcId="0" destId="1" srcOrd="0" destOrd="0"/>
+        <dgm:cxn modelId="4" srcId="0" destId="2" srcOrd="1" destOrd="0"/>
+      </dgm:cxnLst>
+      <dgm:bg/>
+      <dgm:whole/>
+    </dgm:dataModel>
+  </dgm:styleData>
+  <dgm:clrData>
+    <dgm:dataModel>
+      <dgm:ptLst>
+        <dgm:pt modelId="0" type="doc"/>
+        <dgm:pt modelId="1"/>
+        <dgm:pt modelId="2"/>
+        <dgm:pt modelId="3"/>
+        <dgm:pt modelId="4"/>
+      </dgm:ptLst>
+      <dgm:cxnLst>
+        <dgm:cxn modelId="5" srcId="0" destId="1" srcOrd="0" destOrd="0"/>
+        <dgm:cxn modelId="6" srcId="0" destId="2" srcOrd="1" destOrd="0"/>
+        <dgm:cxn modelId="7" srcId="0" destId="3" srcOrd="2" destOrd="0"/>
+        <dgm:cxn modelId="8" srcId="0" destId="4" srcOrd="3" destOrd="0"/>
+      </dgm:cxnLst>
+      <dgm:bg/>
+      <dgm:whole/>
+    </dgm:dataModel>
+  </dgm:clrData>
+  <dgm:layoutNode name="linear">
+    <dgm:varLst>
+      <dgm:animLvl val="lvl"/>
+      <dgm:resizeHandles val="exact"/>
+    </dgm:varLst>
+    <dgm:alg type="lin">
+      <dgm:param type="linDir" val="fromT"/>
+      <dgm:param type="vertAlign" val="mid"/>
+    </dgm:alg>
+    <dgm:shape xmlns:r="http://schemas.openxmlformats.org/officeDocument/2006/relationships" r:blip="">
+      <dgm:adjLst/>
+    </dgm:shape>
+    <dgm:presOf/>
+    <dgm:constrLst>
+      <dgm:constr type="w" for="ch" forName="parentText" refType="w"/>
+      <dgm:constr type="h" for="ch" forName="parentText" refType="primFontSz" refFor="ch" refForName="parentText" fact="0.52"/>
+      <dgm:constr type="w" for="ch" forName="childText" refType="w"/>
+      <dgm:constr type="h" for="ch" forName="childText" refType="primFontSz" refFor="ch" refForName="parentText" fact="0.46"/>
+      <dgm:constr type="h" for="ch" forName="parentText" op="equ"/>
+      <dgm:constr type="primFontSz" for="ch" forName="parentText" op="equ" val="65"/>
+      <dgm:constr type="primFontSz" for="ch" forName="childText" refType="primFontSz" refFor="ch" refForName="parentText" op="equ"/>
+      <dgm:constr type="h" for="ch" forName="spacer" refType="primFontSz" refFor="ch" refForName="parentText" fact="0.08"/>
+    </dgm:constrLst>
+    <dgm:ruleLst>
+      <dgm:rule type="primFontSz" for="ch" forName="parentText" val="5" fact="NaN" max="NaN"/>
+    </dgm:ruleLst>
+    <dgm:forEach name="Name0" axis="ch" ptType="node">
+      <dgm:layoutNode name="parentText" styleLbl="node1">
+        <dgm:varLst>
+          <dgm:chMax val="0"/>
+          <dgm:bulletEnabled val="1"/>
+        </dgm:varLst>
+        <dgm:alg type="tx">
+          <dgm:param type="parTxLTRAlign" val="l"/>
+          <dgm:param type="parTxRTLAlign" val="r"/>
+        </dgm:alg>
+        <dgm:shape xmlns:r="http://schemas.openxmlformats.org/officeDocument/2006/relationships" type="roundRect" r:blip="">
+          <dgm:adjLst/>
+        </dgm:shape>
+        <dgm:presOf axis="self"/>
+        <dgm:constrLst>
+          <dgm:constr type="tMarg" refType="primFontSz" fact="0.3"/>
+          <dgm:constr type="bMarg" refType="primFontSz" fact="0.3"/>
+          <dgm:constr type="lMarg" refType="primFontSz" fact="0.3"/>
+          <dgm:constr type="rMarg" refType="primFontSz" fact="0.3"/>
+        </dgm:constrLst>
+        <dgm:ruleLst>
+          <dgm:rule type="h" val="INF" fact="NaN" max="NaN"/>
+        </dgm:ruleLst>
+      </dgm:layoutNode>
+      <dgm:choose name="Name1">
+        <dgm:if name="Name2" axis="ch" ptType="node" func="cnt" op="gte" val="1">
+          <dgm:layoutNode name="childText" styleLbl="revTx">
+            <dgm:varLst>
+              <dgm:bulletEnabled val="1"/>
+            </dgm:varLst>
+            <dgm:alg type="tx">
+              <dgm:param type="stBulletLvl" val="1"/>
+              <dgm:param type="lnSpAfChP" val="20"/>
+            </dgm:alg>
+            <dgm:shape xmlns:r="http://schemas.openxmlformats.org/officeDocument/2006/relationships" type="rect" r:blip="">
+              <dgm:adjLst/>
+            </dgm:shape>
+            <dgm:presOf axis="des" ptType="node"/>
+            <dgm:constrLst>
+              <dgm:constr type="tMarg" refType="primFontSz" fact="0.1"/>
+              <dgm:constr type="bMarg" refType="primFontSz" fact="0.1"/>
+              <dgm:constr type="lMarg" refType="w" fact="0.09"/>
+            </dgm:constrLst>
+            <dgm:ruleLst>
+              <dgm:rule type="h" val="INF" fact="NaN" max="NaN"/>
+            </dgm:ruleLst>
+          </dgm:layoutNode>
+        </dgm:if>
+        <dgm:else name="Name3">
+          <dgm:choose name="Name4">
+            <dgm:if name="Name5" axis="par ch" ptType="doc node" func="cnt" op="gte" val="2">
+              <dgm:forEach name="Name6" axis="followSib" ptType="sibTrans" cnt="1">
+                <dgm:layoutNode name="spacer">
+                  <dgm:alg type="sp"/>
+                  <dgm:shape xmlns:r="http://schemas.openxmlformats.org/officeDocument/2006/relationships" r:blip="">
+                    <dgm:adjLst/>
+                  </dgm:shape>
+                  <dgm:presOf/>
+                  <dgm:constrLst/>
+                  <dgm:ruleLst/>
+                </dgm:layoutNode>
+              </dgm:forEach>
+            </dgm:if>
+            <dgm:else name="Name7"/>
+          </dgm:choose>
+        </dgm:else>
+      </dgm:choose>
+    </dgm:forEach>
+  </dgm:layoutNode>
+</dgm:layoutDef>
+</file>
+
 <file path=ppt/diagrams/quickStyle1.xml><?xml version="1.0" encoding="utf-8"?>
+<dgm:styleDef xmlns:dgm="http://schemas.openxmlformats.org/drawingml/2006/diagram" xmlns:a="http://schemas.openxmlformats.org/drawingml/2006/main" uniqueId="urn:microsoft.com/office/officeart/2005/8/quickstyle/simple1">
+  <dgm:title val=""/>
+  <dgm:desc val=""/>
+  <dgm:catLst>
+    <dgm:cat type="simple" pri="10100"/>
+  </dgm:catLst>
+  <dgm:scene3d>
+    <a:camera prst="orthographicFront"/>
+    <a:lightRig rig="threePt" dir="t"/>
+  </dgm:scene3d>
+  <dgm:styleLbl name="node0">
+    <dgm:scene3d>
+      <a:camera prst="orthographicFront"/>
+      <a:lightRig rig="threePt" dir="t"/>
+    </dgm:scene3d>
+    <dgm:sp3d/>
+    <dgm:txPr/>
+    <dgm:style>
+      <a:lnRef idx="2">
+        <a:scrgbClr r="0" g="0" b="0"/>
+      </a:lnRef>
+      <a:fillRef idx="1">
+        <a:scrgbClr r="0" g="0" b="0"/>
+      </a:fillRef>
+      <a:effectRef idx="0">
+        <a:scrgbClr r="0" g="0" b="0"/>
+      </a:effectRef>
+      <a:fontRef idx="minor">
+        <a:schemeClr val="lt1"/>
+      </a:fontRef>
+    </dgm:style>
+  </dgm:styleLbl>
+  <dgm:styleLbl name="lnNode1">
+    <dgm:scene3d>
+      <a:camera prst="orthographicFront"/>
+      <a:lightRig rig="threePt" dir="t"/>
+    </dgm:scene3d>
+    <dgm:sp3d/>
+    <dgm:txPr/>
+    <dgm:style>
+      <a:lnRef idx="2">
+        <a:scrgbClr r="0" g="0" b="0"/>
+      </a:lnRef>
+      <a:fillRef idx="1">
+        <a:scrgbClr r="0" g="0" b="0"/>
+      </a:fillRef>
+      <a:effectRef idx="0">
+        <a:scrgbClr r="0" g="0" b="0"/>
+      </a:effectRef>
+      <a:fontRef idx="minor">
+        <a:schemeClr val="lt1"/>
+      </a:fontRef>
+    </dgm:style>
+  </dgm:styleLbl>
+  <dgm:styleLbl name="vennNode1">
+    <dgm:scene3d>
+      <a:camera prst="orthographicFront"/>
+      <a:lightRig rig="threePt" dir="t"/>
+    </dgm:scene3d>
+    <dgm:sp3d/>
+    <dgm:txPr/>
+    <dgm:style>
+      <a:lnRef idx="2">
+        <a:scrgbClr r="0" g="0" b="0"/>
+      </a:lnRef>
+      <a:fillRef idx="1">
+        <a:scrgbClr r="0" g="0" b="0"/>
+      </a:fillRef>
+      <a:effectRef idx="0">
+        <a:scrgbClr r="0" g="0" b="0"/>
+      </a:effectRef>
+      <a:fontRef idx="minor">
+        <a:schemeClr val="tx1"/>
+      </a:fontRef>
+    </dgm:style>
+  </dgm:styleLbl>
+  <dgm:styleLbl name="alignNode1">
+    <dgm:scene3d>
+      <a:camera prst="orthographicFront"/>
+      <a:lightRig rig="threePt" dir="t"/>
+    </dgm:scene3d>
+    <dgm:sp3d/>
+    <dgm:txPr/>
+    <dgm:style>
+      <a:lnRef idx="2">
+        <a:scrgbClr r="0" g="0" b="0"/>
+      </a:lnRef>
+      <a:fillRef idx="1">
+        <a:scrgbClr r="0" g="0" b="0"/>
+      </a:fillRef>
+      <a:effectRef idx="0">
+        <a:scrgbClr r="0" g="0" b="0"/>
+      </a:effectRef>
+      <a:fontRef idx="minor">
+        <a:schemeClr val="lt1"/>
+      </a:fontRef>
+    </dgm:style>
+  </dgm:styleLbl>
+  <dgm:styleLbl name="node1">
+    <dgm:scene3d>
+      <a:camera prst="orthographicFront"/>
+      <a:lightRig rig="threePt" dir="t"/>
+    </dgm:scene3d>
+    <dgm:sp3d/>
+    <dgm:txPr/>
+    <dgm:style>
+      <a:lnRef idx="2">
+        <a:scrgbClr r="0" g="0" b="0"/>
+      </a:lnRef>
+      <a:fillRef idx="1">
+        <a:scrgbClr r="0" g="0" b="0"/>
+      </a:fillRef>
+      <a:effectRef idx="0">
+        <a:scrgbClr r="0" g="0" b="0"/>
+      </a:effectRef>
+      <a:fontRef idx="minor">
+        <a:schemeClr val="lt1"/>
+      </a:fontRef>
+    </dgm:style>
+  </dgm:styleLbl>
+  <dgm:styleLbl name="node2">
+    <dgm:scene3d>
+      <a:camera prst="orthographicFront"/>
+      <a:lightRig rig="threePt" dir="t"/>
+    </dgm:scene3d>
+    <dgm:sp3d/>
+    <dgm:txPr/>
+    <dgm:style>
+      <a:lnRef idx="2">
+        <a:scrgbClr r="0" g="0" b="0"/>
+      </a:lnRef>
+      <a:fillRef idx="1">
+        <a:scrgbClr r="0" g="0" b="0"/>
+      </a:fillRef>
+      <a:effectRef idx="0">
+        <a:scrgbClr r="0" g="0" b="0"/>
+      </a:effectRef>
+      <a:fontRef idx="minor">
+        <a:schemeClr val="lt1"/>
+      </a:fontRef>
+    </dgm:style>
+  </dgm:styleLbl>
+  <dgm:styleLbl name="node3">
+    <dgm:scene3d>
+      <a:camera prst="orthographicFront"/>
+      <a:lightRig rig="threePt" dir="t"/>
+    </dgm:scene3d>
+    <dgm:sp3d/>
+    <dgm:txPr/>
+    <dgm:style>
+      <a:lnRef idx="2">
+        <a:scrgbClr r="0" g="0" b="0"/>
+      </a:lnRef>
+      <a:fillRef idx="1">
+        <a:scrgbClr r="0" g="0" b="0"/>
+      </a:fillRef>
+      <a:effectRef idx="0">
+        <a:scrgbClr r="0" g="0" b="0"/>
+      </a:effectRef>
+      <a:fontRef idx="minor">
+        <a:schemeClr val="lt1"/>
+      </a:fontRef>
+    </dgm:style>
+  </dgm:styleLbl>
+  <dgm:styleLbl name="node4">
+    <dgm:scene3d>
+      <a:camera prst="orthographicFront"/>
+      <a:lightRig rig="threePt" dir="t"/>
+    </dgm:scene3d>
+    <dgm:sp3d/>
+    <dgm:txPr/>
+    <dgm:style>
+      <a:lnRef idx="2">
+        <a:scrgbClr r="0" g="0" b="0"/>
+      </a:lnRef>
+      <a:fillRef idx="1">
+        <a:scrgbClr r="0" g="0" b="0"/>
+      </a:fillRef>
+      <a:effectRef idx="0">
+        <a:scrgbClr r="0" g="0" b="0"/>
+      </a:effectRef>
+      <a:fontRef idx="minor">
+        <a:schemeClr val="lt1"/>
+      </a:fontRef>
+    </dgm:style>
+  </dgm:styleLbl>
+  <dgm:styleLbl name="fgImgPlace1">
+    <dgm:scene3d>
+      <a:camera prst="orthographicFront"/>
+      <a:lightRig rig="threePt" dir="t"/>
+    </dgm:scene3d>
+    <dgm:sp3d/>
+    <dgm:txPr/>
+    <dgm:style>
+      <a:lnRef idx="2">
+        <a:scrgbClr r="0" g="0" b="0"/>
+      </a:lnRef>
+      <a:fillRef idx="1">
+        <a:scrgbClr r="0" g="0" b="0"/>
+      </a:fillRef>
+      <a:effectRef idx="0">
+        <a:scrgbClr r="0" g="0" b="0"/>
+      </a:effectRef>
+      <a:fontRef idx="minor"/>
+    </dgm:style>
+  </dgm:styleLbl>
+  <dgm:styleLbl name="alignImgPlace1">
+    <dgm:scene3d>
+      <a:camera prst="orthographicFront"/>
+      <a:lightRig rig="threePt" dir="t"/>
+    </dgm:scene3d>
+    <dgm:sp3d/>
+    <dgm:txPr/>
+    <dgm:style>
+      <a:lnRef idx="2">
+        <a:scrgbClr r="0" g="0" b="0"/>
+      </a:lnRef>
+      <a:fillRef idx="1">
+        <a:scrgbClr r="0" g="0" b="0"/>
+      </a:fillRef>
+      <a:effectRef idx="0">
+        <a:scrgbClr r="0" g="0" b="0"/>
+      </a:effectRef>
+      <a:fontRef idx="minor"/>
+    </dgm:style>
+  </dgm:styleLbl>
+  <dgm:styleLbl name="bgImgPlace1">
+    <dgm:scene3d>
+      <a:camera prst="orthographicFront"/>
+      <a:lightRig rig="threePt" dir="t"/>
+    </dgm:scene3d>
+    <dgm:sp3d/>
+    <dgm:txPr/>
+    <dgm:style>
+      <a:lnRef idx="2">
+        <a:scrgbClr r="0" g="0" b="0"/>
+      </a:lnRef>
+      <a:fillRef idx="1">
+        <a:scrgbClr r="0" g="0" b="0"/>
+      </a:fillRef>
+      <a:effectRef idx="0">
+        <a:scrgbClr r="0" g="0" b="0"/>
+      </a:effectRef>
+      <a:fontRef idx="minor"/>
+    </dgm:style>
+  </dgm:styleLbl>
+  <dgm:styleLbl name="sibTrans2D1">
+    <dgm:scene3d>
+      <a:camera prst="orthographicFront"/>
+      <a:lightRig rig="threePt" dir="t"/>
+    </dgm:scene3d>
+    <dgm:sp3d/>
+    <dgm:txPr/>
+    <dgm:style>
+      <a:lnRef idx="0">
+        <a:scrgbClr r="0" g="0" b="0"/>
+      </a:lnRef>
+      <a:fillRef idx="1">
+        <a:scrgbClr r="0" g="0" b="0"/>
+      </a:fillRef>
+      <a:effectRef idx="0">
+        <a:scrgbClr r="0" g="0" b="0"/>
+      </a:effectRef>
+      <a:fontRef idx="minor">
+        <a:schemeClr val="lt1"/>
+      </a:fontRef>
+    </dgm:style>
+  </dgm:styleLbl>
+  <dgm:styleLbl name="fgSibTrans2D1">
+    <dgm:scene3d>
+      <a:camera prst="orthographicFront"/>
+      <a:lightRig rig="threePt" dir="t"/>
+    </dgm:scene3d>
+    <dgm:sp3d/>
+    <dgm:txPr/>
+    <dgm:style>
+      <a:lnRef idx="0">
+        <a:scrgbClr r="0" g="0" b="0"/>
+      </a:lnRef>
+      <a:fillRef idx="1">
+        <a:scrgbClr r="0" g="0" b="0"/>
+      </a:fillRef>
+      <a:effectRef idx="0">
+        <a:scrgbClr r="0" g="0" b="0"/>
+      </a:effectRef>
+      <a:fontRef idx="minor">
+        <a:schemeClr val="lt1"/>
+      </a:fontRef>
+    </dgm:style>
+  </dgm:styleLbl>
+  <dgm:styleLbl name="bgSibTrans2D1">
+    <dgm:scene3d>
+      <a:camera prst="orthographicFront"/>
+      <a:lightRig rig="threePt" dir="t"/>
+    </dgm:scene3d>
+    <dgm:sp3d/>
+    <dgm:txPr/>
+    <dgm:style>
+      <a:lnRef idx="0">
+        <a:scrgbClr r="0" g="0" b="0"/>
+      </a:lnRef>
+      <a:fillRef idx="1">
+        <a:scrgbClr r="0" g="0" b="0"/>
+      </a:fillRef>
+      <a:effectRef idx="0">
+        <a:scrgbClr r="0" g="0" b="0"/>
+      </a:effectRef>
+      <a:fontRef idx="minor">
+        <a:schemeClr val="lt1"/>
+      </a:fontRef>
+    </dgm:style>
+  </dgm:styleLbl>
+  <dgm:styleLbl name="sibTrans1D1">
+    <dgm:scene3d>
+      <a:camera prst="orthographicFront"/>
+      <a:lightRig rig="threePt" dir="t"/>
+    </dgm:scene3d>
+    <dgm:sp3d/>
+    <dgm:txPr/>
+    <dgm:style>
+      <a:lnRef idx="1">
+        <a:scrgbClr r="0" g="0" b="0"/>
+      </a:lnRef>
+      <a:fillRef idx="0">
+        <a:scrgbClr r="0" g="0" b="0"/>
+      </a:fillRef>
+      <a:effectRef idx="0">
+        <a:scrgbClr r="0" g="0" b="0"/>
+      </a:effectRef>
+      <a:fontRef idx="minor"/>
+    </dgm:style>
+  </dgm:styleLbl>
+  <dgm:styleLbl name="callout">
+    <dgm:scene3d>
+      <a:camera prst="orthographicFront"/>
+      <a:lightRig rig="threePt" dir="t"/>
+    </dgm:scene3d>
+    <dgm:sp3d/>
+    <dgm:txPr/>
+    <dgm:style>
+      <a:lnRef idx="2">
+        <a:scrgbClr r="0" g="0" b="0"/>
+      </a:lnRef>
+      <a:fillRef idx="1">
+        <a:scrgbClr r="0" g="0" b="0"/>
+      </a:fillRef>
+      <a:effectRef idx="0">
+        <a:scrgbClr r="0" g="0" b="0"/>
+      </a:effectRef>
+      <a:fontRef idx="minor"/>
+    </dgm:style>
+  </dgm:styleLbl>
+  <dgm:styleLbl name="asst0">
+    <dgm:scene3d>
+      <a:camera prst="orthographicFront"/>
+      <a:lightRig rig="threePt" dir="t"/>
+    </dgm:scene3d>
+    <dgm:sp3d/>
+    <dgm:txPr/>
+    <dgm:style>
+      <a:lnRef idx="2">
+        <a:scrgbClr r="0" g="0" b="0"/>
+      </a:lnRef>
+      <a:fillRef idx="1">
+        <a:scrgbClr r="0" g="0" b="0"/>
+      </a:fillRef>
+      <a:effectRef idx="0">
+        <a:scrgbClr r="0" g="0" b="0"/>
+      </a:effectRef>
+      <a:fontRef idx="minor">
+        <a:schemeClr val="lt1"/>
+      </a:fontRef>
+    </dgm:style>
+  </dgm:styleLbl>
+  <dgm:styleLbl name="asst1">
+    <dgm:scene3d>
+      <a:camera prst="orthographicFront"/>
+      <a:lightRig rig="threePt" dir="t"/>
+    </dgm:scene3d>
+    <dgm:sp3d/>
+    <dgm:txPr/>
+    <dgm:style>
+      <a:lnRef idx="2">
+        <a:scrgbClr r="0" g="0" b="0"/>
+      </a:lnRef>
+      <a:fillRef idx="1">
+        <a:scrgbClr r="0" g="0" b="0"/>
+      </a:fillRef>
+      <a:effectRef idx="0">
+        <a:scrgbClr r="0" g="0" b="0"/>
+      </a:effectRef>
+      <a:fontRef idx="minor">
+        <a:schemeClr val="lt1"/>
+      </a:fontRef>
+    </dgm:style>
+  </dgm:styleLbl>
+  <dgm:styleLbl name="asst2">
+    <dgm:scene3d>
+      <a:camera prst="orthographicFront"/>
+      <a:lightRig rig="threePt" dir="t"/>
+    </dgm:scene3d>
+    <dgm:sp3d/>
+    <dgm:txPr/>
+    <dgm:style>
+      <a:lnRef idx="2">
+        <a:scrgbClr r="0" g="0" b="0"/>
+      </a:lnRef>
+      <a:fillRef idx="1">
+        <a:scrgbClr r="0" g="0" b="0"/>
+      </a:fillRef>
+      <a:effectRef idx="0">
+        <a:scrgbClr r="0" g="0" b="0"/>
+      </a:effectRef>
+      <a:fontRef idx="minor">
+        <a:schemeClr val="lt1"/>
+      </a:fontRef>
+    </dgm:style>
+  </dgm:styleLbl>
+  <dgm:styleLbl name="asst3">
+    <dgm:scene3d>
+      <a:camera prst="orthographicFront"/>
+      <a:lightRig rig="threePt" dir="t"/>
+    </dgm:scene3d>
+    <dgm:sp3d/>
+    <dgm:txPr/>
+    <dgm:style>
+      <a:lnRef idx="2">
+        <a:scrgbClr r="0" g="0" b="0"/>
+      </a:lnRef>
+      <a:fillRef idx="1">
+        <a:scrgbClr r="0" g="0" b="0"/>
+      </a:fillRef>
+      <a:effectRef idx="0">
+        <a:scrgbClr r="0" g="0" b="0"/>
+      </a:effectRef>
+      <a:fontRef idx="minor">
+        <a:schemeClr val="lt1"/>
+      </a:fontRef>
+    </dgm:style>
+  </dgm:styleLbl>
+  <dgm:styleLbl name="asst4">
+    <dgm:scene3d>
+      <a:camera prst="orthographicFront"/>
+      <a:lightRig rig="threePt" dir="t"/>
+    </dgm:scene3d>
+    <dgm:sp3d/>
+    <dgm:txPr/>
+    <dgm:style>
+      <a:lnRef idx="2">
+        <a:scrgbClr r="0" g="0" b="0"/>
+      </a:lnRef>
+      <a:fillRef idx="1">
+        <a:scrgbClr r="0" g="0" b="0"/>
+      </a:fillRef>
+      <a:effectRef idx="0">
+        <a:scrgbClr r="0" g="0" b="0"/>
+      </a:effectRef>
+      <a:fontRef idx="minor">
+        <a:schemeClr val="lt1"/>
+      </a:fontRef>
+    </dgm:style>
+  </dgm:styleLbl>
+  <dgm:styleLbl name="parChTrans2D1">
+    <dgm:scene3d>
+      <a:camera prst="orthographicFront"/>
+      <a:lightRig rig="threePt" dir="t"/>
+    </dgm:scene3d>
+    <dgm:sp3d/>
+    <dgm:txPr/>
+    <dgm:style>
+      <a:lnRef idx="2">
+        <a:scrgbClr r="0" g="0" b="0"/>
+      </a:lnRef>
+      <a:fillRef idx="1">
+        <a:scrgbClr r="0" g="0" b="0"/>
+      </a:fillRef>
+      <a:effectRef idx="0">
+        <a:scrgbClr r="0" g="0" b="0"/>
+      </a:effectRef>
+      <a:fontRef idx="minor">
+        <a:schemeClr val="lt1"/>
+      </a:fontRef>
+    </dgm:style>
+  </dgm:styleLbl>
+  <dgm:styleLbl name="parChTrans2D2">
+    <dgm:scene3d>
+      <a:camera prst="orthographicFront"/>
+      <a:lightRig rig="threePt" dir="t"/>
+    </dgm:scene3d>
+    <dgm:sp3d/>
+    <dgm:txPr/>
+    <dgm:style>
+      <a:lnRef idx="2">
+        <a:scrgbClr r="0" g="0" b="0"/>
+      </a:lnRef>
+      <a:fillRef idx="1">
+        <a:scrgbClr r="0" g="0" b="0"/>
+      </a:fillRef>
+      <a:effectRef idx="0">
+        <a:scrgbClr r="0" g="0" b="0"/>
+      </a:effectRef>
+      <a:fontRef idx="minor">
+        <a:schemeClr val="lt1"/>
+      </a:fontRef>
+    </dgm:style>
+  </dgm:styleLbl>
+  <dgm:styleLbl name="parChTrans2D3">
+    <dgm:scene3d>
+      <a:camera prst="orthographicFront"/>
+      <a:lightRig rig="threePt" dir="t"/>
+    </dgm:scene3d>
+    <dgm:sp3d/>
+    <dgm:txPr/>
+    <dgm:style>
+      <a:lnRef idx="2">
+        <a:scrgbClr r="0" g="0" b="0"/>
+      </a:lnRef>
+      <a:fillRef idx="1">
+        <a:scrgbClr r="0" g="0" b="0"/>
+      </a:fillRef>
+      <a:effectRef idx="0">
+        <a:scrgbClr r="0" g="0" b="0"/>
+      </a:effectRef>
+      <a:fontRef idx="minor">
+        <a:schemeClr val="lt1"/>
+      </a:fontRef>
+    </dgm:style>
+  </dgm:styleLbl>
+  <dgm:styleLbl name="parChTrans2D4">
+    <dgm:scene3d>
+      <a:camera prst="orthographicFront"/>
+      <a:lightRig rig="threePt" dir="t"/>
+    </dgm:scene3d>
+    <dgm:sp3d/>
+    <dgm:txPr/>
+    <dgm:style>
+      <a:lnRef idx="2">
+        <a:scrgbClr r="0" g="0" b="0"/>
+      </a:lnRef>
+      <a:fillRef idx="1">
+        <a:scrgbClr r="0" g="0" b="0"/>
+      </a:fillRef>
+      <a:effectRef idx="0">
+        <a:scrgbClr r="0" g="0" b="0"/>
+      </a:effectRef>
+      <a:fontRef idx="minor">
+        <a:schemeClr val="lt1"/>
+      </a:fontRef>
+    </dgm:style>
+  </dgm:styleLbl>
+  <dgm:styleLbl name="parChTrans1D1">
+    <dgm:scene3d>
+      <a:camera prst="orthographicFront"/>
+      <a:lightRig rig="threePt" dir="t"/>
+    </dgm:scene3d>
+    <dgm:sp3d/>
+    <dgm:txPr/>
+    <dgm:style>
+      <a:lnRef idx="2">
+        <a:scrgbClr r="0" g="0" b="0"/>
+      </a:lnRef>
+      <a:fillRef idx="0">
+        <a:scrgbClr r="0" g="0" b="0"/>
+      </a:fillRef>
+      <a:effectRef idx="0">
+        <a:scrgbClr r="0" g="0" b="0"/>
+      </a:effectRef>
+      <a:fontRef idx="minor"/>
+    </dgm:style>
+  </dgm:styleLbl>
+  <dgm:styleLbl name="parChTrans1D2">
+    <dgm:scene3d>
+      <a:camera prst="orthographicFront"/>
+      <a:lightRig rig="threePt" dir="t"/>
+    </dgm:scene3d>
+    <dgm:sp3d/>
+    <dgm:txPr/>
+    <dgm:style>
+      <a:lnRef idx="2">
+        <a:scrgbClr r="0" g="0" b="0"/>
+      </a:lnRef>
+      <a:fillRef idx="0">
+        <a:scrgbClr r="0" g="0" b="0"/>
+      </a:fillRef>
+      <a:effectRef idx="0">
+        <a:scrgbClr r="0" g="0" b="0"/>
+      </a:effectRef>
+      <a:fontRef idx="minor"/>
+    </dgm:style>
+  </dgm:styleLbl>
+  <dgm:styleLbl name="parChTrans1D3">
+    <dgm:scene3d>
+      <a:camera prst="orthographicFront"/>
+      <a:lightRig rig="threePt" dir="t"/>
+    </dgm:scene3d>
+    <dgm:sp3d/>
+    <dgm:txPr/>
+    <dgm:style>
+      <a:lnRef idx="2">
+        <a:scrgbClr r="0" g="0" b="0"/>
+      </a:lnRef>
+      <a:fillRef idx="0">
+        <a:scrgbClr r="0" g="0" b="0"/>
+      </a:fillRef>
+      <a:effectRef idx="0">
+        <a:scrgbClr r="0" g="0" b="0"/>
+      </a:effectRef>
+      <a:fontRef idx="minor"/>
+    </dgm:style>
+  </dgm:styleLbl>
+  <dgm:styleLbl name="parChTrans1D4">
+    <dgm:scene3d>
+      <a:camera prst="orthographicFront"/>
+      <a:lightRig rig="threePt" dir="t"/>
+    </dgm:scene3d>
+    <dgm:sp3d/>
+    <dgm:txPr/>
+    <dgm:style>
+      <a:lnRef idx="2">
+        <a:scrgbClr r="0" g="0" b="0"/>
+      </a:lnRef>
+      <a:fillRef idx="0">
+        <a:scrgbClr r="0" g="0" b="0"/>
+      </a:fillRef>
+      <a:effectRef idx="0">
+        <a:scrgbClr r="0" g="0" b="0"/>
+      </a:effectRef>
+      <a:fontRef idx="minor"/>
+    </dgm:style>
+  </dgm:styleLbl>
+  <dgm:styleLbl name="fgAcc1">
+    <dgm:scene3d>
+      <a:camera prst="orthographicFront"/>
+      <a:lightRig rig="threePt" dir="t"/>
+    </dgm:scene3d>
+    <dgm:sp3d/>
+    <dgm:txPr/>
+    <dgm:style>
+      <a:lnRef idx="2">
+        <a:scrgbClr r="0" g="0" b="0"/>
+      </a:lnRef>
+      <a:fillRef idx="1">
+        <a:scrgbClr r="0" g="0" b="0"/>
+      </a:fillRef>
+      <a:effectRef idx="0">
+        <a:scrgbClr r="0" g="0" b="0"/>
+      </a:effectRef>
+      <a:fontRef idx="minor"/>
+    </dgm:style>
+  </dgm:styleLbl>
+  <dgm:styleLbl name="conFgAcc1">
+    <dgm:scene3d>
+      <a:camera prst="orthographicFront"/>
+      <a:lightRig rig="threePt" dir="t"/>
+    </dgm:scene3d>
+    <dgm:sp3d/>
+    <dgm:txPr/>
+    <dgm:style>
+      <a:lnRef idx="2">
+        <a:scrgbClr r="0" g="0" b="0"/>
+      </a:lnRef>
+      <a:fillRef idx="1">
+        <a:scrgbClr r="0" g="0" b="0"/>
+      </a:fillRef>
+      <a:effectRef idx="0">
+        <a:scrgbClr r="0" g="0" b="0"/>
+      </a:effectRef>
+      <a:fontRef idx="minor"/>
+    </dgm:style>
+  </dgm:styleLbl>
+  <dgm:styleLbl name="alignAcc1">
+    <dgm:scene3d>
+      <a:camera prst="orthographicFront"/>
+      <a:lightRig rig="threePt" dir="t"/>
+    </dgm:scene3d>
+    <dgm:sp3d/>
+    <dgm:txPr/>
+    <dgm:style>
+      <a:lnRef idx="2">
+        <a:scrgbClr r="0" g="0" b="0"/>
+      </a:lnRef>
+      <a:fillRef idx="1">
+        <a:scrgbClr r="0" g="0" b="0"/>
+      </a:fillRef>
+      <a:effectRef idx="0">
+        <a:scrgbClr r="0" g="0" b="0"/>
+      </a:effectRef>
+      <a:fontRef idx="minor"/>
+    </dgm:style>
+  </dgm:styleLbl>
+  <dgm:styleLbl name="trAlignAcc1">
+    <dgm:scene3d>
+      <a:camera prst="orthographicFront"/>
+      <a:lightRig rig="threePt" dir="t"/>
+    </dgm:scene3d>
+    <dgm:sp3d/>
+    <dgm:txPr/>
+    <dgm:style>
+      <a:lnRef idx="1">
+        <a:scrgbClr r="0" g="0" b="0"/>
+      </a:lnRef>
+      <a:fillRef idx="1">
+        <a:scrgbClr r="0" g="0" b="0"/>
+      </a:fillRef>
+      <a:effectRef idx="0">
+        <a:scrgbClr r="0" g="0" b="0"/>
+      </a:effectRef>
+      <a:fontRef idx="minor"/>
+    </dgm:style>
+  </dgm:styleLbl>
+  <dgm:styleLbl name="bgAcc1">
+    <dgm:scene3d>
+      <a:camera prst="orthographicFront"/>
+      <a:lightRig rig="threePt" dir="t"/>
+    </dgm:scene3d>
+    <dgm:sp3d/>
+    <dgm:txPr/>
+    <dgm:style>
+      <a:lnRef idx="2">
+        <a:scrgbClr r="0" g="0" b="0"/>
+      </a:lnRef>
+      <a:fillRef idx="1">
+        <a:scrgbClr r="0" g="0" b="0"/>
+      </a:fillRef>
+      <a:effectRef idx="0">
+        <a:scrgbClr r="0" g="0" b="0"/>
+      </a:effectRef>
+      <a:fontRef idx="minor"/>
+    </dgm:style>
+  </dgm:styleLbl>
+  <dgm:styleLbl name="solidFgAcc1">
+    <dgm:scene3d>
+      <a:camera prst="orthographicFront"/>
+      <a:lightRig rig="threePt" dir="t"/>
+    </dgm:scene3d>
+    <dgm:sp3d/>
+    <dgm:txPr/>
+    <dgm:style>
+      <a:lnRef idx="2">
+        <a:scrgbClr r="0" g="0" b="0"/>
+      </a:lnRef>
+      <a:fillRef idx="1">
+        <a:scrgbClr r="0" g="0" b="0"/>
+      </a:fillRef>
+      <a:effectRef idx="0">
+        <a:scrgbClr r="0" g="0" b="0"/>
+      </a:effectRef>
+      <a:fontRef idx="minor"/>
+    </dgm:style>
+  </dgm:styleLbl>
+  <dgm:styleLbl name="solidAlignAcc1">
+    <dgm:scene3d>
+      <a:camera prst="orthographicFront"/>
+      <a:lightRig rig="threePt" dir="t"/>
+    </dgm:scene3d>
+    <dgm:sp3d/>
+    <dgm:txPr/>
+    <dgm:style>
+      <a:lnRef idx="2">
+        <a:scrgbClr r="0" g="0" b="0"/>
+      </a:lnRef>
+      <a:fillRef idx="1">
+        <a:scrgbClr r="0" g="0" b="0"/>
+      </a:fillRef>
+      <a:effectRef idx="0">
+        <a:scrgbClr r="0" g="0" b="0"/>
+      </a:effectRef>
+      <a:fontRef idx="minor"/>
+    </dgm:style>
+  </dgm:styleLbl>
+  <dgm:styleLbl name="solidBgAcc1">
+    <dgm:scene3d>
+      <a:camera prst="orthographicFront"/>
+      <a:lightRig rig="threePt" dir="t"/>
+    </dgm:scene3d>
+    <dgm:sp3d/>
+    <dgm:txPr/>
+    <dgm:style>
+      <a:lnRef idx="2">
+        <a:scrgbClr r="0" g="0" b="0"/>
+      </a:lnRef>
+      <a:fillRef idx="1">
+        <a:scrgbClr r="0" g="0" b="0"/>
+      </a:fillRef>
+      <a:effectRef idx="0">
+        <a:scrgbClr r="0" g="0" b="0"/>
+      </a:effectRef>
+      <a:fontRef idx="minor"/>
+    </dgm:style>
+  </dgm:styleLbl>
+  <dgm:styleLbl name="fgAccFollowNode1">
+    <dgm:scene3d>
+      <a:camera prst="orthographicFront"/>
+      <a:lightRig rig="threePt" dir="t"/>
+    </dgm:scene3d>
+    <dgm:sp3d/>
+    <dgm:txPr/>
+    <dgm:style>
+      <a:lnRef idx="2">
+        <a:scrgbClr r="0" g="0" b="0"/>
+      </a:lnRef>
+      <a:fillRef idx="1">
+        <a:scrgbClr r="0" g="0" b="0"/>
+      </a:fillRef>
+      <a:effectRef idx="0">
+        <a:scrgbClr r="0" g="0" b="0"/>
+      </a:effectRef>
+      <a:fontRef idx="minor"/>
+    </dgm:style>
+  </dgm:styleLbl>
+  <dgm:styleLbl name="alignAccFollowNode1">
+    <dgm:scene3d>
+      <a:camera prst="orthographicFront"/>
+      <a:lightRig rig="threePt" dir="t"/>
+    </dgm:scene3d>
+    <dgm:sp3d/>
+    <dgm:txPr/>
+    <dgm:style>
+      <a:lnRef idx="2">
+        <a:scrgbClr r="0" g="0" b="0"/>
+      </a:lnRef>
+      <a:fillRef idx="1">
+        <a:scrgbClr r="0" g="0" b="0"/>
+      </a:fillRef>
+      <a:effectRef idx="0">
+        <a:scrgbClr r="0" g="0" b="0"/>
+      </a:effectRef>
+      <a:fontRef idx="minor"/>
+    </dgm:style>
+  </dgm:styleLbl>
+  <dgm:styleLbl name="bgAccFollowNode1">
+    <dgm:scene3d>
+      <a:camera prst="orthographicFront"/>
+      <a:lightRig rig="threePt" dir="t"/>
+    </dgm:scene3d>
+    <dgm:sp3d/>
+    <dgm:txPr/>
+    <dgm:style>
+      <a:lnRef idx="2">
+        <a:scrgbClr r="0" g="0" b="0"/>
+      </a:lnRef>
+      <a:fillRef idx="1">
+        <a:scrgbClr r="0" g="0" b="0"/>
+      </a:fillRef>
+      <a:effectRef idx="0">
+        <a:scrgbClr r="0" g="0" b="0"/>
+      </a:effectRef>
+      <a:fontRef idx="minor"/>
+    </dgm:style>
+  </dgm:styleLbl>
+  <dgm:styleLbl name="fgAcc0">
+    <dgm:scene3d>
+      <a:camera prst="orthographicFront"/>
+      <a:lightRig rig="threePt" dir="t"/>
+    </dgm:scene3d>
+    <dgm:sp3d/>
+    <dgm:txPr/>
+    <dgm:style>
+      <a:lnRef idx="2">
+        <a:scrgbClr r="0" g="0" b="0"/>
+      </a:lnRef>
+      <a:fillRef idx="1">
+        <a:scrgbClr r="0" g="0" b="0"/>
+      </a:fillRef>
+      <a:effectRef idx="0">
+        <a:scrgbClr r="0" g="0" b="0"/>
+      </a:effectRef>
+      <a:fontRef idx="minor"/>
+    </dgm:style>
+  </dgm:styleLbl>
+  <dgm:styleLbl name="fgAcc2">
+    <dgm:scene3d>
+      <a:camera prst="orthographicFront"/>
+      <a:lightRig rig="threePt" dir="t"/>
+    </dgm:scene3d>
+    <dgm:sp3d/>
+    <dgm:txPr/>
+    <dgm:style>
+      <a:lnRef idx="2">
+        <a:scrgbClr r="0" g="0" b="0"/>
+      </a:lnRef>
+      <a:fillRef idx="1">
+        <a:scrgbClr r="0" g="0" b="0"/>
+      </a:fillRef>
+      <a:effectRef idx="0">
+        <a:scrgbClr r="0" g="0" b="0"/>
+      </a:effectRef>
+      <a:fontRef idx="minor"/>
+    </dgm:style>
+  </dgm:styleLbl>
+  <dgm:styleLbl name="fgAcc3">
+    <dgm:scene3d>
+      <a:camera prst="orthographicFront"/>
+      <a:lightRig rig="threePt" dir="t"/>
+    </dgm:scene3d>
+    <dgm:sp3d/>
+    <dgm:txPr/>
+    <dgm:style>
+      <a:lnRef idx="2">
+        <a:scrgbClr r="0" g="0" b="0"/>
+      </a:lnRef>
+      <a:fillRef idx="1">
+        <a:scrgbClr r="0" g="0" b="0"/>
+      </a:fillRef>
+      <a:effectRef idx="0">
+        <a:scrgbClr r="0" g="0" b="0"/>
+      </a:effectRef>
+      <a:fontRef idx="minor"/>
+    </dgm:style>
+  </dgm:styleLbl>
+  <dgm:styleLbl name="fgAcc4">
+    <dgm:scene3d>
+      <a:camera prst="orthographicFront"/>
+      <a:lightRig rig="threePt" dir="t"/>
+    </dgm:scene3d>
+    <dgm:sp3d/>
+    <dgm:txPr/>
+    <dgm:style>
+      <a:lnRef idx="2">
+        <a:scrgbClr r="0" g="0" b="0"/>
+      </a:lnRef>
+      <a:fillRef idx="1">
+        <a:scrgbClr r="0" g="0" b="0"/>
+      </a:fillRef>
+      <a:effectRef idx="0">
+        <a:scrgbClr r="0" g="0" b="0"/>
+      </a:effectRef>
+      <a:fontRef idx="minor"/>
+    </dgm:style>
+  </dgm:styleLbl>
+  <dgm:styleLbl name="bgShp">
+    <dgm:scene3d>
+      <a:camera prst="orthographicFront"/>
+      <a:lightRig rig="threePt" dir="t"/>
+    </dgm:scene3d>
+    <dgm:sp3d/>
+    <dgm:txPr/>
+    <dgm:style>
+      <a:lnRef idx="0">
+        <a:scrgbClr r="0" g="0" b="0"/>
+      </a:lnRef>
+      <a:fillRef idx="1">
+        <a:scrgbClr r="0" g="0" b="0"/>
+      </a:fillRef>
+      <a:effectRef idx="0">
+        <a:scrgbClr r="0" g="0" b="0"/>
+      </a:effectRef>
+      <a:fontRef idx="minor"/>
+    </dgm:style>
+  </dgm:styleLbl>
+  <dgm:styleLbl name="dkBgShp">
+    <dgm:scene3d>
+      <a:camera prst="orthographicFront"/>
+      <a:lightRig rig="threePt" dir="t"/>
+    </dgm:scene3d>
+    <dgm:sp3d/>
+    <dgm:txPr/>
+    <dgm:style>
+      <a:lnRef idx="0">
+        <a:scrgbClr r="0" g="0" b="0"/>
+      </a:lnRef>
+      <a:fillRef idx="1">
+        <a:scrgbClr r="0" g="0" b="0"/>
+      </a:fillRef>
+      <a:effectRef idx="0">
+        <a:scrgbClr r="0" g="0" b="0"/>
+      </a:effectRef>
+      <a:fontRef idx="minor"/>
+    </dgm:style>
+  </dgm:styleLbl>
+  <dgm:styleLbl name="trBgShp">
+    <dgm:scene3d>
+      <a:camera prst="orthographicFront"/>
+      <a:lightRig rig="threePt" dir="t"/>
+    </dgm:scene3d>
+    <dgm:sp3d/>
+    <dgm:txPr/>
+    <dgm:style>
+      <a:lnRef idx="0">
+        <a:scrgbClr r="0" g="0" b="0"/>
+      </a:lnRef>
+      <a:fillRef idx="1">
+        <a:scrgbClr r="0" g="0" b="0"/>
+      </a:fillRef>
+      <a:effectRef idx="0">
+        <a:scrgbClr r="0" g="0" b="0"/>
+      </a:effectRef>
+      <a:fontRef idx="minor"/>
+    </dgm:style>
+  </dgm:styleLbl>
+  <dgm:styleLbl name="fgShp">
+    <dgm:scene3d>
+      <a:camera prst="orthographicFront"/>
+      <a:lightRig rig="threePt" dir="t"/>
+    </dgm:scene3d>
+    <dgm:sp3d/>
+    <dgm:txPr/>
+    <dgm:style>
+      <a:lnRef idx="2">
+        <a:scrgbClr r="0" g="0" b="0"/>
+      </a:lnRef>
+      <a:fillRef idx="1">
+        <a:scrgbClr r="0" g="0" b="0"/>
+      </a:fillRef>
+      <a:effectRef idx="0">
+        <a:scrgbClr r="0" g="0" b="0"/>
+      </a:effectRef>
+      <a:fontRef idx="minor"/>
+    </dgm:style>
+  </dgm:styleLbl>
+  <dgm:styleLbl name="revTx">
+    <dgm:scene3d>
+      <a:camera prst="orthographicFront"/>
+      <a:lightRig rig="threePt" dir="t"/>
+    </dgm:scene3d>
+    <dgm:sp3d/>
+    <dgm:txPr/>
+    <dgm:style>
+      <a:lnRef idx="0">
+        <a:scrgbClr r="0" g="0" b="0"/>
+      </a:lnRef>
+      <a:fillRef idx="0">
+        <a:scrgbClr r="0" g="0" b="0"/>
+      </a:fillRef>
+      <a:effectRef idx="0">
+        <a:scrgbClr r="0" g="0" b="0"/>
+      </a:effectRef>
+      <a:fontRef idx="minor"/>
+    </dgm:style>
+  </dgm:styleLbl>
+</dgm:styleDef>
+</file>
+
+<file path=ppt/diagrams/quickStyle2.xml><?xml version="1.0" encoding="utf-8"?>
 <dgm:styleDef xmlns:dgm="http://schemas.openxmlformats.org/drawingml/2006/diagram" xmlns:a="http://schemas.openxmlformats.org/drawingml/2006/main" uniqueId="urn:microsoft.com/office/officeart/2005/8/quickstyle/simple1">
   <dgm:title val=""/>
   <dgm:desc val=""/>
@@ -3860,7 +6518,7 @@
           <a:p>
             <a:fld id="{B05E37D8-F87F-43EF-A613-4C53E71D9A8B}" type="datetimeFigureOut">
               <a:rPr lang="en-GB" smtClean="0"/>
-              <a:t>18/07/2022</a:t>
+              <a:t>19/07/2022</a:t>
             </a:fld>
             <a:endParaRPr lang="en-GB"/>
           </a:p>
@@ -4037,7 +6695,7 @@
           <a:p>
             <a:fld id="{E5A627A4-93D9-4CD1-9442-4D43CEEDFFCA}" type="datetimeFigureOut">
               <a:rPr lang="en-GB" smtClean="0"/>
-              <a:t>18/07/2022</a:t>
+              <a:t>19/07/2022</a:t>
             </a:fld>
             <a:endParaRPr lang="en-GB"/>
           </a:p>
@@ -4460,7 +7118,7 @@
           <a:p>
             <a:fld id="{590D5618-0DC6-4B63-9A13-5E1E28C6EDDB}" type="datetimeFigureOut">
               <a:rPr lang="en-GB" smtClean="0"/>
-              <a:t>18/07/2022</a:t>
+              <a:t>19/07/2022</a:t>
             </a:fld>
             <a:endParaRPr lang="en-GB"/>
           </a:p>
@@ -4676,7 +7334,7 @@
           <a:p>
             <a:fld id="{590D5618-0DC6-4B63-9A13-5E1E28C6EDDB}" type="datetimeFigureOut">
               <a:rPr lang="en-GB" smtClean="0"/>
-              <a:t>18/07/2022</a:t>
+              <a:t>19/07/2022</a:t>
             </a:fld>
             <a:endParaRPr lang="en-GB"/>
           </a:p>
@@ -4892,7 +7550,7 @@
           <a:p>
             <a:fld id="{590D5618-0DC6-4B63-9A13-5E1E28C6EDDB}" type="datetimeFigureOut">
               <a:rPr lang="en-GB" smtClean="0"/>
-              <a:t>18/07/2022</a:t>
+              <a:t>19/07/2022</a:t>
             </a:fld>
             <a:endParaRPr lang="en-GB"/>
           </a:p>
@@ -5108,7 +7766,7 @@
           <a:p>
             <a:fld id="{590D5618-0DC6-4B63-9A13-5E1E28C6EDDB}" type="datetimeFigureOut">
               <a:rPr lang="en-GB" smtClean="0"/>
-              <a:t>18/07/2022</a:t>
+              <a:t>19/07/2022</a:t>
             </a:fld>
             <a:endParaRPr lang="en-GB"/>
           </a:p>
@@ -5390,7 +8048,7 @@
           <a:p>
             <a:fld id="{590D5618-0DC6-4B63-9A13-5E1E28C6EDDB}" type="datetimeFigureOut">
               <a:rPr lang="en-GB" smtClean="0"/>
-              <a:t>18/07/2022</a:t>
+              <a:t>19/07/2022</a:t>
             </a:fld>
             <a:endParaRPr lang="en-GB"/>
           </a:p>
@@ -5672,7 +8330,7 @@
           <a:p>
             <a:fld id="{590D5618-0DC6-4B63-9A13-5E1E28C6EDDB}" type="datetimeFigureOut">
               <a:rPr lang="en-GB" smtClean="0"/>
-              <a:t>18/07/2022</a:t>
+              <a:t>19/07/2022</a:t>
             </a:fld>
             <a:endParaRPr lang="en-GB"/>
           </a:p>
@@ -6102,7 +8760,7 @@
           <a:p>
             <a:fld id="{590D5618-0DC6-4B63-9A13-5E1E28C6EDDB}" type="datetimeFigureOut">
               <a:rPr lang="en-GB" smtClean="0"/>
-              <a:t>18/07/2022</a:t>
+              <a:t>19/07/2022</a:t>
             </a:fld>
             <a:endParaRPr lang="en-GB"/>
           </a:p>
@@ -6252,7 +8910,7 @@
           <a:p>
             <a:fld id="{590D5618-0DC6-4B63-9A13-5E1E28C6EDDB}" type="datetimeFigureOut">
               <a:rPr lang="en-GB" smtClean="0"/>
-              <a:t>18/07/2022</a:t>
+              <a:t>19/07/2022</a:t>
             </a:fld>
             <a:endParaRPr lang="en-GB"/>
           </a:p>
@@ -6365,7 +9023,7 @@
           <a:p>
             <a:fld id="{590D5618-0DC6-4B63-9A13-5E1E28C6EDDB}" type="datetimeFigureOut">
               <a:rPr lang="en-GB" smtClean="0"/>
-              <a:t>18/07/2022</a:t>
+              <a:t>19/07/2022</a:t>
             </a:fld>
             <a:endParaRPr lang="en-GB"/>
           </a:p>
@@ -6687,7 +9345,7 @@
           <a:p>
             <a:fld id="{590D5618-0DC6-4B63-9A13-5E1E28C6EDDB}" type="datetimeFigureOut">
               <a:rPr lang="en-GB" smtClean="0"/>
-              <a:t>18/07/2022</a:t>
+              <a:t>19/07/2022</a:t>
             </a:fld>
             <a:endParaRPr lang="en-GB"/>
           </a:p>
@@ -6985,7 +9643,7 @@
           <a:p>
             <a:fld id="{590D5618-0DC6-4B63-9A13-5E1E28C6EDDB}" type="datetimeFigureOut">
               <a:rPr lang="en-GB" smtClean="0"/>
-              <a:t>18/07/2022</a:t>
+              <a:t>19/07/2022</a:t>
             </a:fld>
             <a:endParaRPr lang="en-GB"/>
           </a:p>
@@ -7124,7 +9782,7 @@
           <a:p>
             <a:fld id="{590D5618-0DC6-4B63-9A13-5E1E28C6EDDB}" type="datetimeFigureOut">
               <a:rPr lang="en-GB" smtClean="0"/>
-              <a:t>18/07/2022</a:t>
+              <a:t>19/07/2022</a:t>
             </a:fld>
             <a:endParaRPr lang="en-GB"/>
           </a:p>
@@ -8468,7 +11126,7 @@
         </p:nvSpPr>
         <p:spPr>
           <a:xfrm>
-            <a:off x="4636384" y="4799836"/>
+            <a:off x="5301612" y="4814421"/>
             <a:ext cx="2916183" cy="923330"/>
           </a:xfrm>
           <a:prstGeom prst="rect">
@@ -8523,6 +11181,50 @@
           </a:p>
         </p:txBody>
       </p:sp>
+      <p:pic>
+        <p:nvPicPr>
+          <p:cNvPr id="7" name="Immagine 6">
+            <a:extLst>
+              <a:ext uri="{FF2B5EF4-FFF2-40B4-BE49-F238E27FC236}">
+                <a16:creationId xmlns:a16="http://schemas.microsoft.com/office/drawing/2014/main" id="{6100F048-DDF7-4544-C866-D634A4424547}"/>
+              </a:ext>
+            </a:extLst>
+          </p:cNvPr>
+          <p:cNvPicPr>
+            <a:picLocks noChangeAspect="1"/>
+          </p:cNvPicPr>
+          <p:nvPr/>
+        </p:nvPicPr>
+        <p:blipFill>
+          <a:blip r:embed="rId3">
+            <a:extLst>
+              <a:ext uri="{28A0092B-C50C-407E-A947-70E740481C1C}">
+                <a14:useLocalDpi xmlns:a14="http://schemas.microsoft.com/office/drawing/2010/main" val="0"/>
+              </a:ext>
+            </a:extLst>
+          </a:blip>
+          <a:stretch>
+            <a:fillRect/>
+          </a:stretch>
+        </p:blipFill>
+        <p:spPr>
+          <a:xfrm>
+            <a:off x="3974206" y="4799836"/>
+            <a:ext cx="952500" cy="952500"/>
+          </a:xfrm>
+          <a:prstGeom prst="rect">
+            <a:avLst/>
+          </a:prstGeom>
+          <a:noFill/>
+          <a:effectLst>
+            <a:outerShdw blurRad="50800" dist="38100" dir="5400000" algn="t" rotWithShape="0">
+              <a:prstClr val="black">
+                <a:alpha val="40000"/>
+              </a:prstClr>
+            </a:outerShdw>
+          </a:effectLst>
+        </p:spPr>
+      </p:pic>
     </p:spTree>
     <p:extLst>
       <p:ext uri="{BB962C8B-B14F-4D97-AF65-F5344CB8AC3E}">
@@ -8537,6 +11239,233 @@
 </file>
 
 <file path=ppt/slides/slide10.xml><?xml version="1.0" encoding="utf-8"?>
+<p:sld xmlns:a="http://schemas.openxmlformats.org/drawingml/2006/main" xmlns:r="http://schemas.openxmlformats.org/officeDocument/2006/relationships" xmlns:p="http://schemas.openxmlformats.org/presentationml/2006/main">
+  <p:cSld>
+    <p:bg>
+      <p:bgPr>
+        <a:solidFill>
+          <a:schemeClr val="bg1"/>
+        </a:solidFill>
+        <a:effectLst/>
+      </p:bgPr>
+    </p:bg>
+    <p:spTree>
+      <p:nvGrpSpPr>
+        <p:cNvPr id="1" name=""/>
+        <p:cNvGrpSpPr/>
+        <p:nvPr/>
+      </p:nvGrpSpPr>
+      <p:grpSpPr>
+        <a:xfrm>
+          <a:off x="0" y="0"/>
+          <a:ext cx="0" cy="0"/>
+          <a:chOff x="0" y="0"/>
+          <a:chExt cx="0" cy="0"/>
+        </a:xfrm>
+      </p:grpSpPr>
+      <p:sp>
+        <p:nvSpPr>
+          <p:cNvPr id="2" name="Titolo 1">
+            <a:extLst>
+              <a:ext uri="{FF2B5EF4-FFF2-40B4-BE49-F238E27FC236}">
+                <a16:creationId xmlns:a16="http://schemas.microsoft.com/office/drawing/2014/main" id="{6B8A2198-CDA4-5830-5E6F-7A30E089704F}"/>
+              </a:ext>
+            </a:extLst>
+          </p:cNvPr>
+          <p:cNvSpPr>
+            <a:spLocks noGrp="1"/>
+          </p:cNvSpPr>
+          <p:nvPr>
+            <p:ph type="title"/>
+          </p:nvPr>
+        </p:nvSpPr>
+        <p:spPr>
+          <a:xfrm>
+            <a:off x="293826" y="3856528"/>
+            <a:ext cx="11604347" cy="2452687"/>
+          </a:xfrm>
+          <a:effectLst/>
+        </p:spPr>
+        <p:txBody>
+          <a:bodyPr anchor="ctr">
+            <a:normAutofit/>
+          </a:bodyPr>
+          <a:lstStyle/>
+          <a:p>
+            <a:pPr algn="ctr"/>
+            <a:r>
+              <a:rPr lang="it-IT" sz="3600" dirty="0">
+                <a:solidFill>
+                  <a:srgbClr val="ED7D31"/>
+                </a:solidFill>
+              </a:rPr>
+              <a:t>Dal login…</a:t>
+            </a:r>
+            <a:endParaRPr lang="en-GB" sz="3600" dirty="0">
+              <a:solidFill>
+                <a:srgbClr val="ED7D31"/>
+              </a:solidFill>
+            </a:endParaRPr>
+          </a:p>
+        </p:txBody>
+      </p:sp>
+      <p:pic>
+        <p:nvPicPr>
+          <p:cNvPr id="5" name="Segnaposto contenuto 4">
+            <a:extLst>
+              <a:ext uri="{FF2B5EF4-FFF2-40B4-BE49-F238E27FC236}">
+                <a16:creationId xmlns:a16="http://schemas.microsoft.com/office/drawing/2014/main" id="{9D1A7772-DDAF-AEDB-CAC2-938D293B1155}"/>
+              </a:ext>
+            </a:extLst>
+          </p:cNvPr>
+          <p:cNvPicPr>
+            <a:picLocks noChangeAspect="1"/>
+          </p:cNvPicPr>
+          <p:nvPr/>
+        </p:nvPicPr>
+        <p:blipFill rotWithShape="1">
+          <a:blip r:embed="rId2">
+            <a:extLst>
+              <a:ext uri="{28A0092B-C50C-407E-A947-70E740481C1C}">
+                <a14:useLocalDpi xmlns:a14="http://schemas.microsoft.com/office/drawing/2010/main" val="0"/>
+              </a:ext>
+            </a:extLst>
+          </a:blip>
+          <a:srcRect t="32822" b="13072"/>
+          <a:stretch/>
+        </p:blipFill>
+        <p:spPr>
+          <a:xfrm>
+            <a:off x="20" y="10"/>
+            <a:ext cx="12191980" cy="3710603"/>
+          </a:xfrm>
+          <a:custGeom>
+            <a:avLst/>
+            <a:gdLst/>
+            <a:ahLst/>
+            <a:cxnLst/>
+            <a:rect l="l" t="t" r="r" b="b"/>
+            <a:pathLst>
+              <a:path w="12192000" h="3692092">
+                <a:moveTo>
+                  <a:pt x="0" y="0"/>
+                </a:moveTo>
+                <a:lnTo>
+                  <a:pt x="12192000" y="0"/>
+                </a:lnTo>
+                <a:lnTo>
+                  <a:pt x="12192000" y="3504824"/>
+                </a:lnTo>
+                <a:lnTo>
+                  <a:pt x="12024691" y="3517794"/>
+                </a:lnTo>
+                <a:cubicBezTo>
+                  <a:pt x="8077523" y="3783195"/>
+                  <a:pt x="4094678" y="3026959"/>
+                  <a:pt x="160485" y="3663863"/>
+                </a:cubicBezTo>
+                <a:lnTo>
+                  <a:pt x="0" y="3692092"/>
+                </a:lnTo>
+                <a:close/>
+              </a:path>
+            </a:pathLst>
+          </a:custGeom>
+        </p:spPr>
+      </p:pic>
+      <p:pic>
+        <p:nvPicPr>
+          <p:cNvPr id="11" name="Immagine 10">
+            <a:extLst>
+              <a:ext uri="{FF2B5EF4-FFF2-40B4-BE49-F238E27FC236}">
+                <a16:creationId xmlns:a16="http://schemas.microsoft.com/office/drawing/2014/main" id="{B4CC8760-665A-699A-D5A1-83952FE5A893}"/>
+              </a:ext>
+            </a:extLst>
+          </p:cNvPr>
+          <p:cNvPicPr>
+            <a:picLocks noChangeAspect="1"/>
+          </p:cNvPicPr>
+          <p:nvPr/>
+        </p:nvPicPr>
+        <p:blipFill>
+          <a:blip r:embed="rId3">
+            <a:extLst>
+              <a:ext uri="{28A0092B-C50C-407E-A947-70E740481C1C}">
+                <a14:useLocalDpi xmlns:a14="http://schemas.microsoft.com/office/drawing/2010/main" val="0"/>
+              </a:ext>
+            </a:extLst>
+          </a:blip>
+          <a:stretch>
+            <a:fillRect/>
+          </a:stretch>
+        </p:blipFill>
+        <p:spPr>
+          <a:xfrm>
+            <a:off x="11212066" y="271844"/>
+            <a:ext cx="677507" cy="483933"/>
+          </a:xfrm>
+          <a:prstGeom prst="rect">
+            <a:avLst/>
+          </a:prstGeom>
+        </p:spPr>
+      </p:pic>
+      <p:pic>
+        <p:nvPicPr>
+          <p:cNvPr id="6" name="Immagine 5" descr="Immagine che contiene testo, segnale&#10;&#10;Descrizione generata automaticamente">
+            <a:extLst>
+              <a:ext uri="{FF2B5EF4-FFF2-40B4-BE49-F238E27FC236}">
+                <a16:creationId xmlns:a16="http://schemas.microsoft.com/office/drawing/2014/main" id="{BEA43327-3F3C-FBE4-F614-4DF2A87CF06E}"/>
+              </a:ext>
+            </a:extLst>
+          </p:cNvPr>
+          <p:cNvPicPr>
+            <a:picLocks noChangeAspect="1"/>
+          </p:cNvPicPr>
+          <p:nvPr/>
+        </p:nvPicPr>
+        <p:blipFill>
+          <a:blip r:embed="rId4">
+            <a:extLst>
+              <a:ext uri="{28A0092B-C50C-407E-A947-70E740481C1C}">
+                <a14:useLocalDpi xmlns:a14="http://schemas.microsoft.com/office/drawing/2010/main" val="0"/>
+              </a:ext>
+            </a:extLst>
+          </a:blip>
+          <a:stretch>
+            <a:fillRect/>
+          </a:stretch>
+        </p:blipFill>
+        <p:spPr>
+          <a:xfrm>
+            <a:off x="302427" y="271844"/>
+            <a:ext cx="609600" cy="609600"/>
+          </a:xfrm>
+          <a:prstGeom prst="rect">
+            <a:avLst/>
+          </a:prstGeom>
+          <a:effectLst>
+            <a:outerShdw blurRad="50800" dist="38100" dir="5400000" algn="t" rotWithShape="0">
+              <a:prstClr val="black">
+                <a:alpha val="40000"/>
+              </a:prstClr>
+            </a:outerShdw>
+          </a:effectLst>
+        </p:spPr>
+      </p:pic>
+    </p:spTree>
+    <p:extLst>
+      <p:ext uri="{BB962C8B-B14F-4D97-AF65-F5344CB8AC3E}">
+        <p14:creationId xmlns:p14="http://schemas.microsoft.com/office/powerpoint/2010/main" val="3459565490"/>
+      </p:ext>
+    </p:extLst>
+  </p:cSld>
+  <p:clrMapOvr>
+    <a:masterClrMapping/>
+  </p:clrMapOvr>
+</p:sld>
+</file>
+
+<file path=ppt/slides/slide11.xml><?xml version="1.0" encoding="utf-8"?>
 <p:sld xmlns:a="http://schemas.openxmlformats.org/drawingml/2006/main" xmlns:r="http://schemas.openxmlformats.org/officeDocument/2006/relationships" xmlns:p="http://schemas.openxmlformats.org/presentationml/2006/main">
   <p:cSld>
     <p:bg>
@@ -9036,15 +11965,15 @@
         </p:blipFill>
         <p:spPr>
           <a:xfrm>
-            <a:off x="1204331" y="3945982"/>
+            <a:off x="1204331" y="3778325"/>
             <a:ext cx="4890145" cy="2750705"/>
           </a:xfrm>
           <a:prstGeom prst="rect">
             <a:avLst/>
           </a:prstGeom>
           <a:effectLst>
-            <a:outerShdw blurRad="63500" dist="63500" dir="8100000" algn="tr" rotWithShape="0">
-              <a:srgbClr val="1020D7">
+            <a:outerShdw blurRad="63500" sx="102000" sy="102000" algn="ctr" rotWithShape="0">
+              <a:srgbClr val="0C01D3">
                 <a:alpha val="40000"/>
               </a:srgbClr>
             </a:outerShdw>
@@ -9079,14 +12008,14 @@
         </p:blipFill>
         <p:spPr>
           <a:xfrm>
-            <a:off x="6451621" y="975527"/>
+            <a:off x="5831016" y="513810"/>
             <a:ext cx="4890145" cy="2750705"/>
           </a:xfrm>
           <a:prstGeom prst="rect">
             <a:avLst/>
           </a:prstGeom>
           <a:effectLst>
-            <a:outerShdw blurRad="63500" dist="63500" algn="l" rotWithShape="0">
+            <a:outerShdw blurRad="63500" sx="102000" sy="102000" algn="ctr" rotWithShape="0">
               <a:srgbClr val="1020D7">
                 <a:alpha val="40000"/>
               </a:srgbClr>
@@ -9122,15 +12051,15 @@
         </p:blipFill>
         <p:spPr>
           <a:xfrm>
-            <a:off x="6451624" y="3945983"/>
+            <a:off x="6660677" y="3593486"/>
             <a:ext cx="4890142" cy="2750705"/>
           </a:xfrm>
           <a:prstGeom prst="rect">
             <a:avLst/>
           </a:prstGeom>
           <a:effectLst>
-            <a:outerShdw blurRad="63500" dist="63500" dir="2700000" algn="tl" rotWithShape="0">
-              <a:srgbClr val="1020D7">
+            <a:outerShdw blurRad="63500" sx="102000" sy="102000" algn="ctr" rotWithShape="0">
+              <a:srgbClr val="0C01D3">
                 <a:alpha val="40000"/>
               </a:srgbClr>
             </a:outerShdw>
@@ -9173,6 +12102,49 @@
           </a:prstGeom>
         </p:spPr>
       </p:pic>
+      <p:pic>
+        <p:nvPicPr>
+          <p:cNvPr id="10" name="Immagine 9" descr="Immagine che contiene testo, segnale&#10;&#10;Descrizione generata automaticamente">
+            <a:extLst>
+              <a:ext uri="{FF2B5EF4-FFF2-40B4-BE49-F238E27FC236}">
+                <a16:creationId xmlns:a16="http://schemas.microsoft.com/office/drawing/2014/main" id="{708380BA-1D7D-94A1-A4E8-FBCCF897AC74}"/>
+              </a:ext>
+            </a:extLst>
+          </p:cNvPr>
+          <p:cNvPicPr>
+            <a:picLocks noChangeAspect="1"/>
+          </p:cNvPicPr>
+          <p:nvPr/>
+        </p:nvPicPr>
+        <p:blipFill>
+          <a:blip r:embed="rId6">
+            <a:extLst>
+              <a:ext uri="{28A0092B-C50C-407E-A947-70E740481C1C}">
+                <a14:useLocalDpi xmlns:a14="http://schemas.microsoft.com/office/drawing/2010/main" val="0"/>
+              </a:ext>
+            </a:extLst>
+          </a:blip>
+          <a:stretch>
+            <a:fillRect/>
+          </a:stretch>
+        </p:blipFill>
+        <p:spPr>
+          <a:xfrm>
+            <a:off x="302427" y="271844"/>
+            <a:ext cx="609600" cy="609600"/>
+          </a:xfrm>
+          <a:prstGeom prst="rect">
+            <a:avLst/>
+          </a:prstGeom>
+          <a:effectLst>
+            <a:outerShdw blurRad="50800" dist="38100" dir="5400000" algn="t" rotWithShape="0">
+              <a:prstClr val="black">
+                <a:alpha val="40000"/>
+              </a:prstClr>
+            </a:outerShdw>
+          </a:effectLst>
+        </p:spPr>
+      </p:pic>
     </p:spTree>
     <p:extLst>
       <p:ext uri="{BB962C8B-B14F-4D97-AF65-F5344CB8AC3E}">
@@ -9186,7 +12158,7 @@
 </p:sld>
 </file>
 
-<file path=ppt/slides/slide11.xml><?xml version="1.0" encoding="utf-8"?>
+<file path=ppt/slides/slide12.xml><?xml version="1.0" encoding="utf-8"?>
 <p:sld xmlns:a="http://schemas.openxmlformats.org/drawingml/2006/main" xmlns:r="http://schemas.openxmlformats.org/officeDocument/2006/relationships" xmlns:p="http://schemas.openxmlformats.org/presentationml/2006/main">
   <p:cSld>
     <p:bg>
@@ -10152,52 +13124,8 @@
         </p:nvSpPr>
         <p:spPr>
           <a:xfrm>
-            <a:off x="835782" y="584912"/>
-            <a:ext cx="10515600" cy="1348065"/>
-          </a:xfrm>
-        </p:spPr>
-        <p:txBody>
-          <a:bodyPr>
-            <a:normAutofit fontScale="90000"/>
-          </a:bodyPr>
-          <a:lstStyle/>
-          <a:p>
-            <a:r>
-              <a:rPr lang="it-IT" sz="5400" dirty="0">
-                <a:solidFill>
-                  <a:srgbClr val="FFFFFF"/>
-                </a:solidFill>
-              </a:rPr>
-              <a:t>Considerazioni finali e sviluppi futuri</a:t>
-            </a:r>
-            <a:endParaRPr lang="en-GB" sz="5400" dirty="0">
-              <a:solidFill>
-                <a:srgbClr val="FFFFFF"/>
-              </a:solidFill>
-            </a:endParaRPr>
-          </a:p>
-        </p:txBody>
-      </p:sp>
-      <p:sp>
-        <p:nvSpPr>
-          <p:cNvPr id="13" name="Segnaposto contenuto 2">
-            <a:extLst>
-              <a:ext uri="{FF2B5EF4-FFF2-40B4-BE49-F238E27FC236}">
-                <a16:creationId xmlns:a16="http://schemas.microsoft.com/office/drawing/2014/main" id="{28F789CB-F006-5669-0545-B5B25CFAACA1}"/>
-              </a:ext>
-            </a:extLst>
-          </p:cNvPr>
-          <p:cNvSpPr>
-            <a:spLocks noGrp="1"/>
-          </p:cNvSpPr>
-          <p:nvPr>
-            <p:ph idx="1"/>
-          </p:nvPr>
-        </p:nvSpPr>
-        <p:spPr>
-          <a:xfrm>
-            <a:off x="835782" y="2932326"/>
-            <a:ext cx="10515600" cy="3590174"/>
+            <a:off x="1076222" y="755777"/>
+            <a:ext cx="9971649" cy="1348065"/>
           </a:xfrm>
         </p:spPr>
         <p:txBody>
@@ -10206,73 +13134,1193 @@
           </a:bodyPr>
           <a:lstStyle/>
           <a:p>
-            <a:pPr marL="0" indent="0">
-              <a:buNone/>
-            </a:pPr>
-            <a:endParaRPr lang="it-IT" sz="2200" dirty="0">
+            <a:pPr algn="ctr"/>
+            <a:r>
+              <a:rPr lang="it-IT" sz="4800" dirty="0">
+                <a:solidFill>
+                  <a:srgbClr val="FFFFFF"/>
+                </a:solidFill>
+              </a:rPr>
+              <a:t>Sviluppi futuri</a:t>
+            </a:r>
+            <a:endParaRPr lang="en-GB" sz="4800" dirty="0">
               <a:solidFill>
-                <a:srgbClr val="1020D7"/>
+                <a:srgbClr val="FFFFFF"/>
               </a:solidFill>
             </a:endParaRPr>
           </a:p>
-          <a:p>
-            <a:r>
-              <a:rPr lang="it-IT" sz="2400" dirty="0">
-                <a:solidFill>
-                  <a:srgbClr val="1020D7"/>
-                </a:solidFill>
-              </a:rPr>
-              <a:t>Aggiunta di dettagli e animazioni alle statistiche</a:t>
-            </a:r>
-          </a:p>
-          <a:p>
-            <a:r>
-              <a:rPr lang="it-IT" sz="2200" dirty="0">
-                <a:solidFill>
-                  <a:srgbClr val="1020D7"/>
-                </a:solidFill>
-              </a:rPr>
-              <a:t>Estensione del software a molti altri tipi di votazioni/elezioni</a:t>
-            </a:r>
-          </a:p>
-          <a:p>
-            <a:r>
-              <a:rPr lang="it-IT" sz="2200" dirty="0">
-                <a:solidFill>
-                  <a:srgbClr val="1020D7"/>
-                </a:solidFill>
-              </a:rPr>
-              <a:t>Backup minimale</a:t>
-            </a:r>
-          </a:p>
-          <a:p>
-            <a:r>
-              <a:rPr lang="it-IT" sz="2200" dirty="0">
-                <a:solidFill>
-                  <a:srgbClr val="1020D7"/>
-                </a:solidFill>
-              </a:rPr>
-              <a:t>Incrementare la sicurezza, come lo standard «inserire nome standard»</a:t>
-            </a:r>
-          </a:p>
-          <a:p>
-            <a:r>
-              <a:rPr lang="it-IT" sz="2200" dirty="0">
-                <a:solidFill>
-                  <a:srgbClr val="1020D7"/>
-                </a:solidFill>
-              </a:rPr>
-              <a:t>Riconoscimento facciale</a:t>
-            </a:r>
-          </a:p>
         </p:txBody>
       </p:sp>
+      <p:graphicFrame>
+        <p:nvGraphicFramePr>
+          <p:cNvPr id="29" name="Segnaposto contenuto 2">
+            <a:extLst>
+              <a:ext uri="{FF2B5EF4-FFF2-40B4-BE49-F238E27FC236}">
+                <a16:creationId xmlns:a16="http://schemas.microsoft.com/office/drawing/2014/main" id="{0798CFCD-50BC-9003-E955-272A61903AE1}"/>
+              </a:ext>
+            </a:extLst>
+          </p:cNvPr>
+          <p:cNvGraphicFramePr>
+            <a:graphicFrameLocks noGrp="1"/>
+          </p:cNvGraphicFramePr>
+          <p:nvPr>
+            <p:ph idx="1"/>
+            <p:extLst>
+              <p:ext uri="{D42A27DB-BD31-4B8C-83A1-F6EECF244321}">
+                <p14:modId xmlns:p14="http://schemas.microsoft.com/office/powerpoint/2010/main" val="1755675701"/>
+              </p:ext>
+            </p:extLst>
+          </p:nvPr>
+        </p:nvGraphicFramePr>
+        <p:xfrm>
+          <a:off x="1188658" y="3014070"/>
+          <a:ext cx="9809847" cy="3309517"/>
+        </p:xfrm>
+        <a:graphic>
+          <a:graphicData uri="http://schemas.openxmlformats.org/drawingml/2006/diagram">
+            <dgm:relIds xmlns:dgm="http://schemas.openxmlformats.org/drawingml/2006/diagram" xmlns:r="http://schemas.openxmlformats.org/officeDocument/2006/relationships" r:dm="rId2" r:lo="rId3" r:qs="rId4" r:cs="rId5"/>
+          </a:graphicData>
+        </a:graphic>
+      </p:graphicFrame>
       <p:pic>
         <p:nvPicPr>
           <p:cNvPr id="12" name="Immagine 11">
             <a:extLst>
               <a:ext uri="{FF2B5EF4-FFF2-40B4-BE49-F238E27FC236}">
                 <a16:creationId xmlns:a16="http://schemas.microsoft.com/office/drawing/2014/main" id="{098590E5-8E74-DD1C-28CE-A64920BB68EA}"/>
+              </a:ext>
+            </a:extLst>
+          </p:cNvPr>
+          <p:cNvPicPr>
+            <a:picLocks noChangeAspect="1"/>
+          </p:cNvPicPr>
+          <p:nvPr/>
+        </p:nvPicPr>
+        <p:blipFill>
+          <a:blip r:embed="rId7">
+            <a:extLst>
+              <a:ext uri="{28A0092B-C50C-407E-A947-70E740481C1C}">
+                <a14:useLocalDpi xmlns:a14="http://schemas.microsoft.com/office/drawing/2010/main" val="0"/>
+              </a:ext>
+            </a:extLst>
+          </a:blip>
+          <a:stretch>
+            <a:fillRect/>
+          </a:stretch>
+        </p:blipFill>
+        <p:spPr>
+          <a:xfrm>
+            <a:off x="11212066" y="271844"/>
+            <a:ext cx="677507" cy="483933"/>
+          </a:xfrm>
+          <a:prstGeom prst="rect">
+            <a:avLst/>
+          </a:prstGeom>
+          <a:noFill/>
+          <a:ln>
+            <a:noFill/>
+          </a:ln>
+        </p:spPr>
+      </p:pic>
+      <p:pic>
+        <p:nvPicPr>
+          <p:cNvPr id="4" name="Immagine 3">
+            <a:extLst>
+              <a:ext uri="{FF2B5EF4-FFF2-40B4-BE49-F238E27FC236}">
+                <a16:creationId xmlns:a16="http://schemas.microsoft.com/office/drawing/2014/main" id="{B1F9EC98-9CFC-9FB0-1FAD-959CA1B40137}"/>
+              </a:ext>
+            </a:extLst>
+          </p:cNvPr>
+          <p:cNvPicPr>
+            <a:picLocks noChangeAspect="1"/>
+          </p:cNvPicPr>
+          <p:nvPr/>
+        </p:nvPicPr>
+        <p:blipFill>
+          <a:blip r:embed="rId8">
+            <a:extLst>
+              <a:ext uri="{28A0092B-C50C-407E-A947-70E740481C1C}">
+                <a14:useLocalDpi xmlns:a14="http://schemas.microsoft.com/office/drawing/2010/main" val="0"/>
+              </a:ext>
+            </a:extLst>
+          </a:blip>
+          <a:stretch>
+            <a:fillRect/>
+          </a:stretch>
+        </p:blipFill>
+        <p:spPr>
+          <a:xfrm>
+            <a:off x="302427" y="271844"/>
+            <a:ext cx="609600" cy="609600"/>
+          </a:xfrm>
+          <a:prstGeom prst="rect">
+            <a:avLst/>
+          </a:prstGeom>
+          <a:effectLst>
+            <a:outerShdw blurRad="50800" dist="38100" dir="5400000" algn="t" rotWithShape="0">
+              <a:prstClr val="black">
+                <a:alpha val="40000"/>
+              </a:prstClr>
+            </a:outerShdw>
+          </a:effectLst>
+        </p:spPr>
+      </p:pic>
+    </p:spTree>
+    <p:extLst>
+      <p:ext uri="{BB962C8B-B14F-4D97-AF65-F5344CB8AC3E}">
+        <p14:creationId xmlns:p14="http://schemas.microsoft.com/office/powerpoint/2010/main" val="3827316853"/>
+      </p:ext>
+    </p:extLst>
+  </p:cSld>
+  <p:clrMapOvr>
+    <a:masterClrMapping/>
+  </p:clrMapOvr>
+</p:sld>
+</file>
+
+<file path=ppt/slides/slide2.xml><?xml version="1.0" encoding="utf-8"?>
+<p:sld xmlns:a="http://schemas.openxmlformats.org/drawingml/2006/main" xmlns:r="http://schemas.openxmlformats.org/officeDocument/2006/relationships" xmlns:p="http://schemas.openxmlformats.org/presentationml/2006/main">
+  <p:cSld>
+    <p:bg>
+      <p:bgPr>
+        <a:solidFill>
+          <a:schemeClr val="bg1"/>
+        </a:solidFill>
+        <a:effectLst/>
+      </p:bgPr>
+    </p:bg>
+    <p:spTree>
+      <p:nvGrpSpPr>
+        <p:cNvPr id="1" name=""/>
+        <p:cNvGrpSpPr/>
+        <p:nvPr/>
+      </p:nvGrpSpPr>
+      <p:grpSpPr>
+        <a:xfrm>
+          <a:off x="0" y="0"/>
+          <a:ext cx="0" cy="0"/>
+          <a:chOff x="0" y="0"/>
+          <a:chExt cx="0" cy="0"/>
+        </a:xfrm>
+      </p:grpSpPr>
+      <p:sp useBgFill="1">
+        <p:nvSpPr>
+          <p:cNvPr id="13" name="Rectangle 6">
+            <a:extLst>
+              <a:ext uri="{FF2B5EF4-FFF2-40B4-BE49-F238E27FC236}">
+                <a16:creationId xmlns:a16="http://schemas.microsoft.com/office/drawing/2014/main" id="{ED8E54F9-849C-4865-8C5E-FD967B81D756}"/>
+              </a:ext>
+              <a:ext uri="{C183D7F6-B498-43B3-948B-1728B52AA6E4}">
+                <adec:decorative xmlns:adec="http://schemas.microsoft.com/office/drawing/2017/decorative" val="1"/>
+              </a:ext>
+            </a:extLst>
+          </p:cNvPr>
+          <p:cNvSpPr>
+            <a:spLocks noGrp="1" noRot="1" noChangeAspect="1" noMove="1" noResize="1" noEditPoints="1" noAdjustHandles="1" noChangeArrowheads="1" noChangeShapeType="1" noTextEdit="1"/>
+          </p:cNvSpPr>
+          <p:nvPr>
+            <p:extLst>
+              <p:ext uri="{386F3935-93C4-4BCD-93E2-E3B085C9AB24}">
+                <p16:designElem xmlns:p16="http://schemas.microsoft.com/office/powerpoint/2015/main" val="1"/>
+              </p:ext>
+            </p:extLst>
+          </p:nvPr>
+        </p:nvSpPr>
+        <p:spPr>
+          <a:xfrm>
+            <a:off x="0" y="0"/>
+            <a:ext cx="12188952" cy="6858000"/>
+          </a:xfrm>
+          <a:prstGeom prst="rect">
+            <a:avLst/>
+          </a:prstGeom>
+          <a:ln>
+            <a:noFill/>
+          </a:ln>
+        </p:spPr>
+        <p:style>
+          <a:lnRef idx="2">
+            <a:schemeClr val="accent1">
+              <a:shade val="50000"/>
+            </a:schemeClr>
+          </a:lnRef>
+          <a:fillRef idx="1">
+            <a:schemeClr val="accent1"/>
+          </a:fillRef>
+          <a:effectRef idx="0">
+            <a:schemeClr val="accent1"/>
+          </a:effectRef>
+          <a:fontRef idx="minor">
+            <a:schemeClr val="lt1"/>
+          </a:fontRef>
+        </p:style>
+        <p:txBody>
+          <a:bodyPr rtlCol="0" anchor="ctr"/>
+          <a:lstStyle/>
+          <a:p>
+            <a:pPr algn="ctr"/>
+            <a:endParaRPr lang="en-US"/>
+          </a:p>
+        </p:txBody>
+      </p:sp>
+      <p:sp>
+        <p:nvSpPr>
+          <p:cNvPr id="14" name="Freeform: Shape 8">
+            <a:extLst>
+              <a:ext uri="{FF2B5EF4-FFF2-40B4-BE49-F238E27FC236}">
+                <a16:creationId xmlns:a16="http://schemas.microsoft.com/office/drawing/2014/main" id="{391AE6B3-1D2D-4C67-A4DB-888635B527AC}"/>
+              </a:ext>
+              <a:ext uri="{C183D7F6-B498-43B3-948B-1728B52AA6E4}">
+                <adec:decorative xmlns:adec="http://schemas.microsoft.com/office/drawing/2017/decorative" val="1"/>
+              </a:ext>
+            </a:extLst>
+          </p:cNvPr>
+          <p:cNvSpPr>
+            <a:spLocks noGrp="1" noRot="1" noChangeAspect="1" noMove="1" noResize="1" noEditPoints="1" noAdjustHandles="1" noChangeArrowheads="1" noChangeShapeType="1" noTextEdit="1"/>
+          </p:cNvSpPr>
+          <p:nvPr>
+            <p:extLst>
+              <p:ext uri="{386F3935-93C4-4BCD-93E2-E3B085C9AB24}">
+                <p16:designElem xmlns:p16="http://schemas.microsoft.com/office/powerpoint/2015/main" val="1"/>
+              </p:ext>
+            </p:extLst>
+          </p:nvPr>
+        </p:nvSpPr>
+        <p:spPr>
+          <a:xfrm>
+            <a:off x="0" y="1"/>
+            <a:ext cx="12192000" cy="6054983"/>
+          </a:xfrm>
+          <a:custGeom>
+            <a:avLst/>
+            <a:gdLst>
+              <a:gd name="connsiteX0" fmla="*/ 6788003 w 12188952"/>
+              <a:gd name="connsiteY0" fmla="*/ 5986774 h 6054983"/>
+              <a:gd name="connsiteX1" fmla="*/ 6787005 w 12188952"/>
+              <a:gd name="connsiteY1" fmla="*/ 5986852 h 6054983"/>
+              <a:gd name="connsiteX2" fmla="*/ 6786779 w 12188952"/>
+              <a:gd name="connsiteY2" fmla="*/ 5987386 h 6054983"/>
+              <a:gd name="connsiteX3" fmla="*/ 0 w 12188952"/>
+              <a:gd name="connsiteY3" fmla="*/ 0 h 6054983"/>
+              <a:gd name="connsiteX4" fmla="*/ 12188952 w 12188952"/>
+              <a:gd name="connsiteY4" fmla="*/ 0 h 6054983"/>
+              <a:gd name="connsiteX5" fmla="*/ 12188952 w 12188952"/>
+              <a:gd name="connsiteY5" fmla="*/ 5092539 h 6054983"/>
+              <a:gd name="connsiteX6" fmla="*/ 12058081 w 12188952"/>
+              <a:gd name="connsiteY6" fmla="*/ 5131579 h 6054983"/>
+              <a:gd name="connsiteX7" fmla="*/ 11673881 w 12188952"/>
+              <a:gd name="connsiteY7" fmla="*/ 5235154 h 6054983"/>
+              <a:gd name="connsiteX8" fmla="*/ 10422749 w 12188952"/>
+              <a:gd name="connsiteY8" fmla="*/ 5518693 h 6054983"/>
+              <a:gd name="connsiteX9" fmla="*/ 9421666 w 12188952"/>
+              <a:gd name="connsiteY9" fmla="*/ 5693855 h 6054983"/>
+              <a:gd name="connsiteX10" fmla="*/ 8456304 w 12188952"/>
+              <a:gd name="connsiteY10" fmla="*/ 5827556 h 6054983"/>
+              <a:gd name="connsiteX11" fmla="*/ 7714041 w 12188952"/>
+              <a:gd name="connsiteY11" fmla="*/ 5907503 h 6054983"/>
+              <a:gd name="connsiteX12" fmla="*/ 6949978 w 12188952"/>
+              <a:gd name="connsiteY12" fmla="*/ 5973283 h 6054983"/>
+              <a:gd name="connsiteX13" fmla="*/ 6934569 w 12188952"/>
+              <a:gd name="connsiteY13" fmla="*/ 5975354 h 6054983"/>
+              <a:gd name="connsiteX14" fmla="*/ 6788750 w 12188952"/>
+              <a:gd name="connsiteY14" fmla="*/ 5986715 h 6054983"/>
+              <a:gd name="connsiteX15" fmla="*/ 6798241 w 12188952"/>
+              <a:gd name="connsiteY15" fmla="*/ 5988535 h 6054983"/>
+              <a:gd name="connsiteX16" fmla="*/ 6833723 w 12188952"/>
+              <a:gd name="connsiteY16" fmla="*/ 5986828 h 6054983"/>
+              <a:gd name="connsiteX17" fmla="*/ 6882282 w 12188952"/>
+              <a:gd name="connsiteY17" fmla="*/ 5983850 h 6054983"/>
+              <a:gd name="connsiteX18" fmla="*/ 7576876 w 12188952"/>
+              <a:gd name="connsiteY18" fmla="*/ 5951323 h 6054983"/>
+              <a:gd name="connsiteX19" fmla="*/ 8621689 w 12188952"/>
+              <a:gd name="connsiteY19" fmla="*/ 5864426 h 6054983"/>
+              <a:gd name="connsiteX20" fmla="*/ 9477600 w 12188952"/>
+              <a:gd name="connsiteY20" fmla="*/ 5760520 h 6054983"/>
+              <a:gd name="connsiteX21" fmla="*/ 10626651 w 12188952"/>
+              <a:gd name="connsiteY21" fmla="*/ 5566363 h 6054983"/>
+              <a:gd name="connsiteX22" fmla="*/ 11995498 w 12188952"/>
+              <a:gd name="connsiteY22" fmla="*/ 5240369 h 6054983"/>
+              <a:gd name="connsiteX23" fmla="*/ 12188952 w 12188952"/>
+              <a:gd name="connsiteY23" fmla="*/ 5183370 h 6054983"/>
+              <a:gd name="connsiteX24" fmla="*/ 12188952 w 12188952"/>
+              <a:gd name="connsiteY24" fmla="*/ 5238107 h 6054983"/>
+              <a:gd name="connsiteX25" fmla="*/ 11826300 w 12188952"/>
+              <a:gd name="connsiteY25" fmla="*/ 5343406 h 6054983"/>
+              <a:gd name="connsiteX26" fmla="*/ 10936448 w 12188952"/>
+              <a:gd name="connsiteY26" fmla="*/ 5557921 h 6054983"/>
+              <a:gd name="connsiteX27" fmla="*/ 9983034 w 12188952"/>
+              <a:gd name="connsiteY27" fmla="*/ 5737926 h 6054983"/>
+              <a:gd name="connsiteX28" fmla="*/ 9184585 w 12188952"/>
+              <a:gd name="connsiteY28" fmla="*/ 5853873 h 6054983"/>
+              <a:gd name="connsiteX29" fmla="*/ 8576053 w 12188952"/>
+              <a:gd name="connsiteY29" fmla="*/ 5923392 h 6054983"/>
+              <a:gd name="connsiteX30" fmla="*/ 7862392 w 12188952"/>
+              <a:gd name="connsiteY30" fmla="*/ 5984843 h 6054983"/>
+              <a:gd name="connsiteX31" fmla="*/ 6933768 w 12188952"/>
+              <a:gd name="connsiteY31" fmla="*/ 6036237 h 6054983"/>
+              <a:gd name="connsiteX32" fmla="*/ 6476130 w 12188952"/>
+              <a:gd name="connsiteY32" fmla="*/ 6050140 h 6054983"/>
+              <a:gd name="connsiteX33" fmla="*/ 6360703 w 12188952"/>
+              <a:gd name="connsiteY33" fmla="*/ 6054983 h 6054983"/>
+              <a:gd name="connsiteX34" fmla="*/ 6055614 w 12188952"/>
+              <a:gd name="connsiteY34" fmla="*/ 6054983 h 6054983"/>
+              <a:gd name="connsiteX35" fmla="*/ 5976289 w 12188952"/>
+              <a:gd name="connsiteY35" fmla="*/ 6050389 h 6054983"/>
+              <a:gd name="connsiteX36" fmla="*/ 5263770 w 12188952"/>
+              <a:gd name="connsiteY36" fmla="*/ 6014140 h 6054983"/>
+              <a:gd name="connsiteX37" fmla="*/ 4345190 w 12188952"/>
+              <a:gd name="connsiteY37" fmla="*/ 5952070 h 6054983"/>
+              <a:gd name="connsiteX38" fmla="*/ 3372201 w 12188952"/>
+              <a:gd name="connsiteY38" fmla="*/ 5853501 h 6054983"/>
+              <a:gd name="connsiteX39" fmla="*/ 2361582 w 12188952"/>
+              <a:gd name="connsiteY39" fmla="*/ 5734574 h 6054983"/>
+              <a:gd name="connsiteX40" fmla="*/ 1232869 w 12188952"/>
+              <a:gd name="connsiteY40" fmla="*/ 5561398 h 6054983"/>
+              <a:gd name="connsiteX41" fmla="*/ 68483 w 12188952"/>
+              <a:gd name="connsiteY41" fmla="*/ 5321691 h 6054983"/>
+              <a:gd name="connsiteX42" fmla="*/ 0 w 12188952"/>
+              <a:gd name="connsiteY42" fmla="*/ 5304336 h 6054983"/>
+              <a:gd name="connsiteX43" fmla="*/ 0 w 12188952"/>
+              <a:gd name="connsiteY43" fmla="*/ 5247847 h 6054983"/>
+              <a:gd name="connsiteX44" fmla="*/ 72423 w 12188952"/>
+              <a:gd name="connsiteY44" fmla="*/ 5266624 h 6054983"/>
+              <a:gd name="connsiteX45" fmla="*/ 600566 w 12188952"/>
+              <a:gd name="connsiteY45" fmla="*/ 5384994 h 6054983"/>
+              <a:gd name="connsiteX46" fmla="*/ 1769069 w 12188952"/>
+              <a:gd name="connsiteY46" fmla="*/ 5595162 h 6054983"/>
+              <a:gd name="connsiteX47" fmla="*/ 2612900 w 12188952"/>
+              <a:gd name="connsiteY47" fmla="*/ 5712104 h 6054983"/>
+              <a:gd name="connsiteX48" fmla="*/ 2580488 w 12188952"/>
+              <a:gd name="connsiteY48" fmla="*/ 5702173 h 6054983"/>
+              <a:gd name="connsiteX49" fmla="*/ 1112357 w 12188952"/>
+              <a:gd name="connsiteY49" fmla="*/ 5369476 h 6054983"/>
+              <a:gd name="connsiteX50" fmla="*/ 420307 w 12188952"/>
+              <a:gd name="connsiteY50" fmla="*/ 5170043 h 6054983"/>
+              <a:gd name="connsiteX51" fmla="*/ 0 w 12188952"/>
+              <a:gd name="connsiteY51" fmla="*/ 5031126 h 6054983"/>
+            </a:gdLst>
+            <a:ahLst/>
+            <a:cxnLst>
+              <a:cxn ang="0">
+                <a:pos x="connsiteX0" y="connsiteY0"/>
+              </a:cxn>
+              <a:cxn ang="0">
+                <a:pos x="connsiteX1" y="connsiteY1"/>
+              </a:cxn>
+              <a:cxn ang="0">
+                <a:pos x="connsiteX2" y="connsiteY2"/>
+              </a:cxn>
+              <a:cxn ang="0">
+                <a:pos x="connsiteX3" y="connsiteY3"/>
+              </a:cxn>
+              <a:cxn ang="0">
+                <a:pos x="connsiteX4" y="connsiteY4"/>
+              </a:cxn>
+              <a:cxn ang="0">
+                <a:pos x="connsiteX5" y="connsiteY5"/>
+              </a:cxn>
+              <a:cxn ang="0">
+                <a:pos x="connsiteX6" y="connsiteY6"/>
+              </a:cxn>
+              <a:cxn ang="0">
+                <a:pos x="connsiteX7" y="connsiteY7"/>
+              </a:cxn>
+              <a:cxn ang="0">
+                <a:pos x="connsiteX8" y="connsiteY8"/>
+              </a:cxn>
+              <a:cxn ang="0">
+                <a:pos x="connsiteX9" y="connsiteY9"/>
+              </a:cxn>
+              <a:cxn ang="0">
+                <a:pos x="connsiteX10" y="connsiteY10"/>
+              </a:cxn>
+              <a:cxn ang="0">
+                <a:pos x="connsiteX11" y="connsiteY11"/>
+              </a:cxn>
+              <a:cxn ang="0">
+                <a:pos x="connsiteX12" y="connsiteY12"/>
+              </a:cxn>
+              <a:cxn ang="0">
+                <a:pos x="connsiteX13" y="connsiteY13"/>
+              </a:cxn>
+              <a:cxn ang="0">
+                <a:pos x="connsiteX14" y="connsiteY14"/>
+              </a:cxn>
+              <a:cxn ang="0">
+                <a:pos x="connsiteX15" y="connsiteY15"/>
+              </a:cxn>
+              <a:cxn ang="0">
+                <a:pos x="connsiteX16" y="connsiteY16"/>
+              </a:cxn>
+              <a:cxn ang="0">
+                <a:pos x="connsiteX17" y="connsiteY17"/>
+              </a:cxn>
+              <a:cxn ang="0">
+                <a:pos x="connsiteX18" y="connsiteY18"/>
+              </a:cxn>
+              <a:cxn ang="0">
+                <a:pos x="connsiteX19" y="connsiteY19"/>
+              </a:cxn>
+              <a:cxn ang="0">
+                <a:pos x="connsiteX20" y="connsiteY20"/>
+              </a:cxn>
+              <a:cxn ang="0">
+                <a:pos x="connsiteX21" y="connsiteY21"/>
+              </a:cxn>
+              <a:cxn ang="0">
+                <a:pos x="connsiteX22" y="connsiteY22"/>
+              </a:cxn>
+              <a:cxn ang="0">
+                <a:pos x="connsiteX23" y="connsiteY23"/>
+              </a:cxn>
+              <a:cxn ang="0">
+                <a:pos x="connsiteX24" y="connsiteY24"/>
+              </a:cxn>
+              <a:cxn ang="0">
+                <a:pos x="connsiteX25" y="connsiteY25"/>
+              </a:cxn>
+              <a:cxn ang="0">
+                <a:pos x="connsiteX26" y="connsiteY26"/>
+              </a:cxn>
+              <a:cxn ang="0">
+                <a:pos x="connsiteX27" y="connsiteY27"/>
+              </a:cxn>
+              <a:cxn ang="0">
+                <a:pos x="connsiteX28" y="connsiteY28"/>
+              </a:cxn>
+              <a:cxn ang="0">
+                <a:pos x="connsiteX29" y="connsiteY29"/>
+              </a:cxn>
+              <a:cxn ang="0">
+                <a:pos x="connsiteX30" y="connsiteY30"/>
+              </a:cxn>
+              <a:cxn ang="0">
+                <a:pos x="connsiteX31" y="connsiteY31"/>
+              </a:cxn>
+              <a:cxn ang="0">
+                <a:pos x="connsiteX32" y="connsiteY32"/>
+              </a:cxn>
+              <a:cxn ang="0">
+                <a:pos x="connsiteX33" y="connsiteY33"/>
+              </a:cxn>
+              <a:cxn ang="0">
+                <a:pos x="connsiteX34" y="connsiteY34"/>
+              </a:cxn>
+              <a:cxn ang="0">
+                <a:pos x="connsiteX35" y="connsiteY35"/>
+              </a:cxn>
+              <a:cxn ang="0">
+                <a:pos x="connsiteX36" y="connsiteY36"/>
+              </a:cxn>
+              <a:cxn ang="0">
+                <a:pos x="connsiteX37" y="connsiteY37"/>
+              </a:cxn>
+              <a:cxn ang="0">
+                <a:pos x="connsiteX38" y="connsiteY38"/>
+              </a:cxn>
+              <a:cxn ang="0">
+                <a:pos x="connsiteX39" y="connsiteY39"/>
+              </a:cxn>
+              <a:cxn ang="0">
+                <a:pos x="connsiteX40" y="connsiteY40"/>
+              </a:cxn>
+              <a:cxn ang="0">
+                <a:pos x="connsiteX41" y="connsiteY41"/>
+              </a:cxn>
+              <a:cxn ang="0">
+                <a:pos x="connsiteX42" y="connsiteY42"/>
+              </a:cxn>
+              <a:cxn ang="0">
+                <a:pos x="connsiteX43" y="connsiteY43"/>
+              </a:cxn>
+              <a:cxn ang="0">
+                <a:pos x="connsiteX44" y="connsiteY44"/>
+              </a:cxn>
+              <a:cxn ang="0">
+                <a:pos x="connsiteX45" y="connsiteY45"/>
+              </a:cxn>
+              <a:cxn ang="0">
+                <a:pos x="connsiteX46" y="connsiteY46"/>
+              </a:cxn>
+              <a:cxn ang="0">
+                <a:pos x="connsiteX47" y="connsiteY47"/>
+              </a:cxn>
+              <a:cxn ang="0">
+                <a:pos x="connsiteX48" y="connsiteY48"/>
+              </a:cxn>
+              <a:cxn ang="0">
+                <a:pos x="connsiteX49" y="connsiteY49"/>
+              </a:cxn>
+              <a:cxn ang="0">
+                <a:pos x="connsiteX50" y="connsiteY50"/>
+              </a:cxn>
+              <a:cxn ang="0">
+                <a:pos x="connsiteX51" y="connsiteY51"/>
+              </a:cxn>
+            </a:cxnLst>
+            <a:rect l="l" t="t" r="r" b="b"/>
+            <a:pathLst>
+              <a:path w="12188952" h="6054983">
+                <a:moveTo>
+                  <a:pt x="6788003" y="5986774"/>
+                </a:moveTo>
+                <a:lnTo>
+                  <a:pt x="6787005" y="5986852"/>
+                </a:lnTo>
+                <a:lnTo>
+                  <a:pt x="6786779" y="5987386"/>
+                </a:lnTo>
+                <a:close/>
+                <a:moveTo>
+                  <a:pt x="0" y="0"/>
+                </a:moveTo>
+                <a:lnTo>
+                  <a:pt x="12188952" y="0"/>
+                </a:lnTo>
+                <a:lnTo>
+                  <a:pt x="12188952" y="5092539"/>
+                </a:lnTo>
+                <a:lnTo>
+                  <a:pt x="12058081" y="5131579"/>
+                </a:lnTo>
+                <a:cubicBezTo>
+                  <a:pt x="11930517" y="5167793"/>
+                  <a:pt x="11802439" y="5202322"/>
+                  <a:pt x="11673881" y="5235154"/>
+                </a:cubicBezTo>
+                <a:cubicBezTo>
+                  <a:pt x="11259973" y="5342661"/>
+                  <a:pt x="10842632" y="5436263"/>
+                  <a:pt x="10422749" y="5518693"/>
+                </a:cubicBezTo>
+                <a:cubicBezTo>
+                  <a:pt x="10090287" y="5583904"/>
+                  <a:pt x="9756593" y="5642301"/>
+                  <a:pt x="9421666" y="5693855"/>
+                </a:cubicBezTo>
+                <a:cubicBezTo>
+                  <a:pt x="9100721" y="5743512"/>
+                  <a:pt x="8778938" y="5788079"/>
+                  <a:pt x="8456304" y="5827556"/>
+                </a:cubicBezTo>
+                <a:cubicBezTo>
+                  <a:pt x="8209307" y="5857722"/>
+                  <a:pt x="7961801" y="5883295"/>
+                  <a:pt x="7714041" y="5907503"/>
+                </a:cubicBezTo>
+                <a:lnTo>
+                  <a:pt x="6949978" y="5973283"/>
+                </a:lnTo>
+                <a:lnTo>
+                  <a:pt x="6934569" y="5975354"/>
+                </a:lnTo>
+                <a:lnTo>
+                  <a:pt x="6788750" y="5986715"/>
+                </a:lnTo>
+                <a:lnTo>
+                  <a:pt x="6798241" y="5988535"/>
+                </a:lnTo>
+                <a:cubicBezTo>
+                  <a:pt x="6809920" y="5989001"/>
+                  <a:pt x="6822028" y="5986828"/>
+                  <a:pt x="6833723" y="5986828"/>
+                </a:cubicBezTo>
+                <a:cubicBezTo>
+                  <a:pt x="6849867" y="5986828"/>
+                  <a:pt x="6866012" y="5984221"/>
+                  <a:pt x="6882282" y="5983850"/>
+                </a:cubicBezTo>
+                <a:cubicBezTo>
+                  <a:pt x="7114026" y="5978388"/>
+                  <a:pt x="7345514" y="5966221"/>
+                  <a:pt x="7576876" y="5951323"/>
+                </a:cubicBezTo>
+                <a:cubicBezTo>
+                  <a:pt x="7925570" y="5928855"/>
+                  <a:pt x="8274011" y="5900676"/>
+                  <a:pt x="8621689" y="5864426"/>
+                </a:cubicBezTo>
+                <a:cubicBezTo>
+                  <a:pt x="8907712" y="5835128"/>
+                  <a:pt x="9193011" y="5800493"/>
+                  <a:pt x="9477600" y="5760520"/>
+                </a:cubicBezTo>
+                <a:cubicBezTo>
+                  <a:pt x="9862435" y="5706146"/>
+                  <a:pt x="10245452" y="5641432"/>
+                  <a:pt x="10626651" y="5566363"/>
+                </a:cubicBezTo>
+                <a:cubicBezTo>
+                  <a:pt x="11087341" y="5475243"/>
+                  <a:pt x="11544088" y="5367737"/>
+                  <a:pt x="11995498" y="5240369"/>
+                </a:cubicBezTo>
+                <a:lnTo>
+                  <a:pt x="12188952" y="5183370"/>
+                </a:lnTo>
+                <a:lnTo>
+                  <a:pt x="12188952" y="5238107"/>
+                </a:lnTo>
+                <a:lnTo>
+                  <a:pt x="11826300" y="5343406"/>
+                </a:lnTo>
+                <a:cubicBezTo>
+                  <a:pt x="11531885" y="5423103"/>
+                  <a:pt x="11235310" y="5493989"/>
+                  <a:pt x="10936448" y="5557921"/>
+                </a:cubicBezTo>
+                <a:cubicBezTo>
+                  <a:pt x="10620168" y="5625703"/>
+                  <a:pt x="10302365" y="5685700"/>
+                  <a:pt x="9983034" y="5737926"/>
+                </a:cubicBezTo>
+                <a:cubicBezTo>
+                  <a:pt x="9717606" y="5781375"/>
+                  <a:pt x="9451451" y="5820020"/>
+                  <a:pt x="9184585" y="5853873"/>
+                </a:cubicBezTo>
+                <a:cubicBezTo>
+                  <a:pt x="8981951" y="5879447"/>
+                  <a:pt x="8779319" y="5903530"/>
+                  <a:pt x="8576053" y="5923392"/>
+                </a:cubicBezTo>
+                <a:cubicBezTo>
+                  <a:pt x="8338462" y="5946112"/>
+                  <a:pt x="8100618" y="5967587"/>
+                  <a:pt x="7862392" y="5984843"/>
+                </a:cubicBezTo>
+                <a:cubicBezTo>
+                  <a:pt x="7553105" y="6007187"/>
+                  <a:pt x="7243690" y="6025065"/>
+                  <a:pt x="6933768" y="6036237"/>
+                </a:cubicBezTo>
+                <a:cubicBezTo>
+                  <a:pt x="6781221" y="6041700"/>
+                  <a:pt x="6628676" y="6045548"/>
+                  <a:pt x="6476130" y="6050140"/>
+                </a:cubicBezTo>
+                <a:cubicBezTo>
+                  <a:pt x="6437585" y="6048056"/>
+                  <a:pt x="6398929" y="6049681"/>
+                  <a:pt x="6360703" y="6054983"/>
+                </a:cubicBezTo>
+                <a:lnTo>
+                  <a:pt x="6055614" y="6054983"/>
+                </a:lnTo>
+                <a:lnTo>
+                  <a:pt x="5976289" y="6050389"/>
+                </a:lnTo>
+                <a:cubicBezTo>
+                  <a:pt x="5738826" y="6037976"/>
+                  <a:pt x="5501363" y="6024197"/>
+                  <a:pt x="5263770" y="6014140"/>
+                </a:cubicBezTo>
+                <a:cubicBezTo>
+                  <a:pt x="4957027" y="6001724"/>
+                  <a:pt x="4650663" y="5981244"/>
+                  <a:pt x="4345190" y="5952070"/>
+                </a:cubicBezTo>
+                <a:cubicBezTo>
+                  <a:pt x="4020648" y="5921158"/>
+                  <a:pt x="3696870" y="5886523"/>
+                  <a:pt x="3372201" y="5853501"/>
+                </a:cubicBezTo>
+                <a:cubicBezTo>
+                  <a:pt x="3034653" y="5819239"/>
+                  <a:pt x="2697781" y="5779600"/>
+                  <a:pt x="2361582" y="5734574"/>
+                </a:cubicBezTo>
+                <a:cubicBezTo>
+                  <a:pt x="1984196" y="5684421"/>
+                  <a:pt x="1607962" y="5626695"/>
+                  <a:pt x="1232869" y="5561398"/>
+                </a:cubicBezTo>
+                <a:cubicBezTo>
+                  <a:pt x="841970" y="5492685"/>
+                  <a:pt x="453644" y="5414197"/>
+                  <a:pt x="68483" y="5321691"/>
+                </a:cubicBezTo>
+                <a:lnTo>
+                  <a:pt x="0" y="5304336"/>
+                </a:lnTo>
+                <a:lnTo>
+                  <a:pt x="0" y="5247847"/>
+                </a:lnTo>
+                <a:lnTo>
+                  <a:pt x="72423" y="5266624"/>
+                </a:lnTo>
+                <a:cubicBezTo>
+                  <a:pt x="247899" y="5308802"/>
+                  <a:pt x="424058" y="5348062"/>
+                  <a:pt x="600566" y="5384994"/>
+                </a:cubicBezTo>
+                <a:cubicBezTo>
+                  <a:pt x="988032" y="5465808"/>
+                  <a:pt x="1377788" y="5534706"/>
+                  <a:pt x="1769069" y="5595162"/>
+                </a:cubicBezTo>
+                <a:cubicBezTo>
+                  <a:pt x="2051913" y="5638738"/>
+                  <a:pt x="2335141" y="5678835"/>
+                  <a:pt x="2612900" y="5712104"/>
+                </a:cubicBezTo>
+                <a:cubicBezTo>
+                  <a:pt x="2604892" y="5714711"/>
+                  <a:pt x="2593962" y="5704655"/>
+                  <a:pt x="2580488" y="5702173"/>
+                </a:cubicBezTo>
+                <a:cubicBezTo>
+                  <a:pt x="2086656" y="5610221"/>
+                  <a:pt x="1597284" y="5499328"/>
+                  <a:pt x="1112357" y="5369476"/>
+                </a:cubicBezTo>
+                <a:cubicBezTo>
+                  <a:pt x="880233" y="5307405"/>
+                  <a:pt x="649550" y="5240927"/>
+                  <a:pt x="420307" y="5170043"/>
+                </a:cubicBezTo>
+                <a:lnTo>
+                  <a:pt x="0" y="5031126"/>
+                </a:lnTo>
+                <a:close/>
+              </a:path>
+            </a:pathLst>
+          </a:custGeom>
+          <a:solidFill>
+            <a:schemeClr val="accent2"/>
+          </a:solidFill>
+          <a:ln>
+            <a:noFill/>
+          </a:ln>
+        </p:spPr>
+        <p:style>
+          <a:lnRef idx="2">
+            <a:schemeClr val="accent1">
+              <a:shade val="50000"/>
+            </a:schemeClr>
+          </a:lnRef>
+          <a:fillRef idx="1">
+            <a:schemeClr val="accent1"/>
+          </a:fillRef>
+          <a:effectRef idx="0">
+            <a:schemeClr val="accent1"/>
+          </a:effectRef>
+          <a:fontRef idx="minor">
+            <a:schemeClr val="lt1"/>
+          </a:fontRef>
+        </p:style>
+        <p:txBody>
+          <a:bodyPr wrap="square" rtlCol="0" anchor="ctr">
+            <a:noAutofit/>
+          </a:bodyPr>
+          <a:lstStyle/>
+          <a:p>
+            <a:pPr algn="ctr"/>
+            <a:endParaRPr lang="en-US"/>
+          </a:p>
+        </p:txBody>
+      </p:sp>
+      <p:sp>
+        <p:nvSpPr>
+          <p:cNvPr id="2" name="Titolo 1">
+            <a:extLst>
+              <a:ext uri="{FF2B5EF4-FFF2-40B4-BE49-F238E27FC236}">
+                <a16:creationId xmlns:a16="http://schemas.microsoft.com/office/drawing/2014/main" id="{956FD65F-B342-4ABD-E81E-09F598809DC8}"/>
+              </a:ext>
+            </a:extLst>
+          </p:cNvPr>
+          <p:cNvSpPr>
+            <a:spLocks noGrp="1"/>
+          </p:cNvSpPr>
+          <p:nvPr>
+            <p:ph type="title"/>
+          </p:nvPr>
+        </p:nvSpPr>
+        <p:spPr>
+          <a:xfrm>
+            <a:off x="1524000" y="929452"/>
+            <a:ext cx="9144000" cy="2526738"/>
+          </a:xfrm>
+          <a:effectLst/>
+        </p:spPr>
+        <p:txBody>
+          <a:bodyPr vert="horz" lIns="91440" tIns="45720" rIns="91440" bIns="45720" rtlCol="0" anchor="b">
+            <a:normAutofit/>
+          </a:bodyPr>
+          <a:lstStyle/>
+          <a:p>
+            <a:pPr algn="ctr"/>
+            <a:r>
+              <a:rPr lang="en-US" sz="6600" kern="1200" dirty="0" err="1">
+                <a:solidFill>
+                  <a:srgbClr val="FFFFFF"/>
+                </a:solidFill>
+                <a:latin typeface="+mj-lt"/>
+                <a:ea typeface="+mj-ea"/>
+                <a:cs typeface="+mj-cs"/>
+              </a:rPr>
+              <a:t>Progettazione</a:t>
+            </a:r>
+            <a:endParaRPr lang="en-US" sz="6600" kern="1200" dirty="0">
+              <a:solidFill>
+                <a:srgbClr val="FFFFFF"/>
+              </a:solidFill>
+              <a:latin typeface="+mj-lt"/>
+              <a:ea typeface="+mj-ea"/>
+              <a:cs typeface="+mj-cs"/>
+            </a:endParaRPr>
+          </a:p>
+        </p:txBody>
+      </p:sp>
+      <p:sp>
+        <p:nvSpPr>
+          <p:cNvPr id="15" name="sketch line">
+            <a:extLst>
+              <a:ext uri="{FF2B5EF4-FFF2-40B4-BE49-F238E27FC236}">
+                <a16:creationId xmlns:a16="http://schemas.microsoft.com/office/drawing/2014/main" id="{6D080EC2-42B5-4E04-BBF7-F0BC5CB7C997}"/>
+              </a:ext>
+              <a:ext uri="{C183D7F6-B498-43B3-948B-1728B52AA6E4}">
+                <adec:decorative xmlns:adec="http://schemas.microsoft.com/office/drawing/2017/decorative" val="1"/>
+              </a:ext>
+            </a:extLst>
+          </p:cNvPr>
+          <p:cNvSpPr>
+            <a:spLocks noGrp="1" noRot="1" noChangeAspect="1" noMove="1" noResize="1" noEditPoints="1" noAdjustHandles="1" noChangeArrowheads="1" noChangeShapeType="1" noTextEdit="1"/>
+          </p:cNvSpPr>
+          <p:nvPr>
+            <p:extLst>
+              <p:ext uri="{386F3935-93C4-4BCD-93E2-E3B085C9AB24}">
+                <p16:designElem xmlns:p16="http://schemas.microsoft.com/office/powerpoint/2015/main" val="1"/>
+              </p:ext>
+            </p:extLst>
+          </p:nvPr>
+        </p:nvSpPr>
+        <p:spPr>
+          <a:xfrm>
+            <a:off x="3974206" y="3566566"/>
+            <a:ext cx="4243589" cy="18288"/>
+          </a:xfrm>
+          <a:custGeom>
+            <a:avLst/>
+            <a:gdLst>
+              <a:gd name="connsiteX0" fmla="*/ 0 w 4243589"/>
+              <a:gd name="connsiteY0" fmla="*/ 0 h 18288"/>
+              <a:gd name="connsiteX1" fmla="*/ 563791 w 4243589"/>
+              <a:gd name="connsiteY1" fmla="*/ 0 h 18288"/>
+              <a:gd name="connsiteX2" fmla="*/ 1042710 w 4243589"/>
+              <a:gd name="connsiteY2" fmla="*/ 0 h 18288"/>
+              <a:gd name="connsiteX3" fmla="*/ 1564066 w 4243589"/>
+              <a:gd name="connsiteY3" fmla="*/ 0 h 18288"/>
+              <a:gd name="connsiteX4" fmla="*/ 2212729 w 4243589"/>
+              <a:gd name="connsiteY4" fmla="*/ 0 h 18288"/>
+              <a:gd name="connsiteX5" fmla="*/ 2776520 w 4243589"/>
+              <a:gd name="connsiteY5" fmla="*/ 0 h 18288"/>
+              <a:gd name="connsiteX6" fmla="*/ 3297875 w 4243589"/>
+              <a:gd name="connsiteY6" fmla="*/ 0 h 18288"/>
+              <a:gd name="connsiteX7" fmla="*/ 4243589 w 4243589"/>
+              <a:gd name="connsiteY7" fmla="*/ 0 h 18288"/>
+              <a:gd name="connsiteX8" fmla="*/ 4243589 w 4243589"/>
+              <a:gd name="connsiteY8" fmla="*/ 18288 h 18288"/>
+              <a:gd name="connsiteX9" fmla="*/ 3637362 w 4243589"/>
+              <a:gd name="connsiteY9" fmla="*/ 18288 h 18288"/>
+              <a:gd name="connsiteX10" fmla="*/ 3116007 w 4243589"/>
+              <a:gd name="connsiteY10" fmla="*/ 18288 h 18288"/>
+              <a:gd name="connsiteX11" fmla="*/ 2424908 w 4243589"/>
+              <a:gd name="connsiteY11" fmla="*/ 18288 h 18288"/>
+              <a:gd name="connsiteX12" fmla="*/ 1861117 w 4243589"/>
+              <a:gd name="connsiteY12" fmla="*/ 18288 h 18288"/>
+              <a:gd name="connsiteX13" fmla="*/ 1382198 w 4243589"/>
+              <a:gd name="connsiteY13" fmla="*/ 18288 h 18288"/>
+              <a:gd name="connsiteX14" fmla="*/ 733535 w 4243589"/>
+              <a:gd name="connsiteY14" fmla="*/ 18288 h 18288"/>
+              <a:gd name="connsiteX15" fmla="*/ 0 w 4243589"/>
+              <a:gd name="connsiteY15" fmla="*/ 18288 h 18288"/>
+              <a:gd name="connsiteX16" fmla="*/ 0 w 4243589"/>
+              <a:gd name="connsiteY16" fmla="*/ 0 h 18288"/>
+            </a:gdLst>
+            <a:ahLst/>
+            <a:cxnLst>
+              <a:cxn ang="0">
+                <a:pos x="connsiteX0" y="connsiteY0"/>
+              </a:cxn>
+              <a:cxn ang="0">
+                <a:pos x="connsiteX1" y="connsiteY1"/>
+              </a:cxn>
+              <a:cxn ang="0">
+                <a:pos x="connsiteX2" y="connsiteY2"/>
+              </a:cxn>
+              <a:cxn ang="0">
+                <a:pos x="connsiteX3" y="connsiteY3"/>
+              </a:cxn>
+              <a:cxn ang="0">
+                <a:pos x="connsiteX4" y="connsiteY4"/>
+              </a:cxn>
+              <a:cxn ang="0">
+                <a:pos x="connsiteX5" y="connsiteY5"/>
+              </a:cxn>
+              <a:cxn ang="0">
+                <a:pos x="connsiteX6" y="connsiteY6"/>
+              </a:cxn>
+              <a:cxn ang="0">
+                <a:pos x="connsiteX7" y="connsiteY7"/>
+              </a:cxn>
+              <a:cxn ang="0">
+                <a:pos x="connsiteX8" y="connsiteY8"/>
+              </a:cxn>
+              <a:cxn ang="0">
+                <a:pos x="connsiteX9" y="connsiteY9"/>
+              </a:cxn>
+              <a:cxn ang="0">
+                <a:pos x="connsiteX10" y="connsiteY10"/>
+              </a:cxn>
+              <a:cxn ang="0">
+                <a:pos x="connsiteX11" y="connsiteY11"/>
+              </a:cxn>
+              <a:cxn ang="0">
+                <a:pos x="connsiteX12" y="connsiteY12"/>
+              </a:cxn>
+              <a:cxn ang="0">
+                <a:pos x="connsiteX13" y="connsiteY13"/>
+              </a:cxn>
+              <a:cxn ang="0">
+                <a:pos x="connsiteX14" y="connsiteY14"/>
+              </a:cxn>
+              <a:cxn ang="0">
+                <a:pos x="connsiteX15" y="connsiteY15"/>
+              </a:cxn>
+              <a:cxn ang="0">
+                <a:pos x="connsiteX16" y="connsiteY16"/>
+              </a:cxn>
+            </a:cxnLst>
+            <a:rect l="l" t="t" r="r" b="b"/>
+            <a:pathLst>
+              <a:path w="4243589" h="18288" fill="none" extrusionOk="0">
+                <a:moveTo>
+                  <a:pt x="0" y="0"/>
+                </a:moveTo>
+                <a:cubicBezTo>
+                  <a:pt x="157351" y="-15653"/>
+                  <a:pt x="378877" y="-5828"/>
+                  <a:pt x="563791" y="0"/>
+                </a:cubicBezTo>
+                <a:cubicBezTo>
+                  <a:pt x="748705" y="5828"/>
+                  <a:pt x="905659" y="-5525"/>
+                  <a:pt x="1042710" y="0"/>
+                </a:cubicBezTo>
+                <a:cubicBezTo>
+                  <a:pt x="1179761" y="5525"/>
+                  <a:pt x="1356845" y="-21288"/>
+                  <a:pt x="1564066" y="0"/>
+                </a:cubicBezTo>
+                <a:cubicBezTo>
+                  <a:pt x="1771287" y="21288"/>
+                  <a:pt x="1912099" y="25135"/>
+                  <a:pt x="2212729" y="0"/>
+                </a:cubicBezTo>
+                <a:cubicBezTo>
+                  <a:pt x="2513359" y="-25135"/>
+                  <a:pt x="2514918" y="-27119"/>
+                  <a:pt x="2776520" y="0"/>
+                </a:cubicBezTo>
+                <a:cubicBezTo>
+                  <a:pt x="3038122" y="27119"/>
+                  <a:pt x="3178771" y="18116"/>
+                  <a:pt x="3297875" y="0"/>
+                </a:cubicBezTo>
+                <a:cubicBezTo>
+                  <a:pt x="3416980" y="-18116"/>
+                  <a:pt x="4012240" y="-40869"/>
+                  <a:pt x="4243589" y="0"/>
+                </a:cubicBezTo>
+                <a:cubicBezTo>
+                  <a:pt x="4243987" y="7429"/>
+                  <a:pt x="4243569" y="10822"/>
+                  <a:pt x="4243589" y="18288"/>
+                </a:cubicBezTo>
+                <a:cubicBezTo>
+                  <a:pt x="4112949" y="-2855"/>
+                  <a:pt x="3928037" y="1831"/>
+                  <a:pt x="3637362" y="18288"/>
+                </a:cubicBezTo>
+                <a:cubicBezTo>
+                  <a:pt x="3346687" y="34745"/>
+                  <a:pt x="3254446" y="26669"/>
+                  <a:pt x="3116007" y="18288"/>
+                </a:cubicBezTo>
+                <a:cubicBezTo>
+                  <a:pt x="2977569" y="9907"/>
+                  <a:pt x="2620228" y="28873"/>
+                  <a:pt x="2424908" y="18288"/>
+                </a:cubicBezTo>
+                <a:cubicBezTo>
+                  <a:pt x="2229588" y="7703"/>
+                  <a:pt x="2088287" y="-3854"/>
+                  <a:pt x="1861117" y="18288"/>
+                </a:cubicBezTo>
+                <a:cubicBezTo>
+                  <a:pt x="1633947" y="40430"/>
+                  <a:pt x="1502447" y="-871"/>
+                  <a:pt x="1382198" y="18288"/>
+                </a:cubicBezTo>
+                <a:cubicBezTo>
+                  <a:pt x="1261949" y="37447"/>
+                  <a:pt x="1045440" y="28353"/>
+                  <a:pt x="733535" y="18288"/>
+                </a:cubicBezTo>
+                <a:cubicBezTo>
+                  <a:pt x="421630" y="8223"/>
+                  <a:pt x="341257" y="-18359"/>
+                  <a:pt x="0" y="18288"/>
+                </a:cubicBezTo>
+                <a:cubicBezTo>
+                  <a:pt x="-591" y="13205"/>
+                  <a:pt x="-663" y="6329"/>
+                  <a:pt x="0" y="0"/>
+                </a:cubicBezTo>
+                <a:close/>
+              </a:path>
+              <a:path w="4243589" h="18288" stroke="0" extrusionOk="0">
+                <a:moveTo>
+                  <a:pt x="0" y="0"/>
+                </a:moveTo>
+                <a:cubicBezTo>
+                  <a:pt x="128164" y="17204"/>
+                  <a:pt x="312653" y="1129"/>
+                  <a:pt x="563791" y="0"/>
+                </a:cubicBezTo>
+                <a:cubicBezTo>
+                  <a:pt x="814929" y="-1129"/>
+                  <a:pt x="837271" y="8503"/>
+                  <a:pt x="1042710" y="0"/>
+                </a:cubicBezTo>
+                <a:cubicBezTo>
+                  <a:pt x="1248149" y="-8503"/>
+                  <a:pt x="1588432" y="-28862"/>
+                  <a:pt x="1733809" y="0"/>
+                </a:cubicBezTo>
+                <a:cubicBezTo>
+                  <a:pt x="1879186" y="28862"/>
+                  <a:pt x="2052815" y="5974"/>
+                  <a:pt x="2297600" y="0"/>
+                </a:cubicBezTo>
+                <a:cubicBezTo>
+                  <a:pt x="2542385" y="-5974"/>
+                  <a:pt x="2699960" y="-23550"/>
+                  <a:pt x="2861391" y="0"/>
+                </a:cubicBezTo>
+                <a:cubicBezTo>
+                  <a:pt x="3022822" y="23550"/>
+                  <a:pt x="3390411" y="25272"/>
+                  <a:pt x="3552490" y="0"/>
+                </a:cubicBezTo>
+                <a:cubicBezTo>
+                  <a:pt x="3714569" y="-25272"/>
+                  <a:pt x="3950585" y="-31327"/>
+                  <a:pt x="4243589" y="0"/>
+                </a:cubicBezTo>
+                <a:cubicBezTo>
+                  <a:pt x="4242703" y="5429"/>
+                  <a:pt x="4244410" y="14046"/>
+                  <a:pt x="4243589" y="18288"/>
+                </a:cubicBezTo>
+                <a:cubicBezTo>
+                  <a:pt x="4130424" y="-1240"/>
+                  <a:pt x="3932803" y="42249"/>
+                  <a:pt x="3722234" y="18288"/>
+                </a:cubicBezTo>
+                <a:cubicBezTo>
+                  <a:pt x="3511665" y="-5673"/>
+                  <a:pt x="3269903" y="45994"/>
+                  <a:pt x="3116007" y="18288"/>
+                </a:cubicBezTo>
+                <a:cubicBezTo>
+                  <a:pt x="2962111" y="-9418"/>
+                  <a:pt x="2744280" y="23224"/>
+                  <a:pt x="2509780" y="18288"/>
+                </a:cubicBezTo>
+                <a:cubicBezTo>
+                  <a:pt x="2275280" y="13352"/>
+                  <a:pt x="2066059" y="43664"/>
+                  <a:pt x="1945989" y="18288"/>
+                </a:cubicBezTo>
+                <a:cubicBezTo>
+                  <a:pt x="1825919" y="-7088"/>
+                  <a:pt x="1407329" y="12616"/>
+                  <a:pt x="1254890" y="18288"/>
+                </a:cubicBezTo>
+                <a:cubicBezTo>
+                  <a:pt x="1102451" y="23960"/>
+                  <a:pt x="837950" y="31673"/>
+                  <a:pt x="563791" y="18288"/>
+                </a:cubicBezTo>
+                <a:cubicBezTo>
+                  <a:pt x="289632" y="4903"/>
+                  <a:pt x="132768" y="7105"/>
+                  <a:pt x="0" y="18288"/>
+                </a:cubicBezTo>
+                <a:cubicBezTo>
+                  <a:pt x="668" y="13665"/>
+                  <a:pt x="578" y="5675"/>
+                  <a:pt x="0" y="0"/>
+                </a:cubicBezTo>
+                <a:close/>
+              </a:path>
+            </a:pathLst>
+          </a:custGeom>
+          <a:solidFill>
+            <a:srgbClr val="FFFFFF"/>
+          </a:solidFill>
+          <a:ln w="41275" cap="rnd">
+            <a:solidFill>
+              <a:srgbClr val="FFFFFF"/>
+            </a:solidFill>
+            <a:round/>
+            <a:extLst>
+              <a:ext uri="{C807C97D-BFC1-408E-A445-0C87EB9F89A2}">
+                <ask:lineSketchStyleProps xmlns:ask="http://schemas.microsoft.com/office/drawing/2018/sketchyshapes" sd="1219033472">
+                  <a:prstGeom prst="rect">
+                    <a:avLst/>
+                  </a:prstGeom>
+                  <ask:type>
+                    <ask:lineSketchFreehand/>
+                  </ask:type>
+                </ask:lineSketchStyleProps>
+              </a:ext>
+            </a:extLst>
+          </a:ln>
+        </p:spPr>
+        <p:style>
+          <a:lnRef idx="2">
+            <a:schemeClr val="accent1">
+              <a:shade val="50000"/>
+            </a:schemeClr>
+          </a:lnRef>
+          <a:fillRef idx="1">
+            <a:schemeClr val="accent1"/>
+          </a:fillRef>
+          <a:effectRef idx="0">
+            <a:schemeClr val="accent1"/>
+          </a:effectRef>
+          <a:fontRef idx="minor">
+            <a:schemeClr val="lt1"/>
+          </a:fontRef>
+        </p:style>
+        <p:txBody>
+          <a:bodyPr rtlCol="0" anchor="ctr"/>
+          <a:lstStyle/>
+          <a:p>
+            <a:pPr algn="ctr"/>
+            <a:endParaRPr lang="en-US"/>
+          </a:p>
+        </p:txBody>
+      </p:sp>
+      <p:pic>
+        <p:nvPicPr>
+          <p:cNvPr id="7" name="Immagine 6">
+            <a:extLst>
+              <a:ext uri="{FF2B5EF4-FFF2-40B4-BE49-F238E27FC236}">
+                <a16:creationId xmlns:a16="http://schemas.microsoft.com/office/drawing/2014/main" id="{E7D1404D-CC9D-68F0-1210-EACF1863C438}"/>
               </a:ext>
             </a:extLst>
           </p:cNvPr>
@@ -10301,16 +14349,55 @@
           <a:prstGeom prst="rect">
             <a:avLst/>
           </a:prstGeom>
-          <a:noFill/>
-          <a:ln>
-            <a:noFill/>
-          </a:ln>
+        </p:spPr>
+      </p:pic>
+      <p:pic>
+        <p:nvPicPr>
+          <p:cNvPr id="8" name="Immagine 7" descr="Immagine che contiene testo, segnale&#10;&#10;Descrizione generata automaticamente">
+            <a:extLst>
+              <a:ext uri="{FF2B5EF4-FFF2-40B4-BE49-F238E27FC236}">
+                <a16:creationId xmlns:a16="http://schemas.microsoft.com/office/drawing/2014/main" id="{705B2708-BBE5-80EA-50B0-25FBE2FBA41B}"/>
+              </a:ext>
+            </a:extLst>
+          </p:cNvPr>
+          <p:cNvPicPr>
+            <a:picLocks noChangeAspect="1"/>
+          </p:cNvPicPr>
+          <p:nvPr/>
+        </p:nvPicPr>
+        <p:blipFill>
+          <a:blip r:embed="rId3">
+            <a:extLst>
+              <a:ext uri="{28A0092B-C50C-407E-A947-70E740481C1C}">
+                <a14:useLocalDpi xmlns:a14="http://schemas.microsoft.com/office/drawing/2010/main" val="0"/>
+              </a:ext>
+            </a:extLst>
+          </a:blip>
+          <a:stretch>
+            <a:fillRect/>
+          </a:stretch>
+        </p:blipFill>
+        <p:spPr>
+          <a:xfrm>
+            <a:off x="302427" y="209010"/>
+            <a:ext cx="609600" cy="609600"/>
+          </a:xfrm>
+          <a:prstGeom prst="rect">
+            <a:avLst/>
+          </a:prstGeom>
+          <a:effectLst>
+            <a:outerShdw blurRad="50800" dist="38100" dir="5400000" algn="t" rotWithShape="0">
+              <a:prstClr val="black">
+                <a:alpha val="40000"/>
+              </a:prstClr>
+            </a:outerShdw>
+          </a:effectLst>
         </p:spPr>
       </p:pic>
     </p:spTree>
     <p:extLst>
       <p:ext uri="{BB962C8B-B14F-4D97-AF65-F5344CB8AC3E}">
-        <p14:creationId xmlns:p14="http://schemas.microsoft.com/office/powerpoint/2010/main" val="3827316853"/>
+        <p14:creationId xmlns:p14="http://schemas.microsoft.com/office/powerpoint/2010/main" val="1067049265"/>
       </p:ext>
     </p:extLst>
   </p:cSld>
@@ -10320,7 +14407,7 @@
 </p:sld>
 </file>
 
-<file path=ppt/slides/slide2.xml><?xml version="1.0" encoding="utf-8"?>
+<file path=ppt/slides/slide3.xml><?xml version="1.0" encoding="utf-8"?>
 <p:sld xmlns:a="http://schemas.openxmlformats.org/drawingml/2006/main" xmlns:r="http://schemas.openxmlformats.org/officeDocument/2006/relationships" xmlns:p="http://schemas.openxmlformats.org/presentationml/2006/main">
   <p:cSld>
     <p:spTree>
@@ -11312,6 +15399,49 @@
           </a:prstGeom>
         </p:spPr>
       </p:pic>
+      <p:pic>
+        <p:nvPicPr>
+          <p:cNvPr id="8" name="Immagine 7" descr="Immagine che contiene testo, segnale&#10;&#10;Descrizione generata automaticamente">
+            <a:extLst>
+              <a:ext uri="{FF2B5EF4-FFF2-40B4-BE49-F238E27FC236}">
+                <a16:creationId xmlns:a16="http://schemas.microsoft.com/office/drawing/2014/main" id="{AF6CF69D-1C6C-538F-F025-918E26B91034}"/>
+              </a:ext>
+            </a:extLst>
+          </p:cNvPr>
+          <p:cNvPicPr>
+            <a:picLocks noChangeAspect="1"/>
+          </p:cNvPicPr>
+          <p:nvPr/>
+        </p:nvPicPr>
+        <p:blipFill>
+          <a:blip r:embed="rId4">
+            <a:extLst>
+              <a:ext uri="{28A0092B-C50C-407E-A947-70E740481C1C}">
+                <a14:useLocalDpi xmlns:a14="http://schemas.microsoft.com/office/drawing/2010/main" val="0"/>
+              </a:ext>
+            </a:extLst>
+          </a:blip>
+          <a:stretch>
+            <a:fillRect/>
+          </a:stretch>
+        </p:blipFill>
+        <p:spPr>
+          <a:xfrm>
+            <a:off x="302427" y="209010"/>
+            <a:ext cx="609600" cy="609600"/>
+          </a:xfrm>
+          <a:prstGeom prst="rect">
+            <a:avLst/>
+          </a:prstGeom>
+          <a:effectLst>
+            <a:outerShdw blurRad="50800" dist="38100" dir="5400000" algn="t" rotWithShape="0">
+              <a:prstClr val="black">
+                <a:alpha val="40000"/>
+              </a:prstClr>
+            </a:outerShdw>
+          </a:effectLst>
+        </p:spPr>
+      </p:pic>
     </p:spTree>
     <p:extLst>
       <p:ext uri="{BB962C8B-B14F-4D97-AF65-F5344CB8AC3E}">
@@ -11325,7 +15455,7 @@
 </p:sld>
 </file>
 
-<file path=ppt/slides/slide3.xml><?xml version="1.0" encoding="utf-8"?>
+<file path=ppt/slides/slide4.xml><?xml version="1.0" encoding="utf-8"?>
 <p:sld xmlns:a="http://schemas.openxmlformats.org/drawingml/2006/main" xmlns:r="http://schemas.openxmlformats.org/officeDocument/2006/relationships" xmlns:p="http://schemas.openxmlformats.org/presentationml/2006/main">
   <p:cSld>
     <p:spTree>
@@ -12241,6 +16371,49 @@
           </a:prstGeom>
         </p:spPr>
       </p:pic>
+      <p:pic>
+        <p:nvPicPr>
+          <p:cNvPr id="11" name="Immagine 10" descr="Immagine che contiene testo, segnale&#10;&#10;Descrizione generata automaticamente">
+            <a:extLst>
+              <a:ext uri="{FF2B5EF4-FFF2-40B4-BE49-F238E27FC236}">
+                <a16:creationId xmlns:a16="http://schemas.microsoft.com/office/drawing/2014/main" id="{E60224D3-9B6F-8829-0564-26BD3BE83D21}"/>
+              </a:ext>
+            </a:extLst>
+          </p:cNvPr>
+          <p:cNvPicPr>
+            <a:picLocks noChangeAspect="1"/>
+          </p:cNvPicPr>
+          <p:nvPr/>
+        </p:nvPicPr>
+        <p:blipFill>
+          <a:blip r:embed="rId4">
+            <a:extLst>
+              <a:ext uri="{28A0092B-C50C-407E-A947-70E740481C1C}">
+                <a14:useLocalDpi xmlns:a14="http://schemas.microsoft.com/office/drawing/2010/main" val="0"/>
+              </a:ext>
+            </a:extLst>
+          </a:blip>
+          <a:stretch>
+            <a:fillRect/>
+          </a:stretch>
+        </p:blipFill>
+        <p:spPr>
+          <a:xfrm>
+            <a:off x="302427" y="209010"/>
+            <a:ext cx="609600" cy="609600"/>
+          </a:xfrm>
+          <a:prstGeom prst="rect">
+            <a:avLst/>
+          </a:prstGeom>
+          <a:effectLst>
+            <a:outerShdw blurRad="50800" dist="38100" dir="5400000" algn="t" rotWithShape="0">
+              <a:prstClr val="black">
+                <a:alpha val="40000"/>
+              </a:prstClr>
+            </a:outerShdw>
+          </a:effectLst>
+        </p:spPr>
+      </p:pic>
     </p:spTree>
     <p:extLst>
       <p:ext uri="{BB962C8B-B14F-4D97-AF65-F5344CB8AC3E}">
@@ -12254,7 +16427,7 @@
 </p:sld>
 </file>
 
-<file path=ppt/slides/slide4.xml><?xml version="1.0" encoding="utf-8"?>
+<file path=ppt/slides/slide5.xml><?xml version="1.0" encoding="utf-8"?>
 <p:sld xmlns:a="http://schemas.openxmlformats.org/drawingml/2006/main" xmlns:r="http://schemas.openxmlformats.org/officeDocument/2006/relationships" xmlns:p="http://schemas.openxmlformats.org/presentationml/2006/main">
   <p:cSld>
     <p:spTree>
@@ -12791,6 +16964,49 @@
           </a:prstGeom>
         </p:spPr>
       </p:pic>
+      <p:pic>
+        <p:nvPicPr>
+          <p:cNvPr id="13" name="Immagine 12" descr="Immagine che contiene testo, segnale&#10;&#10;Descrizione generata automaticamente">
+            <a:extLst>
+              <a:ext uri="{FF2B5EF4-FFF2-40B4-BE49-F238E27FC236}">
+                <a16:creationId xmlns:a16="http://schemas.microsoft.com/office/drawing/2014/main" id="{9A3CB8C1-6F32-A15A-C1F5-B0B441D28A7E}"/>
+              </a:ext>
+            </a:extLst>
+          </p:cNvPr>
+          <p:cNvPicPr>
+            <a:picLocks noChangeAspect="1"/>
+          </p:cNvPicPr>
+          <p:nvPr/>
+        </p:nvPicPr>
+        <p:blipFill>
+          <a:blip r:embed="rId4">
+            <a:extLst>
+              <a:ext uri="{28A0092B-C50C-407E-A947-70E740481C1C}">
+                <a14:useLocalDpi xmlns:a14="http://schemas.microsoft.com/office/drawing/2010/main" val="0"/>
+              </a:ext>
+            </a:extLst>
+          </a:blip>
+          <a:stretch>
+            <a:fillRect/>
+          </a:stretch>
+        </p:blipFill>
+        <p:spPr>
+          <a:xfrm>
+            <a:off x="302427" y="209010"/>
+            <a:ext cx="609600" cy="609600"/>
+          </a:xfrm>
+          <a:prstGeom prst="rect">
+            <a:avLst/>
+          </a:prstGeom>
+          <a:effectLst>
+            <a:outerShdw blurRad="50800" dist="38100" dir="5400000" algn="t" rotWithShape="0">
+              <a:prstClr val="black">
+                <a:alpha val="40000"/>
+              </a:prstClr>
+            </a:outerShdw>
+          </a:effectLst>
+        </p:spPr>
+      </p:pic>
     </p:spTree>
     <p:extLst>
       <p:ext uri="{BB962C8B-B14F-4D97-AF65-F5344CB8AC3E}">
@@ -12804,7 +17020,7 @@
 </p:sld>
 </file>
 
-<file path=ppt/slides/slide5.xml><?xml version="1.0" encoding="utf-8"?>
+<file path=ppt/slides/slide6.xml><?xml version="1.0" encoding="utf-8"?>
 <p:sld xmlns:a="http://schemas.openxmlformats.org/drawingml/2006/main" xmlns:r="http://schemas.openxmlformats.org/officeDocument/2006/relationships" xmlns:p="http://schemas.openxmlformats.org/presentationml/2006/main">
   <p:cSld>
     <p:spTree>
@@ -13262,6 +17478,49 @@
           </a:prstGeom>
         </p:spPr>
       </p:pic>
+      <p:pic>
+        <p:nvPicPr>
+          <p:cNvPr id="8" name="Immagine 7" descr="Immagine che contiene testo, segnale&#10;&#10;Descrizione generata automaticamente">
+            <a:extLst>
+              <a:ext uri="{FF2B5EF4-FFF2-40B4-BE49-F238E27FC236}">
+                <a16:creationId xmlns:a16="http://schemas.microsoft.com/office/drawing/2014/main" id="{4B6AD0D2-0D5B-7B2A-2D86-B76445E8DB8D}"/>
+              </a:ext>
+            </a:extLst>
+          </p:cNvPr>
+          <p:cNvPicPr>
+            <a:picLocks noChangeAspect="1"/>
+          </p:cNvPicPr>
+          <p:nvPr/>
+        </p:nvPicPr>
+        <p:blipFill>
+          <a:blip r:embed="rId4">
+            <a:extLst>
+              <a:ext uri="{28A0092B-C50C-407E-A947-70E740481C1C}">
+                <a14:useLocalDpi xmlns:a14="http://schemas.microsoft.com/office/drawing/2010/main" val="0"/>
+              </a:ext>
+            </a:extLst>
+          </a:blip>
+          <a:stretch>
+            <a:fillRect/>
+          </a:stretch>
+        </p:blipFill>
+        <p:spPr>
+          <a:xfrm>
+            <a:off x="302427" y="209010"/>
+            <a:ext cx="609600" cy="609600"/>
+          </a:xfrm>
+          <a:prstGeom prst="rect">
+            <a:avLst/>
+          </a:prstGeom>
+          <a:effectLst>
+            <a:outerShdw blurRad="50800" dist="38100" dir="5400000" algn="t" rotWithShape="0">
+              <a:prstClr val="black">
+                <a:alpha val="40000"/>
+              </a:prstClr>
+            </a:outerShdw>
+          </a:effectLst>
+        </p:spPr>
+      </p:pic>
     </p:spTree>
     <p:extLst>
       <p:ext uri="{BB962C8B-B14F-4D97-AF65-F5344CB8AC3E}">
@@ -13275,17 +17534,9 @@
 </p:sld>
 </file>
 
-<file path=ppt/slides/slide6.xml><?xml version="1.0" encoding="utf-8"?>
+<file path=ppt/slides/slide7.xml><?xml version="1.0" encoding="utf-8"?>
 <p:sld xmlns:a="http://schemas.openxmlformats.org/drawingml/2006/main" xmlns:r="http://schemas.openxmlformats.org/officeDocument/2006/relationships" xmlns:p="http://schemas.openxmlformats.org/presentationml/2006/main">
   <p:cSld>
-    <p:bg>
-      <p:bgPr>
-        <a:solidFill>
-          <a:srgbClr val="BBC5D9"/>
-        </a:solidFill>
-        <a:effectLst/>
-      </p:bgPr>
-    </p:bg>
     <p:spTree>
       <p:nvGrpSpPr>
         <p:cNvPr id="1" name=""/>
@@ -13300,72 +17551,12 @@
           <a:chExt cx="0" cy="0"/>
         </a:xfrm>
       </p:grpSpPr>
-      <p:sp useBgFill="1">
-        <p:nvSpPr>
-          <p:cNvPr id="10" name="Rectangle 9">
-            <a:extLst>
-              <a:ext uri="{FF2B5EF4-FFF2-40B4-BE49-F238E27FC236}">
-                <a16:creationId xmlns:a16="http://schemas.microsoft.com/office/drawing/2014/main" id="{BCED4D40-4B67-4331-AC48-79B82B4A47D8}"/>
-              </a:ext>
-              <a:ext uri="{C183D7F6-B498-43B3-948B-1728B52AA6E4}">
-                <adec:decorative xmlns:adec="http://schemas.microsoft.com/office/drawing/2017/decorative" val="1"/>
-              </a:ext>
-            </a:extLst>
-          </p:cNvPr>
-          <p:cNvSpPr>
-            <a:spLocks noGrp="1" noRot="1" noChangeAspect="1" noMove="1" noResize="1" noEditPoints="1" noAdjustHandles="1" noChangeArrowheads="1" noChangeShapeType="1" noTextEdit="1"/>
-          </p:cNvSpPr>
-          <p:nvPr>
-            <p:extLst>
-              <p:ext uri="{386F3935-93C4-4BCD-93E2-E3B085C9AB24}">
-                <p16:designElem xmlns:p16="http://schemas.microsoft.com/office/powerpoint/2015/main" val="1"/>
-              </p:ext>
-            </p:extLst>
-          </p:nvPr>
-        </p:nvSpPr>
-        <p:spPr>
-          <a:xfrm>
-            <a:off x="0" y="0"/>
-            <a:ext cx="12192000" cy="6858000"/>
-          </a:xfrm>
-          <a:prstGeom prst="rect">
-            <a:avLst/>
-          </a:prstGeom>
-          <a:ln>
-            <a:noFill/>
-          </a:ln>
-        </p:spPr>
-        <p:style>
-          <a:lnRef idx="2">
-            <a:schemeClr val="accent1">
-              <a:shade val="50000"/>
-            </a:schemeClr>
-          </a:lnRef>
-          <a:fillRef idx="1">
-            <a:schemeClr val="accent1"/>
-          </a:fillRef>
-          <a:effectRef idx="0">
-            <a:schemeClr val="accent1"/>
-          </a:effectRef>
-          <a:fontRef idx="minor">
-            <a:schemeClr val="lt1"/>
-          </a:fontRef>
-        </p:style>
-        <p:txBody>
-          <a:bodyPr rtlCol="0" anchor="ctr"/>
-          <a:lstStyle/>
-          <a:p>
-            <a:pPr algn="ctr"/>
-            <a:endParaRPr lang="en-US"/>
-          </a:p>
-        </p:txBody>
-      </p:sp>
       <p:sp>
         <p:nvSpPr>
           <p:cNvPr id="2" name="Titolo 1">
             <a:extLst>
               <a:ext uri="{FF2B5EF4-FFF2-40B4-BE49-F238E27FC236}">
-                <a16:creationId xmlns:a16="http://schemas.microsoft.com/office/drawing/2014/main" id="{FF4CBE3B-FA9F-5968-2F5F-7198ED9D8053}"/>
+                <a16:creationId xmlns:a16="http://schemas.microsoft.com/office/drawing/2014/main" id="{E2E09FD8-A0B3-9723-B35C-B284779EE4C3}"/>
               </a:ext>
             </a:extLst>
           </p:cNvPr>
@@ -13376,390 +17567,76 @@
             <p:ph type="title"/>
           </p:nvPr>
         </p:nvSpPr>
-        <p:spPr>
-          <a:xfrm>
-            <a:off x="638881" y="417576"/>
-            <a:ext cx="10909640" cy="1249394"/>
-          </a:xfrm>
-        </p:spPr>
+        <p:spPr/>
         <p:txBody>
-          <a:bodyPr vert="horz" lIns="91440" tIns="45720" rIns="91440" bIns="45720" rtlCol="0" anchor="ctr">
-            <a:normAutofit/>
-          </a:bodyPr>
+          <a:bodyPr/>
           <a:lstStyle/>
           <a:p>
             <a:pPr algn="ctr"/>
             <a:r>
-              <a:rPr lang="en-US" sz="6600" kern="1200" dirty="0" err="1">
-                <a:solidFill>
-                  <a:srgbClr val="ED7D31"/>
-                </a:solidFill>
-                <a:latin typeface="+mj-lt"/>
-                <a:ea typeface="+mj-ea"/>
-                <a:cs typeface="+mj-cs"/>
-              </a:rPr>
-              <a:t>Persistenza</a:t>
+              <a:rPr lang="it-IT" dirty="0"/>
+              <a:t>Database</a:t>
             </a:r>
-            <a:endParaRPr lang="en-US" sz="6600" kern="1200" dirty="0">
-              <a:solidFill>
-                <a:srgbClr val="ED7D31"/>
-              </a:solidFill>
-              <a:latin typeface="+mj-lt"/>
-              <a:ea typeface="+mj-ea"/>
-              <a:cs typeface="+mj-cs"/>
-            </a:endParaRPr>
+            <a:endParaRPr lang="en-GB" dirty="0"/>
           </a:p>
         </p:txBody>
       </p:sp>
       <p:sp>
         <p:nvSpPr>
-          <p:cNvPr id="12" name="sketch line">
+          <p:cNvPr id="3" name="Segnaposto contenuto 2">
             <a:extLst>
               <a:ext uri="{FF2B5EF4-FFF2-40B4-BE49-F238E27FC236}">
-                <a16:creationId xmlns:a16="http://schemas.microsoft.com/office/drawing/2014/main" id="{670CEDEF-4F34-412E-84EE-329C1E936AF5}"/>
-              </a:ext>
-              <a:ext uri="{C183D7F6-B498-43B3-948B-1728B52AA6E4}">
-                <adec:decorative xmlns:adec="http://schemas.microsoft.com/office/drawing/2017/decorative" val="1"/>
+                <a16:creationId xmlns:a16="http://schemas.microsoft.com/office/drawing/2014/main" id="{157CE877-DEEC-3DD9-EFC7-E7E82F132074}"/>
               </a:ext>
             </a:extLst>
           </p:cNvPr>
           <p:cNvSpPr>
-            <a:spLocks noGrp="1" noRot="1" noChangeAspect="1" noMove="1" noResize="1" noEditPoints="1" noAdjustHandles="1" noChangeArrowheads="1" noChangeShapeType="1" noTextEdit="1"/>
+            <a:spLocks noGrp="1"/>
           </p:cNvSpPr>
           <p:nvPr>
-            <p:extLst>
-              <p:ext uri="{386F3935-93C4-4BCD-93E2-E3B085C9AB24}">
-                <p16:designElem xmlns:p16="http://schemas.microsoft.com/office/powerpoint/2015/main" val="1"/>
-              </p:ext>
-            </p:extLst>
+            <p:ph idx="1"/>
           </p:nvPr>
         </p:nvSpPr>
-        <p:spPr>
-          <a:xfrm>
-            <a:off x="3807702" y="1733454"/>
-            <a:ext cx="4572000" cy="18288"/>
-          </a:xfrm>
-          <a:custGeom>
-            <a:avLst/>
-            <a:gdLst>
-              <a:gd name="connsiteX0" fmla="*/ 0 w 4572000"/>
-              <a:gd name="connsiteY0" fmla="*/ 0 h 18288"/>
-              <a:gd name="connsiteX1" fmla="*/ 515983 w 4572000"/>
-              <a:gd name="connsiteY1" fmla="*/ 0 h 18288"/>
-              <a:gd name="connsiteX2" fmla="*/ 1031966 w 4572000"/>
-              <a:gd name="connsiteY2" fmla="*/ 0 h 18288"/>
-              <a:gd name="connsiteX3" fmla="*/ 1639389 w 4572000"/>
-              <a:gd name="connsiteY3" fmla="*/ 0 h 18288"/>
-              <a:gd name="connsiteX4" fmla="*/ 2383971 w 4572000"/>
-              <a:gd name="connsiteY4" fmla="*/ 0 h 18288"/>
-              <a:gd name="connsiteX5" fmla="*/ 2945674 w 4572000"/>
-              <a:gd name="connsiteY5" fmla="*/ 0 h 18288"/>
-              <a:gd name="connsiteX6" fmla="*/ 3507377 w 4572000"/>
-              <a:gd name="connsiteY6" fmla="*/ 0 h 18288"/>
-              <a:gd name="connsiteX7" fmla="*/ 4572000 w 4572000"/>
-              <a:gd name="connsiteY7" fmla="*/ 0 h 18288"/>
-              <a:gd name="connsiteX8" fmla="*/ 4572000 w 4572000"/>
-              <a:gd name="connsiteY8" fmla="*/ 18288 h 18288"/>
-              <a:gd name="connsiteX9" fmla="*/ 3873137 w 4572000"/>
-              <a:gd name="connsiteY9" fmla="*/ 18288 h 18288"/>
-              <a:gd name="connsiteX10" fmla="*/ 3311434 w 4572000"/>
-              <a:gd name="connsiteY10" fmla="*/ 18288 h 18288"/>
-              <a:gd name="connsiteX11" fmla="*/ 2749731 w 4572000"/>
-              <a:gd name="connsiteY11" fmla="*/ 18288 h 18288"/>
-              <a:gd name="connsiteX12" fmla="*/ 2050869 w 4572000"/>
-              <a:gd name="connsiteY12" fmla="*/ 18288 h 18288"/>
-              <a:gd name="connsiteX13" fmla="*/ 1306286 w 4572000"/>
-              <a:gd name="connsiteY13" fmla="*/ 18288 h 18288"/>
-              <a:gd name="connsiteX14" fmla="*/ 790303 w 4572000"/>
-              <a:gd name="connsiteY14" fmla="*/ 18288 h 18288"/>
-              <a:gd name="connsiteX15" fmla="*/ 0 w 4572000"/>
-              <a:gd name="connsiteY15" fmla="*/ 18288 h 18288"/>
-              <a:gd name="connsiteX16" fmla="*/ 0 w 4572000"/>
-              <a:gd name="connsiteY16" fmla="*/ 0 h 18288"/>
-            </a:gdLst>
-            <a:ahLst/>
-            <a:cxnLst>
-              <a:cxn ang="0">
-                <a:pos x="connsiteX0" y="connsiteY0"/>
-              </a:cxn>
-              <a:cxn ang="0">
-                <a:pos x="connsiteX1" y="connsiteY1"/>
-              </a:cxn>
-              <a:cxn ang="0">
-                <a:pos x="connsiteX2" y="connsiteY2"/>
-              </a:cxn>
-              <a:cxn ang="0">
-                <a:pos x="connsiteX3" y="connsiteY3"/>
-              </a:cxn>
-              <a:cxn ang="0">
-                <a:pos x="connsiteX4" y="connsiteY4"/>
-              </a:cxn>
-              <a:cxn ang="0">
-                <a:pos x="connsiteX5" y="connsiteY5"/>
-              </a:cxn>
-              <a:cxn ang="0">
-                <a:pos x="connsiteX6" y="connsiteY6"/>
-              </a:cxn>
-              <a:cxn ang="0">
-                <a:pos x="connsiteX7" y="connsiteY7"/>
-              </a:cxn>
-              <a:cxn ang="0">
-                <a:pos x="connsiteX8" y="connsiteY8"/>
-              </a:cxn>
-              <a:cxn ang="0">
-                <a:pos x="connsiteX9" y="connsiteY9"/>
-              </a:cxn>
-              <a:cxn ang="0">
-                <a:pos x="connsiteX10" y="connsiteY10"/>
-              </a:cxn>
-              <a:cxn ang="0">
-                <a:pos x="connsiteX11" y="connsiteY11"/>
-              </a:cxn>
-              <a:cxn ang="0">
-                <a:pos x="connsiteX12" y="connsiteY12"/>
-              </a:cxn>
-              <a:cxn ang="0">
-                <a:pos x="connsiteX13" y="connsiteY13"/>
-              </a:cxn>
-              <a:cxn ang="0">
-                <a:pos x="connsiteX14" y="connsiteY14"/>
-              </a:cxn>
-              <a:cxn ang="0">
-                <a:pos x="connsiteX15" y="connsiteY15"/>
-              </a:cxn>
-              <a:cxn ang="0">
-                <a:pos x="connsiteX16" y="connsiteY16"/>
-              </a:cxn>
-            </a:cxnLst>
-            <a:rect l="l" t="t" r="r" b="b"/>
-            <a:pathLst>
-              <a:path w="4572000" h="18288" fill="none" extrusionOk="0">
-                <a:moveTo>
-                  <a:pt x="0" y="0"/>
-                </a:moveTo>
-                <a:cubicBezTo>
-                  <a:pt x="105156" y="-20963"/>
-                  <a:pt x="340432" y="822"/>
-                  <a:pt x="515983" y="0"/>
-                </a:cubicBezTo>
-                <a:cubicBezTo>
-                  <a:pt x="691534" y="-822"/>
-                  <a:pt x="850679" y="16479"/>
-                  <a:pt x="1031966" y="0"/>
-                </a:cubicBezTo>
-                <a:cubicBezTo>
-                  <a:pt x="1213253" y="-16479"/>
-                  <a:pt x="1443646" y="-18730"/>
-                  <a:pt x="1639389" y="0"/>
-                </a:cubicBezTo>
-                <a:cubicBezTo>
-                  <a:pt x="1835132" y="18730"/>
-                  <a:pt x="2159975" y="18531"/>
-                  <a:pt x="2383971" y="0"/>
-                </a:cubicBezTo>
-                <a:cubicBezTo>
-                  <a:pt x="2607967" y="-18531"/>
-                  <a:pt x="2719096" y="-12030"/>
-                  <a:pt x="2945674" y="0"/>
-                </a:cubicBezTo>
-                <a:cubicBezTo>
-                  <a:pt x="3172252" y="12030"/>
-                  <a:pt x="3269167" y="27666"/>
-                  <a:pt x="3507377" y="0"/>
-                </a:cubicBezTo>
-                <a:cubicBezTo>
-                  <a:pt x="3745587" y="-27666"/>
-                  <a:pt x="4116741" y="18705"/>
-                  <a:pt x="4572000" y="0"/>
-                </a:cubicBezTo>
-                <a:cubicBezTo>
-                  <a:pt x="4572895" y="8974"/>
-                  <a:pt x="4571454" y="9359"/>
-                  <a:pt x="4572000" y="18288"/>
-                </a:cubicBezTo>
-                <a:cubicBezTo>
-                  <a:pt x="4374698" y="3942"/>
-                  <a:pt x="4098874" y="-11042"/>
-                  <a:pt x="3873137" y="18288"/>
-                </a:cubicBezTo>
-                <a:cubicBezTo>
-                  <a:pt x="3647400" y="47618"/>
-                  <a:pt x="3517055" y="5421"/>
-                  <a:pt x="3311434" y="18288"/>
-                </a:cubicBezTo>
-                <a:cubicBezTo>
-                  <a:pt x="3105813" y="31155"/>
-                  <a:pt x="3025168" y="17856"/>
-                  <a:pt x="2749731" y="18288"/>
-                </a:cubicBezTo>
-                <a:cubicBezTo>
-                  <a:pt x="2474294" y="18720"/>
-                  <a:pt x="2291766" y="-14168"/>
-                  <a:pt x="2050869" y="18288"/>
-                </a:cubicBezTo>
-                <a:cubicBezTo>
-                  <a:pt x="1809972" y="50744"/>
-                  <a:pt x="1540276" y="46798"/>
-                  <a:pt x="1306286" y="18288"/>
-                </a:cubicBezTo>
-                <a:cubicBezTo>
-                  <a:pt x="1072296" y="-10222"/>
-                  <a:pt x="972445" y="19645"/>
-                  <a:pt x="790303" y="18288"/>
-                </a:cubicBezTo>
-                <a:cubicBezTo>
-                  <a:pt x="608161" y="16931"/>
-                  <a:pt x="200981" y="8241"/>
-                  <a:pt x="0" y="18288"/>
-                </a:cubicBezTo>
-                <a:cubicBezTo>
-                  <a:pt x="-229" y="14222"/>
-                  <a:pt x="509" y="5816"/>
-                  <a:pt x="0" y="0"/>
-                </a:cubicBezTo>
-                <a:close/>
-              </a:path>
-              <a:path w="4572000" h="18288" stroke="0" extrusionOk="0">
-                <a:moveTo>
-                  <a:pt x="0" y="0"/>
-                </a:moveTo>
-                <a:cubicBezTo>
-                  <a:pt x="143285" y="-9565"/>
-                  <a:pt x="327959" y="-11498"/>
-                  <a:pt x="561703" y="0"/>
-                </a:cubicBezTo>
-                <a:cubicBezTo>
-                  <a:pt x="795447" y="11498"/>
-                  <a:pt x="838260" y="18255"/>
-                  <a:pt x="1077686" y="0"/>
-                </a:cubicBezTo>
-                <a:cubicBezTo>
-                  <a:pt x="1317112" y="-18255"/>
-                  <a:pt x="1437472" y="23514"/>
-                  <a:pt x="1639389" y="0"/>
-                </a:cubicBezTo>
-                <a:cubicBezTo>
-                  <a:pt x="1841306" y="-23514"/>
-                  <a:pt x="2037142" y="-12551"/>
-                  <a:pt x="2292531" y="0"/>
-                </a:cubicBezTo>
-                <a:cubicBezTo>
-                  <a:pt x="2547920" y="12551"/>
-                  <a:pt x="2810436" y="-20352"/>
-                  <a:pt x="2991394" y="0"/>
-                </a:cubicBezTo>
-                <a:cubicBezTo>
-                  <a:pt x="3172352" y="20352"/>
-                  <a:pt x="3530025" y="-13347"/>
-                  <a:pt x="3735977" y="0"/>
-                </a:cubicBezTo>
-                <a:cubicBezTo>
-                  <a:pt x="3941929" y="13347"/>
-                  <a:pt x="4161497" y="34086"/>
-                  <a:pt x="4572000" y="0"/>
-                </a:cubicBezTo>
-                <a:cubicBezTo>
-                  <a:pt x="4571545" y="6162"/>
-                  <a:pt x="4571903" y="11775"/>
-                  <a:pt x="4572000" y="18288"/>
-                </a:cubicBezTo>
-                <a:cubicBezTo>
-                  <a:pt x="4228040" y="36490"/>
-                  <a:pt x="4199736" y="42557"/>
-                  <a:pt x="3873137" y="18288"/>
-                </a:cubicBezTo>
-                <a:cubicBezTo>
-                  <a:pt x="3546538" y="-5981"/>
-                  <a:pt x="3472124" y="16809"/>
-                  <a:pt x="3128554" y="18288"/>
-                </a:cubicBezTo>
-                <a:cubicBezTo>
-                  <a:pt x="2784984" y="19767"/>
-                  <a:pt x="2735896" y="-17781"/>
-                  <a:pt x="2383971" y="18288"/>
-                </a:cubicBezTo>
-                <a:cubicBezTo>
-                  <a:pt x="2032046" y="54357"/>
-                  <a:pt x="2019324" y="2920"/>
-                  <a:pt x="1867989" y="18288"/>
-                </a:cubicBezTo>
-                <a:cubicBezTo>
-                  <a:pt x="1716654" y="33656"/>
-                  <a:pt x="1418675" y="32575"/>
-                  <a:pt x="1169126" y="18288"/>
-                </a:cubicBezTo>
-                <a:cubicBezTo>
-                  <a:pt x="919577" y="4001"/>
-                  <a:pt x="798537" y="16165"/>
-                  <a:pt x="561703" y="18288"/>
-                </a:cubicBezTo>
-                <a:cubicBezTo>
-                  <a:pt x="324869" y="20411"/>
-                  <a:pt x="221395" y="-912"/>
-                  <a:pt x="0" y="18288"/>
-                </a:cubicBezTo>
-                <a:cubicBezTo>
-                  <a:pt x="766" y="10800"/>
-                  <a:pt x="-457" y="8180"/>
-                  <a:pt x="0" y="0"/>
-                </a:cubicBezTo>
-                <a:close/>
-              </a:path>
-            </a:pathLst>
-          </a:custGeom>
-          <a:solidFill>
-            <a:schemeClr val="accent2"/>
-          </a:solidFill>
-          <a:ln w="41275" cap="rnd">
-            <a:solidFill>
-              <a:schemeClr val="accent2"/>
-            </a:solidFill>
-            <a:round/>
-            <a:extLst>
-              <a:ext uri="{C807C97D-BFC1-408E-A445-0C87EB9F89A2}">
-                <ask:lineSketchStyleProps xmlns:ask="http://schemas.microsoft.com/office/drawing/2018/sketchyshapes" sd="2727557108">
-                  <a:prstGeom prst="rect">
-                    <a:avLst/>
-                  </a:prstGeom>
-                  <ask:type>
-                    <ask:lineSketchFreehand/>
-                  </ask:type>
-                </ask:lineSketchStyleProps>
-              </a:ext>
-            </a:extLst>
-          </a:ln>
-        </p:spPr>
-        <p:style>
-          <a:lnRef idx="2">
-            <a:schemeClr val="accent1">
-              <a:shade val="50000"/>
-            </a:schemeClr>
-          </a:lnRef>
-          <a:fillRef idx="1">
-            <a:schemeClr val="accent1"/>
-          </a:fillRef>
-          <a:effectRef idx="0">
-            <a:schemeClr val="accent1"/>
-          </a:effectRef>
-          <a:fontRef idx="minor">
-            <a:schemeClr val="lt1"/>
-          </a:fontRef>
-        </p:style>
+        <p:spPr/>
         <p:txBody>
-          <a:bodyPr rtlCol="0" anchor="ctr"/>
+          <a:bodyPr/>
           <a:lstStyle/>
           <a:p>
-            <a:pPr algn="ctr"/>
-            <a:endParaRPr lang="en-US"/>
+            <a:r>
+              <a:rPr lang="it-IT" dirty="0"/>
+              <a:t>Server DB2</a:t>
+            </a:r>
+          </a:p>
+          <a:p>
+            <a:r>
+              <a:rPr lang="it-IT" dirty="0"/>
+              <a:t>Interfaccia specifica</a:t>
+            </a:r>
+            <a:endParaRPr lang="en-GB" dirty="0"/>
+          </a:p>
+          <a:p>
+            <a:r>
+              <a:rPr lang="en-GB" dirty="0"/>
+              <a:t>Log</a:t>
+            </a:r>
+          </a:p>
+          <a:p>
+            <a:endParaRPr lang="it-IT" dirty="0"/>
+          </a:p>
+          <a:p>
+            <a:pPr marL="457200" lvl="1" indent="0">
+              <a:buNone/>
+            </a:pPr>
+            <a:endParaRPr lang="it-IT" dirty="0"/>
           </a:p>
         </p:txBody>
       </p:sp>
       <p:pic>
         <p:nvPicPr>
-          <p:cNvPr id="5" name="Immagine 4">
+          <p:cNvPr id="4" name="Immagine 3" descr="Immagine che contiene testo, segnale&#10;&#10;Descrizione generata automaticamente">
             <a:extLst>
               <a:ext uri="{FF2B5EF4-FFF2-40B4-BE49-F238E27FC236}">
-                <a16:creationId xmlns:a16="http://schemas.microsoft.com/office/drawing/2014/main" id="{6AFF0ABF-BA2E-447E-89FE-BF80B4BB299F}"/>
+                <a16:creationId xmlns:a16="http://schemas.microsoft.com/office/drawing/2014/main" id="{54A17E12-E8F5-5B38-6BB7-59C3B94B0FD6}"/>
               </a:ext>
             </a:extLst>
           </p:cNvPr>
@@ -13769,37 +17646,7 @@
           <p:nvPr/>
         </p:nvPicPr>
         <p:blipFill>
-          <a:blip r:embed="rId2"/>
-          <a:stretch>
-            <a:fillRect/>
-          </a:stretch>
-        </p:blipFill>
-        <p:spPr>
-          <a:xfrm>
-            <a:off x="2252815" y="1961931"/>
-            <a:ext cx="7681771" cy="4685880"/>
-          </a:xfrm>
-          <a:prstGeom prst="rect">
-            <a:avLst/>
-          </a:prstGeom>
-        </p:spPr>
-      </p:pic>
-      <p:pic>
-        <p:nvPicPr>
-          <p:cNvPr id="6" name="Immagine 5">
-            <a:extLst>
-              <a:ext uri="{FF2B5EF4-FFF2-40B4-BE49-F238E27FC236}">
-                <a16:creationId xmlns:a16="http://schemas.microsoft.com/office/drawing/2014/main" id="{F4AE02CA-BC64-661F-9A00-66C02A3F2AEF}"/>
-              </a:ext>
-            </a:extLst>
-          </p:cNvPr>
-          <p:cNvPicPr>
-            <a:picLocks noChangeAspect="1"/>
-          </p:cNvPicPr>
-          <p:nvPr/>
-        </p:nvPicPr>
-        <p:blipFill>
-          <a:blip r:embed="rId3">
+          <a:blip r:embed="rId2">
             <a:extLst>
               <a:ext uri="{28A0092B-C50C-407E-A947-70E740481C1C}">
                 <a14:useLocalDpi xmlns:a14="http://schemas.microsoft.com/office/drawing/2010/main" val="0"/>
@@ -13812,18 +17659,25 @@
         </p:blipFill>
         <p:spPr>
           <a:xfrm>
-            <a:off x="11212066" y="271844"/>
-            <a:ext cx="677507" cy="483933"/>
+            <a:off x="302427" y="209010"/>
+            <a:ext cx="609600" cy="609600"/>
           </a:xfrm>
           <a:prstGeom prst="rect">
             <a:avLst/>
           </a:prstGeom>
+          <a:effectLst>
+            <a:outerShdw blurRad="50800" dist="38100" dir="5400000" algn="t" rotWithShape="0">
+              <a:prstClr val="black">
+                <a:alpha val="40000"/>
+              </a:prstClr>
+            </a:outerShdw>
+          </a:effectLst>
         </p:spPr>
       </p:pic>
     </p:spTree>
     <p:extLst>
       <p:ext uri="{BB962C8B-B14F-4D97-AF65-F5344CB8AC3E}">
-        <p14:creationId xmlns:p14="http://schemas.microsoft.com/office/powerpoint/2010/main" val="881728199"/>
+        <p14:creationId xmlns:p14="http://schemas.microsoft.com/office/powerpoint/2010/main" val="1555377565"/>
       </p:ext>
     </p:extLst>
   </p:cSld>
@@ -13833,7 +17687,7 @@
 </p:sld>
 </file>
 
-<file path=ppt/slides/slide7.xml><?xml version="1.0" encoding="utf-8"?>
+<file path=ppt/slides/slide8.xml><?xml version="1.0" encoding="utf-8"?>
 <p:sld xmlns:a="http://schemas.openxmlformats.org/drawingml/2006/main" xmlns:r="http://schemas.openxmlformats.org/officeDocument/2006/relationships" xmlns:p="http://schemas.openxmlformats.org/presentationml/2006/main">
   <p:cSld>
     <p:bg>
@@ -14898,6 +18752,49 @@
           </a:prstGeom>
         </p:spPr>
       </p:pic>
+      <p:pic>
+        <p:nvPicPr>
+          <p:cNvPr id="3" name="Immagine 2" descr="Immagine che contiene testo, segnale&#10;&#10;Descrizione generata automaticamente">
+            <a:extLst>
+              <a:ext uri="{FF2B5EF4-FFF2-40B4-BE49-F238E27FC236}">
+                <a16:creationId xmlns:a16="http://schemas.microsoft.com/office/drawing/2014/main" id="{EA697020-FE8F-BBD5-C276-C9670E575737}"/>
+              </a:ext>
+            </a:extLst>
+          </p:cNvPr>
+          <p:cNvPicPr>
+            <a:picLocks noChangeAspect="1"/>
+          </p:cNvPicPr>
+          <p:nvPr/>
+        </p:nvPicPr>
+        <p:blipFill>
+          <a:blip r:embed="rId3">
+            <a:extLst>
+              <a:ext uri="{28A0092B-C50C-407E-A947-70E740481C1C}">
+                <a14:useLocalDpi xmlns:a14="http://schemas.microsoft.com/office/drawing/2010/main" val="0"/>
+              </a:ext>
+            </a:extLst>
+          </a:blip>
+          <a:stretch>
+            <a:fillRect/>
+          </a:stretch>
+        </p:blipFill>
+        <p:spPr>
+          <a:xfrm>
+            <a:off x="302427" y="271844"/>
+            <a:ext cx="609600" cy="609600"/>
+          </a:xfrm>
+          <a:prstGeom prst="rect">
+            <a:avLst/>
+          </a:prstGeom>
+          <a:effectLst>
+            <a:outerShdw blurRad="50800" dist="38100" dir="5400000" algn="t" rotWithShape="0">
+              <a:prstClr val="black">
+                <a:alpha val="40000"/>
+              </a:prstClr>
+            </a:outerShdw>
+          </a:effectLst>
+        </p:spPr>
+      </p:pic>
     </p:spTree>
     <p:extLst>
       <p:ext uri="{BB962C8B-B14F-4D97-AF65-F5344CB8AC3E}">
@@ -14911,7 +18808,7 @@
 </p:sld>
 </file>
 
-<file path=ppt/slides/slide8.xml><?xml version="1.0" encoding="utf-8"?>
+<file path=ppt/slides/slide9.xml><?xml version="1.0" encoding="utf-8"?>
 <p:sld xmlns:a="http://schemas.openxmlformats.org/drawingml/2006/main" xmlns:r="http://schemas.openxmlformats.org/officeDocument/2006/relationships" xmlns:p="http://schemas.openxmlformats.org/presentationml/2006/main">
   <p:cSld>
     <p:bg>
@@ -15024,6 +18921,7 @@
           </a:bodyPr>
           <a:lstStyle/>
           <a:p>
+            <a:pPr algn="ctr"/>
             <a:r>
               <a:rPr lang="it-IT" sz="5400" dirty="0">
                 <a:solidFill>
@@ -15720,159 +19618,12 @@
           </a:graphicData>
         </a:graphic>
       </p:graphicFrame>
-    </p:spTree>
-    <p:extLst>
-      <p:ext uri="{BB962C8B-B14F-4D97-AF65-F5344CB8AC3E}">
-        <p14:creationId xmlns:p14="http://schemas.microsoft.com/office/powerpoint/2010/main" val="3696296283"/>
-      </p:ext>
-    </p:extLst>
-  </p:cSld>
-  <p:clrMapOvr>
-    <a:masterClrMapping/>
-  </p:clrMapOvr>
-</p:sld>
-</file>
-
-<file path=ppt/slides/slide9.xml><?xml version="1.0" encoding="utf-8"?>
-<p:sld xmlns:a="http://schemas.openxmlformats.org/drawingml/2006/main" xmlns:r="http://schemas.openxmlformats.org/officeDocument/2006/relationships" xmlns:p="http://schemas.openxmlformats.org/presentationml/2006/main">
-  <p:cSld>
-    <p:bg>
-      <p:bgPr>
-        <a:solidFill>
-          <a:schemeClr val="bg1"/>
-        </a:solidFill>
-        <a:effectLst/>
-      </p:bgPr>
-    </p:bg>
-    <p:spTree>
-      <p:nvGrpSpPr>
-        <p:cNvPr id="1" name=""/>
-        <p:cNvGrpSpPr/>
-        <p:nvPr/>
-      </p:nvGrpSpPr>
-      <p:grpSpPr>
-        <a:xfrm>
-          <a:off x="0" y="0"/>
-          <a:ext cx="0" cy="0"/>
-          <a:chOff x="0" y="0"/>
-          <a:chExt cx="0" cy="0"/>
-        </a:xfrm>
-      </p:grpSpPr>
-      <p:sp>
-        <p:nvSpPr>
-          <p:cNvPr id="2" name="Titolo 1">
+      <p:pic>
+        <p:nvPicPr>
+          <p:cNvPr id="7" name="Immagine 6" descr="Immagine che contiene testo, segnale&#10;&#10;Descrizione generata automaticamente">
             <a:extLst>
               <a:ext uri="{FF2B5EF4-FFF2-40B4-BE49-F238E27FC236}">
-                <a16:creationId xmlns:a16="http://schemas.microsoft.com/office/drawing/2014/main" id="{6B8A2198-CDA4-5830-5E6F-7A30E089704F}"/>
-              </a:ext>
-            </a:extLst>
-          </p:cNvPr>
-          <p:cNvSpPr>
-            <a:spLocks noGrp="1"/>
-          </p:cNvSpPr>
-          <p:nvPr>
-            <p:ph type="title"/>
-          </p:nvPr>
-        </p:nvSpPr>
-        <p:spPr>
-          <a:xfrm>
-            <a:off x="293826" y="3828350"/>
-            <a:ext cx="11604347" cy="2452687"/>
-          </a:xfrm>
-        </p:spPr>
-        <p:txBody>
-          <a:bodyPr anchor="ctr">
-            <a:normAutofit/>
-          </a:bodyPr>
-          <a:lstStyle/>
-          <a:p>
-            <a:pPr algn="ctr"/>
-            <a:r>
-              <a:rPr lang="it-IT" sz="3600">
-                <a:solidFill>
-                  <a:srgbClr val="ED7D31"/>
-                </a:solidFill>
-              </a:rPr>
-              <a:t>Dal login…</a:t>
-            </a:r>
-            <a:endParaRPr lang="en-GB" sz="3600" dirty="0">
-              <a:solidFill>
-                <a:srgbClr val="ED7D31"/>
-              </a:solidFill>
-            </a:endParaRPr>
-          </a:p>
-        </p:txBody>
-      </p:sp>
-      <p:pic>
-        <p:nvPicPr>
-          <p:cNvPr id="5" name="Segnaposto contenuto 4">
-            <a:extLst>
-              <a:ext uri="{FF2B5EF4-FFF2-40B4-BE49-F238E27FC236}">
-                <a16:creationId xmlns:a16="http://schemas.microsoft.com/office/drawing/2014/main" id="{9D1A7772-DDAF-AEDB-CAC2-938D293B1155}"/>
-              </a:ext>
-            </a:extLst>
-          </p:cNvPr>
-          <p:cNvPicPr>
-            <a:picLocks noChangeAspect="1"/>
-          </p:cNvPicPr>
-          <p:nvPr/>
-        </p:nvPicPr>
-        <p:blipFill rotWithShape="1">
-          <a:blip r:embed="rId2">
-            <a:extLst>
-              <a:ext uri="{28A0092B-C50C-407E-A947-70E740481C1C}">
-                <a14:useLocalDpi xmlns:a14="http://schemas.microsoft.com/office/drawing/2010/main" val="0"/>
-              </a:ext>
-            </a:extLst>
-          </a:blip>
-          <a:srcRect t="32822" b="13072"/>
-          <a:stretch/>
-        </p:blipFill>
-        <p:spPr>
-          <a:xfrm>
-            <a:off x="20" y="10"/>
-            <a:ext cx="12191980" cy="3710603"/>
-          </a:xfrm>
-          <a:custGeom>
-            <a:avLst/>
-            <a:gdLst/>
-            <a:ahLst/>
-            <a:cxnLst/>
-            <a:rect l="l" t="t" r="r" b="b"/>
-            <a:pathLst>
-              <a:path w="12192000" h="3692092">
-                <a:moveTo>
-                  <a:pt x="0" y="0"/>
-                </a:moveTo>
-                <a:lnTo>
-                  <a:pt x="12192000" y="0"/>
-                </a:lnTo>
-                <a:lnTo>
-                  <a:pt x="12192000" y="3504824"/>
-                </a:lnTo>
-                <a:lnTo>
-                  <a:pt x="12024691" y="3517794"/>
-                </a:lnTo>
-                <a:cubicBezTo>
-                  <a:pt x="8077523" y="3783195"/>
-                  <a:pt x="4094678" y="3026959"/>
-                  <a:pt x="160485" y="3663863"/>
-                </a:cubicBezTo>
-                <a:lnTo>
-                  <a:pt x="0" y="3692092"/>
-                </a:lnTo>
-                <a:close/>
-              </a:path>
-            </a:pathLst>
-          </a:custGeom>
-        </p:spPr>
-      </p:pic>
-      <p:pic>
-        <p:nvPicPr>
-          <p:cNvPr id="11" name="Immagine 10">
-            <a:extLst>
-              <a:ext uri="{FF2B5EF4-FFF2-40B4-BE49-F238E27FC236}">
-                <a16:creationId xmlns:a16="http://schemas.microsoft.com/office/drawing/2014/main" id="{B4CC8760-665A-699A-D5A1-83952FE5A893}"/>
+                <a16:creationId xmlns:a16="http://schemas.microsoft.com/office/drawing/2014/main" id="{8EE21A0E-8026-47CC-DFA0-885859C261BF}"/>
               </a:ext>
             </a:extLst>
           </p:cNvPr>
@@ -15882,7 +19633,7 @@
           <p:nvPr/>
         </p:nvPicPr>
         <p:blipFill>
-          <a:blip r:embed="rId3">
+          <a:blip r:embed="rId8">
             <a:extLst>
               <a:ext uri="{28A0092B-C50C-407E-A947-70E740481C1C}">
                 <a14:useLocalDpi xmlns:a14="http://schemas.microsoft.com/office/drawing/2010/main" val="0"/>
@@ -15895,18 +19646,25 @@
         </p:blipFill>
         <p:spPr>
           <a:xfrm>
-            <a:off x="11212066" y="271844"/>
-            <a:ext cx="677507" cy="483933"/>
+            <a:off x="302427" y="271844"/>
+            <a:ext cx="609600" cy="609600"/>
           </a:xfrm>
           <a:prstGeom prst="rect">
             <a:avLst/>
           </a:prstGeom>
+          <a:effectLst>
+            <a:outerShdw blurRad="50800" dist="38100" dir="5400000" algn="t" rotWithShape="0">
+              <a:prstClr val="black">
+                <a:alpha val="40000"/>
+              </a:prstClr>
+            </a:outerShdw>
+          </a:effectLst>
         </p:spPr>
       </p:pic>
     </p:spTree>
     <p:extLst>
       <p:ext uri="{BB962C8B-B14F-4D97-AF65-F5344CB8AC3E}">
-        <p14:creationId xmlns:p14="http://schemas.microsoft.com/office/powerpoint/2010/main" val="3459565490"/>
+        <p14:creationId xmlns:p14="http://schemas.microsoft.com/office/powerpoint/2010/main" val="3696296283"/>
       </p:ext>
     </p:extLst>
   </p:cSld>

--- a/ioVoto.pptx
+++ b/ioVoto.pptx
@@ -5,10 +5,10 @@
     <p:sldMasterId id="2147483648" r:id="rId1"/>
   </p:sldMasterIdLst>
   <p:notesMasterIdLst>
-    <p:notesMasterId r:id="rId14"/>
+    <p:notesMasterId r:id="rId15"/>
   </p:notesMasterIdLst>
   <p:handoutMasterIdLst>
-    <p:handoutMasterId r:id="rId15"/>
+    <p:handoutMasterId r:id="rId16"/>
   </p:handoutMasterIdLst>
   <p:sldIdLst>
     <p:sldId id="262" r:id="rId2"/>
@@ -23,6 +23,7 @@
     <p:sldId id="265" r:id="rId11"/>
     <p:sldId id="266" r:id="rId12"/>
     <p:sldId id="268" r:id="rId13"/>
+    <p:sldId id="271" r:id="rId14"/>
   </p:sldIdLst>
   <p:sldSz cx="12192000" cy="6858000"/>
   <p:notesSz cx="6858000" cy="9144000"/>
@@ -144,6 +145,755 @@
 </file>
 
 <file path=ppt/diagrams/colors1.xml><?xml version="1.0" encoding="utf-8"?>
+<dgm:colorsDef xmlns:dgm="http://schemas.openxmlformats.org/drawingml/2006/diagram" xmlns:a="http://schemas.openxmlformats.org/drawingml/2006/main" uniqueId="urn:microsoft.com/office/officeart/2018/5/colors/Iconchunking_neutralbg_accent1_2">
+  <dgm:title val=""/>
+  <dgm:desc val=""/>
+  <dgm:catLst>
+    <dgm:cat type="accent1" pri="11200"/>
+  </dgm:catLst>
+  <dgm:styleLbl name="node0">
+    <dgm:fillClrLst meth="repeat">
+      <a:schemeClr val="accent1"/>
+    </dgm:fillClrLst>
+    <dgm:linClrLst meth="repeat">
+      <a:schemeClr val="lt1"/>
+    </dgm:linClrLst>
+    <dgm:effectClrLst/>
+    <dgm:txLinClrLst/>
+    <dgm:txFillClrLst/>
+    <dgm:txEffectClrLst/>
+  </dgm:styleLbl>
+  <dgm:styleLbl name="alignNode1">
+    <dgm:fillClrLst meth="repeat">
+      <a:schemeClr val="accent1"/>
+    </dgm:fillClrLst>
+    <dgm:linClrLst meth="repeat">
+      <a:schemeClr val="accent1"/>
+    </dgm:linClrLst>
+    <dgm:effectClrLst/>
+    <dgm:txLinClrLst/>
+    <dgm:txFillClrLst/>
+    <dgm:txEffectClrLst/>
+  </dgm:styleLbl>
+  <dgm:styleLbl name="node1">
+    <dgm:fillClrLst meth="repeat">
+      <a:schemeClr val="accent1"/>
+    </dgm:fillClrLst>
+    <dgm:linClrLst meth="repeat">
+      <a:schemeClr val="lt1">
+        <a:alpha val="0"/>
+      </a:schemeClr>
+    </dgm:linClrLst>
+    <dgm:effectClrLst/>
+    <dgm:txLinClrLst/>
+    <dgm:txFillClrLst/>
+    <dgm:txEffectClrLst/>
+  </dgm:styleLbl>
+  <dgm:styleLbl name="lnNode1">
+    <dgm:fillClrLst meth="repeat">
+      <a:schemeClr val="accent1"/>
+    </dgm:fillClrLst>
+    <dgm:linClrLst meth="repeat">
+      <a:schemeClr val="lt1"/>
+    </dgm:linClrLst>
+    <dgm:effectClrLst/>
+    <dgm:txLinClrLst/>
+    <dgm:txFillClrLst/>
+    <dgm:txEffectClrLst/>
+  </dgm:styleLbl>
+  <dgm:styleLbl name="vennNode1">
+    <dgm:fillClrLst meth="repeat">
+      <a:schemeClr val="accent1">
+        <a:alpha val="50000"/>
+      </a:schemeClr>
+    </dgm:fillClrLst>
+    <dgm:linClrLst meth="repeat">
+      <a:schemeClr val="lt1"/>
+    </dgm:linClrLst>
+    <dgm:effectClrLst/>
+    <dgm:txLinClrLst/>
+    <dgm:txFillClrLst/>
+    <dgm:txEffectClrLst/>
+  </dgm:styleLbl>
+  <dgm:styleLbl name="node2">
+    <dgm:fillClrLst meth="repeat">
+      <a:schemeClr val="accent1"/>
+    </dgm:fillClrLst>
+    <dgm:linClrLst meth="repeat">
+      <a:schemeClr val="lt1"/>
+    </dgm:linClrLst>
+    <dgm:effectClrLst/>
+    <dgm:txLinClrLst/>
+    <dgm:txFillClrLst/>
+    <dgm:txEffectClrLst/>
+  </dgm:styleLbl>
+  <dgm:styleLbl name="node3">
+    <dgm:fillClrLst meth="repeat">
+      <a:schemeClr val="accent1"/>
+    </dgm:fillClrLst>
+    <dgm:linClrLst meth="repeat">
+      <a:schemeClr val="lt1"/>
+    </dgm:linClrLst>
+    <dgm:effectClrLst/>
+    <dgm:txLinClrLst/>
+    <dgm:txFillClrLst/>
+    <dgm:txEffectClrLst/>
+  </dgm:styleLbl>
+  <dgm:styleLbl name="node4">
+    <dgm:fillClrLst meth="repeat">
+      <a:schemeClr val="accent1"/>
+    </dgm:fillClrLst>
+    <dgm:linClrLst meth="repeat">
+      <a:schemeClr val="lt1"/>
+    </dgm:linClrLst>
+    <dgm:effectClrLst/>
+    <dgm:txLinClrLst/>
+    <dgm:txFillClrLst/>
+    <dgm:txEffectClrLst/>
+  </dgm:styleLbl>
+  <dgm:styleLbl name="fgImgPlace1">
+    <dgm:fillClrLst meth="repeat">
+      <a:schemeClr val="accent1">
+        <a:tint val="50000"/>
+      </a:schemeClr>
+    </dgm:fillClrLst>
+    <dgm:linClrLst meth="repeat">
+      <a:schemeClr val="lt1"/>
+    </dgm:linClrLst>
+    <dgm:effectClrLst/>
+    <dgm:txLinClrLst/>
+    <dgm:txFillClrLst meth="repeat">
+      <a:schemeClr val="lt1"/>
+    </dgm:txFillClrLst>
+    <dgm:txEffectClrLst/>
+  </dgm:styleLbl>
+  <dgm:styleLbl name="alignImgPlace1">
+    <dgm:fillClrLst meth="repeat">
+      <a:schemeClr val="accent1">
+        <a:tint val="50000"/>
+      </a:schemeClr>
+    </dgm:fillClrLst>
+    <dgm:linClrLst meth="repeat">
+      <a:schemeClr val="lt1"/>
+    </dgm:linClrLst>
+    <dgm:effectClrLst/>
+    <dgm:txLinClrLst/>
+    <dgm:txFillClrLst meth="repeat">
+      <a:schemeClr val="lt1"/>
+    </dgm:txFillClrLst>
+    <dgm:txEffectClrLst/>
+  </dgm:styleLbl>
+  <dgm:styleLbl name="bgImgPlace1">
+    <dgm:fillClrLst meth="repeat">
+      <a:schemeClr val="accent1">
+        <a:tint val="50000"/>
+      </a:schemeClr>
+    </dgm:fillClrLst>
+    <dgm:linClrLst meth="repeat">
+      <a:schemeClr val="lt1"/>
+    </dgm:linClrLst>
+    <dgm:effectClrLst/>
+    <dgm:txLinClrLst/>
+    <dgm:txFillClrLst meth="repeat">
+      <a:schemeClr val="lt1"/>
+    </dgm:txFillClrLst>
+    <dgm:txEffectClrLst/>
+  </dgm:styleLbl>
+  <dgm:styleLbl name="sibTrans2D1">
+    <dgm:fillClrLst meth="repeat">
+      <a:schemeClr val="accent1">
+        <a:tint val="60000"/>
+      </a:schemeClr>
+    </dgm:fillClrLst>
+    <dgm:linClrLst meth="repeat">
+      <a:schemeClr val="accent1">
+        <a:tint val="60000"/>
+      </a:schemeClr>
+    </dgm:linClrLst>
+    <dgm:effectClrLst/>
+    <dgm:txLinClrLst/>
+    <dgm:txFillClrLst/>
+    <dgm:txEffectClrLst/>
+  </dgm:styleLbl>
+  <dgm:styleLbl name="fgSibTrans2D1">
+    <dgm:fillClrLst meth="repeat">
+      <a:schemeClr val="accent1">
+        <a:tint val="60000"/>
+      </a:schemeClr>
+    </dgm:fillClrLst>
+    <dgm:linClrLst meth="repeat">
+      <a:schemeClr val="accent1">
+        <a:tint val="60000"/>
+      </a:schemeClr>
+    </dgm:linClrLst>
+    <dgm:effectClrLst/>
+    <dgm:txLinClrLst/>
+    <dgm:txFillClrLst/>
+    <dgm:txEffectClrLst/>
+  </dgm:styleLbl>
+  <dgm:styleLbl name="bgSibTrans2D1">
+    <dgm:fillClrLst meth="repeat">
+      <a:schemeClr val="accent1">
+        <a:tint val="60000"/>
+      </a:schemeClr>
+    </dgm:fillClrLst>
+    <dgm:linClrLst meth="repeat">
+      <a:schemeClr val="accent1">
+        <a:tint val="60000"/>
+      </a:schemeClr>
+    </dgm:linClrLst>
+    <dgm:effectClrLst/>
+    <dgm:txLinClrLst/>
+    <dgm:txFillClrLst/>
+    <dgm:txEffectClrLst/>
+  </dgm:styleLbl>
+  <dgm:styleLbl name="sibTrans1D1">
+    <dgm:fillClrLst meth="repeat">
+      <a:schemeClr val="accent1"/>
+    </dgm:fillClrLst>
+    <dgm:linClrLst meth="repeat">
+      <a:schemeClr val="accent1"/>
+    </dgm:linClrLst>
+    <dgm:effectClrLst/>
+    <dgm:txLinClrLst/>
+    <dgm:txFillClrLst meth="repeat">
+      <a:schemeClr val="tx1"/>
+    </dgm:txFillClrLst>
+    <dgm:txEffectClrLst/>
+  </dgm:styleLbl>
+  <dgm:styleLbl name="callout">
+    <dgm:fillClrLst meth="repeat">
+      <a:schemeClr val="accent1"/>
+    </dgm:fillClrLst>
+    <dgm:linClrLst meth="repeat">
+      <a:schemeClr val="accent1">
+        <a:tint val="50000"/>
+      </a:schemeClr>
+    </dgm:linClrLst>
+    <dgm:effectClrLst/>
+    <dgm:txLinClrLst/>
+    <dgm:txFillClrLst meth="repeat">
+      <a:schemeClr val="tx1"/>
+    </dgm:txFillClrLst>
+    <dgm:txEffectClrLst/>
+  </dgm:styleLbl>
+  <dgm:styleLbl name="asst0">
+    <dgm:fillClrLst meth="repeat">
+      <a:schemeClr val="accent1"/>
+    </dgm:fillClrLst>
+    <dgm:linClrLst meth="repeat">
+      <a:schemeClr val="lt1"/>
+    </dgm:linClrLst>
+    <dgm:effectClrLst/>
+    <dgm:txLinClrLst/>
+    <dgm:txFillClrLst/>
+    <dgm:txEffectClrLst/>
+  </dgm:styleLbl>
+  <dgm:styleLbl name="asst1">
+    <dgm:fillClrLst meth="repeat">
+      <a:schemeClr val="accent1"/>
+    </dgm:fillClrLst>
+    <dgm:linClrLst meth="repeat">
+      <a:schemeClr val="lt1"/>
+    </dgm:linClrLst>
+    <dgm:effectClrLst/>
+    <dgm:txLinClrLst/>
+    <dgm:txFillClrLst/>
+    <dgm:txEffectClrLst/>
+  </dgm:styleLbl>
+  <dgm:styleLbl name="asst2">
+    <dgm:fillClrLst meth="repeat">
+      <a:schemeClr val="accent1"/>
+    </dgm:fillClrLst>
+    <dgm:linClrLst meth="repeat">
+      <a:schemeClr val="lt1"/>
+    </dgm:linClrLst>
+    <dgm:effectClrLst/>
+    <dgm:txLinClrLst/>
+    <dgm:txFillClrLst/>
+    <dgm:txEffectClrLst/>
+  </dgm:styleLbl>
+  <dgm:styleLbl name="asst3">
+    <dgm:fillClrLst meth="repeat">
+      <a:schemeClr val="accent1"/>
+    </dgm:fillClrLst>
+    <dgm:linClrLst meth="repeat">
+      <a:schemeClr val="lt1"/>
+    </dgm:linClrLst>
+    <dgm:effectClrLst/>
+    <dgm:txLinClrLst/>
+    <dgm:txFillClrLst/>
+    <dgm:txEffectClrLst/>
+  </dgm:styleLbl>
+  <dgm:styleLbl name="asst4">
+    <dgm:fillClrLst meth="repeat">
+      <a:schemeClr val="accent1"/>
+    </dgm:fillClrLst>
+    <dgm:linClrLst meth="repeat">
+      <a:schemeClr val="lt1"/>
+    </dgm:linClrLst>
+    <dgm:effectClrLst/>
+    <dgm:txLinClrLst/>
+    <dgm:txFillClrLst/>
+    <dgm:txEffectClrLst/>
+  </dgm:styleLbl>
+  <dgm:styleLbl name="parChTrans2D1">
+    <dgm:fillClrLst meth="repeat">
+      <a:schemeClr val="accent1">
+        <a:tint val="60000"/>
+      </a:schemeClr>
+    </dgm:fillClrLst>
+    <dgm:linClrLst meth="repeat">
+      <a:schemeClr val="accent1">
+        <a:tint val="60000"/>
+      </a:schemeClr>
+    </dgm:linClrLst>
+    <dgm:effectClrLst/>
+    <dgm:txLinClrLst/>
+    <dgm:txFillClrLst meth="repeat">
+      <a:schemeClr val="lt1"/>
+    </dgm:txFillClrLst>
+    <dgm:txEffectClrLst/>
+  </dgm:styleLbl>
+  <dgm:styleLbl name="parChTrans2D2">
+    <dgm:fillClrLst meth="repeat">
+      <a:schemeClr val="accent1"/>
+    </dgm:fillClrLst>
+    <dgm:linClrLst meth="repeat">
+      <a:schemeClr val="accent1"/>
+    </dgm:linClrLst>
+    <dgm:effectClrLst/>
+    <dgm:txLinClrLst/>
+    <dgm:txFillClrLst meth="repeat">
+      <a:schemeClr val="lt1"/>
+    </dgm:txFillClrLst>
+    <dgm:txEffectClrLst/>
+  </dgm:styleLbl>
+  <dgm:styleLbl name="parChTrans2D3">
+    <dgm:fillClrLst meth="repeat">
+      <a:schemeClr val="accent1"/>
+    </dgm:fillClrLst>
+    <dgm:linClrLst meth="repeat">
+      <a:schemeClr val="accent1"/>
+    </dgm:linClrLst>
+    <dgm:effectClrLst/>
+    <dgm:txLinClrLst/>
+    <dgm:txFillClrLst meth="repeat">
+      <a:schemeClr val="lt1"/>
+    </dgm:txFillClrLst>
+    <dgm:txEffectClrLst/>
+  </dgm:styleLbl>
+  <dgm:styleLbl name="parChTrans2D4">
+    <dgm:fillClrLst meth="repeat">
+      <a:schemeClr val="accent1"/>
+    </dgm:fillClrLst>
+    <dgm:linClrLst meth="repeat">
+      <a:schemeClr val="accent1"/>
+    </dgm:linClrLst>
+    <dgm:effectClrLst/>
+    <dgm:txLinClrLst/>
+    <dgm:txFillClrLst meth="repeat">
+      <a:schemeClr val="lt1"/>
+    </dgm:txFillClrLst>
+    <dgm:txEffectClrLst/>
+  </dgm:styleLbl>
+  <dgm:styleLbl name="parChTrans1D1">
+    <dgm:fillClrLst meth="repeat">
+      <a:schemeClr val="accent1"/>
+    </dgm:fillClrLst>
+    <dgm:linClrLst meth="repeat">
+      <a:schemeClr val="accent1">
+        <a:shade val="60000"/>
+      </a:schemeClr>
+    </dgm:linClrLst>
+    <dgm:effectClrLst/>
+    <dgm:txLinClrLst/>
+    <dgm:txFillClrLst meth="repeat">
+      <a:schemeClr val="tx1"/>
+    </dgm:txFillClrLst>
+    <dgm:txEffectClrLst/>
+  </dgm:styleLbl>
+  <dgm:styleLbl name="parChTrans1D2">
+    <dgm:fillClrLst meth="repeat">
+      <a:schemeClr val="accent1"/>
+    </dgm:fillClrLst>
+    <dgm:linClrLst meth="repeat">
+      <a:schemeClr val="accent1">
+        <a:shade val="60000"/>
+      </a:schemeClr>
+    </dgm:linClrLst>
+    <dgm:effectClrLst/>
+    <dgm:txLinClrLst/>
+    <dgm:txFillClrLst meth="repeat">
+      <a:schemeClr val="tx1"/>
+    </dgm:txFillClrLst>
+    <dgm:txEffectClrLst/>
+  </dgm:styleLbl>
+  <dgm:styleLbl name="parChTrans1D3">
+    <dgm:fillClrLst meth="repeat">
+      <a:schemeClr val="accent1"/>
+    </dgm:fillClrLst>
+    <dgm:linClrLst meth="repeat">
+      <a:schemeClr val="accent1">
+        <a:shade val="80000"/>
+      </a:schemeClr>
+    </dgm:linClrLst>
+    <dgm:effectClrLst/>
+    <dgm:txLinClrLst/>
+    <dgm:txFillClrLst meth="repeat">
+      <a:schemeClr val="tx1"/>
+    </dgm:txFillClrLst>
+    <dgm:txEffectClrLst/>
+  </dgm:styleLbl>
+  <dgm:styleLbl name="parChTrans1D4">
+    <dgm:fillClrLst meth="repeat">
+      <a:schemeClr val="accent1"/>
+    </dgm:fillClrLst>
+    <dgm:linClrLst meth="repeat">
+      <a:schemeClr val="accent1">
+        <a:shade val="80000"/>
+      </a:schemeClr>
+    </dgm:linClrLst>
+    <dgm:effectClrLst/>
+    <dgm:txLinClrLst/>
+    <dgm:txFillClrLst meth="repeat">
+      <a:schemeClr val="tx1"/>
+    </dgm:txFillClrLst>
+    <dgm:txEffectClrLst/>
+  </dgm:styleLbl>
+  <dgm:styleLbl name="fgAcc1">
+    <dgm:fillClrLst meth="repeat">
+      <a:schemeClr val="lt1">
+        <a:alpha val="90000"/>
+      </a:schemeClr>
+    </dgm:fillClrLst>
+    <dgm:linClrLst meth="repeat">
+      <a:schemeClr val="accent1"/>
+    </dgm:linClrLst>
+    <dgm:effectClrLst/>
+    <dgm:txLinClrLst/>
+    <dgm:txFillClrLst meth="repeat">
+      <a:schemeClr val="dk1"/>
+    </dgm:txFillClrLst>
+    <dgm:txEffectClrLst/>
+  </dgm:styleLbl>
+  <dgm:styleLbl name="conFgAcc1">
+    <dgm:fillClrLst meth="repeat">
+      <a:schemeClr val="lt1">
+        <a:alpha val="90000"/>
+      </a:schemeClr>
+    </dgm:fillClrLst>
+    <dgm:linClrLst meth="repeat">
+      <a:schemeClr val="accent1"/>
+    </dgm:linClrLst>
+    <dgm:effectClrLst/>
+    <dgm:txLinClrLst/>
+    <dgm:txFillClrLst meth="repeat">
+      <a:schemeClr val="dk1"/>
+    </dgm:txFillClrLst>
+    <dgm:txEffectClrLst/>
+  </dgm:styleLbl>
+  <dgm:styleLbl name="alignAcc1">
+    <dgm:fillClrLst meth="repeat">
+      <a:schemeClr val="lt1">
+        <a:alpha val="90000"/>
+      </a:schemeClr>
+    </dgm:fillClrLst>
+    <dgm:linClrLst meth="repeat">
+      <a:schemeClr val="accent1"/>
+    </dgm:linClrLst>
+    <dgm:effectClrLst/>
+    <dgm:txLinClrLst/>
+    <dgm:txFillClrLst meth="repeat">
+      <a:schemeClr val="dk1"/>
+    </dgm:txFillClrLst>
+    <dgm:txEffectClrLst/>
+  </dgm:styleLbl>
+  <dgm:styleLbl name="trAlignAcc1">
+    <dgm:fillClrLst meth="repeat">
+      <a:schemeClr val="lt1">
+        <a:alpha val="40000"/>
+      </a:schemeClr>
+    </dgm:fillClrLst>
+    <dgm:linClrLst meth="repeat">
+      <a:schemeClr val="accent1"/>
+    </dgm:linClrLst>
+    <dgm:effectClrLst/>
+    <dgm:txLinClrLst/>
+    <dgm:txFillClrLst meth="repeat">
+      <a:schemeClr val="dk1"/>
+    </dgm:txFillClrLst>
+    <dgm:txEffectClrLst/>
+  </dgm:styleLbl>
+  <dgm:styleLbl name="bgAcc1">
+    <dgm:fillClrLst meth="repeat">
+      <a:schemeClr val="lt1">
+        <a:alpha val="90000"/>
+      </a:schemeClr>
+    </dgm:fillClrLst>
+    <dgm:linClrLst meth="repeat">
+      <a:schemeClr val="accent1"/>
+    </dgm:linClrLst>
+    <dgm:effectClrLst/>
+    <dgm:txLinClrLst/>
+    <dgm:txFillClrLst meth="repeat">
+      <a:schemeClr val="dk1"/>
+    </dgm:txFillClrLst>
+    <dgm:txEffectClrLst/>
+  </dgm:styleLbl>
+  <dgm:styleLbl name="solidFgAcc1">
+    <dgm:fillClrLst meth="repeat">
+      <a:schemeClr val="lt1"/>
+    </dgm:fillClrLst>
+    <dgm:linClrLst meth="repeat">
+      <a:schemeClr val="accent1"/>
+    </dgm:linClrLst>
+    <dgm:effectClrLst/>
+    <dgm:txLinClrLst/>
+    <dgm:txFillClrLst meth="repeat">
+      <a:schemeClr val="dk1"/>
+    </dgm:txFillClrLst>
+    <dgm:txEffectClrLst/>
+  </dgm:styleLbl>
+  <dgm:styleLbl name="solidAlignAcc1">
+    <dgm:fillClrLst meth="repeat">
+      <a:schemeClr val="lt1"/>
+    </dgm:fillClrLst>
+    <dgm:linClrLst meth="repeat">
+      <a:schemeClr val="accent1"/>
+    </dgm:linClrLst>
+    <dgm:effectClrLst/>
+    <dgm:txLinClrLst/>
+    <dgm:txFillClrLst meth="repeat">
+      <a:schemeClr val="dk1"/>
+    </dgm:txFillClrLst>
+    <dgm:txEffectClrLst/>
+  </dgm:styleLbl>
+  <dgm:styleLbl name="solidBgAcc1">
+    <dgm:fillClrLst meth="repeat">
+      <a:schemeClr val="lt1"/>
+    </dgm:fillClrLst>
+    <dgm:linClrLst meth="repeat">
+      <a:schemeClr val="accent1"/>
+    </dgm:linClrLst>
+    <dgm:effectClrLst/>
+    <dgm:txLinClrLst/>
+    <dgm:txFillClrLst meth="repeat">
+      <a:schemeClr val="dk1"/>
+    </dgm:txFillClrLst>
+    <dgm:txEffectClrLst/>
+  </dgm:styleLbl>
+  <dgm:styleLbl name="fgAccFollowNode1">
+    <dgm:fillClrLst meth="repeat">
+      <a:schemeClr val="accent1">
+        <a:alpha val="90000"/>
+        <a:tint val="40000"/>
+      </a:schemeClr>
+    </dgm:fillClrLst>
+    <dgm:linClrLst meth="repeat">
+      <a:schemeClr val="accent1">
+        <a:alpha val="90000"/>
+        <a:tint val="40000"/>
+      </a:schemeClr>
+    </dgm:linClrLst>
+    <dgm:effectClrLst/>
+    <dgm:txLinClrLst/>
+    <dgm:txFillClrLst meth="repeat">
+      <a:schemeClr val="dk1"/>
+    </dgm:txFillClrLst>
+    <dgm:txEffectClrLst/>
+  </dgm:styleLbl>
+  <dgm:styleLbl name="alignAccFollowNode1">
+    <dgm:fillClrLst meth="repeat">
+      <a:schemeClr val="accent1">
+        <a:alpha val="90000"/>
+        <a:tint val="40000"/>
+      </a:schemeClr>
+    </dgm:fillClrLst>
+    <dgm:linClrLst meth="repeat">
+      <a:schemeClr val="accent1">
+        <a:alpha val="90000"/>
+        <a:tint val="40000"/>
+      </a:schemeClr>
+    </dgm:linClrLst>
+    <dgm:effectClrLst/>
+    <dgm:txLinClrLst/>
+    <dgm:txFillClrLst meth="repeat">
+      <a:schemeClr val="dk1"/>
+    </dgm:txFillClrLst>
+    <dgm:txEffectClrLst/>
+  </dgm:styleLbl>
+  <dgm:styleLbl name="bgAccFollowNode1">
+    <dgm:fillClrLst meth="repeat">
+      <a:schemeClr val="accent1">
+        <a:alpha val="90000"/>
+        <a:tint val="40000"/>
+      </a:schemeClr>
+    </dgm:fillClrLst>
+    <dgm:linClrLst meth="repeat">
+      <a:schemeClr val="accent1">
+        <a:alpha val="90000"/>
+        <a:tint val="40000"/>
+      </a:schemeClr>
+    </dgm:linClrLst>
+    <dgm:effectClrLst/>
+    <dgm:txLinClrLst/>
+    <dgm:txFillClrLst meth="repeat">
+      <a:schemeClr val="dk1"/>
+    </dgm:txFillClrLst>
+    <dgm:txEffectClrLst/>
+  </dgm:styleLbl>
+  <dgm:styleLbl name="fgAcc0">
+    <dgm:fillClrLst meth="repeat">
+      <a:schemeClr val="lt1">
+        <a:alpha val="90000"/>
+      </a:schemeClr>
+    </dgm:fillClrLst>
+    <dgm:linClrLst meth="repeat">
+      <a:schemeClr val="accent1"/>
+    </dgm:linClrLst>
+    <dgm:effectClrLst/>
+    <dgm:txLinClrLst/>
+    <dgm:txFillClrLst meth="repeat">
+      <a:schemeClr val="dk1"/>
+    </dgm:txFillClrLst>
+    <dgm:txEffectClrLst/>
+  </dgm:styleLbl>
+  <dgm:styleLbl name="fgAcc2">
+    <dgm:fillClrLst meth="repeat">
+      <a:schemeClr val="lt1">
+        <a:alpha val="90000"/>
+      </a:schemeClr>
+    </dgm:fillClrLst>
+    <dgm:linClrLst meth="repeat">
+      <a:schemeClr val="accent1"/>
+    </dgm:linClrLst>
+    <dgm:effectClrLst/>
+    <dgm:txLinClrLst/>
+    <dgm:txFillClrLst meth="repeat">
+      <a:schemeClr val="dk1"/>
+    </dgm:txFillClrLst>
+    <dgm:txEffectClrLst/>
+  </dgm:styleLbl>
+  <dgm:styleLbl name="fgAcc3">
+    <dgm:fillClrLst meth="repeat">
+      <a:schemeClr val="lt1">
+        <a:alpha val="90000"/>
+      </a:schemeClr>
+    </dgm:fillClrLst>
+    <dgm:linClrLst meth="repeat">
+      <a:schemeClr val="accent1"/>
+    </dgm:linClrLst>
+    <dgm:effectClrLst/>
+    <dgm:txLinClrLst/>
+    <dgm:txFillClrLst meth="repeat">
+      <a:schemeClr val="dk1"/>
+    </dgm:txFillClrLst>
+    <dgm:txEffectClrLst/>
+  </dgm:styleLbl>
+  <dgm:styleLbl name="fgAcc4">
+    <dgm:fillClrLst meth="repeat">
+      <a:schemeClr val="lt1">
+        <a:alpha val="90000"/>
+      </a:schemeClr>
+    </dgm:fillClrLst>
+    <dgm:linClrLst meth="repeat">
+      <a:schemeClr val="accent1"/>
+    </dgm:linClrLst>
+    <dgm:effectClrLst/>
+    <dgm:txLinClrLst/>
+    <dgm:txFillClrLst meth="repeat">
+      <a:schemeClr val="dk1"/>
+    </dgm:txFillClrLst>
+    <dgm:txEffectClrLst/>
+  </dgm:styleLbl>
+  <dgm:styleLbl name="bgShp">
+    <dgm:fillClrLst meth="repeat">
+      <a:schemeClr val="bg1">
+        <a:lumMod val="95000"/>
+      </a:schemeClr>
+    </dgm:fillClrLst>
+    <dgm:linClrLst meth="repeat">
+      <a:schemeClr val="accent1"/>
+    </dgm:linClrLst>
+    <dgm:effectClrLst/>
+    <dgm:txLinClrLst/>
+    <dgm:txFillClrLst meth="repeat">
+      <a:schemeClr val="dk1"/>
+    </dgm:txFillClrLst>
+    <dgm:txEffectClrLst/>
+  </dgm:styleLbl>
+  <dgm:styleLbl name="dkBgShp">
+    <dgm:fillClrLst meth="repeat">
+      <a:schemeClr val="accent1">
+        <a:shade val="80000"/>
+      </a:schemeClr>
+    </dgm:fillClrLst>
+    <dgm:linClrLst meth="repeat">
+      <a:schemeClr val="accent1"/>
+    </dgm:linClrLst>
+    <dgm:effectClrLst/>
+    <dgm:txLinClrLst/>
+    <dgm:txFillClrLst meth="repeat">
+      <a:schemeClr val="lt1"/>
+    </dgm:txFillClrLst>
+    <dgm:txEffectClrLst/>
+  </dgm:styleLbl>
+  <dgm:styleLbl name="trBgShp">
+    <dgm:fillClrLst meth="repeat">
+      <a:schemeClr val="accent1">
+        <a:tint val="50000"/>
+        <a:alpha val="40000"/>
+      </a:schemeClr>
+    </dgm:fillClrLst>
+    <dgm:linClrLst meth="repeat">
+      <a:schemeClr val="accent1"/>
+    </dgm:linClrLst>
+    <dgm:effectClrLst/>
+    <dgm:txLinClrLst/>
+    <dgm:txFillClrLst meth="repeat">
+      <a:schemeClr val="lt1"/>
+    </dgm:txFillClrLst>
+    <dgm:txEffectClrLst/>
+  </dgm:styleLbl>
+  <dgm:styleLbl name="fgShp">
+    <dgm:fillClrLst meth="repeat">
+      <a:schemeClr val="accent1">
+        <a:tint val="60000"/>
+      </a:schemeClr>
+    </dgm:fillClrLst>
+    <dgm:linClrLst meth="repeat">
+      <a:schemeClr val="lt1"/>
+    </dgm:linClrLst>
+    <dgm:effectClrLst/>
+    <dgm:txLinClrLst/>
+    <dgm:txFillClrLst meth="repeat">
+      <a:schemeClr val="dk1"/>
+    </dgm:txFillClrLst>
+    <dgm:txEffectClrLst/>
+  </dgm:styleLbl>
+  <dgm:styleLbl name="revTx">
+    <dgm:fillClrLst meth="repeat">
+      <a:schemeClr val="lt1">
+        <a:alpha val="0"/>
+      </a:schemeClr>
+    </dgm:fillClrLst>
+    <dgm:linClrLst meth="repeat">
+      <a:schemeClr val="dk1">
+        <a:alpha val="0"/>
+      </a:schemeClr>
+    </dgm:linClrLst>
+    <dgm:effectClrLst/>
+    <dgm:txLinClrLst/>
+    <dgm:txFillClrLst meth="repeat">
+      <a:schemeClr val="tx1"/>
+    </dgm:txFillClrLst>
+    <dgm:txEffectClrLst/>
+  </dgm:styleLbl>
+</dgm:colorsDef>
+</file>
+
+<file path=ppt/diagrams/colors2.xml><?xml version="1.0" encoding="utf-8"?>
 <dgm:colorsDef xmlns:dgm="http://schemas.openxmlformats.org/drawingml/2006/diagram" xmlns:a="http://schemas.openxmlformats.org/drawingml/2006/main" uniqueId="urn:microsoft.com/office/officeart/2018/5/colors/Iconchunking_coloredtext_colorful1">
   <dgm:title val=""/>
   <dgm:desc val=""/>
@@ -1072,7 +1822,7 @@
 </dgm:colorsDef>
 </file>
 
-<file path=ppt/diagrams/colors2.xml><?xml version="1.0" encoding="utf-8"?>
+<file path=ppt/diagrams/colors3.xml><?xml version="1.0" encoding="utf-8"?>
 <dgm:colorsDef xmlns:dgm="http://schemas.openxmlformats.org/drawingml/2006/diagram" xmlns:a="http://schemas.openxmlformats.org/drawingml/2006/main" uniqueId="urn:microsoft.com/office/officeart/2005/8/colors/accent1_2">
   <dgm:title val=""/>
   <dgm:desc val=""/>
@@ -1819,7 +2569,1419 @@
 </dgm:colorsDef>
 </file>
 
+<file path=ppt/diagrams/colors4.xml><?xml version="1.0" encoding="utf-8"?>
+<dgm:colorsDef xmlns:dgm="http://schemas.openxmlformats.org/drawingml/2006/diagram" xmlns:a="http://schemas.openxmlformats.org/drawingml/2006/main" uniqueId="urn:microsoft.com/office/officeart/2018/5/colors/Iconchunking_neutralbg_colorful1">
+  <dgm:title val=""/>
+  <dgm:desc val=""/>
+  <dgm:catLst>
+    <dgm:cat type="colorful" pri="10100"/>
+  </dgm:catLst>
+  <dgm:styleLbl name="node0">
+    <dgm:fillClrLst meth="repeat">
+      <a:schemeClr val="accent1"/>
+    </dgm:fillClrLst>
+    <dgm:linClrLst meth="repeat">
+      <a:schemeClr val="lt1"/>
+    </dgm:linClrLst>
+    <dgm:effectClrLst/>
+    <dgm:txLinClrLst/>
+    <dgm:txFillClrLst/>
+    <dgm:txEffectClrLst/>
+  </dgm:styleLbl>
+  <dgm:styleLbl name="node1">
+    <dgm:fillClrLst meth="repeat">
+      <a:schemeClr val="accent2"/>
+      <a:schemeClr val="accent3"/>
+      <a:schemeClr val="accent4"/>
+      <a:schemeClr val="accent5"/>
+      <a:schemeClr val="accent6"/>
+    </dgm:fillClrLst>
+    <dgm:linClrLst meth="repeat">
+      <a:schemeClr val="lt1">
+        <a:alpha val="0"/>
+      </a:schemeClr>
+    </dgm:linClrLst>
+    <dgm:effectClrLst/>
+    <dgm:txLinClrLst/>
+    <dgm:txFillClrLst/>
+    <dgm:txEffectClrLst/>
+  </dgm:styleLbl>
+  <dgm:styleLbl name="alignNode1">
+    <dgm:fillClrLst meth="repeat">
+      <a:schemeClr val="accent2"/>
+      <a:schemeClr val="accent3"/>
+      <a:schemeClr val="accent4"/>
+      <a:schemeClr val="accent5"/>
+      <a:schemeClr val="accent6"/>
+    </dgm:fillClrLst>
+    <dgm:linClrLst meth="repeat">
+      <a:schemeClr val="accent2"/>
+      <a:schemeClr val="accent3"/>
+      <a:schemeClr val="accent4"/>
+      <a:schemeClr val="accent5"/>
+      <a:schemeClr val="accent6"/>
+    </dgm:linClrLst>
+    <dgm:effectClrLst/>
+    <dgm:txLinClrLst/>
+    <dgm:txFillClrLst/>
+    <dgm:txEffectClrLst/>
+  </dgm:styleLbl>
+  <dgm:styleLbl name="lnNode1">
+    <dgm:fillClrLst meth="repeat">
+      <a:schemeClr val="accent2"/>
+      <a:schemeClr val="accent3"/>
+      <a:schemeClr val="accent4"/>
+      <a:schemeClr val="accent5"/>
+      <a:schemeClr val="accent6"/>
+    </dgm:fillClrLst>
+    <dgm:linClrLst meth="repeat">
+      <a:schemeClr val="lt1"/>
+    </dgm:linClrLst>
+    <dgm:effectClrLst/>
+    <dgm:txLinClrLst/>
+    <dgm:txFillClrLst/>
+    <dgm:txEffectClrLst/>
+  </dgm:styleLbl>
+  <dgm:styleLbl name="vennNode1">
+    <dgm:fillClrLst meth="repeat">
+      <a:schemeClr val="accent2">
+        <a:alpha val="50000"/>
+      </a:schemeClr>
+      <a:schemeClr val="accent3">
+        <a:alpha val="50000"/>
+      </a:schemeClr>
+      <a:schemeClr val="accent4">
+        <a:alpha val="50000"/>
+      </a:schemeClr>
+      <a:schemeClr val="accent5">
+        <a:alpha val="50000"/>
+      </a:schemeClr>
+      <a:schemeClr val="accent6">
+        <a:alpha val="50000"/>
+      </a:schemeClr>
+    </dgm:fillClrLst>
+    <dgm:linClrLst meth="repeat">
+      <a:schemeClr val="lt1"/>
+    </dgm:linClrLst>
+    <dgm:effectClrLst/>
+    <dgm:txLinClrLst/>
+    <dgm:txFillClrLst/>
+    <dgm:txEffectClrLst/>
+  </dgm:styleLbl>
+  <dgm:styleLbl name="node2">
+    <dgm:fillClrLst>
+      <a:schemeClr val="accent2"/>
+    </dgm:fillClrLst>
+    <dgm:linClrLst meth="repeat">
+      <a:schemeClr val="lt1"/>
+    </dgm:linClrLst>
+    <dgm:effectClrLst/>
+    <dgm:txLinClrLst/>
+    <dgm:txFillClrLst/>
+    <dgm:txEffectClrLst/>
+  </dgm:styleLbl>
+  <dgm:styleLbl name="node3">
+    <dgm:fillClrLst>
+      <a:schemeClr val="accent3"/>
+    </dgm:fillClrLst>
+    <dgm:linClrLst meth="repeat">
+      <a:schemeClr val="lt1"/>
+    </dgm:linClrLst>
+    <dgm:effectClrLst/>
+    <dgm:txLinClrLst/>
+    <dgm:txFillClrLst/>
+    <dgm:txEffectClrLst/>
+  </dgm:styleLbl>
+  <dgm:styleLbl name="node4">
+    <dgm:fillClrLst>
+      <a:schemeClr val="accent4"/>
+    </dgm:fillClrLst>
+    <dgm:linClrLst meth="repeat">
+      <a:schemeClr val="lt1"/>
+    </dgm:linClrLst>
+    <dgm:effectClrLst/>
+    <dgm:txLinClrLst/>
+    <dgm:txFillClrLst/>
+    <dgm:txEffectClrLst/>
+  </dgm:styleLbl>
+  <dgm:styleLbl name="fgImgPlace1">
+    <dgm:fillClrLst meth="repeat">
+      <a:schemeClr val="accent2">
+        <a:tint val="50000"/>
+      </a:schemeClr>
+      <a:schemeClr val="accent3">
+        <a:tint val="50000"/>
+      </a:schemeClr>
+      <a:schemeClr val="accent4">
+        <a:tint val="50000"/>
+      </a:schemeClr>
+      <a:schemeClr val="accent5">
+        <a:tint val="50000"/>
+      </a:schemeClr>
+      <a:schemeClr val="accent6">
+        <a:tint val="50000"/>
+      </a:schemeClr>
+    </dgm:fillClrLst>
+    <dgm:linClrLst meth="repeat">
+      <a:schemeClr val="lt1"/>
+    </dgm:linClrLst>
+    <dgm:effectClrLst/>
+    <dgm:txLinClrLst/>
+    <dgm:txFillClrLst meth="repeat">
+      <a:schemeClr val="lt1"/>
+    </dgm:txFillClrLst>
+    <dgm:txEffectClrLst/>
+  </dgm:styleLbl>
+  <dgm:styleLbl name="alignImgPlace1">
+    <dgm:fillClrLst>
+      <a:schemeClr val="accent1">
+        <a:tint val="50000"/>
+      </a:schemeClr>
+      <a:schemeClr val="accent2">
+        <a:tint val="20000"/>
+      </a:schemeClr>
+    </dgm:fillClrLst>
+    <dgm:linClrLst meth="repeat">
+      <a:schemeClr val="lt1"/>
+    </dgm:linClrLst>
+    <dgm:effectClrLst/>
+    <dgm:txLinClrLst/>
+    <dgm:txFillClrLst meth="repeat">
+      <a:schemeClr val="lt1"/>
+    </dgm:txFillClrLst>
+    <dgm:txEffectClrLst/>
+  </dgm:styleLbl>
+  <dgm:styleLbl name="bgImgPlace1">
+    <dgm:fillClrLst>
+      <a:schemeClr val="accent1">
+        <a:tint val="50000"/>
+      </a:schemeClr>
+      <a:schemeClr val="accent2">
+        <a:tint val="20000"/>
+      </a:schemeClr>
+    </dgm:fillClrLst>
+    <dgm:linClrLst meth="repeat">
+      <a:schemeClr val="lt1"/>
+    </dgm:linClrLst>
+    <dgm:effectClrLst/>
+    <dgm:txLinClrLst/>
+    <dgm:txFillClrLst meth="repeat">
+      <a:schemeClr val="lt1"/>
+    </dgm:txFillClrLst>
+    <dgm:txEffectClrLst/>
+  </dgm:styleLbl>
+  <dgm:styleLbl name="sibTrans2D1">
+    <dgm:fillClrLst meth="repeat">
+      <a:schemeClr val="accent2"/>
+      <a:schemeClr val="accent3"/>
+      <a:schemeClr val="accent4"/>
+      <a:schemeClr val="accent5"/>
+      <a:schemeClr val="accent6"/>
+    </dgm:fillClrLst>
+    <dgm:linClrLst meth="cycle">
+      <a:schemeClr val="lt1"/>
+    </dgm:linClrLst>
+    <dgm:effectClrLst/>
+    <dgm:txLinClrLst/>
+    <dgm:txFillClrLst/>
+    <dgm:txEffectClrLst/>
+  </dgm:styleLbl>
+  <dgm:styleLbl name="fgSibTrans2D1">
+    <dgm:fillClrLst meth="repeat">
+      <a:schemeClr val="accent2"/>
+      <a:schemeClr val="accent3"/>
+      <a:schemeClr val="accent4"/>
+      <a:schemeClr val="accent5"/>
+      <a:schemeClr val="accent6"/>
+    </dgm:fillClrLst>
+    <dgm:linClrLst meth="cycle">
+      <a:schemeClr val="lt1"/>
+    </dgm:linClrLst>
+    <dgm:effectClrLst/>
+    <dgm:txLinClrLst/>
+    <dgm:txFillClrLst meth="repeat">
+      <a:schemeClr val="lt1"/>
+    </dgm:txFillClrLst>
+    <dgm:txEffectClrLst/>
+  </dgm:styleLbl>
+  <dgm:styleLbl name="bgSibTrans2D1">
+    <dgm:fillClrLst meth="repeat">
+      <a:schemeClr val="accent2"/>
+      <a:schemeClr val="accent3"/>
+      <a:schemeClr val="accent4"/>
+      <a:schemeClr val="accent5"/>
+      <a:schemeClr val="accent6"/>
+    </dgm:fillClrLst>
+    <dgm:linClrLst meth="cycle">
+      <a:schemeClr val="lt1"/>
+    </dgm:linClrLst>
+    <dgm:effectClrLst/>
+    <dgm:txLinClrLst/>
+    <dgm:txFillClrLst meth="repeat">
+      <a:schemeClr val="lt1"/>
+    </dgm:txFillClrLst>
+    <dgm:txEffectClrLst/>
+  </dgm:styleLbl>
+  <dgm:styleLbl name="sibTrans1D1">
+    <dgm:fillClrLst meth="repeat">
+      <a:schemeClr val="accent2"/>
+      <a:schemeClr val="accent3"/>
+      <a:schemeClr val="accent4"/>
+      <a:schemeClr val="accent5"/>
+      <a:schemeClr val="accent6"/>
+    </dgm:fillClrLst>
+    <dgm:linClrLst meth="repeat">
+      <a:schemeClr val="accent2"/>
+      <a:schemeClr val="accent3"/>
+      <a:schemeClr val="accent4"/>
+      <a:schemeClr val="accent5"/>
+      <a:schemeClr val="accent6"/>
+    </dgm:linClrLst>
+    <dgm:effectClrLst/>
+    <dgm:txLinClrLst/>
+    <dgm:txFillClrLst meth="repeat">
+      <a:schemeClr val="tx1"/>
+    </dgm:txFillClrLst>
+    <dgm:txEffectClrLst/>
+  </dgm:styleLbl>
+  <dgm:styleLbl name="callout">
+    <dgm:fillClrLst meth="repeat">
+      <a:schemeClr val="accent2"/>
+    </dgm:fillClrLst>
+    <dgm:linClrLst meth="repeat">
+      <a:schemeClr val="accent2">
+        <a:tint val="50000"/>
+      </a:schemeClr>
+    </dgm:linClrLst>
+    <dgm:effectClrLst/>
+    <dgm:txLinClrLst/>
+    <dgm:txFillClrLst meth="repeat">
+      <a:schemeClr val="tx1"/>
+    </dgm:txFillClrLst>
+    <dgm:txEffectClrLst/>
+  </dgm:styleLbl>
+  <dgm:styleLbl name="asst0">
+    <dgm:fillClrLst meth="repeat">
+      <a:schemeClr val="accent1"/>
+    </dgm:fillClrLst>
+    <dgm:linClrLst meth="repeat">
+      <a:schemeClr val="lt1"/>
+    </dgm:linClrLst>
+    <dgm:effectClrLst/>
+    <dgm:txLinClrLst/>
+    <dgm:txFillClrLst/>
+    <dgm:txEffectClrLst/>
+  </dgm:styleLbl>
+  <dgm:styleLbl name="asst1">
+    <dgm:fillClrLst meth="repeat">
+      <a:schemeClr val="accent2"/>
+    </dgm:fillClrLst>
+    <dgm:linClrLst meth="repeat">
+      <a:schemeClr val="lt1"/>
+    </dgm:linClrLst>
+    <dgm:effectClrLst/>
+    <dgm:txLinClrLst/>
+    <dgm:txFillClrLst/>
+    <dgm:txEffectClrLst/>
+  </dgm:styleLbl>
+  <dgm:styleLbl name="asst2">
+    <dgm:fillClrLst>
+      <a:schemeClr val="accent3"/>
+    </dgm:fillClrLst>
+    <dgm:linClrLst meth="repeat">
+      <a:schemeClr val="lt1"/>
+    </dgm:linClrLst>
+    <dgm:effectClrLst/>
+    <dgm:txLinClrLst/>
+    <dgm:txFillClrLst/>
+    <dgm:txEffectClrLst/>
+  </dgm:styleLbl>
+  <dgm:styleLbl name="asst3">
+    <dgm:fillClrLst>
+      <a:schemeClr val="accent4"/>
+    </dgm:fillClrLst>
+    <dgm:linClrLst meth="repeat">
+      <a:schemeClr val="lt1"/>
+    </dgm:linClrLst>
+    <dgm:effectClrLst/>
+    <dgm:txLinClrLst/>
+    <dgm:txFillClrLst/>
+    <dgm:txEffectClrLst/>
+  </dgm:styleLbl>
+  <dgm:styleLbl name="asst4">
+    <dgm:fillClrLst>
+      <a:schemeClr val="accent5"/>
+    </dgm:fillClrLst>
+    <dgm:linClrLst meth="repeat">
+      <a:schemeClr val="lt1"/>
+    </dgm:linClrLst>
+    <dgm:effectClrLst/>
+    <dgm:txLinClrLst/>
+    <dgm:txFillClrLst/>
+    <dgm:txEffectClrLst/>
+  </dgm:styleLbl>
+  <dgm:styleLbl name="parChTrans2D1">
+    <dgm:fillClrLst meth="repeat">
+      <a:schemeClr val="accent2"/>
+    </dgm:fillClrLst>
+    <dgm:linClrLst meth="repeat">
+      <a:schemeClr val="lt1"/>
+    </dgm:linClrLst>
+    <dgm:effectClrLst/>
+    <dgm:txLinClrLst/>
+    <dgm:txFillClrLst meth="repeat">
+      <a:schemeClr val="lt1"/>
+    </dgm:txFillClrLst>
+    <dgm:txEffectClrLst/>
+  </dgm:styleLbl>
+  <dgm:styleLbl name="parChTrans2D2">
+    <dgm:fillClrLst meth="repeat">
+      <a:schemeClr val="accent3"/>
+    </dgm:fillClrLst>
+    <dgm:linClrLst meth="repeat">
+      <a:schemeClr val="lt1"/>
+    </dgm:linClrLst>
+    <dgm:effectClrLst/>
+    <dgm:txLinClrLst/>
+    <dgm:txFillClrLst/>
+    <dgm:txEffectClrLst/>
+  </dgm:styleLbl>
+  <dgm:styleLbl name="parChTrans2D3">
+    <dgm:fillClrLst meth="repeat">
+      <a:schemeClr val="accent4"/>
+    </dgm:fillClrLst>
+    <dgm:linClrLst meth="repeat">
+      <a:schemeClr val="lt1"/>
+    </dgm:linClrLst>
+    <dgm:effectClrLst/>
+    <dgm:txLinClrLst/>
+    <dgm:txFillClrLst/>
+    <dgm:txEffectClrLst/>
+  </dgm:styleLbl>
+  <dgm:styleLbl name="parChTrans2D4">
+    <dgm:fillClrLst meth="repeat">
+      <a:schemeClr val="accent5"/>
+    </dgm:fillClrLst>
+    <dgm:linClrLst meth="repeat">
+      <a:schemeClr val="lt1"/>
+    </dgm:linClrLst>
+    <dgm:effectClrLst/>
+    <dgm:txLinClrLst/>
+    <dgm:txFillClrLst meth="repeat">
+      <a:schemeClr val="lt1"/>
+    </dgm:txFillClrLst>
+    <dgm:txEffectClrLst/>
+  </dgm:styleLbl>
+  <dgm:styleLbl name="parChTrans1D1">
+    <dgm:fillClrLst meth="repeat">
+      <a:schemeClr val="accent2"/>
+    </dgm:fillClrLst>
+    <dgm:linClrLst meth="repeat">
+      <a:schemeClr val="accent1"/>
+    </dgm:linClrLst>
+    <dgm:effectClrLst/>
+    <dgm:txLinClrLst/>
+    <dgm:txFillClrLst meth="repeat">
+      <a:schemeClr val="tx1"/>
+    </dgm:txFillClrLst>
+    <dgm:txEffectClrLst/>
+  </dgm:styleLbl>
+  <dgm:styleLbl name="parChTrans1D2">
+    <dgm:fillClrLst meth="repeat">
+      <a:schemeClr val="accent3">
+        <a:tint val="90000"/>
+      </a:schemeClr>
+    </dgm:fillClrLst>
+    <dgm:linClrLst meth="repeat">
+      <a:schemeClr val="accent2"/>
+    </dgm:linClrLst>
+    <dgm:effectClrLst/>
+    <dgm:txLinClrLst/>
+    <dgm:txFillClrLst meth="repeat">
+      <a:schemeClr val="tx1"/>
+    </dgm:txFillClrLst>
+    <dgm:txEffectClrLst/>
+  </dgm:styleLbl>
+  <dgm:styleLbl name="parChTrans1D3">
+    <dgm:fillClrLst meth="repeat">
+      <a:schemeClr val="accent4">
+        <a:tint val="70000"/>
+      </a:schemeClr>
+    </dgm:fillClrLst>
+    <dgm:linClrLst meth="repeat">
+      <a:schemeClr val="accent3"/>
+    </dgm:linClrLst>
+    <dgm:effectClrLst/>
+    <dgm:txLinClrLst/>
+    <dgm:txFillClrLst meth="repeat">
+      <a:schemeClr val="tx1"/>
+    </dgm:txFillClrLst>
+    <dgm:txEffectClrLst/>
+  </dgm:styleLbl>
+  <dgm:styleLbl name="parChTrans1D4">
+    <dgm:fillClrLst meth="repeat">
+      <a:schemeClr val="accent5">
+        <a:tint val="50000"/>
+      </a:schemeClr>
+    </dgm:fillClrLst>
+    <dgm:linClrLst meth="repeat">
+      <a:schemeClr val="accent4"/>
+    </dgm:linClrLst>
+    <dgm:effectClrLst/>
+    <dgm:txLinClrLst/>
+    <dgm:txFillClrLst meth="repeat">
+      <a:schemeClr val="tx1"/>
+    </dgm:txFillClrLst>
+    <dgm:txEffectClrLst/>
+  </dgm:styleLbl>
+  <dgm:styleLbl name="fgAcc1">
+    <dgm:fillClrLst meth="repeat">
+      <a:schemeClr val="lt1">
+        <a:alpha val="90000"/>
+      </a:schemeClr>
+    </dgm:fillClrLst>
+    <dgm:linClrLst meth="repeat">
+      <a:schemeClr val="accent2"/>
+      <a:schemeClr val="accent3"/>
+      <a:schemeClr val="accent4"/>
+      <a:schemeClr val="accent5"/>
+      <a:schemeClr val="accent6"/>
+    </dgm:linClrLst>
+    <dgm:effectClrLst/>
+    <dgm:txLinClrLst/>
+    <dgm:txFillClrLst meth="repeat">
+      <a:schemeClr val="dk1"/>
+    </dgm:txFillClrLst>
+    <dgm:txEffectClrLst/>
+  </dgm:styleLbl>
+  <dgm:styleLbl name="conFgAcc1">
+    <dgm:fillClrLst meth="repeat">
+      <a:schemeClr val="lt1">
+        <a:alpha val="90000"/>
+      </a:schemeClr>
+    </dgm:fillClrLst>
+    <dgm:linClrLst meth="repeat">
+      <a:schemeClr val="accent2"/>
+      <a:schemeClr val="accent3"/>
+      <a:schemeClr val="accent4"/>
+      <a:schemeClr val="accent5"/>
+      <a:schemeClr val="accent6"/>
+    </dgm:linClrLst>
+    <dgm:effectClrLst/>
+    <dgm:txLinClrLst/>
+    <dgm:txFillClrLst meth="repeat">
+      <a:schemeClr val="dk1"/>
+    </dgm:txFillClrLst>
+    <dgm:txEffectClrLst/>
+  </dgm:styleLbl>
+  <dgm:styleLbl name="alignAcc1">
+    <dgm:fillClrLst meth="repeat">
+      <a:schemeClr val="lt1">
+        <a:alpha val="90000"/>
+      </a:schemeClr>
+    </dgm:fillClrLst>
+    <dgm:linClrLst meth="repeat">
+      <a:schemeClr val="accent2"/>
+      <a:schemeClr val="accent3"/>
+      <a:schemeClr val="accent4"/>
+      <a:schemeClr val="accent5"/>
+      <a:schemeClr val="accent6"/>
+    </dgm:linClrLst>
+    <dgm:effectClrLst/>
+    <dgm:txLinClrLst/>
+    <dgm:txFillClrLst meth="repeat">
+      <a:schemeClr val="dk1"/>
+    </dgm:txFillClrLst>
+    <dgm:txEffectClrLst/>
+  </dgm:styleLbl>
+  <dgm:styleLbl name="trAlignAcc1">
+    <dgm:fillClrLst meth="repeat">
+      <a:schemeClr val="lt1">
+        <a:alpha val="40000"/>
+      </a:schemeClr>
+    </dgm:fillClrLst>
+    <dgm:linClrLst meth="repeat">
+      <a:schemeClr val="accent1"/>
+    </dgm:linClrLst>
+    <dgm:effectClrLst/>
+    <dgm:txLinClrLst/>
+    <dgm:txFillClrLst meth="repeat">
+      <a:schemeClr val="dk1"/>
+    </dgm:txFillClrLst>
+    <dgm:txEffectClrLst/>
+  </dgm:styleLbl>
+  <dgm:styleLbl name="bgAcc1">
+    <dgm:fillClrLst meth="repeat">
+      <a:schemeClr val="lt1">
+        <a:alpha val="90000"/>
+      </a:schemeClr>
+    </dgm:fillClrLst>
+    <dgm:linClrLst meth="repeat">
+      <a:schemeClr val="accent2"/>
+      <a:schemeClr val="accent3"/>
+      <a:schemeClr val="accent4"/>
+      <a:schemeClr val="accent5"/>
+      <a:schemeClr val="accent6"/>
+    </dgm:linClrLst>
+    <dgm:effectClrLst/>
+    <dgm:txLinClrLst/>
+    <dgm:txFillClrLst meth="repeat">
+      <a:schemeClr val="dk1"/>
+    </dgm:txFillClrLst>
+    <dgm:txEffectClrLst/>
+  </dgm:styleLbl>
+  <dgm:styleLbl name="solidFgAcc1">
+    <dgm:fillClrLst meth="repeat">
+      <a:schemeClr val="lt1"/>
+    </dgm:fillClrLst>
+    <dgm:linClrLst meth="repeat">
+      <a:schemeClr val="accent2"/>
+      <a:schemeClr val="accent3"/>
+      <a:schemeClr val="accent4"/>
+      <a:schemeClr val="accent5"/>
+      <a:schemeClr val="accent6"/>
+    </dgm:linClrLst>
+    <dgm:effectClrLst/>
+    <dgm:txLinClrLst/>
+    <dgm:txFillClrLst meth="repeat">
+      <a:schemeClr val="dk1"/>
+    </dgm:txFillClrLst>
+    <dgm:txEffectClrLst/>
+  </dgm:styleLbl>
+  <dgm:styleLbl name="solidAlignAcc1">
+    <dgm:fillClrLst meth="repeat">
+      <a:schemeClr val="lt1"/>
+    </dgm:fillClrLst>
+    <dgm:linClrLst meth="repeat">
+      <a:schemeClr val="accent2"/>
+      <a:schemeClr val="accent3"/>
+      <a:schemeClr val="accent4"/>
+      <a:schemeClr val="accent5"/>
+      <a:schemeClr val="accent6"/>
+    </dgm:linClrLst>
+    <dgm:effectClrLst/>
+    <dgm:txLinClrLst/>
+    <dgm:txFillClrLst meth="repeat">
+      <a:schemeClr val="dk1"/>
+    </dgm:txFillClrLst>
+    <dgm:txEffectClrLst/>
+  </dgm:styleLbl>
+  <dgm:styleLbl name="solidBgAcc1">
+    <dgm:fillClrLst meth="repeat">
+      <a:schemeClr val="lt1"/>
+    </dgm:fillClrLst>
+    <dgm:linClrLst meth="repeat">
+      <a:schemeClr val="accent2"/>
+      <a:schemeClr val="accent3"/>
+      <a:schemeClr val="accent4"/>
+      <a:schemeClr val="accent5"/>
+      <a:schemeClr val="accent6"/>
+    </dgm:linClrLst>
+    <dgm:effectClrLst/>
+    <dgm:txLinClrLst/>
+    <dgm:txFillClrLst meth="repeat">
+      <a:schemeClr val="dk1"/>
+    </dgm:txFillClrLst>
+    <dgm:txEffectClrLst/>
+  </dgm:styleLbl>
+  <dgm:styleLbl name="fgAccFollowNode1">
+    <dgm:fillClrLst meth="repeat">
+      <a:schemeClr val="accent2">
+        <a:tint val="40000"/>
+        <a:alpha val="90000"/>
+      </a:schemeClr>
+      <a:schemeClr val="accent3">
+        <a:tint val="40000"/>
+        <a:alpha val="90000"/>
+      </a:schemeClr>
+      <a:schemeClr val="accent4">
+        <a:tint val="40000"/>
+        <a:alpha val="90000"/>
+      </a:schemeClr>
+      <a:schemeClr val="accent5">
+        <a:tint val="40000"/>
+        <a:alpha val="90000"/>
+      </a:schemeClr>
+      <a:schemeClr val="accent6">
+        <a:tint val="40000"/>
+        <a:alpha val="90000"/>
+      </a:schemeClr>
+    </dgm:fillClrLst>
+    <dgm:linClrLst meth="repeat">
+      <a:schemeClr val="accent2">
+        <a:tint val="40000"/>
+        <a:alpha val="90000"/>
+      </a:schemeClr>
+      <a:schemeClr val="accent3">
+        <a:tint val="40000"/>
+        <a:alpha val="90000"/>
+      </a:schemeClr>
+      <a:schemeClr val="accent4">
+        <a:tint val="40000"/>
+        <a:alpha val="90000"/>
+      </a:schemeClr>
+      <a:schemeClr val="accent5">
+        <a:tint val="40000"/>
+        <a:alpha val="90000"/>
+      </a:schemeClr>
+      <a:schemeClr val="accent6">
+        <a:tint val="40000"/>
+        <a:alpha val="90000"/>
+      </a:schemeClr>
+    </dgm:linClrLst>
+    <dgm:effectClrLst/>
+    <dgm:txLinClrLst/>
+    <dgm:txFillClrLst meth="repeat">
+      <a:schemeClr val="dk1"/>
+    </dgm:txFillClrLst>
+    <dgm:txEffectClrLst/>
+  </dgm:styleLbl>
+  <dgm:styleLbl name="alignAccFollowNode1">
+    <dgm:fillClrLst meth="repeat">
+      <a:schemeClr val="accent2">
+        <a:tint val="40000"/>
+        <a:alpha val="90000"/>
+      </a:schemeClr>
+      <a:schemeClr val="accent3">
+        <a:tint val="40000"/>
+        <a:alpha val="90000"/>
+      </a:schemeClr>
+      <a:schemeClr val="accent4">
+        <a:tint val="40000"/>
+        <a:alpha val="90000"/>
+      </a:schemeClr>
+      <a:schemeClr val="accent5">
+        <a:tint val="40000"/>
+        <a:alpha val="90000"/>
+      </a:schemeClr>
+      <a:schemeClr val="accent6">
+        <a:tint val="40000"/>
+        <a:alpha val="90000"/>
+      </a:schemeClr>
+    </dgm:fillClrLst>
+    <dgm:linClrLst meth="repeat">
+      <a:schemeClr val="accent2">
+        <a:tint val="40000"/>
+        <a:alpha val="90000"/>
+      </a:schemeClr>
+      <a:schemeClr val="accent3">
+        <a:tint val="40000"/>
+        <a:alpha val="90000"/>
+      </a:schemeClr>
+      <a:schemeClr val="accent4">
+        <a:tint val="40000"/>
+        <a:alpha val="90000"/>
+      </a:schemeClr>
+      <a:schemeClr val="accent5">
+        <a:tint val="40000"/>
+        <a:alpha val="90000"/>
+      </a:schemeClr>
+      <a:schemeClr val="accent6">
+        <a:tint val="40000"/>
+        <a:alpha val="90000"/>
+      </a:schemeClr>
+    </dgm:linClrLst>
+    <dgm:effectClrLst/>
+    <dgm:txLinClrLst/>
+    <dgm:txFillClrLst meth="repeat">
+      <a:schemeClr val="dk1"/>
+    </dgm:txFillClrLst>
+    <dgm:txEffectClrLst/>
+  </dgm:styleLbl>
+  <dgm:styleLbl name="bgAccFollowNode1">
+    <dgm:fillClrLst meth="repeat">
+      <a:schemeClr val="accent2">
+        <a:tint val="40000"/>
+        <a:alpha val="90000"/>
+      </a:schemeClr>
+      <a:schemeClr val="accent3">
+        <a:tint val="40000"/>
+        <a:alpha val="90000"/>
+      </a:schemeClr>
+      <a:schemeClr val="accent4">
+        <a:tint val="40000"/>
+        <a:alpha val="90000"/>
+      </a:schemeClr>
+      <a:schemeClr val="accent5">
+        <a:tint val="40000"/>
+        <a:alpha val="90000"/>
+      </a:schemeClr>
+      <a:schemeClr val="accent6">
+        <a:tint val="40000"/>
+        <a:alpha val="90000"/>
+      </a:schemeClr>
+    </dgm:fillClrLst>
+    <dgm:linClrLst meth="repeat">
+      <a:schemeClr val="accent2">
+        <a:tint val="40000"/>
+        <a:alpha val="90000"/>
+      </a:schemeClr>
+      <a:schemeClr val="accent3">
+        <a:tint val="40000"/>
+        <a:alpha val="90000"/>
+      </a:schemeClr>
+      <a:schemeClr val="accent4">
+        <a:tint val="40000"/>
+        <a:alpha val="90000"/>
+      </a:schemeClr>
+      <a:schemeClr val="accent5">
+        <a:tint val="40000"/>
+        <a:alpha val="90000"/>
+      </a:schemeClr>
+      <a:schemeClr val="accent6">
+        <a:tint val="40000"/>
+        <a:alpha val="90000"/>
+      </a:schemeClr>
+    </dgm:linClrLst>
+    <dgm:effectClrLst/>
+    <dgm:txLinClrLst/>
+    <dgm:txFillClrLst meth="repeat">
+      <a:schemeClr val="dk1"/>
+    </dgm:txFillClrLst>
+    <dgm:txEffectClrLst/>
+  </dgm:styleLbl>
+  <dgm:styleLbl name="fgAcc0">
+    <dgm:fillClrLst meth="repeat">
+      <a:schemeClr val="lt1">
+        <a:alpha val="90000"/>
+      </a:schemeClr>
+    </dgm:fillClrLst>
+    <dgm:linClrLst>
+      <a:schemeClr val="accent1"/>
+    </dgm:linClrLst>
+    <dgm:effectClrLst/>
+    <dgm:txLinClrLst/>
+    <dgm:txFillClrLst meth="repeat">
+      <a:schemeClr val="dk1"/>
+    </dgm:txFillClrLst>
+    <dgm:txEffectClrLst/>
+  </dgm:styleLbl>
+  <dgm:styleLbl name="fgAcc2">
+    <dgm:fillClrLst meth="repeat">
+      <a:schemeClr val="lt1">
+        <a:alpha val="90000"/>
+      </a:schemeClr>
+    </dgm:fillClrLst>
+    <dgm:linClrLst>
+      <a:schemeClr val="accent2"/>
+    </dgm:linClrLst>
+    <dgm:effectClrLst/>
+    <dgm:txLinClrLst/>
+    <dgm:txFillClrLst meth="repeat">
+      <a:schemeClr val="dk1"/>
+    </dgm:txFillClrLst>
+    <dgm:txEffectClrLst/>
+  </dgm:styleLbl>
+  <dgm:styleLbl name="fgAcc3">
+    <dgm:fillClrLst meth="repeat">
+      <a:schemeClr val="lt1">
+        <a:alpha val="90000"/>
+      </a:schemeClr>
+    </dgm:fillClrLst>
+    <dgm:linClrLst>
+      <a:schemeClr val="accent3"/>
+    </dgm:linClrLst>
+    <dgm:effectClrLst/>
+    <dgm:txLinClrLst/>
+    <dgm:txFillClrLst meth="repeat">
+      <a:schemeClr val="dk1"/>
+    </dgm:txFillClrLst>
+    <dgm:txEffectClrLst/>
+  </dgm:styleLbl>
+  <dgm:styleLbl name="fgAcc4">
+    <dgm:fillClrLst meth="repeat">
+      <a:schemeClr val="lt1">
+        <a:alpha val="90000"/>
+      </a:schemeClr>
+    </dgm:fillClrLst>
+    <dgm:linClrLst>
+      <a:schemeClr val="accent4"/>
+    </dgm:linClrLst>
+    <dgm:effectClrLst/>
+    <dgm:txLinClrLst/>
+    <dgm:txFillClrLst meth="repeat">
+      <a:schemeClr val="dk1"/>
+    </dgm:txFillClrLst>
+    <dgm:txEffectClrLst/>
+  </dgm:styleLbl>
+  <dgm:styleLbl name="bgShp">
+    <dgm:fillClrLst meth="repeat">
+      <a:schemeClr val="bg1">
+        <a:lumMod val="95000"/>
+      </a:schemeClr>
+    </dgm:fillClrLst>
+    <dgm:linClrLst meth="repeat">
+      <a:schemeClr val="dk1"/>
+    </dgm:linClrLst>
+    <dgm:effectClrLst/>
+    <dgm:txLinClrLst/>
+    <dgm:txFillClrLst meth="repeat">
+      <a:schemeClr val="dk1"/>
+    </dgm:txFillClrLst>
+    <dgm:txEffectClrLst/>
+  </dgm:styleLbl>
+  <dgm:styleLbl name="dkBgShp">
+    <dgm:fillClrLst meth="repeat">
+      <a:schemeClr val="accent2">
+        <a:shade val="90000"/>
+      </a:schemeClr>
+    </dgm:fillClrLst>
+    <dgm:linClrLst meth="repeat">
+      <a:schemeClr val="dk1"/>
+    </dgm:linClrLst>
+    <dgm:effectClrLst/>
+    <dgm:txLinClrLst/>
+    <dgm:txFillClrLst meth="repeat">
+      <a:schemeClr val="lt1"/>
+    </dgm:txFillClrLst>
+    <dgm:txEffectClrLst/>
+  </dgm:styleLbl>
+  <dgm:styleLbl name="trBgShp">
+    <dgm:fillClrLst meth="repeat">
+      <a:schemeClr val="accent1">
+        <a:tint val="50000"/>
+        <a:alpha val="40000"/>
+      </a:schemeClr>
+    </dgm:fillClrLst>
+    <dgm:linClrLst meth="repeat">
+      <a:schemeClr val="accent2"/>
+    </dgm:linClrLst>
+    <dgm:effectClrLst/>
+    <dgm:txLinClrLst/>
+    <dgm:txFillClrLst meth="repeat">
+      <a:schemeClr val="lt1"/>
+    </dgm:txFillClrLst>
+    <dgm:txEffectClrLst/>
+  </dgm:styleLbl>
+  <dgm:styleLbl name="fgShp">
+    <dgm:fillClrLst meth="repeat">
+      <a:schemeClr val="accent2">
+        <a:tint val="40000"/>
+      </a:schemeClr>
+    </dgm:fillClrLst>
+    <dgm:linClrLst meth="repeat">
+      <a:schemeClr val="lt1"/>
+    </dgm:linClrLst>
+    <dgm:effectClrLst/>
+    <dgm:txLinClrLst/>
+    <dgm:txFillClrLst meth="repeat">
+      <a:schemeClr val="dk1"/>
+    </dgm:txFillClrLst>
+    <dgm:txEffectClrLst/>
+  </dgm:styleLbl>
+  <dgm:styleLbl name="revTx">
+    <dgm:fillClrLst meth="repeat">
+      <a:schemeClr val="lt1">
+        <a:alpha val="0"/>
+      </a:schemeClr>
+    </dgm:fillClrLst>
+    <dgm:linClrLst meth="repeat">
+      <a:schemeClr val="dk1">
+        <a:alpha val="0"/>
+      </a:schemeClr>
+    </dgm:linClrLst>
+    <dgm:effectClrLst/>
+    <dgm:txLinClrLst/>
+    <dgm:txFillClrLst meth="repeat">
+      <a:schemeClr val="tx1"/>
+    </dgm:txFillClrLst>
+    <dgm:txEffectClrLst/>
+  </dgm:styleLbl>
+</dgm:colorsDef>
+</file>
+
 <file path=ppt/diagrams/data1.xml><?xml version="1.0" encoding="utf-8"?>
+<dgm:dataModel xmlns:dgm="http://schemas.openxmlformats.org/drawingml/2006/diagram" xmlns:a="http://schemas.openxmlformats.org/drawingml/2006/main">
+  <dgm:ptLst>
+    <dgm:pt modelId="{DD84A318-47D8-470E-AED7-EE3FC2B92D05}" type="doc">
+      <dgm:prSet loTypeId="urn:microsoft.com/office/officeart/2018/5/layout/CenteredIconLabelDescriptionList" loCatId="icon" qsTypeId="urn:microsoft.com/office/officeart/2005/8/quickstyle/simple1" qsCatId="simple" csTypeId="urn:microsoft.com/office/officeart/2018/5/colors/Iconchunking_neutralbg_accent1_2" csCatId="accent1" phldr="1"/>
+      <dgm:spPr/>
+      <dgm:t>
+        <a:bodyPr/>
+        <a:lstStyle/>
+        <a:p>
+          <a:endParaRPr lang="en-US"/>
+        </a:p>
+      </dgm:t>
+    </dgm:pt>
+    <dgm:pt modelId="{FAA34760-D6DA-427D-ABF0-BF65AEBDF8AF}">
+      <dgm:prSet/>
+      <dgm:spPr/>
+      <dgm:t>
+        <a:bodyPr/>
+        <a:lstStyle/>
+        <a:p>
+          <a:pPr>
+            <a:defRPr b="1"/>
+          </a:pPr>
+          <a:r>
+            <a:rPr lang="it-IT" dirty="0"/>
+            <a:t>Elezioni</a:t>
+          </a:r>
+          <a:endParaRPr lang="en-US" dirty="0"/>
+        </a:p>
+      </dgm:t>
+    </dgm:pt>
+    <dgm:pt modelId="{3393EEC2-2C22-45DF-B470-56477D1DAE21}" type="parTrans" cxnId="{F81C7CA6-95D4-411F-8DBA-20C4D62E7F3F}">
+      <dgm:prSet/>
+      <dgm:spPr/>
+      <dgm:t>
+        <a:bodyPr/>
+        <a:lstStyle/>
+        <a:p>
+          <a:endParaRPr lang="en-US"/>
+        </a:p>
+      </dgm:t>
+    </dgm:pt>
+    <dgm:pt modelId="{CAE616E8-06B1-4FF2-86E1-016030F6C665}" type="sibTrans" cxnId="{F81C7CA6-95D4-411F-8DBA-20C4D62E7F3F}">
+      <dgm:prSet/>
+      <dgm:spPr/>
+      <dgm:t>
+        <a:bodyPr/>
+        <a:lstStyle/>
+        <a:p>
+          <a:endParaRPr lang="en-US"/>
+        </a:p>
+      </dgm:t>
+    </dgm:pt>
+    <dgm:pt modelId="{7F1AC664-9918-415F-8781-E8C18B34A2F8}">
+      <dgm:prSet/>
+      <dgm:spPr/>
+      <dgm:t>
+        <a:bodyPr/>
+        <a:lstStyle/>
+        <a:p>
+          <a:r>
+            <a:rPr lang="it-IT" b="1" i="1" dirty="0"/>
+            <a:t>Server DBMS</a:t>
+          </a:r>
+          <a:endParaRPr lang="en-US" b="1" i="1" dirty="0"/>
+        </a:p>
+      </dgm:t>
+    </dgm:pt>
+    <dgm:pt modelId="{771D079C-2435-4CD8-B06F-6E3CB8038D34}" type="parTrans" cxnId="{3363E39E-555D-4589-813F-3CED112EBFA7}">
+      <dgm:prSet/>
+      <dgm:spPr/>
+      <dgm:t>
+        <a:bodyPr/>
+        <a:lstStyle/>
+        <a:p>
+          <a:endParaRPr lang="en-US"/>
+        </a:p>
+      </dgm:t>
+    </dgm:pt>
+    <dgm:pt modelId="{3EECA354-06A3-42AC-82A1-BC1DEE607108}" type="sibTrans" cxnId="{3363E39E-555D-4589-813F-3CED112EBFA7}">
+      <dgm:prSet/>
+      <dgm:spPr/>
+      <dgm:t>
+        <a:bodyPr/>
+        <a:lstStyle/>
+        <a:p>
+          <a:endParaRPr lang="en-US"/>
+        </a:p>
+      </dgm:t>
+    </dgm:pt>
+    <dgm:pt modelId="{9D38A8EF-3C1C-41BE-B181-756C884B5623}">
+      <dgm:prSet/>
+      <dgm:spPr/>
+      <dgm:t>
+        <a:bodyPr/>
+        <a:lstStyle/>
+        <a:p>
+          <a:pPr>
+            <a:defRPr b="1"/>
+          </a:pPr>
+          <a:r>
+            <a:rPr lang="en-GB" dirty="0"/>
+            <a:t>Log</a:t>
+          </a:r>
+          <a:endParaRPr lang="en-US" dirty="0"/>
+        </a:p>
+      </dgm:t>
+    </dgm:pt>
+    <dgm:pt modelId="{A36047E1-8C6D-481F-8D91-1965A457F59B}" type="parTrans" cxnId="{9AE78E11-0F83-408F-A3E9-21F85A510CF9}">
+      <dgm:prSet/>
+      <dgm:spPr/>
+      <dgm:t>
+        <a:bodyPr/>
+        <a:lstStyle/>
+        <a:p>
+          <a:endParaRPr lang="en-US"/>
+        </a:p>
+      </dgm:t>
+    </dgm:pt>
+    <dgm:pt modelId="{0DE9A7F6-02C0-4D45-9D76-B6DBB4FAE452}" type="sibTrans" cxnId="{9AE78E11-0F83-408F-A3E9-21F85A510CF9}">
+      <dgm:prSet/>
+      <dgm:spPr/>
+      <dgm:t>
+        <a:bodyPr/>
+        <a:lstStyle/>
+        <a:p>
+          <a:endParaRPr lang="en-US"/>
+        </a:p>
+      </dgm:t>
+    </dgm:pt>
+    <dgm:pt modelId="{F0285321-3F2A-468C-A376-CAAE160D798D}">
+      <dgm:prSet/>
+      <dgm:spPr/>
+      <dgm:t>
+        <a:bodyPr/>
+        <a:lstStyle/>
+        <a:p>
+          <a:pPr algn="ctr"/>
+          <a:r>
+            <a:rPr lang="en-GB" sz="1700" b="1" i="1" dirty="0"/>
+            <a:t>Filesystem</a:t>
+          </a:r>
+          <a:endParaRPr lang="en-US" sz="1700" b="1" i="1" dirty="0"/>
+        </a:p>
+      </dgm:t>
+    </dgm:pt>
+    <dgm:pt modelId="{B085984E-245E-44C7-A5FC-D3CED7C5E6AB}" type="parTrans" cxnId="{7CFE9B62-4EC4-4F52-9C65-2F2184BEEF48}">
+      <dgm:prSet/>
+      <dgm:spPr/>
+      <dgm:t>
+        <a:bodyPr/>
+        <a:lstStyle/>
+        <a:p>
+          <a:endParaRPr lang="en-US"/>
+        </a:p>
+      </dgm:t>
+    </dgm:pt>
+    <dgm:pt modelId="{CC06CA19-F620-4125-8642-25762DE547BA}" type="sibTrans" cxnId="{7CFE9B62-4EC4-4F52-9C65-2F2184BEEF48}">
+      <dgm:prSet/>
+      <dgm:spPr/>
+      <dgm:t>
+        <a:bodyPr/>
+        <a:lstStyle/>
+        <a:p>
+          <a:endParaRPr lang="en-US"/>
+        </a:p>
+      </dgm:t>
+    </dgm:pt>
+    <dgm:pt modelId="{06F04598-8BA6-4695-8DD1-CF7CA1355652}">
+      <dgm:prSet/>
+      <dgm:spPr/>
+      <dgm:t>
+        <a:bodyPr/>
+        <a:lstStyle/>
+        <a:p>
+          <a:pPr algn="ctr"/>
+          <a:r>
+            <a:rPr lang="en-GB" sz="1700" dirty="0" err="1"/>
+            <a:t>Formato</a:t>
+          </a:r>
+          <a:r>
+            <a:rPr lang="en-GB" sz="1700" dirty="0"/>
+            <a:t> da: </a:t>
+          </a:r>
+          <a:endParaRPr lang="en-US" sz="1700" dirty="0"/>
+        </a:p>
+      </dgm:t>
+    </dgm:pt>
+    <dgm:pt modelId="{CAEF1BE5-2E30-4CDF-9B23-B6E3ADC08C5F}" type="parTrans" cxnId="{D6FBDFFC-9D11-4494-AC7A-3669D3E6F723}">
+      <dgm:prSet/>
+      <dgm:spPr/>
+      <dgm:t>
+        <a:bodyPr/>
+        <a:lstStyle/>
+        <a:p>
+          <a:endParaRPr lang="en-US"/>
+        </a:p>
+      </dgm:t>
+    </dgm:pt>
+    <dgm:pt modelId="{31C2F4BA-7180-4ACB-A0CA-6A53A8B3C5FC}" type="sibTrans" cxnId="{D6FBDFFC-9D11-4494-AC7A-3669D3E6F723}">
+      <dgm:prSet/>
+      <dgm:spPr/>
+      <dgm:t>
+        <a:bodyPr/>
+        <a:lstStyle/>
+        <a:p>
+          <a:endParaRPr lang="en-US"/>
+        </a:p>
+      </dgm:t>
+    </dgm:pt>
+    <dgm:pt modelId="{0B5D3DDC-BC38-45B0-9D23-9D46400128B8}">
+      <dgm:prSet custT="1"/>
+      <dgm:spPr/>
+      <dgm:t>
+        <a:bodyPr/>
+        <a:lstStyle/>
+        <a:p>
+          <a:pPr algn="ctr"/>
+          <a:r>
+            <a:rPr lang="en-GB" sz="1500" i="1" dirty="0"/>
+            <a:t>Timestamp</a:t>
+          </a:r>
+          <a:endParaRPr lang="en-US" sz="1500" dirty="0"/>
+        </a:p>
+      </dgm:t>
+    </dgm:pt>
+    <dgm:pt modelId="{910931C2-F2D9-4837-A9A9-2A979C80D646}" type="parTrans" cxnId="{E934FE7E-EE41-4456-9884-E2C99394AA06}">
+      <dgm:prSet/>
+      <dgm:spPr/>
+      <dgm:t>
+        <a:bodyPr/>
+        <a:lstStyle/>
+        <a:p>
+          <a:endParaRPr lang="en-US"/>
+        </a:p>
+      </dgm:t>
+    </dgm:pt>
+    <dgm:pt modelId="{560EE25E-BB4C-4B4D-BDCD-C4DC74803C20}" type="sibTrans" cxnId="{E934FE7E-EE41-4456-9884-E2C99394AA06}">
+      <dgm:prSet/>
+      <dgm:spPr/>
+      <dgm:t>
+        <a:bodyPr/>
+        <a:lstStyle/>
+        <a:p>
+          <a:endParaRPr lang="en-US"/>
+        </a:p>
+      </dgm:t>
+    </dgm:pt>
+    <dgm:pt modelId="{5EB1DD14-437E-482D-824D-E26916677602}">
+      <dgm:prSet custT="1"/>
+      <dgm:spPr/>
+      <dgm:t>
+        <a:bodyPr/>
+        <a:lstStyle/>
+        <a:p>
+          <a:pPr algn="ctr"/>
+          <a:r>
+            <a:rPr lang="en-GB" sz="1500" i="1" dirty="0" err="1"/>
+            <a:t>Descrizione</a:t>
+          </a:r>
+          <a:endParaRPr lang="en-US" sz="1500" dirty="0"/>
+        </a:p>
+      </dgm:t>
+    </dgm:pt>
+    <dgm:pt modelId="{E09FA872-68DB-4EA7-8F7A-EB992E6AB09C}" type="parTrans" cxnId="{A00E5FD6-4C1B-48AB-9457-0DEEB98D4206}">
+      <dgm:prSet/>
+      <dgm:spPr/>
+      <dgm:t>
+        <a:bodyPr/>
+        <a:lstStyle/>
+        <a:p>
+          <a:endParaRPr lang="en-US"/>
+        </a:p>
+      </dgm:t>
+    </dgm:pt>
+    <dgm:pt modelId="{F4872178-D54A-4702-9137-828C60628DE0}" type="sibTrans" cxnId="{A00E5FD6-4C1B-48AB-9457-0DEEB98D4206}">
+      <dgm:prSet/>
+      <dgm:spPr/>
+      <dgm:t>
+        <a:bodyPr/>
+        <a:lstStyle/>
+        <a:p>
+          <a:endParaRPr lang="en-US"/>
+        </a:p>
+      </dgm:t>
+    </dgm:pt>
+    <dgm:pt modelId="{EDA5BBC4-E866-413A-BCAE-F00D54116AB9}">
+      <dgm:prSet custT="1"/>
+      <dgm:spPr/>
+      <dgm:t>
+        <a:bodyPr/>
+        <a:lstStyle/>
+        <a:p>
+          <a:pPr algn="ctr"/>
+          <a:r>
+            <a:rPr lang="en-GB" sz="1500" i="1" dirty="0" err="1"/>
+            <a:t>Livello</a:t>
+          </a:r>
+          <a:endParaRPr lang="en-US" sz="1500" dirty="0"/>
+        </a:p>
+      </dgm:t>
+    </dgm:pt>
+    <dgm:pt modelId="{BEE9EE54-2F69-4515-AD0A-85AD55EB0F64}" type="parTrans" cxnId="{9765225B-94DD-49C6-86D6-9E76367141B3}">
+      <dgm:prSet/>
+      <dgm:spPr/>
+      <dgm:t>
+        <a:bodyPr/>
+        <a:lstStyle/>
+        <a:p>
+          <a:endParaRPr lang="en-US"/>
+        </a:p>
+      </dgm:t>
+    </dgm:pt>
+    <dgm:pt modelId="{5562DF3F-1D4B-4900-B9AB-0A0DB682734D}" type="sibTrans" cxnId="{9765225B-94DD-49C6-86D6-9E76367141B3}">
+      <dgm:prSet/>
+      <dgm:spPr/>
+      <dgm:t>
+        <a:bodyPr/>
+        <a:lstStyle/>
+        <a:p>
+          <a:endParaRPr lang="en-US"/>
+        </a:p>
+      </dgm:t>
+    </dgm:pt>
+    <dgm:pt modelId="{B8DCF3FE-8E1B-4D7E-8EEC-3EF6E44C6571}" type="pres">
+      <dgm:prSet presAssocID="{DD84A318-47D8-470E-AED7-EE3FC2B92D05}" presName="root" presStyleCnt="0">
+        <dgm:presLayoutVars>
+          <dgm:dir/>
+          <dgm:resizeHandles val="exact"/>
+        </dgm:presLayoutVars>
+      </dgm:prSet>
+      <dgm:spPr/>
+    </dgm:pt>
+    <dgm:pt modelId="{9E2EF6B3-8BED-415C-9750-34BE05D29C58}" type="pres">
+      <dgm:prSet presAssocID="{FAA34760-D6DA-427D-ABF0-BF65AEBDF8AF}" presName="compNode" presStyleCnt="0"/>
+      <dgm:spPr/>
+    </dgm:pt>
+    <dgm:pt modelId="{060A9256-99D9-4143-8376-C02041D0BEAC}" type="pres">
+      <dgm:prSet presAssocID="{FAA34760-D6DA-427D-ABF0-BF65AEBDF8AF}" presName="iconRect" presStyleLbl="node1" presStyleIdx="0" presStyleCnt="2"/>
+      <dgm:spPr>
+        <a:blipFill>
+          <a:blip xmlns:r="http://schemas.openxmlformats.org/officeDocument/2006/relationships" r:embed="rId1">
+            <a:extLst>
+              <a:ext uri="{28A0092B-C50C-407E-A947-70E740481C1C}">
+                <a14:useLocalDpi xmlns:a14="http://schemas.microsoft.com/office/drawing/2010/main" val="0"/>
+              </a:ext>
+              <a:ext uri="{96DAC541-7B7A-43D3-8B79-37D633B846F1}">
+                <asvg:svgBlip xmlns:asvg="http://schemas.microsoft.com/office/drawing/2016/SVG/main" r:embed="rId2"/>
+              </a:ext>
+            </a:extLst>
+          </a:blip>
+          <a:stretch>
+            <a:fillRect/>
+          </a:stretch>
+        </a:blipFill>
+        <a:ln>
+          <a:noFill/>
+        </a:ln>
+      </dgm:spPr>
+      <dgm:extLst>
+        <a:ext uri="{E40237B7-FDA0-4F09-8148-C483321AD2D9}">
+          <dgm14:cNvPr xmlns:dgm14="http://schemas.microsoft.com/office/drawing/2010/diagram" id="0" name="" descr="Database"/>
+        </a:ext>
+      </dgm:extLst>
+    </dgm:pt>
+    <dgm:pt modelId="{F1447718-6A0D-4A57-ACBE-447254E86BBD}" type="pres">
+      <dgm:prSet presAssocID="{FAA34760-D6DA-427D-ABF0-BF65AEBDF8AF}" presName="iconSpace" presStyleCnt="0"/>
+      <dgm:spPr/>
+    </dgm:pt>
+    <dgm:pt modelId="{695EB68A-A117-476F-AA04-A4C994D28B82}" type="pres">
+      <dgm:prSet presAssocID="{FAA34760-D6DA-427D-ABF0-BF65AEBDF8AF}" presName="parTx" presStyleLbl="revTx" presStyleIdx="0" presStyleCnt="4">
+        <dgm:presLayoutVars>
+          <dgm:chMax val="0"/>
+          <dgm:chPref val="0"/>
+        </dgm:presLayoutVars>
+      </dgm:prSet>
+      <dgm:spPr/>
+    </dgm:pt>
+    <dgm:pt modelId="{F98F96C6-1AEA-4FB9-AB09-6A0F619EE8CC}" type="pres">
+      <dgm:prSet presAssocID="{FAA34760-D6DA-427D-ABF0-BF65AEBDF8AF}" presName="txSpace" presStyleCnt="0"/>
+      <dgm:spPr/>
+    </dgm:pt>
+    <dgm:pt modelId="{90502953-01B4-467A-A7D8-85C56F92DB67}" type="pres">
+      <dgm:prSet presAssocID="{FAA34760-D6DA-427D-ABF0-BF65AEBDF8AF}" presName="desTx" presStyleLbl="revTx" presStyleIdx="1" presStyleCnt="4">
+        <dgm:presLayoutVars/>
+      </dgm:prSet>
+      <dgm:spPr/>
+    </dgm:pt>
+    <dgm:pt modelId="{AAA84432-4ABA-4BD1-B59C-55A7DB7B0D06}" type="pres">
+      <dgm:prSet presAssocID="{CAE616E8-06B1-4FF2-86E1-016030F6C665}" presName="sibTrans" presStyleCnt="0"/>
+      <dgm:spPr/>
+    </dgm:pt>
+    <dgm:pt modelId="{10C36C2F-6966-4ED1-AD22-E3CB78244023}" type="pres">
+      <dgm:prSet presAssocID="{9D38A8EF-3C1C-41BE-B181-756C884B5623}" presName="compNode" presStyleCnt="0"/>
+      <dgm:spPr/>
+    </dgm:pt>
+    <dgm:pt modelId="{FE48CAC1-927A-4452-B58D-DE24AFDB32A6}" type="pres">
+      <dgm:prSet presAssocID="{9D38A8EF-3C1C-41BE-B181-756C884B5623}" presName="iconRect" presStyleLbl="node1" presStyleIdx="1" presStyleCnt="2"/>
+      <dgm:spPr>
+        <a:blipFill>
+          <a:blip xmlns:r="http://schemas.openxmlformats.org/officeDocument/2006/relationships" r:embed="rId3">
+            <a:extLst>
+              <a:ext uri="{28A0092B-C50C-407E-A947-70E740481C1C}">
+                <a14:useLocalDpi xmlns:a14="http://schemas.microsoft.com/office/drawing/2010/main" val="0"/>
+              </a:ext>
+              <a:ext uri="{96DAC541-7B7A-43D3-8B79-37D633B846F1}">
+                <asvg:svgBlip xmlns:asvg="http://schemas.microsoft.com/office/drawing/2016/SVG/main" r:embed="rId4"/>
+              </a:ext>
+            </a:extLst>
+          </a:blip>
+          <a:stretch>
+            <a:fillRect/>
+          </a:stretch>
+        </a:blipFill>
+        <a:ln>
+          <a:noFill/>
+        </a:ln>
+      </dgm:spPr>
+      <dgm:extLst>
+        <a:ext uri="{E40237B7-FDA0-4F09-8148-C483321AD2D9}">
+          <dgm14:cNvPr xmlns:dgm14="http://schemas.microsoft.com/office/drawing/2010/diagram" id="0" name="" descr="Open Folder"/>
+        </a:ext>
+      </dgm:extLst>
+    </dgm:pt>
+    <dgm:pt modelId="{982E59B0-701C-43F4-8F7D-CACA4E5A9DD0}" type="pres">
+      <dgm:prSet presAssocID="{9D38A8EF-3C1C-41BE-B181-756C884B5623}" presName="iconSpace" presStyleCnt="0"/>
+      <dgm:spPr/>
+    </dgm:pt>
+    <dgm:pt modelId="{2E0E886B-E3C4-4B91-8FB3-BCB728ED7DB6}" type="pres">
+      <dgm:prSet presAssocID="{9D38A8EF-3C1C-41BE-B181-756C884B5623}" presName="parTx" presStyleLbl="revTx" presStyleIdx="2" presStyleCnt="4">
+        <dgm:presLayoutVars>
+          <dgm:chMax val="0"/>
+          <dgm:chPref val="0"/>
+        </dgm:presLayoutVars>
+      </dgm:prSet>
+      <dgm:spPr/>
+    </dgm:pt>
+    <dgm:pt modelId="{AC0898EF-8F13-4145-8C2B-436EDCE98C85}" type="pres">
+      <dgm:prSet presAssocID="{9D38A8EF-3C1C-41BE-B181-756C884B5623}" presName="txSpace" presStyleCnt="0"/>
+      <dgm:spPr/>
+    </dgm:pt>
+    <dgm:pt modelId="{6FBE9561-79F9-46FC-9198-2AECB2AC992F}" type="pres">
+      <dgm:prSet presAssocID="{9D38A8EF-3C1C-41BE-B181-756C884B5623}" presName="desTx" presStyleLbl="revTx" presStyleIdx="3" presStyleCnt="4">
+        <dgm:presLayoutVars/>
+      </dgm:prSet>
+      <dgm:spPr/>
+    </dgm:pt>
+  </dgm:ptLst>
+  <dgm:cxnLst>
+    <dgm:cxn modelId="{9AE78E11-0F83-408F-A3E9-21F85A510CF9}" srcId="{DD84A318-47D8-470E-AED7-EE3FC2B92D05}" destId="{9D38A8EF-3C1C-41BE-B181-756C884B5623}" srcOrd="1" destOrd="0" parTransId="{A36047E1-8C6D-481F-8D91-1965A457F59B}" sibTransId="{0DE9A7F6-02C0-4D45-9D76-B6DBB4FAE452}"/>
+    <dgm:cxn modelId="{B78BA128-1CCB-4CF8-B6B8-A79BB68DBD74}" type="presOf" srcId="{5EB1DD14-437E-482D-824D-E26916677602}" destId="{6FBE9561-79F9-46FC-9198-2AECB2AC992F}" srcOrd="0" destOrd="3" presId="urn:microsoft.com/office/officeart/2018/5/layout/CenteredIconLabelDescriptionList"/>
+    <dgm:cxn modelId="{4D9BF632-DFF2-4924-8E29-DE2C77320AF2}" type="presOf" srcId="{9D38A8EF-3C1C-41BE-B181-756C884B5623}" destId="{2E0E886B-E3C4-4B91-8FB3-BCB728ED7DB6}" srcOrd="0" destOrd="0" presId="urn:microsoft.com/office/officeart/2018/5/layout/CenteredIconLabelDescriptionList"/>
+    <dgm:cxn modelId="{B06A8D33-529A-43BA-B207-3E2EED5CFD14}" type="presOf" srcId="{F0285321-3F2A-468C-A376-CAAE160D798D}" destId="{6FBE9561-79F9-46FC-9198-2AECB2AC992F}" srcOrd="0" destOrd="0" presId="urn:microsoft.com/office/officeart/2018/5/layout/CenteredIconLabelDescriptionList"/>
+    <dgm:cxn modelId="{8CAA8135-B531-49A3-97CF-34538ACA161B}" type="presOf" srcId="{FAA34760-D6DA-427D-ABF0-BF65AEBDF8AF}" destId="{695EB68A-A117-476F-AA04-A4C994D28B82}" srcOrd="0" destOrd="0" presId="urn:microsoft.com/office/officeart/2018/5/layout/CenteredIconLabelDescriptionList"/>
+    <dgm:cxn modelId="{8FF09F37-DF39-43B0-A0D5-A6EBD3806F1F}" type="presOf" srcId="{0B5D3DDC-BC38-45B0-9D23-9D46400128B8}" destId="{6FBE9561-79F9-46FC-9198-2AECB2AC992F}" srcOrd="0" destOrd="2" presId="urn:microsoft.com/office/officeart/2018/5/layout/CenteredIconLabelDescriptionList"/>
+    <dgm:cxn modelId="{9765225B-94DD-49C6-86D6-9E76367141B3}" srcId="{06F04598-8BA6-4695-8DD1-CF7CA1355652}" destId="{EDA5BBC4-E866-413A-BCAE-F00D54116AB9}" srcOrd="2" destOrd="0" parTransId="{BEE9EE54-2F69-4515-AD0A-85AD55EB0F64}" sibTransId="{5562DF3F-1D4B-4900-B9AB-0A0DB682734D}"/>
+    <dgm:cxn modelId="{7CFE9B62-4EC4-4F52-9C65-2F2184BEEF48}" srcId="{9D38A8EF-3C1C-41BE-B181-756C884B5623}" destId="{F0285321-3F2A-468C-A376-CAAE160D798D}" srcOrd="0" destOrd="0" parTransId="{B085984E-245E-44C7-A5FC-D3CED7C5E6AB}" sibTransId="{CC06CA19-F620-4125-8642-25762DE547BA}"/>
+    <dgm:cxn modelId="{C5704265-9B7B-4967-BD08-B96D41C1ACCD}" type="presOf" srcId="{DD84A318-47D8-470E-AED7-EE3FC2B92D05}" destId="{B8DCF3FE-8E1B-4D7E-8EEC-3EF6E44C6571}" srcOrd="0" destOrd="0" presId="urn:microsoft.com/office/officeart/2018/5/layout/CenteredIconLabelDescriptionList"/>
+    <dgm:cxn modelId="{E934FE7E-EE41-4456-9884-E2C99394AA06}" srcId="{06F04598-8BA6-4695-8DD1-CF7CA1355652}" destId="{0B5D3DDC-BC38-45B0-9D23-9D46400128B8}" srcOrd="0" destOrd="0" parTransId="{910931C2-F2D9-4837-A9A9-2A979C80D646}" sibTransId="{560EE25E-BB4C-4B4D-BDCD-C4DC74803C20}"/>
+    <dgm:cxn modelId="{8896558F-21E2-4498-AA49-0B8F9FFCAF0A}" type="presOf" srcId="{06F04598-8BA6-4695-8DD1-CF7CA1355652}" destId="{6FBE9561-79F9-46FC-9198-2AECB2AC992F}" srcOrd="0" destOrd="1" presId="urn:microsoft.com/office/officeart/2018/5/layout/CenteredIconLabelDescriptionList"/>
+    <dgm:cxn modelId="{3363E39E-555D-4589-813F-3CED112EBFA7}" srcId="{FAA34760-D6DA-427D-ABF0-BF65AEBDF8AF}" destId="{7F1AC664-9918-415F-8781-E8C18B34A2F8}" srcOrd="0" destOrd="0" parTransId="{771D079C-2435-4CD8-B06F-6E3CB8038D34}" sibTransId="{3EECA354-06A3-42AC-82A1-BC1DEE607108}"/>
+    <dgm:cxn modelId="{F81C7CA6-95D4-411F-8DBA-20C4D62E7F3F}" srcId="{DD84A318-47D8-470E-AED7-EE3FC2B92D05}" destId="{FAA34760-D6DA-427D-ABF0-BF65AEBDF8AF}" srcOrd="0" destOrd="0" parTransId="{3393EEC2-2C22-45DF-B470-56477D1DAE21}" sibTransId="{CAE616E8-06B1-4FF2-86E1-016030F6C665}"/>
+    <dgm:cxn modelId="{B6500BCA-41FD-4CB6-B428-509707EDD301}" type="presOf" srcId="{7F1AC664-9918-415F-8781-E8C18B34A2F8}" destId="{90502953-01B4-467A-A7D8-85C56F92DB67}" srcOrd="0" destOrd="0" presId="urn:microsoft.com/office/officeart/2018/5/layout/CenteredIconLabelDescriptionList"/>
+    <dgm:cxn modelId="{7B8F4AD1-9446-46D7-B4FB-BEF05E8821A2}" type="presOf" srcId="{EDA5BBC4-E866-413A-BCAE-F00D54116AB9}" destId="{6FBE9561-79F9-46FC-9198-2AECB2AC992F}" srcOrd="0" destOrd="4" presId="urn:microsoft.com/office/officeart/2018/5/layout/CenteredIconLabelDescriptionList"/>
+    <dgm:cxn modelId="{A00E5FD6-4C1B-48AB-9457-0DEEB98D4206}" srcId="{06F04598-8BA6-4695-8DD1-CF7CA1355652}" destId="{5EB1DD14-437E-482D-824D-E26916677602}" srcOrd="1" destOrd="0" parTransId="{E09FA872-68DB-4EA7-8F7A-EB992E6AB09C}" sibTransId="{F4872178-D54A-4702-9137-828C60628DE0}"/>
+    <dgm:cxn modelId="{D6FBDFFC-9D11-4494-AC7A-3669D3E6F723}" srcId="{9D38A8EF-3C1C-41BE-B181-756C884B5623}" destId="{06F04598-8BA6-4695-8DD1-CF7CA1355652}" srcOrd="1" destOrd="0" parTransId="{CAEF1BE5-2E30-4CDF-9B23-B6E3ADC08C5F}" sibTransId="{31C2F4BA-7180-4ACB-A0CA-6A53A8B3C5FC}"/>
+    <dgm:cxn modelId="{B9C3FCC6-8B59-46C9-82BB-95A0583B8E3F}" type="presParOf" srcId="{B8DCF3FE-8E1B-4D7E-8EEC-3EF6E44C6571}" destId="{9E2EF6B3-8BED-415C-9750-34BE05D29C58}" srcOrd="0" destOrd="0" presId="urn:microsoft.com/office/officeart/2018/5/layout/CenteredIconLabelDescriptionList"/>
+    <dgm:cxn modelId="{4EF0CCE1-0F2C-4837-B5DD-AF26C2BB9477}" type="presParOf" srcId="{9E2EF6B3-8BED-415C-9750-34BE05D29C58}" destId="{060A9256-99D9-4143-8376-C02041D0BEAC}" srcOrd="0" destOrd="0" presId="urn:microsoft.com/office/officeart/2018/5/layout/CenteredIconLabelDescriptionList"/>
+    <dgm:cxn modelId="{D19B4480-4B8B-45DB-AD20-637A2E9E4EE2}" type="presParOf" srcId="{9E2EF6B3-8BED-415C-9750-34BE05D29C58}" destId="{F1447718-6A0D-4A57-ACBE-447254E86BBD}" srcOrd="1" destOrd="0" presId="urn:microsoft.com/office/officeart/2018/5/layout/CenteredIconLabelDescriptionList"/>
+    <dgm:cxn modelId="{104AA430-38DA-480B-940A-EE58535E26A9}" type="presParOf" srcId="{9E2EF6B3-8BED-415C-9750-34BE05D29C58}" destId="{695EB68A-A117-476F-AA04-A4C994D28B82}" srcOrd="2" destOrd="0" presId="urn:microsoft.com/office/officeart/2018/5/layout/CenteredIconLabelDescriptionList"/>
+    <dgm:cxn modelId="{A0FA80F5-3A2E-4654-849C-B947D06C877D}" type="presParOf" srcId="{9E2EF6B3-8BED-415C-9750-34BE05D29C58}" destId="{F98F96C6-1AEA-4FB9-AB09-6A0F619EE8CC}" srcOrd="3" destOrd="0" presId="urn:microsoft.com/office/officeart/2018/5/layout/CenteredIconLabelDescriptionList"/>
+    <dgm:cxn modelId="{9C8C5FE7-24CE-4903-8F87-CADE5F0414A8}" type="presParOf" srcId="{9E2EF6B3-8BED-415C-9750-34BE05D29C58}" destId="{90502953-01B4-467A-A7D8-85C56F92DB67}" srcOrd="4" destOrd="0" presId="urn:microsoft.com/office/officeart/2018/5/layout/CenteredIconLabelDescriptionList"/>
+    <dgm:cxn modelId="{56E5A6E3-884D-443F-BEC1-25B9C176D002}" type="presParOf" srcId="{B8DCF3FE-8E1B-4D7E-8EEC-3EF6E44C6571}" destId="{AAA84432-4ABA-4BD1-B59C-55A7DB7B0D06}" srcOrd="1" destOrd="0" presId="urn:microsoft.com/office/officeart/2018/5/layout/CenteredIconLabelDescriptionList"/>
+    <dgm:cxn modelId="{5D1C0713-E70A-4FED-B1AF-16AD326FB201}" type="presParOf" srcId="{B8DCF3FE-8E1B-4D7E-8EEC-3EF6E44C6571}" destId="{10C36C2F-6966-4ED1-AD22-E3CB78244023}" srcOrd="2" destOrd="0" presId="urn:microsoft.com/office/officeart/2018/5/layout/CenteredIconLabelDescriptionList"/>
+    <dgm:cxn modelId="{723E68D9-53F1-4C45-AE05-7DBD69CD7B91}" type="presParOf" srcId="{10C36C2F-6966-4ED1-AD22-E3CB78244023}" destId="{FE48CAC1-927A-4452-B58D-DE24AFDB32A6}" srcOrd="0" destOrd="0" presId="urn:microsoft.com/office/officeart/2018/5/layout/CenteredIconLabelDescriptionList"/>
+    <dgm:cxn modelId="{731E1A4B-CB71-44F1-839E-AF95AB0229A1}" type="presParOf" srcId="{10C36C2F-6966-4ED1-AD22-E3CB78244023}" destId="{982E59B0-701C-43F4-8F7D-CACA4E5A9DD0}" srcOrd="1" destOrd="0" presId="urn:microsoft.com/office/officeart/2018/5/layout/CenteredIconLabelDescriptionList"/>
+    <dgm:cxn modelId="{0E5A9B4E-BE64-42C5-B051-DAF119A6B813}" type="presParOf" srcId="{10C36C2F-6966-4ED1-AD22-E3CB78244023}" destId="{2E0E886B-E3C4-4B91-8FB3-BCB728ED7DB6}" srcOrd="2" destOrd="0" presId="urn:microsoft.com/office/officeart/2018/5/layout/CenteredIconLabelDescriptionList"/>
+    <dgm:cxn modelId="{2EA9E565-5624-4783-BAEF-C8B3B435B854}" type="presParOf" srcId="{10C36C2F-6966-4ED1-AD22-E3CB78244023}" destId="{AC0898EF-8F13-4145-8C2B-436EDCE98C85}" srcOrd="3" destOrd="0" presId="urn:microsoft.com/office/officeart/2018/5/layout/CenteredIconLabelDescriptionList"/>
+    <dgm:cxn modelId="{914F52EF-60EF-4365-81D8-0AE405A1D8CD}" type="presParOf" srcId="{10C36C2F-6966-4ED1-AD22-E3CB78244023}" destId="{6FBE9561-79F9-46FC-9198-2AECB2AC992F}" srcOrd="4" destOrd="0" presId="urn:microsoft.com/office/officeart/2018/5/layout/CenteredIconLabelDescriptionList"/>
+  </dgm:cxnLst>
+  <dgm:bg/>
+  <dgm:whole/>
+  <dgm:extLst>
+    <a:ext uri="http://schemas.microsoft.com/office/drawing/2008/diagram">
+      <dsp:dataModelExt xmlns:dsp="http://schemas.microsoft.com/office/drawing/2008/diagram" relId="rId8" minVer="http://schemas.openxmlformats.org/drawingml/2006/diagram"/>
+    </a:ext>
+  </dgm:extLst>
+</dgm:dataModel>
+</file>
+
+<file path=ppt/diagrams/data2.xml><?xml version="1.0" encoding="utf-8"?>
 <dgm:dataModel xmlns:dgm="http://schemas.openxmlformats.org/drawingml/2006/diagram" xmlns:a="http://schemas.openxmlformats.org/drawingml/2006/main">
   <dgm:ptLst>
     <dgm:pt modelId="{84748320-660B-41FD-81C9-CA02624A0F4C}" type="doc">
@@ -2001,39 +4163,6 @@
         </a:p>
       </dgm:t>
     </dgm:pt>
-    <dgm:pt modelId="{0F8096CA-46DE-4965-BEFC-8FD6195ED933}">
-      <dgm:prSet/>
-      <dgm:spPr/>
-      <dgm:t>
-        <a:bodyPr/>
-        <a:lstStyle/>
-        <a:p>
-          <a:endParaRPr lang="en-US"/>
-        </a:p>
-      </dgm:t>
-    </dgm:pt>
-    <dgm:pt modelId="{B1131143-6005-41C9-AE44-9BE42938E55C}" type="parTrans" cxnId="{4C087111-8A02-4729-8F7D-1135C622D7AD}">
-      <dgm:prSet/>
-      <dgm:spPr/>
-      <dgm:t>
-        <a:bodyPr/>
-        <a:lstStyle/>
-        <a:p>
-          <a:endParaRPr lang="en-US"/>
-        </a:p>
-      </dgm:t>
-    </dgm:pt>
-    <dgm:pt modelId="{E1F2661D-7F3B-48E2-AD9B-FC45A53CC62E}" type="sibTrans" cxnId="{4C087111-8A02-4729-8F7D-1135C622D7AD}">
-      <dgm:prSet/>
-      <dgm:spPr/>
-      <dgm:t>
-        <a:bodyPr/>
-        <a:lstStyle/>
-        <a:p>
-          <a:endParaRPr lang="en-US"/>
-        </a:p>
-      </dgm:t>
-    </dgm:pt>
     <dgm:pt modelId="{0C6703EC-F402-461E-8374-19BE57CA7120}">
       <dgm:prSet/>
       <dgm:spPr/>
@@ -2143,6 +4272,61 @@
         <a:bodyPr/>
         <a:lstStyle/>
         <a:p>
+          <a:pPr>
+            <a:lnSpc>
+              <a:spcPct val="100000"/>
+            </a:lnSpc>
+          </a:pPr>
+          <a:endParaRPr lang="en-GB"/>
+        </a:p>
+      </dgm:t>
+    </dgm:pt>
+    <dgm:pt modelId="{97291780-4EC7-4F59-8B2E-1707E83AC9C7}">
+      <dgm:prSet/>
+      <dgm:spPr/>
+      <dgm:t>
+        <a:bodyPr/>
+        <a:lstStyle/>
+        <a:p>
+          <a:pPr>
+            <a:lnSpc>
+              <a:spcPct val="100000"/>
+            </a:lnSpc>
+          </a:pPr>
+          <a:r>
+            <a:rPr lang="it-IT" baseline="0" dirty="0">
+              <a:solidFill>
+                <a:srgbClr val="1A877A"/>
+              </a:solidFill>
+            </a:rPr>
+            <a:t>My</a:t>
+          </a:r>
+          <a:r>
+            <a:rPr lang="it-IT" baseline="0" dirty="0"/>
+            <a:t>SQL</a:t>
+          </a:r>
+          <a:endParaRPr lang="en-GB" baseline="0" dirty="0"/>
+        </a:p>
+      </dgm:t>
+    </dgm:pt>
+    <dgm:pt modelId="{E051126B-B9AD-4426-BA2C-651AE2D37551}" type="parTrans" cxnId="{100E19B5-5438-4F55-A657-429F1FF97FEC}">
+      <dgm:prSet/>
+      <dgm:spPr/>
+      <dgm:t>
+        <a:bodyPr/>
+        <a:lstStyle/>
+        <a:p>
+          <a:endParaRPr lang="en-GB"/>
+        </a:p>
+      </dgm:t>
+    </dgm:pt>
+    <dgm:pt modelId="{9367D268-528F-4254-B825-9BA2D39219A8}" type="sibTrans" cxnId="{100E19B5-5438-4F55-A657-429F1FF97FEC}">
+      <dgm:prSet/>
+      <dgm:spPr/>
+      <dgm:t>
+        <a:bodyPr/>
+        <a:lstStyle/>
+        <a:p>
           <a:endParaRPr lang="en-GB"/>
         </a:p>
       </dgm:t>
@@ -2170,7 +4354,7 @@
       <dgm:spPr/>
     </dgm:pt>
     <dgm:pt modelId="{32AEB77B-CE3D-4252-854E-DB7E26D006BB}" type="pres">
-      <dgm:prSet presAssocID="{8DFF89B5-D8BC-4014-A119-EDF881DBB6B7}" presName="iconBgRect" presStyleLbl="bgShp" presStyleIdx="0" presStyleCnt="5"/>
+      <dgm:prSet presAssocID="{8DFF89B5-D8BC-4014-A119-EDF881DBB6B7}" presName="iconBgRect" presStyleLbl="bgShp" presStyleIdx="0" presStyleCnt="6"/>
       <dgm:spPr>
         <a:solidFill>
           <a:schemeClr val="bg1"/>
@@ -2178,7 +4362,7 @@
       </dgm:spPr>
     </dgm:pt>
     <dgm:pt modelId="{B573E0A5-790A-4A1A-BB25-AB1CAD1EF6DC}" type="pres">
-      <dgm:prSet presAssocID="{8DFF89B5-D8BC-4014-A119-EDF881DBB6B7}" presName="iconRect" presStyleLbl="node1" presStyleIdx="0" presStyleCnt="5"/>
+      <dgm:prSet presAssocID="{8DFF89B5-D8BC-4014-A119-EDF881DBB6B7}" presName="iconRect" presStyleLbl="node1" presStyleIdx="0" presStyleCnt="6"/>
       <dgm:spPr>
         <a:blipFill>
           <a:blip xmlns:r="http://schemas.openxmlformats.org/officeDocument/2006/relationships" r:embed="rId1">
@@ -2203,7 +4387,7 @@
       <dgm:spPr/>
     </dgm:pt>
     <dgm:pt modelId="{F36141C2-74AC-419D-B6F2-8268CB221162}" type="pres">
-      <dgm:prSet presAssocID="{8DFF89B5-D8BC-4014-A119-EDF881DBB6B7}" presName="textRect" presStyleLbl="revTx" presStyleIdx="0" presStyleCnt="5">
+      <dgm:prSet presAssocID="{8DFF89B5-D8BC-4014-A119-EDF881DBB6B7}" presName="textRect" presStyleLbl="revTx" presStyleIdx="0" presStyleCnt="6">
         <dgm:presLayoutVars>
           <dgm:chMax val="1"/>
           <dgm:chPref val="1"/>
@@ -2220,7 +4404,7 @@
       <dgm:spPr/>
     </dgm:pt>
     <dgm:pt modelId="{5720C254-FEBE-4527-AF58-A09FDB454C70}" type="pres">
-      <dgm:prSet presAssocID="{DE69BD19-04E8-4F59-A011-62E2B150ECCB}" presName="iconBgRect" presStyleLbl="bgShp" presStyleIdx="1" presStyleCnt="5"/>
+      <dgm:prSet presAssocID="{DE69BD19-04E8-4F59-A011-62E2B150ECCB}" presName="iconBgRect" presStyleLbl="bgShp" presStyleIdx="1" presStyleCnt="6"/>
       <dgm:spPr>
         <a:solidFill>
           <a:srgbClr val="ED7D31"/>
@@ -2228,7 +4412,7 @@
       </dgm:spPr>
     </dgm:pt>
     <dgm:pt modelId="{D454F6E3-69BD-481E-9AA8-9A9D6F77CBDE}" type="pres">
-      <dgm:prSet presAssocID="{DE69BD19-04E8-4F59-A011-62E2B150ECCB}" presName="iconRect" presStyleLbl="node1" presStyleIdx="1" presStyleCnt="5"/>
+      <dgm:prSet presAssocID="{DE69BD19-04E8-4F59-A011-62E2B150ECCB}" presName="iconRect" presStyleLbl="node1" presStyleIdx="1" presStyleCnt="6"/>
       <dgm:spPr>
         <a:blipFill rotWithShape="1">
           <a:blip xmlns:r="http://schemas.openxmlformats.org/officeDocument/2006/relationships" r:embed="rId2">
@@ -2258,7 +4442,7 @@
       <dgm:spPr/>
     </dgm:pt>
     <dgm:pt modelId="{592A0547-0022-4C98-9DF3-CD746DA4270B}" type="pres">
-      <dgm:prSet presAssocID="{DE69BD19-04E8-4F59-A011-62E2B150ECCB}" presName="textRect" presStyleLbl="revTx" presStyleIdx="1" presStyleCnt="5">
+      <dgm:prSet presAssocID="{DE69BD19-04E8-4F59-A011-62E2B150ECCB}" presName="textRect" presStyleLbl="revTx" presStyleIdx="1" presStyleCnt="6">
         <dgm:presLayoutVars>
           <dgm:chMax val="1"/>
           <dgm:chPref val="1"/>
@@ -2275,7 +4459,7 @@
       <dgm:spPr/>
     </dgm:pt>
     <dgm:pt modelId="{63F68EA7-2F44-4F46-A057-AF4E60A46C49}" type="pres">
-      <dgm:prSet presAssocID="{B00DA5AB-3D8B-4B29-A92A-07A9DF1F5C69}" presName="iconBgRect" presStyleLbl="bgShp" presStyleIdx="2" presStyleCnt="5"/>
+      <dgm:prSet presAssocID="{B00DA5AB-3D8B-4B29-A92A-07A9DF1F5C69}" presName="iconBgRect" presStyleLbl="bgShp" presStyleIdx="2" presStyleCnt="6"/>
       <dgm:spPr>
         <a:solidFill>
           <a:schemeClr val="tx1"/>
@@ -2283,7 +4467,7 @@
       </dgm:spPr>
     </dgm:pt>
     <dgm:pt modelId="{47036EFF-7447-41FF-96D9-D4118C7D8B66}" type="pres">
-      <dgm:prSet presAssocID="{B00DA5AB-3D8B-4B29-A92A-07A9DF1F5C69}" presName="iconRect" presStyleLbl="node1" presStyleIdx="2" presStyleCnt="5"/>
+      <dgm:prSet presAssocID="{B00DA5AB-3D8B-4B29-A92A-07A9DF1F5C69}" presName="iconRect" presStyleLbl="node1" presStyleIdx="2" presStyleCnt="6"/>
       <dgm:spPr>
         <a:blipFill>
           <a:blip xmlns:r="http://schemas.openxmlformats.org/officeDocument/2006/relationships" r:embed="rId4">
@@ -2308,7 +4492,7 @@
       <dgm:spPr/>
     </dgm:pt>
     <dgm:pt modelId="{57AE38EE-C7D5-4F12-A845-B3C68A2CD36B}" type="pres">
-      <dgm:prSet presAssocID="{B00DA5AB-3D8B-4B29-A92A-07A9DF1F5C69}" presName="textRect" presStyleLbl="revTx" presStyleIdx="2" presStyleCnt="5">
+      <dgm:prSet presAssocID="{B00DA5AB-3D8B-4B29-A92A-07A9DF1F5C69}" presName="textRect" presStyleLbl="revTx" presStyleIdx="2" presStyleCnt="6">
         <dgm:presLayoutVars>
           <dgm:chMax val="1"/>
           <dgm:chPref val="1"/>
@@ -2325,7 +4509,7 @@
       <dgm:spPr/>
     </dgm:pt>
     <dgm:pt modelId="{A17F5C9F-93DB-4ED5-BB4F-D31EB156A8D1}" type="pres">
-      <dgm:prSet presAssocID="{0C6703EC-F402-461E-8374-19BE57CA7120}" presName="iconBgRect" presStyleLbl="bgShp" presStyleIdx="3" presStyleCnt="5"/>
+      <dgm:prSet presAssocID="{0C6703EC-F402-461E-8374-19BE57CA7120}" presName="iconBgRect" presStyleLbl="bgShp" presStyleIdx="3" presStyleCnt="6"/>
       <dgm:spPr>
         <a:solidFill>
           <a:srgbClr val="7030A0"/>
@@ -2333,7 +4517,7 @@
       </dgm:spPr>
     </dgm:pt>
     <dgm:pt modelId="{F60CEBCF-C589-4083-91BD-805B905FD68E}" type="pres">
-      <dgm:prSet presAssocID="{0C6703EC-F402-461E-8374-19BE57CA7120}" presName="iconRect" presStyleLbl="node1" presStyleIdx="3" presStyleCnt="5"/>
+      <dgm:prSet presAssocID="{0C6703EC-F402-461E-8374-19BE57CA7120}" presName="iconRect" presStyleLbl="node1" presStyleIdx="3" presStyleCnt="6"/>
       <dgm:spPr>
         <a:blipFill>
           <a:blip xmlns:r="http://schemas.openxmlformats.org/officeDocument/2006/relationships" r:embed="rId6">
@@ -2360,7 +4544,7 @@
       <dgm:spPr/>
     </dgm:pt>
     <dgm:pt modelId="{48065E13-9000-43EB-9521-58099CBA42E6}" type="pres">
-      <dgm:prSet presAssocID="{0C6703EC-F402-461E-8374-19BE57CA7120}" presName="textRect" presStyleLbl="revTx" presStyleIdx="3" presStyleCnt="5">
+      <dgm:prSet presAssocID="{0C6703EC-F402-461E-8374-19BE57CA7120}" presName="textRect" presStyleLbl="revTx" presStyleIdx="3" presStyleCnt="6">
         <dgm:presLayoutVars>
           <dgm:chMax val="1"/>
           <dgm:chPref val="1"/>
@@ -2377,7 +4561,7 @@
       <dgm:spPr/>
     </dgm:pt>
     <dgm:pt modelId="{17148300-6A56-4D1C-BC79-A25BA7DD393E}" type="pres">
-      <dgm:prSet presAssocID="{6ECCEEF4-0978-4AEF-B333-AC2C80B48618}" presName="iconBgRect" presStyleLbl="bgShp" presStyleIdx="4" presStyleCnt="5"/>
+      <dgm:prSet presAssocID="{6ECCEEF4-0978-4AEF-B333-AC2C80B48618}" presName="iconBgRect" presStyleLbl="bgShp" presStyleIdx="4" presStyleCnt="6"/>
       <dgm:spPr>
         <a:solidFill>
           <a:srgbClr val="002060"/>
@@ -2385,7 +4569,7 @@
       </dgm:spPr>
     </dgm:pt>
     <dgm:pt modelId="{A5C71D99-EFD1-4CA5-99AD-FE3B3922B325}" type="pres">
-      <dgm:prSet presAssocID="{6ECCEEF4-0978-4AEF-B333-AC2C80B48618}" presName="iconRect" presStyleLbl="node1" presStyleIdx="4" presStyleCnt="5"/>
+      <dgm:prSet presAssocID="{6ECCEEF4-0978-4AEF-B333-AC2C80B48618}" presName="iconRect" presStyleLbl="node1" presStyleIdx="4" presStyleCnt="6"/>
       <dgm:spPr>
         <a:blipFill>
           <a:blip xmlns:r="http://schemas.openxmlformats.org/officeDocument/2006/relationships" r:embed="rId8">
@@ -2407,7 +4591,48 @@
       <dgm:spPr/>
     </dgm:pt>
     <dgm:pt modelId="{8F9C8D91-A2F5-42AD-8C0B-ED2BE4CAA54D}" type="pres">
-      <dgm:prSet presAssocID="{6ECCEEF4-0978-4AEF-B333-AC2C80B48618}" presName="textRect" presStyleLbl="revTx" presStyleIdx="4" presStyleCnt="5">
+      <dgm:prSet presAssocID="{6ECCEEF4-0978-4AEF-B333-AC2C80B48618}" presName="textRect" presStyleLbl="revTx" presStyleIdx="4" presStyleCnt="6">
+        <dgm:presLayoutVars>
+          <dgm:chMax val="1"/>
+          <dgm:chPref val="1"/>
+        </dgm:presLayoutVars>
+      </dgm:prSet>
+      <dgm:spPr/>
+    </dgm:pt>
+    <dgm:pt modelId="{357E11B6-87BC-4796-B672-0CBACD8FC000}" type="pres">
+      <dgm:prSet presAssocID="{546E6F92-2441-4B47-982F-F3824C8AB005}" presName="sibTrans" presStyleLbl="sibTrans2D1" presStyleIdx="0" presStyleCnt="0"/>
+      <dgm:spPr/>
+    </dgm:pt>
+    <dgm:pt modelId="{0B8F9B54-2E00-496D-A318-5F6622A60A7D}" type="pres">
+      <dgm:prSet presAssocID="{97291780-4EC7-4F59-8B2E-1707E83AC9C7}" presName="compNode" presStyleCnt="0"/>
+      <dgm:spPr/>
+    </dgm:pt>
+    <dgm:pt modelId="{4B901DB7-769C-4BB4-96F0-9632F10383FA}" type="pres">
+      <dgm:prSet presAssocID="{97291780-4EC7-4F59-8B2E-1707E83AC9C7}" presName="iconBgRect" presStyleLbl="bgShp" presStyleIdx="5" presStyleCnt="6"/>
+      <dgm:spPr>
+        <a:solidFill>
+          <a:schemeClr val="bg1"/>
+        </a:solidFill>
+      </dgm:spPr>
+    </dgm:pt>
+    <dgm:pt modelId="{ADE65215-70F5-4F11-9C00-98E87E2E93ED}" type="pres">
+      <dgm:prSet presAssocID="{97291780-4EC7-4F59-8B2E-1707E83AC9C7}" presName="iconRect" presStyleLbl="node1" presStyleIdx="5" presStyleCnt="6"/>
+      <dgm:spPr>
+        <a:blipFill>
+          <a:blip xmlns:r="http://schemas.openxmlformats.org/officeDocument/2006/relationships" r:embed="rId10"/>
+          <a:srcRect/>
+          <a:stretch>
+            <a:fillRect/>
+          </a:stretch>
+        </a:blipFill>
+      </dgm:spPr>
+    </dgm:pt>
+    <dgm:pt modelId="{D28548EF-53ED-4040-9673-3476C4F8F1ED}" type="pres">
+      <dgm:prSet presAssocID="{97291780-4EC7-4F59-8B2E-1707E83AC9C7}" presName="spaceRect" presStyleCnt="0"/>
+      <dgm:spPr/>
+    </dgm:pt>
+    <dgm:pt modelId="{24EE28D7-EBA6-4A84-BE60-3DC3737CE788}" type="pres">
+      <dgm:prSet presAssocID="{97291780-4EC7-4F59-8B2E-1707E83AC9C7}" presName="textRect" presStyleLbl="revTx" presStyleIdx="5" presStyleCnt="6">
         <dgm:presLayoutVars>
           <dgm:chMax val="1"/>
           <dgm:chPref val="1"/>
@@ -2421,14 +4646,16 @@
     <dgm:cxn modelId="{1362A300-D358-4E44-BACB-71B573FAB497}" type="presOf" srcId="{6ECCEEF4-0978-4AEF-B333-AC2C80B48618}" destId="{8F9C8D91-A2F5-42AD-8C0B-ED2BE4CAA54D}" srcOrd="0" destOrd="0" presId="urn:microsoft.com/office/officeart/2018/2/layout/IconCircleList"/>
     <dgm:cxn modelId="{185F3501-96AC-438F-BFA2-E08931D9F897}" type="presOf" srcId="{0801084D-275A-4D13-9E00-C8B2FA5A734F}" destId="{60BD4632-D224-49DE-B12E-DCC031C616CC}" srcOrd="0" destOrd="0" presId="urn:microsoft.com/office/officeart/2018/2/layout/IconCircleList"/>
     <dgm:cxn modelId="{64D72903-25CF-48A6-BA9B-10DEE34DD1A2}" type="presOf" srcId="{B00DA5AB-3D8B-4B29-A92A-07A9DF1F5C69}" destId="{57AE38EE-C7D5-4F12-A845-B3C68A2CD36B}" srcOrd="0" destOrd="0" presId="urn:microsoft.com/office/officeart/2018/2/layout/IconCircleList"/>
-    <dgm:cxn modelId="{4C087111-8A02-4729-8F7D-1135C622D7AD}" srcId="{0C6703EC-F402-461E-8374-19BE57CA7120}" destId="{0F8096CA-46DE-4965-BEFC-8FD6195ED933}" srcOrd="0" destOrd="0" parTransId="{B1131143-6005-41C9-AE44-9BE42938E55C}" sibTransId="{E1F2661D-7F3B-48E2-AD9B-FC45A53CC62E}"/>
     <dgm:cxn modelId="{3805B019-E8AC-4F5F-BCD5-0E292D71C879}" type="presOf" srcId="{8DFF89B5-D8BC-4014-A119-EDF881DBB6B7}" destId="{F36141C2-74AC-419D-B6F2-8268CB221162}" srcOrd="0" destOrd="0" presId="urn:microsoft.com/office/officeart/2018/2/layout/IconCircleList"/>
     <dgm:cxn modelId="{D69F3725-1871-42F8-BC14-5819033E5756}" type="presOf" srcId="{1211D37E-EC49-4B9C-9BAA-426E8291384A}" destId="{75412DA9-E65B-4B91-BA25-E7CE0811B655}" srcOrd="0" destOrd="0" presId="urn:microsoft.com/office/officeart/2018/2/layout/IconCircleList"/>
+    <dgm:cxn modelId="{AD488931-83EF-4F00-8E10-1F83716B324B}" type="presOf" srcId="{546E6F92-2441-4B47-982F-F3824C8AB005}" destId="{357E11B6-87BC-4796-B672-0CBACD8FC000}" srcOrd="0" destOrd="0" presId="urn:microsoft.com/office/officeart/2018/2/layout/IconCircleList"/>
+    <dgm:cxn modelId="{3AF1F431-EBA3-4691-9102-922881A6D964}" type="presOf" srcId="{97291780-4EC7-4F59-8B2E-1707E83AC9C7}" destId="{24EE28D7-EBA6-4A84-BE60-3DC3737CE788}" srcOrd="0" destOrd="0" presId="urn:microsoft.com/office/officeart/2018/2/layout/IconCircleList"/>
     <dgm:cxn modelId="{9751B939-58E7-463E-B4F4-ACB4A7517A31}" srcId="{84748320-660B-41FD-81C9-CA02624A0F4C}" destId="{8DFF89B5-D8BC-4014-A119-EDF881DBB6B7}" srcOrd="0" destOrd="0" parTransId="{C284868C-975B-4C2F-B5F5-9ADEB4CDB3DE}" sibTransId="{0801084D-275A-4D13-9E00-C8B2FA5A734F}"/>
     <dgm:cxn modelId="{53FF073B-9C92-448E-94CB-F8C048BCF695}" srcId="{84748320-660B-41FD-81C9-CA02624A0F4C}" destId="{6ECCEEF4-0978-4AEF-B333-AC2C80B48618}" srcOrd="4" destOrd="0" parTransId="{48AA51EC-4C0E-44F1-9966-BF5021CF02BF}" sibTransId="{546E6F92-2441-4B47-982F-F3824C8AB005}"/>
     <dgm:cxn modelId="{BAD4AD45-5A1C-40C0-9DBF-63A8DD6B812F}" type="presOf" srcId="{2F8CE607-D0A6-4AE5-B79F-8A37093C0B8F}" destId="{5AC6B1B3-C656-4F16-9CD7-0C3E93F520C3}" srcOrd="0" destOrd="0" presId="urn:microsoft.com/office/officeart/2018/2/layout/IconCircleList"/>
     <dgm:cxn modelId="{673AE569-0365-4E4C-9F19-9CEFC554EE56}" type="presOf" srcId="{CFCFFCAE-6F1F-46FD-B01F-24D1D3EB5CFB}" destId="{791A9F34-B3C5-4BE9-80FD-00C5AAF6E582}" srcOrd="0" destOrd="0" presId="urn:microsoft.com/office/officeart/2018/2/layout/IconCircleList"/>
     <dgm:cxn modelId="{9F48A3B2-F9F6-4595-B5F3-D72FB56513A3}" type="presOf" srcId="{0C6703EC-F402-461E-8374-19BE57CA7120}" destId="{48065E13-9000-43EB-9521-58099CBA42E6}" srcOrd="0" destOrd="0" presId="urn:microsoft.com/office/officeart/2018/2/layout/IconCircleList"/>
+    <dgm:cxn modelId="{100E19B5-5438-4F55-A657-429F1FF97FEC}" srcId="{84748320-660B-41FD-81C9-CA02624A0F4C}" destId="{97291780-4EC7-4F59-8B2E-1707E83AC9C7}" srcOrd="5" destOrd="0" parTransId="{E051126B-B9AD-4426-BA2C-651AE2D37551}" sibTransId="{9367D268-528F-4254-B825-9BA2D39219A8}"/>
     <dgm:cxn modelId="{053404BC-21B9-4BA2-9BF7-298E98674204}" srcId="{84748320-660B-41FD-81C9-CA02624A0F4C}" destId="{DE69BD19-04E8-4F59-A011-62E2B150ECCB}" srcOrd="1" destOrd="0" parTransId="{32B9BBC6-53A7-45F6-8F23-F808DBF3E89E}" sibTransId="{2F8CE607-D0A6-4AE5-B79F-8A37093C0B8F}"/>
     <dgm:cxn modelId="{1C0C08D6-4233-40E0-9E90-31AAA3546A61}" type="presOf" srcId="{84748320-660B-41FD-81C9-CA02624A0F4C}" destId="{7EF234A0-8DA5-4D21-88C5-50061580D5BA}" srcOrd="0" destOrd="0" presId="urn:microsoft.com/office/officeart/2018/2/layout/IconCircleList"/>
     <dgm:cxn modelId="{B3F048F1-3B80-4798-AD22-C03455E1F152}" srcId="{84748320-660B-41FD-81C9-CA02624A0F4C}" destId="{0C6703EC-F402-461E-8374-19BE57CA7120}" srcOrd="3" destOrd="0" parTransId="{E6AAA9F7-B1FF-40BE-94D4-308E9B4A5EB8}" sibTransId="{1211D37E-EC49-4B9C-9BAA-426E8291384A}"/>
@@ -2463,6 +4690,12 @@
     <dgm:cxn modelId="{6F017F8A-39B0-4F67-A673-68CB2CE86A25}" type="presParOf" srcId="{26F0B7FC-6B2F-4691-A2B6-7E7C93157045}" destId="{A5C71D99-EFD1-4CA5-99AD-FE3B3922B325}" srcOrd="1" destOrd="0" presId="urn:microsoft.com/office/officeart/2018/2/layout/IconCircleList"/>
     <dgm:cxn modelId="{374C6437-410F-47FB-B25B-794D129B744F}" type="presParOf" srcId="{26F0B7FC-6B2F-4691-A2B6-7E7C93157045}" destId="{9DD64ACA-C16A-4686-9646-7F03F097F72A}" srcOrd="2" destOrd="0" presId="urn:microsoft.com/office/officeart/2018/2/layout/IconCircleList"/>
     <dgm:cxn modelId="{F52F7BBF-4C84-4037-8F93-25316E1307A6}" type="presParOf" srcId="{26F0B7FC-6B2F-4691-A2B6-7E7C93157045}" destId="{8F9C8D91-A2F5-42AD-8C0B-ED2BE4CAA54D}" srcOrd="3" destOrd="0" presId="urn:microsoft.com/office/officeart/2018/2/layout/IconCircleList"/>
+    <dgm:cxn modelId="{146867AB-29B2-48E1-98DD-D44D9A84427A}" type="presParOf" srcId="{3953D132-8E5B-4487-BD3B-6C5207452D84}" destId="{357E11B6-87BC-4796-B672-0CBACD8FC000}" srcOrd="9" destOrd="0" presId="urn:microsoft.com/office/officeart/2018/2/layout/IconCircleList"/>
+    <dgm:cxn modelId="{FAC95196-86C2-4738-80B8-9FDE2D6CF700}" type="presParOf" srcId="{3953D132-8E5B-4487-BD3B-6C5207452D84}" destId="{0B8F9B54-2E00-496D-A318-5F6622A60A7D}" srcOrd="10" destOrd="0" presId="urn:microsoft.com/office/officeart/2018/2/layout/IconCircleList"/>
+    <dgm:cxn modelId="{EBB37A5F-C19E-47C1-8B72-011726B227A0}" type="presParOf" srcId="{0B8F9B54-2E00-496D-A318-5F6622A60A7D}" destId="{4B901DB7-769C-4BB4-96F0-9632F10383FA}" srcOrd="0" destOrd="0" presId="urn:microsoft.com/office/officeart/2018/2/layout/IconCircleList"/>
+    <dgm:cxn modelId="{EBD648EE-466F-4F42-9B62-3D03F6C152E0}" type="presParOf" srcId="{0B8F9B54-2E00-496D-A318-5F6622A60A7D}" destId="{ADE65215-70F5-4F11-9C00-98E87E2E93ED}" srcOrd="1" destOrd="0" presId="urn:microsoft.com/office/officeart/2018/2/layout/IconCircleList"/>
+    <dgm:cxn modelId="{8EEA758E-4D2D-4564-87D7-CC351283B239}" type="presParOf" srcId="{0B8F9B54-2E00-496D-A318-5F6622A60A7D}" destId="{D28548EF-53ED-4040-9673-3476C4F8F1ED}" srcOrd="2" destOrd="0" presId="urn:microsoft.com/office/officeart/2018/2/layout/IconCircleList"/>
+    <dgm:cxn modelId="{00A48EBF-C332-4EF7-944F-3BF683042147}" type="presParOf" srcId="{0B8F9B54-2E00-496D-A318-5F6622A60A7D}" destId="{24EE28D7-EBA6-4A84-BE60-3DC3737CE788}" srcOrd="3" destOrd="0" presId="urn:microsoft.com/office/officeart/2018/2/layout/IconCircleList"/>
   </dgm:cxnLst>
   <dgm:bg/>
   <dgm:whole/>
@@ -2474,7 +4707,7 @@
 </dgm:dataModel>
 </file>
 
-<file path=ppt/diagrams/data2.xml><?xml version="1.0" encoding="utf-8"?>
+<file path=ppt/diagrams/data3.xml><?xml version="1.0" encoding="utf-8"?>
 <dgm:dataModel xmlns:dgm="http://schemas.openxmlformats.org/drawingml/2006/diagram" xmlns:a="http://schemas.openxmlformats.org/drawingml/2006/main">
   <dgm:ptLst>
     <dgm:pt modelId="{C97765E6-4056-4347-8C50-B79CEE3626DF}" type="doc">
@@ -2490,7 +4723,14 @@
     </dgm:pt>
     <dgm:pt modelId="{685567C3-A054-4571-A039-6B1524BAF56A}">
       <dgm:prSet custT="1"/>
-      <dgm:spPr/>
+      <dgm:spPr>
+        <a:solidFill>
+          <a:srgbClr val="0C01D3"/>
+        </a:solidFill>
+        <a:ln>
+          <a:noFill/>
+        </a:ln>
+      </dgm:spPr>
       <dgm:t>
         <a:bodyPr/>
         <a:lstStyle/>
@@ -2527,7 +4767,14 @@
     </dgm:pt>
     <dgm:pt modelId="{B5F7596F-DDA9-464B-B147-FB90D53ED86C}">
       <dgm:prSet custT="1"/>
-      <dgm:spPr/>
+      <dgm:spPr>
+        <a:solidFill>
+          <a:srgbClr val="0C01D3"/>
+        </a:solidFill>
+        <a:ln>
+          <a:noFill/>
+        </a:ln>
+      </dgm:spPr>
       <dgm:t>
         <a:bodyPr/>
         <a:lstStyle/>
@@ -2564,7 +4811,14 @@
     </dgm:pt>
     <dgm:pt modelId="{2501CA8A-2FC4-4729-962B-EB192C934A3D}">
       <dgm:prSet custT="1"/>
-      <dgm:spPr/>
+      <dgm:spPr>
+        <a:solidFill>
+          <a:srgbClr val="0C01D3"/>
+        </a:solidFill>
+        <a:ln>
+          <a:noFill/>
+        </a:ln>
+      </dgm:spPr>
       <dgm:t>
         <a:bodyPr/>
         <a:lstStyle/>
@@ -2601,7 +4855,14 @@
     </dgm:pt>
     <dgm:pt modelId="{F18E2550-A77D-4727-8C35-F55ACD4EC0A5}">
       <dgm:prSet custT="1"/>
-      <dgm:spPr/>
+      <dgm:spPr>
+        <a:solidFill>
+          <a:srgbClr val="0C01D3"/>
+        </a:solidFill>
+        <a:ln>
+          <a:noFill/>
+        </a:ln>
+      </dgm:spPr>
       <dgm:t>
         <a:bodyPr/>
         <a:lstStyle/>
@@ -2638,7 +4899,14 @@
     </dgm:pt>
     <dgm:pt modelId="{6B63FB41-5043-43D8-807E-00E5FD88A316}">
       <dgm:prSet custT="1"/>
-      <dgm:spPr/>
+      <dgm:spPr>
+        <a:solidFill>
+          <a:srgbClr val="0C01D3"/>
+        </a:solidFill>
+        <a:ln>
+          <a:noFill/>
+        </a:ln>
+      </dgm:spPr>
       <dgm:t>
         <a:bodyPr/>
         <a:lstStyle/>
@@ -2776,7 +5044,764 @@
 </dgm:dataModel>
 </file>
 
+<file path=ppt/diagrams/data4.xml><?xml version="1.0" encoding="utf-8"?>
+<dgm:dataModel xmlns:dgm="http://schemas.openxmlformats.org/drawingml/2006/diagram" xmlns:a="http://schemas.openxmlformats.org/drawingml/2006/main">
+  <dgm:ptLst>
+    <dgm:pt modelId="{3C6C96A7-42C8-4D5B-A69A-0B745FE2F94C}" type="doc">
+      <dgm:prSet loTypeId="urn:microsoft.com/office/officeart/2018/2/layout/IconCircleList" loCatId="icon" qsTypeId="urn:microsoft.com/office/officeart/2005/8/quickstyle/simple1" qsCatId="simple" csTypeId="urn:microsoft.com/office/officeart/2018/5/colors/Iconchunking_neutralbg_colorful1" csCatId="colorful" phldr="1"/>
+      <dgm:spPr/>
+      <dgm:t>
+        <a:bodyPr/>
+        <a:lstStyle/>
+        <a:p>
+          <a:endParaRPr lang="en-US"/>
+        </a:p>
+      </dgm:t>
+    </dgm:pt>
+    <dgm:pt modelId="{8C9BB1F4-7FCB-4C5B-9008-48C9B7AD3025}">
+      <dgm:prSet/>
+      <dgm:spPr/>
+      <dgm:t>
+        <a:bodyPr/>
+        <a:lstStyle/>
+        <a:p>
+          <a:pPr>
+            <a:lnSpc>
+              <a:spcPct val="100000"/>
+            </a:lnSpc>
+          </a:pPr>
+          <a:r>
+            <a:rPr lang="it-IT"/>
+            <a:t>Sicurezza</a:t>
+          </a:r>
+          <a:endParaRPr lang="en-US"/>
+        </a:p>
+      </dgm:t>
+    </dgm:pt>
+    <dgm:pt modelId="{A41427E2-53BC-4ED7-B081-F773BF46C091}" type="parTrans" cxnId="{3E685D14-C87D-442D-BBFB-F3243980730E}">
+      <dgm:prSet/>
+      <dgm:spPr/>
+      <dgm:t>
+        <a:bodyPr/>
+        <a:lstStyle/>
+        <a:p>
+          <a:endParaRPr lang="en-US"/>
+        </a:p>
+      </dgm:t>
+    </dgm:pt>
+    <dgm:pt modelId="{E9C170F5-EA0B-4C9E-B799-72EF3825402F}" type="sibTrans" cxnId="{3E685D14-C87D-442D-BBFB-F3243980730E}">
+      <dgm:prSet/>
+      <dgm:spPr/>
+      <dgm:t>
+        <a:bodyPr/>
+        <a:lstStyle/>
+        <a:p>
+          <a:pPr>
+            <a:lnSpc>
+              <a:spcPct val="100000"/>
+            </a:lnSpc>
+          </a:pPr>
+          <a:endParaRPr lang="en-US"/>
+        </a:p>
+      </dgm:t>
+    </dgm:pt>
+    <dgm:pt modelId="{5B9E259A-767D-49E1-845E-73E6D08B9F53}">
+      <dgm:prSet/>
+      <dgm:spPr/>
+      <dgm:t>
+        <a:bodyPr/>
+        <a:lstStyle/>
+        <a:p>
+          <a:pPr>
+            <a:lnSpc>
+              <a:spcPct val="100000"/>
+            </a:lnSpc>
+          </a:pPr>
+          <a:r>
+            <a:rPr lang="it-IT" dirty="0"/>
+            <a:t>Anonimato</a:t>
+          </a:r>
+          <a:endParaRPr lang="en-US" dirty="0"/>
+        </a:p>
+      </dgm:t>
+    </dgm:pt>
+    <dgm:pt modelId="{9FF7DBF3-821A-4854-A279-3985B9C2378A}" type="parTrans" cxnId="{2A3F43B7-C2B6-4376-A099-AF5E548C8E39}">
+      <dgm:prSet/>
+      <dgm:spPr/>
+      <dgm:t>
+        <a:bodyPr/>
+        <a:lstStyle/>
+        <a:p>
+          <a:endParaRPr lang="en-US"/>
+        </a:p>
+      </dgm:t>
+    </dgm:pt>
+    <dgm:pt modelId="{52BA83C8-98BE-433F-80AF-99E9B27F5258}" type="sibTrans" cxnId="{2A3F43B7-C2B6-4376-A099-AF5E548C8E39}">
+      <dgm:prSet/>
+      <dgm:spPr/>
+      <dgm:t>
+        <a:bodyPr/>
+        <a:lstStyle/>
+        <a:p>
+          <a:pPr>
+            <a:lnSpc>
+              <a:spcPct val="100000"/>
+            </a:lnSpc>
+          </a:pPr>
+          <a:endParaRPr lang="en-US"/>
+        </a:p>
+      </dgm:t>
+    </dgm:pt>
+    <dgm:pt modelId="{BAEBBB7B-1EF9-46C1-90ED-05A2B362AFBC}">
+      <dgm:prSet/>
+      <dgm:spPr/>
+      <dgm:t>
+        <a:bodyPr/>
+        <a:lstStyle/>
+        <a:p>
+          <a:pPr>
+            <a:lnSpc>
+              <a:spcPct val="100000"/>
+            </a:lnSpc>
+          </a:pPr>
+          <a:r>
+            <a:rPr lang="it-IT"/>
+            <a:t>Riservatezza</a:t>
+          </a:r>
+          <a:endParaRPr lang="en-US"/>
+        </a:p>
+      </dgm:t>
+    </dgm:pt>
+    <dgm:pt modelId="{3B840E20-6E4C-4235-8F7F-270EB6A6C107}" type="parTrans" cxnId="{5E8E0A04-7D03-42EF-A073-E8419C795DA4}">
+      <dgm:prSet/>
+      <dgm:spPr/>
+      <dgm:t>
+        <a:bodyPr/>
+        <a:lstStyle/>
+        <a:p>
+          <a:endParaRPr lang="en-US"/>
+        </a:p>
+      </dgm:t>
+    </dgm:pt>
+    <dgm:pt modelId="{A30988B6-2635-4F54-BCA8-B8D062BE8AF6}" type="sibTrans" cxnId="{5E8E0A04-7D03-42EF-A073-E8419C795DA4}">
+      <dgm:prSet/>
+      <dgm:spPr/>
+      <dgm:t>
+        <a:bodyPr/>
+        <a:lstStyle/>
+        <a:p>
+          <a:endParaRPr lang="en-US"/>
+        </a:p>
+      </dgm:t>
+    </dgm:pt>
+    <dgm:pt modelId="{E6D5C851-EA54-45AA-B474-45FFF2E28038}" type="pres">
+      <dgm:prSet presAssocID="{3C6C96A7-42C8-4D5B-A69A-0B745FE2F94C}" presName="root" presStyleCnt="0">
+        <dgm:presLayoutVars>
+          <dgm:dir/>
+          <dgm:resizeHandles val="exact"/>
+        </dgm:presLayoutVars>
+      </dgm:prSet>
+      <dgm:spPr/>
+    </dgm:pt>
+    <dgm:pt modelId="{A47C9897-C28A-45E1-9385-DA38A2EFE8BB}" type="pres">
+      <dgm:prSet presAssocID="{3C6C96A7-42C8-4D5B-A69A-0B745FE2F94C}" presName="container" presStyleCnt="0">
+        <dgm:presLayoutVars>
+          <dgm:dir/>
+          <dgm:resizeHandles val="exact"/>
+        </dgm:presLayoutVars>
+      </dgm:prSet>
+      <dgm:spPr/>
+    </dgm:pt>
+    <dgm:pt modelId="{07B55F17-F361-420D-9CDA-1CB5ABEC4E14}" type="pres">
+      <dgm:prSet presAssocID="{8C9BB1F4-7FCB-4C5B-9008-48C9B7AD3025}" presName="compNode" presStyleCnt="0"/>
+      <dgm:spPr/>
+    </dgm:pt>
+    <dgm:pt modelId="{43B6FCFD-E576-4B06-A34E-01D64D4F3051}" type="pres">
+      <dgm:prSet presAssocID="{8C9BB1F4-7FCB-4C5B-9008-48C9B7AD3025}" presName="iconBgRect" presStyleLbl="bgShp" presStyleIdx="0" presStyleCnt="3"/>
+      <dgm:spPr/>
+    </dgm:pt>
+    <dgm:pt modelId="{10B058EB-DA9D-413A-9463-E421D52D72DC}" type="pres">
+      <dgm:prSet presAssocID="{8C9BB1F4-7FCB-4C5B-9008-48C9B7AD3025}" presName="iconRect" presStyleLbl="node1" presStyleIdx="0" presStyleCnt="3"/>
+      <dgm:spPr>
+        <a:blipFill>
+          <a:blip xmlns:r="http://schemas.openxmlformats.org/officeDocument/2006/relationships" r:embed="rId1"/>
+          <a:srcRect/>
+          <a:stretch>
+            <a:fillRect/>
+          </a:stretch>
+        </a:blipFill>
+      </dgm:spPr>
+    </dgm:pt>
+    <dgm:pt modelId="{71C3A394-7927-42A4-BA99-C6BF50461150}" type="pres">
+      <dgm:prSet presAssocID="{8C9BB1F4-7FCB-4C5B-9008-48C9B7AD3025}" presName="spaceRect" presStyleCnt="0"/>
+      <dgm:spPr/>
+    </dgm:pt>
+    <dgm:pt modelId="{AA337BEF-27F1-457A-8911-5EBC3E38D095}" type="pres">
+      <dgm:prSet presAssocID="{8C9BB1F4-7FCB-4C5B-9008-48C9B7AD3025}" presName="textRect" presStyleLbl="revTx" presStyleIdx="0" presStyleCnt="3">
+        <dgm:presLayoutVars>
+          <dgm:chMax val="1"/>
+          <dgm:chPref val="1"/>
+        </dgm:presLayoutVars>
+      </dgm:prSet>
+      <dgm:spPr/>
+    </dgm:pt>
+    <dgm:pt modelId="{4340E2F9-6608-49C2-9DBC-132B5DDFCD6A}" type="pres">
+      <dgm:prSet presAssocID="{E9C170F5-EA0B-4C9E-B799-72EF3825402F}" presName="sibTrans" presStyleLbl="sibTrans2D1" presStyleIdx="0" presStyleCnt="0"/>
+      <dgm:spPr/>
+    </dgm:pt>
+    <dgm:pt modelId="{F05BBCD0-7CDD-4E6C-AC6A-96A6F63B0EFD}" type="pres">
+      <dgm:prSet presAssocID="{5B9E259A-767D-49E1-845E-73E6D08B9F53}" presName="compNode" presStyleCnt="0"/>
+      <dgm:spPr/>
+    </dgm:pt>
+    <dgm:pt modelId="{696270DE-272E-4D1F-9987-8B7158E12E53}" type="pres">
+      <dgm:prSet presAssocID="{5B9E259A-767D-49E1-845E-73E6D08B9F53}" presName="iconBgRect" presStyleLbl="bgShp" presStyleIdx="1" presStyleCnt="3"/>
+      <dgm:spPr>
+        <a:solidFill>
+          <a:schemeClr val="bg1"/>
+        </a:solidFill>
+      </dgm:spPr>
+    </dgm:pt>
+    <dgm:pt modelId="{82F062BC-271B-4ED6-8E34-0C015E8EFBBA}" type="pres">
+      <dgm:prSet presAssocID="{5B9E259A-767D-49E1-845E-73E6D08B9F53}" presName="iconRect" presStyleLbl="node1" presStyleIdx="1" presStyleCnt="3"/>
+      <dgm:spPr>
+        <a:blipFill>
+          <a:blip xmlns:r="http://schemas.openxmlformats.org/officeDocument/2006/relationships" r:embed="rId2"/>
+          <a:srcRect/>
+          <a:stretch>
+            <a:fillRect/>
+          </a:stretch>
+        </a:blipFill>
+      </dgm:spPr>
+    </dgm:pt>
+    <dgm:pt modelId="{FBAA992C-9F66-46BC-960E-018A2E9C4EC9}" type="pres">
+      <dgm:prSet presAssocID="{5B9E259A-767D-49E1-845E-73E6D08B9F53}" presName="spaceRect" presStyleCnt="0"/>
+      <dgm:spPr/>
+    </dgm:pt>
+    <dgm:pt modelId="{56899BA7-A21C-4C96-B26A-BA87EB73997C}" type="pres">
+      <dgm:prSet presAssocID="{5B9E259A-767D-49E1-845E-73E6D08B9F53}" presName="textRect" presStyleLbl="revTx" presStyleIdx="1" presStyleCnt="3">
+        <dgm:presLayoutVars>
+          <dgm:chMax val="1"/>
+          <dgm:chPref val="1"/>
+        </dgm:presLayoutVars>
+      </dgm:prSet>
+      <dgm:spPr/>
+    </dgm:pt>
+    <dgm:pt modelId="{50F5D16E-AE72-414E-9832-5324B4956A5F}" type="pres">
+      <dgm:prSet presAssocID="{52BA83C8-98BE-433F-80AF-99E9B27F5258}" presName="sibTrans" presStyleLbl="sibTrans2D1" presStyleIdx="0" presStyleCnt="0"/>
+      <dgm:spPr/>
+    </dgm:pt>
+    <dgm:pt modelId="{560308F8-AD3A-450F-89DC-0A43EF983653}" type="pres">
+      <dgm:prSet presAssocID="{BAEBBB7B-1EF9-46C1-90ED-05A2B362AFBC}" presName="compNode" presStyleCnt="0"/>
+      <dgm:spPr/>
+    </dgm:pt>
+    <dgm:pt modelId="{3CDCCE48-FF38-4DC5-B866-B1A778CB8DED}" type="pres">
+      <dgm:prSet presAssocID="{BAEBBB7B-1EF9-46C1-90ED-05A2B362AFBC}" presName="iconBgRect" presStyleLbl="bgShp" presStyleIdx="2" presStyleCnt="3"/>
+      <dgm:spPr/>
+    </dgm:pt>
+    <dgm:pt modelId="{2C662354-05A7-4D6F-9C38-3976F33598F1}" type="pres">
+      <dgm:prSet presAssocID="{BAEBBB7B-1EF9-46C1-90ED-05A2B362AFBC}" presName="iconRect" presStyleLbl="node1" presStyleIdx="2" presStyleCnt="3"/>
+      <dgm:spPr>
+        <a:blipFill>
+          <a:blip xmlns:r="http://schemas.openxmlformats.org/officeDocument/2006/relationships" r:embed="rId3"/>
+          <a:srcRect/>
+          <a:stretch>
+            <a:fillRect/>
+          </a:stretch>
+        </a:blipFill>
+      </dgm:spPr>
+    </dgm:pt>
+    <dgm:pt modelId="{31609D8D-6F0A-4782-8F2E-B044B46BFED5}" type="pres">
+      <dgm:prSet presAssocID="{BAEBBB7B-1EF9-46C1-90ED-05A2B362AFBC}" presName="spaceRect" presStyleCnt="0"/>
+      <dgm:spPr/>
+    </dgm:pt>
+    <dgm:pt modelId="{7A603C0D-72D9-4FDE-BDA6-0F59045709E9}" type="pres">
+      <dgm:prSet presAssocID="{BAEBBB7B-1EF9-46C1-90ED-05A2B362AFBC}" presName="textRect" presStyleLbl="revTx" presStyleIdx="2" presStyleCnt="3">
+        <dgm:presLayoutVars>
+          <dgm:chMax val="1"/>
+          <dgm:chPref val="1"/>
+        </dgm:presLayoutVars>
+      </dgm:prSet>
+      <dgm:spPr/>
+    </dgm:pt>
+  </dgm:ptLst>
+  <dgm:cxnLst>
+    <dgm:cxn modelId="{5E8E0A04-7D03-42EF-A073-E8419C795DA4}" srcId="{3C6C96A7-42C8-4D5B-A69A-0B745FE2F94C}" destId="{BAEBBB7B-1EF9-46C1-90ED-05A2B362AFBC}" srcOrd="2" destOrd="0" parTransId="{3B840E20-6E4C-4235-8F7F-270EB6A6C107}" sibTransId="{A30988B6-2635-4F54-BCA8-B8D062BE8AF6}"/>
+    <dgm:cxn modelId="{3E685D14-C87D-442D-BBFB-F3243980730E}" srcId="{3C6C96A7-42C8-4D5B-A69A-0B745FE2F94C}" destId="{8C9BB1F4-7FCB-4C5B-9008-48C9B7AD3025}" srcOrd="0" destOrd="0" parTransId="{A41427E2-53BC-4ED7-B081-F773BF46C091}" sibTransId="{E9C170F5-EA0B-4C9E-B799-72EF3825402F}"/>
+    <dgm:cxn modelId="{D833422A-8236-4F7C-9444-3C68A28F03E3}" type="presOf" srcId="{3C6C96A7-42C8-4D5B-A69A-0B745FE2F94C}" destId="{E6D5C851-EA54-45AA-B474-45FFF2E28038}" srcOrd="0" destOrd="0" presId="urn:microsoft.com/office/officeart/2018/2/layout/IconCircleList"/>
+    <dgm:cxn modelId="{7B477742-38D5-4259-873F-076006ED4B0E}" type="presOf" srcId="{8C9BB1F4-7FCB-4C5B-9008-48C9B7AD3025}" destId="{AA337BEF-27F1-457A-8911-5EBC3E38D095}" srcOrd="0" destOrd="0" presId="urn:microsoft.com/office/officeart/2018/2/layout/IconCircleList"/>
+    <dgm:cxn modelId="{711C4D65-A77F-4590-8695-37D057AA923E}" type="presOf" srcId="{5B9E259A-767D-49E1-845E-73E6D08B9F53}" destId="{56899BA7-A21C-4C96-B26A-BA87EB73997C}" srcOrd="0" destOrd="0" presId="urn:microsoft.com/office/officeart/2018/2/layout/IconCircleList"/>
+    <dgm:cxn modelId="{C469BAA1-DBC2-4966-8E90-209D8891D4F8}" type="presOf" srcId="{E9C170F5-EA0B-4C9E-B799-72EF3825402F}" destId="{4340E2F9-6608-49C2-9DBC-132B5DDFCD6A}" srcOrd="0" destOrd="0" presId="urn:microsoft.com/office/officeart/2018/2/layout/IconCircleList"/>
+    <dgm:cxn modelId="{2A3F43B7-C2B6-4376-A099-AF5E548C8E39}" srcId="{3C6C96A7-42C8-4D5B-A69A-0B745FE2F94C}" destId="{5B9E259A-767D-49E1-845E-73E6D08B9F53}" srcOrd="1" destOrd="0" parTransId="{9FF7DBF3-821A-4854-A279-3985B9C2378A}" sibTransId="{52BA83C8-98BE-433F-80AF-99E9B27F5258}"/>
+    <dgm:cxn modelId="{441D50CA-F71A-40B8-B8C4-814EDC3C27F2}" type="presOf" srcId="{52BA83C8-98BE-433F-80AF-99E9B27F5258}" destId="{50F5D16E-AE72-414E-9832-5324B4956A5F}" srcOrd="0" destOrd="0" presId="urn:microsoft.com/office/officeart/2018/2/layout/IconCircleList"/>
+    <dgm:cxn modelId="{6605C5CF-6D31-44DA-9A27-D6E9DCDD0282}" type="presOf" srcId="{BAEBBB7B-1EF9-46C1-90ED-05A2B362AFBC}" destId="{7A603C0D-72D9-4FDE-BDA6-0F59045709E9}" srcOrd="0" destOrd="0" presId="urn:microsoft.com/office/officeart/2018/2/layout/IconCircleList"/>
+    <dgm:cxn modelId="{9BD1E7EB-C60D-4BB3-BF42-032BD4A0095F}" type="presParOf" srcId="{E6D5C851-EA54-45AA-B474-45FFF2E28038}" destId="{A47C9897-C28A-45E1-9385-DA38A2EFE8BB}" srcOrd="0" destOrd="0" presId="urn:microsoft.com/office/officeart/2018/2/layout/IconCircleList"/>
+    <dgm:cxn modelId="{AA5B97A6-D989-41E3-84DB-9AAD9C003D02}" type="presParOf" srcId="{A47C9897-C28A-45E1-9385-DA38A2EFE8BB}" destId="{07B55F17-F361-420D-9CDA-1CB5ABEC4E14}" srcOrd="0" destOrd="0" presId="urn:microsoft.com/office/officeart/2018/2/layout/IconCircleList"/>
+    <dgm:cxn modelId="{30F53B53-AA2F-45E9-9B80-DAA670878C13}" type="presParOf" srcId="{07B55F17-F361-420D-9CDA-1CB5ABEC4E14}" destId="{43B6FCFD-E576-4B06-A34E-01D64D4F3051}" srcOrd="0" destOrd="0" presId="urn:microsoft.com/office/officeart/2018/2/layout/IconCircleList"/>
+    <dgm:cxn modelId="{02C0AEA7-B259-40CC-B776-3B05D3C0D696}" type="presParOf" srcId="{07B55F17-F361-420D-9CDA-1CB5ABEC4E14}" destId="{10B058EB-DA9D-413A-9463-E421D52D72DC}" srcOrd="1" destOrd="0" presId="urn:microsoft.com/office/officeart/2018/2/layout/IconCircleList"/>
+    <dgm:cxn modelId="{F259EB73-1F72-4C02-B6BA-76CDF5BE2602}" type="presParOf" srcId="{07B55F17-F361-420D-9CDA-1CB5ABEC4E14}" destId="{71C3A394-7927-42A4-BA99-C6BF50461150}" srcOrd="2" destOrd="0" presId="urn:microsoft.com/office/officeart/2018/2/layout/IconCircleList"/>
+    <dgm:cxn modelId="{2E86434D-4F78-4394-B192-5DE467FC1A77}" type="presParOf" srcId="{07B55F17-F361-420D-9CDA-1CB5ABEC4E14}" destId="{AA337BEF-27F1-457A-8911-5EBC3E38D095}" srcOrd="3" destOrd="0" presId="urn:microsoft.com/office/officeart/2018/2/layout/IconCircleList"/>
+    <dgm:cxn modelId="{8430ED08-30F9-4AF2-ACCF-55E3FC76A681}" type="presParOf" srcId="{A47C9897-C28A-45E1-9385-DA38A2EFE8BB}" destId="{4340E2F9-6608-49C2-9DBC-132B5DDFCD6A}" srcOrd="1" destOrd="0" presId="urn:microsoft.com/office/officeart/2018/2/layout/IconCircleList"/>
+    <dgm:cxn modelId="{2C462B86-F0DF-43EF-B80C-F57B5A8BD2E2}" type="presParOf" srcId="{A47C9897-C28A-45E1-9385-DA38A2EFE8BB}" destId="{F05BBCD0-7CDD-4E6C-AC6A-96A6F63B0EFD}" srcOrd="2" destOrd="0" presId="urn:microsoft.com/office/officeart/2018/2/layout/IconCircleList"/>
+    <dgm:cxn modelId="{77FCAB1C-055B-4854-94F7-6F9CA88D9A06}" type="presParOf" srcId="{F05BBCD0-7CDD-4E6C-AC6A-96A6F63B0EFD}" destId="{696270DE-272E-4D1F-9987-8B7158E12E53}" srcOrd="0" destOrd="0" presId="urn:microsoft.com/office/officeart/2018/2/layout/IconCircleList"/>
+    <dgm:cxn modelId="{D632F94A-C5F5-47B9-83E8-95B75B52B614}" type="presParOf" srcId="{F05BBCD0-7CDD-4E6C-AC6A-96A6F63B0EFD}" destId="{82F062BC-271B-4ED6-8E34-0C015E8EFBBA}" srcOrd="1" destOrd="0" presId="urn:microsoft.com/office/officeart/2018/2/layout/IconCircleList"/>
+    <dgm:cxn modelId="{CBEF77B1-B4F3-446E-A82F-2F3B8F84798D}" type="presParOf" srcId="{F05BBCD0-7CDD-4E6C-AC6A-96A6F63B0EFD}" destId="{FBAA992C-9F66-46BC-960E-018A2E9C4EC9}" srcOrd="2" destOrd="0" presId="urn:microsoft.com/office/officeart/2018/2/layout/IconCircleList"/>
+    <dgm:cxn modelId="{C5ED2DE4-D964-4745-85DE-6F47D9594B40}" type="presParOf" srcId="{F05BBCD0-7CDD-4E6C-AC6A-96A6F63B0EFD}" destId="{56899BA7-A21C-4C96-B26A-BA87EB73997C}" srcOrd="3" destOrd="0" presId="urn:microsoft.com/office/officeart/2018/2/layout/IconCircleList"/>
+    <dgm:cxn modelId="{C641BC3F-5A5D-4D28-987C-8FEE171271CE}" type="presParOf" srcId="{A47C9897-C28A-45E1-9385-DA38A2EFE8BB}" destId="{50F5D16E-AE72-414E-9832-5324B4956A5F}" srcOrd="3" destOrd="0" presId="urn:microsoft.com/office/officeart/2018/2/layout/IconCircleList"/>
+    <dgm:cxn modelId="{854E5266-2BBE-4A67-9D9A-190EE09CB013}" type="presParOf" srcId="{A47C9897-C28A-45E1-9385-DA38A2EFE8BB}" destId="{560308F8-AD3A-450F-89DC-0A43EF983653}" srcOrd="4" destOrd="0" presId="urn:microsoft.com/office/officeart/2018/2/layout/IconCircleList"/>
+    <dgm:cxn modelId="{2506CA9B-B383-4CEC-BC70-F154D1BF3F69}" type="presParOf" srcId="{560308F8-AD3A-450F-89DC-0A43EF983653}" destId="{3CDCCE48-FF38-4DC5-B866-B1A778CB8DED}" srcOrd="0" destOrd="0" presId="urn:microsoft.com/office/officeart/2018/2/layout/IconCircleList"/>
+    <dgm:cxn modelId="{462FE260-EFB5-4C24-B11A-04DE031241CA}" type="presParOf" srcId="{560308F8-AD3A-450F-89DC-0A43EF983653}" destId="{2C662354-05A7-4D6F-9C38-3976F33598F1}" srcOrd="1" destOrd="0" presId="urn:microsoft.com/office/officeart/2018/2/layout/IconCircleList"/>
+    <dgm:cxn modelId="{986B9DEF-B551-4EFB-BD9D-9DCE94A93BCA}" type="presParOf" srcId="{560308F8-AD3A-450F-89DC-0A43EF983653}" destId="{31609D8D-6F0A-4782-8F2E-B044B46BFED5}" srcOrd="2" destOrd="0" presId="urn:microsoft.com/office/officeart/2018/2/layout/IconCircleList"/>
+    <dgm:cxn modelId="{4AD2218A-FB0F-452C-A0E2-63AA8D3091D5}" type="presParOf" srcId="{560308F8-AD3A-450F-89DC-0A43EF983653}" destId="{7A603C0D-72D9-4FDE-BDA6-0F59045709E9}" srcOrd="3" destOrd="0" presId="urn:microsoft.com/office/officeart/2018/2/layout/IconCircleList"/>
+  </dgm:cxnLst>
+  <dgm:bg/>
+  <dgm:whole/>
+  <dgm:extLst>
+    <a:ext uri="http://schemas.microsoft.com/office/drawing/2008/diagram">
+      <dsp:dataModelExt xmlns:dsp="http://schemas.microsoft.com/office/drawing/2008/diagram" relId="rId8" minVer="http://schemas.openxmlformats.org/drawingml/2006/diagram"/>
+    </a:ext>
+  </dgm:extLst>
+</dgm:dataModel>
+</file>
+
 <file path=ppt/diagrams/drawing1.xml><?xml version="1.0" encoding="utf-8"?>
+<dsp:drawing xmlns:dgm="http://schemas.openxmlformats.org/drawingml/2006/diagram" xmlns:dsp="http://schemas.microsoft.com/office/drawing/2008/diagram" xmlns:a="http://schemas.openxmlformats.org/drawingml/2006/main">
+  <dsp:spTree>
+    <dsp:nvGrpSpPr>
+      <dsp:cNvPr id="0" name=""/>
+      <dsp:cNvGrpSpPr/>
+    </dsp:nvGrpSpPr>
+    <dsp:grpSpPr/>
+    <dsp:sp modelId="{060A9256-99D9-4143-8376-C02041D0BEAC}">
+      <dsp:nvSpPr>
+        <dsp:cNvPr id="0" name=""/>
+        <dsp:cNvSpPr/>
+      </dsp:nvSpPr>
+      <dsp:spPr>
+        <a:xfrm>
+          <a:off x="1963800" y="335893"/>
+          <a:ext cx="1512000" cy="1512000"/>
+        </a:xfrm>
+        <a:prstGeom prst="rect">
+          <a:avLst/>
+        </a:prstGeom>
+        <a:blipFill>
+          <a:blip xmlns:r="http://schemas.openxmlformats.org/officeDocument/2006/relationships" r:embed="rId1">
+            <a:extLst>
+              <a:ext uri="{28A0092B-C50C-407E-A947-70E740481C1C}">
+                <a14:useLocalDpi xmlns:a14="http://schemas.microsoft.com/office/drawing/2010/main" val="0"/>
+              </a:ext>
+              <a:ext uri="{96DAC541-7B7A-43D3-8B79-37D633B846F1}">
+                <asvg:svgBlip xmlns:asvg="http://schemas.microsoft.com/office/drawing/2016/SVG/main" r:embed="rId2"/>
+              </a:ext>
+            </a:extLst>
+          </a:blip>
+          <a:stretch>
+            <a:fillRect/>
+          </a:stretch>
+        </a:blipFill>
+        <a:ln w="12700" cap="flat" cmpd="sng" algn="ctr">
+          <a:noFill/>
+          <a:prstDash val="solid"/>
+          <a:miter lim="800000"/>
+        </a:ln>
+        <a:effectLst/>
+      </dsp:spPr>
+      <dsp:style>
+        <a:lnRef idx="2">
+          <a:scrgbClr r="0" g="0" b="0"/>
+        </a:lnRef>
+        <a:fillRef idx="1">
+          <a:scrgbClr r="0" g="0" b="0"/>
+        </a:fillRef>
+        <a:effectRef idx="0">
+          <a:scrgbClr r="0" g="0" b="0"/>
+        </a:effectRef>
+        <a:fontRef idx="minor">
+          <a:schemeClr val="lt1"/>
+        </a:fontRef>
+      </dsp:style>
+    </dsp:sp>
+    <dsp:sp modelId="{695EB68A-A117-476F-AA04-A4C994D28B82}">
+      <dsp:nvSpPr>
+        <dsp:cNvPr id="0" name=""/>
+        <dsp:cNvSpPr/>
+      </dsp:nvSpPr>
+      <dsp:spPr>
+        <a:xfrm>
+          <a:off x="559800" y="2006113"/>
+          <a:ext cx="4320000" cy="648000"/>
+        </a:xfrm>
+        <a:prstGeom prst="rect">
+          <a:avLst/>
+        </a:prstGeom>
+        <a:noFill/>
+        <a:ln>
+          <a:noFill/>
+        </a:ln>
+        <a:effectLst/>
+      </dsp:spPr>
+      <dsp:style>
+        <a:lnRef idx="0">
+          <a:scrgbClr r="0" g="0" b="0"/>
+        </a:lnRef>
+        <a:fillRef idx="0">
+          <a:scrgbClr r="0" g="0" b="0"/>
+        </a:fillRef>
+        <a:effectRef idx="0">
+          <a:scrgbClr r="0" g="0" b="0"/>
+        </a:effectRef>
+        <a:fontRef idx="minor"/>
+      </dsp:style>
+      <dsp:txBody>
+        <a:bodyPr spcFirstLastPara="0" vert="horz" wrap="square" lIns="0" tIns="0" rIns="0" bIns="0" numCol="1" spcCol="1270" anchor="t" anchorCtr="0">
+          <a:noAutofit/>
+        </a:bodyPr>
+        <a:lstStyle/>
+        <a:p>
+          <a:pPr marL="0" lvl="0" indent="0" algn="ctr" defTabSz="1600200">
+            <a:lnSpc>
+              <a:spcPct val="90000"/>
+            </a:lnSpc>
+            <a:spcBef>
+              <a:spcPct val="0"/>
+            </a:spcBef>
+            <a:spcAft>
+              <a:spcPct val="35000"/>
+            </a:spcAft>
+            <a:buNone/>
+            <a:defRPr b="1"/>
+          </a:pPr>
+          <a:r>
+            <a:rPr lang="it-IT" sz="3600" kern="1200" dirty="0"/>
+            <a:t>Elezioni</a:t>
+          </a:r>
+          <a:endParaRPr lang="en-US" sz="3600" kern="1200" dirty="0"/>
+        </a:p>
+      </dsp:txBody>
+      <dsp:txXfrm>
+        <a:off x="559800" y="2006113"/>
+        <a:ext cx="4320000" cy="648000"/>
+      </dsp:txXfrm>
+    </dsp:sp>
+    <dsp:sp modelId="{90502953-01B4-467A-A7D8-85C56F92DB67}">
+      <dsp:nvSpPr>
+        <dsp:cNvPr id="0" name=""/>
+        <dsp:cNvSpPr/>
+      </dsp:nvSpPr>
+      <dsp:spPr>
+        <a:xfrm>
+          <a:off x="559800" y="2727704"/>
+          <a:ext cx="4320000" cy="1287740"/>
+        </a:xfrm>
+        <a:prstGeom prst="rect">
+          <a:avLst/>
+        </a:prstGeom>
+        <a:noFill/>
+        <a:ln>
+          <a:noFill/>
+        </a:ln>
+        <a:effectLst/>
+      </dsp:spPr>
+      <dsp:style>
+        <a:lnRef idx="0">
+          <a:scrgbClr r="0" g="0" b="0"/>
+        </a:lnRef>
+        <a:fillRef idx="0">
+          <a:scrgbClr r="0" g="0" b="0"/>
+        </a:fillRef>
+        <a:effectRef idx="0">
+          <a:scrgbClr r="0" g="0" b="0"/>
+        </a:effectRef>
+        <a:fontRef idx="minor"/>
+      </dsp:style>
+      <dsp:txBody>
+        <a:bodyPr spcFirstLastPara="0" vert="horz" wrap="square" lIns="0" tIns="0" rIns="0" bIns="0" numCol="1" spcCol="1270" anchor="t" anchorCtr="0">
+          <a:noAutofit/>
+        </a:bodyPr>
+        <a:lstStyle/>
+        <a:p>
+          <a:pPr marL="0" lvl="0" indent="0" algn="ctr" defTabSz="1066800">
+            <a:lnSpc>
+              <a:spcPct val="90000"/>
+            </a:lnSpc>
+            <a:spcBef>
+              <a:spcPct val="0"/>
+            </a:spcBef>
+            <a:spcAft>
+              <a:spcPct val="35000"/>
+            </a:spcAft>
+            <a:buNone/>
+          </a:pPr>
+          <a:r>
+            <a:rPr lang="it-IT" sz="2400" b="1" i="1" kern="1200" dirty="0"/>
+            <a:t>Server DBMS</a:t>
+          </a:r>
+          <a:endParaRPr lang="en-US" sz="2400" b="1" i="1" kern="1200" dirty="0"/>
+        </a:p>
+      </dsp:txBody>
+      <dsp:txXfrm>
+        <a:off x="559800" y="2727704"/>
+        <a:ext cx="4320000" cy="1287740"/>
+      </dsp:txXfrm>
+    </dsp:sp>
+    <dsp:sp modelId="{FE48CAC1-927A-4452-B58D-DE24AFDB32A6}">
+      <dsp:nvSpPr>
+        <dsp:cNvPr id="0" name=""/>
+        <dsp:cNvSpPr/>
+      </dsp:nvSpPr>
+      <dsp:spPr>
+        <a:xfrm>
+          <a:off x="7039800" y="335893"/>
+          <a:ext cx="1512000" cy="1512000"/>
+        </a:xfrm>
+        <a:prstGeom prst="rect">
+          <a:avLst/>
+        </a:prstGeom>
+        <a:blipFill>
+          <a:blip xmlns:r="http://schemas.openxmlformats.org/officeDocument/2006/relationships" r:embed="rId3">
+            <a:extLst>
+              <a:ext uri="{28A0092B-C50C-407E-A947-70E740481C1C}">
+                <a14:useLocalDpi xmlns:a14="http://schemas.microsoft.com/office/drawing/2010/main" val="0"/>
+              </a:ext>
+              <a:ext uri="{96DAC541-7B7A-43D3-8B79-37D633B846F1}">
+                <asvg:svgBlip xmlns:asvg="http://schemas.microsoft.com/office/drawing/2016/SVG/main" r:embed="rId4"/>
+              </a:ext>
+            </a:extLst>
+          </a:blip>
+          <a:stretch>
+            <a:fillRect/>
+          </a:stretch>
+        </a:blipFill>
+        <a:ln w="12700" cap="flat" cmpd="sng" algn="ctr">
+          <a:noFill/>
+          <a:prstDash val="solid"/>
+          <a:miter lim="800000"/>
+        </a:ln>
+        <a:effectLst/>
+      </dsp:spPr>
+      <dsp:style>
+        <a:lnRef idx="2">
+          <a:scrgbClr r="0" g="0" b="0"/>
+        </a:lnRef>
+        <a:fillRef idx="1">
+          <a:scrgbClr r="0" g="0" b="0"/>
+        </a:fillRef>
+        <a:effectRef idx="0">
+          <a:scrgbClr r="0" g="0" b="0"/>
+        </a:effectRef>
+        <a:fontRef idx="minor">
+          <a:schemeClr val="lt1"/>
+        </a:fontRef>
+      </dsp:style>
+    </dsp:sp>
+    <dsp:sp modelId="{2E0E886B-E3C4-4B91-8FB3-BCB728ED7DB6}">
+      <dsp:nvSpPr>
+        <dsp:cNvPr id="0" name=""/>
+        <dsp:cNvSpPr/>
+      </dsp:nvSpPr>
+      <dsp:spPr>
+        <a:xfrm>
+          <a:off x="5635800" y="2006113"/>
+          <a:ext cx="4320000" cy="648000"/>
+        </a:xfrm>
+        <a:prstGeom prst="rect">
+          <a:avLst/>
+        </a:prstGeom>
+        <a:noFill/>
+        <a:ln>
+          <a:noFill/>
+        </a:ln>
+        <a:effectLst/>
+      </dsp:spPr>
+      <dsp:style>
+        <a:lnRef idx="0">
+          <a:scrgbClr r="0" g="0" b="0"/>
+        </a:lnRef>
+        <a:fillRef idx="0">
+          <a:scrgbClr r="0" g="0" b="0"/>
+        </a:fillRef>
+        <a:effectRef idx="0">
+          <a:scrgbClr r="0" g="0" b="0"/>
+        </a:effectRef>
+        <a:fontRef idx="minor"/>
+      </dsp:style>
+      <dsp:txBody>
+        <a:bodyPr spcFirstLastPara="0" vert="horz" wrap="square" lIns="0" tIns="0" rIns="0" bIns="0" numCol="1" spcCol="1270" anchor="t" anchorCtr="0">
+          <a:noAutofit/>
+        </a:bodyPr>
+        <a:lstStyle/>
+        <a:p>
+          <a:pPr marL="0" lvl="0" indent="0" algn="ctr" defTabSz="1600200">
+            <a:lnSpc>
+              <a:spcPct val="90000"/>
+            </a:lnSpc>
+            <a:spcBef>
+              <a:spcPct val="0"/>
+            </a:spcBef>
+            <a:spcAft>
+              <a:spcPct val="35000"/>
+            </a:spcAft>
+            <a:buNone/>
+            <a:defRPr b="1"/>
+          </a:pPr>
+          <a:r>
+            <a:rPr lang="en-GB" sz="3600" kern="1200" dirty="0"/>
+            <a:t>Log</a:t>
+          </a:r>
+          <a:endParaRPr lang="en-US" sz="3600" kern="1200" dirty="0"/>
+        </a:p>
+      </dsp:txBody>
+      <dsp:txXfrm>
+        <a:off x="5635800" y="2006113"/>
+        <a:ext cx="4320000" cy="648000"/>
+      </dsp:txXfrm>
+    </dsp:sp>
+    <dsp:sp modelId="{6FBE9561-79F9-46FC-9198-2AECB2AC992F}">
+      <dsp:nvSpPr>
+        <dsp:cNvPr id="0" name=""/>
+        <dsp:cNvSpPr/>
+      </dsp:nvSpPr>
+      <dsp:spPr>
+        <a:xfrm>
+          <a:off x="5635800" y="2727704"/>
+          <a:ext cx="4320000" cy="1287740"/>
+        </a:xfrm>
+        <a:prstGeom prst="rect">
+          <a:avLst/>
+        </a:prstGeom>
+        <a:noFill/>
+        <a:ln>
+          <a:noFill/>
+        </a:ln>
+        <a:effectLst/>
+      </dsp:spPr>
+      <dsp:style>
+        <a:lnRef idx="0">
+          <a:scrgbClr r="0" g="0" b="0"/>
+        </a:lnRef>
+        <a:fillRef idx="0">
+          <a:scrgbClr r="0" g="0" b="0"/>
+        </a:fillRef>
+        <a:effectRef idx="0">
+          <a:scrgbClr r="0" g="0" b="0"/>
+        </a:effectRef>
+        <a:fontRef idx="minor"/>
+      </dsp:style>
+      <dsp:txBody>
+        <a:bodyPr spcFirstLastPara="0" vert="horz" wrap="square" lIns="0" tIns="0" rIns="0" bIns="0" numCol="1" spcCol="1270" anchor="t" anchorCtr="0">
+          <a:noAutofit/>
+        </a:bodyPr>
+        <a:lstStyle/>
+        <a:p>
+          <a:pPr marL="0" lvl="0" indent="0" algn="ctr" defTabSz="755650">
+            <a:lnSpc>
+              <a:spcPct val="90000"/>
+            </a:lnSpc>
+            <a:spcBef>
+              <a:spcPct val="0"/>
+            </a:spcBef>
+            <a:spcAft>
+              <a:spcPct val="35000"/>
+            </a:spcAft>
+            <a:buNone/>
+          </a:pPr>
+          <a:r>
+            <a:rPr lang="en-GB" sz="1700" b="1" i="1" kern="1200" dirty="0"/>
+            <a:t>Filesystem</a:t>
+          </a:r>
+          <a:endParaRPr lang="en-US" sz="1700" b="1" i="1" kern="1200" dirty="0"/>
+        </a:p>
+        <a:p>
+          <a:pPr marL="0" lvl="0" indent="0" algn="ctr" defTabSz="755650">
+            <a:lnSpc>
+              <a:spcPct val="90000"/>
+            </a:lnSpc>
+            <a:spcBef>
+              <a:spcPct val="0"/>
+            </a:spcBef>
+            <a:spcAft>
+              <a:spcPct val="35000"/>
+            </a:spcAft>
+            <a:buNone/>
+          </a:pPr>
+          <a:r>
+            <a:rPr lang="en-GB" sz="1700" kern="1200" dirty="0" err="1"/>
+            <a:t>Formato</a:t>
+          </a:r>
+          <a:r>
+            <a:rPr lang="en-GB" sz="1700" kern="1200" dirty="0"/>
+            <a:t> da: </a:t>
+          </a:r>
+          <a:endParaRPr lang="en-US" sz="1700" kern="1200" dirty="0"/>
+        </a:p>
+        <a:p>
+          <a:pPr marL="114300" lvl="1" indent="-114300" algn="ctr" defTabSz="666750">
+            <a:lnSpc>
+              <a:spcPct val="90000"/>
+            </a:lnSpc>
+            <a:spcBef>
+              <a:spcPct val="0"/>
+            </a:spcBef>
+            <a:spcAft>
+              <a:spcPct val="15000"/>
+            </a:spcAft>
+            <a:buChar char="•"/>
+          </a:pPr>
+          <a:r>
+            <a:rPr lang="en-GB" sz="1500" i="1" kern="1200" dirty="0"/>
+            <a:t>Timestamp</a:t>
+          </a:r>
+          <a:endParaRPr lang="en-US" sz="1500" kern="1200" dirty="0"/>
+        </a:p>
+        <a:p>
+          <a:pPr marL="114300" lvl="1" indent="-114300" algn="ctr" defTabSz="666750">
+            <a:lnSpc>
+              <a:spcPct val="90000"/>
+            </a:lnSpc>
+            <a:spcBef>
+              <a:spcPct val="0"/>
+            </a:spcBef>
+            <a:spcAft>
+              <a:spcPct val="15000"/>
+            </a:spcAft>
+            <a:buChar char="•"/>
+          </a:pPr>
+          <a:r>
+            <a:rPr lang="en-GB" sz="1500" i="1" kern="1200" dirty="0" err="1"/>
+            <a:t>Descrizione</a:t>
+          </a:r>
+          <a:endParaRPr lang="en-US" sz="1500" kern="1200" dirty="0"/>
+        </a:p>
+        <a:p>
+          <a:pPr marL="114300" lvl="1" indent="-114300" algn="ctr" defTabSz="666750">
+            <a:lnSpc>
+              <a:spcPct val="90000"/>
+            </a:lnSpc>
+            <a:spcBef>
+              <a:spcPct val="0"/>
+            </a:spcBef>
+            <a:spcAft>
+              <a:spcPct val="15000"/>
+            </a:spcAft>
+            <a:buChar char="•"/>
+          </a:pPr>
+          <a:r>
+            <a:rPr lang="en-GB" sz="1500" i="1" kern="1200" dirty="0" err="1"/>
+            <a:t>Livello</a:t>
+          </a:r>
+          <a:endParaRPr lang="en-US" sz="1500" kern="1200" dirty="0"/>
+        </a:p>
+      </dsp:txBody>
+      <dsp:txXfrm>
+        <a:off x="5635800" y="2727704"/>
+        <a:ext cx="4320000" cy="1287740"/>
+      </dsp:txXfrm>
+    </dsp:sp>
+  </dsp:spTree>
+</dsp:drawing>
+</file>
+
+<file path=ppt/diagrams/drawing2.xml><?xml version="1.0" encoding="utf-8"?>
 <dsp:drawing xmlns:dgm="http://schemas.openxmlformats.org/drawingml/2006/diagram" xmlns:dsp="http://schemas.microsoft.com/office/drawing/2008/diagram" xmlns:a="http://schemas.openxmlformats.org/drawingml/2006/main">
   <dsp:spTree>
     <dsp:nvGrpSpPr>
@@ -3566,11 +6591,164 @@
         <a:ext cx="2114937" cy="897246"/>
       </dsp:txXfrm>
     </dsp:sp>
+    <dsp:sp modelId="{4B901DB7-769C-4BB4-96F0-9632F10383FA}">
+      <dsp:nvSpPr>
+        <dsp:cNvPr id="0" name=""/>
+        <dsp:cNvSpPr/>
+      </dsp:nvSpPr>
+      <dsp:spPr>
+        <a:xfrm>
+          <a:off x="7228536" y="2310092"/>
+          <a:ext cx="897246" cy="897246"/>
+        </a:xfrm>
+        <a:prstGeom prst="ellipse">
+          <a:avLst/>
+        </a:prstGeom>
+        <a:solidFill>
+          <a:schemeClr val="bg1"/>
+        </a:solidFill>
+        <a:ln>
+          <a:noFill/>
+        </a:ln>
+        <a:effectLst/>
+      </dsp:spPr>
+      <dsp:style>
+        <a:lnRef idx="0">
+          <a:scrgbClr r="0" g="0" b="0"/>
+        </a:lnRef>
+        <a:fillRef idx="1">
+          <a:scrgbClr r="0" g="0" b="0"/>
+        </a:fillRef>
+        <a:effectRef idx="0">
+          <a:scrgbClr r="0" g="0" b="0"/>
+        </a:effectRef>
+        <a:fontRef idx="minor"/>
+      </dsp:style>
+    </dsp:sp>
+    <dsp:sp modelId="{ADE65215-70F5-4F11-9C00-98E87E2E93ED}">
+      <dsp:nvSpPr>
+        <dsp:cNvPr id="0" name=""/>
+        <dsp:cNvSpPr/>
+      </dsp:nvSpPr>
+      <dsp:spPr>
+        <a:xfrm>
+          <a:off x="7416958" y="2498514"/>
+          <a:ext cx="520402" cy="520402"/>
+        </a:xfrm>
+        <a:prstGeom prst="rect">
+          <a:avLst/>
+        </a:prstGeom>
+        <a:blipFill>
+          <a:blip xmlns:r="http://schemas.openxmlformats.org/officeDocument/2006/relationships" r:embed="rId10"/>
+          <a:srcRect/>
+          <a:stretch>
+            <a:fillRect/>
+          </a:stretch>
+        </a:blipFill>
+        <a:ln w="12700" cap="flat" cmpd="sng" algn="ctr">
+          <a:solidFill>
+            <a:schemeClr val="lt1">
+              <a:alpha val="0"/>
+              <a:hueOff val="0"/>
+              <a:satOff val="0"/>
+              <a:lumOff val="0"/>
+              <a:alphaOff val="0"/>
+            </a:schemeClr>
+          </a:solidFill>
+          <a:prstDash val="solid"/>
+          <a:miter lim="800000"/>
+        </a:ln>
+        <a:effectLst/>
+      </dsp:spPr>
+      <dsp:style>
+        <a:lnRef idx="2">
+          <a:scrgbClr r="0" g="0" b="0"/>
+        </a:lnRef>
+        <a:fillRef idx="1">
+          <a:scrgbClr r="0" g="0" b="0"/>
+        </a:fillRef>
+        <a:effectRef idx="0">
+          <a:scrgbClr r="0" g="0" b="0"/>
+        </a:effectRef>
+        <a:fontRef idx="minor">
+          <a:schemeClr val="lt1"/>
+        </a:fontRef>
+      </dsp:style>
+    </dsp:sp>
+    <dsp:sp modelId="{24EE28D7-EBA6-4A84-BE60-3DC3737CE788}">
+      <dsp:nvSpPr>
+        <dsp:cNvPr id="0" name=""/>
+        <dsp:cNvSpPr/>
+      </dsp:nvSpPr>
+      <dsp:spPr>
+        <a:xfrm>
+          <a:off x="8318049" y="2310092"/>
+          <a:ext cx="2114937" cy="897246"/>
+        </a:xfrm>
+        <a:prstGeom prst="rect">
+          <a:avLst/>
+        </a:prstGeom>
+        <a:noFill/>
+        <a:ln>
+          <a:noFill/>
+        </a:ln>
+        <a:effectLst/>
+      </dsp:spPr>
+      <dsp:style>
+        <a:lnRef idx="0">
+          <a:scrgbClr r="0" g="0" b="0"/>
+        </a:lnRef>
+        <a:fillRef idx="0">
+          <a:scrgbClr r="0" g="0" b="0"/>
+        </a:fillRef>
+        <a:effectRef idx="0">
+          <a:scrgbClr r="0" g="0" b="0"/>
+        </a:effectRef>
+        <a:fontRef idx="minor"/>
+      </dsp:style>
+      <dsp:txBody>
+        <a:bodyPr spcFirstLastPara="0" vert="horz" wrap="square" lIns="0" tIns="0" rIns="0" bIns="0" numCol="1" spcCol="1270" anchor="ctr" anchorCtr="0">
+          <a:noAutofit/>
+        </a:bodyPr>
+        <a:lstStyle/>
+        <a:p>
+          <a:pPr marL="0" lvl="0" indent="0" algn="l" defTabSz="1066800">
+            <a:lnSpc>
+              <a:spcPct val="100000"/>
+            </a:lnSpc>
+            <a:spcBef>
+              <a:spcPct val="0"/>
+            </a:spcBef>
+            <a:spcAft>
+              <a:spcPct val="35000"/>
+            </a:spcAft>
+            <a:buNone/>
+          </a:pPr>
+          <a:r>
+            <a:rPr lang="it-IT" sz="2400" kern="1200" baseline="0" dirty="0">
+              <a:solidFill>
+                <a:srgbClr val="1A877A"/>
+              </a:solidFill>
+            </a:rPr>
+            <a:t>My</a:t>
+          </a:r>
+          <a:r>
+            <a:rPr lang="it-IT" sz="2400" kern="1200" baseline="0" dirty="0"/>
+            <a:t>SQL</a:t>
+          </a:r>
+          <a:endParaRPr lang="en-GB" sz="2400" kern="1200" baseline="0" dirty="0"/>
+        </a:p>
+      </dsp:txBody>
+      <dsp:txXfrm>
+        <a:off x="8318049" y="2310092"/>
+        <a:ext cx="2114937" cy="897246"/>
+      </dsp:txXfrm>
+    </dsp:sp>
   </dsp:spTree>
 </dsp:drawing>
 </file>
 
-<file path=ppt/diagrams/drawing2.xml><?xml version="1.0" encoding="utf-8"?>
+<file path=ppt/diagrams/drawing3.xml><?xml version="1.0" encoding="utf-8"?>
 <dsp:drawing xmlns:dgm="http://schemas.openxmlformats.org/drawingml/2006/diagram" xmlns:dsp="http://schemas.microsoft.com/office/drawing/2008/diagram" xmlns:a="http://schemas.openxmlformats.org/drawingml/2006/main">
   <dsp:spTree>
     <dsp:nvGrpSpPr>
@@ -3592,22 +6770,10 @@
           <a:avLst/>
         </a:prstGeom>
         <a:solidFill>
-          <a:schemeClr val="accent1">
-            <a:hueOff val="0"/>
-            <a:satOff val="0"/>
-            <a:lumOff val="0"/>
-            <a:alphaOff val="0"/>
-          </a:schemeClr>
+          <a:srgbClr val="0C01D3"/>
         </a:solidFill>
         <a:ln w="12700" cap="flat" cmpd="sng" algn="ctr">
-          <a:solidFill>
-            <a:schemeClr val="lt1">
-              <a:hueOff val="0"/>
-              <a:satOff val="0"/>
-              <a:lumOff val="0"/>
-              <a:alphaOff val="0"/>
-            </a:schemeClr>
-          </a:solidFill>
+          <a:noFill/>
           <a:prstDash val="solid"/>
           <a:miter lim="800000"/>
         </a:ln>
@@ -3671,22 +6837,10 @@
           <a:avLst/>
         </a:prstGeom>
         <a:solidFill>
-          <a:schemeClr val="accent1">
-            <a:hueOff val="0"/>
-            <a:satOff val="0"/>
-            <a:lumOff val="0"/>
-            <a:alphaOff val="0"/>
-          </a:schemeClr>
+          <a:srgbClr val="0C01D3"/>
         </a:solidFill>
         <a:ln w="12700" cap="flat" cmpd="sng" algn="ctr">
-          <a:solidFill>
-            <a:schemeClr val="lt1">
-              <a:hueOff val="0"/>
-              <a:satOff val="0"/>
-              <a:lumOff val="0"/>
-              <a:alphaOff val="0"/>
-            </a:schemeClr>
-          </a:solidFill>
+          <a:noFill/>
           <a:prstDash val="solid"/>
           <a:miter lim="800000"/>
         </a:ln>
@@ -3750,22 +6904,10 @@
           <a:avLst/>
         </a:prstGeom>
         <a:solidFill>
-          <a:schemeClr val="accent1">
-            <a:hueOff val="0"/>
-            <a:satOff val="0"/>
-            <a:lumOff val="0"/>
-            <a:alphaOff val="0"/>
-          </a:schemeClr>
+          <a:srgbClr val="0C01D3"/>
         </a:solidFill>
         <a:ln w="12700" cap="flat" cmpd="sng" algn="ctr">
-          <a:solidFill>
-            <a:schemeClr val="lt1">
-              <a:hueOff val="0"/>
-              <a:satOff val="0"/>
-              <a:lumOff val="0"/>
-              <a:alphaOff val="0"/>
-            </a:schemeClr>
-          </a:solidFill>
+          <a:noFill/>
           <a:prstDash val="solid"/>
           <a:miter lim="800000"/>
         </a:ln>
@@ -3829,22 +6971,10 @@
           <a:avLst/>
         </a:prstGeom>
         <a:solidFill>
-          <a:schemeClr val="accent1">
-            <a:hueOff val="0"/>
-            <a:satOff val="0"/>
-            <a:lumOff val="0"/>
-            <a:alphaOff val="0"/>
-          </a:schemeClr>
+          <a:srgbClr val="0C01D3"/>
         </a:solidFill>
         <a:ln w="12700" cap="flat" cmpd="sng" algn="ctr">
-          <a:solidFill>
-            <a:schemeClr val="lt1">
-              <a:hueOff val="0"/>
-              <a:satOff val="0"/>
-              <a:lumOff val="0"/>
-              <a:alphaOff val="0"/>
-            </a:schemeClr>
-          </a:solidFill>
+          <a:noFill/>
           <a:prstDash val="solid"/>
           <a:miter lim="800000"/>
         </a:ln>
@@ -3908,22 +7038,10 @@
           <a:avLst/>
         </a:prstGeom>
         <a:solidFill>
-          <a:schemeClr val="accent1">
-            <a:hueOff val="0"/>
-            <a:satOff val="0"/>
-            <a:lumOff val="0"/>
-            <a:alphaOff val="0"/>
-          </a:schemeClr>
+          <a:srgbClr val="0C01D3"/>
         </a:solidFill>
         <a:ln w="12700" cap="flat" cmpd="sng" algn="ctr">
-          <a:solidFill>
-            <a:schemeClr val="lt1">
-              <a:hueOff val="0"/>
-              <a:satOff val="0"/>
-              <a:lumOff val="0"/>
-              <a:alphaOff val="0"/>
-            </a:schemeClr>
-          </a:solidFill>
+          <a:noFill/>
           <a:prstDash val="solid"/>
           <a:miter lim="800000"/>
         </a:ln>
@@ -3977,7 +7095,667 @@
 </dsp:drawing>
 </file>
 
+<file path=ppt/diagrams/drawing4.xml><?xml version="1.0" encoding="utf-8"?>
+<dsp:drawing xmlns:dgm="http://schemas.openxmlformats.org/drawingml/2006/diagram" xmlns:dsp="http://schemas.microsoft.com/office/drawing/2008/diagram" xmlns:a="http://schemas.openxmlformats.org/drawingml/2006/main">
+  <dsp:spTree>
+    <dsp:nvGrpSpPr>
+      <dsp:cNvPr id="0" name=""/>
+      <dsp:cNvGrpSpPr/>
+    </dsp:nvGrpSpPr>
+    <dsp:grpSpPr/>
+    <dsp:sp modelId="{43B6FCFD-E576-4B06-A34E-01D64D4F3051}">
+      <dsp:nvSpPr>
+        <dsp:cNvPr id="0" name=""/>
+        <dsp:cNvSpPr/>
+      </dsp:nvSpPr>
+      <dsp:spPr>
+        <a:xfrm>
+          <a:off x="82613" y="1525815"/>
+          <a:ext cx="897246" cy="897246"/>
+        </a:xfrm>
+        <a:prstGeom prst="ellipse">
+          <a:avLst/>
+        </a:prstGeom>
+        <a:solidFill>
+          <a:schemeClr val="bg1">
+            <a:lumMod val="95000"/>
+            <a:hueOff val="0"/>
+            <a:satOff val="0"/>
+            <a:lumOff val="0"/>
+            <a:alphaOff val="0"/>
+          </a:schemeClr>
+        </a:solidFill>
+        <a:ln>
+          <a:noFill/>
+        </a:ln>
+        <a:effectLst/>
+      </dsp:spPr>
+      <dsp:style>
+        <a:lnRef idx="0">
+          <a:scrgbClr r="0" g="0" b="0"/>
+        </a:lnRef>
+        <a:fillRef idx="1">
+          <a:scrgbClr r="0" g="0" b="0"/>
+        </a:fillRef>
+        <a:effectRef idx="0">
+          <a:scrgbClr r="0" g="0" b="0"/>
+        </a:effectRef>
+        <a:fontRef idx="minor"/>
+      </dsp:style>
+    </dsp:sp>
+    <dsp:sp modelId="{10B058EB-DA9D-413A-9463-E421D52D72DC}">
+      <dsp:nvSpPr>
+        <dsp:cNvPr id="0" name=""/>
+        <dsp:cNvSpPr/>
+      </dsp:nvSpPr>
+      <dsp:spPr>
+        <a:xfrm>
+          <a:off x="271034" y="1714236"/>
+          <a:ext cx="520402" cy="520402"/>
+        </a:xfrm>
+        <a:prstGeom prst="rect">
+          <a:avLst/>
+        </a:prstGeom>
+        <a:blipFill>
+          <a:blip xmlns:r="http://schemas.openxmlformats.org/officeDocument/2006/relationships" r:embed="rId1"/>
+          <a:srcRect/>
+          <a:stretch>
+            <a:fillRect/>
+          </a:stretch>
+        </a:blipFill>
+        <a:ln w="12700" cap="flat" cmpd="sng" algn="ctr">
+          <a:solidFill>
+            <a:schemeClr val="lt1">
+              <a:alpha val="0"/>
+              <a:hueOff val="0"/>
+              <a:satOff val="0"/>
+              <a:lumOff val="0"/>
+              <a:alphaOff val="0"/>
+            </a:schemeClr>
+          </a:solidFill>
+          <a:prstDash val="solid"/>
+          <a:miter lim="800000"/>
+        </a:ln>
+        <a:effectLst/>
+      </dsp:spPr>
+      <dsp:style>
+        <a:lnRef idx="2">
+          <a:scrgbClr r="0" g="0" b="0"/>
+        </a:lnRef>
+        <a:fillRef idx="1">
+          <a:scrgbClr r="0" g="0" b="0"/>
+        </a:fillRef>
+        <a:effectRef idx="0">
+          <a:scrgbClr r="0" g="0" b="0"/>
+        </a:effectRef>
+        <a:fontRef idx="minor">
+          <a:schemeClr val="lt1"/>
+        </a:fontRef>
+      </dsp:style>
+    </dsp:sp>
+    <dsp:sp modelId="{AA337BEF-27F1-457A-8911-5EBC3E38D095}">
+      <dsp:nvSpPr>
+        <dsp:cNvPr id="0" name=""/>
+        <dsp:cNvSpPr/>
+      </dsp:nvSpPr>
+      <dsp:spPr>
+        <a:xfrm>
+          <a:off x="1172126" y="1525815"/>
+          <a:ext cx="2114937" cy="897246"/>
+        </a:xfrm>
+        <a:prstGeom prst="rect">
+          <a:avLst/>
+        </a:prstGeom>
+        <a:noFill/>
+        <a:ln>
+          <a:noFill/>
+        </a:ln>
+        <a:effectLst/>
+      </dsp:spPr>
+      <dsp:style>
+        <a:lnRef idx="0">
+          <a:scrgbClr r="0" g="0" b="0"/>
+        </a:lnRef>
+        <a:fillRef idx="0">
+          <a:scrgbClr r="0" g="0" b="0"/>
+        </a:fillRef>
+        <a:effectRef idx="0">
+          <a:scrgbClr r="0" g="0" b="0"/>
+        </a:effectRef>
+        <a:fontRef idx="minor"/>
+      </dsp:style>
+      <dsp:txBody>
+        <a:bodyPr spcFirstLastPara="0" vert="horz" wrap="square" lIns="0" tIns="0" rIns="0" bIns="0" numCol="1" spcCol="1270" anchor="ctr" anchorCtr="0">
+          <a:noAutofit/>
+        </a:bodyPr>
+        <a:lstStyle/>
+        <a:p>
+          <a:pPr marL="0" lvl="0" indent="0" algn="l" defTabSz="1066800">
+            <a:lnSpc>
+              <a:spcPct val="100000"/>
+            </a:lnSpc>
+            <a:spcBef>
+              <a:spcPct val="0"/>
+            </a:spcBef>
+            <a:spcAft>
+              <a:spcPct val="35000"/>
+            </a:spcAft>
+            <a:buNone/>
+          </a:pPr>
+          <a:r>
+            <a:rPr lang="it-IT" sz="2400" kern="1200"/>
+            <a:t>Sicurezza</a:t>
+          </a:r>
+          <a:endParaRPr lang="en-US" sz="2400" kern="1200"/>
+        </a:p>
+      </dsp:txBody>
+      <dsp:txXfrm>
+        <a:off x="1172126" y="1525815"/>
+        <a:ext cx="2114937" cy="897246"/>
+      </dsp:txXfrm>
+    </dsp:sp>
+    <dsp:sp modelId="{696270DE-272E-4D1F-9987-8B7158E12E53}">
+      <dsp:nvSpPr>
+        <dsp:cNvPr id="0" name=""/>
+        <dsp:cNvSpPr/>
+      </dsp:nvSpPr>
+      <dsp:spPr>
+        <a:xfrm>
+          <a:off x="3655575" y="1525815"/>
+          <a:ext cx="897246" cy="897246"/>
+        </a:xfrm>
+        <a:prstGeom prst="ellipse">
+          <a:avLst/>
+        </a:prstGeom>
+        <a:solidFill>
+          <a:schemeClr val="bg1"/>
+        </a:solidFill>
+        <a:ln>
+          <a:noFill/>
+        </a:ln>
+        <a:effectLst/>
+      </dsp:spPr>
+      <dsp:style>
+        <a:lnRef idx="0">
+          <a:scrgbClr r="0" g="0" b="0"/>
+        </a:lnRef>
+        <a:fillRef idx="1">
+          <a:scrgbClr r="0" g="0" b="0"/>
+        </a:fillRef>
+        <a:effectRef idx="0">
+          <a:scrgbClr r="0" g="0" b="0"/>
+        </a:effectRef>
+        <a:fontRef idx="minor"/>
+      </dsp:style>
+    </dsp:sp>
+    <dsp:sp modelId="{82F062BC-271B-4ED6-8E34-0C015E8EFBBA}">
+      <dsp:nvSpPr>
+        <dsp:cNvPr id="0" name=""/>
+        <dsp:cNvSpPr/>
+      </dsp:nvSpPr>
+      <dsp:spPr>
+        <a:xfrm>
+          <a:off x="3843996" y="1714236"/>
+          <a:ext cx="520402" cy="520402"/>
+        </a:xfrm>
+        <a:prstGeom prst="rect">
+          <a:avLst/>
+        </a:prstGeom>
+        <a:blipFill>
+          <a:blip xmlns:r="http://schemas.openxmlformats.org/officeDocument/2006/relationships" r:embed="rId2"/>
+          <a:srcRect/>
+          <a:stretch>
+            <a:fillRect/>
+          </a:stretch>
+        </a:blipFill>
+        <a:ln w="12700" cap="flat" cmpd="sng" algn="ctr">
+          <a:solidFill>
+            <a:schemeClr val="lt1">
+              <a:alpha val="0"/>
+              <a:hueOff val="0"/>
+              <a:satOff val="0"/>
+              <a:lumOff val="0"/>
+              <a:alphaOff val="0"/>
+            </a:schemeClr>
+          </a:solidFill>
+          <a:prstDash val="solid"/>
+          <a:miter lim="800000"/>
+        </a:ln>
+        <a:effectLst/>
+      </dsp:spPr>
+      <dsp:style>
+        <a:lnRef idx="2">
+          <a:scrgbClr r="0" g="0" b="0"/>
+        </a:lnRef>
+        <a:fillRef idx="1">
+          <a:scrgbClr r="0" g="0" b="0"/>
+        </a:fillRef>
+        <a:effectRef idx="0">
+          <a:scrgbClr r="0" g="0" b="0"/>
+        </a:effectRef>
+        <a:fontRef idx="minor">
+          <a:schemeClr val="lt1"/>
+        </a:fontRef>
+      </dsp:style>
+    </dsp:sp>
+    <dsp:sp modelId="{56899BA7-A21C-4C96-B26A-BA87EB73997C}">
+      <dsp:nvSpPr>
+        <dsp:cNvPr id="0" name=""/>
+        <dsp:cNvSpPr/>
+      </dsp:nvSpPr>
+      <dsp:spPr>
+        <a:xfrm>
+          <a:off x="4745088" y="1525815"/>
+          <a:ext cx="2114937" cy="897246"/>
+        </a:xfrm>
+        <a:prstGeom prst="rect">
+          <a:avLst/>
+        </a:prstGeom>
+        <a:noFill/>
+        <a:ln>
+          <a:noFill/>
+        </a:ln>
+        <a:effectLst/>
+      </dsp:spPr>
+      <dsp:style>
+        <a:lnRef idx="0">
+          <a:scrgbClr r="0" g="0" b="0"/>
+        </a:lnRef>
+        <a:fillRef idx="0">
+          <a:scrgbClr r="0" g="0" b="0"/>
+        </a:fillRef>
+        <a:effectRef idx="0">
+          <a:scrgbClr r="0" g="0" b="0"/>
+        </a:effectRef>
+        <a:fontRef idx="minor"/>
+      </dsp:style>
+      <dsp:txBody>
+        <a:bodyPr spcFirstLastPara="0" vert="horz" wrap="square" lIns="0" tIns="0" rIns="0" bIns="0" numCol="1" spcCol="1270" anchor="ctr" anchorCtr="0">
+          <a:noAutofit/>
+        </a:bodyPr>
+        <a:lstStyle/>
+        <a:p>
+          <a:pPr marL="0" lvl="0" indent="0" algn="l" defTabSz="1066800">
+            <a:lnSpc>
+              <a:spcPct val="100000"/>
+            </a:lnSpc>
+            <a:spcBef>
+              <a:spcPct val="0"/>
+            </a:spcBef>
+            <a:spcAft>
+              <a:spcPct val="35000"/>
+            </a:spcAft>
+            <a:buNone/>
+          </a:pPr>
+          <a:r>
+            <a:rPr lang="it-IT" sz="2400" kern="1200" dirty="0"/>
+            <a:t>Anonimato</a:t>
+          </a:r>
+          <a:endParaRPr lang="en-US" sz="2400" kern="1200" dirty="0"/>
+        </a:p>
+      </dsp:txBody>
+      <dsp:txXfrm>
+        <a:off x="4745088" y="1525815"/>
+        <a:ext cx="2114937" cy="897246"/>
+      </dsp:txXfrm>
+    </dsp:sp>
+    <dsp:sp modelId="{3CDCCE48-FF38-4DC5-B866-B1A778CB8DED}">
+      <dsp:nvSpPr>
+        <dsp:cNvPr id="0" name=""/>
+        <dsp:cNvSpPr/>
+      </dsp:nvSpPr>
+      <dsp:spPr>
+        <a:xfrm>
+          <a:off x="7228536" y="1525815"/>
+          <a:ext cx="897246" cy="897246"/>
+        </a:xfrm>
+        <a:prstGeom prst="ellipse">
+          <a:avLst/>
+        </a:prstGeom>
+        <a:solidFill>
+          <a:schemeClr val="bg1">
+            <a:lumMod val="95000"/>
+            <a:hueOff val="0"/>
+            <a:satOff val="0"/>
+            <a:lumOff val="0"/>
+            <a:alphaOff val="0"/>
+          </a:schemeClr>
+        </a:solidFill>
+        <a:ln>
+          <a:noFill/>
+        </a:ln>
+        <a:effectLst/>
+      </dsp:spPr>
+      <dsp:style>
+        <a:lnRef idx="0">
+          <a:scrgbClr r="0" g="0" b="0"/>
+        </a:lnRef>
+        <a:fillRef idx="1">
+          <a:scrgbClr r="0" g="0" b="0"/>
+        </a:fillRef>
+        <a:effectRef idx="0">
+          <a:scrgbClr r="0" g="0" b="0"/>
+        </a:effectRef>
+        <a:fontRef idx="minor"/>
+      </dsp:style>
+    </dsp:sp>
+    <dsp:sp modelId="{2C662354-05A7-4D6F-9C38-3976F33598F1}">
+      <dsp:nvSpPr>
+        <dsp:cNvPr id="0" name=""/>
+        <dsp:cNvSpPr/>
+      </dsp:nvSpPr>
+      <dsp:spPr>
+        <a:xfrm>
+          <a:off x="7416958" y="1714236"/>
+          <a:ext cx="520402" cy="520402"/>
+        </a:xfrm>
+        <a:prstGeom prst="rect">
+          <a:avLst/>
+        </a:prstGeom>
+        <a:blipFill>
+          <a:blip xmlns:r="http://schemas.openxmlformats.org/officeDocument/2006/relationships" r:embed="rId3"/>
+          <a:srcRect/>
+          <a:stretch>
+            <a:fillRect/>
+          </a:stretch>
+        </a:blipFill>
+        <a:ln w="12700" cap="flat" cmpd="sng" algn="ctr">
+          <a:solidFill>
+            <a:schemeClr val="lt1">
+              <a:alpha val="0"/>
+              <a:hueOff val="0"/>
+              <a:satOff val="0"/>
+              <a:lumOff val="0"/>
+              <a:alphaOff val="0"/>
+            </a:schemeClr>
+          </a:solidFill>
+          <a:prstDash val="solid"/>
+          <a:miter lim="800000"/>
+        </a:ln>
+        <a:effectLst/>
+      </dsp:spPr>
+      <dsp:style>
+        <a:lnRef idx="2">
+          <a:scrgbClr r="0" g="0" b="0"/>
+        </a:lnRef>
+        <a:fillRef idx="1">
+          <a:scrgbClr r="0" g="0" b="0"/>
+        </a:fillRef>
+        <a:effectRef idx="0">
+          <a:scrgbClr r="0" g="0" b="0"/>
+        </a:effectRef>
+        <a:fontRef idx="minor">
+          <a:schemeClr val="lt1"/>
+        </a:fontRef>
+      </dsp:style>
+    </dsp:sp>
+    <dsp:sp modelId="{7A603C0D-72D9-4FDE-BDA6-0F59045709E9}">
+      <dsp:nvSpPr>
+        <dsp:cNvPr id="0" name=""/>
+        <dsp:cNvSpPr/>
+      </dsp:nvSpPr>
+      <dsp:spPr>
+        <a:xfrm>
+          <a:off x="8318049" y="1525815"/>
+          <a:ext cx="2114937" cy="897246"/>
+        </a:xfrm>
+        <a:prstGeom prst="rect">
+          <a:avLst/>
+        </a:prstGeom>
+        <a:noFill/>
+        <a:ln>
+          <a:noFill/>
+        </a:ln>
+        <a:effectLst/>
+      </dsp:spPr>
+      <dsp:style>
+        <a:lnRef idx="0">
+          <a:scrgbClr r="0" g="0" b="0"/>
+        </a:lnRef>
+        <a:fillRef idx="0">
+          <a:scrgbClr r="0" g="0" b="0"/>
+        </a:fillRef>
+        <a:effectRef idx="0">
+          <a:scrgbClr r="0" g="0" b="0"/>
+        </a:effectRef>
+        <a:fontRef idx="minor"/>
+      </dsp:style>
+      <dsp:txBody>
+        <a:bodyPr spcFirstLastPara="0" vert="horz" wrap="square" lIns="0" tIns="0" rIns="0" bIns="0" numCol="1" spcCol="1270" anchor="ctr" anchorCtr="0">
+          <a:noAutofit/>
+        </a:bodyPr>
+        <a:lstStyle/>
+        <a:p>
+          <a:pPr marL="0" lvl="0" indent="0" algn="l" defTabSz="1066800">
+            <a:lnSpc>
+              <a:spcPct val="100000"/>
+            </a:lnSpc>
+            <a:spcBef>
+              <a:spcPct val="0"/>
+            </a:spcBef>
+            <a:spcAft>
+              <a:spcPct val="35000"/>
+            </a:spcAft>
+            <a:buNone/>
+          </a:pPr>
+          <a:r>
+            <a:rPr lang="it-IT" sz="2400" kern="1200"/>
+            <a:t>Riservatezza</a:t>
+          </a:r>
+          <a:endParaRPr lang="en-US" sz="2400" kern="1200"/>
+        </a:p>
+      </dsp:txBody>
+      <dsp:txXfrm>
+        <a:off x="8318049" y="1525815"/>
+        <a:ext cx="2114937" cy="897246"/>
+      </dsp:txXfrm>
+    </dsp:sp>
+  </dsp:spTree>
+</dsp:drawing>
+</file>
+
 <file path=ppt/diagrams/layout1.xml><?xml version="1.0" encoding="utf-8"?>
+<dgm:layoutDef xmlns:dgm="http://schemas.openxmlformats.org/drawingml/2006/diagram" xmlns:a="http://schemas.openxmlformats.org/drawingml/2006/main" uniqueId="urn:microsoft.com/office/officeart/2018/5/layout/CenteredIconLabelDescriptionList">
+  <dgm:title val="Centered Icon Label Description List"/>
+  <dgm:desc val="Use to show non-sequential or grouped chunks of information. The placeholder holds an icon or small picture, and corresponding text boxes show Level 1 and Level 2 text respectively. Works well for minimal Level 1 text accompanied by lengthier Level two text."/>
+  <dgm:catLst>
+    <dgm:cat type="icon" pri="500"/>
+  </dgm:catLst>
+  <dgm:sampData useDef="1">
+    <dgm:dataModel>
+      <dgm:ptLst/>
+      <dgm:bg/>
+      <dgm:whole/>
+    </dgm:dataModel>
+  </dgm:sampData>
+  <dgm:styleData useDef="1">
+    <dgm:dataModel>
+      <dgm:ptLst/>
+      <dgm:bg/>
+      <dgm:whole/>
+    </dgm:dataModel>
+  </dgm:styleData>
+  <dgm:clrData useDef="1">
+    <dgm:dataModel>
+      <dgm:ptLst/>
+      <dgm:bg/>
+      <dgm:whole/>
+    </dgm:dataModel>
+  </dgm:clrData>
+  <dgm:layoutNode name="root">
+    <dgm:varLst>
+      <dgm:dir/>
+      <dgm:resizeHandles val="exact"/>
+    </dgm:varLst>
+    <dgm:choose name="Name0">
+      <dgm:if name="Name1" axis="self" func="var" arg="dir" op="equ" val="norm">
+        <dgm:alg type="lin"/>
+      </dgm:if>
+      <dgm:else name="Name2">
+        <dgm:alg type="lin">
+          <dgm:param type="linDir" val="fromR"/>
+        </dgm:alg>
+      </dgm:else>
+    </dgm:choose>
+    <dgm:shape xmlns:r="http://schemas.openxmlformats.org/officeDocument/2006/relationships" r:blip="">
+      <dgm:adjLst/>
+    </dgm:shape>
+    <dgm:presOf/>
+    <dgm:constrLst>
+      <dgm:constr type="h" for="ch" forName="compNode" refType="h" fact="0.45"/>
+      <dgm:constr type="w" for="ch" forName="compNode" val="120"/>
+      <dgm:constr type="w" for="ch" forName="sibTrans" refType="w" refFor="ch" refForName="compNode" fact="0.175"/>
+      <dgm:constr type="primFontSz" for="des" forName="parTx" val="36"/>
+      <dgm:constr type="primFontSz" for="des" forName="desTx" refType="primFontSz" refFor="des" refForName="parTx" op="lte" fact="0.75"/>
+      <dgm:constr type="h" for="des" forName="compNode" op="equ"/>
+      <dgm:constr type="h" for="des" forName="iconRect" op="equ"/>
+      <dgm:constr type="w" for="des" forName="iconRect" op="equ"/>
+      <dgm:constr type="h" for="des" forName="iconSpace" op="equ"/>
+      <dgm:constr type="h" for="des" forName="parTx" op="equ"/>
+      <dgm:constr type="h" for="des" forName="txSpace" op="equ"/>
+      <dgm:constr type="h" for="des" forName="desTx" op="equ"/>
+    </dgm:constrLst>
+    <dgm:ruleLst>
+      <dgm:rule type="w" for="ch" forName="compNode" val="0" fact="NaN" max="NaN"/>
+    </dgm:ruleLst>
+    <dgm:forEach name="Name3" axis="ch" ptType="node">
+      <dgm:layoutNode name="compNode">
+        <dgm:alg type="composite"/>
+        <dgm:shape xmlns:r="http://schemas.openxmlformats.org/officeDocument/2006/relationships" r:blip="">
+          <dgm:adjLst/>
+        </dgm:shape>
+        <dgm:presOf axis="self"/>
+        <dgm:constrLst>
+          <dgm:constr type="w" for="ch" forName="iconRect" refType="w" fact="0.35"/>
+          <dgm:constr type="h" for="ch" forName="iconRect" refType="w" refFor="ch" refForName="iconRect"/>
+          <dgm:constr type="ctrX" for="ch" forName="iconRect" refType="w" fact="0.5"/>
+          <dgm:constr type="t" for="ch" forName="iconRect"/>
+          <dgm:constr type="w" for="ch" forName="iconSpace" refType="w"/>
+          <dgm:constr type="h" for="ch" forName="iconSpace" refType="h" fact="0.043"/>
+          <dgm:constr type="l" for="ch" forName="iconSpace"/>
+          <dgm:constr type="t" for="ch" forName="iconSpace" refType="b" refFor="ch" refForName="iconRect"/>
+          <dgm:constr type="w" for="ch" forName="parTx" refType="w"/>
+          <dgm:constr type="h" for="ch" forName="parTx" refType="w" fact="0.15"/>
+          <dgm:constr type="l" for="ch" forName="parTx"/>
+          <dgm:constr type="t" for="ch" forName="parTx" refType="b" refFor="ch" refForName="iconSpace"/>
+          <dgm:constr type="h" for="ch" forName="txSpace" refType="h" fact="0.02"/>
+          <dgm:constr type="w" for="ch" forName="txSpace" refType="w"/>
+          <dgm:constr type="l" for="ch" forName="txSpace"/>
+          <dgm:constr type="t" for="ch" forName="txSpace" refType="b" refFor="ch" refForName="parTx"/>
+          <dgm:constr type="w" for="ch" forName="desTx" refType="w"/>
+          <dgm:constr type="l" for="ch" forName="desTx"/>
+          <dgm:constr type="t" for="ch" forName="desTx" refType="b" refFor="ch" refForName="txSpace"/>
+        </dgm:constrLst>
+        <dgm:ruleLst>
+          <dgm:rule type="h" val="INF" fact="NaN" max="NaN"/>
+        </dgm:ruleLst>
+        <dgm:layoutNode name="iconRect" styleLbl="node1">
+          <dgm:alg type="sp"/>
+          <dgm:shape xmlns:r="http://schemas.openxmlformats.org/officeDocument/2006/relationships" type="rect" r:blip="" blipPhldr="1">
+            <dgm:adjLst/>
+          </dgm:shape>
+          <dgm:presOf/>
+          <dgm:constrLst/>
+          <dgm:ruleLst/>
+        </dgm:layoutNode>
+        <dgm:layoutNode name="iconSpace">
+          <dgm:alg type="sp"/>
+          <dgm:shape xmlns:r="http://schemas.openxmlformats.org/officeDocument/2006/relationships" r:blip="">
+            <dgm:adjLst/>
+          </dgm:shape>
+          <dgm:presOf/>
+          <dgm:constrLst/>
+          <dgm:ruleLst/>
+        </dgm:layoutNode>
+        <dgm:layoutNode name="parTx" styleLbl="revTx">
+          <dgm:varLst>
+            <dgm:chMax val="0"/>
+            <dgm:chPref val="0"/>
+          </dgm:varLst>
+          <dgm:alg type="tx">
+            <dgm:param type="txAnchorVert" val="t"/>
+          </dgm:alg>
+          <dgm:shape xmlns:r="http://schemas.openxmlformats.org/officeDocument/2006/relationships" type="rect" r:blip="">
+            <dgm:adjLst/>
+          </dgm:shape>
+          <dgm:presOf axis="self" ptType="node"/>
+          <dgm:constrLst>
+            <dgm:constr type="lMarg"/>
+            <dgm:constr type="rMarg"/>
+            <dgm:constr type="tMarg"/>
+            <dgm:constr type="bMarg"/>
+          </dgm:constrLst>
+          <dgm:ruleLst>
+            <dgm:rule type="primFontSz" val="14" fact="NaN" max="NaN"/>
+            <dgm:rule type="h" val="INF" fact="NaN" max="NaN"/>
+          </dgm:ruleLst>
+        </dgm:layoutNode>
+        <dgm:layoutNode name="txSpace">
+          <dgm:alg type="sp"/>
+          <dgm:shape xmlns:r="http://schemas.openxmlformats.org/officeDocument/2006/relationships" r:blip="">
+            <dgm:adjLst/>
+          </dgm:shape>
+          <dgm:presOf/>
+          <dgm:constrLst/>
+          <dgm:ruleLst/>
+        </dgm:layoutNode>
+        <dgm:layoutNode name="desTx" styleLbl="revTx">
+          <dgm:varLst/>
+          <dgm:alg type="tx">
+            <dgm:param type="stBulletLvl" val="0"/>
+            <dgm:param type="txAnchorVert" val="t"/>
+          </dgm:alg>
+          <dgm:shape xmlns:r="http://schemas.openxmlformats.org/officeDocument/2006/relationships" type="rect" r:blip="">
+            <dgm:adjLst/>
+          </dgm:shape>
+          <dgm:presOf axis="des" ptType="node"/>
+          <dgm:constrLst>
+            <dgm:constr type="secFontSz" refType="primFontSz"/>
+            <dgm:constr type="lMarg"/>
+            <dgm:constr type="rMarg"/>
+            <dgm:constr type="tMarg"/>
+            <dgm:constr type="bMarg"/>
+          </dgm:constrLst>
+          <dgm:ruleLst>
+            <dgm:rule type="primFontSz" val="NaN" fact="NaN" max="17"/>
+            <dgm:rule type="h" val="INF" fact="NaN" max="NaN"/>
+          </dgm:ruleLst>
+        </dgm:layoutNode>
+      </dgm:layoutNode>
+      <dgm:forEach name="Name4" axis="followSib" ptType="sibTrans" cnt="1">
+        <dgm:layoutNode name="sibTrans">
+          <dgm:alg type="sp"/>
+          <dgm:shape xmlns:r="http://schemas.openxmlformats.org/officeDocument/2006/relationships" r:blip="">
+            <dgm:adjLst/>
+          </dgm:shape>
+          <dgm:presOf axis="self"/>
+          <dgm:constrLst/>
+          <dgm:ruleLst/>
+        </dgm:layoutNode>
+      </dgm:forEach>
+    </dgm:forEach>
+  </dgm:layoutNode>
+  <dgm:extLst>
+    <a:ext uri="{68A01E43-0DF5-4B5B-8FA6-DAF915123BFB}">
+      <dgm1612:lstStyle xmlns:dgm1612="http://schemas.microsoft.com/office/drawing/2016/12/diagram">
+        <a:lvl1pPr>
+          <a:lnSpc>
+            <a:spcPct val="100000"/>
+          </a:lnSpc>
+          <a:defRPr b="1"/>
+        </a:lvl1pPr>
+        <a:lvl2pPr>
+          <a:lnSpc>
+            <a:spcPct val="100000"/>
+          </a:lnSpc>
+        </a:lvl2pPr>
+      </dgm1612:lstStyle>
+    </a:ext>
+  </dgm:extLst>
+</dgm:layoutDef>
+</file>
+
+<file path=ppt/diagrams/layout2.xml><?xml version="1.0" encoding="utf-8"?>
 <dgm:layoutDef xmlns:dgm="http://schemas.openxmlformats.org/drawingml/2006/diagram" xmlns:a="http://schemas.openxmlformats.org/drawingml/2006/main" uniqueId="urn:microsoft.com/office/officeart/2018/2/layout/IconCircleList">
   <dgm:title val="Icon Circle List"/>
   <dgm:desc val="Use to show non-sequential or grouped chunks of information accompanied by related visuals. Circular shapes can hold an icon or small picture and corresponding text box shows Level 1 text. Works best for icons or small pictures with medium-length descriptions."/>
@@ -4189,7 +7967,7 @@
 </dgm:layoutDef>
 </file>
 
-<file path=ppt/diagrams/layout2.xml><?xml version="1.0" encoding="utf-8"?>
+<file path=ppt/diagrams/layout3.xml><?xml version="1.0" encoding="utf-8"?>
 <dgm:layoutDef xmlns:dgm="http://schemas.openxmlformats.org/drawingml/2006/diagram" xmlns:a="http://schemas.openxmlformats.org/drawingml/2006/main" uniqueId="urn:microsoft.com/office/officeart/2005/8/layout/vList2">
   <dgm:title val=""/>
   <dgm:desc val=""/>
@@ -4356,6 +8134,218 @@
 </dgm:layoutDef>
 </file>
 
+<file path=ppt/diagrams/layout4.xml><?xml version="1.0" encoding="utf-8"?>
+<dgm:layoutDef xmlns:dgm="http://schemas.openxmlformats.org/drawingml/2006/diagram" xmlns:a="http://schemas.openxmlformats.org/drawingml/2006/main" uniqueId="urn:microsoft.com/office/officeart/2018/2/layout/IconCircleList">
+  <dgm:title val="Icon Circle List"/>
+  <dgm:desc val="Use to show non-sequential or grouped chunks of information accompanied by related visuals. Circular shapes can hold an icon or small picture and corresponding text box shows Level 1 text. Works best for icons or small pictures with medium-length descriptions."/>
+  <dgm:catLst>
+    <dgm:cat type="icon" pri="500"/>
+  </dgm:catLst>
+  <dgm:sampData useDef="1">
+    <dgm:dataModel>
+      <dgm:ptLst/>
+      <dgm:bg/>
+      <dgm:whole/>
+    </dgm:dataModel>
+  </dgm:sampData>
+  <dgm:styleData useDef="1">
+    <dgm:dataModel>
+      <dgm:ptLst/>
+      <dgm:bg/>
+      <dgm:whole/>
+    </dgm:dataModel>
+  </dgm:styleData>
+  <dgm:clrData useDef="1">
+    <dgm:dataModel>
+      <dgm:ptLst/>
+      <dgm:bg/>
+      <dgm:whole/>
+    </dgm:dataModel>
+  </dgm:clrData>
+  <dgm:layoutNode name="root">
+    <dgm:varLst>
+      <dgm:dir/>
+      <dgm:resizeHandles val="exact"/>
+    </dgm:varLst>
+    <dgm:alg type="sp"/>
+    <dgm:shape xmlns:r="http://schemas.openxmlformats.org/officeDocument/2006/relationships" r:blip="">
+      <dgm:adjLst/>
+    </dgm:shape>
+    <dgm:presOf/>
+    <dgm:choose name="Name0">
+      <dgm:if name="Name1" axis="ch" ptType="node" func="cnt" op="lte" val="3">
+        <dgm:constrLst>
+          <dgm:constr type="w" for="ch" forName="container" refType="w"/>
+          <dgm:constr type="h" for="ch" forName="container" refType="h" fact="0.4"/>
+        </dgm:constrLst>
+      </dgm:if>
+      <dgm:else name="Name2">
+        <dgm:constrLst>
+          <dgm:constr type="w" for="ch" forName="container" refType="w"/>
+          <dgm:constr type="h" for="ch" forName="container" refType="h"/>
+        </dgm:constrLst>
+      </dgm:else>
+    </dgm:choose>
+    <dgm:ruleLst>
+      <dgm:rule type="h" for="ch" forName="container" val="INF" fact="NaN" max="NaN"/>
+    </dgm:ruleLst>
+    <dgm:layoutNode name="container">
+      <dgm:varLst>
+        <dgm:dir/>
+        <dgm:resizeHandles val="exact"/>
+      </dgm:varLst>
+      <dgm:choose name="Name3">
+        <dgm:if name="Name4" axis="self" func="var" arg="dir" op="equ" val="norm">
+          <dgm:alg type="snake">
+            <dgm:param type="grDir" val="tL"/>
+            <dgm:param type="flowDir" val="row"/>
+            <dgm:param type="contDir" val="sameDir"/>
+          </dgm:alg>
+        </dgm:if>
+        <dgm:else name="Name5">
+          <dgm:alg type="snake">
+            <dgm:param type="grDir" val="tR"/>
+            <dgm:param type="flowDir" val="row"/>
+            <dgm:param type="contDir" val="sameDir"/>
+          </dgm:alg>
+        </dgm:else>
+      </dgm:choose>
+      <dgm:shape xmlns:r="http://schemas.openxmlformats.org/officeDocument/2006/relationships" r:blip="">
+        <dgm:adjLst/>
+      </dgm:shape>
+      <dgm:presOf/>
+      <dgm:constrLst>
+        <dgm:constr type="w" for="ch" forName="compNode" refType="w"/>
+        <dgm:constr type="h" for="ch" forName="compNode" refType="w" fact="0.28"/>
+        <dgm:constr type="w" for="ch" forName="sibTrans" refType="w" refFor="ch" refForName="compNode" fact="0.115"/>
+        <dgm:constr type="sp" refType="h" op="equ" fact="0.17"/>
+        <dgm:constr type="primFontSz" for="des" ptType="node" op="equ" val="24"/>
+        <dgm:constr type="h" for="des" forName="compNode" op="equ"/>
+        <dgm:constr type="h" for="des" forName="iconBgRect" op="equ"/>
+      </dgm:constrLst>
+      <dgm:ruleLst>
+        <dgm:rule type="w" for="ch" forName="compNode" val="60" fact="NaN" max="NaN"/>
+      </dgm:ruleLst>
+      <dgm:forEach name="Name6" axis="ch" ptType="node">
+        <dgm:layoutNode name="compNode">
+          <dgm:alg type="composite"/>
+          <dgm:shape xmlns:r="http://schemas.openxmlformats.org/officeDocument/2006/relationships" r:blip="">
+            <dgm:adjLst/>
+          </dgm:shape>
+          <dgm:presOf axis="self"/>
+          <dgm:constrLst>
+            <dgm:constr type="w" for="ch" forName="iconBgRect" refType="w" fact="0.28"/>
+            <dgm:constr type="h" for="ch" forName="iconBgRect" refType="w" refFor="ch" refForName="iconBgRect"/>
+            <dgm:constr type="t" for="ch" forName="iconBgRect"/>
+            <dgm:constr type="l" for="ch" forName="iconBgRect"/>
+            <dgm:constr type="w" for="ch" forName="iconRect" refType="w" refFor="ch" refForName="iconBgRect" fact="0.58"/>
+            <dgm:constr type="h" for="ch" forName="iconRect" refType="w" refFor="ch" refForName="iconRect"/>
+            <dgm:constr type="ctrX" for="ch" forName="iconRect" refType="ctrX" refFor="ch" refForName="iconBgRect"/>
+            <dgm:constr type="ctrY" for="ch" forName="iconRect" refType="ctrY" refFor="ch" refForName="iconBgRect"/>
+            <dgm:constr type="w" for="ch" forName="spaceRect" refType="w" fact="0.06"/>
+            <dgm:constr type="h" for="ch" forName="spaceRect" refType="h" refFor="ch" refForName="iconBgRect"/>
+            <dgm:constr type="t" for="ch" forName="spaceRect" refType="t" refFor="ch" refForName="iconBgRect"/>
+            <dgm:constr type="l" for="ch" forName="spaceRect" refType="r" refFor="ch" refForName="iconBgRect"/>
+            <dgm:constr type="h" for="ch" forName="textRect" refType="h" refFor="ch" refForName="iconBgRect"/>
+            <dgm:constr type="t" for="ch" forName="textRect" refType="t" refFor="ch" refForName="iconBgRect"/>
+            <dgm:constr type="l" for="ch" forName="textRect" refType="r" refFor="ch" refForName="spaceRect"/>
+          </dgm:constrLst>
+          <dgm:ruleLst/>
+          <dgm:layoutNode name="iconBgRect" styleLbl="bgShp">
+            <dgm:alg type="sp"/>
+            <dgm:shape xmlns:r="http://schemas.openxmlformats.org/officeDocument/2006/relationships" type="ellipse" r:blip="">
+              <dgm:adjLst/>
+            </dgm:shape>
+            <dgm:presOf/>
+            <dgm:constrLst/>
+            <dgm:ruleLst/>
+          </dgm:layoutNode>
+          <dgm:layoutNode name="iconRect" styleLbl="node1">
+            <dgm:alg type="sp"/>
+            <dgm:shape xmlns:r="http://schemas.openxmlformats.org/officeDocument/2006/relationships" type="rect" r:blip="" blipPhldr="1">
+              <dgm:adjLst/>
+            </dgm:shape>
+            <dgm:presOf/>
+            <dgm:constrLst/>
+            <dgm:ruleLst/>
+          </dgm:layoutNode>
+          <dgm:layoutNode name="spaceRect">
+            <dgm:alg type="sp"/>
+            <dgm:shape xmlns:r="http://schemas.openxmlformats.org/officeDocument/2006/relationships" r:blip="">
+              <dgm:adjLst/>
+            </dgm:shape>
+            <dgm:presOf/>
+            <dgm:constrLst/>
+            <dgm:ruleLst/>
+          </dgm:layoutNode>
+          <dgm:layoutNode name="textRect" styleLbl="revTx">
+            <dgm:varLst>
+              <dgm:chMax val="1"/>
+              <dgm:chPref val="1"/>
+            </dgm:varLst>
+            <dgm:choose name="Name7">
+              <dgm:if name="Name8" func="var" arg="dir" op="equ" val="norm">
+                <dgm:alg type="tx">
+                  <dgm:param type="txAnchorVert" val="mid"/>
+                  <dgm:param type="parTxLTRAlign" val="l"/>
+                  <dgm:param type="shpTxLTRAlignCh" val="l"/>
+                  <dgm:param type="parTxRTLAlign" val="l"/>
+                  <dgm:param type="shpTxRTLAlignCh" val="l"/>
+                </dgm:alg>
+              </dgm:if>
+              <dgm:else name="Name9">
+                <dgm:alg type="tx">
+                  <dgm:param type="txAnchorVert" val="mid"/>
+                  <dgm:param type="parTxLTRAlign" val="r"/>
+                  <dgm:param type="shpTxLTRAlignCh" val="r"/>
+                  <dgm:param type="parTxRTLAlign" val="r"/>
+                  <dgm:param type="shpTxRTLAlignCh" val="r"/>
+                </dgm:alg>
+              </dgm:else>
+            </dgm:choose>
+            <dgm:shape xmlns:r="http://schemas.openxmlformats.org/officeDocument/2006/relationships" type="rect" r:blip="">
+              <dgm:adjLst/>
+            </dgm:shape>
+            <dgm:presOf axis="self" ptType="node"/>
+            <dgm:constrLst>
+              <dgm:constr type="lMarg"/>
+              <dgm:constr type="rMarg"/>
+              <dgm:constr type="tMarg"/>
+              <dgm:constr type="bMarg"/>
+            </dgm:constrLst>
+            <dgm:ruleLst>
+              <dgm:rule type="primFontSz" val="11" fact="NaN" max="NaN"/>
+            </dgm:ruleLst>
+          </dgm:layoutNode>
+        </dgm:layoutNode>
+        <dgm:forEach name="Name10" axis="followSib" ptType="sibTrans" cnt="1">
+          <dgm:layoutNode name="sibTrans">
+            <dgm:alg type="sp"/>
+            <dgm:shape xmlns:r="http://schemas.openxmlformats.org/officeDocument/2006/relationships" type="rect" r:blip="" hideGeom="1">
+              <dgm:adjLst/>
+            </dgm:shape>
+            <dgm:presOf axis="self"/>
+            <dgm:constrLst/>
+            <dgm:ruleLst/>
+          </dgm:layoutNode>
+        </dgm:forEach>
+      </dgm:forEach>
+    </dgm:layoutNode>
+  </dgm:layoutNode>
+  <dgm:extLst>
+    <a:ext uri="{68A01E43-0DF5-4B5B-8FA6-DAF915123BFB}">
+      <dgm1612:lstStyle xmlns:dgm1612="http://schemas.microsoft.com/office/drawing/2016/12/diagram">
+        <a:lvl1pPr>
+          <a:lnSpc>
+            <a:spcPct val="100000"/>
+          </a:lnSpc>
+        </a:lvl1pPr>
+      </dgm1612:lstStyle>
+    </a:ext>
+  </dgm:extLst>
+</dgm:layoutDef>
+</file>
+
 <file path=ppt/diagrams/quickStyle1.xml><?xml version="1.0" encoding="utf-8"?>
 <dgm:styleDef xmlns:dgm="http://schemas.openxmlformats.org/drawingml/2006/diagram" xmlns:a="http://schemas.openxmlformats.org/drawingml/2006/main" uniqueId="urn:microsoft.com/office/officeart/2005/8/quickstyle/simple1">
   <dgm:title val=""/>
@@ -5391,6 +9381,2074 @@
 </file>
 
 <file path=ppt/diagrams/quickStyle2.xml><?xml version="1.0" encoding="utf-8"?>
+<dgm:styleDef xmlns:dgm="http://schemas.openxmlformats.org/drawingml/2006/diagram" xmlns:a="http://schemas.openxmlformats.org/drawingml/2006/main" uniqueId="urn:microsoft.com/office/officeart/2005/8/quickstyle/simple1">
+  <dgm:title val=""/>
+  <dgm:desc val=""/>
+  <dgm:catLst>
+    <dgm:cat type="simple" pri="10100"/>
+  </dgm:catLst>
+  <dgm:scene3d>
+    <a:camera prst="orthographicFront"/>
+    <a:lightRig rig="threePt" dir="t"/>
+  </dgm:scene3d>
+  <dgm:styleLbl name="node0">
+    <dgm:scene3d>
+      <a:camera prst="orthographicFront"/>
+      <a:lightRig rig="threePt" dir="t"/>
+    </dgm:scene3d>
+    <dgm:sp3d/>
+    <dgm:txPr/>
+    <dgm:style>
+      <a:lnRef idx="2">
+        <a:scrgbClr r="0" g="0" b="0"/>
+      </a:lnRef>
+      <a:fillRef idx="1">
+        <a:scrgbClr r="0" g="0" b="0"/>
+      </a:fillRef>
+      <a:effectRef idx="0">
+        <a:scrgbClr r="0" g="0" b="0"/>
+      </a:effectRef>
+      <a:fontRef idx="minor">
+        <a:schemeClr val="lt1"/>
+      </a:fontRef>
+    </dgm:style>
+  </dgm:styleLbl>
+  <dgm:styleLbl name="lnNode1">
+    <dgm:scene3d>
+      <a:camera prst="orthographicFront"/>
+      <a:lightRig rig="threePt" dir="t"/>
+    </dgm:scene3d>
+    <dgm:sp3d/>
+    <dgm:txPr/>
+    <dgm:style>
+      <a:lnRef idx="2">
+        <a:scrgbClr r="0" g="0" b="0"/>
+      </a:lnRef>
+      <a:fillRef idx="1">
+        <a:scrgbClr r="0" g="0" b="0"/>
+      </a:fillRef>
+      <a:effectRef idx="0">
+        <a:scrgbClr r="0" g="0" b="0"/>
+      </a:effectRef>
+      <a:fontRef idx="minor">
+        <a:schemeClr val="lt1"/>
+      </a:fontRef>
+    </dgm:style>
+  </dgm:styleLbl>
+  <dgm:styleLbl name="vennNode1">
+    <dgm:scene3d>
+      <a:camera prst="orthographicFront"/>
+      <a:lightRig rig="threePt" dir="t"/>
+    </dgm:scene3d>
+    <dgm:sp3d/>
+    <dgm:txPr/>
+    <dgm:style>
+      <a:lnRef idx="2">
+        <a:scrgbClr r="0" g="0" b="0"/>
+      </a:lnRef>
+      <a:fillRef idx="1">
+        <a:scrgbClr r="0" g="0" b="0"/>
+      </a:fillRef>
+      <a:effectRef idx="0">
+        <a:scrgbClr r="0" g="0" b="0"/>
+      </a:effectRef>
+      <a:fontRef idx="minor">
+        <a:schemeClr val="tx1"/>
+      </a:fontRef>
+    </dgm:style>
+  </dgm:styleLbl>
+  <dgm:styleLbl name="alignNode1">
+    <dgm:scene3d>
+      <a:camera prst="orthographicFront"/>
+      <a:lightRig rig="threePt" dir="t"/>
+    </dgm:scene3d>
+    <dgm:sp3d/>
+    <dgm:txPr/>
+    <dgm:style>
+      <a:lnRef idx="2">
+        <a:scrgbClr r="0" g="0" b="0"/>
+      </a:lnRef>
+      <a:fillRef idx="1">
+        <a:scrgbClr r="0" g="0" b="0"/>
+      </a:fillRef>
+      <a:effectRef idx="0">
+        <a:scrgbClr r="0" g="0" b="0"/>
+      </a:effectRef>
+      <a:fontRef idx="minor">
+        <a:schemeClr val="lt1"/>
+      </a:fontRef>
+    </dgm:style>
+  </dgm:styleLbl>
+  <dgm:styleLbl name="node1">
+    <dgm:scene3d>
+      <a:camera prst="orthographicFront"/>
+      <a:lightRig rig="threePt" dir="t"/>
+    </dgm:scene3d>
+    <dgm:sp3d/>
+    <dgm:txPr/>
+    <dgm:style>
+      <a:lnRef idx="2">
+        <a:scrgbClr r="0" g="0" b="0"/>
+      </a:lnRef>
+      <a:fillRef idx="1">
+        <a:scrgbClr r="0" g="0" b="0"/>
+      </a:fillRef>
+      <a:effectRef idx="0">
+        <a:scrgbClr r="0" g="0" b="0"/>
+      </a:effectRef>
+      <a:fontRef idx="minor">
+        <a:schemeClr val="lt1"/>
+      </a:fontRef>
+    </dgm:style>
+  </dgm:styleLbl>
+  <dgm:styleLbl name="node2">
+    <dgm:scene3d>
+      <a:camera prst="orthographicFront"/>
+      <a:lightRig rig="threePt" dir="t"/>
+    </dgm:scene3d>
+    <dgm:sp3d/>
+    <dgm:txPr/>
+    <dgm:style>
+      <a:lnRef idx="2">
+        <a:scrgbClr r="0" g="0" b="0"/>
+      </a:lnRef>
+      <a:fillRef idx="1">
+        <a:scrgbClr r="0" g="0" b="0"/>
+      </a:fillRef>
+      <a:effectRef idx="0">
+        <a:scrgbClr r="0" g="0" b="0"/>
+      </a:effectRef>
+      <a:fontRef idx="minor">
+        <a:schemeClr val="lt1"/>
+      </a:fontRef>
+    </dgm:style>
+  </dgm:styleLbl>
+  <dgm:styleLbl name="node3">
+    <dgm:scene3d>
+      <a:camera prst="orthographicFront"/>
+      <a:lightRig rig="threePt" dir="t"/>
+    </dgm:scene3d>
+    <dgm:sp3d/>
+    <dgm:txPr/>
+    <dgm:style>
+      <a:lnRef idx="2">
+        <a:scrgbClr r="0" g="0" b="0"/>
+      </a:lnRef>
+      <a:fillRef idx="1">
+        <a:scrgbClr r="0" g="0" b="0"/>
+      </a:fillRef>
+      <a:effectRef idx="0">
+        <a:scrgbClr r="0" g="0" b="0"/>
+      </a:effectRef>
+      <a:fontRef idx="minor">
+        <a:schemeClr val="lt1"/>
+      </a:fontRef>
+    </dgm:style>
+  </dgm:styleLbl>
+  <dgm:styleLbl name="node4">
+    <dgm:scene3d>
+      <a:camera prst="orthographicFront"/>
+      <a:lightRig rig="threePt" dir="t"/>
+    </dgm:scene3d>
+    <dgm:sp3d/>
+    <dgm:txPr/>
+    <dgm:style>
+      <a:lnRef idx="2">
+        <a:scrgbClr r="0" g="0" b="0"/>
+      </a:lnRef>
+      <a:fillRef idx="1">
+        <a:scrgbClr r="0" g="0" b="0"/>
+      </a:fillRef>
+      <a:effectRef idx="0">
+        <a:scrgbClr r="0" g="0" b="0"/>
+      </a:effectRef>
+      <a:fontRef idx="minor">
+        <a:schemeClr val="lt1"/>
+      </a:fontRef>
+    </dgm:style>
+  </dgm:styleLbl>
+  <dgm:styleLbl name="fgImgPlace1">
+    <dgm:scene3d>
+      <a:camera prst="orthographicFront"/>
+      <a:lightRig rig="threePt" dir="t"/>
+    </dgm:scene3d>
+    <dgm:sp3d/>
+    <dgm:txPr/>
+    <dgm:style>
+      <a:lnRef idx="2">
+        <a:scrgbClr r="0" g="0" b="0"/>
+      </a:lnRef>
+      <a:fillRef idx="1">
+        <a:scrgbClr r="0" g="0" b="0"/>
+      </a:fillRef>
+      <a:effectRef idx="0">
+        <a:scrgbClr r="0" g="0" b="0"/>
+      </a:effectRef>
+      <a:fontRef idx="minor"/>
+    </dgm:style>
+  </dgm:styleLbl>
+  <dgm:styleLbl name="alignImgPlace1">
+    <dgm:scene3d>
+      <a:camera prst="orthographicFront"/>
+      <a:lightRig rig="threePt" dir="t"/>
+    </dgm:scene3d>
+    <dgm:sp3d/>
+    <dgm:txPr/>
+    <dgm:style>
+      <a:lnRef idx="2">
+        <a:scrgbClr r="0" g="0" b="0"/>
+      </a:lnRef>
+      <a:fillRef idx="1">
+        <a:scrgbClr r="0" g="0" b="0"/>
+      </a:fillRef>
+      <a:effectRef idx="0">
+        <a:scrgbClr r="0" g="0" b="0"/>
+      </a:effectRef>
+      <a:fontRef idx="minor"/>
+    </dgm:style>
+  </dgm:styleLbl>
+  <dgm:styleLbl name="bgImgPlace1">
+    <dgm:scene3d>
+      <a:camera prst="orthographicFront"/>
+      <a:lightRig rig="threePt" dir="t"/>
+    </dgm:scene3d>
+    <dgm:sp3d/>
+    <dgm:txPr/>
+    <dgm:style>
+      <a:lnRef idx="2">
+        <a:scrgbClr r="0" g="0" b="0"/>
+      </a:lnRef>
+      <a:fillRef idx="1">
+        <a:scrgbClr r="0" g="0" b="0"/>
+      </a:fillRef>
+      <a:effectRef idx="0">
+        <a:scrgbClr r="0" g="0" b="0"/>
+      </a:effectRef>
+      <a:fontRef idx="minor"/>
+    </dgm:style>
+  </dgm:styleLbl>
+  <dgm:styleLbl name="sibTrans2D1">
+    <dgm:scene3d>
+      <a:camera prst="orthographicFront"/>
+      <a:lightRig rig="threePt" dir="t"/>
+    </dgm:scene3d>
+    <dgm:sp3d/>
+    <dgm:txPr/>
+    <dgm:style>
+      <a:lnRef idx="0">
+        <a:scrgbClr r="0" g="0" b="0"/>
+      </a:lnRef>
+      <a:fillRef idx="1">
+        <a:scrgbClr r="0" g="0" b="0"/>
+      </a:fillRef>
+      <a:effectRef idx="0">
+        <a:scrgbClr r="0" g="0" b="0"/>
+      </a:effectRef>
+      <a:fontRef idx="minor">
+        <a:schemeClr val="lt1"/>
+      </a:fontRef>
+    </dgm:style>
+  </dgm:styleLbl>
+  <dgm:styleLbl name="fgSibTrans2D1">
+    <dgm:scene3d>
+      <a:camera prst="orthographicFront"/>
+      <a:lightRig rig="threePt" dir="t"/>
+    </dgm:scene3d>
+    <dgm:sp3d/>
+    <dgm:txPr/>
+    <dgm:style>
+      <a:lnRef idx="0">
+        <a:scrgbClr r="0" g="0" b="0"/>
+      </a:lnRef>
+      <a:fillRef idx="1">
+        <a:scrgbClr r="0" g="0" b="0"/>
+      </a:fillRef>
+      <a:effectRef idx="0">
+        <a:scrgbClr r="0" g="0" b="0"/>
+      </a:effectRef>
+      <a:fontRef idx="minor">
+        <a:schemeClr val="lt1"/>
+      </a:fontRef>
+    </dgm:style>
+  </dgm:styleLbl>
+  <dgm:styleLbl name="bgSibTrans2D1">
+    <dgm:scene3d>
+      <a:camera prst="orthographicFront"/>
+      <a:lightRig rig="threePt" dir="t"/>
+    </dgm:scene3d>
+    <dgm:sp3d/>
+    <dgm:txPr/>
+    <dgm:style>
+      <a:lnRef idx="0">
+        <a:scrgbClr r="0" g="0" b="0"/>
+      </a:lnRef>
+      <a:fillRef idx="1">
+        <a:scrgbClr r="0" g="0" b="0"/>
+      </a:fillRef>
+      <a:effectRef idx="0">
+        <a:scrgbClr r="0" g="0" b="0"/>
+      </a:effectRef>
+      <a:fontRef idx="minor">
+        <a:schemeClr val="lt1"/>
+      </a:fontRef>
+    </dgm:style>
+  </dgm:styleLbl>
+  <dgm:styleLbl name="sibTrans1D1">
+    <dgm:scene3d>
+      <a:camera prst="orthographicFront"/>
+      <a:lightRig rig="threePt" dir="t"/>
+    </dgm:scene3d>
+    <dgm:sp3d/>
+    <dgm:txPr/>
+    <dgm:style>
+      <a:lnRef idx="1">
+        <a:scrgbClr r="0" g="0" b="0"/>
+      </a:lnRef>
+      <a:fillRef idx="0">
+        <a:scrgbClr r="0" g="0" b="0"/>
+      </a:fillRef>
+      <a:effectRef idx="0">
+        <a:scrgbClr r="0" g="0" b="0"/>
+      </a:effectRef>
+      <a:fontRef idx="minor"/>
+    </dgm:style>
+  </dgm:styleLbl>
+  <dgm:styleLbl name="callout">
+    <dgm:scene3d>
+      <a:camera prst="orthographicFront"/>
+      <a:lightRig rig="threePt" dir="t"/>
+    </dgm:scene3d>
+    <dgm:sp3d/>
+    <dgm:txPr/>
+    <dgm:style>
+      <a:lnRef idx="2">
+        <a:scrgbClr r="0" g="0" b="0"/>
+      </a:lnRef>
+      <a:fillRef idx="1">
+        <a:scrgbClr r="0" g="0" b="0"/>
+      </a:fillRef>
+      <a:effectRef idx="0">
+        <a:scrgbClr r="0" g="0" b="0"/>
+      </a:effectRef>
+      <a:fontRef idx="minor"/>
+    </dgm:style>
+  </dgm:styleLbl>
+  <dgm:styleLbl name="asst0">
+    <dgm:scene3d>
+      <a:camera prst="orthographicFront"/>
+      <a:lightRig rig="threePt" dir="t"/>
+    </dgm:scene3d>
+    <dgm:sp3d/>
+    <dgm:txPr/>
+    <dgm:style>
+      <a:lnRef idx="2">
+        <a:scrgbClr r="0" g="0" b="0"/>
+      </a:lnRef>
+      <a:fillRef idx="1">
+        <a:scrgbClr r="0" g="0" b="0"/>
+      </a:fillRef>
+      <a:effectRef idx="0">
+        <a:scrgbClr r="0" g="0" b="0"/>
+      </a:effectRef>
+      <a:fontRef idx="minor">
+        <a:schemeClr val="lt1"/>
+      </a:fontRef>
+    </dgm:style>
+  </dgm:styleLbl>
+  <dgm:styleLbl name="asst1">
+    <dgm:scene3d>
+      <a:camera prst="orthographicFront"/>
+      <a:lightRig rig="threePt" dir="t"/>
+    </dgm:scene3d>
+    <dgm:sp3d/>
+    <dgm:txPr/>
+    <dgm:style>
+      <a:lnRef idx="2">
+        <a:scrgbClr r="0" g="0" b="0"/>
+      </a:lnRef>
+      <a:fillRef idx="1">
+        <a:scrgbClr r="0" g="0" b="0"/>
+      </a:fillRef>
+      <a:effectRef idx="0">
+        <a:scrgbClr r="0" g="0" b="0"/>
+      </a:effectRef>
+      <a:fontRef idx="minor">
+        <a:schemeClr val="lt1"/>
+      </a:fontRef>
+    </dgm:style>
+  </dgm:styleLbl>
+  <dgm:styleLbl name="asst2">
+    <dgm:scene3d>
+      <a:camera prst="orthographicFront"/>
+      <a:lightRig rig="threePt" dir="t"/>
+    </dgm:scene3d>
+    <dgm:sp3d/>
+    <dgm:txPr/>
+    <dgm:style>
+      <a:lnRef idx="2">
+        <a:scrgbClr r="0" g="0" b="0"/>
+      </a:lnRef>
+      <a:fillRef idx="1">
+        <a:scrgbClr r="0" g="0" b="0"/>
+      </a:fillRef>
+      <a:effectRef idx="0">
+        <a:scrgbClr r="0" g="0" b="0"/>
+      </a:effectRef>
+      <a:fontRef idx="minor">
+        <a:schemeClr val="lt1"/>
+      </a:fontRef>
+    </dgm:style>
+  </dgm:styleLbl>
+  <dgm:styleLbl name="asst3">
+    <dgm:scene3d>
+      <a:camera prst="orthographicFront"/>
+      <a:lightRig rig="threePt" dir="t"/>
+    </dgm:scene3d>
+    <dgm:sp3d/>
+    <dgm:txPr/>
+    <dgm:style>
+      <a:lnRef idx="2">
+        <a:scrgbClr r="0" g="0" b="0"/>
+      </a:lnRef>
+      <a:fillRef idx="1">
+        <a:scrgbClr r="0" g="0" b="0"/>
+      </a:fillRef>
+      <a:effectRef idx="0">
+        <a:scrgbClr r="0" g="0" b="0"/>
+      </a:effectRef>
+      <a:fontRef idx="minor">
+        <a:schemeClr val="lt1"/>
+      </a:fontRef>
+    </dgm:style>
+  </dgm:styleLbl>
+  <dgm:styleLbl name="asst4">
+    <dgm:scene3d>
+      <a:camera prst="orthographicFront"/>
+      <a:lightRig rig="threePt" dir="t"/>
+    </dgm:scene3d>
+    <dgm:sp3d/>
+    <dgm:txPr/>
+    <dgm:style>
+      <a:lnRef idx="2">
+        <a:scrgbClr r="0" g="0" b="0"/>
+      </a:lnRef>
+      <a:fillRef idx="1">
+        <a:scrgbClr r="0" g="0" b="0"/>
+      </a:fillRef>
+      <a:effectRef idx="0">
+        <a:scrgbClr r="0" g="0" b="0"/>
+      </a:effectRef>
+      <a:fontRef idx="minor">
+        <a:schemeClr val="lt1"/>
+      </a:fontRef>
+    </dgm:style>
+  </dgm:styleLbl>
+  <dgm:styleLbl name="parChTrans2D1">
+    <dgm:scene3d>
+      <a:camera prst="orthographicFront"/>
+      <a:lightRig rig="threePt" dir="t"/>
+    </dgm:scene3d>
+    <dgm:sp3d/>
+    <dgm:txPr/>
+    <dgm:style>
+      <a:lnRef idx="2">
+        <a:scrgbClr r="0" g="0" b="0"/>
+      </a:lnRef>
+      <a:fillRef idx="1">
+        <a:scrgbClr r="0" g="0" b="0"/>
+      </a:fillRef>
+      <a:effectRef idx="0">
+        <a:scrgbClr r="0" g="0" b="0"/>
+      </a:effectRef>
+      <a:fontRef idx="minor">
+        <a:schemeClr val="lt1"/>
+      </a:fontRef>
+    </dgm:style>
+  </dgm:styleLbl>
+  <dgm:styleLbl name="parChTrans2D2">
+    <dgm:scene3d>
+      <a:camera prst="orthographicFront"/>
+      <a:lightRig rig="threePt" dir="t"/>
+    </dgm:scene3d>
+    <dgm:sp3d/>
+    <dgm:txPr/>
+    <dgm:style>
+      <a:lnRef idx="2">
+        <a:scrgbClr r="0" g="0" b="0"/>
+      </a:lnRef>
+      <a:fillRef idx="1">
+        <a:scrgbClr r="0" g="0" b="0"/>
+      </a:fillRef>
+      <a:effectRef idx="0">
+        <a:scrgbClr r="0" g="0" b="0"/>
+      </a:effectRef>
+      <a:fontRef idx="minor">
+        <a:schemeClr val="lt1"/>
+      </a:fontRef>
+    </dgm:style>
+  </dgm:styleLbl>
+  <dgm:styleLbl name="parChTrans2D3">
+    <dgm:scene3d>
+      <a:camera prst="orthographicFront"/>
+      <a:lightRig rig="threePt" dir="t"/>
+    </dgm:scene3d>
+    <dgm:sp3d/>
+    <dgm:txPr/>
+    <dgm:style>
+      <a:lnRef idx="2">
+        <a:scrgbClr r="0" g="0" b="0"/>
+      </a:lnRef>
+      <a:fillRef idx="1">
+        <a:scrgbClr r="0" g="0" b="0"/>
+      </a:fillRef>
+      <a:effectRef idx="0">
+        <a:scrgbClr r="0" g="0" b="0"/>
+      </a:effectRef>
+      <a:fontRef idx="minor">
+        <a:schemeClr val="lt1"/>
+      </a:fontRef>
+    </dgm:style>
+  </dgm:styleLbl>
+  <dgm:styleLbl name="parChTrans2D4">
+    <dgm:scene3d>
+      <a:camera prst="orthographicFront"/>
+      <a:lightRig rig="threePt" dir="t"/>
+    </dgm:scene3d>
+    <dgm:sp3d/>
+    <dgm:txPr/>
+    <dgm:style>
+      <a:lnRef idx="2">
+        <a:scrgbClr r="0" g="0" b="0"/>
+      </a:lnRef>
+      <a:fillRef idx="1">
+        <a:scrgbClr r="0" g="0" b="0"/>
+      </a:fillRef>
+      <a:effectRef idx="0">
+        <a:scrgbClr r="0" g="0" b="0"/>
+      </a:effectRef>
+      <a:fontRef idx="minor">
+        <a:schemeClr val="lt1"/>
+      </a:fontRef>
+    </dgm:style>
+  </dgm:styleLbl>
+  <dgm:styleLbl name="parChTrans1D1">
+    <dgm:scene3d>
+      <a:camera prst="orthographicFront"/>
+      <a:lightRig rig="threePt" dir="t"/>
+    </dgm:scene3d>
+    <dgm:sp3d/>
+    <dgm:txPr/>
+    <dgm:style>
+      <a:lnRef idx="2">
+        <a:scrgbClr r="0" g="0" b="0"/>
+      </a:lnRef>
+      <a:fillRef idx="0">
+        <a:scrgbClr r="0" g="0" b="0"/>
+      </a:fillRef>
+      <a:effectRef idx="0">
+        <a:scrgbClr r="0" g="0" b="0"/>
+      </a:effectRef>
+      <a:fontRef idx="minor"/>
+    </dgm:style>
+  </dgm:styleLbl>
+  <dgm:styleLbl name="parChTrans1D2">
+    <dgm:scene3d>
+      <a:camera prst="orthographicFront"/>
+      <a:lightRig rig="threePt" dir="t"/>
+    </dgm:scene3d>
+    <dgm:sp3d/>
+    <dgm:txPr/>
+    <dgm:style>
+      <a:lnRef idx="2">
+        <a:scrgbClr r="0" g="0" b="0"/>
+      </a:lnRef>
+      <a:fillRef idx="0">
+        <a:scrgbClr r="0" g="0" b="0"/>
+      </a:fillRef>
+      <a:effectRef idx="0">
+        <a:scrgbClr r="0" g="0" b="0"/>
+      </a:effectRef>
+      <a:fontRef idx="minor"/>
+    </dgm:style>
+  </dgm:styleLbl>
+  <dgm:styleLbl name="parChTrans1D3">
+    <dgm:scene3d>
+      <a:camera prst="orthographicFront"/>
+      <a:lightRig rig="threePt" dir="t"/>
+    </dgm:scene3d>
+    <dgm:sp3d/>
+    <dgm:txPr/>
+    <dgm:style>
+      <a:lnRef idx="2">
+        <a:scrgbClr r="0" g="0" b="0"/>
+      </a:lnRef>
+      <a:fillRef idx="0">
+        <a:scrgbClr r="0" g="0" b="0"/>
+      </a:fillRef>
+      <a:effectRef idx="0">
+        <a:scrgbClr r="0" g="0" b="0"/>
+      </a:effectRef>
+      <a:fontRef idx="minor"/>
+    </dgm:style>
+  </dgm:styleLbl>
+  <dgm:styleLbl name="parChTrans1D4">
+    <dgm:scene3d>
+      <a:camera prst="orthographicFront"/>
+      <a:lightRig rig="threePt" dir="t"/>
+    </dgm:scene3d>
+    <dgm:sp3d/>
+    <dgm:txPr/>
+    <dgm:style>
+      <a:lnRef idx="2">
+        <a:scrgbClr r="0" g="0" b="0"/>
+      </a:lnRef>
+      <a:fillRef idx="0">
+        <a:scrgbClr r="0" g="0" b="0"/>
+      </a:fillRef>
+      <a:effectRef idx="0">
+        <a:scrgbClr r="0" g="0" b="0"/>
+      </a:effectRef>
+      <a:fontRef idx="minor"/>
+    </dgm:style>
+  </dgm:styleLbl>
+  <dgm:styleLbl name="fgAcc1">
+    <dgm:scene3d>
+      <a:camera prst="orthographicFront"/>
+      <a:lightRig rig="threePt" dir="t"/>
+    </dgm:scene3d>
+    <dgm:sp3d/>
+    <dgm:txPr/>
+    <dgm:style>
+      <a:lnRef idx="2">
+        <a:scrgbClr r="0" g="0" b="0"/>
+      </a:lnRef>
+      <a:fillRef idx="1">
+        <a:scrgbClr r="0" g="0" b="0"/>
+      </a:fillRef>
+      <a:effectRef idx="0">
+        <a:scrgbClr r="0" g="0" b="0"/>
+      </a:effectRef>
+      <a:fontRef idx="minor"/>
+    </dgm:style>
+  </dgm:styleLbl>
+  <dgm:styleLbl name="conFgAcc1">
+    <dgm:scene3d>
+      <a:camera prst="orthographicFront"/>
+      <a:lightRig rig="threePt" dir="t"/>
+    </dgm:scene3d>
+    <dgm:sp3d/>
+    <dgm:txPr/>
+    <dgm:style>
+      <a:lnRef idx="2">
+        <a:scrgbClr r="0" g="0" b="0"/>
+      </a:lnRef>
+      <a:fillRef idx="1">
+        <a:scrgbClr r="0" g="0" b="0"/>
+      </a:fillRef>
+      <a:effectRef idx="0">
+        <a:scrgbClr r="0" g="0" b="0"/>
+      </a:effectRef>
+      <a:fontRef idx="minor"/>
+    </dgm:style>
+  </dgm:styleLbl>
+  <dgm:styleLbl name="alignAcc1">
+    <dgm:scene3d>
+      <a:camera prst="orthographicFront"/>
+      <a:lightRig rig="threePt" dir="t"/>
+    </dgm:scene3d>
+    <dgm:sp3d/>
+    <dgm:txPr/>
+    <dgm:style>
+      <a:lnRef idx="2">
+        <a:scrgbClr r="0" g="0" b="0"/>
+      </a:lnRef>
+      <a:fillRef idx="1">
+        <a:scrgbClr r="0" g="0" b="0"/>
+      </a:fillRef>
+      <a:effectRef idx="0">
+        <a:scrgbClr r="0" g="0" b="0"/>
+      </a:effectRef>
+      <a:fontRef idx="minor"/>
+    </dgm:style>
+  </dgm:styleLbl>
+  <dgm:styleLbl name="trAlignAcc1">
+    <dgm:scene3d>
+      <a:camera prst="orthographicFront"/>
+      <a:lightRig rig="threePt" dir="t"/>
+    </dgm:scene3d>
+    <dgm:sp3d/>
+    <dgm:txPr/>
+    <dgm:style>
+      <a:lnRef idx="1">
+        <a:scrgbClr r="0" g="0" b="0"/>
+      </a:lnRef>
+      <a:fillRef idx="1">
+        <a:scrgbClr r="0" g="0" b="0"/>
+      </a:fillRef>
+      <a:effectRef idx="0">
+        <a:scrgbClr r="0" g="0" b="0"/>
+      </a:effectRef>
+      <a:fontRef idx="minor"/>
+    </dgm:style>
+  </dgm:styleLbl>
+  <dgm:styleLbl name="bgAcc1">
+    <dgm:scene3d>
+      <a:camera prst="orthographicFront"/>
+      <a:lightRig rig="threePt" dir="t"/>
+    </dgm:scene3d>
+    <dgm:sp3d/>
+    <dgm:txPr/>
+    <dgm:style>
+      <a:lnRef idx="2">
+        <a:scrgbClr r="0" g="0" b="0"/>
+      </a:lnRef>
+      <a:fillRef idx="1">
+        <a:scrgbClr r="0" g="0" b="0"/>
+      </a:fillRef>
+      <a:effectRef idx="0">
+        <a:scrgbClr r="0" g="0" b="0"/>
+      </a:effectRef>
+      <a:fontRef idx="minor"/>
+    </dgm:style>
+  </dgm:styleLbl>
+  <dgm:styleLbl name="solidFgAcc1">
+    <dgm:scene3d>
+      <a:camera prst="orthographicFront"/>
+      <a:lightRig rig="threePt" dir="t"/>
+    </dgm:scene3d>
+    <dgm:sp3d/>
+    <dgm:txPr/>
+    <dgm:style>
+      <a:lnRef idx="2">
+        <a:scrgbClr r="0" g="0" b="0"/>
+      </a:lnRef>
+      <a:fillRef idx="1">
+        <a:scrgbClr r="0" g="0" b="0"/>
+      </a:fillRef>
+      <a:effectRef idx="0">
+        <a:scrgbClr r="0" g="0" b="0"/>
+      </a:effectRef>
+      <a:fontRef idx="minor"/>
+    </dgm:style>
+  </dgm:styleLbl>
+  <dgm:styleLbl name="solidAlignAcc1">
+    <dgm:scene3d>
+      <a:camera prst="orthographicFront"/>
+      <a:lightRig rig="threePt" dir="t"/>
+    </dgm:scene3d>
+    <dgm:sp3d/>
+    <dgm:txPr/>
+    <dgm:style>
+      <a:lnRef idx="2">
+        <a:scrgbClr r="0" g="0" b="0"/>
+      </a:lnRef>
+      <a:fillRef idx="1">
+        <a:scrgbClr r="0" g="0" b="0"/>
+      </a:fillRef>
+      <a:effectRef idx="0">
+        <a:scrgbClr r="0" g="0" b="0"/>
+      </a:effectRef>
+      <a:fontRef idx="minor"/>
+    </dgm:style>
+  </dgm:styleLbl>
+  <dgm:styleLbl name="solidBgAcc1">
+    <dgm:scene3d>
+      <a:camera prst="orthographicFront"/>
+      <a:lightRig rig="threePt" dir="t"/>
+    </dgm:scene3d>
+    <dgm:sp3d/>
+    <dgm:txPr/>
+    <dgm:style>
+      <a:lnRef idx="2">
+        <a:scrgbClr r="0" g="0" b="0"/>
+      </a:lnRef>
+      <a:fillRef idx="1">
+        <a:scrgbClr r="0" g="0" b="0"/>
+      </a:fillRef>
+      <a:effectRef idx="0">
+        <a:scrgbClr r="0" g="0" b="0"/>
+      </a:effectRef>
+      <a:fontRef idx="minor"/>
+    </dgm:style>
+  </dgm:styleLbl>
+  <dgm:styleLbl name="fgAccFollowNode1">
+    <dgm:scene3d>
+      <a:camera prst="orthographicFront"/>
+      <a:lightRig rig="threePt" dir="t"/>
+    </dgm:scene3d>
+    <dgm:sp3d/>
+    <dgm:txPr/>
+    <dgm:style>
+      <a:lnRef idx="2">
+        <a:scrgbClr r="0" g="0" b="0"/>
+      </a:lnRef>
+      <a:fillRef idx="1">
+        <a:scrgbClr r="0" g="0" b="0"/>
+      </a:fillRef>
+      <a:effectRef idx="0">
+        <a:scrgbClr r="0" g="0" b="0"/>
+      </a:effectRef>
+      <a:fontRef idx="minor"/>
+    </dgm:style>
+  </dgm:styleLbl>
+  <dgm:styleLbl name="alignAccFollowNode1">
+    <dgm:scene3d>
+      <a:camera prst="orthographicFront"/>
+      <a:lightRig rig="threePt" dir="t"/>
+    </dgm:scene3d>
+    <dgm:sp3d/>
+    <dgm:txPr/>
+    <dgm:style>
+      <a:lnRef idx="2">
+        <a:scrgbClr r="0" g="0" b="0"/>
+      </a:lnRef>
+      <a:fillRef idx="1">
+        <a:scrgbClr r="0" g="0" b="0"/>
+      </a:fillRef>
+      <a:effectRef idx="0">
+        <a:scrgbClr r="0" g="0" b="0"/>
+      </a:effectRef>
+      <a:fontRef idx="minor"/>
+    </dgm:style>
+  </dgm:styleLbl>
+  <dgm:styleLbl name="bgAccFollowNode1">
+    <dgm:scene3d>
+      <a:camera prst="orthographicFront"/>
+      <a:lightRig rig="threePt" dir="t"/>
+    </dgm:scene3d>
+    <dgm:sp3d/>
+    <dgm:txPr/>
+    <dgm:style>
+      <a:lnRef idx="2">
+        <a:scrgbClr r="0" g="0" b="0"/>
+      </a:lnRef>
+      <a:fillRef idx="1">
+        <a:scrgbClr r="0" g="0" b="0"/>
+      </a:fillRef>
+      <a:effectRef idx="0">
+        <a:scrgbClr r="0" g="0" b="0"/>
+      </a:effectRef>
+      <a:fontRef idx="minor"/>
+    </dgm:style>
+  </dgm:styleLbl>
+  <dgm:styleLbl name="fgAcc0">
+    <dgm:scene3d>
+      <a:camera prst="orthographicFront"/>
+      <a:lightRig rig="threePt" dir="t"/>
+    </dgm:scene3d>
+    <dgm:sp3d/>
+    <dgm:txPr/>
+    <dgm:style>
+      <a:lnRef idx="2">
+        <a:scrgbClr r="0" g="0" b="0"/>
+      </a:lnRef>
+      <a:fillRef idx="1">
+        <a:scrgbClr r="0" g="0" b="0"/>
+      </a:fillRef>
+      <a:effectRef idx="0">
+        <a:scrgbClr r="0" g="0" b="0"/>
+      </a:effectRef>
+      <a:fontRef idx="minor"/>
+    </dgm:style>
+  </dgm:styleLbl>
+  <dgm:styleLbl name="fgAcc2">
+    <dgm:scene3d>
+      <a:camera prst="orthographicFront"/>
+      <a:lightRig rig="threePt" dir="t"/>
+    </dgm:scene3d>
+    <dgm:sp3d/>
+    <dgm:txPr/>
+    <dgm:style>
+      <a:lnRef idx="2">
+        <a:scrgbClr r="0" g="0" b="0"/>
+      </a:lnRef>
+      <a:fillRef idx="1">
+        <a:scrgbClr r="0" g="0" b="0"/>
+      </a:fillRef>
+      <a:effectRef idx="0">
+        <a:scrgbClr r="0" g="0" b="0"/>
+      </a:effectRef>
+      <a:fontRef idx="minor"/>
+    </dgm:style>
+  </dgm:styleLbl>
+  <dgm:styleLbl name="fgAcc3">
+    <dgm:scene3d>
+      <a:camera prst="orthographicFront"/>
+      <a:lightRig rig="threePt" dir="t"/>
+    </dgm:scene3d>
+    <dgm:sp3d/>
+    <dgm:txPr/>
+    <dgm:style>
+      <a:lnRef idx="2">
+        <a:scrgbClr r="0" g="0" b="0"/>
+      </a:lnRef>
+      <a:fillRef idx="1">
+        <a:scrgbClr r="0" g="0" b="0"/>
+      </a:fillRef>
+      <a:effectRef idx="0">
+        <a:scrgbClr r="0" g="0" b="0"/>
+      </a:effectRef>
+      <a:fontRef idx="minor"/>
+    </dgm:style>
+  </dgm:styleLbl>
+  <dgm:styleLbl name="fgAcc4">
+    <dgm:scene3d>
+      <a:camera prst="orthographicFront"/>
+      <a:lightRig rig="threePt" dir="t"/>
+    </dgm:scene3d>
+    <dgm:sp3d/>
+    <dgm:txPr/>
+    <dgm:style>
+      <a:lnRef idx="2">
+        <a:scrgbClr r="0" g="0" b="0"/>
+      </a:lnRef>
+      <a:fillRef idx="1">
+        <a:scrgbClr r="0" g="0" b="0"/>
+      </a:fillRef>
+      <a:effectRef idx="0">
+        <a:scrgbClr r="0" g="0" b="0"/>
+      </a:effectRef>
+      <a:fontRef idx="minor"/>
+    </dgm:style>
+  </dgm:styleLbl>
+  <dgm:styleLbl name="bgShp">
+    <dgm:scene3d>
+      <a:camera prst="orthographicFront"/>
+      <a:lightRig rig="threePt" dir="t"/>
+    </dgm:scene3d>
+    <dgm:sp3d/>
+    <dgm:txPr/>
+    <dgm:style>
+      <a:lnRef idx="0">
+        <a:scrgbClr r="0" g="0" b="0"/>
+      </a:lnRef>
+      <a:fillRef idx="1">
+        <a:scrgbClr r="0" g="0" b="0"/>
+      </a:fillRef>
+      <a:effectRef idx="0">
+        <a:scrgbClr r="0" g="0" b="0"/>
+      </a:effectRef>
+      <a:fontRef idx="minor"/>
+    </dgm:style>
+  </dgm:styleLbl>
+  <dgm:styleLbl name="dkBgShp">
+    <dgm:scene3d>
+      <a:camera prst="orthographicFront"/>
+      <a:lightRig rig="threePt" dir="t"/>
+    </dgm:scene3d>
+    <dgm:sp3d/>
+    <dgm:txPr/>
+    <dgm:style>
+      <a:lnRef idx="0">
+        <a:scrgbClr r="0" g="0" b="0"/>
+      </a:lnRef>
+      <a:fillRef idx="1">
+        <a:scrgbClr r="0" g="0" b="0"/>
+      </a:fillRef>
+      <a:effectRef idx="0">
+        <a:scrgbClr r="0" g="0" b="0"/>
+      </a:effectRef>
+      <a:fontRef idx="minor"/>
+    </dgm:style>
+  </dgm:styleLbl>
+  <dgm:styleLbl name="trBgShp">
+    <dgm:scene3d>
+      <a:camera prst="orthographicFront"/>
+      <a:lightRig rig="threePt" dir="t"/>
+    </dgm:scene3d>
+    <dgm:sp3d/>
+    <dgm:txPr/>
+    <dgm:style>
+      <a:lnRef idx="0">
+        <a:scrgbClr r="0" g="0" b="0"/>
+      </a:lnRef>
+      <a:fillRef idx="1">
+        <a:scrgbClr r="0" g="0" b="0"/>
+      </a:fillRef>
+      <a:effectRef idx="0">
+        <a:scrgbClr r="0" g="0" b="0"/>
+      </a:effectRef>
+      <a:fontRef idx="minor"/>
+    </dgm:style>
+  </dgm:styleLbl>
+  <dgm:styleLbl name="fgShp">
+    <dgm:scene3d>
+      <a:camera prst="orthographicFront"/>
+      <a:lightRig rig="threePt" dir="t"/>
+    </dgm:scene3d>
+    <dgm:sp3d/>
+    <dgm:txPr/>
+    <dgm:style>
+      <a:lnRef idx="2">
+        <a:scrgbClr r="0" g="0" b="0"/>
+      </a:lnRef>
+      <a:fillRef idx="1">
+        <a:scrgbClr r="0" g="0" b="0"/>
+      </a:fillRef>
+      <a:effectRef idx="0">
+        <a:scrgbClr r="0" g="0" b="0"/>
+      </a:effectRef>
+      <a:fontRef idx="minor"/>
+    </dgm:style>
+  </dgm:styleLbl>
+  <dgm:styleLbl name="revTx">
+    <dgm:scene3d>
+      <a:camera prst="orthographicFront"/>
+      <a:lightRig rig="threePt" dir="t"/>
+    </dgm:scene3d>
+    <dgm:sp3d/>
+    <dgm:txPr/>
+    <dgm:style>
+      <a:lnRef idx="0">
+        <a:scrgbClr r="0" g="0" b="0"/>
+      </a:lnRef>
+      <a:fillRef idx="0">
+        <a:scrgbClr r="0" g="0" b="0"/>
+      </a:fillRef>
+      <a:effectRef idx="0">
+        <a:scrgbClr r="0" g="0" b="0"/>
+      </a:effectRef>
+      <a:fontRef idx="minor"/>
+    </dgm:style>
+  </dgm:styleLbl>
+</dgm:styleDef>
+</file>
+
+<file path=ppt/diagrams/quickStyle3.xml><?xml version="1.0" encoding="utf-8"?>
+<dgm:styleDef xmlns:dgm="http://schemas.openxmlformats.org/drawingml/2006/diagram" xmlns:a="http://schemas.openxmlformats.org/drawingml/2006/main" uniqueId="urn:microsoft.com/office/officeart/2005/8/quickstyle/simple1">
+  <dgm:title val=""/>
+  <dgm:desc val=""/>
+  <dgm:catLst>
+    <dgm:cat type="simple" pri="10100"/>
+  </dgm:catLst>
+  <dgm:scene3d>
+    <a:camera prst="orthographicFront"/>
+    <a:lightRig rig="threePt" dir="t"/>
+  </dgm:scene3d>
+  <dgm:styleLbl name="node0">
+    <dgm:scene3d>
+      <a:camera prst="orthographicFront"/>
+      <a:lightRig rig="threePt" dir="t"/>
+    </dgm:scene3d>
+    <dgm:sp3d/>
+    <dgm:txPr/>
+    <dgm:style>
+      <a:lnRef idx="2">
+        <a:scrgbClr r="0" g="0" b="0"/>
+      </a:lnRef>
+      <a:fillRef idx="1">
+        <a:scrgbClr r="0" g="0" b="0"/>
+      </a:fillRef>
+      <a:effectRef idx="0">
+        <a:scrgbClr r="0" g="0" b="0"/>
+      </a:effectRef>
+      <a:fontRef idx="minor">
+        <a:schemeClr val="lt1"/>
+      </a:fontRef>
+    </dgm:style>
+  </dgm:styleLbl>
+  <dgm:styleLbl name="lnNode1">
+    <dgm:scene3d>
+      <a:camera prst="orthographicFront"/>
+      <a:lightRig rig="threePt" dir="t"/>
+    </dgm:scene3d>
+    <dgm:sp3d/>
+    <dgm:txPr/>
+    <dgm:style>
+      <a:lnRef idx="2">
+        <a:scrgbClr r="0" g="0" b="0"/>
+      </a:lnRef>
+      <a:fillRef idx="1">
+        <a:scrgbClr r="0" g="0" b="0"/>
+      </a:fillRef>
+      <a:effectRef idx="0">
+        <a:scrgbClr r="0" g="0" b="0"/>
+      </a:effectRef>
+      <a:fontRef idx="minor">
+        <a:schemeClr val="lt1"/>
+      </a:fontRef>
+    </dgm:style>
+  </dgm:styleLbl>
+  <dgm:styleLbl name="vennNode1">
+    <dgm:scene3d>
+      <a:camera prst="orthographicFront"/>
+      <a:lightRig rig="threePt" dir="t"/>
+    </dgm:scene3d>
+    <dgm:sp3d/>
+    <dgm:txPr/>
+    <dgm:style>
+      <a:lnRef idx="2">
+        <a:scrgbClr r="0" g="0" b="0"/>
+      </a:lnRef>
+      <a:fillRef idx="1">
+        <a:scrgbClr r="0" g="0" b="0"/>
+      </a:fillRef>
+      <a:effectRef idx="0">
+        <a:scrgbClr r="0" g="0" b="0"/>
+      </a:effectRef>
+      <a:fontRef idx="minor">
+        <a:schemeClr val="tx1"/>
+      </a:fontRef>
+    </dgm:style>
+  </dgm:styleLbl>
+  <dgm:styleLbl name="alignNode1">
+    <dgm:scene3d>
+      <a:camera prst="orthographicFront"/>
+      <a:lightRig rig="threePt" dir="t"/>
+    </dgm:scene3d>
+    <dgm:sp3d/>
+    <dgm:txPr/>
+    <dgm:style>
+      <a:lnRef idx="2">
+        <a:scrgbClr r="0" g="0" b="0"/>
+      </a:lnRef>
+      <a:fillRef idx="1">
+        <a:scrgbClr r="0" g="0" b="0"/>
+      </a:fillRef>
+      <a:effectRef idx="0">
+        <a:scrgbClr r="0" g="0" b="0"/>
+      </a:effectRef>
+      <a:fontRef idx="minor">
+        <a:schemeClr val="lt1"/>
+      </a:fontRef>
+    </dgm:style>
+  </dgm:styleLbl>
+  <dgm:styleLbl name="node1">
+    <dgm:scene3d>
+      <a:camera prst="orthographicFront"/>
+      <a:lightRig rig="threePt" dir="t"/>
+    </dgm:scene3d>
+    <dgm:sp3d/>
+    <dgm:txPr/>
+    <dgm:style>
+      <a:lnRef idx="2">
+        <a:scrgbClr r="0" g="0" b="0"/>
+      </a:lnRef>
+      <a:fillRef idx="1">
+        <a:scrgbClr r="0" g="0" b="0"/>
+      </a:fillRef>
+      <a:effectRef idx="0">
+        <a:scrgbClr r="0" g="0" b="0"/>
+      </a:effectRef>
+      <a:fontRef idx="minor">
+        <a:schemeClr val="lt1"/>
+      </a:fontRef>
+    </dgm:style>
+  </dgm:styleLbl>
+  <dgm:styleLbl name="node2">
+    <dgm:scene3d>
+      <a:camera prst="orthographicFront"/>
+      <a:lightRig rig="threePt" dir="t"/>
+    </dgm:scene3d>
+    <dgm:sp3d/>
+    <dgm:txPr/>
+    <dgm:style>
+      <a:lnRef idx="2">
+        <a:scrgbClr r="0" g="0" b="0"/>
+      </a:lnRef>
+      <a:fillRef idx="1">
+        <a:scrgbClr r="0" g="0" b="0"/>
+      </a:fillRef>
+      <a:effectRef idx="0">
+        <a:scrgbClr r="0" g="0" b="0"/>
+      </a:effectRef>
+      <a:fontRef idx="minor">
+        <a:schemeClr val="lt1"/>
+      </a:fontRef>
+    </dgm:style>
+  </dgm:styleLbl>
+  <dgm:styleLbl name="node3">
+    <dgm:scene3d>
+      <a:camera prst="orthographicFront"/>
+      <a:lightRig rig="threePt" dir="t"/>
+    </dgm:scene3d>
+    <dgm:sp3d/>
+    <dgm:txPr/>
+    <dgm:style>
+      <a:lnRef idx="2">
+        <a:scrgbClr r="0" g="0" b="0"/>
+      </a:lnRef>
+      <a:fillRef idx="1">
+        <a:scrgbClr r="0" g="0" b="0"/>
+      </a:fillRef>
+      <a:effectRef idx="0">
+        <a:scrgbClr r="0" g="0" b="0"/>
+      </a:effectRef>
+      <a:fontRef idx="minor">
+        <a:schemeClr val="lt1"/>
+      </a:fontRef>
+    </dgm:style>
+  </dgm:styleLbl>
+  <dgm:styleLbl name="node4">
+    <dgm:scene3d>
+      <a:camera prst="orthographicFront"/>
+      <a:lightRig rig="threePt" dir="t"/>
+    </dgm:scene3d>
+    <dgm:sp3d/>
+    <dgm:txPr/>
+    <dgm:style>
+      <a:lnRef idx="2">
+        <a:scrgbClr r="0" g="0" b="0"/>
+      </a:lnRef>
+      <a:fillRef idx="1">
+        <a:scrgbClr r="0" g="0" b="0"/>
+      </a:fillRef>
+      <a:effectRef idx="0">
+        <a:scrgbClr r="0" g="0" b="0"/>
+      </a:effectRef>
+      <a:fontRef idx="minor">
+        <a:schemeClr val="lt1"/>
+      </a:fontRef>
+    </dgm:style>
+  </dgm:styleLbl>
+  <dgm:styleLbl name="fgImgPlace1">
+    <dgm:scene3d>
+      <a:camera prst="orthographicFront"/>
+      <a:lightRig rig="threePt" dir="t"/>
+    </dgm:scene3d>
+    <dgm:sp3d/>
+    <dgm:txPr/>
+    <dgm:style>
+      <a:lnRef idx="2">
+        <a:scrgbClr r="0" g="0" b="0"/>
+      </a:lnRef>
+      <a:fillRef idx="1">
+        <a:scrgbClr r="0" g="0" b="0"/>
+      </a:fillRef>
+      <a:effectRef idx="0">
+        <a:scrgbClr r="0" g="0" b="0"/>
+      </a:effectRef>
+      <a:fontRef idx="minor"/>
+    </dgm:style>
+  </dgm:styleLbl>
+  <dgm:styleLbl name="alignImgPlace1">
+    <dgm:scene3d>
+      <a:camera prst="orthographicFront"/>
+      <a:lightRig rig="threePt" dir="t"/>
+    </dgm:scene3d>
+    <dgm:sp3d/>
+    <dgm:txPr/>
+    <dgm:style>
+      <a:lnRef idx="2">
+        <a:scrgbClr r="0" g="0" b="0"/>
+      </a:lnRef>
+      <a:fillRef idx="1">
+        <a:scrgbClr r="0" g="0" b="0"/>
+      </a:fillRef>
+      <a:effectRef idx="0">
+        <a:scrgbClr r="0" g="0" b="0"/>
+      </a:effectRef>
+      <a:fontRef idx="minor"/>
+    </dgm:style>
+  </dgm:styleLbl>
+  <dgm:styleLbl name="bgImgPlace1">
+    <dgm:scene3d>
+      <a:camera prst="orthographicFront"/>
+      <a:lightRig rig="threePt" dir="t"/>
+    </dgm:scene3d>
+    <dgm:sp3d/>
+    <dgm:txPr/>
+    <dgm:style>
+      <a:lnRef idx="2">
+        <a:scrgbClr r="0" g="0" b="0"/>
+      </a:lnRef>
+      <a:fillRef idx="1">
+        <a:scrgbClr r="0" g="0" b="0"/>
+      </a:fillRef>
+      <a:effectRef idx="0">
+        <a:scrgbClr r="0" g="0" b="0"/>
+      </a:effectRef>
+      <a:fontRef idx="minor"/>
+    </dgm:style>
+  </dgm:styleLbl>
+  <dgm:styleLbl name="sibTrans2D1">
+    <dgm:scene3d>
+      <a:camera prst="orthographicFront"/>
+      <a:lightRig rig="threePt" dir="t"/>
+    </dgm:scene3d>
+    <dgm:sp3d/>
+    <dgm:txPr/>
+    <dgm:style>
+      <a:lnRef idx="0">
+        <a:scrgbClr r="0" g="0" b="0"/>
+      </a:lnRef>
+      <a:fillRef idx="1">
+        <a:scrgbClr r="0" g="0" b="0"/>
+      </a:fillRef>
+      <a:effectRef idx="0">
+        <a:scrgbClr r="0" g="0" b="0"/>
+      </a:effectRef>
+      <a:fontRef idx="minor">
+        <a:schemeClr val="lt1"/>
+      </a:fontRef>
+    </dgm:style>
+  </dgm:styleLbl>
+  <dgm:styleLbl name="fgSibTrans2D1">
+    <dgm:scene3d>
+      <a:camera prst="orthographicFront"/>
+      <a:lightRig rig="threePt" dir="t"/>
+    </dgm:scene3d>
+    <dgm:sp3d/>
+    <dgm:txPr/>
+    <dgm:style>
+      <a:lnRef idx="0">
+        <a:scrgbClr r="0" g="0" b="0"/>
+      </a:lnRef>
+      <a:fillRef idx="1">
+        <a:scrgbClr r="0" g="0" b="0"/>
+      </a:fillRef>
+      <a:effectRef idx="0">
+        <a:scrgbClr r="0" g="0" b="0"/>
+      </a:effectRef>
+      <a:fontRef idx="minor">
+        <a:schemeClr val="lt1"/>
+      </a:fontRef>
+    </dgm:style>
+  </dgm:styleLbl>
+  <dgm:styleLbl name="bgSibTrans2D1">
+    <dgm:scene3d>
+      <a:camera prst="orthographicFront"/>
+      <a:lightRig rig="threePt" dir="t"/>
+    </dgm:scene3d>
+    <dgm:sp3d/>
+    <dgm:txPr/>
+    <dgm:style>
+      <a:lnRef idx="0">
+        <a:scrgbClr r="0" g="0" b="0"/>
+      </a:lnRef>
+      <a:fillRef idx="1">
+        <a:scrgbClr r="0" g="0" b="0"/>
+      </a:fillRef>
+      <a:effectRef idx="0">
+        <a:scrgbClr r="0" g="0" b="0"/>
+      </a:effectRef>
+      <a:fontRef idx="minor">
+        <a:schemeClr val="lt1"/>
+      </a:fontRef>
+    </dgm:style>
+  </dgm:styleLbl>
+  <dgm:styleLbl name="sibTrans1D1">
+    <dgm:scene3d>
+      <a:camera prst="orthographicFront"/>
+      <a:lightRig rig="threePt" dir="t"/>
+    </dgm:scene3d>
+    <dgm:sp3d/>
+    <dgm:txPr/>
+    <dgm:style>
+      <a:lnRef idx="1">
+        <a:scrgbClr r="0" g="0" b="0"/>
+      </a:lnRef>
+      <a:fillRef idx="0">
+        <a:scrgbClr r="0" g="0" b="0"/>
+      </a:fillRef>
+      <a:effectRef idx="0">
+        <a:scrgbClr r="0" g="0" b="0"/>
+      </a:effectRef>
+      <a:fontRef idx="minor"/>
+    </dgm:style>
+  </dgm:styleLbl>
+  <dgm:styleLbl name="callout">
+    <dgm:scene3d>
+      <a:camera prst="orthographicFront"/>
+      <a:lightRig rig="threePt" dir="t"/>
+    </dgm:scene3d>
+    <dgm:sp3d/>
+    <dgm:txPr/>
+    <dgm:style>
+      <a:lnRef idx="2">
+        <a:scrgbClr r="0" g="0" b="0"/>
+      </a:lnRef>
+      <a:fillRef idx="1">
+        <a:scrgbClr r="0" g="0" b="0"/>
+      </a:fillRef>
+      <a:effectRef idx="0">
+        <a:scrgbClr r="0" g="0" b="0"/>
+      </a:effectRef>
+      <a:fontRef idx="minor"/>
+    </dgm:style>
+  </dgm:styleLbl>
+  <dgm:styleLbl name="asst0">
+    <dgm:scene3d>
+      <a:camera prst="orthographicFront"/>
+      <a:lightRig rig="threePt" dir="t"/>
+    </dgm:scene3d>
+    <dgm:sp3d/>
+    <dgm:txPr/>
+    <dgm:style>
+      <a:lnRef idx="2">
+        <a:scrgbClr r="0" g="0" b="0"/>
+      </a:lnRef>
+      <a:fillRef idx="1">
+        <a:scrgbClr r="0" g="0" b="0"/>
+      </a:fillRef>
+      <a:effectRef idx="0">
+        <a:scrgbClr r="0" g="0" b="0"/>
+      </a:effectRef>
+      <a:fontRef idx="minor">
+        <a:schemeClr val="lt1"/>
+      </a:fontRef>
+    </dgm:style>
+  </dgm:styleLbl>
+  <dgm:styleLbl name="asst1">
+    <dgm:scene3d>
+      <a:camera prst="orthographicFront"/>
+      <a:lightRig rig="threePt" dir="t"/>
+    </dgm:scene3d>
+    <dgm:sp3d/>
+    <dgm:txPr/>
+    <dgm:style>
+      <a:lnRef idx="2">
+        <a:scrgbClr r="0" g="0" b="0"/>
+      </a:lnRef>
+      <a:fillRef idx="1">
+        <a:scrgbClr r="0" g="0" b="0"/>
+      </a:fillRef>
+      <a:effectRef idx="0">
+        <a:scrgbClr r="0" g="0" b="0"/>
+      </a:effectRef>
+      <a:fontRef idx="minor">
+        <a:schemeClr val="lt1"/>
+      </a:fontRef>
+    </dgm:style>
+  </dgm:styleLbl>
+  <dgm:styleLbl name="asst2">
+    <dgm:scene3d>
+      <a:camera prst="orthographicFront"/>
+      <a:lightRig rig="threePt" dir="t"/>
+    </dgm:scene3d>
+    <dgm:sp3d/>
+    <dgm:txPr/>
+    <dgm:style>
+      <a:lnRef idx="2">
+        <a:scrgbClr r="0" g="0" b="0"/>
+      </a:lnRef>
+      <a:fillRef idx="1">
+        <a:scrgbClr r="0" g="0" b="0"/>
+      </a:fillRef>
+      <a:effectRef idx="0">
+        <a:scrgbClr r="0" g="0" b="0"/>
+      </a:effectRef>
+      <a:fontRef idx="minor">
+        <a:schemeClr val="lt1"/>
+      </a:fontRef>
+    </dgm:style>
+  </dgm:styleLbl>
+  <dgm:styleLbl name="asst3">
+    <dgm:scene3d>
+      <a:camera prst="orthographicFront"/>
+      <a:lightRig rig="threePt" dir="t"/>
+    </dgm:scene3d>
+    <dgm:sp3d/>
+    <dgm:txPr/>
+    <dgm:style>
+      <a:lnRef idx="2">
+        <a:scrgbClr r="0" g="0" b="0"/>
+      </a:lnRef>
+      <a:fillRef idx="1">
+        <a:scrgbClr r="0" g="0" b="0"/>
+      </a:fillRef>
+      <a:effectRef idx="0">
+        <a:scrgbClr r="0" g="0" b="0"/>
+      </a:effectRef>
+      <a:fontRef idx="minor">
+        <a:schemeClr val="lt1"/>
+      </a:fontRef>
+    </dgm:style>
+  </dgm:styleLbl>
+  <dgm:styleLbl name="asst4">
+    <dgm:scene3d>
+      <a:camera prst="orthographicFront"/>
+      <a:lightRig rig="threePt" dir="t"/>
+    </dgm:scene3d>
+    <dgm:sp3d/>
+    <dgm:txPr/>
+    <dgm:style>
+      <a:lnRef idx="2">
+        <a:scrgbClr r="0" g="0" b="0"/>
+      </a:lnRef>
+      <a:fillRef idx="1">
+        <a:scrgbClr r="0" g="0" b="0"/>
+      </a:fillRef>
+      <a:effectRef idx="0">
+        <a:scrgbClr r="0" g="0" b="0"/>
+      </a:effectRef>
+      <a:fontRef idx="minor">
+        <a:schemeClr val="lt1"/>
+      </a:fontRef>
+    </dgm:style>
+  </dgm:styleLbl>
+  <dgm:styleLbl name="parChTrans2D1">
+    <dgm:scene3d>
+      <a:camera prst="orthographicFront"/>
+      <a:lightRig rig="threePt" dir="t"/>
+    </dgm:scene3d>
+    <dgm:sp3d/>
+    <dgm:txPr/>
+    <dgm:style>
+      <a:lnRef idx="2">
+        <a:scrgbClr r="0" g="0" b="0"/>
+      </a:lnRef>
+      <a:fillRef idx="1">
+        <a:scrgbClr r="0" g="0" b="0"/>
+      </a:fillRef>
+      <a:effectRef idx="0">
+        <a:scrgbClr r="0" g="0" b="0"/>
+      </a:effectRef>
+      <a:fontRef idx="minor">
+        <a:schemeClr val="lt1"/>
+      </a:fontRef>
+    </dgm:style>
+  </dgm:styleLbl>
+  <dgm:styleLbl name="parChTrans2D2">
+    <dgm:scene3d>
+      <a:camera prst="orthographicFront"/>
+      <a:lightRig rig="threePt" dir="t"/>
+    </dgm:scene3d>
+    <dgm:sp3d/>
+    <dgm:txPr/>
+    <dgm:style>
+      <a:lnRef idx="2">
+        <a:scrgbClr r="0" g="0" b="0"/>
+      </a:lnRef>
+      <a:fillRef idx="1">
+        <a:scrgbClr r="0" g="0" b="0"/>
+      </a:fillRef>
+      <a:effectRef idx="0">
+        <a:scrgbClr r="0" g="0" b="0"/>
+      </a:effectRef>
+      <a:fontRef idx="minor">
+        <a:schemeClr val="lt1"/>
+      </a:fontRef>
+    </dgm:style>
+  </dgm:styleLbl>
+  <dgm:styleLbl name="parChTrans2D3">
+    <dgm:scene3d>
+      <a:camera prst="orthographicFront"/>
+      <a:lightRig rig="threePt" dir="t"/>
+    </dgm:scene3d>
+    <dgm:sp3d/>
+    <dgm:txPr/>
+    <dgm:style>
+      <a:lnRef idx="2">
+        <a:scrgbClr r="0" g="0" b="0"/>
+      </a:lnRef>
+      <a:fillRef idx="1">
+        <a:scrgbClr r="0" g="0" b="0"/>
+      </a:fillRef>
+      <a:effectRef idx="0">
+        <a:scrgbClr r="0" g="0" b="0"/>
+      </a:effectRef>
+      <a:fontRef idx="minor">
+        <a:schemeClr val="lt1"/>
+      </a:fontRef>
+    </dgm:style>
+  </dgm:styleLbl>
+  <dgm:styleLbl name="parChTrans2D4">
+    <dgm:scene3d>
+      <a:camera prst="orthographicFront"/>
+      <a:lightRig rig="threePt" dir="t"/>
+    </dgm:scene3d>
+    <dgm:sp3d/>
+    <dgm:txPr/>
+    <dgm:style>
+      <a:lnRef idx="2">
+        <a:scrgbClr r="0" g="0" b="0"/>
+      </a:lnRef>
+      <a:fillRef idx="1">
+        <a:scrgbClr r="0" g="0" b="0"/>
+      </a:fillRef>
+      <a:effectRef idx="0">
+        <a:scrgbClr r="0" g="0" b="0"/>
+      </a:effectRef>
+      <a:fontRef idx="minor">
+        <a:schemeClr val="lt1"/>
+      </a:fontRef>
+    </dgm:style>
+  </dgm:styleLbl>
+  <dgm:styleLbl name="parChTrans1D1">
+    <dgm:scene3d>
+      <a:camera prst="orthographicFront"/>
+      <a:lightRig rig="threePt" dir="t"/>
+    </dgm:scene3d>
+    <dgm:sp3d/>
+    <dgm:txPr/>
+    <dgm:style>
+      <a:lnRef idx="2">
+        <a:scrgbClr r="0" g="0" b="0"/>
+      </a:lnRef>
+      <a:fillRef idx="0">
+        <a:scrgbClr r="0" g="0" b="0"/>
+      </a:fillRef>
+      <a:effectRef idx="0">
+        <a:scrgbClr r="0" g="0" b="0"/>
+      </a:effectRef>
+      <a:fontRef idx="minor"/>
+    </dgm:style>
+  </dgm:styleLbl>
+  <dgm:styleLbl name="parChTrans1D2">
+    <dgm:scene3d>
+      <a:camera prst="orthographicFront"/>
+      <a:lightRig rig="threePt" dir="t"/>
+    </dgm:scene3d>
+    <dgm:sp3d/>
+    <dgm:txPr/>
+    <dgm:style>
+      <a:lnRef idx="2">
+        <a:scrgbClr r="0" g="0" b="0"/>
+      </a:lnRef>
+      <a:fillRef idx="0">
+        <a:scrgbClr r="0" g="0" b="0"/>
+      </a:fillRef>
+      <a:effectRef idx="0">
+        <a:scrgbClr r="0" g="0" b="0"/>
+      </a:effectRef>
+      <a:fontRef idx="minor"/>
+    </dgm:style>
+  </dgm:styleLbl>
+  <dgm:styleLbl name="parChTrans1D3">
+    <dgm:scene3d>
+      <a:camera prst="orthographicFront"/>
+      <a:lightRig rig="threePt" dir="t"/>
+    </dgm:scene3d>
+    <dgm:sp3d/>
+    <dgm:txPr/>
+    <dgm:style>
+      <a:lnRef idx="2">
+        <a:scrgbClr r="0" g="0" b="0"/>
+      </a:lnRef>
+      <a:fillRef idx="0">
+        <a:scrgbClr r="0" g="0" b="0"/>
+      </a:fillRef>
+      <a:effectRef idx="0">
+        <a:scrgbClr r="0" g="0" b="0"/>
+      </a:effectRef>
+      <a:fontRef idx="minor"/>
+    </dgm:style>
+  </dgm:styleLbl>
+  <dgm:styleLbl name="parChTrans1D4">
+    <dgm:scene3d>
+      <a:camera prst="orthographicFront"/>
+      <a:lightRig rig="threePt" dir="t"/>
+    </dgm:scene3d>
+    <dgm:sp3d/>
+    <dgm:txPr/>
+    <dgm:style>
+      <a:lnRef idx="2">
+        <a:scrgbClr r="0" g="0" b="0"/>
+      </a:lnRef>
+      <a:fillRef idx="0">
+        <a:scrgbClr r="0" g="0" b="0"/>
+      </a:fillRef>
+      <a:effectRef idx="0">
+        <a:scrgbClr r="0" g="0" b="0"/>
+      </a:effectRef>
+      <a:fontRef idx="minor"/>
+    </dgm:style>
+  </dgm:styleLbl>
+  <dgm:styleLbl name="fgAcc1">
+    <dgm:scene3d>
+      <a:camera prst="orthographicFront"/>
+      <a:lightRig rig="threePt" dir="t"/>
+    </dgm:scene3d>
+    <dgm:sp3d/>
+    <dgm:txPr/>
+    <dgm:style>
+      <a:lnRef idx="2">
+        <a:scrgbClr r="0" g="0" b="0"/>
+      </a:lnRef>
+      <a:fillRef idx="1">
+        <a:scrgbClr r="0" g="0" b="0"/>
+      </a:fillRef>
+      <a:effectRef idx="0">
+        <a:scrgbClr r="0" g="0" b="0"/>
+      </a:effectRef>
+      <a:fontRef idx="minor"/>
+    </dgm:style>
+  </dgm:styleLbl>
+  <dgm:styleLbl name="conFgAcc1">
+    <dgm:scene3d>
+      <a:camera prst="orthographicFront"/>
+      <a:lightRig rig="threePt" dir="t"/>
+    </dgm:scene3d>
+    <dgm:sp3d/>
+    <dgm:txPr/>
+    <dgm:style>
+      <a:lnRef idx="2">
+        <a:scrgbClr r="0" g="0" b="0"/>
+      </a:lnRef>
+      <a:fillRef idx="1">
+        <a:scrgbClr r="0" g="0" b="0"/>
+      </a:fillRef>
+      <a:effectRef idx="0">
+        <a:scrgbClr r="0" g="0" b="0"/>
+      </a:effectRef>
+      <a:fontRef idx="minor"/>
+    </dgm:style>
+  </dgm:styleLbl>
+  <dgm:styleLbl name="alignAcc1">
+    <dgm:scene3d>
+      <a:camera prst="orthographicFront"/>
+      <a:lightRig rig="threePt" dir="t"/>
+    </dgm:scene3d>
+    <dgm:sp3d/>
+    <dgm:txPr/>
+    <dgm:style>
+      <a:lnRef idx="2">
+        <a:scrgbClr r="0" g="0" b="0"/>
+      </a:lnRef>
+      <a:fillRef idx="1">
+        <a:scrgbClr r="0" g="0" b="0"/>
+      </a:fillRef>
+      <a:effectRef idx="0">
+        <a:scrgbClr r="0" g="0" b="0"/>
+      </a:effectRef>
+      <a:fontRef idx="minor"/>
+    </dgm:style>
+  </dgm:styleLbl>
+  <dgm:styleLbl name="trAlignAcc1">
+    <dgm:scene3d>
+      <a:camera prst="orthographicFront"/>
+      <a:lightRig rig="threePt" dir="t"/>
+    </dgm:scene3d>
+    <dgm:sp3d/>
+    <dgm:txPr/>
+    <dgm:style>
+      <a:lnRef idx="1">
+        <a:scrgbClr r="0" g="0" b="0"/>
+      </a:lnRef>
+      <a:fillRef idx="1">
+        <a:scrgbClr r="0" g="0" b="0"/>
+      </a:fillRef>
+      <a:effectRef idx="0">
+        <a:scrgbClr r="0" g="0" b="0"/>
+      </a:effectRef>
+      <a:fontRef idx="minor"/>
+    </dgm:style>
+  </dgm:styleLbl>
+  <dgm:styleLbl name="bgAcc1">
+    <dgm:scene3d>
+      <a:camera prst="orthographicFront"/>
+      <a:lightRig rig="threePt" dir="t"/>
+    </dgm:scene3d>
+    <dgm:sp3d/>
+    <dgm:txPr/>
+    <dgm:style>
+      <a:lnRef idx="2">
+        <a:scrgbClr r="0" g="0" b="0"/>
+      </a:lnRef>
+      <a:fillRef idx="1">
+        <a:scrgbClr r="0" g="0" b="0"/>
+      </a:fillRef>
+      <a:effectRef idx="0">
+        <a:scrgbClr r="0" g="0" b="0"/>
+      </a:effectRef>
+      <a:fontRef idx="minor"/>
+    </dgm:style>
+  </dgm:styleLbl>
+  <dgm:styleLbl name="solidFgAcc1">
+    <dgm:scene3d>
+      <a:camera prst="orthographicFront"/>
+      <a:lightRig rig="threePt" dir="t"/>
+    </dgm:scene3d>
+    <dgm:sp3d/>
+    <dgm:txPr/>
+    <dgm:style>
+      <a:lnRef idx="2">
+        <a:scrgbClr r="0" g="0" b="0"/>
+      </a:lnRef>
+      <a:fillRef idx="1">
+        <a:scrgbClr r="0" g="0" b="0"/>
+      </a:fillRef>
+      <a:effectRef idx="0">
+        <a:scrgbClr r="0" g="0" b="0"/>
+      </a:effectRef>
+      <a:fontRef idx="minor"/>
+    </dgm:style>
+  </dgm:styleLbl>
+  <dgm:styleLbl name="solidAlignAcc1">
+    <dgm:scene3d>
+      <a:camera prst="orthographicFront"/>
+      <a:lightRig rig="threePt" dir="t"/>
+    </dgm:scene3d>
+    <dgm:sp3d/>
+    <dgm:txPr/>
+    <dgm:style>
+      <a:lnRef idx="2">
+        <a:scrgbClr r="0" g="0" b="0"/>
+      </a:lnRef>
+      <a:fillRef idx="1">
+        <a:scrgbClr r="0" g="0" b="0"/>
+      </a:fillRef>
+      <a:effectRef idx="0">
+        <a:scrgbClr r="0" g="0" b="0"/>
+      </a:effectRef>
+      <a:fontRef idx="minor"/>
+    </dgm:style>
+  </dgm:styleLbl>
+  <dgm:styleLbl name="solidBgAcc1">
+    <dgm:scene3d>
+      <a:camera prst="orthographicFront"/>
+      <a:lightRig rig="threePt" dir="t"/>
+    </dgm:scene3d>
+    <dgm:sp3d/>
+    <dgm:txPr/>
+    <dgm:style>
+      <a:lnRef idx="2">
+        <a:scrgbClr r="0" g="0" b="0"/>
+      </a:lnRef>
+      <a:fillRef idx="1">
+        <a:scrgbClr r="0" g="0" b="0"/>
+      </a:fillRef>
+      <a:effectRef idx="0">
+        <a:scrgbClr r="0" g="0" b="0"/>
+      </a:effectRef>
+      <a:fontRef idx="minor"/>
+    </dgm:style>
+  </dgm:styleLbl>
+  <dgm:styleLbl name="fgAccFollowNode1">
+    <dgm:scene3d>
+      <a:camera prst="orthographicFront"/>
+      <a:lightRig rig="threePt" dir="t"/>
+    </dgm:scene3d>
+    <dgm:sp3d/>
+    <dgm:txPr/>
+    <dgm:style>
+      <a:lnRef idx="2">
+        <a:scrgbClr r="0" g="0" b="0"/>
+      </a:lnRef>
+      <a:fillRef idx="1">
+        <a:scrgbClr r="0" g="0" b="0"/>
+      </a:fillRef>
+      <a:effectRef idx="0">
+        <a:scrgbClr r="0" g="0" b="0"/>
+      </a:effectRef>
+      <a:fontRef idx="minor"/>
+    </dgm:style>
+  </dgm:styleLbl>
+  <dgm:styleLbl name="alignAccFollowNode1">
+    <dgm:scene3d>
+      <a:camera prst="orthographicFront"/>
+      <a:lightRig rig="threePt" dir="t"/>
+    </dgm:scene3d>
+    <dgm:sp3d/>
+    <dgm:txPr/>
+    <dgm:style>
+      <a:lnRef idx="2">
+        <a:scrgbClr r="0" g="0" b="0"/>
+      </a:lnRef>
+      <a:fillRef idx="1">
+        <a:scrgbClr r="0" g="0" b="0"/>
+      </a:fillRef>
+      <a:effectRef idx="0">
+        <a:scrgbClr r="0" g="0" b="0"/>
+      </a:effectRef>
+      <a:fontRef idx="minor"/>
+    </dgm:style>
+  </dgm:styleLbl>
+  <dgm:styleLbl name="bgAccFollowNode1">
+    <dgm:scene3d>
+      <a:camera prst="orthographicFront"/>
+      <a:lightRig rig="threePt" dir="t"/>
+    </dgm:scene3d>
+    <dgm:sp3d/>
+    <dgm:txPr/>
+    <dgm:style>
+      <a:lnRef idx="2">
+        <a:scrgbClr r="0" g="0" b="0"/>
+      </a:lnRef>
+      <a:fillRef idx="1">
+        <a:scrgbClr r="0" g="0" b="0"/>
+      </a:fillRef>
+      <a:effectRef idx="0">
+        <a:scrgbClr r="0" g="0" b="0"/>
+      </a:effectRef>
+      <a:fontRef idx="minor"/>
+    </dgm:style>
+  </dgm:styleLbl>
+  <dgm:styleLbl name="fgAcc0">
+    <dgm:scene3d>
+      <a:camera prst="orthographicFront"/>
+      <a:lightRig rig="threePt" dir="t"/>
+    </dgm:scene3d>
+    <dgm:sp3d/>
+    <dgm:txPr/>
+    <dgm:style>
+      <a:lnRef idx="2">
+        <a:scrgbClr r="0" g="0" b="0"/>
+      </a:lnRef>
+      <a:fillRef idx="1">
+        <a:scrgbClr r="0" g="0" b="0"/>
+      </a:fillRef>
+      <a:effectRef idx="0">
+        <a:scrgbClr r="0" g="0" b="0"/>
+      </a:effectRef>
+      <a:fontRef idx="minor"/>
+    </dgm:style>
+  </dgm:styleLbl>
+  <dgm:styleLbl name="fgAcc2">
+    <dgm:scene3d>
+      <a:camera prst="orthographicFront"/>
+      <a:lightRig rig="threePt" dir="t"/>
+    </dgm:scene3d>
+    <dgm:sp3d/>
+    <dgm:txPr/>
+    <dgm:style>
+      <a:lnRef idx="2">
+        <a:scrgbClr r="0" g="0" b="0"/>
+      </a:lnRef>
+      <a:fillRef idx="1">
+        <a:scrgbClr r="0" g="0" b="0"/>
+      </a:fillRef>
+      <a:effectRef idx="0">
+        <a:scrgbClr r="0" g="0" b="0"/>
+      </a:effectRef>
+      <a:fontRef idx="minor"/>
+    </dgm:style>
+  </dgm:styleLbl>
+  <dgm:styleLbl name="fgAcc3">
+    <dgm:scene3d>
+      <a:camera prst="orthographicFront"/>
+      <a:lightRig rig="threePt" dir="t"/>
+    </dgm:scene3d>
+    <dgm:sp3d/>
+    <dgm:txPr/>
+    <dgm:style>
+      <a:lnRef idx="2">
+        <a:scrgbClr r="0" g="0" b="0"/>
+      </a:lnRef>
+      <a:fillRef idx="1">
+        <a:scrgbClr r="0" g="0" b="0"/>
+      </a:fillRef>
+      <a:effectRef idx="0">
+        <a:scrgbClr r="0" g="0" b="0"/>
+      </a:effectRef>
+      <a:fontRef idx="minor"/>
+    </dgm:style>
+  </dgm:styleLbl>
+  <dgm:styleLbl name="fgAcc4">
+    <dgm:scene3d>
+      <a:camera prst="orthographicFront"/>
+      <a:lightRig rig="threePt" dir="t"/>
+    </dgm:scene3d>
+    <dgm:sp3d/>
+    <dgm:txPr/>
+    <dgm:style>
+      <a:lnRef idx="2">
+        <a:scrgbClr r="0" g="0" b="0"/>
+      </a:lnRef>
+      <a:fillRef idx="1">
+        <a:scrgbClr r="0" g="0" b="0"/>
+      </a:fillRef>
+      <a:effectRef idx="0">
+        <a:scrgbClr r="0" g="0" b="0"/>
+      </a:effectRef>
+      <a:fontRef idx="minor"/>
+    </dgm:style>
+  </dgm:styleLbl>
+  <dgm:styleLbl name="bgShp">
+    <dgm:scene3d>
+      <a:camera prst="orthographicFront"/>
+      <a:lightRig rig="threePt" dir="t"/>
+    </dgm:scene3d>
+    <dgm:sp3d/>
+    <dgm:txPr/>
+    <dgm:style>
+      <a:lnRef idx="0">
+        <a:scrgbClr r="0" g="0" b="0"/>
+      </a:lnRef>
+      <a:fillRef idx="1">
+        <a:scrgbClr r="0" g="0" b="0"/>
+      </a:fillRef>
+      <a:effectRef idx="0">
+        <a:scrgbClr r="0" g="0" b="0"/>
+      </a:effectRef>
+      <a:fontRef idx="minor"/>
+    </dgm:style>
+  </dgm:styleLbl>
+  <dgm:styleLbl name="dkBgShp">
+    <dgm:scene3d>
+      <a:camera prst="orthographicFront"/>
+      <a:lightRig rig="threePt" dir="t"/>
+    </dgm:scene3d>
+    <dgm:sp3d/>
+    <dgm:txPr/>
+    <dgm:style>
+      <a:lnRef idx="0">
+        <a:scrgbClr r="0" g="0" b="0"/>
+      </a:lnRef>
+      <a:fillRef idx="1">
+        <a:scrgbClr r="0" g="0" b="0"/>
+      </a:fillRef>
+      <a:effectRef idx="0">
+        <a:scrgbClr r="0" g="0" b="0"/>
+      </a:effectRef>
+      <a:fontRef idx="minor"/>
+    </dgm:style>
+  </dgm:styleLbl>
+  <dgm:styleLbl name="trBgShp">
+    <dgm:scene3d>
+      <a:camera prst="orthographicFront"/>
+      <a:lightRig rig="threePt" dir="t"/>
+    </dgm:scene3d>
+    <dgm:sp3d/>
+    <dgm:txPr/>
+    <dgm:style>
+      <a:lnRef idx="0">
+        <a:scrgbClr r="0" g="0" b="0"/>
+      </a:lnRef>
+      <a:fillRef idx="1">
+        <a:scrgbClr r="0" g="0" b="0"/>
+      </a:fillRef>
+      <a:effectRef idx="0">
+        <a:scrgbClr r="0" g="0" b="0"/>
+      </a:effectRef>
+      <a:fontRef idx="minor"/>
+    </dgm:style>
+  </dgm:styleLbl>
+  <dgm:styleLbl name="fgShp">
+    <dgm:scene3d>
+      <a:camera prst="orthographicFront"/>
+      <a:lightRig rig="threePt" dir="t"/>
+    </dgm:scene3d>
+    <dgm:sp3d/>
+    <dgm:txPr/>
+    <dgm:style>
+      <a:lnRef idx="2">
+        <a:scrgbClr r="0" g="0" b="0"/>
+      </a:lnRef>
+      <a:fillRef idx="1">
+        <a:scrgbClr r="0" g="0" b="0"/>
+      </a:fillRef>
+      <a:effectRef idx="0">
+        <a:scrgbClr r="0" g="0" b="0"/>
+      </a:effectRef>
+      <a:fontRef idx="minor"/>
+    </dgm:style>
+  </dgm:styleLbl>
+  <dgm:styleLbl name="revTx">
+    <dgm:scene3d>
+      <a:camera prst="orthographicFront"/>
+      <a:lightRig rig="threePt" dir="t"/>
+    </dgm:scene3d>
+    <dgm:sp3d/>
+    <dgm:txPr/>
+    <dgm:style>
+      <a:lnRef idx="0">
+        <a:scrgbClr r="0" g="0" b="0"/>
+      </a:lnRef>
+      <a:fillRef idx="0">
+        <a:scrgbClr r="0" g="0" b="0"/>
+      </a:fillRef>
+      <a:effectRef idx="0">
+        <a:scrgbClr r="0" g="0" b="0"/>
+      </a:effectRef>
+      <a:fontRef idx="minor"/>
+    </dgm:style>
+  </dgm:styleLbl>
+</dgm:styleDef>
+</file>
+
+<file path=ppt/diagrams/quickStyle4.xml><?xml version="1.0" encoding="utf-8"?>
 <dgm:styleDef xmlns:dgm="http://schemas.openxmlformats.org/drawingml/2006/diagram" xmlns:a="http://schemas.openxmlformats.org/drawingml/2006/main" uniqueId="urn:microsoft.com/office/officeart/2005/8/quickstyle/simple1">
   <dgm:title val=""/>
   <dgm:desc val=""/>
@@ -11217,7 +17275,7 @@
           </a:prstGeom>
           <a:noFill/>
           <a:effectLst>
-            <a:outerShdw blurRad="50800" dist="38100" dir="5400000" algn="t" rotWithShape="0">
+            <a:outerShdw blurRad="50800" dist="25400" dir="5400000" algn="t" rotWithShape="0">
               <a:prstClr val="black">
                 <a:alpha val="40000"/>
               </a:prstClr>
@@ -11411,10 +17469,10 @@
       </p:pic>
       <p:pic>
         <p:nvPicPr>
-          <p:cNvPr id="6" name="Immagine 5" descr="Immagine che contiene testo, segnale&#10;&#10;Descrizione generata automaticamente">
+          <p:cNvPr id="7" name="Immagine 6" descr="Immagine che contiene testo, segnale&#10;&#10;Descrizione generata automaticamente">
             <a:extLst>
               <a:ext uri="{FF2B5EF4-FFF2-40B4-BE49-F238E27FC236}">
-                <a16:creationId xmlns:a16="http://schemas.microsoft.com/office/drawing/2014/main" id="{BEA43327-3F3C-FBE4-F614-4DF2A87CF06E}"/>
+                <a16:creationId xmlns:a16="http://schemas.microsoft.com/office/drawing/2014/main" id="{D5A8A456-0E1E-2252-783A-6ECE4B6D0849}"/>
               </a:ext>
             </a:extLst>
           </p:cNvPr>
@@ -11444,7 +17502,7 @@
             <a:avLst/>
           </a:prstGeom>
           <a:effectLst>
-            <a:outerShdw blurRad="50800" dist="38100" dir="5400000" algn="t" rotWithShape="0">
+            <a:outerShdw blurRad="50800" dist="25400" dir="5400000" algn="t" rotWithShape="0">
               <a:prstClr val="black">
                 <a:alpha val="40000"/>
               </a:prstClr>
@@ -12016,7 +18074,7 @@
           </a:prstGeom>
           <a:effectLst>
             <a:outerShdw blurRad="63500" sx="102000" sy="102000" algn="ctr" rotWithShape="0">
-              <a:srgbClr val="1020D7">
+              <a:srgbClr val="0C01D3">
                 <a:alpha val="40000"/>
               </a:srgbClr>
             </a:outerShdw>
@@ -12137,7 +18195,7 @@
             <a:avLst/>
           </a:prstGeom>
           <a:effectLst>
-            <a:outerShdw blurRad="50800" dist="38100" dir="5400000" algn="t" rotWithShape="0">
+            <a:outerShdw blurRad="50800" dist="25400" dir="5400000" algn="t" rotWithShape="0">
               <a:prstClr val="black">
                 <a:alpha val="40000"/>
               </a:prstClr>
@@ -13167,7 +19225,7 @@
             <p:ph idx="1"/>
             <p:extLst>
               <p:ext uri="{D42A27DB-BD31-4B8C-83A1-F6EECF244321}">
-                <p14:modId xmlns:p14="http://schemas.microsoft.com/office/powerpoint/2010/main" val="1755675701"/>
+                <p14:modId xmlns:p14="http://schemas.microsoft.com/office/powerpoint/2010/main" val="3028509900"/>
               </p:ext>
             </p:extLst>
           </p:nvPr>
@@ -13257,7 +19315,7 @@
             <a:avLst/>
           </a:prstGeom>
           <a:effectLst>
-            <a:outerShdw blurRad="50800" dist="38100" dir="5400000" algn="t" rotWithShape="0">
+            <a:outerShdw blurRad="50800" dist="25400" dir="5400000" algn="t" rotWithShape="0">
               <a:prstClr val="black">
                 <a:alpha val="40000"/>
               </a:prstClr>
@@ -13269,6 +19327,900 @@
     <p:extLst>
       <p:ext uri="{BB962C8B-B14F-4D97-AF65-F5344CB8AC3E}">
         <p14:creationId xmlns:p14="http://schemas.microsoft.com/office/powerpoint/2010/main" val="3827316853"/>
+      </p:ext>
+    </p:extLst>
+  </p:cSld>
+  <p:clrMapOvr>
+    <a:masterClrMapping/>
+  </p:clrMapOvr>
+</p:sld>
+</file>
+
+<file path=ppt/slides/slide13.xml><?xml version="1.0" encoding="utf-8"?>
+<p:sld xmlns:a="http://schemas.openxmlformats.org/drawingml/2006/main" xmlns:r="http://schemas.openxmlformats.org/officeDocument/2006/relationships" xmlns:p="http://schemas.openxmlformats.org/presentationml/2006/main">
+  <p:cSld>
+    <p:bg>
+      <p:bgPr>
+        <a:solidFill>
+          <a:srgbClr val="BBC5D9"/>
+        </a:solidFill>
+        <a:effectLst/>
+      </p:bgPr>
+    </p:bg>
+    <p:spTree>
+      <p:nvGrpSpPr>
+        <p:cNvPr id="1" name=""/>
+        <p:cNvGrpSpPr/>
+        <p:nvPr/>
+      </p:nvGrpSpPr>
+      <p:grpSpPr>
+        <a:xfrm>
+          <a:off x="0" y="0"/>
+          <a:ext cx="0" cy="0"/>
+          <a:chOff x="0" y="0"/>
+          <a:chExt cx="0" cy="0"/>
+        </a:xfrm>
+      </p:grpSpPr>
+      <p:sp useBgFill="1">
+        <p:nvSpPr>
+          <p:cNvPr id="19" name="Rectangle 18">
+            <a:extLst>
+              <a:ext uri="{FF2B5EF4-FFF2-40B4-BE49-F238E27FC236}">
+                <a16:creationId xmlns:a16="http://schemas.microsoft.com/office/drawing/2014/main" id="{35DB3719-6FDC-4E5D-891D-FF40B7300F64}"/>
+              </a:ext>
+              <a:ext uri="{C183D7F6-B498-43B3-948B-1728B52AA6E4}">
+                <adec:decorative xmlns:adec="http://schemas.microsoft.com/office/drawing/2017/decorative" val="1"/>
+              </a:ext>
+            </a:extLst>
+          </p:cNvPr>
+          <p:cNvSpPr>
+            <a:spLocks noGrp="1" noRot="1" noChangeAspect="1" noMove="1" noResize="1" noEditPoints="1" noAdjustHandles="1" noChangeArrowheads="1" noChangeShapeType="1" noTextEdit="1"/>
+          </p:cNvSpPr>
+          <p:nvPr>
+            <p:extLst>
+              <p:ext uri="{386F3935-93C4-4BCD-93E2-E3B085C9AB24}">
+                <p16:designElem xmlns:p16="http://schemas.microsoft.com/office/powerpoint/2015/main" val="1"/>
+              </p:ext>
+            </p:extLst>
+          </p:nvPr>
+        </p:nvSpPr>
+        <p:spPr>
+          <a:xfrm>
+            <a:off x="0" y="0"/>
+            <a:ext cx="12188952" cy="6858000"/>
+          </a:xfrm>
+          <a:prstGeom prst="rect">
+            <a:avLst/>
+          </a:prstGeom>
+          <a:ln>
+            <a:noFill/>
+          </a:ln>
+        </p:spPr>
+        <p:style>
+          <a:lnRef idx="2">
+            <a:schemeClr val="accent1">
+              <a:shade val="50000"/>
+            </a:schemeClr>
+          </a:lnRef>
+          <a:fillRef idx="1">
+            <a:schemeClr val="accent1"/>
+          </a:fillRef>
+          <a:effectRef idx="0">
+            <a:schemeClr val="accent1"/>
+          </a:effectRef>
+          <a:fontRef idx="minor">
+            <a:schemeClr val="lt1"/>
+          </a:fontRef>
+        </p:style>
+        <p:txBody>
+          <a:bodyPr rtlCol="0" anchor="ctr"/>
+          <a:lstStyle/>
+          <a:p>
+            <a:pPr algn="ctr"/>
+            <a:endParaRPr lang="en-US"/>
+          </a:p>
+        </p:txBody>
+      </p:sp>
+      <p:sp>
+        <p:nvSpPr>
+          <p:cNvPr id="2" name="Titolo 1">
+            <a:extLst>
+              <a:ext uri="{FF2B5EF4-FFF2-40B4-BE49-F238E27FC236}">
+                <a16:creationId xmlns:a16="http://schemas.microsoft.com/office/drawing/2014/main" id="{42CAA773-2EF7-F156-92D8-A1699BF77F78}"/>
+              </a:ext>
+            </a:extLst>
+          </p:cNvPr>
+          <p:cNvSpPr>
+            <a:spLocks noGrp="1"/>
+          </p:cNvSpPr>
+          <p:nvPr>
+            <p:ph type="title"/>
+          </p:nvPr>
+        </p:nvSpPr>
+        <p:spPr>
+          <a:xfrm>
+            <a:off x="838200" y="365125"/>
+            <a:ext cx="10515600" cy="1325563"/>
+          </a:xfrm>
+        </p:spPr>
+        <p:txBody>
+          <a:bodyPr vert="horz" lIns="91440" tIns="45720" rIns="91440" bIns="45720" rtlCol="0" anchor="ctr">
+            <a:normAutofit/>
+          </a:bodyPr>
+          <a:lstStyle/>
+          <a:p>
+            <a:pPr algn="ctr"/>
+            <a:r>
+              <a:rPr lang="en-US" sz="5400" kern="1200" dirty="0" err="1">
+                <a:solidFill>
+                  <a:srgbClr val="ED7D31"/>
+                </a:solidFill>
+                <a:latin typeface="+mj-lt"/>
+                <a:ea typeface="+mj-ea"/>
+                <a:cs typeface="+mj-cs"/>
+              </a:rPr>
+              <a:t>Considerazioni</a:t>
+            </a:r>
+            <a:r>
+              <a:rPr lang="en-US" sz="5400" kern="1200" dirty="0">
+                <a:solidFill>
+                  <a:srgbClr val="ED7D31"/>
+                </a:solidFill>
+                <a:latin typeface="+mj-lt"/>
+                <a:ea typeface="+mj-ea"/>
+                <a:cs typeface="+mj-cs"/>
+              </a:rPr>
+              <a:t> </a:t>
+            </a:r>
+            <a:r>
+              <a:rPr lang="en-US" sz="5400" kern="1200" dirty="0" err="1">
+                <a:solidFill>
+                  <a:srgbClr val="ED7D31"/>
+                </a:solidFill>
+                <a:latin typeface="+mj-lt"/>
+                <a:ea typeface="+mj-ea"/>
+                <a:cs typeface="+mj-cs"/>
+              </a:rPr>
+              <a:t>finali</a:t>
+            </a:r>
+            <a:endParaRPr lang="en-US" sz="5400" kern="1200" dirty="0">
+              <a:solidFill>
+                <a:srgbClr val="ED7D31"/>
+              </a:solidFill>
+              <a:latin typeface="+mj-lt"/>
+              <a:ea typeface="+mj-ea"/>
+              <a:cs typeface="+mj-cs"/>
+            </a:endParaRPr>
+          </a:p>
+        </p:txBody>
+      </p:sp>
+      <p:sp>
+        <p:nvSpPr>
+          <p:cNvPr id="21" name="sketch line">
+            <a:extLst>
+              <a:ext uri="{FF2B5EF4-FFF2-40B4-BE49-F238E27FC236}">
+                <a16:creationId xmlns:a16="http://schemas.microsoft.com/office/drawing/2014/main" id="{E0CBAC23-2E3F-4A90-BA59-F8299F6A5439}"/>
+              </a:ext>
+              <a:ext uri="{C183D7F6-B498-43B3-948B-1728B52AA6E4}">
+                <adec:decorative xmlns:adec="http://schemas.microsoft.com/office/drawing/2017/decorative" val="1"/>
+              </a:ext>
+            </a:extLst>
+          </p:cNvPr>
+          <p:cNvSpPr>
+            <a:spLocks noGrp="1" noRot="1" noChangeAspect="1" noMove="1" noResize="1" noEditPoints="1" noAdjustHandles="1" noChangeArrowheads="1" noChangeShapeType="1" noTextEdit="1"/>
+          </p:cNvSpPr>
+          <p:nvPr>
+            <p:extLst>
+              <p:ext uri="{386F3935-93C4-4BCD-93E2-E3B085C9AB24}">
+                <p16:designElem xmlns:p16="http://schemas.microsoft.com/office/powerpoint/2015/main" val="1"/>
+              </p:ext>
+            </p:extLst>
+          </p:nvPr>
+        </p:nvSpPr>
+        <p:spPr>
+          <a:xfrm>
+            <a:off x="838200" y="1865313"/>
+            <a:ext cx="10424160" cy="18288"/>
+          </a:xfrm>
+          <a:custGeom>
+            <a:avLst/>
+            <a:gdLst>
+              <a:gd name="connsiteX0" fmla="*/ 0 w 10424160"/>
+              <a:gd name="connsiteY0" fmla="*/ 0 h 18288"/>
+              <a:gd name="connsiteX1" fmla="*/ 903427 w 10424160"/>
+              <a:gd name="connsiteY1" fmla="*/ 0 h 18288"/>
+              <a:gd name="connsiteX2" fmla="*/ 1389888 w 10424160"/>
+              <a:gd name="connsiteY2" fmla="*/ 0 h 18288"/>
+              <a:gd name="connsiteX3" fmla="*/ 2189074 w 10424160"/>
+              <a:gd name="connsiteY3" fmla="*/ 0 h 18288"/>
+              <a:gd name="connsiteX4" fmla="*/ 2675534 w 10424160"/>
+              <a:gd name="connsiteY4" fmla="*/ 0 h 18288"/>
+              <a:gd name="connsiteX5" fmla="*/ 3370478 w 10424160"/>
+              <a:gd name="connsiteY5" fmla="*/ 0 h 18288"/>
+              <a:gd name="connsiteX6" fmla="*/ 4169664 w 10424160"/>
+              <a:gd name="connsiteY6" fmla="*/ 0 h 18288"/>
+              <a:gd name="connsiteX7" fmla="*/ 4551883 w 10424160"/>
+              <a:gd name="connsiteY7" fmla="*/ 0 h 18288"/>
+              <a:gd name="connsiteX8" fmla="*/ 4934102 w 10424160"/>
+              <a:gd name="connsiteY8" fmla="*/ 0 h 18288"/>
+              <a:gd name="connsiteX9" fmla="*/ 5837530 w 10424160"/>
+              <a:gd name="connsiteY9" fmla="*/ 0 h 18288"/>
+              <a:gd name="connsiteX10" fmla="*/ 6532474 w 10424160"/>
+              <a:gd name="connsiteY10" fmla="*/ 0 h 18288"/>
+              <a:gd name="connsiteX11" fmla="*/ 6914693 w 10424160"/>
+              <a:gd name="connsiteY11" fmla="*/ 0 h 18288"/>
+              <a:gd name="connsiteX12" fmla="*/ 7609637 w 10424160"/>
+              <a:gd name="connsiteY12" fmla="*/ 0 h 18288"/>
+              <a:gd name="connsiteX13" fmla="*/ 8513064 w 10424160"/>
+              <a:gd name="connsiteY13" fmla="*/ 0 h 18288"/>
+              <a:gd name="connsiteX14" fmla="*/ 9103766 w 10424160"/>
+              <a:gd name="connsiteY14" fmla="*/ 0 h 18288"/>
+              <a:gd name="connsiteX15" fmla="*/ 9694469 w 10424160"/>
+              <a:gd name="connsiteY15" fmla="*/ 0 h 18288"/>
+              <a:gd name="connsiteX16" fmla="*/ 10424160 w 10424160"/>
+              <a:gd name="connsiteY16" fmla="*/ 0 h 18288"/>
+              <a:gd name="connsiteX17" fmla="*/ 10424160 w 10424160"/>
+              <a:gd name="connsiteY17" fmla="*/ 18288 h 18288"/>
+              <a:gd name="connsiteX18" fmla="*/ 9729216 w 10424160"/>
+              <a:gd name="connsiteY18" fmla="*/ 18288 h 18288"/>
+              <a:gd name="connsiteX19" fmla="*/ 8930030 w 10424160"/>
+              <a:gd name="connsiteY19" fmla="*/ 18288 h 18288"/>
+              <a:gd name="connsiteX20" fmla="*/ 8130845 w 10424160"/>
+              <a:gd name="connsiteY20" fmla="*/ 18288 h 18288"/>
+              <a:gd name="connsiteX21" fmla="*/ 7644384 w 10424160"/>
+              <a:gd name="connsiteY21" fmla="*/ 18288 h 18288"/>
+              <a:gd name="connsiteX22" fmla="*/ 6740957 w 10424160"/>
+              <a:gd name="connsiteY22" fmla="*/ 18288 h 18288"/>
+              <a:gd name="connsiteX23" fmla="*/ 6046013 w 10424160"/>
+              <a:gd name="connsiteY23" fmla="*/ 18288 h 18288"/>
+              <a:gd name="connsiteX24" fmla="*/ 5663794 w 10424160"/>
+              <a:gd name="connsiteY24" fmla="*/ 18288 h 18288"/>
+              <a:gd name="connsiteX25" fmla="*/ 4968850 w 10424160"/>
+              <a:gd name="connsiteY25" fmla="*/ 18288 h 18288"/>
+              <a:gd name="connsiteX26" fmla="*/ 4378147 w 10424160"/>
+              <a:gd name="connsiteY26" fmla="*/ 18288 h 18288"/>
+              <a:gd name="connsiteX27" fmla="*/ 3787445 w 10424160"/>
+              <a:gd name="connsiteY27" fmla="*/ 18288 h 18288"/>
+              <a:gd name="connsiteX28" fmla="*/ 3196742 w 10424160"/>
+              <a:gd name="connsiteY28" fmla="*/ 18288 h 18288"/>
+              <a:gd name="connsiteX29" fmla="*/ 2606040 w 10424160"/>
+              <a:gd name="connsiteY29" fmla="*/ 18288 h 18288"/>
+              <a:gd name="connsiteX30" fmla="*/ 1806854 w 10424160"/>
+              <a:gd name="connsiteY30" fmla="*/ 18288 h 18288"/>
+              <a:gd name="connsiteX31" fmla="*/ 1111910 w 10424160"/>
+              <a:gd name="connsiteY31" fmla="*/ 18288 h 18288"/>
+              <a:gd name="connsiteX32" fmla="*/ 729691 w 10424160"/>
+              <a:gd name="connsiteY32" fmla="*/ 18288 h 18288"/>
+              <a:gd name="connsiteX33" fmla="*/ 0 w 10424160"/>
+              <a:gd name="connsiteY33" fmla="*/ 18288 h 18288"/>
+              <a:gd name="connsiteX34" fmla="*/ 0 w 10424160"/>
+              <a:gd name="connsiteY34" fmla="*/ 0 h 18288"/>
+            </a:gdLst>
+            <a:ahLst/>
+            <a:cxnLst>
+              <a:cxn ang="0">
+                <a:pos x="connsiteX0" y="connsiteY0"/>
+              </a:cxn>
+              <a:cxn ang="0">
+                <a:pos x="connsiteX1" y="connsiteY1"/>
+              </a:cxn>
+              <a:cxn ang="0">
+                <a:pos x="connsiteX2" y="connsiteY2"/>
+              </a:cxn>
+              <a:cxn ang="0">
+                <a:pos x="connsiteX3" y="connsiteY3"/>
+              </a:cxn>
+              <a:cxn ang="0">
+                <a:pos x="connsiteX4" y="connsiteY4"/>
+              </a:cxn>
+              <a:cxn ang="0">
+                <a:pos x="connsiteX5" y="connsiteY5"/>
+              </a:cxn>
+              <a:cxn ang="0">
+                <a:pos x="connsiteX6" y="connsiteY6"/>
+              </a:cxn>
+              <a:cxn ang="0">
+                <a:pos x="connsiteX7" y="connsiteY7"/>
+              </a:cxn>
+              <a:cxn ang="0">
+                <a:pos x="connsiteX8" y="connsiteY8"/>
+              </a:cxn>
+              <a:cxn ang="0">
+                <a:pos x="connsiteX9" y="connsiteY9"/>
+              </a:cxn>
+              <a:cxn ang="0">
+                <a:pos x="connsiteX10" y="connsiteY10"/>
+              </a:cxn>
+              <a:cxn ang="0">
+                <a:pos x="connsiteX11" y="connsiteY11"/>
+              </a:cxn>
+              <a:cxn ang="0">
+                <a:pos x="connsiteX12" y="connsiteY12"/>
+              </a:cxn>
+              <a:cxn ang="0">
+                <a:pos x="connsiteX13" y="connsiteY13"/>
+              </a:cxn>
+              <a:cxn ang="0">
+                <a:pos x="connsiteX14" y="connsiteY14"/>
+              </a:cxn>
+              <a:cxn ang="0">
+                <a:pos x="connsiteX15" y="connsiteY15"/>
+              </a:cxn>
+              <a:cxn ang="0">
+                <a:pos x="connsiteX16" y="connsiteY16"/>
+              </a:cxn>
+              <a:cxn ang="0">
+                <a:pos x="connsiteX17" y="connsiteY17"/>
+              </a:cxn>
+              <a:cxn ang="0">
+                <a:pos x="connsiteX18" y="connsiteY18"/>
+              </a:cxn>
+              <a:cxn ang="0">
+                <a:pos x="connsiteX19" y="connsiteY19"/>
+              </a:cxn>
+              <a:cxn ang="0">
+                <a:pos x="connsiteX20" y="connsiteY20"/>
+              </a:cxn>
+              <a:cxn ang="0">
+                <a:pos x="connsiteX21" y="connsiteY21"/>
+              </a:cxn>
+              <a:cxn ang="0">
+                <a:pos x="connsiteX22" y="connsiteY22"/>
+              </a:cxn>
+              <a:cxn ang="0">
+                <a:pos x="connsiteX23" y="connsiteY23"/>
+              </a:cxn>
+              <a:cxn ang="0">
+                <a:pos x="connsiteX24" y="connsiteY24"/>
+              </a:cxn>
+              <a:cxn ang="0">
+                <a:pos x="connsiteX25" y="connsiteY25"/>
+              </a:cxn>
+              <a:cxn ang="0">
+                <a:pos x="connsiteX26" y="connsiteY26"/>
+              </a:cxn>
+              <a:cxn ang="0">
+                <a:pos x="connsiteX27" y="connsiteY27"/>
+              </a:cxn>
+              <a:cxn ang="0">
+                <a:pos x="connsiteX28" y="connsiteY28"/>
+              </a:cxn>
+              <a:cxn ang="0">
+                <a:pos x="connsiteX29" y="connsiteY29"/>
+              </a:cxn>
+              <a:cxn ang="0">
+                <a:pos x="connsiteX30" y="connsiteY30"/>
+              </a:cxn>
+              <a:cxn ang="0">
+                <a:pos x="connsiteX31" y="connsiteY31"/>
+              </a:cxn>
+              <a:cxn ang="0">
+                <a:pos x="connsiteX32" y="connsiteY32"/>
+              </a:cxn>
+              <a:cxn ang="0">
+                <a:pos x="connsiteX33" y="connsiteY33"/>
+              </a:cxn>
+              <a:cxn ang="0">
+                <a:pos x="connsiteX34" y="connsiteY34"/>
+              </a:cxn>
+            </a:cxnLst>
+            <a:rect l="l" t="t" r="r" b="b"/>
+            <a:pathLst>
+              <a:path w="10424160" h="18288" fill="none" extrusionOk="0">
+                <a:moveTo>
+                  <a:pt x="0" y="0"/>
+                </a:moveTo>
+                <a:cubicBezTo>
+                  <a:pt x="251416" y="-3874"/>
+                  <a:pt x="479411" y="-20508"/>
+                  <a:pt x="903427" y="0"/>
+                </a:cubicBezTo>
+                <a:cubicBezTo>
+                  <a:pt x="1327443" y="20508"/>
+                  <a:pt x="1177990" y="-7387"/>
+                  <a:pt x="1389888" y="0"/>
+                </a:cubicBezTo>
+                <a:cubicBezTo>
+                  <a:pt x="1601786" y="7387"/>
+                  <a:pt x="1928602" y="-6697"/>
+                  <a:pt x="2189074" y="0"/>
+                </a:cubicBezTo>
+                <a:cubicBezTo>
+                  <a:pt x="2449546" y="6697"/>
+                  <a:pt x="2440085" y="-21144"/>
+                  <a:pt x="2675534" y="0"/>
+                </a:cubicBezTo>
+                <a:cubicBezTo>
+                  <a:pt x="2910983" y="21144"/>
+                  <a:pt x="3026158" y="-11124"/>
+                  <a:pt x="3370478" y="0"/>
+                </a:cubicBezTo>
+                <a:cubicBezTo>
+                  <a:pt x="3714798" y="11124"/>
+                  <a:pt x="3864539" y="-10660"/>
+                  <a:pt x="4169664" y="0"/>
+                </a:cubicBezTo>
+                <a:cubicBezTo>
+                  <a:pt x="4474789" y="10660"/>
+                  <a:pt x="4471218" y="16488"/>
+                  <a:pt x="4551883" y="0"/>
+                </a:cubicBezTo>
+                <a:cubicBezTo>
+                  <a:pt x="4632548" y="-16488"/>
+                  <a:pt x="4786830" y="7986"/>
+                  <a:pt x="4934102" y="0"/>
+                </a:cubicBezTo>
+                <a:cubicBezTo>
+                  <a:pt x="5081374" y="-7986"/>
+                  <a:pt x="5575881" y="-33003"/>
+                  <a:pt x="5837530" y="0"/>
+                </a:cubicBezTo>
+                <a:cubicBezTo>
+                  <a:pt x="6099179" y="33003"/>
+                  <a:pt x="6305895" y="14170"/>
+                  <a:pt x="6532474" y="0"/>
+                </a:cubicBezTo>
+                <a:cubicBezTo>
+                  <a:pt x="6759053" y="-14170"/>
+                  <a:pt x="6726707" y="16121"/>
+                  <a:pt x="6914693" y="0"/>
+                </a:cubicBezTo>
+                <a:cubicBezTo>
+                  <a:pt x="7102679" y="-16121"/>
+                  <a:pt x="7397857" y="32594"/>
+                  <a:pt x="7609637" y="0"/>
+                </a:cubicBezTo>
+                <a:cubicBezTo>
+                  <a:pt x="7821417" y="-32594"/>
+                  <a:pt x="8141235" y="-3745"/>
+                  <a:pt x="8513064" y="0"/>
+                </a:cubicBezTo>
+                <a:cubicBezTo>
+                  <a:pt x="8884893" y="3745"/>
+                  <a:pt x="8877548" y="3359"/>
+                  <a:pt x="9103766" y="0"/>
+                </a:cubicBezTo>
+                <a:cubicBezTo>
+                  <a:pt x="9329984" y="-3359"/>
+                  <a:pt x="9545570" y="-17843"/>
+                  <a:pt x="9694469" y="0"/>
+                </a:cubicBezTo>
+                <a:cubicBezTo>
+                  <a:pt x="9843368" y="17843"/>
+                  <a:pt x="10162477" y="-1217"/>
+                  <a:pt x="10424160" y="0"/>
+                </a:cubicBezTo>
+                <a:cubicBezTo>
+                  <a:pt x="10424498" y="7640"/>
+                  <a:pt x="10423710" y="11289"/>
+                  <a:pt x="10424160" y="18288"/>
+                </a:cubicBezTo>
+                <a:cubicBezTo>
+                  <a:pt x="10184680" y="20716"/>
+                  <a:pt x="10034768" y="-9357"/>
+                  <a:pt x="9729216" y="18288"/>
+                </a:cubicBezTo>
+                <a:cubicBezTo>
+                  <a:pt x="9423664" y="45933"/>
+                  <a:pt x="9309220" y="36372"/>
+                  <a:pt x="8930030" y="18288"/>
+                </a:cubicBezTo>
+                <a:cubicBezTo>
+                  <a:pt x="8550840" y="204"/>
+                  <a:pt x="8513376" y="34707"/>
+                  <a:pt x="8130845" y="18288"/>
+                </a:cubicBezTo>
+                <a:cubicBezTo>
+                  <a:pt x="7748315" y="1869"/>
+                  <a:pt x="7864674" y="19659"/>
+                  <a:pt x="7644384" y="18288"/>
+                </a:cubicBezTo>
+                <a:cubicBezTo>
+                  <a:pt x="7424094" y="16917"/>
+                  <a:pt x="6947001" y="55680"/>
+                  <a:pt x="6740957" y="18288"/>
+                </a:cubicBezTo>
+                <a:cubicBezTo>
+                  <a:pt x="6534913" y="-19104"/>
+                  <a:pt x="6313809" y="33391"/>
+                  <a:pt x="6046013" y="18288"/>
+                </a:cubicBezTo>
+                <a:cubicBezTo>
+                  <a:pt x="5778217" y="3185"/>
+                  <a:pt x="5786775" y="1439"/>
+                  <a:pt x="5663794" y="18288"/>
+                </a:cubicBezTo>
+                <a:cubicBezTo>
+                  <a:pt x="5540813" y="35137"/>
+                  <a:pt x="5204724" y="25434"/>
+                  <a:pt x="4968850" y="18288"/>
+                </a:cubicBezTo>
+                <a:cubicBezTo>
+                  <a:pt x="4732976" y="11142"/>
+                  <a:pt x="4559928" y="34568"/>
+                  <a:pt x="4378147" y="18288"/>
+                </a:cubicBezTo>
+                <a:cubicBezTo>
+                  <a:pt x="4196366" y="2008"/>
+                  <a:pt x="3992200" y="35409"/>
+                  <a:pt x="3787445" y="18288"/>
+                </a:cubicBezTo>
+                <a:cubicBezTo>
+                  <a:pt x="3582690" y="1167"/>
+                  <a:pt x="3488876" y="-7583"/>
+                  <a:pt x="3196742" y="18288"/>
+                </a:cubicBezTo>
+                <a:cubicBezTo>
+                  <a:pt x="2904608" y="44159"/>
+                  <a:pt x="2729828" y="45906"/>
+                  <a:pt x="2606040" y="18288"/>
+                </a:cubicBezTo>
+                <a:cubicBezTo>
+                  <a:pt x="2482252" y="-9330"/>
+                  <a:pt x="2000672" y="-5498"/>
+                  <a:pt x="1806854" y="18288"/>
+                </a:cubicBezTo>
+                <a:cubicBezTo>
+                  <a:pt x="1613036" y="42074"/>
+                  <a:pt x="1310933" y="-4240"/>
+                  <a:pt x="1111910" y="18288"/>
+                </a:cubicBezTo>
+                <a:cubicBezTo>
+                  <a:pt x="912887" y="40816"/>
+                  <a:pt x="891560" y="1701"/>
+                  <a:pt x="729691" y="18288"/>
+                </a:cubicBezTo>
+                <a:cubicBezTo>
+                  <a:pt x="567822" y="34875"/>
+                  <a:pt x="203025" y="34462"/>
+                  <a:pt x="0" y="18288"/>
+                </a:cubicBezTo>
+                <a:cubicBezTo>
+                  <a:pt x="-82" y="11708"/>
+                  <a:pt x="-178" y="8956"/>
+                  <a:pt x="0" y="0"/>
+                </a:cubicBezTo>
+                <a:close/>
+              </a:path>
+              <a:path w="10424160" h="18288" stroke="0" extrusionOk="0">
+                <a:moveTo>
+                  <a:pt x="0" y="0"/>
+                </a:moveTo>
+                <a:cubicBezTo>
+                  <a:pt x="119910" y="17195"/>
+                  <a:pt x="345032" y="1652"/>
+                  <a:pt x="590702" y="0"/>
+                </a:cubicBezTo>
+                <a:cubicBezTo>
+                  <a:pt x="836372" y="-1652"/>
+                  <a:pt x="830717" y="-10944"/>
+                  <a:pt x="972922" y="0"/>
+                </a:cubicBezTo>
+                <a:cubicBezTo>
+                  <a:pt x="1115127" y="10944"/>
+                  <a:pt x="1638708" y="17269"/>
+                  <a:pt x="1876349" y="0"/>
+                </a:cubicBezTo>
+                <a:cubicBezTo>
+                  <a:pt x="2113990" y="-17269"/>
+                  <a:pt x="2263529" y="27642"/>
+                  <a:pt x="2467051" y="0"/>
+                </a:cubicBezTo>
+                <a:cubicBezTo>
+                  <a:pt x="2670573" y="-27642"/>
+                  <a:pt x="2867743" y="-1552"/>
+                  <a:pt x="3057754" y="0"/>
+                </a:cubicBezTo>
+                <a:cubicBezTo>
+                  <a:pt x="3247765" y="1552"/>
+                  <a:pt x="3729099" y="45169"/>
+                  <a:pt x="3961181" y="0"/>
+                </a:cubicBezTo>
+                <a:cubicBezTo>
+                  <a:pt x="4193263" y="-45169"/>
+                  <a:pt x="4313735" y="4067"/>
+                  <a:pt x="4447642" y="0"/>
+                </a:cubicBezTo>
+                <a:cubicBezTo>
+                  <a:pt x="4581549" y="-4067"/>
+                  <a:pt x="5123626" y="11867"/>
+                  <a:pt x="5351069" y="0"/>
+                </a:cubicBezTo>
+                <a:cubicBezTo>
+                  <a:pt x="5578512" y="-11867"/>
+                  <a:pt x="6044105" y="-19983"/>
+                  <a:pt x="6254496" y="0"/>
+                </a:cubicBezTo>
+                <a:cubicBezTo>
+                  <a:pt x="6464887" y="19983"/>
+                  <a:pt x="6664731" y="4232"/>
+                  <a:pt x="6949440" y="0"/>
+                </a:cubicBezTo>
+                <a:cubicBezTo>
+                  <a:pt x="7234149" y="-4232"/>
+                  <a:pt x="7497205" y="28731"/>
+                  <a:pt x="7852867" y="0"/>
+                </a:cubicBezTo>
+                <a:cubicBezTo>
+                  <a:pt x="8208529" y="-28731"/>
+                  <a:pt x="8287556" y="2616"/>
+                  <a:pt x="8443570" y="0"/>
+                </a:cubicBezTo>
+                <a:cubicBezTo>
+                  <a:pt x="8599584" y="-2616"/>
+                  <a:pt x="8871283" y="-14113"/>
+                  <a:pt x="9034272" y="0"/>
+                </a:cubicBezTo>
+                <a:cubicBezTo>
+                  <a:pt x="9197261" y="14113"/>
+                  <a:pt x="9604978" y="-35623"/>
+                  <a:pt x="9833458" y="0"/>
+                </a:cubicBezTo>
+                <a:cubicBezTo>
+                  <a:pt x="10061938" y="35623"/>
+                  <a:pt x="10231944" y="-8194"/>
+                  <a:pt x="10424160" y="0"/>
+                </a:cubicBezTo>
+                <a:cubicBezTo>
+                  <a:pt x="10424285" y="4395"/>
+                  <a:pt x="10424085" y="9776"/>
+                  <a:pt x="10424160" y="18288"/>
+                </a:cubicBezTo>
+                <a:cubicBezTo>
+                  <a:pt x="10058736" y="-5772"/>
+                  <a:pt x="9942989" y="-18764"/>
+                  <a:pt x="9624974" y="18288"/>
+                </a:cubicBezTo>
+                <a:cubicBezTo>
+                  <a:pt x="9306959" y="55340"/>
+                  <a:pt x="9229263" y="24995"/>
+                  <a:pt x="8930030" y="18288"/>
+                </a:cubicBezTo>
+                <a:cubicBezTo>
+                  <a:pt x="8630797" y="11581"/>
+                  <a:pt x="8647263" y="10931"/>
+                  <a:pt x="8547811" y="18288"/>
+                </a:cubicBezTo>
+                <a:cubicBezTo>
+                  <a:pt x="8448359" y="25645"/>
+                  <a:pt x="8173221" y="219"/>
+                  <a:pt x="8061350" y="18288"/>
+                </a:cubicBezTo>
+                <a:cubicBezTo>
+                  <a:pt x="7949479" y="36357"/>
+                  <a:pt x="7437002" y="17516"/>
+                  <a:pt x="7157923" y="18288"/>
+                </a:cubicBezTo>
+                <a:cubicBezTo>
+                  <a:pt x="6878844" y="19060"/>
+                  <a:pt x="6610241" y="8864"/>
+                  <a:pt x="6462979" y="18288"/>
+                </a:cubicBezTo>
+                <a:cubicBezTo>
+                  <a:pt x="6315717" y="27712"/>
+                  <a:pt x="6124879" y="4989"/>
+                  <a:pt x="5976518" y="18288"/>
+                </a:cubicBezTo>
+                <a:cubicBezTo>
+                  <a:pt x="5828157" y="31587"/>
+                  <a:pt x="5566880" y="7112"/>
+                  <a:pt x="5281574" y="18288"/>
+                </a:cubicBezTo>
+                <a:cubicBezTo>
+                  <a:pt x="4996268" y="29464"/>
+                  <a:pt x="5085614" y="20493"/>
+                  <a:pt x="4899355" y="18288"/>
+                </a:cubicBezTo>
+                <a:cubicBezTo>
+                  <a:pt x="4713096" y="16083"/>
+                  <a:pt x="4606138" y="34359"/>
+                  <a:pt x="4517136" y="18288"/>
+                </a:cubicBezTo>
+                <a:cubicBezTo>
+                  <a:pt x="4428134" y="2217"/>
+                  <a:pt x="4125335" y="52414"/>
+                  <a:pt x="3822192" y="18288"/>
+                </a:cubicBezTo>
+                <a:cubicBezTo>
+                  <a:pt x="3519049" y="-15838"/>
+                  <a:pt x="3453132" y="3859"/>
+                  <a:pt x="3335731" y="18288"/>
+                </a:cubicBezTo>
+                <a:cubicBezTo>
+                  <a:pt x="3218330" y="32717"/>
+                  <a:pt x="2718749" y="-13936"/>
+                  <a:pt x="2536546" y="18288"/>
+                </a:cubicBezTo>
+                <a:cubicBezTo>
+                  <a:pt x="2354343" y="50512"/>
+                  <a:pt x="2190669" y="3238"/>
+                  <a:pt x="2050085" y="18288"/>
+                </a:cubicBezTo>
+                <a:cubicBezTo>
+                  <a:pt x="1909501" y="33338"/>
+                  <a:pt x="1520975" y="3062"/>
+                  <a:pt x="1250899" y="18288"/>
+                </a:cubicBezTo>
+                <a:cubicBezTo>
+                  <a:pt x="980823" y="33514"/>
+                  <a:pt x="992936" y="28036"/>
+                  <a:pt x="868680" y="18288"/>
+                </a:cubicBezTo>
+                <a:cubicBezTo>
+                  <a:pt x="744424" y="8540"/>
+                  <a:pt x="230364" y="33365"/>
+                  <a:pt x="0" y="18288"/>
+                </a:cubicBezTo>
+                <a:cubicBezTo>
+                  <a:pt x="-504" y="12101"/>
+                  <a:pt x="-591" y="7719"/>
+                  <a:pt x="0" y="0"/>
+                </a:cubicBezTo>
+                <a:close/>
+              </a:path>
+            </a:pathLst>
+          </a:custGeom>
+          <a:solidFill>
+            <a:schemeClr val="accent2"/>
+          </a:solidFill>
+          <a:ln w="41275" cap="rnd">
+            <a:solidFill>
+              <a:schemeClr val="accent2"/>
+            </a:solidFill>
+            <a:round/>
+            <a:extLst>
+              <a:ext uri="{C807C97D-BFC1-408E-A445-0C87EB9F89A2}">
+                <ask:lineSketchStyleProps xmlns:ask="http://schemas.microsoft.com/office/drawing/2018/sketchyshapes" sd="1219033472">
+                  <a:prstGeom prst="rect">
+                    <a:avLst/>
+                  </a:prstGeom>
+                  <ask:type>
+                    <ask:lineSketchFreehand/>
+                  </ask:type>
+                </ask:lineSketchStyleProps>
+              </a:ext>
+            </a:extLst>
+          </a:ln>
+        </p:spPr>
+        <p:style>
+          <a:lnRef idx="2">
+            <a:schemeClr val="accent1">
+              <a:shade val="50000"/>
+            </a:schemeClr>
+          </a:lnRef>
+          <a:fillRef idx="1">
+            <a:schemeClr val="accent1"/>
+          </a:fillRef>
+          <a:effectRef idx="0">
+            <a:schemeClr val="accent1"/>
+          </a:effectRef>
+          <a:fontRef idx="minor">
+            <a:schemeClr val="lt1"/>
+          </a:fontRef>
+        </p:style>
+        <p:txBody>
+          <a:bodyPr rtlCol="0" anchor="ctr"/>
+          <a:lstStyle/>
+          <a:p>
+            <a:pPr algn="ctr"/>
+            <a:endParaRPr lang="en-US"/>
+          </a:p>
+        </p:txBody>
+      </p:sp>
+      <p:pic>
+        <p:nvPicPr>
+          <p:cNvPr id="12" name="Segnaposto contenuto 11">
+            <a:extLst>
+              <a:ext uri="{FF2B5EF4-FFF2-40B4-BE49-F238E27FC236}">
+                <a16:creationId xmlns:a16="http://schemas.microsoft.com/office/drawing/2014/main" id="{D76CBDA6-0F26-35B2-FC8C-CE0E9F3F961A}"/>
+              </a:ext>
+            </a:extLst>
+          </p:cNvPr>
+          <p:cNvPicPr>
+            <a:picLocks noGrp="1" noChangeAspect="1"/>
+          </p:cNvPicPr>
+          <p:nvPr>
+            <p:ph idx="1"/>
+          </p:nvPr>
+        </p:nvPicPr>
+        <p:blipFill>
+          <a:blip r:embed="rId2">
+            <a:extLst>
+              <a:ext uri="{28A0092B-C50C-407E-A947-70E740481C1C}">
+                <a14:useLocalDpi xmlns:a14="http://schemas.microsoft.com/office/drawing/2010/main" val="0"/>
+              </a:ext>
+            </a:extLst>
+          </a:blip>
+          <a:stretch>
+            <a:fillRect/>
+          </a:stretch>
+        </p:blipFill>
+        <p:spPr>
+          <a:xfrm>
+            <a:off x="302427" y="271844"/>
+            <a:ext cx="609600" cy="609600"/>
+          </a:xfrm>
+          <a:effectLst>
+            <a:outerShdw blurRad="50800" dist="25400" dir="5400000" algn="t" rotWithShape="0">
+              <a:prstClr val="black">
+                <a:alpha val="40000"/>
+              </a:prstClr>
+            </a:outerShdw>
+          </a:effectLst>
+        </p:spPr>
+      </p:pic>
+      <p:pic>
+        <p:nvPicPr>
+          <p:cNvPr id="7" name="Immagine 6">
+            <a:extLst>
+              <a:ext uri="{FF2B5EF4-FFF2-40B4-BE49-F238E27FC236}">
+                <a16:creationId xmlns:a16="http://schemas.microsoft.com/office/drawing/2014/main" id="{FAE7CBF4-4400-4941-34FD-8A334C1EC0F0}"/>
+              </a:ext>
+            </a:extLst>
+          </p:cNvPr>
+          <p:cNvPicPr>
+            <a:picLocks noChangeAspect="1"/>
+          </p:cNvPicPr>
+          <p:nvPr/>
+        </p:nvPicPr>
+        <p:blipFill>
+          <a:blip r:embed="rId3">
+            <a:extLst>
+              <a:ext uri="{28A0092B-C50C-407E-A947-70E740481C1C}">
+                <a14:useLocalDpi xmlns:a14="http://schemas.microsoft.com/office/drawing/2010/main" val="0"/>
+              </a:ext>
+            </a:extLst>
+          </a:blip>
+          <a:stretch>
+            <a:fillRect/>
+          </a:stretch>
+        </p:blipFill>
+        <p:spPr>
+          <a:xfrm>
+            <a:off x="11212066" y="271844"/>
+            <a:ext cx="677507" cy="483933"/>
+          </a:xfrm>
+          <a:prstGeom prst="rect">
+            <a:avLst/>
+          </a:prstGeom>
+          <a:noFill/>
+          <a:ln>
+            <a:noFill/>
+          </a:ln>
+        </p:spPr>
+      </p:pic>
+      <p:graphicFrame>
+        <p:nvGraphicFramePr>
+          <p:cNvPr id="15" name="CasellaDiTesto 12">
+            <a:extLst>
+              <a:ext uri="{FF2B5EF4-FFF2-40B4-BE49-F238E27FC236}">
+                <a16:creationId xmlns:a16="http://schemas.microsoft.com/office/drawing/2014/main" id="{A3258B93-D0DB-F20D-2E24-166182C4761C}"/>
+              </a:ext>
+            </a:extLst>
+          </p:cNvPr>
+          <p:cNvGraphicFramePr/>
+          <p:nvPr>
+            <p:extLst>
+              <p:ext uri="{D42A27DB-BD31-4B8C-83A1-F6EECF244321}">
+                <p14:modId xmlns:p14="http://schemas.microsoft.com/office/powerpoint/2010/main" val="330797286"/>
+              </p:ext>
+            </p:extLst>
+          </p:nvPr>
+        </p:nvGraphicFramePr>
+        <p:xfrm>
+          <a:off x="838200" y="2228087"/>
+          <a:ext cx="10515600" cy="3948876"/>
+        </p:xfrm>
+        <a:graphic>
+          <a:graphicData uri="http://schemas.openxmlformats.org/drawingml/2006/diagram">
+            <dgm:relIds xmlns:dgm="http://schemas.openxmlformats.org/drawingml/2006/diagram" xmlns:r="http://schemas.openxmlformats.org/officeDocument/2006/relationships" r:dm="rId4" r:lo="rId5" r:qs="rId6" r:cs="rId7"/>
+          </a:graphicData>
+        </a:graphic>
+      </p:graphicFrame>
+    </p:spTree>
+    <p:extLst>
+      <p:ext uri="{BB962C8B-B14F-4D97-AF65-F5344CB8AC3E}">
+        <p14:creationId xmlns:p14="http://schemas.microsoft.com/office/powerpoint/2010/main" val="1111739194"/>
       </p:ext>
     </p:extLst>
   </p:cSld>
@@ -14353,10 +21305,10 @@
       </p:pic>
       <p:pic>
         <p:nvPicPr>
-          <p:cNvPr id="8" name="Immagine 7" descr="Immagine che contiene testo, segnale&#10;&#10;Descrizione generata automaticamente">
+          <p:cNvPr id="9" name="Immagine 8" descr="Immagine che contiene testo, segnale&#10;&#10;Descrizione generata automaticamente">
             <a:extLst>
               <a:ext uri="{FF2B5EF4-FFF2-40B4-BE49-F238E27FC236}">
-                <a16:creationId xmlns:a16="http://schemas.microsoft.com/office/drawing/2014/main" id="{705B2708-BBE5-80EA-50B0-25FBE2FBA41B}"/>
+                <a16:creationId xmlns:a16="http://schemas.microsoft.com/office/drawing/2014/main" id="{43DC1FCA-E39E-5213-AF32-6F2457EF8312}"/>
               </a:ext>
             </a:extLst>
           </p:cNvPr>
@@ -14386,7 +21338,7 @@
             <a:avLst/>
           </a:prstGeom>
           <a:effectLst>
-            <a:outerShdw blurRad="50800" dist="38100" dir="5400000" algn="t" rotWithShape="0">
+            <a:outerShdw blurRad="50800" dist="25400" dir="5400000" algn="t" rotWithShape="0">
               <a:prstClr val="black">
                 <a:alpha val="40000"/>
               </a:prstClr>
@@ -14856,36 +21808,26 @@
           </a:bodyPr>
           <a:lstStyle/>
           <a:p>
-            <a:pPr indent="-228600">
+            <a:pPr>
               <a:lnSpc>
                 <a:spcPct val="90000"/>
               </a:lnSpc>
               <a:spcAft>
                 <a:spcPts val="600"/>
               </a:spcAft>
-              <a:buFont typeface="Arial" panose="020B0604020202020204" pitchFamily="34" charset="0"/>
-              <a:buChar char="•"/>
             </a:pPr>
-            <a:r>
-              <a:rPr lang="en-US" sz="1500" dirty="0" err="1">
-                <a:solidFill>
-                  <a:srgbClr val="1020D7"/>
-                </a:solidFill>
-              </a:rPr>
-              <a:t>Gli</a:t>
-            </a:r>
             <a:r>
               <a:rPr lang="en-US" sz="1500" dirty="0">
                 <a:solidFill>
-                  <a:srgbClr val="1020D7"/>
+                  <a:srgbClr val="0C01D3"/>
                 </a:solidFill>
               </a:rPr>
-              <a:t> </a:t>
+              <a:t>Due tipi di </a:t>
             </a:r>
             <a:r>
               <a:rPr lang="en-US" sz="1500" dirty="0" err="1">
                 <a:solidFill>
-                  <a:srgbClr val="1020D7"/>
+                  <a:srgbClr val="0C01D3"/>
                 </a:solidFill>
               </a:rPr>
               <a:t>attori</a:t>
@@ -14893,74 +21835,10 @@
             <a:r>
               <a:rPr lang="en-US" sz="1500" dirty="0">
                 <a:solidFill>
-                  <a:srgbClr val="1020D7"/>
+                  <a:srgbClr val="0C01D3"/>
                 </a:solidFill>
               </a:rPr>
-              <a:t> </a:t>
-            </a:r>
-            <a:r>
-              <a:rPr lang="en-US" sz="1500" dirty="0" err="1">
-                <a:solidFill>
-                  <a:srgbClr val="1020D7"/>
-                </a:solidFill>
-              </a:rPr>
-              <a:t>che</a:t>
-            </a:r>
-            <a:r>
-              <a:rPr lang="en-US" sz="1500" dirty="0">
-                <a:solidFill>
-                  <a:srgbClr val="1020D7"/>
-                </a:solidFill>
-              </a:rPr>
-              <a:t> </a:t>
-            </a:r>
-            <a:r>
-              <a:rPr lang="en-US" sz="1500" dirty="0" err="1">
-                <a:solidFill>
-                  <a:srgbClr val="1020D7"/>
-                </a:solidFill>
-              </a:rPr>
-              <a:t>interagiscono</a:t>
-            </a:r>
-            <a:r>
-              <a:rPr lang="en-US" sz="1500" dirty="0">
-                <a:solidFill>
-                  <a:srgbClr val="1020D7"/>
-                </a:solidFill>
-              </a:rPr>
-              <a:t> con il </a:t>
-            </a:r>
-            <a:r>
-              <a:rPr lang="en-US" sz="1500" dirty="0" err="1">
-                <a:solidFill>
-                  <a:srgbClr val="1020D7"/>
-                </a:solidFill>
-              </a:rPr>
-              <a:t>sistema</a:t>
-            </a:r>
-            <a:r>
-              <a:rPr lang="en-US" sz="1500" dirty="0">
-                <a:solidFill>
-                  <a:srgbClr val="1020D7"/>
-                </a:solidFill>
-              </a:rPr>
-              <a:t> </a:t>
-            </a:r>
-            <a:r>
-              <a:rPr lang="en-US" sz="1500" dirty="0" err="1">
-                <a:solidFill>
-                  <a:srgbClr val="1020D7"/>
-                </a:solidFill>
-              </a:rPr>
-              <a:t>sono</a:t>
-            </a:r>
-            <a:r>
-              <a:rPr lang="en-US" sz="1500" dirty="0">
-                <a:solidFill>
-                  <a:srgbClr val="1020D7"/>
-                </a:solidFill>
-              </a:rPr>
-              <a:t> di due tipi:</a:t>
+              <a:t>:</a:t>
             </a:r>
           </a:p>
           <a:p>
@@ -14977,15 +21855,15 @@
             <a:r>
               <a:rPr lang="en-US" sz="1500" dirty="0">
                 <a:solidFill>
-                  <a:srgbClr val="1020D7"/>
+                  <a:srgbClr val="0C01D3"/>
                 </a:solidFill>
               </a:rPr>
-              <a:t>3 «</a:t>
+              <a:t>«</a:t>
             </a:r>
             <a:r>
               <a:rPr lang="en-US" sz="1500" dirty="0" err="1">
                 <a:solidFill>
-                  <a:srgbClr val="1020D7"/>
+                  <a:srgbClr val="0C01D3"/>
                 </a:solidFill>
               </a:rPr>
               <a:t>amministrativi</a:t>
@@ -14993,7 +21871,7 @@
             <a:r>
               <a:rPr lang="en-US" sz="1500" dirty="0">
                 <a:solidFill>
-                  <a:srgbClr val="1020D7"/>
+                  <a:srgbClr val="0C01D3"/>
                 </a:solidFill>
               </a:rPr>
               <a:t>»:</a:t>
@@ -15013,7 +21891,7 @@
             <a:r>
               <a:rPr lang="en-US" sz="1500" dirty="0" err="1">
                 <a:solidFill>
-                  <a:srgbClr val="1020D7"/>
+                  <a:srgbClr val="0C01D3"/>
                 </a:solidFill>
               </a:rPr>
               <a:t>Presidente</a:t>
@@ -15021,7 +21899,7 @@
             <a:r>
               <a:rPr lang="en-US" sz="1500" dirty="0">
                 <a:solidFill>
-                  <a:srgbClr val="1020D7"/>
+                  <a:srgbClr val="0C01D3"/>
                 </a:solidFill>
               </a:rPr>
               <a:t> del </a:t>
@@ -15029,14 +21907,14 @@
             <a:r>
               <a:rPr lang="en-US" sz="1500" dirty="0" err="1">
                 <a:solidFill>
-                  <a:srgbClr val="1020D7"/>
+                  <a:srgbClr val="0C01D3"/>
                 </a:solidFill>
               </a:rPr>
               <a:t>seggio</a:t>
             </a:r>
             <a:endParaRPr lang="en-US" sz="1500" dirty="0">
               <a:solidFill>
-                <a:srgbClr val="1020D7"/>
+                <a:srgbClr val="0C01D3"/>
               </a:solidFill>
             </a:endParaRPr>
           </a:p>
@@ -15054,14 +21932,14 @@
             <a:r>
               <a:rPr lang="en-US" sz="1500" dirty="0" err="1">
                 <a:solidFill>
-                  <a:srgbClr val="1020D7"/>
+                  <a:srgbClr val="0C01D3"/>
                 </a:solidFill>
               </a:rPr>
               <a:t>Scrutatore</a:t>
             </a:r>
             <a:endParaRPr lang="en-US" sz="1500" dirty="0">
               <a:solidFill>
-                <a:srgbClr val="1020D7"/>
+                <a:srgbClr val="0C01D3"/>
               </a:solidFill>
             </a:endParaRPr>
           </a:p>
@@ -15079,14 +21957,14 @@
             <a:r>
               <a:rPr lang="en-US" sz="1500" dirty="0" err="1">
                 <a:solidFill>
-                  <a:srgbClr val="1020D7"/>
+                  <a:srgbClr val="0C01D3"/>
                 </a:solidFill>
               </a:rPr>
               <a:t>Amministratore</a:t>
             </a:r>
             <a:endParaRPr lang="en-US" sz="1500" dirty="0">
               <a:solidFill>
-                <a:srgbClr val="1020D7"/>
+                <a:srgbClr val="0C01D3"/>
               </a:solidFill>
             </a:endParaRPr>
           </a:p>
@@ -15104,23 +21982,23 @@
             <a:r>
               <a:rPr lang="en-US" sz="1500" dirty="0">
                 <a:solidFill>
-                  <a:srgbClr val="1020D7"/>
+                  <a:srgbClr val="0C01D3"/>
                 </a:solidFill>
               </a:rPr>
-              <a:t>E uno «</a:t>
+              <a:t>«</a:t>
             </a:r>
             <a:r>
               <a:rPr lang="en-US" sz="1500" dirty="0" err="1">
                 <a:solidFill>
-                  <a:srgbClr val="1020D7"/>
+                  <a:srgbClr val="0C01D3"/>
                 </a:solidFill>
               </a:rPr>
-              <a:t>pubblico</a:t>
+              <a:t>pubblici</a:t>
             </a:r>
             <a:r>
               <a:rPr lang="en-US" sz="1500" dirty="0">
                 <a:solidFill>
-                  <a:srgbClr val="1020D7"/>
+                  <a:srgbClr val="0C01D3"/>
                 </a:solidFill>
               </a:rPr>
               <a:t>»:</a:t>
@@ -15140,14 +22018,14 @@
             <a:r>
               <a:rPr lang="en-US" sz="1500" dirty="0" err="1">
                 <a:solidFill>
-                  <a:srgbClr val="1020D7"/>
+                  <a:srgbClr val="0C01D3"/>
                 </a:solidFill>
               </a:rPr>
               <a:t>Elettore</a:t>
             </a:r>
             <a:endParaRPr lang="en-US" sz="1500" dirty="0">
               <a:solidFill>
-                <a:srgbClr val="1020D7"/>
+                <a:srgbClr val="0C01D3"/>
               </a:solidFill>
             </a:endParaRPr>
           </a:p>
@@ -15169,44 +22047,42 @@
             </a:endParaRPr>
           </a:p>
           <a:p>
-            <a:pPr indent="-228600">
+            <a:pPr>
               <a:lnSpc>
                 <a:spcPct val="90000"/>
               </a:lnSpc>
               <a:spcAft>
                 <a:spcPts val="600"/>
               </a:spcAft>
-              <a:buFont typeface="Arial" panose="020B0604020202020204" pitchFamily="34" charset="0"/>
-              <a:buChar char="•"/>
             </a:pPr>
             <a:r>
               <a:rPr lang="en-US" sz="1500" dirty="0">
                 <a:solidFill>
-                  <a:srgbClr val="1020D7"/>
+                  <a:srgbClr val="0C01D3"/>
                 </a:solidFill>
               </a:rPr>
-              <a:t>Il Software fa </a:t>
+              <a:t>Sistema </a:t>
             </a:r>
             <a:r>
               <a:rPr lang="en-US" sz="1500" dirty="0" err="1">
                 <a:solidFill>
-                  <a:srgbClr val="1020D7"/>
+                  <a:srgbClr val="0C01D3"/>
                 </a:solidFill>
               </a:rPr>
-              <a:t>uso</a:t>
+              <a:t>esterno</a:t>
             </a:r>
             <a:r>
               <a:rPr lang="en-US" sz="1500" dirty="0">
                 <a:solidFill>
-                  <a:srgbClr val="1020D7"/>
+                  <a:srgbClr val="0C01D3"/>
                 </a:solidFill>
               </a:rPr>
-              <a:t> di un </a:t>
+              <a:t> </a:t>
             </a:r>
             <a:r>
               <a:rPr lang="en-US" sz="1500" dirty="0" err="1">
                 <a:solidFill>
-                  <a:srgbClr val="1020D7"/>
+                  <a:srgbClr val="0C01D3"/>
                 </a:solidFill>
               </a:rPr>
               <a:t>unico</a:t>
@@ -15214,23 +22090,7 @@
             <a:r>
               <a:rPr lang="en-US" sz="1500" dirty="0">
                 <a:solidFill>
-                  <a:srgbClr val="1020D7"/>
-                </a:solidFill>
-              </a:rPr>
-              <a:t> Sistema </a:t>
-            </a:r>
-            <a:r>
-              <a:rPr lang="en-US" sz="1500" dirty="0" err="1">
-                <a:solidFill>
-                  <a:srgbClr val="1020D7"/>
-                </a:solidFill>
-              </a:rPr>
-              <a:t>esterno</a:t>
-            </a:r>
-            <a:r>
-              <a:rPr lang="en-US" sz="1500" dirty="0">
-                <a:solidFill>
-                  <a:srgbClr val="1020D7"/>
+                  <a:srgbClr val="0C01D3"/>
                 </a:solidFill>
               </a:rPr>
               <a:t>, </a:t>
@@ -15238,7 +22098,7 @@
             <a:r>
               <a:rPr lang="en-US" sz="1500" dirty="0" err="1">
                 <a:solidFill>
-                  <a:srgbClr val="1020D7"/>
+                  <a:srgbClr val="0C01D3"/>
                 </a:solidFill>
               </a:rPr>
               <a:t>Spid</a:t>
@@ -15246,7 +22106,7 @@
             <a:r>
               <a:rPr lang="en-US" sz="1500" dirty="0">
                 <a:solidFill>
-                  <a:srgbClr val="1020D7"/>
+                  <a:srgbClr val="0C01D3"/>
                 </a:solidFill>
               </a:rPr>
               <a:t>, per </a:t>
@@ -15254,7 +22114,7 @@
             <a:r>
               <a:rPr lang="en-US" sz="1500" dirty="0" err="1">
                 <a:solidFill>
-                  <a:srgbClr val="1020D7"/>
+                  <a:srgbClr val="0C01D3"/>
                 </a:solidFill>
               </a:rPr>
               <a:t>l’autenticazione</a:t>
@@ -15262,7 +22122,7 @@
             <a:r>
               <a:rPr lang="en-US" sz="1500" dirty="0">
                 <a:solidFill>
-                  <a:srgbClr val="1020D7"/>
+                  <a:srgbClr val="0C01D3"/>
                 </a:solidFill>
               </a:rPr>
               <a:t> </a:t>
@@ -15270,7 +22130,7 @@
             <a:r>
               <a:rPr lang="en-US" sz="1500" dirty="0" err="1">
                 <a:solidFill>
-                  <a:srgbClr val="1020D7"/>
+                  <a:srgbClr val="0C01D3"/>
                 </a:solidFill>
               </a:rPr>
               <a:t>ufficiale</a:t>
@@ -15278,7 +22138,7 @@
             <a:r>
               <a:rPr lang="en-US" sz="1500" dirty="0">
                 <a:solidFill>
-                  <a:srgbClr val="1020D7"/>
+                  <a:srgbClr val="0C01D3"/>
                 </a:solidFill>
               </a:rPr>
               <a:t> </a:t>
@@ -15286,7 +22146,7 @@
             <a:r>
               <a:rPr lang="en-US" sz="1500" dirty="0" err="1">
                 <a:solidFill>
-                  <a:srgbClr val="1020D7"/>
+                  <a:srgbClr val="0C01D3"/>
                 </a:solidFill>
               </a:rPr>
               <a:t>degli</a:t>
@@ -15294,7 +22154,7 @@
             <a:r>
               <a:rPr lang="en-US" sz="1500" dirty="0">
                 <a:solidFill>
-                  <a:srgbClr val="1020D7"/>
+                  <a:srgbClr val="0C01D3"/>
                 </a:solidFill>
               </a:rPr>
               <a:t> </a:t>
@@ -15302,7 +22162,7 @@
             <a:r>
               <a:rPr lang="en-US" sz="1500" dirty="0" err="1">
                 <a:solidFill>
-                  <a:srgbClr val="1020D7"/>
+                  <a:srgbClr val="0C01D3"/>
                 </a:solidFill>
               </a:rPr>
               <a:t>utenti</a:t>
@@ -15310,7 +22170,7 @@
             <a:r>
               <a:rPr lang="en-US" sz="1500" dirty="0">
                 <a:solidFill>
-                  <a:srgbClr val="1020D7"/>
+                  <a:srgbClr val="0C01D3"/>
                 </a:solidFill>
               </a:rPr>
               <a:t> </a:t>
@@ -15318,14 +22178,14 @@
             <a:r>
               <a:rPr lang="en-US" sz="1500" dirty="0" err="1">
                 <a:solidFill>
-                  <a:srgbClr val="1020D7"/>
+                  <a:srgbClr val="0C01D3"/>
                 </a:solidFill>
               </a:rPr>
               <a:t>Elettori</a:t>
             </a:r>
             <a:endParaRPr lang="en-US" sz="1500" dirty="0">
               <a:solidFill>
-                <a:srgbClr val="1020D7"/>
+                <a:srgbClr val="0C01D3"/>
               </a:solidFill>
             </a:endParaRPr>
           </a:p>
@@ -15401,10 +22261,10 @@
       </p:pic>
       <p:pic>
         <p:nvPicPr>
-          <p:cNvPr id="8" name="Immagine 7" descr="Immagine che contiene testo, segnale&#10;&#10;Descrizione generata automaticamente">
+          <p:cNvPr id="9" name="Immagine 8" descr="Immagine che contiene testo, segnale&#10;&#10;Descrizione generata automaticamente">
             <a:extLst>
               <a:ext uri="{FF2B5EF4-FFF2-40B4-BE49-F238E27FC236}">
-                <a16:creationId xmlns:a16="http://schemas.microsoft.com/office/drawing/2014/main" id="{AF6CF69D-1C6C-538F-F025-918E26B91034}"/>
+                <a16:creationId xmlns:a16="http://schemas.microsoft.com/office/drawing/2014/main" id="{16B5146E-52C6-76E1-60AF-FB61BA6E1ED0}"/>
               </a:ext>
             </a:extLst>
           </p:cNvPr>
@@ -15434,7 +22294,7 @@
             <a:avLst/>
           </a:prstGeom>
           <a:effectLst>
-            <a:outerShdw blurRad="50800" dist="38100" dir="5400000" algn="t" rotWithShape="0">
+            <a:outerShdw blurRad="50800" dist="25400" dir="5400000" algn="t" rotWithShape="0">
               <a:prstClr val="black">
                 <a:alpha val="40000"/>
               </a:prstClr>
@@ -15873,7 +22733,7 @@
         </p:spPr>
         <p:txBody>
           <a:bodyPr anchor="t">
-            <a:normAutofit fontScale="92500" lnSpcReduction="20000"/>
+            <a:normAutofit/>
           </a:bodyPr>
           <a:lstStyle/>
           <a:p>
@@ -15883,31 +22743,27 @@
                   <a:srgbClr val="0C01D3"/>
                 </a:solidFill>
               </a:rPr>
-              <a:t>Il </a:t>
+              <a:t>Security use-case e misuse-case</a:t>
             </a:r>
+          </a:p>
+          <a:p>
+            <a:pPr marL="0" indent="0">
+              <a:buNone/>
+            </a:pPr>
+            <a:endParaRPr lang="en-US" sz="2200" dirty="0">
+              <a:solidFill>
+                <a:srgbClr val="0C01D3"/>
+              </a:solidFill>
+            </a:endParaRPr>
+          </a:p>
+          <a:p>
             <a:r>
               <a:rPr lang="en-US" sz="2200" dirty="0" err="1">
                 <a:solidFill>
                   <a:srgbClr val="0C01D3"/>
                 </a:solidFill>
               </a:rPr>
-              <a:t>diagramma</a:t>
-            </a:r>
-            <a:r>
-              <a:rPr lang="en-US" sz="2200" dirty="0">
-                <a:solidFill>
-                  <a:srgbClr val="0C01D3"/>
-                </a:solidFill>
-              </a:rPr>
-              <a:t> a </a:t>
-            </a:r>
-            <a:r>
-              <a:rPr lang="en-US" sz="2200" dirty="0" err="1">
-                <a:solidFill>
-                  <a:srgbClr val="0C01D3"/>
-                </a:solidFill>
-              </a:rPr>
-              <a:t>destra</a:t>
+              <a:t>Sicurezza</a:t>
             </a:r>
             <a:r>
               <a:rPr lang="en-US" sz="2200" dirty="0">
@@ -15923,10 +22779,42 @@
                   <a:srgbClr val="0C01D3"/>
                 </a:solidFill>
               </a:rPr>
-              <a:t>presenta</a:t>
+              <a:t>fondamentale</a:t>
+            </a:r>
+            <a:endParaRPr lang="en-US" sz="2200" dirty="0">
+              <a:solidFill>
+                <a:srgbClr val="0C01D3"/>
+              </a:solidFill>
+            </a:endParaRPr>
+          </a:p>
+          <a:p>
+            <a:pPr lvl="1"/>
+            <a:r>
+              <a:rPr lang="en-US" sz="1800" dirty="0" err="1">
+                <a:solidFill>
+                  <a:srgbClr val="0C01D3"/>
+                </a:solidFill>
+              </a:rPr>
+              <a:t>Voto</a:t>
             </a:r>
             <a:r>
-              <a:rPr lang="en-US" sz="2200" dirty="0">
+              <a:rPr lang="en-US" sz="1800" dirty="0">
+                <a:solidFill>
+                  <a:srgbClr val="0C01D3"/>
+                </a:solidFill>
+              </a:rPr>
+              <a:t> come </a:t>
+            </a:r>
+            <a:r>
+              <a:rPr lang="en-US" sz="1800" dirty="0" err="1">
+                <a:solidFill>
+                  <a:srgbClr val="0C01D3"/>
+                </a:solidFill>
+              </a:rPr>
+              <a:t>atto</a:t>
+            </a:r>
+            <a:r>
+              <a:rPr lang="en-US" sz="1800" dirty="0">
                 <a:solidFill>
                   <a:srgbClr val="0C01D3"/>
                 </a:solidFill>
@@ -15934,73 +22822,47 @@
               <a:t> </a:t>
             </a:r>
             <a:r>
-              <a:rPr lang="en-US" sz="2200" dirty="0" err="1">
+              <a:rPr lang="en-US" sz="1800" dirty="0" err="1">
                 <a:solidFill>
                   <a:srgbClr val="0C01D3"/>
                 </a:solidFill>
               </a:rPr>
-              <a:t>i</a:t>
+              <a:t>personale</a:t>
             </a:r>
             <a:r>
-              <a:rPr lang="en-US" sz="2200" dirty="0">
+              <a:rPr lang="en-US" sz="1800" dirty="0">
                 <a:solidFill>
                   <a:srgbClr val="0C01D3"/>
                 </a:solidFill>
               </a:rPr>
-              <a:t> security use-case e misuse-case</a:t>
+              <a:t> e </a:t>
             </a:r>
-          </a:p>
-          <a:p>
             <a:r>
-              <a:rPr lang="en-US" sz="2200" dirty="0">
+              <a:rPr lang="en-US" sz="1800" dirty="0" err="1">
                 <a:solidFill>
                   <a:srgbClr val="0C01D3"/>
                 </a:solidFill>
               </a:rPr>
-              <a:t>La </a:t>
+              <a:t>privato</a:t>
             </a:r>
+            <a:endParaRPr lang="en-US" sz="1800" dirty="0">
+              <a:solidFill>
+                <a:srgbClr val="0C01D3"/>
+              </a:solidFill>
+            </a:endParaRPr>
+          </a:p>
+          <a:p>
+            <a:pPr lvl="1"/>
             <a:r>
-              <a:rPr lang="en-US" sz="2200" dirty="0" err="1">
+              <a:rPr lang="en-US" sz="1800" dirty="0" err="1">
                 <a:solidFill>
                   <a:srgbClr val="0C01D3"/>
                 </a:solidFill>
               </a:rPr>
-              <a:t>sicurezza</a:t>
+              <a:t>Essenziali</a:t>
             </a:r>
             <a:r>
-              <a:rPr lang="en-US" sz="2200" dirty="0">
-                <a:solidFill>
-                  <a:srgbClr val="0C01D3"/>
-                </a:solidFill>
-              </a:rPr>
-              <a:t> è </a:t>
-            </a:r>
-            <a:r>
-              <a:rPr lang="en-US" sz="2200" dirty="0" err="1">
-                <a:solidFill>
-                  <a:srgbClr val="0C01D3"/>
-                </a:solidFill>
-              </a:rPr>
-              <a:t>fondamentale</a:t>
-            </a:r>
-            <a:r>
-              <a:rPr lang="en-US" sz="2200" dirty="0">
-                <a:solidFill>
-                  <a:srgbClr val="0C01D3"/>
-                </a:solidFill>
-              </a:rPr>
-              <a:t>, in </a:t>
-            </a:r>
-            <a:r>
-              <a:rPr lang="en-US" sz="2200" dirty="0" err="1">
-                <a:solidFill>
-                  <a:srgbClr val="0C01D3"/>
-                </a:solidFill>
-              </a:rPr>
-              <a:t>quanto</a:t>
-            </a:r>
-            <a:r>
-              <a:rPr lang="en-US" sz="2200" dirty="0">
+              <a:rPr lang="en-US" sz="1800" dirty="0">
                 <a:solidFill>
                   <a:srgbClr val="0C01D3"/>
                 </a:solidFill>
@@ -16008,111 +22870,15 @@
               <a:t> </a:t>
             </a:r>
             <a:r>
-              <a:rPr lang="en-US" sz="2200" dirty="0" err="1">
+              <a:rPr lang="en-US" sz="1800" dirty="0" err="1">
                 <a:solidFill>
                   <a:srgbClr val="0C01D3"/>
                 </a:solidFill>
               </a:rPr>
-              <a:t>esprimere</a:t>
+              <a:t>anonimato</a:t>
             </a:r>
             <a:r>
-              <a:rPr lang="en-US" sz="2200" dirty="0">
-                <a:solidFill>
-                  <a:srgbClr val="0C01D3"/>
-                </a:solidFill>
-              </a:rPr>
-              <a:t> un </a:t>
-            </a:r>
-            <a:r>
-              <a:rPr lang="en-US" sz="2200" dirty="0" err="1">
-                <a:solidFill>
-                  <a:srgbClr val="0C01D3"/>
-                </a:solidFill>
-              </a:rPr>
-              <a:t>voto</a:t>
-            </a:r>
-            <a:r>
-              <a:rPr lang="en-US" sz="2200" dirty="0">
-                <a:solidFill>
-                  <a:srgbClr val="0C01D3"/>
-                </a:solidFill>
-              </a:rPr>
-              <a:t> </a:t>
-            </a:r>
-            <a:r>
-              <a:rPr lang="en-US" sz="2200" dirty="0" err="1">
-                <a:solidFill>
-                  <a:srgbClr val="0C01D3"/>
-                </a:solidFill>
-              </a:rPr>
-              <a:t>nell’ambito</a:t>
-            </a:r>
-            <a:r>
-              <a:rPr lang="en-US" sz="2200" dirty="0">
-                <a:solidFill>
-                  <a:srgbClr val="0C01D3"/>
-                </a:solidFill>
-              </a:rPr>
-              <a:t> di </a:t>
-            </a:r>
-            <a:r>
-              <a:rPr lang="en-US" sz="2200" dirty="0" err="1">
-                <a:solidFill>
-                  <a:srgbClr val="0C01D3"/>
-                </a:solidFill>
-              </a:rPr>
-              <a:t>un’elezione</a:t>
-            </a:r>
-            <a:r>
-              <a:rPr lang="en-US" sz="2200" dirty="0">
-                <a:solidFill>
-                  <a:srgbClr val="0C01D3"/>
-                </a:solidFill>
-              </a:rPr>
-              <a:t> </a:t>
-            </a:r>
-            <a:r>
-              <a:rPr lang="en-US" sz="2200" dirty="0" err="1">
-                <a:solidFill>
-                  <a:srgbClr val="0C01D3"/>
-                </a:solidFill>
-              </a:rPr>
-              <a:t>rappresenta</a:t>
-            </a:r>
-            <a:r>
-              <a:rPr lang="en-US" sz="2200" dirty="0">
-                <a:solidFill>
-                  <a:srgbClr val="0C01D3"/>
-                </a:solidFill>
-              </a:rPr>
-              <a:t> un </a:t>
-            </a:r>
-            <a:r>
-              <a:rPr lang="en-US" sz="2200" dirty="0" err="1">
-                <a:solidFill>
-                  <a:srgbClr val="0C01D3"/>
-                </a:solidFill>
-              </a:rPr>
-              <a:t>atto</a:t>
-            </a:r>
-            <a:r>
-              <a:rPr lang="en-US" sz="2200" dirty="0">
-                <a:solidFill>
-                  <a:srgbClr val="0C01D3"/>
-                </a:solidFill>
-              </a:rPr>
-              <a:t> </a:t>
-            </a:r>
-            <a:r>
-              <a:rPr lang="en-US" sz="2200" dirty="0" err="1">
-                <a:solidFill>
-                  <a:srgbClr val="0C01D3"/>
-                </a:solidFill>
-              </a:rPr>
-              <a:t>personale</a:t>
-            </a:r>
-            <a:r>
-              <a:rPr lang="en-US" sz="2200" dirty="0">
+              <a:rPr lang="en-US" sz="1800" dirty="0">
                 <a:solidFill>
                   <a:srgbClr val="0C01D3"/>
                 </a:solidFill>
@@ -16120,188 +22886,18 @@
               <a:t> e </a:t>
             </a:r>
             <a:r>
-              <a:rPr lang="en-US" sz="2200" dirty="0" err="1">
-                <a:solidFill>
-                  <a:srgbClr val="0C01D3"/>
-                </a:solidFill>
-              </a:rPr>
-              <a:t>privato</a:t>
-            </a:r>
-            <a:r>
-              <a:rPr lang="en-US" sz="2200" dirty="0">
-                <a:solidFill>
-                  <a:srgbClr val="0C01D3"/>
-                </a:solidFill>
-              </a:rPr>
-              <a:t>, prima </a:t>
-            </a:r>
-            <a:r>
-              <a:rPr lang="en-US" sz="2200" dirty="0" err="1">
-                <a:solidFill>
-                  <a:srgbClr val="0C01D3"/>
-                </a:solidFill>
-              </a:rPr>
-              <a:t>ancora</a:t>
-            </a:r>
-            <a:r>
-              <a:rPr lang="en-US" sz="2200" dirty="0">
-                <a:solidFill>
-                  <a:srgbClr val="0C01D3"/>
-                </a:solidFill>
-              </a:rPr>
-              <a:t> di </a:t>
-            </a:r>
-            <a:r>
-              <a:rPr lang="en-US" sz="2200" dirty="0" err="1">
-                <a:solidFill>
-                  <a:srgbClr val="0C01D3"/>
-                </a:solidFill>
-              </a:rPr>
-              <a:t>essere</a:t>
-            </a:r>
-            <a:r>
-              <a:rPr lang="en-US" sz="2200" dirty="0">
-                <a:solidFill>
-                  <a:srgbClr val="0C01D3"/>
-                </a:solidFill>
-              </a:rPr>
-              <a:t> un </a:t>
-            </a:r>
-            <a:r>
-              <a:rPr lang="en-US" sz="2200" dirty="0" err="1">
-                <a:solidFill>
-                  <a:srgbClr val="0C01D3"/>
-                </a:solidFill>
-              </a:rPr>
-              <a:t>atto</a:t>
-            </a:r>
-            <a:r>
-              <a:rPr lang="en-US" sz="2200" dirty="0">
-                <a:solidFill>
-                  <a:srgbClr val="0C01D3"/>
-                </a:solidFill>
-              </a:rPr>
-              <a:t> </a:t>
-            </a:r>
-            <a:r>
-              <a:rPr lang="en-US" sz="2200" dirty="0" err="1">
-                <a:solidFill>
-                  <a:srgbClr val="0C01D3"/>
-                </a:solidFill>
-              </a:rPr>
-              <a:t>ufficiale</a:t>
-            </a:r>
-            <a:r>
-              <a:rPr lang="en-US" sz="2200" dirty="0">
-                <a:solidFill>
-                  <a:srgbClr val="0C01D3"/>
-                </a:solidFill>
-              </a:rPr>
-              <a:t>.</a:t>
-            </a:r>
-            <a:br>
-              <a:rPr lang="en-US" sz="2200" dirty="0">
-                <a:solidFill>
-                  <a:srgbClr val="0C01D3"/>
-                </a:solidFill>
-              </a:rPr>
-            </a:br>
-            <a:r>
-              <a:rPr lang="en-US" sz="2200" dirty="0" err="1">
-                <a:solidFill>
-                  <a:srgbClr val="0C01D3"/>
-                </a:solidFill>
-              </a:rPr>
-              <a:t>Pertanto</a:t>
-            </a:r>
-            <a:r>
-              <a:rPr lang="en-US" sz="2200" dirty="0">
-                <a:solidFill>
-                  <a:srgbClr val="0C01D3"/>
-                </a:solidFill>
-              </a:rPr>
-              <a:t>, </a:t>
-            </a:r>
-            <a:r>
-              <a:rPr lang="en-US" sz="2200" dirty="0" err="1">
+              <a:rPr lang="en-US" sz="1800" dirty="0" err="1">
                 <a:solidFill>
                   <a:srgbClr val="0C01D3"/>
                 </a:solidFill>
               </a:rPr>
               <a:t>riservatezza</a:t>
             </a:r>
-            <a:r>
-              <a:rPr lang="en-US" sz="2200" dirty="0">
-                <a:solidFill>
-                  <a:srgbClr val="0C01D3"/>
-                </a:solidFill>
-              </a:rPr>
-              <a:t> e </a:t>
-            </a:r>
-            <a:r>
-              <a:rPr lang="en-US" sz="2200" dirty="0" err="1">
-                <a:solidFill>
-                  <a:srgbClr val="0C01D3"/>
-                </a:solidFill>
-              </a:rPr>
-              <a:t>anonimato</a:t>
-            </a:r>
-            <a:r>
-              <a:rPr lang="en-US" sz="2200" dirty="0">
-                <a:solidFill>
-                  <a:srgbClr val="0C01D3"/>
-                </a:solidFill>
-              </a:rPr>
-              <a:t> </a:t>
-            </a:r>
-            <a:r>
-              <a:rPr lang="en-US" sz="2200" dirty="0" err="1">
-                <a:solidFill>
-                  <a:srgbClr val="0C01D3"/>
-                </a:solidFill>
-              </a:rPr>
-              <a:t>sono</a:t>
-            </a:r>
-            <a:r>
-              <a:rPr lang="en-US" sz="2200" dirty="0">
-                <a:solidFill>
-                  <a:srgbClr val="0C01D3"/>
-                </a:solidFill>
-              </a:rPr>
-              <a:t> state </a:t>
-            </a:r>
-            <a:r>
-              <a:rPr lang="en-US" sz="2200" dirty="0" err="1">
-                <a:solidFill>
-                  <a:srgbClr val="0C01D3"/>
-                </a:solidFill>
-              </a:rPr>
-              <a:t>chiare</a:t>
-            </a:r>
-            <a:r>
-              <a:rPr lang="en-US" sz="2200" dirty="0">
-                <a:solidFill>
-                  <a:srgbClr val="0C01D3"/>
-                </a:solidFill>
-              </a:rPr>
-              <a:t> fin </a:t>
-            </a:r>
-            <a:r>
-              <a:rPr lang="en-US" sz="2200" dirty="0" err="1">
-                <a:solidFill>
-                  <a:srgbClr val="0C01D3"/>
-                </a:solidFill>
-              </a:rPr>
-              <a:t>dall’inizio</a:t>
-            </a:r>
-            <a:r>
-              <a:rPr lang="en-US" sz="2200" dirty="0">
-                <a:solidFill>
-                  <a:srgbClr val="0C01D3"/>
-                </a:solidFill>
-              </a:rPr>
-              <a:t>.</a:t>
-            </a:r>
+            <a:endParaRPr lang="en-US" sz="1800" dirty="0">
+              <a:solidFill>
+                <a:srgbClr val="0C01D3"/>
+              </a:solidFill>
+            </a:endParaRPr>
           </a:p>
         </p:txBody>
       </p:sp>
@@ -16373,10 +22969,10 @@
       </p:pic>
       <p:pic>
         <p:nvPicPr>
-          <p:cNvPr id="11" name="Immagine 10" descr="Immagine che contiene testo, segnale&#10;&#10;Descrizione generata automaticamente">
+          <p:cNvPr id="10" name="Immagine 9" descr="Immagine che contiene testo, segnale&#10;&#10;Descrizione generata automaticamente">
             <a:extLst>
               <a:ext uri="{FF2B5EF4-FFF2-40B4-BE49-F238E27FC236}">
-                <a16:creationId xmlns:a16="http://schemas.microsoft.com/office/drawing/2014/main" id="{E60224D3-9B6F-8829-0564-26BD3BE83D21}"/>
+                <a16:creationId xmlns:a16="http://schemas.microsoft.com/office/drawing/2014/main" id="{81AC2983-E813-D6E9-521E-E456379826A6}"/>
               </a:ext>
             </a:extLst>
           </p:cNvPr>
@@ -16406,7 +23002,7 @@
             <a:avLst/>
           </a:prstGeom>
           <a:effectLst>
-            <a:outerShdw blurRad="50800" dist="38100" dir="5400000" algn="t" rotWithShape="0">
+            <a:outerShdw blurRad="50800" dist="25400" dir="5400000" algn="t" rotWithShape="0">
               <a:prstClr val="black">
                 <a:alpha val="40000"/>
               </a:prstClr>
@@ -16966,10 +23562,10 @@
       </p:pic>
       <p:pic>
         <p:nvPicPr>
-          <p:cNvPr id="13" name="Immagine 12" descr="Immagine che contiene testo, segnale&#10;&#10;Descrizione generata automaticamente">
+          <p:cNvPr id="9" name="Immagine 8" descr="Immagine che contiene testo, segnale&#10;&#10;Descrizione generata automaticamente">
             <a:extLst>
               <a:ext uri="{FF2B5EF4-FFF2-40B4-BE49-F238E27FC236}">
-                <a16:creationId xmlns:a16="http://schemas.microsoft.com/office/drawing/2014/main" id="{9A3CB8C1-6F32-A15A-C1F5-B0B441D28A7E}"/>
+                <a16:creationId xmlns:a16="http://schemas.microsoft.com/office/drawing/2014/main" id="{399414AD-9D02-0883-994D-7A15CBF4AC8A}"/>
               </a:ext>
             </a:extLst>
           </p:cNvPr>
@@ -16999,7 +23595,7 @@
             <a:avLst/>
           </a:prstGeom>
           <a:effectLst>
-            <a:outerShdw blurRad="50800" dist="38100" dir="5400000" algn="t" rotWithShape="0">
+            <a:outerShdw blurRad="50800" dist="25400" dir="5400000" algn="t" rotWithShape="0">
               <a:prstClr val="black">
                 <a:alpha val="40000"/>
               </a:prstClr>
@@ -17480,10 +24076,10 @@
       </p:pic>
       <p:pic>
         <p:nvPicPr>
-          <p:cNvPr id="8" name="Immagine 7" descr="Immagine che contiene testo, segnale&#10;&#10;Descrizione generata automaticamente">
+          <p:cNvPr id="9" name="Immagine 8" descr="Immagine che contiene testo, segnale&#10;&#10;Descrizione generata automaticamente">
             <a:extLst>
               <a:ext uri="{FF2B5EF4-FFF2-40B4-BE49-F238E27FC236}">
-                <a16:creationId xmlns:a16="http://schemas.microsoft.com/office/drawing/2014/main" id="{4B6AD0D2-0D5B-7B2A-2D86-B76445E8DB8D}"/>
+                <a16:creationId xmlns:a16="http://schemas.microsoft.com/office/drawing/2014/main" id="{5CD39E1B-5BDD-33C8-A872-D3CFD0158492}"/>
               </a:ext>
             </a:extLst>
           </p:cNvPr>
@@ -17513,7 +24109,7 @@
             <a:avLst/>
           </a:prstGeom>
           <a:effectLst>
-            <a:outerShdw blurRad="50800" dist="38100" dir="5400000" algn="t" rotWithShape="0">
+            <a:outerShdw blurRad="50800" dist="25400" dir="5400000" algn="t" rotWithShape="0">
               <a:prstClr val="black">
                 <a:alpha val="40000"/>
               </a:prstClr>
@@ -17537,6 +24133,14 @@
 <file path=ppt/slides/slide7.xml><?xml version="1.0" encoding="utf-8"?>
 <p:sld xmlns:a="http://schemas.openxmlformats.org/drawingml/2006/main" xmlns:r="http://schemas.openxmlformats.org/officeDocument/2006/relationships" xmlns:p="http://schemas.openxmlformats.org/presentationml/2006/main">
   <p:cSld>
+    <p:bg>
+      <p:bgPr>
+        <a:solidFill>
+          <a:schemeClr val="bg1"/>
+        </a:solidFill>
+        <a:effectLst/>
+      </p:bgPr>
+    </p:bg>
     <p:spTree>
       <p:nvGrpSpPr>
         <p:cNvPr id="1" name=""/>
@@ -17553,6 +24157,69 @@
       </p:grpSpPr>
       <p:sp>
         <p:nvSpPr>
+          <p:cNvPr id="11" name="Rectangle 10">
+            <a:extLst>
+              <a:ext uri="{FF2B5EF4-FFF2-40B4-BE49-F238E27FC236}">
+                <a16:creationId xmlns:a16="http://schemas.microsoft.com/office/drawing/2014/main" id="{AE2B703B-46F9-481A-A605-82E2A828C4FA}"/>
+              </a:ext>
+              <a:ext uri="{C183D7F6-B498-43B3-948B-1728B52AA6E4}">
+                <adec:decorative xmlns:adec="http://schemas.microsoft.com/office/drawing/2017/decorative" val="1"/>
+              </a:ext>
+            </a:extLst>
+          </p:cNvPr>
+          <p:cNvSpPr>
+            <a:spLocks noGrp="1" noRot="1" noChangeAspect="1" noMove="1" noResize="1" noEditPoints="1" noAdjustHandles="1" noChangeArrowheads="1" noChangeShapeType="1" noTextEdit="1"/>
+          </p:cNvSpPr>
+          <p:nvPr>
+            <p:extLst>
+              <p:ext uri="{386F3935-93C4-4BCD-93E2-E3B085C9AB24}">
+                <p16:designElem xmlns:p16="http://schemas.microsoft.com/office/powerpoint/2015/main" val="1"/>
+              </p:ext>
+            </p:extLst>
+          </p:nvPr>
+        </p:nvSpPr>
+        <p:spPr>
+          <a:xfrm>
+            <a:off x="0" y="0"/>
+            <a:ext cx="12192000" cy="6858000"/>
+          </a:xfrm>
+          <a:prstGeom prst="rect">
+            <a:avLst/>
+          </a:prstGeom>
+          <a:solidFill>
+            <a:schemeClr val="accent2"/>
+          </a:solidFill>
+          <a:ln>
+            <a:noFill/>
+          </a:ln>
+        </p:spPr>
+        <p:style>
+          <a:lnRef idx="2">
+            <a:schemeClr val="accent1">
+              <a:shade val="50000"/>
+            </a:schemeClr>
+          </a:lnRef>
+          <a:fillRef idx="1">
+            <a:schemeClr val="accent1"/>
+          </a:fillRef>
+          <a:effectRef idx="0">
+            <a:schemeClr val="accent1"/>
+          </a:effectRef>
+          <a:fontRef idx="minor">
+            <a:schemeClr val="lt1"/>
+          </a:fontRef>
+        </p:style>
+        <p:txBody>
+          <a:bodyPr rtlCol="0" anchor="ctr"/>
+          <a:lstStyle/>
+          <a:p>
+            <a:pPr algn="ctr"/>
+            <a:endParaRPr lang="en-US"/>
+          </a:p>
+        </p:txBody>
+      </p:sp>
+      <p:sp>
+        <p:nvSpPr>
           <p:cNvPr id="2" name="Titolo 1">
             <a:extLst>
               <a:ext uri="{FF2B5EF4-FFF2-40B4-BE49-F238E27FC236}">
@@ -17567,67 +24234,99 @@
             <p:ph type="title"/>
           </p:nvPr>
         </p:nvSpPr>
-        <p:spPr/>
+        <p:spPr>
+          <a:xfrm>
+            <a:off x="838200" y="459863"/>
+            <a:ext cx="10515600" cy="1004594"/>
+          </a:xfrm>
+        </p:spPr>
         <p:txBody>
-          <a:bodyPr/>
+          <a:bodyPr>
+            <a:normAutofit/>
+          </a:bodyPr>
           <a:lstStyle/>
           <a:p>
             <a:pPr algn="ctr"/>
             <a:r>
-              <a:rPr lang="it-IT" dirty="0"/>
+              <a:rPr lang="it-IT">
+                <a:solidFill>
+                  <a:srgbClr val="FFFFFF"/>
+                </a:solidFill>
+              </a:rPr>
               <a:t>Database</a:t>
             </a:r>
-            <a:endParaRPr lang="en-GB" dirty="0"/>
+            <a:endParaRPr lang="en-GB">
+              <a:solidFill>
+                <a:srgbClr val="FFFFFF"/>
+              </a:solidFill>
+            </a:endParaRPr>
           </a:p>
         </p:txBody>
       </p:sp>
       <p:sp>
         <p:nvSpPr>
-          <p:cNvPr id="3" name="Segnaposto contenuto 2">
+          <p:cNvPr id="13" name="Rectangle: Rounded Corners 12">
             <a:extLst>
               <a:ext uri="{FF2B5EF4-FFF2-40B4-BE49-F238E27FC236}">
-                <a16:creationId xmlns:a16="http://schemas.microsoft.com/office/drawing/2014/main" id="{157CE877-DEEC-3DD9-EFC7-E7E82F132074}"/>
+                <a16:creationId xmlns:a16="http://schemas.microsoft.com/office/drawing/2014/main" id="{F13BE4D7-0C3D-4906-B230-A1C5B4665CCF}"/>
+              </a:ext>
+              <a:ext uri="{C183D7F6-B498-43B3-948B-1728B52AA6E4}">
+                <adec:decorative xmlns:adec="http://schemas.microsoft.com/office/drawing/2017/decorative" val="1"/>
               </a:ext>
             </a:extLst>
           </p:cNvPr>
           <p:cNvSpPr>
-            <a:spLocks noGrp="1"/>
+            <a:spLocks noGrp="1" noRot="1" noChangeAspect="1" noMove="1" noResize="1" noEditPoints="1" noAdjustHandles="1" noChangeArrowheads="1" noChangeShapeType="1" noTextEdit="1"/>
           </p:cNvSpPr>
           <p:nvPr>
-            <p:ph idx="1"/>
+            <p:extLst>
+              <p:ext uri="{386F3935-93C4-4BCD-93E2-E3B085C9AB24}">
+                <p16:designElem xmlns:p16="http://schemas.microsoft.com/office/powerpoint/2015/main" val="1"/>
+              </p:ext>
+            </p:extLst>
           </p:nvPr>
         </p:nvSpPr>
-        <p:spPr/>
+        <p:spPr>
+          <a:xfrm>
+            <a:off x="579496" y="1587970"/>
+            <a:ext cx="11033008" cy="4768380"/>
+          </a:xfrm>
+          <a:prstGeom prst="roundRect">
+            <a:avLst>
+              <a:gd name="adj" fmla="val 3174"/>
+            </a:avLst>
+          </a:prstGeom>
+          <a:solidFill>
+            <a:schemeClr val="bg1">
+              <a:alpha val="95000"/>
+            </a:schemeClr>
+          </a:solidFill>
+          <a:ln>
+            <a:noFill/>
+          </a:ln>
+        </p:spPr>
+        <p:style>
+          <a:lnRef idx="2">
+            <a:schemeClr val="accent1">
+              <a:shade val="50000"/>
+            </a:schemeClr>
+          </a:lnRef>
+          <a:fillRef idx="1">
+            <a:schemeClr val="accent1"/>
+          </a:fillRef>
+          <a:effectRef idx="0">
+            <a:schemeClr val="accent1"/>
+          </a:effectRef>
+          <a:fontRef idx="minor">
+            <a:schemeClr val="lt1"/>
+          </a:fontRef>
+        </p:style>
         <p:txBody>
-          <a:bodyPr/>
+          <a:bodyPr rtlCol="0" anchor="ctr"/>
           <a:lstStyle/>
           <a:p>
-            <a:r>
-              <a:rPr lang="it-IT" dirty="0"/>
-              <a:t>Server DB2</a:t>
-            </a:r>
-          </a:p>
-          <a:p>
-            <a:r>
-              <a:rPr lang="it-IT" dirty="0"/>
-              <a:t>Interfaccia specifica</a:t>
-            </a:r>
-            <a:endParaRPr lang="en-GB" dirty="0"/>
-          </a:p>
-          <a:p>
-            <a:r>
-              <a:rPr lang="en-GB" dirty="0"/>
-              <a:t>Log</a:t>
-            </a:r>
-          </a:p>
-          <a:p>
-            <a:endParaRPr lang="it-IT" dirty="0"/>
-          </a:p>
-          <a:p>
-            <a:pPr marL="457200" lvl="1" indent="0">
-              <a:buNone/>
-            </a:pPr>
-            <a:endParaRPr lang="it-IT" dirty="0"/>
+            <a:pPr algn="ctr"/>
+            <a:endParaRPr lang="en-US"/>
           </a:p>
         </p:txBody>
       </p:sp>
@@ -17666,7 +24365,7 @@
             <a:avLst/>
           </a:prstGeom>
           <a:effectLst>
-            <a:outerShdw blurRad="50800" dist="38100" dir="5400000" algn="t" rotWithShape="0">
+            <a:outerShdw blurRad="50800" dist="25400" dir="5400000" algn="t" rotWithShape="0">
               <a:prstClr val="black">
                 <a:alpha val="40000"/>
               </a:prstClr>
@@ -17674,6 +24373,73 @@
           </a:effectLst>
         </p:spPr>
       </p:pic>
+      <p:pic>
+        <p:nvPicPr>
+          <p:cNvPr id="5" name="Immagine 4">
+            <a:extLst>
+              <a:ext uri="{FF2B5EF4-FFF2-40B4-BE49-F238E27FC236}">
+                <a16:creationId xmlns:a16="http://schemas.microsoft.com/office/drawing/2014/main" id="{CD874E32-4BCD-A2C8-A304-FF0FE77E6B52}"/>
+              </a:ext>
+            </a:extLst>
+          </p:cNvPr>
+          <p:cNvPicPr>
+            <a:picLocks noChangeAspect="1"/>
+          </p:cNvPicPr>
+          <p:nvPr/>
+        </p:nvPicPr>
+        <p:blipFill>
+          <a:blip r:embed="rId3">
+            <a:extLst>
+              <a:ext uri="{28A0092B-C50C-407E-A947-70E740481C1C}">
+                <a14:useLocalDpi xmlns:a14="http://schemas.microsoft.com/office/drawing/2010/main" val="0"/>
+              </a:ext>
+            </a:extLst>
+          </a:blip>
+          <a:stretch>
+            <a:fillRect/>
+          </a:stretch>
+        </p:blipFill>
+        <p:spPr>
+          <a:xfrm>
+            <a:off x="11212066" y="271844"/>
+            <a:ext cx="677507" cy="483933"/>
+          </a:xfrm>
+          <a:prstGeom prst="rect">
+            <a:avLst/>
+          </a:prstGeom>
+        </p:spPr>
+      </p:pic>
+      <p:graphicFrame>
+        <p:nvGraphicFramePr>
+          <p:cNvPr id="14" name="Segnaposto contenuto 2">
+            <a:extLst>
+              <a:ext uri="{FF2B5EF4-FFF2-40B4-BE49-F238E27FC236}">
+                <a16:creationId xmlns:a16="http://schemas.microsoft.com/office/drawing/2014/main" id="{27CA3151-F35E-B0E0-BD0E-C28E82DEE900}"/>
+              </a:ext>
+            </a:extLst>
+          </p:cNvPr>
+          <p:cNvGraphicFramePr>
+            <a:graphicFrameLocks noGrp="1"/>
+          </p:cNvGraphicFramePr>
+          <p:nvPr>
+            <p:ph idx="1"/>
+            <p:extLst>
+              <p:ext uri="{D42A27DB-BD31-4B8C-83A1-F6EECF244321}">
+                <p14:modId xmlns:p14="http://schemas.microsoft.com/office/powerpoint/2010/main" val="4231769157"/>
+              </p:ext>
+            </p:extLst>
+          </p:nvPr>
+        </p:nvGraphicFramePr>
+        <p:xfrm>
+          <a:off x="838200" y="1800911"/>
+          <a:ext cx="10515600" cy="4351338"/>
+        </p:xfrm>
+        <a:graphic>
+          <a:graphicData uri="http://schemas.openxmlformats.org/drawingml/2006/diagram">
+            <dgm:relIds xmlns:dgm="http://schemas.openxmlformats.org/drawingml/2006/diagram" xmlns:r="http://schemas.openxmlformats.org/officeDocument/2006/relationships" r:dm="rId4" r:lo="rId5" r:qs="rId6" r:cs="rId7"/>
+          </a:graphicData>
+        </a:graphic>
+      </p:graphicFrame>
     </p:spTree>
     <p:extLst>
       <p:ext uri="{BB962C8B-B14F-4D97-AF65-F5344CB8AC3E}">
@@ -18754,10 +25520,10 @@
       </p:pic>
       <p:pic>
         <p:nvPicPr>
-          <p:cNvPr id="3" name="Immagine 2" descr="Immagine che contiene testo, segnale&#10;&#10;Descrizione generata automaticamente">
+          <p:cNvPr id="8" name="Immagine 7" descr="Immagine che contiene testo, segnale&#10;&#10;Descrizione generata automaticamente">
             <a:extLst>
               <a:ext uri="{FF2B5EF4-FFF2-40B4-BE49-F238E27FC236}">
-                <a16:creationId xmlns:a16="http://schemas.microsoft.com/office/drawing/2014/main" id="{EA697020-FE8F-BBD5-C276-C9670E575737}"/>
+                <a16:creationId xmlns:a16="http://schemas.microsoft.com/office/drawing/2014/main" id="{CAF227C8-21E6-14F0-B84F-A1A528F74D84}"/>
               </a:ext>
             </a:extLst>
           </p:cNvPr>
@@ -18787,7 +25553,7 @@
             <a:avLst/>
           </a:prstGeom>
           <a:effectLst>
-            <a:outerShdw blurRad="50800" dist="38100" dir="5400000" algn="t" rotWithShape="0">
+            <a:outerShdw blurRad="50800" dist="25400" dir="5400000" algn="t" rotWithShape="0">
               <a:prstClr val="black">
                 <a:alpha val="40000"/>
               </a:prstClr>
@@ -19603,7 +26369,7 @@
             <p:ph idx="1"/>
             <p:extLst>
               <p:ext uri="{D42A27DB-BD31-4B8C-83A1-F6EECF244321}">
-                <p14:modId xmlns:p14="http://schemas.microsoft.com/office/powerpoint/2010/main" val="2114525476"/>
+                <p14:modId xmlns:p14="http://schemas.microsoft.com/office/powerpoint/2010/main" val="1427850331"/>
               </p:ext>
             </p:extLst>
           </p:nvPr>
@@ -19620,10 +26386,10 @@
       </p:graphicFrame>
       <p:pic>
         <p:nvPicPr>
-          <p:cNvPr id="7" name="Immagine 6" descr="Immagine che contiene testo, segnale&#10;&#10;Descrizione generata automaticamente">
+          <p:cNvPr id="8" name="Immagine 7" descr="Immagine che contiene testo, segnale&#10;&#10;Descrizione generata automaticamente">
             <a:extLst>
               <a:ext uri="{FF2B5EF4-FFF2-40B4-BE49-F238E27FC236}">
-                <a16:creationId xmlns:a16="http://schemas.microsoft.com/office/drawing/2014/main" id="{8EE21A0E-8026-47CC-DFA0-885859C261BF}"/>
+                <a16:creationId xmlns:a16="http://schemas.microsoft.com/office/drawing/2014/main" id="{A9764B38-838F-1E09-6562-856EC2B3AA46}"/>
               </a:ext>
             </a:extLst>
           </p:cNvPr>
@@ -19653,7 +26419,7 @@
             <a:avLst/>
           </a:prstGeom>
           <a:effectLst>
-            <a:outerShdw blurRad="50800" dist="38100" dir="5400000" algn="t" rotWithShape="0">
+            <a:outerShdw blurRad="50800" dist="25400" dir="5400000" algn="t" rotWithShape="0">
               <a:prstClr val="black">
                 <a:alpha val="40000"/>
               </a:prstClr>

--- a/ioVoto.pptx
+++ b/ioVoto.pptx
@@ -4121,16 +4121,16 @@
             </a:lnSpc>
           </a:pPr>
           <a:r>
-            <a:rPr lang="it-IT" dirty="0">
+            <a:rPr lang="it-IT">
               <a:solidFill>
-                <a:srgbClr val="5585A5"/>
+                <a:srgbClr val="FFF045"/>
               </a:solidFill>
             </a:rPr>
-            <a:t>Java</a:t>
+            <a:t>WebStorm</a:t>
           </a:r>
           <a:endParaRPr lang="en-US" dirty="0">
             <a:solidFill>
-              <a:srgbClr val="5585A5"/>
+              <a:srgbClr val="FFF045"/>
             </a:solidFill>
           </a:endParaRPr>
         </a:p>
@@ -4178,24 +4178,11 @@
           <a:r>
             <a:rPr lang="it-IT" dirty="0">
               <a:solidFill>
-                <a:schemeClr val="bg1"/>
+                <a:srgbClr val="22A668"/>
               </a:solidFill>
             </a:rPr>
-            <a:t>Html, </a:t>
+            <a:t>Node.js</a:t>
           </a:r>
-          <a:r>
-            <a:rPr lang="it-IT" dirty="0" err="1">
-              <a:solidFill>
-                <a:schemeClr val="bg1"/>
-              </a:solidFill>
-            </a:rPr>
-            <a:t>Css</a:t>
-          </a:r>
-          <a:endParaRPr lang="it-IT" dirty="0">
-            <a:solidFill>
-              <a:schemeClr val="bg1"/>
-            </a:solidFill>
-          </a:endParaRPr>
         </a:p>
       </dgm:t>
     </dgm:pt>
@@ -4462,7 +4449,7 @@
       <dgm:prSet presAssocID="{B00DA5AB-3D8B-4B29-A92A-07A9DF1F5C69}" presName="iconBgRect" presStyleLbl="bgShp" presStyleIdx="2" presStyleCnt="6"/>
       <dgm:spPr>
         <a:solidFill>
-          <a:schemeClr val="tx1"/>
+          <a:srgbClr val="1B90D7"/>
         </a:solidFill>
       </dgm:spPr>
     </dgm:pt>
@@ -4472,14 +4459,14 @@
         <a:blipFill>
           <a:blip xmlns:r="http://schemas.openxmlformats.org/officeDocument/2006/relationships" r:embed="rId4">
             <a:extLst>
-              <a:ext uri="{837473B0-CC2E-450A-ABE3-18F120FF3D39}">
-                <a1611:picAttrSrcUrl xmlns:a1611="http://schemas.microsoft.com/office/drawing/2016/11/main" r:id="rId5"/>
+              <a:ext uri="{28A0092B-C50C-407E-A947-70E740481C1C}">
+                <a14:useLocalDpi xmlns:a14="http://schemas.microsoft.com/office/drawing/2010/main" val="0"/>
               </a:ext>
             </a:extLst>
           </a:blip>
           <a:srcRect/>
           <a:stretch>
-            <a:fillRect l="-17000" r="-17000"/>
+            <a:fillRect/>
           </a:stretch>
         </a:blipFill>
         <a:ln>
@@ -4512,7 +4499,7 @@
       <dgm:prSet presAssocID="{0C6703EC-F402-461E-8374-19BE57CA7120}" presName="iconBgRect" presStyleLbl="bgShp" presStyleIdx="3" presStyleCnt="6"/>
       <dgm:spPr>
         <a:solidFill>
-          <a:srgbClr val="7030A0"/>
+          <a:srgbClr val="3B3838"/>
         </a:solidFill>
       </dgm:spPr>
     </dgm:pt>
@@ -4520,10 +4507,10 @@
       <dgm:prSet presAssocID="{0C6703EC-F402-461E-8374-19BE57CA7120}" presName="iconRect" presStyleLbl="node1" presStyleIdx="3" presStyleCnt="6"/>
       <dgm:spPr>
         <a:blipFill>
-          <a:blip xmlns:r="http://schemas.openxmlformats.org/officeDocument/2006/relationships" r:embed="rId6">
+          <a:blip xmlns:r="http://schemas.openxmlformats.org/officeDocument/2006/relationships" r:embed="rId5">
             <a:extLst>
-              <a:ext uri="{96DAC541-7B7A-43D3-8B79-37D633B846F1}">
-                <asvg:svgBlip xmlns:asvg="http://schemas.microsoft.com/office/drawing/2016/SVG/main" r:embed="rId7"/>
+              <a:ext uri="{28A0092B-C50C-407E-A947-70E740481C1C}">
+                <a14:useLocalDpi xmlns:a14="http://schemas.microsoft.com/office/drawing/2010/main" val="0"/>
               </a:ext>
             </a:extLst>
           </a:blip>
@@ -4533,11 +4520,6 @@
           </a:stretch>
         </a:blipFill>
       </dgm:spPr>
-      <dgm:extLst>
-        <a:ext uri="{E40237B7-FDA0-4F09-8148-C483321AD2D9}">
-          <dgm14:cNvPr xmlns:dgm14="http://schemas.microsoft.com/office/drawing/2010/diagram" id="0" name="" descr="Web design con riempimento a tinta unita"/>
-        </a:ext>
-      </dgm:extLst>
     </dgm:pt>
     <dgm:pt modelId="{555D43B0-F7A1-4844-B9C7-06802FA24A02}" type="pres">
       <dgm:prSet presAssocID="{0C6703EC-F402-461E-8374-19BE57CA7120}" presName="spaceRect" presStyleCnt="0"/>
@@ -4572,10 +4554,10 @@
       <dgm:prSet presAssocID="{6ECCEEF4-0978-4AEF-B333-AC2C80B48618}" presName="iconRect" presStyleLbl="node1" presStyleIdx="4" presStyleCnt="6"/>
       <dgm:spPr>
         <a:blipFill>
-          <a:blip xmlns:r="http://schemas.openxmlformats.org/officeDocument/2006/relationships" r:embed="rId8">
+          <a:blip xmlns:r="http://schemas.openxmlformats.org/officeDocument/2006/relationships" r:embed="rId6">
             <a:extLst>
               <a:ext uri="{837473B0-CC2E-450A-ABE3-18F120FF3D39}">
-                <a1611:picAttrSrcUrl xmlns:a1611="http://schemas.microsoft.com/office/drawing/2016/11/main" r:id="rId9"/>
+                <a1611:picAttrSrcUrl xmlns:a1611="http://schemas.microsoft.com/office/drawing/2016/11/main" r:id="rId7"/>
               </a:ext>
             </a:extLst>
           </a:blip>
@@ -4619,7 +4601,7 @@
       <dgm:prSet presAssocID="{97291780-4EC7-4F59-8B2E-1707E83AC9C7}" presName="iconRect" presStyleLbl="node1" presStyleIdx="5" presStyleCnt="6"/>
       <dgm:spPr>
         <a:blipFill>
-          <a:blip xmlns:r="http://schemas.openxmlformats.org/officeDocument/2006/relationships" r:embed="rId10"/>
+          <a:blip xmlns:r="http://schemas.openxmlformats.org/officeDocument/2006/relationships" r:embed="rId8"/>
           <a:srcRect/>
           <a:stretch>
             <a:fillRect/>
@@ -6128,7 +6110,7 @@
           <a:avLst/>
         </a:prstGeom>
         <a:solidFill>
-          <a:schemeClr val="tx1"/>
+          <a:srgbClr val="1B90D7"/>
         </a:solidFill>
         <a:ln>
           <a:noFill/>
@@ -6164,14 +6146,14 @@
         <a:blipFill>
           <a:blip xmlns:r="http://schemas.openxmlformats.org/officeDocument/2006/relationships" r:embed="rId4">
             <a:extLst>
-              <a:ext uri="{837473B0-CC2E-450A-ABE3-18F120FF3D39}">
-                <a1611:picAttrSrcUrl xmlns:a1611="http://schemas.microsoft.com/office/drawing/2016/11/main" r:id="rId5"/>
+              <a:ext uri="{28A0092B-C50C-407E-A947-70E740481C1C}">
+                <a14:useLocalDpi xmlns:a14="http://schemas.microsoft.com/office/drawing/2010/main" val="0"/>
               </a:ext>
             </a:extLst>
           </a:blip>
           <a:srcRect/>
           <a:stretch>
-            <a:fillRect l="-17000" r="-17000"/>
+            <a:fillRect/>
           </a:stretch>
         </a:blipFill>
         <a:ln w="12700" cap="flat" cmpd="sng" algn="ctr">
@@ -6246,16 +6228,16 @@
             <a:buNone/>
           </a:pPr>
           <a:r>
-            <a:rPr lang="it-IT" sz="2400" kern="1200" dirty="0">
+            <a:rPr lang="it-IT" sz="2400" kern="1200">
               <a:solidFill>
-                <a:srgbClr val="5585A5"/>
+                <a:srgbClr val="FFF045"/>
               </a:solidFill>
             </a:rPr>
-            <a:t>Java</a:t>
+            <a:t>WebStorm</a:t>
           </a:r>
           <a:endParaRPr lang="en-US" sz="2400" kern="1200" dirty="0">
             <a:solidFill>
-              <a:srgbClr val="5585A5"/>
+              <a:srgbClr val="FFF045"/>
             </a:solidFill>
           </a:endParaRPr>
         </a:p>
@@ -6279,7 +6261,7 @@
           <a:avLst/>
         </a:prstGeom>
         <a:solidFill>
-          <a:srgbClr val="7030A0"/>
+          <a:srgbClr val="3B3838"/>
         </a:solidFill>
         <a:ln>
           <a:noFill/>
@@ -6313,10 +6295,10 @@
           <a:avLst/>
         </a:prstGeom>
         <a:blipFill>
-          <a:blip xmlns:r="http://schemas.openxmlformats.org/officeDocument/2006/relationships" r:embed="rId6">
+          <a:blip xmlns:r="http://schemas.openxmlformats.org/officeDocument/2006/relationships" r:embed="rId5">
             <a:extLst>
-              <a:ext uri="{96DAC541-7B7A-43D3-8B79-37D633B846F1}">
-                <asvg:svgBlip xmlns:asvg="http://schemas.microsoft.com/office/drawing/2016/SVG/main" r:embed="rId7"/>
+              <a:ext uri="{28A0092B-C50C-407E-A947-70E740481C1C}">
+                <a14:useLocalDpi xmlns:a14="http://schemas.microsoft.com/office/drawing/2010/main" val="0"/>
               </a:ext>
             </a:extLst>
           </a:blip>
@@ -6407,24 +6389,11 @@
           <a:r>
             <a:rPr lang="it-IT" sz="2400" kern="1200" dirty="0">
               <a:solidFill>
-                <a:schemeClr val="bg1"/>
+                <a:srgbClr val="22A668"/>
               </a:solidFill>
             </a:rPr>
-            <a:t>Html, </a:t>
+            <a:t>Node.js</a:t>
           </a:r>
-          <a:r>
-            <a:rPr lang="it-IT" sz="2400" kern="1200" dirty="0" err="1">
-              <a:solidFill>
-                <a:schemeClr val="bg1"/>
-              </a:solidFill>
-            </a:rPr>
-            <a:t>Css</a:t>
-          </a:r>
-          <a:endParaRPr lang="it-IT" sz="2400" kern="1200" dirty="0">
-            <a:solidFill>
-              <a:schemeClr val="bg1"/>
-            </a:solidFill>
-          </a:endParaRPr>
         </a:p>
       </dsp:txBody>
       <dsp:txXfrm>
@@ -6480,10 +6449,10 @@
           <a:avLst/>
         </a:prstGeom>
         <a:blipFill>
-          <a:blip xmlns:r="http://schemas.openxmlformats.org/officeDocument/2006/relationships" r:embed="rId8">
+          <a:blip xmlns:r="http://schemas.openxmlformats.org/officeDocument/2006/relationships" r:embed="rId6">
             <a:extLst>
               <a:ext uri="{837473B0-CC2E-450A-ABE3-18F120FF3D39}">
-                <a1611:picAttrSrcUrl xmlns:a1611="http://schemas.microsoft.com/office/drawing/2016/11/main" r:id="rId9"/>
+                <a1611:picAttrSrcUrl xmlns:a1611="http://schemas.microsoft.com/office/drawing/2016/11/main" r:id="rId7"/>
               </a:ext>
             </a:extLst>
           </a:blip>
@@ -6639,7 +6608,7 @@
           <a:avLst/>
         </a:prstGeom>
         <a:blipFill>
-          <a:blip xmlns:r="http://schemas.openxmlformats.org/officeDocument/2006/relationships" r:embed="rId10"/>
+          <a:blip xmlns:r="http://schemas.openxmlformats.org/officeDocument/2006/relationships" r:embed="rId8"/>
           <a:srcRect/>
           <a:stretch>
             <a:fillRect/>
@@ -19225,7 +19194,7 @@
             <p:ph idx="1"/>
             <p:extLst>
               <p:ext uri="{D42A27DB-BD31-4B8C-83A1-F6EECF244321}">
-                <p14:modId xmlns:p14="http://schemas.microsoft.com/office/powerpoint/2010/main" val="3028509900"/>
+                <p14:modId xmlns:p14="http://schemas.microsoft.com/office/powerpoint/2010/main" val="806062485"/>
               </p:ext>
             </p:extLst>
           </p:nvPr>
@@ -26369,7 +26338,7 @@
             <p:ph idx="1"/>
             <p:extLst>
               <p:ext uri="{D42A27DB-BD31-4B8C-83A1-F6EECF244321}">
-                <p14:modId xmlns:p14="http://schemas.microsoft.com/office/powerpoint/2010/main" val="1427850331"/>
+                <p14:modId xmlns:p14="http://schemas.microsoft.com/office/powerpoint/2010/main" val="1111290439"/>
               </p:ext>
             </p:extLst>
           </p:nvPr>

--- a/ioVoto.pptx
+++ b/ioVoto.pptx
@@ -3545,17 +3545,17 @@
       </dgm:t>
     </dgm:pt>
     <dgm:pt modelId="{7F1AC664-9918-415F-8781-E8C18B34A2F8}">
-      <dgm:prSet/>
+      <dgm:prSet custT="1"/>
       <dgm:spPr/>
       <dgm:t>
         <a:bodyPr/>
         <a:lstStyle/>
         <a:p>
           <a:r>
-            <a:rPr lang="it-IT" b="1" i="1" dirty="0"/>
+            <a:rPr lang="it-IT" sz="2200" b="1" i="1" dirty="0"/>
             <a:t>Server DBMS</a:t>
           </a:r>
-          <a:endParaRPr lang="en-US" b="1" i="1" dirty="0"/>
+          <a:endParaRPr lang="en-US" sz="2200" b="1" i="1" dirty="0"/>
         </a:p>
       </dgm:t>
     </dgm:pt>
@@ -3622,7 +3622,7 @@
       </dgm:t>
     </dgm:pt>
     <dgm:pt modelId="{F0285321-3F2A-468C-A376-CAAE160D798D}">
-      <dgm:prSet/>
+      <dgm:prSet custT="1"/>
       <dgm:spPr/>
       <dgm:t>
         <a:bodyPr/>
@@ -3630,10 +3630,10 @@
         <a:p>
           <a:pPr algn="ctr"/>
           <a:r>
-            <a:rPr lang="en-GB" sz="1700" b="1" i="1" dirty="0"/>
+            <a:rPr lang="en-GB" sz="2200" b="1" i="1" dirty="0"/>
             <a:t>Filesystem</a:t>
           </a:r>
-          <a:endParaRPr lang="en-US" sz="1700" b="1" i="1" dirty="0"/>
+          <a:endParaRPr lang="en-US" sz="2200" b="1" i="1" dirty="0"/>
         </a:p>
       </dgm:t>
     </dgm:pt>
@@ -4352,13 +4352,7 @@
       <dgm:prSet presAssocID="{8DFF89B5-D8BC-4014-A119-EDF881DBB6B7}" presName="iconRect" presStyleLbl="node1" presStyleIdx="0" presStyleCnt="6"/>
       <dgm:spPr>
         <a:blipFill>
-          <a:blip xmlns:r="http://schemas.openxmlformats.org/officeDocument/2006/relationships" r:embed="rId1">
-            <a:extLst>
-              <a:ext uri="{28A0092B-C50C-407E-A947-70E740481C1C}">
-                <a14:useLocalDpi xmlns:a14="http://schemas.microsoft.com/office/drawing/2010/main" val="0"/>
-              </a:ext>
-            </a:extLst>
-          </a:blip>
+          <a:blip xmlns:r="http://schemas.openxmlformats.org/officeDocument/2006/relationships" r:embed="rId1"/>
           <a:srcRect/>
           <a:stretch>
             <a:fillRect/>
@@ -5360,7 +5354,7 @@
       </dsp:nvSpPr>
       <dsp:spPr>
         <a:xfrm>
-          <a:off x="1963800" y="335893"/>
+          <a:off x="1963800" y="281515"/>
           <a:ext cx="1512000" cy="1512000"/>
         </a:xfrm>
         <a:prstGeom prst="rect">
@@ -5410,7 +5404,7 @@
       </dsp:nvSpPr>
       <dsp:spPr>
         <a:xfrm>
-          <a:off x="559800" y="2006113"/>
+          <a:off x="559800" y="1956412"/>
           <a:ext cx="4320000" cy="648000"/>
         </a:xfrm>
         <a:prstGeom prst="rect">
@@ -5461,7 +5455,7 @@
         </a:p>
       </dsp:txBody>
       <dsp:txXfrm>
-        <a:off x="559800" y="2006113"/>
+        <a:off x="559800" y="1956412"/>
         <a:ext cx="4320000" cy="648000"/>
       </dsp:txXfrm>
     </dsp:sp>
@@ -5472,8 +5466,8 @@
       </dsp:nvSpPr>
       <dsp:spPr>
         <a:xfrm>
-          <a:off x="559800" y="2727704"/>
-          <a:ext cx="4320000" cy="1287740"/>
+          <a:off x="559800" y="2680178"/>
+          <a:ext cx="4320000" cy="1389643"/>
         </a:xfrm>
         <a:prstGeom prst="rect">
           <a:avLst/>
@@ -5502,7 +5496,7 @@
         </a:bodyPr>
         <a:lstStyle/>
         <a:p>
-          <a:pPr marL="0" lvl="0" indent="0" algn="ctr" defTabSz="1066800">
+          <a:pPr marL="0" lvl="0" indent="0" algn="ctr" defTabSz="977900">
             <a:lnSpc>
               <a:spcPct val="90000"/>
             </a:lnSpc>
@@ -5515,15 +5509,15 @@
             <a:buNone/>
           </a:pPr>
           <a:r>
-            <a:rPr lang="it-IT" sz="2400" b="1" i="1" kern="1200" dirty="0"/>
+            <a:rPr lang="it-IT" sz="2200" b="1" i="1" kern="1200" dirty="0"/>
             <a:t>Server DBMS</a:t>
           </a:r>
-          <a:endParaRPr lang="en-US" sz="2400" b="1" i="1" kern="1200" dirty="0"/>
+          <a:endParaRPr lang="en-US" sz="2200" b="1" i="1" kern="1200" dirty="0"/>
         </a:p>
       </dsp:txBody>
       <dsp:txXfrm>
-        <a:off x="559800" y="2727704"/>
-        <a:ext cx="4320000" cy="1287740"/>
+        <a:off x="559800" y="2680178"/>
+        <a:ext cx="4320000" cy="1389643"/>
       </dsp:txXfrm>
     </dsp:sp>
     <dsp:sp modelId="{FE48CAC1-927A-4452-B58D-DE24AFDB32A6}">
@@ -5533,7 +5527,7 @@
       </dsp:nvSpPr>
       <dsp:spPr>
         <a:xfrm>
-          <a:off x="7039800" y="335893"/>
+          <a:off x="7039800" y="281515"/>
           <a:ext cx="1512000" cy="1512000"/>
         </a:xfrm>
         <a:prstGeom prst="rect">
@@ -5583,7 +5577,7 @@
       </dsp:nvSpPr>
       <dsp:spPr>
         <a:xfrm>
-          <a:off x="5635800" y="2006113"/>
+          <a:off x="5635800" y="1956412"/>
           <a:ext cx="4320000" cy="648000"/>
         </a:xfrm>
         <a:prstGeom prst="rect">
@@ -5634,7 +5628,7 @@
         </a:p>
       </dsp:txBody>
       <dsp:txXfrm>
-        <a:off x="5635800" y="2006113"/>
+        <a:off x="5635800" y="1956412"/>
         <a:ext cx="4320000" cy="648000"/>
       </dsp:txXfrm>
     </dsp:sp>
@@ -5645,8 +5639,8 @@
       </dsp:nvSpPr>
       <dsp:spPr>
         <a:xfrm>
-          <a:off x="5635800" y="2727704"/>
-          <a:ext cx="4320000" cy="1287740"/>
+          <a:off x="5635800" y="2680178"/>
+          <a:ext cx="4320000" cy="1389643"/>
         </a:xfrm>
         <a:prstGeom prst="rect">
           <a:avLst/>
@@ -5675,7 +5669,7 @@
         </a:bodyPr>
         <a:lstStyle/>
         <a:p>
-          <a:pPr marL="0" lvl="0" indent="0" algn="ctr" defTabSz="755650">
+          <a:pPr marL="0" lvl="0" indent="0" algn="ctr" defTabSz="977900">
             <a:lnSpc>
               <a:spcPct val="90000"/>
             </a:lnSpc>
@@ -5688,10 +5682,10 @@
             <a:buNone/>
           </a:pPr>
           <a:r>
-            <a:rPr lang="en-GB" sz="1700" b="1" i="1" kern="1200" dirty="0"/>
+            <a:rPr lang="en-GB" sz="2200" b="1" i="1" kern="1200" dirty="0"/>
             <a:t>Filesystem</a:t>
           </a:r>
-          <a:endParaRPr lang="en-US" sz="1700" b="1" i="1" kern="1200" dirty="0"/>
+          <a:endParaRPr lang="en-US" sz="2200" b="1" i="1" kern="1200" dirty="0"/>
         </a:p>
         <a:p>
           <a:pPr marL="0" lvl="0" indent="0" algn="ctr" defTabSz="755650">
@@ -5775,8 +5769,8 @@
         </a:p>
       </dsp:txBody>
       <dsp:txXfrm>
-        <a:off x="5635800" y="2727704"/>
-        <a:ext cx="4320000" cy="1287740"/>
+        <a:off x="5635800" y="2680178"/>
+        <a:ext cx="4320000" cy="1389643"/>
       </dsp:txXfrm>
     </dsp:sp>
   </dsp:spTree>
@@ -5839,13 +5833,7 @@
           <a:avLst/>
         </a:prstGeom>
         <a:blipFill>
-          <a:blip xmlns:r="http://schemas.openxmlformats.org/officeDocument/2006/relationships" r:embed="rId1">
-            <a:extLst>
-              <a:ext uri="{28A0092B-C50C-407E-A947-70E740481C1C}">
-                <a14:useLocalDpi xmlns:a14="http://schemas.microsoft.com/office/drawing/2010/main" val="0"/>
-              </a:ext>
-            </a:extLst>
-          </a:blip>
+          <a:blip xmlns:r="http://schemas.openxmlformats.org/officeDocument/2006/relationships" r:embed="rId1"/>
           <a:srcRect/>
           <a:stretch>
             <a:fillRect/>
@@ -24394,7 +24382,7 @@
             <p:ph idx="1"/>
             <p:extLst>
               <p:ext uri="{D42A27DB-BD31-4B8C-83A1-F6EECF244321}">
-                <p14:modId xmlns:p14="http://schemas.microsoft.com/office/powerpoint/2010/main" val="4231769157"/>
+                <p14:modId xmlns:p14="http://schemas.microsoft.com/office/powerpoint/2010/main" val="1262125870"/>
               </p:ext>
             </p:extLst>
           </p:nvPr>
@@ -26338,7 +26326,7 @@
             <p:ph idx="1"/>
             <p:extLst>
               <p:ext uri="{D42A27DB-BD31-4B8C-83A1-F6EECF244321}">
-                <p14:modId xmlns:p14="http://schemas.microsoft.com/office/powerpoint/2010/main" val="1111290439"/>
+                <p14:modId xmlns:p14="http://schemas.microsoft.com/office/powerpoint/2010/main" val="908864866"/>
               </p:ext>
             </p:extLst>
           </p:nvPr>

--- a/ioVoto.pptx
+++ b/ioVoto.pptx
@@ -5,10 +5,10 @@
     <p:sldMasterId id="2147483648" r:id="rId1"/>
   </p:sldMasterIdLst>
   <p:notesMasterIdLst>
-    <p:notesMasterId r:id="rId15"/>
+    <p:notesMasterId r:id="rId16"/>
   </p:notesMasterIdLst>
   <p:handoutMasterIdLst>
-    <p:handoutMasterId r:id="rId16"/>
+    <p:handoutMasterId r:id="rId17"/>
   </p:handoutMasterIdLst>
   <p:sldIdLst>
     <p:sldId id="262" r:id="rId2"/>
@@ -24,6 +24,7 @@
     <p:sldId id="266" r:id="rId12"/>
     <p:sldId id="268" r:id="rId13"/>
     <p:sldId id="271" r:id="rId14"/>
+    <p:sldId id="272" r:id="rId15"/>
   </p:sldIdLst>
   <p:sldSz cx="12192000" cy="6858000"/>
   <p:notesSz cx="6858000" cy="9144000"/>
@@ -3975,7 +3976,7 @@
   <dgm:whole/>
   <dgm:extLst>
     <a:ext uri="http://schemas.microsoft.com/office/drawing/2008/diagram">
-      <dsp:dataModelExt xmlns:dsp="http://schemas.microsoft.com/office/drawing/2008/diagram" relId="rId8" minVer="http://schemas.openxmlformats.org/drawingml/2006/diagram"/>
+      <dsp:dataModelExt xmlns:dsp="http://schemas.microsoft.com/office/drawing/2008/diagram" relId="rId7" minVer="http://schemas.openxmlformats.org/drawingml/2006/diagram"/>
     </a:ext>
   </dgm:extLst>
 </dgm:dataModel>
@@ -4677,7 +4678,7 @@
   <dgm:whole/>
   <dgm:extLst>
     <a:ext uri="http://schemas.microsoft.com/office/drawing/2008/diagram">
-      <dsp:dataModelExt xmlns:dsp="http://schemas.microsoft.com/office/drawing/2008/diagram" relId="rId7" minVer="http://schemas.openxmlformats.org/drawingml/2006/diagram"/>
+      <dsp:dataModelExt xmlns:dsp="http://schemas.microsoft.com/office/drawing/2008/diagram" relId="rId6" minVer="http://schemas.openxmlformats.org/drawingml/2006/diagram"/>
     </a:ext>
   </dgm:extLst>
 </dgm:dataModel>
@@ -5333,7 +5334,7 @@
   <dgm:whole/>
   <dgm:extLst>
     <a:ext uri="http://schemas.microsoft.com/office/drawing/2008/diagram">
-      <dsp:dataModelExt xmlns:dsp="http://schemas.microsoft.com/office/drawing/2008/diagram" relId="rId8" minVer="http://schemas.openxmlformats.org/drawingml/2006/diagram"/>
+      <dsp:dataModelExt xmlns:dsp="http://schemas.microsoft.com/office/drawing/2008/diagram" relId="rId7" minVer="http://schemas.openxmlformats.org/drawingml/2006/diagram"/>
     </a:ext>
   </dgm:extLst>
 </dgm:dataModel>
@@ -12533,7 +12534,7 @@
           <a:p>
             <a:fld id="{B05E37D8-F87F-43EF-A613-4C53E71D9A8B}" type="datetimeFigureOut">
               <a:rPr lang="en-GB" smtClean="0"/>
-              <a:t>19/07/2022</a:t>
+              <a:t>20/07/2022</a:t>
             </a:fld>
             <a:endParaRPr lang="en-GB"/>
           </a:p>
@@ -12710,7 +12711,7 @@
           <a:p>
             <a:fld id="{E5A627A4-93D9-4CD1-9442-4D43CEEDFFCA}" type="datetimeFigureOut">
               <a:rPr lang="en-GB" smtClean="0"/>
-              <a:t>19/07/2022</a:t>
+              <a:t>20/07/2022</a:t>
             </a:fld>
             <a:endParaRPr lang="en-GB"/>
           </a:p>
@@ -13133,7 +13134,7 @@
           <a:p>
             <a:fld id="{590D5618-0DC6-4B63-9A13-5E1E28C6EDDB}" type="datetimeFigureOut">
               <a:rPr lang="en-GB" smtClean="0"/>
-              <a:t>19/07/2022</a:t>
+              <a:t>20/07/2022</a:t>
             </a:fld>
             <a:endParaRPr lang="en-GB"/>
           </a:p>
@@ -13349,7 +13350,7 @@
           <a:p>
             <a:fld id="{590D5618-0DC6-4B63-9A13-5E1E28C6EDDB}" type="datetimeFigureOut">
               <a:rPr lang="en-GB" smtClean="0"/>
-              <a:t>19/07/2022</a:t>
+              <a:t>20/07/2022</a:t>
             </a:fld>
             <a:endParaRPr lang="en-GB"/>
           </a:p>
@@ -13565,7 +13566,7 @@
           <a:p>
             <a:fld id="{590D5618-0DC6-4B63-9A13-5E1E28C6EDDB}" type="datetimeFigureOut">
               <a:rPr lang="en-GB" smtClean="0"/>
-              <a:t>19/07/2022</a:t>
+              <a:t>20/07/2022</a:t>
             </a:fld>
             <a:endParaRPr lang="en-GB"/>
           </a:p>
@@ -13781,7 +13782,7 @@
           <a:p>
             <a:fld id="{590D5618-0DC6-4B63-9A13-5E1E28C6EDDB}" type="datetimeFigureOut">
               <a:rPr lang="en-GB" smtClean="0"/>
-              <a:t>19/07/2022</a:t>
+              <a:t>20/07/2022</a:t>
             </a:fld>
             <a:endParaRPr lang="en-GB"/>
           </a:p>
@@ -14063,7 +14064,7 @@
           <a:p>
             <a:fld id="{590D5618-0DC6-4B63-9A13-5E1E28C6EDDB}" type="datetimeFigureOut">
               <a:rPr lang="en-GB" smtClean="0"/>
-              <a:t>19/07/2022</a:t>
+              <a:t>20/07/2022</a:t>
             </a:fld>
             <a:endParaRPr lang="en-GB"/>
           </a:p>
@@ -14345,7 +14346,7 @@
           <a:p>
             <a:fld id="{590D5618-0DC6-4B63-9A13-5E1E28C6EDDB}" type="datetimeFigureOut">
               <a:rPr lang="en-GB" smtClean="0"/>
-              <a:t>19/07/2022</a:t>
+              <a:t>20/07/2022</a:t>
             </a:fld>
             <a:endParaRPr lang="en-GB"/>
           </a:p>
@@ -14775,7 +14776,7 @@
           <a:p>
             <a:fld id="{590D5618-0DC6-4B63-9A13-5E1E28C6EDDB}" type="datetimeFigureOut">
               <a:rPr lang="en-GB" smtClean="0"/>
-              <a:t>19/07/2022</a:t>
+              <a:t>20/07/2022</a:t>
             </a:fld>
             <a:endParaRPr lang="en-GB"/>
           </a:p>
@@ -14925,7 +14926,7 @@
           <a:p>
             <a:fld id="{590D5618-0DC6-4B63-9A13-5E1E28C6EDDB}" type="datetimeFigureOut">
               <a:rPr lang="en-GB" smtClean="0"/>
-              <a:t>19/07/2022</a:t>
+              <a:t>20/07/2022</a:t>
             </a:fld>
             <a:endParaRPr lang="en-GB"/>
           </a:p>
@@ -15038,7 +15039,7 @@
           <a:p>
             <a:fld id="{590D5618-0DC6-4B63-9A13-5E1E28C6EDDB}" type="datetimeFigureOut">
               <a:rPr lang="en-GB" smtClean="0"/>
-              <a:t>19/07/2022</a:t>
+              <a:t>20/07/2022</a:t>
             </a:fld>
             <a:endParaRPr lang="en-GB"/>
           </a:p>
@@ -15360,7 +15361,7 @@
           <a:p>
             <a:fld id="{590D5618-0DC6-4B63-9A13-5E1E28C6EDDB}" type="datetimeFigureOut">
               <a:rPr lang="en-GB" smtClean="0"/>
-              <a:t>19/07/2022</a:t>
+              <a:t>20/07/2022</a:t>
             </a:fld>
             <a:endParaRPr lang="en-GB"/>
           </a:p>
@@ -15658,7 +15659,7 @@
           <a:p>
             <a:fld id="{590D5618-0DC6-4B63-9A13-5E1E28C6EDDB}" type="datetimeFigureOut">
               <a:rPr lang="en-GB" smtClean="0"/>
-              <a:t>19/07/2022</a:t>
+              <a:t>20/07/2022</a:t>
             </a:fld>
             <a:endParaRPr lang="en-GB"/>
           </a:p>
@@ -15797,7 +15798,7 @@
           <a:p>
             <a:fld id="{590D5618-0DC6-4B63-9A13-5E1E28C6EDDB}" type="datetimeFigureOut">
               <a:rPr lang="en-GB" smtClean="0"/>
-              <a:t>19/07/2022</a:t>
+              <a:t>20/07/2022</a:t>
             </a:fld>
             <a:endParaRPr lang="en-GB"/>
           </a:p>
@@ -17125,6 +17126,7 @@
           <a:prstGeom prst="rect">
             <a:avLst/>
           </a:prstGeom>
+          <a:effectLst/>
         </p:spPr>
       </p:pic>
       <p:sp>
@@ -17390,42 +17392,6 @@
       </p:pic>
       <p:pic>
         <p:nvPicPr>
-          <p:cNvPr id="11" name="Immagine 10">
-            <a:extLst>
-              <a:ext uri="{FF2B5EF4-FFF2-40B4-BE49-F238E27FC236}">
-                <a16:creationId xmlns:a16="http://schemas.microsoft.com/office/drawing/2014/main" id="{B4CC8760-665A-699A-D5A1-83952FE5A893}"/>
-              </a:ext>
-            </a:extLst>
-          </p:cNvPr>
-          <p:cNvPicPr>
-            <a:picLocks noChangeAspect="1"/>
-          </p:cNvPicPr>
-          <p:nvPr/>
-        </p:nvPicPr>
-        <p:blipFill>
-          <a:blip r:embed="rId3">
-            <a:extLst>
-              <a:ext uri="{28A0092B-C50C-407E-A947-70E740481C1C}">
-                <a14:useLocalDpi xmlns:a14="http://schemas.microsoft.com/office/drawing/2010/main" val="0"/>
-              </a:ext>
-            </a:extLst>
-          </a:blip>
-          <a:stretch>
-            <a:fillRect/>
-          </a:stretch>
-        </p:blipFill>
-        <p:spPr>
-          <a:xfrm>
-            <a:off x="11212066" y="271844"/>
-            <a:ext cx="677507" cy="483933"/>
-          </a:xfrm>
-          <a:prstGeom prst="rect">
-            <a:avLst/>
-          </a:prstGeom>
-        </p:spPr>
-      </p:pic>
-      <p:pic>
-        <p:nvPicPr>
           <p:cNvPr id="7" name="Immagine 6" descr="Immagine che contiene testo, segnale&#10;&#10;Descrizione generata automaticamente">
             <a:extLst>
               <a:ext uri="{FF2B5EF4-FFF2-40B4-BE49-F238E27FC236}">
@@ -17439,7 +17405,7 @@
           <p:nvPr/>
         </p:nvPicPr>
         <p:blipFill>
-          <a:blip r:embed="rId4">
+          <a:blip r:embed="rId3">
             <a:extLst>
               <a:ext uri="{28A0092B-C50C-407E-A947-70E740481C1C}">
                 <a14:useLocalDpi xmlns:a14="http://schemas.microsoft.com/office/drawing/2010/main" val="0"/>
@@ -17463,6 +17429,49 @@
               <a:prstClr val="black">
                 <a:alpha val="40000"/>
               </a:prstClr>
+            </a:outerShdw>
+          </a:effectLst>
+        </p:spPr>
+      </p:pic>
+      <p:pic>
+        <p:nvPicPr>
+          <p:cNvPr id="8" name="Immagine 7">
+            <a:extLst>
+              <a:ext uri="{FF2B5EF4-FFF2-40B4-BE49-F238E27FC236}">
+                <a16:creationId xmlns:a16="http://schemas.microsoft.com/office/drawing/2014/main" id="{9CA67D3A-31A5-A50A-E577-65322E3C2AE0}"/>
+              </a:ext>
+            </a:extLst>
+          </p:cNvPr>
+          <p:cNvPicPr>
+            <a:picLocks noChangeAspect="1"/>
+          </p:cNvPicPr>
+          <p:nvPr/>
+        </p:nvPicPr>
+        <p:blipFill>
+          <a:blip r:embed="rId4">
+            <a:extLst>
+              <a:ext uri="{28A0092B-C50C-407E-A947-70E740481C1C}">
+                <a14:useLocalDpi xmlns:a14="http://schemas.microsoft.com/office/drawing/2010/main" val="0"/>
+              </a:ext>
+            </a:extLst>
+          </a:blip>
+          <a:stretch>
+            <a:fillRect/>
+          </a:stretch>
+        </p:blipFill>
+        <p:spPr>
+          <a:xfrm>
+            <a:off x="11212066" y="271844"/>
+            <a:ext cx="677507" cy="483933"/>
+          </a:xfrm>
+          <a:prstGeom prst="rect">
+            <a:avLst/>
+          </a:prstGeom>
+          <a:effectLst>
+            <a:outerShdw blurRad="50800" dist="25400" dir="2700000" algn="tl" rotWithShape="0">
+              <a:srgbClr val="0C09D5">
+                <a:alpha val="40000"/>
+              </a:srgbClr>
             </a:outerShdw>
           </a:effectLst>
         </p:spPr>
@@ -18083,42 +18092,6 @@
       </p:pic>
       <p:pic>
         <p:nvPicPr>
-          <p:cNvPr id="14" name="Immagine 13">
-            <a:extLst>
-              <a:ext uri="{FF2B5EF4-FFF2-40B4-BE49-F238E27FC236}">
-                <a16:creationId xmlns:a16="http://schemas.microsoft.com/office/drawing/2014/main" id="{9CEFDD91-26D7-71EE-769D-C7D99865663E}"/>
-              </a:ext>
-            </a:extLst>
-          </p:cNvPr>
-          <p:cNvPicPr>
-            <a:picLocks noChangeAspect="1"/>
-          </p:cNvPicPr>
-          <p:nvPr/>
-        </p:nvPicPr>
-        <p:blipFill>
-          <a:blip r:embed="rId5">
-            <a:extLst>
-              <a:ext uri="{28A0092B-C50C-407E-A947-70E740481C1C}">
-                <a14:useLocalDpi xmlns:a14="http://schemas.microsoft.com/office/drawing/2010/main" val="0"/>
-              </a:ext>
-            </a:extLst>
-          </a:blip>
-          <a:stretch>
-            <a:fillRect/>
-          </a:stretch>
-        </p:blipFill>
-        <p:spPr>
-          <a:xfrm>
-            <a:off x="11212066" y="271844"/>
-            <a:ext cx="677507" cy="483933"/>
-          </a:xfrm>
-          <a:prstGeom prst="rect">
-            <a:avLst/>
-          </a:prstGeom>
-        </p:spPr>
-      </p:pic>
-      <p:pic>
-        <p:nvPicPr>
           <p:cNvPr id="10" name="Immagine 9" descr="Immagine che contiene testo, segnale&#10;&#10;Descrizione generata automaticamente">
             <a:extLst>
               <a:ext uri="{FF2B5EF4-FFF2-40B4-BE49-F238E27FC236}">
@@ -18132,7 +18105,7 @@
           <p:nvPr/>
         </p:nvPicPr>
         <p:blipFill>
-          <a:blip r:embed="rId6">
+          <a:blip r:embed="rId5">
             <a:extLst>
               <a:ext uri="{28A0092B-C50C-407E-A947-70E740481C1C}">
                 <a14:useLocalDpi xmlns:a14="http://schemas.microsoft.com/office/drawing/2010/main" val="0"/>
@@ -18156,6 +18129,49 @@
               <a:prstClr val="black">
                 <a:alpha val="40000"/>
               </a:prstClr>
+            </a:outerShdw>
+          </a:effectLst>
+        </p:spPr>
+      </p:pic>
+      <p:pic>
+        <p:nvPicPr>
+          <p:cNvPr id="12" name="Immagine 11">
+            <a:extLst>
+              <a:ext uri="{FF2B5EF4-FFF2-40B4-BE49-F238E27FC236}">
+                <a16:creationId xmlns:a16="http://schemas.microsoft.com/office/drawing/2014/main" id="{7C2CEA2E-541D-E4E7-9811-ABC50F53C2A2}"/>
+              </a:ext>
+            </a:extLst>
+          </p:cNvPr>
+          <p:cNvPicPr>
+            <a:picLocks noChangeAspect="1"/>
+          </p:cNvPicPr>
+          <p:nvPr/>
+        </p:nvPicPr>
+        <p:blipFill>
+          <a:blip r:embed="rId6">
+            <a:extLst>
+              <a:ext uri="{28A0092B-C50C-407E-A947-70E740481C1C}">
+                <a14:useLocalDpi xmlns:a14="http://schemas.microsoft.com/office/drawing/2010/main" val="0"/>
+              </a:ext>
+            </a:extLst>
+          </a:blip>
+          <a:stretch>
+            <a:fillRect/>
+          </a:stretch>
+        </p:blipFill>
+        <p:spPr>
+          <a:xfrm>
+            <a:off x="11212066" y="271844"/>
+            <a:ext cx="677507" cy="483933"/>
+          </a:xfrm>
+          <a:prstGeom prst="rect">
+            <a:avLst/>
+          </a:prstGeom>
+          <a:effectLst>
+            <a:outerShdw blurRad="50800" dist="25400" dir="2700000" algn="tl" rotWithShape="0">
+              <a:srgbClr val="0C09D5">
+                <a:alpha val="40000"/>
+              </a:srgbClr>
             </a:outerShdw>
           </a:effectLst>
         </p:spPr>
@@ -19199,46 +19215,6 @@
       </p:graphicFrame>
       <p:pic>
         <p:nvPicPr>
-          <p:cNvPr id="12" name="Immagine 11">
-            <a:extLst>
-              <a:ext uri="{FF2B5EF4-FFF2-40B4-BE49-F238E27FC236}">
-                <a16:creationId xmlns:a16="http://schemas.microsoft.com/office/drawing/2014/main" id="{098590E5-8E74-DD1C-28CE-A64920BB68EA}"/>
-              </a:ext>
-            </a:extLst>
-          </p:cNvPr>
-          <p:cNvPicPr>
-            <a:picLocks noChangeAspect="1"/>
-          </p:cNvPicPr>
-          <p:nvPr/>
-        </p:nvPicPr>
-        <p:blipFill>
-          <a:blip r:embed="rId7">
-            <a:extLst>
-              <a:ext uri="{28A0092B-C50C-407E-A947-70E740481C1C}">
-                <a14:useLocalDpi xmlns:a14="http://schemas.microsoft.com/office/drawing/2010/main" val="0"/>
-              </a:ext>
-            </a:extLst>
-          </a:blip>
-          <a:stretch>
-            <a:fillRect/>
-          </a:stretch>
-        </p:blipFill>
-        <p:spPr>
-          <a:xfrm>
-            <a:off x="11212066" y="271844"/>
-            <a:ext cx="677507" cy="483933"/>
-          </a:xfrm>
-          <a:prstGeom prst="rect">
-            <a:avLst/>
-          </a:prstGeom>
-          <a:noFill/>
-          <a:ln>
-            <a:noFill/>
-          </a:ln>
-        </p:spPr>
-      </p:pic>
-      <p:pic>
-        <p:nvPicPr>
           <p:cNvPr id="4" name="Immagine 3">
             <a:extLst>
               <a:ext uri="{FF2B5EF4-FFF2-40B4-BE49-F238E27FC236}">
@@ -19252,7 +19228,7 @@
           <p:nvPr/>
         </p:nvPicPr>
         <p:blipFill>
-          <a:blip r:embed="rId8">
+          <a:blip r:embed="rId7">
             <a:extLst>
               <a:ext uri="{28A0092B-C50C-407E-A947-70E740481C1C}">
                 <a14:useLocalDpi xmlns:a14="http://schemas.microsoft.com/office/drawing/2010/main" val="0"/>
@@ -19276,6 +19252,49 @@
               <a:prstClr val="black">
                 <a:alpha val="40000"/>
               </a:prstClr>
+            </a:outerShdw>
+          </a:effectLst>
+        </p:spPr>
+      </p:pic>
+      <p:pic>
+        <p:nvPicPr>
+          <p:cNvPr id="9" name="Immagine 8">
+            <a:extLst>
+              <a:ext uri="{FF2B5EF4-FFF2-40B4-BE49-F238E27FC236}">
+                <a16:creationId xmlns:a16="http://schemas.microsoft.com/office/drawing/2014/main" id="{F944895D-7978-3BC6-DA53-5DF298EA532E}"/>
+              </a:ext>
+            </a:extLst>
+          </p:cNvPr>
+          <p:cNvPicPr>
+            <a:picLocks noChangeAspect="1"/>
+          </p:cNvPicPr>
+          <p:nvPr/>
+        </p:nvPicPr>
+        <p:blipFill>
+          <a:blip r:embed="rId8">
+            <a:extLst>
+              <a:ext uri="{28A0092B-C50C-407E-A947-70E740481C1C}">
+                <a14:useLocalDpi xmlns:a14="http://schemas.microsoft.com/office/drawing/2010/main" val="0"/>
+              </a:ext>
+            </a:extLst>
+          </a:blip>
+          <a:stretch>
+            <a:fillRect/>
+          </a:stretch>
+        </p:blipFill>
+        <p:spPr>
+          <a:xfrm>
+            <a:off x="11212066" y="271844"/>
+            <a:ext cx="677507" cy="483933"/>
+          </a:xfrm>
+          <a:prstGeom prst="rect">
+            <a:avLst/>
+          </a:prstGeom>
+          <a:effectLst>
+            <a:outerShdw blurRad="50800" dist="25400" dir="2700000" algn="tl" rotWithShape="0">
+              <a:srgbClr val="0C09D5">
+                <a:alpha val="40000"/>
+              </a:srgbClr>
             </a:outerShdw>
           </a:effectLst>
         </p:spPr>
@@ -20106,46 +20125,6 @@
           </a:effectLst>
         </p:spPr>
       </p:pic>
-      <p:pic>
-        <p:nvPicPr>
-          <p:cNvPr id="7" name="Immagine 6">
-            <a:extLst>
-              <a:ext uri="{FF2B5EF4-FFF2-40B4-BE49-F238E27FC236}">
-                <a16:creationId xmlns:a16="http://schemas.microsoft.com/office/drawing/2014/main" id="{FAE7CBF4-4400-4941-34FD-8A334C1EC0F0}"/>
-              </a:ext>
-            </a:extLst>
-          </p:cNvPr>
-          <p:cNvPicPr>
-            <a:picLocks noChangeAspect="1"/>
-          </p:cNvPicPr>
-          <p:nvPr/>
-        </p:nvPicPr>
-        <p:blipFill>
-          <a:blip r:embed="rId3">
-            <a:extLst>
-              <a:ext uri="{28A0092B-C50C-407E-A947-70E740481C1C}">
-                <a14:useLocalDpi xmlns:a14="http://schemas.microsoft.com/office/drawing/2010/main" val="0"/>
-              </a:ext>
-            </a:extLst>
-          </a:blip>
-          <a:stretch>
-            <a:fillRect/>
-          </a:stretch>
-        </p:blipFill>
-        <p:spPr>
-          <a:xfrm>
-            <a:off x="11212066" y="271844"/>
-            <a:ext cx="677507" cy="483933"/>
-          </a:xfrm>
-          <a:prstGeom prst="rect">
-            <a:avLst/>
-          </a:prstGeom>
-          <a:noFill/>
-          <a:ln>
-            <a:noFill/>
-          </a:ln>
-        </p:spPr>
-      </p:pic>
       <p:graphicFrame>
         <p:nvGraphicFramePr>
           <p:cNvPr id="15" name="CasellaDiTesto 12">
@@ -20170,14 +20149,1255 @@
         </p:xfrm>
         <a:graphic>
           <a:graphicData uri="http://schemas.openxmlformats.org/drawingml/2006/diagram">
-            <dgm:relIds xmlns:dgm="http://schemas.openxmlformats.org/drawingml/2006/diagram" xmlns:r="http://schemas.openxmlformats.org/officeDocument/2006/relationships" r:dm="rId4" r:lo="rId5" r:qs="rId6" r:cs="rId7"/>
+            <dgm:relIds xmlns:dgm="http://schemas.openxmlformats.org/drawingml/2006/diagram" xmlns:r="http://schemas.openxmlformats.org/officeDocument/2006/relationships" r:dm="rId3" r:lo="rId4" r:qs="rId5" r:cs="rId6"/>
           </a:graphicData>
         </a:graphic>
       </p:graphicFrame>
+      <p:pic>
+        <p:nvPicPr>
+          <p:cNvPr id="9" name="Immagine 8">
+            <a:extLst>
+              <a:ext uri="{FF2B5EF4-FFF2-40B4-BE49-F238E27FC236}">
+                <a16:creationId xmlns:a16="http://schemas.microsoft.com/office/drawing/2014/main" id="{E30197DF-3A40-B10C-F78C-7C7BB27B87CC}"/>
+              </a:ext>
+            </a:extLst>
+          </p:cNvPr>
+          <p:cNvPicPr>
+            <a:picLocks noChangeAspect="1"/>
+          </p:cNvPicPr>
+          <p:nvPr/>
+        </p:nvPicPr>
+        <p:blipFill>
+          <a:blip r:embed="rId8">
+            <a:extLst>
+              <a:ext uri="{28A0092B-C50C-407E-A947-70E740481C1C}">
+                <a14:useLocalDpi xmlns:a14="http://schemas.microsoft.com/office/drawing/2010/main" val="0"/>
+              </a:ext>
+            </a:extLst>
+          </a:blip>
+          <a:stretch>
+            <a:fillRect/>
+          </a:stretch>
+        </p:blipFill>
+        <p:spPr>
+          <a:xfrm>
+            <a:off x="11212066" y="271844"/>
+            <a:ext cx="677507" cy="483933"/>
+          </a:xfrm>
+          <a:prstGeom prst="rect">
+            <a:avLst/>
+          </a:prstGeom>
+          <a:effectLst>
+            <a:outerShdw blurRad="50800" dist="25400" dir="2700000" algn="tl" rotWithShape="0">
+              <a:srgbClr val="0C09D5">
+                <a:alpha val="40000"/>
+              </a:srgbClr>
+            </a:outerShdw>
+          </a:effectLst>
+        </p:spPr>
+      </p:pic>
     </p:spTree>
     <p:extLst>
       <p:ext uri="{BB962C8B-B14F-4D97-AF65-F5344CB8AC3E}">
         <p14:creationId xmlns:p14="http://schemas.microsoft.com/office/powerpoint/2010/main" val="1111739194"/>
+      </p:ext>
+    </p:extLst>
+  </p:cSld>
+  <p:clrMapOvr>
+    <a:masterClrMapping/>
+  </p:clrMapOvr>
+</p:sld>
+</file>
+
+<file path=ppt/slides/slide14.xml><?xml version="1.0" encoding="utf-8"?>
+<p:sld xmlns:a="http://schemas.openxmlformats.org/drawingml/2006/main" xmlns:r="http://schemas.openxmlformats.org/officeDocument/2006/relationships" xmlns:p="http://schemas.openxmlformats.org/presentationml/2006/main">
+  <p:cSld>
+    <p:bg>
+      <p:bgPr>
+        <a:solidFill>
+          <a:schemeClr val="bg1"/>
+        </a:solidFill>
+        <a:effectLst/>
+      </p:bgPr>
+    </p:bg>
+    <p:spTree>
+      <p:nvGrpSpPr>
+        <p:cNvPr id="1" name=""/>
+        <p:cNvGrpSpPr/>
+        <p:nvPr/>
+      </p:nvGrpSpPr>
+      <p:grpSpPr>
+        <a:xfrm>
+          <a:off x="0" y="0"/>
+          <a:ext cx="0" cy="0"/>
+          <a:chOff x="0" y="0"/>
+          <a:chExt cx="0" cy="0"/>
+        </a:xfrm>
+      </p:grpSpPr>
+      <p:sp useBgFill="1">
+        <p:nvSpPr>
+          <p:cNvPr id="28" name="Rectangle 27">
+            <a:extLst>
+              <a:ext uri="{FF2B5EF4-FFF2-40B4-BE49-F238E27FC236}">
+                <a16:creationId xmlns:a16="http://schemas.microsoft.com/office/drawing/2014/main" id="{ED8E54F9-849C-4865-8C5E-FD967B81D756}"/>
+              </a:ext>
+              <a:ext uri="{C183D7F6-B498-43B3-948B-1728B52AA6E4}">
+                <adec:decorative xmlns:adec="http://schemas.microsoft.com/office/drawing/2017/decorative" val="1"/>
+              </a:ext>
+            </a:extLst>
+          </p:cNvPr>
+          <p:cNvSpPr>
+            <a:spLocks noGrp="1" noRot="1" noChangeAspect="1" noMove="1" noResize="1" noEditPoints="1" noAdjustHandles="1" noChangeArrowheads="1" noChangeShapeType="1" noTextEdit="1"/>
+          </p:cNvSpPr>
+          <p:nvPr>
+            <p:extLst>
+              <p:ext uri="{386F3935-93C4-4BCD-93E2-E3B085C9AB24}">
+                <p16:designElem xmlns:p16="http://schemas.microsoft.com/office/powerpoint/2015/main" val="1"/>
+              </p:ext>
+            </p:extLst>
+          </p:nvPr>
+        </p:nvSpPr>
+        <p:spPr>
+          <a:xfrm>
+            <a:off x="0" y="0"/>
+            <a:ext cx="12188952" cy="6858000"/>
+          </a:xfrm>
+          <a:prstGeom prst="rect">
+            <a:avLst/>
+          </a:prstGeom>
+          <a:ln>
+            <a:noFill/>
+          </a:ln>
+        </p:spPr>
+        <p:style>
+          <a:lnRef idx="2">
+            <a:schemeClr val="accent1">
+              <a:shade val="50000"/>
+            </a:schemeClr>
+          </a:lnRef>
+          <a:fillRef idx="1">
+            <a:schemeClr val="accent1"/>
+          </a:fillRef>
+          <a:effectRef idx="0">
+            <a:schemeClr val="accent1"/>
+          </a:effectRef>
+          <a:fontRef idx="minor">
+            <a:schemeClr val="lt1"/>
+          </a:fontRef>
+        </p:style>
+        <p:txBody>
+          <a:bodyPr rtlCol="0" anchor="ctr"/>
+          <a:lstStyle/>
+          <a:p>
+            <a:pPr algn="ctr"/>
+            <a:endParaRPr lang="en-US"/>
+          </a:p>
+        </p:txBody>
+      </p:sp>
+      <p:sp>
+        <p:nvSpPr>
+          <p:cNvPr id="30" name="Freeform: Shape 29">
+            <a:extLst>
+              <a:ext uri="{FF2B5EF4-FFF2-40B4-BE49-F238E27FC236}">
+                <a16:creationId xmlns:a16="http://schemas.microsoft.com/office/drawing/2014/main" id="{391AE6B3-1D2D-4C67-A4DB-888635B527AC}"/>
+              </a:ext>
+              <a:ext uri="{C183D7F6-B498-43B3-948B-1728B52AA6E4}">
+                <adec:decorative xmlns:adec="http://schemas.microsoft.com/office/drawing/2017/decorative" val="1"/>
+              </a:ext>
+            </a:extLst>
+          </p:cNvPr>
+          <p:cNvSpPr>
+            <a:spLocks noGrp="1" noRot="1" noChangeAspect="1" noMove="1" noResize="1" noEditPoints="1" noAdjustHandles="1" noChangeArrowheads="1" noChangeShapeType="1" noTextEdit="1"/>
+          </p:cNvSpPr>
+          <p:nvPr>
+            <p:extLst>
+              <p:ext uri="{386F3935-93C4-4BCD-93E2-E3B085C9AB24}">
+                <p16:designElem xmlns:p16="http://schemas.microsoft.com/office/powerpoint/2015/main" val="1"/>
+              </p:ext>
+            </p:extLst>
+          </p:nvPr>
+        </p:nvSpPr>
+        <p:spPr>
+          <a:xfrm>
+            <a:off x="0" y="1"/>
+            <a:ext cx="12192000" cy="6054983"/>
+          </a:xfrm>
+          <a:custGeom>
+            <a:avLst/>
+            <a:gdLst>
+              <a:gd name="connsiteX0" fmla="*/ 6788003 w 12188952"/>
+              <a:gd name="connsiteY0" fmla="*/ 5986774 h 6054983"/>
+              <a:gd name="connsiteX1" fmla="*/ 6787005 w 12188952"/>
+              <a:gd name="connsiteY1" fmla="*/ 5986852 h 6054983"/>
+              <a:gd name="connsiteX2" fmla="*/ 6786779 w 12188952"/>
+              <a:gd name="connsiteY2" fmla="*/ 5987386 h 6054983"/>
+              <a:gd name="connsiteX3" fmla="*/ 0 w 12188952"/>
+              <a:gd name="connsiteY3" fmla="*/ 0 h 6054983"/>
+              <a:gd name="connsiteX4" fmla="*/ 12188952 w 12188952"/>
+              <a:gd name="connsiteY4" fmla="*/ 0 h 6054983"/>
+              <a:gd name="connsiteX5" fmla="*/ 12188952 w 12188952"/>
+              <a:gd name="connsiteY5" fmla="*/ 5092539 h 6054983"/>
+              <a:gd name="connsiteX6" fmla="*/ 12058081 w 12188952"/>
+              <a:gd name="connsiteY6" fmla="*/ 5131579 h 6054983"/>
+              <a:gd name="connsiteX7" fmla="*/ 11673881 w 12188952"/>
+              <a:gd name="connsiteY7" fmla="*/ 5235154 h 6054983"/>
+              <a:gd name="connsiteX8" fmla="*/ 10422749 w 12188952"/>
+              <a:gd name="connsiteY8" fmla="*/ 5518693 h 6054983"/>
+              <a:gd name="connsiteX9" fmla="*/ 9421666 w 12188952"/>
+              <a:gd name="connsiteY9" fmla="*/ 5693855 h 6054983"/>
+              <a:gd name="connsiteX10" fmla="*/ 8456304 w 12188952"/>
+              <a:gd name="connsiteY10" fmla="*/ 5827556 h 6054983"/>
+              <a:gd name="connsiteX11" fmla="*/ 7714041 w 12188952"/>
+              <a:gd name="connsiteY11" fmla="*/ 5907503 h 6054983"/>
+              <a:gd name="connsiteX12" fmla="*/ 6949978 w 12188952"/>
+              <a:gd name="connsiteY12" fmla="*/ 5973283 h 6054983"/>
+              <a:gd name="connsiteX13" fmla="*/ 6934569 w 12188952"/>
+              <a:gd name="connsiteY13" fmla="*/ 5975354 h 6054983"/>
+              <a:gd name="connsiteX14" fmla="*/ 6788750 w 12188952"/>
+              <a:gd name="connsiteY14" fmla="*/ 5986715 h 6054983"/>
+              <a:gd name="connsiteX15" fmla="*/ 6798241 w 12188952"/>
+              <a:gd name="connsiteY15" fmla="*/ 5988535 h 6054983"/>
+              <a:gd name="connsiteX16" fmla="*/ 6833723 w 12188952"/>
+              <a:gd name="connsiteY16" fmla="*/ 5986828 h 6054983"/>
+              <a:gd name="connsiteX17" fmla="*/ 6882282 w 12188952"/>
+              <a:gd name="connsiteY17" fmla="*/ 5983850 h 6054983"/>
+              <a:gd name="connsiteX18" fmla="*/ 7576876 w 12188952"/>
+              <a:gd name="connsiteY18" fmla="*/ 5951323 h 6054983"/>
+              <a:gd name="connsiteX19" fmla="*/ 8621689 w 12188952"/>
+              <a:gd name="connsiteY19" fmla="*/ 5864426 h 6054983"/>
+              <a:gd name="connsiteX20" fmla="*/ 9477600 w 12188952"/>
+              <a:gd name="connsiteY20" fmla="*/ 5760520 h 6054983"/>
+              <a:gd name="connsiteX21" fmla="*/ 10626651 w 12188952"/>
+              <a:gd name="connsiteY21" fmla="*/ 5566363 h 6054983"/>
+              <a:gd name="connsiteX22" fmla="*/ 11995498 w 12188952"/>
+              <a:gd name="connsiteY22" fmla="*/ 5240369 h 6054983"/>
+              <a:gd name="connsiteX23" fmla="*/ 12188952 w 12188952"/>
+              <a:gd name="connsiteY23" fmla="*/ 5183370 h 6054983"/>
+              <a:gd name="connsiteX24" fmla="*/ 12188952 w 12188952"/>
+              <a:gd name="connsiteY24" fmla="*/ 5238107 h 6054983"/>
+              <a:gd name="connsiteX25" fmla="*/ 11826300 w 12188952"/>
+              <a:gd name="connsiteY25" fmla="*/ 5343406 h 6054983"/>
+              <a:gd name="connsiteX26" fmla="*/ 10936448 w 12188952"/>
+              <a:gd name="connsiteY26" fmla="*/ 5557921 h 6054983"/>
+              <a:gd name="connsiteX27" fmla="*/ 9983034 w 12188952"/>
+              <a:gd name="connsiteY27" fmla="*/ 5737926 h 6054983"/>
+              <a:gd name="connsiteX28" fmla="*/ 9184585 w 12188952"/>
+              <a:gd name="connsiteY28" fmla="*/ 5853873 h 6054983"/>
+              <a:gd name="connsiteX29" fmla="*/ 8576053 w 12188952"/>
+              <a:gd name="connsiteY29" fmla="*/ 5923392 h 6054983"/>
+              <a:gd name="connsiteX30" fmla="*/ 7862392 w 12188952"/>
+              <a:gd name="connsiteY30" fmla="*/ 5984843 h 6054983"/>
+              <a:gd name="connsiteX31" fmla="*/ 6933768 w 12188952"/>
+              <a:gd name="connsiteY31" fmla="*/ 6036237 h 6054983"/>
+              <a:gd name="connsiteX32" fmla="*/ 6476130 w 12188952"/>
+              <a:gd name="connsiteY32" fmla="*/ 6050140 h 6054983"/>
+              <a:gd name="connsiteX33" fmla="*/ 6360703 w 12188952"/>
+              <a:gd name="connsiteY33" fmla="*/ 6054983 h 6054983"/>
+              <a:gd name="connsiteX34" fmla="*/ 6055614 w 12188952"/>
+              <a:gd name="connsiteY34" fmla="*/ 6054983 h 6054983"/>
+              <a:gd name="connsiteX35" fmla="*/ 5976289 w 12188952"/>
+              <a:gd name="connsiteY35" fmla="*/ 6050389 h 6054983"/>
+              <a:gd name="connsiteX36" fmla="*/ 5263770 w 12188952"/>
+              <a:gd name="connsiteY36" fmla="*/ 6014140 h 6054983"/>
+              <a:gd name="connsiteX37" fmla="*/ 4345190 w 12188952"/>
+              <a:gd name="connsiteY37" fmla="*/ 5952070 h 6054983"/>
+              <a:gd name="connsiteX38" fmla="*/ 3372201 w 12188952"/>
+              <a:gd name="connsiteY38" fmla="*/ 5853501 h 6054983"/>
+              <a:gd name="connsiteX39" fmla="*/ 2361582 w 12188952"/>
+              <a:gd name="connsiteY39" fmla="*/ 5734574 h 6054983"/>
+              <a:gd name="connsiteX40" fmla="*/ 1232869 w 12188952"/>
+              <a:gd name="connsiteY40" fmla="*/ 5561398 h 6054983"/>
+              <a:gd name="connsiteX41" fmla="*/ 68483 w 12188952"/>
+              <a:gd name="connsiteY41" fmla="*/ 5321691 h 6054983"/>
+              <a:gd name="connsiteX42" fmla="*/ 0 w 12188952"/>
+              <a:gd name="connsiteY42" fmla="*/ 5304336 h 6054983"/>
+              <a:gd name="connsiteX43" fmla="*/ 0 w 12188952"/>
+              <a:gd name="connsiteY43" fmla="*/ 5247847 h 6054983"/>
+              <a:gd name="connsiteX44" fmla="*/ 72423 w 12188952"/>
+              <a:gd name="connsiteY44" fmla="*/ 5266624 h 6054983"/>
+              <a:gd name="connsiteX45" fmla="*/ 600566 w 12188952"/>
+              <a:gd name="connsiteY45" fmla="*/ 5384994 h 6054983"/>
+              <a:gd name="connsiteX46" fmla="*/ 1769069 w 12188952"/>
+              <a:gd name="connsiteY46" fmla="*/ 5595162 h 6054983"/>
+              <a:gd name="connsiteX47" fmla="*/ 2612900 w 12188952"/>
+              <a:gd name="connsiteY47" fmla="*/ 5712104 h 6054983"/>
+              <a:gd name="connsiteX48" fmla="*/ 2580488 w 12188952"/>
+              <a:gd name="connsiteY48" fmla="*/ 5702173 h 6054983"/>
+              <a:gd name="connsiteX49" fmla="*/ 1112357 w 12188952"/>
+              <a:gd name="connsiteY49" fmla="*/ 5369476 h 6054983"/>
+              <a:gd name="connsiteX50" fmla="*/ 420307 w 12188952"/>
+              <a:gd name="connsiteY50" fmla="*/ 5170043 h 6054983"/>
+              <a:gd name="connsiteX51" fmla="*/ 0 w 12188952"/>
+              <a:gd name="connsiteY51" fmla="*/ 5031126 h 6054983"/>
+            </a:gdLst>
+            <a:ahLst/>
+            <a:cxnLst>
+              <a:cxn ang="0">
+                <a:pos x="connsiteX0" y="connsiteY0"/>
+              </a:cxn>
+              <a:cxn ang="0">
+                <a:pos x="connsiteX1" y="connsiteY1"/>
+              </a:cxn>
+              <a:cxn ang="0">
+                <a:pos x="connsiteX2" y="connsiteY2"/>
+              </a:cxn>
+              <a:cxn ang="0">
+                <a:pos x="connsiteX3" y="connsiteY3"/>
+              </a:cxn>
+              <a:cxn ang="0">
+                <a:pos x="connsiteX4" y="connsiteY4"/>
+              </a:cxn>
+              <a:cxn ang="0">
+                <a:pos x="connsiteX5" y="connsiteY5"/>
+              </a:cxn>
+              <a:cxn ang="0">
+                <a:pos x="connsiteX6" y="connsiteY6"/>
+              </a:cxn>
+              <a:cxn ang="0">
+                <a:pos x="connsiteX7" y="connsiteY7"/>
+              </a:cxn>
+              <a:cxn ang="0">
+                <a:pos x="connsiteX8" y="connsiteY8"/>
+              </a:cxn>
+              <a:cxn ang="0">
+                <a:pos x="connsiteX9" y="connsiteY9"/>
+              </a:cxn>
+              <a:cxn ang="0">
+                <a:pos x="connsiteX10" y="connsiteY10"/>
+              </a:cxn>
+              <a:cxn ang="0">
+                <a:pos x="connsiteX11" y="connsiteY11"/>
+              </a:cxn>
+              <a:cxn ang="0">
+                <a:pos x="connsiteX12" y="connsiteY12"/>
+              </a:cxn>
+              <a:cxn ang="0">
+                <a:pos x="connsiteX13" y="connsiteY13"/>
+              </a:cxn>
+              <a:cxn ang="0">
+                <a:pos x="connsiteX14" y="connsiteY14"/>
+              </a:cxn>
+              <a:cxn ang="0">
+                <a:pos x="connsiteX15" y="connsiteY15"/>
+              </a:cxn>
+              <a:cxn ang="0">
+                <a:pos x="connsiteX16" y="connsiteY16"/>
+              </a:cxn>
+              <a:cxn ang="0">
+                <a:pos x="connsiteX17" y="connsiteY17"/>
+              </a:cxn>
+              <a:cxn ang="0">
+                <a:pos x="connsiteX18" y="connsiteY18"/>
+              </a:cxn>
+              <a:cxn ang="0">
+                <a:pos x="connsiteX19" y="connsiteY19"/>
+              </a:cxn>
+              <a:cxn ang="0">
+                <a:pos x="connsiteX20" y="connsiteY20"/>
+              </a:cxn>
+              <a:cxn ang="0">
+                <a:pos x="connsiteX21" y="connsiteY21"/>
+              </a:cxn>
+              <a:cxn ang="0">
+                <a:pos x="connsiteX22" y="connsiteY22"/>
+              </a:cxn>
+              <a:cxn ang="0">
+                <a:pos x="connsiteX23" y="connsiteY23"/>
+              </a:cxn>
+              <a:cxn ang="0">
+                <a:pos x="connsiteX24" y="connsiteY24"/>
+              </a:cxn>
+              <a:cxn ang="0">
+                <a:pos x="connsiteX25" y="connsiteY25"/>
+              </a:cxn>
+              <a:cxn ang="0">
+                <a:pos x="connsiteX26" y="connsiteY26"/>
+              </a:cxn>
+              <a:cxn ang="0">
+                <a:pos x="connsiteX27" y="connsiteY27"/>
+              </a:cxn>
+              <a:cxn ang="0">
+                <a:pos x="connsiteX28" y="connsiteY28"/>
+              </a:cxn>
+              <a:cxn ang="0">
+                <a:pos x="connsiteX29" y="connsiteY29"/>
+              </a:cxn>
+              <a:cxn ang="0">
+                <a:pos x="connsiteX30" y="connsiteY30"/>
+              </a:cxn>
+              <a:cxn ang="0">
+                <a:pos x="connsiteX31" y="connsiteY31"/>
+              </a:cxn>
+              <a:cxn ang="0">
+                <a:pos x="connsiteX32" y="connsiteY32"/>
+              </a:cxn>
+              <a:cxn ang="0">
+                <a:pos x="connsiteX33" y="connsiteY33"/>
+              </a:cxn>
+              <a:cxn ang="0">
+                <a:pos x="connsiteX34" y="connsiteY34"/>
+              </a:cxn>
+              <a:cxn ang="0">
+                <a:pos x="connsiteX35" y="connsiteY35"/>
+              </a:cxn>
+              <a:cxn ang="0">
+                <a:pos x="connsiteX36" y="connsiteY36"/>
+              </a:cxn>
+              <a:cxn ang="0">
+                <a:pos x="connsiteX37" y="connsiteY37"/>
+              </a:cxn>
+              <a:cxn ang="0">
+                <a:pos x="connsiteX38" y="connsiteY38"/>
+              </a:cxn>
+              <a:cxn ang="0">
+                <a:pos x="connsiteX39" y="connsiteY39"/>
+              </a:cxn>
+              <a:cxn ang="0">
+                <a:pos x="connsiteX40" y="connsiteY40"/>
+              </a:cxn>
+              <a:cxn ang="0">
+                <a:pos x="connsiteX41" y="connsiteY41"/>
+              </a:cxn>
+              <a:cxn ang="0">
+                <a:pos x="connsiteX42" y="connsiteY42"/>
+              </a:cxn>
+              <a:cxn ang="0">
+                <a:pos x="connsiteX43" y="connsiteY43"/>
+              </a:cxn>
+              <a:cxn ang="0">
+                <a:pos x="connsiteX44" y="connsiteY44"/>
+              </a:cxn>
+              <a:cxn ang="0">
+                <a:pos x="connsiteX45" y="connsiteY45"/>
+              </a:cxn>
+              <a:cxn ang="0">
+                <a:pos x="connsiteX46" y="connsiteY46"/>
+              </a:cxn>
+              <a:cxn ang="0">
+                <a:pos x="connsiteX47" y="connsiteY47"/>
+              </a:cxn>
+              <a:cxn ang="0">
+                <a:pos x="connsiteX48" y="connsiteY48"/>
+              </a:cxn>
+              <a:cxn ang="0">
+                <a:pos x="connsiteX49" y="connsiteY49"/>
+              </a:cxn>
+              <a:cxn ang="0">
+                <a:pos x="connsiteX50" y="connsiteY50"/>
+              </a:cxn>
+              <a:cxn ang="0">
+                <a:pos x="connsiteX51" y="connsiteY51"/>
+              </a:cxn>
+            </a:cxnLst>
+            <a:rect l="l" t="t" r="r" b="b"/>
+            <a:pathLst>
+              <a:path w="12188952" h="6054983">
+                <a:moveTo>
+                  <a:pt x="6788003" y="5986774"/>
+                </a:moveTo>
+                <a:lnTo>
+                  <a:pt x="6787005" y="5986852"/>
+                </a:lnTo>
+                <a:lnTo>
+                  <a:pt x="6786779" y="5987386"/>
+                </a:lnTo>
+                <a:close/>
+                <a:moveTo>
+                  <a:pt x="0" y="0"/>
+                </a:moveTo>
+                <a:lnTo>
+                  <a:pt x="12188952" y="0"/>
+                </a:lnTo>
+                <a:lnTo>
+                  <a:pt x="12188952" y="5092539"/>
+                </a:lnTo>
+                <a:lnTo>
+                  <a:pt x="12058081" y="5131579"/>
+                </a:lnTo>
+                <a:cubicBezTo>
+                  <a:pt x="11930517" y="5167793"/>
+                  <a:pt x="11802439" y="5202322"/>
+                  <a:pt x="11673881" y="5235154"/>
+                </a:cubicBezTo>
+                <a:cubicBezTo>
+                  <a:pt x="11259973" y="5342661"/>
+                  <a:pt x="10842632" y="5436263"/>
+                  <a:pt x="10422749" y="5518693"/>
+                </a:cubicBezTo>
+                <a:cubicBezTo>
+                  <a:pt x="10090287" y="5583904"/>
+                  <a:pt x="9756593" y="5642301"/>
+                  <a:pt x="9421666" y="5693855"/>
+                </a:cubicBezTo>
+                <a:cubicBezTo>
+                  <a:pt x="9100721" y="5743512"/>
+                  <a:pt x="8778938" y="5788079"/>
+                  <a:pt x="8456304" y="5827556"/>
+                </a:cubicBezTo>
+                <a:cubicBezTo>
+                  <a:pt x="8209307" y="5857722"/>
+                  <a:pt x="7961801" y="5883295"/>
+                  <a:pt x="7714041" y="5907503"/>
+                </a:cubicBezTo>
+                <a:lnTo>
+                  <a:pt x="6949978" y="5973283"/>
+                </a:lnTo>
+                <a:lnTo>
+                  <a:pt x="6934569" y="5975354"/>
+                </a:lnTo>
+                <a:lnTo>
+                  <a:pt x="6788750" y="5986715"/>
+                </a:lnTo>
+                <a:lnTo>
+                  <a:pt x="6798241" y="5988535"/>
+                </a:lnTo>
+                <a:cubicBezTo>
+                  <a:pt x="6809920" y="5989001"/>
+                  <a:pt x="6822028" y="5986828"/>
+                  <a:pt x="6833723" y="5986828"/>
+                </a:cubicBezTo>
+                <a:cubicBezTo>
+                  <a:pt x="6849867" y="5986828"/>
+                  <a:pt x="6866012" y="5984221"/>
+                  <a:pt x="6882282" y="5983850"/>
+                </a:cubicBezTo>
+                <a:cubicBezTo>
+                  <a:pt x="7114026" y="5978388"/>
+                  <a:pt x="7345514" y="5966221"/>
+                  <a:pt x="7576876" y="5951323"/>
+                </a:cubicBezTo>
+                <a:cubicBezTo>
+                  <a:pt x="7925570" y="5928855"/>
+                  <a:pt x="8274011" y="5900676"/>
+                  <a:pt x="8621689" y="5864426"/>
+                </a:cubicBezTo>
+                <a:cubicBezTo>
+                  <a:pt x="8907712" y="5835128"/>
+                  <a:pt x="9193011" y="5800493"/>
+                  <a:pt x="9477600" y="5760520"/>
+                </a:cubicBezTo>
+                <a:cubicBezTo>
+                  <a:pt x="9862435" y="5706146"/>
+                  <a:pt x="10245452" y="5641432"/>
+                  <a:pt x="10626651" y="5566363"/>
+                </a:cubicBezTo>
+                <a:cubicBezTo>
+                  <a:pt x="11087341" y="5475243"/>
+                  <a:pt x="11544088" y="5367737"/>
+                  <a:pt x="11995498" y="5240369"/>
+                </a:cubicBezTo>
+                <a:lnTo>
+                  <a:pt x="12188952" y="5183370"/>
+                </a:lnTo>
+                <a:lnTo>
+                  <a:pt x="12188952" y="5238107"/>
+                </a:lnTo>
+                <a:lnTo>
+                  <a:pt x="11826300" y="5343406"/>
+                </a:lnTo>
+                <a:cubicBezTo>
+                  <a:pt x="11531885" y="5423103"/>
+                  <a:pt x="11235310" y="5493989"/>
+                  <a:pt x="10936448" y="5557921"/>
+                </a:cubicBezTo>
+                <a:cubicBezTo>
+                  <a:pt x="10620168" y="5625703"/>
+                  <a:pt x="10302365" y="5685700"/>
+                  <a:pt x="9983034" y="5737926"/>
+                </a:cubicBezTo>
+                <a:cubicBezTo>
+                  <a:pt x="9717606" y="5781375"/>
+                  <a:pt x="9451451" y="5820020"/>
+                  <a:pt x="9184585" y="5853873"/>
+                </a:cubicBezTo>
+                <a:cubicBezTo>
+                  <a:pt x="8981951" y="5879447"/>
+                  <a:pt x="8779319" y="5903530"/>
+                  <a:pt x="8576053" y="5923392"/>
+                </a:cubicBezTo>
+                <a:cubicBezTo>
+                  <a:pt x="8338462" y="5946112"/>
+                  <a:pt x="8100618" y="5967587"/>
+                  <a:pt x="7862392" y="5984843"/>
+                </a:cubicBezTo>
+                <a:cubicBezTo>
+                  <a:pt x="7553105" y="6007187"/>
+                  <a:pt x="7243690" y="6025065"/>
+                  <a:pt x="6933768" y="6036237"/>
+                </a:cubicBezTo>
+                <a:cubicBezTo>
+                  <a:pt x="6781221" y="6041700"/>
+                  <a:pt x="6628676" y="6045548"/>
+                  <a:pt x="6476130" y="6050140"/>
+                </a:cubicBezTo>
+                <a:cubicBezTo>
+                  <a:pt x="6437585" y="6048056"/>
+                  <a:pt x="6398929" y="6049681"/>
+                  <a:pt x="6360703" y="6054983"/>
+                </a:cubicBezTo>
+                <a:lnTo>
+                  <a:pt x="6055614" y="6054983"/>
+                </a:lnTo>
+                <a:lnTo>
+                  <a:pt x="5976289" y="6050389"/>
+                </a:lnTo>
+                <a:cubicBezTo>
+                  <a:pt x="5738826" y="6037976"/>
+                  <a:pt x="5501363" y="6024197"/>
+                  <a:pt x="5263770" y="6014140"/>
+                </a:cubicBezTo>
+                <a:cubicBezTo>
+                  <a:pt x="4957027" y="6001724"/>
+                  <a:pt x="4650663" y="5981244"/>
+                  <a:pt x="4345190" y="5952070"/>
+                </a:cubicBezTo>
+                <a:cubicBezTo>
+                  <a:pt x="4020648" y="5921158"/>
+                  <a:pt x="3696870" y="5886523"/>
+                  <a:pt x="3372201" y="5853501"/>
+                </a:cubicBezTo>
+                <a:cubicBezTo>
+                  <a:pt x="3034653" y="5819239"/>
+                  <a:pt x="2697781" y="5779600"/>
+                  <a:pt x="2361582" y="5734574"/>
+                </a:cubicBezTo>
+                <a:cubicBezTo>
+                  <a:pt x="1984196" y="5684421"/>
+                  <a:pt x="1607962" y="5626695"/>
+                  <a:pt x="1232869" y="5561398"/>
+                </a:cubicBezTo>
+                <a:cubicBezTo>
+                  <a:pt x="841970" y="5492685"/>
+                  <a:pt x="453644" y="5414197"/>
+                  <a:pt x="68483" y="5321691"/>
+                </a:cubicBezTo>
+                <a:lnTo>
+                  <a:pt x="0" y="5304336"/>
+                </a:lnTo>
+                <a:lnTo>
+                  <a:pt x="0" y="5247847"/>
+                </a:lnTo>
+                <a:lnTo>
+                  <a:pt x="72423" y="5266624"/>
+                </a:lnTo>
+                <a:cubicBezTo>
+                  <a:pt x="247899" y="5308802"/>
+                  <a:pt x="424058" y="5348062"/>
+                  <a:pt x="600566" y="5384994"/>
+                </a:cubicBezTo>
+                <a:cubicBezTo>
+                  <a:pt x="988032" y="5465808"/>
+                  <a:pt x="1377788" y="5534706"/>
+                  <a:pt x="1769069" y="5595162"/>
+                </a:cubicBezTo>
+                <a:cubicBezTo>
+                  <a:pt x="2051913" y="5638738"/>
+                  <a:pt x="2335141" y="5678835"/>
+                  <a:pt x="2612900" y="5712104"/>
+                </a:cubicBezTo>
+                <a:cubicBezTo>
+                  <a:pt x="2604892" y="5714711"/>
+                  <a:pt x="2593962" y="5704655"/>
+                  <a:pt x="2580488" y="5702173"/>
+                </a:cubicBezTo>
+                <a:cubicBezTo>
+                  <a:pt x="2086656" y="5610221"/>
+                  <a:pt x="1597284" y="5499328"/>
+                  <a:pt x="1112357" y="5369476"/>
+                </a:cubicBezTo>
+                <a:cubicBezTo>
+                  <a:pt x="880233" y="5307405"/>
+                  <a:pt x="649550" y="5240927"/>
+                  <a:pt x="420307" y="5170043"/>
+                </a:cubicBezTo>
+                <a:lnTo>
+                  <a:pt x="0" y="5031126"/>
+                </a:lnTo>
+                <a:close/>
+              </a:path>
+            </a:pathLst>
+          </a:custGeom>
+          <a:solidFill>
+            <a:schemeClr val="accent2"/>
+          </a:solidFill>
+          <a:ln>
+            <a:noFill/>
+          </a:ln>
+        </p:spPr>
+        <p:style>
+          <a:lnRef idx="2">
+            <a:schemeClr val="accent1">
+              <a:shade val="50000"/>
+            </a:schemeClr>
+          </a:lnRef>
+          <a:fillRef idx="1">
+            <a:schemeClr val="accent1"/>
+          </a:fillRef>
+          <a:effectRef idx="0">
+            <a:schemeClr val="accent1"/>
+          </a:effectRef>
+          <a:fontRef idx="minor">
+            <a:schemeClr val="lt1"/>
+          </a:fontRef>
+        </p:style>
+        <p:txBody>
+          <a:bodyPr wrap="square" rtlCol="0" anchor="ctr">
+            <a:noAutofit/>
+          </a:bodyPr>
+          <a:lstStyle/>
+          <a:p>
+            <a:pPr algn="ctr"/>
+            <a:endParaRPr lang="en-US"/>
+          </a:p>
+        </p:txBody>
+      </p:sp>
+      <p:sp>
+        <p:nvSpPr>
+          <p:cNvPr id="4" name="Titolo 3">
+            <a:extLst>
+              <a:ext uri="{FF2B5EF4-FFF2-40B4-BE49-F238E27FC236}">
+                <a16:creationId xmlns:a16="http://schemas.microsoft.com/office/drawing/2014/main" id="{BB868383-6142-BAEB-17E3-08F2108F6FE3}"/>
+              </a:ext>
+            </a:extLst>
+          </p:cNvPr>
+          <p:cNvSpPr>
+            <a:spLocks noGrp="1"/>
+          </p:cNvSpPr>
+          <p:nvPr>
+            <p:ph type="ctrTitle"/>
+          </p:nvPr>
+        </p:nvSpPr>
+        <p:spPr>
+          <a:xfrm>
+            <a:off x="1524000" y="929452"/>
+            <a:ext cx="9144000" cy="2526738"/>
+          </a:xfrm>
+        </p:spPr>
+        <p:txBody>
+          <a:bodyPr>
+            <a:normAutofit/>
+          </a:bodyPr>
+          <a:lstStyle/>
+          <a:p>
+            <a:r>
+              <a:rPr lang="it-IT" sz="6600">
+                <a:solidFill>
+                  <a:srgbClr val="FFFFFF"/>
+                </a:solidFill>
+              </a:rPr>
+              <a:t>Grazie per l’attenzione!</a:t>
+            </a:r>
+            <a:endParaRPr lang="en-GB" sz="6600">
+              <a:solidFill>
+                <a:srgbClr val="FFFFFF"/>
+              </a:solidFill>
+            </a:endParaRPr>
+          </a:p>
+        </p:txBody>
+      </p:sp>
+      <p:sp>
+        <p:nvSpPr>
+          <p:cNvPr id="5" name="Sottotitolo 4">
+            <a:extLst>
+              <a:ext uri="{FF2B5EF4-FFF2-40B4-BE49-F238E27FC236}">
+                <a16:creationId xmlns:a16="http://schemas.microsoft.com/office/drawing/2014/main" id="{97B9C7B7-756C-180D-7891-F254CC99FF97}"/>
+              </a:ext>
+            </a:extLst>
+          </p:cNvPr>
+          <p:cNvSpPr>
+            <a:spLocks noGrp="1"/>
+          </p:cNvSpPr>
+          <p:nvPr>
+            <p:ph type="subTitle" idx="1"/>
+          </p:nvPr>
+        </p:nvSpPr>
+        <p:spPr>
+          <a:xfrm>
+            <a:off x="1524000" y="3695230"/>
+            <a:ext cx="9144000" cy="1626541"/>
+          </a:xfrm>
+        </p:spPr>
+        <p:txBody>
+          <a:bodyPr>
+            <a:normAutofit/>
+          </a:bodyPr>
+          <a:lstStyle/>
+          <a:p>
+            <a:r>
+              <a:rPr lang="it-IT" sz="2000" i="1" dirty="0">
+                <a:solidFill>
+                  <a:srgbClr val="FFFFFF"/>
+                </a:solidFill>
+              </a:rPr>
+              <a:t>Presentazione a cura di</a:t>
+            </a:r>
+          </a:p>
+          <a:p>
+            <a:r>
+              <a:rPr lang="en-GB" sz="2000" i="1" dirty="0">
+                <a:solidFill>
+                  <a:srgbClr val="FFFFFF"/>
+                </a:solidFill>
+              </a:rPr>
+              <a:t>Barbieri Riccardo</a:t>
+            </a:r>
+          </a:p>
+          <a:p>
+            <a:r>
+              <a:rPr lang="en-GB" sz="2000" i="1" dirty="0">
+                <a:solidFill>
+                  <a:srgbClr val="FFFFFF"/>
+                </a:solidFill>
+              </a:rPr>
+              <a:t>Pastore Giancarlo</a:t>
+            </a:r>
+          </a:p>
+          <a:p>
+            <a:r>
+              <a:rPr lang="en-GB" sz="2000" i="1" dirty="0" err="1">
+                <a:solidFill>
+                  <a:srgbClr val="FFFFFF"/>
+                </a:solidFill>
+              </a:rPr>
+              <a:t>Tassinari</a:t>
+            </a:r>
+            <a:r>
+              <a:rPr lang="en-GB" sz="2000" i="1" dirty="0">
+                <a:solidFill>
+                  <a:srgbClr val="FFFFFF"/>
+                </a:solidFill>
+              </a:rPr>
+              <a:t> Gabriele</a:t>
+            </a:r>
+          </a:p>
+        </p:txBody>
+      </p:sp>
+      <p:sp>
+        <p:nvSpPr>
+          <p:cNvPr id="32" name="sketch line">
+            <a:extLst>
+              <a:ext uri="{FF2B5EF4-FFF2-40B4-BE49-F238E27FC236}">
+                <a16:creationId xmlns:a16="http://schemas.microsoft.com/office/drawing/2014/main" id="{6D080EC2-42B5-4E04-BBF7-F0BC5CB7C997}"/>
+              </a:ext>
+              <a:ext uri="{C183D7F6-B498-43B3-948B-1728B52AA6E4}">
+                <adec:decorative xmlns:adec="http://schemas.microsoft.com/office/drawing/2017/decorative" val="1"/>
+              </a:ext>
+            </a:extLst>
+          </p:cNvPr>
+          <p:cNvSpPr>
+            <a:spLocks noGrp="1" noRot="1" noChangeAspect="1" noMove="1" noResize="1" noEditPoints="1" noAdjustHandles="1" noChangeArrowheads="1" noChangeShapeType="1" noTextEdit="1"/>
+          </p:cNvSpPr>
+          <p:nvPr>
+            <p:extLst>
+              <p:ext uri="{386F3935-93C4-4BCD-93E2-E3B085C9AB24}">
+                <p16:designElem xmlns:p16="http://schemas.microsoft.com/office/powerpoint/2015/main" val="1"/>
+              </p:ext>
+            </p:extLst>
+          </p:nvPr>
+        </p:nvSpPr>
+        <p:spPr>
+          <a:xfrm>
+            <a:off x="3974206" y="3566566"/>
+            <a:ext cx="4243589" cy="18288"/>
+          </a:xfrm>
+          <a:custGeom>
+            <a:avLst/>
+            <a:gdLst>
+              <a:gd name="connsiteX0" fmla="*/ 0 w 4243589"/>
+              <a:gd name="connsiteY0" fmla="*/ 0 h 18288"/>
+              <a:gd name="connsiteX1" fmla="*/ 563791 w 4243589"/>
+              <a:gd name="connsiteY1" fmla="*/ 0 h 18288"/>
+              <a:gd name="connsiteX2" fmla="*/ 1042710 w 4243589"/>
+              <a:gd name="connsiteY2" fmla="*/ 0 h 18288"/>
+              <a:gd name="connsiteX3" fmla="*/ 1564066 w 4243589"/>
+              <a:gd name="connsiteY3" fmla="*/ 0 h 18288"/>
+              <a:gd name="connsiteX4" fmla="*/ 2212729 w 4243589"/>
+              <a:gd name="connsiteY4" fmla="*/ 0 h 18288"/>
+              <a:gd name="connsiteX5" fmla="*/ 2776520 w 4243589"/>
+              <a:gd name="connsiteY5" fmla="*/ 0 h 18288"/>
+              <a:gd name="connsiteX6" fmla="*/ 3297875 w 4243589"/>
+              <a:gd name="connsiteY6" fmla="*/ 0 h 18288"/>
+              <a:gd name="connsiteX7" fmla="*/ 4243589 w 4243589"/>
+              <a:gd name="connsiteY7" fmla="*/ 0 h 18288"/>
+              <a:gd name="connsiteX8" fmla="*/ 4243589 w 4243589"/>
+              <a:gd name="connsiteY8" fmla="*/ 18288 h 18288"/>
+              <a:gd name="connsiteX9" fmla="*/ 3637362 w 4243589"/>
+              <a:gd name="connsiteY9" fmla="*/ 18288 h 18288"/>
+              <a:gd name="connsiteX10" fmla="*/ 3116007 w 4243589"/>
+              <a:gd name="connsiteY10" fmla="*/ 18288 h 18288"/>
+              <a:gd name="connsiteX11" fmla="*/ 2424908 w 4243589"/>
+              <a:gd name="connsiteY11" fmla="*/ 18288 h 18288"/>
+              <a:gd name="connsiteX12" fmla="*/ 1861117 w 4243589"/>
+              <a:gd name="connsiteY12" fmla="*/ 18288 h 18288"/>
+              <a:gd name="connsiteX13" fmla="*/ 1382198 w 4243589"/>
+              <a:gd name="connsiteY13" fmla="*/ 18288 h 18288"/>
+              <a:gd name="connsiteX14" fmla="*/ 733535 w 4243589"/>
+              <a:gd name="connsiteY14" fmla="*/ 18288 h 18288"/>
+              <a:gd name="connsiteX15" fmla="*/ 0 w 4243589"/>
+              <a:gd name="connsiteY15" fmla="*/ 18288 h 18288"/>
+              <a:gd name="connsiteX16" fmla="*/ 0 w 4243589"/>
+              <a:gd name="connsiteY16" fmla="*/ 0 h 18288"/>
+            </a:gdLst>
+            <a:ahLst/>
+            <a:cxnLst>
+              <a:cxn ang="0">
+                <a:pos x="connsiteX0" y="connsiteY0"/>
+              </a:cxn>
+              <a:cxn ang="0">
+                <a:pos x="connsiteX1" y="connsiteY1"/>
+              </a:cxn>
+              <a:cxn ang="0">
+                <a:pos x="connsiteX2" y="connsiteY2"/>
+              </a:cxn>
+              <a:cxn ang="0">
+                <a:pos x="connsiteX3" y="connsiteY3"/>
+              </a:cxn>
+              <a:cxn ang="0">
+                <a:pos x="connsiteX4" y="connsiteY4"/>
+              </a:cxn>
+              <a:cxn ang="0">
+                <a:pos x="connsiteX5" y="connsiteY5"/>
+              </a:cxn>
+              <a:cxn ang="0">
+                <a:pos x="connsiteX6" y="connsiteY6"/>
+              </a:cxn>
+              <a:cxn ang="0">
+                <a:pos x="connsiteX7" y="connsiteY7"/>
+              </a:cxn>
+              <a:cxn ang="0">
+                <a:pos x="connsiteX8" y="connsiteY8"/>
+              </a:cxn>
+              <a:cxn ang="0">
+                <a:pos x="connsiteX9" y="connsiteY9"/>
+              </a:cxn>
+              <a:cxn ang="0">
+                <a:pos x="connsiteX10" y="connsiteY10"/>
+              </a:cxn>
+              <a:cxn ang="0">
+                <a:pos x="connsiteX11" y="connsiteY11"/>
+              </a:cxn>
+              <a:cxn ang="0">
+                <a:pos x="connsiteX12" y="connsiteY12"/>
+              </a:cxn>
+              <a:cxn ang="0">
+                <a:pos x="connsiteX13" y="connsiteY13"/>
+              </a:cxn>
+              <a:cxn ang="0">
+                <a:pos x="connsiteX14" y="connsiteY14"/>
+              </a:cxn>
+              <a:cxn ang="0">
+                <a:pos x="connsiteX15" y="connsiteY15"/>
+              </a:cxn>
+              <a:cxn ang="0">
+                <a:pos x="connsiteX16" y="connsiteY16"/>
+              </a:cxn>
+            </a:cxnLst>
+            <a:rect l="l" t="t" r="r" b="b"/>
+            <a:pathLst>
+              <a:path w="4243589" h="18288" fill="none" extrusionOk="0">
+                <a:moveTo>
+                  <a:pt x="0" y="0"/>
+                </a:moveTo>
+                <a:cubicBezTo>
+                  <a:pt x="157351" y="-15653"/>
+                  <a:pt x="378877" y="-5828"/>
+                  <a:pt x="563791" y="0"/>
+                </a:cubicBezTo>
+                <a:cubicBezTo>
+                  <a:pt x="748705" y="5828"/>
+                  <a:pt x="905659" y="-5525"/>
+                  <a:pt x="1042710" y="0"/>
+                </a:cubicBezTo>
+                <a:cubicBezTo>
+                  <a:pt x="1179761" y="5525"/>
+                  <a:pt x="1356845" y="-21288"/>
+                  <a:pt x="1564066" y="0"/>
+                </a:cubicBezTo>
+                <a:cubicBezTo>
+                  <a:pt x="1771287" y="21288"/>
+                  <a:pt x="1912099" y="25135"/>
+                  <a:pt x="2212729" y="0"/>
+                </a:cubicBezTo>
+                <a:cubicBezTo>
+                  <a:pt x="2513359" y="-25135"/>
+                  <a:pt x="2514918" y="-27119"/>
+                  <a:pt x="2776520" y="0"/>
+                </a:cubicBezTo>
+                <a:cubicBezTo>
+                  <a:pt x="3038122" y="27119"/>
+                  <a:pt x="3178771" y="18116"/>
+                  <a:pt x="3297875" y="0"/>
+                </a:cubicBezTo>
+                <a:cubicBezTo>
+                  <a:pt x="3416980" y="-18116"/>
+                  <a:pt x="4012240" y="-40869"/>
+                  <a:pt x="4243589" y="0"/>
+                </a:cubicBezTo>
+                <a:cubicBezTo>
+                  <a:pt x="4243987" y="7429"/>
+                  <a:pt x="4243569" y="10822"/>
+                  <a:pt x="4243589" y="18288"/>
+                </a:cubicBezTo>
+                <a:cubicBezTo>
+                  <a:pt x="4112949" y="-2855"/>
+                  <a:pt x="3928037" y="1831"/>
+                  <a:pt x="3637362" y="18288"/>
+                </a:cubicBezTo>
+                <a:cubicBezTo>
+                  <a:pt x="3346687" y="34745"/>
+                  <a:pt x="3254446" y="26669"/>
+                  <a:pt x="3116007" y="18288"/>
+                </a:cubicBezTo>
+                <a:cubicBezTo>
+                  <a:pt x="2977569" y="9907"/>
+                  <a:pt x="2620228" y="28873"/>
+                  <a:pt x="2424908" y="18288"/>
+                </a:cubicBezTo>
+                <a:cubicBezTo>
+                  <a:pt x="2229588" y="7703"/>
+                  <a:pt x="2088287" y="-3854"/>
+                  <a:pt x="1861117" y="18288"/>
+                </a:cubicBezTo>
+                <a:cubicBezTo>
+                  <a:pt x="1633947" y="40430"/>
+                  <a:pt x="1502447" y="-871"/>
+                  <a:pt x="1382198" y="18288"/>
+                </a:cubicBezTo>
+                <a:cubicBezTo>
+                  <a:pt x="1261949" y="37447"/>
+                  <a:pt x="1045440" y="28353"/>
+                  <a:pt x="733535" y="18288"/>
+                </a:cubicBezTo>
+                <a:cubicBezTo>
+                  <a:pt x="421630" y="8223"/>
+                  <a:pt x="341257" y="-18359"/>
+                  <a:pt x="0" y="18288"/>
+                </a:cubicBezTo>
+                <a:cubicBezTo>
+                  <a:pt x="-591" y="13205"/>
+                  <a:pt x="-663" y="6329"/>
+                  <a:pt x="0" y="0"/>
+                </a:cubicBezTo>
+                <a:close/>
+              </a:path>
+              <a:path w="4243589" h="18288" stroke="0" extrusionOk="0">
+                <a:moveTo>
+                  <a:pt x="0" y="0"/>
+                </a:moveTo>
+                <a:cubicBezTo>
+                  <a:pt x="128164" y="17204"/>
+                  <a:pt x="312653" y="1129"/>
+                  <a:pt x="563791" y="0"/>
+                </a:cubicBezTo>
+                <a:cubicBezTo>
+                  <a:pt x="814929" y="-1129"/>
+                  <a:pt x="837271" y="8503"/>
+                  <a:pt x="1042710" y="0"/>
+                </a:cubicBezTo>
+                <a:cubicBezTo>
+                  <a:pt x="1248149" y="-8503"/>
+                  <a:pt x="1588432" y="-28862"/>
+                  <a:pt x="1733809" y="0"/>
+                </a:cubicBezTo>
+                <a:cubicBezTo>
+                  <a:pt x="1879186" y="28862"/>
+                  <a:pt x="2052815" y="5974"/>
+                  <a:pt x="2297600" y="0"/>
+                </a:cubicBezTo>
+                <a:cubicBezTo>
+                  <a:pt x="2542385" y="-5974"/>
+                  <a:pt x="2699960" y="-23550"/>
+                  <a:pt x="2861391" y="0"/>
+                </a:cubicBezTo>
+                <a:cubicBezTo>
+                  <a:pt x="3022822" y="23550"/>
+                  <a:pt x="3390411" y="25272"/>
+                  <a:pt x="3552490" y="0"/>
+                </a:cubicBezTo>
+                <a:cubicBezTo>
+                  <a:pt x="3714569" y="-25272"/>
+                  <a:pt x="3950585" y="-31327"/>
+                  <a:pt x="4243589" y="0"/>
+                </a:cubicBezTo>
+                <a:cubicBezTo>
+                  <a:pt x="4242703" y="5429"/>
+                  <a:pt x="4244410" y="14046"/>
+                  <a:pt x="4243589" y="18288"/>
+                </a:cubicBezTo>
+                <a:cubicBezTo>
+                  <a:pt x="4130424" y="-1240"/>
+                  <a:pt x="3932803" y="42249"/>
+                  <a:pt x="3722234" y="18288"/>
+                </a:cubicBezTo>
+                <a:cubicBezTo>
+                  <a:pt x="3511665" y="-5673"/>
+                  <a:pt x="3269903" y="45994"/>
+                  <a:pt x="3116007" y="18288"/>
+                </a:cubicBezTo>
+                <a:cubicBezTo>
+                  <a:pt x="2962111" y="-9418"/>
+                  <a:pt x="2744280" y="23224"/>
+                  <a:pt x="2509780" y="18288"/>
+                </a:cubicBezTo>
+                <a:cubicBezTo>
+                  <a:pt x="2275280" y="13352"/>
+                  <a:pt x="2066059" y="43664"/>
+                  <a:pt x="1945989" y="18288"/>
+                </a:cubicBezTo>
+                <a:cubicBezTo>
+                  <a:pt x="1825919" y="-7088"/>
+                  <a:pt x="1407329" y="12616"/>
+                  <a:pt x="1254890" y="18288"/>
+                </a:cubicBezTo>
+                <a:cubicBezTo>
+                  <a:pt x="1102451" y="23960"/>
+                  <a:pt x="837950" y="31673"/>
+                  <a:pt x="563791" y="18288"/>
+                </a:cubicBezTo>
+                <a:cubicBezTo>
+                  <a:pt x="289632" y="4903"/>
+                  <a:pt x="132768" y="7105"/>
+                  <a:pt x="0" y="18288"/>
+                </a:cubicBezTo>
+                <a:cubicBezTo>
+                  <a:pt x="668" y="13665"/>
+                  <a:pt x="578" y="5675"/>
+                  <a:pt x="0" y="0"/>
+                </a:cubicBezTo>
+                <a:close/>
+              </a:path>
+            </a:pathLst>
+          </a:custGeom>
+          <a:solidFill>
+            <a:srgbClr val="FFFFFF"/>
+          </a:solidFill>
+          <a:ln w="41275" cap="rnd">
+            <a:solidFill>
+              <a:srgbClr val="FFFFFF"/>
+            </a:solidFill>
+            <a:round/>
+            <a:extLst>
+              <a:ext uri="{C807C97D-BFC1-408E-A445-0C87EB9F89A2}">
+                <ask:lineSketchStyleProps xmlns:ask="http://schemas.microsoft.com/office/drawing/2018/sketchyshapes" sd="1219033472">
+                  <a:prstGeom prst="rect">
+                    <a:avLst/>
+                  </a:prstGeom>
+                  <ask:type>
+                    <ask:lineSketchFreehand/>
+                  </ask:type>
+                </ask:lineSketchStyleProps>
+              </a:ext>
+            </a:extLst>
+          </a:ln>
+        </p:spPr>
+        <p:style>
+          <a:lnRef idx="2">
+            <a:schemeClr val="accent1">
+              <a:shade val="50000"/>
+            </a:schemeClr>
+          </a:lnRef>
+          <a:fillRef idx="1">
+            <a:schemeClr val="accent1"/>
+          </a:fillRef>
+          <a:effectRef idx="0">
+            <a:schemeClr val="accent1"/>
+          </a:effectRef>
+          <a:fontRef idx="minor">
+            <a:schemeClr val="lt1"/>
+          </a:fontRef>
+        </p:style>
+        <p:txBody>
+          <a:bodyPr rtlCol="0" anchor="ctr"/>
+          <a:lstStyle/>
+          <a:p>
+            <a:pPr algn="ctr"/>
+            <a:endParaRPr lang="en-US"/>
+          </a:p>
+        </p:txBody>
+      </p:sp>
+      <p:pic>
+        <p:nvPicPr>
+          <p:cNvPr id="7" name="Immagine 6">
+            <a:extLst>
+              <a:ext uri="{FF2B5EF4-FFF2-40B4-BE49-F238E27FC236}">
+                <a16:creationId xmlns:a16="http://schemas.microsoft.com/office/drawing/2014/main" id="{C181351D-2294-A4D0-D018-E90EFB8B7323}"/>
+              </a:ext>
+            </a:extLst>
+          </p:cNvPr>
+          <p:cNvPicPr>
+            <a:picLocks noChangeAspect="1"/>
+          </p:cNvPicPr>
+          <p:nvPr/>
+        </p:nvPicPr>
+        <p:blipFill>
+          <a:blip r:embed="rId2">
+            <a:extLst>
+              <a:ext uri="{28A0092B-C50C-407E-A947-70E740481C1C}">
+                <a14:useLocalDpi xmlns:a14="http://schemas.microsoft.com/office/drawing/2010/main" val="0"/>
+              </a:ext>
+            </a:extLst>
+          </a:blip>
+          <a:stretch>
+            <a:fillRect/>
+          </a:stretch>
+        </p:blipFill>
+        <p:spPr>
+          <a:xfrm>
+            <a:off x="302427" y="271844"/>
+            <a:ext cx="608400" cy="608400"/>
+          </a:xfrm>
+          <a:prstGeom prst="rect">
+            <a:avLst/>
+          </a:prstGeom>
+          <a:effectLst>
+            <a:outerShdw blurRad="50800" dist="25400" dir="5400000" algn="t" rotWithShape="0">
+              <a:prstClr val="black">
+                <a:alpha val="40000"/>
+              </a:prstClr>
+            </a:outerShdw>
+          </a:effectLst>
+        </p:spPr>
+      </p:pic>
+      <p:pic>
+        <p:nvPicPr>
+          <p:cNvPr id="9" name="Immagine 8">
+            <a:extLst>
+              <a:ext uri="{FF2B5EF4-FFF2-40B4-BE49-F238E27FC236}">
+                <a16:creationId xmlns:a16="http://schemas.microsoft.com/office/drawing/2014/main" id="{75D5BEBB-575E-75DD-C29A-374DB8EEBB60}"/>
+              </a:ext>
+            </a:extLst>
+          </p:cNvPr>
+          <p:cNvPicPr>
+            <a:picLocks noChangeAspect="1"/>
+          </p:cNvPicPr>
+          <p:nvPr/>
+        </p:nvPicPr>
+        <p:blipFill>
+          <a:blip r:embed="rId3">
+            <a:extLst>
+              <a:ext uri="{28A0092B-C50C-407E-A947-70E740481C1C}">
+                <a14:useLocalDpi xmlns:a14="http://schemas.microsoft.com/office/drawing/2010/main" val="0"/>
+              </a:ext>
+            </a:extLst>
+          </a:blip>
+          <a:stretch>
+            <a:fillRect/>
+          </a:stretch>
+        </p:blipFill>
+        <p:spPr>
+          <a:xfrm>
+            <a:off x="4669112" y="576044"/>
+            <a:ext cx="2850727" cy="1626541"/>
+          </a:xfrm>
+          <a:prstGeom prst="rect">
+            <a:avLst/>
+          </a:prstGeom>
+        </p:spPr>
+      </p:pic>
+    </p:spTree>
+    <p:extLst>
+      <p:ext uri="{BB962C8B-B14F-4D97-AF65-F5344CB8AC3E}">
+        <p14:creationId xmlns:p14="http://schemas.microsoft.com/office/powerpoint/2010/main" val="3882162362"/>
       </p:ext>
     </p:extLst>
   </p:cSld>
@@ -21226,42 +22446,6 @@
       </p:sp>
       <p:pic>
         <p:nvPicPr>
-          <p:cNvPr id="7" name="Immagine 6">
-            <a:extLst>
-              <a:ext uri="{FF2B5EF4-FFF2-40B4-BE49-F238E27FC236}">
-                <a16:creationId xmlns:a16="http://schemas.microsoft.com/office/drawing/2014/main" id="{E7D1404D-CC9D-68F0-1210-EACF1863C438}"/>
-              </a:ext>
-            </a:extLst>
-          </p:cNvPr>
-          <p:cNvPicPr>
-            <a:picLocks noChangeAspect="1"/>
-          </p:cNvPicPr>
-          <p:nvPr/>
-        </p:nvPicPr>
-        <p:blipFill>
-          <a:blip r:embed="rId2">
-            <a:extLst>
-              <a:ext uri="{28A0092B-C50C-407E-A947-70E740481C1C}">
-                <a14:useLocalDpi xmlns:a14="http://schemas.microsoft.com/office/drawing/2010/main" val="0"/>
-              </a:ext>
-            </a:extLst>
-          </a:blip>
-          <a:stretch>
-            <a:fillRect/>
-          </a:stretch>
-        </p:blipFill>
-        <p:spPr>
-          <a:xfrm>
-            <a:off x="11212066" y="271844"/>
-            <a:ext cx="677507" cy="483933"/>
-          </a:xfrm>
-          <a:prstGeom prst="rect">
-            <a:avLst/>
-          </a:prstGeom>
-        </p:spPr>
-      </p:pic>
-      <p:pic>
-        <p:nvPicPr>
           <p:cNvPr id="9" name="Immagine 8" descr="Immagine che contiene testo, segnale&#10;&#10;Descrizione generata automaticamente">
             <a:extLst>
               <a:ext uri="{FF2B5EF4-FFF2-40B4-BE49-F238E27FC236}">
@@ -21275,7 +22459,7 @@
           <p:nvPr/>
         </p:nvPicPr>
         <p:blipFill>
-          <a:blip r:embed="rId3">
+          <a:blip r:embed="rId2">
             <a:extLst>
               <a:ext uri="{28A0092B-C50C-407E-A947-70E740481C1C}">
                 <a14:useLocalDpi xmlns:a14="http://schemas.microsoft.com/office/drawing/2010/main" val="0"/>
@@ -21299,6 +22483,49 @@
               <a:prstClr val="black">
                 <a:alpha val="40000"/>
               </a:prstClr>
+            </a:outerShdw>
+          </a:effectLst>
+        </p:spPr>
+      </p:pic>
+      <p:pic>
+        <p:nvPicPr>
+          <p:cNvPr id="8" name="Immagine 7">
+            <a:extLst>
+              <a:ext uri="{FF2B5EF4-FFF2-40B4-BE49-F238E27FC236}">
+                <a16:creationId xmlns:a16="http://schemas.microsoft.com/office/drawing/2014/main" id="{D48F4B11-1F65-FCE9-47CC-208CF6B5E867}"/>
+              </a:ext>
+            </a:extLst>
+          </p:cNvPr>
+          <p:cNvPicPr>
+            <a:picLocks noChangeAspect="1"/>
+          </p:cNvPicPr>
+          <p:nvPr/>
+        </p:nvPicPr>
+        <p:blipFill>
+          <a:blip r:embed="rId3">
+            <a:extLst>
+              <a:ext uri="{28A0092B-C50C-407E-A947-70E740481C1C}">
+                <a14:useLocalDpi xmlns:a14="http://schemas.microsoft.com/office/drawing/2010/main" val="0"/>
+              </a:ext>
+            </a:extLst>
+          </a:blip>
+          <a:stretch>
+            <a:fillRect/>
+          </a:stretch>
+        </p:blipFill>
+        <p:spPr>
+          <a:xfrm>
+            <a:off x="11212066" y="271844"/>
+            <a:ext cx="677507" cy="483933"/>
+          </a:xfrm>
+          <a:prstGeom prst="rect">
+            <a:avLst/>
+          </a:prstGeom>
+          <a:effectLst>
+            <a:outerShdw blurRad="50800" dist="25400" dir="2700000" algn="tl" rotWithShape="0">
+              <a:srgbClr val="0C09D5">
+                <a:alpha val="40000"/>
+              </a:srgbClr>
             </a:outerShdw>
           </a:effectLst>
         </p:spPr>
@@ -22182,42 +23409,6 @@
       </p:pic>
       <p:pic>
         <p:nvPicPr>
-          <p:cNvPr id="18" name="Immagine 17">
-            <a:extLst>
-              <a:ext uri="{FF2B5EF4-FFF2-40B4-BE49-F238E27FC236}">
-                <a16:creationId xmlns:a16="http://schemas.microsoft.com/office/drawing/2014/main" id="{81E41714-B214-CD19-5C76-3E5C2F34E6C0}"/>
-              </a:ext>
-            </a:extLst>
-          </p:cNvPr>
-          <p:cNvPicPr>
-            <a:picLocks noChangeAspect="1"/>
-          </p:cNvPicPr>
-          <p:nvPr/>
-        </p:nvPicPr>
-        <p:blipFill>
-          <a:blip r:embed="rId3">
-            <a:extLst>
-              <a:ext uri="{28A0092B-C50C-407E-A947-70E740481C1C}">
-                <a14:useLocalDpi xmlns:a14="http://schemas.microsoft.com/office/drawing/2010/main" val="0"/>
-              </a:ext>
-            </a:extLst>
-          </a:blip>
-          <a:stretch>
-            <a:fillRect/>
-          </a:stretch>
-        </p:blipFill>
-        <p:spPr>
-          <a:xfrm>
-            <a:off x="11212066" y="271844"/>
-            <a:ext cx="677507" cy="483933"/>
-          </a:xfrm>
-          <a:prstGeom prst="rect">
-            <a:avLst/>
-          </a:prstGeom>
-        </p:spPr>
-      </p:pic>
-      <p:pic>
-        <p:nvPicPr>
           <p:cNvPr id="9" name="Immagine 8" descr="Immagine che contiene testo, segnale&#10;&#10;Descrizione generata automaticamente">
             <a:extLst>
               <a:ext uri="{FF2B5EF4-FFF2-40B4-BE49-F238E27FC236}">
@@ -22231,7 +23422,7 @@
           <p:nvPr/>
         </p:nvPicPr>
         <p:blipFill>
-          <a:blip r:embed="rId4">
+          <a:blip r:embed="rId3">
             <a:extLst>
               <a:ext uri="{28A0092B-C50C-407E-A947-70E740481C1C}">
                 <a14:useLocalDpi xmlns:a14="http://schemas.microsoft.com/office/drawing/2010/main" val="0"/>
@@ -22255,6 +23446,49 @@
               <a:prstClr val="black">
                 <a:alpha val="40000"/>
               </a:prstClr>
+            </a:outerShdw>
+          </a:effectLst>
+        </p:spPr>
+      </p:pic>
+      <p:pic>
+        <p:nvPicPr>
+          <p:cNvPr id="11" name="Immagine 10">
+            <a:extLst>
+              <a:ext uri="{FF2B5EF4-FFF2-40B4-BE49-F238E27FC236}">
+                <a16:creationId xmlns:a16="http://schemas.microsoft.com/office/drawing/2014/main" id="{CA33B62D-6B9C-A749-37FE-DA9134CFD5F3}"/>
+              </a:ext>
+            </a:extLst>
+          </p:cNvPr>
+          <p:cNvPicPr>
+            <a:picLocks noChangeAspect="1"/>
+          </p:cNvPicPr>
+          <p:nvPr/>
+        </p:nvPicPr>
+        <p:blipFill>
+          <a:blip r:embed="rId4">
+            <a:extLst>
+              <a:ext uri="{28A0092B-C50C-407E-A947-70E740481C1C}">
+                <a14:useLocalDpi xmlns:a14="http://schemas.microsoft.com/office/drawing/2010/main" val="0"/>
+              </a:ext>
+            </a:extLst>
+          </a:blip>
+          <a:stretch>
+            <a:fillRect/>
+          </a:stretch>
+        </p:blipFill>
+        <p:spPr>
+          <a:xfrm>
+            <a:off x="11212066" y="271844"/>
+            <a:ext cx="677507" cy="483933"/>
+          </a:xfrm>
+          <a:prstGeom prst="rect">
+            <a:avLst/>
+          </a:prstGeom>
+          <a:effectLst>
+            <a:outerShdw blurRad="50800" dist="25400" dir="2700000" algn="tl" rotWithShape="0">
+              <a:srgbClr val="0C09D5">
+                <a:alpha val="40000"/>
+              </a:srgbClr>
             </a:outerShdw>
           </a:effectLst>
         </p:spPr>
@@ -22890,42 +24124,6 @@
       </p:pic>
       <p:pic>
         <p:nvPicPr>
-          <p:cNvPr id="8" name="Immagine 7">
-            <a:extLst>
-              <a:ext uri="{FF2B5EF4-FFF2-40B4-BE49-F238E27FC236}">
-                <a16:creationId xmlns:a16="http://schemas.microsoft.com/office/drawing/2014/main" id="{D8505617-94CA-C0BB-1A5D-A7A8E9271B78}"/>
-              </a:ext>
-            </a:extLst>
-          </p:cNvPr>
-          <p:cNvPicPr>
-            <a:picLocks noChangeAspect="1"/>
-          </p:cNvPicPr>
-          <p:nvPr/>
-        </p:nvPicPr>
-        <p:blipFill>
-          <a:blip r:embed="rId3">
-            <a:extLst>
-              <a:ext uri="{28A0092B-C50C-407E-A947-70E740481C1C}">
-                <a14:useLocalDpi xmlns:a14="http://schemas.microsoft.com/office/drawing/2010/main" val="0"/>
-              </a:ext>
-            </a:extLst>
-          </a:blip>
-          <a:stretch>
-            <a:fillRect/>
-          </a:stretch>
-        </p:blipFill>
-        <p:spPr>
-          <a:xfrm>
-            <a:off x="11212066" y="271844"/>
-            <a:ext cx="677507" cy="483933"/>
-          </a:xfrm>
-          <a:prstGeom prst="rect">
-            <a:avLst/>
-          </a:prstGeom>
-        </p:spPr>
-      </p:pic>
-      <p:pic>
-        <p:nvPicPr>
           <p:cNvPr id="10" name="Immagine 9" descr="Immagine che contiene testo, segnale&#10;&#10;Descrizione generata automaticamente">
             <a:extLst>
               <a:ext uri="{FF2B5EF4-FFF2-40B4-BE49-F238E27FC236}">
@@ -22939,7 +24137,7 @@
           <p:nvPr/>
         </p:nvPicPr>
         <p:blipFill>
-          <a:blip r:embed="rId4">
+          <a:blip r:embed="rId3">
             <a:extLst>
               <a:ext uri="{28A0092B-C50C-407E-A947-70E740481C1C}">
                 <a14:useLocalDpi xmlns:a14="http://schemas.microsoft.com/office/drawing/2010/main" val="0"/>
@@ -22963,6 +24161,49 @@
               <a:prstClr val="black">
                 <a:alpha val="40000"/>
               </a:prstClr>
+            </a:outerShdw>
+          </a:effectLst>
+        </p:spPr>
+      </p:pic>
+      <p:pic>
+        <p:nvPicPr>
+          <p:cNvPr id="13" name="Immagine 12">
+            <a:extLst>
+              <a:ext uri="{FF2B5EF4-FFF2-40B4-BE49-F238E27FC236}">
+                <a16:creationId xmlns:a16="http://schemas.microsoft.com/office/drawing/2014/main" id="{236123F3-DC84-1229-1A15-BDD139C21D4C}"/>
+              </a:ext>
+            </a:extLst>
+          </p:cNvPr>
+          <p:cNvPicPr>
+            <a:picLocks noChangeAspect="1"/>
+          </p:cNvPicPr>
+          <p:nvPr/>
+        </p:nvPicPr>
+        <p:blipFill>
+          <a:blip r:embed="rId4">
+            <a:extLst>
+              <a:ext uri="{28A0092B-C50C-407E-A947-70E740481C1C}">
+                <a14:useLocalDpi xmlns:a14="http://schemas.microsoft.com/office/drawing/2010/main" val="0"/>
+              </a:ext>
+            </a:extLst>
+          </a:blip>
+          <a:stretch>
+            <a:fillRect/>
+          </a:stretch>
+        </p:blipFill>
+        <p:spPr>
+          <a:xfrm>
+            <a:off x="11212066" y="271844"/>
+            <a:ext cx="677507" cy="483933"/>
+          </a:xfrm>
+          <a:prstGeom prst="rect">
+            <a:avLst/>
+          </a:prstGeom>
+          <a:effectLst>
+            <a:outerShdw blurRad="50800" dist="25400" dir="2700000" algn="tl" rotWithShape="0">
+              <a:srgbClr val="0C09D5">
+                <a:alpha val="40000"/>
+              </a:srgbClr>
             </a:outerShdw>
           </a:effectLst>
         </p:spPr>
@@ -23483,42 +24724,6 @@
       </p:pic>
       <p:pic>
         <p:nvPicPr>
-          <p:cNvPr id="8" name="Immagine 7">
-            <a:extLst>
-              <a:ext uri="{FF2B5EF4-FFF2-40B4-BE49-F238E27FC236}">
-                <a16:creationId xmlns:a16="http://schemas.microsoft.com/office/drawing/2014/main" id="{ABA7DFD9-9AE6-68D7-67B5-9F4F62375322}"/>
-              </a:ext>
-            </a:extLst>
-          </p:cNvPr>
-          <p:cNvPicPr>
-            <a:picLocks noChangeAspect="1"/>
-          </p:cNvPicPr>
-          <p:nvPr/>
-        </p:nvPicPr>
-        <p:blipFill>
-          <a:blip r:embed="rId3">
-            <a:extLst>
-              <a:ext uri="{28A0092B-C50C-407E-A947-70E740481C1C}">
-                <a14:useLocalDpi xmlns:a14="http://schemas.microsoft.com/office/drawing/2010/main" val="0"/>
-              </a:ext>
-            </a:extLst>
-          </a:blip>
-          <a:stretch>
-            <a:fillRect/>
-          </a:stretch>
-        </p:blipFill>
-        <p:spPr>
-          <a:xfrm>
-            <a:off x="11212066" y="271844"/>
-            <a:ext cx="677507" cy="483933"/>
-          </a:xfrm>
-          <a:prstGeom prst="rect">
-            <a:avLst/>
-          </a:prstGeom>
-        </p:spPr>
-      </p:pic>
-      <p:pic>
-        <p:nvPicPr>
           <p:cNvPr id="9" name="Immagine 8" descr="Immagine che contiene testo, segnale&#10;&#10;Descrizione generata automaticamente">
             <a:extLst>
               <a:ext uri="{FF2B5EF4-FFF2-40B4-BE49-F238E27FC236}">
@@ -23532,7 +24737,7 @@
           <p:nvPr/>
         </p:nvPicPr>
         <p:blipFill>
-          <a:blip r:embed="rId4">
+          <a:blip r:embed="rId3">
             <a:extLst>
               <a:ext uri="{28A0092B-C50C-407E-A947-70E740481C1C}">
                 <a14:useLocalDpi xmlns:a14="http://schemas.microsoft.com/office/drawing/2010/main" val="0"/>
@@ -23556,6 +24761,49 @@
               <a:prstClr val="black">
                 <a:alpha val="40000"/>
               </a:prstClr>
+            </a:outerShdw>
+          </a:effectLst>
+        </p:spPr>
+      </p:pic>
+      <p:pic>
+        <p:nvPicPr>
+          <p:cNvPr id="13" name="Immagine 12">
+            <a:extLst>
+              <a:ext uri="{FF2B5EF4-FFF2-40B4-BE49-F238E27FC236}">
+                <a16:creationId xmlns:a16="http://schemas.microsoft.com/office/drawing/2014/main" id="{21BCF673-A5F0-19CD-040B-2CD3926E112F}"/>
+              </a:ext>
+            </a:extLst>
+          </p:cNvPr>
+          <p:cNvPicPr>
+            <a:picLocks noChangeAspect="1"/>
+          </p:cNvPicPr>
+          <p:nvPr/>
+        </p:nvPicPr>
+        <p:blipFill>
+          <a:blip r:embed="rId4">
+            <a:extLst>
+              <a:ext uri="{28A0092B-C50C-407E-A947-70E740481C1C}">
+                <a14:useLocalDpi xmlns:a14="http://schemas.microsoft.com/office/drawing/2010/main" val="0"/>
+              </a:ext>
+            </a:extLst>
+          </a:blip>
+          <a:stretch>
+            <a:fillRect/>
+          </a:stretch>
+        </p:blipFill>
+        <p:spPr>
+          <a:xfrm>
+            <a:off x="11212066" y="271844"/>
+            <a:ext cx="677507" cy="483933"/>
+          </a:xfrm>
+          <a:prstGeom prst="rect">
+            <a:avLst/>
+          </a:prstGeom>
+          <a:effectLst>
+            <a:outerShdw blurRad="50800" dist="25400" dir="2700000" algn="tl" rotWithShape="0">
+              <a:srgbClr val="0C09D5">
+                <a:alpha val="40000"/>
+              </a:srgbClr>
             </a:outerShdw>
           </a:effectLst>
         </p:spPr>
@@ -23997,42 +25245,6 @@
       </p:pic>
       <p:pic>
         <p:nvPicPr>
-          <p:cNvPr id="20" name="Immagine 19">
-            <a:extLst>
-              <a:ext uri="{FF2B5EF4-FFF2-40B4-BE49-F238E27FC236}">
-                <a16:creationId xmlns:a16="http://schemas.microsoft.com/office/drawing/2014/main" id="{71329318-DC82-58D9-328D-25D9FBFFB027}"/>
-              </a:ext>
-            </a:extLst>
-          </p:cNvPr>
-          <p:cNvPicPr>
-            <a:picLocks noChangeAspect="1"/>
-          </p:cNvPicPr>
-          <p:nvPr/>
-        </p:nvPicPr>
-        <p:blipFill>
-          <a:blip r:embed="rId3">
-            <a:extLst>
-              <a:ext uri="{28A0092B-C50C-407E-A947-70E740481C1C}">
-                <a14:useLocalDpi xmlns:a14="http://schemas.microsoft.com/office/drawing/2010/main" val="0"/>
-              </a:ext>
-            </a:extLst>
-          </a:blip>
-          <a:stretch>
-            <a:fillRect/>
-          </a:stretch>
-        </p:blipFill>
-        <p:spPr>
-          <a:xfrm>
-            <a:off x="11212066" y="271844"/>
-            <a:ext cx="677507" cy="483933"/>
-          </a:xfrm>
-          <a:prstGeom prst="rect">
-            <a:avLst/>
-          </a:prstGeom>
-        </p:spPr>
-      </p:pic>
-      <p:pic>
-        <p:nvPicPr>
           <p:cNvPr id="9" name="Immagine 8" descr="Immagine che contiene testo, segnale&#10;&#10;Descrizione generata automaticamente">
             <a:extLst>
               <a:ext uri="{FF2B5EF4-FFF2-40B4-BE49-F238E27FC236}">
@@ -24046,7 +25258,7 @@
           <p:nvPr/>
         </p:nvPicPr>
         <p:blipFill>
-          <a:blip r:embed="rId4">
+          <a:blip r:embed="rId3">
             <a:extLst>
               <a:ext uri="{28A0092B-C50C-407E-A947-70E740481C1C}">
                 <a14:useLocalDpi xmlns:a14="http://schemas.microsoft.com/office/drawing/2010/main" val="0"/>
@@ -24070,6 +25282,49 @@
               <a:prstClr val="black">
                 <a:alpha val="40000"/>
               </a:prstClr>
+            </a:outerShdw>
+          </a:effectLst>
+        </p:spPr>
+      </p:pic>
+      <p:pic>
+        <p:nvPicPr>
+          <p:cNvPr id="10" name="Immagine 9">
+            <a:extLst>
+              <a:ext uri="{FF2B5EF4-FFF2-40B4-BE49-F238E27FC236}">
+                <a16:creationId xmlns:a16="http://schemas.microsoft.com/office/drawing/2014/main" id="{E50D7F05-90BC-1861-E26E-9BF4FFDB0BC5}"/>
+              </a:ext>
+            </a:extLst>
+          </p:cNvPr>
+          <p:cNvPicPr>
+            <a:picLocks noChangeAspect="1"/>
+          </p:cNvPicPr>
+          <p:nvPr/>
+        </p:nvPicPr>
+        <p:blipFill>
+          <a:blip r:embed="rId4">
+            <a:extLst>
+              <a:ext uri="{28A0092B-C50C-407E-A947-70E740481C1C}">
+                <a14:useLocalDpi xmlns:a14="http://schemas.microsoft.com/office/drawing/2010/main" val="0"/>
+              </a:ext>
+            </a:extLst>
+          </a:blip>
+          <a:stretch>
+            <a:fillRect/>
+          </a:stretch>
+        </p:blipFill>
+        <p:spPr>
+          <a:xfrm>
+            <a:off x="11212066" y="271844"/>
+            <a:ext cx="677507" cy="483933"/>
+          </a:xfrm>
+          <a:prstGeom prst="rect">
+            <a:avLst/>
+          </a:prstGeom>
+          <a:effectLst>
+            <a:outerShdw blurRad="50800" dist="25400" dir="2700000" algn="tl" rotWithShape="0">
+              <a:srgbClr val="0C09D5">
+                <a:alpha val="40000"/>
+              </a:srgbClr>
             </a:outerShdw>
           </a:effectLst>
         </p:spPr>
@@ -24330,42 +25585,6 @@
           </a:effectLst>
         </p:spPr>
       </p:pic>
-      <p:pic>
-        <p:nvPicPr>
-          <p:cNvPr id="5" name="Immagine 4">
-            <a:extLst>
-              <a:ext uri="{FF2B5EF4-FFF2-40B4-BE49-F238E27FC236}">
-                <a16:creationId xmlns:a16="http://schemas.microsoft.com/office/drawing/2014/main" id="{CD874E32-4BCD-A2C8-A304-FF0FE77E6B52}"/>
-              </a:ext>
-            </a:extLst>
-          </p:cNvPr>
-          <p:cNvPicPr>
-            <a:picLocks noChangeAspect="1"/>
-          </p:cNvPicPr>
-          <p:nvPr/>
-        </p:nvPicPr>
-        <p:blipFill>
-          <a:blip r:embed="rId3">
-            <a:extLst>
-              <a:ext uri="{28A0092B-C50C-407E-A947-70E740481C1C}">
-                <a14:useLocalDpi xmlns:a14="http://schemas.microsoft.com/office/drawing/2010/main" val="0"/>
-              </a:ext>
-            </a:extLst>
-          </a:blip>
-          <a:stretch>
-            <a:fillRect/>
-          </a:stretch>
-        </p:blipFill>
-        <p:spPr>
-          <a:xfrm>
-            <a:off x="11212066" y="271844"/>
-            <a:ext cx="677507" cy="483933"/>
-          </a:xfrm>
-          <a:prstGeom prst="rect">
-            <a:avLst/>
-          </a:prstGeom>
-        </p:spPr>
-      </p:pic>
       <p:graphicFrame>
         <p:nvGraphicFramePr>
           <p:cNvPr id="14" name="Segnaposto contenuto 2">
@@ -24393,10 +25612,53 @@
         </p:xfrm>
         <a:graphic>
           <a:graphicData uri="http://schemas.openxmlformats.org/drawingml/2006/diagram">
-            <dgm:relIds xmlns:dgm="http://schemas.openxmlformats.org/drawingml/2006/diagram" xmlns:r="http://schemas.openxmlformats.org/officeDocument/2006/relationships" r:dm="rId4" r:lo="rId5" r:qs="rId6" r:cs="rId7"/>
+            <dgm:relIds xmlns:dgm="http://schemas.openxmlformats.org/drawingml/2006/diagram" xmlns:r="http://schemas.openxmlformats.org/officeDocument/2006/relationships" r:dm="rId3" r:lo="rId4" r:qs="rId5" r:cs="rId6"/>
           </a:graphicData>
         </a:graphic>
       </p:graphicFrame>
+      <p:pic>
+        <p:nvPicPr>
+          <p:cNvPr id="9" name="Immagine 8">
+            <a:extLst>
+              <a:ext uri="{FF2B5EF4-FFF2-40B4-BE49-F238E27FC236}">
+                <a16:creationId xmlns:a16="http://schemas.microsoft.com/office/drawing/2014/main" id="{5E7D1640-8580-EF14-A80D-90E55CD32FD0}"/>
+              </a:ext>
+            </a:extLst>
+          </p:cNvPr>
+          <p:cNvPicPr>
+            <a:picLocks noChangeAspect="1"/>
+          </p:cNvPicPr>
+          <p:nvPr/>
+        </p:nvPicPr>
+        <p:blipFill>
+          <a:blip r:embed="rId8">
+            <a:extLst>
+              <a:ext uri="{28A0092B-C50C-407E-A947-70E740481C1C}">
+                <a14:useLocalDpi xmlns:a14="http://schemas.microsoft.com/office/drawing/2010/main" val="0"/>
+              </a:ext>
+            </a:extLst>
+          </a:blip>
+          <a:stretch>
+            <a:fillRect/>
+          </a:stretch>
+        </p:blipFill>
+        <p:spPr>
+          <a:xfrm>
+            <a:off x="11212066" y="271844"/>
+            <a:ext cx="677507" cy="483933"/>
+          </a:xfrm>
+          <a:prstGeom prst="rect">
+            <a:avLst/>
+          </a:prstGeom>
+          <a:effectLst>
+            <a:outerShdw blurRad="50800" dist="25400" dir="2700000" algn="tl" rotWithShape="0">
+              <a:srgbClr val="0C09D5">
+                <a:alpha val="40000"/>
+              </a:srgbClr>
+            </a:outerShdw>
+          </a:effectLst>
+        </p:spPr>
+      </p:pic>
     </p:spTree>
     <p:extLst>
       <p:ext uri="{BB962C8B-B14F-4D97-AF65-F5344CB8AC3E}">
@@ -25441,42 +26703,6 @@
       </p:sp>
       <p:pic>
         <p:nvPicPr>
-          <p:cNvPr id="6" name="Immagine 5">
-            <a:extLst>
-              <a:ext uri="{FF2B5EF4-FFF2-40B4-BE49-F238E27FC236}">
-                <a16:creationId xmlns:a16="http://schemas.microsoft.com/office/drawing/2014/main" id="{7D732362-A5C3-A232-C5B8-0E79F0697C4B}"/>
-              </a:ext>
-            </a:extLst>
-          </p:cNvPr>
-          <p:cNvPicPr>
-            <a:picLocks noChangeAspect="1"/>
-          </p:cNvPicPr>
-          <p:nvPr/>
-        </p:nvPicPr>
-        <p:blipFill>
-          <a:blip r:embed="rId2">
-            <a:extLst>
-              <a:ext uri="{28A0092B-C50C-407E-A947-70E740481C1C}">
-                <a14:useLocalDpi xmlns:a14="http://schemas.microsoft.com/office/drawing/2010/main" val="0"/>
-              </a:ext>
-            </a:extLst>
-          </a:blip>
-          <a:stretch>
-            <a:fillRect/>
-          </a:stretch>
-        </p:blipFill>
-        <p:spPr>
-          <a:xfrm>
-            <a:off x="11212066" y="271844"/>
-            <a:ext cx="677507" cy="483933"/>
-          </a:xfrm>
-          <a:prstGeom prst="rect">
-            <a:avLst/>
-          </a:prstGeom>
-        </p:spPr>
-      </p:pic>
-      <p:pic>
-        <p:nvPicPr>
           <p:cNvPr id="8" name="Immagine 7" descr="Immagine che contiene testo, segnale&#10;&#10;Descrizione generata automaticamente">
             <a:extLst>
               <a:ext uri="{FF2B5EF4-FFF2-40B4-BE49-F238E27FC236}">
@@ -25490,7 +26716,7 @@
           <p:nvPr/>
         </p:nvPicPr>
         <p:blipFill>
-          <a:blip r:embed="rId3">
+          <a:blip r:embed="rId2">
             <a:extLst>
               <a:ext uri="{28A0092B-C50C-407E-A947-70E740481C1C}">
                 <a14:useLocalDpi xmlns:a14="http://schemas.microsoft.com/office/drawing/2010/main" val="0"/>
@@ -25514,6 +26740,49 @@
               <a:prstClr val="black">
                 <a:alpha val="40000"/>
               </a:prstClr>
+            </a:outerShdw>
+          </a:effectLst>
+        </p:spPr>
+      </p:pic>
+      <p:pic>
+        <p:nvPicPr>
+          <p:cNvPr id="10" name="Immagine 9">
+            <a:extLst>
+              <a:ext uri="{FF2B5EF4-FFF2-40B4-BE49-F238E27FC236}">
+                <a16:creationId xmlns:a16="http://schemas.microsoft.com/office/drawing/2014/main" id="{E8E5826C-C919-3D53-0B6B-F4F36DC6B9C9}"/>
+              </a:ext>
+            </a:extLst>
+          </p:cNvPr>
+          <p:cNvPicPr>
+            <a:picLocks noChangeAspect="1"/>
+          </p:cNvPicPr>
+          <p:nvPr/>
+        </p:nvPicPr>
+        <p:blipFill>
+          <a:blip r:embed="rId3">
+            <a:extLst>
+              <a:ext uri="{28A0092B-C50C-407E-A947-70E740481C1C}">
+                <a14:useLocalDpi xmlns:a14="http://schemas.microsoft.com/office/drawing/2010/main" val="0"/>
+              </a:ext>
+            </a:extLst>
+          </a:blip>
+          <a:stretch>
+            <a:fillRect/>
+          </a:stretch>
+        </p:blipFill>
+        <p:spPr>
+          <a:xfrm>
+            <a:off x="11212066" y="271844"/>
+            <a:ext cx="677507" cy="483933"/>
+          </a:xfrm>
+          <a:prstGeom prst="rect">
+            <a:avLst/>
+          </a:prstGeom>
+          <a:effectLst>
+            <a:outerShdw blurRad="50800" dist="25400" dir="2700000" algn="tl" rotWithShape="0">
+              <a:srgbClr val="0C09D5">
+                <a:alpha val="40000"/>
+              </a:srgbClr>
             </a:outerShdw>
           </a:effectLst>
         </p:spPr>
@@ -26274,42 +27543,6 @@
           </a:p>
         </p:txBody>
       </p:sp>
-      <p:pic>
-        <p:nvPicPr>
-          <p:cNvPr id="4" name="Immagine 3">
-            <a:extLst>
-              <a:ext uri="{FF2B5EF4-FFF2-40B4-BE49-F238E27FC236}">
-                <a16:creationId xmlns:a16="http://schemas.microsoft.com/office/drawing/2014/main" id="{BC70C311-5F67-5263-B378-5A1691CF9615}"/>
-              </a:ext>
-            </a:extLst>
-          </p:cNvPr>
-          <p:cNvPicPr>
-            <a:picLocks noChangeAspect="1"/>
-          </p:cNvPicPr>
-          <p:nvPr/>
-        </p:nvPicPr>
-        <p:blipFill>
-          <a:blip r:embed="rId2">
-            <a:extLst>
-              <a:ext uri="{28A0092B-C50C-407E-A947-70E740481C1C}">
-                <a14:useLocalDpi xmlns:a14="http://schemas.microsoft.com/office/drawing/2010/main" val="0"/>
-              </a:ext>
-            </a:extLst>
-          </a:blip>
-          <a:stretch>
-            <a:fillRect/>
-          </a:stretch>
-        </p:blipFill>
-        <p:spPr>
-          <a:xfrm>
-            <a:off x="11212066" y="271844"/>
-            <a:ext cx="677507" cy="483933"/>
-          </a:xfrm>
-          <a:prstGeom prst="rect">
-            <a:avLst/>
-          </a:prstGeom>
-        </p:spPr>
-      </p:pic>
       <p:graphicFrame>
         <p:nvGraphicFramePr>
           <p:cNvPr id="20" name="Segnaposto contenuto 2">
@@ -26337,7 +27570,7 @@
         </p:xfrm>
         <a:graphic>
           <a:graphicData uri="http://schemas.openxmlformats.org/drawingml/2006/diagram">
-            <dgm:relIds xmlns:dgm="http://schemas.openxmlformats.org/drawingml/2006/diagram" xmlns:r="http://schemas.openxmlformats.org/officeDocument/2006/relationships" r:dm="rId3" r:lo="rId4" r:qs="rId5" r:cs="rId6"/>
+            <dgm:relIds xmlns:dgm="http://schemas.openxmlformats.org/drawingml/2006/diagram" xmlns:r="http://schemas.openxmlformats.org/officeDocument/2006/relationships" r:dm="rId2" r:lo="rId3" r:qs="rId4" r:cs="rId5"/>
           </a:graphicData>
         </a:graphic>
       </p:graphicFrame>
@@ -26356,7 +27589,7 @@
           <p:nvPr/>
         </p:nvPicPr>
         <p:blipFill>
-          <a:blip r:embed="rId8">
+          <a:blip r:embed="rId7">
             <a:extLst>
               <a:ext uri="{28A0092B-C50C-407E-A947-70E740481C1C}">
                 <a14:useLocalDpi xmlns:a14="http://schemas.microsoft.com/office/drawing/2010/main" val="0"/>
@@ -26380,6 +27613,49 @@
               <a:prstClr val="black">
                 <a:alpha val="40000"/>
               </a:prstClr>
+            </a:outerShdw>
+          </a:effectLst>
+        </p:spPr>
+      </p:pic>
+      <p:pic>
+        <p:nvPicPr>
+          <p:cNvPr id="10" name="Immagine 9">
+            <a:extLst>
+              <a:ext uri="{FF2B5EF4-FFF2-40B4-BE49-F238E27FC236}">
+                <a16:creationId xmlns:a16="http://schemas.microsoft.com/office/drawing/2014/main" id="{AB490867-7C83-54C1-4B2C-E39978E3D035}"/>
+              </a:ext>
+            </a:extLst>
+          </p:cNvPr>
+          <p:cNvPicPr>
+            <a:picLocks noChangeAspect="1"/>
+          </p:cNvPicPr>
+          <p:nvPr/>
+        </p:nvPicPr>
+        <p:blipFill>
+          <a:blip r:embed="rId8">
+            <a:extLst>
+              <a:ext uri="{28A0092B-C50C-407E-A947-70E740481C1C}">
+                <a14:useLocalDpi xmlns:a14="http://schemas.microsoft.com/office/drawing/2010/main" val="0"/>
+              </a:ext>
+            </a:extLst>
+          </a:blip>
+          <a:stretch>
+            <a:fillRect/>
+          </a:stretch>
+        </p:blipFill>
+        <p:spPr>
+          <a:xfrm>
+            <a:off x="11212066" y="271844"/>
+            <a:ext cx="677507" cy="483933"/>
+          </a:xfrm>
+          <a:prstGeom prst="rect">
+            <a:avLst/>
+          </a:prstGeom>
+          <a:effectLst>
+            <a:outerShdw blurRad="50800" dist="25400" dir="2700000" algn="tl" rotWithShape="0">
+              <a:srgbClr val="0C09D5">
+                <a:alpha val="40000"/>
+              </a:srgbClr>
             </a:outerShdw>
           </a:effectLst>
         </p:spPr>

--- a/ioVoto.pptx
+++ b/ioVoto.pptx
@@ -5,10 +5,10 @@
     <p:sldMasterId id="2147483648" r:id="rId1"/>
   </p:sldMasterIdLst>
   <p:notesMasterIdLst>
-    <p:notesMasterId r:id="rId16"/>
+    <p:notesMasterId r:id="rId15"/>
   </p:notesMasterIdLst>
   <p:handoutMasterIdLst>
-    <p:handoutMasterId r:id="rId17"/>
+    <p:handoutMasterId r:id="rId16"/>
   </p:handoutMasterIdLst>
   <p:sldIdLst>
     <p:sldId id="262" r:id="rId2"/>
@@ -16,15 +16,14 @@
     <p:sldId id="258" r:id="rId4"/>
     <p:sldId id="259" r:id="rId5"/>
     <p:sldId id="260" r:id="rId6"/>
-    <p:sldId id="261" r:id="rId7"/>
-    <p:sldId id="270" r:id="rId8"/>
-    <p:sldId id="263" r:id="rId9"/>
-    <p:sldId id="264" r:id="rId10"/>
-    <p:sldId id="265" r:id="rId11"/>
-    <p:sldId id="266" r:id="rId12"/>
-    <p:sldId id="268" r:id="rId13"/>
-    <p:sldId id="271" r:id="rId14"/>
-    <p:sldId id="272" r:id="rId15"/>
+    <p:sldId id="270" r:id="rId7"/>
+    <p:sldId id="263" r:id="rId8"/>
+    <p:sldId id="264" r:id="rId9"/>
+    <p:sldId id="265" r:id="rId10"/>
+    <p:sldId id="266" r:id="rId11"/>
+    <p:sldId id="268" r:id="rId12"/>
+    <p:sldId id="271" r:id="rId13"/>
+    <p:sldId id="272" r:id="rId14"/>
   </p:sldIdLst>
   <p:sldSz cx="12192000" cy="6858000"/>
   <p:notesSz cx="6858000" cy="9144000"/>
@@ -3513,6 +3512,9 @@
         <a:lstStyle/>
         <a:p>
           <a:pPr>
+            <a:lnSpc>
+              <a:spcPct val="100000"/>
+            </a:lnSpc>
             <a:defRPr b="1"/>
           </a:pPr>
           <a:r>
@@ -3552,6 +3554,11 @@
         <a:bodyPr/>
         <a:lstStyle/>
         <a:p>
+          <a:pPr>
+            <a:lnSpc>
+              <a:spcPct val="100000"/>
+            </a:lnSpc>
+          </a:pPr>
           <a:r>
             <a:rPr lang="it-IT" sz="2200" b="1" i="1" dirty="0"/>
             <a:t>Server DBMS</a:t>
@@ -3590,6 +3597,9 @@
         <a:lstStyle/>
         <a:p>
           <a:pPr>
+            <a:lnSpc>
+              <a:spcPct val="100000"/>
+            </a:lnSpc>
             <a:defRPr b="1"/>
           </a:pPr>
           <a:r>
@@ -3629,7 +3639,11 @@
         <a:bodyPr/>
         <a:lstStyle/>
         <a:p>
-          <a:pPr algn="ctr"/>
+          <a:pPr algn="ctr">
+            <a:lnSpc>
+              <a:spcPct val="100000"/>
+            </a:lnSpc>
+          </a:pPr>
           <a:r>
             <a:rPr lang="en-GB" sz="2200" b="1" i="1" dirty="0"/>
             <a:t>Filesystem</a:t>
@@ -3667,7 +3681,11 @@
         <a:bodyPr/>
         <a:lstStyle/>
         <a:p>
-          <a:pPr algn="ctr"/>
+          <a:pPr algn="ctr">
+            <a:lnSpc>
+              <a:spcPct val="100000"/>
+            </a:lnSpc>
+          </a:pPr>
           <a:r>
             <a:rPr lang="en-GB" sz="1700" dirty="0" err="1"/>
             <a:t>Formato</a:t>
@@ -3816,6 +3834,67 @@
         </a:p>
       </dgm:t>
     </dgm:pt>
+    <dgm:pt modelId="{618BF3E3-AF2B-4344-B08B-8FF50911C713}">
+      <dgm:prSet custT="1"/>
+      <dgm:spPr/>
+      <dgm:t>
+        <a:bodyPr/>
+        <a:lstStyle/>
+        <a:p>
+          <a:pPr>
+            <a:lnSpc>
+              <a:spcPct val="100000"/>
+            </a:lnSpc>
+          </a:pPr>
+          <a:r>
+            <a:rPr lang="en-US" sz="1500" b="0" i="1" dirty="0" err="1"/>
+            <a:t>Metodologia</a:t>
+          </a:r>
+          <a:r>
+            <a:rPr lang="en-US" sz="1500" b="0" i="1" dirty="0"/>
+            <a:t> forza </a:t>
+          </a:r>
+          <a:r>
+            <a:rPr lang="en-US" sz="1500" b="0" i="1" dirty="0" err="1"/>
+            <a:t>bruta</a:t>
+          </a:r>
+          <a:r>
+            <a:rPr lang="en-US" sz="1500" b="0" i="1" dirty="0"/>
+            <a:t> per </a:t>
+          </a:r>
+          <a:r>
+            <a:rPr lang="en-US" sz="1500" b="0" i="1" dirty="0" err="1"/>
+            <a:t>operazioni</a:t>
+          </a:r>
+          <a:r>
+            <a:rPr lang="en-US" sz="1500" b="0" i="1" dirty="0"/>
+            <a:t> CRUD</a:t>
+          </a:r>
+        </a:p>
+      </dgm:t>
+    </dgm:pt>
+    <dgm:pt modelId="{4163FDB7-8C7D-46E6-A412-66342EE2CF6E}" type="parTrans" cxnId="{6ABC81C7-7B9F-42AD-AAED-05BA0BCC8A55}">
+      <dgm:prSet/>
+      <dgm:spPr/>
+      <dgm:t>
+        <a:bodyPr/>
+        <a:lstStyle/>
+        <a:p>
+          <a:endParaRPr lang="it-IT"/>
+        </a:p>
+      </dgm:t>
+    </dgm:pt>
+    <dgm:pt modelId="{F85A5771-4937-4DAE-AABA-337CCA65F79A}" type="sibTrans" cxnId="{6ABC81C7-7B9F-42AD-AAED-05BA0BCC8A55}">
+      <dgm:prSet/>
+      <dgm:spPr/>
+      <dgm:t>
+        <a:bodyPr/>
+        <a:lstStyle/>
+        <a:p>
+          <a:endParaRPr lang="it-IT"/>
+        </a:p>
+      </dgm:t>
+    </dgm:pt>
     <dgm:pt modelId="{B8DCF3FE-8E1B-4D7E-8EEC-3EF6E44C6571}" type="pres">
       <dgm:prSet presAssocID="{DD84A318-47D8-470E-AED7-EE3FC2B92D05}" presName="root" presStyleCnt="0">
         <dgm:presLayoutVars>
@@ -3953,7 +4032,9 @@
     <dgm:cxn modelId="{E934FE7E-EE41-4456-9884-E2C99394AA06}" srcId="{06F04598-8BA6-4695-8DD1-CF7CA1355652}" destId="{0B5D3DDC-BC38-45B0-9D23-9D46400128B8}" srcOrd="0" destOrd="0" parTransId="{910931C2-F2D9-4837-A9A9-2A979C80D646}" sibTransId="{560EE25E-BB4C-4B4D-BDCD-C4DC74803C20}"/>
     <dgm:cxn modelId="{8896558F-21E2-4498-AA49-0B8F9FFCAF0A}" type="presOf" srcId="{06F04598-8BA6-4695-8DD1-CF7CA1355652}" destId="{6FBE9561-79F9-46FC-9198-2AECB2AC992F}" srcOrd="0" destOrd="1" presId="urn:microsoft.com/office/officeart/2018/5/layout/CenteredIconLabelDescriptionList"/>
     <dgm:cxn modelId="{3363E39E-555D-4589-813F-3CED112EBFA7}" srcId="{FAA34760-D6DA-427D-ABF0-BF65AEBDF8AF}" destId="{7F1AC664-9918-415F-8781-E8C18B34A2F8}" srcOrd="0" destOrd="0" parTransId="{771D079C-2435-4CD8-B06F-6E3CB8038D34}" sibTransId="{3EECA354-06A3-42AC-82A1-BC1DEE607108}"/>
+    <dgm:cxn modelId="{D76B52A4-6FB1-4D7F-BE55-3F3708B15B2B}" type="presOf" srcId="{618BF3E3-AF2B-4344-B08B-8FF50911C713}" destId="{90502953-01B4-467A-A7D8-85C56F92DB67}" srcOrd="0" destOrd="1" presId="urn:microsoft.com/office/officeart/2018/5/layout/CenteredIconLabelDescriptionList"/>
     <dgm:cxn modelId="{F81C7CA6-95D4-411F-8DBA-20C4D62E7F3F}" srcId="{DD84A318-47D8-470E-AED7-EE3FC2B92D05}" destId="{FAA34760-D6DA-427D-ABF0-BF65AEBDF8AF}" srcOrd="0" destOrd="0" parTransId="{3393EEC2-2C22-45DF-B470-56477D1DAE21}" sibTransId="{CAE616E8-06B1-4FF2-86E1-016030F6C665}"/>
+    <dgm:cxn modelId="{6ABC81C7-7B9F-42AD-AAED-05BA0BCC8A55}" srcId="{FAA34760-D6DA-427D-ABF0-BF65AEBDF8AF}" destId="{618BF3E3-AF2B-4344-B08B-8FF50911C713}" srcOrd="1" destOrd="0" parTransId="{4163FDB7-8C7D-46E6-A412-66342EE2CF6E}" sibTransId="{F85A5771-4937-4DAE-AABA-337CCA65F79A}"/>
     <dgm:cxn modelId="{B6500BCA-41FD-4CB6-B428-509707EDD301}" type="presOf" srcId="{7F1AC664-9918-415F-8781-E8C18B34A2F8}" destId="{90502953-01B4-467A-A7D8-85C56F92DB67}" srcOrd="0" destOrd="0" presId="urn:microsoft.com/office/officeart/2018/5/layout/CenteredIconLabelDescriptionList"/>
     <dgm:cxn modelId="{7B8F4AD1-9446-46D7-B4FB-BEF05E8821A2}" type="presOf" srcId="{EDA5BBC4-E866-413A-BCAE-F00D54116AB9}" destId="{6FBE9561-79F9-46FC-9198-2AECB2AC992F}" srcOrd="0" destOrd="4" presId="urn:microsoft.com/office/officeart/2018/5/layout/CenteredIconLabelDescriptionList"/>
     <dgm:cxn modelId="{A00E5FD6-4C1B-48AB-9457-0DEEB98D4206}" srcId="{06F04598-8BA6-4695-8DD1-CF7CA1355652}" destId="{5EB1DD14-437E-482D-824D-E26916677602}" srcOrd="1" destOrd="0" parTransId="{E09FA872-68DB-4EA7-8F7A-EB992E6AB09C}" sibTransId="{F4872178-D54A-4702-9137-828C60628DE0}"/>
@@ -5355,7 +5436,7 @@
       </dsp:nvSpPr>
       <dsp:spPr>
         <a:xfrm>
-          <a:off x="1963800" y="281515"/>
+          <a:off x="1963800" y="205150"/>
           <a:ext cx="1512000" cy="1512000"/>
         </a:xfrm>
         <a:prstGeom prst="rect">
@@ -5405,7 +5486,7 @@
       </dsp:nvSpPr>
       <dsp:spPr>
         <a:xfrm>
-          <a:off x="559800" y="1956412"/>
+          <a:off x="559800" y="1886615"/>
           <a:ext cx="4320000" cy="648000"/>
         </a:xfrm>
         <a:prstGeom prst="rect">
@@ -5437,7 +5518,7 @@
         <a:p>
           <a:pPr marL="0" lvl="0" indent="0" algn="ctr" defTabSz="1600200">
             <a:lnSpc>
-              <a:spcPct val="90000"/>
+              <a:spcPct val="100000"/>
             </a:lnSpc>
             <a:spcBef>
               <a:spcPct val="0"/>
@@ -5456,7 +5537,7 @@
         </a:p>
       </dsp:txBody>
       <dsp:txXfrm>
-        <a:off x="559800" y="1956412"/>
+        <a:off x="559800" y="1886615"/>
         <a:ext cx="4320000" cy="648000"/>
       </dsp:txXfrm>
     </dsp:sp>
@@ -5467,8 +5548,8 @@
       </dsp:nvSpPr>
       <dsp:spPr>
         <a:xfrm>
-          <a:off x="559800" y="2680178"/>
-          <a:ext cx="4320000" cy="1389643"/>
+          <a:off x="559800" y="2613436"/>
+          <a:ext cx="4320000" cy="1532750"/>
         </a:xfrm>
         <a:prstGeom prst="rect">
           <a:avLst/>
@@ -5499,7 +5580,7 @@
         <a:p>
           <a:pPr marL="0" lvl="0" indent="0" algn="ctr" defTabSz="977900">
             <a:lnSpc>
-              <a:spcPct val="90000"/>
+              <a:spcPct val="100000"/>
             </a:lnSpc>
             <a:spcBef>
               <a:spcPct val="0"/>
@@ -5515,10 +5596,48 @@
           </a:r>
           <a:endParaRPr lang="en-US" sz="2200" b="1" i="1" kern="1200" dirty="0"/>
         </a:p>
+        <a:p>
+          <a:pPr marL="0" lvl="0" indent="0" algn="ctr" defTabSz="666750">
+            <a:lnSpc>
+              <a:spcPct val="100000"/>
+            </a:lnSpc>
+            <a:spcBef>
+              <a:spcPct val="0"/>
+            </a:spcBef>
+            <a:spcAft>
+              <a:spcPct val="35000"/>
+            </a:spcAft>
+            <a:buNone/>
+          </a:pPr>
+          <a:r>
+            <a:rPr lang="en-US" sz="1500" b="0" i="1" kern="1200" dirty="0" err="1"/>
+            <a:t>Metodologia</a:t>
+          </a:r>
+          <a:r>
+            <a:rPr lang="en-US" sz="1500" b="0" i="1" kern="1200" dirty="0"/>
+            <a:t> forza </a:t>
+          </a:r>
+          <a:r>
+            <a:rPr lang="en-US" sz="1500" b="0" i="1" kern="1200" dirty="0" err="1"/>
+            <a:t>bruta</a:t>
+          </a:r>
+          <a:r>
+            <a:rPr lang="en-US" sz="1500" b="0" i="1" kern="1200" dirty="0"/>
+            <a:t> per </a:t>
+          </a:r>
+          <a:r>
+            <a:rPr lang="en-US" sz="1500" b="0" i="1" kern="1200" dirty="0" err="1"/>
+            <a:t>operazioni</a:t>
+          </a:r>
+          <a:r>
+            <a:rPr lang="en-US" sz="1500" b="0" i="1" kern="1200" dirty="0"/>
+            <a:t> CRUD</a:t>
+          </a:r>
+        </a:p>
       </dsp:txBody>
       <dsp:txXfrm>
-        <a:off x="559800" y="2680178"/>
-        <a:ext cx="4320000" cy="1389643"/>
+        <a:off x="559800" y="2613436"/>
+        <a:ext cx="4320000" cy="1532750"/>
       </dsp:txXfrm>
     </dsp:sp>
     <dsp:sp modelId="{FE48CAC1-927A-4452-B58D-DE24AFDB32A6}">
@@ -5528,7 +5647,7 @@
       </dsp:nvSpPr>
       <dsp:spPr>
         <a:xfrm>
-          <a:off x="7039800" y="281515"/>
+          <a:off x="7039800" y="205150"/>
           <a:ext cx="1512000" cy="1512000"/>
         </a:xfrm>
         <a:prstGeom prst="rect">
@@ -5578,7 +5697,7 @@
       </dsp:nvSpPr>
       <dsp:spPr>
         <a:xfrm>
-          <a:off x="5635800" y="1956412"/>
+          <a:off x="5635800" y="1886615"/>
           <a:ext cx="4320000" cy="648000"/>
         </a:xfrm>
         <a:prstGeom prst="rect">
@@ -5610,7 +5729,7 @@
         <a:p>
           <a:pPr marL="0" lvl="0" indent="0" algn="ctr" defTabSz="1600200">
             <a:lnSpc>
-              <a:spcPct val="90000"/>
+              <a:spcPct val="100000"/>
             </a:lnSpc>
             <a:spcBef>
               <a:spcPct val="0"/>
@@ -5629,7 +5748,7 @@
         </a:p>
       </dsp:txBody>
       <dsp:txXfrm>
-        <a:off x="5635800" y="1956412"/>
+        <a:off x="5635800" y="1886615"/>
         <a:ext cx="4320000" cy="648000"/>
       </dsp:txXfrm>
     </dsp:sp>
@@ -5640,8 +5759,8 @@
       </dsp:nvSpPr>
       <dsp:spPr>
         <a:xfrm>
-          <a:off x="5635800" y="2680178"/>
-          <a:ext cx="4320000" cy="1389643"/>
+          <a:off x="5635800" y="2613436"/>
+          <a:ext cx="4320000" cy="1532750"/>
         </a:xfrm>
         <a:prstGeom prst="rect">
           <a:avLst/>
@@ -5672,7 +5791,7 @@
         <a:p>
           <a:pPr marL="0" lvl="0" indent="0" algn="ctr" defTabSz="977900">
             <a:lnSpc>
-              <a:spcPct val="90000"/>
+              <a:spcPct val="100000"/>
             </a:lnSpc>
             <a:spcBef>
               <a:spcPct val="0"/>
@@ -5691,7 +5810,7 @@
         <a:p>
           <a:pPr marL="0" lvl="0" indent="0" algn="ctr" defTabSz="755650">
             <a:lnSpc>
-              <a:spcPct val="90000"/>
+              <a:spcPct val="100000"/>
             </a:lnSpc>
             <a:spcBef>
               <a:spcPct val="0"/>
@@ -5770,8 +5889,8 @@
         </a:p>
       </dsp:txBody>
       <dsp:txXfrm>
-        <a:off x="5635800" y="2680178"/>
-        <a:ext cx="4320000" cy="1389643"/>
+        <a:off x="5635800" y="2613436"/>
+        <a:ext cx="4320000" cy="1532750"/>
       </dsp:txXfrm>
     </dsp:sp>
   </dsp:spTree>
@@ -12612,7 +12731,7 @@
           <a:p>
             <a:fld id="{8EA3D852-2BD8-4CE0-B20F-1F413457DCE4}" type="slidenum">
               <a:rPr lang="en-GB" smtClean="0"/>
-              <a:t>‹N›</a:t>
+              <a:t>‹#›</a:t>
             </a:fld>
             <a:endParaRPr lang="en-GB"/>
           </a:p>
@@ -12870,7 +12989,7 @@
           <a:p>
             <a:fld id="{13EB0E5C-6F6E-4941-87A0-5ADF3FA99696}" type="slidenum">
               <a:rPr lang="en-GB" smtClean="0"/>
-              <a:t>‹N›</a:t>
+              <a:t>‹#›</a:t>
             </a:fld>
             <a:endParaRPr lang="en-GB"/>
           </a:p>
@@ -13188,7 +13307,7 @@
           <a:p>
             <a:fld id="{6C095671-93DB-42CC-8F15-7BE30C083ECB}" type="slidenum">
               <a:rPr lang="en-GB" smtClean="0"/>
-              <a:t>‹N›</a:t>
+              <a:t>‹#›</a:t>
             </a:fld>
             <a:endParaRPr lang="en-GB"/>
           </a:p>
@@ -13404,7 +13523,7 @@
           <a:p>
             <a:fld id="{6C095671-93DB-42CC-8F15-7BE30C083ECB}" type="slidenum">
               <a:rPr lang="en-GB" smtClean="0"/>
-              <a:t>‹N›</a:t>
+              <a:t>‹#›</a:t>
             </a:fld>
             <a:endParaRPr lang="en-GB"/>
           </a:p>
@@ -13620,7 +13739,7 @@
           <a:p>
             <a:fld id="{6C095671-93DB-42CC-8F15-7BE30C083ECB}" type="slidenum">
               <a:rPr lang="en-GB" smtClean="0"/>
-              <a:t>‹N›</a:t>
+              <a:t>‹#›</a:t>
             </a:fld>
             <a:endParaRPr lang="en-GB"/>
           </a:p>
@@ -13836,7 +13955,7 @@
           <a:p>
             <a:fld id="{6C095671-93DB-42CC-8F15-7BE30C083ECB}" type="slidenum">
               <a:rPr lang="en-GB" smtClean="0"/>
-              <a:t>‹N›</a:t>
+              <a:t>‹#›</a:t>
             </a:fld>
             <a:endParaRPr lang="en-GB"/>
           </a:p>
@@ -14118,7 +14237,7 @@
           <a:p>
             <a:fld id="{6C095671-93DB-42CC-8F15-7BE30C083ECB}" type="slidenum">
               <a:rPr lang="en-GB" smtClean="0"/>
-              <a:t>‹N›</a:t>
+              <a:t>‹#›</a:t>
             </a:fld>
             <a:endParaRPr lang="en-GB"/>
           </a:p>
@@ -14400,7 +14519,7 @@
           <a:p>
             <a:fld id="{6C095671-93DB-42CC-8F15-7BE30C083ECB}" type="slidenum">
               <a:rPr lang="en-GB" smtClean="0"/>
-              <a:t>‹N›</a:t>
+              <a:t>‹#›</a:t>
             </a:fld>
             <a:endParaRPr lang="en-GB"/>
           </a:p>
@@ -14830,7 +14949,7 @@
           <a:p>
             <a:fld id="{6C095671-93DB-42CC-8F15-7BE30C083ECB}" type="slidenum">
               <a:rPr lang="en-GB" smtClean="0"/>
-              <a:t>‹N›</a:t>
+              <a:t>‹#›</a:t>
             </a:fld>
             <a:endParaRPr lang="en-GB"/>
           </a:p>
@@ -14980,7 +15099,7 @@
           <a:p>
             <a:fld id="{6C095671-93DB-42CC-8F15-7BE30C083ECB}" type="slidenum">
               <a:rPr lang="en-GB" smtClean="0"/>
-              <a:t>‹N›</a:t>
+              <a:t>‹#›</a:t>
             </a:fld>
             <a:endParaRPr lang="en-GB"/>
           </a:p>
@@ -15093,7 +15212,7 @@
           <a:p>
             <a:fld id="{6C095671-93DB-42CC-8F15-7BE30C083ECB}" type="slidenum">
               <a:rPr lang="en-GB" smtClean="0"/>
-              <a:t>‹N›</a:t>
+              <a:t>‹#›</a:t>
             </a:fld>
             <a:endParaRPr lang="en-GB"/>
           </a:p>
@@ -15415,7 +15534,7 @@
           <a:p>
             <a:fld id="{6C095671-93DB-42CC-8F15-7BE30C083ECB}" type="slidenum">
               <a:rPr lang="en-GB" smtClean="0"/>
-              <a:t>‹N›</a:t>
+              <a:t>‹#›</a:t>
             </a:fld>
             <a:endParaRPr lang="en-GB"/>
           </a:p>
@@ -15713,7 +15832,7 @@
           <a:p>
             <a:fld id="{6C095671-93DB-42CC-8F15-7BE30C083ECB}" type="slidenum">
               <a:rPr lang="en-GB" smtClean="0"/>
-              <a:t>‹N›</a:t>
+              <a:t>‹#›</a:t>
             </a:fld>
             <a:endParaRPr lang="en-GB"/>
           </a:p>
@@ -15888,7 +16007,7 @@
           <a:p>
             <a:fld id="{6C095671-93DB-42CC-8F15-7BE30C083ECB}" type="slidenum">
               <a:rPr lang="en-GB" smtClean="0"/>
-              <a:t>‹N›</a:t>
+              <a:t>‹#›</a:t>
             </a:fld>
             <a:endParaRPr lang="en-GB"/>
           </a:p>
@@ -16279,7 +16398,7 @@
           <a:lstStyle/>
           <a:p>
             <a:pPr algn="ctr"/>
-            <a:endParaRPr lang="en-US"/>
+            <a:endParaRPr lang="en-US" dirty="0"/>
           </a:p>
         </p:txBody>
       </p:sp>
@@ -16745,7 +16864,7 @@
           <a:bodyPr rtlCol="0" anchor="ctr"/>
           <a:lstStyle/>
           <a:p>
-            <a:endParaRPr lang="en-US"/>
+            <a:endParaRPr lang="en-US" dirty="0"/>
           </a:p>
         </p:txBody>
       </p:sp>
@@ -17088,7 +17207,7 @@
           <a:lstStyle/>
           <a:p>
             <a:pPr algn="ctr"/>
-            <a:endParaRPr lang="en-US"/>
+            <a:endParaRPr lang="en-US" dirty="0"/>
           </a:p>
         </p:txBody>
       </p:sp>
@@ -17256,240 +17375,6 @@
 </file>
 
 <file path=ppt/slides/slide10.xml><?xml version="1.0" encoding="utf-8"?>
-<p:sld xmlns:a="http://schemas.openxmlformats.org/drawingml/2006/main" xmlns:r="http://schemas.openxmlformats.org/officeDocument/2006/relationships" xmlns:p="http://schemas.openxmlformats.org/presentationml/2006/main">
-  <p:cSld>
-    <p:bg>
-      <p:bgPr>
-        <a:solidFill>
-          <a:schemeClr val="bg1"/>
-        </a:solidFill>
-        <a:effectLst/>
-      </p:bgPr>
-    </p:bg>
-    <p:spTree>
-      <p:nvGrpSpPr>
-        <p:cNvPr id="1" name=""/>
-        <p:cNvGrpSpPr/>
-        <p:nvPr/>
-      </p:nvGrpSpPr>
-      <p:grpSpPr>
-        <a:xfrm>
-          <a:off x="0" y="0"/>
-          <a:ext cx="0" cy="0"/>
-          <a:chOff x="0" y="0"/>
-          <a:chExt cx="0" cy="0"/>
-        </a:xfrm>
-      </p:grpSpPr>
-      <p:sp>
-        <p:nvSpPr>
-          <p:cNvPr id="2" name="Titolo 1">
-            <a:extLst>
-              <a:ext uri="{FF2B5EF4-FFF2-40B4-BE49-F238E27FC236}">
-                <a16:creationId xmlns:a16="http://schemas.microsoft.com/office/drawing/2014/main" id="{6B8A2198-CDA4-5830-5E6F-7A30E089704F}"/>
-              </a:ext>
-            </a:extLst>
-          </p:cNvPr>
-          <p:cNvSpPr>
-            <a:spLocks noGrp="1"/>
-          </p:cNvSpPr>
-          <p:nvPr>
-            <p:ph type="title"/>
-          </p:nvPr>
-        </p:nvSpPr>
-        <p:spPr>
-          <a:xfrm>
-            <a:off x="293826" y="3856528"/>
-            <a:ext cx="11604347" cy="2452687"/>
-          </a:xfrm>
-          <a:effectLst/>
-        </p:spPr>
-        <p:txBody>
-          <a:bodyPr anchor="ctr">
-            <a:normAutofit/>
-          </a:bodyPr>
-          <a:lstStyle/>
-          <a:p>
-            <a:pPr algn="ctr"/>
-            <a:r>
-              <a:rPr lang="it-IT" sz="3600" dirty="0">
-                <a:solidFill>
-                  <a:srgbClr val="ED7D31"/>
-                </a:solidFill>
-              </a:rPr>
-              <a:t>Dal login…</a:t>
-            </a:r>
-            <a:endParaRPr lang="en-GB" sz="3600" dirty="0">
-              <a:solidFill>
-                <a:srgbClr val="ED7D31"/>
-              </a:solidFill>
-            </a:endParaRPr>
-          </a:p>
-        </p:txBody>
-      </p:sp>
-      <p:pic>
-        <p:nvPicPr>
-          <p:cNvPr id="5" name="Segnaposto contenuto 4">
-            <a:extLst>
-              <a:ext uri="{FF2B5EF4-FFF2-40B4-BE49-F238E27FC236}">
-                <a16:creationId xmlns:a16="http://schemas.microsoft.com/office/drawing/2014/main" id="{9D1A7772-DDAF-AEDB-CAC2-938D293B1155}"/>
-              </a:ext>
-            </a:extLst>
-          </p:cNvPr>
-          <p:cNvPicPr>
-            <a:picLocks noChangeAspect="1"/>
-          </p:cNvPicPr>
-          <p:nvPr/>
-        </p:nvPicPr>
-        <p:blipFill rotWithShape="1">
-          <a:blip r:embed="rId2">
-            <a:extLst>
-              <a:ext uri="{28A0092B-C50C-407E-A947-70E740481C1C}">
-                <a14:useLocalDpi xmlns:a14="http://schemas.microsoft.com/office/drawing/2010/main" val="0"/>
-              </a:ext>
-            </a:extLst>
-          </a:blip>
-          <a:srcRect t="32822" b="13072"/>
-          <a:stretch/>
-        </p:blipFill>
-        <p:spPr>
-          <a:xfrm>
-            <a:off x="20" y="10"/>
-            <a:ext cx="12191980" cy="3710603"/>
-          </a:xfrm>
-          <a:custGeom>
-            <a:avLst/>
-            <a:gdLst/>
-            <a:ahLst/>
-            <a:cxnLst/>
-            <a:rect l="l" t="t" r="r" b="b"/>
-            <a:pathLst>
-              <a:path w="12192000" h="3692092">
-                <a:moveTo>
-                  <a:pt x="0" y="0"/>
-                </a:moveTo>
-                <a:lnTo>
-                  <a:pt x="12192000" y="0"/>
-                </a:lnTo>
-                <a:lnTo>
-                  <a:pt x="12192000" y="3504824"/>
-                </a:lnTo>
-                <a:lnTo>
-                  <a:pt x="12024691" y="3517794"/>
-                </a:lnTo>
-                <a:cubicBezTo>
-                  <a:pt x="8077523" y="3783195"/>
-                  <a:pt x="4094678" y="3026959"/>
-                  <a:pt x="160485" y="3663863"/>
-                </a:cubicBezTo>
-                <a:lnTo>
-                  <a:pt x="0" y="3692092"/>
-                </a:lnTo>
-                <a:close/>
-              </a:path>
-            </a:pathLst>
-          </a:custGeom>
-        </p:spPr>
-      </p:pic>
-      <p:pic>
-        <p:nvPicPr>
-          <p:cNvPr id="7" name="Immagine 6" descr="Immagine che contiene testo, segnale&#10;&#10;Descrizione generata automaticamente">
-            <a:extLst>
-              <a:ext uri="{FF2B5EF4-FFF2-40B4-BE49-F238E27FC236}">
-                <a16:creationId xmlns:a16="http://schemas.microsoft.com/office/drawing/2014/main" id="{D5A8A456-0E1E-2252-783A-6ECE4B6D0849}"/>
-              </a:ext>
-            </a:extLst>
-          </p:cNvPr>
-          <p:cNvPicPr>
-            <a:picLocks noChangeAspect="1"/>
-          </p:cNvPicPr>
-          <p:nvPr/>
-        </p:nvPicPr>
-        <p:blipFill>
-          <a:blip r:embed="rId3">
-            <a:extLst>
-              <a:ext uri="{28A0092B-C50C-407E-A947-70E740481C1C}">
-                <a14:useLocalDpi xmlns:a14="http://schemas.microsoft.com/office/drawing/2010/main" val="0"/>
-              </a:ext>
-            </a:extLst>
-          </a:blip>
-          <a:stretch>
-            <a:fillRect/>
-          </a:stretch>
-        </p:blipFill>
-        <p:spPr>
-          <a:xfrm>
-            <a:off x="302427" y="271844"/>
-            <a:ext cx="609600" cy="609600"/>
-          </a:xfrm>
-          <a:prstGeom prst="rect">
-            <a:avLst/>
-          </a:prstGeom>
-          <a:effectLst>
-            <a:outerShdw blurRad="50800" dist="25400" dir="5400000" algn="t" rotWithShape="0">
-              <a:prstClr val="black">
-                <a:alpha val="40000"/>
-              </a:prstClr>
-            </a:outerShdw>
-          </a:effectLst>
-        </p:spPr>
-      </p:pic>
-      <p:pic>
-        <p:nvPicPr>
-          <p:cNvPr id="8" name="Immagine 7">
-            <a:extLst>
-              <a:ext uri="{FF2B5EF4-FFF2-40B4-BE49-F238E27FC236}">
-                <a16:creationId xmlns:a16="http://schemas.microsoft.com/office/drawing/2014/main" id="{9CA67D3A-31A5-A50A-E577-65322E3C2AE0}"/>
-              </a:ext>
-            </a:extLst>
-          </p:cNvPr>
-          <p:cNvPicPr>
-            <a:picLocks noChangeAspect="1"/>
-          </p:cNvPicPr>
-          <p:nvPr/>
-        </p:nvPicPr>
-        <p:blipFill>
-          <a:blip r:embed="rId4">
-            <a:extLst>
-              <a:ext uri="{28A0092B-C50C-407E-A947-70E740481C1C}">
-                <a14:useLocalDpi xmlns:a14="http://schemas.microsoft.com/office/drawing/2010/main" val="0"/>
-              </a:ext>
-            </a:extLst>
-          </a:blip>
-          <a:stretch>
-            <a:fillRect/>
-          </a:stretch>
-        </p:blipFill>
-        <p:spPr>
-          <a:xfrm>
-            <a:off x="11212066" y="271844"/>
-            <a:ext cx="677507" cy="483933"/>
-          </a:xfrm>
-          <a:prstGeom prst="rect">
-            <a:avLst/>
-          </a:prstGeom>
-          <a:effectLst>
-            <a:outerShdw blurRad="50800" dist="25400" dir="2700000" algn="tl" rotWithShape="0">
-              <a:srgbClr val="0C09D5">
-                <a:alpha val="40000"/>
-              </a:srgbClr>
-            </a:outerShdw>
-          </a:effectLst>
-        </p:spPr>
-      </p:pic>
-    </p:spTree>
-    <p:extLst>
-      <p:ext uri="{BB962C8B-B14F-4D97-AF65-F5344CB8AC3E}">
-        <p14:creationId xmlns:p14="http://schemas.microsoft.com/office/powerpoint/2010/main" val="3459565490"/>
-      </p:ext>
-    </p:extLst>
-  </p:cSld>
-  <p:clrMapOvr>
-    <a:masterClrMapping/>
-  </p:clrMapOvr>
-</p:sld>
-</file>
-
-<file path=ppt/slides/slide11.xml><?xml version="1.0" encoding="utf-8"?>
 <p:sld xmlns:a="http://schemas.openxmlformats.org/drawingml/2006/main" xmlns:r="http://schemas.openxmlformats.org/officeDocument/2006/relationships" xmlns:p="http://schemas.openxmlformats.org/presentationml/2006/main">
   <p:cSld>
     <p:bg>
@@ -17983,14 +17868,13 @@
               </a:ext>
             </a:extLst>
           </a:blip>
-          <a:stretch>
-            <a:fillRect/>
-          </a:stretch>
+          <a:srcRect/>
+          <a:stretch/>
         </p:blipFill>
         <p:spPr>
           <a:xfrm>
-            <a:off x="1204331" y="3778325"/>
-            <a:ext cx="4890145" cy="2750705"/>
+            <a:off x="641181" y="3858368"/>
+            <a:ext cx="4890145" cy="2485823"/>
           </a:xfrm>
           <a:prstGeom prst="rect">
             <a:avLst/>
@@ -18006,7 +17890,7 @@
       </p:pic>
       <p:pic>
         <p:nvPicPr>
-          <p:cNvPr id="9" name="Immagine 8" descr="Immagine che contiene testo&#10;&#10;Descrizione generata automaticamente">
+          <p:cNvPr id="9" name="Immagine 8">
             <a:extLst>
               <a:ext uri="{FF2B5EF4-FFF2-40B4-BE49-F238E27FC236}">
                 <a16:creationId xmlns:a16="http://schemas.microsoft.com/office/drawing/2014/main" id="{66D7419E-A4B0-C6C1-476C-EFD3D1D93A21}"/>
@@ -18026,14 +17910,13 @@
               </a:ext>
             </a:extLst>
           </a:blip>
-          <a:stretch>
-            <a:fillRect/>
-          </a:stretch>
+          <a:srcRect/>
+          <a:stretch/>
         </p:blipFill>
         <p:spPr>
           <a:xfrm>
-            <a:off x="5831016" y="513810"/>
-            <a:ext cx="4890145" cy="2750705"/>
+            <a:off x="5831016" y="646251"/>
+            <a:ext cx="4890145" cy="2485823"/>
           </a:xfrm>
           <a:prstGeom prst="rect">
             <a:avLst/>
@@ -18069,14 +17952,13 @@
               </a:ext>
             </a:extLst>
           </a:blip>
-          <a:stretch>
-            <a:fillRect/>
-          </a:stretch>
+          <a:srcRect/>
+          <a:stretch/>
         </p:blipFill>
         <p:spPr>
           <a:xfrm>
-            <a:off x="6660677" y="3593486"/>
-            <a:ext cx="4890142" cy="2750705"/>
+            <a:off x="6660677" y="3778325"/>
+            <a:ext cx="4890142" cy="2483275"/>
           </a:xfrm>
           <a:prstGeom prst="rect">
             <a:avLst/>
@@ -18189,7 +18071,7 @@
 </p:sld>
 </file>
 
-<file path=ppt/slides/slide12.xml><?xml version="1.0" encoding="utf-8"?>
+<file path=ppt/slides/slide11.xml><?xml version="1.0" encoding="utf-8"?>
 <p:sld xmlns:a="http://schemas.openxmlformats.org/drawingml/2006/main" xmlns:r="http://schemas.openxmlformats.org/officeDocument/2006/relationships" xmlns:p="http://schemas.openxmlformats.org/presentationml/2006/main">
   <p:cSld>
     <p:bg>
@@ -19312,7 +19194,7 @@
 </p:sld>
 </file>
 
-<file path=ppt/slides/slide13.xml><?xml version="1.0" encoding="utf-8"?>
+<file path=ppt/slides/slide12.xml><?xml version="1.0" encoding="utf-8"?>
 <p:sld xmlns:a="http://schemas.openxmlformats.org/drawingml/2006/main" xmlns:r="http://schemas.openxmlformats.org/officeDocument/2006/relationships" xmlns:p="http://schemas.openxmlformats.org/presentationml/2006/main">
   <p:cSld>
     <p:bg>
@@ -19393,7 +19275,7 @@
           <a:lstStyle/>
           <a:p>
             <a:pPr algn="ctr"/>
-            <a:endParaRPr lang="en-US"/>
+            <a:endParaRPr lang="en-US" dirty="0"/>
           </a:p>
         </p:txBody>
       </p:sp>
@@ -20209,7 +20091,7 @@
 </p:sld>
 </file>
 
-<file path=ppt/slides/slide14.xml><?xml version="1.0" encoding="utf-8"?>
+<file path=ppt/slides/slide13.xml><?xml version="1.0" encoding="utf-8"?>
 <p:sld xmlns:a="http://schemas.openxmlformats.org/drawingml/2006/main" xmlns:r="http://schemas.openxmlformats.org/officeDocument/2006/relationships" xmlns:p="http://schemas.openxmlformats.org/presentationml/2006/main">
   <p:cSld>
     <p:bg>
@@ -20880,14 +20762,14 @@
           <a:lstStyle/>
           <a:p>
             <a:r>
-              <a:rPr lang="it-IT" sz="6600">
+              <a:rPr lang="it-IT" sz="6600" dirty="0">
                 <a:solidFill>
                   <a:srgbClr val="FFFFFF"/>
                 </a:solidFill>
               </a:rPr>
               <a:t>Grazie per l’attenzione!</a:t>
             </a:r>
-            <a:endParaRPr lang="en-GB" sz="6600">
+            <a:endParaRPr lang="en-GB" sz="6600" dirty="0">
               <a:solidFill>
                 <a:srgbClr val="FFFFFF"/>
               </a:solidFill>
@@ -21488,7 +21370,7 @@
           <a:lstStyle/>
           <a:p>
             <a:pPr algn="ctr"/>
-            <a:endParaRPr lang="en-US"/>
+            <a:endParaRPr lang="en-US" dirty="0"/>
           </a:p>
         </p:txBody>
       </p:sp>
@@ -22045,7 +21927,7 @@
           <a:lstStyle/>
           <a:p>
             <a:pPr algn="ctr"/>
-            <a:endParaRPr lang="en-US"/>
+            <a:endParaRPr lang="en-US" dirty="0"/>
           </a:p>
         </p:txBody>
       </p:sp>
@@ -23245,7 +23127,7 @@
                   <a:srgbClr val="0C01D3"/>
                 </a:solidFill>
               </a:rPr>
-              <a:t>Sistema </a:t>
+              <a:t>Unico </a:t>
             </a:r>
             <a:r>
               <a:rPr lang="en-US" sz="1500" dirty="0" err="1">
@@ -23253,7 +23135,7 @@
                   <a:srgbClr val="0C01D3"/>
                 </a:solidFill>
               </a:rPr>
-              <a:t>esterno</a:t>
+              <a:t>sistema</a:t>
             </a:r>
             <a:r>
               <a:rPr lang="en-US" sz="1500" dirty="0">
@@ -23269,7 +23151,7 @@
                   <a:srgbClr val="0C01D3"/>
                 </a:solidFill>
               </a:rPr>
-              <a:t>unico</a:t>
+              <a:t>esterno</a:t>
             </a:r>
             <a:r>
               <a:rPr lang="en-US" sz="1500" dirty="0">
@@ -24824,527 +24706,6 @@
 <file path=ppt/slides/slide6.xml><?xml version="1.0" encoding="utf-8"?>
 <p:sld xmlns:a="http://schemas.openxmlformats.org/drawingml/2006/main" xmlns:r="http://schemas.openxmlformats.org/officeDocument/2006/relationships" xmlns:p="http://schemas.openxmlformats.org/presentationml/2006/main">
   <p:cSld>
-    <p:spTree>
-      <p:nvGrpSpPr>
-        <p:cNvPr id="1" name=""/>
-        <p:cNvGrpSpPr/>
-        <p:nvPr/>
-      </p:nvGrpSpPr>
-      <p:grpSpPr>
-        <a:xfrm>
-          <a:off x="0" y="0"/>
-          <a:ext cx="0" cy="0"/>
-          <a:chOff x="0" y="0"/>
-          <a:chExt cx="0" cy="0"/>
-        </a:xfrm>
-      </p:grpSpPr>
-      <p:sp useBgFill="1">
-        <p:nvSpPr>
-          <p:cNvPr id="24" name="Rectangle 23">
-            <a:extLst>
-              <a:ext uri="{FF2B5EF4-FFF2-40B4-BE49-F238E27FC236}">
-                <a16:creationId xmlns:a16="http://schemas.microsoft.com/office/drawing/2014/main" id="{665DBBEF-238B-476B-96AB-8AAC3224ECEA}"/>
-              </a:ext>
-              <a:ext uri="{C183D7F6-B498-43B3-948B-1728B52AA6E4}">
-                <adec:decorative xmlns:adec="http://schemas.microsoft.com/office/drawing/2017/decorative" val="1"/>
-              </a:ext>
-            </a:extLst>
-          </p:cNvPr>
-          <p:cNvSpPr>
-            <a:spLocks noGrp="1" noRot="1" noChangeAspect="1" noMove="1" noResize="1" noEditPoints="1" noAdjustHandles="1" noChangeArrowheads="1" noChangeShapeType="1" noTextEdit="1"/>
-          </p:cNvSpPr>
-          <p:nvPr>
-            <p:extLst>
-              <p:ext uri="{386F3935-93C4-4BCD-93E2-E3B085C9AB24}">
-                <p16:designElem xmlns:p16="http://schemas.microsoft.com/office/powerpoint/2015/main" val="1"/>
-              </p:ext>
-            </p:extLst>
-          </p:nvPr>
-        </p:nvSpPr>
-        <p:spPr>
-          <a:xfrm>
-            <a:off x="0" y="0"/>
-            <a:ext cx="12192000" cy="6858000"/>
-          </a:xfrm>
-          <a:prstGeom prst="rect">
-            <a:avLst/>
-          </a:prstGeom>
-          <a:ln>
-            <a:noFill/>
-          </a:ln>
-        </p:spPr>
-        <p:style>
-          <a:lnRef idx="2">
-            <a:schemeClr val="accent1">
-              <a:shade val="50000"/>
-            </a:schemeClr>
-          </a:lnRef>
-          <a:fillRef idx="1">
-            <a:schemeClr val="accent1"/>
-          </a:fillRef>
-          <a:effectRef idx="0">
-            <a:schemeClr val="accent1"/>
-          </a:effectRef>
-          <a:fontRef idx="minor">
-            <a:schemeClr val="lt1"/>
-          </a:fontRef>
-        </p:style>
-        <p:txBody>
-          <a:bodyPr rtlCol="0" anchor="ctr"/>
-          <a:lstStyle/>
-          <a:p>
-            <a:pPr algn="ctr"/>
-            <a:endParaRPr lang="en-US"/>
-          </a:p>
-        </p:txBody>
-      </p:sp>
-      <p:sp>
-        <p:nvSpPr>
-          <p:cNvPr id="2" name="Titolo 1">
-            <a:extLst>
-              <a:ext uri="{FF2B5EF4-FFF2-40B4-BE49-F238E27FC236}">
-                <a16:creationId xmlns:a16="http://schemas.microsoft.com/office/drawing/2014/main" id="{9391A5FC-0166-530F-318B-CE840EA451F2}"/>
-              </a:ext>
-            </a:extLst>
-          </p:cNvPr>
-          <p:cNvSpPr>
-            <a:spLocks noGrp="1"/>
-          </p:cNvSpPr>
-          <p:nvPr>
-            <p:ph type="title"/>
-          </p:nvPr>
-        </p:nvSpPr>
-        <p:spPr>
-          <a:xfrm>
-            <a:off x="637320" y="3429000"/>
-            <a:ext cx="3565164" cy="890321"/>
-          </a:xfrm>
-        </p:spPr>
-        <p:txBody>
-          <a:bodyPr vert="horz" lIns="91440" tIns="45720" rIns="91440" bIns="45720" rtlCol="0" anchor="b">
-            <a:normAutofit fontScale="90000"/>
-          </a:bodyPr>
-          <a:lstStyle/>
-          <a:p>
-            <a:r>
-              <a:rPr lang="en-US" sz="5100" kern="1200" dirty="0">
-                <a:solidFill>
-                  <a:srgbClr val="ED7D31"/>
-                </a:solidFill>
-                <a:latin typeface="+mj-lt"/>
-                <a:ea typeface="+mj-ea"/>
-                <a:cs typeface="+mj-cs"/>
-              </a:rPr>
-              <a:t>Deployment</a:t>
-            </a:r>
-          </a:p>
-        </p:txBody>
-      </p:sp>
-      <p:sp>
-        <p:nvSpPr>
-          <p:cNvPr id="26" name="sketch line">
-            <a:extLst>
-              <a:ext uri="{FF2B5EF4-FFF2-40B4-BE49-F238E27FC236}">
-                <a16:creationId xmlns:a16="http://schemas.microsoft.com/office/drawing/2014/main" id="{3FCFB1DE-0B7E-48CC-BA90-B2AB0889F9D6}"/>
-              </a:ext>
-              <a:ext uri="{C183D7F6-B498-43B3-948B-1728B52AA6E4}">
-                <adec:decorative xmlns:adec="http://schemas.microsoft.com/office/drawing/2017/decorative" val="1"/>
-              </a:ext>
-            </a:extLst>
-          </p:cNvPr>
-          <p:cNvSpPr>
-            <a:spLocks noGrp="1" noRot="1" noChangeAspect="1" noMove="1" noResize="1" noEditPoints="1" noAdjustHandles="1" noChangeArrowheads="1" noChangeShapeType="1" noTextEdit="1"/>
-          </p:cNvSpPr>
-          <p:nvPr>
-            <p:extLst>
-              <p:ext uri="{386F3935-93C4-4BCD-93E2-E3B085C9AB24}">
-                <p16:designElem xmlns:p16="http://schemas.microsoft.com/office/powerpoint/2015/main" val="1"/>
-              </p:ext>
-            </p:extLst>
-          </p:nvPr>
-        </p:nvSpPr>
-        <p:spPr>
-          <a:xfrm>
-            <a:off x="643278" y="4409267"/>
-            <a:ext cx="3255095" cy="18288"/>
-          </a:xfrm>
-          <a:custGeom>
-            <a:avLst/>
-            <a:gdLst>
-              <a:gd name="connsiteX0" fmla="*/ 0 w 3255095"/>
-              <a:gd name="connsiteY0" fmla="*/ 0 h 18288"/>
-              <a:gd name="connsiteX1" fmla="*/ 618468 w 3255095"/>
-              <a:gd name="connsiteY1" fmla="*/ 0 h 18288"/>
-              <a:gd name="connsiteX2" fmla="*/ 1269487 w 3255095"/>
-              <a:gd name="connsiteY2" fmla="*/ 0 h 18288"/>
-              <a:gd name="connsiteX3" fmla="*/ 1953057 w 3255095"/>
-              <a:gd name="connsiteY3" fmla="*/ 0 h 18288"/>
-              <a:gd name="connsiteX4" fmla="*/ 2636627 w 3255095"/>
-              <a:gd name="connsiteY4" fmla="*/ 0 h 18288"/>
-              <a:gd name="connsiteX5" fmla="*/ 3255095 w 3255095"/>
-              <a:gd name="connsiteY5" fmla="*/ 0 h 18288"/>
-              <a:gd name="connsiteX6" fmla="*/ 3255095 w 3255095"/>
-              <a:gd name="connsiteY6" fmla="*/ 18288 h 18288"/>
-              <a:gd name="connsiteX7" fmla="*/ 2538974 w 3255095"/>
-              <a:gd name="connsiteY7" fmla="*/ 18288 h 18288"/>
-              <a:gd name="connsiteX8" fmla="*/ 1822853 w 3255095"/>
-              <a:gd name="connsiteY8" fmla="*/ 18288 h 18288"/>
-              <a:gd name="connsiteX9" fmla="*/ 1171834 w 3255095"/>
-              <a:gd name="connsiteY9" fmla="*/ 18288 h 18288"/>
-              <a:gd name="connsiteX10" fmla="*/ 0 w 3255095"/>
-              <a:gd name="connsiteY10" fmla="*/ 18288 h 18288"/>
-              <a:gd name="connsiteX11" fmla="*/ 0 w 3255095"/>
-              <a:gd name="connsiteY11" fmla="*/ 0 h 18288"/>
-            </a:gdLst>
-            <a:ahLst/>
-            <a:cxnLst>
-              <a:cxn ang="0">
-                <a:pos x="connsiteX0" y="connsiteY0"/>
-              </a:cxn>
-              <a:cxn ang="0">
-                <a:pos x="connsiteX1" y="connsiteY1"/>
-              </a:cxn>
-              <a:cxn ang="0">
-                <a:pos x="connsiteX2" y="connsiteY2"/>
-              </a:cxn>
-              <a:cxn ang="0">
-                <a:pos x="connsiteX3" y="connsiteY3"/>
-              </a:cxn>
-              <a:cxn ang="0">
-                <a:pos x="connsiteX4" y="connsiteY4"/>
-              </a:cxn>
-              <a:cxn ang="0">
-                <a:pos x="connsiteX5" y="connsiteY5"/>
-              </a:cxn>
-              <a:cxn ang="0">
-                <a:pos x="connsiteX6" y="connsiteY6"/>
-              </a:cxn>
-              <a:cxn ang="0">
-                <a:pos x="connsiteX7" y="connsiteY7"/>
-              </a:cxn>
-              <a:cxn ang="0">
-                <a:pos x="connsiteX8" y="connsiteY8"/>
-              </a:cxn>
-              <a:cxn ang="0">
-                <a:pos x="connsiteX9" y="connsiteY9"/>
-              </a:cxn>
-              <a:cxn ang="0">
-                <a:pos x="connsiteX10" y="connsiteY10"/>
-              </a:cxn>
-              <a:cxn ang="0">
-                <a:pos x="connsiteX11" y="connsiteY11"/>
-              </a:cxn>
-            </a:cxnLst>
-            <a:rect l="l" t="t" r="r" b="b"/>
-            <a:pathLst>
-              <a:path w="3255095" h="18288" fill="none" extrusionOk="0">
-                <a:moveTo>
-                  <a:pt x="0" y="0"/>
-                </a:moveTo>
-                <a:cubicBezTo>
-                  <a:pt x="240201" y="-22123"/>
-                  <a:pt x="462021" y="-19623"/>
-                  <a:pt x="618468" y="0"/>
-                </a:cubicBezTo>
-                <a:cubicBezTo>
-                  <a:pt x="774915" y="19623"/>
-                  <a:pt x="974734" y="2035"/>
-                  <a:pt x="1269487" y="0"/>
-                </a:cubicBezTo>
-                <a:cubicBezTo>
-                  <a:pt x="1564240" y="-2035"/>
-                  <a:pt x="1733579" y="10639"/>
-                  <a:pt x="1953057" y="0"/>
-                </a:cubicBezTo>
-                <a:cubicBezTo>
-                  <a:pt x="2172535" y="-10639"/>
-                  <a:pt x="2453962" y="14018"/>
-                  <a:pt x="2636627" y="0"/>
-                </a:cubicBezTo>
-                <a:cubicBezTo>
-                  <a:pt x="2819292" y="-14018"/>
-                  <a:pt x="3121375" y="5399"/>
-                  <a:pt x="3255095" y="0"/>
-                </a:cubicBezTo>
-                <a:cubicBezTo>
-                  <a:pt x="3254386" y="8157"/>
-                  <a:pt x="3254682" y="12125"/>
-                  <a:pt x="3255095" y="18288"/>
-                </a:cubicBezTo>
-                <a:cubicBezTo>
-                  <a:pt x="3088545" y="23203"/>
-                  <a:pt x="2687475" y="7419"/>
-                  <a:pt x="2538974" y="18288"/>
-                </a:cubicBezTo>
-                <a:cubicBezTo>
-                  <a:pt x="2390473" y="29157"/>
-                  <a:pt x="2137381" y="-8959"/>
-                  <a:pt x="1822853" y="18288"/>
-                </a:cubicBezTo>
-                <a:cubicBezTo>
-                  <a:pt x="1508325" y="45535"/>
-                  <a:pt x="1466437" y="20385"/>
-                  <a:pt x="1171834" y="18288"/>
-                </a:cubicBezTo>
-                <a:cubicBezTo>
-                  <a:pt x="877231" y="16191"/>
-                  <a:pt x="561097" y="37643"/>
-                  <a:pt x="0" y="18288"/>
-                </a:cubicBezTo>
-                <a:cubicBezTo>
-                  <a:pt x="-46" y="12483"/>
-                  <a:pt x="-203" y="6491"/>
-                  <a:pt x="0" y="0"/>
-                </a:cubicBezTo>
-                <a:close/>
-              </a:path>
-              <a:path w="3255095" h="18288" stroke="0" extrusionOk="0">
-                <a:moveTo>
-                  <a:pt x="0" y="0"/>
-                </a:moveTo>
-                <a:cubicBezTo>
-                  <a:pt x="291965" y="19429"/>
-                  <a:pt x="363155" y="8568"/>
-                  <a:pt x="618468" y="0"/>
-                </a:cubicBezTo>
-                <a:cubicBezTo>
-                  <a:pt x="873781" y="-8568"/>
-                  <a:pt x="904459" y="-19505"/>
-                  <a:pt x="1171834" y="0"/>
-                </a:cubicBezTo>
-                <a:cubicBezTo>
-                  <a:pt x="1439209" y="19505"/>
-                  <a:pt x="1744369" y="9790"/>
-                  <a:pt x="1887955" y="0"/>
-                </a:cubicBezTo>
-                <a:cubicBezTo>
-                  <a:pt x="2031541" y="-9790"/>
-                  <a:pt x="2346378" y="21240"/>
-                  <a:pt x="2506423" y="0"/>
-                </a:cubicBezTo>
-                <a:cubicBezTo>
-                  <a:pt x="2666468" y="-21240"/>
-                  <a:pt x="2990257" y="30414"/>
-                  <a:pt x="3255095" y="0"/>
-                </a:cubicBezTo>
-                <a:cubicBezTo>
-                  <a:pt x="3254831" y="4493"/>
-                  <a:pt x="3255479" y="9472"/>
-                  <a:pt x="3255095" y="18288"/>
-                </a:cubicBezTo>
-                <a:cubicBezTo>
-                  <a:pt x="3120743" y="16690"/>
-                  <a:pt x="2759628" y="42462"/>
-                  <a:pt x="2604076" y="18288"/>
-                </a:cubicBezTo>
-                <a:cubicBezTo>
-                  <a:pt x="2448524" y="-5886"/>
-                  <a:pt x="2184336" y="19599"/>
-                  <a:pt x="1887955" y="18288"/>
-                </a:cubicBezTo>
-                <a:cubicBezTo>
-                  <a:pt x="1591574" y="16977"/>
-                  <a:pt x="1548845" y="6870"/>
-                  <a:pt x="1334589" y="18288"/>
-                </a:cubicBezTo>
-                <a:cubicBezTo>
-                  <a:pt x="1120333" y="29706"/>
-                  <a:pt x="996014" y="9662"/>
-                  <a:pt x="683570" y="18288"/>
-                </a:cubicBezTo>
-                <a:cubicBezTo>
-                  <a:pt x="371126" y="26914"/>
-                  <a:pt x="198687" y="16167"/>
-                  <a:pt x="0" y="18288"/>
-                </a:cubicBezTo>
-                <a:cubicBezTo>
-                  <a:pt x="843" y="9577"/>
-                  <a:pt x="371" y="6900"/>
-                  <a:pt x="0" y="0"/>
-                </a:cubicBezTo>
-                <a:close/>
-              </a:path>
-            </a:pathLst>
-          </a:custGeom>
-          <a:solidFill>
-            <a:schemeClr val="accent2"/>
-          </a:solidFill>
-          <a:ln w="38100" cap="rnd">
-            <a:solidFill>
-              <a:schemeClr val="accent2"/>
-            </a:solidFill>
-            <a:round/>
-            <a:extLst>
-              <a:ext uri="{C807C97D-BFC1-408E-A445-0C87EB9F89A2}">
-                <ask:lineSketchStyleProps xmlns:ask="http://schemas.microsoft.com/office/drawing/2018/sketchyshapes" sd="1219033472">
-                  <a:prstGeom prst="rect">
-                    <a:avLst/>
-                  </a:prstGeom>
-                  <ask:type>
-                    <ask:lineSketchFreehand/>
-                  </ask:type>
-                </ask:lineSketchStyleProps>
-              </a:ext>
-            </a:extLst>
-          </a:ln>
-        </p:spPr>
-        <p:style>
-          <a:lnRef idx="2">
-            <a:schemeClr val="accent1">
-              <a:shade val="50000"/>
-            </a:schemeClr>
-          </a:lnRef>
-          <a:fillRef idx="1">
-            <a:schemeClr val="accent1"/>
-          </a:fillRef>
-          <a:effectRef idx="0">
-            <a:schemeClr val="accent1"/>
-          </a:effectRef>
-          <a:fontRef idx="minor">
-            <a:schemeClr val="lt1"/>
-          </a:fontRef>
-        </p:style>
-        <p:txBody>
-          <a:bodyPr rtlCol="0" anchor="ctr"/>
-          <a:lstStyle/>
-          <a:p>
-            <a:pPr algn="ctr"/>
-            <a:endParaRPr lang="en-US"/>
-          </a:p>
-        </p:txBody>
-      </p:sp>
-      <p:pic>
-        <p:nvPicPr>
-          <p:cNvPr id="5" name="Immagine 4">
-            <a:extLst>
-              <a:ext uri="{FF2B5EF4-FFF2-40B4-BE49-F238E27FC236}">
-                <a16:creationId xmlns:a16="http://schemas.microsoft.com/office/drawing/2014/main" id="{2DE0C1AF-A4A2-59A5-72AA-E4F852A3E5FA}"/>
-              </a:ext>
-            </a:extLst>
-          </p:cNvPr>
-          <p:cNvPicPr>
-            <a:picLocks noChangeAspect="1"/>
-          </p:cNvPicPr>
-          <p:nvPr/>
-        </p:nvPicPr>
-        <p:blipFill>
-          <a:blip r:embed="rId2"/>
-          <a:stretch>
-            <a:fillRect/>
-          </a:stretch>
-        </p:blipFill>
-        <p:spPr>
-          <a:xfrm>
-            <a:off x="4845762" y="1027621"/>
-            <a:ext cx="6702960" cy="5747788"/>
-          </a:xfrm>
-          <a:prstGeom prst="rect">
-            <a:avLst/>
-          </a:prstGeom>
-        </p:spPr>
-      </p:pic>
-      <p:pic>
-        <p:nvPicPr>
-          <p:cNvPr id="9" name="Immagine 8" descr="Immagine che contiene testo, segnale&#10;&#10;Descrizione generata automaticamente">
-            <a:extLst>
-              <a:ext uri="{FF2B5EF4-FFF2-40B4-BE49-F238E27FC236}">
-                <a16:creationId xmlns:a16="http://schemas.microsoft.com/office/drawing/2014/main" id="{5CD39E1B-5BDD-33C8-A872-D3CFD0158492}"/>
-              </a:ext>
-            </a:extLst>
-          </p:cNvPr>
-          <p:cNvPicPr>
-            <a:picLocks noChangeAspect="1"/>
-          </p:cNvPicPr>
-          <p:nvPr/>
-        </p:nvPicPr>
-        <p:blipFill>
-          <a:blip r:embed="rId3">
-            <a:extLst>
-              <a:ext uri="{28A0092B-C50C-407E-A947-70E740481C1C}">
-                <a14:useLocalDpi xmlns:a14="http://schemas.microsoft.com/office/drawing/2010/main" val="0"/>
-              </a:ext>
-            </a:extLst>
-          </a:blip>
-          <a:stretch>
-            <a:fillRect/>
-          </a:stretch>
-        </p:blipFill>
-        <p:spPr>
-          <a:xfrm>
-            <a:off x="302427" y="209010"/>
-            <a:ext cx="609600" cy="609600"/>
-          </a:xfrm>
-          <a:prstGeom prst="rect">
-            <a:avLst/>
-          </a:prstGeom>
-          <a:effectLst>
-            <a:outerShdw blurRad="50800" dist="25400" dir="5400000" algn="t" rotWithShape="0">
-              <a:prstClr val="black">
-                <a:alpha val="40000"/>
-              </a:prstClr>
-            </a:outerShdw>
-          </a:effectLst>
-        </p:spPr>
-      </p:pic>
-      <p:pic>
-        <p:nvPicPr>
-          <p:cNvPr id="10" name="Immagine 9">
-            <a:extLst>
-              <a:ext uri="{FF2B5EF4-FFF2-40B4-BE49-F238E27FC236}">
-                <a16:creationId xmlns:a16="http://schemas.microsoft.com/office/drawing/2014/main" id="{E50D7F05-90BC-1861-E26E-9BF4FFDB0BC5}"/>
-              </a:ext>
-            </a:extLst>
-          </p:cNvPr>
-          <p:cNvPicPr>
-            <a:picLocks noChangeAspect="1"/>
-          </p:cNvPicPr>
-          <p:nvPr/>
-        </p:nvPicPr>
-        <p:blipFill>
-          <a:blip r:embed="rId4">
-            <a:extLst>
-              <a:ext uri="{28A0092B-C50C-407E-A947-70E740481C1C}">
-                <a14:useLocalDpi xmlns:a14="http://schemas.microsoft.com/office/drawing/2010/main" val="0"/>
-              </a:ext>
-            </a:extLst>
-          </a:blip>
-          <a:stretch>
-            <a:fillRect/>
-          </a:stretch>
-        </p:blipFill>
-        <p:spPr>
-          <a:xfrm>
-            <a:off x="11212066" y="271844"/>
-            <a:ext cx="677507" cy="483933"/>
-          </a:xfrm>
-          <a:prstGeom prst="rect">
-            <a:avLst/>
-          </a:prstGeom>
-          <a:effectLst>
-            <a:outerShdw blurRad="50800" dist="25400" dir="2700000" algn="tl" rotWithShape="0">
-              <a:srgbClr val="0C09D5">
-                <a:alpha val="40000"/>
-              </a:srgbClr>
-            </a:outerShdw>
-          </a:effectLst>
-        </p:spPr>
-      </p:pic>
-    </p:spTree>
-    <p:extLst>
-      <p:ext uri="{BB962C8B-B14F-4D97-AF65-F5344CB8AC3E}">
-        <p14:creationId xmlns:p14="http://schemas.microsoft.com/office/powerpoint/2010/main" val="1525097743"/>
-      </p:ext>
-    </p:extLst>
-  </p:cSld>
-  <p:clrMapOvr>
-    <a:masterClrMapping/>
-  </p:clrMapOvr>
-</p:sld>
-</file>
-
-<file path=ppt/slides/slide7.xml><?xml version="1.0" encoding="utf-8"?>
-<p:sld xmlns:a="http://schemas.openxmlformats.org/drawingml/2006/main" xmlns:r="http://schemas.openxmlformats.org/officeDocument/2006/relationships" xmlns:p="http://schemas.openxmlformats.org/presentationml/2006/main">
-  <p:cSld>
     <p:bg>
       <p:bgPr>
         <a:solidFill>
@@ -25601,7 +24962,7 @@
             <p:ph idx="1"/>
             <p:extLst>
               <p:ext uri="{D42A27DB-BD31-4B8C-83A1-F6EECF244321}">
-                <p14:modId xmlns:p14="http://schemas.microsoft.com/office/powerpoint/2010/main" val="1262125870"/>
+                <p14:modId xmlns:p14="http://schemas.microsoft.com/office/powerpoint/2010/main" val="3306056629"/>
               </p:ext>
             </p:extLst>
           </p:nvPr>
@@ -25672,7 +25033,7 @@
 </p:sld>
 </file>
 
-<file path=ppt/slides/slide8.xml><?xml version="1.0" encoding="utf-8"?>
+<file path=ppt/slides/slide7.xml><?xml version="1.0" encoding="utf-8"?>
 <p:sld xmlns:a="http://schemas.openxmlformats.org/drawingml/2006/main" xmlns:r="http://schemas.openxmlformats.org/officeDocument/2006/relationships" xmlns:p="http://schemas.openxmlformats.org/presentationml/2006/main">
   <p:cSld>
     <p:bg>
@@ -26800,7 +26161,7 @@
 </p:sld>
 </file>
 
-<file path=ppt/slides/slide9.xml><?xml version="1.0" encoding="utf-8"?>
+<file path=ppt/slides/slide8.xml><?xml version="1.0" encoding="utf-8"?>
 <p:sld xmlns:a="http://schemas.openxmlformats.org/drawingml/2006/main" xmlns:r="http://schemas.openxmlformats.org/officeDocument/2006/relationships" xmlns:p="http://schemas.openxmlformats.org/presentationml/2006/main">
   <p:cSld>
     <p:bg>
@@ -27664,6 +27025,239 @@
     <p:extLst>
       <p:ext uri="{BB962C8B-B14F-4D97-AF65-F5344CB8AC3E}">
         <p14:creationId xmlns:p14="http://schemas.microsoft.com/office/powerpoint/2010/main" val="3696296283"/>
+      </p:ext>
+    </p:extLst>
+  </p:cSld>
+  <p:clrMapOvr>
+    <a:masterClrMapping/>
+  </p:clrMapOvr>
+</p:sld>
+</file>
+
+<file path=ppt/slides/slide9.xml><?xml version="1.0" encoding="utf-8"?>
+<p:sld xmlns:a="http://schemas.openxmlformats.org/drawingml/2006/main" xmlns:r="http://schemas.openxmlformats.org/officeDocument/2006/relationships" xmlns:p="http://schemas.openxmlformats.org/presentationml/2006/main">
+  <p:cSld>
+    <p:bg>
+      <p:bgPr>
+        <a:solidFill>
+          <a:schemeClr val="bg1"/>
+        </a:solidFill>
+        <a:effectLst/>
+      </p:bgPr>
+    </p:bg>
+    <p:spTree>
+      <p:nvGrpSpPr>
+        <p:cNvPr id="1" name=""/>
+        <p:cNvGrpSpPr/>
+        <p:nvPr/>
+      </p:nvGrpSpPr>
+      <p:grpSpPr>
+        <a:xfrm>
+          <a:off x="0" y="0"/>
+          <a:ext cx="0" cy="0"/>
+          <a:chOff x="0" y="0"/>
+          <a:chExt cx="0" cy="0"/>
+        </a:xfrm>
+      </p:grpSpPr>
+      <p:graphicFrame>
+        <p:nvGraphicFramePr>
+          <p:cNvPr id="6" name="Object 5">
+            <a:extLst>
+              <a:ext uri="{FF2B5EF4-FFF2-40B4-BE49-F238E27FC236}">
+                <a16:creationId xmlns:a16="http://schemas.microsoft.com/office/drawing/2014/main" id="{8AB95321-8223-4DA9-ACA1-D6E7D0DDE83E}"/>
+              </a:ext>
+            </a:extLst>
+          </p:cNvPr>
+          <p:cNvGraphicFramePr>
+            <a:graphicFrameLocks noChangeAspect="1"/>
+          </p:cNvGraphicFramePr>
+          <p:nvPr>
+            <p:extLst>
+              <p:ext uri="{D42A27DB-BD31-4B8C-83A1-F6EECF244321}">
+                <p14:modId xmlns:p14="http://schemas.microsoft.com/office/powerpoint/2010/main" val="187240214"/>
+              </p:ext>
+            </p:extLst>
+          </p:nvPr>
+        </p:nvGraphicFramePr>
+        <p:xfrm>
+          <a:off x="0" y="0"/>
+          <a:ext cx="12204504" cy="4290646"/>
+        </p:xfrm>
+        <a:graphic>
+          <a:graphicData uri="http://schemas.openxmlformats.org/presentationml/2006/ole">
+            <mc:AlternateContent xmlns:mc="http://schemas.openxmlformats.org/markup-compatibility/2006">
+              <mc:Choice xmlns:v="urn:schemas-microsoft-com:vml" Requires="v">
+                <p:oleObj r:id="rId2" imgW="24380640" imgH="8558640" progId="">
+                  <p:embed/>
+                </p:oleObj>
+              </mc:Choice>
+              <mc:Fallback>
+                <p:oleObj r:id="rId2" imgW="24380640" imgH="8558640" progId="">
+                  <p:embed/>
+                  <p:pic>
+                    <p:nvPicPr>
+                      <p:cNvPr id="0" name=""/>
+                      <p:cNvPicPr/>
+                      <p:nvPr/>
+                    </p:nvPicPr>
+                    <p:blipFill>
+                      <a:blip r:embed="rId3"/>
+                      <a:stretch>
+                        <a:fillRect/>
+                      </a:stretch>
+                    </p:blipFill>
+                    <p:spPr>
+                      <a:xfrm>
+                        <a:off x="0" y="0"/>
+                        <a:ext cx="12204504" cy="4290646"/>
+                      </a:xfrm>
+                      <a:prstGeom prst="rect">
+                        <a:avLst/>
+                      </a:prstGeom>
+                    </p:spPr>
+                  </p:pic>
+                </p:oleObj>
+              </mc:Fallback>
+            </mc:AlternateContent>
+          </a:graphicData>
+        </a:graphic>
+      </p:graphicFrame>
+      <p:sp>
+        <p:nvSpPr>
+          <p:cNvPr id="2" name="Titolo 1">
+            <a:extLst>
+              <a:ext uri="{FF2B5EF4-FFF2-40B4-BE49-F238E27FC236}">
+                <a16:creationId xmlns:a16="http://schemas.microsoft.com/office/drawing/2014/main" id="{6B8A2198-CDA4-5830-5E6F-7A30E089704F}"/>
+              </a:ext>
+            </a:extLst>
+          </p:cNvPr>
+          <p:cNvSpPr>
+            <a:spLocks noGrp="1"/>
+          </p:cNvSpPr>
+          <p:nvPr>
+            <p:ph type="title"/>
+          </p:nvPr>
+        </p:nvSpPr>
+        <p:spPr>
+          <a:xfrm>
+            <a:off x="293826" y="3856528"/>
+            <a:ext cx="11604347" cy="2452687"/>
+          </a:xfrm>
+          <a:effectLst/>
+        </p:spPr>
+        <p:txBody>
+          <a:bodyPr anchor="ctr">
+            <a:normAutofit/>
+          </a:bodyPr>
+          <a:lstStyle/>
+          <a:p>
+            <a:pPr algn="ctr"/>
+            <a:r>
+              <a:rPr lang="it-IT" sz="3600">
+                <a:solidFill>
+                  <a:srgbClr val="ED7D31"/>
+                </a:solidFill>
+              </a:rPr>
+              <a:t>Dal login…</a:t>
+            </a:r>
+            <a:endParaRPr lang="en-GB" sz="3600" dirty="0">
+              <a:solidFill>
+                <a:srgbClr val="ED7D31"/>
+              </a:solidFill>
+            </a:endParaRPr>
+          </a:p>
+        </p:txBody>
+      </p:sp>
+      <p:pic>
+        <p:nvPicPr>
+          <p:cNvPr id="7" name="Immagine 6" descr="Immagine che contiene testo, segnale&#10;&#10;Descrizione generata automaticamente">
+            <a:extLst>
+              <a:ext uri="{FF2B5EF4-FFF2-40B4-BE49-F238E27FC236}">
+                <a16:creationId xmlns:a16="http://schemas.microsoft.com/office/drawing/2014/main" id="{D5A8A456-0E1E-2252-783A-6ECE4B6D0849}"/>
+              </a:ext>
+            </a:extLst>
+          </p:cNvPr>
+          <p:cNvPicPr>
+            <a:picLocks noChangeAspect="1"/>
+          </p:cNvPicPr>
+          <p:nvPr/>
+        </p:nvPicPr>
+        <p:blipFill>
+          <a:blip r:embed="rId4">
+            <a:extLst>
+              <a:ext uri="{28A0092B-C50C-407E-A947-70E740481C1C}">
+                <a14:useLocalDpi xmlns:a14="http://schemas.microsoft.com/office/drawing/2010/main" val="0"/>
+              </a:ext>
+            </a:extLst>
+          </a:blip>
+          <a:stretch>
+            <a:fillRect/>
+          </a:stretch>
+        </p:blipFill>
+        <p:spPr>
+          <a:xfrm>
+            <a:off x="302427" y="271844"/>
+            <a:ext cx="609600" cy="609600"/>
+          </a:xfrm>
+          <a:prstGeom prst="rect">
+            <a:avLst/>
+          </a:prstGeom>
+          <a:effectLst>
+            <a:outerShdw blurRad="50800" dist="25400" dir="5400000" algn="t" rotWithShape="0">
+              <a:prstClr val="black">
+                <a:alpha val="40000"/>
+              </a:prstClr>
+            </a:outerShdw>
+          </a:effectLst>
+        </p:spPr>
+      </p:pic>
+      <p:pic>
+        <p:nvPicPr>
+          <p:cNvPr id="8" name="Immagine 7">
+            <a:extLst>
+              <a:ext uri="{FF2B5EF4-FFF2-40B4-BE49-F238E27FC236}">
+                <a16:creationId xmlns:a16="http://schemas.microsoft.com/office/drawing/2014/main" id="{9CA67D3A-31A5-A50A-E577-65322E3C2AE0}"/>
+              </a:ext>
+            </a:extLst>
+          </p:cNvPr>
+          <p:cNvPicPr>
+            <a:picLocks noChangeAspect="1"/>
+          </p:cNvPicPr>
+          <p:nvPr/>
+        </p:nvPicPr>
+        <p:blipFill>
+          <a:blip r:embed="rId5">
+            <a:extLst>
+              <a:ext uri="{28A0092B-C50C-407E-A947-70E740481C1C}">
+                <a14:useLocalDpi xmlns:a14="http://schemas.microsoft.com/office/drawing/2010/main" val="0"/>
+              </a:ext>
+            </a:extLst>
+          </a:blip>
+          <a:stretch>
+            <a:fillRect/>
+          </a:stretch>
+        </p:blipFill>
+        <p:spPr>
+          <a:xfrm>
+            <a:off x="11212066" y="271844"/>
+            <a:ext cx="677507" cy="483933"/>
+          </a:xfrm>
+          <a:prstGeom prst="rect">
+            <a:avLst/>
+          </a:prstGeom>
+          <a:effectLst>
+            <a:outerShdw blurRad="50800" dist="25400" dir="2700000" algn="tl" rotWithShape="0">
+              <a:srgbClr val="0C09D5">
+                <a:alpha val="40000"/>
+              </a:srgbClr>
+            </a:outerShdw>
+          </a:effectLst>
+        </p:spPr>
+      </p:pic>
+    </p:spTree>
+    <p:extLst>
+      <p:ext uri="{BB962C8B-B14F-4D97-AF65-F5344CB8AC3E}">
+        <p14:creationId xmlns:p14="http://schemas.microsoft.com/office/powerpoint/2010/main" val="3459565490"/>
       </p:ext>
     </p:extLst>
   </p:cSld>

--- a/ioVoto.pptx
+++ b/ioVoto.pptx
@@ -12731,7 +12731,7 @@
           <a:p>
             <a:fld id="{8EA3D852-2BD8-4CE0-B20F-1F413457DCE4}" type="slidenum">
               <a:rPr lang="en-GB" smtClean="0"/>
-              <a:t>‹#›</a:t>
+              <a:t>‹N›</a:t>
             </a:fld>
             <a:endParaRPr lang="en-GB"/>
           </a:p>
@@ -12989,7 +12989,7 @@
           <a:p>
             <a:fld id="{13EB0E5C-6F6E-4941-87A0-5ADF3FA99696}" type="slidenum">
               <a:rPr lang="en-GB" smtClean="0"/>
-              <a:t>‹#›</a:t>
+              <a:t>‹N›</a:t>
             </a:fld>
             <a:endParaRPr lang="en-GB"/>
           </a:p>
@@ -13307,7 +13307,7 @@
           <a:p>
             <a:fld id="{6C095671-93DB-42CC-8F15-7BE30C083ECB}" type="slidenum">
               <a:rPr lang="en-GB" smtClean="0"/>
-              <a:t>‹#›</a:t>
+              <a:t>‹N›</a:t>
             </a:fld>
             <a:endParaRPr lang="en-GB"/>
           </a:p>
@@ -13523,7 +13523,7 @@
           <a:p>
             <a:fld id="{6C095671-93DB-42CC-8F15-7BE30C083ECB}" type="slidenum">
               <a:rPr lang="en-GB" smtClean="0"/>
-              <a:t>‹#›</a:t>
+              <a:t>‹N›</a:t>
             </a:fld>
             <a:endParaRPr lang="en-GB"/>
           </a:p>
@@ -13739,7 +13739,7 @@
           <a:p>
             <a:fld id="{6C095671-93DB-42CC-8F15-7BE30C083ECB}" type="slidenum">
               <a:rPr lang="en-GB" smtClean="0"/>
-              <a:t>‹#›</a:t>
+              <a:t>‹N›</a:t>
             </a:fld>
             <a:endParaRPr lang="en-GB"/>
           </a:p>
@@ -13955,7 +13955,7 @@
           <a:p>
             <a:fld id="{6C095671-93DB-42CC-8F15-7BE30C083ECB}" type="slidenum">
               <a:rPr lang="en-GB" smtClean="0"/>
-              <a:t>‹#›</a:t>
+              <a:t>‹N›</a:t>
             </a:fld>
             <a:endParaRPr lang="en-GB"/>
           </a:p>
@@ -14237,7 +14237,7 @@
           <a:p>
             <a:fld id="{6C095671-93DB-42CC-8F15-7BE30C083ECB}" type="slidenum">
               <a:rPr lang="en-GB" smtClean="0"/>
-              <a:t>‹#›</a:t>
+              <a:t>‹N›</a:t>
             </a:fld>
             <a:endParaRPr lang="en-GB"/>
           </a:p>
@@ -14519,7 +14519,7 @@
           <a:p>
             <a:fld id="{6C095671-93DB-42CC-8F15-7BE30C083ECB}" type="slidenum">
               <a:rPr lang="en-GB" smtClean="0"/>
-              <a:t>‹#›</a:t>
+              <a:t>‹N›</a:t>
             </a:fld>
             <a:endParaRPr lang="en-GB"/>
           </a:p>
@@ -14949,7 +14949,7 @@
           <a:p>
             <a:fld id="{6C095671-93DB-42CC-8F15-7BE30C083ECB}" type="slidenum">
               <a:rPr lang="en-GB" smtClean="0"/>
-              <a:t>‹#›</a:t>
+              <a:t>‹N›</a:t>
             </a:fld>
             <a:endParaRPr lang="en-GB"/>
           </a:p>
@@ -15099,7 +15099,7 @@
           <a:p>
             <a:fld id="{6C095671-93DB-42CC-8F15-7BE30C083ECB}" type="slidenum">
               <a:rPr lang="en-GB" smtClean="0"/>
-              <a:t>‹#›</a:t>
+              <a:t>‹N›</a:t>
             </a:fld>
             <a:endParaRPr lang="en-GB"/>
           </a:p>
@@ -15212,7 +15212,7 @@
           <a:p>
             <a:fld id="{6C095671-93DB-42CC-8F15-7BE30C083ECB}" type="slidenum">
               <a:rPr lang="en-GB" smtClean="0"/>
-              <a:t>‹#›</a:t>
+              <a:t>‹N›</a:t>
             </a:fld>
             <a:endParaRPr lang="en-GB"/>
           </a:p>
@@ -15534,7 +15534,7 @@
           <a:p>
             <a:fld id="{6C095671-93DB-42CC-8F15-7BE30C083ECB}" type="slidenum">
               <a:rPr lang="en-GB" smtClean="0"/>
-              <a:t>‹#›</a:t>
+              <a:t>‹N›</a:t>
             </a:fld>
             <a:endParaRPr lang="en-GB"/>
           </a:p>
@@ -15832,7 +15832,7 @@
           <a:p>
             <a:fld id="{6C095671-93DB-42CC-8F15-7BE30C083ECB}" type="slidenum">
               <a:rPr lang="en-GB" smtClean="0"/>
-              <a:t>‹#›</a:t>
+              <a:t>‹N›</a:t>
             </a:fld>
             <a:endParaRPr lang="en-GB"/>
           </a:p>
@@ -16007,7 +16007,7 @@
           <a:p>
             <a:fld id="{6C095671-93DB-42CC-8F15-7BE30C083ECB}" type="slidenum">
               <a:rPr lang="en-GB" smtClean="0"/>
-              <a:t>‹#›</a:t>
+              <a:t>‹N›</a:t>
             </a:fld>
             <a:endParaRPr lang="en-GB"/>
           </a:p>
@@ -17873,7 +17873,7 @@
         </p:blipFill>
         <p:spPr>
           <a:xfrm>
-            <a:off x="641181" y="3858368"/>
+            <a:off x="1082065" y="4082553"/>
             <a:ext cx="4890145" cy="2485823"/>
           </a:xfrm>
           <a:prstGeom prst="rect">
@@ -17957,7 +17957,7 @@
         </p:blipFill>
         <p:spPr>
           <a:xfrm>
-            <a:off x="6660677" y="3778325"/>
+            <a:off x="6744567" y="3725927"/>
             <a:ext cx="4890142" cy="2483275"/>
           </a:xfrm>
           <a:prstGeom prst="rect">
@@ -20795,7 +20795,7 @@
         </p:nvSpPr>
         <p:spPr>
           <a:xfrm>
-            <a:off x="1524000" y="3695230"/>
+            <a:off x="1522475" y="3877984"/>
             <a:ext cx="9144000" cy="1626541"/>
           </a:xfrm>
         </p:spPr>
